--- a/documentazione/presentazione.pptx
+++ b/documentazione/presentazione.pptx
@@ -21,7 +21,7 @@
     <p:sldId id="276" r:id="rId12"/>
     <p:sldId id="277" r:id="rId13"/>
     <p:sldId id="278" r:id="rId14"/>
-    <p:sldId id="279" r:id="rId15"/>
+    <p:sldId id="280" r:id="rId15"/>
   </p:sldIdLst>
   <p:sldSz cx="12188825" cy="6858000"/>
   <p:notesSz cx="6858000" cy="9144000"/>
@@ -644,7 +644,6 @@
           </c:extLst>
         </c:ser>
         <c:dLbls>
-          <c:dLblPos val="t"/>
           <c:showLegendKey val="0"/>
           <c:showVal val="0"/>
           <c:showCatName val="0"/>
@@ -2490,6 +2489,661 @@
 </c:chartSpace>
 </file>
 
+<file path=ppt/charts/chart4.xml><?xml version="1.0" encoding="utf-8"?>
+<c:chartSpace xmlns:c="http://schemas.openxmlformats.org/drawingml/2006/chart" xmlns:a="http://schemas.openxmlformats.org/drawingml/2006/main" xmlns:r="http://schemas.openxmlformats.org/officeDocument/2006/relationships" xmlns:c16r2="http://schemas.microsoft.com/office/drawing/2015/06/chart">
+  <c:date1904 val="0"/>
+  <c:lang val="en-US"/>
+  <c:roundedCorners val="0"/>
+  <mc:AlternateContent xmlns:mc="http://schemas.openxmlformats.org/markup-compatibility/2006">
+    <mc:Choice xmlns:c14="http://schemas.microsoft.com/office/drawing/2007/8/2/chart" Requires="c14">
+      <c14:style val="102"/>
+    </mc:Choice>
+    <mc:Fallback>
+      <c:style val="2"/>
+    </mc:Fallback>
+  </mc:AlternateContent>
+  <c:chart>
+    <c:title>
+      <c:tx>
+        <c:rich>
+          <a:bodyPr rot="0" spcFirstLastPara="1" vertOverflow="ellipsis" vert="horz" wrap="square" anchor="ctr" anchorCtr="1"/>
+          <a:lstStyle/>
+          <a:p>
+            <a:pPr>
+              <a:defRPr sz="1920" b="0" i="0" u="none" strike="noStrike" kern="1200" spc="0" baseline="0">
+                <a:solidFill>
+                  <a:schemeClr val="tx1">
+                    <a:lumMod val="65000"/>
+                    <a:lumOff val="35000"/>
+                  </a:schemeClr>
+                </a:solidFill>
+                <a:latin typeface="+mn-lt"/>
+                <a:ea typeface="+mn-ea"/>
+                <a:cs typeface="+mn-cs"/>
+              </a:defRPr>
+            </a:pPr>
+            <a:r>
+              <a:rPr lang="it-IT"/>
+              <a:t>CPU Time  / Elapsed Time (7 threads)</a:t>
+            </a:r>
+          </a:p>
+        </c:rich>
+      </c:tx>
+      <c:overlay val="0"/>
+      <c:spPr>
+        <a:noFill/>
+        <a:ln>
+          <a:noFill/>
+        </a:ln>
+        <a:effectLst/>
+      </c:spPr>
+      <c:txPr>
+        <a:bodyPr rot="0" spcFirstLastPara="1" vertOverflow="ellipsis" vert="horz" wrap="square" anchor="ctr" anchorCtr="1"/>
+        <a:lstStyle/>
+        <a:p>
+          <a:pPr>
+            <a:defRPr sz="1920" b="0" i="0" u="none" strike="noStrike" kern="1200" spc="0" baseline="0">
+              <a:solidFill>
+                <a:schemeClr val="tx1">
+                  <a:lumMod val="65000"/>
+                  <a:lumOff val="35000"/>
+                </a:schemeClr>
+              </a:solidFill>
+              <a:latin typeface="+mn-lt"/>
+              <a:ea typeface="+mn-ea"/>
+              <a:cs typeface="+mn-cs"/>
+            </a:defRPr>
+          </a:pPr>
+          <a:endParaRPr lang="it-IT"/>
+        </a:p>
+      </c:txPr>
+    </c:title>
+    <c:autoTitleDeleted val="0"/>
+    <c:plotArea>
+      <c:layout/>
+      <c:barChart>
+        <c:barDir val="col"/>
+        <c:grouping val="percentStacked"/>
+        <c:varyColors val="0"/>
+        <c:ser>
+          <c:idx val="0"/>
+          <c:order val="0"/>
+          <c:tx>
+            <c:strRef>
+              <c:f>Sheet1!$B$1</c:f>
+              <c:strCache>
+                <c:ptCount val="1"/>
+                <c:pt idx="0">
+                  <c:v>Elapsed Time (seconds)</c:v>
+                </c:pt>
+              </c:strCache>
+            </c:strRef>
+          </c:tx>
+          <c:spPr>
+            <a:solidFill>
+              <a:schemeClr val="accent1"/>
+            </a:solidFill>
+            <a:ln>
+              <a:noFill/>
+            </a:ln>
+            <a:effectLst/>
+          </c:spPr>
+          <c:invertIfNegative val="0"/>
+          <c:dLbls>
+            <c:spPr>
+              <a:noFill/>
+              <a:ln>
+                <a:noFill/>
+              </a:ln>
+              <a:effectLst/>
+            </c:spPr>
+            <c:txPr>
+              <a:bodyPr rot="0" spcFirstLastPara="1" vertOverflow="ellipsis" vert="horz" wrap="square" anchor="ctr" anchorCtr="1"/>
+              <a:lstStyle/>
+              <a:p>
+                <a:pPr>
+                  <a:defRPr sz="1600" b="0" i="0" u="none" strike="noStrike" kern="1200" baseline="0">
+                    <a:solidFill>
+                      <a:schemeClr val="tx1">
+                        <a:lumMod val="75000"/>
+                        <a:lumOff val="25000"/>
+                      </a:schemeClr>
+                    </a:solidFill>
+                    <a:latin typeface="+mn-lt"/>
+                    <a:ea typeface="+mn-ea"/>
+                    <a:cs typeface="+mn-cs"/>
+                  </a:defRPr>
+                </a:pPr>
+                <a:endParaRPr lang="it-IT"/>
+              </a:p>
+            </c:txPr>
+            <c:dLblPos val="ctr"/>
+            <c:showLegendKey val="0"/>
+            <c:showVal val="1"/>
+            <c:showCatName val="0"/>
+            <c:showSerName val="0"/>
+            <c:showPercent val="0"/>
+            <c:showBubbleSize val="0"/>
+            <c:showLeaderLines val="0"/>
+            <c:extLst>
+              <c:ext xmlns:c15="http://schemas.microsoft.com/office/drawing/2012/chart" uri="{CE6537A1-D6FC-4f65-9D91-7224C49458BB}">
+                <c15:showLeaderLines val="1"/>
+                <c15:leaderLines>
+                  <c:spPr>
+                    <a:ln w="9525" cap="flat" cmpd="sng" algn="ctr">
+                      <a:solidFill>
+                        <a:schemeClr val="tx1">
+                          <a:lumMod val="35000"/>
+                          <a:lumOff val="65000"/>
+                        </a:schemeClr>
+                      </a:solidFill>
+                      <a:round/>
+                    </a:ln>
+                    <a:effectLst/>
+                  </c:spPr>
+                </c15:leaderLines>
+              </c:ext>
+            </c:extLst>
+          </c:dLbls>
+          <c:cat>
+            <c:strRef>
+              <c:f>Sheet1!$A$2:$A$4</c:f>
+              <c:strCache>
+                <c:ptCount val="3"/>
+                <c:pt idx="0">
+                  <c:v>1M</c:v>
+                </c:pt>
+                <c:pt idx="1">
+                  <c:v>10M</c:v>
+                </c:pt>
+                <c:pt idx="2">
+                  <c:v>100M</c:v>
+                </c:pt>
+              </c:strCache>
+            </c:strRef>
+          </c:cat>
+          <c:val>
+            <c:numRef>
+              <c:f>Sheet1!$B$2:$B$4</c:f>
+              <c:numCache>
+                <c:formatCode>General</c:formatCode>
+                <c:ptCount val="3"/>
+                <c:pt idx="0">
+                  <c:v>2.5529999999999999</c:v>
+                </c:pt>
+                <c:pt idx="1">
+                  <c:v>44.457999999999998</c:v>
+                </c:pt>
+                <c:pt idx="2">
+                  <c:v>84.733999999999995</c:v>
+                </c:pt>
+              </c:numCache>
+            </c:numRef>
+          </c:val>
+          <c:extLst>
+            <c:ext xmlns:c16="http://schemas.microsoft.com/office/drawing/2014/chart" uri="{C3380CC4-5D6E-409C-BE32-E72D297353CC}">
+              <c16:uniqueId val="{00000000-E380-4D2B-BD9E-B5018D070534}"/>
+            </c:ext>
+          </c:extLst>
+        </c:ser>
+        <c:ser>
+          <c:idx val="1"/>
+          <c:order val="1"/>
+          <c:tx>
+            <c:strRef>
+              <c:f>Sheet1!$C$1</c:f>
+              <c:strCache>
+                <c:ptCount val="1"/>
+                <c:pt idx="0">
+                  <c:v>CPU Time (seconds)</c:v>
+                </c:pt>
+              </c:strCache>
+            </c:strRef>
+          </c:tx>
+          <c:spPr>
+            <a:solidFill>
+              <a:schemeClr val="accent2"/>
+            </a:solidFill>
+            <a:ln>
+              <a:noFill/>
+            </a:ln>
+            <a:effectLst/>
+          </c:spPr>
+          <c:invertIfNegative val="0"/>
+          <c:dLbls>
+            <c:spPr>
+              <a:noFill/>
+              <a:ln>
+                <a:noFill/>
+              </a:ln>
+              <a:effectLst/>
+            </c:spPr>
+            <c:txPr>
+              <a:bodyPr rot="0" spcFirstLastPara="1" vertOverflow="ellipsis" vert="horz" wrap="square" anchor="ctr" anchorCtr="1"/>
+              <a:lstStyle/>
+              <a:p>
+                <a:pPr>
+                  <a:defRPr sz="1600" b="0" i="0" u="none" strike="noStrike" kern="1200" baseline="0">
+                    <a:solidFill>
+                      <a:schemeClr val="tx1">
+                        <a:lumMod val="75000"/>
+                        <a:lumOff val="25000"/>
+                      </a:schemeClr>
+                    </a:solidFill>
+                    <a:latin typeface="+mn-lt"/>
+                    <a:ea typeface="+mn-ea"/>
+                    <a:cs typeface="+mn-cs"/>
+                  </a:defRPr>
+                </a:pPr>
+                <a:endParaRPr lang="it-IT"/>
+              </a:p>
+            </c:txPr>
+            <c:dLblPos val="ctr"/>
+            <c:showLegendKey val="0"/>
+            <c:showVal val="1"/>
+            <c:showCatName val="0"/>
+            <c:showSerName val="0"/>
+            <c:showPercent val="0"/>
+            <c:showBubbleSize val="0"/>
+            <c:showLeaderLines val="0"/>
+            <c:extLst>
+              <c:ext xmlns:c15="http://schemas.microsoft.com/office/drawing/2012/chart" uri="{CE6537A1-D6FC-4f65-9D91-7224C49458BB}">
+                <c15:showLeaderLines val="1"/>
+                <c15:leaderLines>
+                  <c:spPr>
+                    <a:ln w="9525" cap="flat" cmpd="sng" algn="ctr">
+                      <a:solidFill>
+                        <a:schemeClr val="tx1">
+                          <a:lumMod val="35000"/>
+                          <a:lumOff val="65000"/>
+                        </a:schemeClr>
+                      </a:solidFill>
+                      <a:round/>
+                    </a:ln>
+                    <a:effectLst/>
+                  </c:spPr>
+                </c15:leaderLines>
+              </c:ext>
+            </c:extLst>
+          </c:dLbls>
+          <c:cat>
+            <c:strRef>
+              <c:f>Sheet1!$A$2:$A$4</c:f>
+              <c:strCache>
+                <c:ptCount val="3"/>
+                <c:pt idx="0">
+                  <c:v>1M</c:v>
+                </c:pt>
+                <c:pt idx="1">
+                  <c:v>10M</c:v>
+                </c:pt>
+                <c:pt idx="2">
+                  <c:v>100M</c:v>
+                </c:pt>
+              </c:strCache>
+            </c:strRef>
+          </c:cat>
+          <c:val>
+            <c:numRef>
+              <c:f>Sheet1!$C$2:$C$4</c:f>
+              <c:numCache>
+                <c:formatCode>General</c:formatCode>
+                <c:ptCount val="3"/>
+                <c:pt idx="0">
+                  <c:v>0.15699999999999997</c:v>
+                </c:pt>
+                <c:pt idx="1">
+                  <c:v>146.91400000000002</c:v>
+                </c:pt>
+                <c:pt idx="2">
+                  <c:v>398.041</c:v>
+                </c:pt>
+              </c:numCache>
+            </c:numRef>
+          </c:val>
+          <c:extLst>
+            <c:ext xmlns:c16="http://schemas.microsoft.com/office/drawing/2014/chart" uri="{C3380CC4-5D6E-409C-BE32-E72D297353CC}">
+              <c16:uniqueId val="{00000001-E380-4D2B-BD9E-B5018D070534}"/>
+            </c:ext>
+          </c:extLst>
+        </c:ser>
+        <c:dLbls>
+          <c:showLegendKey val="0"/>
+          <c:showVal val="0"/>
+          <c:showCatName val="0"/>
+          <c:showSerName val="0"/>
+          <c:showPercent val="0"/>
+          <c:showBubbleSize val="0"/>
+        </c:dLbls>
+        <c:gapWidth val="150"/>
+        <c:overlap val="100"/>
+        <c:axId val="284059920"/>
+        <c:axId val="2021548976"/>
+      </c:barChart>
+      <c:lineChart>
+        <c:grouping val="standard"/>
+        <c:varyColors val="0"/>
+        <c:ser>
+          <c:idx val="2"/>
+          <c:order val="2"/>
+          <c:tx>
+            <c:strRef>
+              <c:f>Sheet1!$E$1</c:f>
+              <c:strCache>
+                <c:ptCount val="1"/>
+                <c:pt idx="0">
+                  <c:v>Compression Rate</c:v>
+                </c:pt>
+              </c:strCache>
+            </c:strRef>
+          </c:tx>
+          <c:spPr>
+            <a:ln w="28575" cap="rnd">
+              <a:solidFill>
+                <a:schemeClr val="accent3"/>
+              </a:solidFill>
+              <a:round/>
+            </a:ln>
+            <a:effectLst/>
+          </c:spPr>
+          <c:marker>
+            <c:symbol val="none"/>
+          </c:marker>
+          <c:cat>
+            <c:strRef>
+              <c:f>Sheet1!$A$2:$A$4</c:f>
+              <c:strCache>
+                <c:ptCount val="3"/>
+                <c:pt idx="0">
+                  <c:v>1M</c:v>
+                </c:pt>
+                <c:pt idx="1">
+                  <c:v>10M</c:v>
+                </c:pt>
+                <c:pt idx="2">
+                  <c:v>100M</c:v>
+                </c:pt>
+              </c:strCache>
+            </c:strRef>
+          </c:cat>
+          <c:val>
+            <c:numRef>
+              <c:f>Sheet1!$E$2:$E$4</c:f>
+              <c:numCache>
+                <c:formatCode>General</c:formatCode>
+                <c:ptCount val="3"/>
+                <c:pt idx="0">
+                  <c:v>6.1496278887583224E-2</c:v>
+                </c:pt>
+                <c:pt idx="1">
+                  <c:v>3.3045571100814257</c:v>
+                </c:pt>
+                <c:pt idx="2">
+                  <c:v>4.6975358179715343</c:v>
+                </c:pt>
+              </c:numCache>
+            </c:numRef>
+          </c:val>
+          <c:smooth val="0"/>
+          <c:extLst>
+            <c:ext xmlns:c16="http://schemas.microsoft.com/office/drawing/2014/chart" uri="{C3380CC4-5D6E-409C-BE32-E72D297353CC}">
+              <c16:uniqueId val="{00000002-E380-4D2B-BD9E-B5018D070534}"/>
+            </c:ext>
+          </c:extLst>
+        </c:ser>
+        <c:dLbls>
+          <c:showLegendKey val="0"/>
+          <c:showVal val="0"/>
+          <c:showCatName val="0"/>
+          <c:showSerName val="0"/>
+          <c:showPercent val="0"/>
+          <c:showBubbleSize val="0"/>
+        </c:dLbls>
+        <c:marker val="1"/>
+        <c:smooth val="0"/>
+        <c:axId val="281697520"/>
+        <c:axId val="1281142160"/>
+      </c:lineChart>
+      <c:catAx>
+        <c:axId val="284059920"/>
+        <c:scaling>
+          <c:orientation val="minMax"/>
+        </c:scaling>
+        <c:delete val="0"/>
+        <c:axPos val="b"/>
+        <c:numFmt formatCode="General" sourceLinked="1"/>
+        <c:majorTickMark val="none"/>
+        <c:minorTickMark val="none"/>
+        <c:tickLblPos val="nextTo"/>
+        <c:spPr>
+          <a:noFill/>
+          <a:ln w="9525" cap="flat" cmpd="sng" algn="ctr">
+            <a:solidFill>
+              <a:schemeClr val="tx1">
+                <a:lumMod val="15000"/>
+                <a:lumOff val="85000"/>
+              </a:schemeClr>
+            </a:solidFill>
+            <a:round/>
+          </a:ln>
+          <a:effectLst/>
+        </c:spPr>
+        <c:txPr>
+          <a:bodyPr rot="-60000000" spcFirstLastPara="1" vertOverflow="ellipsis" vert="horz" wrap="square" anchor="ctr" anchorCtr="1"/>
+          <a:lstStyle/>
+          <a:p>
+            <a:pPr>
+              <a:defRPr sz="1600" b="0" i="0" u="none" strike="noStrike" kern="1200" baseline="0">
+                <a:solidFill>
+                  <a:schemeClr val="tx1">
+                    <a:lumMod val="65000"/>
+                    <a:lumOff val="35000"/>
+                  </a:schemeClr>
+                </a:solidFill>
+                <a:latin typeface="+mn-lt"/>
+                <a:ea typeface="+mn-ea"/>
+                <a:cs typeface="+mn-cs"/>
+              </a:defRPr>
+            </a:pPr>
+            <a:endParaRPr lang="it-IT"/>
+          </a:p>
+        </c:txPr>
+        <c:crossAx val="2021548976"/>
+        <c:crosses val="autoZero"/>
+        <c:auto val="1"/>
+        <c:lblAlgn val="ctr"/>
+        <c:lblOffset val="100"/>
+        <c:noMultiLvlLbl val="0"/>
+      </c:catAx>
+      <c:valAx>
+        <c:axId val="2021548976"/>
+        <c:scaling>
+          <c:orientation val="minMax"/>
+        </c:scaling>
+        <c:delete val="0"/>
+        <c:axPos val="l"/>
+        <c:majorGridlines>
+          <c:spPr>
+            <a:ln w="9525" cap="flat" cmpd="sng" algn="ctr">
+              <a:solidFill>
+                <a:schemeClr val="tx1">
+                  <a:lumMod val="15000"/>
+                  <a:lumOff val="85000"/>
+                </a:schemeClr>
+              </a:solidFill>
+              <a:round/>
+            </a:ln>
+            <a:effectLst/>
+          </c:spPr>
+        </c:majorGridlines>
+        <c:numFmt formatCode="0%" sourceLinked="1"/>
+        <c:majorTickMark val="none"/>
+        <c:minorTickMark val="none"/>
+        <c:tickLblPos val="nextTo"/>
+        <c:spPr>
+          <a:noFill/>
+          <a:ln>
+            <a:noFill/>
+          </a:ln>
+          <a:effectLst/>
+        </c:spPr>
+        <c:txPr>
+          <a:bodyPr rot="-60000000" spcFirstLastPara="1" vertOverflow="ellipsis" vert="horz" wrap="square" anchor="ctr" anchorCtr="1"/>
+          <a:lstStyle/>
+          <a:p>
+            <a:pPr>
+              <a:defRPr sz="1600" b="0" i="0" u="none" strike="noStrike" kern="1200" baseline="0">
+                <a:solidFill>
+                  <a:schemeClr val="tx1">
+                    <a:lumMod val="65000"/>
+                    <a:lumOff val="35000"/>
+                  </a:schemeClr>
+                </a:solidFill>
+                <a:latin typeface="+mn-lt"/>
+                <a:ea typeface="+mn-ea"/>
+                <a:cs typeface="+mn-cs"/>
+              </a:defRPr>
+            </a:pPr>
+            <a:endParaRPr lang="it-IT"/>
+          </a:p>
+        </c:txPr>
+        <c:crossAx val="284059920"/>
+        <c:crosses val="autoZero"/>
+        <c:crossBetween val="between"/>
+      </c:valAx>
+      <c:valAx>
+        <c:axId val="1281142160"/>
+        <c:scaling>
+          <c:orientation val="minMax"/>
+        </c:scaling>
+        <c:delete val="0"/>
+        <c:axPos val="r"/>
+        <c:numFmt formatCode="General" sourceLinked="1"/>
+        <c:majorTickMark val="out"/>
+        <c:minorTickMark val="none"/>
+        <c:tickLblPos val="nextTo"/>
+        <c:spPr>
+          <a:noFill/>
+          <a:ln>
+            <a:noFill/>
+          </a:ln>
+          <a:effectLst/>
+        </c:spPr>
+        <c:txPr>
+          <a:bodyPr rot="-60000000" spcFirstLastPara="1" vertOverflow="ellipsis" vert="horz" wrap="square" anchor="ctr" anchorCtr="1"/>
+          <a:lstStyle/>
+          <a:p>
+            <a:pPr>
+              <a:defRPr sz="1600" b="0" i="0" u="none" strike="noStrike" kern="1200" baseline="0">
+                <a:solidFill>
+                  <a:schemeClr val="tx1">
+                    <a:lumMod val="65000"/>
+                    <a:lumOff val="35000"/>
+                  </a:schemeClr>
+                </a:solidFill>
+                <a:latin typeface="+mn-lt"/>
+                <a:ea typeface="+mn-ea"/>
+                <a:cs typeface="+mn-cs"/>
+              </a:defRPr>
+            </a:pPr>
+            <a:endParaRPr lang="it-IT"/>
+          </a:p>
+        </c:txPr>
+        <c:crossAx val="281697520"/>
+        <c:crosses val="max"/>
+        <c:crossBetween val="between"/>
+      </c:valAx>
+      <c:catAx>
+        <c:axId val="281697520"/>
+        <c:scaling>
+          <c:orientation val="minMax"/>
+        </c:scaling>
+        <c:delete val="1"/>
+        <c:axPos val="b"/>
+        <c:numFmt formatCode="General" sourceLinked="1"/>
+        <c:majorTickMark val="out"/>
+        <c:minorTickMark val="none"/>
+        <c:tickLblPos val="nextTo"/>
+        <c:crossAx val="1281142160"/>
+        <c:crosses val="autoZero"/>
+        <c:auto val="1"/>
+        <c:lblAlgn val="ctr"/>
+        <c:lblOffset val="100"/>
+        <c:noMultiLvlLbl val="0"/>
+      </c:catAx>
+      <c:spPr>
+        <a:noFill/>
+        <a:ln>
+          <a:noFill/>
+        </a:ln>
+        <a:effectLst/>
+      </c:spPr>
+    </c:plotArea>
+    <c:legend>
+      <c:legendPos val="b"/>
+      <c:overlay val="0"/>
+      <c:spPr>
+        <a:noFill/>
+        <a:ln>
+          <a:noFill/>
+        </a:ln>
+        <a:effectLst/>
+      </c:spPr>
+      <c:txPr>
+        <a:bodyPr rot="0" spcFirstLastPara="1" vertOverflow="ellipsis" vert="horz" wrap="square" anchor="ctr" anchorCtr="1"/>
+        <a:lstStyle/>
+        <a:p>
+          <a:pPr>
+            <a:defRPr sz="1600" b="0" i="0" u="none" strike="noStrike" kern="1200" baseline="0">
+              <a:solidFill>
+                <a:schemeClr val="tx1">
+                  <a:lumMod val="65000"/>
+                  <a:lumOff val="35000"/>
+                </a:schemeClr>
+              </a:solidFill>
+              <a:latin typeface="+mn-lt"/>
+              <a:ea typeface="+mn-ea"/>
+              <a:cs typeface="+mn-cs"/>
+            </a:defRPr>
+          </a:pPr>
+          <a:endParaRPr lang="it-IT"/>
+        </a:p>
+      </c:txPr>
+    </c:legend>
+    <c:plotVisOnly val="1"/>
+    <c:dispBlanksAs val="gap"/>
+    <c:extLst>
+      <c:ext xmlns:c16r3="http://schemas.microsoft.com/office/drawing/2017/03/chart" uri="{56B9EC1D-385E-4148-901F-78D8002777C0}">
+        <c16r3:dataDisplayOptions16>
+          <c16r3:dispNaAsBlank val="1"/>
+        </c16r3:dataDisplayOptions16>
+      </c:ext>
+    </c:extLst>
+    <c:showDLblsOverMax val="0"/>
+  </c:chart>
+  <c:spPr>
+    <a:noFill/>
+    <a:ln>
+      <a:noFill/>
+    </a:ln>
+    <a:effectLst/>
+  </c:spPr>
+  <c:txPr>
+    <a:bodyPr/>
+    <a:lstStyle/>
+    <a:p>
+      <a:pPr>
+        <a:defRPr sz="1600"/>
+      </a:pPr>
+      <a:endParaRPr lang="it-IT"/>
+    </a:p>
+  </c:txPr>
+  <c:externalData r:id="rId3">
+    <c:autoUpdate val="0"/>
+  </c:externalData>
+</c:chartSpace>
+</file>
+
 <file path=ppt/charts/colors1.xml><?xml version="1.0" encoding="utf-8"?>
 <cs:colorStyle xmlns:cs="http://schemas.microsoft.com/office/drawing/2012/chartStyle" xmlns:a="http://schemas.openxmlformats.org/drawingml/2006/main" meth="cycle" id="10">
   <a:schemeClr val="accent1"/>
@@ -2571,6 +3225,46 @@
 </file>
 
 <file path=ppt/charts/colors3.xml><?xml version="1.0" encoding="utf-8"?>
+<cs:colorStyle xmlns:cs="http://schemas.microsoft.com/office/drawing/2012/chartStyle" xmlns:a="http://schemas.openxmlformats.org/drawingml/2006/main" meth="cycle" id="10">
+  <a:schemeClr val="accent1"/>
+  <a:schemeClr val="accent2"/>
+  <a:schemeClr val="accent3"/>
+  <a:schemeClr val="accent4"/>
+  <a:schemeClr val="accent5"/>
+  <a:schemeClr val="accent6"/>
+  <cs:variation/>
+  <cs:variation>
+    <a:lumMod val="60000"/>
+  </cs:variation>
+  <cs:variation>
+    <a:lumMod val="80000"/>
+    <a:lumOff val="20000"/>
+  </cs:variation>
+  <cs:variation>
+    <a:lumMod val="80000"/>
+  </cs:variation>
+  <cs:variation>
+    <a:lumMod val="60000"/>
+    <a:lumOff val="40000"/>
+  </cs:variation>
+  <cs:variation>
+    <a:lumMod val="50000"/>
+  </cs:variation>
+  <cs:variation>
+    <a:lumMod val="70000"/>
+    <a:lumOff val="30000"/>
+  </cs:variation>
+  <cs:variation>
+    <a:lumMod val="70000"/>
+  </cs:variation>
+  <cs:variation>
+    <a:lumMod val="50000"/>
+    <a:lumOff val="50000"/>
+  </cs:variation>
+</cs:colorStyle>
+</file>
+
+<file path=ppt/charts/colors4.xml><?xml version="1.0" encoding="utf-8"?>
 <cs:colorStyle xmlns:cs="http://schemas.microsoft.com/office/drawing/2012/chartStyle" xmlns:a="http://schemas.openxmlformats.org/drawingml/2006/main" meth="cycle" id="10">
   <a:schemeClr val="accent1"/>
   <a:schemeClr val="accent2"/>
@@ -4145,6 +4839,511 @@
 </cs:chartStyle>
 </file>
 
+<file path=ppt/charts/style4.xml><?xml version="1.0" encoding="utf-8"?>
+<cs:chartStyle xmlns:cs="http://schemas.microsoft.com/office/drawing/2012/chartStyle" xmlns:a="http://schemas.openxmlformats.org/drawingml/2006/main" id="297">
+  <cs:axisTitle>
+    <cs:lnRef idx="0"/>
+    <cs:fillRef idx="0"/>
+    <cs:effectRef idx="0"/>
+    <cs:fontRef idx="minor">
+      <a:schemeClr val="tx1">
+        <a:lumMod val="65000"/>
+        <a:lumOff val="35000"/>
+      </a:schemeClr>
+    </cs:fontRef>
+    <cs:defRPr sz="1000" kern="1200"/>
+  </cs:axisTitle>
+  <cs:categoryAxis>
+    <cs:lnRef idx="0"/>
+    <cs:fillRef idx="0"/>
+    <cs:effectRef idx="0"/>
+    <cs:fontRef idx="minor">
+      <a:schemeClr val="tx1">
+        <a:lumMod val="65000"/>
+        <a:lumOff val="35000"/>
+      </a:schemeClr>
+    </cs:fontRef>
+    <cs:spPr>
+      <a:ln w="9525" cap="flat" cmpd="sng" algn="ctr">
+        <a:solidFill>
+          <a:schemeClr val="tx1">
+            <a:lumMod val="15000"/>
+            <a:lumOff val="85000"/>
+          </a:schemeClr>
+        </a:solidFill>
+        <a:round/>
+      </a:ln>
+    </cs:spPr>
+    <cs:defRPr sz="900" kern="1200"/>
+  </cs:categoryAxis>
+  <cs:chartArea mods="allowNoFillOverride allowNoLineOverride">
+    <cs:lnRef idx="0"/>
+    <cs:fillRef idx="0"/>
+    <cs:effectRef idx="0"/>
+    <cs:fontRef idx="minor">
+      <a:schemeClr val="tx1"/>
+    </cs:fontRef>
+    <cs:spPr>
+      <a:solidFill>
+        <a:schemeClr val="bg1"/>
+      </a:solidFill>
+      <a:ln w="9525" cap="flat" cmpd="sng" algn="ctr">
+        <a:solidFill>
+          <a:schemeClr val="tx1">
+            <a:lumMod val="15000"/>
+            <a:lumOff val="85000"/>
+          </a:schemeClr>
+        </a:solidFill>
+        <a:round/>
+      </a:ln>
+    </cs:spPr>
+    <cs:defRPr sz="1000" kern="1200"/>
+  </cs:chartArea>
+  <cs:dataLabel>
+    <cs:lnRef idx="0"/>
+    <cs:fillRef idx="0"/>
+    <cs:effectRef idx="0"/>
+    <cs:fontRef idx="minor">
+      <a:schemeClr val="tx1">
+        <a:lumMod val="75000"/>
+        <a:lumOff val="25000"/>
+      </a:schemeClr>
+    </cs:fontRef>
+    <cs:defRPr sz="900" kern="1200"/>
+  </cs:dataLabel>
+  <cs:dataLabelCallout>
+    <cs:lnRef idx="0"/>
+    <cs:fillRef idx="0"/>
+    <cs:effectRef idx="0"/>
+    <cs:fontRef idx="minor">
+      <a:schemeClr val="dk1">
+        <a:lumMod val="65000"/>
+        <a:lumOff val="35000"/>
+      </a:schemeClr>
+    </cs:fontRef>
+    <cs:spPr>
+      <a:solidFill>
+        <a:schemeClr val="lt1"/>
+      </a:solidFill>
+      <a:ln>
+        <a:solidFill>
+          <a:schemeClr val="dk1">
+            <a:lumMod val="25000"/>
+            <a:lumOff val="75000"/>
+          </a:schemeClr>
+        </a:solidFill>
+      </a:ln>
+    </cs:spPr>
+    <cs:defRPr sz="900" kern="1200"/>
+    <cs:bodyPr rot="0" spcFirstLastPara="1" vertOverflow="clip" horzOverflow="clip" vert="horz" wrap="square" lIns="36576" tIns="18288" rIns="36576" bIns="18288" anchor="ctr" anchorCtr="1">
+      <a:spAutoFit/>
+    </cs:bodyPr>
+  </cs:dataLabelCallout>
+  <cs:dataPoint>
+    <cs:lnRef idx="0"/>
+    <cs:fillRef idx="1">
+      <cs:styleClr val="auto"/>
+    </cs:fillRef>
+    <cs:effectRef idx="0"/>
+    <cs:fontRef idx="minor">
+      <a:schemeClr val="tx1"/>
+    </cs:fontRef>
+  </cs:dataPoint>
+  <cs:dataPoint3D>
+    <cs:lnRef idx="0"/>
+    <cs:fillRef idx="1">
+      <cs:styleClr val="auto"/>
+    </cs:fillRef>
+    <cs:effectRef idx="0"/>
+    <cs:fontRef idx="minor">
+      <a:schemeClr val="tx1"/>
+    </cs:fontRef>
+  </cs:dataPoint3D>
+  <cs:dataPointLine>
+    <cs:lnRef idx="0">
+      <cs:styleClr val="auto"/>
+    </cs:lnRef>
+    <cs:fillRef idx="1"/>
+    <cs:effectRef idx="0"/>
+    <cs:fontRef idx="minor">
+      <a:schemeClr val="tx1"/>
+    </cs:fontRef>
+    <cs:spPr>
+      <a:ln w="28575" cap="rnd">
+        <a:solidFill>
+          <a:schemeClr val="phClr"/>
+        </a:solidFill>
+        <a:round/>
+      </a:ln>
+    </cs:spPr>
+  </cs:dataPointLine>
+  <cs:dataPointMarker>
+    <cs:lnRef idx="0">
+      <cs:styleClr val="auto"/>
+    </cs:lnRef>
+    <cs:fillRef idx="1">
+      <cs:styleClr val="auto"/>
+    </cs:fillRef>
+    <cs:effectRef idx="0"/>
+    <cs:fontRef idx="minor">
+      <a:schemeClr val="tx1"/>
+    </cs:fontRef>
+    <cs:spPr>
+      <a:ln w="9525">
+        <a:solidFill>
+          <a:schemeClr val="phClr"/>
+        </a:solidFill>
+      </a:ln>
+    </cs:spPr>
+  </cs:dataPointMarker>
+  <cs:dataPointMarkerLayout symbol="circle" size="5"/>
+  <cs:dataPointWireframe>
+    <cs:lnRef idx="0">
+      <cs:styleClr val="auto"/>
+    </cs:lnRef>
+    <cs:fillRef idx="1"/>
+    <cs:effectRef idx="0"/>
+    <cs:fontRef idx="minor">
+      <a:schemeClr val="tx1"/>
+    </cs:fontRef>
+    <cs:spPr>
+      <a:ln w="9525" cap="rnd">
+        <a:solidFill>
+          <a:schemeClr val="phClr"/>
+        </a:solidFill>
+        <a:round/>
+      </a:ln>
+    </cs:spPr>
+  </cs:dataPointWireframe>
+  <cs:dataTable>
+    <cs:lnRef idx="0"/>
+    <cs:fillRef idx="0"/>
+    <cs:effectRef idx="0"/>
+    <cs:fontRef idx="minor">
+      <a:schemeClr val="tx1">
+        <a:lumMod val="65000"/>
+        <a:lumOff val="35000"/>
+      </a:schemeClr>
+    </cs:fontRef>
+    <cs:spPr>
+      <a:noFill/>
+      <a:ln w="9525" cap="flat" cmpd="sng" algn="ctr">
+        <a:solidFill>
+          <a:schemeClr val="tx1">
+            <a:lumMod val="15000"/>
+            <a:lumOff val="85000"/>
+          </a:schemeClr>
+        </a:solidFill>
+        <a:round/>
+      </a:ln>
+    </cs:spPr>
+    <cs:defRPr sz="900" kern="1200"/>
+  </cs:dataTable>
+  <cs:downBar>
+    <cs:lnRef idx="0"/>
+    <cs:fillRef idx="0"/>
+    <cs:effectRef idx="0"/>
+    <cs:fontRef idx="minor">
+      <a:schemeClr val="tx1"/>
+    </cs:fontRef>
+    <cs:spPr>
+      <a:solidFill>
+        <a:schemeClr val="dk1">
+          <a:lumMod val="75000"/>
+          <a:lumOff val="25000"/>
+        </a:schemeClr>
+      </a:solidFill>
+      <a:ln w="9525" cap="flat" cmpd="sng" algn="ctr">
+        <a:solidFill>
+          <a:schemeClr val="tx1">
+            <a:lumMod val="65000"/>
+            <a:lumOff val="35000"/>
+          </a:schemeClr>
+        </a:solidFill>
+        <a:round/>
+      </a:ln>
+    </cs:spPr>
+  </cs:downBar>
+  <cs:dropLine>
+    <cs:lnRef idx="0"/>
+    <cs:fillRef idx="0"/>
+    <cs:effectRef idx="0"/>
+    <cs:fontRef idx="minor">
+      <a:schemeClr val="tx1"/>
+    </cs:fontRef>
+    <cs:spPr>
+      <a:ln w="9525" cap="flat" cmpd="sng" algn="ctr">
+        <a:solidFill>
+          <a:schemeClr val="tx1">
+            <a:lumMod val="35000"/>
+            <a:lumOff val="65000"/>
+          </a:schemeClr>
+        </a:solidFill>
+        <a:round/>
+      </a:ln>
+    </cs:spPr>
+  </cs:dropLine>
+  <cs:errorBar>
+    <cs:lnRef idx="0"/>
+    <cs:fillRef idx="0"/>
+    <cs:effectRef idx="0"/>
+    <cs:fontRef idx="minor">
+      <a:schemeClr val="tx1"/>
+    </cs:fontRef>
+    <cs:spPr>
+      <a:ln w="9525" cap="flat" cmpd="sng" algn="ctr">
+        <a:solidFill>
+          <a:schemeClr val="tx1">
+            <a:lumMod val="65000"/>
+            <a:lumOff val="35000"/>
+          </a:schemeClr>
+        </a:solidFill>
+        <a:round/>
+      </a:ln>
+    </cs:spPr>
+  </cs:errorBar>
+  <cs:floor>
+    <cs:lnRef idx="0"/>
+    <cs:fillRef idx="0"/>
+    <cs:effectRef idx="0"/>
+    <cs:fontRef idx="minor">
+      <a:schemeClr val="tx1"/>
+    </cs:fontRef>
+    <cs:spPr>
+      <a:noFill/>
+      <a:ln>
+        <a:noFill/>
+      </a:ln>
+    </cs:spPr>
+  </cs:floor>
+  <cs:gridlineMajor>
+    <cs:lnRef idx="0"/>
+    <cs:fillRef idx="0"/>
+    <cs:effectRef idx="0"/>
+    <cs:fontRef idx="minor">
+      <a:schemeClr val="tx1"/>
+    </cs:fontRef>
+    <cs:spPr>
+      <a:ln w="9525" cap="flat" cmpd="sng" algn="ctr">
+        <a:solidFill>
+          <a:schemeClr val="tx1">
+            <a:lumMod val="15000"/>
+            <a:lumOff val="85000"/>
+          </a:schemeClr>
+        </a:solidFill>
+        <a:round/>
+      </a:ln>
+    </cs:spPr>
+  </cs:gridlineMajor>
+  <cs:gridlineMinor>
+    <cs:lnRef idx="0"/>
+    <cs:fillRef idx="0"/>
+    <cs:effectRef idx="0"/>
+    <cs:fontRef idx="minor">
+      <a:schemeClr val="tx1"/>
+    </cs:fontRef>
+    <cs:spPr>
+      <a:ln w="9525" cap="flat" cmpd="sng" algn="ctr">
+        <a:solidFill>
+          <a:schemeClr val="tx1">
+            <a:lumMod val="5000"/>
+            <a:lumOff val="95000"/>
+          </a:schemeClr>
+        </a:solidFill>
+        <a:round/>
+      </a:ln>
+    </cs:spPr>
+  </cs:gridlineMinor>
+  <cs:hiLoLine>
+    <cs:lnRef idx="0"/>
+    <cs:fillRef idx="0"/>
+    <cs:effectRef idx="0"/>
+    <cs:fontRef idx="minor">
+      <a:schemeClr val="tx1"/>
+    </cs:fontRef>
+    <cs:spPr>
+      <a:ln w="9525" cap="flat" cmpd="sng" algn="ctr">
+        <a:solidFill>
+          <a:schemeClr val="tx1">
+            <a:lumMod val="50000"/>
+            <a:lumOff val="50000"/>
+          </a:schemeClr>
+        </a:solidFill>
+        <a:round/>
+      </a:ln>
+    </cs:spPr>
+  </cs:hiLoLine>
+  <cs:leaderLine>
+    <cs:lnRef idx="0"/>
+    <cs:fillRef idx="0"/>
+    <cs:effectRef idx="0"/>
+    <cs:fontRef idx="minor">
+      <a:schemeClr val="tx1"/>
+    </cs:fontRef>
+    <cs:spPr>
+      <a:ln w="9525" cap="flat" cmpd="sng" algn="ctr">
+        <a:solidFill>
+          <a:schemeClr val="tx1">
+            <a:lumMod val="35000"/>
+            <a:lumOff val="65000"/>
+          </a:schemeClr>
+        </a:solidFill>
+        <a:round/>
+      </a:ln>
+    </cs:spPr>
+  </cs:leaderLine>
+  <cs:legend>
+    <cs:lnRef idx="0"/>
+    <cs:fillRef idx="0"/>
+    <cs:effectRef idx="0"/>
+    <cs:fontRef idx="minor">
+      <a:schemeClr val="tx1">
+        <a:lumMod val="65000"/>
+        <a:lumOff val="35000"/>
+      </a:schemeClr>
+    </cs:fontRef>
+    <cs:defRPr sz="900" kern="1200"/>
+  </cs:legend>
+  <cs:plotArea mods="allowNoFillOverride allowNoLineOverride">
+    <cs:lnRef idx="0"/>
+    <cs:fillRef idx="0"/>
+    <cs:effectRef idx="0"/>
+    <cs:fontRef idx="minor">
+      <a:schemeClr val="tx1"/>
+    </cs:fontRef>
+  </cs:plotArea>
+  <cs:plotArea3D mods="allowNoFillOverride allowNoLineOverride">
+    <cs:lnRef idx="0"/>
+    <cs:fillRef idx="0"/>
+    <cs:effectRef idx="0"/>
+    <cs:fontRef idx="minor">
+      <a:schemeClr val="tx1"/>
+    </cs:fontRef>
+  </cs:plotArea3D>
+  <cs:seriesAxis>
+    <cs:lnRef idx="0"/>
+    <cs:fillRef idx="0"/>
+    <cs:effectRef idx="0"/>
+    <cs:fontRef idx="minor">
+      <a:schemeClr val="tx1">
+        <a:lumMod val="65000"/>
+        <a:lumOff val="35000"/>
+      </a:schemeClr>
+    </cs:fontRef>
+    <cs:defRPr sz="900" kern="1200"/>
+  </cs:seriesAxis>
+  <cs:seriesLine>
+    <cs:lnRef idx="0"/>
+    <cs:fillRef idx="0"/>
+    <cs:effectRef idx="0"/>
+    <cs:fontRef idx="minor">
+      <a:schemeClr val="tx1"/>
+    </cs:fontRef>
+    <cs:spPr>
+      <a:ln w="9525" cap="flat" cmpd="sng" algn="ctr">
+        <a:solidFill>
+          <a:schemeClr val="tx1">
+            <a:lumMod val="35000"/>
+            <a:lumOff val="65000"/>
+          </a:schemeClr>
+        </a:solidFill>
+        <a:round/>
+      </a:ln>
+    </cs:spPr>
+  </cs:seriesLine>
+  <cs:title>
+    <cs:lnRef idx="0"/>
+    <cs:fillRef idx="0"/>
+    <cs:effectRef idx="0"/>
+    <cs:fontRef idx="minor">
+      <a:schemeClr val="tx1">
+        <a:lumMod val="65000"/>
+        <a:lumOff val="35000"/>
+      </a:schemeClr>
+    </cs:fontRef>
+    <cs:defRPr sz="1400" b="0" kern="1200" spc="0" baseline="0"/>
+  </cs:title>
+  <cs:trendline>
+    <cs:lnRef idx="0">
+      <cs:styleClr val="auto"/>
+    </cs:lnRef>
+    <cs:fillRef idx="0"/>
+    <cs:effectRef idx="0"/>
+    <cs:fontRef idx="minor">
+      <a:schemeClr val="tx1"/>
+    </cs:fontRef>
+    <cs:spPr>
+      <a:ln w="19050" cap="rnd">
+        <a:solidFill>
+          <a:schemeClr val="phClr"/>
+        </a:solidFill>
+        <a:prstDash val="sysDot"/>
+      </a:ln>
+    </cs:spPr>
+  </cs:trendline>
+  <cs:trendlineLabel>
+    <cs:lnRef idx="0"/>
+    <cs:fillRef idx="0"/>
+    <cs:effectRef idx="0"/>
+    <cs:fontRef idx="minor">
+      <a:schemeClr val="tx1">
+        <a:lumMod val="65000"/>
+        <a:lumOff val="35000"/>
+      </a:schemeClr>
+    </cs:fontRef>
+    <cs:defRPr sz="900" kern="1200"/>
+  </cs:trendlineLabel>
+  <cs:upBar>
+    <cs:lnRef idx="0"/>
+    <cs:fillRef idx="0"/>
+    <cs:effectRef idx="0"/>
+    <cs:fontRef idx="minor">
+      <a:schemeClr val="tx1"/>
+    </cs:fontRef>
+    <cs:spPr>
+      <a:solidFill>
+        <a:schemeClr val="lt1"/>
+      </a:solidFill>
+      <a:ln w="9525" cap="flat" cmpd="sng" algn="ctr">
+        <a:solidFill>
+          <a:schemeClr val="tx1">
+            <a:lumMod val="65000"/>
+            <a:lumOff val="35000"/>
+          </a:schemeClr>
+        </a:solidFill>
+        <a:round/>
+      </a:ln>
+    </cs:spPr>
+  </cs:upBar>
+  <cs:valueAxis>
+    <cs:lnRef idx="0"/>
+    <cs:fillRef idx="0"/>
+    <cs:effectRef idx="0"/>
+    <cs:fontRef idx="minor">
+      <a:schemeClr val="tx1">
+        <a:lumMod val="65000"/>
+        <a:lumOff val="35000"/>
+      </a:schemeClr>
+    </cs:fontRef>
+    <cs:defRPr sz="900" kern="1200"/>
+  </cs:valueAxis>
+  <cs:wall>
+    <cs:lnRef idx="0"/>
+    <cs:fillRef idx="0"/>
+    <cs:effectRef idx="0"/>
+    <cs:fontRef idx="minor">
+      <a:schemeClr val="tx1"/>
+    </cs:fontRef>
+    <cs:spPr>
+      <a:noFill/>
+      <a:ln>
+        <a:noFill/>
+      </a:ln>
+    </cs:spPr>
+  </cs:wall>
+</cs:chartStyle>
+</file>
+
 <file path=ppt/handoutMasters/handoutMaster1.xml><?xml version="1.0" encoding="utf-8"?>
 <p:handoutMaster xmlns:a="http://schemas.openxmlformats.org/drawingml/2006/main" xmlns:r="http://schemas.openxmlformats.org/officeDocument/2006/relationships" xmlns:p="http://schemas.openxmlformats.org/presentationml/2006/main">
   <p:cSld>
@@ -9643,13 +10842,13 @@
   <p:clrMapOvr>
     <a:masterClrMapping/>
   </p:clrMapOvr>
-  <mc:AlternateContent xmlns:mc="http://schemas.openxmlformats.org/markup-compatibility/2006">
-    <mc:Choice xmlns:p14="http://schemas.microsoft.com/office/powerpoint/2010/main" Requires="p14">
+  <mc:AlternateContent xmlns:mc="http://schemas.openxmlformats.org/markup-compatibility/2006" xmlns:p14="http://schemas.microsoft.com/office/powerpoint/2010/main">
+    <mc:Choice Requires="p14">
       <p:transition spd="med" p14:dur="700">
         <p:fade/>
       </p:transition>
     </mc:Choice>
-    <mc:Fallback>
+    <mc:Fallback xmlns="">
       <p:transition spd="med">
         <p:fade/>
       </p:transition>
@@ -9680,7 +10879,7 @@
           <p:cNvPr id="2" name="Title 1">
             <a:extLst>
               <a:ext uri="{FF2B5EF4-FFF2-40B4-BE49-F238E27FC236}">
-                <a16:creationId xmlns:a16="http://schemas.microsoft.com/office/drawing/2014/main" id="{44209174-B687-1BC8-0EC5-64DC48BCD2ED}"/>
+                <a16:creationId xmlns:a16="http://schemas.microsoft.com/office/drawing/2014/main" id="{187A554A-68D1-3307-0F59-9D7657237142}"/>
               </a:ext>
             </a:extLst>
           </p:cNvPr>
@@ -9691,7 +10890,12 @@
             <p:ph type="title"/>
           </p:nvPr>
         </p:nvSpPr>
-        <p:spPr/>
+        <p:spPr>
+          <a:xfrm>
+            <a:off x="1218883" y="274637"/>
+            <a:ext cx="10360501" cy="634083"/>
+          </a:xfrm>
+        </p:spPr>
         <p:txBody>
           <a:bodyPr/>
           <a:lstStyle/>
@@ -9706,10 +10910,10 @@
       </p:sp>
       <p:sp>
         <p:nvSpPr>
-          <p:cNvPr id="3" name="Content Placeholder 2">
+          <p:cNvPr id="4" name="Content Placeholder 3">
             <a:extLst>
               <a:ext uri="{FF2B5EF4-FFF2-40B4-BE49-F238E27FC236}">
-                <a16:creationId xmlns:a16="http://schemas.microsoft.com/office/drawing/2014/main" id="{D8517CC7-E3F4-B461-3D13-CF2A24A88C7B}"/>
+                <a16:creationId xmlns:a16="http://schemas.microsoft.com/office/drawing/2014/main" id="{5724A7C2-ACEF-A4EA-4B18-7DB51E7DB06A}"/>
               </a:ext>
             </a:extLst>
           </p:cNvPr>
@@ -9717,145 +10921,75 @@
             <a:spLocks noGrp="1"/>
           </p:cNvSpPr>
           <p:nvPr>
-            <p:ph idx="1"/>
+            <p:ph sz="half" idx="2"/>
           </p:nvPr>
         </p:nvSpPr>
         <p:spPr>
           <a:xfrm>
-            <a:off x="5950396" y="1701797"/>
-            <a:ext cx="5628988" cy="4462272"/>
+            <a:off x="7750596" y="1706880"/>
+            <a:ext cx="3828788" cy="4465320"/>
           </a:xfrm>
         </p:spPr>
         <p:txBody>
-          <a:bodyPr/>
+          <a:bodyPr>
+            <a:normAutofit lnSpcReduction="10000"/>
+          </a:bodyPr>
           <a:lstStyle/>
           <a:p>
             <a:r>
-              <a:rPr lang="it-IT" dirty="0"/>
-              <a:t>The </a:t>
+              <a:rPr lang="en-US" dirty="0"/>
+              <a:t>The sequential part of the application is almost constant with respect to the dataset size. Meanwhile, with a larger dataset, the work done in parallel increases</a:t>
             </a:r>
+          </a:p>
+          <a:p>
             <a:r>
-              <a:rPr lang="it-IT" dirty="0" err="1"/>
-              <a:t>sequential</a:t>
+              <a:rPr lang="en-US" dirty="0"/>
+              <a:t>Therefore, the ratio between CPU Time and Elapsed Time increases</a:t>
             </a:r>
-            <a:r>
-              <a:rPr lang="it-IT" dirty="0"/>
-              <a:t> part of the </a:t>
-            </a:r>
-            <a:r>
-              <a:rPr lang="it-IT" dirty="0" err="1"/>
-              <a:t>application</a:t>
-            </a:r>
-            <a:r>
-              <a:rPr lang="it-IT" dirty="0"/>
-              <a:t> </a:t>
-            </a:r>
-            <a:r>
-              <a:rPr lang="it-IT" dirty="0" err="1"/>
-              <a:t>is</a:t>
-            </a:r>
-            <a:r>
-              <a:rPr lang="it-IT" dirty="0"/>
-              <a:t> </a:t>
-            </a:r>
-            <a:r>
-              <a:rPr lang="it-IT" dirty="0" err="1"/>
-              <a:t>almost</a:t>
-            </a:r>
-            <a:r>
-              <a:rPr lang="it-IT" dirty="0"/>
-              <a:t> </a:t>
-            </a:r>
-            <a:r>
-              <a:rPr lang="it-IT" dirty="0" err="1"/>
-              <a:t>constant</a:t>
-            </a:r>
-            <a:r>
-              <a:rPr lang="it-IT" dirty="0"/>
-              <a:t> w.r.t. the dataset size. </a:t>
-            </a:r>
-            <a:r>
-              <a:rPr lang="it-IT" dirty="0" err="1"/>
-              <a:t>Meanwhile</a:t>
-            </a:r>
-            <a:r>
-              <a:rPr lang="it-IT" dirty="0"/>
-              <a:t>, with a </a:t>
-            </a:r>
-            <a:r>
-              <a:rPr lang="it-IT" dirty="0" err="1"/>
-              <a:t>larger</a:t>
-            </a:r>
-            <a:r>
-              <a:rPr lang="it-IT" dirty="0"/>
-              <a:t> dataset, the work </a:t>
-            </a:r>
-            <a:r>
-              <a:rPr lang="it-IT" dirty="0" err="1"/>
-              <a:t>done</a:t>
-            </a:r>
-            <a:r>
-              <a:rPr lang="it-IT" dirty="0"/>
-              <a:t> in </a:t>
-            </a:r>
-            <a:r>
-              <a:rPr lang="it-IT" dirty="0" err="1"/>
-              <a:t>parallel</a:t>
-            </a:r>
-            <a:r>
-              <a:rPr lang="it-IT" dirty="0"/>
-              <a:t> by </a:t>
-            </a:r>
-            <a:r>
-              <a:rPr lang="it-IT" dirty="0" err="1"/>
-              <a:t>threads</a:t>
-            </a:r>
-            <a:r>
-              <a:rPr lang="it-IT" dirty="0"/>
-              <a:t> </a:t>
-            </a:r>
-            <a:r>
-              <a:rPr lang="it-IT" dirty="0" err="1"/>
-              <a:t>increases</a:t>
-            </a:r>
-            <a:endParaRPr lang="it-IT" dirty="0"/>
-          </a:p>
-          <a:p>
-            <a:r>
-              <a:rPr lang="it-IT" dirty="0"/>
-              <a:t>#TODO inserire </a:t>
-            </a:r>
-            <a:r>
-              <a:rPr lang="it-IT" dirty="0" err="1"/>
-              <a:t>stacked</a:t>
-            </a:r>
-            <a:r>
-              <a:rPr lang="it-IT" dirty="0"/>
-              <a:t> bar chart with </a:t>
-            </a:r>
-            <a:r>
-              <a:rPr lang="it-IT" dirty="0" err="1"/>
-              <a:t>CPUTime</a:t>
-            </a:r>
-            <a:r>
-              <a:rPr lang="it-IT" dirty="0"/>
-              <a:t>/</a:t>
-            </a:r>
-            <a:r>
-              <a:rPr lang="it-IT" dirty="0" err="1"/>
-              <a:t>ElapsedTime</a:t>
-            </a:r>
-            <a:r>
-              <a:rPr lang="it-IT" dirty="0"/>
-              <a:t> (1M(?), 10M, 100M)</a:t>
-            </a:r>
+          </a:p>
+          <a:p>
+            <a:pPr marL="0" indent="0">
+              <a:buNone/>
+            </a:pPr>
+            <a:endParaRPr lang="en-US" dirty="0"/>
           </a:p>
         </p:txBody>
       </p:sp>
+      <p:graphicFrame>
+        <p:nvGraphicFramePr>
+          <p:cNvPr id="5" name="Content Placeholder 4">
+            <a:extLst>
+              <a:ext uri="{FF2B5EF4-FFF2-40B4-BE49-F238E27FC236}">
+                <a16:creationId xmlns:a16="http://schemas.microsoft.com/office/drawing/2014/main" id="{6149DA8D-9888-7B57-9941-10EBDBF21072}"/>
+              </a:ext>
+            </a:extLst>
+          </p:cNvPr>
+          <p:cNvGraphicFramePr>
+            <a:graphicFrameLocks noGrp="1"/>
+          </p:cNvGraphicFramePr>
+          <p:nvPr>
+            <p:ph sz="half" idx="1"/>
+            <p:extLst>
+              <p:ext uri="{D42A27DB-BD31-4B8C-83A1-F6EECF244321}">
+                <p14:modId xmlns:p14="http://schemas.microsoft.com/office/powerpoint/2010/main" val="4200635307"/>
+              </p:ext>
+            </p:extLst>
+          </p:nvPr>
+        </p:nvGraphicFramePr>
+        <p:xfrm>
+          <a:off x="981844" y="1052737"/>
+          <a:ext cx="6768752" cy="5472608"/>
+        </p:xfrm>
+        <a:graphic>
+          <a:graphicData uri="http://schemas.openxmlformats.org/drawingml/2006/chart">
+            <c:chart xmlns:c="http://schemas.openxmlformats.org/drawingml/2006/chart" xmlns:r="http://schemas.openxmlformats.org/officeDocument/2006/relationships" r:id="rId2"/>
+          </a:graphicData>
+        </a:graphic>
+      </p:graphicFrame>
     </p:spTree>
     <p:extLst>
       <p:ext uri="{BB962C8B-B14F-4D97-AF65-F5344CB8AC3E}">
-        <p14:creationId xmlns:p14="http://schemas.microsoft.com/office/powerpoint/2010/main" val="1189126351"/>
+        <p14:creationId xmlns:p14="http://schemas.microsoft.com/office/powerpoint/2010/main" val="2416332863"/>
       </p:ext>
     </p:extLst>
   </p:cSld>
@@ -12222,151 +13356,6 @@
 </file>
 
 <file path=customXml/item1.xml><?xml version="1.0" encoding="utf-8"?>
-<?mso-contentType ?>
-<FormTemplates xmlns="http://schemas.microsoft.com/sharepoint/v3/contenttype/forms">
-  <Display>DocumentLibraryForm</Display>
-  <Edit>AssetEditForm</Edit>
-  <New>DocumentLibraryForm</New>
-</FormTemplates>
-</file>
-
-<file path=customXml/item2.xml><?xml version="1.0" encoding="utf-8"?>
-<p:properties xmlns:p="http://schemas.microsoft.com/office/2006/metadata/properties" xmlns:xsi="http://www.w3.org/2001/XMLSchema-instance" xmlns:pc="http://schemas.microsoft.com/office/infopath/2007/PartnerControls">
-  <documentManagement>
-    <LocPublishedLinkedAssetsLookup xmlns="4873beb7-5857-4685-be1f-d57550cc96cc" xsi:nil="true"/>
-    <ApprovalStatus xmlns="4873beb7-5857-4685-be1f-d57550cc96cc">InProgress</ApprovalStatus>
-    <MarketSpecific xmlns="4873beb7-5857-4685-be1f-d57550cc96cc">false</MarketSpecific>
-    <LocComments xmlns="4873beb7-5857-4685-be1f-d57550cc96cc" xsi:nil="true"/>
-    <LocLastLocAttemptVersionTypeLookup xmlns="4873beb7-5857-4685-be1f-d57550cc96cc" xsi:nil="true"/>
-    <DirectSourceMarket xmlns="4873beb7-5857-4685-be1f-d57550cc96cc" xsi:nil="true"/>
-    <ThumbnailAssetId xmlns="4873beb7-5857-4685-be1f-d57550cc96cc" xsi:nil="true"/>
-    <PrimaryImageGen xmlns="4873beb7-5857-4685-be1f-d57550cc96cc">false</PrimaryImageGen>
-    <LocNewPublishedVersionLookup xmlns="4873beb7-5857-4685-be1f-d57550cc96cc" xsi:nil="true"/>
-    <LegacyData xmlns="4873beb7-5857-4685-be1f-d57550cc96cc" xsi:nil="true"/>
-    <LocRecommendedHandoff xmlns="4873beb7-5857-4685-be1f-d57550cc96cc" xsi:nil="true"/>
-    <BusinessGroup xmlns="4873beb7-5857-4685-be1f-d57550cc96cc" xsi:nil="true"/>
-    <BlockPublish xmlns="4873beb7-5857-4685-be1f-d57550cc96cc">false</BlockPublish>
-    <TPFriendlyName xmlns="4873beb7-5857-4685-be1f-d57550cc96cc" xsi:nil="true"/>
-    <LocOverallPublishStatusLookup xmlns="4873beb7-5857-4685-be1f-d57550cc96cc" xsi:nil="true"/>
-    <NumericId xmlns="4873beb7-5857-4685-be1f-d57550cc96cc" xsi:nil="true"/>
-    <APEditor xmlns="4873beb7-5857-4685-be1f-d57550cc96cc">
-      <UserInfo>
-        <DisplayName/>
-        <AccountId xsi:nil="true"/>
-        <AccountType/>
-      </UserInfo>
-    </APEditor>
-    <SourceTitle xmlns="4873beb7-5857-4685-be1f-d57550cc96cc" xsi:nil="true"/>
-    <OpenTemplate xmlns="4873beb7-5857-4685-be1f-d57550cc96cc">true</OpenTemplate>
-    <LocOverallLocStatusLookup xmlns="4873beb7-5857-4685-be1f-d57550cc96cc" xsi:nil="true"/>
-    <UALocComments xmlns="4873beb7-5857-4685-be1f-d57550cc96cc" xsi:nil="true"/>
-    <ParentAssetId xmlns="4873beb7-5857-4685-be1f-d57550cc96cc" xsi:nil="true"/>
-    <IntlLangReviewDate xmlns="4873beb7-5857-4685-be1f-d57550cc96cc" xsi:nil="true"/>
-    <FeatureTagsTaxHTField0 xmlns="4873beb7-5857-4685-be1f-d57550cc96cc">
-      <Terms xmlns="http://schemas.microsoft.com/office/infopath/2007/PartnerControls"/>
-    </FeatureTagsTaxHTField0>
-    <PublishStatusLookup xmlns="4873beb7-5857-4685-be1f-d57550cc96cc">
-      <Value>1345093</Value>
-    </PublishStatusLookup>
-    <Providers xmlns="4873beb7-5857-4685-be1f-d57550cc96cc" xsi:nil="true"/>
-    <MachineTranslated xmlns="4873beb7-5857-4685-be1f-d57550cc96cc">false</MachineTranslated>
-    <OriginalSourceMarket xmlns="4873beb7-5857-4685-be1f-d57550cc96cc" xsi:nil="true"/>
-    <APDescription xmlns="4873beb7-5857-4685-be1f-d57550cc96cc">This simple template design works for technology and  businesses, but it's versatile enough to use in other contexts.  It features multiple slide layouts designed for widescreen (16x9 resolution) and includes a sample SmartArt list and chart that are easily editable.</APDescription>
-    <ClipArtFilename xmlns="4873beb7-5857-4685-be1f-d57550cc96cc" xsi:nil="true"/>
-    <ContentItem xmlns="4873beb7-5857-4685-be1f-d57550cc96cc" xsi:nil="true"/>
-    <TPInstallLocation xmlns="4873beb7-5857-4685-be1f-d57550cc96cc" xsi:nil="true"/>
-    <PublishTargets xmlns="4873beb7-5857-4685-be1f-d57550cc96cc">OfficeOnlineVNext</PublishTargets>
-    <TimesCloned xmlns="4873beb7-5857-4685-be1f-d57550cc96cc" xsi:nil="true"/>
-    <AssetStart xmlns="4873beb7-5857-4685-be1f-d57550cc96cc">2011-11-26T00:30:00+00:00</AssetStart>
-    <Provider xmlns="4873beb7-5857-4685-be1f-d57550cc96cc" xsi:nil="true"/>
-    <AcquiredFrom xmlns="4873beb7-5857-4685-be1f-d57550cc96cc">Internal MS</AcquiredFrom>
-    <FriendlyTitle xmlns="4873beb7-5857-4685-be1f-d57550cc96cc" xsi:nil="true"/>
-    <LastHandOff xmlns="4873beb7-5857-4685-be1f-d57550cc96cc" xsi:nil="true"/>
-    <TPClientViewer xmlns="4873beb7-5857-4685-be1f-d57550cc96cc" xsi:nil="true"/>
-    <TemplateStatus xmlns="4873beb7-5857-4685-be1f-d57550cc96cc">Complete</TemplateStatus>
-    <Downloads xmlns="4873beb7-5857-4685-be1f-d57550cc96cc">0</Downloads>
-    <OOCacheId xmlns="4873beb7-5857-4685-be1f-d57550cc96cc" xsi:nil="true"/>
-    <IsDeleted xmlns="4873beb7-5857-4685-be1f-d57550cc96cc">false</IsDeleted>
-    <LocPublishedDependentAssetsLookup xmlns="4873beb7-5857-4685-be1f-d57550cc96cc" xsi:nil="true"/>
-    <TPExecutable xmlns="4873beb7-5857-4685-be1f-d57550cc96cc" xsi:nil="true"/>
-    <EditorialTags xmlns="4873beb7-5857-4685-be1f-d57550cc96cc" xsi:nil="true"/>
-    <SubmitterId xmlns="4873beb7-5857-4685-be1f-d57550cc96cc" xsi:nil="true"/>
-    <ApprovalLog xmlns="4873beb7-5857-4685-be1f-d57550cc96cc" xsi:nil="true"/>
-    <AssetType xmlns="4873beb7-5857-4685-be1f-d57550cc96cc">TP</AssetType>
-    <BugNumber xmlns="4873beb7-5857-4685-be1f-d57550cc96cc" xsi:nil="true"/>
-    <CSXSubmissionDate xmlns="4873beb7-5857-4685-be1f-d57550cc96cc" xsi:nil="true"/>
-    <CSXUpdate xmlns="4873beb7-5857-4685-be1f-d57550cc96cc">false</CSXUpdate>
-    <Milestone xmlns="4873beb7-5857-4685-be1f-d57550cc96cc" xsi:nil="true"/>
-    <RecommendationsModifier xmlns="4873beb7-5857-4685-be1f-d57550cc96cc" xsi:nil="true"/>
-    <OriginAsset xmlns="4873beb7-5857-4685-be1f-d57550cc96cc" xsi:nil="true"/>
-    <TPComponent xmlns="4873beb7-5857-4685-be1f-d57550cc96cc" xsi:nil="true"/>
-    <AssetId xmlns="4873beb7-5857-4685-be1f-d57550cc96cc">TP102787989</AssetId>
-    <IntlLocPriority xmlns="4873beb7-5857-4685-be1f-d57550cc96cc" xsi:nil="true"/>
-    <PolicheckWords xmlns="4873beb7-5857-4685-be1f-d57550cc96cc" xsi:nil="true"/>
-    <TPLaunchHelpLink xmlns="4873beb7-5857-4685-be1f-d57550cc96cc" xsi:nil="true"/>
-    <TPApplication xmlns="4873beb7-5857-4685-be1f-d57550cc96cc" xsi:nil="true"/>
-    <CrawlForDependencies xmlns="4873beb7-5857-4685-be1f-d57550cc96cc">false</CrawlForDependencies>
-    <HandoffToMSDN xmlns="4873beb7-5857-4685-be1f-d57550cc96cc" xsi:nil="true"/>
-    <PlannedPubDate xmlns="4873beb7-5857-4685-be1f-d57550cc96cc" xsi:nil="true"/>
-    <IntlLangReviewer xmlns="4873beb7-5857-4685-be1f-d57550cc96cc" xsi:nil="true"/>
-    <TrustLevel xmlns="4873beb7-5857-4685-be1f-d57550cc96cc">1 Microsoft Managed Content</TrustLevel>
-    <LocLastLocAttemptVersionLookup xmlns="4873beb7-5857-4685-be1f-d57550cc96cc">694266</LocLastLocAttemptVersionLookup>
-    <LocProcessedForHandoffsLookup xmlns="4873beb7-5857-4685-be1f-d57550cc96cc" xsi:nil="true"/>
-    <IsSearchable xmlns="4873beb7-5857-4685-be1f-d57550cc96cc">true</IsSearchable>
-    <TemplateTemplateType xmlns="4873beb7-5857-4685-be1f-d57550cc96cc">PowerPoint Presentation Template</TemplateTemplateType>
-    <CampaignTagsTaxHTField0 xmlns="4873beb7-5857-4685-be1f-d57550cc96cc">
-      <Terms xmlns="http://schemas.microsoft.com/office/infopath/2007/PartnerControls"/>
-    </CampaignTagsTaxHTField0>
-    <TPNamespace xmlns="4873beb7-5857-4685-be1f-d57550cc96cc" xsi:nil="true"/>
-    <LocOverallPreviewStatusLookup xmlns="4873beb7-5857-4685-be1f-d57550cc96cc" xsi:nil="true"/>
-    <TaxCatchAll xmlns="4873beb7-5857-4685-be1f-d57550cc96cc"/>
-    <Markets xmlns="4873beb7-5857-4685-be1f-d57550cc96cc"/>
-    <UAProjectedTotalWords xmlns="4873beb7-5857-4685-be1f-d57550cc96cc" xsi:nil="true"/>
-    <IntlLangReview xmlns="4873beb7-5857-4685-be1f-d57550cc96cc" xsi:nil="true"/>
-    <OutputCachingOn xmlns="4873beb7-5857-4685-be1f-d57550cc96cc">false</OutputCachingOn>
-    <AverageRating xmlns="4873beb7-5857-4685-be1f-d57550cc96cc" xsi:nil="true"/>
-    <APAuthor xmlns="4873beb7-5857-4685-be1f-d57550cc96cc">
-      <UserInfo>
-        <DisplayName>REDMOND\kristaa</DisplayName>
-        <AccountId>136</AccountId>
-        <AccountType/>
-      </UserInfo>
-    </APAuthor>
-    <LocManualTestRequired xmlns="4873beb7-5857-4685-be1f-d57550cc96cc">false</LocManualTestRequired>
-    <TPCommandLine xmlns="4873beb7-5857-4685-be1f-d57550cc96cc" xsi:nil="true"/>
-    <TPAppVersion xmlns="4873beb7-5857-4685-be1f-d57550cc96cc" xsi:nil="true"/>
-    <EditorialStatus xmlns="4873beb7-5857-4685-be1f-d57550cc96cc">Complete</EditorialStatus>
-    <LastModifiedDateTime xmlns="4873beb7-5857-4685-be1f-d57550cc96cc" xsi:nil="true"/>
-    <ScenarioTagsTaxHTField0 xmlns="4873beb7-5857-4685-be1f-d57550cc96cc">
-      <Terms xmlns="http://schemas.microsoft.com/office/infopath/2007/PartnerControls"/>
-    </ScenarioTagsTaxHTField0>
-    <LocProcessedForMarketsLookup xmlns="4873beb7-5857-4685-be1f-d57550cc96cc" xsi:nil="true"/>
-    <TPLaunchHelpLinkType xmlns="4873beb7-5857-4685-be1f-d57550cc96cc">Template</TPLaunchHelpLinkType>
-    <OriginalRelease xmlns="4873beb7-5857-4685-be1f-d57550cc96cc">15</OriginalRelease>
-    <LocalizationTagsTaxHTField0 xmlns="4873beb7-5857-4685-be1f-d57550cc96cc">
-      <Terms xmlns="http://schemas.microsoft.com/office/infopath/2007/PartnerControls"/>
-    </LocalizationTagsTaxHTField0>
-    <UACurrentWords xmlns="4873beb7-5857-4685-be1f-d57550cc96cc" xsi:nil="true"/>
-    <ArtSampleDocs xmlns="4873beb7-5857-4685-be1f-d57550cc96cc" xsi:nil="true"/>
-    <UALocRecommendation xmlns="4873beb7-5857-4685-be1f-d57550cc96cc">Localize</UALocRecommendation>
-    <Manager xmlns="4873beb7-5857-4685-be1f-d57550cc96cc" xsi:nil="true"/>
-    <LocOverallHandbackStatusLookup xmlns="4873beb7-5857-4685-be1f-d57550cc96cc" xsi:nil="true"/>
-    <ShowIn xmlns="4873beb7-5857-4685-be1f-d57550cc96cc">Show everywhere</ShowIn>
-    <UANotes xmlns="4873beb7-5857-4685-be1f-d57550cc96cc" xsi:nil="true"/>
-    <InternalTagsTaxHTField0 xmlns="4873beb7-5857-4685-be1f-d57550cc96cc">
-      <Terms xmlns="http://schemas.microsoft.com/office/infopath/2007/PartnerControls"/>
-    </InternalTagsTaxHTField0>
-    <CSXHash xmlns="4873beb7-5857-4685-be1f-d57550cc96cc" xsi:nil="true"/>
-    <VoteCount xmlns="4873beb7-5857-4685-be1f-d57550cc96cc" xsi:nil="true"/>
-    <AssetExpire xmlns="4873beb7-5857-4685-be1f-d57550cc96cc">2029-05-12T07:00:00+00:00</AssetExpire>
-    <DSATActionTaken xmlns="4873beb7-5857-4685-be1f-d57550cc96cc" xsi:nil="true"/>
-    <CSXSubmissionMarket xmlns="4873beb7-5857-4685-be1f-d57550cc96cc" xsi:nil="true"/>
-    <LocMarketGroupTiers2 xmlns="4873beb7-5857-4685-be1f-d57550cc96cc" xsi:nil="true"/>
-  </documentManagement>
-</p:properties>
-</file>
-
-<file path=customXml/item3.xml><?xml version="1.0" encoding="utf-8"?>
 <ct:contentTypeSchema xmlns:ct="http://schemas.microsoft.com/office/2006/metadata/contentType" xmlns:ma="http://schemas.microsoft.com/office/2006/metadata/properties/metaAttributes" ct:_="" ma:_="" ma:contentTypeName="TemplateFile" ma:contentTypeID="0x0101006EDDDB5EE6D98C44930B742096920B300400F5B6D36B3EF94B4E9A635CDF2A18F5B8" ma:contentTypeVersion="72" ma:contentTypeDescription="Create a new document." ma:contentTypeScope="" ma:versionID="a23e56308344d904b51738559c3d67c9">
   <xsd:schema xmlns:xsd="http://www.w3.org/2001/XMLSchema" xmlns:xs="http://www.w3.org/2001/XMLSchema" xmlns:p="http://schemas.microsoft.com/office/2006/metadata/properties" xmlns:ns2="4873beb7-5857-4685-be1f-d57550cc96cc" targetNamespace="http://schemas.microsoft.com/office/2006/metadata/properties" ma:root="true" ma:fieldsID="cd0908cc4600e77bf5da051303e00c8d" ns2:_="">
     <xsd:import namespace="4873beb7-5857-4685-be1f-d57550cc96cc"/>
@@ -13406,10 +14395,165 @@
 </ct:contentTypeSchema>
 </file>
 
+<file path=customXml/item2.xml><?xml version="1.0" encoding="utf-8"?>
+<p:properties xmlns:p="http://schemas.microsoft.com/office/2006/metadata/properties" xmlns:xsi="http://www.w3.org/2001/XMLSchema-instance" xmlns:pc="http://schemas.microsoft.com/office/infopath/2007/PartnerControls">
+  <documentManagement>
+    <LocPublishedLinkedAssetsLookup xmlns="4873beb7-5857-4685-be1f-d57550cc96cc" xsi:nil="true"/>
+    <ApprovalStatus xmlns="4873beb7-5857-4685-be1f-d57550cc96cc">InProgress</ApprovalStatus>
+    <MarketSpecific xmlns="4873beb7-5857-4685-be1f-d57550cc96cc">false</MarketSpecific>
+    <LocComments xmlns="4873beb7-5857-4685-be1f-d57550cc96cc" xsi:nil="true"/>
+    <LocLastLocAttemptVersionTypeLookup xmlns="4873beb7-5857-4685-be1f-d57550cc96cc" xsi:nil="true"/>
+    <DirectSourceMarket xmlns="4873beb7-5857-4685-be1f-d57550cc96cc" xsi:nil="true"/>
+    <ThumbnailAssetId xmlns="4873beb7-5857-4685-be1f-d57550cc96cc" xsi:nil="true"/>
+    <PrimaryImageGen xmlns="4873beb7-5857-4685-be1f-d57550cc96cc">false</PrimaryImageGen>
+    <LocNewPublishedVersionLookup xmlns="4873beb7-5857-4685-be1f-d57550cc96cc" xsi:nil="true"/>
+    <LegacyData xmlns="4873beb7-5857-4685-be1f-d57550cc96cc" xsi:nil="true"/>
+    <LocRecommendedHandoff xmlns="4873beb7-5857-4685-be1f-d57550cc96cc" xsi:nil="true"/>
+    <BusinessGroup xmlns="4873beb7-5857-4685-be1f-d57550cc96cc" xsi:nil="true"/>
+    <BlockPublish xmlns="4873beb7-5857-4685-be1f-d57550cc96cc">false</BlockPublish>
+    <TPFriendlyName xmlns="4873beb7-5857-4685-be1f-d57550cc96cc" xsi:nil="true"/>
+    <LocOverallPublishStatusLookup xmlns="4873beb7-5857-4685-be1f-d57550cc96cc" xsi:nil="true"/>
+    <NumericId xmlns="4873beb7-5857-4685-be1f-d57550cc96cc" xsi:nil="true"/>
+    <APEditor xmlns="4873beb7-5857-4685-be1f-d57550cc96cc">
+      <UserInfo>
+        <DisplayName/>
+        <AccountId xsi:nil="true"/>
+        <AccountType/>
+      </UserInfo>
+    </APEditor>
+    <SourceTitle xmlns="4873beb7-5857-4685-be1f-d57550cc96cc" xsi:nil="true"/>
+    <OpenTemplate xmlns="4873beb7-5857-4685-be1f-d57550cc96cc">true</OpenTemplate>
+    <LocOverallLocStatusLookup xmlns="4873beb7-5857-4685-be1f-d57550cc96cc" xsi:nil="true"/>
+    <UALocComments xmlns="4873beb7-5857-4685-be1f-d57550cc96cc" xsi:nil="true"/>
+    <ParentAssetId xmlns="4873beb7-5857-4685-be1f-d57550cc96cc" xsi:nil="true"/>
+    <IntlLangReviewDate xmlns="4873beb7-5857-4685-be1f-d57550cc96cc" xsi:nil="true"/>
+    <FeatureTagsTaxHTField0 xmlns="4873beb7-5857-4685-be1f-d57550cc96cc">
+      <Terms xmlns="http://schemas.microsoft.com/office/infopath/2007/PartnerControls"/>
+    </FeatureTagsTaxHTField0>
+    <PublishStatusLookup xmlns="4873beb7-5857-4685-be1f-d57550cc96cc">
+      <Value>1345093</Value>
+    </PublishStatusLookup>
+    <Providers xmlns="4873beb7-5857-4685-be1f-d57550cc96cc" xsi:nil="true"/>
+    <MachineTranslated xmlns="4873beb7-5857-4685-be1f-d57550cc96cc">false</MachineTranslated>
+    <OriginalSourceMarket xmlns="4873beb7-5857-4685-be1f-d57550cc96cc" xsi:nil="true"/>
+    <APDescription xmlns="4873beb7-5857-4685-be1f-d57550cc96cc">This simple template design works for technology and  businesses, but it's versatile enough to use in other contexts.  It features multiple slide layouts designed for widescreen (16x9 resolution) and includes a sample SmartArt list and chart that are easily editable.</APDescription>
+    <ClipArtFilename xmlns="4873beb7-5857-4685-be1f-d57550cc96cc" xsi:nil="true"/>
+    <ContentItem xmlns="4873beb7-5857-4685-be1f-d57550cc96cc" xsi:nil="true"/>
+    <TPInstallLocation xmlns="4873beb7-5857-4685-be1f-d57550cc96cc" xsi:nil="true"/>
+    <PublishTargets xmlns="4873beb7-5857-4685-be1f-d57550cc96cc">OfficeOnlineVNext</PublishTargets>
+    <TimesCloned xmlns="4873beb7-5857-4685-be1f-d57550cc96cc" xsi:nil="true"/>
+    <AssetStart xmlns="4873beb7-5857-4685-be1f-d57550cc96cc">2011-11-26T00:30:00+00:00</AssetStart>
+    <Provider xmlns="4873beb7-5857-4685-be1f-d57550cc96cc" xsi:nil="true"/>
+    <AcquiredFrom xmlns="4873beb7-5857-4685-be1f-d57550cc96cc">Internal MS</AcquiredFrom>
+    <FriendlyTitle xmlns="4873beb7-5857-4685-be1f-d57550cc96cc" xsi:nil="true"/>
+    <LastHandOff xmlns="4873beb7-5857-4685-be1f-d57550cc96cc" xsi:nil="true"/>
+    <TPClientViewer xmlns="4873beb7-5857-4685-be1f-d57550cc96cc" xsi:nil="true"/>
+    <TemplateStatus xmlns="4873beb7-5857-4685-be1f-d57550cc96cc">Complete</TemplateStatus>
+    <Downloads xmlns="4873beb7-5857-4685-be1f-d57550cc96cc">0</Downloads>
+    <OOCacheId xmlns="4873beb7-5857-4685-be1f-d57550cc96cc" xsi:nil="true"/>
+    <IsDeleted xmlns="4873beb7-5857-4685-be1f-d57550cc96cc">false</IsDeleted>
+    <LocPublishedDependentAssetsLookup xmlns="4873beb7-5857-4685-be1f-d57550cc96cc" xsi:nil="true"/>
+    <TPExecutable xmlns="4873beb7-5857-4685-be1f-d57550cc96cc" xsi:nil="true"/>
+    <EditorialTags xmlns="4873beb7-5857-4685-be1f-d57550cc96cc" xsi:nil="true"/>
+    <SubmitterId xmlns="4873beb7-5857-4685-be1f-d57550cc96cc" xsi:nil="true"/>
+    <ApprovalLog xmlns="4873beb7-5857-4685-be1f-d57550cc96cc" xsi:nil="true"/>
+    <AssetType xmlns="4873beb7-5857-4685-be1f-d57550cc96cc">TP</AssetType>
+    <BugNumber xmlns="4873beb7-5857-4685-be1f-d57550cc96cc" xsi:nil="true"/>
+    <CSXSubmissionDate xmlns="4873beb7-5857-4685-be1f-d57550cc96cc" xsi:nil="true"/>
+    <CSXUpdate xmlns="4873beb7-5857-4685-be1f-d57550cc96cc">false</CSXUpdate>
+    <Milestone xmlns="4873beb7-5857-4685-be1f-d57550cc96cc" xsi:nil="true"/>
+    <RecommendationsModifier xmlns="4873beb7-5857-4685-be1f-d57550cc96cc" xsi:nil="true"/>
+    <OriginAsset xmlns="4873beb7-5857-4685-be1f-d57550cc96cc" xsi:nil="true"/>
+    <TPComponent xmlns="4873beb7-5857-4685-be1f-d57550cc96cc" xsi:nil="true"/>
+    <AssetId xmlns="4873beb7-5857-4685-be1f-d57550cc96cc">TP102787989</AssetId>
+    <IntlLocPriority xmlns="4873beb7-5857-4685-be1f-d57550cc96cc" xsi:nil="true"/>
+    <PolicheckWords xmlns="4873beb7-5857-4685-be1f-d57550cc96cc" xsi:nil="true"/>
+    <TPLaunchHelpLink xmlns="4873beb7-5857-4685-be1f-d57550cc96cc" xsi:nil="true"/>
+    <TPApplication xmlns="4873beb7-5857-4685-be1f-d57550cc96cc" xsi:nil="true"/>
+    <CrawlForDependencies xmlns="4873beb7-5857-4685-be1f-d57550cc96cc">false</CrawlForDependencies>
+    <HandoffToMSDN xmlns="4873beb7-5857-4685-be1f-d57550cc96cc" xsi:nil="true"/>
+    <PlannedPubDate xmlns="4873beb7-5857-4685-be1f-d57550cc96cc" xsi:nil="true"/>
+    <IntlLangReviewer xmlns="4873beb7-5857-4685-be1f-d57550cc96cc" xsi:nil="true"/>
+    <TrustLevel xmlns="4873beb7-5857-4685-be1f-d57550cc96cc">1 Microsoft Managed Content</TrustLevel>
+    <LocLastLocAttemptVersionLookup xmlns="4873beb7-5857-4685-be1f-d57550cc96cc">694266</LocLastLocAttemptVersionLookup>
+    <LocProcessedForHandoffsLookup xmlns="4873beb7-5857-4685-be1f-d57550cc96cc" xsi:nil="true"/>
+    <IsSearchable xmlns="4873beb7-5857-4685-be1f-d57550cc96cc">true</IsSearchable>
+    <TemplateTemplateType xmlns="4873beb7-5857-4685-be1f-d57550cc96cc">PowerPoint Presentation Template</TemplateTemplateType>
+    <CampaignTagsTaxHTField0 xmlns="4873beb7-5857-4685-be1f-d57550cc96cc">
+      <Terms xmlns="http://schemas.microsoft.com/office/infopath/2007/PartnerControls"/>
+    </CampaignTagsTaxHTField0>
+    <TPNamespace xmlns="4873beb7-5857-4685-be1f-d57550cc96cc" xsi:nil="true"/>
+    <LocOverallPreviewStatusLookup xmlns="4873beb7-5857-4685-be1f-d57550cc96cc" xsi:nil="true"/>
+    <TaxCatchAll xmlns="4873beb7-5857-4685-be1f-d57550cc96cc"/>
+    <Markets xmlns="4873beb7-5857-4685-be1f-d57550cc96cc"/>
+    <UAProjectedTotalWords xmlns="4873beb7-5857-4685-be1f-d57550cc96cc" xsi:nil="true"/>
+    <IntlLangReview xmlns="4873beb7-5857-4685-be1f-d57550cc96cc" xsi:nil="true"/>
+    <OutputCachingOn xmlns="4873beb7-5857-4685-be1f-d57550cc96cc">false</OutputCachingOn>
+    <AverageRating xmlns="4873beb7-5857-4685-be1f-d57550cc96cc" xsi:nil="true"/>
+    <APAuthor xmlns="4873beb7-5857-4685-be1f-d57550cc96cc">
+      <UserInfo>
+        <DisplayName>REDMOND\kristaa</DisplayName>
+        <AccountId>136</AccountId>
+        <AccountType/>
+      </UserInfo>
+    </APAuthor>
+    <LocManualTestRequired xmlns="4873beb7-5857-4685-be1f-d57550cc96cc">false</LocManualTestRequired>
+    <TPCommandLine xmlns="4873beb7-5857-4685-be1f-d57550cc96cc" xsi:nil="true"/>
+    <TPAppVersion xmlns="4873beb7-5857-4685-be1f-d57550cc96cc" xsi:nil="true"/>
+    <EditorialStatus xmlns="4873beb7-5857-4685-be1f-d57550cc96cc">Complete</EditorialStatus>
+    <LastModifiedDateTime xmlns="4873beb7-5857-4685-be1f-d57550cc96cc" xsi:nil="true"/>
+    <ScenarioTagsTaxHTField0 xmlns="4873beb7-5857-4685-be1f-d57550cc96cc">
+      <Terms xmlns="http://schemas.microsoft.com/office/infopath/2007/PartnerControls"/>
+    </ScenarioTagsTaxHTField0>
+    <LocProcessedForMarketsLookup xmlns="4873beb7-5857-4685-be1f-d57550cc96cc" xsi:nil="true"/>
+    <TPLaunchHelpLinkType xmlns="4873beb7-5857-4685-be1f-d57550cc96cc">Template</TPLaunchHelpLinkType>
+    <OriginalRelease xmlns="4873beb7-5857-4685-be1f-d57550cc96cc">15</OriginalRelease>
+    <LocalizationTagsTaxHTField0 xmlns="4873beb7-5857-4685-be1f-d57550cc96cc">
+      <Terms xmlns="http://schemas.microsoft.com/office/infopath/2007/PartnerControls"/>
+    </LocalizationTagsTaxHTField0>
+    <UACurrentWords xmlns="4873beb7-5857-4685-be1f-d57550cc96cc" xsi:nil="true"/>
+    <ArtSampleDocs xmlns="4873beb7-5857-4685-be1f-d57550cc96cc" xsi:nil="true"/>
+    <UALocRecommendation xmlns="4873beb7-5857-4685-be1f-d57550cc96cc">Localize</UALocRecommendation>
+    <Manager xmlns="4873beb7-5857-4685-be1f-d57550cc96cc" xsi:nil="true"/>
+    <LocOverallHandbackStatusLookup xmlns="4873beb7-5857-4685-be1f-d57550cc96cc" xsi:nil="true"/>
+    <ShowIn xmlns="4873beb7-5857-4685-be1f-d57550cc96cc">Show everywhere</ShowIn>
+    <UANotes xmlns="4873beb7-5857-4685-be1f-d57550cc96cc" xsi:nil="true"/>
+    <InternalTagsTaxHTField0 xmlns="4873beb7-5857-4685-be1f-d57550cc96cc">
+      <Terms xmlns="http://schemas.microsoft.com/office/infopath/2007/PartnerControls"/>
+    </InternalTagsTaxHTField0>
+    <CSXHash xmlns="4873beb7-5857-4685-be1f-d57550cc96cc" xsi:nil="true"/>
+    <VoteCount xmlns="4873beb7-5857-4685-be1f-d57550cc96cc" xsi:nil="true"/>
+    <AssetExpire xmlns="4873beb7-5857-4685-be1f-d57550cc96cc">2029-05-12T07:00:00+00:00</AssetExpire>
+    <DSATActionTaken xmlns="4873beb7-5857-4685-be1f-d57550cc96cc" xsi:nil="true"/>
+    <CSXSubmissionMarket xmlns="4873beb7-5857-4685-be1f-d57550cc96cc" xsi:nil="true"/>
+    <LocMarketGroupTiers2 xmlns="4873beb7-5857-4685-be1f-d57550cc96cc" xsi:nil="true"/>
+  </documentManagement>
+</p:properties>
+</file>
+
+<file path=customXml/item3.xml><?xml version="1.0" encoding="utf-8"?>
+<?mso-contentType ?>
+<FormTemplates xmlns="http://schemas.microsoft.com/sharepoint/v3/contenttype/forms">
+  <Display>DocumentLibraryForm</Display>
+  <Edit>AssetEditForm</Edit>
+  <New>DocumentLibraryForm</New>
+</FormTemplates>
+</file>
+
 <file path=customXml/itemProps1.xml><?xml version="1.0" encoding="utf-8"?>
-<ds:datastoreItem xmlns:ds="http://schemas.openxmlformats.org/officeDocument/2006/customXml" ds:itemID="{3836F65B-1B07-41EE-A0E8-BC6EF3855225}">
+<ds:datastoreItem xmlns:ds="http://schemas.openxmlformats.org/officeDocument/2006/customXml" ds:itemID="{A09BF4D4-EF60-4196-BFC3-9462D607978C}">
   <ds:schemaRefs>
-    <ds:schemaRef ds:uri="http://schemas.microsoft.com/sharepoint/v3/contenttype/forms"/>
+    <ds:schemaRef ds:uri="http://schemas.microsoft.com/office/2006/metadata/contentType"/>
+    <ds:schemaRef ds:uri="http://schemas.microsoft.com/office/2006/metadata/properties/metaAttributes"/>
+    <ds:schemaRef ds:uri="http://www.w3.org/2001/XMLSchema"/>
+    <ds:schemaRef ds:uri="http://schemas.microsoft.com/office/2006/metadata/properties"/>
+    <ds:schemaRef ds:uri="4873beb7-5857-4685-be1f-d57550cc96cc"/>
+    <ds:schemaRef ds:uri="http://schemas.microsoft.com/office/2006/documentManagement/types"/>
+    <ds:schemaRef ds:uri="http://schemas.microsoft.com/office/infopath/2007/PartnerControls"/>
+    <ds:schemaRef ds:uri="http://schemas.openxmlformats.org/package/2006/metadata/core-properties"/>
+    <ds:schemaRef ds:uri="http://purl.org/dc/elements/1.1/"/>
+    <ds:schemaRef ds:uri="http://purl.org/dc/terms/"/>
+    <ds:schemaRef ds:uri="http://schemas.microsoft.com/internal/obd"/>
   </ds:schemaRefs>
 </ds:datastoreItem>
 </file>
@@ -13431,19 +14575,9 @@
 </file>
 
 <file path=customXml/itemProps3.xml><?xml version="1.0" encoding="utf-8"?>
-<ds:datastoreItem xmlns:ds="http://schemas.openxmlformats.org/officeDocument/2006/customXml" ds:itemID="{A09BF4D4-EF60-4196-BFC3-9462D607978C}">
+<ds:datastoreItem xmlns:ds="http://schemas.openxmlformats.org/officeDocument/2006/customXml" ds:itemID="{3836F65B-1B07-41EE-A0E8-BC6EF3855225}">
   <ds:schemaRefs>
-    <ds:schemaRef ds:uri="http://schemas.microsoft.com/office/2006/metadata/contentType"/>
-    <ds:schemaRef ds:uri="http://schemas.microsoft.com/office/2006/metadata/properties/metaAttributes"/>
-    <ds:schemaRef ds:uri="http://www.w3.org/2001/XMLSchema"/>
-    <ds:schemaRef ds:uri="http://schemas.microsoft.com/office/2006/metadata/properties"/>
-    <ds:schemaRef ds:uri="4873beb7-5857-4685-be1f-d57550cc96cc"/>
-    <ds:schemaRef ds:uri="http://schemas.microsoft.com/office/2006/documentManagement/types"/>
-    <ds:schemaRef ds:uri="http://schemas.microsoft.com/office/infopath/2007/PartnerControls"/>
-    <ds:schemaRef ds:uri="http://schemas.openxmlformats.org/package/2006/metadata/core-properties"/>
-    <ds:schemaRef ds:uri="http://purl.org/dc/elements/1.1/"/>
-    <ds:schemaRef ds:uri="http://purl.org/dc/terms/"/>
-    <ds:schemaRef ds:uri="http://schemas.microsoft.com/internal/obd"/>
+    <ds:schemaRef ds:uri="http://schemas.microsoft.com/sharepoint/v3/contenttype/forms"/>
   </ds:schemaRefs>
 </ds:datastoreItem>
 </file>
--- a/documentazione/presentazione.pptx
+++ b/documentazione/presentazione.pptx
@@ -5,23 +5,28 @@
     <p:sldMasterId id="2147483660" r:id="rId4"/>
   </p:sldMasterIdLst>
   <p:notesMasterIdLst>
-    <p:notesMasterId r:id="rId16"/>
+    <p:notesMasterId r:id="rId21"/>
   </p:notesMasterIdLst>
   <p:handoutMasterIdLst>
-    <p:handoutMasterId r:id="rId17"/>
+    <p:handoutMasterId r:id="rId22"/>
   </p:handoutMasterIdLst>
   <p:sldIdLst>
     <p:sldId id="257" r:id="rId5"/>
     <p:sldId id="256" r:id="rId6"/>
     <p:sldId id="273" r:id="rId7"/>
     <p:sldId id="272" r:id="rId8"/>
-    <p:sldId id="258" r:id="rId9"/>
-    <p:sldId id="274" r:id="rId10"/>
-    <p:sldId id="275" r:id="rId11"/>
-    <p:sldId id="276" r:id="rId12"/>
-    <p:sldId id="277" r:id="rId13"/>
-    <p:sldId id="278" r:id="rId14"/>
+    <p:sldId id="274" r:id="rId9"/>
+    <p:sldId id="275" r:id="rId10"/>
+    <p:sldId id="276" r:id="rId11"/>
+    <p:sldId id="277" r:id="rId12"/>
+    <p:sldId id="289" r:id="rId13"/>
+    <p:sldId id="288" r:id="rId14"/>
     <p:sldId id="280" r:id="rId15"/>
+    <p:sldId id="281" r:id="rId16"/>
+    <p:sldId id="282" r:id="rId17"/>
+    <p:sldId id="284" r:id="rId18"/>
+    <p:sldId id="285" r:id="rId19"/>
+    <p:sldId id="287" r:id="rId20"/>
   </p:sldIdLst>
   <p:sldSz cx="12188825" cy="6858000"/>
   <p:notesSz cx="6858000" cy="9144000"/>
@@ -1721,40 +1726,8 @@
               </a:defRPr>
             </a:pPr>
             <a:r>
-              <a:rPr lang="it-IT" dirty="0"/>
-              <a:t>CPU </a:t>
-            </a:r>
-            <a:r>
-              <a:rPr lang="it-IT" dirty="0" err="1"/>
-              <a:t>utilization</a:t>
-            </a:r>
-            <a:r>
-              <a:rPr lang="it-IT" dirty="0"/>
-              <a:t> (</a:t>
-            </a:r>
-            <a:r>
-              <a:rPr lang="it-IT" dirty="0" err="1"/>
-              <a:t>total</a:t>
-            </a:r>
-            <a:r>
-              <a:rPr lang="it-IT" dirty="0"/>
-              <a:t> </a:t>
-            </a:r>
-            <a:r>
-              <a:rPr lang="it-IT" dirty="0" err="1"/>
-              <a:t>program</a:t>
-            </a:r>
-            <a:r>
-              <a:rPr lang="it-IT" dirty="0"/>
-              <a:t> </a:t>
-            </a:r>
-            <a:r>
-              <a:rPr lang="it-IT" dirty="0" err="1"/>
-              <a:t>execution</a:t>
-            </a:r>
-            <a:r>
-              <a:rPr lang="it-IT" dirty="0"/>
-              <a:t>) with 10M points dataset</a:t>
+              <a:rPr lang="it-IT"/>
+              <a:t>CPU Time  / Elapsed Time (7 threads)</a:t>
             </a:r>
           </a:p>
         </c:rich>
@@ -1793,13 +1766,21 @@
       <c:layout/>
       <c:barChart>
         <c:barDir val="col"/>
-        <c:grouping val="clustered"/>
+        <c:grouping val="percentStacked"/>
         <c:varyColors val="0"/>
         <c:ser>
           <c:idx val="0"/>
           <c:order val="0"/>
           <c:tx>
-            <c:v>2 threads (avg: 1.629)</c:v>
+            <c:strRef>
+              <c:f>Sheet1!$B$1</c:f>
+              <c:strCache>
+                <c:ptCount val="1"/>
+                <c:pt idx="0">
+                  <c:v>Elapsed Time (seconds)</c:v>
+                </c:pt>
+              </c:strCache>
+            </c:strRef>
           </c:tx>
           <c:spPr>
             <a:solidFill>
@@ -1811,81 +1792,100 @@
             <a:effectLst/>
           </c:spPr>
           <c:invertIfNegative val="0"/>
+          <c:dLbls>
+            <c:spPr>
+              <a:noFill/>
+              <a:ln>
+                <a:noFill/>
+              </a:ln>
+              <a:effectLst/>
+            </c:spPr>
+            <c:txPr>
+              <a:bodyPr rot="0" spcFirstLastPara="1" vertOverflow="ellipsis" vert="horz" wrap="square" anchor="ctr" anchorCtr="1"/>
+              <a:lstStyle/>
+              <a:p>
+                <a:pPr>
+                  <a:defRPr sz="1600" b="0" i="0" u="none" strike="noStrike" kern="1200" baseline="0">
+                    <a:solidFill>
+                      <a:schemeClr val="tx1">
+                        <a:lumMod val="75000"/>
+                        <a:lumOff val="25000"/>
+                      </a:schemeClr>
+                    </a:solidFill>
+                    <a:latin typeface="+mn-lt"/>
+                    <a:ea typeface="+mn-ea"/>
+                    <a:cs typeface="+mn-cs"/>
+                  </a:defRPr>
+                </a:pPr>
+                <a:endParaRPr lang="it-IT"/>
+              </a:p>
+            </c:txPr>
+            <c:dLblPos val="ctr"/>
+            <c:showLegendKey val="0"/>
+            <c:showVal val="1"/>
+            <c:showCatName val="0"/>
+            <c:showSerName val="0"/>
+            <c:showPercent val="0"/>
+            <c:showBubbleSize val="0"/>
+            <c:showLeaderLines val="0"/>
+            <c:extLst>
+              <c:ext xmlns:c15="http://schemas.microsoft.com/office/drawing/2012/chart" uri="{CE6537A1-D6FC-4f65-9D91-7224C49458BB}">
+                <c15:showLeaderLines val="1"/>
+                <c15:leaderLines>
+                  <c:spPr>
+                    <a:ln w="9525" cap="flat" cmpd="sng" algn="ctr">
+                      <a:solidFill>
+                        <a:schemeClr val="tx1">
+                          <a:lumMod val="35000"/>
+                          <a:lumOff val="65000"/>
+                        </a:schemeClr>
+                      </a:solidFill>
+                      <a:round/>
+                    </a:ln>
+                    <a:effectLst/>
+                  </c:spPr>
+                </c15:leaderLines>
+              </c:ext>
+            </c:extLst>
+          </c:dLbls>
           <c:cat>
-            <c:numRef>
-              <c:f>'CPU utilization'!$A$2:$A$10</c:f>
-              <c:numCache>
-                <c:formatCode>General</c:formatCode>
-                <c:ptCount val="9"/>
+            <c:strRef>
+              <c:f>Sheet1!$A$2:$A$4</c:f>
+              <c:strCache>
+                <c:ptCount val="3"/>
                 <c:pt idx="0">
-                  <c:v>0</c:v>
+                  <c:v>1M</c:v>
                 </c:pt>
                 <c:pt idx="1">
-                  <c:v>1</c:v>
+                  <c:v>10M</c:v>
                 </c:pt>
                 <c:pt idx="2">
-                  <c:v>2</c:v>
-                </c:pt>
-                <c:pt idx="3">
-                  <c:v>3</c:v>
-                </c:pt>
-                <c:pt idx="4">
-                  <c:v>4</c:v>
-                </c:pt>
-                <c:pt idx="5">
-                  <c:v>5</c:v>
-                </c:pt>
-                <c:pt idx="6">
-                  <c:v>6</c:v>
-                </c:pt>
-                <c:pt idx="7">
-                  <c:v>7</c:v>
-                </c:pt>
-                <c:pt idx="8">
-                  <c:v>8</c:v>
-                </c:pt>
-              </c:numCache>
-            </c:numRef>
+                  <c:v>100M</c:v>
+                </c:pt>
+              </c:strCache>
+            </c:strRef>
           </c:cat>
           <c:val>
             <c:numRef>
-              <c:f>'CPU utilization'!$B$2:$B$10</c:f>
+              <c:f>Sheet1!$B$2:$B$4</c:f>
               <c:numCache>
                 <c:formatCode>General</c:formatCode>
-                <c:ptCount val="9"/>
+                <c:ptCount val="3"/>
                 <c:pt idx="0">
-                  <c:v>9.4209999999999994</c:v>
+                  <c:v>2.5529999999999999</c:v>
                 </c:pt>
                 <c:pt idx="1">
-                  <c:v>6.9379999999999997</c:v>
+                  <c:v>44.457999999999998</c:v>
                 </c:pt>
                 <c:pt idx="2">
-                  <c:v>58.947000000000003</c:v>
-                </c:pt>
-                <c:pt idx="3">
-                  <c:v>0</c:v>
-                </c:pt>
-                <c:pt idx="4">
-                  <c:v>0</c:v>
-                </c:pt>
-                <c:pt idx="5">
-                  <c:v>0</c:v>
-                </c:pt>
-                <c:pt idx="6">
-                  <c:v>0</c:v>
-                </c:pt>
-                <c:pt idx="7">
-                  <c:v>0</c:v>
-                </c:pt>
-                <c:pt idx="8">
-                  <c:v>0</c:v>
+                  <c:v>84.733999999999995</c:v>
                 </c:pt>
               </c:numCache>
             </c:numRef>
           </c:val>
           <c:extLst>
             <c:ext xmlns:c16="http://schemas.microsoft.com/office/drawing/2014/chart" uri="{C3380CC4-5D6E-409C-BE32-E72D297353CC}">
-              <c16:uniqueId val="{00000000-5598-4781-89CD-3659BAAA7F86}"/>
+              <c16:uniqueId val="{00000000-E380-4D2B-BD9E-B5018D070534}"/>
             </c:ext>
           </c:extLst>
         </c:ser>
@@ -1893,7 +1893,15 @@
           <c:idx val="1"/>
           <c:order val="1"/>
           <c:tx>
-            <c:v>5 threads (avg: 3,055)</c:v>
+            <c:strRef>
+              <c:f>Sheet1!$C$1</c:f>
+              <c:strCache>
+                <c:ptCount val="1"/>
+                <c:pt idx="0">
+                  <c:v>CPU Time (seconds)</c:v>
+                </c:pt>
+              </c:strCache>
+            </c:strRef>
           </c:tx>
           <c:spPr>
             <a:solidFill>
@@ -1905,175 +1913,100 @@
             <a:effectLst/>
           </c:spPr>
           <c:invertIfNegative val="0"/>
+          <c:dLbls>
+            <c:spPr>
+              <a:noFill/>
+              <a:ln>
+                <a:noFill/>
+              </a:ln>
+              <a:effectLst/>
+            </c:spPr>
+            <c:txPr>
+              <a:bodyPr rot="0" spcFirstLastPara="1" vertOverflow="ellipsis" vert="horz" wrap="square" anchor="ctr" anchorCtr="1"/>
+              <a:lstStyle/>
+              <a:p>
+                <a:pPr>
+                  <a:defRPr sz="1600" b="0" i="0" u="none" strike="noStrike" kern="1200" baseline="0">
+                    <a:solidFill>
+                      <a:schemeClr val="tx1">
+                        <a:lumMod val="75000"/>
+                        <a:lumOff val="25000"/>
+                      </a:schemeClr>
+                    </a:solidFill>
+                    <a:latin typeface="+mn-lt"/>
+                    <a:ea typeface="+mn-ea"/>
+                    <a:cs typeface="+mn-cs"/>
+                  </a:defRPr>
+                </a:pPr>
+                <a:endParaRPr lang="it-IT"/>
+              </a:p>
+            </c:txPr>
+            <c:dLblPos val="ctr"/>
+            <c:showLegendKey val="0"/>
+            <c:showVal val="1"/>
+            <c:showCatName val="0"/>
+            <c:showSerName val="0"/>
+            <c:showPercent val="0"/>
+            <c:showBubbleSize val="0"/>
+            <c:showLeaderLines val="0"/>
+            <c:extLst>
+              <c:ext xmlns:c15="http://schemas.microsoft.com/office/drawing/2012/chart" uri="{CE6537A1-D6FC-4f65-9D91-7224C49458BB}">
+                <c15:showLeaderLines val="1"/>
+                <c15:leaderLines>
+                  <c:spPr>
+                    <a:ln w="9525" cap="flat" cmpd="sng" algn="ctr">
+                      <a:solidFill>
+                        <a:schemeClr val="tx1">
+                          <a:lumMod val="35000"/>
+                          <a:lumOff val="65000"/>
+                        </a:schemeClr>
+                      </a:solidFill>
+                      <a:round/>
+                    </a:ln>
+                    <a:effectLst/>
+                  </c:spPr>
+                </c15:leaderLines>
+              </c:ext>
+            </c:extLst>
+          </c:dLbls>
           <c:cat>
-            <c:numRef>
-              <c:f>'CPU utilization'!$A$2:$A$10</c:f>
-              <c:numCache>
-                <c:formatCode>General</c:formatCode>
-                <c:ptCount val="9"/>
+            <c:strRef>
+              <c:f>Sheet1!$A$2:$A$4</c:f>
+              <c:strCache>
+                <c:ptCount val="3"/>
                 <c:pt idx="0">
-                  <c:v>0</c:v>
+                  <c:v>1M</c:v>
                 </c:pt>
                 <c:pt idx="1">
-                  <c:v>1</c:v>
+                  <c:v>10M</c:v>
                 </c:pt>
                 <c:pt idx="2">
-                  <c:v>2</c:v>
-                </c:pt>
-                <c:pt idx="3">
-                  <c:v>3</c:v>
-                </c:pt>
-                <c:pt idx="4">
-                  <c:v>4</c:v>
-                </c:pt>
-                <c:pt idx="5">
-                  <c:v>5</c:v>
-                </c:pt>
-                <c:pt idx="6">
-                  <c:v>6</c:v>
-                </c:pt>
-                <c:pt idx="7">
-                  <c:v>7</c:v>
-                </c:pt>
-                <c:pt idx="8">
-                  <c:v>8</c:v>
-                </c:pt>
-              </c:numCache>
-            </c:numRef>
+                  <c:v>100M</c:v>
+                </c:pt>
+              </c:strCache>
+            </c:strRef>
           </c:cat>
           <c:val>
             <c:numRef>
-              <c:f>'CPU utilization'!$C$2:$C$10</c:f>
+              <c:f>Sheet1!$C$2:$C$4</c:f>
               <c:numCache>
                 <c:formatCode>General</c:formatCode>
-                <c:ptCount val="9"/>
+                <c:ptCount val="3"/>
                 <c:pt idx="0">
-                  <c:v>10.39</c:v>
+                  <c:v>0.15699999999999997</c:v>
                 </c:pt>
                 <c:pt idx="1">
-                  <c:v>4.9059999999999997</c:v>
+                  <c:v>146.91400000000002</c:v>
                 </c:pt>
                 <c:pt idx="2">
-                  <c:v>3.5030000000000001</c:v>
-                </c:pt>
-                <c:pt idx="3">
-                  <c:v>3.8029999999999999</c:v>
-                </c:pt>
-                <c:pt idx="4">
-                  <c:v>5.2809999999999997</c:v>
-                </c:pt>
-                <c:pt idx="5">
-                  <c:v>23.608000000000001</c:v>
-                </c:pt>
-                <c:pt idx="6">
-                  <c:v>0</c:v>
-                </c:pt>
-                <c:pt idx="7">
-                  <c:v>0</c:v>
-                </c:pt>
-                <c:pt idx="8">
-                  <c:v>0</c:v>
+                  <c:v>398.041</c:v>
                 </c:pt>
               </c:numCache>
             </c:numRef>
           </c:val>
           <c:extLst>
             <c:ext xmlns:c16="http://schemas.microsoft.com/office/drawing/2014/chart" uri="{C3380CC4-5D6E-409C-BE32-E72D297353CC}">
-              <c16:uniqueId val="{00000001-5598-4781-89CD-3659BAAA7F86}"/>
-            </c:ext>
-          </c:extLst>
-        </c:ser>
-        <c:ser>
-          <c:idx val="3"/>
-          <c:order val="3"/>
-          <c:tx>
-            <c:v>10 threads (avg: 2.42)</c:v>
-          </c:tx>
-          <c:spPr>
-            <a:solidFill>
-              <a:schemeClr val="accent4"/>
-            </a:solidFill>
-            <a:ln>
-              <a:noFill/>
-            </a:ln>
-            <a:effectLst/>
-          </c:spPr>
-          <c:invertIfNegative val="0"/>
-          <c:cat>
-            <c:numRef>
-              <c:f>'CPU utilization'!$A$2:$A$10</c:f>
-              <c:numCache>
-                <c:formatCode>General</c:formatCode>
-                <c:ptCount val="9"/>
-                <c:pt idx="0">
-                  <c:v>0</c:v>
-                </c:pt>
-                <c:pt idx="1">
-                  <c:v>1</c:v>
-                </c:pt>
-                <c:pt idx="2">
-                  <c:v>2</c:v>
-                </c:pt>
-                <c:pt idx="3">
-                  <c:v>3</c:v>
-                </c:pt>
-                <c:pt idx="4">
-                  <c:v>4</c:v>
-                </c:pt>
-                <c:pt idx="5">
-                  <c:v>5</c:v>
-                </c:pt>
-                <c:pt idx="6">
-                  <c:v>6</c:v>
-                </c:pt>
-                <c:pt idx="7">
-                  <c:v>7</c:v>
-                </c:pt>
-                <c:pt idx="8">
-                  <c:v>8</c:v>
-                </c:pt>
-              </c:numCache>
-            </c:numRef>
-          </c:cat>
-          <c:val>
-            <c:numRef>
-              <c:f>'CPU utilization'!$E$2:$E$10</c:f>
-              <c:numCache>
-                <c:formatCode>General</c:formatCode>
-                <c:ptCount val="9"/>
-                <c:pt idx="0">
-                  <c:v>12.824999999999999</c:v>
-                </c:pt>
-                <c:pt idx="1">
-                  <c:v>9.0419999999999998</c:v>
-                </c:pt>
-                <c:pt idx="2">
-                  <c:v>9.4480000000000004</c:v>
-                </c:pt>
-                <c:pt idx="3">
-                  <c:v>10.198</c:v>
-                </c:pt>
-                <c:pt idx="4">
-                  <c:v>6.9279999999999999</c:v>
-                </c:pt>
-                <c:pt idx="5">
-                  <c:v>5.8280000000000003</c:v>
-                </c:pt>
-                <c:pt idx="6">
-                  <c:v>4.218</c:v>
-                </c:pt>
-                <c:pt idx="7">
-                  <c:v>0.51900000000000002</c:v>
-                </c:pt>
-                <c:pt idx="8">
-                  <c:v>1E-3</c:v>
-                </c:pt>
-              </c:numCache>
-            </c:numRef>
-          </c:val>
-          <c:extLst>
-            <c:ext xmlns:c16="http://schemas.microsoft.com/office/drawing/2014/chart" uri="{C3380CC4-5D6E-409C-BE32-E72D297353CC}">
-              <c16:uniqueId val="{00000002-5598-4781-89CD-3659BAAA7F86}"/>
+              <c16:uniqueId val="{00000001-E380-4D2B-BD9E-B5018D070534}"/>
             </c:ext>
           </c:extLst>
         </c:ser>
@@ -2085,182 +2018,102 @@
           <c:showPercent val="0"/>
           <c:showBubbleSize val="0"/>
         </c:dLbls>
-        <c:gapWidth val="219"/>
-        <c:overlap val="-27"/>
-        <c:axId val="2027602976"/>
-        <c:axId val="2015517184"/>
-        <c:extLst>
-          <c:ext xmlns:c15="http://schemas.microsoft.com/office/drawing/2012/chart" uri="{02D57815-91ED-43cb-92C2-25804820EDAC}">
-            <c15:filteredBarSeries>
-              <c15:ser>
-                <c:idx val="2"/>
-                <c:order val="2"/>
-                <c:spPr>
-                  <a:solidFill>
-                    <a:schemeClr val="accent3"/>
-                  </a:solidFill>
-                  <a:ln>
-                    <a:noFill/>
-                  </a:ln>
-                  <a:effectLst/>
-                </c:spPr>
-                <c:invertIfNegative val="0"/>
-                <c:cat>
-                  <c:numRef>
-                    <c:extLst>
-                      <c:ext uri="{02D57815-91ED-43cb-92C2-25804820EDAC}">
-                        <c15:formulaRef>
-                          <c15:sqref>'CPU utilization'!$A$2:$A$10</c15:sqref>
-                        </c15:formulaRef>
-                      </c:ext>
-                    </c:extLst>
-                    <c:numCache>
-                      <c:formatCode>General</c:formatCode>
-                      <c:ptCount val="9"/>
-                      <c:pt idx="0">
-                        <c:v>0</c:v>
-                      </c:pt>
-                      <c:pt idx="1">
-                        <c:v>1</c:v>
-                      </c:pt>
-                      <c:pt idx="2">
-                        <c:v>2</c:v>
-                      </c:pt>
-                      <c:pt idx="3">
-                        <c:v>3</c:v>
-                      </c:pt>
-                      <c:pt idx="4">
-                        <c:v>4</c:v>
-                      </c:pt>
-                      <c:pt idx="5">
-                        <c:v>5</c:v>
-                      </c:pt>
-                      <c:pt idx="6">
-                        <c:v>6</c:v>
-                      </c:pt>
-                      <c:pt idx="7">
-                        <c:v>7</c:v>
-                      </c:pt>
-                      <c:pt idx="8">
-                        <c:v>8</c:v>
-                      </c:pt>
-                    </c:numCache>
-                  </c:numRef>
-                </c:cat>
-                <c:val>
-                  <c:numRef>
-                    <c:extLst>
-                      <c:ext uri="{02D57815-91ED-43cb-92C2-25804820EDAC}">
-                        <c15:formulaRef>
-                          <c15:sqref>'CPU utilization'!$D$2:$D$10</c15:sqref>
-                        </c15:formulaRef>
-                      </c:ext>
-                    </c:extLst>
-                    <c:numCache>
-                      <c:formatCode>General</c:formatCode>
-                      <c:ptCount val="9"/>
-                      <c:pt idx="0">
-                        <c:v>11.237</c:v>
-                      </c:pt>
-                      <c:pt idx="1">
-                        <c:v>6.2939999999999996</c:v>
-                      </c:pt>
-                      <c:pt idx="2">
-                        <c:v>4.3099999999999996</c:v>
-                      </c:pt>
-                      <c:pt idx="3">
-                        <c:v>4.4489999999999998</c:v>
-                      </c:pt>
-                      <c:pt idx="4">
-                        <c:v>4.4539999999999997</c:v>
-                      </c:pt>
-                      <c:pt idx="5">
-                        <c:v>8.2149999999999999</c:v>
-                      </c:pt>
-                      <c:pt idx="6">
-                        <c:v>9.2919999999999998</c:v>
-                      </c:pt>
-                      <c:pt idx="7">
-                        <c:v>2.23</c:v>
-                      </c:pt>
-                      <c:pt idx="8">
-                        <c:v>0</c:v>
-                      </c:pt>
-                    </c:numCache>
-                  </c:numRef>
-                </c:val>
-                <c:extLst>
-                  <c:ext xmlns:c16="http://schemas.microsoft.com/office/drawing/2014/chart" uri="{C3380CC4-5D6E-409C-BE32-E72D297353CC}">
-                    <c16:uniqueId val="{00000003-5598-4781-89CD-3659BAAA7F86}"/>
-                  </c:ext>
-                </c:extLst>
-              </c15:ser>
-            </c15:filteredBarSeries>
-          </c:ext>
-        </c:extLst>
+        <c:gapWidth val="150"/>
+        <c:overlap val="100"/>
+        <c:axId val="284059920"/>
+        <c:axId val="2021548976"/>
       </c:barChart>
+      <c:lineChart>
+        <c:grouping val="standard"/>
+        <c:varyColors val="0"/>
+        <c:ser>
+          <c:idx val="2"/>
+          <c:order val="2"/>
+          <c:tx>
+            <c:strRef>
+              <c:f>Sheet1!$E$1</c:f>
+              <c:strCache>
+                <c:ptCount val="1"/>
+                <c:pt idx="0">
+                  <c:v>Compression Rate</c:v>
+                </c:pt>
+              </c:strCache>
+            </c:strRef>
+          </c:tx>
+          <c:spPr>
+            <a:ln w="28575" cap="rnd">
+              <a:solidFill>
+                <a:schemeClr val="accent3"/>
+              </a:solidFill>
+              <a:round/>
+            </a:ln>
+            <a:effectLst/>
+          </c:spPr>
+          <c:marker>
+            <c:symbol val="none"/>
+          </c:marker>
+          <c:cat>
+            <c:strRef>
+              <c:f>Sheet1!$A$2:$A$4</c:f>
+              <c:strCache>
+                <c:ptCount val="3"/>
+                <c:pt idx="0">
+                  <c:v>1M</c:v>
+                </c:pt>
+                <c:pt idx="1">
+                  <c:v>10M</c:v>
+                </c:pt>
+                <c:pt idx="2">
+                  <c:v>100M</c:v>
+                </c:pt>
+              </c:strCache>
+            </c:strRef>
+          </c:cat>
+          <c:val>
+            <c:numRef>
+              <c:f>Sheet1!$E$2:$E$4</c:f>
+              <c:numCache>
+                <c:formatCode>General</c:formatCode>
+                <c:ptCount val="3"/>
+                <c:pt idx="0">
+                  <c:v>6.1496278887583224E-2</c:v>
+                </c:pt>
+                <c:pt idx="1">
+                  <c:v>3.3045571100814257</c:v>
+                </c:pt>
+                <c:pt idx="2">
+                  <c:v>4.6975358179715343</c:v>
+                </c:pt>
+              </c:numCache>
+            </c:numRef>
+          </c:val>
+          <c:smooth val="0"/>
+          <c:extLst>
+            <c:ext xmlns:c16="http://schemas.microsoft.com/office/drawing/2014/chart" uri="{C3380CC4-5D6E-409C-BE32-E72D297353CC}">
+              <c16:uniqueId val="{00000002-E380-4D2B-BD9E-B5018D070534}"/>
+            </c:ext>
+          </c:extLst>
+        </c:ser>
+        <c:dLbls>
+          <c:showLegendKey val="0"/>
+          <c:showVal val="0"/>
+          <c:showCatName val="0"/>
+          <c:showSerName val="0"/>
+          <c:showPercent val="0"/>
+          <c:showBubbleSize val="0"/>
+        </c:dLbls>
+        <c:marker val="1"/>
+        <c:smooth val="0"/>
+        <c:axId val="281697520"/>
+        <c:axId val="1281142160"/>
+      </c:lineChart>
       <c:catAx>
-        <c:axId val="2027602976"/>
+        <c:axId val="284059920"/>
         <c:scaling>
           <c:orientation val="minMax"/>
         </c:scaling>
         <c:delete val="0"/>
         <c:axPos val="b"/>
-        <c:title>
-          <c:tx>
-            <c:rich>
-              <a:bodyPr rot="0" spcFirstLastPara="1" vertOverflow="ellipsis" vert="horz" wrap="square" anchor="ctr" anchorCtr="1"/>
-              <a:lstStyle/>
-              <a:p>
-                <a:pPr>
-                  <a:defRPr sz="1600" b="0" i="0" u="none" strike="noStrike" kern="1200" baseline="0">
-                    <a:solidFill>
-                      <a:schemeClr val="tx1">
-                        <a:lumMod val="65000"/>
-                        <a:lumOff val="35000"/>
-                      </a:schemeClr>
-                    </a:solidFill>
-                    <a:latin typeface="+mn-lt"/>
-                    <a:ea typeface="+mn-ea"/>
-                    <a:cs typeface="+mn-cs"/>
-                  </a:defRPr>
-                </a:pPr>
-                <a:r>
-                  <a:rPr lang="it-IT"/>
-                  <a:t>Simultaneously Utilized Logical CPUs</a:t>
-                </a:r>
-              </a:p>
-            </c:rich>
-          </c:tx>
-          <c:overlay val="0"/>
-          <c:spPr>
-            <a:noFill/>
-            <a:ln>
-              <a:noFill/>
-            </a:ln>
-            <a:effectLst/>
-          </c:spPr>
-          <c:txPr>
-            <a:bodyPr rot="0" spcFirstLastPara="1" vertOverflow="ellipsis" vert="horz" wrap="square" anchor="ctr" anchorCtr="1"/>
-            <a:lstStyle/>
-            <a:p>
-              <a:pPr>
-                <a:defRPr sz="1600" b="0" i="0" u="none" strike="noStrike" kern="1200" baseline="0">
-                  <a:solidFill>
-                    <a:schemeClr val="tx1">
-                      <a:lumMod val="65000"/>
-                      <a:lumOff val="35000"/>
-                    </a:schemeClr>
-                  </a:solidFill>
-                  <a:latin typeface="+mn-lt"/>
-                  <a:ea typeface="+mn-ea"/>
-                  <a:cs typeface="+mn-cs"/>
-                </a:defRPr>
-              </a:pPr>
-              <a:endParaRPr lang="it-IT"/>
-            </a:p>
-          </c:txPr>
-        </c:title>
         <c:numFmt formatCode="General" sourceLinked="1"/>
         <c:majorTickMark val="none"/>
         <c:minorTickMark val="none"/>
@@ -2298,7 +2151,7 @@
             <a:endParaRPr lang="it-IT"/>
           </a:p>
         </c:txPr>
-        <c:crossAx val="2015517184"/>
+        <c:crossAx val="2021548976"/>
         <c:crosses val="autoZero"/>
         <c:auto val="1"/>
         <c:lblAlgn val="ctr"/>
@@ -2306,7 +2159,7 @@
         <c:noMultiLvlLbl val="0"/>
       </c:catAx>
       <c:valAx>
-        <c:axId val="2015517184"/>
+        <c:axId val="2021548976"/>
         <c:scaling>
           <c:orientation val="minMax"/>
         </c:scaling>
@@ -2326,62 +2179,7 @@
             <a:effectLst/>
           </c:spPr>
         </c:majorGridlines>
-        <c:title>
-          <c:tx>
-            <c:rich>
-              <a:bodyPr rot="-5400000" spcFirstLastPara="1" vertOverflow="ellipsis" vert="horz" wrap="square" anchor="ctr" anchorCtr="1"/>
-              <a:lstStyle/>
-              <a:p>
-                <a:pPr>
-                  <a:defRPr sz="1600" b="0" i="0" u="none" strike="noStrike" kern="1200" baseline="0">
-                    <a:solidFill>
-                      <a:schemeClr val="tx1">
-                        <a:lumMod val="65000"/>
-                        <a:lumOff val="35000"/>
-                      </a:schemeClr>
-                    </a:solidFill>
-                    <a:latin typeface="+mn-lt"/>
-                    <a:ea typeface="+mn-ea"/>
-                    <a:cs typeface="+mn-cs"/>
-                  </a:defRPr>
-                </a:pPr>
-                <a:r>
-                  <a:rPr lang="it-IT"/>
-                  <a:t>Elapsed Time (seconds)</a:t>
-                </a:r>
-              </a:p>
-            </c:rich>
-          </c:tx>
-          <c:overlay val="0"/>
-          <c:spPr>
-            <a:noFill/>
-            <a:ln>
-              <a:noFill/>
-            </a:ln>
-            <a:effectLst/>
-          </c:spPr>
-          <c:txPr>
-            <a:bodyPr rot="-5400000" spcFirstLastPara="1" vertOverflow="ellipsis" vert="horz" wrap="square" anchor="ctr" anchorCtr="1"/>
-            <a:lstStyle/>
-            <a:p>
-              <a:pPr>
-                <a:defRPr sz="1600" b="0" i="0" u="none" strike="noStrike" kern="1200" baseline="0">
-                  <a:solidFill>
-                    <a:schemeClr val="tx1">
-                      <a:lumMod val="65000"/>
-                      <a:lumOff val="35000"/>
-                    </a:schemeClr>
-                  </a:solidFill>
-                  <a:latin typeface="+mn-lt"/>
-                  <a:ea typeface="+mn-ea"/>
-                  <a:cs typeface="+mn-cs"/>
-                </a:defRPr>
-              </a:pPr>
-              <a:endParaRPr lang="it-IT"/>
-            </a:p>
-          </c:txPr>
-        </c:title>
-        <c:numFmt formatCode="General" sourceLinked="1"/>
+        <c:numFmt formatCode="0%" sourceLinked="1"/>
         <c:majorTickMark val="none"/>
         <c:minorTickMark val="none"/>
         <c:tickLblPos val="nextTo"/>
@@ -2412,10 +2210,70 @@
             <a:endParaRPr lang="it-IT"/>
           </a:p>
         </c:txPr>
-        <c:crossAx val="2027602976"/>
+        <c:crossAx val="284059920"/>
         <c:crosses val="autoZero"/>
         <c:crossBetween val="between"/>
       </c:valAx>
+      <c:valAx>
+        <c:axId val="1281142160"/>
+        <c:scaling>
+          <c:orientation val="minMax"/>
+        </c:scaling>
+        <c:delete val="0"/>
+        <c:axPos val="r"/>
+        <c:numFmt formatCode="General" sourceLinked="1"/>
+        <c:majorTickMark val="out"/>
+        <c:minorTickMark val="none"/>
+        <c:tickLblPos val="nextTo"/>
+        <c:spPr>
+          <a:noFill/>
+          <a:ln>
+            <a:noFill/>
+          </a:ln>
+          <a:effectLst/>
+        </c:spPr>
+        <c:txPr>
+          <a:bodyPr rot="-60000000" spcFirstLastPara="1" vertOverflow="ellipsis" vert="horz" wrap="square" anchor="ctr" anchorCtr="1"/>
+          <a:lstStyle/>
+          <a:p>
+            <a:pPr>
+              <a:defRPr sz="1600" b="0" i="0" u="none" strike="noStrike" kern="1200" baseline="0">
+                <a:solidFill>
+                  <a:schemeClr val="tx1">
+                    <a:lumMod val="65000"/>
+                    <a:lumOff val="35000"/>
+                  </a:schemeClr>
+                </a:solidFill>
+                <a:latin typeface="+mn-lt"/>
+                <a:ea typeface="+mn-ea"/>
+                <a:cs typeface="+mn-cs"/>
+              </a:defRPr>
+            </a:pPr>
+            <a:endParaRPr lang="it-IT"/>
+          </a:p>
+        </c:txPr>
+        <c:crossAx val="281697520"/>
+        <c:crosses val="max"/>
+        <c:crossBetween val="between"/>
+      </c:valAx>
+      <c:catAx>
+        <c:axId val="281697520"/>
+        <c:scaling>
+          <c:orientation val="minMax"/>
+        </c:scaling>
+        <c:delete val="1"/>
+        <c:axPos val="b"/>
+        <c:numFmt formatCode="General" sourceLinked="1"/>
+        <c:majorTickMark val="out"/>
+        <c:minorTickMark val="none"/>
+        <c:tickLblPos val="nextTo"/>
+        <c:crossAx val="1281142160"/>
+        <c:crosses val="autoZero"/>
+        <c:auto val="1"/>
+        <c:lblAlgn val="ctr"/>
+        <c:lblOffset val="100"/>
+        <c:noMultiLvlLbl val="0"/>
+      </c:catAx>
       <c:spPr>
         <a:noFill/>
         <a:ln>
@@ -2524,7 +2382,7 @@
             </a:pPr>
             <a:r>
               <a:rPr lang="it-IT"/>
-              <a:t>CPU Time  / Elapsed Time (7 threads)</a:t>
+              <a:t>Execution Time comparison (10M)</a:t>
             </a:r>
           </a:p>
         </c:rich>
@@ -2561,249 +2419,194 @@
     <c:autoTitleDeleted val="0"/>
     <c:plotArea>
       <c:layout/>
-      <c:barChart>
-        <c:barDir val="col"/>
-        <c:grouping val="percentStacked"/>
+      <c:lineChart>
+        <c:grouping val="standard"/>
         <c:varyColors val="0"/>
         <c:ser>
-          <c:idx val="0"/>
+          <c:idx val="1"/>
           <c:order val="0"/>
           <c:tx>
-            <c:strRef>
-              <c:f>Sheet1!$B$1</c:f>
-              <c:strCache>
-                <c:ptCount val="1"/>
-                <c:pt idx="0">
-                  <c:v>Elapsed Time (seconds)</c:v>
-                </c:pt>
-              </c:strCache>
-            </c:strRef>
+            <c:v>Before</c:v>
           </c:tx>
           <c:spPr>
-            <a:solidFill>
-              <a:schemeClr val="accent1"/>
-            </a:solidFill>
-            <a:ln>
-              <a:noFill/>
+            <a:ln w="28575" cap="rnd">
+              <a:solidFill>
+                <a:schemeClr val="accent2"/>
+              </a:solidFill>
+              <a:round/>
             </a:ln>
             <a:effectLst/>
           </c:spPr>
-          <c:invertIfNegative val="0"/>
-          <c:dLbls>
-            <c:spPr>
-              <a:noFill/>
-              <a:ln>
-                <a:noFill/>
-              </a:ln>
-              <a:effectLst/>
-            </c:spPr>
-            <c:txPr>
-              <a:bodyPr rot="0" spcFirstLastPara="1" vertOverflow="ellipsis" vert="horz" wrap="square" anchor="ctr" anchorCtr="1"/>
-              <a:lstStyle/>
-              <a:p>
-                <a:pPr>
-                  <a:defRPr sz="1600" b="0" i="0" u="none" strike="noStrike" kern="1200" baseline="0">
-                    <a:solidFill>
-                      <a:schemeClr val="tx1">
-                        <a:lumMod val="75000"/>
-                        <a:lumOff val="25000"/>
-                      </a:schemeClr>
-                    </a:solidFill>
-                    <a:latin typeface="+mn-lt"/>
-                    <a:ea typeface="+mn-ea"/>
-                    <a:cs typeface="+mn-cs"/>
-                  </a:defRPr>
-                </a:pPr>
-                <a:endParaRPr lang="it-IT"/>
-              </a:p>
-            </c:txPr>
-            <c:dLblPos val="ctr"/>
-            <c:showLegendKey val="0"/>
-            <c:showVal val="1"/>
-            <c:showCatName val="0"/>
-            <c:showSerName val="0"/>
-            <c:showPercent val="0"/>
-            <c:showBubbleSize val="0"/>
-            <c:showLeaderLines val="0"/>
-            <c:extLst>
-              <c:ext xmlns:c15="http://schemas.microsoft.com/office/drawing/2012/chart" uri="{CE6537A1-D6FC-4f65-9D91-7224C49458BB}">
-                <c15:showLeaderLines val="1"/>
-                <c15:leaderLines>
-                  <c:spPr>
-                    <a:ln w="9525" cap="flat" cmpd="sng" algn="ctr">
-                      <a:solidFill>
-                        <a:schemeClr val="tx1">
-                          <a:lumMod val="35000"/>
-                          <a:lumOff val="65000"/>
-                        </a:schemeClr>
-                      </a:solidFill>
-                      <a:round/>
-                    </a:ln>
-                    <a:effectLst/>
-                  </c:spPr>
-                </c15:leaderLines>
-              </c:ext>
-            </c:extLst>
-          </c:dLbls>
-          <c:cat>
-            <c:strRef>
-              <c:f>Sheet1!$A$2:$A$4</c:f>
-              <c:strCache>
-                <c:ptCount val="3"/>
-                <c:pt idx="0">
-                  <c:v>1M</c:v>
-                </c:pt>
-                <c:pt idx="1">
-                  <c:v>10M</c:v>
-                </c:pt>
-                <c:pt idx="2">
-                  <c:v>100M</c:v>
-                </c:pt>
-              </c:strCache>
-            </c:strRef>
-          </c:cat>
+          <c:marker>
+            <c:symbol val="none"/>
+          </c:marker>
           <c:val>
             <c:numRef>
-              <c:f>Sheet1!$B$2:$B$4</c:f>
+              <c:f>'results (7)'!$H$2:$H$21</c:f>
               <c:numCache>
                 <c:formatCode>General</c:formatCode>
-                <c:ptCount val="3"/>
+                <c:ptCount val="20"/>
                 <c:pt idx="0">
-                  <c:v>2.5529999999999999</c:v>
+                  <c:v>2.7707976666666676</c:v>
                 </c:pt>
                 <c:pt idx="1">
-                  <c:v>44.457999999999998</c:v>
+                  <c:v>1.7453214666666668</c:v>
                 </c:pt>
                 <c:pt idx="2">
-                  <c:v>84.733999999999995</c:v>
+                  <c:v>1.4214218333333335</c:v>
+                </c:pt>
+                <c:pt idx="3">
+                  <c:v>1.246819466666667</c:v>
+                </c:pt>
+                <c:pt idx="4">
+                  <c:v>1.1081307</c:v>
+                </c:pt>
+                <c:pt idx="5">
+                  <c:v>1.0393818333333331</c:v>
+                </c:pt>
+                <c:pt idx="6">
+                  <c:v>0.93484606666666659</c:v>
+                </c:pt>
+                <c:pt idx="7">
+                  <c:v>0.94269153333333333</c:v>
+                </c:pt>
+                <c:pt idx="8">
+                  <c:v>1.0542320999999999</c:v>
+                </c:pt>
+                <c:pt idx="9">
+                  <c:v>1.0267311333333333</c:v>
+                </c:pt>
+                <c:pt idx="10">
+                  <c:v>0.98009006666666665</c:v>
+                </c:pt>
+                <c:pt idx="11">
+                  <c:v>0.95415243333333311</c:v>
+                </c:pt>
+                <c:pt idx="12">
+                  <c:v>0.93536870000000005</c:v>
+                </c:pt>
+                <c:pt idx="13">
+                  <c:v>0.88632936666666651</c:v>
+                </c:pt>
+                <c:pt idx="14">
+                  <c:v>0.88762920000000001</c:v>
+                </c:pt>
+                <c:pt idx="15">
+                  <c:v>0.87210293333333333</c:v>
+                </c:pt>
+                <c:pt idx="16">
+                  <c:v>0.91696829999999996</c:v>
+                </c:pt>
+                <c:pt idx="17">
+                  <c:v>0.91383006666666688</c:v>
+                </c:pt>
+                <c:pt idx="18">
+                  <c:v>0.90170316666666683</c:v>
+                </c:pt>
+                <c:pt idx="19">
+                  <c:v>0.89914130000000014</c:v>
                 </c:pt>
               </c:numCache>
             </c:numRef>
           </c:val>
+          <c:smooth val="0"/>
           <c:extLst>
             <c:ext xmlns:c16="http://schemas.microsoft.com/office/drawing/2014/chart" uri="{C3380CC4-5D6E-409C-BE32-E72D297353CC}">
-              <c16:uniqueId val="{00000000-E380-4D2B-BD9E-B5018D070534}"/>
+              <c16:uniqueId val="{00000000-F538-4E89-9FAA-A5EE810DC207}"/>
             </c:ext>
           </c:extLst>
         </c:ser>
         <c:ser>
-          <c:idx val="1"/>
+          <c:idx val="0"/>
           <c:order val="1"/>
           <c:tx>
-            <c:strRef>
-              <c:f>Sheet1!$C$1</c:f>
-              <c:strCache>
-                <c:ptCount val="1"/>
-                <c:pt idx="0">
-                  <c:v>CPU Time (seconds)</c:v>
-                </c:pt>
-              </c:strCache>
-            </c:strRef>
+            <c:v>After</c:v>
           </c:tx>
           <c:spPr>
-            <a:solidFill>
-              <a:schemeClr val="accent2"/>
-            </a:solidFill>
-            <a:ln>
-              <a:noFill/>
+            <a:ln w="28575" cap="rnd">
+              <a:solidFill>
+                <a:schemeClr val="accent1"/>
+              </a:solidFill>
+              <a:round/>
             </a:ln>
             <a:effectLst/>
           </c:spPr>
-          <c:invertIfNegative val="0"/>
-          <c:dLbls>
-            <c:spPr>
-              <a:noFill/>
-              <a:ln>
-                <a:noFill/>
-              </a:ln>
-              <a:effectLst/>
-            </c:spPr>
-            <c:txPr>
-              <a:bodyPr rot="0" spcFirstLastPara="1" vertOverflow="ellipsis" vert="horz" wrap="square" anchor="ctr" anchorCtr="1"/>
-              <a:lstStyle/>
-              <a:p>
-                <a:pPr>
-                  <a:defRPr sz="1600" b="0" i="0" u="none" strike="noStrike" kern="1200" baseline="0">
-                    <a:solidFill>
-                      <a:schemeClr val="tx1">
-                        <a:lumMod val="75000"/>
-                        <a:lumOff val="25000"/>
-                      </a:schemeClr>
-                    </a:solidFill>
-                    <a:latin typeface="+mn-lt"/>
-                    <a:ea typeface="+mn-ea"/>
-                    <a:cs typeface="+mn-cs"/>
-                  </a:defRPr>
-                </a:pPr>
-                <a:endParaRPr lang="it-IT"/>
-              </a:p>
-            </c:txPr>
-            <c:dLblPos val="ctr"/>
-            <c:showLegendKey val="0"/>
-            <c:showVal val="1"/>
-            <c:showCatName val="0"/>
-            <c:showSerName val="0"/>
-            <c:showPercent val="0"/>
-            <c:showBubbleSize val="0"/>
-            <c:showLeaderLines val="0"/>
-            <c:extLst>
-              <c:ext xmlns:c15="http://schemas.microsoft.com/office/drawing/2012/chart" uri="{CE6537A1-D6FC-4f65-9D91-7224C49458BB}">
-                <c15:showLeaderLines val="1"/>
-                <c15:leaderLines>
-                  <c:spPr>
-                    <a:ln w="9525" cap="flat" cmpd="sng" algn="ctr">
-                      <a:solidFill>
-                        <a:schemeClr val="tx1">
-                          <a:lumMod val="35000"/>
-                          <a:lumOff val="65000"/>
-                        </a:schemeClr>
-                      </a:solidFill>
-                      <a:round/>
-                    </a:ln>
-                    <a:effectLst/>
-                  </c:spPr>
-                </c15:leaderLines>
-              </c:ext>
-            </c:extLst>
-          </c:dLbls>
-          <c:cat>
-            <c:strRef>
-              <c:f>Sheet1!$A$2:$A$4</c:f>
-              <c:strCache>
-                <c:ptCount val="3"/>
-                <c:pt idx="0">
-                  <c:v>1M</c:v>
-                </c:pt>
-                <c:pt idx="1">
-                  <c:v>10M</c:v>
-                </c:pt>
-                <c:pt idx="2">
-                  <c:v>100M</c:v>
-                </c:pt>
-              </c:strCache>
-            </c:strRef>
-          </c:cat>
+          <c:marker>
+            <c:symbol val="none"/>
+          </c:marker>
           <c:val>
             <c:numRef>
-              <c:f>Sheet1!$C$2:$C$4</c:f>
+              <c:f>'results (7)'!$E$2:$E$21</c:f>
               <c:numCache>
                 <c:formatCode>General</c:formatCode>
-                <c:ptCount val="3"/>
+                <c:ptCount val="20"/>
                 <c:pt idx="0">
-                  <c:v>0.15699999999999997</c:v>
+                  <c:v>2.6883646333333338</c:v>
                 </c:pt>
                 <c:pt idx="1">
-                  <c:v>146.91400000000002</c:v>
+                  <c:v>1.5442653666666668</c:v>
                 </c:pt>
                 <c:pt idx="2">
-                  <c:v>398.041</c:v>
+                  <c:v>1.1650598666666669</c:v>
+                </c:pt>
+                <c:pt idx="3">
+                  <c:v>0.9719439666666666</c:v>
+                </c:pt>
+                <c:pt idx="4">
+                  <c:v>0.96092220000000006</c:v>
+                </c:pt>
+                <c:pt idx="5">
+                  <c:v>0.855055866666667</c:v>
+                </c:pt>
+                <c:pt idx="6">
+                  <c:v>0.78674293333333323</c:v>
+                </c:pt>
+                <c:pt idx="7">
+                  <c:v>0.73636933333333332</c:v>
+                </c:pt>
+                <c:pt idx="8">
+                  <c:v>0.88759543333333324</c:v>
+                </c:pt>
+                <c:pt idx="9">
+                  <c:v>0.85614153333333343</c:v>
+                </c:pt>
+                <c:pt idx="10">
+                  <c:v>0.85209049999999997</c:v>
+                </c:pt>
+                <c:pt idx="11">
+                  <c:v>0.82371619999999979</c:v>
+                </c:pt>
+                <c:pt idx="12">
+                  <c:v>0.79540916666666639</c:v>
+                </c:pt>
+                <c:pt idx="13">
+                  <c:v>0.76924343333333356</c:v>
+                </c:pt>
+                <c:pt idx="14">
+                  <c:v>0.74151103333333324</c:v>
+                </c:pt>
+                <c:pt idx="15">
+                  <c:v>0.74142143333333321</c:v>
+                </c:pt>
+                <c:pt idx="16">
+                  <c:v>0.81655673333333323</c:v>
+                </c:pt>
+                <c:pt idx="17">
+                  <c:v>0.793767</c:v>
+                </c:pt>
+                <c:pt idx="18">
+                  <c:v>0.80026676666666674</c:v>
+                </c:pt>
+                <c:pt idx="19">
+                  <c:v>0.79028900000000002</c:v>
                 </c:pt>
               </c:numCache>
             </c:numRef>
           </c:val>
+          <c:smooth val="0"/>
           <c:extLst>
             <c:ext xmlns:c16="http://schemas.microsoft.com/office/drawing/2014/chart" uri="{C3380CC4-5D6E-409C-BE32-E72D297353CC}">
-              <c16:uniqueId val="{00000001-E380-4D2B-BD9E-B5018D070534}"/>
+              <c16:uniqueId val="{00000001-F538-4E89-9FAA-A5EE810DC207}"/>
             </c:ext>
           </c:extLst>
         </c:ser>
@@ -2815,103 +2618,72 @@
           <c:showPercent val="0"/>
           <c:showBubbleSize val="0"/>
         </c:dLbls>
-        <c:gapWidth val="150"/>
-        <c:overlap val="100"/>
-        <c:axId val="284059920"/>
-        <c:axId val="2021548976"/>
-      </c:barChart>
-      <c:lineChart>
-        <c:grouping val="standard"/>
-        <c:varyColors val="0"/>
-        <c:ser>
-          <c:idx val="2"/>
-          <c:order val="2"/>
-          <c:tx>
-            <c:strRef>
-              <c:f>Sheet1!$E$1</c:f>
-              <c:strCache>
-                <c:ptCount val="1"/>
-                <c:pt idx="0">
-                  <c:v>Compression Rate</c:v>
-                </c:pt>
-              </c:strCache>
-            </c:strRef>
-          </c:tx>
-          <c:spPr>
-            <a:ln w="28575" cap="rnd">
-              <a:solidFill>
-                <a:schemeClr val="accent3"/>
-              </a:solidFill>
-              <a:round/>
-            </a:ln>
-            <a:effectLst/>
-          </c:spPr>
-          <c:marker>
-            <c:symbol val="none"/>
-          </c:marker>
-          <c:cat>
-            <c:strRef>
-              <c:f>Sheet1!$A$2:$A$4</c:f>
-              <c:strCache>
-                <c:ptCount val="3"/>
-                <c:pt idx="0">
-                  <c:v>1M</c:v>
-                </c:pt>
-                <c:pt idx="1">
-                  <c:v>10M</c:v>
-                </c:pt>
-                <c:pt idx="2">
-                  <c:v>100M</c:v>
-                </c:pt>
-              </c:strCache>
-            </c:strRef>
-          </c:cat>
-          <c:val>
-            <c:numRef>
-              <c:f>Sheet1!$E$2:$E$4</c:f>
-              <c:numCache>
-                <c:formatCode>General</c:formatCode>
-                <c:ptCount val="3"/>
-                <c:pt idx="0">
-                  <c:v>6.1496278887583224E-2</c:v>
-                </c:pt>
-                <c:pt idx="1">
-                  <c:v>3.3045571100814257</c:v>
-                </c:pt>
-                <c:pt idx="2">
-                  <c:v>4.6975358179715343</c:v>
-                </c:pt>
-              </c:numCache>
-            </c:numRef>
-          </c:val>
-          <c:smooth val="0"/>
-          <c:extLst>
-            <c:ext xmlns:c16="http://schemas.microsoft.com/office/drawing/2014/chart" uri="{C3380CC4-5D6E-409C-BE32-E72D297353CC}">
-              <c16:uniqueId val="{00000002-E380-4D2B-BD9E-B5018D070534}"/>
-            </c:ext>
-          </c:extLst>
-        </c:ser>
-        <c:dLbls>
-          <c:showLegendKey val="0"/>
-          <c:showVal val="0"/>
-          <c:showCatName val="0"/>
-          <c:showSerName val="0"/>
-          <c:showPercent val="0"/>
-          <c:showBubbleSize val="0"/>
-        </c:dLbls>
-        <c:marker val="1"/>
         <c:smooth val="0"/>
-        <c:axId val="281697520"/>
-        <c:axId val="1281142160"/>
+        <c:axId val="124496320"/>
+        <c:axId val="1099682639"/>
       </c:lineChart>
       <c:catAx>
-        <c:axId val="284059920"/>
+        <c:axId val="124496320"/>
         <c:scaling>
           <c:orientation val="minMax"/>
         </c:scaling>
         <c:delete val="0"/>
         <c:axPos val="b"/>
-        <c:numFmt formatCode="General" sourceLinked="1"/>
+        <c:title>
+          <c:tx>
+            <c:rich>
+              <a:bodyPr rot="0" spcFirstLastPara="1" vertOverflow="ellipsis" vert="horz" wrap="square" anchor="ctr" anchorCtr="1"/>
+              <a:lstStyle/>
+              <a:p>
+                <a:pPr>
+                  <a:defRPr sz="1600" b="0" i="0" u="none" strike="noStrike" kern="1200" baseline="0">
+                    <a:solidFill>
+                      <a:schemeClr val="tx1">
+                        <a:lumMod val="65000"/>
+                        <a:lumOff val="35000"/>
+                      </a:schemeClr>
+                    </a:solidFill>
+                    <a:latin typeface="+mn-lt"/>
+                    <a:ea typeface="+mn-ea"/>
+                    <a:cs typeface="+mn-cs"/>
+                  </a:defRPr>
+                </a:pPr>
+                <a:r>
+                  <a:rPr lang="it-IT"/>
+                  <a:t>Threads</a:t>
+                </a:r>
+              </a:p>
+            </c:rich>
+          </c:tx>
+          <c:overlay val="0"/>
+          <c:spPr>
+            <a:noFill/>
+            <a:ln>
+              <a:noFill/>
+            </a:ln>
+            <a:effectLst/>
+          </c:spPr>
+          <c:txPr>
+            <a:bodyPr rot="0" spcFirstLastPara="1" vertOverflow="ellipsis" vert="horz" wrap="square" anchor="ctr" anchorCtr="1"/>
+            <a:lstStyle/>
+            <a:p>
+              <a:pPr>
+                <a:defRPr sz="1600" b="0" i="0" u="none" strike="noStrike" kern="1200" baseline="0">
+                  <a:solidFill>
+                    <a:schemeClr val="tx1">
+                      <a:lumMod val="65000"/>
+                      <a:lumOff val="35000"/>
+                    </a:schemeClr>
+                  </a:solidFill>
+                  <a:latin typeface="+mn-lt"/>
+                  <a:ea typeface="+mn-ea"/>
+                  <a:cs typeface="+mn-cs"/>
+                </a:defRPr>
+              </a:pPr>
+              <a:endParaRPr lang="it-IT"/>
+            </a:p>
+          </c:txPr>
+        </c:title>
         <c:majorTickMark val="none"/>
         <c:minorTickMark val="none"/>
         <c:tickLblPos val="nextTo"/>
@@ -2948,7 +2720,7 @@
             <a:endParaRPr lang="it-IT"/>
           </a:p>
         </c:txPr>
-        <c:crossAx val="2021548976"/>
+        <c:crossAx val="1099682639"/>
         <c:crosses val="autoZero"/>
         <c:auto val="1"/>
         <c:lblAlgn val="ctr"/>
@@ -2956,7 +2728,7 @@
         <c:noMultiLvlLbl val="0"/>
       </c:catAx>
       <c:valAx>
-        <c:axId val="2021548976"/>
+        <c:axId val="1099682639"/>
         <c:scaling>
           <c:orientation val="minMax"/>
         </c:scaling>
@@ -2976,7 +2748,62 @@
             <a:effectLst/>
           </c:spPr>
         </c:majorGridlines>
-        <c:numFmt formatCode="0%" sourceLinked="1"/>
+        <c:title>
+          <c:tx>
+            <c:rich>
+              <a:bodyPr rot="-5400000" spcFirstLastPara="1" vertOverflow="ellipsis" vert="horz" wrap="square" anchor="ctr" anchorCtr="1"/>
+              <a:lstStyle/>
+              <a:p>
+                <a:pPr>
+                  <a:defRPr sz="1600" b="0" i="0" u="none" strike="noStrike" kern="1200" baseline="0">
+                    <a:solidFill>
+                      <a:schemeClr val="tx1">
+                        <a:lumMod val="65000"/>
+                        <a:lumOff val="35000"/>
+                      </a:schemeClr>
+                    </a:solidFill>
+                    <a:latin typeface="+mn-lt"/>
+                    <a:ea typeface="+mn-ea"/>
+                    <a:cs typeface="+mn-cs"/>
+                  </a:defRPr>
+                </a:pPr>
+                <a:r>
+                  <a:rPr lang="it-IT"/>
+                  <a:t>Execution Time (seconds)</a:t>
+                </a:r>
+              </a:p>
+            </c:rich>
+          </c:tx>
+          <c:overlay val="0"/>
+          <c:spPr>
+            <a:noFill/>
+            <a:ln>
+              <a:noFill/>
+            </a:ln>
+            <a:effectLst/>
+          </c:spPr>
+          <c:txPr>
+            <a:bodyPr rot="-5400000" spcFirstLastPara="1" vertOverflow="ellipsis" vert="horz" wrap="square" anchor="ctr" anchorCtr="1"/>
+            <a:lstStyle/>
+            <a:p>
+              <a:pPr>
+                <a:defRPr sz="1600" b="0" i="0" u="none" strike="noStrike" kern="1200" baseline="0">
+                  <a:solidFill>
+                    <a:schemeClr val="tx1">
+                      <a:lumMod val="65000"/>
+                      <a:lumOff val="35000"/>
+                    </a:schemeClr>
+                  </a:solidFill>
+                  <a:latin typeface="+mn-lt"/>
+                  <a:ea typeface="+mn-ea"/>
+                  <a:cs typeface="+mn-cs"/>
+                </a:defRPr>
+              </a:pPr>
+              <a:endParaRPr lang="it-IT"/>
+            </a:p>
+          </c:txPr>
+        </c:title>
+        <c:numFmt formatCode="General" sourceLinked="1"/>
         <c:majorTickMark val="none"/>
         <c:minorTickMark val="none"/>
         <c:tickLblPos val="nextTo"/>
@@ -3007,25 +2834,433 @@
             <a:endParaRPr lang="it-IT"/>
           </a:p>
         </c:txPr>
-        <c:crossAx val="284059920"/>
+        <c:crossAx val="124496320"/>
         <c:crosses val="autoZero"/>
         <c:crossBetween val="between"/>
       </c:valAx>
-      <c:valAx>
-        <c:axId val="1281142160"/>
+      <c:spPr>
+        <a:noFill/>
+        <a:ln>
+          <a:noFill/>
+        </a:ln>
+        <a:effectLst/>
+      </c:spPr>
+    </c:plotArea>
+    <c:legend>
+      <c:legendPos val="r"/>
+      <c:overlay val="0"/>
+      <c:spPr>
+        <a:noFill/>
+        <a:ln>
+          <a:noFill/>
+        </a:ln>
+        <a:effectLst/>
+      </c:spPr>
+      <c:txPr>
+        <a:bodyPr rot="0" spcFirstLastPara="1" vertOverflow="ellipsis" vert="horz" wrap="square" anchor="ctr" anchorCtr="1"/>
+        <a:lstStyle/>
+        <a:p>
+          <a:pPr>
+            <a:defRPr sz="1600" b="0" i="0" u="none" strike="noStrike" kern="1200" baseline="0">
+              <a:solidFill>
+                <a:schemeClr val="tx1">
+                  <a:lumMod val="65000"/>
+                  <a:lumOff val="35000"/>
+                </a:schemeClr>
+              </a:solidFill>
+              <a:latin typeface="+mn-lt"/>
+              <a:ea typeface="+mn-ea"/>
+              <a:cs typeface="+mn-cs"/>
+            </a:defRPr>
+          </a:pPr>
+          <a:endParaRPr lang="it-IT"/>
+        </a:p>
+      </c:txPr>
+    </c:legend>
+    <c:plotVisOnly val="1"/>
+    <c:dispBlanksAs val="gap"/>
+    <c:extLst>
+      <c:ext xmlns:c16r3="http://schemas.microsoft.com/office/drawing/2017/03/chart" uri="{56B9EC1D-385E-4148-901F-78D8002777C0}">
+        <c16r3:dataDisplayOptions16>
+          <c16r3:dispNaAsBlank val="1"/>
+        </c16r3:dataDisplayOptions16>
+      </c:ext>
+    </c:extLst>
+    <c:showDLblsOverMax val="0"/>
+  </c:chart>
+  <c:spPr>
+    <a:noFill/>
+    <a:ln>
+      <a:noFill/>
+    </a:ln>
+    <a:effectLst/>
+  </c:spPr>
+  <c:txPr>
+    <a:bodyPr/>
+    <a:lstStyle/>
+    <a:p>
+      <a:pPr>
+        <a:defRPr sz="1600"/>
+      </a:pPr>
+      <a:endParaRPr lang="it-IT"/>
+    </a:p>
+  </c:txPr>
+  <c:externalData r:id="rId3">
+    <c:autoUpdate val="0"/>
+  </c:externalData>
+</c:chartSpace>
+</file>
+
+<file path=ppt/charts/chart5.xml><?xml version="1.0" encoding="utf-8"?>
+<c:chartSpace xmlns:c="http://schemas.openxmlformats.org/drawingml/2006/chart" xmlns:a="http://schemas.openxmlformats.org/drawingml/2006/main" xmlns:r="http://schemas.openxmlformats.org/officeDocument/2006/relationships" xmlns:c16r2="http://schemas.microsoft.com/office/drawing/2015/06/chart">
+  <c:date1904 val="0"/>
+  <c:lang val="en-US"/>
+  <c:roundedCorners val="0"/>
+  <mc:AlternateContent xmlns:mc="http://schemas.openxmlformats.org/markup-compatibility/2006">
+    <mc:Choice xmlns:c14="http://schemas.microsoft.com/office/drawing/2007/8/2/chart" Requires="c14">
+      <c14:style val="102"/>
+    </mc:Choice>
+    <mc:Fallback>
+      <c:style val="2"/>
+    </mc:Fallback>
+  </mc:AlternateContent>
+  <c:chart>
+    <c:title>
+      <c:tx>
+        <c:rich>
+          <a:bodyPr rot="0" spcFirstLastPara="1" vertOverflow="ellipsis" vert="horz" wrap="square" anchor="ctr" anchorCtr="1"/>
+          <a:lstStyle/>
+          <a:p>
+            <a:pPr>
+              <a:defRPr sz="1920" b="0" i="0" u="none" strike="noStrike" kern="1200" spc="0" baseline="0">
+                <a:solidFill>
+                  <a:schemeClr val="tx1">
+                    <a:lumMod val="65000"/>
+                    <a:lumOff val="35000"/>
+                  </a:schemeClr>
+                </a:solidFill>
+                <a:latin typeface="+mn-lt"/>
+                <a:ea typeface="+mn-ea"/>
+                <a:cs typeface="+mn-cs"/>
+              </a:defRPr>
+            </a:pPr>
+            <a:r>
+              <a:rPr lang="it-IT"/>
+              <a:t>Speedup comparison (10M)</a:t>
+            </a:r>
+          </a:p>
+        </c:rich>
+      </c:tx>
+      <c:overlay val="0"/>
+      <c:spPr>
+        <a:noFill/>
+        <a:ln>
+          <a:noFill/>
+        </a:ln>
+        <a:effectLst/>
+      </c:spPr>
+      <c:txPr>
+        <a:bodyPr rot="0" spcFirstLastPara="1" vertOverflow="ellipsis" vert="horz" wrap="square" anchor="ctr" anchorCtr="1"/>
+        <a:lstStyle/>
+        <a:p>
+          <a:pPr>
+            <a:defRPr sz="1920" b="0" i="0" u="none" strike="noStrike" kern="1200" spc="0" baseline="0">
+              <a:solidFill>
+                <a:schemeClr val="tx1">
+                  <a:lumMod val="65000"/>
+                  <a:lumOff val="35000"/>
+                </a:schemeClr>
+              </a:solidFill>
+              <a:latin typeface="+mn-lt"/>
+              <a:ea typeface="+mn-ea"/>
+              <a:cs typeface="+mn-cs"/>
+            </a:defRPr>
+          </a:pPr>
+          <a:endParaRPr lang="it-IT"/>
+        </a:p>
+      </c:txPr>
+    </c:title>
+    <c:autoTitleDeleted val="0"/>
+    <c:plotArea>
+      <c:layout/>
+      <c:lineChart>
+        <c:grouping val="standard"/>
+        <c:varyColors val="0"/>
+        <c:ser>
+          <c:idx val="0"/>
+          <c:order val="0"/>
+          <c:tx>
+            <c:v>After</c:v>
+          </c:tx>
+          <c:spPr>
+            <a:ln w="28575" cap="rnd">
+              <a:solidFill>
+                <a:schemeClr val="accent1"/>
+              </a:solidFill>
+              <a:round/>
+            </a:ln>
+            <a:effectLst/>
+          </c:spPr>
+          <c:marker>
+            <c:symbol val="none"/>
+          </c:marker>
+          <c:val>
+            <c:numRef>
+              <c:f>'results (7)'!$F$2:$F$21</c:f>
+              <c:numCache>
+                <c:formatCode>General</c:formatCode>
+                <c:ptCount val="20"/>
+                <c:pt idx="0">
+                  <c:v>1</c:v>
+                </c:pt>
+                <c:pt idx="1">
+                  <c:v>1.7408696014055098</c:v>
+                </c:pt>
+                <c:pt idx="2">
+                  <c:v>2.30749055070017</c:v>
+                </c:pt>
+                <c:pt idx="3">
+                  <c:v>2.7659666868998869</c:v>
+                </c:pt>
+                <c:pt idx="4">
+                  <c:v>2.7976922932297055</c:v>
+                </c:pt>
+                <c:pt idx="5">
+                  <c:v>3.1440806830711563</c:v>
+                </c:pt>
+                <c:pt idx="6">
+                  <c:v>3.4170813863469518</c:v>
+                </c:pt>
+                <c:pt idx="7">
+                  <c:v>3.6508373062792772</c:v>
+                </c:pt>
+                <c:pt idx="8">
+                  <c:v>3.0288175585100472</c:v>
+                </c:pt>
+                <c:pt idx="9">
+                  <c:v>3.1400936979033762</c:v>
+                </c:pt>
+                <c:pt idx="10">
+                  <c:v>3.1550224223052994</c:v>
+                </c:pt>
+                <c:pt idx="11">
+                  <c:v>3.2637025146929663</c:v>
+                </c:pt>
+                <c:pt idx="12">
+                  <c:v>3.3798512086546668</c:v>
+                </c:pt>
+                <c:pt idx="13">
+                  <c:v>3.4948164870045684</c:v>
+                </c:pt>
+                <c:pt idx="14">
+                  <c:v>3.6255220927034091</c:v>
+                </c:pt>
+                <c:pt idx="15">
+                  <c:v>3.6259602332330751</c:v>
+                </c:pt>
+                <c:pt idx="16">
+                  <c:v>3.2923182475747153</c:v>
+                </c:pt>
+                <c:pt idx="17">
+                  <c:v>3.3868435363694052</c:v>
+                </c:pt>
+                <c:pt idx="18">
+                  <c:v>3.3593355932186451</c:v>
+                </c:pt>
+                <c:pt idx="19">
+                  <c:v>3.4017487695429565</c:v>
+                </c:pt>
+              </c:numCache>
+            </c:numRef>
+          </c:val>
+          <c:smooth val="0"/>
+          <c:extLst>
+            <c:ext xmlns:c16="http://schemas.microsoft.com/office/drawing/2014/chart" uri="{C3380CC4-5D6E-409C-BE32-E72D297353CC}">
+              <c16:uniqueId val="{00000000-7872-40C3-8F18-EB9E8C6CDE71}"/>
+            </c:ext>
+          </c:extLst>
+        </c:ser>
+        <c:ser>
+          <c:idx val="1"/>
+          <c:order val="1"/>
+          <c:tx>
+            <c:v>Before</c:v>
+          </c:tx>
+          <c:spPr>
+            <a:ln w="28575" cap="rnd">
+              <a:solidFill>
+                <a:schemeClr val="accent2"/>
+              </a:solidFill>
+              <a:round/>
+            </a:ln>
+            <a:effectLst/>
+          </c:spPr>
+          <c:marker>
+            <c:symbol val="none"/>
+          </c:marker>
+          <c:val>
+            <c:numRef>
+              <c:f>'results (7)'!$I$2:$I$21</c:f>
+              <c:numCache>
+                <c:formatCode>General</c:formatCode>
+                <c:ptCount val="20"/>
+                <c:pt idx="0">
+                  <c:v>1</c:v>
+                </c:pt>
+                <c:pt idx="1">
+                  <c:v>1.5875572034065017</c:v>
+                </c:pt>
+                <c:pt idx="2">
+                  <c:v>1.9493141315896025</c:v>
+                </c:pt>
+                <c:pt idx="3">
+                  <c:v>2.2222925938703129</c:v>
+                </c:pt>
+                <c:pt idx="4">
+                  <c:v>2.5004249649131349</c:v>
+                </c:pt>
+                <c:pt idx="5">
+                  <c:v>2.6658130610005224</c:v>
+                </c:pt>
+                <c:pt idx="6">
+                  <c:v>2.9639079260892234</c:v>
+                </c:pt>
+                <c:pt idx="7">
+                  <c:v>2.9392410652816596</c:v>
+                </c:pt>
+                <c:pt idx="8">
+                  <c:v>2.6282615248261441</c:v>
+                </c:pt>
+                <c:pt idx="9">
+                  <c:v>2.6986594413194971</c:v>
+                </c:pt>
+                <c:pt idx="10">
+                  <c:v>2.8270847352736506</c:v>
+                </c:pt>
+                <c:pt idx="11">
+                  <c:v>2.9039360691948155</c:v>
+                </c:pt>
+                <c:pt idx="12">
+                  <c:v>2.9622518549815355</c:v>
+                </c:pt>
+                <c:pt idx="13">
+                  <c:v>3.1261490038259305</c:v>
+                </c:pt>
+                <c:pt idx="14">
+                  <c:v>3.1215711094978258</c:v>
+                </c:pt>
+                <c:pt idx="15">
+                  <c:v>3.1771452207782214</c:v>
+                </c:pt>
+                <c:pt idx="16">
+                  <c:v>3.0216940614704648</c:v>
+                </c:pt>
+                <c:pt idx="17">
+                  <c:v>3.0320710247295435</c:v>
+                </c:pt>
+                <c:pt idx="18">
+                  <c:v>3.0728489918799964</c:v>
+                </c:pt>
+                <c:pt idx="19">
+                  <c:v>3.0816042669452144</c:v>
+                </c:pt>
+              </c:numCache>
+            </c:numRef>
+          </c:val>
+          <c:smooth val="0"/>
+          <c:extLst>
+            <c:ext xmlns:c16="http://schemas.microsoft.com/office/drawing/2014/chart" uri="{C3380CC4-5D6E-409C-BE32-E72D297353CC}">
+              <c16:uniqueId val="{00000001-7872-40C3-8F18-EB9E8C6CDE71}"/>
+            </c:ext>
+          </c:extLst>
+        </c:ser>
+        <c:dLbls>
+          <c:showLegendKey val="0"/>
+          <c:showVal val="0"/>
+          <c:showCatName val="0"/>
+          <c:showSerName val="0"/>
+          <c:showPercent val="0"/>
+          <c:showBubbleSize val="0"/>
+        </c:dLbls>
+        <c:smooth val="0"/>
+        <c:axId val="1105132239"/>
+        <c:axId val="1532045679"/>
+      </c:lineChart>
+      <c:catAx>
+        <c:axId val="1105132239"/>
         <c:scaling>
           <c:orientation val="minMax"/>
         </c:scaling>
         <c:delete val="0"/>
-        <c:axPos val="r"/>
-        <c:numFmt formatCode="General" sourceLinked="1"/>
-        <c:majorTickMark val="out"/>
+        <c:axPos val="b"/>
+        <c:title>
+          <c:tx>
+            <c:rich>
+              <a:bodyPr rot="0" spcFirstLastPara="1" vertOverflow="ellipsis" vert="horz" wrap="square" anchor="ctr" anchorCtr="1"/>
+              <a:lstStyle/>
+              <a:p>
+                <a:pPr>
+                  <a:defRPr sz="1600" b="0" i="0" u="none" strike="noStrike" kern="1200" baseline="0">
+                    <a:solidFill>
+                      <a:schemeClr val="tx1">
+                        <a:lumMod val="65000"/>
+                        <a:lumOff val="35000"/>
+                      </a:schemeClr>
+                    </a:solidFill>
+                    <a:latin typeface="+mn-lt"/>
+                    <a:ea typeface="+mn-ea"/>
+                    <a:cs typeface="+mn-cs"/>
+                  </a:defRPr>
+                </a:pPr>
+                <a:r>
+                  <a:rPr lang="it-IT"/>
+                  <a:t>Threads</a:t>
+                </a:r>
+              </a:p>
+            </c:rich>
+          </c:tx>
+          <c:overlay val="0"/>
+          <c:spPr>
+            <a:noFill/>
+            <a:ln>
+              <a:noFill/>
+            </a:ln>
+            <a:effectLst/>
+          </c:spPr>
+          <c:txPr>
+            <a:bodyPr rot="0" spcFirstLastPara="1" vertOverflow="ellipsis" vert="horz" wrap="square" anchor="ctr" anchorCtr="1"/>
+            <a:lstStyle/>
+            <a:p>
+              <a:pPr>
+                <a:defRPr sz="1600" b="0" i="0" u="none" strike="noStrike" kern="1200" baseline="0">
+                  <a:solidFill>
+                    <a:schemeClr val="tx1">
+                      <a:lumMod val="65000"/>
+                      <a:lumOff val="35000"/>
+                    </a:schemeClr>
+                  </a:solidFill>
+                  <a:latin typeface="+mn-lt"/>
+                  <a:ea typeface="+mn-ea"/>
+                  <a:cs typeface="+mn-cs"/>
+                </a:defRPr>
+              </a:pPr>
+              <a:endParaRPr lang="it-IT"/>
+            </a:p>
+          </c:txPr>
+        </c:title>
+        <c:majorTickMark val="none"/>
         <c:minorTickMark val="none"/>
         <c:tickLblPos val="nextTo"/>
         <c:spPr>
           <a:noFill/>
-          <a:ln>
-            <a:noFill/>
+          <a:ln w="9525" cap="flat" cmpd="sng" algn="ctr">
+            <a:solidFill>
+              <a:schemeClr val="tx1">
+                <a:lumMod val="15000"/>
+                <a:lumOff val="85000"/>
+              </a:schemeClr>
+            </a:solidFill>
+            <a:round/>
           </a:ln>
           <a:effectLst/>
         </c:spPr>
@@ -3049,28 +3284,124 @@
             <a:endParaRPr lang="it-IT"/>
           </a:p>
         </c:txPr>
-        <c:crossAx val="281697520"/>
-        <c:crosses val="max"/>
-        <c:crossBetween val="between"/>
-      </c:valAx>
-      <c:catAx>
-        <c:axId val="281697520"/>
-        <c:scaling>
-          <c:orientation val="minMax"/>
-        </c:scaling>
-        <c:delete val="1"/>
-        <c:axPos val="b"/>
-        <c:numFmt formatCode="General" sourceLinked="1"/>
-        <c:majorTickMark val="out"/>
-        <c:minorTickMark val="none"/>
-        <c:tickLblPos val="nextTo"/>
-        <c:crossAx val="1281142160"/>
+        <c:crossAx val="1532045679"/>
         <c:crosses val="autoZero"/>
         <c:auto val="1"/>
         <c:lblAlgn val="ctr"/>
         <c:lblOffset val="100"/>
         <c:noMultiLvlLbl val="0"/>
       </c:catAx>
+      <c:valAx>
+        <c:axId val="1532045679"/>
+        <c:scaling>
+          <c:orientation val="minMax"/>
+        </c:scaling>
+        <c:delete val="0"/>
+        <c:axPos val="l"/>
+        <c:majorGridlines>
+          <c:spPr>
+            <a:ln w="9525" cap="flat" cmpd="sng" algn="ctr">
+              <a:solidFill>
+                <a:schemeClr val="tx1">
+                  <a:lumMod val="15000"/>
+                  <a:lumOff val="85000"/>
+                </a:schemeClr>
+              </a:solidFill>
+              <a:round/>
+            </a:ln>
+            <a:effectLst/>
+          </c:spPr>
+        </c:majorGridlines>
+        <c:title>
+          <c:tx>
+            <c:rich>
+              <a:bodyPr rot="-5400000" spcFirstLastPara="1" vertOverflow="ellipsis" vert="horz" wrap="square" anchor="ctr" anchorCtr="1"/>
+              <a:lstStyle/>
+              <a:p>
+                <a:pPr>
+                  <a:defRPr sz="1600" b="0" i="0" u="none" strike="noStrike" kern="1200" baseline="0">
+                    <a:solidFill>
+                      <a:schemeClr val="tx1">
+                        <a:lumMod val="65000"/>
+                        <a:lumOff val="35000"/>
+                      </a:schemeClr>
+                    </a:solidFill>
+                    <a:latin typeface="+mn-lt"/>
+                    <a:ea typeface="+mn-ea"/>
+                    <a:cs typeface="+mn-cs"/>
+                  </a:defRPr>
+                </a:pPr>
+                <a:r>
+                  <a:rPr lang="it-IT"/>
+                  <a:t>Speedup</a:t>
+                </a:r>
+              </a:p>
+            </c:rich>
+          </c:tx>
+          <c:overlay val="0"/>
+          <c:spPr>
+            <a:noFill/>
+            <a:ln>
+              <a:noFill/>
+            </a:ln>
+            <a:effectLst/>
+          </c:spPr>
+          <c:txPr>
+            <a:bodyPr rot="-5400000" spcFirstLastPara="1" vertOverflow="ellipsis" vert="horz" wrap="square" anchor="ctr" anchorCtr="1"/>
+            <a:lstStyle/>
+            <a:p>
+              <a:pPr>
+                <a:defRPr sz="1600" b="0" i="0" u="none" strike="noStrike" kern="1200" baseline="0">
+                  <a:solidFill>
+                    <a:schemeClr val="tx1">
+                      <a:lumMod val="65000"/>
+                      <a:lumOff val="35000"/>
+                    </a:schemeClr>
+                  </a:solidFill>
+                  <a:latin typeface="+mn-lt"/>
+                  <a:ea typeface="+mn-ea"/>
+                  <a:cs typeface="+mn-cs"/>
+                </a:defRPr>
+              </a:pPr>
+              <a:endParaRPr lang="it-IT"/>
+            </a:p>
+          </c:txPr>
+        </c:title>
+        <c:numFmt formatCode="General" sourceLinked="1"/>
+        <c:majorTickMark val="none"/>
+        <c:minorTickMark val="none"/>
+        <c:tickLblPos val="nextTo"/>
+        <c:spPr>
+          <a:noFill/>
+          <a:ln>
+            <a:noFill/>
+          </a:ln>
+          <a:effectLst/>
+        </c:spPr>
+        <c:txPr>
+          <a:bodyPr rot="-60000000" spcFirstLastPara="1" vertOverflow="ellipsis" vert="horz" wrap="square" anchor="ctr" anchorCtr="1"/>
+          <a:lstStyle/>
+          <a:p>
+            <a:pPr>
+              <a:defRPr sz="1600" b="0" i="0" u="none" strike="noStrike" kern="1200" baseline="0">
+                <a:solidFill>
+                  <a:schemeClr val="tx1">
+                    <a:lumMod val="65000"/>
+                    <a:lumOff val="35000"/>
+                  </a:schemeClr>
+                </a:solidFill>
+                <a:latin typeface="+mn-lt"/>
+                <a:ea typeface="+mn-ea"/>
+                <a:cs typeface="+mn-cs"/>
+              </a:defRPr>
+            </a:pPr>
+            <a:endParaRPr lang="it-IT"/>
+          </a:p>
+        </c:txPr>
+        <c:crossAx val="1105132239"/>
+        <c:crosses val="autoZero"/>
+        <c:crossBetween val="between"/>
+      </c:valAx>
       <c:spPr>
         <a:noFill/>
         <a:ln>
@@ -3080,7 +3411,7 @@
       </c:spPr>
     </c:plotArea>
     <c:legend>
-      <c:legendPos val="b"/>
+      <c:legendPos val="r"/>
       <c:overlay val="0"/>
       <c:spPr>
         <a:noFill/>
@@ -3265,6 +3596,46 @@
 </file>
 
 <file path=ppt/charts/colors4.xml><?xml version="1.0" encoding="utf-8"?>
+<cs:colorStyle xmlns:cs="http://schemas.microsoft.com/office/drawing/2012/chartStyle" xmlns:a="http://schemas.openxmlformats.org/drawingml/2006/main" meth="cycle" id="10">
+  <a:schemeClr val="accent1"/>
+  <a:schemeClr val="accent2"/>
+  <a:schemeClr val="accent3"/>
+  <a:schemeClr val="accent4"/>
+  <a:schemeClr val="accent5"/>
+  <a:schemeClr val="accent6"/>
+  <cs:variation/>
+  <cs:variation>
+    <a:lumMod val="60000"/>
+  </cs:variation>
+  <cs:variation>
+    <a:lumMod val="80000"/>
+    <a:lumOff val="20000"/>
+  </cs:variation>
+  <cs:variation>
+    <a:lumMod val="80000"/>
+  </cs:variation>
+  <cs:variation>
+    <a:lumMod val="60000"/>
+    <a:lumOff val="40000"/>
+  </cs:variation>
+  <cs:variation>
+    <a:lumMod val="50000"/>
+  </cs:variation>
+  <cs:variation>
+    <a:lumMod val="70000"/>
+    <a:lumOff val="30000"/>
+  </cs:variation>
+  <cs:variation>
+    <a:lumMod val="70000"/>
+  </cs:variation>
+  <cs:variation>
+    <a:lumMod val="50000"/>
+    <a:lumOff val="50000"/>
+  </cs:variation>
+</cs:colorStyle>
+</file>
+
+<file path=ppt/charts/colors5.xml><?xml version="1.0" encoding="utf-8"?>
 <cs:colorStyle xmlns:cs="http://schemas.microsoft.com/office/drawing/2012/chartStyle" xmlns:a="http://schemas.openxmlformats.org/drawingml/2006/main" meth="cycle" id="10">
   <a:schemeClr val="accent1"/>
   <a:schemeClr val="accent2"/>
@@ -4337,509 +4708,6 @@
 </file>
 
 <file path=ppt/charts/style3.xml><?xml version="1.0" encoding="utf-8"?>
-<cs:chartStyle xmlns:cs="http://schemas.microsoft.com/office/drawing/2012/chartStyle" xmlns:a="http://schemas.openxmlformats.org/drawingml/2006/main" id="201">
-  <cs:axisTitle>
-    <cs:lnRef idx="0"/>
-    <cs:fillRef idx="0"/>
-    <cs:effectRef idx="0"/>
-    <cs:fontRef idx="minor">
-      <a:schemeClr val="tx1">
-        <a:lumMod val="65000"/>
-        <a:lumOff val="35000"/>
-      </a:schemeClr>
-    </cs:fontRef>
-    <cs:defRPr sz="1000" kern="1200"/>
-  </cs:axisTitle>
-  <cs:categoryAxis>
-    <cs:lnRef idx="0"/>
-    <cs:fillRef idx="0"/>
-    <cs:effectRef idx="0"/>
-    <cs:fontRef idx="minor">
-      <a:schemeClr val="tx1">
-        <a:lumMod val="65000"/>
-        <a:lumOff val="35000"/>
-      </a:schemeClr>
-    </cs:fontRef>
-    <cs:spPr>
-      <a:ln w="9525" cap="flat" cmpd="sng" algn="ctr">
-        <a:solidFill>
-          <a:schemeClr val="tx1">
-            <a:lumMod val="15000"/>
-            <a:lumOff val="85000"/>
-          </a:schemeClr>
-        </a:solidFill>
-        <a:round/>
-      </a:ln>
-    </cs:spPr>
-    <cs:defRPr sz="900" kern="1200"/>
-  </cs:categoryAxis>
-  <cs:chartArea mods="allowNoFillOverride allowNoLineOverride">
-    <cs:lnRef idx="0"/>
-    <cs:fillRef idx="0"/>
-    <cs:effectRef idx="0"/>
-    <cs:fontRef idx="minor">
-      <a:schemeClr val="tx1"/>
-    </cs:fontRef>
-    <cs:spPr>
-      <a:solidFill>
-        <a:schemeClr val="bg1"/>
-      </a:solidFill>
-      <a:ln w="9525" cap="flat" cmpd="sng" algn="ctr">
-        <a:solidFill>
-          <a:schemeClr val="tx1">
-            <a:lumMod val="15000"/>
-            <a:lumOff val="85000"/>
-          </a:schemeClr>
-        </a:solidFill>
-        <a:round/>
-      </a:ln>
-    </cs:spPr>
-    <cs:defRPr sz="1000" kern="1200"/>
-  </cs:chartArea>
-  <cs:dataLabel>
-    <cs:lnRef idx="0"/>
-    <cs:fillRef idx="0"/>
-    <cs:effectRef idx="0"/>
-    <cs:fontRef idx="minor">
-      <a:schemeClr val="tx1">
-        <a:lumMod val="75000"/>
-        <a:lumOff val="25000"/>
-      </a:schemeClr>
-    </cs:fontRef>
-    <cs:defRPr sz="900" kern="1200"/>
-  </cs:dataLabel>
-  <cs:dataLabelCallout>
-    <cs:lnRef idx="0"/>
-    <cs:fillRef idx="0"/>
-    <cs:effectRef idx="0"/>
-    <cs:fontRef idx="minor">
-      <a:schemeClr val="dk1">
-        <a:lumMod val="65000"/>
-        <a:lumOff val="35000"/>
-      </a:schemeClr>
-    </cs:fontRef>
-    <cs:spPr>
-      <a:solidFill>
-        <a:schemeClr val="lt1"/>
-      </a:solidFill>
-      <a:ln>
-        <a:solidFill>
-          <a:schemeClr val="dk1">
-            <a:lumMod val="25000"/>
-            <a:lumOff val="75000"/>
-          </a:schemeClr>
-        </a:solidFill>
-      </a:ln>
-    </cs:spPr>
-    <cs:defRPr sz="900" kern="1200"/>
-    <cs:bodyPr rot="0" spcFirstLastPara="1" vertOverflow="clip" horzOverflow="clip" vert="horz" wrap="square" lIns="36576" tIns="18288" rIns="36576" bIns="18288" anchor="ctr" anchorCtr="1">
-      <a:spAutoFit/>
-    </cs:bodyPr>
-  </cs:dataLabelCallout>
-  <cs:dataPoint>
-    <cs:lnRef idx="0"/>
-    <cs:fillRef idx="1">
-      <cs:styleClr val="auto"/>
-    </cs:fillRef>
-    <cs:effectRef idx="0"/>
-    <cs:fontRef idx="minor">
-      <a:schemeClr val="tx1"/>
-    </cs:fontRef>
-  </cs:dataPoint>
-  <cs:dataPoint3D>
-    <cs:lnRef idx="0"/>
-    <cs:fillRef idx="1">
-      <cs:styleClr val="auto"/>
-    </cs:fillRef>
-    <cs:effectRef idx="0"/>
-    <cs:fontRef idx="minor">
-      <a:schemeClr val="tx1"/>
-    </cs:fontRef>
-  </cs:dataPoint3D>
-  <cs:dataPointLine>
-    <cs:lnRef idx="0">
-      <cs:styleClr val="auto"/>
-    </cs:lnRef>
-    <cs:fillRef idx="1"/>
-    <cs:effectRef idx="0"/>
-    <cs:fontRef idx="minor">
-      <a:schemeClr val="tx1"/>
-    </cs:fontRef>
-    <cs:spPr>
-      <a:ln w="28575" cap="rnd">
-        <a:solidFill>
-          <a:schemeClr val="phClr"/>
-        </a:solidFill>
-        <a:round/>
-      </a:ln>
-    </cs:spPr>
-  </cs:dataPointLine>
-  <cs:dataPointMarker>
-    <cs:lnRef idx="0">
-      <cs:styleClr val="auto"/>
-    </cs:lnRef>
-    <cs:fillRef idx="1">
-      <cs:styleClr val="auto"/>
-    </cs:fillRef>
-    <cs:effectRef idx="0"/>
-    <cs:fontRef idx="minor">
-      <a:schemeClr val="tx1"/>
-    </cs:fontRef>
-    <cs:spPr>
-      <a:ln w="9525">
-        <a:solidFill>
-          <a:schemeClr val="phClr"/>
-        </a:solidFill>
-      </a:ln>
-    </cs:spPr>
-  </cs:dataPointMarker>
-  <cs:dataPointMarkerLayout symbol="circle" size="5"/>
-  <cs:dataPointWireframe>
-    <cs:lnRef idx="0">
-      <cs:styleClr val="auto"/>
-    </cs:lnRef>
-    <cs:fillRef idx="1"/>
-    <cs:effectRef idx="0"/>
-    <cs:fontRef idx="minor">
-      <a:schemeClr val="tx1"/>
-    </cs:fontRef>
-    <cs:spPr>
-      <a:ln w="9525" cap="rnd">
-        <a:solidFill>
-          <a:schemeClr val="phClr"/>
-        </a:solidFill>
-        <a:round/>
-      </a:ln>
-    </cs:spPr>
-  </cs:dataPointWireframe>
-  <cs:dataTable>
-    <cs:lnRef idx="0"/>
-    <cs:fillRef idx="0"/>
-    <cs:effectRef idx="0"/>
-    <cs:fontRef idx="minor">
-      <a:schemeClr val="tx1">
-        <a:lumMod val="65000"/>
-        <a:lumOff val="35000"/>
-      </a:schemeClr>
-    </cs:fontRef>
-    <cs:spPr>
-      <a:noFill/>
-      <a:ln w="9525" cap="flat" cmpd="sng" algn="ctr">
-        <a:solidFill>
-          <a:schemeClr val="tx1">
-            <a:lumMod val="15000"/>
-            <a:lumOff val="85000"/>
-          </a:schemeClr>
-        </a:solidFill>
-        <a:round/>
-      </a:ln>
-    </cs:spPr>
-    <cs:defRPr sz="900" kern="1200"/>
-  </cs:dataTable>
-  <cs:downBar>
-    <cs:lnRef idx="0"/>
-    <cs:fillRef idx="0"/>
-    <cs:effectRef idx="0"/>
-    <cs:fontRef idx="minor">
-      <a:schemeClr val="dk1"/>
-    </cs:fontRef>
-    <cs:spPr>
-      <a:solidFill>
-        <a:schemeClr val="dk1">
-          <a:lumMod val="65000"/>
-          <a:lumOff val="35000"/>
-        </a:schemeClr>
-      </a:solidFill>
-      <a:ln w="9525">
-        <a:solidFill>
-          <a:schemeClr val="tx1">
-            <a:lumMod val="65000"/>
-            <a:lumOff val="35000"/>
-          </a:schemeClr>
-        </a:solidFill>
-      </a:ln>
-    </cs:spPr>
-  </cs:downBar>
-  <cs:dropLine>
-    <cs:lnRef idx="0"/>
-    <cs:fillRef idx="0"/>
-    <cs:effectRef idx="0"/>
-    <cs:fontRef idx="minor">
-      <a:schemeClr val="tx1"/>
-    </cs:fontRef>
-    <cs:spPr>
-      <a:ln w="9525" cap="flat" cmpd="sng" algn="ctr">
-        <a:solidFill>
-          <a:schemeClr val="tx1">
-            <a:lumMod val="35000"/>
-            <a:lumOff val="65000"/>
-          </a:schemeClr>
-        </a:solidFill>
-        <a:round/>
-      </a:ln>
-    </cs:spPr>
-  </cs:dropLine>
-  <cs:errorBar>
-    <cs:lnRef idx="0"/>
-    <cs:fillRef idx="0"/>
-    <cs:effectRef idx="0"/>
-    <cs:fontRef idx="minor">
-      <a:schemeClr val="tx1"/>
-    </cs:fontRef>
-    <cs:spPr>
-      <a:ln w="9525" cap="flat" cmpd="sng" algn="ctr">
-        <a:solidFill>
-          <a:schemeClr val="tx1">
-            <a:lumMod val="65000"/>
-            <a:lumOff val="35000"/>
-          </a:schemeClr>
-        </a:solidFill>
-        <a:round/>
-      </a:ln>
-    </cs:spPr>
-  </cs:errorBar>
-  <cs:floor>
-    <cs:lnRef idx="0"/>
-    <cs:fillRef idx="0"/>
-    <cs:effectRef idx="0"/>
-    <cs:fontRef idx="minor">
-      <a:schemeClr val="tx1"/>
-    </cs:fontRef>
-    <cs:spPr>
-      <a:noFill/>
-      <a:ln>
-        <a:noFill/>
-      </a:ln>
-    </cs:spPr>
-  </cs:floor>
-  <cs:gridlineMajor>
-    <cs:lnRef idx="0"/>
-    <cs:fillRef idx="0"/>
-    <cs:effectRef idx="0"/>
-    <cs:fontRef idx="minor">
-      <a:schemeClr val="tx1"/>
-    </cs:fontRef>
-    <cs:spPr>
-      <a:ln w="9525" cap="flat" cmpd="sng" algn="ctr">
-        <a:solidFill>
-          <a:schemeClr val="tx1">
-            <a:lumMod val="15000"/>
-            <a:lumOff val="85000"/>
-          </a:schemeClr>
-        </a:solidFill>
-        <a:round/>
-      </a:ln>
-    </cs:spPr>
-  </cs:gridlineMajor>
-  <cs:gridlineMinor>
-    <cs:lnRef idx="0"/>
-    <cs:fillRef idx="0"/>
-    <cs:effectRef idx="0"/>
-    <cs:fontRef idx="minor">
-      <a:schemeClr val="tx1"/>
-    </cs:fontRef>
-    <cs:spPr>
-      <a:ln w="9525" cap="flat" cmpd="sng" algn="ctr">
-        <a:solidFill>
-          <a:schemeClr val="tx1">
-            <a:lumMod val="5000"/>
-            <a:lumOff val="95000"/>
-          </a:schemeClr>
-        </a:solidFill>
-        <a:round/>
-      </a:ln>
-    </cs:spPr>
-  </cs:gridlineMinor>
-  <cs:hiLoLine>
-    <cs:lnRef idx="0"/>
-    <cs:fillRef idx="0"/>
-    <cs:effectRef idx="0"/>
-    <cs:fontRef idx="minor">
-      <a:schemeClr val="tx1"/>
-    </cs:fontRef>
-    <cs:spPr>
-      <a:ln w="9525" cap="flat" cmpd="sng" algn="ctr">
-        <a:solidFill>
-          <a:schemeClr val="tx1">
-            <a:lumMod val="75000"/>
-            <a:lumOff val="25000"/>
-          </a:schemeClr>
-        </a:solidFill>
-        <a:round/>
-      </a:ln>
-    </cs:spPr>
-  </cs:hiLoLine>
-  <cs:leaderLine>
-    <cs:lnRef idx="0"/>
-    <cs:fillRef idx="0"/>
-    <cs:effectRef idx="0"/>
-    <cs:fontRef idx="minor">
-      <a:schemeClr val="tx1"/>
-    </cs:fontRef>
-    <cs:spPr>
-      <a:ln w="9525" cap="flat" cmpd="sng" algn="ctr">
-        <a:solidFill>
-          <a:schemeClr val="tx1">
-            <a:lumMod val="35000"/>
-            <a:lumOff val="65000"/>
-          </a:schemeClr>
-        </a:solidFill>
-        <a:round/>
-      </a:ln>
-    </cs:spPr>
-  </cs:leaderLine>
-  <cs:legend>
-    <cs:lnRef idx="0"/>
-    <cs:fillRef idx="0"/>
-    <cs:effectRef idx="0"/>
-    <cs:fontRef idx="minor">
-      <a:schemeClr val="tx1">
-        <a:lumMod val="65000"/>
-        <a:lumOff val="35000"/>
-      </a:schemeClr>
-    </cs:fontRef>
-    <cs:defRPr sz="900" kern="1200"/>
-  </cs:legend>
-  <cs:plotArea mods="allowNoFillOverride allowNoLineOverride">
-    <cs:lnRef idx="0"/>
-    <cs:fillRef idx="0"/>
-    <cs:effectRef idx="0"/>
-    <cs:fontRef idx="minor">
-      <a:schemeClr val="tx1"/>
-    </cs:fontRef>
-  </cs:plotArea>
-  <cs:plotArea3D mods="allowNoFillOverride allowNoLineOverride">
-    <cs:lnRef idx="0"/>
-    <cs:fillRef idx="0"/>
-    <cs:effectRef idx="0"/>
-    <cs:fontRef idx="minor">
-      <a:schemeClr val="tx1"/>
-    </cs:fontRef>
-  </cs:plotArea3D>
-  <cs:seriesAxis>
-    <cs:lnRef idx="0"/>
-    <cs:fillRef idx="0"/>
-    <cs:effectRef idx="0"/>
-    <cs:fontRef idx="minor">
-      <a:schemeClr val="tx1">
-        <a:lumMod val="65000"/>
-        <a:lumOff val="35000"/>
-      </a:schemeClr>
-    </cs:fontRef>
-    <cs:defRPr sz="900" kern="1200"/>
-  </cs:seriesAxis>
-  <cs:seriesLine>
-    <cs:lnRef idx="0"/>
-    <cs:fillRef idx="0"/>
-    <cs:effectRef idx="0"/>
-    <cs:fontRef idx="minor">
-      <a:schemeClr val="tx1"/>
-    </cs:fontRef>
-    <cs:spPr>
-      <a:ln w="9525" cap="flat" cmpd="sng" algn="ctr">
-        <a:solidFill>
-          <a:schemeClr val="tx1">
-            <a:lumMod val="35000"/>
-            <a:lumOff val="65000"/>
-          </a:schemeClr>
-        </a:solidFill>
-        <a:round/>
-      </a:ln>
-    </cs:spPr>
-  </cs:seriesLine>
-  <cs:title>
-    <cs:lnRef idx="0"/>
-    <cs:fillRef idx="0"/>
-    <cs:effectRef idx="0"/>
-    <cs:fontRef idx="minor">
-      <a:schemeClr val="tx1">
-        <a:lumMod val="65000"/>
-        <a:lumOff val="35000"/>
-      </a:schemeClr>
-    </cs:fontRef>
-    <cs:defRPr sz="1400" b="0" kern="1200" spc="0" baseline="0"/>
-  </cs:title>
-  <cs:trendline>
-    <cs:lnRef idx="0">
-      <cs:styleClr val="auto"/>
-    </cs:lnRef>
-    <cs:fillRef idx="0"/>
-    <cs:effectRef idx="0"/>
-    <cs:fontRef idx="minor">
-      <a:schemeClr val="tx1"/>
-    </cs:fontRef>
-    <cs:spPr>
-      <a:ln w="19050" cap="rnd">
-        <a:solidFill>
-          <a:schemeClr val="phClr"/>
-        </a:solidFill>
-        <a:prstDash val="sysDot"/>
-      </a:ln>
-    </cs:spPr>
-  </cs:trendline>
-  <cs:trendlineLabel>
-    <cs:lnRef idx="0"/>
-    <cs:fillRef idx="0"/>
-    <cs:effectRef idx="0"/>
-    <cs:fontRef idx="minor">
-      <a:schemeClr val="tx1">
-        <a:lumMod val="65000"/>
-        <a:lumOff val="35000"/>
-      </a:schemeClr>
-    </cs:fontRef>
-    <cs:defRPr sz="900" kern="1200"/>
-  </cs:trendlineLabel>
-  <cs:upBar>
-    <cs:lnRef idx="0"/>
-    <cs:fillRef idx="0"/>
-    <cs:effectRef idx="0"/>
-    <cs:fontRef idx="minor">
-      <a:schemeClr val="dk1"/>
-    </cs:fontRef>
-    <cs:spPr>
-      <a:solidFill>
-        <a:schemeClr val="lt1"/>
-      </a:solidFill>
-      <a:ln w="9525">
-        <a:solidFill>
-          <a:schemeClr val="tx1">
-            <a:lumMod val="15000"/>
-            <a:lumOff val="85000"/>
-          </a:schemeClr>
-        </a:solidFill>
-      </a:ln>
-    </cs:spPr>
-  </cs:upBar>
-  <cs:valueAxis>
-    <cs:lnRef idx="0"/>
-    <cs:fillRef idx="0"/>
-    <cs:effectRef idx="0"/>
-    <cs:fontRef idx="minor">
-      <a:schemeClr val="tx1">
-        <a:lumMod val="65000"/>
-        <a:lumOff val="35000"/>
-      </a:schemeClr>
-    </cs:fontRef>
-    <cs:defRPr sz="900" kern="1200"/>
-  </cs:valueAxis>
-  <cs:wall>
-    <cs:lnRef idx="0"/>
-    <cs:fillRef idx="0"/>
-    <cs:effectRef idx="0"/>
-    <cs:fontRef idx="minor">
-      <a:schemeClr val="tx1"/>
-    </cs:fontRef>
-    <cs:spPr>
-      <a:noFill/>
-      <a:ln>
-        <a:noFill/>
-      </a:ln>
-    </cs:spPr>
-  </cs:wall>
-</cs:chartStyle>
-</file>
-
-<file path=ppt/charts/style4.xml><?xml version="1.0" encoding="utf-8"?>
 <cs:chartStyle xmlns:cs="http://schemas.microsoft.com/office/drawing/2012/chartStyle" xmlns:a="http://schemas.openxmlformats.org/drawingml/2006/main" id="297">
   <cs:axisTitle>
     <cs:lnRef idx="0"/>
@@ -5344,6 +5212,1038 @@
 </cs:chartStyle>
 </file>
 
+<file path=ppt/charts/style4.xml><?xml version="1.0" encoding="utf-8"?>
+<cs:chartStyle xmlns:cs="http://schemas.microsoft.com/office/drawing/2012/chartStyle" xmlns:a="http://schemas.openxmlformats.org/drawingml/2006/main" id="227">
+  <cs:axisTitle>
+    <cs:lnRef idx="0"/>
+    <cs:fillRef idx="0"/>
+    <cs:effectRef idx="0"/>
+    <cs:fontRef idx="minor">
+      <a:schemeClr val="tx1">
+        <a:lumMod val="65000"/>
+        <a:lumOff val="35000"/>
+      </a:schemeClr>
+    </cs:fontRef>
+    <cs:defRPr sz="1000" kern="1200"/>
+  </cs:axisTitle>
+  <cs:categoryAxis>
+    <cs:lnRef idx="0"/>
+    <cs:fillRef idx="0"/>
+    <cs:effectRef idx="0"/>
+    <cs:fontRef idx="minor">
+      <a:schemeClr val="tx1">
+        <a:lumMod val="65000"/>
+        <a:lumOff val="35000"/>
+      </a:schemeClr>
+    </cs:fontRef>
+    <cs:spPr>
+      <a:ln w="9525" cap="flat" cmpd="sng" algn="ctr">
+        <a:solidFill>
+          <a:schemeClr val="tx1">
+            <a:lumMod val="15000"/>
+            <a:lumOff val="85000"/>
+          </a:schemeClr>
+        </a:solidFill>
+        <a:round/>
+      </a:ln>
+    </cs:spPr>
+    <cs:defRPr sz="900" kern="1200"/>
+  </cs:categoryAxis>
+  <cs:chartArea mods="allowNoFillOverride allowNoLineOverride">
+    <cs:lnRef idx="0"/>
+    <cs:fillRef idx="0"/>
+    <cs:effectRef idx="0"/>
+    <cs:fontRef idx="minor">
+      <a:schemeClr val="tx1"/>
+    </cs:fontRef>
+    <cs:spPr>
+      <a:solidFill>
+        <a:schemeClr val="bg1"/>
+      </a:solidFill>
+      <a:ln w="9525" cap="flat" cmpd="sng" algn="ctr">
+        <a:solidFill>
+          <a:schemeClr val="tx1">
+            <a:lumMod val="15000"/>
+            <a:lumOff val="85000"/>
+          </a:schemeClr>
+        </a:solidFill>
+        <a:round/>
+      </a:ln>
+    </cs:spPr>
+    <cs:defRPr sz="1000" kern="1200"/>
+  </cs:chartArea>
+  <cs:dataLabel>
+    <cs:lnRef idx="0"/>
+    <cs:fillRef idx="0"/>
+    <cs:effectRef idx="0"/>
+    <cs:fontRef idx="minor">
+      <a:schemeClr val="tx1">
+        <a:lumMod val="75000"/>
+        <a:lumOff val="25000"/>
+      </a:schemeClr>
+    </cs:fontRef>
+    <cs:defRPr sz="900" kern="1200"/>
+  </cs:dataLabel>
+  <cs:dataLabelCallout>
+    <cs:lnRef idx="0"/>
+    <cs:fillRef idx="0"/>
+    <cs:effectRef idx="0"/>
+    <cs:fontRef idx="minor">
+      <a:schemeClr val="dk1">
+        <a:lumMod val="65000"/>
+        <a:lumOff val="35000"/>
+      </a:schemeClr>
+    </cs:fontRef>
+    <cs:spPr>
+      <a:solidFill>
+        <a:schemeClr val="lt1"/>
+      </a:solidFill>
+      <a:ln>
+        <a:solidFill>
+          <a:schemeClr val="dk1">
+            <a:lumMod val="25000"/>
+            <a:lumOff val="75000"/>
+          </a:schemeClr>
+        </a:solidFill>
+      </a:ln>
+    </cs:spPr>
+    <cs:defRPr sz="900" kern="1200"/>
+    <cs:bodyPr rot="0" spcFirstLastPara="1" vertOverflow="clip" horzOverflow="clip" vert="horz" wrap="square" lIns="36576" tIns="18288" rIns="36576" bIns="18288" anchor="ctr" anchorCtr="1">
+      <a:spAutoFit/>
+    </cs:bodyPr>
+  </cs:dataLabelCallout>
+  <cs:dataPoint>
+    <cs:lnRef idx="0"/>
+    <cs:fillRef idx="1">
+      <cs:styleClr val="auto"/>
+    </cs:fillRef>
+    <cs:effectRef idx="0"/>
+    <cs:fontRef idx="minor">
+      <a:schemeClr val="tx1"/>
+    </cs:fontRef>
+    <cs:spPr>
+      <a:solidFill>
+        <a:schemeClr val="phClr"/>
+      </a:solidFill>
+    </cs:spPr>
+  </cs:dataPoint>
+  <cs:dataPoint3D>
+    <cs:lnRef idx="0"/>
+    <cs:fillRef idx="1">
+      <cs:styleClr val="auto"/>
+    </cs:fillRef>
+    <cs:effectRef idx="0"/>
+    <cs:fontRef idx="minor">
+      <a:schemeClr val="tx1"/>
+    </cs:fontRef>
+    <cs:spPr>
+      <a:solidFill>
+        <a:schemeClr val="phClr"/>
+      </a:solidFill>
+    </cs:spPr>
+  </cs:dataPoint3D>
+  <cs:dataPointLine>
+    <cs:lnRef idx="0">
+      <cs:styleClr val="auto"/>
+    </cs:lnRef>
+    <cs:fillRef idx="1"/>
+    <cs:effectRef idx="0"/>
+    <cs:fontRef idx="minor">
+      <a:schemeClr val="tx1"/>
+    </cs:fontRef>
+    <cs:spPr>
+      <a:ln w="28575" cap="rnd">
+        <a:solidFill>
+          <a:schemeClr val="phClr"/>
+        </a:solidFill>
+        <a:round/>
+      </a:ln>
+    </cs:spPr>
+  </cs:dataPointLine>
+  <cs:dataPointMarker>
+    <cs:lnRef idx="0">
+      <cs:styleClr val="auto"/>
+    </cs:lnRef>
+    <cs:fillRef idx="1">
+      <cs:styleClr val="auto"/>
+    </cs:fillRef>
+    <cs:effectRef idx="0"/>
+    <cs:fontRef idx="minor">
+      <a:schemeClr val="tx1"/>
+    </cs:fontRef>
+    <cs:spPr>
+      <a:solidFill>
+        <a:schemeClr val="phClr"/>
+      </a:solidFill>
+      <a:ln w="9525">
+        <a:solidFill>
+          <a:schemeClr val="phClr"/>
+        </a:solidFill>
+      </a:ln>
+    </cs:spPr>
+  </cs:dataPointMarker>
+  <cs:dataPointMarkerLayout symbol="circle" size="5"/>
+  <cs:dataPointWireframe>
+    <cs:lnRef idx="0">
+      <cs:styleClr val="auto"/>
+    </cs:lnRef>
+    <cs:fillRef idx="1"/>
+    <cs:effectRef idx="0"/>
+    <cs:fontRef idx="minor">
+      <a:schemeClr val="tx1"/>
+    </cs:fontRef>
+    <cs:spPr>
+      <a:ln w="9525" cap="rnd">
+        <a:solidFill>
+          <a:schemeClr val="phClr"/>
+        </a:solidFill>
+        <a:round/>
+      </a:ln>
+    </cs:spPr>
+  </cs:dataPointWireframe>
+  <cs:dataTable>
+    <cs:lnRef idx="0"/>
+    <cs:fillRef idx="0"/>
+    <cs:effectRef idx="0"/>
+    <cs:fontRef idx="minor">
+      <a:schemeClr val="tx1">
+        <a:lumMod val="65000"/>
+        <a:lumOff val="35000"/>
+      </a:schemeClr>
+    </cs:fontRef>
+    <cs:spPr>
+      <a:noFill/>
+      <a:ln w="9525" cap="flat" cmpd="sng" algn="ctr">
+        <a:solidFill>
+          <a:schemeClr val="tx1">
+            <a:lumMod val="15000"/>
+            <a:lumOff val="85000"/>
+          </a:schemeClr>
+        </a:solidFill>
+        <a:round/>
+      </a:ln>
+    </cs:spPr>
+    <cs:defRPr sz="900" kern="1200"/>
+  </cs:dataTable>
+  <cs:downBar>
+    <cs:lnRef idx="0"/>
+    <cs:fillRef idx="0"/>
+    <cs:effectRef idx="0"/>
+    <cs:fontRef idx="minor">
+      <a:schemeClr val="dk1"/>
+    </cs:fontRef>
+    <cs:spPr>
+      <a:solidFill>
+        <a:schemeClr val="dk1">
+          <a:lumMod val="65000"/>
+          <a:lumOff val="35000"/>
+        </a:schemeClr>
+      </a:solidFill>
+      <a:ln w="9525">
+        <a:solidFill>
+          <a:schemeClr val="tx1">
+            <a:lumMod val="65000"/>
+            <a:lumOff val="35000"/>
+          </a:schemeClr>
+        </a:solidFill>
+      </a:ln>
+    </cs:spPr>
+  </cs:downBar>
+  <cs:dropLine>
+    <cs:lnRef idx="0"/>
+    <cs:fillRef idx="0"/>
+    <cs:effectRef idx="0"/>
+    <cs:fontRef idx="minor">
+      <a:schemeClr val="tx1"/>
+    </cs:fontRef>
+    <cs:spPr>
+      <a:ln w="9525" cap="flat" cmpd="sng" algn="ctr">
+        <a:solidFill>
+          <a:schemeClr val="tx1">
+            <a:lumMod val="35000"/>
+            <a:lumOff val="65000"/>
+          </a:schemeClr>
+        </a:solidFill>
+        <a:round/>
+      </a:ln>
+    </cs:spPr>
+  </cs:dropLine>
+  <cs:errorBar>
+    <cs:lnRef idx="0"/>
+    <cs:fillRef idx="0"/>
+    <cs:effectRef idx="0"/>
+    <cs:fontRef idx="minor">
+      <a:schemeClr val="tx1"/>
+    </cs:fontRef>
+    <cs:spPr>
+      <a:ln w="9525" cap="flat" cmpd="sng" algn="ctr">
+        <a:solidFill>
+          <a:schemeClr val="tx1">
+            <a:lumMod val="65000"/>
+            <a:lumOff val="35000"/>
+          </a:schemeClr>
+        </a:solidFill>
+        <a:round/>
+      </a:ln>
+    </cs:spPr>
+  </cs:errorBar>
+  <cs:floor>
+    <cs:lnRef idx="0"/>
+    <cs:fillRef idx="0"/>
+    <cs:effectRef idx="0"/>
+    <cs:fontRef idx="minor">
+      <a:schemeClr val="tx1"/>
+    </cs:fontRef>
+    <cs:spPr>
+      <a:noFill/>
+      <a:ln>
+        <a:noFill/>
+      </a:ln>
+    </cs:spPr>
+  </cs:floor>
+  <cs:gridlineMajor>
+    <cs:lnRef idx="0"/>
+    <cs:fillRef idx="0"/>
+    <cs:effectRef idx="0"/>
+    <cs:fontRef idx="minor">
+      <a:schemeClr val="tx1"/>
+    </cs:fontRef>
+    <cs:spPr>
+      <a:ln w="9525" cap="flat" cmpd="sng" algn="ctr">
+        <a:solidFill>
+          <a:schemeClr val="tx1">
+            <a:lumMod val="15000"/>
+            <a:lumOff val="85000"/>
+          </a:schemeClr>
+        </a:solidFill>
+        <a:round/>
+      </a:ln>
+    </cs:spPr>
+  </cs:gridlineMajor>
+  <cs:gridlineMinor>
+    <cs:lnRef idx="0"/>
+    <cs:fillRef idx="0"/>
+    <cs:effectRef idx="0"/>
+    <cs:fontRef idx="minor">
+      <a:schemeClr val="tx1"/>
+    </cs:fontRef>
+    <cs:spPr>
+      <a:ln w="9525" cap="flat" cmpd="sng" algn="ctr">
+        <a:solidFill>
+          <a:schemeClr val="tx1">
+            <a:lumMod val="5000"/>
+            <a:lumOff val="95000"/>
+          </a:schemeClr>
+        </a:solidFill>
+        <a:round/>
+      </a:ln>
+    </cs:spPr>
+  </cs:gridlineMinor>
+  <cs:hiLoLine>
+    <cs:lnRef idx="0"/>
+    <cs:fillRef idx="0"/>
+    <cs:effectRef idx="0"/>
+    <cs:fontRef idx="minor">
+      <a:schemeClr val="tx1"/>
+    </cs:fontRef>
+    <cs:spPr>
+      <a:ln w="9525" cap="flat" cmpd="sng" algn="ctr">
+        <a:solidFill>
+          <a:schemeClr val="tx1">
+            <a:lumMod val="75000"/>
+            <a:lumOff val="25000"/>
+          </a:schemeClr>
+        </a:solidFill>
+        <a:round/>
+      </a:ln>
+    </cs:spPr>
+  </cs:hiLoLine>
+  <cs:leaderLine>
+    <cs:lnRef idx="0"/>
+    <cs:fillRef idx="0"/>
+    <cs:effectRef idx="0"/>
+    <cs:fontRef idx="minor">
+      <a:schemeClr val="tx1"/>
+    </cs:fontRef>
+    <cs:spPr>
+      <a:ln w="9525" cap="flat" cmpd="sng" algn="ctr">
+        <a:solidFill>
+          <a:schemeClr val="tx1">
+            <a:lumMod val="35000"/>
+            <a:lumOff val="65000"/>
+          </a:schemeClr>
+        </a:solidFill>
+        <a:round/>
+      </a:ln>
+    </cs:spPr>
+  </cs:leaderLine>
+  <cs:legend>
+    <cs:lnRef idx="0"/>
+    <cs:fillRef idx="0"/>
+    <cs:effectRef idx="0"/>
+    <cs:fontRef idx="minor">
+      <a:schemeClr val="tx1">
+        <a:lumMod val="65000"/>
+        <a:lumOff val="35000"/>
+      </a:schemeClr>
+    </cs:fontRef>
+    <cs:defRPr sz="900" kern="1200"/>
+  </cs:legend>
+  <cs:plotArea mods="allowNoFillOverride allowNoLineOverride">
+    <cs:lnRef idx="0"/>
+    <cs:fillRef idx="0"/>
+    <cs:effectRef idx="0"/>
+    <cs:fontRef idx="minor">
+      <a:schemeClr val="tx1"/>
+    </cs:fontRef>
+  </cs:plotArea>
+  <cs:plotArea3D mods="allowNoFillOverride allowNoLineOverride">
+    <cs:lnRef idx="0"/>
+    <cs:fillRef idx="0"/>
+    <cs:effectRef idx="0"/>
+    <cs:fontRef idx="minor">
+      <a:schemeClr val="tx1"/>
+    </cs:fontRef>
+  </cs:plotArea3D>
+  <cs:seriesAxis>
+    <cs:lnRef idx="0"/>
+    <cs:fillRef idx="0"/>
+    <cs:effectRef idx="0"/>
+    <cs:fontRef idx="minor">
+      <a:schemeClr val="tx1">
+        <a:lumMod val="65000"/>
+        <a:lumOff val="35000"/>
+      </a:schemeClr>
+    </cs:fontRef>
+    <cs:defRPr sz="900" kern="1200"/>
+  </cs:seriesAxis>
+  <cs:seriesLine>
+    <cs:lnRef idx="0"/>
+    <cs:fillRef idx="0"/>
+    <cs:effectRef idx="0"/>
+    <cs:fontRef idx="minor">
+      <a:schemeClr val="tx1"/>
+    </cs:fontRef>
+    <cs:spPr>
+      <a:ln w="9525" cap="flat" cmpd="sng" algn="ctr">
+        <a:solidFill>
+          <a:schemeClr val="tx1">
+            <a:lumMod val="35000"/>
+            <a:lumOff val="65000"/>
+          </a:schemeClr>
+        </a:solidFill>
+        <a:round/>
+      </a:ln>
+    </cs:spPr>
+  </cs:seriesLine>
+  <cs:title>
+    <cs:lnRef idx="0"/>
+    <cs:fillRef idx="0"/>
+    <cs:effectRef idx="0"/>
+    <cs:fontRef idx="minor">
+      <a:schemeClr val="tx1">
+        <a:lumMod val="65000"/>
+        <a:lumOff val="35000"/>
+      </a:schemeClr>
+    </cs:fontRef>
+    <cs:defRPr sz="1400" b="0" kern="1200" spc="0" baseline="0"/>
+  </cs:title>
+  <cs:trendline>
+    <cs:lnRef idx="0">
+      <cs:styleClr val="auto"/>
+    </cs:lnRef>
+    <cs:fillRef idx="0"/>
+    <cs:effectRef idx="0"/>
+    <cs:fontRef idx="minor">
+      <a:schemeClr val="tx1"/>
+    </cs:fontRef>
+    <cs:spPr>
+      <a:ln w="19050" cap="rnd">
+        <a:solidFill>
+          <a:schemeClr val="phClr"/>
+        </a:solidFill>
+        <a:prstDash val="sysDot"/>
+      </a:ln>
+    </cs:spPr>
+  </cs:trendline>
+  <cs:trendlineLabel>
+    <cs:lnRef idx="0"/>
+    <cs:fillRef idx="0"/>
+    <cs:effectRef idx="0"/>
+    <cs:fontRef idx="minor">
+      <a:schemeClr val="tx1">
+        <a:lumMod val="65000"/>
+        <a:lumOff val="35000"/>
+      </a:schemeClr>
+    </cs:fontRef>
+    <cs:defRPr sz="900" kern="1200"/>
+  </cs:trendlineLabel>
+  <cs:upBar>
+    <cs:lnRef idx="0"/>
+    <cs:fillRef idx="0"/>
+    <cs:effectRef idx="0"/>
+    <cs:fontRef idx="minor">
+      <a:schemeClr val="dk1"/>
+    </cs:fontRef>
+    <cs:spPr>
+      <a:solidFill>
+        <a:schemeClr val="lt1"/>
+      </a:solidFill>
+      <a:ln w="9525">
+        <a:solidFill>
+          <a:schemeClr val="tx1">
+            <a:lumMod val="15000"/>
+            <a:lumOff val="85000"/>
+          </a:schemeClr>
+        </a:solidFill>
+      </a:ln>
+    </cs:spPr>
+  </cs:upBar>
+  <cs:valueAxis>
+    <cs:lnRef idx="0"/>
+    <cs:fillRef idx="0"/>
+    <cs:effectRef idx="0"/>
+    <cs:fontRef idx="minor">
+      <a:schemeClr val="tx1">
+        <a:lumMod val="65000"/>
+        <a:lumOff val="35000"/>
+      </a:schemeClr>
+    </cs:fontRef>
+    <cs:defRPr sz="900" kern="1200"/>
+  </cs:valueAxis>
+  <cs:wall>
+    <cs:lnRef idx="0"/>
+    <cs:fillRef idx="0"/>
+    <cs:effectRef idx="0"/>
+    <cs:fontRef idx="minor">
+      <a:schemeClr val="tx1"/>
+    </cs:fontRef>
+    <cs:spPr>
+      <a:noFill/>
+      <a:ln>
+        <a:noFill/>
+      </a:ln>
+    </cs:spPr>
+  </cs:wall>
+</cs:chartStyle>
+</file>
+
+<file path=ppt/charts/style5.xml><?xml version="1.0" encoding="utf-8"?>
+<cs:chartStyle xmlns:cs="http://schemas.microsoft.com/office/drawing/2012/chartStyle" xmlns:a="http://schemas.openxmlformats.org/drawingml/2006/main" id="227">
+  <cs:axisTitle>
+    <cs:lnRef idx="0"/>
+    <cs:fillRef idx="0"/>
+    <cs:effectRef idx="0"/>
+    <cs:fontRef idx="minor">
+      <a:schemeClr val="tx1">
+        <a:lumMod val="65000"/>
+        <a:lumOff val="35000"/>
+      </a:schemeClr>
+    </cs:fontRef>
+    <cs:defRPr sz="1000" kern="1200"/>
+  </cs:axisTitle>
+  <cs:categoryAxis>
+    <cs:lnRef idx="0"/>
+    <cs:fillRef idx="0"/>
+    <cs:effectRef idx="0"/>
+    <cs:fontRef idx="minor">
+      <a:schemeClr val="tx1">
+        <a:lumMod val="65000"/>
+        <a:lumOff val="35000"/>
+      </a:schemeClr>
+    </cs:fontRef>
+    <cs:spPr>
+      <a:ln w="9525" cap="flat" cmpd="sng" algn="ctr">
+        <a:solidFill>
+          <a:schemeClr val="tx1">
+            <a:lumMod val="15000"/>
+            <a:lumOff val="85000"/>
+          </a:schemeClr>
+        </a:solidFill>
+        <a:round/>
+      </a:ln>
+    </cs:spPr>
+    <cs:defRPr sz="900" kern="1200"/>
+  </cs:categoryAxis>
+  <cs:chartArea mods="allowNoFillOverride allowNoLineOverride">
+    <cs:lnRef idx="0"/>
+    <cs:fillRef idx="0"/>
+    <cs:effectRef idx="0"/>
+    <cs:fontRef idx="minor">
+      <a:schemeClr val="tx1"/>
+    </cs:fontRef>
+    <cs:spPr>
+      <a:solidFill>
+        <a:schemeClr val="bg1"/>
+      </a:solidFill>
+      <a:ln w="9525" cap="flat" cmpd="sng" algn="ctr">
+        <a:solidFill>
+          <a:schemeClr val="tx1">
+            <a:lumMod val="15000"/>
+            <a:lumOff val="85000"/>
+          </a:schemeClr>
+        </a:solidFill>
+        <a:round/>
+      </a:ln>
+    </cs:spPr>
+    <cs:defRPr sz="1000" kern="1200"/>
+  </cs:chartArea>
+  <cs:dataLabel>
+    <cs:lnRef idx="0"/>
+    <cs:fillRef idx="0"/>
+    <cs:effectRef idx="0"/>
+    <cs:fontRef idx="minor">
+      <a:schemeClr val="tx1">
+        <a:lumMod val="75000"/>
+        <a:lumOff val="25000"/>
+      </a:schemeClr>
+    </cs:fontRef>
+    <cs:defRPr sz="900" kern="1200"/>
+  </cs:dataLabel>
+  <cs:dataLabelCallout>
+    <cs:lnRef idx="0"/>
+    <cs:fillRef idx="0"/>
+    <cs:effectRef idx="0"/>
+    <cs:fontRef idx="minor">
+      <a:schemeClr val="dk1">
+        <a:lumMod val="65000"/>
+        <a:lumOff val="35000"/>
+      </a:schemeClr>
+    </cs:fontRef>
+    <cs:spPr>
+      <a:solidFill>
+        <a:schemeClr val="lt1"/>
+      </a:solidFill>
+      <a:ln>
+        <a:solidFill>
+          <a:schemeClr val="dk1">
+            <a:lumMod val="25000"/>
+            <a:lumOff val="75000"/>
+          </a:schemeClr>
+        </a:solidFill>
+      </a:ln>
+    </cs:spPr>
+    <cs:defRPr sz="900" kern="1200"/>
+    <cs:bodyPr rot="0" spcFirstLastPara="1" vertOverflow="clip" horzOverflow="clip" vert="horz" wrap="square" lIns="36576" tIns="18288" rIns="36576" bIns="18288" anchor="ctr" anchorCtr="1">
+      <a:spAutoFit/>
+    </cs:bodyPr>
+  </cs:dataLabelCallout>
+  <cs:dataPoint>
+    <cs:lnRef idx="0"/>
+    <cs:fillRef idx="1">
+      <cs:styleClr val="auto"/>
+    </cs:fillRef>
+    <cs:effectRef idx="0"/>
+    <cs:fontRef idx="minor">
+      <a:schemeClr val="tx1"/>
+    </cs:fontRef>
+    <cs:spPr>
+      <a:solidFill>
+        <a:schemeClr val="phClr"/>
+      </a:solidFill>
+    </cs:spPr>
+  </cs:dataPoint>
+  <cs:dataPoint3D>
+    <cs:lnRef idx="0"/>
+    <cs:fillRef idx="1">
+      <cs:styleClr val="auto"/>
+    </cs:fillRef>
+    <cs:effectRef idx="0"/>
+    <cs:fontRef idx="minor">
+      <a:schemeClr val="tx1"/>
+    </cs:fontRef>
+    <cs:spPr>
+      <a:solidFill>
+        <a:schemeClr val="phClr"/>
+      </a:solidFill>
+    </cs:spPr>
+  </cs:dataPoint3D>
+  <cs:dataPointLine>
+    <cs:lnRef idx="0">
+      <cs:styleClr val="auto"/>
+    </cs:lnRef>
+    <cs:fillRef idx="1"/>
+    <cs:effectRef idx="0"/>
+    <cs:fontRef idx="minor">
+      <a:schemeClr val="tx1"/>
+    </cs:fontRef>
+    <cs:spPr>
+      <a:ln w="28575" cap="rnd">
+        <a:solidFill>
+          <a:schemeClr val="phClr"/>
+        </a:solidFill>
+        <a:round/>
+      </a:ln>
+    </cs:spPr>
+  </cs:dataPointLine>
+  <cs:dataPointMarker>
+    <cs:lnRef idx="0">
+      <cs:styleClr val="auto"/>
+    </cs:lnRef>
+    <cs:fillRef idx="1">
+      <cs:styleClr val="auto"/>
+    </cs:fillRef>
+    <cs:effectRef idx="0"/>
+    <cs:fontRef idx="minor">
+      <a:schemeClr val="tx1"/>
+    </cs:fontRef>
+    <cs:spPr>
+      <a:solidFill>
+        <a:schemeClr val="phClr"/>
+      </a:solidFill>
+      <a:ln w="9525">
+        <a:solidFill>
+          <a:schemeClr val="phClr"/>
+        </a:solidFill>
+      </a:ln>
+    </cs:spPr>
+  </cs:dataPointMarker>
+  <cs:dataPointMarkerLayout symbol="circle" size="5"/>
+  <cs:dataPointWireframe>
+    <cs:lnRef idx="0">
+      <cs:styleClr val="auto"/>
+    </cs:lnRef>
+    <cs:fillRef idx="1"/>
+    <cs:effectRef idx="0"/>
+    <cs:fontRef idx="minor">
+      <a:schemeClr val="tx1"/>
+    </cs:fontRef>
+    <cs:spPr>
+      <a:ln w="9525" cap="rnd">
+        <a:solidFill>
+          <a:schemeClr val="phClr"/>
+        </a:solidFill>
+        <a:round/>
+      </a:ln>
+    </cs:spPr>
+  </cs:dataPointWireframe>
+  <cs:dataTable>
+    <cs:lnRef idx="0"/>
+    <cs:fillRef idx="0"/>
+    <cs:effectRef idx="0"/>
+    <cs:fontRef idx="minor">
+      <a:schemeClr val="tx1">
+        <a:lumMod val="65000"/>
+        <a:lumOff val="35000"/>
+      </a:schemeClr>
+    </cs:fontRef>
+    <cs:spPr>
+      <a:noFill/>
+      <a:ln w="9525" cap="flat" cmpd="sng" algn="ctr">
+        <a:solidFill>
+          <a:schemeClr val="tx1">
+            <a:lumMod val="15000"/>
+            <a:lumOff val="85000"/>
+          </a:schemeClr>
+        </a:solidFill>
+        <a:round/>
+      </a:ln>
+    </cs:spPr>
+    <cs:defRPr sz="900" kern="1200"/>
+  </cs:dataTable>
+  <cs:downBar>
+    <cs:lnRef idx="0"/>
+    <cs:fillRef idx="0"/>
+    <cs:effectRef idx="0"/>
+    <cs:fontRef idx="minor">
+      <a:schemeClr val="dk1"/>
+    </cs:fontRef>
+    <cs:spPr>
+      <a:solidFill>
+        <a:schemeClr val="dk1">
+          <a:lumMod val="65000"/>
+          <a:lumOff val="35000"/>
+        </a:schemeClr>
+      </a:solidFill>
+      <a:ln w="9525">
+        <a:solidFill>
+          <a:schemeClr val="tx1">
+            <a:lumMod val="65000"/>
+            <a:lumOff val="35000"/>
+          </a:schemeClr>
+        </a:solidFill>
+      </a:ln>
+    </cs:spPr>
+  </cs:downBar>
+  <cs:dropLine>
+    <cs:lnRef idx="0"/>
+    <cs:fillRef idx="0"/>
+    <cs:effectRef idx="0"/>
+    <cs:fontRef idx="minor">
+      <a:schemeClr val="tx1"/>
+    </cs:fontRef>
+    <cs:spPr>
+      <a:ln w="9525" cap="flat" cmpd="sng" algn="ctr">
+        <a:solidFill>
+          <a:schemeClr val="tx1">
+            <a:lumMod val="35000"/>
+            <a:lumOff val="65000"/>
+          </a:schemeClr>
+        </a:solidFill>
+        <a:round/>
+      </a:ln>
+    </cs:spPr>
+  </cs:dropLine>
+  <cs:errorBar>
+    <cs:lnRef idx="0"/>
+    <cs:fillRef idx="0"/>
+    <cs:effectRef idx="0"/>
+    <cs:fontRef idx="minor">
+      <a:schemeClr val="tx1"/>
+    </cs:fontRef>
+    <cs:spPr>
+      <a:ln w="9525" cap="flat" cmpd="sng" algn="ctr">
+        <a:solidFill>
+          <a:schemeClr val="tx1">
+            <a:lumMod val="65000"/>
+            <a:lumOff val="35000"/>
+          </a:schemeClr>
+        </a:solidFill>
+        <a:round/>
+      </a:ln>
+    </cs:spPr>
+  </cs:errorBar>
+  <cs:floor>
+    <cs:lnRef idx="0"/>
+    <cs:fillRef idx="0"/>
+    <cs:effectRef idx="0"/>
+    <cs:fontRef idx="minor">
+      <a:schemeClr val="tx1"/>
+    </cs:fontRef>
+    <cs:spPr>
+      <a:noFill/>
+      <a:ln>
+        <a:noFill/>
+      </a:ln>
+    </cs:spPr>
+  </cs:floor>
+  <cs:gridlineMajor>
+    <cs:lnRef idx="0"/>
+    <cs:fillRef idx="0"/>
+    <cs:effectRef idx="0"/>
+    <cs:fontRef idx="minor">
+      <a:schemeClr val="tx1"/>
+    </cs:fontRef>
+    <cs:spPr>
+      <a:ln w="9525" cap="flat" cmpd="sng" algn="ctr">
+        <a:solidFill>
+          <a:schemeClr val="tx1">
+            <a:lumMod val="15000"/>
+            <a:lumOff val="85000"/>
+          </a:schemeClr>
+        </a:solidFill>
+        <a:round/>
+      </a:ln>
+    </cs:spPr>
+  </cs:gridlineMajor>
+  <cs:gridlineMinor>
+    <cs:lnRef idx="0"/>
+    <cs:fillRef idx="0"/>
+    <cs:effectRef idx="0"/>
+    <cs:fontRef idx="minor">
+      <a:schemeClr val="tx1"/>
+    </cs:fontRef>
+    <cs:spPr>
+      <a:ln w="9525" cap="flat" cmpd="sng" algn="ctr">
+        <a:solidFill>
+          <a:schemeClr val="tx1">
+            <a:lumMod val="5000"/>
+            <a:lumOff val="95000"/>
+          </a:schemeClr>
+        </a:solidFill>
+        <a:round/>
+      </a:ln>
+    </cs:spPr>
+  </cs:gridlineMinor>
+  <cs:hiLoLine>
+    <cs:lnRef idx="0"/>
+    <cs:fillRef idx="0"/>
+    <cs:effectRef idx="0"/>
+    <cs:fontRef idx="minor">
+      <a:schemeClr val="tx1"/>
+    </cs:fontRef>
+    <cs:spPr>
+      <a:ln w="9525" cap="flat" cmpd="sng" algn="ctr">
+        <a:solidFill>
+          <a:schemeClr val="tx1">
+            <a:lumMod val="75000"/>
+            <a:lumOff val="25000"/>
+          </a:schemeClr>
+        </a:solidFill>
+        <a:round/>
+      </a:ln>
+    </cs:spPr>
+  </cs:hiLoLine>
+  <cs:leaderLine>
+    <cs:lnRef idx="0"/>
+    <cs:fillRef idx="0"/>
+    <cs:effectRef idx="0"/>
+    <cs:fontRef idx="minor">
+      <a:schemeClr val="tx1"/>
+    </cs:fontRef>
+    <cs:spPr>
+      <a:ln w="9525" cap="flat" cmpd="sng" algn="ctr">
+        <a:solidFill>
+          <a:schemeClr val="tx1">
+            <a:lumMod val="35000"/>
+            <a:lumOff val="65000"/>
+          </a:schemeClr>
+        </a:solidFill>
+        <a:round/>
+      </a:ln>
+    </cs:spPr>
+  </cs:leaderLine>
+  <cs:legend>
+    <cs:lnRef idx="0"/>
+    <cs:fillRef idx="0"/>
+    <cs:effectRef idx="0"/>
+    <cs:fontRef idx="minor">
+      <a:schemeClr val="tx1">
+        <a:lumMod val="65000"/>
+        <a:lumOff val="35000"/>
+      </a:schemeClr>
+    </cs:fontRef>
+    <cs:defRPr sz="900" kern="1200"/>
+  </cs:legend>
+  <cs:plotArea mods="allowNoFillOverride allowNoLineOverride">
+    <cs:lnRef idx="0"/>
+    <cs:fillRef idx="0"/>
+    <cs:effectRef idx="0"/>
+    <cs:fontRef idx="minor">
+      <a:schemeClr val="tx1"/>
+    </cs:fontRef>
+  </cs:plotArea>
+  <cs:plotArea3D mods="allowNoFillOverride allowNoLineOverride">
+    <cs:lnRef idx="0"/>
+    <cs:fillRef idx="0"/>
+    <cs:effectRef idx="0"/>
+    <cs:fontRef idx="minor">
+      <a:schemeClr val="tx1"/>
+    </cs:fontRef>
+  </cs:plotArea3D>
+  <cs:seriesAxis>
+    <cs:lnRef idx="0"/>
+    <cs:fillRef idx="0"/>
+    <cs:effectRef idx="0"/>
+    <cs:fontRef idx="minor">
+      <a:schemeClr val="tx1">
+        <a:lumMod val="65000"/>
+        <a:lumOff val="35000"/>
+      </a:schemeClr>
+    </cs:fontRef>
+    <cs:defRPr sz="900" kern="1200"/>
+  </cs:seriesAxis>
+  <cs:seriesLine>
+    <cs:lnRef idx="0"/>
+    <cs:fillRef idx="0"/>
+    <cs:effectRef idx="0"/>
+    <cs:fontRef idx="minor">
+      <a:schemeClr val="tx1"/>
+    </cs:fontRef>
+    <cs:spPr>
+      <a:ln w="9525" cap="flat" cmpd="sng" algn="ctr">
+        <a:solidFill>
+          <a:schemeClr val="tx1">
+            <a:lumMod val="35000"/>
+            <a:lumOff val="65000"/>
+          </a:schemeClr>
+        </a:solidFill>
+        <a:round/>
+      </a:ln>
+    </cs:spPr>
+  </cs:seriesLine>
+  <cs:title>
+    <cs:lnRef idx="0"/>
+    <cs:fillRef idx="0"/>
+    <cs:effectRef idx="0"/>
+    <cs:fontRef idx="minor">
+      <a:schemeClr val="tx1">
+        <a:lumMod val="65000"/>
+        <a:lumOff val="35000"/>
+      </a:schemeClr>
+    </cs:fontRef>
+    <cs:defRPr sz="1400" b="0" kern="1200" spc="0" baseline="0"/>
+  </cs:title>
+  <cs:trendline>
+    <cs:lnRef idx="0">
+      <cs:styleClr val="auto"/>
+    </cs:lnRef>
+    <cs:fillRef idx="0"/>
+    <cs:effectRef idx="0"/>
+    <cs:fontRef idx="minor">
+      <a:schemeClr val="tx1"/>
+    </cs:fontRef>
+    <cs:spPr>
+      <a:ln w="19050" cap="rnd">
+        <a:solidFill>
+          <a:schemeClr val="phClr"/>
+        </a:solidFill>
+        <a:prstDash val="sysDot"/>
+      </a:ln>
+    </cs:spPr>
+  </cs:trendline>
+  <cs:trendlineLabel>
+    <cs:lnRef idx="0"/>
+    <cs:fillRef idx="0"/>
+    <cs:effectRef idx="0"/>
+    <cs:fontRef idx="minor">
+      <a:schemeClr val="tx1">
+        <a:lumMod val="65000"/>
+        <a:lumOff val="35000"/>
+      </a:schemeClr>
+    </cs:fontRef>
+    <cs:defRPr sz="900" kern="1200"/>
+  </cs:trendlineLabel>
+  <cs:upBar>
+    <cs:lnRef idx="0"/>
+    <cs:fillRef idx="0"/>
+    <cs:effectRef idx="0"/>
+    <cs:fontRef idx="minor">
+      <a:schemeClr val="dk1"/>
+    </cs:fontRef>
+    <cs:spPr>
+      <a:solidFill>
+        <a:schemeClr val="lt1"/>
+      </a:solidFill>
+      <a:ln w="9525">
+        <a:solidFill>
+          <a:schemeClr val="tx1">
+            <a:lumMod val="15000"/>
+            <a:lumOff val="85000"/>
+          </a:schemeClr>
+        </a:solidFill>
+      </a:ln>
+    </cs:spPr>
+  </cs:upBar>
+  <cs:valueAxis>
+    <cs:lnRef idx="0"/>
+    <cs:fillRef idx="0"/>
+    <cs:effectRef idx="0"/>
+    <cs:fontRef idx="minor">
+      <a:schemeClr val="tx1">
+        <a:lumMod val="65000"/>
+        <a:lumOff val="35000"/>
+      </a:schemeClr>
+    </cs:fontRef>
+    <cs:defRPr sz="900" kern="1200"/>
+  </cs:valueAxis>
+  <cs:wall>
+    <cs:lnRef idx="0"/>
+    <cs:fillRef idx="0"/>
+    <cs:effectRef idx="0"/>
+    <cs:fontRef idx="minor">
+      <a:schemeClr val="tx1"/>
+    </cs:fontRef>
+    <cs:spPr>
+      <a:noFill/>
+      <a:ln>
+        <a:noFill/>
+      </a:ln>
+    </cs:spPr>
+  </cs:wall>
+</cs:chartStyle>
+</file>
+
 <file path=ppt/handoutMasters/handoutMaster1.xml><?xml version="1.0" encoding="utf-8"?>
 <p:handoutMaster xmlns:a="http://schemas.openxmlformats.org/drawingml/2006/main" xmlns:r="http://schemas.openxmlformats.org/officeDocument/2006/relationships" xmlns:p="http://schemas.openxmlformats.org/presentationml/2006/main">
   <p:cSld>
@@ -5428,7 +6328,7 @@
             <a:pPr algn="r" rtl="0"/>
             <a:fld id="{221A1788-7372-4FAC-9AF0-00B54B8D9CBA}" type="datetime1">
               <a:rPr lang="it-IT" smtClean="0"/>
-              <a:t>02/05/2023</a:t>
+              <a:t>07/05/2023</a:t>
             </a:fld>
             <a:endParaRPr lang="it-IT" dirty="0"/>
           </a:p>
@@ -5598,7 +6498,7 @@
             <a:fld id="{D943A304-85CD-4257-B418-D8F889FE0DBC}" type="datetime1">
               <a:rPr lang="it-IT" smtClean="0"/>
               <a:pPr/>
-              <a:t>02/05/2023</a:t>
+              <a:t>07/05/2023</a:t>
             </a:fld>
             <a:endParaRPr lang="it-IT" dirty="0"/>
           </a:p>
@@ -6716,7 +7616,7 @@
             <a:fld id="{3889EF9B-A500-41B6-8F1C-893813E9A898}" type="datetime1">
               <a:rPr lang="it-IT" smtClean="0"/>
               <a:pPr/>
-              <a:t>02/05/2023</a:t>
+              <a:t>07/05/2023</a:t>
             </a:fld>
             <a:endParaRPr lang="it-IT" dirty="0"/>
           </a:p>
@@ -6922,7 +7822,7 @@
             <a:fld id="{6E724BBD-5BEA-4971-A6C4-42E94AF7CB5F}" type="datetime1">
               <a:rPr lang="it-IT" smtClean="0"/>
               <a:pPr/>
-              <a:t>02/05/2023</a:t>
+              <a:t>07/05/2023</a:t>
             </a:fld>
             <a:endParaRPr lang="it-IT" dirty="0"/>
           </a:p>
@@ -7138,7 +8038,7 @@
             <a:fld id="{EF1B2188-7D8C-43C8-B29F-60D01DE77B72}" type="datetime1">
               <a:rPr lang="it-IT" smtClean="0"/>
               <a:pPr/>
-              <a:t>02/05/2023</a:t>
+              <a:t>07/05/2023</a:t>
             </a:fld>
             <a:endParaRPr lang="it-IT" dirty="0"/>
           </a:p>
@@ -7344,7 +8244,7 @@
             <a:fld id="{581DC961-63CE-49AB-921E-1CE3DDEFC80A}" type="datetime1">
               <a:rPr lang="it-IT" smtClean="0"/>
               <a:pPr/>
-              <a:t>02/05/2023</a:t>
+              <a:t>07/05/2023</a:t>
             </a:fld>
             <a:endParaRPr lang="it-IT" dirty="0"/>
           </a:p>
@@ -7788,7 +8688,7 @@
             <a:fld id="{C6066F5F-3C86-4285-A86F-35EFBBDD7800}" type="datetime1">
               <a:rPr lang="it-IT" smtClean="0"/>
               <a:pPr/>
-              <a:t>02/05/2023</a:t>
+              <a:t>07/05/2023</a:t>
             </a:fld>
             <a:endParaRPr lang="it-IT" dirty="0"/>
           </a:p>
@@ -8100,7 +9000,7 @@
             <a:fld id="{0B9BE34E-14EC-4041-A597-EE22FC16794F}" type="datetime1">
               <a:rPr lang="it-IT" smtClean="0"/>
               <a:pPr/>
-              <a:t>02/05/2023</a:t>
+              <a:t>07/05/2023</a:t>
             </a:fld>
             <a:endParaRPr lang="it-IT" dirty="0"/>
           </a:p>
@@ -8564,7 +9464,7 @@
             <a:fld id="{D6FAD192-1BF7-4994-9CBA-74265F19F4C1}" type="datetime1">
               <a:rPr lang="it-IT" smtClean="0"/>
               <a:pPr/>
-              <a:t>02/05/2023</a:t>
+              <a:t>07/05/2023</a:t>
             </a:fld>
             <a:endParaRPr lang="it-IT" dirty="0"/>
           </a:p>
@@ -8702,7 +9602,7 @@
             <a:fld id="{C476DD40-7EBA-46D0-A855-62759524AC7A}" type="datetime1">
               <a:rPr lang="it-IT" smtClean="0"/>
               <a:pPr/>
-              <a:t>02/05/2023</a:t>
+              <a:t>07/05/2023</a:t>
             </a:fld>
             <a:endParaRPr lang="it-IT" dirty="0"/>
           </a:p>
@@ -8816,7 +9716,7 @@
             <a:fld id="{C62E4D95-88E1-4556-89BE-EC650C1D14A8}" type="datetime1">
               <a:rPr lang="it-IT" smtClean="0"/>
               <a:pPr/>
-              <a:t>02/05/2023</a:t>
+              <a:t>07/05/2023</a:t>
             </a:fld>
             <a:endParaRPr lang="it-IT" dirty="0"/>
           </a:p>
@@ -9123,7 +10023,7 @@
             <a:fld id="{1F9867D3-FC26-40B1-8BB9-B19FF8D6CD45}" type="datetime1">
               <a:rPr lang="it-IT" smtClean="0"/>
               <a:pPr/>
-              <a:t>02/05/2023</a:t>
+              <a:t>07/05/2023</a:t>
             </a:fld>
             <a:endParaRPr lang="it-IT" dirty="0"/>
           </a:p>
@@ -9420,7 +10320,7 @@
             <a:fld id="{5B0EE21F-92EE-4289-AFFB-9252D957F459}" type="datetime1">
               <a:rPr lang="it-IT" smtClean="0"/>
               <a:pPr/>
-              <a:t>02/05/2023</a:t>
+              <a:t>07/05/2023</a:t>
             </a:fld>
             <a:endParaRPr lang="it-IT" dirty="0"/>
           </a:p>
@@ -10044,7 +10944,7 @@
             <a:fld id="{8A756645-DD8C-4009-9A84-A4AD56EB55A9}" type="datetime1">
               <a:rPr lang="it-IT" smtClean="0"/>
               <a:pPr/>
-              <a:t>02/05/2023</a:t>
+              <a:t>07/05/2023</a:t>
             </a:fld>
             <a:endParaRPr lang="it-IT" dirty="0"/>
           </a:p>
@@ -10784,7 +11684,7 @@
         <p:spPr>
           <a:xfrm>
             <a:off x="1218883" y="274637"/>
-            <a:ext cx="10360501" cy="1138139"/>
+            <a:ext cx="10360501" cy="1354163"/>
           </a:xfrm>
         </p:spPr>
         <p:txBody>
@@ -10795,60 +11695,296 @@
           <a:p>
             <a:r>
               <a:rPr lang="en-US" dirty="0"/>
-              <a:t>With larger datasets, increasing the number of threads yields an improved speedup with progressively diminishing returns</a:t>
+              <a:t>2. With larger datasets, increasing the number of threads yields an improved speedup with progressively diminishing returns until a threshold</a:t>
             </a:r>
             <a:endParaRPr lang="it-IT" dirty="0"/>
           </a:p>
         </p:txBody>
       </p:sp>
-      <p:graphicFrame>
-        <p:nvGraphicFramePr>
-          <p:cNvPr id="3" name="Content Placeholder 2">
+      <p:sp>
+        <p:nvSpPr>
+          <p:cNvPr id="3" name="Content Placeholder 3">
             <a:extLst>
               <a:ext uri="{FF2B5EF4-FFF2-40B4-BE49-F238E27FC236}">
-                <a16:creationId xmlns:a16="http://schemas.microsoft.com/office/drawing/2014/main" id="{C1D9B173-BEDF-1D4F-71E3-CCAD3E36CD7D}"/>
+                <a16:creationId xmlns:a16="http://schemas.microsoft.com/office/drawing/2014/main" id="{7A529EB5-A585-AC5F-6DE2-AF35E915AC4A}"/>
               </a:ext>
             </a:extLst>
           </p:cNvPr>
-          <p:cNvGraphicFramePr>
-            <a:graphicFrameLocks noGrp="1"/>
-          </p:cNvGraphicFramePr>
-          <p:nvPr>
-            <p:ph sz="half" idx="2"/>
-            <p:extLst>
-              <p:ext uri="{D42A27DB-BD31-4B8C-83A1-F6EECF244321}">
-                <p14:modId xmlns:p14="http://schemas.microsoft.com/office/powerpoint/2010/main" val="3396921230"/>
-              </p:ext>
-            </p:extLst>
-          </p:nvPr>
-        </p:nvGraphicFramePr>
-        <p:xfrm>
-          <a:off x="909638" y="1484784"/>
-          <a:ext cx="10801398" cy="5040559"/>
-        </p:xfrm>
-        <a:graphic>
-          <a:graphicData uri="http://schemas.openxmlformats.org/drawingml/2006/chart">
-            <c:chart xmlns:c="http://schemas.openxmlformats.org/drawingml/2006/chart" xmlns:r="http://schemas.openxmlformats.org/officeDocument/2006/relationships" r:id="rId2"/>
-          </a:graphicData>
-        </a:graphic>
-      </p:graphicFrame>
+          <p:cNvSpPr txBox="1">
+            <a:spLocks/>
+          </p:cNvSpPr>
+          <p:nvPr/>
+        </p:nvSpPr>
+        <p:spPr>
+          <a:xfrm>
+            <a:off x="6238428" y="1772816"/>
+            <a:ext cx="5400599" cy="4327376"/>
+          </a:xfrm>
+          <a:prstGeom prst="rect">
+            <a:avLst/>
+          </a:prstGeom>
+        </p:spPr>
+        <p:txBody>
+          <a:bodyPr vert="horz" lIns="121899" tIns="60949" rIns="121899" bIns="60949" rtlCol="0">
+            <a:normAutofit/>
+          </a:bodyPr>
+          <a:lstStyle>
+            <a:lvl1pPr marL="304747" indent="-304747" algn="l" defTabSz="1218987" rtl="0" eaLnBrk="1" latinLnBrk="0" hangingPunct="1">
+              <a:lnSpc>
+                <a:spcPct val="90000"/>
+              </a:lnSpc>
+              <a:spcBef>
+                <a:spcPts val="1600"/>
+              </a:spcBef>
+              <a:buClr>
+                <a:schemeClr val="accent1"/>
+              </a:buClr>
+              <a:buSzPct val="100000"/>
+              <a:buFont typeface="Arial" pitchFamily="34" charset="0"/>
+              <a:buChar char="•"/>
+              <a:defRPr sz="2800" kern="1200">
+                <a:solidFill>
+                  <a:schemeClr val="tx1"/>
+                </a:solidFill>
+                <a:latin typeface="+mn-lt"/>
+                <a:ea typeface="+mn-ea"/>
+                <a:cs typeface="+mn-cs"/>
+              </a:defRPr>
+            </a:lvl1pPr>
+            <a:lvl2pPr marL="609493" indent="-231607" algn="l" defTabSz="1218987" rtl="0" eaLnBrk="1" latinLnBrk="0" hangingPunct="1">
+              <a:lnSpc>
+                <a:spcPct val="90000"/>
+              </a:lnSpc>
+              <a:spcBef>
+                <a:spcPts val="800"/>
+              </a:spcBef>
+              <a:buClr>
+                <a:schemeClr val="accent1"/>
+              </a:buClr>
+              <a:buSzPct val="80000"/>
+              <a:buFont typeface="Arial" pitchFamily="34" charset="0"/>
+              <a:buChar char="•"/>
+              <a:defRPr sz="2400" kern="1200">
+                <a:solidFill>
+                  <a:schemeClr val="tx1"/>
+                </a:solidFill>
+                <a:latin typeface="+mn-lt"/>
+                <a:ea typeface="+mn-ea"/>
+                <a:cs typeface="+mn-cs"/>
+              </a:defRPr>
+            </a:lvl2pPr>
+            <a:lvl3pPr marL="914240" indent="-231607" algn="l" defTabSz="1218987" rtl="0" eaLnBrk="1" latinLnBrk="0" hangingPunct="1">
+              <a:lnSpc>
+                <a:spcPct val="90000"/>
+              </a:lnSpc>
+              <a:spcBef>
+                <a:spcPts val="800"/>
+              </a:spcBef>
+              <a:buClr>
+                <a:schemeClr val="accent1"/>
+              </a:buClr>
+              <a:buSzPct val="80000"/>
+              <a:buFont typeface="Arial" pitchFamily="34" charset="0"/>
+              <a:buChar char="•"/>
+              <a:defRPr sz="2000" kern="1200">
+                <a:solidFill>
+                  <a:schemeClr val="tx1"/>
+                </a:solidFill>
+                <a:latin typeface="+mn-lt"/>
+                <a:ea typeface="+mn-ea"/>
+                <a:cs typeface="+mn-cs"/>
+              </a:defRPr>
+            </a:lvl3pPr>
+            <a:lvl4pPr marL="1218987" indent="-231607" algn="l" defTabSz="1218987" rtl="0" eaLnBrk="1" latinLnBrk="0" hangingPunct="1">
+              <a:lnSpc>
+                <a:spcPct val="90000"/>
+              </a:lnSpc>
+              <a:spcBef>
+                <a:spcPts val="800"/>
+              </a:spcBef>
+              <a:buClr>
+                <a:schemeClr val="accent1"/>
+              </a:buClr>
+              <a:buSzPct val="80000"/>
+              <a:buFont typeface="Arial" pitchFamily="34" charset="0"/>
+              <a:buChar char="•"/>
+              <a:defRPr sz="2000" kern="1200">
+                <a:solidFill>
+                  <a:schemeClr val="tx1"/>
+                </a:solidFill>
+                <a:latin typeface="+mn-lt"/>
+                <a:ea typeface="+mn-ea"/>
+                <a:cs typeface="+mn-cs"/>
+              </a:defRPr>
+            </a:lvl4pPr>
+            <a:lvl5pPr marL="1523733" indent="-231607" algn="l" defTabSz="1218987" rtl="0" eaLnBrk="1" latinLnBrk="0" hangingPunct="1">
+              <a:lnSpc>
+                <a:spcPct val="90000"/>
+              </a:lnSpc>
+              <a:spcBef>
+                <a:spcPts val="800"/>
+              </a:spcBef>
+              <a:buClr>
+                <a:schemeClr val="accent1"/>
+              </a:buClr>
+              <a:buSzPct val="80000"/>
+              <a:buFont typeface="Arial" pitchFamily="34" charset="0"/>
+              <a:buChar char="•"/>
+              <a:defRPr sz="2000" kern="1200">
+                <a:solidFill>
+                  <a:schemeClr val="tx1"/>
+                </a:solidFill>
+                <a:latin typeface="+mn-lt"/>
+                <a:ea typeface="+mn-ea"/>
+                <a:cs typeface="+mn-cs"/>
+              </a:defRPr>
+            </a:lvl5pPr>
+            <a:lvl6pPr marL="1828480" indent="-231607" algn="l" defTabSz="1218987" rtl="0" eaLnBrk="1" latinLnBrk="0" hangingPunct="1">
+              <a:lnSpc>
+                <a:spcPct val="90000"/>
+              </a:lnSpc>
+              <a:spcBef>
+                <a:spcPts val="800"/>
+              </a:spcBef>
+              <a:buClr>
+                <a:schemeClr val="accent1"/>
+              </a:buClr>
+              <a:buSzPct val="80000"/>
+              <a:buFont typeface="Arial" pitchFamily="34" charset="0"/>
+              <a:buChar char="•"/>
+              <a:defRPr sz="2000" kern="1200">
+                <a:solidFill>
+                  <a:schemeClr val="tx1"/>
+                </a:solidFill>
+                <a:latin typeface="+mn-lt"/>
+                <a:ea typeface="+mn-ea"/>
+                <a:cs typeface="+mn-cs"/>
+              </a:defRPr>
+            </a:lvl6pPr>
+            <a:lvl7pPr marL="2133227" indent="-231607" algn="l" defTabSz="1218987" rtl="0" eaLnBrk="1" latinLnBrk="0" hangingPunct="1">
+              <a:lnSpc>
+                <a:spcPct val="90000"/>
+              </a:lnSpc>
+              <a:spcBef>
+                <a:spcPts val="800"/>
+              </a:spcBef>
+              <a:buClr>
+                <a:schemeClr val="accent1"/>
+              </a:buClr>
+              <a:buSzPct val="80000"/>
+              <a:buFont typeface="Arial" pitchFamily="34" charset="0"/>
+              <a:buChar char="•"/>
+              <a:defRPr sz="2000" kern="1200">
+                <a:solidFill>
+                  <a:schemeClr val="tx1"/>
+                </a:solidFill>
+                <a:latin typeface="+mn-lt"/>
+                <a:ea typeface="+mn-ea"/>
+                <a:cs typeface="+mn-cs"/>
+              </a:defRPr>
+            </a:lvl7pPr>
+            <a:lvl8pPr marL="2437973" indent="-231607" algn="l" defTabSz="1218987" rtl="0" eaLnBrk="1" latinLnBrk="0" hangingPunct="1">
+              <a:lnSpc>
+                <a:spcPct val="90000"/>
+              </a:lnSpc>
+              <a:spcBef>
+                <a:spcPts val="800"/>
+              </a:spcBef>
+              <a:buClr>
+                <a:schemeClr val="accent1"/>
+              </a:buClr>
+              <a:buSzPct val="80000"/>
+              <a:buFont typeface="Arial" pitchFamily="34" charset="0"/>
+              <a:buChar char="•"/>
+              <a:defRPr sz="2000" kern="1200" baseline="0">
+                <a:solidFill>
+                  <a:schemeClr val="tx1"/>
+                </a:solidFill>
+                <a:latin typeface="+mn-lt"/>
+                <a:ea typeface="+mn-ea"/>
+                <a:cs typeface="+mn-cs"/>
+              </a:defRPr>
+            </a:lvl8pPr>
+            <a:lvl9pPr marL="2742720" indent="-231607" algn="l" defTabSz="1218987" rtl="0" eaLnBrk="1" latinLnBrk="0" hangingPunct="1">
+              <a:lnSpc>
+                <a:spcPct val="90000"/>
+              </a:lnSpc>
+              <a:spcBef>
+                <a:spcPts val="800"/>
+              </a:spcBef>
+              <a:buClr>
+                <a:schemeClr val="accent1"/>
+              </a:buClr>
+              <a:buSzPct val="80000"/>
+              <a:buFont typeface="Arial" pitchFamily="34" charset="0"/>
+              <a:buChar char="•"/>
+              <a:defRPr sz="2000" kern="1200" baseline="0">
+                <a:solidFill>
+                  <a:schemeClr val="tx1"/>
+                </a:solidFill>
+                <a:latin typeface="+mn-lt"/>
+                <a:ea typeface="+mn-ea"/>
+                <a:cs typeface="+mn-cs"/>
+              </a:defRPr>
+            </a:lvl9pPr>
+          </a:lstStyle>
+          <a:p>
+            <a:endParaRPr lang="en-US" dirty="0"/>
+          </a:p>
+        </p:txBody>
+      </p:sp>
+      <p:pic>
+        <p:nvPicPr>
+          <p:cNvPr id="12" name="Picture 11" descr="A screenshot of a computer&#10;&#10;Description automatically generated with medium confidence">
+            <a:extLst>
+              <a:ext uri="{FF2B5EF4-FFF2-40B4-BE49-F238E27FC236}">
+                <a16:creationId xmlns:a16="http://schemas.microsoft.com/office/drawing/2014/main" id="{C8799B7E-285B-6230-941B-5037501A390E}"/>
+              </a:ext>
+            </a:extLst>
+          </p:cNvPr>
+          <p:cNvPicPr>
+            <a:picLocks noChangeAspect="1"/>
+          </p:cNvPicPr>
+          <p:nvPr/>
+        </p:nvPicPr>
+        <p:blipFill rotWithShape="1">
+          <a:blip r:embed="rId2" cstate="print">
+            <a:extLst>
+              <a:ext uri="{28A0092B-C50C-407E-A947-70E740481C1C}">
+                <a14:useLocalDpi xmlns:a14="http://schemas.microsoft.com/office/drawing/2010/main" val="0"/>
+              </a:ext>
+            </a:extLst>
+          </a:blip>
+          <a:srcRect l="11816" t="10504" r="9021" b="20180"/>
+          <a:stretch/>
+        </p:blipFill>
+        <p:spPr>
+          <a:xfrm>
+            <a:off x="1053852" y="1664826"/>
+            <a:ext cx="9941470" cy="4896544"/>
+          </a:xfrm>
+          <a:prstGeom prst="rect">
+            <a:avLst/>
+          </a:prstGeom>
+        </p:spPr>
+      </p:pic>
     </p:spTree>
     <p:extLst>
       <p:ext uri="{BB962C8B-B14F-4D97-AF65-F5344CB8AC3E}">
-        <p14:creationId xmlns:p14="http://schemas.microsoft.com/office/powerpoint/2010/main" val="3606188863"/>
+        <p14:creationId xmlns:p14="http://schemas.microsoft.com/office/powerpoint/2010/main" val="3723338030"/>
       </p:ext>
     </p:extLst>
   </p:cSld>
   <p:clrMapOvr>
     <a:masterClrMapping/>
   </p:clrMapOvr>
-  <mc:AlternateContent xmlns:mc="http://schemas.openxmlformats.org/markup-compatibility/2006" xmlns:p14="http://schemas.microsoft.com/office/powerpoint/2010/main">
-    <mc:Choice Requires="p14">
+  <mc:AlternateContent xmlns:mc="http://schemas.openxmlformats.org/markup-compatibility/2006">
+    <mc:Choice xmlns:p14="http://schemas.microsoft.com/office/powerpoint/2010/main" Requires="p14">
       <p:transition spd="med" p14:dur="700">
         <p:fade/>
       </p:transition>
     </mc:Choice>
-    <mc:Fallback xmlns="">
+    <mc:Fallback>
       <p:transition spd="med">
         <p:fade/>
       </p:transition>
@@ -10900,9 +12036,10 @@
           <a:bodyPr/>
           <a:lstStyle/>
           <a:p>
+            <a:pPr algn="ctr"/>
             <a:r>
               <a:rPr lang="en-US" dirty="0"/>
-              <a:t>With a larger dataset the speedup increases</a:t>
+              <a:t>3. With a larger dataset the speedup increases</a:t>
             </a:r>
             <a:endParaRPr lang="it-IT" dirty="0"/>
           </a:p>
@@ -11004,6 +12141,1093 @@
     </mc:Choice>
     <mc:Fallback xmlns="">
       <p:transition spd="med">
+        <p:fade/>
+      </p:transition>
+    </mc:Fallback>
+  </mc:AlternateContent>
+</p:sld>
+</file>
+
+<file path=ppt/slides/slide12.xml><?xml version="1.0" encoding="utf-8"?>
+<p:sld xmlns:a="http://schemas.openxmlformats.org/drawingml/2006/main" xmlns:r="http://schemas.openxmlformats.org/officeDocument/2006/relationships" xmlns:p="http://schemas.openxmlformats.org/presentationml/2006/main">
+  <p:cSld>
+    <p:spTree>
+      <p:nvGrpSpPr>
+        <p:cNvPr id="1" name=""/>
+        <p:cNvGrpSpPr/>
+        <p:nvPr/>
+      </p:nvGrpSpPr>
+      <p:grpSpPr>
+        <a:xfrm>
+          <a:off x="0" y="0"/>
+          <a:ext cx="0" cy="0"/>
+          <a:chOff x="0" y="0"/>
+          <a:chExt cx="0" cy="0"/>
+        </a:xfrm>
+      </p:grpSpPr>
+      <p:sp>
+        <p:nvSpPr>
+          <p:cNvPr id="2" name="Title 1">
+            <a:extLst>
+              <a:ext uri="{FF2B5EF4-FFF2-40B4-BE49-F238E27FC236}">
+                <a16:creationId xmlns:a16="http://schemas.microsoft.com/office/drawing/2014/main" id="{A8F7070C-E0CC-B75C-2F7F-D5D4755AD802}"/>
+              </a:ext>
+            </a:extLst>
+          </p:cNvPr>
+          <p:cNvSpPr>
+            <a:spLocks noGrp="1"/>
+          </p:cNvSpPr>
+          <p:nvPr>
+            <p:ph type="title"/>
+          </p:nvPr>
+        </p:nvSpPr>
+        <p:spPr>
+          <a:xfrm>
+            <a:off x="1218883" y="274637"/>
+            <a:ext cx="10360501" cy="634083"/>
+          </a:xfrm>
+        </p:spPr>
+        <p:txBody>
+          <a:bodyPr/>
+          <a:lstStyle/>
+          <a:p>
+            <a:pPr algn="ctr"/>
+            <a:r>
+              <a:rPr lang="it-IT" dirty="0"/>
+              <a:t>Performance </a:t>
+            </a:r>
+            <a:r>
+              <a:rPr lang="it-IT" dirty="0" err="1"/>
+              <a:t>Optimization</a:t>
+            </a:r>
+            <a:endParaRPr lang="it-IT" dirty="0"/>
+          </a:p>
+        </p:txBody>
+      </p:sp>
+      <p:graphicFrame>
+        <p:nvGraphicFramePr>
+          <p:cNvPr id="4" name="Content Placeholder 3">
+            <a:extLst>
+              <a:ext uri="{FF2B5EF4-FFF2-40B4-BE49-F238E27FC236}">
+                <a16:creationId xmlns:a16="http://schemas.microsoft.com/office/drawing/2014/main" id="{41177DC2-0CC0-A0D2-8E95-1D2FDEF6F107}"/>
+              </a:ext>
+            </a:extLst>
+          </p:cNvPr>
+          <p:cNvGraphicFramePr>
+            <a:graphicFrameLocks noGrp="1"/>
+          </p:cNvGraphicFramePr>
+          <p:nvPr>
+            <p:ph idx="1"/>
+            <p:extLst>
+              <p:ext uri="{D42A27DB-BD31-4B8C-83A1-F6EECF244321}">
+                <p14:modId xmlns:p14="http://schemas.microsoft.com/office/powerpoint/2010/main" val="2465293469"/>
+              </p:ext>
+            </p:extLst>
+          </p:nvPr>
+        </p:nvGraphicFramePr>
+        <p:xfrm>
+          <a:off x="1219200" y="1052736"/>
+          <a:ext cx="10360025" cy="5400600"/>
+        </p:xfrm>
+        <a:graphic>
+          <a:graphicData uri="http://schemas.openxmlformats.org/drawingml/2006/chart">
+            <c:chart xmlns:c="http://schemas.openxmlformats.org/drawingml/2006/chart" xmlns:r="http://schemas.openxmlformats.org/officeDocument/2006/relationships" r:id="rId2"/>
+          </a:graphicData>
+        </a:graphic>
+      </p:graphicFrame>
+    </p:spTree>
+    <p:extLst>
+      <p:ext uri="{BB962C8B-B14F-4D97-AF65-F5344CB8AC3E}">
+        <p14:creationId xmlns:p14="http://schemas.microsoft.com/office/powerpoint/2010/main" val="2596001810"/>
+      </p:ext>
+    </p:extLst>
+  </p:cSld>
+  <p:clrMapOvr>
+    <a:masterClrMapping/>
+  </p:clrMapOvr>
+  <mc:AlternateContent xmlns:mc="http://schemas.openxmlformats.org/markup-compatibility/2006" xmlns:p14="http://schemas.microsoft.com/office/powerpoint/2010/main">
+    <mc:Choice Requires="p14">
+      <p:transition spd="med" p14:dur="700">
+        <p:fade/>
+      </p:transition>
+    </mc:Choice>
+    <mc:Fallback xmlns="">
+      <p:transition spd="med">
+        <p:fade/>
+      </p:transition>
+    </mc:Fallback>
+  </mc:AlternateContent>
+</p:sld>
+</file>
+
+<file path=ppt/slides/slide13.xml><?xml version="1.0" encoding="utf-8"?>
+<p:sld xmlns:a="http://schemas.openxmlformats.org/drawingml/2006/main" xmlns:r="http://schemas.openxmlformats.org/officeDocument/2006/relationships" xmlns:p="http://schemas.openxmlformats.org/presentationml/2006/main">
+  <p:cSld>
+    <p:spTree>
+      <p:nvGrpSpPr>
+        <p:cNvPr id="1" name=""/>
+        <p:cNvGrpSpPr/>
+        <p:nvPr/>
+      </p:nvGrpSpPr>
+      <p:grpSpPr>
+        <a:xfrm>
+          <a:off x="0" y="0"/>
+          <a:ext cx="0" cy="0"/>
+          <a:chOff x="0" y="0"/>
+          <a:chExt cx="0" cy="0"/>
+        </a:xfrm>
+      </p:grpSpPr>
+      <p:sp>
+        <p:nvSpPr>
+          <p:cNvPr id="2" name="Title 1">
+            <a:extLst>
+              <a:ext uri="{FF2B5EF4-FFF2-40B4-BE49-F238E27FC236}">
+                <a16:creationId xmlns:a16="http://schemas.microsoft.com/office/drawing/2014/main" id="{A8F7070C-E0CC-B75C-2F7F-D5D4755AD802}"/>
+              </a:ext>
+            </a:extLst>
+          </p:cNvPr>
+          <p:cNvSpPr>
+            <a:spLocks noGrp="1"/>
+          </p:cNvSpPr>
+          <p:nvPr>
+            <p:ph type="title"/>
+          </p:nvPr>
+        </p:nvSpPr>
+        <p:spPr>
+          <a:xfrm>
+            <a:off x="1218883" y="274637"/>
+            <a:ext cx="10360501" cy="634083"/>
+          </a:xfrm>
+        </p:spPr>
+        <p:txBody>
+          <a:bodyPr/>
+          <a:lstStyle/>
+          <a:p>
+            <a:pPr algn="ctr"/>
+            <a:r>
+              <a:rPr lang="it-IT" dirty="0"/>
+              <a:t>Performance </a:t>
+            </a:r>
+            <a:r>
+              <a:rPr lang="it-IT" dirty="0" err="1"/>
+              <a:t>Optimization</a:t>
+            </a:r>
+            <a:endParaRPr lang="it-IT" dirty="0"/>
+          </a:p>
+        </p:txBody>
+      </p:sp>
+      <p:graphicFrame>
+        <p:nvGraphicFramePr>
+          <p:cNvPr id="6" name="Content Placeholder 5">
+            <a:extLst>
+              <a:ext uri="{FF2B5EF4-FFF2-40B4-BE49-F238E27FC236}">
+                <a16:creationId xmlns:a16="http://schemas.microsoft.com/office/drawing/2014/main" id="{CFDCA325-E579-6805-1F3C-888D60A62F16}"/>
+              </a:ext>
+            </a:extLst>
+          </p:cNvPr>
+          <p:cNvGraphicFramePr>
+            <a:graphicFrameLocks noGrp="1"/>
+          </p:cNvGraphicFramePr>
+          <p:nvPr>
+            <p:ph idx="1"/>
+            <p:extLst>
+              <p:ext uri="{D42A27DB-BD31-4B8C-83A1-F6EECF244321}">
+                <p14:modId xmlns:p14="http://schemas.microsoft.com/office/powerpoint/2010/main" val="1727965080"/>
+              </p:ext>
+            </p:extLst>
+          </p:nvPr>
+        </p:nvGraphicFramePr>
+        <p:xfrm>
+          <a:off x="1219200" y="1052736"/>
+          <a:ext cx="10360025" cy="5400600"/>
+        </p:xfrm>
+        <a:graphic>
+          <a:graphicData uri="http://schemas.openxmlformats.org/drawingml/2006/chart">
+            <c:chart xmlns:c="http://schemas.openxmlformats.org/drawingml/2006/chart" xmlns:r="http://schemas.openxmlformats.org/officeDocument/2006/relationships" r:id="rId2"/>
+          </a:graphicData>
+        </a:graphic>
+      </p:graphicFrame>
+    </p:spTree>
+    <p:extLst>
+      <p:ext uri="{BB962C8B-B14F-4D97-AF65-F5344CB8AC3E}">
+        <p14:creationId xmlns:p14="http://schemas.microsoft.com/office/powerpoint/2010/main" val="1760778672"/>
+      </p:ext>
+    </p:extLst>
+  </p:cSld>
+  <p:clrMapOvr>
+    <a:masterClrMapping/>
+  </p:clrMapOvr>
+  <mc:AlternateContent xmlns:mc="http://schemas.openxmlformats.org/markup-compatibility/2006" xmlns:p159="http://schemas.microsoft.com/office/powerpoint/2015/09/main">
+    <mc:Choice Requires="p159">
+      <p:transition xmlns:p14="http://schemas.microsoft.com/office/powerpoint/2010/main" spd="slow" p14:dur="2000">
+        <p159:morph option="byObject"/>
+      </p:transition>
+    </mc:Choice>
+    <mc:Fallback xmlns="">
+      <p:transition spd="slow">
+        <p:fade/>
+      </p:transition>
+    </mc:Fallback>
+  </mc:AlternateContent>
+</p:sld>
+</file>
+
+<file path=ppt/slides/slide14.xml><?xml version="1.0" encoding="utf-8"?>
+<p:sld xmlns:a="http://schemas.openxmlformats.org/drawingml/2006/main" xmlns:r="http://schemas.openxmlformats.org/officeDocument/2006/relationships" xmlns:p="http://schemas.openxmlformats.org/presentationml/2006/main">
+  <p:cSld>
+    <p:spTree>
+      <p:nvGrpSpPr>
+        <p:cNvPr id="1" name=""/>
+        <p:cNvGrpSpPr/>
+        <p:nvPr/>
+      </p:nvGrpSpPr>
+      <p:grpSpPr>
+        <a:xfrm>
+          <a:off x="0" y="0"/>
+          <a:ext cx="0" cy="0"/>
+          <a:chOff x="0" y="0"/>
+          <a:chExt cx="0" cy="0"/>
+        </a:xfrm>
+      </p:grpSpPr>
+      <p:sp>
+        <p:nvSpPr>
+          <p:cNvPr id="2" name="Title 1">
+            <a:extLst>
+              <a:ext uri="{FF2B5EF4-FFF2-40B4-BE49-F238E27FC236}">
+                <a16:creationId xmlns:a16="http://schemas.microsoft.com/office/drawing/2014/main" id="{A8F7070C-E0CC-B75C-2F7F-D5D4755AD802}"/>
+              </a:ext>
+            </a:extLst>
+          </p:cNvPr>
+          <p:cNvSpPr>
+            <a:spLocks noGrp="1"/>
+          </p:cNvSpPr>
+          <p:nvPr>
+            <p:ph type="title"/>
+          </p:nvPr>
+        </p:nvSpPr>
+        <p:spPr>
+          <a:xfrm>
+            <a:off x="1218883" y="274637"/>
+            <a:ext cx="10360501" cy="634083"/>
+          </a:xfrm>
+        </p:spPr>
+        <p:txBody>
+          <a:bodyPr/>
+          <a:lstStyle/>
+          <a:p>
+            <a:pPr algn="ctr"/>
+            <a:r>
+              <a:rPr lang="it-IT" dirty="0"/>
+              <a:t>Performance </a:t>
+            </a:r>
+            <a:r>
+              <a:rPr lang="it-IT" dirty="0" err="1"/>
+              <a:t>Optimization</a:t>
+            </a:r>
+            <a:endParaRPr lang="it-IT" dirty="0"/>
+          </a:p>
+        </p:txBody>
+      </p:sp>
+      <p:pic>
+        <p:nvPicPr>
+          <p:cNvPr id="5" name="Content Placeholder 4" descr="A picture containing text, line, screenshot, diagram&#10;&#10;Description automatically generated">
+            <a:extLst>
+              <a:ext uri="{FF2B5EF4-FFF2-40B4-BE49-F238E27FC236}">
+                <a16:creationId xmlns:a16="http://schemas.microsoft.com/office/drawing/2014/main" id="{8D74A940-BBD4-1B96-A49E-F137D9EB0DA4}"/>
+              </a:ext>
+            </a:extLst>
+          </p:cNvPr>
+          <p:cNvPicPr>
+            <a:picLocks noGrp="1" noChangeAspect="1"/>
+          </p:cNvPicPr>
+          <p:nvPr>
+            <p:ph idx="1"/>
+          </p:nvPr>
+        </p:nvPicPr>
+        <p:blipFill>
+          <a:blip r:embed="rId2" cstate="print">
+            <a:extLst>
+              <a:ext uri="{28A0092B-C50C-407E-A947-70E740481C1C}">
+                <a14:useLocalDpi xmlns:a14="http://schemas.microsoft.com/office/drawing/2010/main" val="0"/>
+              </a:ext>
+            </a:extLst>
+          </a:blip>
+          <a:stretch>
+            <a:fillRect/>
+          </a:stretch>
+        </p:blipFill>
+        <p:spPr>
+          <a:xfrm>
+            <a:off x="1053852" y="1844824"/>
+            <a:ext cx="10913207" cy="2448272"/>
+          </a:xfrm>
+        </p:spPr>
+      </p:pic>
+      <p:sp>
+        <p:nvSpPr>
+          <p:cNvPr id="6" name="TextBox 5">
+            <a:extLst>
+              <a:ext uri="{FF2B5EF4-FFF2-40B4-BE49-F238E27FC236}">
+                <a16:creationId xmlns:a16="http://schemas.microsoft.com/office/drawing/2014/main" id="{9DD4B2DB-F850-073A-AB0F-4E6F62D8E144}"/>
+              </a:ext>
+            </a:extLst>
+          </p:cNvPr>
+          <p:cNvSpPr txBox="1"/>
+          <p:nvPr/>
+        </p:nvSpPr>
+        <p:spPr>
+          <a:xfrm>
+            <a:off x="1053852" y="4869160"/>
+            <a:ext cx="10153128" cy="954107"/>
+          </a:xfrm>
+          <a:prstGeom prst="rect">
+            <a:avLst/>
+          </a:prstGeom>
+          <a:noFill/>
+        </p:spPr>
+        <p:txBody>
+          <a:bodyPr wrap="square" rtlCol="0">
+            <a:spAutoFit/>
+          </a:bodyPr>
+          <a:lstStyle/>
+          <a:p>
+            <a:r>
+              <a:rPr lang="it-IT" sz="2800" dirty="0"/>
+              <a:t>Inside the worker </a:t>
+            </a:r>
+            <a:r>
+              <a:rPr lang="it-IT" sz="2800" dirty="0" err="1"/>
+              <a:t>function</a:t>
+            </a:r>
+            <a:r>
+              <a:rPr lang="it-IT" sz="2800" dirty="0"/>
+              <a:t>, </a:t>
+            </a:r>
+            <a:r>
+              <a:rPr lang="it-IT" sz="2800" dirty="0" err="1"/>
+              <a:t>we</a:t>
+            </a:r>
+            <a:r>
+              <a:rPr lang="it-IT" sz="2800" dirty="0"/>
+              <a:t> </a:t>
+            </a:r>
+            <a:r>
+              <a:rPr lang="it-IT" sz="2800" dirty="0" err="1"/>
+              <a:t>found</a:t>
+            </a:r>
+            <a:r>
+              <a:rPr lang="it-IT" sz="2800" dirty="0"/>
+              <a:t> that </a:t>
+            </a:r>
+            <a:r>
+              <a:rPr lang="it-IT" sz="2800" dirty="0" err="1"/>
+              <a:t>aggregatePoints</a:t>
+            </a:r>
+            <a:r>
+              <a:rPr lang="it-IT" sz="2800" dirty="0"/>
+              <a:t> </a:t>
+            </a:r>
+            <a:r>
+              <a:rPr lang="it-IT" sz="2800" dirty="0" err="1"/>
+              <a:t>took</a:t>
+            </a:r>
+            <a:r>
+              <a:rPr lang="it-IT" sz="2800" dirty="0"/>
+              <a:t> </a:t>
+            </a:r>
+            <a:r>
+              <a:rPr lang="it-IT" sz="2800" dirty="0" err="1"/>
+              <a:t>much</a:t>
+            </a:r>
+            <a:r>
+              <a:rPr lang="it-IT" sz="2800" dirty="0"/>
+              <a:t> more time to </a:t>
+            </a:r>
+            <a:r>
+              <a:rPr lang="it-IT" sz="2800" dirty="0" err="1"/>
+              <a:t>execute</a:t>
+            </a:r>
+            <a:r>
+              <a:rPr lang="it-IT" sz="2800" dirty="0"/>
+              <a:t> </a:t>
+            </a:r>
+            <a:r>
+              <a:rPr lang="it-IT" sz="2800" dirty="0" err="1"/>
+              <a:t>than</a:t>
+            </a:r>
+            <a:r>
+              <a:rPr lang="it-IT" sz="2800" dirty="0"/>
+              <a:t> </a:t>
+            </a:r>
+            <a:r>
+              <a:rPr lang="it-IT" sz="2800" dirty="0" err="1"/>
+              <a:t>initially</a:t>
+            </a:r>
+            <a:r>
+              <a:rPr lang="it-IT" sz="2800" dirty="0"/>
+              <a:t> </a:t>
+            </a:r>
+            <a:r>
+              <a:rPr lang="it-IT" sz="2800" dirty="0" err="1"/>
+              <a:t>expected</a:t>
+            </a:r>
+            <a:endParaRPr lang="it-IT" sz="2800" dirty="0"/>
+          </a:p>
+        </p:txBody>
+      </p:sp>
+    </p:spTree>
+    <p:extLst>
+      <p:ext uri="{BB962C8B-B14F-4D97-AF65-F5344CB8AC3E}">
+        <p14:creationId xmlns:p14="http://schemas.microsoft.com/office/powerpoint/2010/main" val="803453816"/>
+      </p:ext>
+    </p:extLst>
+  </p:cSld>
+  <p:clrMapOvr>
+    <a:masterClrMapping/>
+  </p:clrMapOvr>
+  <mc:AlternateContent xmlns:mc="http://schemas.openxmlformats.org/markup-compatibility/2006" xmlns:p159="http://schemas.microsoft.com/office/powerpoint/2015/09/main">
+    <mc:Choice Requires="p159">
+      <p:transition xmlns:p14="http://schemas.microsoft.com/office/powerpoint/2010/main" spd="slow" p14:dur="2000">
+        <p159:morph option="byObject"/>
+      </p:transition>
+    </mc:Choice>
+    <mc:Fallback xmlns="">
+      <p:transition spd="slow">
+        <p:fade/>
+      </p:transition>
+    </mc:Fallback>
+  </mc:AlternateContent>
+</p:sld>
+</file>
+
+<file path=ppt/slides/slide15.xml><?xml version="1.0" encoding="utf-8"?>
+<p:sld xmlns:a="http://schemas.openxmlformats.org/drawingml/2006/main" xmlns:r="http://schemas.openxmlformats.org/officeDocument/2006/relationships" xmlns:p="http://schemas.openxmlformats.org/presentationml/2006/main">
+  <p:cSld>
+    <p:spTree>
+      <p:nvGrpSpPr>
+        <p:cNvPr id="1" name=""/>
+        <p:cNvGrpSpPr/>
+        <p:nvPr/>
+      </p:nvGrpSpPr>
+      <p:grpSpPr>
+        <a:xfrm>
+          <a:off x="0" y="0"/>
+          <a:ext cx="0" cy="0"/>
+          <a:chOff x="0" y="0"/>
+          <a:chExt cx="0" cy="0"/>
+        </a:xfrm>
+      </p:grpSpPr>
+      <p:sp>
+        <p:nvSpPr>
+          <p:cNvPr id="2" name="Title 1">
+            <a:extLst>
+              <a:ext uri="{FF2B5EF4-FFF2-40B4-BE49-F238E27FC236}">
+                <a16:creationId xmlns:a16="http://schemas.microsoft.com/office/drawing/2014/main" id="{A8F7070C-E0CC-B75C-2F7F-D5D4755AD802}"/>
+              </a:ext>
+            </a:extLst>
+          </p:cNvPr>
+          <p:cNvSpPr>
+            <a:spLocks noGrp="1"/>
+          </p:cNvSpPr>
+          <p:nvPr>
+            <p:ph type="title"/>
+          </p:nvPr>
+        </p:nvSpPr>
+        <p:spPr>
+          <a:xfrm>
+            <a:off x="1218883" y="274637"/>
+            <a:ext cx="10360501" cy="634083"/>
+          </a:xfrm>
+        </p:spPr>
+        <p:txBody>
+          <a:bodyPr/>
+          <a:lstStyle/>
+          <a:p>
+            <a:pPr algn="ctr"/>
+            <a:r>
+              <a:rPr lang="it-IT" dirty="0"/>
+              <a:t>Performance </a:t>
+            </a:r>
+            <a:r>
+              <a:rPr lang="it-IT" dirty="0" err="1"/>
+              <a:t>Optimization</a:t>
+            </a:r>
+            <a:endParaRPr lang="it-IT" dirty="0"/>
+          </a:p>
+        </p:txBody>
+      </p:sp>
+      <p:sp>
+        <p:nvSpPr>
+          <p:cNvPr id="4" name="Content Placeholder 3">
+            <a:extLst>
+              <a:ext uri="{FF2B5EF4-FFF2-40B4-BE49-F238E27FC236}">
+                <a16:creationId xmlns:a16="http://schemas.microsoft.com/office/drawing/2014/main" id="{78E41DB8-2AFF-92D1-F0A0-D04590CCA013}"/>
+              </a:ext>
+            </a:extLst>
+          </p:cNvPr>
+          <p:cNvSpPr>
+            <a:spLocks noGrp="1"/>
+          </p:cNvSpPr>
+          <p:nvPr>
+            <p:ph idx="1"/>
+          </p:nvPr>
+        </p:nvSpPr>
+        <p:spPr>
+          <a:xfrm>
+            <a:off x="1218883" y="1124744"/>
+            <a:ext cx="10360501" cy="5039325"/>
+          </a:xfrm>
+        </p:spPr>
+        <p:txBody>
+          <a:bodyPr/>
+          <a:lstStyle/>
+          <a:p>
+            <a:r>
+              <a:rPr lang="it-IT" dirty="0" err="1"/>
+              <a:t>We</a:t>
+            </a:r>
+            <a:r>
+              <a:rPr lang="it-IT" dirty="0"/>
+              <a:t> </a:t>
+            </a:r>
+            <a:r>
+              <a:rPr lang="it-IT" dirty="0" err="1"/>
+              <a:t>factored</a:t>
+            </a:r>
+            <a:r>
+              <a:rPr lang="it-IT" dirty="0"/>
+              <a:t> the work </a:t>
+            </a:r>
+            <a:r>
+              <a:rPr lang="it-IT" dirty="0" err="1"/>
+              <a:t>done</a:t>
+            </a:r>
+            <a:r>
+              <a:rPr lang="it-IT" dirty="0"/>
+              <a:t> by the </a:t>
+            </a:r>
+            <a:r>
+              <a:rPr lang="it-IT" dirty="0" err="1"/>
+              <a:t>aggregatePoints</a:t>
+            </a:r>
+            <a:r>
+              <a:rPr lang="it-IT" dirty="0"/>
+              <a:t> inside the </a:t>
+            </a:r>
+            <a:r>
+              <a:rPr lang="it-IT" dirty="0" err="1"/>
+              <a:t>threads</a:t>
+            </a:r>
+            <a:r>
+              <a:rPr lang="it-IT" dirty="0"/>
+              <a:t>’ worker </a:t>
+            </a:r>
+            <a:r>
+              <a:rPr lang="it-IT" dirty="0" err="1"/>
+              <a:t>function</a:t>
+            </a:r>
+            <a:r>
+              <a:rPr lang="it-IT" dirty="0"/>
+              <a:t> </a:t>
+            </a:r>
+            <a:r>
+              <a:rPr lang="it-IT" dirty="0" err="1"/>
+              <a:t>but</a:t>
+            </a:r>
+            <a:r>
+              <a:rPr lang="it-IT" dirty="0"/>
+              <a:t> </a:t>
+            </a:r>
+            <a:r>
+              <a:rPr lang="it-IT" dirty="0" err="1"/>
+              <a:t>we</a:t>
+            </a:r>
+            <a:r>
+              <a:rPr lang="it-IT" dirty="0"/>
+              <a:t> </a:t>
+            </a:r>
+            <a:r>
+              <a:rPr lang="it-IT" dirty="0" err="1"/>
+              <a:t>experienced</a:t>
+            </a:r>
+            <a:r>
+              <a:rPr lang="it-IT" dirty="0"/>
+              <a:t> a </a:t>
+            </a:r>
+            <a:r>
+              <a:rPr lang="it-IT" dirty="0" err="1"/>
+              <a:t>decrease</a:t>
+            </a:r>
+            <a:r>
+              <a:rPr lang="it-IT" dirty="0"/>
+              <a:t> in performances, </a:t>
+            </a:r>
+            <a:r>
+              <a:rPr lang="it-IT" dirty="0" err="1"/>
+              <a:t>mainly</a:t>
+            </a:r>
+            <a:r>
+              <a:rPr lang="it-IT" dirty="0"/>
+              <a:t> due to an </a:t>
+            </a:r>
+            <a:r>
+              <a:rPr lang="it-IT" dirty="0" err="1"/>
+              <a:t>increased</a:t>
+            </a:r>
+            <a:r>
+              <a:rPr lang="it-IT" dirty="0"/>
+              <a:t> in data sharing </a:t>
+            </a:r>
+            <a:r>
+              <a:rPr lang="it-IT" dirty="0" err="1"/>
+              <a:t>among</a:t>
+            </a:r>
+            <a:r>
+              <a:rPr lang="it-IT" dirty="0"/>
+              <a:t> </a:t>
+            </a:r>
+            <a:r>
+              <a:rPr lang="it-IT" dirty="0" err="1"/>
+              <a:t>threads</a:t>
+            </a:r>
+            <a:r>
+              <a:rPr lang="it-IT" dirty="0"/>
+              <a:t>.</a:t>
+            </a:r>
+          </a:p>
+        </p:txBody>
+      </p:sp>
+      <p:pic>
+        <p:nvPicPr>
+          <p:cNvPr id="10" name="Picture 9" descr="A screenshot of a computer&#10;&#10;Description automatically generated with low confidence">
+            <a:extLst>
+              <a:ext uri="{FF2B5EF4-FFF2-40B4-BE49-F238E27FC236}">
+                <a16:creationId xmlns:a16="http://schemas.microsoft.com/office/drawing/2014/main" id="{EC2C9A00-9F6A-5C77-C0C1-301BD9DB8E61}"/>
+              </a:ext>
+            </a:extLst>
+          </p:cNvPr>
+          <p:cNvPicPr>
+            <a:picLocks noChangeAspect="1"/>
+          </p:cNvPicPr>
+          <p:nvPr/>
+        </p:nvPicPr>
+        <p:blipFill rotWithShape="1">
+          <a:blip r:embed="rId2">
+            <a:extLst>
+              <a:ext uri="{28A0092B-C50C-407E-A947-70E740481C1C}">
+                <a14:useLocalDpi xmlns:a14="http://schemas.microsoft.com/office/drawing/2010/main" val="0"/>
+              </a:ext>
+            </a:extLst>
+          </a:blip>
+          <a:srcRect l="7015" t="1326" r="20893" b="22318"/>
+          <a:stretch/>
+        </p:blipFill>
+        <p:spPr>
+          <a:xfrm>
+            <a:off x="6648157" y="2852936"/>
+            <a:ext cx="3528392" cy="3672408"/>
+          </a:xfrm>
+          <a:prstGeom prst="rect">
+            <a:avLst/>
+          </a:prstGeom>
+        </p:spPr>
+      </p:pic>
+      <p:pic>
+        <p:nvPicPr>
+          <p:cNvPr id="8" name="Picture 7" descr="A screenshot of a computer&#10;&#10;Description automatically generated with low confidence">
+            <a:extLst>
+              <a:ext uri="{FF2B5EF4-FFF2-40B4-BE49-F238E27FC236}">
+                <a16:creationId xmlns:a16="http://schemas.microsoft.com/office/drawing/2014/main" id="{AD6C69A8-E06D-7B00-9FFB-43C0F809219C}"/>
+              </a:ext>
+            </a:extLst>
+          </p:cNvPr>
+          <p:cNvPicPr>
+            <a:picLocks noChangeAspect="1"/>
+          </p:cNvPicPr>
+          <p:nvPr/>
+        </p:nvPicPr>
+        <p:blipFill rotWithShape="1">
+          <a:blip r:embed="rId3">
+            <a:extLst>
+              <a:ext uri="{28A0092B-C50C-407E-A947-70E740481C1C}">
+                <a14:useLocalDpi xmlns:a14="http://schemas.microsoft.com/office/drawing/2010/main" val="0"/>
+              </a:ext>
+            </a:extLst>
+          </a:blip>
+          <a:srcRect l="7356" t="1311" r="22023" b="23197"/>
+          <a:stretch/>
+        </p:blipFill>
+        <p:spPr>
+          <a:xfrm>
+            <a:off x="2205328" y="2852936"/>
+            <a:ext cx="3456384" cy="3672408"/>
+          </a:xfrm>
+          <a:prstGeom prst="rect">
+            <a:avLst/>
+          </a:prstGeom>
+        </p:spPr>
+      </p:pic>
+      <p:pic>
+        <p:nvPicPr>
+          <p:cNvPr id="3" name="Picture 2">
+            <a:extLst>
+              <a:ext uri="{FF2B5EF4-FFF2-40B4-BE49-F238E27FC236}">
+                <a16:creationId xmlns:a16="http://schemas.microsoft.com/office/drawing/2014/main" id="{933EC7DF-520E-AE79-3468-5B4B0BF18C5B}"/>
+              </a:ext>
+            </a:extLst>
+          </p:cNvPr>
+          <p:cNvPicPr>
+            <a:picLocks noChangeAspect="1"/>
+          </p:cNvPicPr>
+          <p:nvPr/>
+        </p:nvPicPr>
+        <p:blipFill rotWithShape="1">
+          <a:blip r:embed="rId4">
+            <a:extLst>
+              <a:ext uri="{28A0092B-C50C-407E-A947-70E740481C1C}">
+                <a14:useLocalDpi xmlns:a14="http://schemas.microsoft.com/office/drawing/2010/main" val="0"/>
+              </a:ext>
+            </a:extLst>
+          </a:blip>
+          <a:srcRect l="7363" t="1550" r="21955" b="21620"/>
+          <a:stretch/>
+        </p:blipFill>
+        <p:spPr>
+          <a:xfrm>
+            <a:off x="12935172" y="2852936"/>
+            <a:ext cx="3456384" cy="3672408"/>
+          </a:xfrm>
+          <a:prstGeom prst="rect">
+            <a:avLst/>
+          </a:prstGeom>
+        </p:spPr>
+      </p:pic>
+    </p:spTree>
+    <p:extLst>
+      <p:ext uri="{BB962C8B-B14F-4D97-AF65-F5344CB8AC3E}">
+        <p14:creationId xmlns:p14="http://schemas.microsoft.com/office/powerpoint/2010/main" val="2787176616"/>
+      </p:ext>
+    </p:extLst>
+  </p:cSld>
+  <p:clrMapOvr>
+    <a:masterClrMapping/>
+  </p:clrMapOvr>
+  <mc:AlternateContent xmlns:mc="http://schemas.openxmlformats.org/markup-compatibility/2006" xmlns:p159="http://schemas.microsoft.com/office/powerpoint/2015/09/main">
+    <mc:Choice Requires="p159">
+      <p:transition xmlns:p14="http://schemas.microsoft.com/office/powerpoint/2010/main" spd="slow" p14:dur="2000">
+        <p159:morph option="byObject"/>
+      </p:transition>
+    </mc:Choice>
+    <mc:Fallback xmlns="">
+      <p:transition spd="slow">
+        <p:fade/>
+      </p:transition>
+    </mc:Fallback>
+  </mc:AlternateContent>
+</p:sld>
+</file>
+
+<file path=ppt/slides/slide16.xml><?xml version="1.0" encoding="utf-8"?>
+<p:sld xmlns:a="http://schemas.openxmlformats.org/drawingml/2006/main" xmlns:r="http://schemas.openxmlformats.org/officeDocument/2006/relationships" xmlns:p="http://schemas.openxmlformats.org/presentationml/2006/main">
+  <p:cSld>
+    <p:spTree>
+      <p:nvGrpSpPr>
+        <p:cNvPr id="1" name=""/>
+        <p:cNvGrpSpPr/>
+        <p:nvPr/>
+      </p:nvGrpSpPr>
+      <p:grpSpPr>
+        <a:xfrm>
+          <a:off x="0" y="0"/>
+          <a:ext cx="0" cy="0"/>
+          <a:chOff x="0" y="0"/>
+          <a:chExt cx="0" cy="0"/>
+        </a:xfrm>
+      </p:grpSpPr>
+      <p:sp>
+        <p:nvSpPr>
+          <p:cNvPr id="2" name="Title 1">
+            <a:extLst>
+              <a:ext uri="{FF2B5EF4-FFF2-40B4-BE49-F238E27FC236}">
+                <a16:creationId xmlns:a16="http://schemas.microsoft.com/office/drawing/2014/main" id="{A8F7070C-E0CC-B75C-2F7F-D5D4755AD802}"/>
+              </a:ext>
+            </a:extLst>
+          </p:cNvPr>
+          <p:cNvSpPr>
+            <a:spLocks noGrp="1"/>
+          </p:cNvSpPr>
+          <p:nvPr>
+            <p:ph type="title"/>
+          </p:nvPr>
+        </p:nvSpPr>
+        <p:spPr>
+          <a:xfrm>
+            <a:off x="1218883" y="274637"/>
+            <a:ext cx="10360501" cy="634083"/>
+          </a:xfrm>
+        </p:spPr>
+        <p:txBody>
+          <a:bodyPr/>
+          <a:lstStyle/>
+          <a:p>
+            <a:pPr algn="ctr"/>
+            <a:r>
+              <a:rPr lang="it-IT" dirty="0"/>
+              <a:t>Performance </a:t>
+            </a:r>
+            <a:r>
+              <a:rPr lang="it-IT" dirty="0" err="1"/>
+              <a:t>Optimization</a:t>
+            </a:r>
+            <a:endParaRPr lang="it-IT" dirty="0"/>
+          </a:p>
+        </p:txBody>
+      </p:sp>
+      <p:sp>
+        <p:nvSpPr>
+          <p:cNvPr id="4" name="Content Placeholder 3">
+            <a:extLst>
+              <a:ext uri="{FF2B5EF4-FFF2-40B4-BE49-F238E27FC236}">
+                <a16:creationId xmlns:a16="http://schemas.microsoft.com/office/drawing/2014/main" id="{78E41DB8-2AFF-92D1-F0A0-D04590CCA013}"/>
+              </a:ext>
+            </a:extLst>
+          </p:cNvPr>
+          <p:cNvSpPr>
+            <a:spLocks noGrp="1"/>
+          </p:cNvSpPr>
+          <p:nvPr>
+            <p:ph idx="1"/>
+          </p:nvPr>
+        </p:nvSpPr>
+        <p:spPr>
+          <a:xfrm>
+            <a:off x="1218883" y="1124744"/>
+            <a:ext cx="10360501" cy="5039325"/>
+          </a:xfrm>
+        </p:spPr>
+        <p:txBody>
+          <a:bodyPr/>
+          <a:lstStyle/>
+          <a:p>
+            <a:r>
+              <a:rPr lang="it-IT" dirty="0" err="1"/>
+              <a:t>We</a:t>
+            </a:r>
+            <a:r>
+              <a:rPr lang="it-IT" dirty="0"/>
+              <a:t> </a:t>
+            </a:r>
+            <a:r>
+              <a:rPr lang="it-IT" dirty="0" err="1"/>
+              <a:t>used</a:t>
+            </a:r>
+            <a:r>
+              <a:rPr lang="it-IT" dirty="0"/>
+              <a:t> </a:t>
+            </a:r>
+            <a:r>
+              <a:rPr lang="it-IT" dirty="0" err="1"/>
+              <a:t>local</a:t>
+            </a:r>
+            <a:r>
+              <a:rPr lang="it-IT" dirty="0"/>
+              <a:t> data </a:t>
+            </a:r>
+            <a:r>
+              <a:rPr lang="it-IT" dirty="0" err="1"/>
+              <a:t>structures</a:t>
+            </a:r>
+            <a:r>
+              <a:rPr lang="it-IT" dirty="0"/>
+              <a:t> for </a:t>
+            </a:r>
+            <a:r>
+              <a:rPr lang="it-IT" dirty="0" err="1"/>
+              <a:t>each</a:t>
+            </a:r>
+            <a:r>
+              <a:rPr lang="it-IT" dirty="0"/>
+              <a:t> </a:t>
+            </a:r>
+            <a:r>
+              <a:rPr lang="it-IT" dirty="0" err="1"/>
+              <a:t>thread</a:t>
+            </a:r>
+            <a:r>
+              <a:rPr lang="it-IT" dirty="0"/>
+              <a:t> to store </a:t>
+            </a:r>
+            <a:r>
+              <a:rPr lang="it-IT" dirty="0" err="1"/>
+              <a:t>partial</a:t>
+            </a:r>
+            <a:r>
+              <a:rPr lang="it-IT" dirty="0"/>
+              <a:t> </a:t>
+            </a:r>
+            <a:r>
+              <a:rPr lang="it-IT" dirty="0" err="1"/>
+              <a:t>results</a:t>
+            </a:r>
+            <a:r>
+              <a:rPr lang="it-IT" dirty="0"/>
+              <a:t> in </a:t>
+            </a:r>
+            <a:r>
+              <a:rPr lang="it-IT" dirty="0" err="1"/>
+              <a:t>order</a:t>
+            </a:r>
+            <a:r>
+              <a:rPr lang="it-IT" dirty="0"/>
+              <a:t> to </a:t>
+            </a:r>
+            <a:r>
+              <a:rPr lang="it-IT" dirty="0" err="1"/>
+              <a:t>avoid</a:t>
+            </a:r>
+            <a:r>
+              <a:rPr lang="it-IT" dirty="0"/>
+              <a:t> </a:t>
+            </a:r>
+            <a:r>
+              <a:rPr lang="it-IT" dirty="0" err="1"/>
+              <a:t>mutual</a:t>
+            </a:r>
+            <a:r>
+              <a:rPr lang="it-IT" dirty="0"/>
+              <a:t> cache </a:t>
+            </a:r>
+            <a:r>
+              <a:rPr lang="it-IT" dirty="0" err="1"/>
+              <a:t>invalidations</a:t>
+            </a:r>
+            <a:endParaRPr lang="it-IT" dirty="0"/>
+          </a:p>
+        </p:txBody>
+      </p:sp>
+      <p:pic>
+        <p:nvPicPr>
+          <p:cNvPr id="10" name="Picture 9" descr="A screenshot of a computer&#10;&#10;Description automatically generated with low confidence">
+            <a:extLst>
+              <a:ext uri="{FF2B5EF4-FFF2-40B4-BE49-F238E27FC236}">
+                <a16:creationId xmlns:a16="http://schemas.microsoft.com/office/drawing/2014/main" id="{EC2C9A00-9F6A-5C77-C0C1-301BD9DB8E61}"/>
+              </a:ext>
+            </a:extLst>
+          </p:cNvPr>
+          <p:cNvPicPr>
+            <a:picLocks noChangeAspect="1"/>
+          </p:cNvPicPr>
+          <p:nvPr/>
+        </p:nvPicPr>
+        <p:blipFill rotWithShape="1">
+          <a:blip r:embed="rId2">
+            <a:extLst>
+              <a:ext uri="{28A0092B-C50C-407E-A947-70E740481C1C}">
+                <a14:useLocalDpi xmlns:a14="http://schemas.microsoft.com/office/drawing/2010/main" val="0"/>
+              </a:ext>
+            </a:extLst>
+          </a:blip>
+          <a:srcRect l="7015" t="1326" r="20893" b="22318"/>
+          <a:stretch/>
+        </p:blipFill>
+        <p:spPr>
+          <a:xfrm>
+            <a:off x="2538270" y="2836232"/>
+            <a:ext cx="3528392" cy="3672408"/>
+          </a:xfrm>
+          <a:prstGeom prst="rect">
+            <a:avLst/>
+          </a:prstGeom>
+        </p:spPr>
+      </p:pic>
+      <p:pic>
+        <p:nvPicPr>
+          <p:cNvPr id="8" name="Picture 7" descr="A screenshot of a computer&#10;&#10;Description automatically generated with low confidence">
+            <a:extLst>
+              <a:ext uri="{FF2B5EF4-FFF2-40B4-BE49-F238E27FC236}">
+                <a16:creationId xmlns:a16="http://schemas.microsoft.com/office/drawing/2014/main" id="{AD6C69A8-E06D-7B00-9FFB-43C0F809219C}"/>
+              </a:ext>
+            </a:extLst>
+          </p:cNvPr>
+          <p:cNvPicPr>
+            <a:picLocks noChangeAspect="1"/>
+          </p:cNvPicPr>
+          <p:nvPr/>
+        </p:nvPicPr>
+        <p:blipFill rotWithShape="1">
+          <a:blip r:embed="rId3">
+            <a:extLst>
+              <a:ext uri="{28A0092B-C50C-407E-A947-70E740481C1C}">
+                <a14:useLocalDpi xmlns:a14="http://schemas.microsoft.com/office/drawing/2010/main" val="0"/>
+              </a:ext>
+            </a:extLst>
+          </a:blip>
+          <a:srcRect l="7356" t="1311" r="22023" b="23197"/>
+          <a:stretch/>
+        </p:blipFill>
+        <p:spPr>
+          <a:xfrm>
+            <a:off x="-3770684" y="2858164"/>
+            <a:ext cx="3456384" cy="3672408"/>
+          </a:xfrm>
+          <a:prstGeom prst="rect">
+            <a:avLst/>
+          </a:prstGeom>
+        </p:spPr>
+      </p:pic>
+      <p:pic>
+        <p:nvPicPr>
+          <p:cNvPr id="3" name="Picture 2">
+            <a:extLst>
+              <a:ext uri="{FF2B5EF4-FFF2-40B4-BE49-F238E27FC236}">
+                <a16:creationId xmlns:a16="http://schemas.microsoft.com/office/drawing/2014/main" id="{933EC7DF-520E-AE79-3468-5B4B0BF18C5B}"/>
+              </a:ext>
+            </a:extLst>
+          </p:cNvPr>
+          <p:cNvPicPr>
+            <a:picLocks noChangeAspect="1"/>
+          </p:cNvPicPr>
+          <p:nvPr/>
+        </p:nvPicPr>
+        <p:blipFill rotWithShape="1">
+          <a:blip r:embed="rId4">
+            <a:extLst>
+              <a:ext uri="{28A0092B-C50C-407E-A947-70E740481C1C}">
+                <a14:useLocalDpi xmlns:a14="http://schemas.microsoft.com/office/drawing/2010/main" val="0"/>
+              </a:ext>
+            </a:extLst>
+          </a:blip>
+          <a:srcRect l="7363" t="1550" r="21955" b="21620"/>
+          <a:stretch/>
+        </p:blipFill>
+        <p:spPr>
+          <a:xfrm>
+            <a:off x="6902585" y="2836232"/>
+            <a:ext cx="3456384" cy="3672408"/>
+          </a:xfrm>
+          <a:prstGeom prst="rect">
+            <a:avLst/>
+          </a:prstGeom>
+        </p:spPr>
+      </p:pic>
+    </p:spTree>
+    <p:extLst>
+      <p:ext uri="{BB962C8B-B14F-4D97-AF65-F5344CB8AC3E}">
+        <p14:creationId xmlns:p14="http://schemas.microsoft.com/office/powerpoint/2010/main" val="524568551"/>
+      </p:ext>
+    </p:extLst>
+  </p:cSld>
+  <p:clrMapOvr>
+    <a:masterClrMapping/>
+  </p:clrMapOvr>
+  <mc:AlternateContent xmlns:mc="http://schemas.openxmlformats.org/markup-compatibility/2006" xmlns:p159="http://schemas.microsoft.com/office/powerpoint/2015/09/main">
+    <mc:Choice Requires="p159">
+      <p:transition xmlns:p14="http://schemas.microsoft.com/office/powerpoint/2010/main" spd="slow" p14:dur="2000">
+        <p159:morph option="byObject"/>
+      </p:transition>
+    </mc:Choice>
+    <mc:Fallback xmlns="">
+      <p:transition spd="slow">
         <p:fade/>
       </p:transition>
     </mc:Fallback>
@@ -11763,147 +13987,6 @@
       </p:grpSpPr>
       <p:sp>
         <p:nvSpPr>
-          <p:cNvPr id="2" name="Titolo 1">
-            <a:extLst>
-              <a:ext uri="{FF2B5EF4-FFF2-40B4-BE49-F238E27FC236}">
-                <a16:creationId xmlns:a16="http://schemas.microsoft.com/office/drawing/2014/main" id="{679DA5B8-9AEC-B468-E348-C87E5A25DBC4}"/>
-              </a:ext>
-            </a:extLst>
-          </p:cNvPr>
-          <p:cNvSpPr>
-            <a:spLocks noGrp="1"/>
-          </p:cNvSpPr>
-          <p:nvPr>
-            <p:ph type="title"/>
-          </p:nvPr>
-        </p:nvSpPr>
-        <p:spPr/>
-        <p:txBody>
-          <a:bodyPr/>
-          <a:lstStyle/>
-          <a:p>
-            <a:r>
-              <a:rPr lang="it-IT" dirty="0"/>
-              <a:t>Conclusioni speed-up 1° soluzione</a:t>
-            </a:r>
-            <a:br>
-              <a:rPr lang="it-IT" dirty="0"/>
-            </a:br>
-            <a:r>
-              <a:rPr lang="it-IT" dirty="0"/>
-              <a:t>(1 slide per conclusione sul perché)</a:t>
-            </a:r>
-          </a:p>
-        </p:txBody>
-      </p:sp>
-      <p:sp>
-        <p:nvSpPr>
-          <p:cNvPr id="3" name="Segnaposto contenuto 2">
-            <a:extLst>
-              <a:ext uri="{FF2B5EF4-FFF2-40B4-BE49-F238E27FC236}">
-                <a16:creationId xmlns:a16="http://schemas.microsoft.com/office/drawing/2014/main" id="{D116DC1A-24AC-DD18-33BF-856ADA78A6B2}"/>
-              </a:ext>
-            </a:extLst>
-          </p:cNvPr>
-          <p:cNvSpPr>
-            <a:spLocks noGrp="1"/>
-          </p:cNvSpPr>
-          <p:nvPr>
-            <p:ph idx="1"/>
-          </p:nvPr>
-        </p:nvSpPr>
-        <p:spPr/>
-        <p:txBody>
-          <a:bodyPr/>
-          <a:lstStyle/>
-          <a:p>
-            <a:r>
-              <a:rPr lang="it-IT" dirty="0"/>
-              <a:t>Correlazione positiva tra </a:t>
-            </a:r>
-            <a:r>
-              <a:rPr lang="en-US" dirty="0" err="1"/>
-              <a:t>speeed</a:t>
-            </a:r>
-            <a:r>
-              <a:rPr lang="it-IT" dirty="0"/>
-              <a:t>-up e carico di lavoro</a:t>
-            </a:r>
-          </a:p>
-          <a:p>
-            <a:pPr lvl="1"/>
-            <a:r>
-              <a:rPr lang="it-IT" dirty="0"/>
-              <a:t>Nota su cache miss/hit</a:t>
-            </a:r>
-          </a:p>
-          <a:p>
-            <a:r>
-              <a:rPr lang="it-IT" dirty="0"/>
-              <a:t>Analisi tempo di esecuzione al crescere del # di </a:t>
-            </a:r>
-            <a:r>
-              <a:rPr lang="en-US" dirty="0"/>
-              <a:t>threads</a:t>
-            </a:r>
-          </a:p>
-          <a:p>
-            <a:r>
-              <a:rPr lang="it-IT" dirty="0"/>
-              <a:t>Shift verso destra del picco di </a:t>
-            </a:r>
-            <a:r>
-              <a:rPr lang="it-IT" dirty="0" err="1"/>
-              <a:t>speedup</a:t>
-            </a:r>
-            <a:endParaRPr lang="it-IT" dirty="0"/>
-          </a:p>
-        </p:txBody>
-      </p:sp>
-    </p:spTree>
-    <p:extLst>
-      <p:ext uri="{BB962C8B-B14F-4D97-AF65-F5344CB8AC3E}">
-        <p14:creationId xmlns:p14="http://schemas.microsoft.com/office/powerpoint/2010/main" val="751869086"/>
-      </p:ext>
-    </p:extLst>
-  </p:cSld>
-  <p:clrMapOvr>
-    <a:masterClrMapping/>
-  </p:clrMapOvr>
-  <mc:AlternateContent xmlns:mc="http://schemas.openxmlformats.org/markup-compatibility/2006" xmlns:p14="http://schemas.microsoft.com/office/powerpoint/2010/main">
-    <mc:Choice Requires="p14">
-      <p:transition spd="med" p14:dur="700">
-        <p:fade/>
-      </p:transition>
-    </mc:Choice>
-    <mc:Fallback xmlns="">
-      <p:transition spd="med">
-        <p:fade/>
-      </p:transition>
-    </mc:Fallback>
-  </mc:AlternateContent>
-</p:sld>
-</file>
-
-<file path=ppt/slides/slide6.xml><?xml version="1.0" encoding="utf-8"?>
-<p:sld xmlns:a="http://schemas.openxmlformats.org/drawingml/2006/main" xmlns:r="http://schemas.openxmlformats.org/officeDocument/2006/relationships" xmlns:p="http://schemas.openxmlformats.org/presentationml/2006/main">
-  <p:cSld>
-    <p:spTree>
-      <p:nvGrpSpPr>
-        <p:cNvPr id="1" name=""/>
-        <p:cNvGrpSpPr/>
-        <p:nvPr/>
-      </p:nvGrpSpPr>
-      <p:grpSpPr>
-        <a:xfrm>
-          <a:off x="0" y="0"/>
-          <a:ext cx="0" cy="0"/>
-          <a:chOff x="0" y="0"/>
-          <a:chExt cx="0" cy="0"/>
-        </a:xfrm>
-      </p:grpSpPr>
-      <p:sp>
-        <p:nvSpPr>
           <p:cNvPr id="2" name="Title 1">
             <a:extLst>
               <a:ext uri="{FF2B5EF4-FFF2-40B4-BE49-F238E27FC236}">
@@ -11998,7 +14081,7 @@
 </p:sld>
 </file>
 
-<file path=ppt/slides/slide7.xml><?xml version="1.0" encoding="utf-8"?>
+<file path=ppt/slides/slide6.xml><?xml version="1.0" encoding="utf-8"?>
 <p:sld xmlns:a="http://schemas.openxmlformats.org/drawingml/2006/main" xmlns:r="http://schemas.openxmlformats.org/officeDocument/2006/relationships" xmlns:p="http://schemas.openxmlformats.org/presentationml/2006/main">
   <p:cSld>
     <p:spTree>
@@ -12074,22 +14157,34 @@
         </p:spPr>
         <p:txBody>
           <a:bodyPr>
-            <a:normAutofit/>
+            <a:normAutofit lnSpcReduction="10000"/>
           </a:bodyPr>
           <a:lstStyle/>
           <a:p>
+            <a:pPr marL="514350" indent="-514350">
+              <a:buFont typeface="+mj-lt"/>
+              <a:buAutoNum type="arabicPeriod"/>
+            </a:pPr>
             <a:r>
               <a:rPr lang="en-US" dirty="0"/>
               <a:t>With a small dataset, increasing the number of threads reduces the speedup</a:t>
             </a:r>
           </a:p>
           <a:p>
+            <a:pPr marL="514350" indent="-514350">
+              <a:buFont typeface="+mj-lt"/>
+              <a:buAutoNum type="arabicPeriod"/>
+            </a:pPr>
             <a:r>
               <a:rPr lang="en-US" dirty="0"/>
-              <a:t>With larger datasets, increasing the number of threads yields an improved speedup with progressively diminishing returns</a:t>
-            </a:r>
-          </a:p>
-          <a:p>
+              <a:t>With larger datasets, increasing the number of threads yields an improved speedup with progressively diminishing returns until a threshold</a:t>
+            </a:r>
+          </a:p>
+          <a:p>
+            <a:pPr marL="514350" indent="-514350">
+              <a:buFont typeface="+mj-lt"/>
+              <a:buAutoNum type="arabicPeriod"/>
+            </a:pPr>
             <a:r>
               <a:rPr lang="en-US" dirty="0"/>
               <a:t>With a larger dataset the speedup increases</a:t>
@@ -12156,7 +14251,7 @@
 </p:sld>
 </file>
 
-<file path=ppt/slides/slide8.xml><?xml version="1.0" encoding="utf-8"?>
+<file path=ppt/slides/slide7.xml><?xml version="1.0" encoding="utf-8"?>
 <p:sld xmlns:a="http://schemas.openxmlformats.org/drawingml/2006/main" xmlns:r="http://schemas.openxmlformats.org/officeDocument/2006/relationships" xmlns:p="http://schemas.openxmlformats.org/presentationml/2006/main">
   <p:cSld>
     <p:spTree>
@@ -12198,7 +14293,7 @@
           <a:p>
             <a:r>
               <a:rPr lang="en-US" dirty="0"/>
-              <a:t>With a small dataset, increasing the number of threads reduces the speedup</a:t>
+              <a:t>1. With a small dataset, increasing the number of threads reduces the speedup</a:t>
             </a:r>
             <a:endParaRPr lang="it-IT" dirty="0"/>
           </a:p>
@@ -12220,9 +14315,14 @@
             <p:ph idx="1"/>
           </p:nvPr>
         </p:nvSpPr>
-        <p:spPr/>
+        <p:spPr>
+          <a:xfrm>
+            <a:off x="914161" y="1498600"/>
+            <a:ext cx="10360501" cy="4666704"/>
+          </a:xfrm>
+        </p:spPr>
         <p:txBody>
-          <a:bodyPr/>
+          <a:bodyPr anchor="ctr"/>
           <a:lstStyle/>
           <a:p>
             <a:r>
@@ -12256,6 +14356,167 @@
     <p:extLst>
       <p:ext uri="{BB962C8B-B14F-4D97-AF65-F5344CB8AC3E}">
         <p14:creationId xmlns:p14="http://schemas.microsoft.com/office/powerpoint/2010/main" val="2469936493"/>
+      </p:ext>
+    </p:extLst>
+  </p:cSld>
+  <p:clrMapOvr>
+    <a:masterClrMapping/>
+  </p:clrMapOvr>
+  <mc:AlternateContent xmlns:mc="http://schemas.openxmlformats.org/markup-compatibility/2006" xmlns:p14="http://schemas.microsoft.com/office/powerpoint/2010/main">
+    <mc:Choice Requires="p14">
+      <p:transition spd="med" p14:dur="700">
+        <p:fade/>
+      </p:transition>
+    </mc:Choice>
+    <mc:Fallback xmlns="">
+      <p:transition spd="med">
+        <p:fade/>
+      </p:transition>
+    </mc:Fallback>
+  </mc:AlternateContent>
+</p:sld>
+</file>
+
+<file path=ppt/slides/slide8.xml><?xml version="1.0" encoding="utf-8"?>
+<p:sld xmlns:a="http://schemas.openxmlformats.org/drawingml/2006/main" xmlns:r="http://schemas.openxmlformats.org/officeDocument/2006/relationships" xmlns:p="http://schemas.openxmlformats.org/presentationml/2006/main">
+  <p:cSld>
+    <p:spTree>
+      <p:nvGrpSpPr>
+        <p:cNvPr id="1" name=""/>
+        <p:cNvGrpSpPr/>
+        <p:nvPr/>
+      </p:nvGrpSpPr>
+      <p:grpSpPr>
+        <a:xfrm>
+          <a:off x="0" y="0"/>
+          <a:ext cx="0" cy="0"/>
+          <a:chOff x="0" y="0"/>
+          <a:chExt cx="0" cy="0"/>
+        </a:xfrm>
+      </p:grpSpPr>
+      <p:sp>
+        <p:nvSpPr>
+          <p:cNvPr id="2" name="Title 1">
+            <a:extLst>
+              <a:ext uri="{FF2B5EF4-FFF2-40B4-BE49-F238E27FC236}">
+                <a16:creationId xmlns:a16="http://schemas.microsoft.com/office/drawing/2014/main" id="{727EEB90-4CC2-88BA-9586-4859C922BF90}"/>
+              </a:ext>
+            </a:extLst>
+          </p:cNvPr>
+          <p:cNvSpPr>
+            <a:spLocks noGrp="1"/>
+          </p:cNvSpPr>
+          <p:nvPr>
+            <p:ph type="title"/>
+          </p:nvPr>
+        </p:nvSpPr>
+        <p:spPr>
+          <a:xfrm>
+            <a:off x="1218883" y="274637"/>
+            <a:ext cx="10360501" cy="1354163"/>
+          </a:xfrm>
+        </p:spPr>
+        <p:txBody>
+          <a:bodyPr>
+            <a:normAutofit fontScale="90000"/>
+          </a:bodyPr>
+          <a:lstStyle/>
+          <a:p>
+            <a:r>
+              <a:rPr lang="en-US" dirty="0"/>
+              <a:t>2. With larger datasets, increasing the number of threads yields an improved speedup with progressively diminishing returns until a threshold</a:t>
+            </a:r>
+            <a:endParaRPr lang="it-IT" dirty="0"/>
+          </a:p>
+        </p:txBody>
+      </p:sp>
+      <p:sp>
+        <p:nvSpPr>
+          <p:cNvPr id="4" name="Content Placeholder 3">
+            <a:extLst>
+              <a:ext uri="{FF2B5EF4-FFF2-40B4-BE49-F238E27FC236}">
+                <a16:creationId xmlns:a16="http://schemas.microsoft.com/office/drawing/2014/main" id="{560B149B-502D-DE9B-1551-B33B86FD5FD6}"/>
+              </a:ext>
+            </a:extLst>
+          </p:cNvPr>
+          <p:cNvSpPr>
+            <a:spLocks noGrp="1"/>
+          </p:cNvSpPr>
+          <p:nvPr>
+            <p:ph sz="half" idx="2"/>
+          </p:nvPr>
+        </p:nvSpPr>
+        <p:spPr>
+          <a:xfrm>
+            <a:off x="909837" y="1844823"/>
+            <a:ext cx="10669548" cy="4536505"/>
+          </a:xfrm>
+        </p:spPr>
+        <p:txBody>
+          <a:bodyPr anchor="ctr">
+            <a:normAutofit/>
+          </a:bodyPr>
+          <a:lstStyle/>
+          <a:p>
+            <a:r>
+              <a:rPr lang="en-US" dirty="0"/>
+              <a:t>With larger datasets, dividing the work among more threads is much more beneficial than the overhead introduced.</a:t>
+            </a:r>
+          </a:p>
+          <a:p>
+            <a:r>
+              <a:rPr lang="en-US" dirty="0"/>
+              <a:t>For example, considering 10M points dataset, doubling the number of threads from 8 to 16 brings an average execution time </a:t>
+            </a:r>
+            <a:r>
+              <a:rPr lang="en-US" b="1" dirty="0">
+                <a:solidFill>
+                  <a:schemeClr val="accent5"/>
+                </a:solidFill>
+              </a:rPr>
+              <a:t>from 212ms to 137ms</a:t>
+            </a:r>
+            <a:r>
+              <a:rPr lang="en-US" dirty="0"/>
+              <a:t>. Meanwhile the overhead only increases </a:t>
+            </a:r>
+            <a:r>
+              <a:rPr lang="en-US" b="1" dirty="0">
+                <a:solidFill>
+                  <a:schemeClr val="accent5"/>
+                </a:solidFill>
+              </a:rPr>
+              <a:t>from 26ms to 49ms</a:t>
+            </a:r>
+            <a:r>
+              <a:rPr lang="en-US" dirty="0"/>
+              <a:t>. Therefore the total iteration time is reduced </a:t>
+            </a:r>
+            <a:r>
+              <a:rPr lang="en-US" b="1" dirty="0"/>
+              <a:t>from </a:t>
+            </a:r>
+            <a:r>
+              <a:rPr lang="en-US" b="1" dirty="0">
+                <a:solidFill>
+                  <a:schemeClr val="accent5"/>
+                </a:solidFill>
+              </a:rPr>
+              <a:t>239ms to 186ms.</a:t>
+            </a:r>
+          </a:p>
+          <a:p>
+            <a:r>
+              <a:rPr lang="en-US" dirty="0"/>
+              <a:t>To observe a substantial reduction in performance due to overhead, we must increase a lot the number of threads or consider much smaller datasets.</a:t>
+            </a:r>
+          </a:p>
+        </p:txBody>
+      </p:sp>
+    </p:spTree>
+    <p:extLst>
+      <p:ext uri="{BB962C8B-B14F-4D97-AF65-F5344CB8AC3E}">
+        <p14:creationId xmlns:p14="http://schemas.microsoft.com/office/powerpoint/2010/main" val="2323699758"/>
       </p:ext>
     </p:extLst>
   </p:cSld>
@@ -12313,7 +14574,7 @@
         <p:spPr>
           <a:xfrm>
             <a:off x="1218883" y="274637"/>
-            <a:ext cx="10360501" cy="1138139"/>
+            <a:ext cx="10360501" cy="1354163"/>
           </a:xfrm>
         </p:spPr>
         <p:txBody>
@@ -12324,7 +14585,7 @@
           <a:p>
             <a:r>
               <a:rPr lang="en-US" dirty="0"/>
-              <a:t>With larger datasets, increasing the number of threads yields an improved speedup with progressively diminishing returns</a:t>
+              <a:t>2. With larger datasets, increasing the number of threads yields an improved speedup with progressively diminishing returns until a threshold</a:t>
             </a:r>
             <a:endParaRPr lang="it-IT" dirty="0"/>
           </a:p>
@@ -12332,71 +14593,288 @@
       </p:sp>
       <p:sp>
         <p:nvSpPr>
-          <p:cNvPr id="4" name="Content Placeholder 3">
+          <p:cNvPr id="3" name="Content Placeholder 3">
             <a:extLst>
               <a:ext uri="{FF2B5EF4-FFF2-40B4-BE49-F238E27FC236}">
-                <a16:creationId xmlns:a16="http://schemas.microsoft.com/office/drawing/2014/main" id="{560B149B-502D-DE9B-1551-B33B86FD5FD6}"/>
+                <a16:creationId xmlns:a16="http://schemas.microsoft.com/office/drawing/2014/main" id="{7A529EB5-A585-AC5F-6DE2-AF35E915AC4A}"/>
               </a:ext>
             </a:extLst>
           </p:cNvPr>
-          <p:cNvSpPr>
-            <a:spLocks noGrp="1"/>
+          <p:cNvSpPr txBox="1">
+            <a:spLocks/>
           </p:cNvSpPr>
-          <p:nvPr>
-            <p:ph sz="half" idx="2"/>
-          </p:nvPr>
+          <p:nvPr/>
         </p:nvSpPr>
         <p:spPr>
           <a:xfrm>
-            <a:off x="909837" y="1844824"/>
-            <a:ext cx="10669548" cy="4327376"/>
+            <a:off x="6238428" y="1772816"/>
+            <a:ext cx="5400599" cy="4327376"/>
           </a:xfrm>
+          <a:prstGeom prst="rect">
+            <a:avLst/>
+          </a:prstGeom>
         </p:spPr>
         <p:txBody>
-          <a:bodyPr>
+          <a:bodyPr vert="horz" lIns="121899" tIns="60949" rIns="121899" bIns="60949" rtlCol="0">
             <a:normAutofit/>
           </a:bodyPr>
-          <a:lstStyle/>
-          <a:p>
-            <a:r>
-              <a:rPr lang="en-US" dirty="0"/>
-              <a:t>This phenomenon happens because increasing the number of threads decreases the amount of work for threads</a:t>
-            </a:r>
-          </a:p>
-          <a:p>
-            <a:r>
-              <a:rPr lang="en-US" dirty="0"/>
-              <a:t>when the last thread begins its work, the first ones are almost done, which means that less work is done in parallel</a:t>
-            </a:r>
-          </a:p>
-          <a:p>
-            <a:r>
-              <a:rPr lang="en-US" dirty="0"/>
-              <a:t>Because of this we reach a maximum threshold of threads working in parallel</a:t>
-            </a:r>
-          </a:p>
+          <a:lstStyle>
+            <a:lvl1pPr marL="304747" indent="-304747" algn="l" defTabSz="1218987" rtl="0" eaLnBrk="1" latinLnBrk="0" hangingPunct="1">
+              <a:lnSpc>
+                <a:spcPct val="90000"/>
+              </a:lnSpc>
+              <a:spcBef>
+                <a:spcPts val="1600"/>
+              </a:spcBef>
+              <a:buClr>
+                <a:schemeClr val="accent1"/>
+              </a:buClr>
+              <a:buSzPct val="100000"/>
+              <a:buFont typeface="Arial" pitchFamily="34" charset="0"/>
+              <a:buChar char="•"/>
+              <a:defRPr sz="2800" kern="1200">
+                <a:solidFill>
+                  <a:schemeClr val="tx1"/>
+                </a:solidFill>
+                <a:latin typeface="+mn-lt"/>
+                <a:ea typeface="+mn-ea"/>
+                <a:cs typeface="+mn-cs"/>
+              </a:defRPr>
+            </a:lvl1pPr>
+            <a:lvl2pPr marL="609493" indent="-231607" algn="l" defTabSz="1218987" rtl="0" eaLnBrk="1" latinLnBrk="0" hangingPunct="1">
+              <a:lnSpc>
+                <a:spcPct val="90000"/>
+              </a:lnSpc>
+              <a:spcBef>
+                <a:spcPts val="800"/>
+              </a:spcBef>
+              <a:buClr>
+                <a:schemeClr val="accent1"/>
+              </a:buClr>
+              <a:buSzPct val="80000"/>
+              <a:buFont typeface="Arial" pitchFamily="34" charset="0"/>
+              <a:buChar char="•"/>
+              <a:defRPr sz="2400" kern="1200">
+                <a:solidFill>
+                  <a:schemeClr val="tx1"/>
+                </a:solidFill>
+                <a:latin typeface="+mn-lt"/>
+                <a:ea typeface="+mn-ea"/>
+                <a:cs typeface="+mn-cs"/>
+              </a:defRPr>
+            </a:lvl2pPr>
+            <a:lvl3pPr marL="914240" indent="-231607" algn="l" defTabSz="1218987" rtl="0" eaLnBrk="1" latinLnBrk="0" hangingPunct="1">
+              <a:lnSpc>
+                <a:spcPct val="90000"/>
+              </a:lnSpc>
+              <a:spcBef>
+                <a:spcPts val="800"/>
+              </a:spcBef>
+              <a:buClr>
+                <a:schemeClr val="accent1"/>
+              </a:buClr>
+              <a:buSzPct val="80000"/>
+              <a:buFont typeface="Arial" pitchFamily="34" charset="0"/>
+              <a:buChar char="•"/>
+              <a:defRPr sz="2000" kern="1200">
+                <a:solidFill>
+                  <a:schemeClr val="tx1"/>
+                </a:solidFill>
+                <a:latin typeface="+mn-lt"/>
+                <a:ea typeface="+mn-ea"/>
+                <a:cs typeface="+mn-cs"/>
+              </a:defRPr>
+            </a:lvl3pPr>
+            <a:lvl4pPr marL="1218987" indent="-231607" algn="l" defTabSz="1218987" rtl="0" eaLnBrk="1" latinLnBrk="0" hangingPunct="1">
+              <a:lnSpc>
+                <a:spcPct val="90000"/>
+              </a:lnSpc>
+              <a:spcBef>
+                <a:spcPts val="800"/>
+              </a:spcBef>
+              <a:buClr>
+                <a:schemeClr val="accent1"/>
+              </a:buClr>
+              <a:buSzPct val="80000"/>
+              <a:buFont typeface="Arial" pitchFamily="34" charset="0"/>
+              <a:buChar char="•"/>
+              <a:defRPr sz="2000" kern="1200">
+                <a:solidFill>
+                  <a:schemeClr val="tx1"/>
+                </a:solidFill>
+                <a:latin typeface="+mn-lt"/>
+                <a:ea typeface="+mn-ea"/>
+                <a:cs typeface="+mn-cs"/>
+              </a:defRPr>
+            </a:lvl4pPr>
+            <a:lvl5pPr marL="1523733" indent="-231607" algn="l" defTabSz="1218987" rtl="0" eaLnBrk="1" latinLnBrk="0" hangingPunct="1">
+              <a:lnSpc>
+                <a:spcPct val="90000"/>
+              </a:lnSpc>
+              <a:spcBef>
+                <a:spcPts val="800"/>
+              </a:spcBef>
+              <a:buClr>
+                <a:schemeClr val="accent1"/>
+              </a:buClr>
+              <a:buSzPct val="80000"/>
+              <a:buFont typeface="Arial" pitchFamily="34" charset="0"/>
+              <a:buChar char="•"/>
+              <a:defRPr sz="2000" kern="1200">
+                <a:solidFill>
+                  <a:schemeClr val="tx1"/>
+                </a:solidFill>
+                <a:latin typeface="+mn-lt"/>
+                <a:ea typeface="+mn-ea"/>
+                <a:cs typeface="+mn-cs"/>
+              </a:defRPr>
+            </a:lvl5pPr>
+            <a:lvl6pPr marL="1828480" indent="-231607" algn="l" defTabSz="1218987" rtl="0" eaLnBrk="1" latinLnBrk="0" hangingPunct="1">
+              <a:lnSpc>
+                <a:spcPct val="90000"/>
+              </a:lnSpc>
+              <a:spcBef>
+                <a:spcPts val="800"/>
+              </a:spcBef>
+              <a:buClr>
+                <a:schemeClr val="accent1"/>
+              </a:buClr>
+              <a:buSzPct val="80000"/>
+              <a:buFont typeface="Arial" pitchFamily="34" charset="0"/>
+              <a:buChar char="•"/>
+              <a:defRPr sz="2000" kern="1200">
+                <a:solidFill>
+                  <a:schemeClr val="tx1"/>
+                </a:solidFill>
+                <a:latin typeface="+mn-lt"/>
+                <a:ea typeface="+mn-ea"/>
+                <a:cs typeface="+mn-cs"/>
+              </a:defRPr>
+            </a:lvl6pPr>
+            <a:lvl7pPr marL="2133227" indent="-231607" algn="l" defTabSz="1218987" rtl="0" eaLnBrk="1" latinLnBrk="0" hangingPunct="1">
+              <a:lnSpc>
+                <a:spcPct val="90000"/>
+              </a:lnSpc>
+              <a:spcBef>
+                <a:spcPts val="800"/>
+              </a:spcBef>
+              <a:buClr>
+                <a:schemeClr val="accent1"/>
+              </a:buClr>
+              <a:buSzPct val="80000"/>
+              <a:buFont typeface="Arial" pitchFamily="34" charset="0"/>
+              <a:buChar char="•"/>
+              <a:defRPr sz="2000" kern="1200">
+                <a:solidFill>
+                  <a:schemeClr val="tx1"/>
+                </a:solidFill>
+                <a:latin typeface="+mn-lt"/>
+                <a:ea typeface="+mn-ea"/>
+                <a:cs typeface="+mn-cs"/>
+              </a:defRPr>
+            </a:lvl7pPr>
+            <a:lvl8pPr marL="2437973" indent="-231607" algn="l" defTabSz="1218987" rtl="0" eaLnBrk="1" latinLnBrk="0" hangingPunct="1">
+              <a:lnSpc>
+                <a:spcPct val="90000"/>
+              </a:lnSpc>
+              <a:spcBef>
+                <a:spcPts val="800"/>
+              </a:spcBef>
+              <a:buClr>
+                <a:schemeClr val="accent1"/>
+              </a:buClr>
+              <a:buSzPct val="80000"/>
+              <a:buFont typeface="Arial" pitchFamily="34" charset="0"/>
+              <a:buChar char="•"/>
+              <a:defRPr sz="2000" kern="1200" baseline="0">
+                <a:solidFill>
+                  <a:schemeClr val="tx1"/>
+                </a:solidFill>
+                <a:latin typeface="+mn-lt"/>
+                <a:ea typeface="+mn-ea"/>
+                <a:cs typeface="+mn-cs"/>
+              </a:defRPr>
+            </a:lvl8pPr>
+            <a:lvl9pPr marL="2742720" indent="-231607" algn="l" defTabSz="1218987" rtl="0" eaLnBrk="1" latinLnBrk="0" hangingPunct="1">
+              <a:lnSpc>
+                <a:spcPct val="90000"/>
+              </a:lnSpc>
+              <a:spcBef>
+                <a:spcPts val="800"/>
+              </a:spcBef>
+              <a:buClr>
+                <a:schemeClr val="accent1"/>
+              </a:buClr>
+              <a:buSzPct val="80000"/>
+              <a:buFont typeface="Arial" pitchFamily="34" charset="0"/>
+              <a:buChar char="•"/>
+              <a:defRPr sz="2000" kern="1200" baseline="0">
+                <a:solidFill>
+                  <a:schemeClr val="tx1"/>
+                </a:solidFill>
+                <a:latin typeface="+mn-lt"/>
+                <a:ea typeface="+mn-ea"/>
+                <a:cs typeface="+mn-cs"/>
+              </a:defRPr>
+            </a:lvl9pPr>
+          </a:lstStyle>
           <a:p>
             <a:endParaRPr lang="en-US" dirty="0"/>
           </a:p>
         </p:txBody>
       </p:sp>
+      <p:pic>
+        <p:nvPicPr>
+          <p:cNvPr id="10" name="Picture 9" descr="A screenshot of a computer&#10;&#10;Description automatically generated with medium confidence">
+            <a:extLst>
+              <a:ext uri="{FF2B5EF4-FFF2-40B4-BE49-F238E27FC236}">
+                <a16:creationId xmlns:a16="http://schemas.microsoft.com/office/drawing/2014/main" id="{696C82B1-7768-D4DC-B83B-890FF6C9FCDD}"/>
+              </a:ext>
+            </a:extLst>
+          </p:cNvPr>
+          <p:cNvPicPr>
+            <a:picLocks noChangeAspect="1"/>
+          </p:cNvPicPr>
+          <p:nvPr/>
+        </p:nvPicPr>
+        <p:blipFill rotWithShape="1">
+          <a:blip r:embed="rId2" cstate="print">
+            <a:extLst>
+              <a:ext uri="{28A0092B-C50C-407E-A947-70E740481C1C}">
+                <a14:useLocalDpi xmlns:a14="http://schemas.microsoft.com/office/drawing/2010/main" val="0"/>
+              </a:ext>
+            </a:extLst>
+          </a:blip>
+          <a:srcRect l="12192" t="10089" r="6283" b="50382"/>
+          <a:stretch/>
+        </p:blipFill>
+        <p:spPr>
+          <a:xfrm>
+            <a:off x="285710" y="2276872"/>
+            <a:ext cx="11617403" cy="3168352"/>
+          </a:xfrm>
+          <a:prstGeom prst="rect">
+            <a:avLst/>
+          </a:prstGeom>
+        </p:spPr>
+      </p:pic>
     </p:spTree>
     <p:extLst>
       <p:ext uri="{BB962C8B-B14F-4D97-AF65-F5344CB8AC3E}">
-        <p14:creationId xmlns:p14="http://schemas.microsoft.com/office/powerpoint/2010/main" val="2323699758"/>
+        <p14:creationId xmlns:p14="http://schemas.microsoft.com/office/powerpoint/2010/main" val="3288884802"/>
       </p:ext>
     </p:extLst>
   </p:cSld>
   <p:clrMapOvr>
     <a:masterClrMapping/>
   </p:clrMapOvr>
-  <mc:AlternateContent xmlns:mc="http://schemas.openxmlformats.org/markup-compatibility/2006" xmlns:p14="http://schemas.microsoft.com/office/powerpoint/2010/main">
-    <mc:Choice Requires="p14">
+  <mc:AlternateContent xmlns:mc="http://schemas.openxmlformats.org/markup-compatibility/2006">
+    <mc:Choice xmlns:p14="http://schemas.microsoft.com/office/powerpoint/2010/main" Requires="p14">
       <p:transition spd="med" p14:dur="700">
         <p:fade/>
       </p:transition>
     </mc:Choice>
-    <mc:Fallback xmlns="">
+    <mc:Fallback>
       <p:transition spd="med">
         <p:fade/>
       </p:transition>
@@ -13356,6 +15834,151 @@
 </file>
 
 <file path=customXml/item1.xml><?xml version="1.0" encoding="utf-8"?>
+<?mso-contentType ?>
+<FormTemplates xmlns="http://schemas.microsoft.com/sharepoint/v3/contenttype/forms">
+  <Display>DocumentLibraryForm</Display>
+  <Edit>AssetEditForm</Edit>
+  <New>DocumentLibraryForm</New>
+</FormTemplates>
+</file>
+
+<file path=customXml/item2.xml><?xml version="1.0" encoding="utf-8"?>
+<p:properties xmlns:p="http://schemas.microsoft.com/office/2006/metadata/properties" xmlns:xsi="http://www.w3.org/2001/XMLSchema-instance" xmlns:pc="http://schemas.microsoft.com/office/infopath/2007/PartnerControls">
+  <documentManagement>
+    <LocPublishedLinkedAssetsLookup xmlns="4873beb7-5857-4685-be1f-d57550cc96cc" xsi:nil="true"/>
+    <ApprovalStatus xmlns="4873beb7-5857-4685-be1f-d57550cc96cc">InProgress</ApprovalStatus>
+    <MarketSpecific xmlns="4873beb7-5857-4685-be1f-d57550cc96cc">false</MarketSpecific>
+    <LocComments xmlns="4873beb7-5857-4685-be1f-d57550cc96cc" xsi:nil="true"/>
+    <LocLastLocAttemptVersionTypeLookup xmlns="4873beb7-5857-4685-be1f-d57550cc96cc" xsi:nil="true"/>
+    <DirectSourceMarket xmlns="4873beb7-5857-4685-be1f-d57550cc96cc" xsi:nil="true"/>
+    <ThumbnailAssetId xmlns="4873beb7-5857-4685-be1f-d57550cc96cc" xsi:nil="true"/>
+    <PrimaryImageGen xmlns="4873beb7-5857-4685-be1f-d57550cc96cc">false</PrimaryImageGen>
+    <LocNewPublishedVersionLookup xmlns="4873beb7-5857-4685-be1f-d57550cc96cc" xsi:nil="true"/>
+    <LegacyData xmlns="4873beb7-5857-4685-be1f-d57550cc96cc" xsi:nil="true"/>
+    <LocRecommendedHandoff xmlns="4873beb7-5857-4685-be1f-d57550cc96cc" xsi:nil="true"/>
+    <BusinessGroup xmlns="4873beb7-5857-4685-be1f-d57550cc96cc" xsi:nil="true"/>
+    <BlockPublish xmlns="4873beb7-5857-4685-be1f-d57550cc96cc">false</BlockPublish>
+    <TPFriendlyName xmlns="4873beb7-5857-4685-be1f-d57550cc96cc" xsi:nil="true"/>
+    <LocOverallPublishStatusLookup xmlns="4873beb7-5857-4685-be1f-d57550cc96cc" xsi:nil="true"/>
+    <NumericId xmlns="4873beb7-5857-4685-be1f-d57550cc96cc" xsi:nil="true"/>
+    <APEditor xmlns="4873beb7-5857-4685-be1f-d57550cc96cc">
+      <UserInfo>
+        <DisplayName/>
+        <AccountId xsi:nil="true"/>
+        <AccountType/>
+      </UserInfo>
+    </APEditor>
+    <SourceTitle xmlns="4873beb7-5857-4685-be1f-d57550cc96cc" xsi:nil="true"/>
+    <OpenTemplate xmlns="4873beb7-5857-4685-be1f-d57550cc96cc">true</OpenTemplate>
+    <LocOverallLocStatusLookup xmlns="4873beb7-5857-4685-be1f-d57550cc96cc" xsi:nil="true"/>
+    <UALocComments xmlns="4873beb7-5857-4685-be1f-d57550cc96cc" xsi:nil="true"/>
+    <ParentAssetId xmlns="4873beb7-5857-4685-be1f-d57550cc96cc" xsi:nil="true"/>
+    <IntlLangReviewDate xmlns="4873beb7-5857-4685-be1f-d57550cc96cc" xsi:nil="true"/>
+    <FeatureTagsTaxHTField0 xmlns="4873beb7-5857-4685-be1f-d57550cc96cc">
+      <Terms xmlns="http://schemas.microsoft.com/office/infopath/2007/PartnerControls"/>
+    </FeatureTagsTaxHTField0>
+    <PublishStatusLookup xmlns="4873beb7-5857-4685-be1f-d57550cc96cc">
+      <Value>1345093</Value>
+    </PublishStatusLookup>
+    <Providers xmlns="4873beb7-5857-4685-be1f-d57550cc96cc" xsi:nil="true"/>
+    <MachineTranslated xmlns="4873beb7-5857-4685-be1f-d57550cc96cc">false</MachineTranslated>
+    <OriginalSourceMarket xmlns="4873beb7-5857-4685-be1f-d57550cc96cc" xsi:nil="true"/>
+    <APDescription xmlns="4873beb7-5857-4685-be1f-d57550cc96cc">This simple template design works for technology and  businesses, but it's versatile enough to use in other contexts.  It features multiple slide layouts designed for widescreen (16x9 resolution) and includes a sample SmartArt list and chart that are easily editable.</APDescription>
+    <ClipArtFilename xmlns="4873beb7-5857-4685-be1f-d57550cc96cc" xsi:nil="true"/>
+    <ContentItem xmlns="4873beb7-5857-4685-be1f-d57550cc96cc" xsi:nil="true"/>
+    <TPInstallLocation xmlns="4873beb7-5857-4685-be1f-d57550cc96cc" xsi:nil="true"/>
+    <PublishTargets xmlns="4873beb7-5857-4685-be1f-d57550cc96cc">OfficeOnlineVNext</PublishTargets>
+    <TimesCloned xmlns="4873beb7-5857-4685-be1f-d57550cc96cc" xsi:nil="true"/>
+    <AssetStart xmlns="4873beb7-5857-4685-be1f-d57550cc96cc">2011-11-26T00:30:00+00:00</AssetStart>
+    <Provider xmlns="4873beb7-5857-4685-be1f-d57550cc96cc" xsi:nil="true"/>
+    <AcquiredFrom xmlns="4873beb7-5857-4685-be1f-d57550cc96cc">Internal MS</AcquiredFrom>
+    <FriendlyTitle xmlns="4873beb7-5857-4685-be1f-d57550cc96cc" xsi:nil="true"/>
+    <LastHandOff xmlns="4873beb7-5857-4685-be1f-d57550cc96cc" xsi:nil="true"/>
+    <TPClientViewer xmlns="4873beb7-5857-4685-be1f-d57550cc96cc" xsi:nil="true"/>
+    <TemplateStatus xmlns="4873beb7-5857-4685-be1f-d57550cc96cc">Complete</TemplateStatus>
+    <Downloads xmlns="4873beb7-5857-4685-be1f-d57550cc96cc">0</Downloads>
+    <OOCacheId xmlns="4873beb7-5857-4685-be1f-d57550cc96cc" xsi:nil="true"/>
+    <IsDeleted xmlns="4873beb7-5857-4685-be1f-d57550cc96cc">false</IsDeleted>
+    <LocPublishedDependentAssetsLookup xmlns="4873beb7-5857-4685-be1f-d57550cc96cc" xsi:nil="true"/>
+    <TPExecutable xmlns="4873beb7-5857-4685-be1f-d57550cc96cc" xsi:nil="true"/>
+    <EditorialTags xmlns="4873beb7-5857-4685-be1f-d57550cc96cc" xsi:nil="true"/>
+    <SubmitterId xmlns="4873beb7-5857-4685-be1f-d57550cc96cc" xsi:nil="true"/>
+    <ApprovalLog xmlns="4873beb7-5857-4685-be1f-d57550cc96cc" xsi:nil="true"/>
+    <AssetType xmlns="4873beb7-5857-4685-be1f-d57550cc96cc">TP</AssetType>
+    <BugNumber xmlns="4873beb7-5857-4685-be1f-d57550cc96cc" xsi:nil="true"/>
+    <CSXSubmissionDate xmlns="4873beb7-5857-4685-be1f-d57550cc96cc" xsi:nil="true"/>
+    <CSXUpdate xmlns="4873beb7-5857-4685-be1f-d57550cc96cc">false</CSXUpdate>
+    <Milestone xmlns="4873beb7-5857-4685-be1f-d57550cc96cc" xsi:nil="true"/>
+    <RecommendationsModifier xmlns="4873beb7-5857-4685-be1f-d57550cc96cc" xsi:nil="true"/>
+    <OriginAsset xmlns="4873beb7-5857-4685-be1f-d57550cc96cc" xsi:nil="true"/>
+    <TPComponent xmlns="4873beb7-5857-4685-be1f-d57550cc96cc" xsi:nil="true"/>
+    <AssetId xmlns="4873beb7-5857-4685-be1f-d57550cc96cc">TP102787989</AssetId>
+    <IntlLocPriority xmlns="4873beb7-5857-4685-be1f-d57550cc96cc" xsi:nil="true"/>
+    <PolicheckWords xmlns="4873beb7-5857-4685-be1f-d57550cc96cc" xsi:nil="true"/>
+    <TPLaunchHelpLink xmlns="4873beb7-5857-4685-be1f-d57550cc96cc" xsi:nil="true"/>
+    <TPApplication xmlns="4873beb7-5857-4685-be1f-d57550cc96cc" xsi:nil="true"/>
+    <CrawlForDependencies xmlns="4873beb7-5857-4685-be1f-d57550cc96cc">false</CrawlForDependencies>
+    <HandoffToMSDN xmlns="4873beb7-5857-4685-be1f-d57550cc96cc" xsi:nil="true"/>
+    <PlannedPubDate xmlns="4873beb7-5857-4685-be1f-d57550cc96cc" xsi:nil="true"/>
+    <IntlLangReviewer xmlns="4873beb7-5857-4685-be1f-d57550cc96cc" xsi:nil="true"/>
+    <TrustLevel xmlns="4873beb7-5857-4685-be1f-d57550cc96cc">1 Microsoft Managed Content</TrustLevel>
+    <LocLastLocAttemptVersionLookup xmlns="4873beb7-5857-4685-be1f-d57550cc96cc">694266</LocLastLocAttemptVersionLookup>
+    <LocProcessedForHandoffsLookup xmlns="4873beb7-5857-4685-be1f-d57550cc96cc" xsi:nil="true"/>
+    <IsSearchable xmlns="4873beb7-5857-4685-be1f-d57550cc96cc">true</IsSearchable>
+    <TemplateTemplateType xmlns="4873beb7-5857-4685-be1f-d57550cc96cc">PowerPoint Presentation Template</TemplateTemplateType>
+    <CampaignTagsTaxHTField0 xmlns="4873beb7-5857-4685-be1f-d57550cc96cc">
+      <Terms xmlns="http://schemas.microsoft.com/office/infopath/2007/PartnerControls"/>
+    </CampaignTagsTaxHTField0>
+    <TPNamespace xmlns="4873beb7-5857-4685-be1f-d57550cc96cc" xsi:nil="true"/>
+    <LocOverallPreviewStatusLookup xmlns="4873beb7-5857-4685-be1f-d57550cc96cc" xsi:nil="true"/>
+    <TaxCatchAll xmlns="4873beb7-5857-4685-be1f-d57550cc96cc"/>
+    <Markets xmlns="4873beb7-5857-4685-be1f-d57550cc96cc"/>
+    <UAProjectedTotalWords xmlns="4873beb7-5857-4685-be1f-d57550cc96cc" xsi:nil="true"/>
+    <IntlLangReview xmlns="4873beb7-5857-4685-be1f-d57550cc96cc" xsi:nil="true"/>
+    <OutputCachingOn xmlns="4873beb7-5857-4685-be1f-d57550cc96cc">false</OutputCachingOn>
+    <AverageRating xmlns="4873beb7-5857-4685-be1f-d57550cc96cc" xsi:nil="true"/>
+    <APAuthor xmlns="4873beb7-5857-4685-be1f-d57550cc96cc">
+      <UserInfo>
+        <DisplayName>REDMOND\kristaa</DisplayName>
+        <AccountId>136</AccountId>
+        <AccountType/>
+      </UserInfo>
+    </APAuthor>
+    <LocManualTestRequired xmlns="4873beb7-5857-4685-be1f-d57550cc96cc">false</LocManualTestRequired>
+    <TPCommandLine xmlns="4873beb7-5857-4685-be1f-d57550cc96cc" xsi:nil="true"/>
+    <TPAppVersion xmlns="4873beb7-5857-4685-be1f-d57550cc96cc" xsi:nil="true"/>
+    <EditorialStatus xmlns="4873beb7-5857-4685-be1f-d57550cc96cc">Complete</EditorialStatus>
+    <LastModifiedDateTime xmlns="4873beb7-5857-4685-be1f-d57550cc96cc" xsi:nil="true"/>
+    <ScenarioTagsTaxHTField0 xmlns="4873beb7-5857-4685-be1f-d57550cc96cc">
+      <Terms xmlns="http://schemas.microsoft.com/office/infopath/2007/PartnerControls"/>
+    </ScenarioTagsTaxHTField0>
+    <LocProcessedForMarketsLookup xmlns="4873beb7-5857-4685-be1f-d57550cc96cc" xsi:nil="true"/>
+    <TPLaunchHelpLinkType xmlns="4873beb7-5857-4685-be1f-d57550cc96cc">Template</TPLaunchHelpLinkType>
+    <OriginalRelease xmlns="4873beb7-5857-4685-be1f-d57550cc96cc">15</OriginalRelease>
+    <LocalizationTagsTaxHTField0 xmlns="4873beb7-5857-4685-be1f-d57550cc96cc">
+      <Terms xmlns="http://schemas.microsoft.com/office/infopath/2007/PartnerControls"/>
+    </LocalizationTagsTaxHTField0>
+    <UACurrentWords xmlns="4873beb7-5857-4685-be1f-d57550cc96cc" xsi:nil="true"/>
+    <ArtSampleDocs xmlns="4873beb7-5857-4685-be1f-d57550cc96cc" xsi:nil="true"/>
+    <UALocRecommendation xmlns="4873beb7-5857-4685-be1f-d57550cc96cc">Localize</UALocRecommendation>
+    <Manager xmlns="4873beb7-5857-4685-be1f-d57550cc96cc" xsi:nil="true"/>
+    <LocOverallHandbackStatusLookup xmlns="4873beb7-5857-4685-be1f-d57550cc96cc" xsi:nil="true"/>
+    <ShowIn xmlns="4873beb7-5857-4685-be1f-d57550cc96cc">Show everywhere</ShowIn>
+    <UANotes xmlns="4873beb7-5857-4685-be1f-d57550cc96cc" xsi:nil="true"/>
+    <InternalTagsTaxHTField0 xmlns="4873beb7-5857-4685-be1f-d57550cc96cc">
+      <Terms xmlns="http://schemas.microsoft.com/office/infopath/2007/PartnerControls"/>
+    </InternalTagsTaxHTField0>
+    <CSXHash xmlns="4873beb7-5857-4685-be1f-d57550cc96cc" xsi:nil="true"/>
+    <VoteCount xmlns="4873beb7-5857-4685-be1f-d57550cc96cc" xsi:nil="true"/>
+    <AssetExpire xmlns="4873beb7-5857-4685-be1f-d57550cc96cc">2029-05-12T07:00:00+00:00</AssetExpire>
+    <DSATActionTaken xmlns="4873beb7-5857-4685-be1f-d57550cc96cc" xsi:nil="true"/>
+    <CSXSubmissionMarket xmlns="4873beb7-5857-4685-be1f-d57550cc96cc" xsi:nil="true"/>
+    <LocMarketGroupTiers2 xmlns="4873beb7-5857-4685-be1f-d57550cc96cc" xsi:nil="true"/>
+  </documentManagement>
+</p:properties>
+</file>
+
+<file path=customXml/item3.xml><?xml version="1.0" encoding="utf-8"?>
 <ct:contentTypeSchema xmlns:ct="http://schemas.microsoft.com/office/2006/metadata/contentType" xmlns:ma="http://schemas.microsoft.com/office/2006/metadata/properties/metaAttributes" ct:_="" ma:_="" ma:contentTypeName="TemplateFile" ma:contentTypeID="0x0101006EDDDB5EE6D98C44930B742096920B300400F5B6D36B3EF94B4E9A635CDF2A18F5B8" ma:contentTypeVersion="72" ma:contentTypeDescription="Create a new document." ma:contentTypeScope="" ma:versionID="a23e56308344d904b51738559c3d67c9">
   <xsd:schema xmlns:xsd="http://www.w3.org/2001/XMLSchema" xmlns:xs="http://www.w3.org/2001/XMLSchema" xmlns:p="http://schemas.microsoft.com/office/2006/metadata/properties" xmlns:ns2="4873beb7-5857-4685-be1f-d57550cc96cc" targetNamespace="http://schemas.microsoft.com/office/2006/metadata/properties" ma:root="true" ma:fieldsID="cd0908cc4600e77bf5da051303e00c8d" ns2:_="">
     <xsd:import namespace="4873beb7-5857-4685-be1f-d57550cc96cc"/>
@@ -14395,165 +17018,10 @@
 </ct:contentTypeSchema>
 </file>
 
-<file path=customXml/item2.xml><?xml version="1.0" encoding="utf-8"?>
-<p:properties xmlns:p="http://schemas.microsoft.com/office/2006/metadata/properties" xmlns:xsi="http://www.w3.org/2001/XMLSchema-instance" xmlns:pc="http://schemas.microsoft.com/office/infopath/2007/PartnerControls">
-  <documentManagement>
-    <LocPublishedLinkedAssetsLookup xmlns="4873beb7-5857-4685-be1f-d57550cc96cc" xsi:nil="true"/>
-    <ApprovalStatus xmlns="4873beb7-5857-4685-be1f-d57550cc96cc">InProgress</ApprovalStatus>
-    <MarketSpecific xmlns="4873beb7-5857-4685-be1f-d57550cc96cc">false</MarketSpecific>
-    <LocComments xmlns="4873beb7-5857-4685-be1f-d57550cc96cc" xsi:nil="true"/>
-    <LocLastLocAttemptVersionTypeLookup xmlns="4873beb7-5857-4685-be1f-d57550cc96cc" xsi:nil="true"/>
-    <DirectSourceMarket xmlns="4873beb7-5857-4685-be1f-d57550cc96cc" xsi:nil="true"/>
-    <ThumbnailAssetId xmlns="4873beb7-5857-4685-be1f-d57550cc96cc" xsi:nil="true"/>
-    <PrimaryImageGen xmlns="4873beb7-5857-4685-be1f-d57550cc96cc">false</PrimaryImageGen>
-    <LocNewPublishedVersionLookup xmlns="4873beb7-5857-4685-be1f-d57550cc96cc" xsi:nil="true"/>
-    <LegacyData xmlns="4873beb7-5857-4685-be1f-d57550cc96cc" xsi:nil="true"/>
-    <LocRecommendedHandoff xmlns="4873beb7-5857-4685-be1f-d57550cc96cc" xsi:nil="true"/>
-    <BusinessGroup xmlns="4873beb7-5857-4685-be1f-d57550cc96cc" xsi:nil="true"/>
-    <BlockPublish xmlns="4873beb7-5857-4685-be1f-d57550cc96cc">false</BlockPublish>
-    <TPFriendlyName xmlns="4873beb7-5857-4685-be1f-d57550cc96cc" xsi:nil="true"/>
-    <LocOverallPublishStatusLookup xmlns="4873beb7-5857-4685-be1f-d57550cc96cc" xsi:nil="true"/>
-    <NumericId xmlns="4873beb7-5857-4685-be1f-d57550cc96cc" xsi:nil="true"/>
-    <APEditor xmlns="4873beb7-5857-4685-be1f-d57550cc96cc">
-      <UserInfo>
-        <DisplayName/>
-        <AccountId xsi:nil="true"/>
-        <AccountType/>
-      </UserInfo>
-    </APEditor>
-    <SourceTitle xmlns="4873beb7-5857-4685-be1f-d57550cc96cc" xsi:nil="true"/>
-    <OpenTemplate xmlns="4873beb7-5857-4685-be1f-d57550cc96cc">true</OpenTemplate>
-    <LocOverallLocStatusLookup xmlns="4873beb7-5857-4685-be1f-d57550cc96cc" xsi:nil="true"/>
-    <UALocComments xmlns="4873beb7-5857-4685-be1f-d57550cc96cc" xsi:nil="true"/>
-    <ParentAssetId xmlns="4873beb7-5857-4685-be1f-d57550cc96cc" xsi:nil="true"/>
-    <IntlLangReviewDate xmlns="4873beb7-5857-4685-be1f-d57550cc96cc" xsi:nil="true"/>
-    <FeatureTagsTaxHTField0 xmlns="4873beb7-5857-4685-be1f-d57550cc96cc">
-      <Terms xmlns="http://schemas.microsoft.com/office/infopath/2007/PartnerControls"/>
-    </FeatureTagsTaxHTField0>
-    <PublishStatusLookup xmlns="4873beb7-5857-4685-be1f-d57550cc96cc">
-      <Value>1345093</Value>
-    </PublishStatusLookup>
-    <Providers xmlns="4873beb7-5857-4685-be1f-d57550cc96cc" xsi:nil="true"/>
-    <MachineTranslated xmlns="4873beb7-5857-4685-be1f-d57550cc96cc">false</MachineTranslated>
-    <OriginalSourceMarket xmlns="4873beb7-5857-4685-be1f-d57550cc96cc" xsi:nil="true"/>
-    <APDescription xmlns="4873beb7-5857-4685-be1f-d57550cc96cc">This simple template design works for technology and  businesses, but it's versatile enough to use in other contexts.  It features multiple slide layouts designed for widescreen (16x9 resolution) and includes a sample SmartArt list and chart that are easily editable.</APDescription>
-    <ClipArtFilename xmlns="4873beb7-5857-4685-be1f-d57550cc96cc" xsi:nil="true"/>
-    <ContentItem xmlns="4873beb7-5857-4685-be1f-d57550cc96cc" xsi:nil="true"/>
-    <TPInstallLocation xmlns="4873beb7-5857-4685-be1f-d57550cc96cc" xsi:nil="true"/>
-    <PublishTargets xmlns="4873beb7-5857-4685-be1f-d57550cc96cc">OfficeOnlineVNext</PublishTargets>
-    <TimesCloned xmlns="4873beb7-5857-4685-be1f-d57550cc96cc" xsi:nil="true"/>
-    <AssetStart xmlns="4873beb7-5857-4685-be1f-d57550cc96cc">2011-11-26T00:30:00+00:00</AssetStart>
-    <Provider xmlns="4873beb7-5857-4685-be1f-d57550cc96cc" xsi:nil="true"/>
-    <AcquiredFrom xmlns="4873beb7-5857-4685-be1f-d57550cc96cc">Internal MS</AcquiredFrom>
-    <FriendlyTitle xmlns="4873beb7-5857-4685-be1f-d57550cc96cc" xsi:nil="true"/>
-    <LastHandOff xmlns="4873beb7-5857-4685-be1f-d57550cc96cc" xsi:nil="true"/>
-    <TPClientViewer xmlns="4873beb7-5857-4685-be1f-d57550cc96cc" xsi:nil="true"/>
-    <TemplateStatus xmlns="4873beb7-5857-4685-be1f-d57550cc96cc">Complete</TemplateStatus>
-    <Downloads xmlns="4873beb7-5857-4685-be1f-d57550cc96cc">0</Downloads>
-    <OOCacheId xmlns="4873beb7-5857-4685-be1f-d57550cc96cc" xsi:nil="true"/>
-    <IsDeleted xmlns="4873beb7-5857-4685-be1f-d57550cc96cc">false</IsDeleted>
-    <LocPublishedDependentAssetsLookup xmlns="4873beb7-5857-4685-be1f-d57550cc96cc" xsi:nil="true"/>
-    <TPExecutable xmlns="4873beb7-5857-4685-be1f-d57550cc96cc" xsi:nil="true"/>
-    <EditorialTags xmlns="4873beb7-5857-4685-be1f-d57550cc96cc" xsi:nil="true"/>
-    <SubmitterId xmlns="4873beb7-5857-4685-be1f-d57550cc96cc" xsi:nil="true"/>
-    <ApprovalLog xmlns="4873beb7-5857-4685-be1f-d57550cc96cc" xsi:nil="true"/>
-    <AssetType xmlns="4873beb7-5857-4685-be1f-d57550cc96cc">TP</AssetType>
-    <BugNumber xmlns="4873beb7-5857-4685-be1f-d57550cc96cc" xsi:nil="true"/>
-    <CSXSubmissionDate xmlns="4873beb7-5857-4685-be1f-d57550cc96cc" xsi:nil="true"/>
-    <CSXUpdate xmlns="4873beb7-5857-4685-be1f-d57550cc96cc">false</CSXUpdate>
-    <Milestone xmlns="4873beb7-5857-4685-be1f-d57550cc96cc" xsi:nil="true"/>
-    <RecommendationsModifier xmlns="4873beb7-5857-4685-be1f-d57550cc96cc" xsi:nil="true"/>
-    <OriginAsset xmlns="4873beb7-5857-4685-be1f-d57550cc96cc" xsi:nil="true"/>
-    <TPComponent xmlns="4873beb7-5857-4685-be1f-d57550cc96cc" xsi:nil="true"/>
-    <AssetId xmlns="4873beb7-5857-4685-be1f-d57550cc96cc">TP102787989</AssetId>
-    <IntlLocPriority xmlns="4873beb7-5857-4685-be1f-d57550cc96cc" xsi:nil="true"/>
-    <PolicheckWords xmlns="4873beb7-5857-4685-be1f-d57550cc96cc" xsi:nil="true"/>
-    <TPLaunchHelpLink xmlns="4873beb7-5857-4685-be1f-d57550cc96cc" xsi:nil="true"/>
-    <TPApplication xmlns="4873beb7-5857-4685-be1f-d57550cc96cc" xsi:nil="true"/>
-    <CrawlForDependencies xmlns="4873beb7-5857-4685-be1f-d57550cc96cc">false</CrawlForDependencies>
-    <HandoffToMSDN xmlns="4873beb7-5857-4685-be1f-d57550cc96cc" xsi:nil="true"/>
-    <PlannedPubDate xmlns="4873beb7-5857-4685-be1f-d57550cc96cc" xsi:nil="true"/>
-    <IntlLangReviewer xmlns="4873beb7-5857-4685-be1f-d57550cc96cc" xsi:nil="true"/>
-    <TrustLevel xmlns="4873beb7-5857-4685-be1f-d57550cc96cc">1 Microsoft Managed Content</TrustLevel>
-    <LocLastLocAttemptVersionLookup xmlns="4873beb7-5857-4685-be1f-d57550cc96cc">694266</LocLastLocAttemptVersionLookup>
-    <LocProcessedForHandoffsLookup xmlns="4873beb7-5857-4685-be1f-d57550cc96cc" xsi:nil="true"/>
-    <IsSearchable xmlns="4873beb7-5857-4685-be1f-d57550cc96cc">true</IsSearchable>
-    <TemplateTemplateType xmlns="4873beb7-5857-4685-be1f-d57550cc96cc">PowerPoint Presentation Template</TemplateTemplateType>
-    <CampaignTagsTaxHTField0 xmlns="4873beb7-5857-4685-be1f-d57550cc96cc">
-      <Terms xmlns="http://schemas.microsoft.com/office/infopath/2007/PartnerControls"/>
-    </CampaignTagsTaxHTField0>
-    <TPNamespace xmlns="4873beb7-5857-4685-be1f-d57550cc96cc" xsi:nil="true"/>
-    <LocOverallPreviewStatusLookup xmlns="4873beb7-5857-4685-be1f-d57550cc96cc" xsi:nil="true"/>
-    <TaxCatchAll xmlns="4873beb7-5857-4685-be1f-d57550cc96cc"/>
-    <Markets xmlns="4873beb7-5857-4685-be1f-d57550cc96cc"/>
-    <UAProjectedTotalWords xmlns="4873beb7-5857-4685-be1f-d57550cc96cc" xsi:nil="true"/>
-    <IntlLangReview xmlns="4873beb7-5857-4685-be1f-d57550cc96cc" xsi:nil="true"/>
-    <OutputCachingOn xmlns="4873beb7-5857-4685-be1f-d57550cc96cc">false</OutputCachingOn>
-    <AverageRating xmlns="4873beb7-5857-4685-be1f-d57550cc96cc" xsi:nil="true"/>
-    <APAuthor xmlns="4873beb7-5857-4685-be1f-d57550cc96cc">
-      <UserInfo>
-        <DisplayName>REDMOND\kristaa</DisplayName>
-        <AccountId>136</AccountId>
-        <AccountType/>
-      </UserInfo>
-    </APAuthor>
-    <LocManualTestRequired xmlns="4873beb7-5857-4685-be1f-d57550cc96cc">false</LocManualTestRequired>
-    <TPCommandLine xmlns="4873beb7-5857-4685-be1f-d57550cc96cc" xsi:nil="true"/>
-    <TPAppVersion xmlns="4873beb7-5857-4685-be1f-d57550cc96cc" xsi:nil="true"/>
-    <EditorialStatus xmlns="4873beb7-5857-4685-be1f-d57550cc96cc">Complete</EditorialStatus>
-    <LastModifiedDateTime xmlns="4873beb7-5857-4685-be1f-d57550cc96cc" xsi:nil="true"/>
-    <ScenarioTagsTaxHTField0 xmlns="4873beb7-5857-4685-be1f-d57550cc96cc">
-      <Terms xmlns="http://schemas.microsoft.com/office/infopath/2007/PartnerControls"/>
-    </ScenarioTagsTaxHTField0>
-    <LocProcessedForMarketsLookup xmlns="4873beb7-5857-4685-be1f-d57550cc96cc" xsi:nil="true"/>
-    <TPLaunchHelpLinkType xmlns="4873beb7-5857-4685-be1f-d57550cc96cc">Template</TPLaunchHelpLinkType>
-    <OriginalRelease xmlns="4873beb7-5857-4685-be1f-d57550cc96cc">15</OriginalRelease>
-    <LocalizationTagsTaxHTField0 xmlns="4873beb7-5857-4685-be1f-d57550cc96cc">
-      <Terms xmlns="http://schemas.microsoft.com/office/infopath/2007/PartnerControls"/>
-    </LocalizationTagsTaxHTField0>
-    <UACurrentWords xmlns="4873beb7-5857-4685-be1f-d57550cc96cc" xsi:nil="true"/>
-    <ArtSampleDocs xmlns="4873beb7-5857-4685-be1f-d57550cc96cc" xsi:nil="true"/>
-    <UALocRecommendation xmlns="4873beb7-5857-4685-be1f-d57550cc96cc">Localize</UALocRecommendation>
-    <Manager xmlns="4873beb7-5857-4685-be1f-d57550cc96cc" xsi:nil="true"/>
-    <LocOverallHandbackStatusLookup xmlns="4873beb7-5857-4685-be1f-d57550cc96cc" xsi:nil="true"/>
-    <ShowIn xmlns="4873beb7-5857-4685-be1f-d57550cc96cc">Show everywhere</ShowIn>
-    <UANotes xmlns="4873beb7-5857-4685-be1f-d57550cc96cc" xsi:nil="true"/>
-    <InternalTagsTaxHTField0 xmlns="4873beb7-5857-4685-be1f-d57550cc96cc">
-      <Terms xmlns="http://schemas.microsoft.com/office/infopath/2007/PartnerControls"/>
-    </InternalTagsTaxHTField0>
-    <CSXHash xmlns="4873beb7-5857-4685-be1f-d57550cc96cc" xsi:nil="true"/>
-    <VoteCount xmlns="4873beb7-5857-4685-be1f-d57550cc96cc" xsi:nil="true"/>
-    <AssetExpire xmlns="4873beb7-5857-4685-be1f-d57550cc96cc">2029-05-12T07:00:00+00:00</AssetExpire>
-    <DSATActionTaken xmlns="4873beb7-5857-4685-be1f-d57550cc96cc" xsi:nil="true"/>
-    <CSXSubmissionMarket xmlns="4873beb7-5857-4685-be1f-d57550cc96cc" xsi:nil="true"/>
-    <LocMarketGroupTiers2 xmlns="4873beb7-5857-4685-be1f-d57550cc96cc" xsi:nil="true"/>
-  </documentManagement>
-</p:properties>
-</file>
-
-<file path=customXml/item3.xml><?xml version="1.0" encoding="utf-8"?>
-<?mso-contentType ?>
-<FormTemplates xmlns="http://schemas.microsoft.com/sharepoint/v3/contenttype/forms">
-  <Display>DocumentLibraryForm</Display>
-  <Edit>AssetEditForm</Edit>
-  <New>DocumentLibraryForm</New>
-</FormTemplates>
-</file>
-
 <file path=customXml/itemProps1.xml><?xml version="1.0" encoding="utf-8"?>
-<ds:datastoreItem xmlns:ds="http://schemas.openxmlformats.org/officeDocument/2006/customXml" ds:itemID="{A09BF4D4-EF60-4196-BFC3-9462D607978C}">
+<ds:datastoreItem xmlns:ds="http://schemas.openxmlformats.org/officeDocument/2006/customXml" ds:itemID="{3836F65B-1B07-41EE-A0E8-BC6EF3855225}">
   <ds:schemaRefs>
-    <ds:schemaRef ds:uri="http://schemas.microsoft.com/office/2006/metadata/contentType"/>
-    <ds:schemaRef ds:uri="http://schemas.microsoft.com/office/2006/metadata/properties/metaAttributes"/>
-    <ds:schemaRef ds:uri="http://www.w3.org/2001/XMLSchema"/>
-    <ds:schemaRef ds:uri="http://schemas.microsoft.com/office/2006/metadata/properties"/>
-    <ds:schemaRef ds:uri="4873beb7-5857-4685-be1f-d57550cc96cc"/>
-    <ds:schemaRef ds:uri="http://schemas.microsoft.com/office/2006/documentManagement/types"/>
-    <ds:schemaRef ds:uri="http://schemas.microsoft.com/office/infopath/2007/PartnerControls"/>
-    <ds:schemaRef ds:uri="http://schemas.openxmlformats.org/package/2006/metadata/core-properties"/>
-    <ds:schemaRef ds:uri="http://purl.org/dc/elements/1.1/"/>
-    <ds:schemaRef ds:uri="http://purl.org/dc/terms/"/>
-    <ds:schemaRef ds:uri="http://schemas.microsoft.com/internal/obd"/>
+    <ds:schemaRef ds:uri="http://schemas.microsoft.com/sharepoint/v3/contenttype/forms"/>
   </ds:schemaRefs>
 </ds:datastoreItem>
 </file>
@@ -14575,9 +17043,19 @@
 </file>
 
 <file path=customXml/itemProps3.xml><?xml version="1.0" encoding="utf-8"?>
-<ds:datastoreItem xmlns:ds="http://schemas.openxmlformats.org/officeDocument/2006/customXml" ds:itemID="{3836F65B-1B07-41EE-A0E8-BC6EF3855225}">
+<ds:datastoreItem xmlns:ds="http://schemas.openxmlformats.org/officeDocument/2006/customXml" ds:itemID="{A09BF4D4-EF60-4196-BFC3-9462D607978C}">
   <ds:schemaRefs>
-    <ds:schemaRef ds:uri="http://schemas.microsoft.com/sharepoint/v3/contenttype/forms"/>
+    <ds:schemaRef ds:uri="http://schemas.microsoft.com/office/2006/metadata/contentType"/>
+    <ds:schemaRef ds:uri="http://schemas.microsoft.com/office/2006/metadata/properties/metaAttributes"/>
+    <ds:schemaRef ds:uri="http://www.w3.org/2001/XMLSchema"/>
+    <ds:schemaRef ds:uri="http://schemas.microsoft.com/office/2006/metadata/properties"/>
+    <ds:schemaRef ds:uri="4873beb7-5857-4685-be1f-d57550cc96cc"/>
+    <ds:schemaRef ds:uri="http://schemas.microsoft.com/office/2006/documentManagement/types"/>
+    <ds:schemaRef ds:uri="http://schemas.microsoft.com/office/infopath/2007/PartnerControls"/>
+    <ds:schemaRef ds:uri="http://schemas.openxmlformats.org/package/2006/metadata/core-properties"/>
+    <ds:schemaRef ds:uri="http://purl.org/dc/elements/1.1/"/>
+    <ds:schemaRef ds:uri="http://purl.org/dc/terms/"/>
+    <ds:schemaRef ds:uri="http://schemas.microsoft.com/internal/obd"/>
   </ds:schemaRefs>
 </ds:datastoreItem>
 </file>
--- a/documentazione/presentazione.pptx
+++ b/documentazione/presentazione.pptx
@@ -5,10 +5,10 @@
     <p:sldMasterId id="2147483660" r:id="rId4"/>
   </p:sldMasterIdLst>
   <p:notesMasterIdLst>
-    <p:notesMasterId r:id="rId21"/>
+    <p:notesMasterId r:id="rId22"/>
   </p:notesMasterIdLst>
   <p:handoutMasterIdLst>
-    <p:handoutMasterId r:id="rId22"/>
+    <p:handoutMasterId r:id="rId23"/>
   </p:handoutMasterIdLst>
   <p:sldIdLst>
     <p:sldId id="257" r:id="rId5"/>
@@ -21,12 +21,13 @@
     <p:sldId id="277" r:id="rId12"/>
     <p:sldId id="289" r:id="rId13"/>
     <p:sldId id="288" r:id="rId14"/>
-    <p:sldId id="280" r:id="rId15"/>
-    <p:sldId id="281" r:id="rId16"/>
-    <p:sldId id="282" r:id="rId17"/>
-    <p:sldId id="284" r:id="rId18"/>
-    <p:sldId id="285" r:id="rId19"/>
-    <p:sldId id="287" r:id="rId20"/>
+    <p:sldId id="290" r:id="rId15"/>
+    <p:sldId id="280" r:id="rId16"/>
+    <p:sldId id="281" r:id="rId17"/>
+    <p:sldId id="282" r:id="rId18"/>
+    <p:sldId id="284" r:id="rId19"/>
+    <p:sldId id="285" r:id="rId20"/>
+    <p:sldId id="287" r:id="rId21"/>
   </p:sldIdLst>
   <p:sldSz cx="12188825" cy="6858000"/>
   <p:notesSz cx="6858000" cy="9144000"/>
@@ -1727,7 +1728,1237 @@
             </a:pPr>
             <a:r>
               <a:rPr lang="it-IT"/>
-              <a:t>CPU Time  / Elapsed Time (7 threads)</a:t>
+              <a:t>Speedup</a:t>
+            </a:r>
+          </a:p>
+        </c:rich>
+      </c:tx>
+      <c:overlay val="0"/>
+      <c:spPr>
+        <a:noFill/>
+        <a:ln>
+          <a:noFill/>
+        </a:ln>
+        <a:effectLst/>
+      </c:spPr>
+      <c:txPr>
+        <a:bodyPr rot="0" spcFirstLastPara="1" vertOverflow="ellipsis" vert="horz" wrap="square" anchor="ctr" anchorCtr="1"/>
+        <a:lstStyle/>
+        <a:p>
+          <a:pPr>
+            <a:defRPr sz="1920" b="0" i="0" u="none" strike="noStrike" kern="1200" spc="0" baseline="0">
+              <a:solidFill>
+                <a:schemeClr val="tx1">
+                  <a:lumMod val="65000"/>
+                  <a:lumOff val="35000"/>
+                </a:schemeClr>
+              </a:solidFill>
+              <a:latin typeface="+mn-lt"/>
+              <a:ea typeface="+mn-ea"/>
+              <a:cs typeface="+mn-cs"/>
+            </a:defRPr>
+          </a:pPr>
+          <a:endParaRPr lang="it-IT"/>
+        </a:p>
+      </c:txPr>
+    </c:title>
+    <c:autoTitleDeleted val="0"/>
+    <c:plotArea>
+      <c:layout/>
+      <c:lineChart>
+        <c:grouping val="standard"/>
+        <c:varyColors val="0"/>
+        <c:ser>
+          <c:idx val="4"/>
+          <c:order val="0"/>
+          <c:tx>
+            <c:v>100M</c:v>
+          </c:tx>
+          <c:spPr>
+            <a:ln w="28575" cap="rnd">
+              <a:solidFill>
+                <a:schemeClr val="accent5"/>
+              </a:solidFill>
+              <a:round/>
+            </a:ln>
+            <a:effectLst/>
+          </c:spPr>
+          <c:marker>
+            <c:symbol val="none"/>
+          </c:marker>
+          <c:cat>
+            <c:numRef>
+              <c:f>'results (9)'!$F$1:$F$21</c:f>
+              <c:numCache>
+                <c:formatCode>General</c:formatCode>
+                <c:ptCount val="21"/>
+                <c:pt idx="0">
+                  <c:v>1</c:v>
+                </c:pt>
+                <c:pt idx="1">
+                  <c:v>1000</c:v>
+                </c:pt>
+                <c:pt idx="2">
+                  <c:v>2000</c:v>
+                </c:pt>
+                <c:pt idx="3">
+                  <c:v>3000</c:v>
+                </c:pt>
+                <c:pt idx="4">
+                  <c:v>4000</c:v>
+                </c:pt>
+                <c:pt idx="5">
+                  <c:v>5000</c:v>
+                </c:pt>
+                <c:pt idx="6">
+                  <c:v>6000</c:v>
+                </c:pt>
+                <c:pt idx="7">
+                  <c:v>7000</c:v>
+                </c:pt>
+                <c:pt idx="8">
+                  <c:v>8000</c:v>
+                </c:pt>
+                <c:pt idx="9">
+                  <c:v>9000</c:v>
+                </c:pt>
+                <c:pt idx="10">
+                  <c:v>10000</c:v>
+                </c:pt>
+                <c:pt idx="11">
+                  <c:v>11000</c:v>
+                </c:pt>
+                <c:pt idx="12">
+                  <c:v>12000</c:v>
+                </c:pt>
+                <c:pt idx="13">
+                  <c:v>13000</c:v>
+                </c:pt>
+                <c:pt idx="14">
+                  <c:v>14000</c:v>
+                </c:pt>
+                <c:pt idx="15">
+                  <c:v>15000</c:v>
+                </c:pt>
+                <c:pt idx="16">
+                  <c:v>16000</c:v>
+                </c:pt>
+                <c:pt idx="17">
+                  <c:v>17000</c:v>
+                </c:pt>
+                <c:pt idx="18">
+                  <c:v>18000</c:v>
+                </c:pt>
+                <c:pt idx="19">
+                  <c:v>19000</c:v>
+                </c:pt>
+                <c:pt idx="20">
+                  <c:v>20000</c:v>
+                </c:pt>
+              </c:numCache>
+            </c:numRef>
+          </c:cat>
+          <c:val>
+            <c:numRef>
+              <c:f>'results (9)'!$H$85:$H$105</c:f>
+              <c:numCache>
+                <c:formatCode>General</c:formatCode>
+                <c:ptCount val="21"/>
+                <c:pt idx="0">
+                  <c:v>1</c:v>
+                </c:pt>
+                <c:pt idx="1">
+                  <c:v>3.9411977522048995</c:v>
+                </c:pt>
+                <c:pt idx="2">
+                  <c:v>3.7615766713029299</c:v>
+                </c:pt>
+                <c:pt idx="3">
+                  <c:v>3.6329952267207104</c:v>
+                </c:pt>
+                <c:pt idx="4">
+                  <c:v>3.4963012441975114</c:v>
+                </c:pt>
+                <c:pt idx="5">
+                  <c:v>3.3906981374842737</c:v>
+                </c:pt>
+                <c:pt idx="6">
+                  <c:v>3.2803666715577036</c:v>
+                </c:pt>
+                <c:pt idx="7">
+                  <c:v>3.1885934624834746</c:v>
+                </c:pt>
+                <c:pt idx="8">
+                  <c:v>3.0909893823330337</c:v>
+                </c:pt>
+                <c:pt idx="9">
+                  <c:v>3.0100041014524783</c:v>
+                </c:pt>
+                <c:pt idx="10">
+                  <c:v>2.928353660513547</c:v>
+                </c:pt>
+                <c:pt idx="11">
+                  <c:v>2.8452561423894513</c:v>
+                </c:pt>
+                <c:pt idx="12">
+                  <c:v>2.7571491157530943</c:v>
+                </c:pt>
+                <c:pt idx="13">
+                  <c:v>2.7005680821283264</c:v>
+                </c:pt>
+                <c:pt idx="14">
+                  <c:v>2.6224028469598797</c:v>
+                </c:pt>
+                <c:pt idx="15">
+                  <c:v>2.5521481583059762</c:v>
+                </c:pt>
+                <c:pt idx="16">
+                  <c:v>2.4847639303442559</c:v>
+                </c:pt>
+                <c:pt idx="17">
+                  <c:v>2.4204061834205528</c:v>
+                </c:pt>
+                <c:pt idx="18">
+                  <c:v>2.346377660078979</c:v>
+                </c:pt>
+                <c:pt idx="19">
+                  <c:v>2.2830525187294985</c:v>
+                </c:pt>
+                <c:pt idx="20">
+                  <c:v>2.2209510277799751</c:v>
+                </c:pt>
+              </c:numCache>
+            </c:numRef>
+          </c:val>
+          <c:smooth val="0"/>
+          <c:extLst>
+            <c:ext xmlns:c16="http://schemas.microsoft.com/office/drawing/2014/chart" uri="{C3380CC4-5D6E-409C-BE32-E72D297353CC}">
+              <c16:uniqueId val="{00000000-3B2A-4F8C-9826-6944C7D5C043}"/>
+            </c:ext>
+          </c:extLst>
+        </c:ser>
+        <c:ser>
+          <c:idx val="3"/>
+          <c:order val="1"/>
+          <c:tx>
+            <c:v>10M</c:v>
+          </c:tx>
+          <c:spPr>
+            <a:ln w="28575" cap="rnd">
+              <a:solidFill>
+                <a:schemeClr val="accent4"/>
+              </a:solidFill>
+              <a:round/>
+            </a:ln>
+            <a:effectLst/>
+          </c:spPr>
+          <c:marker>
+            <c:symbol val="none"/>
+          </c:marker>
+          <c:cat>
+            <c:numRef>
+              <c:f>'results (9)'!$F$1:$F$21</c:f>
+              <c:numCache>
+                <c:formatCode>General</c:formatCode>
+                <c:ptCount val="21"/>
+                <c:pt idx="0">
+                  <c:v>1</c:v>
+                </c:pt>
+                <c:pt idx="1">
+                  <c:v>1000</c:v>
+                </c:pt>
+                <c:pt idx="2">
+                  <c:v>2000</c:v>
+                </c:pt>
+                <c:pt idx="3">
+                  <c:v>3000</c:v>
+                </c:pt>
+                <c:pt idx="4">
+                  <c:v>4000</c:v>
+                </c:pt>
+                <c:pt idx="5">
+                  <c:v>5000</c:v>
+                </c:pt>
+                <c:pt idx="6">
+                  <c:v>6000</c:v>
+                </c:pt>
+                <c:pt idx="7">
+                  <c:v>7000</c:v>
+                </c:pt>
+                <c:pt idx="8">
+                  <c:v>8000</c:v>
+                </c:pt>
+                <c:pt idx="9">
+                  <c:v>9000</c:v>
+                </c:pt>
+                <c:pt idx="10">
+                  <c:v>10000</c:v>
+                </c:pt>
+                <c:pt idx="11">
+                  <c:v>11000</c:v>
+                </c:pt>
+                <c:pt idx="12">
+                  <c:v>12000</c:v>
+                </c:pt>
+                <c:pt idx="13">
+                  <c:v>13000</c:v>
+                </c:pt>
+                <c:pt idx="14">
+                  <c:v>14000</c:v>
+                </c:pt>
+                <c:pt idx="15">
+                  <c:v>15000</c:v>
+                </c:pt>
+                <c:pt idx="16">
+                  <c:v>16000</c:v>
+                </c:pt>
+                <c:pt idx="17">
+                  <c:v>17000</c:v>
+                </c:pt>
+                <c:pt idx="18">
+                  <c:v>18000</c:v>
+                </c:pt>
+                <c:pt idx="19">
+                  <c:v>19000</c:v>
+                </c:pt>
+                <c:pt idx="20">
+                  <c:v>20000</c:v>
+                </c:pt>
+              </c:numCache>
+            </c:numRef>
+          </c:cat>
+          <c:val>
+            <c:numRef>
+              <c:f>'results (9)'!$H$64:$H$84</c:f>
+              <c:numCache>
+                <c:formatCode>General</c:formatCode>
+                <c:ptCount val="21"/>
+                <c:pt idx="0">
+                  <c:v>1</c:v>
+                </c:pt>
+                <c:pt idx="1">
+                  <c:v>2.9855266985845281</c:v>
+                </c:pt>
+                <c:pt idx="2">
+                  <c:v>2.2833114361520228</c:v>
+                </c:pt>
+                <c:pt idx="3">
+                  <c:v>1.7039137265141555</c:v>
+                </c:pt>
+                <c:pt idx="4">
+                  <c:v>1.2721230790062961</c:v>
+                </c:pt>
+                <c:pt idx="5">
+                  <c:v>0.98529980151865337</c:v>
+                </c:pt>
+                <c:pt idx="6">
+                  <c:v>0.79889303187734273</c:v>
+                </c:pt>
+                <c:pt idx="7">
+                  <c:v>0.68334111701424971</c:v>
+                </c:pt>
+                <c:pt idx="8">
+                  <c:v>0.59927718275005659</c:v>
+                </c:pt>
+                <c:pt idx="9">
+                  <c:v>0.52863806467173913</c:v>
+                </c:pt>
+                <c:pt idx="10">
+                  <c:v>0.47529932120608126</c:v>
+                </c:pt>
+                <c:pt idx="11">
+                  <c:v>0.43136661494628975</c:v>
+                </c:pt>
+                <c:pt idx="12">
+                  <c:v>0.39192164525227952</c:v>
+                </c:pt>
+                <c:pt idx="13">
+                  <c:v>0.35452840385065504</c:v>
+                </c:pt>
+                <c:pt idx="14">
+                  <c:v>0.32185977490496748</c:v>
+                </c:pt>
+                <c:pt idx="15">
+                  <c:v>0.29706425442264683</c:v>
+                </c:pt>
+                <c:pt idx="16">
+                  <c:v>0.27441362245249112</c:v>
+                </c:pt>
+                <c:pt idx="17">
+                  <c:v>0.26087758182685633</c:v>
+                </c:pt>
+                <c:pt idx="18">
+                  <c:v>0.24636177143995913</c:v>
+                </c:pt>
+                <c:pt idx="19">
+                  <c:v>0.23461040899782995</c:v>
+                </c:pt>
+                <c:pt idx="20">
+                  <c:v>0.22293770793248621</c:v>
+                </c:pt>
+              </c:numCache>
+            </c:numRef>
+          </c:val>
+          <c:smooth val="0"/>
+          <c:extLst>
+            <c:ext xmlns:c16="http://schemas.microsoft.com/office/drawing/2014/chart" uri="{C3380CC4-5D6E-409C-BE32-E72D297353CC}">
+              <c16:uniqueId val="{00000001-3B2A-4F8C-9826-6944C7D5C043}"/>
+            </c:ext>
+          </c:extLst>
+        </c:ser>
+        <c:ser>
+          <c:idx val="2"/>
+          <c:order val="2"/>
+          <c:tx>
+            <c:v>1M</c:v>
+          </c:tx>
+          <c:spPr>
+            <a:ln w="28575" cap="rnd">
+              <a:solidFill>
+                <a:schemeClr val="accent3"/>
+              </a:solidFill>
+              <a:round/>
+            </a:ln>
+            <a:effectLst/>
+          </c:spPr>
+          <c:marker>
+            <c:symbol val="none"/>
+          </c:marker>
+          <c:cat>
+            <c:numRef>
+              <c:f>'results (9)'!$F$1:$F$21</c:f>
+              <c:numCache>
+                <c:formatCode>General</c:formatCode>
+                <c:ptCount val="21"/>
+                <c:pt idx="0">
+                  <c:v>1</c:v>
+                </c:pt>
+                <c:pt idx="1">
+                  <c:v>1000</c:v>
+                </c:pt>
+                <c:pt idx="2">
+                  <c:v>2000</c:v>
+                </c:pt>
+                <c:pt idx="3">
+                  <c:v>3000</c:v>
+                </c:pt>
+                <c:pt idx="4">
+                  <c:v>4000</c:v>
+                </c:pt>
+                <c:pt idx="5">
+                  <c:v>5000</c:v>
+                </c:pt>
+                <c:pt idx="6">
+                  <c:v>6000</c:v>
+                </c:pt>
+                <c:pt idx="7">
+                  <c:v>7000</c:v>
+                </c:pt>
+                <c:pt idx="8">
+                  <c:v>8000</c:v>
+                </c:pt>
+                <c:pt idx="9">
+                  <c:v>9000</c:v>
+                </c:pt>
+                <c:pt idx="10">
+                  <c:v>10000</c:v>
+                </c:pt>
+                <c:pt idx="11">
+                  <c:v>11000</c:v>
+                </c:pt>
+                <c:pt idx="12">
+                  <c:v>12000</c:v>
+                </c:pt>
+                <c:pt idx="13">
+                  <c:v>13000</c:v>
+                </c:pt>
+                <c:pt idx="14">
+                  <c:v>14000</c:v>
+                </c:pt>
+                <c:pt idx="15">
+                  <c:v>15000</c:v>
+                </c:pt>
+                <c:pt idx="16">
+                  <c:v>16000</c:v>
+                </c:pt>
+                <c:pt idx="17">
+                  <c:v>17000</c:v>
+                </c:pt>
+                <c:pt idx="18">
+                  <c:v>18000</c:v>
+                </c:pt>
+                <c:pt idx="19">
+                  <c:v>19000</c:v>
+                </c:pt>
+                <c:pt idx="20">
+                  <c:v>20000</c:v>
+                </c:pt>
+              </c:numCache>
+            </c:numRef>
+          </c:cat>
+          <c:val>
+            <c:numRef>
+              <c:f>'results (9)'!$H$43:$H$63</c:f>
+              <c:numCache>
+                <c:formatCode>General</c:formatCode>
+                <c:ptCount val="21"/>
+                <c:pt idx="0">
+                  <c:v>1</c:v>
+                </c:pt>
+                <c:pt idx="1">
+                  <c:v>0.48090580445868775</c:v>
+                </c:pt>
+                <c:pt idx="2">
+                  <c:v>0.22274409960982852</c:v>
+                </c:pt>
+                <c:pt idx="3">
+                  <c:v>0.14403938162311719</c:v>
+                </c:pt>
+                <c:pt idx="4">
+                  <c:v>0.10816599179457129</c:v>
+                </c:pt>
+                <c:pt idx="5">
+                  <c:v>8.8923796028731072E-2</c:v>
+                </c:pt>
+                <c:pt idx="6">
+                  <c:v>7.5670134871696937E-2</c:v>
+                </c:pt>
+                <c:pt idx="7">
+                  <c:v>6.2965254798990206E-2</c:v>
+                </c:pt>
+                <c:pt idx="8">
+                  <c:v>5.5051863005690024E-2</c:v>
+                </c:pt>
+                <c:pt idx="9">
+                  <c:v>4.9420026094973916E-2</c:v>
+                </c:pt>
+                <c:pt idx="10">
+                  <c:v>4.4350851457753228E-2</c:v>
+                </c:pt>
+                <c:pt idx="11">
+                  <c:v>4.0286139393248308E-2</c:v>
+                </c:pt>
+                <c:pt idx="12">
+                  <c:v>3.8529575718105336E-2</c:v>
+                </c:pt>
+                <c:pt idx="13">
+                  <c:v>3.5595924438223653E-2</c:v>
+                </c:pt>
+                <c:pt idx="14">
+                  <c:v>3.2947536644420267E-2</c:v>
+                </c:pt>
+                <c:pt idx="15">
+                  <c:v>3.0722937139172575E-2</c:v>
+                </c:pt>
+                <c:pt idx="16">
+                  <c:v>2.8840433864740066E-2</c:v>
+                </c:pt>
+                <c:pt idx="17">
+                  <c:v>2.7073066591088778E-2</c:v>
+                </c:pt>
+                <c:pt idx="18">
+                  <c:v>2.5533386376915917E-2</c:v>
+                </c:pt>
+                <c:pt idx="19">
+                  <c:v>2.4172642052026825E-2</c:v>
+                </c:pt>
+                <c:pt idx="20">
+                  <c:v>2.2913126812641276E-2</c:v>
+                </c:pt>
+              </c:numCache>
+            </c:numRef>
+          </c:val>
+          <c:smooth val="0"/>
+          <c:extLst>
+            <c:ext xmlns:c16="http://schemas.microsoft.com/office/drawing/2014/chart" uri="{C3380CC4-5D6E-409C-BE32-E72D297353CC}">
+              <c16:uniqueId val="{00000002-3B2A-4F8C-9826-6944C7D5C043}"/>
+            </c:ext>
+          </c:extLst>
+        </c:ser>
+        <c:ser>
+          <c:idx val="1"/>
+          <c:order val="3"/>
+          <c:tx>
+            <c:v>100k</c:v>
+          </c:tx>
+          <c:spPr>
+            <a:ln w="28575" cap="rnd">
+              <a:solidFill>
+                <a:schemeClr val="accent2"/>
+              </a:solidFill>
+              <a:round/>
+            </a:ln>
+            <a:effectLst/>
+          </c:spPr>
+          <c:marker>
+            <c:symbol val="none"/>
+          </c:marker>
+          <c:cat>
+            <c:numRef>
+              <c:f>'results (9)'!$F$1:$F$21</c:f>
+              <c:numCache>
+                <c:formatCode>General</c:formatCode>
+                <c:ptCount val="21"/>
+                <c:pt idx="0">
+                  <c:v>1</c:v>
+                </c:pt>
+                <c:pt idx="1">
+                  <c:v>1000</c:v>
+                </c:pt>
+                <c:pt idx="2">
+                  <c:v>2000</c:v>
+                </c:pt>
+                <c:pt idx="3">
+                  <c:v>3000</c:v>
+                </c:pt>
+                <c:pt idx="4">
+                  <c:v>4000</c:v>
+                </c:pt>
+                <c:pt idx="5">
+                  <c:v>5000</c:v>
+                </c:pt>
+                <c:pt idx="6">
+                  <c:v>6000</c:v>
+                </c:pt>
+                <c:pt idx="7">
+                  <c:v>7000</c:v>
+                </c:pt>
+                <c:pt idx="8">
+                  <c:v>8000</c:v>
+                </c:pt>
+                <c:pt idx="9">
+                  <c:v>9000</c:v>
+                </c:pt>
+                <c:pt idx="10">
+                  <c:v>10000</c:v>
+                </c:pt>
+                <c:pt idx="11">
+                  <c:v>11000</c:v>
+                </c:pt>
+                <c:pt idx="12">
+                  <c:v>12000</c:v>
+                </c:pt>
+                <c:pt idx="13">
+                  <c:v>13000</c:v>
+                </c:pt>
+                <c:pt idx="14">
+                  <c:v>14000</c:v>
+                </c:pt>
+                <c:pt idx="15">
+                  <c:v>15000</c:v>
+                </c:pt>
+                <c:pt idx="16">
+                  <c:v>16000</c:v>
+                </c:pt>
+                <c:pt idx="17">
+                  <c:v>17000</c:v>
+                </c:pt>
+                <c:pt idx="18">
+                  <c:v>18000</c:v>
+                </c:pt>
+                <c:pt idx="19">
+                  <c:v>19000</c:v>
+                </c:pt>
+                <c:pt idx="20">
+                  <c:v>20000</c:v>
+                </c:pt>
+              </c:numCache>
+            </c:numRef>
+          </c:cat>
+          <c:val>
+            <c:numRef>
+              <c:f>'results (9)'!$H$22:$H$42</c:f>
+              <c:numCache>
+                <c:formatCode>General</c:formatCode>
+                <c:ptCount val="21"/>
+                <c:pt idx="0">
+                  <c:v>1</c:v>
+                </c:pt>
+                <c:pt idx="1">
+                  <c:v>3.8102098184281952E-2</c:v>
+                </c:pt>
+                <c:pt idx="2">
+                  <c:v>1.888283890745639E-2</c:v>
+                </c:pt>
+                <c:pt idx="3">
+                  <c:v>1.2306619794055449E-2</c:v>
+                </c:pt>
+                <c:pt idx="4">
+                  <c:v>9.1317485529060841E-3</c:v>
+                </c:pt>
+                <c:pt idx="5">
+                  <c:v>7.2542368724170204E-3</c:v>
+                </c:pt>
+                <c:pt idx="6">
+                  <c:v>5.9999023249873076E-3</c:v>
+                </c:pt>
+                <c:pt idx="7">
+                  <c:v>5.1237683546606922E-3</c:v>
+                </c:pt>
+                <c:pt idx="8">
+                  <c:v>4.4932449805503046E-3</c:v>
+                </c:pt>
+                <c:pt idx="9">
+                  <c:v>4.0122627252493562E-3</c:v>
+                </c:pt>
+                <c:pt idx="10">
+                  <c:v>3.6070237808684688E-3</c:v>
+                </c:pt>
+                <c:pt idx="11">
+                  <c:v>3.2686073691874725E-3</c:v>
+                </c:pt>
+                <c:pt idx="12">
+                  <c:v>2.9955726027752548E-3</c:v>
+                </c:pt>
+                <c:pt idx="13">
+                  <c:v>2.7853007771063273E-3</c:v>
+                </c:pt>
+                <c:pt idx="14">
+                  <c:v>2.5519011929240713E-3</c:v>
+                </c:pt>
+                <c:pt idx="15">
+                  <c:v>2.3930645725442116E-3</c:v>
+                </c:pt>
+                <c:pt idx="16">
+                  <c:v>2.2236256659278774E-3</c:v>
+                </c:pt>
+                <c:pt idx="17">
+                  <c:v>2.0983601080435616E-3</c:v>
+                </c:pt>
+                <c:pt idx="18">
+                  <c:v>1.9749933050999553E-3</c:v>
+                </c:pt>
+                <c:pt idx="19">
+                  <c:v>1.8690157610618886E-3</c:v>
+                </c:pt>
+                <c:pt idx="20">
+                  <c:v>1.7685724109126582E-3</c:v>
+                </c:pt>
+              </c:numCache>
+            </c:numRef>
+          </c:val>
+          <c:smooth val="0"/>
+          <c:extLst>
+            <c:ext xmlns:c16="http://schemas.microsoft.com/office/drawing/2014/chart" uri="{C3380CC4-5D6E-409C-BE32-E72D297353CC}">
+              <c16:uniqueId val="{00000003-3B2A-4F8C-9826-6944C7D5C043}"/>
+            </c:ext>
+          </c:extLst>
+        </c:ser>
+        <c:ser>
+          <c:idx val="0"/>
+          <c:order val="4"/>
+          <c:tx>
+            <c:v>10k</c:v>
+          </c:tx>
+          <c:spPr>
+            <a:ln w="28575" cap="rnd">
+              <a:solidFill>
+                <a:schemeClr val="accent1"/>
+              </a:solidFill>
+              <a:round/>
+            </a:ln>
+            <a:effectLst/>
+          </c:spPr>
+          <c:marker>
+            <c:symbol val="none"/>
+          </c:marker>
+          <c:cat>
+            <c:numRef>
+              <c:f>'results (9)'!$F$1:$F$21</c:f>
+              <c:numCache>
+                <c:formatCode>General</c:formatCode>
+                <c:ptCount val="21"/>
+                <c:pt idx="0">
+                  <c:v>1</c:v>
+                </c:pt>
+                <c:pt idx="1">
+                  <c:v>1000</c:v>
+                </c:pt>
+                <c:pt idx="2">
+                  <c:v>2000</c:v>
+                </c:pt>
+                <c:pt idx="3">
+                  <c:v>3000</c:v>
+                </c:pt>
+                <c:pt idx="4">
+                  <c:v>4000</c:v>
+                </c:pt>
+                <c:pt idx="5">
+                  <c:v>5000</c:v>
+                </c:pt>
+                <c:pt idx="6">
+                  <c:v>6000</c:v>
+                </c:pt>
+                <c:pt idx="7">
+                  <c:v>7000</c:v>
+                </c:pt>
+                <c:pt idx="8">
+                  <c:v>8000</c:v>
+                </c:pt>
+                <c:pt idx="9">
+                  <c:v>9000</c:v>
+                </c:pt>
+                <c:pt idx="10">
+                  <c:v>10000</c:v>
+                </c:pt>
+                <c:pt idx="11">
+                  <c:v>11000</c:v>
+                </c:pt>
+                <c:pt idx="12">
+                  <c:v>12000</c:v>
+                </c:pt>
+                <c:pt idx="13">
+                  <c:v>13000</c:v>
+                </c:pt>
+                <c:pt idx="14">
+                  <c:v>14000</c:v>
+                </c:pt>
+                <c:pt idx="15">
+                  <c:v>15000</c:v>
+                </c:pt>
+                <c:pt idx="16">
+                  <c:v>16000</c:v>
+                </c:pt>
+                <c:pt idx="17">
+                  <c:v>17000</c:v>
+                </c:pt>
+                <c:pt idx="18">
+                  <c:v>18000</c:v>
+                </c:pt>
+                <c:pt idx="19">
+                  <c:v>19000</c:v>
+                </c:pt>
+                <c:pt idx="20">
+                  <c:v>20000</c:v>
+                </c:pt>
+              </c:numCache>
+            </c:numRef>
+          </c:cat>
+          <c:val>
+            <c:numRef>
+              <c:f>'results (9)'!$H$1:$H$21</c:f>
+              <c:numCache>
+                <c:formatCode>General</c:formatCode>
+                <c:ptCount val="21"/>
+                <c:pt idx="0">
+                  <c:v>1</c:v>
+                </c:pt>
+                <c:pt idx="1">
+                  <c:v>3.9382572464472312E-3</c:v>
+                </c:pt>
+                <c:pt idx="2">
+                  <c:v>1.9016317061539354E-3</c:v>
+                </c:pt>
+                <c:pt idx="3">
+                  <c:v>1.2537627049869265E-3</c:v>
+                </c:pt>
+                <c:pt idx="4">
+                  <c:v>9.3903368670903028E-4</c:v>
+                </c:pt>
+                <c:pt idx="5">
+                  <c:v>7.5471464255953366E-4</c:v>
+                </c:pt>
+                <c:pt idx="6">
+                  <c:v>6.3350771062403981E-4</c:v>
+                </c:pt>
+                <c:pt idx="7">
+                  <c:v>5.4274445113968578E-4</c:v>
+                </c:pt>
+                <c:pt idx="8">
+                  <c:v>4.7322765517845842E-4</c:v>
+                </c:pt>
+                <c:pt idx="9">
+                  <c:v>4.2228422931709627E-4</c:v>
+                </c:pt>
+                <c:pt idx="10">
+                  <c:v>3.7988788793646023E-4</c:v>
+                </c:pt>
+                <c:pt idx="11">
+                  <c:v>3.4302100346069543E-4</c:v>
+                </c:pt>
+                <c:pt idx="12">
+                  <c:v>3.1256007218448677E-4</c:v>
+                </c:pt>
+                <c:pt idx="13">
+                  <c:v>2.8802964193279661E-4</c:v>
+                </c:pt>
+                <c:pt idx="14">
+                  <c:v>2.6800218216217135E-4</c:v>
+                </c:pt>
+                <c:pt idx="15">
+                  <c:v>2.4690279221121586E-4</c:v>
+                </c:pt>
+                <c:pt idx="16">
+                  <c:v>2.3052183248155396E-4</c:v>
+                </c:pt>
+                <c:pt idx="17">
+                  <c:v>2.1784787243902618E-4</c:v>
+                </c:pt>
+                <c:pt idx="18">
+                  <c:v>2.0454786946932902E-4</c:v>
+                </c:pt>
+                <c:pt idx="19">
+                  <c:v>1.9443726382057215E-4</c:v>
+                </c:pt>
+                <c:pt idx="20">
+                  <c:v>1.8312067398007186E-4</c:v>
+                </c:pt>
+              </c:numCache>
+            </c:numRef>
+          </c:val>
+          <c:smooth val="0"/>
+          <c:extLst>
+            <c:ext xmlns:c16="http://schemas.microsoft.com/office/drawing/2014/chart" uri="{C3380CC4-5D6E-409C-BE32-E72D297353CC}">
+              <c16:uniqueId val="{00000004-3B2A-4F8C-9826-6944C7D5C043}"/>
+            </c:ext>
+          </c:extLst>
+        </c:ser>
+        <c:dLbls>
+          <c:showLegendKey val="0"/>
+          <c:showVal val="0"/>
+          <c:showCatName val="0"/>
+          <c:showSerName val="0"/>
+          <c:showPercent val="0"/>
+          <c:showBubbleSize val="0"/>
+        </c:dLbls>
+        <c:smooth val="0"/>
+        <c:axId val="1360897504"/>
+        <c:axId val="1243436160"/>
+      </c:lineChart>
+      <c:catAx>
+        <c:axId val="1360897504"/>
+        <c:scaling>
+          <c:orientation val="minMax"/>
+        </c:scaling>
+        <c:delete val="0"/>
+        <c:axPos val="b"/>
+        <c:title>
+          <c:tx>
+            <c:rich>
+              <a:bodyPr rot="0" spcFirstLastPara="1" vertOverflow="ellipsis" vert="horz" wrap="square" anchor="ctr" anchorCtr="1"/>
+              <a:lstStyle/>
+              <a:p>
+                <a:pPr>
+                  <a:defRPr sz="1600" b="0" i="0" u="none" strike="noStrike" kern="1200" baseline="0">
+                    <a:solidFill>
+                      <a:schemeClr val="tx1">
+                        <a:lumMod val="65000"/>
+                        <a:lumOff val="35000"/>
+                      </a:schemeClr>
+                    </a:solidFill>
+                    <a:latin typeface="+mn-lt"/>
+                    <a:ea typeface="+mn-ea"/>
+                    <a:cs typeface="+mn-cs"/>
+                  </a:defRPr>
+                </a:pPr>
+                <a:r>
+                  <a:rPr lang="it-IT"/>
+                  <a:t>Number of Threads</a:t>
+                </a:r>
+              </a:p>
+            </c:rich>
+          </c:tx>
+          <c:layout>
+            <c:manualLayout>
+              <c:xMode val="edge"/>
+              <c:yMode val="edge"/>
+              <c:x val="0.41204746281714782"/>
+              <c:y val="0.93981855378980106"/>
+            </c:manualLayout>
+          </c:layout>
+          <c:overlay val="0"/>
+          <c:spPr>
+            <a:noFill/>
+            <a:ln>
+              <a:noFill/>
+            </a:ln>
+            <a:effectLst/>
+          </c:spPr>
+          <c:txPr>
+            <a:bodyPr rot="0" spcFirstLastPara="1" vertOverflow="ellipsis" vert="horz" wrap="square" anchor="ctr" anchorCtr="1"/>
+            <a:lstStyle/>
+            <a:p>
+              <a:pPr>
+                <a:defRPr sz="1600" b="0" i="0" u="none" strike="noStrike" kern="1200" baseline="0">
+                  <a:solidFill>
+                    <a:schemeClr val="tx1">
+                      <a:lumMod val="65000"/>
+                      <a:lumOff val="35000"/>
+                    </a:schemeClr>
+                  </a:solidFill>
+                  <a:latin typeface="+mn-lt"/>
+                  <a:ea typeface="+mn-ea"/>
+                  <a:cs typeface="+mn-cs"/>
+                </a:defRPr>
+              </a:pPr>
+              <a:endParaRPr lang="it-IT"/>
+            </a:p>
+          </c:txPr>
+        </c:title>
+        <c:numFmt formatCode="General" sourceLinked="1"/>
+        <c:majorTickMark val="none"/>
+        <c:minorTickMark val="none"/>
+        <c:tickLblPos val="nextTo"/>
+        <c:spPr>
+          <a:noFill/>
+          <a:ln w="9525" cap="flat" cmpd="sng" algn="ctr">
+            <a:solidFill>
+              <a:schemeClr val="tx1">
+                <a:lumMod val="15000"/>
+                <a:lumOff val="85000"/>
+              </a:schemeClr>
+            </a:solidFill>
+            <a:round/>
+          </a:ln>
+          <a:effectLst/>
+        </c:spPr>
+        <c:txPr>
+          <a:bodyPr rot="-60000000" spcFirstLastPara="1" vertOverflow="ellipsis" vert="horz" wrap="square" anchor="ctr" anchorCtr="1"/>
+          <a:lstStyle/>
+          <a:p>
+            <a:pPr>
+              <a:defRPr sz="1600" b="0" i="0" u="none" strike="noStrike" kern="1200" baseline="0">
+                <a:solidFill>
+                  <a:schemeClr val="tx1">
+                    <a:lumMod val="65000"/>
+                    <a:lumOff val="35000"/>
+                  </a:schemeClr>
+                </a:solidFill>
+                <a:latin typeface="+mn-lt"/>
+                <a:ea typeface="+mn-ea"/>
+                <a:cs typeface="+mn-cs"/>
+              </a:defRPr>
+            </a:pPr>
+            <a:endParaRPr lang="it-IT"/>
+          </a:p>
+        </c:txPr>
+        <c:crossAx val="1243436160"/>
+        <c:crosses val="autoZero"/>
+        <c:auto val="1"/>
+        <c:lblAlgn val="ctr"/>
+        <c:lblOffset val="100"/>
+        <c:noMultiLvlLbl val="0"/>
+      </c:catAx>
+      <c:valAx>
+        <c:axId val="1243436160"/>
+        <c:scaling>
+          <c:orientation val="minMax"/>
+        </c:scaling>
+        <c:delete val="0"/>
+        <c:axPos val="l"/>
+        <c:majorGridlines>
+          <c:spPr>
+            <a:ln w="9525" cap="flat" cmpd="sng" algn="ctr">
+              <a:solidFill>
+                <a:schemeClr val="tx1">
+                  <a:lumMod val="15000"/>
+                  <a:lumOff val="85000"/>
+                </a:schemeClr>
+              </a:solidFill>
+              <a:round/>
+            </a:ln>
+            <a:effectLst/>
+          </c:spPr>
+        </c:majorGridlines>
+        <c:title>
+          <c:tx>
+            <c:rich>
+              <a:bodyPr rot="-5400000" spcFirstLastPara="1" vertOverflow="ellipsis" vert="horz" wrap="square" anchor="ctr" anchorCtr="1"/>
+              <a:lstStyle/>
+              <a:p>
+                <a:pPr>
+                  <a:defRPr sz="1600" b="0" i="0" u="none" strike="noStrike" kern="1200" baseline="0">
+                    <a:solidFill>
+                      <a:schemeClr val="tx1">
+                        <a:lumMod val="65000"/>
+                        <a:lumOff val="35000"/>
+                      </a:schemeClr>
+                    </a:solidFill>
+                    <a:latin typeface="+mn-lt"/>
+                    <a:ea typeface="+mn-ea"/>
+                    <a:cs typeface="+mn-cs"/>
+                  </a:defRPr>
+                </a:pPr>
+                <a:r>
+                  <a:rPr lang="it-IT"/>
+                  <a:t>Speedup</a:t>
+                </a:r>
+              </a:p>
+            </c:rich>
+          </c:tx>
+          <c:overlay val="0"/>
+          <c:spPr>
+            <a:noFill/>
+            <a:ln>
+              <a:noFill/>
+            </a:ln>
+            <a:effectLst/>
+          </c:spPr>
+          <c:txPr>
+            <a:bodyPr rot="-5400000" spcFirstLastPara="1" vertOverflow="ellipsis" vert="horz" wrap="square" anchor="ctr" anchorCtr="1"/>
+            <a:lstStyle/>
+            <a:p>
+              <a:pPr>
+                <a:defRPr sz="1600" b="0" i="0" u="none" strike="noStrike" kern="1200" baseline="0">
+                  <a:solidFill>
+                    <a:schemeClr val="tx1">
+                      <a:lumMod val="65000"/>
+                      <a:lumOff val="35000"/>
+                    </a:schemeClr>
+                  </a:solidFill>
+                  <a:latin typeface="+mn-lt"/>
+                  <a:ea typeface="+mn-ea"/>
+                  <a:cs typeface="+mn-cs"/>
+                </a:defRPr>
+              </a:pPr>
+              <a:endParaRPr lang="it-IT"/>
+            </a:p>
+          </c:txPr>
+        </c:title>
+        <c:numFmt formatCode="General" sourceLinked="1"/>
+        <c:majorTickMark val="none"/>
+        <c:minorTickMark val="none"/>
+        <c:tickLblPos val="nextTo"/>
+        <c:spPr>
+          <a:noFill/>
+          <a:ln>
+            <a:noFill/>
+          </a:ln>
+          <a:effectLst/>
+        </c:spPr>
+        <c:txPr>
+          <a:bodyPr rot="-60000000" spcFirstLastPara="1" vertOverflow="ellipsis" vert="horz" wrap="square" anchor="ctr" anchorCtr="1"/>
+          <a:lstStyle/>
+          <a:p>
+            <a:pPr>
+              <a:defRPr sz="1600" b="0" i="0" u="none" strike="noStrike" kern="1200" baseline="0">
+                <a:solidFill>
+                  <a:schemeClr val="tx1">
+                    <a:lumMod val="65000"/>
+                    <a:lumOff val="35000"/>
+                  </a:schemeClr>
+                </a:solidFill>
+                <a:latin typeface="+mn-lt"/>
+                <a:ea typeface="+mn-ea"/>
+                <a:cs typeface="+mn-cs"/>
+              </a:defRPr>
+            </a:pPr>
+            <a:endParaRPr lang="it-IT"/>
+          </a:p>
+        </c:txPr>
+        <c:crossAx val="1360897504"/>
+        <c:crosses val="autoZero"/>
+        <c:crossBetween val="between"/>
+      </c:valAx>
+      <c:spPr>
+        <a:noFill/>
+        <a:ln>
+          <a:noFill/>
+        </a:ln>
+        <a:effectLst/>
+      </c:spPr>
+    </c:plotArea>
+    <c:legend>
+      <c:legendPos val="r"/>
+      <c:overlay val="0"/>
+      <c:spPr>
+        <a:noFill/>
+        <a:ln>
+          <a:noFill/>
+        </a:ln>
+        <a:effectLst/>
+      </c:spPr>
+      <c:txPr>
+        <a:bodyPr rot="0" spcFirstLastPara="1" vertOverflow="ellipsis" vert="horz" wrap="square" anchor="ctr" anchorCtr="1"/>
+        <a:lstStyle/>
+        <a:p>
+          <a:pPr>
+            <a:defRPr sz="1600" b="0" i="0" u="none" strike="noStrike" kern="1200" baseline="0">
+              <a:solidFill>
+                <a:schemeClr val="tx1">
+                  <a:lumMod val="65000"/>
+                  <a:lumOff val="35000"/>
+                </a:schemeClr>
+              </a:solidFill>
+              <a:latin typeface="+mn-lt"/>
+              <a:ea typeface="+mn-ea"/>
+              <a:cs typeface="+mn-cs"/>
+            </a:defRPr>
+          </a:pPr>
+          <a:endParaRPr lang="it-IT"/>
+        </a:p>
+      </c:txPr>
+    </c:legend>
+    <c:plotVisOnly val="1"/>
+    <c:dispBlanksAs val="gap"/>
+    <c:extLst>
+      <c:ext xmlns:c16r3="http://schemas.microsoft.com/office/drawing/2017/03/chart" uri="{56B9EC1D-385E-4148-901F-78D8002777C0}">
+        <c16r3:dataDisplayOptions16>
+          <c16r3:dispNaAsBlank val="1"/>
+        </c16r3:dataDisplayOptions16>
+      </c:ext>
+    </c:extLst>
+    <c:showDLblsOverMax val="0"/>
+  </c:chart>
+  <c:spPr>
+    <a:noFill/>
+    <a:ln>
+      <a:noFill/>
+    </a:ln>
+    <a:effectLst/>
+  </c:spPr>
+  <c:txPr>
+    <a:bodyPr/>
+    <a:lstStyle/>
+    <a:p>
+      <a:pPr>
+        <a:defRPr sz="1600"/>
+      </a:pPr>
+      <a:endParaRPr lang="it-IT"/>
+    </a:p>
+  </c:txPr>
+  <c:externalData r:id="rId3">
+    <c:autoUpdate val="0"/>
+  </c:externalData>
+</c:chartSpace>
+</file>
+
+<file path=ppt/charts/chart4.xml><?xml version="1.0" encoding="utf-8"?>
+<c:chartSpace xmlns:c="http://schemas.openxmlformats.org/drawingml/2006/chart" xmlns:a="http://schemas.openxmlformats.org/drawingml/2006/main" xmlns:r="http://schemas.openxmlformats.org/officeDocument/2006/relationships" xmlns:c16r2="http://schemas.microsoft.com/office/drawing/2015/06/chart">
+  <c:date1904 val="0"/>
+  <c:lang val="en-US"/>
+  <c:roundedCorners val="0"/>
+  <mc:AlternateContent xmlns:mc="http://schemas.openxmlformats.org/markup-compatibility/2006">
+    <mc:Choice xmlns:c14="http://schemas.microsoft.com/office/drawing/2007/8/2/chart" Requires="c14">
+      <c14:style val="102"/>
+    </mc:Choice>
+    <mc:Fallback>
+      <c:style val="2"/>
+    </mc:Fallback>
+  </mc:AlternateContent>
+  <c:chart>
+    <c:title>
+      <c:tx>
+        <c:rich>
+          <a:bodyPr rot="0" spcFirstLastPara="1" vertOverflow="ellipsis" vert="horz" wrap="square" anchor="ctr" anchorCtr="1"/>
+          <a:lstStyle/>
+          <a:p>
+            <a:pPr>
+              <a:defRPr sz="1920" b="0" i="0" u="none" strike="noStrike" kern="1200" spc="0" baseline="0">
+                <a:solidFill>
+                  <a:schemeClr val="tx1">
+                    <a:lumMod val="65000"/>
+                    <a:lumOff val="35000"/>
+                  </a:schemeClr>
+                </a:solidFill>
+                <a:latin typeface="+mn-lt"/>
+                <a:ea typeface="+mn-ea"/>
+                <a:cs typeface="+mn-cs"/>
+              </a:defRPr>
+            </a:pPr>
+            <a:r>
+              <a:rPr lang="it-IT"/>
+              <a:t>CPU Time  &amp; Elapsed Time (7 threads)</a:t>
             </a:r>
           </a:p>
         </c:rich>
@@ -1766,7 +2997,7 @@
       <c:layout/>
       <c:barChart>
         <c:barDir val="col"/>
-        <c:grouping val="percentStacked"/>
+        <c:grouping val="clustered"/>
         <c:varyColors val="0"/>
         <c:ser>
           <c:idx val="0"/>
@@ -1885,7 +3116,7 @@
           </c:val>
           <c:extLst>
             <c:ext xmlns:c16="http://schemas.microsoft.com/office/drawing/2014/chart" uri="{C3380CC4-5D6E-409C-BE32-E72D297353CC}">
-              <c16:uniqueId val="{00000000-E380-4D2B-BD9E-B5018D070534}"/>
+              <c16:uniqueId val="{00000000-F341-4778-AAF8-59DBC7C7BFD0}"/>
             </c:ext>
           </c:extLst>
         </c:ser>
@@ -2006,7 +3237,7 @@
           </c:val>
           <c:extLst>
             <c:ext xmlns:c16="http://schemas.microsoft.com/office/drawing/2014/chart" uri="{C3380CC4-5D6E-409C-BE32-E72D297353CC}">
-              <c16:uniqueId val="{00000001-E380-4D2B-BD9E-B5018D070534}"/>
+              <c16:uniqueId val="{00000001-F341-4778-AAF8-59DBC7C7BFD0}"/>
             </c:ext>
           </c:extLst>
         </c:ser>
@@ -2019,7 +3250,6 @@
           <c:showBubbleSize val="0"/>
         </c:dLbls>
         <c:gapWidth val="150"/>
-        <c:overlap val="100"/>
         <c:axId val="284059920"/>
         <c:axId val="2021548976"/>
       </c:barChart>
@@ -2090,7 +3320,7 @@
           <c:smooth val="0"/>
           <c:extLst>
             <c:ext xmlns:c16="http://schemas.microsoft.com/office/drawing/2014/chart" uri="{C3380CC4-5D6E-409C-BE32-E72D297353CC}">
-              <c16:uniqueId val="{00000002-E380-4D2B-BD9E-B5018D070534}"/>
+              <c16:uniqueId val="{00000002-F341-4778-AAF8-59DBC7C7BFD0}"/>
             </c:ext>
           </c:extLst>
         </c:ser>
@@ -2114,6 +3344,61 @@
         </c:scaling>
         <c:delete val="0"/>
         <c:axPos val="b"/>
+        <c:title>
+          <c:tx>
+            <c:rich>
+              <a:bodyPr rot="0" spcFirstLastPara="1" vertOverflow="ellipsis" vert="horz" wrap="square" anchor="ctr" anchorCtr="1"/>
+              <a:lstStyle/>
+              <a:p>
+                <a:pPr>
+                  <a:defRPr sz="1600" b="0" i="0" u="none" strike="noStrike" kern="1200" baseline="0">
+                    <a:solidFill>
+                      <a:schemeClr val="tx1">
+                        <a:lumMod val="65000"/>
+                        <a:lumOff val="35000"/>
+                      </a:schemeClr>
+                    </a:solidFill>
+                    <a:latin typeface="+mn-lt"/>
+                    <a:ea typeface="+mn-ea"/>
+                    <a:cs typeface="+mn-cs"/>
+                  </a:defRPr>
+                </a:pPr>
+                <a:r>
+                  <a:rPr lang="it-IT"/>
+                  <a:t>Dataset Size</a:t>
+                </a:r>
+              </a:p>
+            </c:rich>
+          </c:tx>
+          <c:overlay val="0"/>
+          <c:spPr>
+            <a:noFill/>
+            <a:ln>
+              <a:noFill/>
+            </a:ln>
+            <a:effectLst/>
+          </c:spPr>
+          <c:txPr>
+            <a:bodyPr rot="0" spcFirstLastPara="1" vertOverflow="ellipsis" vert="horz" wrap="square" anchor="ctr" anchorCtr="1"/>
+            <a:lstStyle/>
+            <a:p>
+              <a:pPr>
+                <a:defRPr sz="1600" b="0" i="0" u="none" strike="noStrike" kern="1200" baseline="0">
+                  <a:solidFill>
+                    <a:schemeClr val="tx1">
+                      <a:lumMod val="65000"/>
+                      <a:lumOff val="35000"/>
+                    </a:schemeClr>
+                  </a:solidFill>
+                  <a:latin typeface="+mn-lt"/>
+                  <a:ea typeface="+mn-ea"/>
+                  <a:cs typeface="+mn-cs"/>
+                </a:defRPr>
+              </a:pPr>
+              <a:endParaRPr lang="it-IT"/>
+            </a:p>
+          </c:txPr>
+        </c:title>
         <c:numFmt formatCode="General" sourceLinked="1"/>
         <c:majorTickMark val="none"/>
         <c:minorTickMark val="none"/>
@@ -2179,7 +3464,62 @@
             <a:effectLst/>
           </c:spPr>
         </c:majorGridlines>
-        <c:numFmt formatCode="0%" sourceLinked="1"/>
+        <c:title>
+          <c:tx>
+            <c:rich>
+              <a:bodyPr rot="-5400000" spcFirstLastPara="1" vertOverflow="ellipsis" vert="horz" wrap="square" anchor="ctr" anchorCtr="1"/>
+              <a:lstStyle/>
+              <a:p>
+                <a:pPr>
+                  <a:defRPr sz="1600" b="0" i="0" u="none" strike="noStrike" kern="1200" baseline="0">
+                    <a:solidFill>
+                      <a:schemeClr val="tx1">
+                        <a:lumMod val="65000"/>
+                        <a:lumOff val="35000"/>
+                      </a:schemeClr>
+                    </a:solidFill>
+                    <a:latin typeface="+mn-lt"/>
+                    <a:ea typeface="+mn-ea"/>
+                    <a:cs typeface="+mn-cs"/>
+                  </a:defRPr>
+                </a:pPr>
+                <a:r>
+                  <a:rPr lang="it-IT"/>
+                  <a:t>Seconds</a:t>
+                </a:r>
+              </a:p>
+            </c:rich>
+          </c:tx>
+          <c:overlay val="0"/>
+          <c:spPr>
+            <a:noFill/>
+            <a:ln>
+              <a:noFill/>
+            </a:ln>
+            <a:effectLst/>
+          </c:spPr>
+          <c:txPr>
+            <a:bodyPr rot="-5400000" spcFirstLastPara="1" vertOverflow="ellipsis" vert="horz" wrap="square" anchor="ctr" anchorCtr="1"/>
+            <a:lstStyle/>
+            <a:p>
+              <a:pPr>
+                <a:defRPr sz="1600" b="0" i="0" u="none" strike="noStrike" kern="1200" baseline="0">
+                  <a:solidFill>
+                    <a:schemeClr val="tx1">
+                      <a:lumMod val="65000"/>
+                      <a:lumOff val="35000"/>
+                    </a:schemeClr>
+                  </a:solidFill>
+                  <a:latin typeface="+mn-lt"/>
+                  <a:ea typeface="+mn-ea"/>
+                  <a:cs typeface="+mn-cs"/>
+                </a:defRPr>
+              </a:pPr>
+              <a:endParaRPr lang="it-IT"/>
+            </a:p>
+          </c:txPr>
+        </c:title>
+        <c:numFmt formatCode="General" sourceLinked="1"/>
         <c:majorTickMark val="none"/>
         <c:minorTickMark val="none"/>
         <c:tickLblPos val="nextTo"/>
@@ -2221,6 +3561,61 @@
         </c:scaling>
         <c:delete val="0"/>
         <c:axPos val="r"/>
+        <c:title>
+          <c:tx>
+            <c:rich>
+              <a:bodyPr rot="-5400000" spcFirstLastPara="1" vertOverflow="ellipsis" vert="horz" wrap="square" anchor="ctr" anchorCtr="1"/>
+              <a:lstStyle/>
+              <a:p>
+                <a:pPr>
+                  <a:defRPr sz="1600" b="0" i="0" u="none" strike="noStrike" kern="1200" baseline="0">
+                    <a:solidFill>
+                      <a:schemeClr val="tx1">
+                        <a:lumMod val="65000"/>
+                        <a:lumOff val="35000"/>
+                      </a:schemeClr>
+                    </a:solidFill>
+                    <a:latin typeface="+mn-lt"/>
+                    <a:ea typeface="+mn-ea"/>
+                    <a:cs typeface="+mn-cs"/>
+                  </a:defRPr>
+                </a:pPr>
+                <a:r>
+                  <a:rPr lang="it-IT"/>
+                  <a:t>CPU Time / Elapsed Time ratio</a:t>
+                </a:r>
+              </a:p>
+            </c:rich>
+          </c:tx>
+          <c:overlay val="0"/>
+          <c:spPr>
+            <a:noFill/>
+            <a:ln>
+              <a:noFill/>
+            </a:ln>
+            <a:effectLst/>
+          </c:spPr>
+          <c:txPr>
+            <a:bodyPr rot="-5400000" spcFirstLastPara="1" vertOverflow="ellipsis" vert="horz" wrap="square" anchor="ctr" anchorCtr="1"/>
+            <a:lstStyle/>
+            <a:p>
+              <a:pPr>
+                <a:defRPr sz="1600" b="0" i="0" u="none" strike="noStrike" kern="1200" baseline="0">
+                  <a:solidFill>
+                    <a:schemeClr val="tx1">
+                      <a:lumMod val="65000"/>
+                      <a:lumOff val="35000"/>
+                    </a:schemeClr>
+                  </a:solidFill>
+                  <a:latin typeface="+mn-lt"/>
+                  <a:ea typeface="+mn-ea"/>
+                  <a:cs typeface="+mn-cs"/>
+                </a:defRPr>
+              </a:pPr>
+              <a:endParaRPr lang="it-IT"/>
+            </a:p>
+          </c:txPr>
+        </c:title>
         <c:numFmt formatCode="General" sourceLinked="1"/>
         <c:majorTickMark val="out"/>
         <c:minorTickMark val="none"/>
@@ -2347,7 +3742,7 @@
 </c:chartSpace>
 </file>
 
-<file path=ppt/charts/chart4.xml><?xml version="1.0" encoding="utf-8"?>
+<file path=ppt/charts/chart5.xml><?xml version="1.0" encoding="utf-8"?>
 <c:chartSpace xmlns:c="http://schemas.openxmlformats.org/drawingml/2006/chart" xmlns:a="http://schemas.openxmlformats.org/drawingml/2006/main" xmlns:r="http://schemas.openxmlformats.org/officeDocument/2006/relationships" xmlns:c16r2="http://schemas.microsoft.com/office/drawing/2015/06/chart">
   <c:date1904 val="0"/>
   <c:lang val="en-US"/>
@@ -2911,7 +4306,7 @@
 </c:chartSpace>
 </file>
 
-<file path=ppt/charts/chart5.xml><?xml version="1.0" encoding="utf-8"?>
+<file path=ppt/charts/chart6.xml><?xml version="1.0" encoding="utf-8"?>
 <c:chartSpace xmlns:c="http://schemas.openxmlformats.org/drawingml/2006/chart" xmlns:a="http://schemas.openxmlformats.org/drawingml/2006/main" xmlns:r="http://schemas.openxmlformats.org/officeDocument/2006/relationships" xmlns:c16r2="http://schemas.microsoft.com/office/drawing/2015/06/chart">
   <c:date1904 val="0"/>
   <c:lang val="en-US"/>
@@ -3636,6 +5031,46 @@
 </file>
 
 <file path=ppt/charts/colors5.xml><?xml version="1.0" encoding="utf-8"?>
+<cs:colorStyle xmlns:cs="http://schemas.microsoft.com/office/drawing/2012/chartStyle" xmlns:a="http://schemas.openxmlformats.org/drawingml/2006/main" meth="cycle" id="10">
+  <a:schemeClr val="accent1"/>
+  <a:schemeClr val="accent2"/>
+  <a:schemeClr val="accent3"/>
+  <a:schemeClr val="accent4"/>
+  <a:schemeClr val="accent5"/>
+  <a:schemeClr val="accent6"/>
+  <cs:variation/>
+  <cs:variation>
+    <a:lumMod val="60000"/>
+  </cs:variation>
+  <cs:variation>
+    <a:lumMod val="80000"/>
+    <a:lumOff val="20000"/>
+  </cs:variation>
+  <cs:variation>
+    <a:lumMod val="80000"/>
+  </cs:variation>
+  <cs:variation>
+    <a:lumMod val="60000"/>
+    <a:lumOff val="40000"/>
+  </cs:variation>
+  <cs:variation>
+    <a:lumMod val="50000"/>
+  </cs:variation>
+  <cs:variation>
+    <a:lumMod val="70000"/>
+    <a:lumOff val="30000"/>
+  </cs:variation>
+  <cs:variation>
+    <a:lumMod val="70000"/>
+  </cs:variation>
+  <cs:variation>
+    <a:lumMod val="50000"/>
+    <a:lumOff val="50000"/>
+  </cs:variation>
+</cs:colorStyle>
+</file>
+
+<file path=ppt/charts/colors6.xml><?xml version="1.0" encoding="utf-8"?>
 <cs:colorStyle xmlns:cs="http://schemas.microsoft.com/office/drawing/2012/chartStyle" xmlns:a="http://schemas.openxmlformats.org/drawingml/2006/main" meth="cycle" id="10">
   <a:schemeClr val="accent1"/>
   <a:schemeClr val="accent2"/>
@@ -4708,511 +6143,6 @@
 </file>
 
 <file path=ppt/charts/style3.xml><?xml version="1.0" encoding="utf-8"?>
-<cs:chartStyle xmlns:cs="http://schemas.microsoft.com/office/drawing/2012/chartStyle" xmlns:a="http://schemas.openxmlformats.org/drawingml/2006/main" id="297">
-  <cs:axisTitle>
-    <cs:lnRef idx="0"/>
-    <cs:fillRef idx="0"/>
-    <cs:effectRef idx="0"/>
-    <cs:fontRef idx="minor">
-      <a:schemeClr val="tx1">
-        <a:lumMod val="65000"/>
-        <a:lumOff val="35000"/>
-      </a:schemeClr>
-    </cs:fontRef>
-    <cs:defRPr sz="1000" kern="1200"/>
-  </cs:axisTitle>
-  <cs:categoryAxis>
-    <cs:lnRef idx="0"/>
-    <cs:fillRef idx="0"/>
-    <cs:effectRef idx="0"/>
-    <cs:fontRef idx="minor">
-      <a:schemeClr val="tx1">
-        <a:lumMod val="65000"/>
-        <a:lumOff val="35000"/>
-      </a:schemeClr>
-    </cs:fontRef>
-    <cs:spPr>
-      <a:ln w="9525" cap="flat" cmpd="sng" algn="ctr">
-        <a:solidFill>
-          <a:schemeClr val="tx1">
-            <a:lumMod val="15000"/>
-            <a:lumOff val="85000"/>
-          </a:schemeClr>
-        </a:solidFill>
-        <a:round/>
-      </a:ln>
-    </cs:spPr>
-    <cs:defRPr sz="900" kern="1200"/>
-  </cs:categoryAxis>
-  <cs:chartArea mods="allowNoFillOverride allowNoLineOverride">
-    <cs:lnRef idx="0"/>
-    <cs:fillRef idx="0"/>
-    <cs:effectRef idx="0"/>
-    <cs:fontRef idx="minor">
-      <a:schemeClr val="tx1"/>
-    </cs:fontRef>
-    <cs:spPr>
-      <a:solidFill>
-        <a:schemeClr val="bg1"/>
-      </a:solidFill>
-      <a:ln w="9525" cap="flat" cmpd="sng" algn="ctr">
-        <a:solidFill>
-          <a:schemeClr val="tx1">
-            <a:lumMod val="15000"/>
-            <a:lumOff val="85000"/>
-          </a:schemeClr>
-        </a:solidFill>
-        <a:round/>
-      </a:ln>
-    </cs:spPr>
-    <cs:defRPr sz="1000" kern="1200"/>
-  </cs:chartArea>
-  <cs:dataLabel>
-    <cs:lnRef idx="0"/>
-    <cs:fillRef idx="0"/>
-    <cs:effectRef idx="0"/>
-    <cs:fontRef idx="minor">
-      <a:schemeClr val="tx1">
-        <a:lumMod val="75000"/>
-        <a:lumOff val="25000"/>
-      </a:schemeClr>
-    </cs:fontRef>
-    <cs:defRPr sz="900" kern="1200"/>
-  </cs:dataLabel>
-  <cs:dataLabelCallout>
-    <cs:lnRef idx="0"/>
-    <cs:fillRef idx="0"/>
-    <cs:effectRef idx="0"/>
-    <cs:fontRef idx="minor">
-      <a:schemeClr val="dk1">
-        <a:lumMod val="65000"/>
-        <a:lumOff val="35000"/>
-      </a:schemeClr>
-    </cs:fontRef>
-    <cs:spPr>
-      <a:solidFill>
-        <a:schemeClr val="lt1"/>
-      </a:solidFill>
-      <a:ln>
-        <a:solidFill>
-          <a:schemeClr val="dk1">
-            <a:lumMod val="25000"/>
-            <a:lumOff val="75000"/>
-          </a:schemeClr>
-        </a:solidFill>
-      </a:ln>
-    </cs:spPr>
-    <cs:defRPr sz="900" kern="1200"/>
-    <cs:bodyPr rot="0" spcFirstLastPara="1" vertOverflow="clip" horzOverflow="clip" vert="horz" wrap="square" lIns="36576" tIns="18288" rIns="36576" bIns="18288" anchor="ctr" anchorCtr="1">
-      <a:spAutoFit/>
-    </cs:bodyPr>
-  </cs:dataLabelCallout>
-  <cs:dataPoint>
-    <cs:lnRef idx="0"/>
-    <cs:fillRef idx="1">
-      <cs:styleClr val="auto"/>
-    </cs:fillRef>
-    <cs:effectRef idx="0"/>
-    <cs:fontRef idx="minor">
-      <a:schemeClr val="tx1"/>
-    </cs:fontRef>
-  </cs:dataPoint>
-  <cs:dataPoint3D>
-    <cs:lnRef idx="0"/>
-    <cs:fillRef idx="1">
-      <cs:styleClr val="auto"/>
-    </cs:fillRef>
-    <cs:effectRef idx="0"/>
-    <cs:fontRef idx="minor">
-      <a:schemeClr val="tx1"/>
-    </cs:fontRef>
-  </cs:dataPoint3D>
-  <cs:dataPointLine>
-    <cs:lnRef idx="0">
-      <cs:styleClr val="auto"/>
-    </cs:lnRef>
-    <cs:fillRef idx="1"/>
-    <cs:effectRef idx="0"/>
-    <cs:fontRef idx="minor">
-      <a:schemeClr val="tx1"/>
-    </cs:fontRef>
-    <cs:spPr>
-      <a:ln w="28575" cap="rnd">
-        <a:solidFill>
-          <a:schemeClr val="phClr"/>
-        </a:solidFill>
-        <a:round/>
-      </a:ln>
-    </cs:spPr>
-  </cs:dataPointLine>
-  <cs:dataPointMarker>
-    <cs:lnRef idx="0">
-      <cs:styleClr val="auto"/>
-    </cs:lnRef>
-    <cs:fillRef idx="1">
-      <cs:styleClr val="auto"/>
-    </cs:fillRef>
-    <cs:effectRef idx="0"/>
-    <cs:fontRef idx="minor">
-      <a:schemeClr val="tx1"/>
-    </cs:fontRef>
-    <cs:spPr>
-      <a:ln w="9525">
-        <a:solidFill>
-          <a:schemeClr val="phClr"/>
-        </a:solidFill>
-      </a:ln>
-    </cs:spPr>
-  </cs:dataPointMarker>
-  <cs:dataPointMarkerLayout symbol="circle" size="5"/>
-  <cs:dataPointWireframe>
-    <cs:lnRef idx="0">
-      <cs:styleClr val="auto"/>
-    </cs:lnRef>
-    <cs:fillRef idx="1"/>
-    <cs:effectRef idx="0"/>
-    <cs:fontRef idx="minor">
-      <a:schemeClr val="tx1"/>
-    </cs:fontRef>
-    <cs:spPr>
-      <a:ln w="9525" cap="rnd">
-        <a:solidFill>
-          <a:schemeClr val="phClr"/>
-        </a:solidFill>
-        <a:round/>
-      </a:ln>
-    </cs:spPr>
-  </cs:dataPointWireframe>
-  <cs:dataTable>
-    <cs:lnRef idx="0"/>
-    <cs:fillRef idx="0"/>
-    <cs:effectRef idx="0"/>
-    <cs:fontRef idx="minor">
-      <a:schemeClr val="tx1">
-        <a:lumMod val="65000"/>
-        <a:lumOff val="35000"/>
-      </a:schemeClr>
-    </cs:fontRef>
-    <cs:spPr>
-      <a:noFill/>
-      <a:ln w="9525" cap="flat" cmpd="sng" algn="ctr">
-        <a:solidFill>
-          <a:schemeClr val="tx1">
-            <a:lumMod val="15000"/>
-            <a:lumOff val="85000"/>
-          </a:schemeClr>
-        </a:solidFill>
-        <a:round/>
-      </a:ln>
-    </cs:spPr>
-    <cs:defRPr sz="900" kern="1200"/>
-  </cs:dataTable>
-  <cs:downBar>
-    <cs:lnRef idx="0"/>
-    <cs:fillRef idx="0"/>
-    <cs:effectRef idx="0"/>
-    <cs:fontRef idx="minor">
-      <a:schemeClr val="tx1"/>
-    </cs:fontRef>
-    <cs:spPr>
-      <a:solidFill>
-        <a:schemeClr val="dk1">
-          <a:lumMod val="75000"/>
-          <a:lumOff val="25000"/>
-        </a:schemeClr>
-      </a:solidFill>
-      <a:ln w="9525" cap="flat" cmpd="sng" algn="ctr">
-        <a:solidFill>
-          <a:schemeClr val="tx1">
-            <a:lumMod val="65000"/>
-            <a:lumOff val="35000"/>
-          </a:schemeClr>
-        </a:solidFill>
-        <a:round/>
-      </a:ln>
-    </cs:spPr>
-  </cs:downBar>
-  <cs:dropLine>
-    <cs:lnRef idx="0"/>
-    <cs:fillRef idx="0"/>
-    <cs:effectRef idx="0"/>
-    <cs:fontRef idx="minor">
-      <a:schemeClr val="tx1"/>
-    </cs:fontRef>
-    <cs:spPr>
-      <a:ln w="9525" cap="flat" cmpd="sng" algn="ctr">
-        <a:solidFill>
-          <a:schemeClr val="tx1">
-            <a:lumMod val="35000"/>
-            <a:lumOff val="65000"/>
-          </a:schemeClr>
-        </a:solidFill>
-        <a:round/>
-      </a:ln>
-    </cs:spPr>
-  </cs:dropLine>
-  <cs:errorBar>
-    <cs:lnRef idx="0"/>
-    <cs:fillRef idx="0"/>
-    <cs:effectRef idx="0"/>
-    <cs:fontRef idx="minor">
-      <a:schemeClr val="tx1"/>
-    </cs:fontRef>
-    <cs:spPr>
-      <a:ln w="9525" cap="flat" cmpd="sng" algn="ctr">
-        <a:solidFill>
-          <a:schemeClr val="tx1">
-            <a:lumMod val="65000"/>
-            <a:lumOff val="35000"/>
-          </a:schemeClr>
-        </a:solidFill>
-        <a:round/>
-      </a:ln>
-    </cs:spPr>
-  </cs:errorBar>
-  <cs:floor>
-    <cs:lnRef idx="0"/>
-    <cs:fillRef idx="0"/>
-    <cs:effectRef idx="0"/>
-    <cs:fontRef idx="minor">
-      <a:schemeClr val="tx1"/>
-    </cs:fontRef>
-    <cs:spPr>
-      <a:noFill/>
-      <a:ln>
-        <a:noFill/>
-      </a:ln>
-    </cs:spPr>
-  </cs:floor>
-  <cs:gridlineMajor>
-    <cs:lnRef idx="0"/>
-    <cs:fillRef idx="0"/>
-    <cs:effectRef idx="0"/>
-    <cs:fontRef idx="minor">
-      <a:schemeClr val="tx1"/>
-    </cs:fontRef>
-    <cs:spPr>
-      <a:ln w="9525" cap="flat" cmpd="sng" algn="ctr">
-        <a:solidFill>
-          <a:schemeClr val="tx1">
-            <a:lumMod val="15000"/>
-            <a:lumOff val="85000"/>
-          </a:schemeClr>
-        </a:solidFill>
-        <a:round/>
-      </a:ln>
-    </cs:spPr>
-  </cs:gridlineMajor>
-  <cs:gridlineMinor>
-    <cs:lnRef idx="0"/>
-    <cs:fillRef idx="0"/>
-    <cs:effectRef idx="0"/>
-    <cs:fontRef idx="minor">
-      <a:schemeClr val="tx1"/>
-    </cs:fontRef>
-    <cs:spPr>
-      <a:ln w="9525" cap="flat" cmpd="sng" algn="ctr">
-        <a:solidFill>
-          <a:schemeClr val="tx1">
-            <a:lumMod val="5000"/>
-            <a:lumOff val="95000"/>
-          </a:schemeClr>
-        </a:solidFill>
-        <a:round/>
-      </a:ln>
-    </cs:spPr>
-  </cs:gridlineMinor>
-  <cs:hiLoLine>
-    <cs:lnRef idx="0"/>
-    <cs:fillRef idx="0"/>
-    <cs:effectRef idx="0"/>
-    <cs:fontRef idx="minor">
-      <a:schemeClr val="tx1"/>
-    </cs:fontRef>
-    <cs:spPr>
-      <a:ln w="9525" cap="flat" cmpd="sng" algn="ctr">
-        <a:solidFill>
-          <a:schemeClr val="tx1">
-            <a:lumMod val="50000"/>
-            <a:lumOff val="50000"/>
-          </a:schemeClr>
-        </a:solidFill>
-        <a:round/>
-      </a:ln>
-    </cs:spPr>
-  </cs:hiLoLine>
-  <cs:leaderLine>
-    <cs:lnRef idx="0"/>
-    <cs:fillRef idx="0"/>
-    <cs:effectRef idx="0"/>
-    <cs:fontRef idx="minor">
-      <a:schemeClr val="tx1"/>
-    </cs:fontRef>
-    <cs:spPr>
-      <a:ln w="9525" cap="flat" cmpd="sng" algn="ctr">
-        <a:solidFill>
-          <a:schemeClr val="tx1">
-            <a:lumMod val="35000"/>
-            <a:lumOff val="65000"/>
-          </a:schemeClr>
-        </a:solidFill>
-        <a:round/>
-      </a:ln>
-    </cs:spPr>
-  </cs:leaderLine>
-  <cs:legend>
-    <cs:lnRef idx="0"/>
-    <cs:fillRef idx="0"/>
-    <cs:effectRef idx="0"/>
-    <cs:fontRef idx="minor">
-      <a:schemeClr val="tx1">
-        <a:lumMod val="65000"/>
-        <a:lumOff val="35000"/>
-      </a:schemeClr>
-    </cs:fontRef>
-    <cs:defRPr sz="900" kern="1200"/>
-  </cs:legend>
-  <cs:plotArea mods="allowNoFillOverride allowNoLineOverride">
-    <cs:lnRef idx="0"/>
-    <cs:fillRef idx="0"/>
-    <cs:effectRef idx="0"/>
-    <cs:fontRef idx="minor">
-      <a:schemeClr val="tx1"/>
-    </cs:fontRef>
-  </cs:plotArea>
-  <cs:plotArea3D mods="allowNoFillOverride allowNoLineOverride">
-    <cs:lnRef idx="0"/>
-    <cs:fillRef idx="0"/>
-    <cs:effectRef idx="0"/>
-    <cs:fontRef idx="minor">
-      <a:schemeClr val="tx1"/>
-    </cs:fontRef>
-  </cs:plotArea3D>
-  <cs:seriesAxis>
-    <cs:lnRef idx="0"/>
-    <cs:fillRef idx="0"/>
-    <cs:effectRef idx="0"/>
-    <cs:fontRef idx="minor">
-      <a:schemeClr val="tx1">
-        <a:lumMod val="65000"/>
-        <a:lumOff val="35000"/>
-      </a:schemeClr>
-    </cs:fontRef>
-    <cs:defRPr sz="900" kern="1200"/>
-  </cs:seriesAxis>
-  <cs:seriesLine>
-    <cs:lnRef idx="0"/>
-    <cs:fillRef idx="0"/>
-    <cs:effectRef idx="0"/>
-    <cs:fontRef idx="minor">
-      <a:schemeClr val="tx1"/>
-    </cs:fontRef>
-    <cs:spPr>
-      <a:ln w="9525" cap="flat" cmpd="sng" algn="ctr">
-        <a:solidFill>
-          <a:schemeClr val="tx1">
-            <a:lumMod val="35000"/>
-            <a:lumOff val="65000"/>
-          </a:schemeClr>
-        </a:solidFill>
-        <a:round/>
-      </a:ln>
-    </cs:spPr>
-  </cs:seriesLine>
-  <cs:title>
-    <cs:lnRef idx="0"/>
-    <cs:fillRef idx="0"/>
-    <cs:effectRef idx="0"/>
-    <cs:fontRef idx="minor">
-      <a:schemeClr val="tx1">
-        <a:lumMod val="65000"/>
-        <a:lumOff val="35000"/>
-      </a:schemeClr>
-    </cs:fontRef>
-    <cs:defRPr sz="1400" b="0" kern="1200" spc="0" baseline="0"/>
-  </cs:title>
-  <cs:trendline>
-    <cs:lnRef idx="0">
-      <cs:styleClr val="auto"/>
-    </cs:lnRef>
-    <cs:fillRef idx="0"/>
-    <cs:effectRef idx="0"/>
-    <cs:fontRef idx="minor">
-      <a:schemeClr val="tx1"/>
-    </cs:fontRef>
-    <cs:spPr>
-      <a:ln w="19050" cap="rnd">
-        <a:solidFill>
-          <a:schemeClr val="phClr"/>
-        </a:solidFill>
-        <a:prstDash val="sysDot"/>
-      </a:ln>
-    </cs:spPr>
-  </cs:trendline>
-  <cs:trendlineLabel>
-    <cs:lnRef idx="0"/>
-    <cs:fillRef idx="0"/>
-    <cs:effectRef idx="0"/>
-    <cs:fontRef idx="minor">
-      <a:schemeClr val="tx1">
-        <a:lumMod val="65000"/>
-        <a:lumOff val="35000"/>
-      </a:schemeClr>
-    </cs:fontRef>
-    <cs:defRPr sz="900" kern="1200"/>
-  </cs:trendlineLabel>
-  <cs:upBar>
-    <cs:lnRef idx="0"/>
-    <cs:fillRef idx="0"/>
-    <cs:effectRef idx="0"/>
-    <cs:fontRef idx="minor">
-      <a:schemeClr val="tx1"/>
-    </cs:fontRef>
-    <cs:spPr>
-      <a:solidFill>
-        <a:schemeClr val="lt1"/>
-      </a:solidFill>
-      <a:ln w="9525" cap="flat" cmpd="sng" algn="ctr">
-        <a:solidFill>
-          <a:schemeClr val="tx1">
-            <a:lumMod val="65000"/>
-            <a:lumOff val="35000"/>
-          </a:schemeClr>
-        </a:solidFill>
-        <a:round/>
-      </a:ln>
-    </cs:spPr>
-  </cs:upBar>
-  <cs:valueAxis>
-    <cs:lnRef idx="0"/>
-    <cs:fillRef idx="0"/>
-    <cs:effectRef idx="0"/>
-    <cs:fontRef idx="minor">
-      <a:schemeClr val="tx1">
-        <a:lumMod val="65000"/>
-        <a:lumOff val="35000"/>
-      </a:schemeClr>
-    </cs:fontRef>
-    <cs:defRPr sz="900" kern="1200"/>
-  </cs:valueAxis>
-  <cs:wall>
-    <cs:lnRef idx="0"/>
-    <cs:fillRef idx="0"/>
-    <cs:effectRef idx="0"/>
-    <cs:fontRef idx="minor">
-      <a:schemeClr val="tx1"/>
-    </cs:fontRef>
-    <cs:spPr>
-      <a:noFill/>
-      <a:ln>
-        <a:noFill/>
-      </a:ln>
-    </cs:spPr>
-  </cs:wall>
-</cs:chartStyle>
-</file>
-
-<file path=ppt/charts/style4.xml><?xml version="1.0" encoding="utf-8"?>
 <cs:chartStyle xmlns:cs="http://schemas.microsoft.com/office/drawing/2012/chartStyle" xmlns:a="http://schemas.openxmlformats.org/drawingml/2006/main" id="227">
   <cs:axisTitle>
     <cs:lnRef idx="0"/>
@@ -5728,7 +6658,1028 @@
 </cs:chartStyle>
 </file>
 
+<file path=ppt/charts/style4.xml><?xml version="1.0" encoding="utf-8"?>
+<cs:chartStyle xmlns:cs="http://schemas.microsoft.com/office/drawing/2012/chartStyle" xmlns:a="http://schemas.openxmlformats.org/drawingml/2006/main" id="297">
+  <cs:axisTitle>
+    <cs:lnRef idx="0"/>
+    <cs:fillRef idx="0"/>
+    <cs:effectRef idx="0"/>
+    <cs:fontRef idx="minor">
+      <a:schemeClr val="tx1">
+        <a:lumMod val="65000"/>
+        <a:lumOff val="35000"/>
+      </a:schemeClr>
+    </cs:fontRef>
+    <cs:defRPr sz="1000" kern="1200"/>
+  </cs:axisTitle>
+  <cs:categoryAxis>
+    <cs:lnRef idx="0"/>
+    <cs:fillRef idx="0"/>
+    <cs:effectRef idx="0"/>
+    <cs:fontRef idx="minor">
+      <a:schemeClr val="tx1">
+        <a:lumMod val="65000"/>
+        <a:lumOff val="35000"/>
+      </a:schemeClr>
+    </cs:fontRef>
+    <cs:spPr>
+      <a:ln w="9525" cap="flat" cmpd="sng" algn="ctr">
+        <a:solidFill>
+          <a:schemeClr val="tx1">
+            <a:lumMod val="15000"/>
+            <a:lumOff val="85000"/>
+          </a:schemeClr>
+        </a:solidFill>
+        <a:round/>
+      </a:ln>
+    </cs:spPr>
+    <cs:defRPr sz="900" kern="1200"/>
+  </cs:categoryAxis>
+  <cs:chartArea mods="allowNoFillOverride allowNoLineOverride">
+    <cs:lnRef idx="0"/>
+    <cs:fillRef idx="0"/>
+    <cs:effectRef idx="0"/>
+    <cs:fontRef idx="minor">
+      <a:schemeClr val="tx1"/>
+    </cs:fontRef>
+    <cs:spPr>
+      <a:solidFill>
+        <a:schemeClr val="bg1"/>
+      </a:solidFill>
+      <a:ln w="9525" cap="flat" cmpd="sng" algn="ctr">
+        <a:solidFill>
+          <a:schemeClr val="tx1">
+            <a:lumMod val="15000"/>
+            <a:lumOff val="85000"/>
+          </a:schemeClr>
+        </a:solidFill>
+        <a:round/>
+      </a:ln>
+    </cs:spPr>
+    <cs:defRPr sz="1000" kern="1200"/>
+  </cs:chartArea>
+  <cs:dataLabel>
+    <cs:lnRef idx="0"/>
+    <cs:fillRef idx="0"/>
+    <cs:effectRef idx="0"/>
+    <cs:fontRef idx="minor">
+      <a:schemeClr val="tx1">
+        <a:lumMod val="75000"/>
+        <a:lumOff val="25000"/>
+      </a:schemeClr>
+    </cs:fontRef>
+    <cs:defRPr sz="900" kern="1200"/>
+  </cs:dataLabel>
+  <cs:dataLabelCallout>
+    <cs:lnRef idx="0"/>
+    <cs:fillRef idx="0"/>
+    <cs:effectRef idx="0"/>
+    <cs:fontRef idx="minor">
+      <a:schemeClr val="dk1">
+        <a:lumMod val="65000"/>
+        <a:lumOff val="35000"/>
+      </a:schemeClr>
+    </cs:fontRef>
+    <cs:spPr>
+      <a:solidFill>
+        <a:schemeClr val="lt1"/>
+      </a:solidFill>
+      <a:ln>
+        <a:solidFill>
+          <a:schemeClr val="dk1">
+            <a:lumMod val="25000"/>
+            <a:lumOff val="75000"/>
+          </a:schemeClr>
+        </a:solidFill>
+      </a:ln>
+    </cs:spPr>
+    <cs:defRPr sz="900" kern="1200"/>
+    <cs:bodyPr rot="0" spcFirstLastPara="1" vertOverflow="clip" horzOverflow="clip" vert="horz" wrap="square" lIns="36576" tIns="18288" rIns="36576" bIns="18288" anchor="ctr" anchorCtr="1">
+      <a:spAutoFit/>
+    </cs:bodyPr>
+  </cs:dataLabelCallout>
+  <cs:dataPoint>
+    <cs:lnRef idx="0"/>
+    <cs:fillRef idx="1">
+      <cs:styleClr val="auto"/>
+    </cs:fillRef>
+    <cs:effectRef idx="0"/>
+    <cs:fontRef idx="minor">
+      <a:schemeClr val="tx1"/>
+    </cs:fontRef>
+  </cs:dataPoint>
+  <cs:dataPoint3D>
+    <cs:lnRef idx="0"/>
+    <cs:fillRef idx="1">
+      <cs:styleClr val="auto"/>
+    </cs:fillRef>
+    <cs:effectRef idx="0"/>
+    <cs:fontRef idx="minor">
+      <a:schemeClr val="tx1"/>
+    </cs:fontRef>
+  </cs:dataPoint3D>
+  <cs:dataPointLine>
+    <cs:lnRef idx="0">
+      <cs:styleClr val="auto"/>
+    </cs:lnRef>
+    <cs:fillRef idx="1"/>
+    <cs:effectRef idx="0"/>
+    <cs:fontRef idx="minor">
+      <a:schemeClr val="tx1"/>
+    </cs:fontRef>
+    <cs:spPr>
+      <a:ln w="28575" cap="rnd">
+        <a:solidFill>
+          <a:schemeClr val="phClr"/>
+        </a:solidFill>
+        <a:round/>
+      </a:ln>
+    </cs:spPr>
+  </cs:dataPointLine>
+  <cs:dataPointMarker>
+    <cs:lnRef idx="0">
+      <cs:styleClr val="auto"/>
+    </cs:lnRef>
+    <cs:fillRef idx="1">
+      <cs:styleClr val="auto"/>
+    </cs:fillRef>
+    <cs:effectRef idx="0"/>
+    <cs:fontRef idx="minor">
+      <a:schemeClr val="tx1"/>
+    </cs:fontRef>
+    <cs:spPr>
+      <a:ln w="9525">
+        <a:solidFill>
+          <a:schemeClr val="phClr"/>
+        </a:solidFill>
+      </a:ln>
+    </cs:spPr>
+  </cs:dataPointMarker>
+  <cs:dataPointMarkerLayout symbol="circle" size="5"/>
+  <cs:dataPointWireframe>
+    <cs:lnRef idx="0">
+      <cs:styleClr val="auto"/>
+    </cs:lnRef>
+    <cs:fillRef idx="1"/>
+    <cs:effectRef idx="0"/>
+    <cs:fontRef idx="minor">
+      <a:schemeClr val="tx1"/>
+    </cs:fontRef>
+    <cs:spPr>
+      <a:ln w="9525" cap="rnd">
+        <a:solidFill>
+          <a:schemeClr val="phClr"/>
+        </a:solidFill>
+        <a:round/>
+      </a:ln>
+    </cs:spPr>
+  </cs:dataPointWireframe>
+  <cs:dataTable>
+    <cs:lnRef idx="0"/>
+    <cs:fillRef idx="0"/>
+    <cs:effectRef idx="0"/>
+    <cs:fontRef idx="minor">
+      <a:schemeClr val="tx1">
+        <a:lumMod val="65000"/>
+        <a:lumOff val="35000"/>
+      </a:schemeClr>
+    </cs:fontRef>
+    <cs:spPr>
+      <a:noFill/>
+      <a:ln w="9525" cap="flat" cmpd="sng" algn="ctr">
+        <a:solidFill>
+          <a:schemeClr val="tx1">
+            <a:lumMod val="15000"/>
+            <a:lumOff val="85000"/>
+          </a:schemeClr>
+        </a:solidFill>
+        <a:round/>
+      </a:ln>
+    </cs:spPr>
+    <cs:defRPr sz="900" kern="1200"/>
+  </cs:dataTable>
+  <cs:downBar>
+    <cs:lnRef idx="0"/>
+    <cs:fillRef idx="0"/>
+    <cs:effectRef idx="0"/>
+    <cs:fontRef idx="minor">
+      <a:schemeClr val="tx1"/>
+    </cs:fontRef>
+    <cs:spPr>
+      <a:solidFill>
+        <a:schemeClr val="dk1">
+          <a:lumMod val="75000"/>
+          <a:lumOff val="25000"/>
+        </a:schemeClr>
+      </a:solidFill>
+      <a:ln w="9525" cap="flat" cmpd="sng" algn="ctr">
+        <a:solidFill>
+          <a:schemeClr val="tx1">
+            <a:lumMod val="65000"/>
+            <a:lumOff val="35000"/>
+          </a:schemeClr>
+        </a:solidFill>
+        <a:round/>
+      </a:ln>
+    </cs:spPr>
+  </cs:downBar>
+  <cs:dropLine>
+    <cs:lnRef idx="0"/>
+    <cs:fillRef idx="0"/>
+    <cs:effectRef idx="0"/>
+    <cs:fontRef idx="minor">
+      <a:schemeClr val="tx1"/>
+    </cs:fontRef>
+    <cs:spPr>
+      <a:ln w="9525" cap="flat" cmpd="sng" algn="ctr">
+        <a:solidFill>
+          <a:schemeClr val="tx1">
+            <a:lumMod val="35000"/>
+            <a:lumOff val="65000"/>
+          </a:schemeClr>
+        </a:solidFill>
+        <a:round/>
+      </a:ln>
+    </cs:spPr>
+  </cs:dropLine>
+  <cs:errorBar>
+    <cs:lnRef idx="0"/>
+    <cs:fillRef idx="0"/>
+    <cs:effectRef idx="0"/>
+    <cs:fontRef idx="minor">
+      <a:schemeClr val="tx1"/>
+    </cs:fontRef>
+    <cs:spPr>
+      <a:ln w="9525" cap="flat" cmpd="sng" algn="ctr">
+        <a:solidFill>
+          <a:schemeClr val="tx1">
+            <a:lumMod val="65000"/>
+            <a:lumOff val="35000"/>
+          </a:schemeClr>
+        </a:solidFill>
+        <a:round/>
+      </a:ln>
+    </cs:spPr>
+  </cs:errorBar>
+  <cs:floor>
+    <cs:lnRef idx="0"/>
+    <cs:fillRef idx="0"/>
+    <cs:effectRef idx="0"/>
+    <cs:fontRef idx="minor">
+      <a:schemeClr val="tx1"/>
+    </cs:fontRef>
+    <cs:spPr>
+      <a:noFill/>
+      <a:ln>
+        <a:noFill/>
+      </a:ln>
+    </cs:spPr>
+  </cs:floor>
+  <cs:gridlineMajor>
+    <cs:lnRef idx="0"/>
+    <cs:fillRef idx="0"/>
+    <cs:effectRef idx="0"/>
+    <cs:fontRef idx="minor">
+      <a:schemeClr val="tx1"/>
+    </cs:fontRef>
+    <cs:spPr>
+      <a:ln w="9525" cap="flat" cmpd="sng" algn="ctr">
+        <a:solidFill>
+          <a:schemeClr val="tx1">
+            <a:lumMod val="15000"/>
+            <a:lumOff val="85000"/>
+          </a:schemeClr>
+        </a:solidFill>
+        <a:round/>
+      </a:ln>
+    </cs:spPr>
+  </cs:gridlineMajor>
+  <cs:gridlineMinor>
+    <cs:lnRef idx="0"/>
+    <cs:fillRef idx="0"/>
+    <cs:effectRef idx="0"/>
+    <cs:fontRef idx="minor">
+      <a:schemeClr val="tx1"/>
+    </cs:fontRef>
+    <cs:spPr>
+      <a:ln w="9525" cap="flat" cmpd="sng" algn="ctr">
+        <a:solidFill>
+          <a:schemeClr val="tx1">
+            <a:lumMod val="5000"/>
+            <a:lumOff val="95000"/>
+          </a:schemeClr>
+        </a:solidFill>
+        <a:round/>
+      </a:ln>
+    </cs:spPr>
+  </cs:gridlineMinor>
+  <cs:hiLoLine>
+    <cs:lnRef idx="0"/>
+    <cs:fillRef idx="0"/>
+    <cs:effectRef idx="0"/>
+    <cs:fontRef idx="minor">
+      <a:schemeClr val="tx1"/>
+    </cs:fontRef>
+    <cs:spPr>
+      <a:ln w="9525" cap="flat" cmpd="sng" algn="ctr">
+        <a:solidFill>
+          <a:schemeClr val="tx1">
+            <a:lumMod val="50000"/>
+            <a:lumOff val="50000"/>
+          </a:schemeClr>
+        </a:solidFill>
+        <a:round/>
+      </a:ln>
+    </cs:spPr>
+  </cs:hiLoLine>
+  <cs:leaderLine>
+    <cs:lnRef idx="0"/>
+    <cs:fillRef idx="0"/>
+    <cs:effectRef idx="0"/>
+    <cs:fontRef idx="minor">
+      <a:schemeClr val="tx1"/>
+    </cs:fontRef>
+    <cs:spPr>
+      <a:ln w="9525" cap="flat" cmpd="sng" algn="ctr">
+        <a:solidFill>
+          <a:schemeClr val="tx1">
+            <a:lumMod val="35000"/>
+            <a:lumOff val="65000"/>
+          </a:schemeClr>
+        </a:solidFill>
+        <a:round/>
+      </a:ln>
+    </cs:spPr>
+  </cs:leaderLine>
+  <cs:legend>
+    <cs:lnRef idx="0"/>
+    <cs:fillRef idx="0"/>
+    <cs:effectRef idx="0"/>
+    <cs:fontRef idx="minor">
+      <a:schemeClr val="tx1">
+        <a:lumMod val="65000"/>
+        <a:lumOff val="35000"/>
+      </a:schemeClr>
+    </cs:fontRef>
+    <cs:defRPr sz="900" kern="1200"/>
+  </cs:legend>
+  <cs:plotArea mods="allowNoFillOverride allowNoLineOverride">
+    <cs:lnRef idx="0"/>
+    <cs:fillRef idx="0"/>
+    <cs:effectRef idx="0"/>
+    <cs:fontRef idx="minor">
+      <a:schemeClr val="tx1"/>
+    </cs:fontRef>
+  </cs:plotArea>
+  <cs:plotArea3D mods="allowNoFillOverride allowNoLineOverride">
+    <cs:lnRef idx="0"/>
+    <cs:fillRef idx="0"/>
+    <cs:effectRef idx="0"/>
+    <cs:fontRef idx="minor">
+      <a:schemeClr val="tx1"/>
+    </cs:fontRef>
+  </cs:plotArea3D>
+  <cs:seriesAxis>
+    <cs:lnRef idx="0"/>
+    <cs:fillRef idx="0"/>
+    <cs:effectRef idx="0"/>
+    <cs:fontRef idx="minor">
+      <a:schemeClr val="tx1">
+        <a:lumMod val="65000"/>
+        <a:lumOff val="35000"/>
+      </a:schemeClr>
+    </cs:fontRef>
+    <cs:defRPr sz="900" kern="1200"/>
+  </cs:seriesAxis>
+  <cs:seriesLine>
+    <cs:lnRef idx="0"/>
+    <cs:fillRef idx="0"/>
+    <cs:effectRef idx="0"/>
+    <cs:fontRef idx="minor">
+      <a:schemeClr val="tx1"/>
+    </cs:fontRef>
+    <cs:spPr>
+      <a:ln w="9525" cap="flat" cmpd="sng" algn="ctr">
+        <a:solidFill>
+          <a:schemeClr val="tx1">
+            <a:lumMod val="35000"/>
+            <a:lumOff val="65000"/>
+          </a:schemeClr>
+        </a:solidFill>
+        <a:round/>
+      </a:ln>
+    </cs:spPr>
+  </cs:seriesLine>
+  <cs:title>
+    <cs:lnRef idx="0"/>
+    <cs:fillRef idx="0"/>
+    <cs:effectRef idx="0"/>
+    <cs:fontRef idx="minor">
+      <a:schemeClr val="tx1">
+        <a:lumMod val="65000"/>
+        <a:lumOff val="35000"/>
+      </a:schemeClr>
+    </cs:fontRef>
+    <cs:defRPr sz="1400" b="0" kern="1200" spc="0" baseline="0"/>
+  </cs:title>
+  <cs:trendline>
+    <cs:lnRef idx="0">
+      <cs:styleClr val="auto"/>
+    </cs:lnRef>
+    <cs:fillRef idx="0"/>
+    <cs:effectRef idx="0"/>
+    <cs:fontRef idx="minor">
+      <a:schemeClr val="tx1"/>
+    </cs:fontRef>
+    <cs:spPr>
+      <a:ln w="19050" cap="rnd">
+        <a:solidFill>
+          <a:schemeClr val="phClr"/>
+        </a:solidFill>
+        <a:prstDash val="sysDot"/>
+      </a:ln>
+    </cs:spPr>
+  </cs:trendline>
+  <cs:trendlineLabel>
+    <cs:lnRef idx="0"/>
+    <cs:fillRef idx="0"/>
+    <cs:effectRef idx="0"/>
+    <cs:fontRef idx="minor">
+      <a:schemeClr val="tx1">
+        <a:lumMod val="65000"/>
+        <a:lumOff val="35000"/>
+      </a:schemeClr>
+    </cs:fontRef>
+    <cs:defRPr sz="900" kern="1200"/>
+  </cs:trendlineLabel>
+  <cs:upBar>
+    <cs:lnRef idx="0"/>
+    <cs:fillRef idx="0"/>
+    <cs:effectRef idx="0"/>
+    <cs:fontRef idx="minor">
+      <a:schemeClr val="tx1"/>
+    </cs:fontRef>
+    <cs:spPr>
+      <a:solidFill>
+        <a:schemeClr val="lt1"/>
+      </a:solidFill>
+      <a:ln w="9525" cap="flat" cmpd="sng" algn="ctr">
+        <a:solidFill>
+          <a:schemeClr val="tx1">
+            <a:lumMod val="65000"/>
+            <a:lumOff val="35000"/>
+          </a:schemeClr>
+        </a:solidFill>
+        <a:round/>
+      </a:ln>
+    </cs:spPr>
+  </cs:upBar>
+  <cs:valueAxis>
+    <cs:lnRef idx="0"/>
+    <cs:fillRef idx="0"/>
+    <cs:effectRef idx="0"/>
+    <cs:fontRef idx="minor">
+      <a:schemeClr val="tx1">
+        <a:lumMod val="65000"/>
+        <a:lumOff val="35000"/>
+      </a:schemeClr>
+    </cs:fontRef>
+    <cs:defRPr sz="900" kern="1200"/>
+  </cs:valueAxis>
+  <cs:wall>
+    <cs:lnRef idx="0"/>
+    <cs:fillRef idx="0"/>
+    <cs:effectRef idx="0"/>
+    <cs:fontRef idx="minor">
+      <a:schemeClr val="tx1"/>
+    </cs:fontRef>
+    <cs:spPr>
+      <a:noFill/>
+      <a:ln>
+        <a:noFill/>
+      </a:ln>
+    </cs:spPr>
+  </cs:wall>
+</cs:chartStyle>
+</file>
+
 <file path=ppt/charts/style5.xml><?xml version="1.0" encoding="utf-8"?>
+<cs:chartStyle xmlns:cs="http://schemas.microsoft.com/office/drawing/2012/chartStyle" xmlns:a="http://schemas.openxmlformats.org/drawingml/2006/main" id="227">
+  <cs:axisTitle>
+    <cs:lnRef idx="0"/>
+    <cs:fillRef idx="0"/>
+    <cs:effectRef idx="0"/>
+    <cs:fontRef idx="minor">
+      <a:schemeClr val="tx1">
+        <a:lumMod val="65000"/>
+        <a:lumOff val="35000"/>
+      </a:schemeClr>
+    </cs:fontRef>
+    <cs:defRPr sz="1000" kern="1200"/>
+  </cs:axisTitle>
+  <cs:categoryAxis>
+    <cs:lnRef idx="0"/>
+    <cs:fillRef idx="0"/>
+    <cs:effectRef idx="0"/>
+    <cs:fontRef idx="minor">
+      <a:schemeClr val="tx1">
+        <a:lumMod val="65000"/>
+        <a:lumOff val="35000"/>
+      </a:schemeClr>
+    </cs:fontRef>
+    <cs:spPr>
+      <a:ln w="9525" cap="flat" cmpd="sng" algn="ctr">
+        <a:solidFill>
+          <a:schemeClr val="tx1">
+            <a:lumMod val="15000"/>
+            <a:lumOff val="85000"/>
+          </a:schemeClr>
+        </a:solidFill>
+        <a:round/>
+      </a:ln>
+    </cs:spPr>
+    <cs:defRPr sz="900" kern="1200"/>
+  </cs:categoryAxis>
+  <cs:chartArea mods="allowNoFillOverride allowNoLineOverride">
+    <cs:lnRef idx="0"/>
+    <cs:fillRef idx="0"/>
+    <cs:effectRef idx="0"/>
+    <cs:fontRef idx="minor">
+      <a:schemeClr val="tx1"/>
+    </cs:fontRef>
+    <cs:spPr>
+      <a:solidFill>
+        <a:schemeClr val="bg1"/>
+      </a:solidFill>
+      <a:ln w="9525" cap="flat" cmpd="sng" algn="ctr">
+        <a:solidFill>
+          <a:schemeClr val="tx1">
+            <a:lumMod val="15000"/>
+            <a:lumOff val="85000"/>
+          </a:schemeClr>
+        </a:solidFill>
+        <a:round/>
+      </a:ln>
+    </cs:spPr>
+    <cs:defRPr sz="1000" kern="1200"/>
+  </cs:chartArea>
+  <cs:dataLabel>
+    <cs:lnRef idx="0"/>
+    <cs:fillRef idx="0"/>
+    <cs:effectRef idx="0"/>
+    <cs:fontRef idx="minor">
+      <a:schemeClr val="tx1">
+        <a:lumMod val="75000"/>
+        <a:lumOff val="25000"/>
+      </a:schemeClr>
+    </cs:fontRef>
+    <cs:defRPr sz="900" kern="1200"/>
+  </cs:dataLabel>
+  <cs:dataLabelCallout>
+    <cs:lnRef idx="0"/>
+    <cs:fillRef idx="0"/>
+    <cs:effectRef idx="0"/>
+    <cs:fontRef idx="minor">
+      <a:schemeClr val="dk1">
+        <a:lumMod val="65000"/>
+        <a:lumOff val="35000"/>
+      </a:schemeClr>
+    </cs:fontRef>
+    <cs:spPr>
+      <a:solidFill>
+        <a:schemeClr val="lt1"/>
+      </a:solidFill>
+      <a:ln>
+        <a:solidFill>
+          <a:schemeClr val="dk1">
+            <a:lumMod val="25000"/>
+            <a:lumOff val="75000"/>
+          </a:schemeClr>
+        </a:solidFill>
+      </a:ln>
+    </cs:spPr>
+    <cs:defRPr sz="900" kern="1200"/>
+    <cs:bodyPr rot="0" spcFirstLastPara="1" vertOverflow="clip" horzOverflow="clip" vert="horz" wrap="square" lIns="36576" tIns="18288" rIns="36576" bIns="18288" anchor="ctr" anchorCtr="1">
+      <a:spAutoFit/>
+    </cs:bodyPr>
+  </cs:dataLabelCallout>
+  <cs:dataPoint>
+    <cs:lnRef idx="0"/>
+    <cs:fillRef idx="1">
+      <cs:styleClr val="auto"/>
+    </cs:fillRef>
+    <cs:effectRef idx="0"/>
+    <cs:fontRef idx="minor">
+      <a:schemeClr val="tx1"/>
+    </cs:fontRef>
+    <cs:spPr>
+      <a:solidFill>
+        <a:schemeClr val="phClr"/>
+      </a:solidFill>
+    </cs:spPr>
+  </cs:dataPoint>
+  <cs:dataPoint3D>
+    <cs:lnRef idx="0"/>
+    <cs:fillRef idx="1">
+      <cs:styleClr val="auto"/>
+    </cs:fillRef>
+    <cs:effectRef idx="0"/>
+    <cs:fontRef idx="minor">
+      <a:schemeClr val="tx1"/>
+    </cs:fontRef>
+    <cs:spPr>
+      <a:solidFill>
+        <a:schemeClr val="phClr"/>
+      </a:solidFill>
+    </cs:spPr>
+  </cs:dataPoint3D>
+  <cs:dataPointLine>
+    <cs:lnRef idx="0">
+      <cs:styleClr val="auto"/>
+    </cs:lnRef>
+    <cs:fillRef idx="1"/>
+    <cs:effectRef idx="0"/>
+    <cs:fontRef idx="minor">
+      <a:schemeClr val="tx1"/>
+    </cs:fontRef>
+    <cs:spPr>
+      <a:ln w="28575" cap="rnd">
+        <a:solidFill>
+          <a:schemeClr val="phClr"/>
+        </a:solidFill>
+        <a:round/>
+      </a:ln>
+    </cs:spPr>
+  </cs:dataPointLine>
+  <cs:dataPointMarker>
+    <cs:lnRef idx="0">
+      <cs:styleClr val="auto"/>
+    </cs:lnRef>
+    <cs:fillRef idx="1">
+      <cs:styleClr val="auto"/>
+    </cs:fillRef>
+    <cs:effectRef idx="0"/>
+    <cs:fontRef idx="minor">
+      <a:schemeClr val="tx1"/>
+    </cs:fontRef>
+    <cs:spPr>
+      <a:solidFill>
+        <a:schemeClr val="phClr"/>
+      </a:solidFill>
+      <a:ln w="9525">
+        <a:solidFill>
+          <a:schemeClr val="phClr"/>
+        </a:solidFill>
+      </a:ln>
+    </cs:spPr>
+  </cs:dataPointMarker>
+  <cs:dataPointMarkerLayout symbol="circle" size="5"/>
+  <cs:dataPointWireframe>
+    <cs:lnRef idx="0">
+      <cs:styleClr val="auto"/>
+    </cs:lnRef>
+    <cs:fillRef idx="1"/>
+    <cs:effectRef idx="0"/>
+    <cs:fontRef idx="minor">
+      <a:schemeClr val="tx1"/>
+    </cs:fontRef>
+    <cs:spPr>
+      <a:ln w="9525" cap="rnd">
+        <a:solidFill>
+          <a:schemeClr val="phClr"/>
+        </a:solidFill>
+        <a:round/>
+      </a:ln>
+    </cs:spPr>
+  </cs:dataPointWireframe>
+  <cs:dataTable>
+    <cs:lnRef idx="0"/>
+    <cs:fillRef idx="0"/>
+    <cs:effectRef idx="0"/>
+    <cs:fontRef idx="minor">
+      <a:schemeClr val="tx1">
+        <a:lumMod val="65000"/>
+        <a:lumOff val="35000"/>
+      </a:schemeClr>
+    </cs:fontRef>
+    <cs:spPr>
+      <a:noFill/>
+      <a:ln w="9525" cap="flat" cmpd="sng" algn="ctr">
+        <a:solidFill>
+          <a:schemeClr val="tx1">
+            <a:lumMod val="15000"/>
+            <a:lumOff val="85000"/>
+          </a:schemeClr>
+        </a:solidFill>
+        <a:round/>
+      </a:ln>
+    </cs:spPr>
+    <cs:defRPr sz="900" kern="1200"/>
+  </cs:dataTable>
+  <cs:downBar>
+    <cs:lnRef idx="0"/>
+    <cs:fillRef idx="0"/>
+    <cs:effectRef idx="0"/>
+    <cs:fontRef idx="minor">
+      <a:schemeClr val="dk1"/>
+    </cs:fontRef>
+    <cs:spPr>
+      <a:solidFill>
+        <a:schemeClr val="dk1">
+          <a:lumMod val="65000"/>
+          <a:lumOff val="35000"/>
+        </a:schemeClr>
+      </a:solidFill>
+      <a:ln w="9525">
+        <a:solidFill>
+          <a:schemeClr val="tx1">
+            <a:lumMod val="65000"/>
+            <a:lumOff val="35000"/>
+          </a:schemeClr>
+        </a:solidFill>
+      </a:ln>
+    </cs:spPr>
+  </cs:downBar>
+  <cs:dropLine>
+    <cs:lnRef idx="0"/>
+    <cs:fillRef idx="0"/>
+    <cs:effectRef idx="0"/>
+    <cs:fontRef idx="minor">
+      <a:schemeClr val="tx1"/>
+    </cs:fontRef>
+    <cs:spPr>
+      <a:ln w="9525" cap="flat" cmpd="sng" algn="ctr">
+        <a:solidFill>
+          <a:schemeClr val="tx1">
+            <a:lumMod val="35000"/>
+            <a:lumOff val="65000"/>
+          </a:schemeClr>
+        </a:solidFill>
+        <a:round/>
+      </a:ln>
+    </cs:spPr>
+  </cs:dropLine>
+  <cs:errorBar>
+    <cs:lnRef idx="0"/>
+    <cs:fillRef idx="0"/>
+    <cs:effectRef idx="0"/>
+    <cs:fontRef idx="minor">
+      <a:schemeClr val="tx1"/>
+    </cs:fontRef>
+    <cs:spPr>
+      <a:ln w="9525" cap="flat" cmpd="sng" algn="ctr">
+        <a:solidFill>
+          <a:schemeClr val="tx1">
+            <a:lumMod val="65000"/>
+            <a:lumOff val="35000"/>
+          </a:schemeClr>
+        </a:solidFill>
+        <a:round/>
+      </a:ln>
+    </cs:spPr>
+  </cs:errorBar>
+  <cs:floor>
+    <cs:lnRef idx="0"/>
+    <cs:fillRef idx="0"/>
+    <cs:effectRef idx="0"/>
+    <cs:fontRef idx="minor">
+      <a:schemeClr val="tx1"/>
+    </cs:fontRef>
+    <cs:spPr>
+      <a:noFill/>
+      <a:ln>
+        <a:noFill/>
+      </a:ln>
+    </cs:spPr>
+  </cs:floor>
+  <cs:gridlineMajor>
+    <cs:lnRef idx="0"/>
+    <cs:fillRef idx="0"/>
+    <cs:effectRef idx="0"/>
+    <cs:fontRef idx="minor">
+      <a:schemeClr val="tx1"/>
+    </cs:fontRef>
+    <cs:spPr>
+      <a:ln w="9525" cap="flat" cmpd="sng" algn="ctr">
+        <a:solidFill>
+          <a:schemeClr val="tx1">
+            <a:lumMod val="15000"/>
+            <a:lumOff val="85000"/>
+          </a:schemeClr>
+        </a:solidFill>
+        <a:round/>
+      </a:ln>
+    </cs:spPr>
+  </cs:gridlineMajor>
+  <cs:gridlineMinor>
+    <cs:lnRef idx="0"/>
+    <cs:fillRef idx="0"/>
+    <cs:effectRef idx="0"/>
+    <cs:fontRef idx="minor">
+      <a:schemeClr val="tx1"/>
+    </cs:fontRef>
+    <cs:spPr>
+      <a:ln w="9525" cap="flat" cmpd="sng" algn="ctr">
+        <a:solidFill>
+          <a:schemeClr val="tx1">
+            <a:lumMod val="5000"/>
+            <a:lumOff val="95000"/>
+          </a:schemeClr>
+        </a:solidFill>
+        <a:round/>
+      </a:ln>
+    </cs:spPr>
+  </cs:gridlineMinor>
+  <cs:hiLoLine>
+    <cs:lnRef idx="0"/>
+    <cs:fillRef idx="0"/>
+    <cs:effectRef idx="0"/>
+    <cs:fontRef idx="minor">
+      <a:schemeClr val="tx1"/>
+    </cs:fontRef>
+    <cs:spPr>
+      <a:ln w="9525" cap="flat" cmpd="sng" algn="ctr">
+        <a:solidFill>
+          <a:schemeClr val="tx1">
+            <a:lumMod val="75000"/>
+            <a:lumOff val="25000"/>
+          </a:schemeClr>
+        </a:solidFill>
+        <a:round/>
+      </a:ln>
+    </cs:spPr>
+  </cs:hiLoLine>
+  <cs:leaderLine>
+    <cs:lnRef idx="0"/>
+    <cs:fillRef idx="0"/>
+    <cs:effectRef idx="0"/>
+    <cs:fontRef idx="minor">
+      <a:schemeClr val="tx1"/>
+    </cs:fontRef>
+    <cs:spPr>
+      <a:ln w="9525" cap="flat" cmpd="sng" algn="ctr">
+        <a:solidFill>
+          <a:schemeClr val="tx1">
+            <a:lumMod val="35000"/>
+            <a:lumOff val="65000"/>
+          </a:schemeClr>
+        </a:solidFill>
+        <a:round/>
+      </a:ln>
+    </cs:spPr>
+  </cs:leaderLine>
+  <cs:legend>
+    <cs:lnRef idx="0"/>
+    <cs:fillRef idx="0"/>
+    <cs:effectRef idx="0"/>
+    <cs:fontRef idx="minor">
+      <a:schemeClr val="tx1">
+        <a:lumMod val="65000"/>
+        <a:lumOff val="35000"/>
+      </a:schemeClr>
+    </cs:fontRef>
+    <cs:defRPr sz="900" kern="1200"/>
+  </cs:legend>
+  <cs:plotArea mods="allowNoFillOverride allowNoLineOverride">
+    <cs:lnRef idx="0"/>
+    <cs:fillRef idx="0"/>
+    <cs:effectRef idx="0"/>
+    <cs:fontRef idx="minor">
+      <a:schemeClr val="tx1"/>
+    </cs:fontRef>
+  </cs:plotArea>
+  <cs:plotArea3D mods="allowNoFillOverride allowNoLineOverride">
+    <cs:lnRef idx="0"/>
+    <cs:fillRef idx="0"/>
+    <cs:effectRef idx="0"/>
+    <cs:fontRef idx="minor">
+      <a:schemeClr val="tx1"/>
+    </cs:fontRef>
+  </cs:plotArea3D>
+  <cs:seriesAxis>
+    <cs:lnRef idx="0"/>
+    <cs:fillRef idx="0"/>
+    <cs:effectRef idx="0"/>
+    <cs:fontRef idx="minor">
+      <a:schemeClr val="tx1">
+        <a:lumMod val="65000"/>
+        <a:lumOff val="35000"/>
+      </a:schemeClr>
+    </cs:fontRef>
+    <cs:defRPr sz="900" kern="1200"/>
+  </cs:seriesAxis>
+  <cs:seriesLine>
+    <cs:lnRef idx="0"/>
+    <cs:fillRef idx="0"/>
+    <cs:effectRef idx="0"/>
+    <cs:fontRef idx="minor">
+      <a:schemeClr val="tx1"/>
+    </cs:fontRef>
+    <cs:spPr>
+      <a:ln w="9525" cap="flat" cmpd="sng" algn="ctr">
+        <a:solidFill>
+          <a:schemeClr val="tx1">
+            <a:lumMod val="35000"/>
+            <a:lumOff val="65000"/>
+          </a:schemeClr>
+        </a:solidFill>
+        <a:round/>
+      </a:ln>
+    </cs:spPr>
+  </cs:seriesLine>
+  <cs:title>
+    <cs:lnRef idx="0"/>
+    <cs:fillRef idx="0"/>
+    <cs:effectRef idx="0"/>
+    <cs:fontRef idx="minor">
+      <a:schemeClr val="tx1">
+        <a:lumMod val="65000"/>
+        <a:lumOff val="35000"/>
+      </a:schemeClr>
+    </cs:fontRef>
+    <cs:defRPr sz="1400" b="0" kern="1200" spc="0" baseline="0"/>
+  </cs:title>
+  <cs:trendline>
+    <cs:lnRef idx="0">
+      <cs:styleClr val="auto"/>
+    </cs:lnRef>
+    <cs:fillRef idx="0"/>
+    <cs:effectRef idx="0"/>
+    <cs:fontRef idx="minor">
+      <a:schemeClr val="tx1"/>
+    </cs:fontRef>
+    <cs:spPr>
+      <a:ln w="19050" cap="rnd">
+        <a:solidFill>
+          <a:schemeClr val="phClr"/>
+        </a:solidFill>
+        <a:prstDash val="sysDot"/>
+      </a:ln>
+    </cs:spPr>
+  </cs:trendline>
+  <cs:trendlineLabel>
+    <cs:lnRef idx="0"/>
+    <cs:fillRef idx="0"/>
+    <cs:effectRef idx="0"/>
+    <cs:fontRef idx="minor">
+      <a:schemeClr val="tx1">
+        <a:lumMod val="65000"/>
+        <a:lumOff val="35000"/>
+      </a:schemeClr>
+    </cs:fontRef>
+    <cs:defRPr sz="900" kern="1200"/>
+  </cs:trendlineLabel>
+  <cs:upBar>
+    <cs:lnRef idx="0"/>
+    <cs:fillRef idx="0"/>
+    <cs:effectRef idx="0"/>
+    <cs:fontRef idx="minor">
+      <a:schemeClr val="dk1"/>
+    </cs:fontRef>
+    <cs:spPr>
+      <a:solidFill>
+        <a:schemeClr val="lt1"/>
+      </a:solidFill>
+      <a:ln w="9525">
+        <a:solidFill>
+          <a:schemeClr val="tx1">
+            <a:lumMod val="15000"/>
+            <a:lumOff val="85000"/>
+          </a:schemeClr>
+        </a:solidFill>
+      </a:ln>
+    </cs:spPr>
+  </cs:upBar>
+  <cs:valueAxis>
+    <cs:lnRef idx="0"/>
+    <cs:fillRef idx="0"/>
+    <cs:effectRef idx="0"/>
+    <cs:fontRef idx="minor">
+      <a:schemeClr val="tx1">
+        <a:lumMod val="65000"/>
+        <a:lumOff val="35000"/>
+      </a:schemeClr>
+    </cs:fontRef>
+    <cs:defRPr sz="900" kern="1200"/>
+  </cs:valueAxis>
+  <cs:wall>
+    <cs:lnRef idx="0"/>
+    <cs:fillRef idx="0"/>
+    <cs:effectRef idx="0"/>
+    <cs:fontRef idx="minor">
+      <a:schemeClr val="tx1"/>
+    </cs:fontRef>
+    <cs:spPr>
+      <a:noFill/>
+      <a:ln>
+        <a:noFill/>
+      </a:ln>
+    </cs:spPr>
+  </cs:wall>
+</cs:chartStyle>
+</file>
+
+<file path=ppt/charts/style6.xml><?xml version="1.0" encoding="utf-8"?>
 <cs:chartStyle xmlns:cs="http://schemas.microsoft.com/office/drawing/2012/chartStyle" xmlns:a="http://schemas.openxmlformats.org/drawingml/2006/main" id="227">
   <cs:axisTitle>
     <cs:lnRef idx="0"/>
@@ -6328,7 +8279,7 @@
             <a:pPr algn="r" rtl="0"/>
             <a:fld id="{221A1788-7372-4FAC-9AF0-00B54B8D9CBA}" type="datetime1">
               <a:rPr lang="it-IT" smtClean="0"/>
-              <a:t>07/05/2023</a:t>
+              <a:t>13/05/2023</a:t>
             </a:fld>
             <a:endParaRPr lang="it-IT" dirty="0"/>
           </a:p>
@@ -6498,7 +8449,7 @@
             <a:fld id="{D943A304-85CD-4257-B418-D8F889FE0DBC}" type="datetime1">
               <a:rPr lang="it-IT" smtClean="0"/>
               <a:pPr/>
-              <a:t>07/05/2023</a:t>
+              <a:t>13/05/2023</a:t>
             </a:fld>
             <a:endParaRPr lang="it-IT" dirty="0"/>
           </a:p>
@@ -7616,7 +9567,7 @@
             <a:fld id="{3889EF9B-A500-41B6-8F1C-893813E9A898}" type="datetime1">
               <a:rPr lang="it-IT" smtClean="0"/>
               <a:pPr/>
-              <a:t>07/05/2023</a:t>
+              <a:t>13/05/2023</a:t>
             </a:fld>
             <a:endParaRPr lang="it-IT" dirty="0"/>
           </a:p>
@@ -7822,7 +9773,7 @@
             <a:fld id="{6E724BBD-5BEA-4971-A6C4-42E94AF7CB5F}" type="datetime1">
               <a:rPr lang="it-IT" smtClean="0"/>
               <a:pPr/>
-              <a:t>07/05/2023</a:t>
+              <a:t>13/05/2023</a:t>
             </a:fld>
             <a:endParaRPr lang="it-IT" dirty="0"/>
           </a:p>
@@ -8038,7 +9989,7 @@
             <a:fld id="{EF1B2188-7D8C-43C8-B29F-60D01DE77B72}" type="datetime1">
               <a:rPr lang="it-IT" smtClean="0"/>
               <a:pPr/>
-              <a:t>07/05/2023</a:t>
+              <a:t>13/05/2023</a:t>
             </a:fld>
             <a:endParaRPr lang="it-IT" dirty="0"/>
           </a:p>
@@ -8244,7 +10195,7 @@
             <a:fld id="{581DC961-63CE-49AB-921E-1CE3DDEFC80A}" type="datetime1">
               <a:rPr lang="it-IT" smtClean="0"/>
               <a:pPr/>
-              <a:t>07/05/2023</a:t>
+              <a:t>13/05/2023</a:t>
             </a:fld>
             <a:endParaRPr lang="it-IT" dirty="0"/>
           </a:p>
@@ -8688,7 +10639,7 @@
             <a:fld id="{C6066F5F-3C86-4285-A86F-35EFBBDD7800}" type="datetime1">
               <a:rPr lang="it-IT" smtClean="0"/>
               <a:pPr/>
-              <a:t>07/05/2023</a:t>
+              <a:t>13/05/2023</a:t>
             </a:fld>
             <a:endParaRPr lang="it-IT" dirty="0"/>
           </a:p>
@@ -9000,7 +10951,7 @@
             <a:fld id="{0B9BE34E-14EC-4041-A597-EE22FC16794F}" type="datetime1">
               <a:rPr lang="it-IT" smtClean="0"/>
               <a:pPr/>
-              <a:t>07/05/2023</a:t>
+              <a:t>13/05/2023</a:t>
             </a:fld>
             <a:endParaRPr lang="it-IT" dirty="0"/>
           </a:p>
@@ -9464,7 +11415,7 @@
             <a:fld id="{D6FAD192-1BF7-4994-9CBA-74265F19F4C1}" type="datetime1">
               <a:rPr lang="it-IT" smtClean="0"/>
               <a:pPr/>
-              <a:t>07/05/2023</a:t>
+              <a:t>13/05/2023</a:t>
             </a:fld>
             <a:endParaRPr lang="it-IT" dirty="0"/>
           </a:p>
@@ -9602,7 +11553,7 @@
             <a:fld id="{C476DD40-7EBA-46D0-A855-62759524AC7A}" type="datetime1">
               <a:rPr lang="it-IT" smtClean="0"/>
               <a:pPr/>
-              <a:t>07/05/2023</a:t>
+              <a:t>13/05/2023</a:t>
             </a:fld>
             <a:endParaRPr lang="it-IT" dirty="0"/>
           </a:p>
@@ -9716,7 +11667,7 @@
             <a:fld id="{C62E4D95-88E1-4556-89BE-EC650C1D14A8}" type="datetime1">
               <a:rPr lang="it-IT" smtClean="0"/>
               <a:pPr/>
-              <a:t>07/05/2023</a:t>
+              <a:t>13/05/2023</a:t>
             </a:fld>
             <a:endParaRPr lang="it-IT" dirty="0"/>
           </a:p>
@@ -10023,7 +11974,7 @@
             <a:fld id="{1F9867D3-FC26-40B1-8BB9-B19FF8D6CD45}" type="datetime1">
               <a:rPr lang="it-IT" smtClean="0"/>
               <a:pPr/>
-              <a:t>07/05/2023</a:t>
+              <a:t>13/05/2023</a:t>
             </a:fld>
             <a:endParaRPr lang="it-IT" dirty="0"/>
           </a:p>
@@ -10320,7 +12271,7 @@
             <a:fld id="{5B0EE21F-92EE-4289-AFFB-9252D957F459}" type="datetime1">
               <a:rPr lang="it-IT" smtClean="0"/>
               <a:pPr/>
-              <a:t>07/05/2023</a:t>
+              <a:t>13/05/2023</a:t>
             </a:fld>
             <a:endParaRPr lang="it-IT" dirty="0"/>
           </a:p>
@@ -10944,7 +12895,7 @@
             <a:fld id="{8A756645-DD8C-4009-9A84-A4AD56EB55A9}" type="datetime1">
               <a:rPr lang="it-IT" smtClean="0"/>
               <a:pPr/>
-              <a:t>07/05/2023</a:t>
+              <a:t>13/05/2023</a:t>
             </a:fld>
             <a:endParaRPr lang="it-IT" dirty="0"/>
           </a:p>
@@ -11961,13 +13912,49 @@
         <p:spPr>
           <a:xfrm>
             <a:off x="1053852" y="1664826"/>
-            <a:ext cx="9941470" cy="4896544"/>
+            <a:ext cx="9941470" cy="4500478"/>
           </a:xfrm>
           <a:prstGeom prst="rect">
             <a:avLst/>
           </a:prstGeom>
         </p:spPr>
       </p:pic>
+      <p:sp>
+        <p:nvSpPr>
+          <p:cNvPr id="4" name="TextBox 3">
+            <a:extLst>
+              <a:ext uri="{FF2B5EF4-FFF2-40B4-BE49-F238E27FC236}">
+                <a16:creationId xmlns:a16="http://schemas.microsoft.com/office/drawing/2014/main" id="{DCD8F36F-2B85-E4BB-4A48-87B1E5CC9046}"/>
+              </a:ext>
+            </a:extLst>
+          </p:cNvPr>
+          <p:cNvSpPr txBox="1"/>
+          <p:nvPr/>
+        </p:nvSpPr>
+        <p:spPr>
+          <a:xfrm>
+            <a:off x="5513964" y="6273294"/>
+            <a:ext cx="1160895" cy="523220"/>
+          </a:xfrm>
+          <a:prstGeom prst="rect">
+            <a:avLst/>
+          </a:prstGeom>
+          <a:noFill/>
+        </p:spPr>
+        <p:txBody>
+          <a:bodyPr wrap="none" rtlCol="0">
+            <a:spAutoFit/>
+          </a:bodyPr>
+          <a:lstStyle/>
+          <a:p>
+            <a:pPr algn="ctr"/>
+            <a:r>
+              <a:rPr lang="it-IT" sz="2800" dirty="0"/>
+              <a:t>186ms</a:t>
+            </a:r>
+          </a:p>
+        </p:txBody>
+      </p:sp>
     </p:spTree>
     <p:extLst>
       <p:ext uri="{BB962C8B-B14F-4D97-AF65-F5344CB8AC3E}">
@@ -11978,13 +13965,13 @@
   <p:clrMapOvr>
     <a:masterClrMapping/>
   </p:clrMapOvr>
-  <mc:AlternateContent xmlns:mc="http://schemas.openxmlformats.org/markup-compatibility/2006">
-    <mc:Choice xmlns:p14="http://schemas.microsoft.com/office/powerpoint/2010/main" Requires="p14">
+  <mc:AlternateContent xmlns:mc="http://schemas.openxmlformats.org/markup-compatibility/2006" xmlns:p14="http://schemas.microsoft.com/office/powerpoint/2010/main">
+    <mc:Choice Requires="p14">
       <p:transition spd="med" p14:dur="700">
         <p:fade/>
       </p:transition>
     </mc:Choice>
-    <mc:Fallback>
+    <mc:Fallback xmlns="">
       <p:transition spd="med">
         <p:fade/>
       </p:transition>
@@ -11994,6 +13981,346 @@
 </file>
 
 <file path=ppt/slides/slide11.xml><?xml version="1.0" encoding="utf-8"?>
+<p:sld xmlns:a="http://schemas.openxmlformats.org/drawingml/2006/main" xmlns:r="http://schemas.openxmlformats.org/officeDocument/2006/relationships" xmlns:p="http://schemas.openxmlformats.org/presentationml/2006/main">
+  <p:cSld>
+    <p:spTree>
+      <p:nvGrpSpPr>
+        <p:cNvPr id="1" name=""/>
+        <p:cNvGrpSpPr/>
+        <p:nvPr/>
+      </p:nvGrpSpPr>
+      <p:grpSpPr>
+        <a:xfrm>
+          <a:off x="0" y="0"/>
+          <a:ext cx="0" cy="0"/>
+          <a:chOff x="0" y="0"/>
+          <a:chExt cx="0" cy="0"/>
+        </a:xfrm>
+      </p:grpSpPr>
+      <p:sp>
+        <p:nvSpPr>
+          <p:cNvPr id="2" name="Title 1">
+            <a:extLst>
+              <a:ext uri="{FF2B5EF4-FFF2-40B4-BE49-F238E27FC236}">
+                <a16:creationId xmlns:a16="http://schemas.microsoft.com/office/drawing/2014/main" id="{727EEB90-4CC2-88BA-9586-4859C922BF90}"/>
+              </a:ext>
+            </a:extLst>
+          </p:cNvPr>
+          <p:cNvSpPr>
+            <a:spLocks noGrp="1"/>
+          </p:cNvSpPr>
+          <p:nvPr>
+            <p:ph type="title"/>
+          </p:nvPr>
+        </p:nvSpPr>
+        <p:spPr>
+          <a:xfrm>
+            <a:off x="1218883" y="274637"/>
+            <a:ext cx="10360501" cy="1354163"/>
+          </a:xfrm>
+        </p:spPr>
+        <p:txBody>
+          <a:bodyPr>
+            <a:normAutofit fontScale="90000"/>
+          </a:bodyPr>
+          <a:lstStyle/>
+          <a:p>
+            <a:r>
+              <a:rPr lang="en-US" dirty="0"/>
+              <a:t>2. To observe a substantial reduction in performance due to overhead, we must increase a lot the number of threads or consider much smaller datasets</a:t>
+            </a:r>
+            <a:endParaRPr lang="it-IT" dirty="0"/>
+          </a:p>
+        </p:txBody>
+      </p:sp>
+      <p:sp>
+        <p:nvSpPr>
+          <p:cNvPr id="3" name="Content Placeholder 3">
+            <a:extLst>
+              <a:ext uri="{FF2B5EF4-FFF2-40B4-BE49-F238E27FC236}">
+                <a16:creationId xmlns:a16="http://schemas.microsoft.com/office/drawing/2014/main" id="{7A529EB5-A585-AC5F-6DE2-AF35E915AC4A}"/>
+              </a:ext>
+            </a:extLst>
+          </p:cNvPr>
+          <p:cNvSpPr txBox="1">
+            <a:spLocks/>
+          </p:cNvSpPr>
+          <p:nvPr/>
+        </p:nvSpPr>
+        <p:spPr>
+          <a:xfrm>
+            <a:off x="6238428" y="1772816"/>
+            <a:ext cx="5400599" cy="4327376"/>
+          </a:xfrm>
+          <a:prstGeom prst="rect">
+            <a:avLst/>
+          </a:prstGeom>
+        </p:spPr>
+        <p:txBody>
+          <a:bodyPr vert="horz" lIns="121899" tIns="60949" rIns="121899" bIns="60949" rtlCol="0">
+            <a:normAutofit/>
+          </a:bodyPr>
+          <a:lstStyle>
+            <a:lvl1pPr marL="304747" indent="-304747" algn="l" defTabSz="1218987" rtl="0" eaLnBrk="1" latinLnBrk="0" hangingPunct="1">
+              <a:lnSpc>
+                <a:spcPct val="90000"/>
+              </a:lnSpc>
+              <a:spcBef>
+                <a:spcPts val="1600"/>
+              </a:spcBef>
+              <a:buClr>
+                <a:schemeClr val="accent1"/>
+              </a:buClr>
+              <a:buSzPct val="100000"/>
+              <a:buFont typeface="Arial" pitchFamily="34" charset="0"/>
+              <a:buChar char="•"/>
+              <a:defRPr sz="2800" kern="1200">
+                <a:solidFill>
+                  <a:schemeClr val="tx1"/>
+                </a:solidFill>
+                <a:latin typeface="+mn-lt"/>
+                <a:ea typeface="+mn-ea"/>
+                <a:cs typeface="+mn-cs"/>
+              </a:defRPr>
+            </a:lvl1pPr>
+            <a:lvl2pPr marL="609493" indent="-231607" algn="l" defTabSz="1218987" rtl="0" eaLnBrk="1" latinLnBrk="0" hangingPunct="1">
+              <a:lnSpc>
+                <a:spcPct val="90000"/>
+              </a:lnSpc>
+              <a:spcBef>
+                <a:spcPts val="800"/>
+              </a:spcBef>
+              <a:buClr>
+                <a:schemeClr val="accent1"/>
+              </a:buClr>
+              <a:buSzPct val="80000"/>
+              <a:buFont typeface="Arial" pitchFamily="34" charset="0"/>
+              <a:buChar char="•"/>
+              <a:defRPr sz="2400" kern="1200">
+                <a:solidFill>
+                  <a:schemeClr val="tx1"/>
+                </a:solidFill>
+                <a:latin typeface="+mn-lt"/>
+                <a:ea typeface="+mn-ea"/>
+                <a:cs typeface="+mn-cs"/>
+              </a:defRPr>
+            </a:lvl2pPr>
+            <a:lvl3pPr marL="914240" indent="-231607" algn="l" defTabSz="1218987" rtl="0" eaLnBrk="1" latinLnBrk="0" hangingPunct="1">
+              <a:lnSpc>
+                <a:spcPct val="90000"/>
+              </a:lnSpc>
+              <a:spcBef>
+                <a:spcPts val="800"/>
+              </a:spcBef>
+              <a:buClr>
+                <a:schemeClr val="accent1"/>
+              </a:buClr>
+              <a:buSzPct val="80000"/>
+              <a:buFont typeface="Arial" pitchFamily="34" charset="0"/>
+              <a:buChar char="•"/>
+              <a:defRPr sz="2000" kern="1200">
+                <a:solidFill>
+                  <a:schemeClr val="tx1"/>
+                </a:solidFill>
+                <a:latin typeface="+mn-lt"/>
+                <a:ea typeface="+mn-ea"/>
+                <a:cs typeface="+mn-cs"/>
+              </a:defRPr>
+            </a:lvl3pPr>
+            <a:lvl4pPr marL="1218987" indent="-231607" algn="l" defTabSz="1218987" rtl="0" eaLnBrk="1" latinLnBrk="0" hangingPunct="1">
+              <a:lnSpc>
+                <a:spcPct val="90000"/>
+              </a:lnSpc>
+              <a:spcBef>
+                <a:spcPts val="800"/>
+              </a:spcBef>
+              <a:buClr>
+                <a:schemeClr val="accent1"/>
+              </a:buClr>
+              <a:buSzPct val="80000"/>
+              <a:buFont typeface="Arial" pitchFamily="34" charset="0"/>
+              <a:buChar char="•"/>
+              <a:defRPr sz="2000" kern="1200">
+                <a:solidFill>
+                  <a:schemeClr val="tx1"/>
+                </a:solidFill>
+                <a:latin typeface="+mn-lt"/>
+                <a:ea typeface="+mn-ea"/>
+                <a:cs typeface="+mn-cs"/>
+              </a:defRPr>
+            </a:lvl4pPr>
+            <a:lvl5pPr marL="1523733" indent="-231607" algn="l" defTabSz="1218987" rtl="0" eaLnBrk="1" latinLnBrk="0" hangingPunct="1">
+              <a:lnSpc>
+                <a:spcPct val="90000"/>
+              </a:lnSpc>
+              <a:spcBef>
+                <a:spcPts val="800"/>
+              </a:spcBef>
+              <a:buClr>
+                <a:schemeClr val="accent1"/>
+              </a:buClr>
+              <a:buSzPct val="80000"/>
+              <a:buFont typeface="Arial" pitchFamily="34" charset="0"/>
+              <a:buChar char="•"/>
+              <a:defRPr sz="2000" kern="1200">
+                <a:solidFill>
+                  <a:schemeClr val="tx1"/>
+                </a:solidFill>
+                <a:latin typeface="+mn-lt"/>
+                <a:ea typeface="+mn-ea"/>
+                <a:cs typeface="+mn-cs"/>
+              </a:defRPr>
+            </a:lvl5pPr>
+            <a:lvl6pPr marL="1828480" indent="-231607" algn="l" defTabSz="1218987" rtl="0" eaLnBrk="1" latinLnBrk="0" hangingPunct="1">
+              <a:lnSpc>
+                <a:spcPct val="90000"/>
+              </a:lnSpc>
+              <a:spcBef>
+                <a:spcPts val="800"/>
+              </a:spcBef>
+              <a:buClr>
+                <a:schemeClr val="accent1"/>
+              </a:buClr>
+              <a:buSzPct val="80000"/>
+              <a:buFont typeface="Arial" pitchFamily="34" charset="0"/>
+              <a:buChar char="•"/>
+              <a:defRPr sz="2000" kern="1200">
+                <a:solidFill>
+                  <a:schemeClr val="tx1"/>
+                </a:solidFill>
+                <a:latin typeface="+mn-lt"/>
+                <a:ea typeface="+mn-ea"/>
+                <a:cs typeface="+mn-cs"/>
+              </a:defRPr>
+            </a:lvl6pPr>
+            <a:lvl7pPr marL="2133227" indent="-231607" algn="l" defTabSz="1218987" rtl="0" eaLnBrk="1" latinLnBrk="0" hangingPunct="1">
+              <a:lnSpc>
+                <a:spcPct val="90000"/>
+              </a:lnSpc>
+              <a:spcBef>
+                <a:spcPts val="800"/>
+              </a:spcBef>
+              <a:buClr>
+                <a:schemeClr val="accent1"/>
+              </a:buClr>
+              <a:buSzPct val="80000"/>
+              <a:buFont typeface="Arial" pitchFamily="34" charset="0"/>
+              <a:buChar char="•"/>
+              <a:defRPr sz="2000" kern="1200">
+                <a:solidFill>
+                  <a:schemeClr val="tx1"/>
+                </a:solidFill>
+                <a:latin typeface="+mn-lt"/>
+                <a:ea typeface="+mn-ea"/>
+                <a:cs typeface="+mn-cs"/>
+              </a:defRPr>
+            </a:lvl7pPr>
+            <a:lvl8pPr marL="2437973" indent="-231607" algn="l" defTabSz="1218987" rtl="0" eaLnBrk="1" latinLnBrk="0" hangingPunct="1">
+              <a:lnSpc>
+                <a:spcPct val="90000"/>
+              </a:lnSpc>
+              <a:spcBef>
+                <a:spcPts val="800"/>
+              </a:spcBef>
+              <a:buClr>
+                <a:schemeClr val="accent1"/>
+              </a:buClr>
+              <a:buSzPct val="80000"/>
+              <a:buFont typeface="Arial" pitchFamily="34" charset="0"/>
+              <a:buChar char="•"/>
+              <a:defRPr sz="2000" kern="1200" baseline="0">
+                <a:solidFill>
+                  <a:schemeClr val="tx1"/>
+                </a:solidFill>
+                <a:latin typeface="+mn-lt"/>
+                <a:ea typeface="+mn-ea"/>
+                <a:cs typeface="+mn-cs"/>
+              </a:defRPr>
+            </a:lvl8pPr>
+            <a:lvl9pPr marL="2742720" indent="-231607" algn="l" defTabSz="1218987" rtl="0" eaLnBrk="1" latinLnBrk="0" hangingPunct="1">
+              <a:lnSpc>
+                <a:spcPct val="90000"/>
+              </a:lnSpc>
+              <a:spcBef>
+                <a:spcPts val="800"/>
+              </a:spcBef>
+              <a:buClr>
+                <a:schemeClr val="accent1"/>
+              </a:buClr>
+              <a:buSzPct val="80000"/>
+              <a:buFont typeface="Arial" pitchFamily="34" charset="0"/>
+              <a:buChar char="•"/>
+              <a:defRPr sz="2000" kern="1200" baseline="0">
+                <a:solidFill>
+                  <a:schemeClr val="tx1"/>
+                </a:solidFill>
+                <a:latin typeface="+mn-lt"/>
+                <a:ea typeface="+mn-ea"/>
+                <a:cs typeface="+mn-cs"/>
+              </a:defRPr>
+            </a:lvl9pPr>
+          </a:lstStyle>
+          <a:p>
+            <a:endParaRPr lang="en-US" dirty="0"/>
+          </a:p>
+        </p:txBody>
+      </p:sp>
+      <p:graphicFrame>
+        <p:nvGraphicFramePr>
+          <p:cNvPr id="4" name="Chart 3">
+            <a:extLst>
+              <a:ext uri="{FF2B5EF4-FFF2-40B4-BE49-F238E27FC236}">
+                <a16:creationId xmlns:a16="http://schemas.microsoft.com/office/drawing/2014/main" id="{0B58892A-44DD-AD7F-9069-718D2BF4313A}"/>
+              </a:ext>
+            </a:extLst>
+          </p:cNvPr>
+          <p:cNvGraphicFramePr>
+            <a:graphicFrameLocks/>
+          </p:cNvGraphicFramePr>
+          <p:nvPr>
+            <p:extLst>
+              <p:ext uri="{D42A27DB-BD31-4B8C-83A1-F6EECF244321}">
+                <p14:modId xmlns:p14="http://schemas.microsoft.com/office/powerpoint/2010/main" val="3822201133"/>
+              </p:ext>
+            </p:extLst>
+          </p:nvPr>
+        </p:nvGraphicFramePr>
+        <p:xfrm>
+          <a:off x="1125860" y="1484784"/>
+          <a:ext cx="10585176" cy="5184576"/>
+        </p:xfrm>
+        <a:graphic>
+          <a:graphicData uri="http://schemas.openxmlformats.org/drawingml/2006/chart">
+            <c:chart xmlns:c="http://schemas.openxmlformats.org/drawingml/2006/chart" xmlns:r="http://schemas.openxmlformats.org/officeDocument/2006/relationships" r:id="rId2"/>
+          </a:graphicData>
+        </a:graphic>
+      </p:graphicFrame>
+    </p:spTree>
+    <p:extLst>
+      <p:ext uri="{BB962C8B-B14F-4D97-AF65-F5344CB8AC3E}">
+        <p14:creationId xmlns:p14="http://schemas.microsoft.com/office/powerpoint/2010/main" val="2763637184"/>
+      </p:ext>
+    </p:extLst>
+  </p:cSld>
+  <p:clrMapOvr>
+    <a:masterClrMapping/>
+  </p:clrMapOvr>
+  <mc:AlternateContent xmlns:mc="http://schemas.openxmlformats.org/markup-compatibility/2006" xmlns:p14="http://schemas.microsoft.com/office/powerpoint/2010/main">
+    <mc:Choice Requires="p14">
+      <p:transition spd="med" p14:dur="700">
+        <p:fade/>
+      </p:transition>
+    </mc:Choice>
+    <mc:Fallback xmlns="">
+      <p:transition spd="med">
+        <p:fade/>
+      </p:transition>
+    </mc:Fallback>
+  </mc:AlternateContent>
+</p:sld>
+</file>
+
+<file path=ppt/slides/slide12.xml><?xml version="1.0" encoding="utf-8"?>
 <p:sld xmlns:a="http://schemas.openxmlformats.org/drawingml/2006/main" xmlns:r="http://schemas.openxmlformats.org/officeDocument/2006/relationships" xmlns:p="http://schemas.openxmlformats.org/presentationml/2006/main">
   <p:cSld>
     <p:spTree>
@@ -12094,7 +14421,7 @@
       </p:sp>
       <p:graphicFrame>
         <p:nvGraphicFramePr>
-          <p:cNvPr id="5" name="Content Placeholder 4">
+          <p:cNvPr id="7" name="Content Placeholder 6">
             <a:extLst>
               <a:ext uri="{FF2B5EF4-FFF2-40B4-BE49-F238E27FC236}">
                 <a16:creationId xmlns:a16="http://schemas.microsoft.com/office/drawing/2014/main" id="{6149DA8D-9888-7B57-9941-10EBDBF21072}"/>
@@ -12108,14 +14435,14 @@
             <p:ph sz="half" idx="1"/>
             <p:extLst>
               <p:ext uri="{D42A27DB-BD31-4B8C-83A1-F6EECF244321}">
-                <p14:modId xmlns:p14="http://schemas.microsoft.com/office/powerpoint/2010/main" val="4200635307"/>
+                <p14:modId xmlns:p14="http://schemas.microsoft.com/office/powerpoint/2010/main" val="2474823297"/>
               </p:ext>
             </p:extLst>
           </p:nvPr>
         </p:nvGraphicFramePr>
         <p:xfrm>
-          <a:off x="981844" y="1052737"/>
-          <a:ext cx="6768752" cy="5472608"/>
+          <a:off x="405780" y="836711"/>
+          <a:ext cx="7056784" cy="5832649"/>
         </p:xfrm>
         <a:graphic>
           <a:graphicData uri="http://schemas.openxmlformats.org/drawingml/2006/chart">
@@ -12127,118 +14454,6 @@
     <p:extLst>
       <p:ext uri="{BB962C8B-B14F-4D97-AF65-F5344CB8AC3E}">
         <p14:creationId xmlns:p14="http://schemas.microsoft.com/office/powerpoint/2010/main" val="2416332863"/>
-      </p:ext>
-    </p:extLst>
-  </p:cSld>
-  <p:clrMapOvr>
-    <a:masterClrMapping/>
-  </p:clrMapOvr>
-  <mc:AlternateContent xmlns:mc="http://schemas.openxmlformats.org/markup-compatibility/2006" xmlns:p14="http://schemas.microsoft.com/office/powerpoint/2010/main">
-    <mc:Choice Requires="p14">
-      <p:transition spd="med" p14:dur="700">
-        <p:fade/>
-      </p:transition>
-    </mc:Choice>
-    <mc:Fallback xmlns="">
-      <p:transition spd="med">
-        <p:fade/>
-      </p:transition>
-    </mc:Fallback>
-  </mc:AlternateContent>
-</p:sld>
-</file>
-
-<file path=ppt/slides/slide12.xml><?xml version="1.0" encoding="utf-8"?>
-<p:sld xmlns:a="http://schemas.openxmlformats.org/drawingml/2006/main" xmlns:r="http://schemas.openxmlformats.org/officeDocument/2006/relationships" xmlns:p="http://schemas.openxmlformats.org/presentationml/2006/main">
-  <p:cSld>
-    <p:spTree>
-      <p:nvGrpSpPr>
-        <p:cNvPr id="1" name=""/>
-        <p:cNvGrpSpPr/>
-        <p:nvPr/>
-      </p:nvGrpSpPr>
-      <p:grpSpPr>
-        <a:xfrm>
-          <a:off x="0" y="0"/>
-          <a:ext cx="0" cy="0"/>
-          <a:chOff x="0" y="0"/>
-          <a:chExt cx="0" cy="0"/>
-        </a:xfrm>
-      </p:grpSpPr>
-      <p:sp>
-        <p:nvSpPr>
-          <p:cNvPr id="2" name="Title 1">
-            <a:extLst>
-              <a:ext uri="{FF2B5EF4-FFF2-40B4-BE49-F238E27FC236}">
-                <a16:creationId xmlns:a16="http://schemas.microsoft.com/office/drawing/2014/main" id="{A8F7070C-E0CC-B75C-2F7F-D5D4755AD802}"/>
-              </a:ext>
-            </a:extLst>
-          </p:cNvPr>
-          <p:cNvSpPr>
-            <a:spLocks noGrp="1"/>
-          </p:cNvSpPr>
-          <p:nvPr>
-            <p:ph type="title"/>
-          </p:nvPr>
-        </p:nvSpPr>
-        <p:spPr>
-          <a:xfrm>
-            <a:off x="1218883" y="274637"/>
-            <a:ext cx="10360501" cy="634083"/>
-          </a:xfrm>
-        </p:spPr>
-        <p:txBody>
-          <a:bodyPr/>
-          <a:lstStyle/>
-          <a:p>
-            <a:pPr algn="ctr"/>
-            <a:r>
-              <a:rPr lang="it-IT" dirty="0"/>
-              <a:t>Performance </a:t>
-            </a:r>
-            <a:r>
-              <a:rPr lang="it-IT" dirty="0" err="1"/>
-              <a:t>Optimization</a:t>
-            </a:r>
-            <a:endParaRPr lang="it-IT" dirty="0"/>
-          </a:p>
-        </p:txBody>
-      </p:sp>
-      <p:graphicFrame>
-        <p:nvGraphicFramePr>
-          <p:cNvPr id="4" name="Content Placeholder 3">
-            <a:extLst>
-              <a:ext uri="{FF2B5EF4-FFF2-40B4-BE49-F238E27FC236}">
-                <a16:creationId xmlns:a16="http://schemas.microsoft.com/office/drawing/2014/main" id="{41177DC2-0CC0-A0D2-8E95-1D2FDEF6F107}"/>
-              </a:ext>
-            </a:extLst>
-          </p:cNvPr>
-          <p:cNvGraphicFramePr>
-            <a:graphicFrameLocks noGrp="1"/>
-          </p:cNvGraphicFramePr>
-          <p:nvPr>
-            <p:ph idx="1"/>
-            <p:extLst>
-              <p:ext uri="{D42A27DB-BD31-4B8C-83A1-F6EECF244321}">
-                <p14:modId xmlns:p14="http://schemas.microsoft.com/office/powerpoint/2010/main" val="2465293469"/>
-              </p:ext>
-            </p:extLst>
-          </p:nvPr>
-        </p:nvGraphicFramePr>
-        <p:xfrm>
-          <a:off x="1219200" y="1052736"/>
-          <a:ext cx="10360025" cy="5400600"/>
-        </p:xfrm>
-        <a:graphic>
-          <a:graphicData uri="http://schemas.openxmlformats.org/drawingml/2006/chart">
-            <c:chart xmlns:c="http://schemas.openxmlformats.org/drawingml/2006/chart" xmlns:r="http://schemas.openxmlformats.org/officeDocument/2006/relationships" r:id="rId2"/>
-          </a:graphicData>
-        </a:graphic>
-      </p:graphicFrame>
-    </p:spTree>
-    <p:extLst>
-      <p:ext uri="{BB962C8B-B14F-4D97-AF65-F5344CB8AC3E}">
-        <p14:creationId xmlns:p14="http://schemas.microsoft.com/office/powerpoint/2010/main" val="2596001810"/>
       </p:ext>
     </p:extLst>
   </p:cSld>
@@ -12318,6 +14533,118 @@
       </p:sp>
       <p:graphicFrame>
         <p:nvGraphicFramePr>
+          <p:cNvPr id="4" name="Content Placeholder 3">
+            <a:extLst>
+              <a:ext uri="{FF2B5EF4-FFF2-40B4-BE49-F238E27FC236}">
+                <a16:creationId xmlns:a16="http://schemas.microsoft.com/office/drawing/2014/main" id="{41177DC2-0CC0-A0D2-8E95-1D2FDEF6F107}"/>
+              </a:ext>
+            </a:extLst>
+          </p:cNvPr>
+          <p:cNvGraphicFramePr>
+            <a:graphicFrameLocks noGrp="1"/>
+          </p:cNvGraphicFramePr>
+          <p:nvPr>
+            <p:ph idx="1"/>
+            <p:extLst>
+              <p:ext uri="{D42A27DB-BD31-4B8C-83A1-F6EECF244321}">
+                <p14:modId xmlns:p14="http://schemas.microsoft.com/office/powerpoint/2010/main" val="2465293469"/>
+              </p:ext>
+            </p:extLst>
+          </p:nvPr>
+        </p:nvGraphicFramePr>
+        <p:xfrm>
+          <a:off x="1219200" y="1052736"/>
+          <a:ext cx="10360025" cy="5400600"/>
+        </p:xfrm>
+        <a:graphic>
+          <a:graphicData uri="http://schemas.openxmlformats.org/drawingml/2006/chart">
+            <c:chart xmlns:c="http://schemas.openxmlformats.org/drawingml/2006/chart" xmlns:r="http://schemas.openxmlformats.org/officeDocument/2006/relationships" r:id="rId2"/>
+          </a:graphicData>
+        </a:graphic>
+      </p:graphicFrame>
+    </p:spTree>
+    <p:extLst>
+      <p:ext uri="{BB962C8B-B14F-4D97-AF65-F5344CB8AC3E}">
+        <p14:creationId xmlns:p14="http://schemas.microsoft.com/office/powerpoint/2010/main" val="2596001810"/>
+      </p:ext>
+    </p:extLst>
+  </p:cSld>
+  <p:clrMapOvr>
+    <a:masterClrMapping/>
+  </p:clrMapOvr>
+  <mc:AlternateContent xmlns:mc="http://schemas.openxmlformats.org/markup-compatibility/2006" xmlns:p14="http://schemas.microsoft.com/office/powerpoint/2010/main">
+    <mc:Choice Requires="p14">
+      <p:transition spd="med" p14:dur="700">
+        <p:fade/>
+      </p:transition>
+    </mc:Choice>
+    <mc:Fallback xmlns="">
+      <p:transition spd="med">
+        <p:fade/>
+      </p:transition>
+    </mc:Fallback>
+  </mc:AlternateContent>
+</p:sld>
+</file>
+
+<file path=ppt/slides/slide14.xml><?xml version="1.0" encoding="utf-8"?>
+<p:sld xmlns:a="http://schemas.openxmlformats.org/drawingml/2006/main" xmlns:r="http://schemas.openxmlformats.org/officeDocument/2006/relationships" xmlns:p="http://schemas.openxmlformats.org/presentationml/2006/main">
+  <p:cSld>
+    <p:spTree>
+      <p:nvGrpSpPr>
+        <p:cNvPr id="1" name=""/>
+        <p:cNvGrpSpPr/>
+        <p:nvPr/>
+      </p:nvGrpSpPr>
+      <p:grpSpPr>
+        <a:xfrm>
+          <a:off x="0" y="0"/>
+          <a:ext cx="0" cy="0"/>
+          <a:chOff x="0" y="0"/>
+          <a:chExt cx="0" cy="0"/>
+        </a:xfrm>
+      </p:grpSpPr>
+      <p:sp>
+        <p:nvSpPr>
+          <p:cNvPr id="2" name="Title 1">
+            <a:extLst>
+              <a:ext uri="{FF2B5EF4-FFF2-40B4-BE49-F238E27FC236}">
+                <a16:creationId xmlns:a16="http://schemas.microsoft.com/office/drawing/2014/main" id="{A8F7070C-E0CC-B75C-2F7F-D5D4755AD802}"/>
+              </a:ext>
+            </a:extLst>
+          </p:cNvPr>
+          <p:cNvSpPr>
+            <a:spLocks noGrp="1"/>
+          </p:cNvSpPr>
+          <p:nvPr>
+            <p:ph type="title"/>
+          </p:nvPr>
+        </p:nvSpPr>
+        <p:spPr>
+          <a:xfrm>
+            <a:off x="1218883" y="274637"/>
+            <a:ext cx="10360501" cy="634083"/>
+          </a:xfrm>
+        </p:spPr>
+        <p:txBody>
+          <a:bodyPr/>
+          <a:lstStyle/>
+          <a:p>
+            <a:pPr algn="ctr"/>
+            <a:r>
+              <a:rPr lang="it-IT" dirty="0"/>
+              <a:t>Performance </a:t>
+            </a:r>
+            <a:r>
+              <a:rPr lang="it-IT" dirty="0" err="1"/>
+              <a:t>Optimization</a:t>
+            </a:r>
+            <a:endParaRPr lang="it-IT" dirty="0"/>
+          </a:p>
+        </p:txBody>
+      </p:sp>
+      <p:graphicFrame>
+        <p:nvGraphicFramePr>
           <p:cNvPr id="6" name="Content Placeholder 5">
             <a:extLst>
               <a:ext uri="{FF2B5EF4-FFF2-40B4-BE49-F238E27FC236}">
@@ -12372,7 +14699,7 @@
 </p:sld>
 </file>
 
-<file path=ppt/slides/slide14.xml><?xml version="1.0" encoding="utf-8"?>
+<file path=ppt/slides/slide15.xml><?xml version="1.0" encoding="utf-8"?>
 <p:sld xmlns:a="http://schemas.openxmlformats.org/drawingml/2006/main" xmlns:r="http://schemas.openxmlformats.org/officeDocument/2006/relationships" xmlns:p="http://schemas.openxmlformats.org/presentationml/2006/main">
   <p:cSld>
     <p:spTree>
@@ -12600,7 +14927,7 @@
 </p:sld>
 </file>
 
-<file path=ppt/slides/slide15.xml><?xml version="1.0" encoding="utf-8"?>
+<file path=ppt/slides/slide16.xml><?xml version="1.0" encoding="utf-8"?>
 <p:sld xmlns:a="http://schemas.openxmlformats.org/drawingml/2006/main" xmlns:r="http://schemas.openxmlformats.org/officeDocument/2006/relationships" xmlns:p="http://schemas.openxmlformats.org/presentationml/2006/main">
   <p:cSld>
     <p:spTree>
@@ -12927,7 +15254,7 @@
 </p:sld>
 </file>
 
-<file path=ppt/slides/slide16.xml><?xml version="1.0" encoding="utf-8"?>
+<file path=ppt/slides/slide17.xml><?xml version="1.0" encoding="utf-8"?>
 <p:sld xmlns:a="http://schemas.openxmlformats.org/drawingml/2006/main" xmlns:r="http://schemas.openxmlformats.org/officeDocument/2006/relationships" xmlns:p="http://schemas.openxmlformats.org/presentationml/2006/main">
   <p:cSld>
     <p:spTree>
@@ -14858,6 +17185,42 @@
           </a:prstGeom>
         </p:spPr>
       </p:pic>
+      <p:sp>
+        <p:nvSpPr>
+          <p:cNvPr id="4" name="TextBox 3">
+            <a:extLst>
+              <a:ext uri="{FF2B5EF4-FFF2-40B4-BE49-F238E27FC236}">
+                <a16:creationId xmlns:a16="http://schemas.microsoft.com/office/drawing/2014/main" id="{32C79DD5-807E-297B-9F5B-C94DDE228DF9}"/>
+              </a:ext>
+            </a:extLst>
+          </p:cNvPr>
+          <p:cNvSpPr txBox="1"/>
+          <p:nvPr/>
+        </p:nvSpPr>
+        <p:spPr>
+          <a:xfrm>
+            <a:off x="5369948" y="5933752"/>
+            <a:ext cx="1448927" cy="523220"/>
+          </a:xfrm>
+          <a:prstGeom prst="rect">
+            <a:avLst/>
+          </a:prstGeom>
+          <a:noFill/>
+        </p:spPr>
+        <p:txBody>
+          <a:bodyPr wrap="square" rtlCol="0">
+            <a:spAutoFit/>
+          </a:bodyPr>
+          <a:lstStyle/>
+          <a:p>
+            <a:pPr algn="ctr"/>
+            <a:r>
+              <a:rPr lang="it-IT" sz="2800" dirty="0"/>
+              <a:t>239ms</a:t>
+            </a:r>
+          </a:p>
+        </p:txBody>
+      </p:sp>
     </p:spTree>
     <p:extLst>
       <p:ext uri="{BB962C8B-B14F-4D97-AF65-F5344CB8AC3E}">
@@ -14868,13 +17231,13 @@
   <p:clrMapOvr>
     <a:masterClrMapping/>
   </p:clrMapOvr>
-  <mc:AlternateContent xmlns:mc="http://schemas.openxmlformats.org/markup-compatibility/2006">
-    <mc:Choice xmlns:p14="http://schemas.microsoft.com/office/powerpoint/2010/main" Requires="p14">
+  <mc:AlternateContent xmlns:mc="http://schemas.openxmlformats.org/markup-compatibility/2006" xmlns:p14="http://schemas.microsoft.com/office/powerpoint/2010/main">
+    <mc:Choice Requires="p14">
       <p:transition spd="med" p14:dur="700">
         <p:fade/>
       </p:transition>
     </mc:Choice>
-    <mc:Fallback>
+    <mc:Fallback xmlns="">
       <p:transition spd="med">
         <p:fade/>
       </p:transition>

--- a/documentazione/presentazione.pptx
+++ b/documentazione/presentazione.pptx
@@ -5,10 +5,10 @@
     <p:sldMasterId id="2147483660" r:id="rId4"/>
   </p:sldMasterIdLst>
   <p:notesMasterIdLst>
-    <p:notesMasterId r:id="rId22"/>
+    <p:notesMasterId r:id="rId23"/>
   </p:notesMasterIdLst>
   <p:handoutMasterIdLst>
-    <p:handoutMasterId r:id="rId23"/>
+    <p:handoutMasterId r:id="rId24"/>
   </p:handoutMasterIdLst>
   <p:sldIdLst>
     <p:sldId id="257" r:id="rId5"/>
@@ -17,17 +17,18 @@
     <p:sldId id="272" r:id="rId8"/>
     <p:sldId id="274" r:id="rId9"/>
     <p:sldId id="275" r:id="rId10"/>
-    <p:sldId id="276" r:id="rId11"/>
-    <p:sldId id="277" r:id="rId12"/>
-    <p:sldId id="289" r:id="rId13"/>
-    <p:sldId id="288" r:id="rId14"/>
-    <p:sldId id="290" r:id="rId15"/>
-    <p:sldId id="280" r:id="rId16"/>
-    <p:sldId id="281" r:id="rId17"/>
-    <p:sldId id="282" r:id="rId18"/>
-    <p:sldId id="284" r:id="rId19"/>
-    <p:sldId id="285" r:id="rId20"/>
-    <p:sldId id="287" r:id="rId21"/>
+    <p:sldId id="292" r:id="rId11"/>
+    <p:sldId id="276" r:id="rId12"/>
+    <p:sldId id="277" r:id="rId13"/>
+    <p:sldId id="289" r:id="rId14"/>
+    <p:sldId id="288" r:id="rId15"/>
+    <p:sldId id="290" r:id="rId16"/>
+    <p:sldId id="280" r:id="rId17"/>
+    <p:sldId id="281" r:id="rId18"/>
+    <p:sldId id="282" r:id="rId19"/>
+    <p:sldId id="284" r:id="rId20"/>
+    <p:sldId id="285" r:id="rId21"/>
+    <p:sldId id="287" r:id="rId22"/>
   </p:sldIdLst>
   <p:sldSz cx="12188825" cy="6858000"/>
   <p:notesSz cx="6858000" cy="9144000"/>
@@ -1714,6 +1715,1548 @@
           <a:lstStyle/>
           <a:p>
             <a:pPr>
+              <a:defRPr sz="1600" b="0" i="0" u="none" strike="noStrike" kern="1200" spc="0" baseline="0">
+                <a:solidFill>
+                  <a:schemeClr val="tx1">
+                    <a:lumMod val="65000"/>
+                    <a:lumOff val="35000"/>
+                  </a:schemeClr>
+                </a:solidFill>
+                <a:latin typeface="+mn-lt"/>
+                <a:ea typeface="+mn-ea"/>
+                <a:cs typeface="+mn-cs"/>
+              </a:defRPr>
+            </a:pPr>
+            <a:r>
+              <a:rPr lang="it-IT" sz="1600" dirty="0" err="1"/>
+              <a:t>Speedup</a:t>
+            </a:r>
+            <a:r>
+              <a:rPr lang="it-IT" sz="1600" dirty="0"/>
+              <a:t> </a:t>
+            </a:r>
+            <a:r>
+              <a:rPr lang="it-IT" sz="1600" dirty="0" err="1"/>
+              <a:t>Execution</a:t>
+            </a:r>
+            <a:r>
+              <a:rPr lang="it-IT" sz="1600" dirty="0"/>
+              <a:t> Time</a:t>
+            </a:r>
+          </a:p>
+        </c:rich>
+      </c:tx>
+      <c:overlay val="0"/>
+      <c:spPr>
+        <a:noFill/>
+        <a:ln>
+          <a:noFill/>
+        </a:ln>
+        <a:effectLst/>
+      </c:spPr>
+      <c:txPr>
+        <a:bodyPr rot="0" spcFirstLastPara="1" vertOverflow="ellipsis" vert="horz" wrap="square" anchor="ctr" anchorCtr="1"/>
+        <a:lstStyle/>
+        <a:p>
+          <a:pPr>
+            <a:defRPr sz="1600" b="0" i="0" u="none" strike="noStrike" kern="1200" spc="0" baseline="0">
+              <a:solidFill>
+                <a:schemeClr val="tx1">
+                  <a:lumMod val="65000"/>
+                  <a:lumOff val="35000"/>
+                </a:schemeClr>
+              </a:solidFill>
+              <a:latin typeface="+mn-lt"/>
+              <a:ea typeface="+mn-ea"/>
+              <a:cs typeface="+mn-cs"/>
+            </a:defRPr>
+          </a:pPr>
+          <a:endParaRPr lang="it-IT"/>
+        </a:p>
+      </c:txPr>
+    </c:title>
+    <c:autoTitleDeleted val="0"/>
+    <c:plotArea>
+      <c:layout/>
+      <c:lineChart>
+        <c:grouping val="standard"/>
+        <c:varyColors val="0"/>
+        <c:ser>
+          <c:idx val="0"/>
+          <c:order val="0"/>
+          <c:tx>
+            <c:v>100M</c:v>
+          </c:tx>
+          <c:spPr>
+            <a:ln w="28575" cap="rnd">
+              <a:solidFill>
+                <a:schemeClr val="accent1"/>
+              </a:solidFill>
+              <a:round/>
+            </a:ln>
+            <a:effectLst/>
+          </c:spPr>
+          <c:marker>
+            <c:symbol val="none"/>
+          </c:marker>
+          <c:val>
+            <c:numRef>
+              <c:f>'results (6)'!$F$82:$F$101</c:f>
+              <c:numCache>
+                <c:formatCode>General</c:formatCode>
+                <c:ptCount val="20"/>
+                <c:pt idx="0">
+                  <c:v>1</c:v>
+                </c:pt>
+                <c:pt idx="1">
+                  <c:v>1.7036851045666861</c:v>
+                </c:pt>
+                <c:pt idx="2">
+                  <c:v>2.038167727050241</c:v>
+                </c:pt>
+                <c:pt idx="3">
+                  <c:v>2.4556394795261669</c:v>
+                </c:pt>
+                <c:pt idx="4">
+                  <c:v>2.6737941137315318</c:v>
+                </c:pt>
+                <c:pt idx="5">
+                  <c:v>2.8115100731945954</c:v>
+                </c:pt>
+                <c:pt idx="6">
+                  <c:v>3.1854840923948404</c:v>
+                </c:pt>
+                <c:pt idx="7">
+                  <c:v>3.1324008090599014</c:v>
+                </c:pt>
+                <c:pt idx="8">
+                  <c:v>3.2718884878501702</c:v>
+                </c:pt>
+                <c:pt idx="9">
+                  <c:v>3.1959088079056563</c:v>
+                </c:pt>
+                <c:pt idx="10">
+                  <c:v>3.3900892881556985</c:v>
+                </c:pt>
+                <c:pt idx="11">
+                  <c:v>3.3712181789658393</c:v>
+                </c:pt>
+                <c:pt idx="12">
+                  <c:v>3.4142533023589259</c:v>
+                </c:pt>
+                <c:pt idx="13">
+                  <c:v>3.2968577495908895</c:v>
+                </c:pt>
+                <c:pt idx="14">
+                  <c:v>3.4040581776707404</c:v>
+                </c:pt>
+                <c:pt idx="15">
+                  <c:v>3.2848434395666311</c:v>
+                </c:pt>
+                <c:pt idx="16">
+                  <c:v>3.4927853892509151</c:v>
+                </c:pt>
+                <c:pt idx="17">
+                  <c:v>3.5054489996938933</c:v>
+                </c:pt>
+                <c:pt idx="18">
+                  <c:v>3.5011530472783208</c:v>
+                </c:pt>
+                <c:pt idx="19">
+                  <c:v>3.5127826965123075</c:v>
+                </c:pt>
+              </c:numCache>
+            </c:numRef>
+          </c:val>
+          <c:smooth val="0"/>
+          <c:extLst>
+            <c:ext xmlns:c16="http://schemas.microsoft.com/office/drawing/2014/chart" uri="{C3380CC4-5D6E-409C-BE32-E72D297353CC}">
+              <c16:uniqueId val="{00000000-71FD-4FD1-B3EC-E36F49CC1D8D}"/>
+            </c:ext>
+          </c:extLst>
+        </c:ser>
+        <c:ser>
+          <c:idx val="1"/>
+          <c:order val="1"/>
+          <c:tx>
+            <c:v>10M</c:v>
+          </c:tx>
+          <c:spPr>
+            <a:ln w="28575" cap="rnd">
+              <a:solidFill>
+                <a:schemeClr val="accent2"/>
+              </a:solidFill>
+              <a:round/>
+            </a:ln>
+            <a:effectLst/>
+          </c:spPr>
+          <c:marker>
+            <c:symbol val="none"/>
+          </c:marker>
+          <c:val>
+            <c:numRef>
+              <c:f>'results (6)'!$F$62:$F$81</c:f>
+              <c:numCache>
+                <c:formatCode>General</c:formatCode>
+                <c:ptCount val="20"/>
+                <c:pt idx="0">
+                  <c:v>1</c:v>
+                </c:pt>
+                <c:pt idx="1">
+                  <c:v>1.5875572034065015</c:v>
+                </c:pt>
+                <c:pt idx="2">
+                  <c:v>1.9493141315896025</c:v>
+                </c:pt>
+                <c:pt idx="3">
+                  <c:v>2.2222925938703137</c:v>
+                </c:pt>
+                <c:pt idx="4">
+                  <c:v>2.500424964913134</c:v>
+                </c:pt>
+                <c:pt idx="5">
+                  <c:v>2.6658130610005215</c:v>
+                </c:pt>
+                <c:pt idx="6">
+                  <c:v>2.9639079260892225</c:v>
+                </c:pt>
+                <c:pt idx="7">
+                  <c:v>2.9392410652816587</c:v>
+                </c:pt>
+                <c:pt idx="8">
+                  <c:v>2.6282615248261432</c:v>
+                </c:pt>
+                <c:pt idx="9">
+                  <c:v>2.6986594413194975</c:v>
+                </c:pt>
+                <c:pt idx="10">
+                  <c:v>2.8270847352736492</c:v>
+                </c:pt>
+                <c:pt idx="11">
+                  <c:v>2.9039360691948146</c:v>
+                </c:pt>
+                <c:pt idx="12">
+                  <c:v>2.9622518549815355</c:v>
+                </c:pt>
+                <c:pt idx="13">
+                  <c:v>3.1261490038259301</c:v>
+                </c:pt>
+                <c:pt idx="14">
+                  <c:v>3.1215711094978245</c:v>
+                </c:pt>
+                <c:pt idx="15">
+                  <c:v>3.1771452207782214</c:v>
+                </c:pt>
+                <c:pt idx="16">
+                  <c:v>3.0216940614704639</c:v>
+                </c:pt>
+                <c:pt idx="17">
+                  <c:v>3.032071024729543</c:v>
+                </c:pt>
+                <c:pt idx="18">
+                  <c:v>3.0728489918799964</c:v>
+                </c:pt>
+                <c:pt idx="19">
+                  <c:v>3.0816042669452153</c:v>
+                </c:pt>
+              </c:numCache>
+            </c:numRef>
+          </c:val>
+          <c:smooth val="0"/>
+          <c:extLst>
+            <c:ext xmlns:c16="http://schemas.microsoft.com/office/drawing/2014/chart" uri="{C3380CC4-5D6E-409C-BE32-E72D297353CC}">
+              <c16:uniqueId val="{00000001-71FD-4FD1-B3EC-E36F49CC1D8D}"/>
+            </c:ext>
+          </c:extLst>
+        </c:ser>
+        <c:ser>
+          <c:idx val="2"/>
+          <c:order val="2"/>
+          <c:tx>
+            <c:v>1M</c:v>
+          </c:tx>
+          <c:spPr>
+            <a:ln w="28575" cap="rnd">
+              <a:solidFill>
+                <a:schemeClr val="accent3"/>
+              </a:solidFill>
+              <a:round/>
+            </a:ln>
+            <a:effectLst/>
+          </c:spPr>
+          <c:marker>
+            <c:symbol val="none"/>
+          </c:marker>
+          <c:val>
+            <c:numRef>
+              <c:f>'results (6)'!$F$42:$F$61</c:f>
+              <c:numCache>
+                <c:formatCode>General</c:formatCode>
+                <c:ptCount val="20"/>
+                <c:pt idx="0">
+                  <c:v>1</c:v>
+                </c:pt>
+                <c:pt idx="1">
+                  <c:v>1.5410813129904049</c:v>
+                </c:pt>
+                <c:pt idx="2">
+                  <c:v>1.7365995484503982</c:v>
+                </c:pt>
+                <c:pt idx="3">
+                  <c:v>2.1472016178660511</c:v>
+                </c:pt>
+                <c:pt idx="4">
+                  <c:v>2.1979286882092706</c:v>
+                </c:pt>
+                <c:pt idx="5">
+                  <c:v>2.5041465843239248</c:v>
+                </c:pt>
+                <c:pt idx="6">
+                  <c:v>2.7727857296680822</c:v>
+                </c:pt>
+                <c:pt idx="7">
+                  <c:v>2.7908842233165316</c:v>
+                </c:pt>
+                <c:pt idx="8">
+                  <c:v>2.4034896989073165</c:v>
+                </c:pt>
+                <c:pt idx="9">
+                  <c:v>2.5421366280686533</c:v>
+                </c:pt>
+                <c:pt idx="10">
+                  <c:v>2.5929053814495564</c:v>
+                </c:pt>
+                <c:pt idx="11">
+                  <c:v>2.5908294140069801</c:v>
+                </c:pt>
+                <c:pt idx="12">
+                  <c:v>2.6616466375024554</c:v>
+                </c:pt>
+                <c:pt idx="13">
+                  <c:v>2.7872040074942324</c:v>
+                </c:pt>
+                <c:pt idx="14">
+                  <c:v>2.8068657733782025</c:v>
+                </c:pt>
+                <c:pt idx="15">
+                  <c:v>2.8692840305960696</c:v>
+                </c:pt>
+                <c:pt idx="16">
+                  <c:v>2.7625922652100656</c:v>
+                </c:pt>
+                <c:pt idx="17">
+                  <c:v>2.8320043246994242</c:v>
+                </c:pt>
+                <c:pt idx="18">
+                  <c:v>2.7641626816683007</c:v>
+                </c:pt>
+                <c:pt idx="19">
+                  <c:v>2.794407593079415</c:v>
+                </c:pt>
+              </c:numCache>
+            </c:numRef>
+          </c:val>
+          <c:smooth val="0"/>
+          <c:extLst>
+            <c:ext xmlns:c16="http://schemas.microsoft.com/office/drawing/2014/chart" uri="{C3380CC4-5D6E-409C-BE32-E72D297353CC}">
+              <c16:uniqueId val="{00000002-71FD-4FD1-B3EC-E36F49CC1D8D}"/>
+            </c:ext>
+          </c:extLst>
+        </c:ser>
+        <c:ser>
+          <c:idx val="3"/>
+          <c:order val="3"/>
+          <c:tx>
+            <c:v>100k</c:v>
+          </c:tx>
+          <c:spPr>
+            <a:ln w="28575" cap="rnd">
+              <a:solidFill>
+                <a:schemeClr val="accent4"/>
+              </a:solidFill>
+              <a:round/>
+            </a:ln>
+            <a:effectLst/>
+          </c:spPr>
+          <c:marker>
+            <c:symbol val="none"/>
+          </c:marker>
+          <c:val>
+            <c:numRef>
+              <c:f>'results (6)'!$F$22:$F$41</c:f>
+              <c:numCache>
+                <c:formatCode>General</c:formatCode>
+                <c:ptCount val="20"/>
+                <c:pt idx="0">
+                  <c:v>1</c:v>
+                </c:pt>
+                <c:pt idx="1">
+                  <c:v>0.98380816191838061</c:v>
+                </c:pt>
+                <c:pt idx="2">
+                  <c:v>1.1068292296573505</c:v>
+                </c:pt>
+                <c:pt idx="3">
+                  <c:v>1.2701951917833123</c:v>
+                </c:pt>
+                <c:pt idx="4">
+                  <c:v>1.2012711409107513</c:v>
+                </c:pt>
+                <c:pt idx="5">
+                  <c:v>1.2796893421700259</c:v>
+                </c:pt>
+                <c:pt idx="6">
+                  <c:v>1.3855701661977762</c:v>
+                </c:pt>
+                <c:pt idx="7">
+                  <c:v>1.4312369979196669</c:v>
+                </c:pt>
+                <c:pt idx="8">
+                  <c:v>1.4521607544130823</c:v>
+                </c:pt>
+                <c:pt idx="9">
+                  <c:v>1.5401650410536176</c:v>
+                </c:pt>
+                <c:pt idx="10">
+                  <c:v>1.5740141073113039</c:v>
+                </c:pt>
+                <c:pt idx="11">
+                  <c:v>1.581517895034658</c:v>
+                </c:pt>
+                <c:pt idx="12">
+                  <c:v>1.5656049349867311</c:v>
+                </c:pt>
+                <c:pt idx="13">
+                  <c:v>1.5966737599794338</c:v>
+                </c:pt>
+                <c:pt idx="14">
+                  <c:v>1.4650438998820592</c:v>
+                </c:pt>
+                <c:pt idx="15">
+                  <c:v>1.4970907849189501</c:v>
+                </c:pt>
+                <c:pt idx="16">
+                  <c:v>1.4660332946491208</c:v>
+                </c:pt>
+                <c:pt idx="17">
+                  <c:v>1.4606701202662706</c:v>
+                </c:pt>
+                <c:pt idx="18">
+                  <c:v>1.4043588857833744</c:v>
+                </c:pt>
+                <c:pt idx="19">
+                  <c:v>1.3716474860746446</c:v>
+                </c:pt>
+              </c:numCache>
+            </c:numRef>
+          </c:val>
+          <c:smooth val="0"/>
+          <c:extLst>
+            <c:ext xmlns:c16="http://schemas.microsoft.com/office/drawing/2014/chart" uri="{C3380CC4-5D6E-409C-BE32-E72D297353CC}">
+              <c16:uniqueId val="{00000003-71FD-4FD1-B3EC-E36F49CC1D8D}"/>
+            </c:ext>
+          </c:extLst>
+        </c:ser>
+        <c:ser>
+          <c:idx val="4"/>
+          <c:order val="4"/>
+          <c:tx>
+            <c:v>10k</c:v>
+          </c:tx>
+          <c:spPr>
+            <a:ln w="28575" cap="rnd">
+              <a:solidFill>
+                <a:schemeClr val="accent5"/>
+              </a:solidFill>
+              <a:round/>
+            </a:ln>
+            <a:effectLst/>
+          </c:spPr>
+          <c:marker>
+            <c:symbol val="none"/>
+          </c:marker>
+          <c:val>
+            <c:numRef>
+              <c:f>'results (6)'!$F$2:$F$21</c:f>
+              <c:numCache>
+                <c:formatCode>General</c:formatCode>
+                <c:ptCount val="20"/>
+                <c:pt idx="0">
+                  <c:v>1</c:v>
+                </c:pt>
+                <c:pt idx="1">
+                  <c:v>0.63361887744376721</c:v>
+                </c:pt>
+                <c:pt idx="2">
+                  <c:v>0.52681829105765665</c:v>
+                </c:pt>
+                <c:pt idx="3">
+                  <c:v>0.51214901660932011</c:v>
+                </c:pt>
+                <c:pt idx="4">
+                  <c:v>0.42972216776860983</c:v>
+                </c:pt>
+                <c:pt idx="5">
+                  <c:v>0.39977120878027755</c:v>
+                </c:pt>
+                <c:pt idx="6">
+                  <c:v>0.36684365063668595</c:v>
+                </c:pt>
+                <c:pt idx="7">
+                  <c:v>0.32081797740849644</c:v>
+                </c:pt>
+                <c:pt idx="8">
+                  <c:v>0.27725652523858807</c:v>
+                </c:pt>
+                <c:pt idx="9">
+                  <c:v>0.25721905168275644</c:v>
+                </c:pt>
+                <c:pt idx="10">
+                  <c:v>0.22472088125104853</c:v>
+                </c:pt>
+                <c:pt idx="11">
+                  <c:v>0.21765778451761986</c:v>
+                </c:pt>
+                <c:pt idx="12">
+                  <c:v>0.20221392930521198</c:v>
+                </c:pt>
+                <c:pt idx="13">
+                  <c:v>0.1908564915585598</c:v>
+                </c:pt>
+                <c:pt idx="14">
+                  <c:v>0.17981893568786539</c:v>
+                </c:pt>
+                <c:pt idx="15">
+                  <c:v>0.16451524868663439</c:v>
+                </c:pt>
+                <c:pt idx="16">
+                  <c:v>0.16517903014775895</c:v>
+                </c:pt>
+                <c:pt idx="17">
+                  <c:v>0.15181640747969527</c:v>
+                </c:pt>
+                <c:pt idx="18">
+                  <c:v>0.14768154730917402</c:v>
+                </c:pt>
+                <c:pt idx="19">
+                  <c:v>0.14267118708249757</c:v>
+                </c:pt>
+              </c:numCache>
+            </c:numRef>
+          </c:val>
+          <c:smooth val="0"/>
+          <c:extLst>
+            <c:ext xmlns:c16="http://schemas.microsoft.com/office/drawing/2014/chart" uri="{C3380CC4-5D6E-409C-BE32-E72D297353CC}">
+              <c16:uniqueId val="{00000004-71FD-4FD1-B3EC-E36F49CC1D8D}"/>
+            </c:ext>
+          </c:extLst>
+        </c:ser>
+        <c:dLbls>
+          <c:showLegendKey val="0"/>
+          <c:showVal val="0"/>
+          <c:showCatName val="0"/>
+          <c:showSerName val="0"/>
+          <c:showPercent val="0"/>
+          <c:showBubbleSize val="0"/>
+        </c:dLbls>
+        <c:smooth val="0"/>
+        <c:axId val="1936459583"/>
+        <c:axId val="137439984"/>
+      </c:lineChart>
+      <c:catAx>
+        <c:axId val="1936459583"/>
+        <c:scaling>
+          <c:orientation val="minMax"/>
+        </c:scaling>
+        <c:delete val="0"/>
+        <c:axPos val="b"/>
+        <c:title>
+          <c:tx>
+            <c:rich>
+              <a:bodyPr rot="0" spcFirstLastPara="1" vertOverflow="ellipsis" vert="horz" wrap="square" anchor="ctr" anchorCtr="1"/>
+              <a:lstStyle/>
+              <a:p>
+                <a:pPr>
+                  <a:defRPr sz="1600" b="0" i="0" u="none" strike="noStrike" kern="1200" baseline="0">
+                    <a:solidFill>
+                      <a:schemeClr val="tx1">
+                        <a:lumMod val="65000"/>
+                        <a:lumOff val="35000"/>
+                      </a:schemeClr>
+                    </a:solidFill>
+                    <a:latin typeface="+mn-lt"/>
+                    <a:ea typeface="+mn-ea"/>
+                    <a:cs typeface="+mn-cs"/>
+                  </a:defRPr>
+                </a:pPr>
+                <a:r>
+                  <a:rPr lang="it-IT" dirty="0" err="1"/>
+                  <a:t>Threads</a:t>
+                </a:r>
+                <a:endParaRPr lang="it-IT" dirty="0"/>
+              </a:p>
+            </c:rich>
+          </c:tx>
+          <c:overlay val="0"/>
+          <c:spPr>
+            <a:noFill/>
+            <a:ln>
+              <a:noFill/>
+            </a:ln>
+            <a:effectLst/>
+          </c:spPr>
+          <c:txPr>
+            <a:bodyPr rot="0" spcFirstLastPara="1" vertOverflow="ellipsis" vert="horz" wrap="square" anchor="ctr" anchorCtr="1"/>
+            <a:lstStyle/>
+            <a:p>
+              <a:pPr>
+                <a:defRPr sz="1600" b="0" i="0" u="none" strike="noStrike" kern="1200" baseline="0">
+                  <a:solidFill>
+                    <a:schemeClr val="tx1">
+                      <a:lumMod val="65000"/>
+                      <a:lumOff val="35000"/>
+                    </a:schemeClr>
+                  </a:solidFill>
+                  <a:latin typeface="+mn-lt"/>
+                  <a:ea typeface="+mn-ea"/>
+                  <a:cs typeface="+mn-cs"/>
+                </a:defRPr>
+              </a:pPr>
+              <a:endParaRPr lang="it-IT"/>
+            </a:p>
+          </c:txPr>
+        </c:title>
+        <c:majorTickMark val="none"/>
+        <c:minorTickMark val="none"/>
+        <c:tickLblPos val="nextTo"/>
+        <c:spPr>
+          <a:noFill/>
+          <a:ln w="9525" cap="flat" cmpd="sng" algn="ctr">
+            <a:solidFill>
+              <a:schemeClr val="tx1">
+                <a:lumMod val="15000"/>
+                <a:lumOff val="85000"/>
+              </a:schemeClr>
+            </a:solidFill>
+            <a:round/>
+          </a:ln>
+          <a:effectLst/>
+        </c:spPr>
+        <c:txPr>
+          <a:bodyPr rot="-60000000" spcFirstLastPara="1" vertOverflow="ellipsis" vert="horz" wrap="square" anchor="ctr" anchorCtr="1"/>
+          <a:lstStyle/>
+          <a:p>
+            <a:pPr>
+              <a:defRPr sz="1600" b="0" i="0" u="none" strike="noStrike" kern="1200" baseline="0">
+                <a:solidFill>
+                  <a:schemeClr val="tx1">
+                    <a:lumMod val="65000"/>
+                    <a:lumOff val="35000"/>
+                  </a:schemeClr>
+                </a:solidFill>
+                <a:latin typeface="+mn-lt"/>
+                <a:ea typeface="+mn-ea"/>
+                <a:cs typeface="+mn-cs"/>
+              </a:defRPr>
+            </a:pPr>
+            <a:endParaRPr lang="it-IT"/>
+          </a:p>
+        </c:txPr>
+        <c:crossAx val="137439984"/>
+        <c:crosses val="autoZero"/>
+        <c:auto val="1"/>
+        <c:lblAlgn val="ctr"/>
+        <c:lblOffset val="100"/>
+        <c:noMultiLvlLbl val="0"/>
+      </c:catAx>
+      <c:valAx>
+        <c:axId val="137439984"/>
+        <c:scaling>
+          <c:orientation val="minMax"/>
+        </c:scaling>
+        <c:delete val="0"/>
+        <c:axPos val="l"/>
+        <c:majorGridlines>
+          <c:spPr>
+            <a:ln w="9525" cap="flat" cmpd="sng" algn="ctr">
+              <a:solidFill>
+                <a:schemeClr val="tx1">
+                  <a:lumMod val="15000"/>
+                  <a:lumOff val="85000"/>
+                </a:schemeClr>
+              </a:solidFill>
+              <a:round/>
+            </a:ln>
+            <a:effectLst/>
+          </c:spPr>
+        </c:majorGridlines>
+        <c:numFmt formatCode="General" sourceLinked="1"/>
+        <c:majorTickMark val="none"/>
+        <c:minorTickMark val="none"/>
+        <c:tickLblPos val="nextTo"/>
+        <c:spPr>
+          <a:noFill/>
+          <a:ln>
+            <a:noFill/>
+          </a:ln>
+          <a:effectLst/>
+        </c:spPr>
+        <c:txPr>
+          <a:bodyPr rot="-60000000" spcFirstLastPara="1" vertOverflow="ellipsis" vert="horz" wrap="square" anchor="ctr" anchorCtr="1"/>
+          <a:lstStyle/>
+          <a:p>
+            <a:pPr>
+              <a:defRPr sz="1600" b="0" i="0" u="none" strike="noStrike" kern="1200" baseline="0">
+                <a:solidFill>
+                  <a:schemeClr val="tx1">
+                    <a:lumMod val="65000"/>
+                    <a:lumOff val="35000"/>
+                  </a:schemeClr>
+                </a:solidFill>
+                <a:latin typeface="+mn-lt"/>
+                <a:ea typeface="+mn-ea"/>
+                <a:cs typeface="+mn-cs"/>
+              </a:defRPr>
+            </a:pPr>
+            <a:endParaRPr lang="it-IT"/>
+          </a:p>
+        </c:txPr>
+        <c:crossAx val="1936459583"/>
+        <c:crosses val="autoZero"/>
+        <c:crossBetween val="between"/>
+      </c:valAx>
+      <c:spPr>
+        <a:noFill/>
+        <a:ln>
+          <a:noFill/>
+        </a:ln>
+        <a:effectLst/>
+      </c:spPr>
+    </c:plotArea>
+    <c:plotVisOnly val="1"/>
+    <c:dispBlanksAs val="gap"/>
+    <c:extLst>
+      <c:ext xmlns:c16r3="http://schemas.microsoft.com/office/drawing/2017/03/chart" uri="{56B9EC1D-385E-4148-901F-78D8002777C0}">
+        <c16r3:dataDisplayOptions16>
+          <c16r3:dispNaAsBlank val="1"/>
+        </c16r3:dataDisplayOptions16>
+      </c:ext>
+    </c:extLst>
+    <c:showDLblsOverMax val="0"/>
+  </c:chart>
+  <c:spPr>
+    <a:noFill/>
+    <a:ln>
+      <a:noFill/>
+    </a:ln>
+    <a:effectLst/>
+  </c:spPr>
+  <c:txPr>
+    <a:bodyPr/>
+    <a:lstStyle/>
+    <a:p>
+      <a:pPr>
+        <a:defRPr sz="1600"/>
+      </a:pPr>
+      <a:endParaRPr lang="it-IT"/>
+    </a:p>
+  </c:txPr>
+  <c:externalData r:id="rId3">
+    <c:autoUpdate val="0"/>
+  </c:externalData>
+</c:chartSpace>
+</file>
+
+<file path=ppt/charts/chart4.xml><?xml version="1.0" encoding="utf-8"?>
+<c:chartSpace xmlns:c="http://schemas.openxmlformats.org/drawingml/2006/chart" xmlns:a="http://schemas.openxmlformats.org/drawingml/2006/main" xmlns:r="http://schemas.openxmlformats.org/officeDocument/2006/relationships" xmlns:c16r2="http://schemas.microsoft.com/office/drawing/2015/06/chart">
+  <c:date1904 val="0"/>
+  <c:lang val="en-US"/>
+  <c:roundedCorners val="0"/>
+  <mc:AlternateContent xmlns:mc="http://schemas.openxmlformats.org/markup-compatibility/2006">
+    <mc:Choice xmlns:c14="http://schemas.microsoft.com/office/drawing/2007/8/2/chart" Requires="c14">
+      <c14:style val="102"/>
+    </mc:Choice>
+    <mc:Fallback>
+      <c:style val="2"/>
+    </mc:Fallback>
+  </mc:AlternateContent>
+  <c:chart>
+    <c:title>
+      <c:tx>
+        <c:rich>
+          <a:bodyPr rot="0" spcFirstLastPara="1" vertOverflow="ellipsis" vert="horz" wrap="square" anchor="ctr" anchorCtr="1"/>
+          <a:lstStyle/>
+          <a:p>
+            <a:pPr>
+              <a:defRPr sz="1920" b="0" i="0" u="none" strike="noStrike" kern="1200" spc="0" baseline="0">
+                <a:solidFill>
+                  <a:schemeClr val="tx1">
+                    <a:lumMod val="65000"/>
+                    <a:lumOff val="35000"/>
+                  </a:schemeClr>
+                </a:solidFill>
+                <a:latin typeface="+mn-lt"/>
+                <a:ea typeface="+mn-ea"/>
+                <a:cs typeface="+mn-cs"/>
+              </a:defRPr>
+            </a:pPr>
+            <a:r>
+              <a:rPr lang="it-IT" dirty="0" err="1"/>
+              <a:t>Speedup</a:t>
+            </a:r>
+            <a:r>
+              <a:rPr lang="it-IT" dirty="0"/>
+              <a:t> Throughput</a:t>
+            </a:r>
+          </a:p>
+        </c:rich>
+      </c:tx>
+      <c:overlay val="0"/>
+      <c:spPr>
+        <a:noFill/>
+        <a:ln>
+          <a:noFill/>
+        </a:ln>
+        <a:effectLst/>
+      </c:spPr>
+      <c:txPr>
+        <a:bodyPr rot="0" spcFirstLastPara="1" vertOverflow="ellipsis" vert="horz" wrap="square" anchor="ctr" anchorCtr="1"/>
+        <a:lstStyle/>
+        <a:p>
+          <a:pPr>
+            <a:defRPr sz="1920" b="0" i="0" u="none" strike="noStrike" kern="1200" spc="0" baseline="0">
+              <a:solidFill>
+                <a:schemeClr val="tx1">
+                  <a:lumMod val="65000"/>
+                  <a:lumOff val="35000"/>
+                </a:schemeClr>
+              </a:solidFill>
+              <a:latin typeface="+mn-lt"/>
+              <a:ea typeface="+mn-ea"/>
+              <a:cs typeface="+mn-cs"/>
+            </a:defRPr>
+          </a:pPr>
+          <a:endParaRPr lang="it-IT"/>
+        </a:p>
+      </c:txPr>
+    </c:title>
+    <c:autoTitleDeleted val="0"/>
+    <c:plotArea>
+      <c:layout/>
+      <c:lineChart>
+        <c:grouping val="standard"/>
+        <c:varyColors val="0"/>
+        <c:ser>
+          <c:idx val="0"/>
+          <c:order val="0"/>
+          <c:tx>
+            <c:v>100M</c:v>
+          </c:tx>
+          <c:spPr>
+            <a:ln w="28575" cap="rnd">
+              <a:solidFill>
+                <a:schemeClr val="accent1"/>
+              </a:solidFill>
+              <a:round/>
+            </a:ln>
+            <a:effectLst/>
+          </c:spPr>
+          <c:marker>
+            <c:symbol val="none"/>
+          </c:marker>
+          <c:val>
+            <c:numRef>
+              <c:f>'results (10)'!$G$82:$G$101</c:f>
+              <c:numCache>
+                <c:formatCode>General</c:formatCode>
+                <c:ptCount val="20"/>
+                <c:pt idx="0">
+                  <c:v>1</c:v>
+                </c:pt>
+                <c:pt idx="1">
+                  <c:v>1.6740334409914406</c:v>
+                </c:pt>
+                <c:pt idx="2">
+                  <c:v>2.0060991614333763</c:v>
+                </c:pt>
+                <c:pt idx="3">
+                  <c:v>2.3922307036882695</c:v>
+                </c:pt>
+                <c:pt idx="4">
+                  <c:v>2.6289413567947286</c:v>
+                </c:pt>
+                <c:pt idx="5">
+                  <c:v>2.8425074323824613</c:v>
+                </c:pt>
+                <c:pt idx="6">
+                  <c:v>3.1485227147654058</c:v>
+                </c:pt>
+                <c:pt idx="7">
+                  <c:v>3.1105941044466991</c:v>
+                </c:pt>
+                <c:pt idx="8">
+                  <c:v>3.2195505648269376</c:v>
+                </c:pt>
+                <c:pt idx="9">
+                  <c:v>3.1914878270446261</c:v>
+                </c:pt>
+                <c:pt idx="10">
+                  <c:v>3.2184128867145794</c:v>
+                </c:pt>
+                <c:pt idx="11">
+                  <c:v>3.2612319648858548</c:v>
+                </c:pt>
+                <c:pt idx="12">
+                  <c:v>3.3541380413351374</c:v>
+                </c:pt>
+                <c:pt idx="13">
+                  <c:v>3.4074855417772296</c:v>
+                </c:pt>
+                <c:pt idx="14">
+                  <c:v>3.467516022230706</c:v>
+                </c:pt>
+                <c:pt idx="15">
+                  <c:v>3.3963401670247468</c:v>
+                </c:pt>
+                <c:pt idx="16">
+                  <c:v>3.4032425737139396</c:v>
+                </c:pt>
+                <c:pt idx="17">
+                  <c:v>3.4292198816106469</c:v>
+                </c:pt>
+                <c:pt idx="18">
+                  <c:v>3.4050603682917484</c:v>
+                </c:pt>
+                <c:pt idx="19">
+                  <c:v>3.3706962975504418</c:v>
+                </c:pt>
+              </c:numCache>
+            </c:numRef>
+          </c:val>
+          <c:smooth val="0"/>
+          <c:extLst>
+            <c:ext xmlns:c16="http://schemas.microsoft.com/office/drawing/2014/chart" uri="{C3380CC4-5D6E-409C-BE32-E72D297353CC}">
+              <c16:uniqueId val="{00000000-1CDF-4F36-9D05-31BC279020D4}"/>
+            </c:ext>
+          </c:extLst>
+        </c:ser>
+        <c:ser>
+          <c:idx val="1"/>
+          <c:order val="1"/>
+          <c:tx>
+            <c:v>10M</c:v>
+          </c:tx>
+          <c:spPr>
+            <a:ln w="28575" cap="rnd">
+              <a:solidFill>
+                <a:schemeClr val="accent2"/>
+              </a:solidFill>
+              <a:round/>
+            </a:ln>
+            <a:effectLst/>
+          </c:spPr>
+          <c:marker>
+            <c:symbol val="none"/>
+          </c:marker>
+          <c:val>
+            <c:numRef>
+              <c:f>'results (10)'!$G$62:$G$81</c:f>
+              <c:numCache>
+                <c:formatCode>General</c:formatCode>
+                <c:ptCount val="20"/>
+                <c:pt idx="0">
+                  <c:v>1</c:v>
+                </c:pt>
+                <c:pt idx="1">
+                  <c:v>1.5557354825608629</c:v>
+                </c:pt>
+                <c:pt idx="2">
+                  <c:v>1.8913324089897516</c:v>
+                </c:pt>
+                <c:pt idx="3">
+                  <c:v>2.242273269230886</c:v>
+                </c:pt>
+                <c:pt idx="4">
+                  <c:v>2.41702299494662</c:v>
+                </c:pt>
+                <c:pt idx="5">
+                  <c:v>2.5804441693005717</c:v>
+                </c:pt>
+                <c:pt idx="6">
+                  <c:v>2.8735570630582026</c:v>
+                </c:pt>
+                <c:pt idx="7">
+                  <c:v>2.7931820701147219</c:v>
+                </c:pt>
+                <c:pt idx="8">
+                  <c:v>2.6144125840898664</c:v>
+                </c:pt>
+                <c:pt idx="9">
+                  <c:v>2.6330085782750499</c:v>
+                </c:pt>
+                <c:pt idx="10">
+                  <c:v>2.6009128245345647</c:v>
+                </c:pt>
+                <c:pt idx="11">
+                  <c:v>2.8803259703639359</c:v>
+                </c:pt>
+                <c:pt idx="12">
+                  <c:v>2.9104426635776925</c:v>
+                </c:pt>
+                <c:pt idx="13">
+                  <c:v>2.9875219865202505</c:v>
+                </c:pt>
+                <c:pt idx="14">
+                  <c:v>3.0406781840107691</c:v>
+                </c:pt>
+                <c:pt idx="15">
+                  <c:v>3.0774682136608047</c:v>
+                </c:pt>
+                <c:pt idx="16">
+                  <c:v>2.9633341828670368</c:v>
+                </c:pt>
+                <c:pt idx="17">
+                  <c:v>2.9874131065710774</c:v>
+                </c:pt>
+                <c:pt idx="18">
+                  <c:v>2.988933430543339</c:v>
+                </c:pt>
+                <c:pt idx="19">
+                  <c:v>2.9996573357815182</c:v>
+                </c:pt>
+              </c:numCache>
+            </c:numRef>
+          </c:val>
+          <c:smooth val="0"/>
+          <c:extLst>
+            <c:ext xmlns:c16="http://schemas.microsoft.com/office/drawing/2014/chart" uri="{C3380CC4-5D6E-409C-BE32-E72D297353CC}">
+              <c16:uniqueId val="{00000001-1CDF-4F36-9D05-31BC279020D4}"/>
+            </c:ext>
+          </c:extLst>
+        </c:ser>
+        <c:ser>
+          <c:idx val="2"/>
+          <c:order val="2"/>
+          <c:tx>
+            <c:v>1M</c:v>
+          </c:tx>
+          <c:spPr>
+            <a:ln w="28575" cap="rnd">
+              <a:solidFill>
+                <a:schemeClr val="accent3"/>
+              </a:solidFill>
+              <a:round/>
+            </a:ln>
+            <a:effectLst/>
+          </c:spPr>
+          <c:marker>
+            <c:symbol val="none"/>
+          </c:marker>
+          <c:val>
+            <c:numRef>
+              <c:f>'results (10)'!$G$42:$G$61</c:f>
+              <c:numCache>
+                <c:formatCode>General</c:formatCode>
+                <c:ptCount val="20"/>
+                <c:pt idx="0">
+                  <c:v>1</c:v>
+                </c:pt>
+                <c:pt idx="1">
+                  <c:v>1.550678034459634</c:v>
+                </c:pt>
+                <c:pt idx="2">
+                  <c:v>1.8669836881780184</c:v>
+                </c:pt>
+                <c:pt idx="3">
+                  <c:v>2.4009407263351044</c:v>
+                </c:pt>
+                <c:pt idx="4">
+                  <c:v>2.2703145193649381</c:v>
+                </c:pt>
+                <c:pt idx="5">
+                  <c:v>2.6096456779425794</c:v>
+                </c:pt>
+                <c:pt idx="6">
+                  <c:v>2.8759369221969249</c:v>
+                </c:pt>
+                <c:pt idx="7">
+                  <c:v>2.8452503883111899</c:v>
+                </c:pt>
+                <c:pt idx="8">
+                  <c:v>2.499717174948243</c:v>
+                </c:pt>
+                <c:pt idx="9">
+                  <c:v>2.6555371007054229</c:v>
+                </c:pt>
+                <c:pt idx="10">
+                  <c:v>2.6614020809980206</c:v>
+                </c:pt>
+                <c:pt idx="11">
+                  <c:v>2.7366717131766718</c:v>
+                </c:pt>
+                <c:pt idx="12">
+                  <c:v>2.7847766591621284</c:v>
+                </c:pt>
+                <c:pt idx="13">
+                  <c:v>2.9088146451374808</c:v>
+                </c:pt>
+                <c:pt idx="14">
+                  <c:v>2.9846101363854745</c:v>
+                </c:pt>
+                <c:pt idx="15">
+                  <c:v>2.9098917780029128</c:v>
+                </c:pt>
+                <c:pt idx="16">
+                  <c:v>2.90300310625797</c:v>
+                </c:pt>
+                <c:pt idx="17">
+                  <c:v>2.8740283507651148</c:v>
+                </c:pt>
+                <c:pt idx="18">
+                  <c:v>2.9171695501153416</c:v>
+                </c:pt>
+                <c:pt idx="19">
+                  <c:v>2.8923328747174559</c:v>
+                </c:pt>
+              </c:numCache>
+            </c:numRef>
+          </c:val>
+          <c:smooth val="0"/>
+          <c:extLst>
+            <c:ext xmlns:c16="http://schemas.microsoft.com/office/drawing/2014/chart" uri="{C3380CC4-5D6E-409C-BE32-E72D297353CC}">
+              <c16:uniqueId val="{00000002-1CDF-4F36-9D05-31BC279020D4}"/>
+            </c:ext>
+          </c:extLst>
+        </c:ser>
+        <c:ser>
+          <c:idx val="3"/>
+          <c:order val="3"/>
+          <c:tx>
+            <c:v>100k</c:v>
+          </c:tx>
+          <c:spPr>
+            <a:ln w="28575" cap="rnd">
+              <a:solidFill>
+                <a:schemeClr val="accent4"/>
+              </a:solidFill>
+              <a:round/>
+            </a:ln>
+            <a:effectLst/>
+          </c:spPr>
+          <c:marker>
+            <c:symbol val="none"/>
+          </c:marker>
+          <c:val>
+            <c:numRef>
+              <c:f>'results (10)'!$G$22:$G$41</c:f>
+              <c:numCache>
+                <c:formatCode>General</c:formatCode>
+                <c:ptCount val="20"/>
+                <c:pt idx="0">
+                  <c:v>1</c:v>
+                </c:pt>
+                <c:pt idx="1">
+                  <c:v>1.0812707890785203</c:v>
+                </c:pt>
+                <c:pt idx="2">
+                  <c:v>1.2988144950158993</c:v>
+                </c:pt>
+                <c:pt idx="3">
+                  <c:v>1.4875703721941154</c:v>
+                </c:pt>
+                <c:pt idx="4">
+                  <c:v>1.2711808987255964</c:v>
+                </c:pt>
+                <c:pt idx="5">
+                  <c:v>1.6173046238033892</c:v>
+                </c:pt>
+                <c:pt idx="6">
+                  <c:v>1.7669451735126003</c:v>
+                </c:pt>
+                <c:pt idx="7">
+                  <c:v>1.7926273632063849</c:v>
+                </c:pt>
+                <c:pt idx="8">
+                  <c:v>1.716654038195309</c:v>
+                </c:pt>
+                <c:pt idx="9">
+                  <c:v>1.7469224176424407</c:v>
+                </c:pt>
+                <c:pt idx="10">
+                  <c:v>1.7037458471203943</c:v>
+                </c:pt>
+                <c:pt idx="11">
+                  <c:v>1.6777293585988802</c:v>
+                </c:pt>
+                <c:pt idx="12">
+                  <c:v>1.6643473558344433</c:v>
+                </c:pt>
+                <c:pt idx="13">
+                  <c:v>1.6611199385930937</c:v>
+                </c:pt>
+                <c:pt idx="14">
+                  <c:v>1.6529265137437272</c:v>
+                </c:pt>
+                <c:pt idx="15">
+                  <c:v>1.6108113641680757</c:v>
+                </c:pt>
+                <c:pt idx="16">
+                  <c:v>1.602035946045679</c:v>
+                </c:pt>
+                <c:pt idx="17">
+                  <c:v>1.5642950567278124</c:v>
+                </c:pt>
+                <c:pt idx="18">
+                  <c:v>1.5416992935231004</c:v>
+                </c:pt>
+                <c:pt idx="19">
+                  <c:v>1.5017338834470715</c:v>
+                </c:pt>
+              </c:numCache>
+            </c:numRef>
+          </c:val>
+          <c:smooth val="0"/>
+          <c:extLst>
+            <c:ext xmlns:c16="http://schemas.microsoft.com/office/drawing/2014/chart" uri="{C3380CC4-5D6E-409C-BE32-E72D297353CC}">
+              <c16:uniqueId val="{00000003-1CDF-4F36-9D05-31BC279020D4}"/>
+            </c:ext>
+          </c:extLst>
+        </c:ser>
+        <c:ser>
+          <c:idx val="4"/>
+          <c:order val="4"/>
+          <c:tx>
+            <c:v>10k</c:v>
+          </c:tx>
+          <c:spPr>
+            <a:ln w="28575" cap="rnd">
+              <a:solidFill>
+                <a:schemeClr val="accent5"/>
+              </a:solidFill>
+              <a:round/>
+            </a:ln>
+            <a:effectLst/>
+          </c:spPr>
+          <c:marker>
+            <c:symbol val="none"/>
+          </c:marker>
+          <c:val>
+            <c:numRef>
+              <c:f>'results (10)'!$G$2:$G$21</c:f>
+              <c:numCache>
+                <c:formatCode>General</c:formatCode>
+                <c:ptCount val="20"/>
+                <c:pt idx="0">
+                  <c:v>1</c:v>
+                </c:pt>
+                <c:pt idx="1">
+                  <c:v>0.6599018961856653</c:v>
+                </c:pt>
+                <c:pt idx="2">
+                  <c:v>0.61969397466871623</c:v>
+                </c:pt>
+                <c:pt idx="3">
+                  <c:v>0.56033384581594503</c:v>
+                </c:pt>
+                <c:pt idx="4">
+                  <c:v>0.50160333845815941</c:v>
+                </c:pt>
+                <c:pt idx="5">
+                  <c:v>0.44747053224979938</c:v>
+                </c:pt>
+                <c:pt idx="6">
+                  <c:v>0.40798008638992694</c:v>
+                </c:pt>
+                <c:pt idx="7">
+                  <c:v>0.37033457793396224</c:v>
+                </c:pt>
+                <c:pt idx="8">
+                  <c:v>0.33790174976206105</c:v>
+                </c:pt>
+                <c:pt idx="9">
+                  <c:v>0.3092027234790235</c:v>
+                </c:pt>
+                <c:pt idx="10">
+                  <c:v>0.27663811406398719</c:v>
+                </c:pt>
+                <c:pt idx="11">
+                  <c:v>0.25553847280181463</c:v>
+                </c:pt>
+                <c:pt idx="12">
+                  <c:v>0.23669375503331114</c:v>
+                </c:pt>
+                <c:pt idx="13">
+                  <c:v>0.22092367042555283</c:v>
+                </c:pt>
+                <c:pt idx="14">
+                  <c:v>0.2091524085953558</c:v>
+                </c:pt>
+                <c:pt idx="15">
+                  <c:v>0.19571308440737303</c:v>
+                </c:pt>
+                <c:pt idx="16">
+                  <c:v>0.18326136117365335</c:v>
+                </c:pt>
+                <c:pt idx="17">
+                  <c:v>0.17395529529878165</c:v>
+                </c:pt>
+                <c:pt idx="18">
+                  <c:v>0.16615018803182391</c:v>
+                </c:pt>
+                <c:pt idx="19">
+                  <c:v>0.15804263726994017</c:v>
+                </c:pt>
+              </c:numCache>
+            </c:numRef>
+          </c:val>
+          <c:smooth val="0"/>
+          <c:extLst>
+            <c:ext xmlns:c16="http://schemas.microsoft.com/office/drawing/2014/chart" uri="{C3380CC4-5D6E-409C-BE32-E72D297353CC}">
+              <c16:uniqueId val="{00000004-1CDF-4F36-9D05-31BC279020D4}"/>
+            </c:ext>
+          </c:extLst>
+        </c:ser>
+        <c:dLbls>
+          <c:showLegendKey val="0"/>
+          <c:showVal val="0"/>
+          <c:showCatName val="0"/>
+          <c:showSerName val="0"/>
+          <c:showPercent val="0"/>
+          <c:showBubbleSize val="0"/>
+        </c:dLbls>
+        <c:smooth val="0"/>
+        <c:axId val="1936459583"/>
+        <c:axId val="137439984"/>
+      </c:lineChart>
+      <c:catAx>
+        <c:axId val="1936459583"/>
+        <c:scaling>
+          <c:orientation val="minMax"/>
+        </c:scaling>
+        <c:delete val="0"/>
+        <c:axPos val="b"/>
+        <c:title>
+          <c:tx>
+            <c:rich>
+              <a:bodyPr rot="0" spcFirstLastPara="1" vertOverflow="ellipsis" vert="horz" wrap="square" anchor="ctr" anchorCtr="1"/>
+              <a:lstStyle/>
+              <a:p>
+                <a:pPr>
+                  <a:defRPr sz="1600" b="0" i="0" u="none" strike="noStrike" kern="1200" baseline="0">
+                    <a:solidFill>
+                      <a:schemeClr val="tx1">
+                        <a:lumMod val="65000"/>
+                        <a:lumOff val="35000"/>
+                      </a:schemeClr>
+                    </a:solidFill>
+                    <a:latin typeface="+mn-lt"/>
+                    <a:ea typeface="+mn-ea"/>
+                    <a:cs typeface="+mn-cs"/>
+                  </a:defRPr>
+                </a:pPr>
+                <a:r>
+                  <a:rPr lang="it-IT" dirty="0" err="1"/>
+                  <a:t>Threads</a:t>
+                </a:r>
+                <a:endParaRPr lang="it-IT" dirty="0"/>
+              </a:p>
+            </c:rich>
+          </c:tx>
+          <c:overlay val="0"/>
+          <c:spPr>
+            <a:noFill/>
+            <a:ln>
+              <a:noFill/>
+            </a:ln>
+            <a:effectLst/>
+          </c:spPr>
+          <c:txPr>
+            <a:bodyPr rot="0" spcFirstLastPara="1" vertOverflow="ellipsis" vert="horz" wrap="square" anchor="ctr" anchorCtr="1"/>
+            <a:lstStyle/>
+            <a:p>
+              <a:pPr>
+                <a:defRPr sz="1600" b="0" i="0" u="none" strike="noStrike" kern="1200" baseline="0">
+                  <a:solidFill>
+                    <a:schemeClr val="tx1">
+                      <a:lumMod val="65000"/>
+                      <a:lumOff val="35000"/>
+                    </a:schemeClr>
+                  </a:solidFill>
+                  <a:latin typeface="+mn-lt"/>
+                  <a:ea typeface="+mn-ea"/>
+                  <a:cs typeface="+mn-cs"/>
+                </a:defRPr>
+              </a:pPr>
+              <a:endParaRPr lang="it-IT"/>
+            </a:p>
+          </c:txPr>
+        </c:title>
+        <c:majorTickMark val="none"/>
+        <c:minorTickMark val="none"/>
+        <c:tickLblPos val="nextTo"/>
+        <c:spPr>
+          <a:noFill/>
+          <a:ln w="9525" cap="flat" cmpd="sng" algn="ctr">
+            <a:solidFill>
+              <a:schemeClr val="tx1">
+                <a:lumMod val="15000"/>
+                <a:lumOff val="85000"/>
+              </a:schemeClr>
+            </a:solidFill>
+            <a:round/>
+          </a:ln>
+          <a:effectLst/>
+        </c:spPr>
+        <c:txPr>
+          <a:bodyPr rot="-60000000" spcFirstLastPara="1" vertOverflow="ellipsis" vert="horz" wrap="square" anchor="ctr" anchorCtr="1"/>
+          <a:lstStyle/>
+          <a:p>
+            <a:pPr>
+              <a:defRPr sz="1600" b="0" i="0" u="none" strike="noStrike" kern="1200" baseline="0">
+                <a:solidFill>
+                  <a:schemeClr val="tx1">
+                    <a:lumMod val="65000"/>
+                    <a:lumOff val="35000"/>
+                  </a:schemeClr>
+                </a:solidFill>
+                <a:latin typeface="+mn-lt"/>
+                <a:ea typeface="+mn-ea"/>
+                <a:cs typeface="+mn-cs"/>
+              </a:defRPr>
+            </a:pPr>
+            <a:endParaRPr lang="it-IT"/>
+          </a:p>
+        </c:txPr>
+        <c:crossAx val="137439984"/>
+        <c:crosses val="autoZero"/>
+        <c:auto val="1"/>
+        <c:lblAlgn val="ctr"/>
+        <c:lblOffset val="100"/>
+        <c:noMultiLvlLbl val="0"/>
+      </c:catAx>
+      <c:valAx>
+        <c:axId val="137439984"/>
+        <c:scaling>
+          <c:orientation val="minMax"/>
+        </c:scaling>
+        <c:delete val="1"/>
+        <c:axPos val="l"/>
+        <c:majorGridlines>
+          <c:spPr>
+            <a:ln w="9525" cap="flat" cmpd="sng" algn="ctr">
+              <a:solidFill>
+                <a:schemeClr val="tx1">
+                  <a:lumMod val="15000"/>
+                  <a:lumOff val="85000"/>
+                </a:schemeClr>
+              </a:solidFill>
+              <a:round/>
+            </a:ln>
+            <a:effectLst/>
+          </c:spPr>
+        </c:majorGridlines>
+        <c:numFmt formatCode="General" sourceLinked="1"/>
+        <c:majorTickMark val="none"/>
+        <c:minorTickMark val="none"/>
+        <c:tickLblPos val="nextTo"/>
+        <c:crossAx val="1936459583"/>
+        <c:crosses val="autoZero"/>
+        <c:crossBetween val="between"/>
+      </c:valAx>
+      <c:spPr>
+        <a:noFill/>
+        <a:ln>
+          <a:noFill/>
+        </a:ln>
+        <a:effectLst/>
+      </c:spPr>
+    </c:plotArea>
+    <c:legend>
+      <c:legendPos val="r"/>
+      <c:overlay val="0"/>
+      <c:spPr>
+        <a:noFill/>
+        <a:ln>
+          <a:noFill/>
+        </a:ln>
+        <a:effectLst/>
+      </c:spPr>
+      <c:txPr>
+        <a:bodyPr rot="0" spcFirstLastPara="1" vertOverflow="ellipsis" vert="horz" wrap="square" anchor="ctr" anchorCtr="1"/>
+        <a:lstStyle/>
+        <a:p>
+          <a:pPr>
+            <a:defRPr sz="1600" b="0" i="0" u="none" strike="noStrike" kern="1200" baseline="0">
+              <a:solidFill>
+                <a:schemeClr val="tx1">
+                  <a:lumMod val="65000"/>
+                  <a:lumOff val="35000"/>
+                </a:schemeClr>
+              </a:solidFill>
+              <a:latin typeface="+mn-lt"/>
+              <a:ea typeface="+mn-ea"/>
+              <a:cs typeface="+mn-cs"/>
+            </a:defRPr>
+          </a:pPr>
+          <a:endParaRPr lang="it-IT"/>
+        </a:p>
+      </c:txPr>
+    </c:legend>
+    <c:plotVisOnly val="1"/>
+    <c:dispBlanksAs val="gap"/>
+    <c:extLst>
+      <c:ext xmlns:c16r3="http://schemas.microsoft.com/office/drawing/2017/03/chart" uri="{56B9EC1D-385E-4148-901F-78D8002777C0}">
+        <c16r3:dataDisplayOptions16>
+          <c16r3:dispNaAsBlank val="1"/>
+        </c16r3:dataDisplayOptions16>
+      </c:ext>
+    </c:extLst>
+    <c:showDLblsOverMax val="0"/>
+  </c:chart>
+  <c:spPr>
+    <a:noFill/>
+    <a:ln>
+      <a:noFill/>
+    </a:ln>
+    <a:effectLst/>
+  </c:spPr>
+  <c:txPr>
+    <a:bodyPr/>
+    <a:lstStyle/>
+    <a:p>
+      <a:pPr>
+        <a:defRPr sz="1600"/>
+      </a:pPr>
+      <a:endParaRPr lang="it-IT"/>
+    </a:p>
+  </c:txPr>
+  <c:externalData r:id="rId3">
+    <c:autoUpdate val="0"/>
+  </c:externalData>
+</c:chartSpace>
+</file>
+
+<file path=ppt/charts/chart5.xml><?xml version="1.0" encoding="utf-8"?>
+<c:chartSpace xmlns:c="http://schemas.openxmlformats.org/drawingml/2006/chart" xmlns:a="http://schemas.openxmlformats.org/drawingml/2006/main" xmlns:r="http://schemas.openxmlformats.org/officeDocument/2006/relationships" xmlns:c16r2="http://schemas.microsoft.com/office/drawing/2015/06/chart">
+  <c:date1904 val="0"/>
+  <c:lang val="en-US"/>
+  <c:roundedCorners val="0"/>
+  <mc:AlternateContent xmlns:mc="http://schemas.openxmlformats.org/markup-compatibility/2006">
+    <mc:Choice xmlns:c14="http://schemas.microsoft.com/office/drawing/2007/8/2/chart" Requires="c14">
+      <c14:style val="102"/>
+    </mc:Choice>
+    <mc:Fallback>
+      <c:style val="2"/>
+    </mc:Fallback>
+  </mc:AlternateContent>
+  <c:chart>
+    <c:title>
+      <c:tx>
+        <c:rich>
+          <a:bodyPr rot="0" spcFirstLastPara="1" vertOverflow="ellipsis" vert="horz" wrap="square" anchor="ctr" anchorCtr="1"/>
+          <a:lstStyle/>
+          <a:p>
+            <a:pPr>
               <a:defRPr sz="1920" b="0" i="0" u="none" strike="noStrike" kern="1200" spc="0" baseline="0">
                 <a:solidFill>
                   <a:schemeClr val="tx1">
@@ -2923,7 +4466,7 @@
 </c:chartSpace>
 </file>
 
-<file path=ppt/charts/chart4.xml><?xml version="1.0" encoding="utf-8"?>
+<file path=ppt/charts/chart6.xml><?xml version="1.0" encoding="utf-8"?>
 <c:chartSpace xmlns:c="http://schemas.openxmlformats.org/drawingml/2006/chart" xmlns:a="http://schemas.openxmlformats.org/drawingml/2006/main" xmlns:r="http://schemas.openxmlformats.org/officeDocument/2006/relationships" xmlns:c16r2="http://schemas.microsoft.com/office/drawing/2015/06/chart">
   <c:date1904 val="0"/>
   <c:lang val="en-US"/>
@@ -3742,7 +5285,7 @@
 </c:chartSpace>
 </file>
 
-<file path=ppt/charts/chart5.xml><?xml version="1.0" encoding="utf-8"?>
+<file path=ppt/charts/chart7.xml><?xml version="1.0" encoding="utf-8"?>
 <c:chartSpace xmlns:c="http://schemas.openxmlformats.org/drawingml/2006/chart" xmlns:a="http://schemas.openxmlformats.org/drawingml/2006/main" xmlns:r="http://schemas.openxmlformats.org/officeDocument/2006/relationships" xmlns:c16r2="http://schemas.microsoft.com/office/drawing/2015/06/chart">
   <c:date1904 val="0"/>
   <c:lang val="en-US"/>
@@ -4306,7 +5849,7 @@
 </c:chartSpace>
 </file>
 
-<file path=ppt/charts/chart6.xml><?xml version="1.0" encoding="utf-8"?>
+<file path=ppt/charts/chart8.xml><?xml version="1.0" encoding="utf-8"?>
 <c:chartSpace xmlns:c="http://schemas.openxmlformats.org/drawingml/2006/chart" xmlns:a="http://schemas.openxmlformats.org/drawingml/2006/main" xmlns:r="http://schemas.openxmlformats.org/officeDocument/2006/relationships" xmlns:c16r2="http://schemas.microsoft.com/office/drawing/2015/06/chart">
   <c:date1904 val="0"/>
   <c:lang val="en-US"/>
@@ -5110,6 +6653,86 @@
 </cs:colorStyle>
 </file>
 
+<file path=ppt/charts/colors7.xml><?xml version="1.0" encoding="utf-8"?>
+<cs:colorStyle xmlns:cs="http://schemas.microsoft.com/office/drawing/2012/chartStyle" xmlns:a="http://schemas.openxmlformats.org/drawingml/2006/main" meth="cycle" id="10">
+  <a:schemeClr val="accent1"/>
+  <a:schemeClr val="accent2"/>
+  <a:schemeClr val="accent3"/>
+  <a:schemeClr val="accent4"/>
+  <a:schemeClr val="accent5"/>
+  <a:schemeClr val="accent6"/>
+  <cs:variation/>
+  <cs:variation>
+    <a:lumMod val="60000"/>
+  </cs:variation>
+  <cs:variation>
+    <a:lumMod val="80000"/>
+    <a:lumOff val="20000"/>
+  </cs:variation>
+  <cs:variation>
+    <a:lumMod val="80000"/>
+  </cs:variation>
+  <cs:variation>
+    <a:lumMod val="60000"/>
+    <a:lumOff val="40000"/>
+  </cs:variation>
+  <cs:variation>
+    <a:lumMod val="50000"/>
+  </cs:variation>
+  <cs:variation>
+    <a:lumMod val="70000"/>
+    <a:lumOff val="30000"/>
+  </cs:variation>
+  <cs:variation>
+    <a:lumMod val="70000"/>
+  </cs:variation>
+  <cs:variation>
+    <a:lumMod val="50000"/>
+    <a:lumOff val="50000"/>
+  </cs:variation>
+</cs:colorStyle>
+</file>
+
+<file path=ppt/charts/colors8.xml><?xml version="1.0" encoding="utf-8"?>
+<cs:colorStyle xmlns:cs="http://schemas.microsoft.com/office/drawing/2012/chartStyle" xmlns:a="http://schemas.openxmlformats.org/drawingml/2006/main" meth="cycle" id="10">
+  <a:schemeClr val="accent1"/>
+  <a:schemeClr val="accent2"/>
+  <a:schemeClr val="accent3"/>
+  <a:schemeClr val="accent4"/>
+  <a:schemeClr val="accent5"/>
+  <a:schemeClr val="accent6"/>
+  <cs:variation/>
+  <cs:variation>
+    <a:lumMod val="60000"/>
+  </cs:variation>
+  <cs:variation>
+    <a:lumMod val="80000"/>
+    <a:lumOff val="20000"/>
+  </cs:variation>
+  <cs:variation>
+    <a:lumMod val="80000"/>
+  </cs:variation>
+  <cs:variation>
+    <a:lumMod val="60000"/>
+    <a:lumOff val="40000"/>
+  </cs:variation>
+  <cs:variation>
+    <a:lumMod val="50000"/>
+  </cs:variation>
+  <cs:variation>
+    <a:lumMod val="70000"/>
+    <a:lumOff val="30000"/>
+  </cs:variation>
+  <cs:variation>
+    <a:lumMod val="70000"/>
+  </cs:variation>
+  <cs:variation>
+    <a:lumMod val="50000"/>
+    <a:lumOff val="50000"/>
+  </cs:variation>
+</cs:colorStyle>
+</file>
+
 <file path=ppt/charts/style1.xml><?xml version="1.0" encoding="utf-8"?>
 <cs:chartStyle xmlns:cs="http://schemas.microsoft.com/office/drawing/2012/chartStyle" xmlns:a="http://schemas.openxmlformats.org/drawingml/2006/main" id="227">
   <cs:axisTitle>
@@ -6659,7 +8282,7 @@
 </file>
 
 <file path=ppt/charts/style4.xml><?xml version="1.0" encoding="utf-8"?>
-<cs:chartStyle xmlns:cs="http://schemas.microsoft.com/office/drawing/2012/chartStyle" xmlns:a="http://schemas.openxmlformats.org/drawingml/2006/main" id="297">
+<cs:chartStyle xmlns:cs="http://schemas.microsoft.com/office/drawing/2012/chartStyle" xmlns:a="http://schemas.openxmlformats.org/drawingml/2006/main" id="227">
   <cs:axisTitle>
     <cs:lnRef idx="0"/>
     <cs:fillRef idx="0"/>
@@ -6767,6 +8390,11 @@
     <cs:fontRef idx="minor">
       <a:schemeClr val="tx1"/>
     </cs:fontRef>
+    <cs:spPr>
+      <a:solidFill>
+        <a:schemeClr val="phClr"/>
+      </a:solidFill>
+    </cs:spPr>
   </cs:dataPoint>
   <cs:dataPoint3D>
     <cs:lnRef idx="0"/>
@@ -6777,6 +8405,11 @@
     <cs:fontRef idx="minor">
       <a:schemeClr val="tx1"/>
     </cs:fontRef>
+    <cs:spPr>
+      <a:solidFill>
+        <a:schemeClr val="phClr"/>
+      </a:solidFill>
+    </cs:spPr>
   </cs:dataPoint3D>
   <cs:dataPointLine>
     <cs:lnRef idx="0">
@@ -6808,6 +8441,9 @@
       <a:schemeClr val="tx1"/>
     </cs:fontRef>
     <cs:spPr>
+      <a:solidFill>
+        <a:schemeClr val="phClr"/>
+      </a:solidFill>
       <a:ln w="9525">
         <a:solidFill>
           <a:schemeClr val="phClr"/>
@@ -6863,23 +8499,22 @@
     <cs:fillRef idx="0"/>
     <cs:effectRef idx="0"/>
     <cs:fontRef idx="minor">
-      <a:schemeClr val="tx1"/>
+      <a:schemeClr val="dk1"/>
     </cs:fontRef>
     <cs:spPr>
       <a:solidFill>
         <a:schemeClr val="dk1">
-          <a:lumMod val="75000"/>
-          <a:lumOff val="25000"/>
+          <a:lumMod val="65000"/>
+          <a:lumOff val="35000"/>
         </a:schemeClr>
       </a:solidFill>
-      <a:ln w="9525" cap="flat" cmpd="sng" algn="ctr">
+      <a:ln w="9525">
         <a:solidFill>
           <a:schemeClr val="tx1">
             <a:lumMod val="65000"/>
             <a:lumOff val="35000"/>
           </a:schemeClr>
         </a:solidFill>
-        <a:round/>
       </a:ln>
     </cs:spPr>
   </cs:downBar>
@@ -6984,8 +8619,8 @@
       <a:ln w="9525" cap="flat" cmpd="sng" algn="ctr">
         <a:solidFill>
           <a:schemeClr val="tx1">
-            <a:lumMod val="50000"/>
-            <a:lumOff val="50000"/>
+            <a:lumMod val="75000"/>
+            <a:lumOff val="25000"/>
           </a:schemeClr>
         </a:solidFill>
         <a:round/>
@@ -7117,20 +8752,19 @@
     <cs:fillRef idx="0"/>
     <cs:effectRef idx="0"/>
     <cs:fontRef idx="minor">
-      <a:schemeClr val="tx1"/>
+      <a:schemeClr val="dk1"/>
     </cs:fontRef>
     <cs:spPr>
       <a:solidFill>
         <a:schemeClr val="lt1"/>
       </a:solidFill>
-      <a:ln w="9525" cap="flat" cmpd="sng" algn="ctr">
+      <a:ln w="9525">
         <a:solidFill>
           <a:schemeClr val="tx1">
-            <a:lumMod val="65000"/>
-            <a:lumOff val="35000"/>
+            <a:lumMod val="15000"/>
+            <a:lumOff val="85000"/>
           </a:schemeClr>
         </a:solidFill>
-        <a:round/>
       </a:ln>
     </cs:spPr>
   </cs:upBar>
@@ -7680,6 +9314,1027 @@
 </file>
 
 <file path=ppt/charts/style6.xml><?xml version="1.0" encoding="utf-8"?>
+<cs:chartStyle xmlns:cs="http://schemas.microsoft.com/office/drawing/2012/chartStyle" xmlns:a="http://schemas.openxmlformats.org/drawingml/2006/main" id="297">
+  <cs:axisTitle>
+    <cs:lnRef idx="0"/>
+    <cs:fillRef idx="0"/>
+    <cs:effectRef idx="0"/>
+    <cs:fontRef idx="minor">
+      <a:schemeClr val="tx1">
+        <a:lumMod val="65000"/>
+        <a:lumOff val="35000"/>
+      </a:schemeClr>
+    </cs:fontRef>
+    <cs:defRPr sz="1000" kern="1200"/>
+  </cs:axisTitle>
+  <cs:categoryAxis>
+    <cs:lnRef idx="0"/>
+    <cs:fillRef idx="0"/>
+    <cs:effectRef idx="0"/>
+    <cs:fontRef idx="minor">
+      <a:schemeClr val="tx1">
+        <a:lumMod val="65000"/>
+        <a:lumOff val="35000"/>
+      </a:schemeClr>
+    </cs:fontRef>
+    <cs:spPr>
+      <a:ln w="9525" cap="flat" cmpd="sng" algn="ctr">
+        <a:solidFill>
+          <a:schemeClr val="tx1">
+            <a:lumMod val="15000"/>
+            <a:lumOff val="85000"/>
+          </a:schemeClr>
+        </a:solidFill>
+        <a:round/>
+      </a:ln>
+    </cs:spPr>
+    <cs:defRPr sz="900" kern="1200"/>
+  </cs:categoryAxis>
+  <cs:chartArea mods="allowNoFillOverride allowNoLineOverride">
+    <cs:lnRef idx="0"/>
+    <cs:fillRef idx="0"/>
+    <cs:effectRef idx="0"/>
+    <cs:fontRef idx="minor">
+      <a:schemeClr val="tx1"/>
+    </cs:fontRef>
+    <cs:spPr>
+      <a:solidFill>
+        <a:schemeClr val="bg1"/>
+      </a:solidFill>
+      <a:ln w="9525" cap="flat" cmpd="sng" algn="ctr">
+        <a:solidFill>
+          <a:schemeClr val="tx1">
+            <a:lumMod val="15000"/>
+            <a:lumOff val="85000"/>
+          </a:schemeClr>
+        </a:solidFill>
+        <a:round/>
+      </a:ln>
+    </cs:spPr>
+    <cs:defRPr sz="1000" kern="1200"/>
+  </cs:chartArea>
+  <cs:dataLabel>
+    <cs:lnRef idx="0"/>
+    <cs:fillRef idx="0"/>
+    <cs:effectRef idx="0"/>
+    <cs:fontRef idx="minor">
+      <a:schemeClr val="tx1">
+        <a:lumMod val="75000"/>
+        <a:lumOff val="25000"/>
+      </a:schemeClr>
+    </cs:fontRef>
+    <cs:defRPr sz="900" kern="1200"/>
+  </cs:dataLabel>
+  <cs:dataLabelCallout>
+    <cs:lnRef idx="0"/>
+    <cs:fillRef idx="0"/>
+    <cs:effectRef idx="0"/>
+    <cs:fontRef idx="minor">
+      <a:schemeClr val="dk1">
+        <a:lumMod val="65000"/>
+        <a:lumOff val="35000"/>
+      </a:schemeClr>
+    </cs:fontRef>
+    <cs:spPr>
+      <a:solidFill>
+        <a:schemeClr val="lt1"/>
+      </a:solidFill>
+      <a:ln>
+        <a:solidFill>
+          <a:schemeClr val="dk1">
+            <a:lumMod val="25000"/>
+            <a:lumOff val="75000"/>
+          </a:schemeClr>
+        </a:solidFill>
+      </a:ln>
+    </cs:spPr>
+    <cs:defRPr sz="900" kern="1200"/>
+    <cs:bodyPr rot="0" spcFirstLastPara="1" vertOverflow="clip" horzOverflow="clip" vert="horz" wrap="square" lIns="36576" tIns="18288" rIns="36576" bIns="18288" anchor="ctr" anchorCtr="1">
+      <a:spAutoFit/>
+    </cs:bodyPr>
+  </cs:dataLabelCallout>
+  <cs:dataPoint>
+    <cs:lnRef idx="0"/>
+    <cs:fillRef idx="1">
+      <cs:styleClr val="auto"/>
+    </cs:fillRef>
+    <cs:effectRef idx="0"/>
+    <cs:fontRef idx="minor">
+      <a:schemeClr val="tx1"/>
+    </cs:fontRef>
+  </cs:dataPoint>
+  <cs:dataPoint3D>
+    <cs:lnRef idx="0"/>
+    <cs:fillRef idx="1">
+      <cs:styleClr val="auto"/>
+    </cs:fillRef>
+    <cs:effectRef idx="0"/>
+    <cs:fontRef idx="minor">
+      <a:schemeClr val="tx1"/>
+    </cs:fontRef>
+  </cs:dataPoint3D>
+  <cs:dataPointLine>
+    <cs:lnRef idx="0">
+      <cs:styleClr val="auto"/>
+    </cs:lnRef>
+    <cs:fillRef idx="1"/>
+    <cs:effectRef idx="0"/>
+    <cs:fontRef idx="minor">
+      <a:schemeClr val="tx1"/>
+    </cs:fontRef>
+    <cs:spPr>
+      <a:ln w="28575" cap="rnd">
+        <a:solidFill>
+          <a:schemeClr val="phClr"/>
+        </a:solidFill>
+        <a:round/>
+      </a:ln>
+    </cs:spPr>
+  </cs:dataPointLine>
+  <cs:dataPointMarker>
+    <cs:lnRef idx="0">
+      <cs:styleClr val="auto"/>
+    </cs:lnRef>
+    <cs:fillRef idx="1">
+      <cs:styleClr val="auto"/>
+    </cs:fillRef>
+    <cs:effectRef idx="0"/>
+    <cs:fontRef idx="minor">
+      <a:schemeClr val="tx1"/>
+    </cs:fontRef>
+    <cs:spPr>
+      <a:ln w="9525">
+        <a:solidFill>
+          <a:schemeClr val="phClr"/>
+        </a:solidFill>
+      </a:ln>
+    </cs:spPr>
+  </cs:dataPointMarker>
+  <cs:dataPointMarkerLayout symbol="circle" size="5"/>
+  <cs:dataPointWireframe>
+    <cs:lnRef idx="0">
+      <cs:styleClr val="auto"/>
+    </cs:lnRef>
+    <cs:fillRef idx="1"/>
+    <cs:effectRef idx="0"/>
+    <cs:fontRef idx="minor">
+      <a:schemeClr val="tx1"/>
+    </cs:fontRef>
+    <cs:spPr>
+      <a:ln w="9525" cap="rnd">
+        <a:solidFill>
+          <a:schemeClr val="phClr"/>
+        </a:solidFill>
+        <a:round/>
+      </a:ln>
+    </cs:spPr>
+  </cs:dataPointWireframe>
+  <cs:dataTable>
+    <cs:lnRef idx="0"/>
+    <cs:fillRef idx="0"/>
+    <cs:effectRef idx="0"/>
+    <cs:fontRef idx="minor">
+      <a:schemeClr val="tx1">
+        <a:lumMod val="65000"/>
+        <a:lumOff val="35000"/>
+      </a:schemeClr>
+    </cs:fontRef>
+    <cs:spPr>
+      <a:noFill/>
+      <a:ln w="9525" cap="flat" cmpd="sng" algn="ctr">
+        <a:solidFill>
+          <a:schemeClr val="tx1">
+            <a:lumMod val="15000"/>
+            <a:lumOff val="85000"/>
+          </a:schemeClr>
+        </a:solidFill>
+        <a:round/>
+      </a:ln>
+    </cs:spPr>
+    <cs:defRPr sz="900" kern="1200"/>
+  </cs:dataTable>
+  <cs:downBar>
+    <cs:lnRef idx="0"/>
+    <cs:fillRef idx="0"/>
+    <cs:effectRef idx="0"/>
+    <cs:fontRef idx="minor">
+      <a:schemeClr val="tx1"/>
+    </cs:fontRef>
+    <cs:spPr>
+      <a:solidFill>
+        <a:schemeClr val="dk1">
+          <a:lumMod val="75000"/>
+          <a:lumOff val="25000"/>
+        </a:schemeClr>
+      </a:solidFill>
+      <a:ln w="9525" cap="flat" cmpd="sng" algn="ctr">
+        <a:solidFill>
+          <a:schemeClr val="tx1">
+            <a:lumMod val="65000"/>
+            <a:lumOff val="35000"/>
+          </a:schemeClr>
+        </a:solidFill>
+        <a:round/>
+      </a:ln>
+    </cs:spPr>
+  </cs:downBar>
+  <cs:dropLine>
+    <cs:lnRef idx="0"/>
+    <cs:fillRef idx="0"/>
+    <cs:effectRef idx="0"/>
+    <cs:fontRef idx="minor">
+      <a:schemeClr val="tx1"/>
+    </cs:fontRef>
+    <cs:spPr>
+      <a:ln w="9525" cap="flat" cmpd="sng" algn="ctr">
+        <a:solidFill>
+          <a:schemeClr val="tx1">
+            <a:lumMod val="35000"/>
+            <a:lumOff val="65000"/>
+          </a:schemeClr>
+        </a:solidFill>
+        <a:round/>
+      </a:ln>
+    </cs:spPr>
+  </cs:dropLine>
+  <cs:errorBar>
+    <cs:lnRef idx="0"/>
+    <cs:fillRef idx="0"/>
+    <cs:effectRef idx="0"/>
+    <cs:fontRef idx="minor">
+      <a:schemeClr val="tx1"/>
+    </cs:fontRef>
+    <cs:spPr>
+      <a:ln w="9525" cap="flat" cmpd="sng" algn="ctr">
+        <a:solidFill>
+          <a:schemeClr val="tx1">
+            <a:lumMod val="65000"/>
+            <a:lumOff val="35000"/>
+          </a:schemeClr>
+        </a:solidFill>
+        <a:round/>
+      </a:ln>
+    </cs:spPr>
+  </cs:errorBar>
+  <cs:floor>
+    <cs:lnRef idx="0"/>
+    <cs:fillRef idx="0"/>
+    <cs:effectRef idx="0"/>
+    <cs:fontRef idx="minor">
+      <a:schemeClr val="tx1"/>
+    </cs:fontRef>
+    <cs:spPr>
+      <a:noFill/>
+      <a:ln>
+        <a:noFill/>
+      </a:ln>
+    </cs:spPr>
+  </cs:floor>
+  <cs:gridlineMajor>
+    <cs:lnRef idx="0"/>
+    <cs:fillRef idx="0"/>
+    <cs:effectRef idx="0"/>
+    <cs:fontRef idx="minor">
+      <a:schemeClr val="tx1"/>
+    </cs:fontRef>
+    <cs:spPr>
+      <a:ln w="9525" cap="flat" cmpd="sng" algn="ctr">
+        <a:solidFill>
+          <a:schemeClr val="tx1">
+            <a:lumMod val="15000"/>
+            <a:lumOff val="85000"/>
+          </a:schemeClr>
+        </a:solidFill>
+        <a:round/>
+      </a:ln>
+    </cs:spPr>
+  </cs:gridlineMajor>
+  <cs:gridlineMinor>
+    <cs:lnRef idx="0"/>
+    <cs:fillRef idx="0"/>
+    <cs:effectRef idx="0"/>
+    <cs:fontRef idx="minor">
+      <a:schemeClr val="tx1"/>
+    </cs:fontRef>
+    <cs:spPr>
+      <a:ln w="9525" cap="flat" cmpd="sng" algn="ctr">
+        <a:solidFill>
+          <a:schemeClr val="tx1">
+            <a:lumMod val="5000"/>
+            <a:lumOff val="95000"/>
+          </a:schemeClr>
+        </a:solidFill>
+        <a:round/>
+      </a:ln>
+    </cs:spPr>
+  </cs:gridlineMinor>
+  <cs:hiLoLine>
+    <cs:lnRef idx="0"/>
+    <cs:fillRef idx="0"/>
+    <cs:effectRef idx="0"/>
+    <cs:fontRef idx="minor">
+      <a:schemeClr val="tx1"/>
+    </cs:fontRef>
+    <cs:spPr>
+      <a:ln w="9525" cap="flat" cmpd="sng" algn="ctr">
+        <a:solidFill>
+          <a:schemeClr val="tx1">
+            <a:lumMod val="50000"/>
+            <a:lumOff val="50000"/>
+          </a:schemeClr>
+        </a:solidFill>
+        <a:round/>
+      </a:ln>
+    </cs:spPr>
+  </cs:hiLoLine>
+  <cs:leaderLine>
+    <cs:lnRef idx="0"/>
+    <cs:fillRef idx="0"/>
+    <cs:effectRef idx="0"/>
+    <cs:fontRef idx="minor">
+      <a:schemeClr val="tx1"/>
+    </cs:fontRef>
+    <cs:spPr>
+      <a:ln w="9525" cap="flat" cmpd="sng" algn="ctr">
+        <a:solidFill>
+          <a:schemeClr val="tx1">
+            <a:lumMod val="35000"/>
+            <a:lumOff val="65000"/>
+          </a:schemeClr>
+        </a:solidFill>
+        <a:round/>
+      </a:ln>
+    </cs:spPr>
+  </cs:leaderLine>
+  <cs:legend>
+    <cs:lnRef idx="0"/>
+    <cs:fillRef idx="0"/>
+    <cs:effectRef idx="0"/>
+    <cs:fontRef idx="minor">
+      <a:schemeClr val="tx1">
+        <a:lumMod val="65000"/>
+        <a:lumOff val="35000"/>
+      </a:schemeClr>
+    </cs:fontRef>
+    <cs:defRPr sz="900" kern="1200"/>
+  </cs:legend>
+  <cs:plotArea mods="allowNoFillOverride allowNoLineOverride">
+    <cs:lnRef idx="0"/>
+    <cs:fillRef idx="0"/>
+    <cs:effectRef idx="0"/>
+    <cs:fontRef idx="minor">
+      <a:schemeClr val="tx1"/>
+    </cs:fontRef>
+  </cs:plotArea>
+  <cs:plotArea3D mods="allowNoFillOverride allowNoLineOverride">
+    <cs:lnRef idx="0"/>
+    <cs:fillRef idx="0"/>
+    <cs:effectRef idx="0"/>
+    <cs:fontRef idx="minor">
+      <a:schemeClr val="tx1"/>
+    </cs:fontRef>
+  </cs:plotArea3D>
+  <cs:seriesAxis>
+    <cs:lnRef idx="0"/>
+    <cs:fillRef idx="0"/>
+    <cs:effectRef idx="0"/>
+    <cs:fontRef idx="minor">
+      <a:schemeClr val="tx1">
+        <a:lumMod val="65000"/>
+        <a:lumOff val="35000"/>
+      </a:schemeClr>
+    </cs:fontRef>
+    <cs:defRPr sz="900" kern="1200"/>
+  </cs:seriesAxis>
+  <cs:seriesLine>
+    <cs:lnRef idx="0"/>
+    <cs:fillRef idx="0"/>
+    <cs:effectRef idx="0"/>
+    <cs:fontRef idx="minor">
+      <a:schemeClr val="tx1"/>
+    </cs:fontRef>
+    <cs:spPr>
+      <a:ln w="9525" cap="flat" cmpd="sng" algn="ctr">
+        <a:solidFill>
+          <a:schemeClr val="tx1">
+            <a:lumMod val="35000"/>
+            <a:lumOff val="65000"/>
+          </a:schemeClr>
+        </a:solidFill>
+        <a:round/>
+      </a:ln>
+    </cs:spPr>
+  </cs:seriesLine>
+  <cs:title>
+    <cs:lnRef idx="0"/>
+    <cs:fillRef idx="0"/>
+    <cs:effectRef idx="0"/>
+    <cs:fontRef idx="minor">
+      <a:schemeClr val="tx1">
+        <a:lumMod val="65000"/>
+        <a:lumOff val="35000"/>
+      </a:schemeClr>
+    </cs:fontRef>
+    <cs:defRPr sz="1400" b="0" kern="1200" spc="0" baseline="0"/>
+  </cs:title>
+  <cs:trendline>
+    <cs:lnRef idx="0">
+      <cs:styleClr val="auto"/>
+    </cs:lnRef>
+    <cs:fillRef idx="0"/>
+    <cs:effectRef idx="0"/>
+    <cs:fontRef idx="minor">
+      <a:schemeClr val="tx1"/>
+    </cs:fontRef>
+    <cs:spPr>
+      <a:ln w="19050" cap="rnd">
+        <a:solidFill>
+          <a:schemeClr val="phClr"/>
+        </a:solidFill>
+        <a:prstDash val="sysDot"/>
+      </a:ln>
+    </cs:spPr>
+  </cs:trendline>
+  <cs:trendlineLabel>
+    <cs:lnRef idx="0"/>
+    <cs:fillRef idx="0"/>
+    <cs:effectRef idx="0"/>
+    <cs:fontRef idx="minor">
+      <a:schemeClr val="tx1">
+        <a:lumMod val="65000"/>
+        <a:lumOff val="35000"/>
+      </a:schemeClr>
+    </cs:fontRef>
+    <cs:defRPr sz="900" kern="1200"/>
+  </cs:trendlineLabel>
+  <cs:upBar>
+    <cs:lnRef idx="0"/>
+    <cs:fillRef idx="0"/>
+    <cs:effectRef idx="0"/>
+    <cs:fontRef idx="minor">
+      <a:schemeClr val="tx1"/>
+    </cs:fontRef>
+    <cs:spPr>
+      <a:solidFill>
+        <a:schemeClr val="lt1"/>
+      </a:solidFill>
+      <a:ln w="9525" cap="flat" cmpd="sng" algn="ctr">
+        <a:solidFill>
+          <a:schemeClr val="tx1">
+            <a:lumMod val="65000"/>
+            <a:lumOff val="35000"/>
+          </a:schemeClr>
+        </a:solidFill>
+        <a:round/>
+      </a:ln>
+    </cs:spPr>
+  </cs:upBar>
+  <cs:valueAxis>
+    <cs:lnRef idx="0"/>
+    <cs:fillRef idx="0"/>
+    <cs:effectRef idx="0"/>
+    <cs:fontRef idx="minor">
+      <a:schemeClr val="tx1">
+        <a:lumMod val="65000"/>
+        <a:lumOff val="35000"/>
+      </a:schemeClr>
+    </cs:fontRef>
+    <cs:defRPr sz="900" kern="1200"/>
+  </cs:valueAxis>
+  <cs:wall>
+    <cs:lnRef idx="0"/>
+    <cs:fillRef idx="0"/>
+    <cs:effectRef idx="0"/>
+    <cs:fontRef idx="minor">
+      <a:schemeClr val="tx1"/>
+    </cs:fontRef>
+    <cs:spPr>
+      <a:noFill/>
+      <a:ln>
+        <a:noFill/>
+      </a:ln>
+    </cs:spPr>
+  </cs:wall>
+</cs:chartStyle>
+</file>
+
+<file path=ppt/charts/style7.xml><?xml version="1.0" encoding="utf-8"?>
+<cs:chartStyle xmlns:cs="http://schemas.microsoft.com/office/drawing/2012/chartStyle" xmlns:a="http://schemas.openxmlformats.org/drawingml/2006/main" id="227">
+  <cs:axisTitle>
+    <cs:lnRef idx="0"/>
+    <cs:fillRef idx="0"/>
+    <cs:effectRef idx="0"/>
+    <cs:fontRef idx="minor">
+      <a:schemeClr val="tx1">
+        <a:lumMod val="65000"/>
+        <a:lumOff val="35000"/>
+      </a:schemeClr>
+    </cs:fontRef>
+    <cs:defRPr sz="1000" kern="1200"/>
+  </cs:axisTitle>
+  <cs:categoryAxis>
+    <cs:lnRef idx="0"/>
+    <cs:fillRef idx="0"/>
+    <cs:effectRef idx="0"/>
+    <cs:fontRef idx="minor">
+      <a:schemeClr val="tx1">
+        <a:lumMod val="65000"/>
+        <a:lumOff val="35000"/>
+      </a:schemeClr>
+    </cs:fontRef>
+    <cs:spPr>
+      <a:ln w="9525" cap="flat" cmpd="sng" algn="ctr">
+        <a:solidFill>
+          <a:schemeClr val="tx1">
+            <a:lumMod val="15000"/>
+            <a:lumOff val="85000"/>
+          </a:schemeClr>
+        </a:solidFill>
+        <a:round/>
+      </a:ln>
+    </cs:spPr>
+    <cs:defRPr sz="900" kern="1200"/>
+  </cs:categoryAxis>
+  <cs:chartArea mods="allowNoFillOverride allowNoLineOverride">
+    <cs:lnRef idx="0"/>
+    <cs:fillRef idx="0"/>
+    <cs:effectRef idx="0"/>
+    <cs:fontRef idx="minor">
+      <a:schemeClr val="tx1"/>
+    </cs:fontRef>
+    <cs:spPr>
+      <a:solidFill>
+        <a:schemeClr val="bg1"/>
+      </a:solidFill>
+      <a:ln w="9525" cap="flat" cmpd="sng" algn="ctr">
+        <a:solidFill>
+          <a:schemeClr val="tx1">
+            <a:lumMod val="15000"/>
+            <a:lumOff val="85000"/>
+          </a:schemeClr>
+        </a:solidFill>
+        <a:round/>
+      </a:ln>
+    </cs:spPr>
+    <cs:defRPr sz="1000" kern="1200"/>
+  </cs:chartArea>
+  <cs:dataLabel>
+    <cs:lnRef idx="0"/>
+    <cs:fillRef idx="0"/>
+    <cs:effectRef idx="0"/>
+    <cs:fontRef idx="minor">
+      <a:schemeClr val="tx1">
+        <a:lumMod val="75000"/>
+        <a:lumOff val="25000"/>
+      </a:schemeClr>
+    </cs:fontRef>
+    <cs:defRPr sz="900" kern="1200"/>
+  </cs:dataLabel>
+  <cs:dataLabelCallout>
+    <cs:lnRef idx="0"/>
+    <cs:fillRef idx="0"/>
+    <cs:effectRef idx="0"/>
+    <cs:fontRef idx="minor">
+      <a:schemeClr val="dk1">
+        <a:lumMod val="65000"/>
+        <a:lumOff val="35000"/>
+      </a:schemeClr>
+    </cs:fontRef>
+    <cs:spPr>
+      <a:solidFill>
+        <a:schemeClr val="lt1"/>
+      </a:solidFill>
+      <a:ln>
+        <a:solidFill>
+          <a:schemeClr val="dk1">
+            <a:lumMod val="25000"/>
+            <a:lumOff val="75000"/>
+          </a:schemeClr>
+        </a:solidFill>
+      </a:ln>
+    </cs:spPr>
+    <cs:defRPr sz="900" kern="1200"/>
+    <cs:bodyPr rot="0" spcFirstLastPara="1" vertOverflow="clip" horzOverflow="clip" vert="horz" wrap="square" lIns="36576" tIns="18288" rIns="36576" bIns="18288" anchor="ctr" anchorCtr="1">
+      <a:spAutoFit/>
+    </cs:bodyPr>
+  </cs:dataLabelCallout>
+  <cs:dataPoint>
+    <cs:lnRef idx="0"/>
+    <cs:fillRef idx="1">
+      <cs:styleClr val="auto"/>
+    </cs:fillRef>
+    <cs:effectRef idx="0"/>
+    <cs:fontRef idx="minor">
+      <a:schemeClr val="tx1"/>
+    </cs:fontRef>
+    <cs:spPr>
+      <a:solidFill>
+        <a:schemeClr val="phClr"/>
+      </a:solidFill>
+    </cs:spPr>
+  </cs:dataPoint>
+  <cs:dataPoint3D>
+    <cs:lnRef idx="0"/>
+    <cs:fillRef idx="1">
+      <cs:styleClr val="auto"/>
+    </cs:fillRef>
+    <cs:effectRef idx="0"/>
+    <cs:fontRef idx="minor">
+      <a:schemeClr val="tx1"/>
+    </cs:fontRef>
+    <cs:spPr>
+      <a:solidFill>
+        <a:schemeClr val="phClr"/>
+      </a:solidFill>
+    </cs:spPr>
+  </cs:dataPoint3D>
+  <cs:dataPointLine>
+    <cs:lnRef idx="0">
+      <cs:styleClr val="auto"/>
+    </cs:lnRef>
+    <cs:fillRef idx="1"/>
+    <cs:effectRef idx="0"/>
+    <cs:fontRef idx="minor">
+      <a:schemeClr val="tx1"/>
+    </cs:fontRef>
+    <cs:spPr>
+      <a:ln w="28575" cap="rnd">
+        <a:solidFill>
+          <a:schemeClr val="phClr"/>
+        </a:solidFill>
+        <a:round/>
+      </a:ln>
+    </cs:spPr>
+  </cs:dataPointLine>
+  <cs:dataPointMarker>
+    <cs:lnRef idx="0">
+      <cs:styleClr val="auto"/>
+    </cs:lnRef>
+    <cs:fillRef idx="1">
+      <cs:styleClr val="auto"/>
+    </cs:fillRef>
+    <cs:effectRef idx="0"/>
+    <cs:fontRef idx="minor">
+      <a:schemeClr val="tx1"/>
+    </cs:fontRef>
+    <cs:spPr>
+      <a:solidFill>
+        <a:schemeClr val="phClr"/>
+      </a:solidFill>
+      <a:ln w="9525">
+        <a:solidFill>
+          <a:schemeClr val="phClr"/>
+        </a:solidFill>
+      </a:ln>
+    </cs:spPr>
+  </cs:dataPointMarker>
+  <cs:dataPointMarkerLayout symbol="circle" size="5"/>
+  <cs:dataPointWireframe>
+    <cs:lnRef idx="0">
+      <cs:styleClr val="auto"/>
+    </cs:lnRef>
+    <cs:fillRef idx="1"/>
+    <cs:effectRef idx="0"/>
+    <cs:fontRef idx="minor">
+      <a:schemeClr val="tx1"/>
+    </cs:fontRef>
+    <cs:spPr>
+      <a:ln w="9525" cap="rnd">
+        <a:solidFill>
+          <a:schemeClr val="phClr"/>
+        </a:solidFill>
+        <a:round/>
+      </a:ln>
+    </cs:spPr>
+  </cs:dataPointWireframe>
+  <cs:dataTable>
+    <cs:lnRef idx="0"/>
+    <cs:fillRef idx="0"/>
+    <cs:effectRef idx="0"/>
+    <cs:fontRef idx="minor">
+      <a:schemeClr val="tx1">
+        <a:lumMod val="65000"/>
+        <a:lumOff val="35000"/>
+      </a:schemeClr>
+    </cs:fontRef>
+    <cs:spPr>
+      <a:noFill/>
+      <a:ln w="9525" cap="flat" cmpd="sng" algn="ctr">
+        <a:solidFill>
+          <a:schemeClr val="tx1">
+            <a:lumMod val="15000"/>
+            <a:lumOff val="85000"/>
+          </a:schemeClr>
+        </a:solidFill>
+        <a:round/>
+      </a:ln>
+    </cs:spPr>
+    <cs:defRPr sz="900" kern="1200"/>
+  </cs:dataTable>
+  <cs:downBar>
+    <cs:lnRef idx="0"/>
+    <cs:fillRef idx="0"/>
+    <cs:effectRef idx="0"/>
+    <cs:fontRef idx="minor">
+      <a:schemeClr val="dk1"/>
+    </cs:fontRef>
+    <cs:spPr>
+      <a:solidFill>
+        <a:schemeClr val="dk1">
+          <a:lumMod val="65000"/>
+          <a:lumOff val="35000"/>
+        </a:schemeClr>
+      </a:solidFill>
+      <a:ln w="9525">
+        <a:solidFill>
+          <a:schemeClr val="tx1">
+            <a:lumMod val="65000"/>
+            <a:lumOff val="35000"/>
+          </a:schemeClr>
+        </a:solidFill>
+      </a:ln>
+    </cs:spPr>
+  </cs:downBar>
+  <cs:dropLine>
+    <cs:lnRef idx="0"/>
+    <cs:fillRef idx="0"/>
+    <cs:effectRef idx="0"/>
+    <cs:fontRef idx="minor">
+      <a:schemeClr val="tx1"/>
+    </cs:fontRef>
+    <cs:spPr>
+      <a:ln w="9525" cap="flat" cmpd="sng" algn="ctr">
+        <a:solidFill>
+          <a:schemeClr val="tx1">
+            <a:lumMod val="35000"/>
+            <a:lumOff val="65000"/>
+          </a:schemeClr>
+        </a:solidFill>
+        <a:round/>
+      </a:ln>
+    </cs:spPr>
+  </cs:dropLine>
+  <cs:errorBar>
+    <cs:lnRef idx="0"/>
+    <cs:fillRef idx="0"/>
+    <cs:effectRef idx="0"/>
+    <cs:fontRef idx="minor">
+      <a:schemeClr val="tx1"/>
+    </cs:fontRef>
+    <cs:spPr>
+      <a:ln w="9525" cap="flat" cmpd="sng" algn="ctr">
+        <a:solidFill>
+          <a:schemeClr val="tx1">
+            <a:lumMod val="65000"/>
+            <a:lumOff val="35000"/>
+          </a:schemeClr>
+        </a:solidFill>
+        <a:round/>
+      </a:ln>
+    </cs:spPr>
+  </cs:errorBar>
+  <cs:floor>
+    <cs:lnRef idx="0"/>
+    <cs:fillRef idx="0"/>
+    <cs:effectRef idx="0"/>
+    <cs:fontRef idx="minor">
+      <a:schemeClr val="tx1"/>
+    </cs:fontRef>
+    <cs:spPr>
+      <a:noFill/>
+      <a:ln>
+        <a:noFill/>
+      </a:ln>
+    </cs:spPr>
+  </cs:floor>
+  <cs:gridlineMajor>
+    <cs:lnRef idx="0"/>
+    <cs:fillRef idx="0"/>
+    <cs:effectRef idx="0"/>
+    <cs:fontRef idx="minor">
+      <a:schemeClr val="tx1"/>
+    </cs:fontRef>
+    <cs:spPr>
+      <a:ln w="9525" cap="flat" cmpd="sng" algn="ctr">
+        <a:solidFill>
+          <a:schemeClr val="tx1">
+            <a:lumMod val="15000"/>
+            <a:lumOff val="85000"/>
+          </a:schemeClr>
+        </a:solidFill>
+        <a:round/>
+      </a:ln>
+    </cs:spPr>
+  </cs:gridlineMajor>
+  <cs:gridlineMinor>
+    <cs:lnRef idx="0"/>
+    <cs:fillRef idx="0"/>
+    <cs:effectRef idx="0"/>
+    <cs:fontRef idx="minor">
+      <a:schemeClr val="tx1"/>
+    </cs:fontRef>
+    <cs:spPr>
+      <a:ln w="9525" cap="flat" cmpd="sng" algn="ctr">
+        <a:solidFill>
+          <a:schemeClr val="tx1">
+            <a:lumMod val="5000"/>
+            <a:lumOff val="95000"/>
+          </a:schemeClr>
+        </a:solidFill>
+        <a:round/>
+      </a:ln>
+    </cs:spPr>
+  </cs:gridlineMinor>
+  <cs:hiLoLine>
+    <cs:lnRef idx="0"/>
+    <cs:fillRef idx="0"/>
+    <cs:effectRef idx="0"/>
+    <cs:fontRef idx="minor">
+      <a:schemeClr val="tx1"/>
+    </cs:fontRef>
+    <cs:spPr>
+      <a:ln w="9525" cap="flat" cmpd="sng" algn="ctr">
+        <a:solidFill>
+          <a:schemeClr val="tx1">
+            <a:lumMod val="75000"/>
+            <a:lumOff val="25000"/>
+          </a:schemeClr>
+        </a:solidFill>
+        <a:round/>
+      </a:ln>
+    </cs:spPr>
+  </cs:hiLoLine>
+  <cs:leaderLine>
+    <cs:lnRef idx="0"/>
+    <cs:fillRef idx="0"/>
+    <cs:effectRef idx="0"/>
+    <cs:fontRef idx="minor">
+      <a:schemeClr val="tx1"/>
+    </cs:fontRef>
+    <cs:spPr>
+      <a:ln w="9525" cap="flat" cmpd="sng" algn="ctr">
+        <a:solidFill>
+          <a:schemeClr val="tx1">
+            <a:lumMod val="35000"/>
+            <a:lumOff val="65000"/>
+          </a:schemeClr>
+        </a:solidFill>
+        <a:round/>
+      </a:ln>
+    </cs:spPr>
+  </cs:leaderLine>
+  <cs:legend>
+    <cs:lnRef idx="0"/>
+    <cs:fillRef idx="0"/>
+    <cs:effectRef idx="0"/>
+    <cs:fontRef idx="minor">
+      <a:schemeClr val="tx1">
+        <a:lumMod val="65000"/>
+        <a:lumOff val="35000"/>
+      </a:schemeClr>
+    </cs:fontRef>
+    <cs:defRPr sz="900" kern="1200"/>
+  </cs:legend>
+  <cs:plotArea mods="allowNoFillOverride allowNoLineOverride">
+    <cs:lnRef idx="0"/>
+    <cs:fillRef idx="0"/>
+    <cs:effectRef idx="0"/>
+    <cs:fontRef idx="minor">
+      <a:schemeClr val="tx1"/>
+    </cs:fontRef>
+  </cs:plotArea>
+  <cs:plotArea3D mods="allowNoFillOverride allowNoLineOverride">
+    <cs:lnRef idx="0"/>
+    <cs:fillRef idx="0"/>
+    <cs:effectRef idx="0"/>
+    <cs:fontRef idx="minor">
+      <a:schemeClr val="tx1"/>
+    </cs:fontRef>
+  </cs:plotArea3D>
+  <cs:seriesAxis>
+    <cs:lnRef idx="0"/>
+    <cs:fillRef idx="0"/>
+    <cs:effectRef idx="0"/>
+    <cs:fontRef idx="minor">
+      <a:schemeClr val="tx1">
+        <a:lumMod val="65000"/>
+        <a:lumOff val="35000"/>
+      </a:schemeClr>
+    </cs:fontRef>
+    <cs:defRPr sz="900" kern="1200"/>
+  </cs:seriesAxis>
+  <cs:seriesLine>
+    <cs:lnRef idx="0"/>
+    <cs:fillRef idx="0"/>
+    <cs:effectRef idx="0"/>
+    <cs:fontRef idx="minor">
+      <a:schemeClr val="tx1"/>
+    </cs:fontRef>
+    <cs:spPr>
+      <a:ln w="9525" cap="flat" cmpd="sng" algn="ctr">
+        <a:solidFill>
+          <a:schemeClr val="tx1">
+            <a:lumMod val="35000"/>
+            <a:lumOff val="65000"/>
+          </a:schemeClr>
+        </a:solidFill>
+        <a:round/>
+      </a:ln>
+    </cs:spPr>
+  </cs:seriesLine>
+  <cs:title>
+    <cs:lnRef idx="0"/>
+    <cs:fillRef idx="0"/>
+    <cs:effectRef idx="0"/>
+    <cs:fontRef idx="minor">
+      <a:schemeClr val="tx1">
+        <a:lumMod val="65000"/>
+        <a:lumOff val="35000"/>
+      </a:schemeClr>
+    </cs:fontRef>
+    <cs:defRPr sz="1400" b="0" kern="1200" spc="0" baseline="0"/>
+  </cs:title>
+  <cs:trendline>
+    <cs:lnRef idx="0">
+      <cs:styleClr val="auto"/>
+    </cs:lnRef>
+    <cs:fillRef idx="0"/>
+    <cs:effectRef idx="0"/>
+    <cs:fontRef idx="minor">
+      <a:schemeClr val="tx1"/>
+    </cs:fontRef>
+    <cs:spPr>
+      <a:ln w="19050" cap="rnd">
+        <a:solidFill>
+          <a:schemeClr val="phClr"/>
+        </a:solidFill>
+        <a:prstDash val="sysDot"/>
+      </a:ln>
+    </cs:spPr>
+  </cs:trendline>
+  <cs:trendlineLabel>
+    <cs:lnRef idx="0"/>
+    <cs:fillRef idx="0"/>
+    <cs:effectRef idx="0"/>
+    <cs:fontRef idx="minor">
+      <a:schemeClr val="tx1">
+        <a:lumMod val="65000"/>
+        <a:lumOff val="35000"/>
+      </a:schemeClr>
+    </cs:fontRef>
+    <cs:defRPr sz="900" kern="1200"/>
+  </cs:trendlineLabel>
+  <cs:upBar>
+    <cs:lnRef idx="0"/>
+    <cs:fillRef idx="0"/>
+    <cs:effectRef idx="0"/>
+    <cs:fontRef idx="minor">
+      <a:schemeClr val="dk1"/>
+    </cs:fontRef>
+    <cs:spPr>
+      <a:solidFill>
+        <a:schemeClr val="lt1"/>
+      </a:solidFill>
+      <a:ln w="9525">
+        <a:solidFill>
+          <a:schemeClr val="tx1">
+            <a:lumMod val="15000"/>
+            <a:lumOff val="85000"/>
+          </a:schemeClr>
+        </a:solidFill>
+      </a:ln>
+    </cs:spPr>
+  </cs:upBar>
+  <cs:valueAxis>
+    <cs:lnRef idx="0"/>
+    <cs:fillRef idx="0"/>
+    <cs:effectRef idx="0"/>
+    <cs:fontRef idx="minor">
+      <a:schemeClr val="tx1">
+        <a:lumMod val="65000"/>
+        <a:lumOff val="35000"/>
+      </a:schemeClr>
+    </cs:fontRef>
+    <cs:defRPr sz="900" kern="1200"/>
+  </cs:valueAxis>
+  <cs:wall>
+    <cs:lnRef idx="0"/>
+    <cs:fillRef idx="0"/>
+    <cs:effectRef idx="0"/>
+    <cs:fontRef idx="minor">
+      <a:schemeClr val="tx1"/>
+    </cs:fontRef>
+    <cs:spPr>
+      <a:noFill/>
+      <a:ln>
+        <a:noFill/>
+      </a:ln>
+    </cs:spPr>
+  </cs:wall>
+</cs:chartStyle>
+</file>
+
+<file path=ppt/charts/style8.xml><?xml version="1.0" encoding="utf-8"?>
 <cs:chartStyle xmlns:cs="http://schemas.microsoft.com/office/drawing/2012/chartStyle" xmlns:a="http://schemas.openxmlformats.org/drawingml/2006/main" id="227">
   <cs:axisTitle>
     <cs:lnRef idx="0"/>
@@ -8279,7 +10934,7 @@
             <a:pPr algn="r" rtl="0"/>
             <a:fld id="{221A1788-7372-4FAC-9AF0-00B54B8D9CBA}" type="datetime1">
               <a:rPr lang="it-IT" smtClean="0"/>
-              <a:t>13/05/2023</a:t>
+              <a:t>14/05/2023</a:t>
             </a:fld>
             <a:endParaRPr lang="it-IT" dirty="0"/>
           </a:p>
@@ -8449,7 +11104,7 @@
             <a:fld id="{D943A304-85CD-4257-B418-D8F889FE0DBC}" type="datetime1">
               <a:rPr lang="it-IT" smtClean="0"/>
               <a:pPr/>
-              <a:t>13/05/2023</a:t>
+              <a:t>14/05/2023</a:t>
             </a:fld>
             <a:endParaRPr lang="it-IT" dirty="0"/>
           </a:p>
@@ -8795,6 +11450,91 @@
     <p:extLst>
       <p:ext uri="{BB962C8B-B14F-4D97-AF65-F5344CB8AC3E}">
         <p14:creationId xmlns:p14="http://schemas.microsoft.com/office/powerpoint/2010/main" val="3514624600"/>
+      </p:ext>
+    </p:extLst>
+  </p:cSld>
+  <p:clrMapOvr>
+    <a:masterClrMapping/>
+  </p:clrMapOvr>
+</p:notes>
+</file>
+
+<file path=ppt/notesSlides/notesSlide2.xml><?xml version="1.0" encoding="utf-8"?>
+<p:notes xmlns:a="http://schemas.openxmlformats.org/drawingml/2006/main" xmlns:r="http://schemas.openxmlformats.org/officeDocument/2006/relationships" xmlns:p="http://schemas.openxmlformats.org/presentationml/2006/main">
+  <p:cSld>
+    <p:spTree>
+      <p:nvGrpSpPr>
+        <p:cNvPr id="1" name=""/>
+        <p:cNvGrpSpPr/>
+        <p:nvPr/>
+      </p:nvGrpSpPr>
+      <p:grpSpPr>
+        <a:xfrm>
+          <a:off x="0" y="0"/>
+          <a:ext cx="0" cy="0"/>
+          <a:chOff x="0" y="0"/>
+          <a:chExt cx="0" cy="0"/>
+        </a:xfrm>
+      </p:grpSpPr>
+      <p:sp>
+        <p:nvSpPr>
+          <p:cNvPr id="2" name="Slide Image Placeholder 1"/>
+          <p:cNvSpPr>
+            <a:spLocks noGrp="1" noRot="1" noChangeAspect="1"/>
+          </p:cNvSpPr>
+          <p:nvPr>
+            <p:ph type="sldImg"/>
+          </p:nvPr>
+        </p:nvSpPr>
+        <p:spPr/>
+      </p:sp>
+      <p:sp>
+        <p:nvSpPr>
+          <p:cNvPr id="3" name="Notes Placeholder 2"/>
+          <p:cNvSpPr>
+            <a:spLocks noGrp="1"/>
+          </p:cNvSpPr>
+          <p:nvPr>
+            <p:ph type="body" idx="1"/>
+          </p:nvPr>
+        </p:nvSpPr>
+        <p:spPr/>
+        <p:txBody>
+          <a:bodyPr/>
+          <a:lstStyle/>
+          <a:p>
+            <a:endParaRPr lang="it-IT" dirty="0"/>
+          </a:p>
+        </p:txBody>
+      </p:sp>
+      <p:sp>
+        <p:nvSpPr>
+          <p:cNvPr id="4" name="Slide Number Placeholder 3"/>
+          <p:cNvSpPr>
+            <a:spLocks noGrp="1"/>
+          </p:cNvSpPr>
+          <p:nvPr>
+            <p:ph type="sldNum" sz="quarter" idx="5"/>
+          </p:nvPr>
+        </p:nvSpPr>
+        <p:spPr/>
+        <p:txBody>
+          <a:bodyPr/>
+          <a:lstStyle/>
+          <a:p>
+            <a:fld id="{3EBA5BD7-F043-4D1B-AA17-CD412FC534DE}" type="slidenum">
+              <a:rPr lang="it-IT" smtClean="0"/>
+              <a:pPr/>
+              <a:t>7</a:t>
+            </a:fld>
+            <a:endParaRPr lang="it-IT" dirty="0"/>
+          </a:p>
+        </p:txBody>
+      </p:sp>
+    </p:spTree>
+    <p:extLst>
+      <p:ext uri="{BB962C8B-B14F-4D97-AF65-F5344CB8AC3E}">
+        <p14:creationId xmlns:p14="http://schemas.microsoft.com/office/powerpoint/2010/main" val="1108984394"/>
       </p:ext>
     </p:extLst>
   </p:cSld>
@@ -9567,7 +12307,7 @@
             <a:fld id="{3889EF9B-A500-41B6-8F1C-893813E9A898}" type="datetime1">
               <a:rPr lang="it-IT" smtClean="0"/>
               <a:pPr/>
-              <a:t>13/05/2023</a:t>
+              <a:t>14/05/2023</a:t>
             </a:fld>
             <a:endParaRPr lang="it-IT" dirty="0"/>
           </a:p>
@@ -9773,7 +12513,7 @@
             <a:fld id="{6E724BBD-5BEA-4971-A6C4-42E94AF7CB5F}" type="datetime1">
               <a:rPr lang="it-IT" smtClean="0"/>
               <a:pPr/>
-              <a:t>13/05/2023</a:t>
+              <a:t>14/05/2023</a:t>
             </a:fld>
             <a:endParaRPr lang="it-IT" dirty="0"/>
           </a:p>
@@ -9989,7 +12729,7 @@
             <a:fld id="{EF1B2188-7D8C-43C8-B29F-60D01DE77B72}" type="datetime1">
               <a:rPr lang="it-IT" smtClean="0"/>
               <a:pPr/>
-              <a:t>13/05/2023</a:t>
+              <a:t>14/05/2023</a:t>
             </a:fld>
             <a:endParaRPr lang="it-IT" dirty="0"/>
           </a:p>
@@ -10195,7 +12935,7 @@
             <a:fld id="{581DC961-63CE-49AB-921E-1CE3DDEFC80A}" type="datetime1">
               <a:rPr lang="it-IT" smtClean="0"/>
               <a:pPr/>
-              <a:t>13/05/2023</a:t>
+              <a:t>14/05/2023</a:t>
             </a:fld>
             <a:endParaRPr lang="it-IT" dirty="0"/>
           </a:p>
@@ -10639,7 +13379,7 @@
             <a:fld id="{C6066F5F-3C86-4285-A86F-35EFBBDD7800}" type="datetime1">
               <a:rPr lang="it-IT" smtClean="0"/>
               <a:pPr/>
-              <a:t>13/05/2023</a:t>
+              <a:t>14/05/2023</a:t>
             </a:fld>
             <a:endParaRPr lang="it-IT" dirty="0"/>
           </a:p>
@@ -10951,7 +13691,7 @@
             <a:fld id="{0B9BE34E-14EC-4041-A597-EE22FC16794F}" type="datetime1">
               <a:rPr lang="it-IT" smtClean="0"/>
               <a:pPr/>
-              <a:t>13/05/2023</a:t>
+              <a:t>14/05/2023</a:t>
             </a:fld>
             <a:endParaRPr lang="it-IT" dirty="0"/>
           </a:p>
@@ -11415,7 +14155,7 @@
             <a:fld id="{D6FAD192-1BF7-4994-9CBA-74265F19F4C1}" type="datetime1">
               <a:rPr lang="it-IT" smtClean="0"/>
               <a:pPr/>
-              <a:t>13/05/2023</a:t>
+              <a:t>14/05/2023</a:t>
             </a:fld>
             <a:endParaRPr lang="it-IT" dirty="0"/>
           </a:p>
@@ -11553,7 +14293,7 @@
             <a:fld id="{C476DD40-7EBA-46D0-A855-62759524AC7A}" type="datetime1">
               <a:rPr lang="it-IT" smtClean="0"/>
               <a:pPr/>
-              <a:t>13/05/2023</a:t>
+              <a:t>14/05/2023</a:t>
             </a:fld>
             <a:endParaRPr lang="it-IT" dirty="0"/>
           </a:p>
@@ -11667,7 +14407,7 @@
             <a:fld id="{C62E4D95-88E1-4556-89BE-EC650C1D14A8}" type="datetime1">
               <a:rPr lang="it-IT" smtClean="0"/>
               <a:pPr/>
-              <a:t>13/05/2023</a:t>
+              <a:t>14/05/2023</a:t>
             </a:fld>
             <a:endParaRPr lang="it-IT" dirty="0"/>
           </a:p>
@@ -11974,7 +14714,7 @@
             <a:fld id="{1F9867D3-FC26-40B1-8BB9-B19FF8D6CD45}" type="datetime1">
               <a:rPr lang="it-IT" smtClean="0"/>
               <a:pPr/>
-              <a:t>13/05/2023</a:t>
+              <a:t>14/05/2023</a:t>
             </a:fld>
             <a:endParaRPr lang="it-IT" dirty="0"/>
           </a:p>
@@ -12271,7 +15011,7 @@
             <a:fld id="{5B0EE21F-92EE-4289-AFFB-9252D957F459}" type="datetime1">
               <a:rPr lang="it-IT" smtClean="0"/>
               <a:pPr/>
-              <a:t>13/05/2023</a:t>
+              <a:t>14/05/2023</a:t>
             </a:fld>
             <a:endParaRPr lang="it-IT" dirty="0"/>
           </a:p>
@@ -12895,7 +15635,7 @@
             <a:fld id="{8A756645-DD8C-4009-9A84-A4AD56EB55A9}" type="datetime1">
               <a:rPr lang="it-IT" smtClean="0"/>
               <a:pPr/>
-              <a:t>13/05/2023</a:t>
+              <a:t>14/05/2023</a:t>
             </a:fld>
             <a:endParaRPr lang="it-IT" dirty="0"/>
           </a:p>
@@ -13886,6 +16626,387 @@
       </p:sp>
       <p:pic>
         <p:nvPicPr>
+          <p:cNvPr id="10" name="Picture 9" descr="A screenshot of a computer&#10;&#10;Description automatically generated with medium confidence">
+            <a:extLst>
+              <a:ext uri="{FF2B5EF4-FFF2-40B4-BE49-F238E27FC236}">
+                <a16:creationId xmlns:a16="http://schemas.microsoft.com/office/drawing/2014/main" id="{696C82B1-7768-D4DC-B83B-890FF6C9FCDD}"/>
+              </a:ext>
+            </a:extLst>
+          </p:cNvPr>
+          <p:cNvPicPr>
+            <a:picLocks noChangeAspect="1"/>
+          </p:cNvPicPr>
+          <p:nvPr/>
+        </p:nvPicPr>
+        <p:blipFill rotWithShape="1">
+          <a:blip r:embed="rId2" cstate="print">
+            <a:extLst>
+              <a:ext uri="{28A0092B-C50C-407E-A947-70E740481C1C}">
+                <a14:useLocalDpi xmlns:a14="http://schemas.microsoft.com/office/drawing/2010/main" val="0"/>
+              </a:ext>
+            </a:extLst>
+          </a:blip>
+          <a:srcRect l="12192" t="10089" r="6283" b="50382"/>
+          <a:stretch/>
+        </p:blipFill>
+        <p:spPr>
+          <a:xfrm>
+            <a:off x="285710" y="2276872"/>
+            <a:ext cx="11617403" cy="3168352"/>
+          </a:xfrm>
+          <a:prstGeom prst="rect">
+            <a:avLst/>
+          </a:prstGeom>
+        </p:spPr>
+      </p:pic>
+      <p:sp>
+        <p:nvSpPr>
+          <p:cNvPr id="4" name="TextBox 3">
+            <a:extLst>
+              <a:ext uri="{FF2B5EF4-FFF2-40B4-BE49-F238E27FC236}">
+                <a16:creationId xmlns:a16="http://schemas.microsoft.com/office/drawing/2014/main" id="{32C79DD5-807E-297B-9F5B-C94DDE228DF9}"/>
+              </a:ext>
+            </a:extLst>
+          </p:cNvPr>
+          <p:cNvSpPr txBox="1"/>
+          <p:nvPr/>
+        </p:nvSpPr>
+        <p:spPr>
+          <a:xfrm>
+            <a:off x="5369948" y="5933752"/>
+            <a:ext cx="1448927" cy="523220"/>
+          </a:xfrm>
+          <a:prstGeom prst="rect">
+            <a:avLst/>
+          </a:prstGeom>
+          <a:noFill/>
+        </p:spPr>
+        <p:txBody>
+          <a:bodyPr wrap="square" rtlCol="0">
+            <a:spAutoFit/>
+          </a:bodyPr>
+          <a:lstStyle/>
+          <a:p>
+            <a:pPr algn="ctr"/>
+            <a:r>
+              <a:rPr lang="it-IT" sz="2800" dirty="0"/>
+              <a:t>239ms</a:t>
+            </a:r>
+          </a:p>
+        </p:txBody>
+      </p:sp>
+    </p:spTree>
+    <p:extLst>
+      <p:ext uri="{BB962C8B-B14F-4D97-AF65-F5344CB8AC3E}">
+        <p14:creationId xmlns:p14="http://schemas.microsoft.com/office/powerpoint/2010/main" val="3288884802"/>
+      </p:ext>
+    </p:extLst>
+  </p:cSld>
+  <p:clrMapOvr>
+    <a:masterClrMapping/>
+  </p:clrMapOvr>
+  <mc:AlternateContent xmlns:mc="http://schemas.openxmlformats.org/markup-compatibility/2006" xmlns:p14="http://schemas.microsoft.com/office/powerpoint/2010/main">
+    <mc:Choice Requires="p14">
+      <p:transition spd="med" p14:dur="700">
+        <p:fade/>
+      </p:transition>
+    </mc:Choice>
+    <mc:Fallback xmlns="">
+      <p:transition spd="med">
+        <p:fade/>
+      </p:transition>
+    </mc:Fallback>
+  </mc:AlternateContent>
+</p:sld>
+</file>
+
+<file path=ppt/slides/slide11.xml><?xml version="1.0" encoding="utf-8"?>
+<p:sld xmlns:a="http://schemas.openxmlformats.org/drawingml/2006/main" xmlns:r="http://schemas.openxmlformats.org/officeDocument/2006/relationships" xmlns:p="http://schemas.openxmlformats.org/presentationml/2006/main">
+  <p:cSld>
+    <p:spTree>
+      <p:nvGrpSpPr>
+        <p:cNvPr id="1" name=""/>
+        <p:cNvGrpSpPr/>
+        <p:nvPr/>
+      </p:nvGrpSpPr>
+      <p:grpSpPr>
+        <a:xfrm>
+          <a:off x="0" y="0"/>
+          <a:ext cx="0" cy="0"/>
+          <a:chOff x="0" y="0"/>
+          <a:chExt cx="0" cy="0"/>
+        </a:xfrm>
+      </p:grpSpPr>
+      <p:sp>
+        <p:nvSpPr>
+          <p:cNvPr id="2" name="Title 1">
+            <a:extLst>
+              <a:ext uri="{FF2B5EF4-FFF2-40B4-BE49-F238E27FC236}">
+                <a16:creationId xmlns:a16="http://schemas.microsoft.com/office/drawing/2014/main" id="{727EEB90-4CC2-88BA-9586-4859C922BF90}"/>
+              </a:ext>
+            </a:extLst>
+          </p:cNvPr>
+          <p:cNvSpPr>
+            <a:spLocks noGrp="1"/>
+          </p:cNvSpPr>
+          <p:nvPr>
+            <p:ph type="title"/>
+          </p:nvPr>
+        </p:nvSpPr>
+        <p:spPr>
+          <a:xfrm>
+            <a:off x="1218883" y="274637"/>
+            <a:ext cx="10360501" cy="1354163"/>
+          </a:xfrm>
+        </p:spPr>
+        <p:txBody>
+          <a:bodyPr>
+            <a:normAutofit fontScale="90000"/>
+          </a:bodyPr>
+          <a:lstStyle/>
+          <a:p>
+            <a:r>
+              <a:rPr lang="en-US" dirty="0"/>
+              <a:t>2. With larger datasets, increasing the number of threads yields an improved speedup with progressively diminishing returns until a threshold</a:t>
+            </a:r>
+            <a:endParaRPr lang="it-IT" dirty="0"/>
+          </a:p>
+        </p:txBody>
+      </p:sp>
+      <p:sp>
+        <p:nvSpPr>
+          <p:cNvPr id="3" name="Content Placeholder 3">
+            <a:extLst>
+              <a:ext uri="{FF2B5EF4-FFF2-40B4-BE49-F238E27FC236}">
+                <a16:creationId xmlns:a16="http://schemas.microsoft.com/office/drawing/2014/main" id="{7A529EB5-A585-AC5F-6DE2-AF35E915AC4A}"/>
+              </a:ext>
+            </a:extLst>
+          </p:cNvPr>
+          <p:cNvSpPr txBox="1">
+            <a:spLocks/>
+          </p:cNvSpPr>
+          <p:nvPr/>
+        </p:nvSpPr>
+        <p:spPr>
+          <a:xfrm>
+            <a:off x="6238428" y="1772816"/>
+            <a:ext cx="5400599" cy="4327376"/>
+          </a:xfrm>
+          <a:prstGeom prst="rect">
+            <a:avLst/>
+          </a:prstGeom>
+        </p:spPr>
+        <p:txBody>
+          <a:bodyPr vert="horz" lIns="121899" tIns="60949" rIns="121899" bIns="60949" rtlCol="0">
+            <a:normAutofit/>
+          </a:bodyPr>
+          <a:lstStyle>
+            <a:lvl1pPr marL="304747" indent="-304747" algn="l" defTabSz="1218987" rtl="0" eaLnBrk="1" latinLnBrk="0" hangingPunct="1">
+              <a:lnSpc>
+                <a:spcPct val="90000"/>
+              </a:lnSpc>
+              <a:spcBef>
+                <a:spcPts val="1600"/>
+              </a:spcBef>
+              <a:buClr>
+                <a:schemeClr val="accent1"/>
+              </a:buClr>
+              <a:buSzPct val="100000"/>
+              <a:buFont typeface="Arial" pitchFamily="34" charset="0"/>
+              <a:buChar char="•"/>
+              <a:defRPr sz="2800" kern="1200">
+                <a:solidFill>
+                  <a:schemeClr val="tx1"/>
+                </a:solidFill>
+                <a:latin typeface="+mn-lt"/>
+                <a:ea typeface="+mn-ea"/>
+                <a:cs typeface="+mn-cs"/>
+              </a:defRPr>
+            </a:lvl1pPr>
+            <a:lvl2pPr marL="609493" indent="-231607" algn="l" defTabSz="1218987" rtl="0" eaLnBrk="1" latinLnBrk="0" hangingPunct="1">
+              <a:lnSpc>
+                <a:spcPct val="90000"/>
+              </a:lnSpc>
+              <a:spcBef>
+                <a:spcPts val="800"/>
+              </a:spcBef>
+              <a:buClr>
+                <a:schemeClr val="accent1"/>
+              </a:buClr>
+              <a:buSzPct val="80000"/>
+              <a:buFont typeface="Arial" pitchFamily="34" charset="0"/>
+              <a:buChar char="•"/>
+              <a:defRPr sz="2400" kern="1200">
+                <a:solidFill>
+                  <a:schemeClr val="tx1"/>
+                </a:solidFill>
+                <a:latin typeface="+mn-lt"/>
+                <a:ea typeface="+mn-ea"/>
+                <a:cs typeface="+mn-cs"/>
+              </a:defRPr>
+            </a:lvl2pPr>
+            <a:lvl3pPr marL="914240" indent="-231607" algn="l" defTabSz="1218987" rtl="0" eaLnBrk="1" latinLnBrk="0" hangingPunct="1">
+              <a:lnSpc>
+                <a:spcPct val="90000"/>
+              </a:lnSpc>
+              <a:spcBef>
+                <a:spcPts val="800"/>
+              </a:spcBef>
+              <a:buClr>
+                <a:schemeClr val="accent1"/>
+              </a:buClr>
+              <a:buSzPct val="80000"/>
+              <a:buFont typeface="Arial" pitchFamily="34" charset="0"/>
+              <a:buChar char="•"/>
+              <a:defRPr sz="2000" kern="1200">
+                <a:solidFill>
+                  <a:schemeClr val="tx1"/>
+                </a:solidFill>
+                <a:latin typeface="+mn-lt"/>
+                <a:ea typeface="+mn-ea"/>
+                <a:cs typeface="+mn-cs"/>
+              </a:defRPr>
+            </a:lvl3pPr>
+            <a:lvl4pPr marL="1218987" indent="-231607" algn="l" defTabSz="1218987" rtl="0" eaLnBrk="1" latinLnBrk="0" hangingPunct="1">
+              <a:lnSpc>
+                <a:spcPct val="90000"/>
+              </a:lnSpc>
+              <a:spcBef>
+                <a:spcPts val="800"/>
+              </a:spcBef>
+              <a:buClr>
+                <a:schemeClr val="accent1"/>
+              </a:buClr>
+              <a:buSzPct val="80000"/>
+              <a:buFont typeface="Arial" pitchFamily="34" charset="0"/>
+              <a:buChar char="•"/>
+              <a:defRPr sz="2000" kern="1200">
+                <a:solidFill>
+                  <a:schemeClr val="tx1"/>
+                </a:solidFill>
+                <a:latin typeface="+mn-lt"/>
+                <a:ea typeface="+mn-ea"/>
+                <a:cs typeface="+mn-cs"/>
+              </a:defRPr>
+            </a:lvl4pPr>
+            <a:lvl5pPr marL="1523733" indent="-231607" algn="l" defTabSz="1218987" rtl="0" eaLnBrk="1" latinLnBrk="0" hangingPunct="1">
+              <a:lnSpc>
+                <a:spcPct val="90000"/>
+              </a:lnSpc>
+              <a:spcBef>
+                <a:spcPts val="800"/>
+              </a:spcBef>
+              <a:buClr>
+                <a:schemeClr val="accent1"/>
+              </a:buClr>
+              <a:buSzPct val="80000"/>
+              <a:buFont typeface="Arial" pitchFamily="34" charset="0"/>
+              <a:buChar char="•"/>
+              <a:defRPr sz="2000" kern="1200">
+                <a:solidFill>
+                  <a:schemeClr val="tx1"/>
+                </a:solidFill>
+                <a:latin typeface="+mn-lt"/>
+                <a:ea typeface="+mn-ea"/>
+                <a:cs typeface="+mn-cs"/>
+              </a:defRPr>
+            </a:lvl5pPr>
+            <a:lvl6pPr marL="1828480" indent="-231607" algn="l" defTabSz="1218987" rtl="0" eaLnBrk="1" latinLnBrk="0" hangingPunct="1">
+              <a:lnSpc>
+                <a:spcPct val="90000"/>
+              </a:lnSpc>
+              <a:spcBef>
+                <a:spcPts val="800"/>
+              </a:spcBef>
+              <a:buClr>
+                <a:schemeClr val="accent1"/>
+              </a:buClr>
+              <a:buSzPct val="80000"/>
+              <a:buFont typeface="Arial" pitchFamily="34" charset="0"/>
+              <a:buChar char="•"/>
+              <a:defRPr sz="2000" kern="1200">
+                <a:solidFill>
+                  <a:schemeClr val="tx1"/>
+                </a:solidFill>
+                <a:latin typeface="+mn-lt"/>
+                <a:ea typeface="+mn-ea"/>
+                <a:cs typeface="+mn-cs"/>
+              </a:defRPr>
+            </a:lvl6pPr>
+            <a:lvl7pPr marL="2133227" indent="-231607" algn="l" defTabSz="1218987" rtl="0" eaLnBrk="1" latinLnBrk="0" hangingPunct="1">
+              <a:lnSpc>
+                <a:spcPct val="90000"/>
+              </a:lnSpc>
+              <a:spcBef>
+                <a:spcPts val="800"/>
+              </a:spcBef>
+              <a:buClr>
+                <a:schemeClr val="accent1"/>
+              </a:buClr>
+              <a:buSzPct val="80000"/>
+              <a:buFont typeface="Arial" pitchFamily="34" charset="0"/>
+              <a:buChar char="•"/>
+              <a:defRPr sz="2000" kern="1200">
+                <a:solidFill>
+                  <a:schemeClr val="tx1"/>
+                </a:solidFill>
+                <a:latin typeface="+mn-lt"/>
+                <a:ea typeface="+mn-ea"/>
+                <a:cs typeface="+mn-cs"/>
+              </a:defRPr>
+            </a:lvl7pPr>
+            <a:lvl8pPr marL="2437973" indent="-231607" algn="l" defTabSz="1218987" rtl="0" eaLnBrk="1" latinLnBrk="0" hangingPunct="1">
+              <a:lnSpc>
+                <a:spcPct val="90000"/>
+              </a:lnSpc>
+              <a:spcBef>
+                <a:spcPts val="800"/>
+              </a:spcBef>
+              <a:buClr>
+                <a:schemeClr val="accent1"/>
+              </a:buClr>
+              <a:buSzPct val="80000"/>
+              <a:buFont typeface="Arial" pitchFamily="34" charset="0"/>
+              <a:buChar char="•"/>
+              <a:defRPr sz="2000" kern="1200" baseline="0">
+                <a:solidFill>
+                  <a:schemeClr val="tx1"/>
+                </a:solidFill>
+                <a:latin typeface="+mn-lt"/>
+                <a:ea typeface="+mn-ea"/>
+                <a:cs typeface="+mn-cs"/>
+              </a:defRPr>
+            </a:lvl8pPr>
+            <a:lvl9pPr marL="2742720" indent="-231607" algn="l" defTabSz="1218987" rtl="0" eaLnBrk="1" latinLnBrk="0" hangingPunct="1">
+              <a:lnSpc>
+                <a:spcPct val="90000"/>
+              </a:lnSpc>
+              <a:spcBef>
+                <a:spcPts val="800"/>
+              </a:spcBef>
+              <a:buClr>
+                <a:schemeClr val="accent1"/>
+              </a:buClr>
+              <a:buSzPct val="80000"/>
+              <a:buFont typeface="Arial" pitchFamily="34" charset="0"/>
+              <a:buChar char="•"/>
+              <a:defRPr sz="2000" kern="1200" baseline="0">
+                <a:solidFill>
+                  <a:schemeClr val="tx1"/>
+                </a:solidFill>
+                <a:latin typeface="+mn-lt"/>
+                <a:ea typeface="+mn-ea"/>
+                <a:cs typeface="+mn-cs"/>
+              </a:defRPr>
+            </a:lvl9pPr>
+          </a:lstStyle>
+          <a:p>
+            <a:endParaRPr lang="en-US" dirty="0"/>
+          </a:p>
+        </p:txBody>
+      </p:sp>
+      <p:pic>
+        <p:nvPicPr>
           <p:cNvPr id="12" name="Picture 11" descr="A screenshot of a computer&#10;&#10;Description automatically generated with medium confidence">
             <a:extLst>
               <a:ext uri="{FF2B5EF4-FFF2-40B4-BE49-F238E27FC236}">
@@ -13980,7 +17101,7 @@
 </p:sld>
 </file>
 
-<file path=ppt/slides/slide11.xml><?xml version="1.0" encoding="utf-8"?>
+<file path=ppt/slides/slide12.xml><?xml version="1.0" encoding="utf-8"?>
 <p:sld xmlns:a="http://schemas.openxmlformats.org/drawingml/2006/main" xmlns:r="http://schemas.openxmlformats.org/officeDocument/2006/relationships" xmlns:p="http://schemas.openxmlformats.org/presentationml/2006/main">
   <p:cSld>
     <p:spTree>
@@ -14320,7 +17441,7 @@
 </p:sld>
 </file>
 
-<file path=ppt/slides/slide12.xml><?xml version="1.0" encoding="utf-8"?>
+<file path=ppt/slides/slide13.xml><?xml version="1.0" encoding="utf-8"?>
 <p:sld xmlns:a="http://schemas.openxmlformats.org/drawingml/2006/main" xmlns:r="http://schemas.openxmlformats.org/officeDocument/2006/relationships" xmlns:p="http://schemas.openxmlformats.org/presentationml/2006/main">
   <p:cSld>
     <p:spTree>
@@ -14475,7 +17596,7 @@
 </p:sld>
 </file>
 
-<file path=ppt/slides/slide13.xml><?xml version="1.0" encoding="utf-8"?>
+<file path=ppt/slides/slide14.xml><?xml version="1.0" encoding="utf-8"?>
 <p:sld xmlns:a="http://schemas.openxmlformats.org/drawingml/2006/main" xmlns:r="http://schemas.openxmlformats.org/officeDocument/2006/relationships" xmlns:p="http://schemas.openxmlformats.org/presentationml/2006/main">
   <p:cSld>
     <p:spTree>
@@ -14587,7 +17708,7 @@
 </p:sld>
 </file>
 
-<file path=ppt/slides/slide14.xml><?xml version="1.0" encoding="utf-8"?>
+<file path=ppt/slides/slide15.xml><?xml version="1.0" encoding="utf-8"?>
 <p:sld xmlns:a="http://schemas.openxmlformats.org/drawingml/2006/main" xmlns:r="http://schemas.openxmlformats.org/officeDocument/2006/relationships" xmlns:p="http://schemas.openxmlformats.org/presentationml/2006/main">
   <p:cSld>
     <p:spTree>
@@ -14699,7 +17820,7 @@
 </p:sld>
 </file>
 
-<file path=ppt/slides/slide15.xml><?xml version="1.0" encoding="utf-8"?>
+<file path=ppt/slides/slide16.xml><?xml version="1.0" encoding="utf-8"?>
 <p:sld xmlns:a="http://schemas.openxmlformats.org/drawingml/2006/main" xmlns:r="http://schemas.openxmlformats.org/officeDocument/2006/relationships" xmlns:p="http://schemas.openxmlformats.org/presentationml/2006/main">
   <p:cSld>
     <p:spTree>
@@ -14927,7 +18048,7 @@
 </p:sld>
 </file>
 
-<file path=ppt/slides/slide16.xml><?xml version="1.0" encoding="utf-8"?>
+<file path=ppt/slides/slide17.xml><?xml version="1.0" encoding="utf-8"?>
 <p:sld xmlns:a="http://schemas.openxmlformats.org/drawingml/2006/main" xmlns:r="http://schemas.openxmlformats.org/officeDocument/2006/relationships" xmlns:p="http://schemas.openxmlformats.org/presentationml/2006/main">
   <p:cSld>
     <p:spTree>
@@ -15254,7 +18375,7 @@
 </p:sld>
 </file>
 
-<file path=ppt/slides/slide17.xml><?xml version="1.0" encoding="utf-8"?>
+<file path=ppt/slides/slide18.xml><?xml version="1.0" encoding="utf-8"?>
 <p:sld xmlns:a="http://schemas.openxmlformats.org/drawingml/2006/main" xmlns:r="http://schemas.openxmlformats.org/officeDocument/2006/relationships" xmlns:p="http://schemas.openxmlformats.org/presentationml/2006/main">
   <p:cSld>
     <p:spTree>
@@ -16538,7 +19659,7 @@
             <p:ph sz="half" idx="1"/>
             <p:extLst>
               <p:ext uri="{D42A27DB-BD31-4B8C-83A1-F6EECF244321}">
-                <p14:modId xmlns:p14="http://schemas.microsoft.com/office/powerpoint/2010/main" val="3562567024"/>
+                <p14:modId xmlns:p14="http://schemas.microsoft.com/office/powerpoint/2010/main" val="4276061333"/>
               </p:ext>
             </p:extLst>
           </p:nvPr>
@@ -16579,6 +19700,145 @@
 </file>
 
 <file path=ppt/slides/slide7.xml><?xml version="1.0" encoding="utf-8"?>
+<p:sld xmlns:a="http://schemas.openxmlformats.org/drawingml/2006/main" xmlns:r="http://schemas.openxmlformats.org/officeDocument/2006/relationships" xmlns:p="http://schemas.openxmlformats.org/presentationml/2006/main">
+  <p:cSld>
+    <p:spTree>
+      <p:nvGrpSpPr>
+        <p:cNvPr id="1" name=""/>
+        <p:cNvGrpSpPr/>
+        <p:nvPr/>
+      </p:nvGrpSpPr>
+      <p:grpSpPr>
+        <a:xfrm>
+          <a:off x="0" y="0"/>
+          <a:ext cx="0" cy="0"/>
+          <a:chOff x="0" y="0"/>
+          <a:chExt cx="0" cy="0"/>
+        </a:xfrm>
+      </p:grpSpPr>
+      <p:sp>
+        <p:nvSpPr>
+          <p:cNvPr id="2" name="Title 1">
+            <a:extLst>
+              <a:ext uri="{FF2B5EF4-FFF2-40B4-BE49-F238E27FC236}">
+                <a16:creationId xmlns:a16="http://schemas.microsoft.com/office/drawing/2014/main" id="{FE64A09E-50A9-262D-1517-B201472097F6}"/>
+              </a:ext>
+            </a:extLst>
+          </p:cNvPr>
+          <p:cNvSpPr>
+            <a:spLocks noGrp="1"/>
+          </p:cNvSpPr>
+          <p:nvPr>
+            <p:ph type="title"/>
+          </p:nvPr>
+        </p:nvSpPr>
+        <p:spPr>
+          <a:xfrm>
+            <a:off x="1197868" y="156183"/>
+            <a:ext cx="10360501" cy="634083"/>
+          </a:xfrm>
+        </p:spPr>
+        <p:txBody>
+          <a:bodyPr/>
+          <a:lstStyle/>
+          <a:p>
+            <a:pPr algn="ctr"/>
+            <a:r>
+              <a:rPr lang="it-IT" dirty="0" err="1"/>
+              <a:t>Speedup</a:t>
+            </a:r>
+            <a:endParaRPr lang="it-IT" dirty="0"/>
+          </a:p>
+        </p:txBody>
+      </p:sp>
+      <p:graphicFrame>
+        <p:nvGraphicFramePr>
+          <p:cNvPr id="6" name="Content Placeholder 5">
+            <a:extLst>
+              <a:ext uri="{FF2B5EF4-FFF2-40B4-BE49-F238E27FC236}">
+                <a16:creationId xmlns:a16="http://schemas.microsoft.com/office/drawing/2014/main" id="{52C39547-0FCD-4EE4-BE0B-2FC9ACE4B81A}"/>
+              </a:ext>
+            </a:extLst>
+          </p:cNvPr>
+          <p:cNvGraphicFramePr>
+            <a:graphicFrameLocks noGrp="1"/>
+          </p:cNvGraphicFramePr>
+          <p:nvPr>
+            <p:ph sz="half" idx="1"/>
+            <p:extLst>
+              <p:ext uri="{D42A27DB-BD31-4B8C-83A1-F6EECF244321}">
+                <p14:modId xmlns:p14="http://schemas.microsoft.com/office/powerpoint/2010/main" val="346754983"/>
+              </p:ext>
+            </p:extLst>
+          </p:nvPr>
+        </p:nvGraphicFramePr>
+        <p:xfrm>
+          <a:off x="909836" y="620688"/>
+          <a:ext cx="5328592" cy="5976664"/>
+        </p:xfrm>
+        <a:graphic>
+          <a:graphicData uri="http://schemas.openxmlformats.org/drawingml/2006/chart">
+            <c:chart xmlns:c="http://schemas.openxmlformats.org/drawingml/2006/chart" xmlns:r="http://schemas.openxmlformats.org/officeDocument/2006/relationships" r:id="rId3"/>
+          </a:graphicData>
+        </a:graphic>
+      </p:graphicFrame>
+      <p:graphicFrame>
+        <p:nvGraphicFramePr>
+          <p:cNvPr id="13" name="Content Placeholder 12">
+            <a:extLst>
+              <a:ext uri="{FF2B5EF4-FFF2-40B4-BE49-F238E27FC236}">
+                <a16:creationId xmlns:a16="http://schemas.microsoft.com/office/drawing/2014/main" id="{D4138F59-7337-4C7E-A6DE-0575E5397675}"/>
+              </a:ext>
+            </a:extLst>
+          </p:cNvPr>
+          <p:cNvGraphicFramePr>
+            <a:graphicFrameLocks noGrp="1"/>
+          </p:cNvGraphicFramePr>
+          <p:nvPr>
+            <p:ph sz="half" idx="2"/>
+            <p:extLst>
+              <p:ext uri="{D42A27DB-BD31-4B8C-83A1-F6EECF244321}">
+                <p14:modId xmlns:p14="http://schemas.microsoft.com/office/powerpoint/2010/main" val="686137317"/>
+              </p:ext>
+            </p:extLst>
+          </p:nvPr>
+        </p:nvGraphicFramePr>
+        <p:xfrm>
+          <a:off x="6166420" y="620688"/>
+          <a:ext cx="5904656" cy="5976664"/>
+        </p:xfrm>
+        <a:graphic>
+          <a:graphicData uri="http://schemas.openxmlformats.org/drawingml/2006/chart">
+            <c:chart xmlns:c="http://schemas.openxmlformats.org/drawingml/2006/chart" xmlns:r="http://schemas.openxmlformats.org/officeDocument/2006/relationships" r:id="rId4"/>
+          </a:graphicData>
+        </a:graphic>
+      </p:graphicFrame>
+    </p:spTree>
+    <p:extLst>
+      <p:ext uri="{BB962C8B-B14F-4D97-AF65-F5344CB8AC3E}">
+        <p14:creationId xmlns:p14="http://schemas.microsoft.com/office/powerpoint/2010/main" val="263730402"/>
+      </p:ext>
+    </p:extLst>
+  </p:cSld>
+  <p:clrMapOvr>
+    <a:masterClrMapping/>
+  </p:clrMapOvr>
+  <mc:AlternateContent xmlns:mc="http://schemas.openxmlformats.org/markup-compatibility/2006">
+    <mc:Choice xmlns:p14="http://schemas.microsoft.com/office/powerpoint/2010/main" Requires="p14">
+      <p:transition spd="med" p14:dur="700">
+        <p:fade/>
+      </p:transition>
+    </mc:Choice>
+    <mc:Fallback>
+      <p:transition spd="med">
+        <p:fade/>
+      </p:transition>
+    </mc:Fallback>
+  </mc:AlternateContent>
+</p:sld>
+</file>
+
+<file path=ppt/slides/slide8.xml><?xml version="1.0" encoding="utf-8"?>
 <p:sld xmlns:a="http://schemas.openxmlformats.org/drawingml/2006/main" xmlns:r="http://schemas.openxmlformats.org/officeDocument/2006/relationships" xmlns:p="http://schemas.openxmlformats.org/presentationml/2006/main">
   <p:cSld>
     <p:spTree>
@@ -16704,7 +19964,7 @@
 </p:sld>
 </file>
 
-<file path=ppt/slides/slide8.xml><?xml version="1.0" encoding="utf-8"?>
+<file path=ppt/slides/slide9.xml><?xml version="1.0" encoding="utf-8"?>
 <p:sld xmlns:a="http://schemas.openxmlformats.org/drawingml/2006/main" xmlns:r="http://schemas.openxmlformats.org/officeDocument/2006/relationships" xmlns:p="http://schemas.openxmlformats.org/presentationml/2006/main">
   <p:cSld>
     <p:spTree>
@@ -16844,387 +20104,6 @@
     <p:extLst>
       <p:ext uri="{BB962C8B-B14F-4D97-AF65-F5344CB8AC3E}">
         <p14:creationId xmlns:p14="http://schemas.microsoft.com/office/powerpoint/2010/main" val="2323699758"/>
-      </p:ext>
-    </p:extLst>
-  </p:cSld>
-  <p:clrMapOvr>
-    <a:masterClrMapping/>
-  </p:clrMapOvr>
-  <mc:AlternateContent xmlns:mc="http://schemas.openxmlformats.org/markup-compatibility/2006" xmlns:p14="http://schemas.microsoft.com/office/powerpoint/2010/main">
-    <mc:Choice Requires="p14">
-      <p:transition spd="med" p14:dur="700">
-        <p:fade/>
-      </p:transition>
-    </mc:Choice>
-    <mc:Fallback xmlns="">
-      <p:transition spd="med">
-        <p:fade/>
-      </p:transition>
-    </mc:Fallback>
-  </mc:AlternateContent>
-</p:sld>
-</file>
-
-<file path=ppt/slides/slide9.xml><?xml version="1.0" encoding="utf-8"?>
-<p:sld xmlns:a="http://schemas.openxmlformats.org/drawingml/2006/main" xmlns:r="http://schemas.openxmlformats.org/officeDocument/2006/relationships" xmlns:p="http://schemas.openxmlformats.org/presentationml/2006/main">
-  <p:cSld>
-    <p:spTree>
-      <p:nvGrpSpPr>
-        <p:cNvPr id="1" name=""/>
-        <p:cNvGrpSpPr/>
-        <p:nvPr/>
-      </p:nvGrpSpPr>
-      <p:grpSpPr>
-        <a:xfrm>
-          <a:off x="0" y="0"/>
-          <a:ext cx="0" cy="0"/>
-          <a:chOff x="0" y="0"/>
-          <a:chExt cx="0" cy="0"/>
-        </a:xfrm>
-      </p:grpSpPr>
-      <p:sp>
-        <p:nvSpPr>
-          <p:cNvPr id="2" name="Title 1">
-            <a:extLst>
-              <a:ext uri="{FF2B5EF4-FFF2-40B4-BE49-F238E27FC236}">
-                <a16:creationId xmlns:a16="http://schemas.microsoft.com/office/drawing/2014/main" id="{727EEB90-4CC2-88BA-9586-4859C922BF90}"/>
-              </a:ext>
-            </a:extLst>
-          </p:cNvPr>
-          <p:cNvSpPr>
-            <a:spLocks noGrp="1"/>
-          </p:cNvSpPr>
-          <p:nvPr>
-            <p:ph type="title"/>
-          </p:nvPr>
-        </p:nvSpPr>
-        <p:spPr>
-          <a:xfrm>
-            <a:off x="1218883" y="274637"/>
-            <a:ext cx="10360501" cy="1354163"/>
-          </a:xfrm>
-        </p:spPr>
-        <p:txBody>
-          <a:bodyPr>
-            <a:normAutofit fontScale="90000"/>
-          </a:bodyPr>
-          <a:lstStyle/>
-          <a:p>
-            <a:r>
-              <a:rPr lang="en-US" dirty="0"/>
-              <a:t>2. With larger datasets, increasing the number of threads yields an improved speedup with progressively diminishing returns until a threshold</a:t>
-            </a:r>
-            <a:endParaRPr lang="it-IT" dirty="0"/>
-          </a:p>
-        </p:txBody>
-      </p:sp>
-      <p:sp>
-        <p:nvSpPr>
-          <p:cNvPr id="3" name="Content Placeholder 3">
-            <a:extLst>
-              <a:ext uri="{FF2B5EF4-FFF2-40B4-BE49-F238E27FC236}">
-                <a16:creationId xmlns:a16="http://schemas.microsoft.com/office/drawing/2014/main" id="{7A529EB5-A585-AC5F-6DE2-AF35E915AC4A}"/>
-              </a:ext>
-            </a:extLst>
-          </p:cNvPr>
-          <p:cNvSpPr txBox="1">
-            <a:spLocks/>
-          </p:cNvSpPr>
-          <p:nvPr/>
-        </p:nvSpPr>
-        <p:spPr>
-          <a:xfrm>
-            <a:off x="6238428" y="1772816"/>
-            <a:ext cx="5400599" cy="4327376"/>
-          </a:xfrm>
-          <a:prstGeom prst="rect">
-            <a:avLst/>
-          </a:prstGeom>
-        </p:spPr>
-        <p:txBody>
-          <a:bodyPr vert="horz" lIns="121899" tIns="60949" rIns="121899" bIns="60949" rtlCol="0">
-            <a:normAutofit/>
-          </a:bodyPr>
-          <a:lstStyle>
-            <a:lvl1pPr marL="304747" indent="-304747" algn="l" defTabSz="1218987" rtl="0" eaLnBrk="1" latinLnBrk="0" hangingPunct="1">
-              <a:lnSpc>
-                <a:spcPct val="90000"/>
-              </a:lnSpc>
-              <a:spcBef>
-                <a:spcPts val="1600"/>
-              </a:spcBef>
-              <a:buClr>
-                <a:schemeClr val="accent1"/>
-              </a:buClr>
-              <a:buSzPct val="100000"/>
-              <a:buFont typeface="Arial" pitchFamily="34" charset="0"/>
-              <a:buChar char="•"/>
-              <a:defRPr sz="2800" kern="1200">
-                <a:solidFill>
-                  <a:schemeClr val="tx1"/>
-                </a:solidFill>
-                <a:latin typeface="+mn-lt"/>
-                <a:ea typeface="+mn-ea"/>
-                <a:cs typeface="+mn-cs"/>
-              </a:defRPr>
-            </a:lvl1pPr>
-            <a:lvl2pPr marL="609493" indent="-231607" algn="l" defTabSz="1218987" rtl="0" eaLnBrk="1" latinLnBrk="0" hangingPunct="1">
-              <a:lnSpc>
-                <a:spcPct val="90000"/>
-              </a:lnSpc>
-              <a:spcBef>
-                <a:spcPts val="800"/>
-              </a:spcBef>
-              <a:buClr>
-                <a:schemeClr val="accent1"/>
-              </a:buClr>
-              <a:buSzPct val="80000"/>
-              <a:buFont typeface="Arial" pitchFamily="34" charset="0"/>
-              <a:buChar char="•"/>
-              <a:defRPr sz="2400" kern="1200">
-                <a:solidFill>
-                  <a:schemeClr val="tx1"/>
-                </a:solidFill>
-                <a:latin typeface="+mn-lt"/>
-                <a:ea typeface="+mn-ea"/>
-                <a:cs typeface="+mn-cs"/>
-              </a:defRPr>
-            </a:lvl2pPr>
-            <a:lvl3pPr marL="914240" indent="-231607" algn="l" defTabSz="1218987" rtl="0" eaLnBrk="1" latinLnBrk="0" hangingPunct="1">
-              <a:lnSpc>
-                <a:spcPct val="90000"/>
-              </a:lnSpc>
-              <a:spcBef>
-                <a:spcPts val="800"/>
-              </a:spcBef>
-              <a:buClr>
-                <a:schemeClr val="accent1"/>
-              </a:buClr>
-              <a:buSzPct val="80000"/>
-              <a:buFont typeface="Arial" pitchFamily="34" charset="0"/>
-              <a:buChar char="•"/>
-              <a:defRPr sz="2000" kern="1200">
-                <a:solidFill>
-                  <a:schemeClr val="tx1"/>
-                </a:solidFill>
-                <a:latin typeface="+mn-lt"/>
-                <a:ea typeface="+mn-ea"/>
-                <a:cs typeface="+mn-cs"/>
-              </a:defRPr>
-            </a:lvl3pPr>
-            <a:lvl4pPr marL="1218987" indent="-231607" algn="l" defTabSz="1218987" rtl="0" eaLnBrk="1" latinLnBrk="0" hangingPunct="1">
-              <a:lnSpc>
-                <a:spcPct val="90000"/>
-              </a:lnSpc>
-              <a:spcBef>
-                <a:spcPts val="800"/>
-              </a:spcBef>
-              <a:buClr>
-                <a:schemeClr val="accent1"/>
-              </a:buClr>
-              <a:buSzPct val="80000"/>
-              <a:buFont typeface="Arial" pitchFamily="34" charset="0"/>
-              <a:buChar char="•"/>
-              <a:defRPr sz="2000" kern="1200">
-                <a:solidFill>
-                  <a:schemeClr val="tx1"/>
-                </a:solidFill>
-                <a:latin typeface="+mn-lt"/>
-                <a:ea typeface="+mn-ea"/>
-                <a:cs typeface="+mn-cs"/>
-              </a:defRPr>
-            </a:lvl4pPr>
-            <a:lvl5pPr marL="1523733" indent="-231607" algn="l" defTabSz="1218987" rtl="0" eaLnBrk="1" latinLnBrk="0" hangingPunct="1">
-              <a:lnSpc>
-                <a:spcPct val="90000"/>
-              </a:lnSpc>
-              <a:spcBef>
-                <a:spcPts val="800"/>
-              </a:spcBef>
-              <a:buClr>
-                <a:schemeClr val="accent1"/>
-              </a:buClr>
-              <a:buSzPct val="80000"/>
-              <a:buFont typeface="Arial" pitchFamily="34" charset="0"/>
-              <a:buChar char="•"/>
-              <a:defRPr sz="2000" kern="1200">
-                <a:solidFill>
-                  <a:schemeClr val="tx1"/>
-                </a:solidFill>
-                <a:latin typeface="+mn-lt"/>
-                <a:ea typeface="+mn-ea"/>
-                <a:cs typeface="+mn-cs"/>
-              </a:defRPr>
-            </a:lvl5pPr>
-            <a:lvl6pPr marL="1828480" indent="-231607" algn="l" defTabSz="1218987" rtl="0" eaLnBrk="1" latinLnBrk="0" hangingPunct="1">
-              <a:lnSpc>
-                <a:spcPct val="90000"/>
-              </a:lnSpc>
-              <a:spcBef>
-                <a:spcPts val="800"/>
-              </a:spcBef>
-              <a:buClr>
-                <a:schemeClr val="accent1"/>
-              </a:buClr>
-              <a:buSzPct val="80000"/>
-              <a:buFont typeface="Arial" pitchFamily="34" charset="0"/>
-              <a:buChar char="•"/>
-              <a:defRPr sz="2000" kern="1200">
-                <a:solidFill>
-                  <a:schemeClr val="tx1"/>
-                </a:solidFill>
-                <a:latin typeface="+mn-lt"/>
-                <a:ea typeface="+mn-ea"/>
-                <a:cs typeface="+mn-cs"/>
-              </a:defRPr>
-            </a:lvl6pPr>
-            <a:lvl7pPr marL="2133227" indent="-231607" algn="l" defTabSz="1218987" rtl="0" eaLnBrk="1" latinLnBrk="0" hangingPunct="1">
-              <a:lnSpc>
-                <a:spcPct val="90000"/>
-              </a:lnSpc>
-              <a:spcBef>
-                <a:spcPts val="800"/>
-              </a:spcBef>
-              <a:buClr>
-                <a:schemeClr val="accent1"/>
-              </a:buClr>
-              <a:buSzPct val="80000"/>
-              <a:buFont typeface="Arial" pitchFamily="34" charset="0"/>
-              <a:buChar char="•"/>
-              <a:defRPr sz="2000" kern="1200">
-                <a:solidFill>
-                  <a:schemeClr val="tx1"/>
-                </a:solidFill>
-                <a:latin typeface="+mn-lt"/>
-                <a:ea typeface="+mn-ea"/>
-                <a:cs typeface="+mn-cs"/>
-              </a:defRPr>
-            </a:lvl7pPr>
-            <a:lvl8pPr marL="2437973" indent="-231607" algn="l" defTabSz="1218987" rtl="0" eaLnBrk="1" latinLnBrk="0" hangingPunct="1">
-              <a:lnSpc>
-                <a:spcPct val="90000"/>
-              </a:lnSpc>
-              <a:spcBef>
-                <a:spcPts val="800"/>
-              </a:spcBef>
-              <a:buClr>
-                <a:schemeClr val="accent1"/>
-              </a:buClr>
-              <a:buSzPct val="80000"/>
-              <a:buFont typeface="Arial" pitchFamily="34" charset="0"/>
-              <a:buChar char="•"/>
-              <a:defRPr sz="2000" kern="1200" baseline="0">
-                <a:solidFill>
-                  <a:schemeClr val="tx1"/>
-                </a:solidFill>
-                <a:latin typeface="+mn-lt"/>
-                <a:ea typeface="+mn-ea"/>
-                <a:cs typeface="+mn-cs"/>
-              </a:defRPr>
-            </a:lvl8pPr>
-            <a:lvl9pPr marL="2742720" indent="-231607" algn="l" defTabSz="1218987" rtl="0" eaLnBrk="1" latinLnBrk="0" hangingPunct="1">
-              <a:lnSpc>
-                <a:spcPct val="90000"/>
-              </a:lnSpc>
-              <a:spcBef>
-                <a:spcPts val="800"/>
-              </a:spcBef>
-              <a:buClr>
-                <a:schemeClr val="accent1"/>
-              </a:buClr>
-              <a:buSzPct val="80000"/>
-              <a:buFont typeface="Arial" pitchFamily="34" charset="0"/>
-              <a:buChar char="•"/>
-              <a:defRPr sz="2000" kern="1200" baseline="0">
-                <a:solidFill>
-                  <a:schemeClr val="tx1"/>
-                </a:solidFill>
-                <a:latin typeface="+mn-lt"/>
-                <a:ea typeface="+mn-ea"/>
-                <a:cs typeface="+mn-cs"/>
-              </a:defRPr>
-            </a:lvl9pPr>
-          </a:lstStyle>
-          <a:p>
-            <a:endParaRPr lang="en-US" dirty="0"/>
-          </a:p>
-        </p:txBody>
-      </p:sp>
-      <p:pic>
-        <p:nvPicPr>
-          <p:cNvPr id="10" name="Picture 9" descr="A screenshot of a computer&#10;&#10;Description automatically generated with medium confidence">
-            <a:extLst>
-              <a:ext uri="{FF2B5EF4-FFF2-40B4-BE49-F238E27FC236}">
-                <a16:creationId xmlns:a16="http://schemas.microsoft.com/office/drawing/2014/main" id="{696C82B1-7768-D4DC-B83B-890FF6C9FCDD}"/>
-              </a:ext>
-            </a:extLst>
-          </p:cNvPr>
-          <p:cNvPicPr>
-            <a:picLocks noChangeAspect="1"/>
-          </p:cNvPicPr>
-          <p:nvPr/>
-        </p:nvPicPr>
-        <p:blipFill rotWithShape="1">
-          <a:blip r:embed="rId2" cstate="print">
-            <a:extLst>
-              <a:ext uri="{28A0092B-C50C-407E-A947-70E740481C1C}">
-                <a14:useLocalDpi xmlns:a14="http://schemas.microsoft.com/office/drawing/2010/main" val="0"/>
-              </a:ext>
-            </a:extLst>
-          </a:blip>
-          <a:srcRect l="12192" t="10089" r="6283" b="50382"/>
-          <a:stretch/>
-        </p:blipFill>
-        <p:spPr>
-          <a:xfrm>
-            <a:off x="285710" y="2276872"/>
-            <a:ext cx="11617403" cy="3168352"/>
-          </a:xfrm>
-          <a:prstGeom prst="rect">
-            <a:avLst/>
-          </a:prstGeom>
-        </p:spPr>
-      </p:pic>
-      <p:sp>
-        <p:nvSpPr>
-          <p:cNvPr id="4" name="TextBox 3">
-            <a:extLst>
-              <a:ext uri="{FF2B5EF4-FFF2-40B4-BE49-F238E27FC236}">
-                <a16:creationId xmlns:a16="http://schemas.microsoft.com/office/drawing/2014/main" id="{32C79DD5-807E-297B-9F5B-C94DDE228DF9}"/>
-              </a:ext>
-            </a:extLst>
-          </p:cNvPr>
-          <p:cNvSpPr txBox="1"/>
-          <p:nvPr/>
-        </p:nvSpPr>
-        <p:spPr>
-          <a:xfrm>
-            <a:off x="5369948" y="5933752"/>
-            <a:ext cx="1448927" cy="523220"/>
-          </a:xfrm>
-          <a:prstGeom prst="rect">
-            <a:avLst/>
-          </a:prstGeom>
-          <a:noFill/>
-        </p:spPr>
-        <p:txBody>
-          <a:bodyPr wrap="square" rtlCol="0">
-            <a:spAutoFit/>
-          </a:bodyPr>
-          <a:lstStyle/>
-          <a:p>
-            <a:pPr algn="ctr"/>
-            <a:r>
-              <a:rPr lang="it-IT" sz="2800" dirty="0"/>
-              <a:t>239ms</a:t>
-            </a:r>
-          </a:p>
-        </p:txBody>
-      </p:sp>
-    </p:spTree>
-    <p:extLst>
-      <p:ext uri="{BB962C8B-B14F-4D97-AF65-F5344CB8AC3E}">
-        <p14:creationId xmlns:p14="http://schemas.microsoft.com/office/powerpoint/2010/main" val="3288884802"/>
       </p:ext>
     </p:extLst>
   </p:cSld>
@@ -18197,151 +21076,6 @@
 </file>
 
 <file path=customXml/item1.xml><?xml version="1.0" encoding="utf-8"?>
-<?mso-contentType ?>
-<FormTemplates xmlns="http://schemas.microsoft.com/sharepoint/v3/contenttype/forms">
-  <Display>DocumentLibraryForm</Display>
-  <Edit>AssetEditForm</Edit>
-  <New>DocumentLibraryForm</New>
-</FormTemplates>
-</file>
-
-<file path=customXml/item2.xml><?xml version="1.0" encoding="utf-8"?>
-<p:properties xmlns:p="http://schemas.microsoft.com/office/2006/metadata/properties" xmlns:xsi="http://www.w3.org/2001/XMLSchema-instance" xmlns:pc="http://schemas.microsoft.com/office/infopath/2007/PartnerControls">
-  <documentManagement>
-    <LocPublishedLinkedAssetsLookup xmlns="4873beb7-5857-4685-be1f-d57550cc96cc" xsi:nil="true"/>
-    <ApprovalStatus xmlns="4873beb7-5857-4685-be1f-d57550cc96cc">InProgress</ApprovalStatus>
-    <MarketSpecific xmlns="4873beb7-5857-4685-be1f-d57550cc96cc">false</MarketSpecific>
-    <LocComments xmlns="4873beb7-5857-4685-be1f-d57550cc96cc" xsi:nil="true"/>
-    <LocLastLocAttemptVersionTypeLookup xmlns="4873beb7-5857-4685-be1f-d57550cc96cc" xsi:nil="true"/>
-    <DirectSourceMarket xmlns="4873beb7-5857-4685-be1f-d57550cc96cc" xsi:nil="true"/>
-    <ThumbnailAssetId xmlns="4873beb7-5857-4685-be1f-d57550cc96cc" xsi:nil="true"/>
-    <PrimaryImageGen xmlns="4873beb7-5857-4685-be1f-d57550cc96cc">false</PrimaryImageGen>
-    <LocNewPublishedVersionLookup xmlns="4873beb7-5857-4685-be1f-d57550cc96cc" xsi:nil="true"/>
-    <LegacyData xmlns="4873beb7-5857-4685-be1f-d57550cc96cc" xsi:nil="true"/>
-    <LocRecommendedHandoff xmlns="4873beb7-5857-4685-be1f-d57550cc96cc" xsi:nil="true"/>
-    <BusinessGroup xmlns="4873beb7-5857-4685-be1f-d57550cc96cc" xsi:nil="true"/>
-    <BlockPublish xmlns="4873beb7-5857-4685-be1f-d57550cc96cc">false</BlockPublish>
-    <TPFriendlyName xmlns="4873beb7-5857-4685-be1f-d57550cc96cc" xsi:nil="true"/>
-    <LocOverallPublishStatusLookup xmlns="4873beb7-5857-4685-be1f-d57550cc96cc" xsi:nil="true"/>
-    <NumericId xmlns="4873beb7-5857-4685-be1f-d57550cc96cc" xsi:nil="true"/>
-    <APEditor xmlns="4873beb7-5857-4685-be1f-d57550cc96cc">
-      <UserInfo>
-        <DisplayName/>
-        <AccountId xsi:nil="true"/>
-        <AccountType/>
-      </UserInfo>
-    </APEditor>
-    <SourceTitle xmlns="4873beb7-5857-4685-be1f-d57550cc96cc" xsi:nil="true"/>
-    <OpenTemplate xmlns="4873beb7-5857-4685-be1f-d57550cc96cc">true</OpenTemplate>
-    <LocOverallLocStatusLookup xmlns="4873beb7-5857-4685-be1f-d57550cc96cc" xsi:nil="true"/>
-    <UALocComments xmlns="4873beb7-5857-4685-be1f-d57550cc96cc" xsi:nil="true"/>
-    <ParentAssetId xmlns="4873beb7-5857-4685-be1f-d57550cc96cc" xsi:nil="true"/>
-    <IntlLangReviewDate xmlns="4873beb7-5857-4685-be1f-d57550cc96cc" xsi:nil="true"/>
-    <FeatureTagsTaxHTField0 xmlns="4873beb7-5857-4685-be1f-d57550cc96cc">
-      <Terms xmlns="http://schemas.microsoft.com/office/infopath/2007/PartnerControls"/>
-    </FeatureTagsTaxHTField0>
-    <PublishStatusLookup xmlns="4873beb7-5857-4685-be1f-d57550cc96cc">
-      <Value>1345093</Value>
-    </PublishStatusLookup>
-    <Providers xmlns="4873beb7-5857-4685-be1f-d57550cc96cc" xsi:nil="true"/>
-    <MachineTranslated xmlns="4873beb7-5857-4685-be1f-d57550cc96cc">false</MachineTranslated>
-    <OriginalSourceMarket xmlns="4873beb7-5857-4685-be1f-d57550cc96cc" xsi:nil="true"/>
-    <APDescription xmlns="4873beb7-5857-4685-be1f-d57550cc96cc">This simple template design works for technology and  businesses, but it's versatile enough to use in other contexts.  It features multiple slide layouts designed for widescreen (16x9 resolution) and includes a sample SmartArt list and chart that are easily editable.</APDescription>
-    <ClipArtFilename xmlns="4873beb7-5857-4685-be1f-d57550cc96cc" xsi:nil="true"/>
-    <ContentItem xmlns="4873beb7-5857-4685-be1f-d57550cc96cc" xsi:nil="true"/>
-    <TPInstallLocation xmlns="4873beb7-5857-4685-be1f-d57550cc96cc" xsi:nil="true"/>
-    <PublishTargets xmlns="4873beb7-5857-4685-be1f-d57550cc96cc">OfficeOnlineVNext</PublishTargets>
-    <TimesCloned xmlns="4873beb7-5857-4685-be1f-d57550cc96cc" xsi:nil="true"/>
-    <AssetStart xmlns="4873beb7-5857-4685-be1f-d57550cc96cc">2011-11-26T00:30:00+00:00</AssetStart>
-    <Provider xmlns="4873beb7-5857-4685-be1f-d57550cc96cc" xsi:nil="true"/>
-    <AcquiredFrom xmlns="4873beb7-5857-4685-be1f-d57550cc96cc">Internal MS</AcquiredFrom>
-    <FriendlyTitle xmlns="4873beb7-5857-4685-be1f-d57550cc96cc" xsi:nil="true"/>
-    <LastHandOff xmlns="4873beb7-5857-4685-be1f-d57550cc96cc" xsi:nil="true"/>
-    <TPClientViewer xmlns="4873beb7-5857-4685-be1f-d57550cc96cc" xsi:nil="true"/>
-    <TemplateStatus xmlns="4873beb7-5857-4685-be1f-d57550cc96cc">Complete</TemplateStatus>
-    <Downloads xmlns="4873beb7-5857-4685-be1f-d57550cc96cc">0</Downloads>
-    <OOCacheId xmlns="4873beb7-5857-4685-be1f-d57550cc96cc" xsi:nil="true"/>
-    <IsDeleted xmlns="4873beb7-5857-4685-be1f-d57550cc96cc">false</IsDeleted>
-    <LocPublishedDependentAssetsLookup xmlns="4873beb7-5857-4685-be1f-d57550cc96cc" xsi:nil="true"/>
-    <TPExecutable xmlns="4873beb7-5857-4685-be1f-d57550cc96cc" xsi:nil="true"/>
-    <EditorialTags xmlns="4873beb7-5857-4685-be1f-d57550cc96cc" xsi:nil="true"/>
-    <SubmitterId xmlns="4873beb7-5857-4685-be1f-d57550cc96cc" xsi:nil="true"/>
-    <ApprovalLog xmlns="4873beb7-5857-4685-be1f-d57550cc96cc" xsi:nil="true"/>
-    <AssetType xmlns="4873beb7-5857-4685-be1f-d57550cc96cc">TP</AssetType>
-    <BugNumber xmlns="4873beb7-5857-4685-be1f-d57550cc96cc" xsi:nil="true"/>
-    <CSXSubmissionDate xmlns="4873beb7-5857-4685-be1f-d57550cc96cc" xsi:nil="true"/>
-    <CSXUpdate xmlns="4873beb7-5857-4685-be1f-d57550cc96cc">false</CSXUpdate>
-    <Milestone xmlns="4873beb7-5857-4685-be1f-d57550cc96cc" xsi:nil="true"/>
-    <RecommendationsModifier xmlns="4873beb7-5857-4685-be1f-d57550cc96cc" xsi:nil="true"/>
-    <OriginAsset xmlns="4873beb7-5857-4685-be1f-d57550cc96cc" xsi:nil="true"/>
-    <TPComponent xmlns="4873beb7-5857-4685-be1f-d57550cc96cc" xsi:nil="true"/>
-    <AssetId xmlns="4873beb7-5857-4685-be1f-d57550cc96cc">TP102787989</AssetId>
-    <IntlLocPriority xmlns="4873beb7-5857-4685-be1f-d57550cc96cc" xsi:nil="true"/>
-    <PolicheckWords xmlns="4873beb7-5857-4685-be1f-d57550cc96cc" xsi:nil="true"/>
-    <TPLaunchHelpLink xmlns="4873beb7-5857-4685-be1f-d57550cc96cc" xsi:nil="true"/>
-    <TPApplication xmlns="4873beb7-5857-4685-be1f-d57550cc96cc" xsi:nil="true"/>
-    <CrawlForDependencies xmlns="4873beb7-5857-4685-be1f-d57550cc96cc">false</CrawlForDependencies>
-    <HandoffToMSDN xmlns="4873beb7-5857-4685-be1f-d57550cc96cc" xsi:nil="true"/>
-    <PlannedPubDate xmlns="4873beb7-5857-4685-be1f-d57550cc96cc" xsi:nil="true"/>
-    <IntlLangReviewer xmlns="4873beb7-5857-4685-be1f-d57550cc96cc" xsi:nil="true"/>
-    <TrustLevel xmlns="4873beb7-5857-4685-be1f-d57550cc96cc">1 Microsoft Managed Content</TrustLevel>
-    <LocLastLocAttemptVersionLookup xmlns="4873beb7-5857-4685-be1f-d57550cc96cc">694266</LocLastLocAttemptVersionLookup>
-    <LocProcessedForHandoffsLookup xmlns="4873beb7-5857-4685-be1f-d57550cc96cc" xsi:nil="true"/>
-    <IsSearchable xmlns="4873beb7-5857-4685-be1f-d57550cc96cc">true</IsSearchable>
-    <TemplateTemplateType xmlns="4873beb7-5857-4685-be1f-d57550cc96cc">PowerPoint Presentation Template</TemplateTemplateType>
-    <CampaignTagsTaxHTField0 xmlns="4873beb7-5857-4685-be1f-d57550cc96cc">
-      <Terms xmlns="http://schemas.microsoft.com/office/infopath/2007/PartnerControls"/>
-    </CampaignTagsTaxHTField0>
-    <TPNamespace xmlns="4873beb7-5857-4685-be1f-d57550cc96cc" xsi:nil="true"/>
-    <LocOverallPreviewStatusLookup xmlns="4873beb7-5857-4685-be1f-d57550cc96cc" xsi:nil="true"/>
-    <TaxCatchAll xmlns="4873beb7-5857-4685-be1f-d57550cc96cc"/>
-    <Markets xmlns="4873beb7-5857-4685-be1f-d57550cc96cc"/>
-    <UAProjectedTotalWords xmlns="4873beb7-5857-4685-be1f-d57550cc96cc" xsi:nil="true"/>
-    <IntlLangReview xmlns="4873beb7-5857-4685-be1f-d57550cc96cc" xsi:nil="true"/>
-    <OutputCachingOn xmlns="4873beb7-5857-4685-be1f-d57550cc96cc">false</OutputCachingOn>
-    <AverageRating xmlns="4873beb7-5857-4685-be1f-d57550cc96cc" xsi:nil="true"/>
-    <APAuthor xmlns="4873beb7-5857-4685-be1f-d57550cc96cc">
-      <UserInfo>
-        <DisplayName>REDMOND\kristaa</DisplayName>
-        <AccountId>136</AccountId>
-        <AccountType/>
-      </UserInfo>
-    </APAuthor>
-    <LocManualTestRequired xmlns="4873beb7-5857-4685-be1f-d57550cc96cc">false</LocManualTestRequired>
-    <TPCommandLine xmlns="4873beb7-5857-4685-be1f-d57550cc96cc" xsi:nil="true"/>
-    <TPAppVersion xmlns="4873beb7-5857-4685-be1f-d57550cc96cc" xsi:nil="true"/>
-    <EditorialStatus xmlns="4873beb7-5857-4685-be1f-d57550cc96cc">Complete</EditorialStatus>
-    <LastModifiedDateTime xmlns="4873beb7-5857-4685-be1f-d57550cc96cc" xsi:nil="true"/>
-    <ScenarioTagsTaxHTField0 xmlns="4873beb7-5857-4685-be1f-d57550cc96cc">
-      <Terms xmlns="http://schemas.microsoft.com/office/infopath/2007/PartnerControls"/>
-    </ScenarioTagsTaxHTField0>
-    <LocProcessedForMarketsLookup xmlns="4873beb7-5857-4685-be1f-d57550cc96cc" xsi:nil="true"/>
-    <TPLaunchHelpLinkType xmlns="4873beb7-5857-4685-be1f-d57550cc96cc">Template</TPLaunchHelpLinkType>
-    <OriginalRelease xmlns="4873beb7-5857-4685-be1f-d57550cc96cc">15</OriginalRelease>
-    <LocalizationTagsTaxHTField0 xmlns="4873beb7-5857-4685-be1f-d57550cc96cc">
-      <Terms xmlns="http://schemas.microsoft.com/office/infopath/2007/PartnerControls"/>
-    </LocalizationTagsTaxHTField0>
-    <UACurrentWords xmlns="4873beb7-5857-4685-be1f-d57550cc96cc" xsi:nil="true"/>
-    <ArtSampleDocs xmlns="4873beb7-5857-4685-be1f-d57550cc96cc" xsi:nil="true"/>
-    <UALocRecommendation xmlns="4873beb7-5857-4685-be1f-d57550cc96cc">Localize</UALocRecommendation>
-    <Manager xmlns="4873beb7-5857-4685-be1f-d57550cc96cc" xsi:nil="true"/>
-    <LocOverallHandbackStatusLookup xmlns="4873beb7-5857-4685-be1f-d57550cc96cc" xsi:nil="true"/>
-    <ShowIn xmlns="4873beb7-5857-4685-be1f-d57550cc96cc">Show everywhere</ShowIn>
-    <UANotes xmlns="4873beb7-5857-4685-be1f-d57550cc96cc" xsi:nil="true"/>
-    <InternalTagsTaxHTField0 xmlns="4873beb7-5857-4685-be1f-d57550cc96cc">
-      <Terms xmlns="http://schemas.microsoft.com/office/infopath/2007/PartnerControls"/>
-    </InternalTagsTaxHTField0>
-    <CSXHash xmlns="4873beb7-5857-4685-be1f-d57550cc96cc" xsi:nil="true"/>
-    <VoteCount xmlns="4873beb7-5857-4685-be1f-d57550cc96cc" xsi:nil="true"/>
-    <AssetExpire xmlns="4873beb7-5857-4685-be1f-d57550cc96cc">2029-05-12T07:00:00+00:00</AssetExpire>
-    <DSATActionTaken xmlns="4873beb7-5857-4685-be1f-d57550cc96cc" xsi:nil="true"/>
-    <CSXSubmissionMarket xmlns="4873beb7-5857-4685-be1f-d57550cc96cc" xsi:nil="true"/>
-    <LocMarketGroupTiers2 xmlns="4873beb7-5857-4685-be1f-d57550cc96cc" xsi:nil="true"/>
-  </documentManagement>
-</p:properties>
-</file>
-
-<file path=customXml/item3.xml><?xml version="1.0" encoding="utf-8"?>
 <ct:contentTypeSchema xmlns:ct="http://schemas.microsoft.com/office/2006/metadata/contentType" xmlns:ma="http://schemas.microsoft.com/office/2006/metadata/properties/metaAttributes" ct:_="" ma:_="" ma:contentTypeName="TemplateFile" ma:contentTypeID="0x0101006EDDDB5EE6D98C44930B742096920B300400F5B6D36B3EF94B4E9A635CDF2A18F5B8" ma:contentTypeVersion="72" ma:contentTypeDescription="Create a new document." ma:contentTypeScope="" ma:versionID="a23e56308344d904b51738559c3d67c9">
   <xsd:schema xmlns:xsd="http://www.w3.org/2001/XMLSchema" xmlns:xs="http://www.w3.org/2001/XMLSchema" xmlns:p="http://schemas.microsoft.com/office/2006/metadata/properties" xmlns:ns2="4873beb7-5857-4685-be1f-d57550cc96cc" targetNamespace="http://schemas.microsoft.com/office/2006/metadata/properties" ma:root="true" ma:fieldsID="cd0908cc4600e77bf5da051303e00c8d" ns2:_="">
     <xsd:import namespace="4873beb7-5857-4685-be1f-d57550cc96cc"/>
@@ -19381,10 +22115,165 @@
 </ct:contentTypeSchema>
 </file>
 
+<file path=customXml/item2.xml><?xml version="1.0" encoding="utf-8"?>
+<p:properties xmlns:p="http://schemas.microsoft.com/office/2006/metadata/properties" xmlns:xsi="http://www.w3.org/2001/XMLSchema-instance" xmlns:pc="http://schemas.microsoft.com/office/infopath/2007/PartnerControls">
+  <documentManagement>
+    <LocPublishedLinkedAssetsLookup xmlns="4873beb7-5857-4685-be1f-d57550cc96cc" xsi:nil="true"/>
+    <ApprovalStatus xmlns="4873beb7-5857-4685-be1f-d57550cc96cc">InProgress</ApprovalStatus>
+    <MarketSpecific xmlns="4873beb7-5857-4685-be1f-d57550cc96cc">false</MarketSpecific>
+    <LocComments xmlns="4873beb7-5857-4685-be1f-d57550cc96cc" xsi:nil="true"/>
+    <LocLastLocAttemptVersionTypeLookup xmlns="4873beb7-5857-4685-be1f-d57550cc96cc" xsi:nil="true"/>
+    <DirectSourceMarket xmlns="4873beb7-5857-4685-be1f-d57550cc96cc" xsi:nil="true"/>
+    <ThumbnailAssetId xmlns="4873beb7-5857-4685-be1f-d57550cc96cc" xsi:nil="true"/>
+    <PrimaryImageGen xmlns="4873beb7-5857-4685-be1f-d57550cc96cc">false</PrimaryImageGen>
+    <LocNewPublishedVersionLookup xmlns="4873beb7-5857-4685-be1f-d57550cc96cc" xsi:nil="true"/>
+    <LegacyData xmlns="4873beb7-5857-4685-be1f-d57550cc96cc" xsi:nil="true"/>
+    <LocRecommendedHandoff xmlns="4873beb7-5857-4685-be1f-d57550cc96cc" xsi:nil="true"/>
+    <BusinessGroup xmlns="4873beb7-5857-4685-be1f-d57550cc96cc" xsi:nil="true"/>
+    <BlockPublish xmlns="4873beb7-5857-4685-be1f-d57550cc96cc">false</BlockPublish>
+    <TPFriendlyName xmlns="4873beb7-5857-4685-be1f-d57550cc96cc" xsi:nil="true"/>
+    <LocOverallPublishStatusLookup xmlns="4873beb7-5857-4685-be1f-d57550cc96cc" xsi:nil="true"/>
+    <NumericId xmlns="4873beb7-5857-4685-be1f-d57550cc96cc" xsi:nil="true"/>
+    <APEditor xmlns="4873beb7-5857-4685-be1f-d57550cc96cc">
+      <UserInfo>
+        <DisplayName/>
+        <AccountId xsi:nil="true"/>
+        <AccountType/>
+      </UserInfo>
+    </APEditor>
+    <SourceTitle xmlns="4873beb7-5857-4685-be1f-d57550cc96cc" xsi:nil="true"/>
+    <OpenTemplate xmlns="4873beb7-5857-4685-be1f-d57550cc96cc">true</OpenTemplate>
+    <LocOverallLocStatusLookup xmlns="4873beb7-5857-4685-be1f-d57550cc96cc" xsi:nil="true"/>
+    <UALocComments xmlns="4873beb7-5857-4685-be1f-d57550cc96cc" xsi:nil="true"/>
+    <ParentAssetId xmlns="4873beb7-5857-4685-be1f-d57550cc96cc" xsi:nil="true"/>
+    <IntlLangReviewDate xmlns="4873beb7-5857-4685-be1f-d57550cc96cc" xsi:nil="true"/>
+    <FeatureTagsTaxHTField0 xmlns="4873beb7-5857-4685-be1f-d57550cc96cc">
+      <Terms xmlns="http://schemas.microsoft.com/office/infopath/2007/PartnerControls"/>
+    </FeatureTagsTaxHTField0>
+    <PublishStatusLookup xmlns="4873beb7-5857-4685-be1f-d57550cc96cc">
+      <Value>1345093</Value>
+    </PublishStatusLookup>
+    <Providers xmlns="4873beb7-5857-4685-be1f-d57550cc96cc" xsi:nil="true"/>
+    <MachineTranslated xmlns="4873beb7-5857-4685-be1f-d57550cc96cc">false</MachineTranslated>
+    <OriginalSourceMarket xmlns="4873beb7-5857-4685-be1f-d57550cc96cc" xsi:nil="true"/>
+    <APDescription xmlns="4873beb7-5857-4685-be1f-d57550cc96cc">This simple template design works for technology and  businesses, but it's versatile enough to use in other contexts.  It features multiple slide layouts designed for widescreen (16x9 resolution) and includes a sample SmartArt list and chart that are easily editable.</APDescription>
+    <ClipArtFilename xmlns="4873beb7-5857-4685-be1f-d57550cc96cc" xsi:nil="true"/>
+    <ContentItem xmlns="4873beb7-5857-4685-be1f-d57550cc96cc" xsi:nil="true"/>
+    <TPInstallLocation xmlns="4873beb7-5857-4685-be1f-d57550cc96cc" xsi:nil="true"/>
+    <PublishTargets xmlns="4873beb7-5857-4685-be1f-d57550cc96cc">OfficeOnlineVNext</PublishTargets>
+    <TimesCloned xmlns="4873beb7-5857-4685-be1f-d57550cc96cc" xsi:nil="true"/>
+    <AssetStart xmlns="4873beb7-5857-4685-be1f-d57550cc96cc">2011-11-26T00:30:00+00:00</AssetStart>
+    <Provider xmlns="4873beb7-5857-4685-be1f-d57550cc96cc" xsi:nil="true"/>
+    <AcquiredFrom xmlns="4873beb7-5857-4685-be1f-d57550cc96cc">Internal MS</AcquiredFrom>
+    <FriendlyTitle xmlns="4873beb7-5857-4685-be1f-d57550cc96cc" xsi:nil="true"/>
+    <LastHandOff xmlns="4873beb7-5857-4685-be1f-d57550cc96cc" xsi:nil="true"/>
+    <TPClientViewer xmlns="4873beb7-5857-4685-be1f-d57550cc96cc" xsi:nil="true"/>
+    <TemplateStatus xmlns="4873beb7-5857-4685-be1f-d57550cc96cc">Complete</TemplateStatus>
+    <Downloads xmlns="4873beb7-5857-4685-be1f-d57550cc96cc">0</Downloads>
+    <OOCacheId xmlns="4873beb7-5857-4685-be1f-d57550cc96cc" xsi:nil="true"/>
+    <IsDeleted xmlns="4873beb7-5857-4685-be1f-d57550cc96cc">false</IsDeleted>
+    <LocPublishedDependentAssetsLookup xmlns="4873beb7-5857-4685-be1f-d57550cc96cc" xsi:nil="true"/>
+    <TPExecutable xmlns="4873beb7-5857-4685-be1f-d57550cc96cc" xsi:nil="true"/>
+    <EditorialTags xmlns="4873beb7-5857-4685-be1f-d57550cc96cc" xsi:nil="true"/>
+    <SubmitterId xmlns="4873beb7-5857-4685-be1f-d57550cc96cc" xsi:nil="true"/>
+    <ApprovalLog xmlns="4873beb7-5857-4685-be1f-d57550cc96cc" xsi:nil="true"/>
+    <AssetType xmlns="4873beb7-5857-4685-be1f-d57550cc96cc">TP</AssetType>
+    <BugNumber xmlns="4873beb7-5857-4685-be1f-d57550cc96cc" xsi:nil="true"/>
+    <CSXSubmissionDate xmlns="4873beb7-5857-4685-be1f-d57550cc96cc" xsi:nil="true"/>
+    <CSXUpdate xmlns="4873beb7-5857-4685-be1f-d57550cc96cc">false</CSXUpdate>
+    <Milestone xmlns="4873beb7-5857-4685-be1f-d57550cc96cc" xsi:nil="true"/>
+    <RecommendationsModifier xmlns="4873beb7-5857-4685-be1f-d57550cc96cc" xsi:nil="true"/>
+    <OriginAsset xmlns="4873beb7-5857-4685-be1f-d57550cc96cc" xsi:nil="true"/>
+    <TPComponent xmlns="4873beb7-5857-4685-be1f-d57550cc96cc" xsi:nil="true"/>
+    <AssetId xmlns="4873beb7-5857-4685-be1f-d57550cc96cc">TP102787989</AssetId>
+    <IntlLocPriority xmlns="4873beb7-5857-4685-be1f-d57550cc96cc" xsi:nil="true"/>
+    <PolicheckWords xmlns="4873beb7-5857-4685-be1f-d57550cc96cc" xsi:nil="true"/>
+    <TPLaunchHelpLink xmlns="4873beb7-5857-4685-be1f-d57550cc96cc" xsi:nil="true"/>
+    <TPApplication xmlns="4873beb7-5857-4685-be1f-d57550cc96cc" xsi:nil="true"/>
+    <CrawlForDependencies xmlns="4873beb7-5857-4685-be1f-d57550cc96cc">false</CrawlForDependencies>
+    <HandoffToMSDN xmlns="4873beb7-5857-4685-be1f-d57550cc96cc" xsi:nil="true"/>
+    <PlannedPubDate xmlns="4873beb7-5857-4685-be1f-d57550cc96cc" xsi:nil="true"/>
+    <IntlLangReviewer xmlns="4873beb7-5857-4685-be1f-d57550cc96cc" xsi:nil="true"/>
+    <TrustLevel xmlns="4873beb7-5857-4685-be1f-d57550cc96cc">1 Microsoft Managed Content</TrustLevel>
+    <LocLastLocAttemptVersionLookup xmlns="4873beb7-5857-4685-be1f-d57550cc96cc">694266</LocLastLocAttemptVersionLookup>
+    <LocProcessedForHandoffsLookup xmlns="4873beb7-5857-4685-be1f-d57550cc96cc" xsi:nil="true"/>
+    <IsSearchable xmlns="4873beb7-5857-4685-be1f-d57550cc96cc">true</IsSearchable>
+    <TemplateTemplateType xmlns="4873beb7-5857-4685-be1f-d57550cc96cc">PowerPoint Presentation Template</TemplateTemplateType>
+    <CampaignTagsTaxHTField0 xmlns="4873beb7-5857-4685-be1f-d57550cc96cc">
+      <Terms xmlns="http://schemas.microsoft.com/office/infopath/2007/PartnerControls"/>
+    </CampaignTagsTaxHTField0>
+    <TPNamespace xmlns="4873beb7-5857-4685-be1f-d57550cc96cc" xsi:nil="true"/>
+    <LocOverallPreviewStatusLookup xmlns="4873beb7-5857-4685-be1f-d57550cc96cc" xsi:nil="true"/>
+    <TaxCatchAll xmlns="4873beb7-5857-4685-be1f-d57550cc96cc"/>
+    <Markets xmlns="4873beb7-5857-4685-be1f-d57550cc96cc"/>
+    <UAProjectedTotalWords xmlns="4873beb7-5857-4685-be1f-d57550cc96cc" xsi:nil="true"/>
+    <IntlLangReview xmlns="4873beb7-5857-4685-be1f-d57550cc96cc" xsi:nil="true"/>
+    <OutputCachingOn xmlns="4873beb7-5857-4685-be1f-d57550cc96cc">false</OutputCachingOn>
+    <AverageRating xmlns="4873beb7-5857-4685-be1f-d57550cc96cc" xsi:nil="true"/>
+    <APAuthor xmlns="4873beb7-5857-4685-be1f-d57550cc96cc">
+      <UserInfo>
+        <DisplayName>REDMOND\kristaa</DisplayName>
+        <AccountId>136</AccountId>
+        <AccountType/>
+      </UserInfo>
+    </APAuthor>
+    <LocManualTestRequired xmlns="4873beb7-5857-4685-be1f-d57550cc96cc">false</LocManualTestRequired>
+    <TPCommandLine xmlns="4873beb7-5857-4685-be1f-d57550cc96cc" xsi:nil="true"/>
+    <TPAppVersion xmlns="4873beb7-5857-4685-be1f-d57550cc96cc" xsi:nil="true"/>
+    <EditorialStatus xmlns="4873beb7-5857-4685-be1f-d57550cc96cc">Complete</EditorialStatus>
+    <LastModifiedDateTime xmlns="4873beb7-5857-4685-be1f-d57550cc96cc" xsi:nil="true"/>
+    <ScenarioTagsTaxHTField0 xmlns="4873beb7-5857-4685-be1f-d57550cc96cc">
+      <Terms xmlns="http://schemas.microsoft.com/office/infopath/2007/PartnerControls"/>
+    </ScenarioTagsTaxHTField0>
+    <LocProcessedForMarketsLookup xmlns="4873beb7-5857-4685-be1f-d57550cc96cc" xsi:nil="true"/>
+    <TPLaunchHelpLinkType xmlns="4873beb7-5857-4685-be1f-d57550cc96cc">Template</TPLaunchHelpLinkType>
+    <OriginalRelease xmlns="4873beb7-5857-4685-be1f-d57550cc96cc">15</OriginalRelease>
+    <LocalizationTagsTaxHTField0 xmlns="4873beb7-5857-4685-be1f-d57550cc96cc">
+      <Terms xmlns="http://schemas.microsoft.com/office/infopath/2007/PartnerControls"/>
+    </LocalizationTagsTaxHTField0>
+    <UACurrentWords xmlns="4873beb7-5857-4685-be1f-d57550cc96cc" xsi:nil="true"/>
+    <ArtSampleDocs xmlns="4873beb7-5857-4685-be1f-d57550cc96cc" xsi:nil="true"/>
+    <UALocRecommendation xmlns="4873beb7-5857-4685-be1f-d57550cc96cc">Localize</UALocRecommendation>
+    <Manager xmlns="4873beb7-5857-4685-be1f-d57550cc96cc" xsi:nil="true"/>
+    <LocOverallHandbackStatusLookup xmlns="4873beb7-5857-4685-be1f-d57550cc96cc" xsi:nil="true"/>
+    <ShowIn xmlns="4873beb7-5857-4685-be1f-d57550cc96cc">Show everywhere</ShowIn>
+    <UANotes xmlns="4873beb7-5857-4685-be1f-d57550cc96cc" xsi:nil="true"/>
+    <InternalTagsTaxHTField0 xmlns="4873beb7-5857-4685-be1f-d57550cc96cc">
+      <Terms xmlns="http://schemas.microsoft.com/office/infopath/2007/PartnerControls"/>
+    </InternalTagsTaxHTField0>
+    <CSXHash xmlns="4873beb7-5857-4685-be1f-d57550cc96cc" xsi:nil="true"/>
+    <VoteCount xmlns="4873beb7-5857-4685-be1f-d57550cc96cc" xsi:nil="true"/>
+    <AssetExpire xmlns="4873beb7-5857-4685-be1f-d57550cc96cc">2029-05-12T07:00:00+00:00</AssetExpire>
+    <DSATActionTaken xmlns="4873beb7-5857-4685-be1f-d57550cc96cc" xsi:nil="true"/>
+    <CSXSubmissionMarket xmlns="4873beb7-5857-4685-be1f-d57550cc96cc" xsi:nil="true"/>
+    <LocMarketGroupTiers2 xmlns="4873beb7-5857-4685-be1f-d57550cc96cc" xsi:nil="true"/>
+  </documentManagement>
+</p:properties>
+</file>
+
+<file path=customXml/item3.xml><?xml version="1.0" encoding="utf-8"?>
+<?mso-contentType ?>
+<FormTemplates xmlns="http://schemas.microsoft.com/sharepoint/v3/contenttype/forms">
+  <Display>DocumentLibraryForm</Display>
+  <Edit>AssetEditForm</Edit>
+  <New>DocumentLibraryForm</New>
+</FormTemplates>
+</file>
+
 <file path=customXml/itemProps1.xml><?xml version="1.0" encoding="utf-8"?>
-<ds:datastoreItem xmlns:ds="http://schemas.openxmlformats.org/officeDocument/2006/customXml" ds:itemID="{3836F65B-1B07-41EE-A0E8-BC6EF3855225}">
+<ds:datastoreItem xmlns:ds="http://schemas.openxmlformats.org/officeDocument/2006/customXml" ds:itemID="{A09BF4D4-EF60-4196-BFC3-9462D607978C}">
   <ds:schemaRefs>
-    <ds:schemaRef ds:uri="http://schemas.microsoft.com/sharepoint/v3/contenttype/forms"/>
+    <ds:schemaRef ds:uri="http://schemas.microsoft.com/office/2006/metadata/contentType"/>
+    <ds:schemaRef ds:uri="http://schemas.microsoft.com/office/2006/metadata/properties/metaAttributes"/>
+    <ds:schemaRef ds:uri="http://www.w3.org/2001/XMLSchema"/>
+    <ds:schemaRef ds:uri="http://schemas.microsoft.com/office/2006/metadata/properties"/>
+    <ds:schemaRef ds:uri="4873beb7-5857-4685-be1f-d57550cc96cc"/>
+    <ds:schemaRef ds:uri="http://schemas.microsoft.com/office/2006/documentManagement/types"/>
+    <ds:schemaRef ds:uri="http://schemas.microsoft.com/office/infopath/2007/PartnerControls"/>
+    <ds:schemaRef ds:uri="http://schemas.openxmlformats.org/package/2006/metadata/core-properties"/>
+    <ds:schemaRef ds:uri="http://purl.org/dc/elements/1.1/"/>
+    <ds:schemaRef ds:uri="http://purl.org/dc/terms/"/>
+    <ds:schemaRef ds:uri="http://schemas.microsoft.com/internal/obd"/>
   </ds:schemaRefs>
 </ds:datastoreItem>
 </file>
@@ -19406,19 +22295,9 @@
 </file>
 
 <file path=customXml/itemProps3.xml><?xml version="1.0" encoding="utf-8"?>
-<ds:datastoreItem xmlns:ds="http://schemas.openxmlformats.org/officeDocument/2006/customXml" ds:itemID="{A09BF4D4-EF60-4196-BFC3-9462D607978C}">
+<ds:datastoreItem xmlns:ds="http://schemas.openxmlformats.org/officeDocument/2006/customXml" ds:itemID="{3836F65B-1B07-41EE-A0E8-BC6EF3855225}">
   <ds:schemaRefs>
-    <ds:schemaRef ds:uri="http://schemas.microsoft.com/office/2006/metadata/contentType"/>
-    <ds:schemaRef ds:uri="http://schemas.microsoft.com/office/2006/metadata/properties/metaAttributes"/>
-    <ds:schemaRef ds:uri="http://www.w3.org/2001/XMLSchema"/>
-    <ds:schemaRef ds:uri="http://schemas.microsoft.com/office/2006/metadata/properties"/>
-    <ds:schemaRef ds:uri="4873beb7-5857-4685-be1f-d57550cc96cc"/>
-    <ds:schemaRef ds:uri="http://schemas.microsoft.com/office/2006/documentManagement/types"/>
-    <ds:schemaRef ds:uri="http://schemas.microsoft.com/office/infopath/2007/PartnerControls"/>
-    <ds:schemaRef ds:uri="http://schemas.openxmlformats.org/package/2006/metadata/core-properties"/>
-    <ds:schemaRef ds:uri="http://purl.org/dc/elements/1.1/"/>
-    <ds:schemaRef ds:uri="http://purl.org/dc/terms/"/>
-    <ds:schemaRef ds:uri="http://schemas.microsoft.com/internal/obd"/>
+    <ds:schemaRef ds:uri="http://schemas.microsoft.com/sharepoint/v3/contenttype/forms"/>
   </ds:schemaRefs>
 </ds:datastoreItem>
 </file>
--- a/documentazione/presentazione.pptx
+++ b/documentazione/presentazione.pptx
@@ -5,10 +5,10 @@
     <p:sldMasterId id="2147483660" r:id="rId4"/>
   </p:sldMasterIdLst>
   <p:notesMasterIdLst>
-    <p:notesMasterId r:id="rId23"/>
+    <p:notesMasterId r:id="rId25"/>
   </p:notesMasterIdLst>
   <p:handoutMasterIdLst>
-    <p:handoutMasterId r:id="rId24"/>
+    <p:handoutMasterId r:id="rId26"/>
   </p:handoutMasterIdLst>
   <p:sldIdLst>
     <p:sldId id="257" r:id="rId5"/>
@@ -29,6 +29,8 @@
     <p:sldId id="284" r:id="rId20"/>
     <p:sldId id="285" r:id="rId21"/>
     <p:sldId id="287" r:id="rId22"/>
+    <p:sldId id="293" r:id="rId23"/>
+    <p:sldId id="294" r:id="rId24"/>
   </p:sldIdLst>
   <p:sldSz cx="12188825" cy="6858000"/>
   <p:notesSz cx="6858000" cy="9144000"/>
@@ -881,6 +883,898 @@
           </a:p>
         </c:txPr>
         <c:crossAx val="1936459583"/>
+        <c:crosses val="autoZero"/>
+        <c:crossBetween val="between"/>
+      </c:valAx>
+      <c:spPr>
+        <a:noFill/>
+        <a:ln>
+          <a:noFill/>
+        </a:ln>
+        <a:effectLst/>
+      </c:spPr>
+    </c:plotArea>
+    <c:legend>
+      <c:legendPos val="r"/>
+      <c:overlay val="0"/>
+      <c:spPr>
+        <a:noFill/>
+        <a:ln>
+          <a:noFill/>
+        </a:ln>
+        <a:effectLst/>
+      </c:spPr>
+      <c:txPr>
+        <a:bodyPr rot="0" spcFirstLastPara="1" vertOverflow="ellipsis" vert="horz" wrap="square" anchor="ctr" anchorCtr="1"/>
+        <a:lstStyle/>
+        <a:p>
+          <a:pPr>
+            <a:defRPr sz="1600" b="0" i="0" u="none" strike="noStrike" kern="1200" baseline="0">
+              <a:solidFill>
+                <a:schemeClr val="tx1">
+                  <a:lumMod val="65000"/>
+                  <a:lumOff val="35000"/>
+                </a:schemeClr>
+              </a:solidFill>
+              <a:latin typeface="+mn-lt"/>
+              <a:ea typeface="+mn-ea"/>
+              <a:cs typeface="+mn-cs"/>
+            </a:defRPr>
+          </a:pPr>
+          <a:endParaRPr lang="it-IT"/>
+        </a:p>
+      </c:txPr>
+    </c:legend>
+    <c:plotVisOnly val="1"/>
+    <c:dispBlanksAs val="gap"/>
+    <c:extLst>
+      <c:ext xmlns:c16r3="http://schemas.microsoft.com/office/drawing/2017/03/chart" uri="{56B9EC1D-385E-4148-901F-78D8002777C0}">
+        <c16r3:dataDisplayOptions16>
+          <c16r3:dispNaAsBlank val="1"/>
+        </c16r3:dataDisplayOptions16>
+      </c:ext>
+    </c:extLst>
+    <c:showDLblsOverMax val="0"/>
+  </c:chart>
+  <c:spPr>
+    <a:noFill/>
+    <a:ln>
+      <a:noFill/>
+    </a:ln>
+    <a:effectLst/>
+  </c:spPr>
+  <c:txPr>
+    <a:bodyPr/>
+    <a:lstStyle/>
+    <a:p>
+      <a:pPr>
+        <a:defRPr sz="1600"/>
+      </a:pPr>
+      <a:endParaRPr lang="it-IT"/>
+    </a:p>
+  </c:txPr>
+  <c:externalData r:id="rId3">
+    <c:autoUpdate val="0"/>
+  </c:externalData>
+</c:chartSpace>
+</file>
+
+<file path=ppt/charts/chart10.xml><?xml version="1.0" encoding="utf-8"?>
+<c:chartSpace xmlns:c="http://schemas.openxmlformats.org/drawingml/2006/chart" xmlns:a="http://schemas.openxmlformats.org/drawingml/2006/main" xmlns:r="http://schemas.openxmlformats.org/officeDocument/2006/relationships" xmlns:c16r2="http://schemas.microsoft.com/office/drawing/2015/06/chart">
+  <c:date1904 val="0"/>
+  <c:lang val="en-US"/>
+  <c:roundedCorners val="0"/>
+  <mc:AlternateContent xmlns:mc="http://schemas.openxmlformats.org/markup-compatibility/2006">
+    <mc:Choice xmlns:c14="http://schemas.microsoft.com/office/drawing/2007/8/2/chart" Requires="c14">
+      <c14:style val="102"/>
+    </mc:Choice>
+    <mc:Fallback>
+      <c:style val="2"/>
+    </mc:Fallback>
+  </mc:AlternateContent>
+  <c:chart>
+    <c:title>
+      <c:tx>
+        <c:rich>
+          <a:bodyPr rot="0" spcFirstLastPara="1" vertOverflow="ellipsis" vert="horz" wrap="square" anchor="ctr" anchorCtr="1"/>
+          <a:lstStyle/>
+          <a:p>
+            <a:pPr>
+              <a:defRPr sz="1920" b="0" i="0" u="none" strike="noStrike" kern="1200" spc="0" baseline="0">
+                <a:solidFill>
+                  <a:schemeClr val="tx1">
+                    <a:lumMod val="65000"/>
+                    <a:lumOff val="35000"/>
+                  </a:schemeClr>
+                </a:solidFill>
+                <a:latin typeface="+mn-lt"/>
+                <a:ea typeface="+mn-ea"/>
+                <a:cs typeface="+mn-cs"/>
+              </a:defRPr>
+            </a:pPr>
+            <a:r>
+              <a:rPr lang="it-IT"/>
+              <a:t>speedup (128 th/block)</a:t>
+            </a:r>
+          </a:p>
+        </c:rich>
+      </c:tx>
+      <c:overlay val="0"/>
+      <c:spPr>
+        <a:noFill/>
+        <a:ln>
+          <a:noFill/>
+        </a:ln>
+        <a:effectLst/>
+      </c:spPr>
+      <c:txPr>
+        <a:bodyPr rot="0" spcFirstLastPara="1" vertOverflow="ellipsis" vert="horz" wrap="square" anchor="ctr" anchorCtr="1"/>
+        <a:lstStyle/>
+        <a:p>
+          <a:pPr>
+            <a:defRPr sz="1920" b="0" i="0" u="none" strike="noStrike" kern="1200" spc="0" baseline="0">
+              <a:solidFill>
+                <a:schemeClr val="tx1">
+                  <a:lumMod val="65000"/>
+                  <a:lumOff val="35000"/>
+                </a:schemeClr>
+              </a:solidFill>
+              <a:latin typeface="+mn-lt"/>
+              <a:ea typeface="+mn-ea"/>
+              <a:cs typeface="+mn-cs"/>
+            </a:defRPr>
+          </a:pPr>
+          <a:endParaRPr lang="it-IT"/>
+        </a:p>
+      </c:txPr>
+    </c:title>
+    <c:autoTitleDeleted val="0"/>
+    <c:plotArea>
+      <c:layout/>
+      <c:lineChart>
+        <c:grouping val="standard"/>
+        <c:varyColors val="0"/>
+        <c:ser>
+          <c:idx val="4"/>
+          <c:order val="0"/>
+          <c:tx>
+            <c:v>100M</c:v>
+          </c:tx>
+          <c:spPr>
+            <a:ln w="28575" cap="rnd">
+              <a:solidFill>
+                <a:schemeClr val="accent5"/>
+              </a:solidFill>
+              <a:round/>
+            </a:ln>
+            <a:effectLst/>
+          </c:spPr>
+          <c:marker>
+            <c:symbol val="none"/>
+          </c:marker>
+          <c:cat>
+            <c:numRef>
+              <c:f>'results (12)'!$D$57:$D$66</c:f>
+              <c:numCache>
+                <c:formatCode>General</c:formatCode>
+                <c:ptCount val="10"/>
+                <c:pt idx="0">
+                  <c:v>32</c:v>
+                </c:pt>
+                <c:pt idx="1">
+                  <c:v>64</c:v>
+                </c:pt>
+                <c:pt idx="2">
+                  <c:v>128</c:v>
+                </c:pt>
+                <c:pt idx="3">
+                  <c:v>256</c:v>
+                </c:pt>
+                <c:pt idx="4">
+                  <c:v>512</c:v>
+                </c:pt>
+                <c:pt idx="5">
+                  <c:v>1024</c:v>
+                </c:pt>
+                <c:pt idx="6">
+                  <c:v>2048</c:v>
+                </c:pt>
+                <c:pt idx="7">
+                  <c:v>4096</c:v>
+                </c:pt>
+                <c:pt idx="8">
+                  <c:v>8192</c:v>
+                </c:pt>
+                <c:pt idx="9">
+                  <c:v>10240</c:v>
+                </c:pt>
+              </c:numCache>
+            </c:numRef>
+          </c:cat>
+          <c:val>
+            <c:numRef>
+              <c:f>'results (12)'!$G$43:$G$52</c:f>
+              <c:numCache>
+                <c:formatCode>General</c:formatCode>
+                <c:ptCount val="10"/>
+                <c:pt idx="0">
+                  <c:v>1</c:v>
+                </c:pt>
+                <c:pt idx="1">
+                  <c:v>1.9173019267566442</c:v>
+                </c:pt>
+                <c:pt idx="2">
+                  <c:v>3.6021377215579236</c:v>
+                </c:pt>
+                <c:pt idx="3">
+                  <c:v>7.1101441942828245</c:v>
+                </c:pt>
+                <c:pt idx="4">
+                  <c:v>3.1119205921267521</c:v>
+                </c:pt>
+                <c:pt idx="5">
+                  <c:v>1.7343206219918552</c:v>
+                </c:pt>
+                <c:pt idx="6">
+                  <c:v>1.5276753369224627</c:v>
+                </c:pt>
+                <c:pt idx="7">
+                  <c:v>1.786847726579188</c:v>
+                </c:pt>
+                <c:pt idx="8">
+                  <c:v>1.9088899378223922</c:v>
+                </c:pt>
+                <c:pt idx="9">
+                  <c:v>1.9670644224376248</c:v>
+                </c:pt>
+              </c:numCache>
+            </c:numRef>
+          </c:val>
+          <c:smooth val="0"/>
+          <c:extLst>
+            <c:ext xmlns:c16="http://schemas.microsoft.com/office/drawing/2014/chart" uri="{C3380CC4-5D6E-409C-BE32-E72D297353CC}">
+              <c16:uniqueId val="{00000000-ACC3-4780-AEF2-656969601FBB}"/>
+            </c:ext>
+          </c:extLst>
+        </c:ser>
+        <c:ser>
+          <c:idx val="3"/>
+          <c:order val="1"/>
+          <c:tx>
+            <c:v>10M</c:v>
+          </c:tx>
+          <c:spPr>
+            <a:ln w="28575" cap="rnd">
+              <a:solidFill>
+                <a:schemeClr val="accent4"/>
+              </a:solidFill>
+              <a:round/>
+            </a:ln>
+            <a:effectLst/>
+          </c:spPr>
+          <c:marker>
+            <c:symbol val="none"/>
+          </c:marker>
+          <c:cat>
+            <c:numRef>
+              <c:f>'results (12)'!$D$57:$D$66</c:f>
+              <c:numCache>
+                <c:formatCode>General</c:formatCode>
+                <c:ptCount val="10"/>
+                <c:pt idx="0">
+                  <c:v>32</c:v>
+                </c:pt>
+                <c:pt idx="1">
+                  <c:v>64</c:v>
+                </c:pt>
+                <c:pt idx="2">
+                  <c:v>128</c:v>
+                </c:pt>
+                <c:pt idx="3">
+                  <c:v>256</c:v>
+                </c:pt>
+                <c:pt idx="4">
+                  <c:v>512</c:v>
+                </c:pt>
+                <c:pt idx="5">
+                  <c:v>1024</c:v>
+                </c:pt>
+                <c:pt idx="6">
+                  <c:v>2048</c:v>
+                </c:pt>
+                <c:pt idx="7">
+                  <c:v>4096</c:v>
+                </c:pt>
+                <c:pt idx="8">
+                  <c:v>8192</c:v>
+                </c:pt>
+                <c:pt idx="9">
+                  <c:v>10240</c:v>
+                </c:pt>
+              </c:numCache>
+            </c:numRef>
+          </c:cat>
+          <c:val>
+            <c:numRef>
+              <c:f>'results (12)'!$G$33:$G$42</c:f>
+              <c:numCache>
+                <c:formatCode>General</c:formatCode>
+                <c:ptCount val="10"/>
+                <c:pt idx="0">
+                  <c:v>1</c:v>
+                </c:pt>
+                <c:pt idx="1">
+                  <c:v>1.9010533638831544</c:v>
+                </c:pt>
+                <c:pt idx="2">
+                  <c:v>3.5688570901296091</c:v>
+                </c:pt>
+                <c:pt idx="3">
+                  <c:v>6.9804525891989444</c:v>
+                </c:pt>
+                <c:pt idx="4">
+                  <c:v>12.640203127356825</c:v>
+                </c:pt>
+                <c:pt idx="5">
+                  <c:v>15.110049284769802</c:v>
+                </c:pt>
+                <c:pt idx="6">
+                  <c:v>14.3649505742529</c:v>
+                </c:pt>
+                <c:pt idx="7">
+                  <c:v>15.212453104199435</c:v>
+                </c:pt>
+                <c:pt idx="8">
+                  <c:v>10.221214831679948</c:v>
+                </c:pt>
+                <c:pt idx="9">
+                  <c:v>9.9132886435331251</c:v>
+                </c:pt>
+              </c:numCache>
+            </c:numRef>
+          </c:val>
+          <c:smooth val="0"/>
+          <c:extLst>
+            <c:ext xmlns:c16="http://schemas.microsoft.com/office/drawing/2014/chart" uri="{C3380CC4-5D6E-409C-BE32-E72D297353CC}">
+              <c16:uniqueId val="{00000001-ACC3-4780-AEF2-656969601FBB}"/>
+            </c:ext>
+          </c:extLst>
+        </c:ser>
+        <c:ser>
+          <c:idx val="2"/>
+          <c:order val="2"/>
+          <c:tx>
+            <c:v>1M</c:v>
+          </c:tx>
+          <c:spPr>
+            <a:ln w="28575" cap="rnd">
+              <a:solidFill>
+                <a:schemeClr val="accent3"/>
+              </a:solidFill>
+              <a:round/>
+            </a:ln>
+            <a:effectLst/>
+          </c:spPr>
+          <c:marker>
+            <c:symbol val="none"/>
+          </c:marker>
+          <c:cat>
+            <c:numRef>
+              <c:f>'results (12)'!$D$57:$D$66</c:f>
+              <c:numCache>
+                <c:formatCode>General</c:formatCode>
+                <c:ptCount val="10"/>
+                <c:pt idx="0">
+                  <c:v>32</c:v>
+                </c:pt>
+                <c:pt idx="1">
+                  <c:v>64</c:v>
+                </c:pt>
+                <c:pt idx="2">
+                  <c:v>128</c:v>
+                </c:pt>
+                <c:pt idx="3">
+                  <c:v>256</c:v>
+                </c:pt>
+                <c:pt idx="4">
+                  <c:v>512</c:v>
+                </c:pt>
+                <c:pt idx="5">
+                  <c:v>1024</c:v>
+                </c:pt>
+                <c:pt idx="6">
+                  <c:v>2048</c:v>
+                </c:pt>
+                <c:pt idx="7">
+                  <c:v>4096</c:v>
+                </c:pt>
+                <c:pt idx="8">
+                  <c:v>8192</c:v>
+                </c:pt>
+                <c:pt idx="9">
+                  <c:v>10240</c:v>
+                </c:pt>
+              </c:numCache>
+            </c:numRef>
+          </c:cat>
+          <c:val>
+            <c:numRef>
+              <c:f>'results (12)'!$G$23:$G$32</c:f>
+              <c:numCache>
+                <c:formatCode>General</c:formatCode>
+                <c:ptCount val="10"/>
+                <c:pt idx="0">
+                  <c:v>1</c:v>
+                </c:pt>
+                <c:pt idx="1">
+                  <c:v>1.9045877659574468</c:v>
+                </c:pt>
+                <c:pt idx="2">
+                  <c:v>3.4080904223676383</c:v>
+                </c:pt>
+                <c:pt idx="3">
+                  <c:v>6.3233995584988936</c:v>
+                </c:pt>
+                <c:pt idx="4">
+                  <c:v>10.511926605504586</c:v>
+                </c:pt>
+                <c:pt idx="5">
+                  <c:v>13.261574074074069</c:v>
+                </c:pt>
+                <c:pt idx="6">
+                  <c:v>14.919270833333327</c:v>
+                </c:pt>
+                <c:pt idx="7">
+                  <c:v>12.400432900432895</c:v>
+                </c:pt>
+                <c:pt idx="8">
+                  <c:v>9.5324459234608963</c:v>
+                </c:pt>
+                <c:pt idx="9">
+                  <c:v>8.6671709531013601</c:v>
+                </c:pt>
+              </c:numCache>
+            </c:numRef>
+          </c:val>
+          <c:smooth val="0"/>
+          <c:extLst>
+            <c:ext xmlns:c16="http://schemas.microsoft.com/office/drawing/2014/chart" uri="{C3380CC4-5D6E-409C-BE32-E72D297353CC}">
+              <c16:uniqueId val="{00000002-ACC3-4780-AEF2-656969601FBB}"/>
+            </c:ext>
+          </c:extLst>
+        </c:ser>
+        <c:ser>
+          <c:idx val="1"/>
+          <c:order val="3"/>
+          <c:tx>
+            <c:v>100k</c:v>
+          </c:tx>
+          <c:spPr>
+            <a:ln w="28575" cap="rnd">
+              <a:solidFill>
+                <a:schemeClr val="accent2"/>
+              </a:solidFill>
+              <a:round/>
+            </a:ln>
+            <a:effectLst/>
+          </c:spPr>
+          <c:marker>
+            <c:symbol val="none"/>
+          </c:marker>
+          <c:cat>
+            <c:numRef>
+              <c:f>'results (12)'!$D$57:$D$66</c:f>
+              <c:numCache>
+                <c:formatCode>General</c:formatCode>
+                <c:ptCount val="10"/>
+                <c:pt idx="0">
+                  <c:v>32</c:v>
+                </c:pt>
+                <c:pt idx="1">
+                  <c:v>64</c:v>
+                </c:pt>
+                <c:pt idx="2">
+                  <c:v>128</c:v>
+                </c:pt>
+                <c:pt idx="3">
+                  <c:v>256</c:v>
+                </c:pt>
+                <c:pt idx="4">
+                  <c:v>512</c:v>
+                </c:pt>
+                <c:pt idx="5">
+                  <c:v>1024</c:v>
+                </c:pt>
+                <c:pt idx="6">
+                  <c:v>2048</c:v>
+                </c:pt>
+                <c:pt idx="7">
+                  <c:v>4096</c:v>
+                </c:pt>
+                <c:pt idx="8">
+                  <c:v>8192</c:v>
+                </c:pt>
+                <c:pt idx="9">
+                  <c:v>10240</c:v>
+                </c:pt>
+              </c:numCache>
+            </c:numRef>
+          </c:cat>
+          <c:val>
+            <c:numRef>
+              <c:f>'results (12)'!$G$13:$G$22</c:f>
+              <c:numCache>
+                <c:formatCode>General</c:formatCode>
+                <c:ptCount val="10"/>
+                <c:pt idx="0">
+                  <c:v>1</c:v>
+                </c:pt>
+                <c:pt idx="1">
+                  <c:v>1.7010489510489517</c:v>
+                </c:pt>
+                <c:pt idx="2">
+                  <c:v>2.6016042780748667</c:v>
+                </c:pt>
+                <c:pt idx="3">
+                  <c:v>4.0041152263374489</c:v>
+                </c:pt>
+                <c:pt idx="4">
+                  <c:v>4.4838709677419359</c:v>
+                </c:pt>
+                <c:pt idx="5">
+                  <c:v>4.6555023923444985</c:v>
+                </c:pt>
+                <c:pt idx="6">
+                  <c:v>3.7423076923076928</c:v>
+                </c:pt>
+                <c:pt idx="7">
+                  <c:v>2.3389423076923084</c:v>
+                </c:pt>
+                <c:pt idx="8">
+                  <c:v>1.2785808147174771</c:v>
+                </c:pt>
+                <c:pt idx="9">
+                  <c:v>1.0135416666666668</c:v>
+                </c:pt>
+              </c:numCache>
+            </c:numRef>
+          </c:val>
+          <c:smooth val="0"/>
+          <c:extLst>
+            <c:ext xmlns:c16="http://schemas.microsoft.com/office/drawing/2014/chart" uri="{C3380CC4-5D6E-409C-BE32-E72D297353CC}">
+              <c16:uniqueId val="{00000003-ACC3-4780-AEF2-656969601FBB}"/>
+            </c:ext>
+          </c:extLst>
+        </c:ser>
+        <c:ser>
+          <c:idx val="0"/>
+          <c:order val="4"/>
+          <c:tx>
+            <c:v>10k</c:v>
+          </c:tx>
+          <c:spPr>
+            <a:ln w="28575" cap="rnd">
+              <a:solidFill>
+                <a:schemeClr val="accent1"/>
+              </a:solidFill>
+              <a:round/>
+            </a:ln>
+            <a:effectLst/>
+          </c:spPr>
+          <c:marker>
+            <c:symbol val="none"/>
+          </c:marker>
+          <c:cat>
+            <c:numRef>
+              <c:f>'results (12)'!$D$57:$D$66</c:f>
+              <c:numCache>
+                <c:formatCode>General</c:formatCode>
+                <c:ptCount val="10"/>
+                <c:pt idx="0">
+                  <c:v>32</c:v>
+                </c:pt>
+                <c:pt idx="1">
+                  <c:v>64</c:v>
+                </c:pt>
+                <c:pt idx="2">
+                  <c:v>128</c:v>
+                </c:pt>
+                <c:pt idx="3">
+                  <c:v>256</c:v>
+                </c:pt>
+                <c:pt idx="4">
+                  <c:v>512</c:v>
+                </c:pt>
+                <c:pt idx="5">
+                  <c:v>1024</c:v>
+                </c:pt>
+                <c:pt idx="6">
+                  <c:v>2048</c:v>
+                </c:pt>
+                <c:pt idx="7">
+                  <c:v>4096</c:v>
+                </c:pt>
+                <c:pt idx="8">
+                  <c:v>8192</c:v>
+                </c:pt>
+                <c:pt idx="9">
+                  <c:v>10240</c:v>
+                </c:pt>
+              </c:numCache>
+            </c:numRef>
+          </c:cat>
+          <c:val>
+            <c:numRef>
+              <c:f>'results (12)'!$G$3:$G$12</c:f>
+              <c:numCache>
+                <c:formatCode>General</c:formatCode>
+                <c:ptCount val="10"/>
+                <c:pt idx="0">
+                  <c:v>1</c:v>
+                </c:pt>
+                <c:pt idx="1">
+                  <c:v>1.3643410852713178</c:v>
+                </c:pt>
+                <c:pt idx="2">
+                  <c:v>1.504273504273504</c:v>
+                </c:pt>
+                <c:pt idx="3">
+                  <c:v>1.3333333333333333</c:v>
+                </c:pt>
+                <c:pt idx="4">
+                  <c:v>1.3134328358208953</c:v>
+                </c:pt>
+                <c:pt idx="5">
+                  <c:v>1.0666666666666664</c:v>
+                </c:pt>
+                <c:pt idx="6">
+                  <c:v>0.6875</c:v>
+                </c:pt>
+                <c:pt idx="7">
+                  <c:v>0.43456790123456784</c:v>
+                </c:pt>
+                <c:pt idx="8">
+                  <c:v>0.22797927461139894</c:v>
+                </c:pt>
+                <c:pt idx="9">
+                  <c:v>0.5116279069767441</c:v>
+                </c:pt>
+              </c:numCache>
+            </c:numRef>
+          </c:val>
+          <c:smooth val="0"/>
+          <c:extLst>
+            <c:ext xmlns:c16="http://schemas.microsoft.com/office/drawing/2014/chart" uri="{C3380CC4-5D6E-409C-BE32-E72D297353CC}">
+              <c16:uniqueId val="{00000004-ACC3-4780-AEF2-656969601FBB}"/>
+            </c:ext>
+          </c:extLst>
+        </c:ser>
+        <c:dLbls>
+          <c:showLegendKey val="0"/>
+          <c:showVal val="0"/>
+          <c:showCatName val="0"/>
+          <c:showSerName val="0"/>
+          <c:showPercent val="0"/>
+          <c:showBubbleSize val="0"/>
+        </c:dLbls>
+        <c:smooth val="0"/>
+        <c:axId val="1108871408"/>
+        <c:axId val="1347960512"/>
+      </c:lineChart>
+      <c:catAx>
+        <c:axId val="1108871408"/>
+        <c:scaling>
+          <c:orientation val="minMax"/>
+        </c:scaling>
+        <c:delete val="0"/>
+        <c:axPos val="b"/>
+        <c:title>
+          <c:tx>
+            <c:rich>
+              <a:bodyPr rot="0" spcFirstLastPara="1" vertOverflow="ellipsis" vert="horz" wrap="square" anchor="ctr" anchorCtr="1"/>
+              <a:lstStyle/>
+              <a:p>
+                <a:pPr>
+                  <a:defRPr sz="1600" b="0" i="0" u="none" strike="noStrike" kern="1200" baseline="0">
+                    <a:solidFill>
+                      <a:schemeClr val="tx1">
+                        <a:lumMod val="65000"/>
+                        <a:lumOff val="35000"/>
+                      </a:schemeClr>
+                    </a:solidFill>
+                    <a:latin typeface="+mn-lt"/>
+                    <a:ea typeface="+mn-ea"/>
+                    <a:cs typeface="+mn-cs"/>
+                  </a:defRPr>
+                </a:pPr>
+                <a:r>
+                  <a:rPr lang="it-IT"/>
+                  <a:t>threads</a:t>
+                </a:r>
+              </a:p>
+            </c:rich>
+          </c:tx>
+          <c:overlay val="0"/>
+          <c:spPr>
+            <a:noFill/>
+            <a:ln>
+              <a:noFill/>
+            </a:ln>
+            <a:effectLst/>
+          </c:spPr>
+          <c:txPr>
+            <a:bodyPr rot="0" spcFirstLastPara="1" vertOverflow="ellipsis" vert="horz" wrap="square" anchor="ctr" anchorCtr="1"/>
+            <a:lstStyle/>
+            <a:p>
+              <a:pPr>
+                <a:defRPr sz="1600" b="0" i="0" u="none" strike="noStrike" kern="1200" baseline="0">
+                  <a:solidFill>
+                    <a:schemeClr val="tx1">
+                      <a:lumMod val="65000"/>
+                      <a:lumOff val="35000"/>
+                    </a:schemeClr>
+                  </a:solidFill>
+                  <a:latin typeface="+mn-lt"/>
+                  <a:ea typeface="+mn-ea"/>
+                  <a:cs typeface="+mn-cs"/>
+                </a:defRPr>
+              </a:pPr>
+              <a:endParaRPr lang="it-IT"/>
+            </a:p>
+          </c:txPr>
+        </c:title>
+        <c:numFmt formatCode="General" sourceLinked="1"/>
+        <c:majorTickMark val="none"/>
+        <c:minorTickMark val="none"/>
+        <c:tickLblPos val="nextTo"/>
+        <c:spPr>
+          <a:noFill/>
+          <a:ln w="9525" cap="flat" cmpd="sng" algn="ctr">
+            <a:solidFill>
+              <a:schemeClr val="tx1">
+                <a:lumMod val="15000"/>
+                <a:lumOff val="85000"/>
+              </a:schemeClr>
+            </a:solidFill>
+            <a:round/>
+          </a:ln>
+          <a:effectLst/>
+        </c:spPr>
+        <c:txPr>
+          <a:bodyPr rot="-60000000" spcFirstLastPara="1" vertOverflow="ellipsis" vert="horz" wrap="square" anchor="ctr" anchorCtr="1"/>
+          <a:lstStyle/>
+          <a:p>
+            <a:pPr>
+              <a:defRPr sz="1600" b="0" i="0" u="none" strike="noStrike" kern="1200" baseline="0">
+                <a:solidFill>
+                  <a:schemeClr val="tx1">
+                    <a:lumMod val="65000"/>
+                    <a:lumOff val="35000"/>
+                  </a:schemeClr>
+                </a:solidFill>
+                <a:latin typeface="+mn-lt"/>
+                <a:ea typeface="+mn-ea"/>
+                <a:cs typeface="+mn-cs"/>
+              </a:defRPr>
+            </a:pPr>
+            <a:endParaRPr lang="it-IT"/>
+          </a:p>
+        </c:txPr>
+        <c:crossAx val="1347960512"/>
+        <c:crosses val="autoZero"/>
+        <c:auto val="1"/>
+        <c:lblAlgn val="ctr"/>
+        <c:lblOffset val="100"/>
+        <c:noMultiLvlLbl val="0"/>
+      </c:catAx>
+      <c:valAx>
+        <c:axId val="1347960512"/>
+        <c:scaling>
+          <c:orientation val="minMax"/>
+        </c:scaling>
+        <c:delete val="0"/>
+        <c:axPos val="l"/>
+        <c:majorGridlines>
+          <c:spPr>
+            <a:ln w="9525" cap="flat" cmpd="sng" algn="ctr">
+              <a:solidFill>
+                <a:schemeClr val="tx1">
+                  <a:lumMod val="15000"/>
+                  <a:lumOff val="85000"/>
+                </a:schemeClr>
+              </a:solidFill>
+              <a:round/>
+            </a:ln>
+            <a:effectLst/>
+          </c:spPr>
+        </c:majorGridlines>
+        <c:title>
+          <c:tx>
+            <c:rich>
+              <a:bodyPr rot="-5400000" spcFirstLastPara="1" vertOverflow="ellipsis" vert="horz" wrap="square" anchor="ctr" anchorCtr="1"/>
+              <a:lstStyle/>
+              <a:p>
+                <a:pPr>
+                  <a:defRPr sz="1600" b="0" i="0" u="none" strike="noStrike" kern="1200" baseline="0">
+                    <a:solidFill>
+                      <a:schemeClr val="tx1">
+                        <a:lumMod val="65000"/>
+                        <a:lumOff val="35000"/>
+                      </a:schemeClr>
+                    </a:solidFill>
+                    <a:latin typeface="+mn-lt"/>
+                    <a:ea typeface="+mn-ea"/>
+                    <a:cs typeface="+mn-cs"/>
+                  </a:defRPr>
+                </a:pPr>
+                <a:r>
+                  <a:rPr lang="it-IT"/>
+                  <a:t>speedup</a:t>
+                </a:r>
+              </a:p>
+            </c:rich>
+          </c:tx>
+          <c:overlay val="0"/>
+          <c:spPr>
+            <a:noFill/>
+            <a:ln>
+              <a:noFill/>
+            </a:ln>
+            <a:effectLst/>
+          </c:spPr>
+          <c:txPr>
+            <a:bodyPr rot="-5400000" spcFirstLastPara="1" vertOverflow="ellipsis" vert="horz" wrap="square" anchor="ctr" anchorCtr="1"/>
+            <a:lstStyle/>
+            <a:p>
+              <a:pPr>
+                <a:defRPr sz="1600" b="0" i="0" u="none" strike="noStrike" kern="1200" baseline="0">
+                  <a:solidFill>
+                    <a:schemeClr val="tx1">
+                      <a:lumMod val="65000"/>
+                      <a:lumOff val="35000"/>
+                    </a:schemeClr>
+                  </a:solidFill>
+                  <a:latin typeface="+mn-lt"/>
+                  <a:ea typeface="+mn-ea"/>
+                  <a:cs typeface="+mn-cs"/>
+                </a:defRPr>
+              </a:pPr>
+              <a:endParaRPr lang="it-IT"/>
+            </a:p>
+          </c:txPr>
+        </c:title>
+        <c:numFmt formatCode="General" sourceLinked="1"/>
+        <c:majorTickMark val="none"/>
+        <c:minorTickMark val="none"/>
+        <c:tickLblPos val="nextTo"/>
+        <c:spPr>
+          <a:noFill/>
+          <a:ln>
+            <a:noFill/>
+          </a:ln>
+          <a:effectLst/>
+        </c:spPr>
+        <c:txPr>
+          <a:bodyPr rot="-60000000" spcFirstLastPara="1" vertOverflow="ellipsis" vert="horz" wrap="square" anchor="ctr" anchorCtr="1"/>
+          <a:lstStyle/>
+          <a:p>
+            <a:pPr>
+              <a:defRPr sz="1600" b="0" i="0" u="none" strike="noStrike" kern="1200" baseline="0">
+                <a:solidFill>
+                  <a:schemeClr val="tx1">
+                    <a:lumMod val="65000"/>
+                    <a:lumOff val="35000"/>
+                  </a:schemeClr>
+                </a:solidFill>
+                <a:latin typeface="+mn-lt"/>
+                <a:ea typeface="+mn-ea"/>
+                <a:cs typeface="+mn-cs"/>
+              </a:defRPr>
+            </a:pPr>
+            <a:endParaRPr lang="it-IT"/>
+          </a:p>
+        </c:txPr>
+        <c:crossAx val="1108871408"/>
         <c:crosses val="autoZero"/>
         <c:crossBetween val="between"/>
       </c:valAx>
@@ -6413,7 +7307,1425 @@
 </c:chartSpace>
 </file>
 
+<file path=ppt/charts/chart9.xml><?xml version="1.0" encoding="utf-8"?>
+<c:chartSpace xmlns:c="http://schemas.openxmlformats.org/drawingml/2006/chart" xmlns:a="http://schemas.openxmlformats.org/drawingml/2006/main" xmlns:r="http://schemas.openxmlformats.org/officeDocument/2006/relationships" xmlns:c16r2="http://schemas.microsoft.com/office/drawing/2015/06/chart">
+  <c:date1904 val="0"/>
+  <c:lang val="en-US"/>
+  <c:roundedCorners val="0"/>
+  <mc:AlternateContent xmlns:mc="http://schemas.openxmlformats.org/markup-compatibility/2006">
+    <mc:Choice xmlns:c14="http://schemas.microsoft.com/office/drawing/2007/8/2/chart" Requires="c14">
+      <c14:style val="102"/>
+    </mc:Choice>
+    <mc:Fallback>
+      <c:style val="2"/>
+    </mc:Fallback>
+  </mc:AlternateContent>
+  <c:chart>
+    <c:title>
+      <c:tx>
+        <c:rich>
+          <a:bodyPr rot="0" spcFirstLastPara="1" vertOverflow="ellipsis" vert="horz" wrap="square" anchor="ctr" anchorCtr="1"/>
+          <a:lstStyle/>
+          <a:p>
+            <a:pPr>
+              <a:defRPr sz="1920" b="0" i="0" u="none" strike="noStrike" kern="1200" spc="0" baseline="0">
+                <a:solidFill>
+                  <a:schemeClr val="tx1">
+                    <a:lumMod val="65000"/>
+                    <a:lumOff val="35000"/>
+                  </a:schemeClr>
+                </a:solidFill>
+                <a:latin typeface="+mn-lt"/>
+                <a:ea typeface="+mn-ea"/>
+                <a:cs typeface="+mn-cs"/>
+              </a:defRPr>
+            </a:pPr>
+            <a:r>
+              <a:rPr lang="it-IT"/>
+              <a:t>execution time (128 th/block)</a:t>
+            </a:r>
+          </a:p>
+        </c:rich>
+      </c:tx>
+      <c:overlay val="0"/>
+      <c:spPr>
+        <a:noFill/>
+        <a:ln>
+          <a:noFill/>
+        </a:ln>
+        <a:effectLst/>
+      </c:spPr>
+      <c:txPr>
+        <a:bodyPr rot="0" spcFirstLastPara="1" vertOverflow="ellipsis" vert="horz" wrap="square" anchor="ctr" anchorCtr="1"/>
+        <a:lstStyle/>
+        <a:p>
+          <a:pPr>
+            <a:defRPr sz="1920" b="0" i="0" u="none" strike="noStrike" kern="1200" spc="0" baseline="0">
+              <a:solidFill>
+                <a:schemeClr val="tx1">
+                  <a:lumMod val="65000"/>
+                  <a:lumOff val="35000"/>
+                </a:schemeClr>
+              </a:solidFill>
+              <a:latin typeface="+mn-lt"/>
+              <a:ea typeface="+mn-ea"/>
+              <a:cs typeface="+mn-cs"/>
+            </a:defRPr>
+          </a:pPr>
+          <a:endParaRPr lang="it-IT"/>
+        </a:p>
+      </c:txPr>
+    </c:title>
+    <c:autoTitleDeleted val="0"/>
+    <c:plotArea>
+      <c:layout/>
+      <c:lineChart>
+        <c:grouping val="standard"/>
+        <c:varyColors val="0"/>
+        <c:ser>
+          <c:idx val="4"/>
+          <c:order val="0"/>
+          <c:tx>
+            <c:v>100M</c:v>
+          </c:tx>
+          <c:spPr>
+            <a:ln w="28575" cap="rnd">
+              <a:solidFill>
+                <a:schemeClr val="accent5"/>
+              </a:solidFill>
+              <a:round/>
+            </a:ln>
+            <a:effectLst/>
+          </c:spPr>
+          <c:marker>
+            <c:symbol val="none"/>
+          </c:marker>
+          <c:errBars>
+            <c:errDir val="y"/>
+            <c:errBarType val="both"/>
+            <c:errValType val="cust"/>
+            <c:noEndCap val="0"/>
+            <c:plus>
+              <c:numRef>
+                <c:f>'results (12)'!$L$43:$L$52</c:f>
+                <c:numCache>
+                  <c:formatCode>General</c:formatCode>
+                  <c:ptCount val="10"/>
+                  <c:pt idx="0">
+                    <c:v>8.8900538768252896E-3</c:v>
+                  </c:pt>
+                  <c:pt idx="1">
+                    <c:v>1.1445969940046081E-2</c:v>
+                  </c:pt>
+                  <c:pt idx="2">
+                    <c:v>3.2754700531488377E-3</c:v>
+                  </c:pt>
+                  <c:pt idx="3">
+                    <c:v>1.360387133164245E-3</c:v>
+                  </c:pt>
+                  <c:pt idx="4">
+                    <c:v>1.2187097195258213E-2</c:v>
+                  </c:pt>
+                  <c:pt idx="5">
+                    <c:v>9.4379761306005693E-3</c:v>
+                  </c:pt>
+                  <c:pt idx="6">
+                    <c:v>6.2189914417673797E-3</c:v>
+                  </c:pt>
+                  <c:pt idx="7">
+                    <c:v>9.7146331962034607E-2</c:v>
+                  </c:pt>
+                  <c:pt idx="8">
+                    <c:v>1.0308854746476113E-2</c:v>
+                  </c:pt>
+                  <c:pt idx="9">
+                    <c:v>1.0918078287076171E-2</c:v>
+                  </c:pt>
+                </c:numCache>
+              </c:numRef>
+            </c:plus>
+            <c:minus>
+              <c:numRef>
+                <c:f>'results (12)'!$L$43:$L$52</c:f>
+                <c:numCache>
+                  <c:formatCode>General</c:formatCode>
+                  <c:ptCount val="10"/>
+                  <c:pt idx="0">
+                    <c:v>8.8900538768252896E-3</c:v>
+                  </c:pt>
+                  <c:pt idx="1">
+                    <c:v>1.1445969940046081E-2</c:v>
+                  </c:pt>
+                  <c:pt idx="2">
+                    <c:v>3.2754700531488377E-3</c:v>
+                  </c:pt>
+                  <c:pt idx="3">
+                    <c:v>1.360387133164245E-3</c:v>
+                  </c:pt>
+                  <c:pt idx="4">
+                    <c:v>1.2187097195258213E-2</c:v>
+                  </c:pt>
+                  <c:pt idx="5">
+                    <c:v>9.4379761306005693E-3</c:v>
+                  </c:pt>
+                  <c:pt idx="6">
+                    <c:v>6.2189914417673797E-3</c:v>
+                  </c:pt>
+                  <c:pt idx="7">
+                    <c:v>9.7146331962034607E-2</c:v>
+                  </c:pt>
+                  <c:pt idx="8">
+                    <c:v>1.0308854746476113E-2</c:v>
+                  </c:pt>
+                  <c:pt idx="9">
+                    <c:v>1.0918078287076171E-2</c:v>
+                  </c:pt>
+                </c:numCache>
+              </c:numRef>
+            </c:minus>
+            <c:spPr>
+              <a:noFill/>
+              <a:ln w="9525" cap="flat" cmpd="sng" algn="ctr">
+                <a:solidFill>
+                  <a:schemeClr val="tx1">
+                    <a:lumMod val="65000"/>
+                    <a:lumOff val="35000"/>
+                  </a:schemeClr>
+                </a:solidFill>
+                <a:round/>
+              </a:ln>
+              <a:effectLst/>
+            </c:spPr>
+          </c:errBars>
+          <c:cat>
+            <c:numRef>
+              <c:f>'results (12)'!$D$57:$D$66</c:f>
+              <c:numCache>
+                <c:formatCode>General</c:formatCode>
+                <c:ptCount val="10"/>
+                <c:pt idx="0">
+                  <c:v>32</c:v>
+                </c:pt>
+                <c:pt idx="1">
+                  <c:v>64</c:v>
+                </c:pt>
+                <c:pt idx="2">
+                  <c:v>128</c:v>
+                </c:pt>
+                <c:pt idx="3">
+                  <c:v>256</c:v>
+                </c:pt>
+                <c:pt idx="4">
+                  <c:v>512</c:v>
+                </c:pt>
+                <c:pt idx="5">
+                  <c:v>1024</c:v>
+                </c:pt>
+                <c:pt idx="6">
+                  <c:v>2048</c:v>
+                </c:pt>
+                <c:pt idx="7">
+                  <c:v>4096</c:v>
+                </c:pt>
+                <c:pt idx="8">
+                  <c:v>8192</c:v>
+                </c:pt>
+                <c:pt idx="9">
+                  <c:v>10240</c:v>
+                </c:pt>
+              </c:numCache>
+            </c:numRef>
+          </c:cat>
+          <c:val>
+            <c:numRef>
+              <c:f>'results (12)'!$E$43:$E$52</c:f>
+              <c:numCache>
+                <c:formatCode>General</c:formatCode>
+                <c:ptCount val="10"/>
+                <c:pt idx="0">
+                  <c:v>18.737600000000004</c:v>
+                </c:pt>
+                <c:pt idx="1">
+                  <c:v>9.7728999999999981</c:v>
+                </c:pt>
+                <c:pt idx="2">
+                  <c:v>5.2017999999999995</c:v>
+                </c:pt>
+                <c:pt idx="3">
+                  <c:v>2.6353333333333335</c:v>
+                </c:pt>
+                <c:pt idx="4">
+                  <c:v>6.021233333333333</c:v>
+                </c:pt>
+                <c:pt idx="5">
+                  <c:v>10.804</c:v>
+                </c:pt>
+                <c:pt idx="6">
+                  <c:v>12.265433333333332</c:v>
+                </c:pt>
+                <c:pt idx="7">
+                  <c:v>10.486400000000003</c:v>
+                </c:pt>
+                <c:pt idx="8">
+                  <c:v>9.8159666666666645</c:v>
+                </c:pt>
+                <c:pt idx="9">
+                  <c:v>9.5256666666666678</c:v>
+                </c:pt>
+              </c:numCache>
+            </c:numRef>
+          </c:val>
+          <c:smooth val="0"/>
+          <c:extLst>
+            <c:ext xmlns:c16="http://schemas.microsoft.com/office/drawing/2014/chart" uri="{C3380CC4-5D6E-409C-BE32-E72D297353CC}">
+              <c16:uniqueId val="{00000000-6587-458D-B805-59C934F0AC73}"/>
+            </c:ext>
+          </c:extLst>
+        </c:ser>
+        <c:ser>
+          <c:idx val="3"/>
+          <c:order val="1"/>
+          <c:tx>
+            <c:v>10M</c:v>
+          </c:tx>
+          <c:spPr>
+            <a:ln w="28575" cap="rnd">
+              <a:solidFill>
+                <a:schemeClr val="accent4"/>
+              </a:solidFill>
+              <a:round/>
+            </a:ln>
+            <a:effectLst/>
+          </c:spPr>
+          <c:marker>
+            <c:symbol val="none"/>
+          </c:marker>
+          <c:errBars>
+            <c:errDir val="y"/>
+            <c:errBarType val="both"/>
+            <c:errValType val="cust"/>
+            <c:noEndCap val="0"/>
+            <c:plus>
+              <c:numRef>
+                <c:f>'results (12)'!$L$33:$L$42</c:f>
+                <c:numCache>
+                  <c:formatCode>General</c:formatCode>
+                  <c:ptCount val="10"/>
+                  <c:pt idx="0">
+                    <c:v>2.3481000087217881E-3</c:v>
+                  </c:pt>
+                  <c:pt idx="1">
+                    <c:v>1.2083824789908645E-2</c:v>
+                  </c:pt>
+                  <c:pt idx="2">
+                    <c:v>1.9265847861224526E-3</c:v>
+                  </c:pt>
+                  <c:pt idx="3">
+                    <c:v>8.6230273011013068E-4</c:v>
+                  </c:pt>
+                  <c:pt idx="4">
+                    <c:v>1.1148253729985728E-3</c:v>
+                  </c:pt>
+                  <c:pt idx="5">
+                    <c:v>1.7535482286705208E-3</c:v>
+                  </c:pt>
+                  <c:pt idx="6">
+                    <c:v>1.2256143039416111E-3</c:v>
+                  </c:pt>
+                  <c:pt idx="7">
+                    <c:v>5.8884909381575086E-4</c:v>
+                  </c:pt>
+                  <c:pt idx="8">
+                    <c:v>1.5112339362706531E-3</c:v>
+                  </c:pt>
+                  <c:pt idx="9">
+                    <c:v>2.9468345760974932E-3</c:v>
+                  </c:pt>
+                </c:numCache>
+              </c:numRef>
+            </c:plus>
+            <c:minus>
+              <c:numRef>
+                <c:f>'results (12)'!$L$33:$L$42</c:f>
+                <c:numCache>
+                  <c:formatCode>General</c:formatCode>
+                  <c:ptCount val="10"/>
+                  <c:pt idx="0">
+                    <c:v>2.3481000087217881E-3</c:v>
+                  </c:pt>
+                  <c:pt idx="1">
+                    <c:v>1.2083824789908645E-2</c:v>
+                  </c:pt>
+                  <c:pt idx="2">
+                    <c:v>1.9265847861224526E-3</c:v>
+                  </c:pt>
+                  <c:pt idx="3">
+                    <c:v>8.6230273011013068E-4</c:v>
+                  </c:pt>
+                  <c:pt idx="4">
+                    <c:v>1.1148253729985728E-3</c:v>
+                  </c:pt>
+                  <c:pt idx="5">
+                    <c:v>1.7535482286705208E-3</c:v>
+                  </c:pt>
+                  <c:pt idx="6">
+                    <c:v>1.2256143039416111E-3</c:v>
+                  </c:pt>
+                  <c:pt idx="7">
+                    <c:v>5.8884909381575086E-4</c:v>
+                  </c:pt>
+                  <c:pt idx="8">
+                    <c:v>1.5112339362706531E-3</c:v>
+                  </c:pt>
+                  <c:pt idx="9">
+                    <c:v>2.9468345760974932E-3</c:v>
+                  </c:pt>
+                </c:numCache>
+              </c:numRef>
+            </c:minus>
+            <c:spPr>
+              <a:noFill/>
+              <a:ln w="9525" cap="flat" cmpd="sng" algn="ctr">
+                <a:solidFill>
+                  <a:schemeClr val="tx1">
+                    <a:lumMod val="65000"/>
+                    <a:lumOff val="35000"/>
+                  </a:schemeClr>
+                </a:solidFill>
+                <a:round/>
+              </a:ln>
+              <a:effectLst/>
+            </c:spPr>
+          </c:errBars>
+          <c:cat>
+            <c:numRef>
+              <c:f>'results (12)'!$D$57:$D$66</c:f>
+              <c:numCache>
+                <c:formatCode>General</c:formatCode>
+                <c:ptCount val="10"/>
+                <c:pt idx="0">
+                  <c:v>32</c:v>
+                </c:pt>
+                <c:pt idx="1">
+                  <c:v>64</c:v>
+                </c:pt>
+                <c:pt idx="2">
+                  <c:v>128</c:v>
+                </c:pt>
+                <c:pt idx="3">
+                  <c:v>256</c:v>
+                </c:pt>
+                <c:pt idx="4">
+                  <c:v>512</c:v>
+                </c:pt>
+                <c:pt idx="5">
+                  <c:v>1024</c:v>
+                </c:pt>
+                <c:pt idx="6">
+                  <c:v>2048</c:v>
+                </c:pt>
+                <c:pt idx="7">
+                  <c:v>4096</c:v>
+                </c:pt>
+                <c:pt idx="8">
+                  <c:v>8192</c:v>
+                </c:pt>
+                <c:pt idx="9">
+                  <c:v>10240</c:v>
+                </c:pt>
+              </c:numCache>
+            </c:numRef>
+          </c:cat>
+          <c:val>
+            <c:numRef>
+              <c:f>'results (12)'!$E$33:$E$42</c:f>
+              <c:numCache>
+                <c:formatCode>General</c:formatCode>
+                <c:ptCount val="10"/>
+                <c:pt idx="0">
+                  <c:v>8.3800333333333334</c:v>
+                </c:pt>
+                <c:pt idx="1">
+                  <c:v>4.4081000000000001</c:v>
+                </c:pt>
+                <c:pt idx="2">
+                  <c:v>2.3480999999999996</c:v>
+                </c:pt>
+                <c:pt idx="3">
+                  <c:v>1.2005000000000001</c:v>
+                </c:pt>
+                <c:pt idx="4">
+                  <c:v>0.66296666666666693</c:v>
+                </c:pt>
+                <c:pt idx="5">
+                  <c:v>0.55460000000000009</c:v>
+                </c:pt>
+                <c:pt idx="6">
+                  <c:v>0.5833666666666667</c:v>
+                </c:pt>
+                <c:pt idx="7">
+                  <c:v>0.55086666666666695</c:v>
+                </c:pt>
+                <c:pt idx="8">
+                  <c:v>0.81986666666666663</c:v>
+                </c:pt>
+                <c:pt idx="9">
+                  <c:v>0.84533333333333316</c:v>
+                </c:pt>
+              </c:numCache>
+            </c:numRef>
+          </c:val>
+          <c:smooth val="0"/>
+          <c:extLst>
+            <c:ext xmlns:c16="http://schemas.microsoft.com/office/drawing/2014/chart" uri="{C3380CC4-5D6E-409C-BE32-E72D297353CC}">
+              <c16:uniqueId val="{00000001-6587-458D-B805-59C934F0AC73}"/>
+            </c:ext>
+          </c:extLst>
+        </c:ser>
+        <c:ser>
+          <c:idx val="2"/>
+          <c:order val="2"/>
+          <c:tx>
+            <c:v>1M</c:v>
+          </c:tx>
+          <c:spPr>
+            <a:ln w="28575" cap="rnd">
+              <a:solidFill>
+                <a:schemeClr val="accent3"/>
+              </a:solidFill>
+              <a:round/>
+            </a:ln>
+            <a:effectLst/>
+          </c:spPr>
+          <c:marker>
+            <c:symbol val="none"/>
+          </c:marker>
+          <c:errBars>
+            <c:errDir val="y"/>
+            <c:errBarType val="both"/>
+            <c:errValType val="cust"/>
+            <c:noEndCap val="0"/>
+            <c:plus>
+              <c:numRef>
+                <c:f>'results (12)'!$L$23:$L$32</c:f>
+                <c:numCache>
+                  <c:formatCode>General</c:formatCode>
+                  <c:ptCount val="10"/>
+                  <c:pt idx="0">
+                    <c:v>8.5994106125022443E-4</c:v>
+                  </c:pt>
+                  <c:pt idx="1">
+                    <c:v>5.7839532037100229E-4</c:v>
+                  </c:pt>
+                  <c:pt idx="2">
+                    <c:v>7.1463913331143501E-4</c:v>
+                  </c:pt>
+                  <c:pt idx="3">
+                    <c:v>5.2976268262792242E-4</c:v>
+                  </c:pt>
+                  <c:pt idx="4">
+                    <c:v>4.9529105263400308E-4</c:v>
+                  </c:pt>
+                  <c:pt idx="5">
+                    <c:v>3.6217767522849604E-4</c:v>
+                  </c:pt>
+                  <c:pt idx="6">
+                    <c:v>3.3596057119345739E-4</c:v>
+                  </c:pt>
+                  <c:pt idx="7">
+                    <c:v>2.3432773867356087E-4</c:v>
+                  </c:pt>
+                  <c:pt idx="8">
+                    <c:v>3.1446450120943087E-4</c:v>
+                  </c:pt>
+                  <c:pt idx="9">
+                    <c:v>3.5971265511479205E-4</c:v>
+                  </c:pt>
+                </c:numCache>
+              </c:numRef>
+            </c:plus>
+            <c:minus>
+              <c:numRef>
+                <c:f>'results (12)'!$L$23:$L$32</c:f>
+                <c:numCache>
+                  <c:formatCode>General</c:formatCode>
+                  <c:ptCount val="10"/>
+                  <c:pt idx="0">
+                    <c:v>8.5994106125022443E-4</c:v>
+                  </c:pt>
+                  <c:pt idx="1">
+                    <c:v>5.7839532037100229E-4</c:v>
+                  </c:pt>
+                  <c:pt idx="2">
+                    <c:v>7.1463913331143501E-4</c:v>
+                  </c:pt>
+                  <c:pt idx="3">
+                    <c:v>5.2976268262792242E-4</c:v>
+                  </c:pt>
+                  <c:pt idx="4">
+                    <c:v>4.9529105263400308E-4</c:v>
+                  </c:pt>
+                  <c:pt idx="5">
+                    <c:v>3.6217767522849604E-4</c:v>
+                  </c:pt>
+                  <c:pt idx="6">
+                    <c:v>3.3596057119345739E-4</c:v>
+                  </c:pt>
+                  <c:pt idx="7">
+                    <c:v>2.3432773867356087E-4</c:v>
+                  </c:pt>
+                  <c:pt idx="8">
+                    <c:v>3.1446450120943087E-4</c:v>
+                  </c:pt>
+                  <c:pt idx="9">
+                    <c:v>3.5971265511479205E-4</c:v>
+                  </c:pt>
+                </c:numCache>
+              </c:numRef>
+            </c:minus>
+            <c:spPr>
+              <a:noFill/>
+              <a:ln w="9525" cap="flat" cmpd="sng" algn="ctr">
+                <a:solidFill>
+                  <a:schemeClr val="tx1">
+                    <a:lumMod val="65000"/>
+                    <a:lumOff val="35000"/>
+                  </a:schemeClr>
+                </a:solidFill>
+                <a:round/>
+              </a:ln>
+              <a:effectLst/>
+            </c:spPr>
+          </c:errBars>
+          <c:cat>
+            <c:numRef>
+              <c:f>'results (12)'!$D$57:$D$66</c:f>
+              <c:numCache>
+                <c:formatCode>General</c:formatCode>
+                <c:ptCount val="10"/>
+                <c:pt idx="0">
+                  <c:v>32</c:v>
+                </c:pt>
+                <c:pt idx="1">
+                  <c:v>64</c:v>
+                </c:pt>
+                <c:pt idx="2">
+                  <c:v>128</c:v>
+                </c:pt>
+                <c:pt idx="3">
+                  <c:v>256</c:v>
+                </c:pt>
+                <c:pt idx="4">
+                  <c:v>512</c:v>
+                </c:pt>
+                <c:pt idx="5">
+                  <c:v>1024</c:v>
+                </c:pt>
+                <c:pt idx="6">
+                  <c:v>2048</c:v>
+                </c:pt>
+                <c:pt idx="7">
+                  <c:v>4096</c:v>
+                </c:pt>
+                <c:pt idx="8">
+                  <c:v>8192</c:v>
+                </c:pt>
+                <c:pt idx="9">
+                  <c:v>10240</c:v>
+                </c:pt>
+              </c:numCache>
+            </c:numRef>
+          </c:cat>
+          <c:val>
+            <c:numRef>
+              <c:f>'results (12)'!$E$23:$E$32</c:f>
+              <c:numCache>
+                <c:formatCode>General</c:formatCode>
+                <c:ptCount val="10"/>
+                <c:pt idx="0">
+                  <c:v>0.1909666666666667</c:v>
+                </c:pt>
+                <c:pt idx="1">
+                  <c:v>0.10026666666666668</c:v>
+                </c:pt>
+                <c:pt idx="2">
+                  <c:v>5.6033333333333345E-2</c:v>
+                </c:pt>
+                <c:pt idx="3">
+                  <c:v>3.0200000000000018E-2</c:v>
+                </c:pt>
+                <c:pt idx="4">
+                  <c:v>1.8166666666666671E-2</c:v>
+                </c:pt>
+                <c:pt idx="5">
+                  <c:v>1.4400000000000008E-2</c:v>
+                </c:pt>
+                <c:pt idx="6">
+                  <c:v>1.2800000000000008E-2</c:v>
+                </c:pt>
+                <c:pt idx="7">
+                  <c:v>1.5400000000000009E-2</c:v>
+                </c:pt>
+                <c:pt idx="8">
+                  <c:v>2.003333333333334E-2</c:v>
+                </c:pt>
+                <c:pt idx="9">
+                  <c:v>2.2033333333333342E-2</c:v>
+                </c:pt>
+              </c:numCache>
+            </c:numRef>
+          </c:val>
+          <c:smooth val="0"/>
+          <c:extLst>
+            <c:ext xmlns:c16="http://schemas.microsoft.com/office/drawing/2014/chart" uri="{C3380CC4-5D6E-409C-BE32-E72D297353CC}">
+              <c16:uniqueId val="{00000002-6587-458D-B805-59C934F0AC73}"/>
+            </c:ext>
+          </c:extLst>
+        </c:ser>
+        <c:ser>
+          <c:idx val="1"/>
+          <c:order val="3"/>
+          <c:tx>
+            <c:v>100k</c:v>
+          </c:tx>
+          <c:spPr>
+            <a:ln w="28575" cap="rnd">
+              <a:solidFill>
+                <a:schemeClr val="accent2"/>
+              </a:solidFill>
+              <a:round/>
+            </a:ln>
+            <a:effectLst/>
+          </c:spPr>
+          <c:marker>
+            <c:symbol val="none"/>
+          </c:marker>
+          <c:errBars>
+            <c:errDir val="y"/>
+            <c:errBarType val="both"/>
+            <c:errValType val="cust"/>
+            <c:noEndCap val="0"/>
+            <c:plus>
+              <c:numRef>
+                <c:f>'results (12)'!$L$13:$L$22</c:f>
+                <c:numCache>
+                  <c:formatCode>General</c:formatCode>
+                  <c:ptCount val="10"/>
+                  <c:pt idx="0">
+                    <c:v>2.6726985981349578E-4</c:v>
+                  </c:pt>
+                  <c:pt idx="1">
+                    <c:v>4.6099898016244319E-4</c:v>
+                  </c:pt>
+                  <c:pt idx="2">
+                    <c:v>3.2047009452838273E-4</c:v>
+                  </c:pt>
+                  <c:pt idx="3">
+                    <c:v>3.9732201197101264E-4</c:v>
+                  </c:pt>
+                  <c:pt idx="4">
+                    <c:v>5.4792583068445752E-4</c:v>
+                  </c:pt>
+                  <c:pt idx="5">
+                    <c:v>3.8032332312679237E-4</c:v>
+                  </c:pt>
+                  <c:pt idx="6">
+                    <c:v>3.970019780793937E-4</c:v>
+                  </c:pt>
+                  <c:pt idx="7">
+                    <c:v>4.5767841607174454E-4</c:v>
+                  </c:pt>
+                  <c:pt idx="8">
+                    <c:v>6.2344847737783732E-4</c:v>
+                  </c:pt>
+                  <c:pt idx="9">
+                    <c:v>1.2952953119213947E-3</c:v>
+                  </c:pt>
+                </c:numCache>
+              </c:numRef>
+            </c:plus>
+            <c:minus>
+              <c:numRef>
+                <c:f>'results (12)'!$L$13:$L$22</c:f>
+                <c:numCache>
+                  <c:formatCode>General</c:formatCode>
+                  <c:ptCount val="10"/>
+                  <c:pt idx="0">
+                    <c:v>2.6726985981349578E-4</c:v>
+                  </c:pt>
+                  <c:pt idx="1">
+                    <c:v>4.6099898016244319E-4</c:v>
+                  </c:pt>
+                  <c:pt idx="2">
+                    <c:v>3.2047009452838273E-4</c:v>
+                  </c:pt>
+                  <c:pt idx="3">
+                    <c:v>3.9732201197101264E-4</c:v>
+                  </c:pt>
+                  <c:pt idx="4">
+                    <c:v>5.4792583068445752E-4</c:v>
+                  </c:pt>
+                  <c:pt idx="5">
+                    <c:v>3.8032332312679237E-4</c:v>
+                  </c:pt>
+                  <c:pt idx="6">
+                    <c:v>3.970019780793937E-4</c:v>
+                  </c:pt>
+                  <c:pt idx="7">
+                    <c:v>4.5767841607174454E-4</c:v>
+                  </c:pt>
+                  <c:pt idx="8">
+                    <c:v>6.2344847737783732E-4</c:v>
+                  </c:pt>
+                  <c:pt idx="9">
+                    <c:v>1.2952953119213947E-3</c:v>
+                  </c:pt>
+                </c:numCache>
+              </c:numRef>
+            </c:minus>
+            <c:spPr>
+              <a:noFill/>
+              <a:ln w="9525" cap="flat" cmpd="sng" algn="ctr">
+                <a:solidFill>
+                  <a:schemeClr val="tx1">
+                    <a:lumMod val="65000"/>
+                    <a:lumOff val="35000"/>
+                  </a:schemeClr>
+                </a:solidFill>
+                <a:round/>
+              </a:ln>
+              <a:effectLst/>
+            </c:spPr>
+          </c:errBars>
+          <c:cat>
+            <c:numRef>
+              <c:f>'results (12)'!$D$57:$D$66</c:f>
+              <c:numCache>
+                <c:formatCode>General</c:formatCode>
+                <c:ptCount val="10"/>
+                <c:pt idx="0">
+                  <c:v>32</c:v>
+                </c:pt>
+                <c:pt idx="1">
+                  <c:v>64</c:v>
+                </c:pt>
+                <c:pt idx="2">
+                  <c:v>128</c:v>
+                </c:pt>
+                <c:pt idx="3">
+                  <c:v>256</c:v>
+                </c:pt>
+                <c:pt idx="4">
+                  <c:v>512</c:v>
+                </c:pt>
+                <c:pt idx="5">
+                  <c:v>1024</c:v>
+                </c:pt>
+                <c:pt idx="6">
+                  <c:v>2048</c:v>
+                </c:pt>
+                <c:pt idx="7">
+                  <c:v>4096</c:v>
+                </c:pt>
+                <c:pt idx="8">
+                  <c:v>8192</c:v>
+                </c:pt>
+                <c:pt idx="9">
+                  <c:v>10240</c:v>
+                </c:pt>
+              </c:numCache>
+            </c:numRef>
+          </c:cat>
+          <c:val>
+            <c:numRef>
+              <c:f>'results (12)'!$E$13:$E$22</c:f>
+              <c:numCache>
+                <c:formatCode>General</c:formatCode>
+                <c:ptCount val="10"/>
+                <c:pt idx="0">
+                  <c:v>3.2433333333333356E-2</c:v>
+                </c:pt>
+                <c:pt idx="1">
+                  <c:v>1.9066666666666673E-2</c:v>
+                </c:pt>
+                <c:pt idx="2">
+                  <c:v>1.2466666666666673E-2</c:v>
+                </c:pt>
+                <c:pt idx="3">
+                  <c:v>8.1000000000000048E-3</c:v>
+                </c:pt>
+                <c:pt idx="4">
+                  <c:v>7.2333333333333381E-3</c:v>
+                </c:pt>
+                <c:pt idx="5">
+                  <c:v>6.9666666666666705E-3</c:v>
+                </c:pt>
+                <c:pt idx="6">
+                  <c:v>8.6666666666666715E-3</c:v>
+                </c:pt>
+                <c:pt idx="7">
+                  <c:v>1.3866666666666673E-2</c:v>
+                </c:pt>
+                <c:pt idx="8">
+                  <c:v>2.5366666666666683E-2</c:v>
+                </c:pt>
+                <c:pt idx="9">
+                  <c:v>3.2000000000000021E-2</c:v>
+                </c:pt>
+              </c:numCache>
+            </c:numRef>
+          </c:val>
+          <c:smooth val="0"/>
+          <c:extLst>
+            <c:ext xmlns:c16="http://schemas.microsoft.com/office/drawing/2014/chart" uri="{C3380CC4-5D6E-409C-BE32-E72D297353CC}">
+              <c16:uniqueId val="{00000003-6587-458D-B805-59C934F0AC73}"/>
+            </c:ext>
+          </c:extLst>
+        </c:ser>
+        <c:ser>
+          <c:idx val="0"/>
+          <c:order val="4"/>
+          <c:tx>
+            <c:v>10k</c:v>
+          </c:tx>
+          <c:spPr>
+            <a:ln w="28575" cap="rnd">
+              <a:solidFill>
+                <a:schemeClr val="accent1"/>
+              </a:solidFill>
+              <a:round/>
+            </a:ln>
+            <a:effectLst/>
+          </c:spPr>
+          <c:marker>
+            <c:symbol val="none"/>
+          </c:marker>
+          <c:errBars>
+            <c:errDir val="y"/>
+            <c:errBarType val="both"/>
+            <c:errValType val="cust"/>
+            <c:noEndCap val="0"/>
+            <c:plus>
+              <c:numRef>
+                <c:f>'results (12)'!$L$3:$L$12</c:f>
+                <c:numCache>
+                  <c:formatCode>General</c:formatCode>
+                  <c:ptCount val="10"/>
+                  <c:pt idx="0">
+                    <c:v>3.2047009452843689E-4</c:v>
+                  </c:pt>
+                  <c:pt idx="1">
+                    <c:v>2.5159180995677294E-4</c:v>
+                  </c:pt>
+                  <c:pt idx="2">
+                    <c:v>3.7764023267164193E-4</c:v>
+                  </c:pt>
+                  <c:pt idx="3">
+                    <c:v>4.7189880654699434E-4</c:v>
+                  </c:pt>
+                  <c:pt idx="4">
+                    <c:v>3.4344390713984824E-4</c:v>
+                  </c:pt>
+                  <c:pt idx="5">
+                    <c:v>2.9614634257472207E-4</c:v>
+                  </c:pt>
+                  <c:pt idx="6">
+                    <c:v>4.8987223259417474E-4</c:v>
+                  </c:pt>
+                  <c:pt idx="7">
+                    <c:v>4.2334202650675073E-4</c:v>
+                  </c:pt>
+                  <c:pt idx="8">
+                    <c:v>8.2785975352568273E-4</c:v>
+                  </c:pt>
+                  <c:pt idx="9">
+                    <c:v>9.4648726691735885E-4</c:v>
+                  </c:pt>
+                </c:numCache>
+              </c:numRef>
+            </c:plus>
+            <c:minus>
+              <c:numRef>
+                <c:f>'results (12)'!$L$3:$L$12</c:f>
+                <c:numCache>
+                  <c:formatCode>General</c:formatCode>
+                  <c:ptCount val="10"/>
+                  <c:pt idx="0">
+                    <c:v>3.2047009452843689E-4</c:v>
+                  </c:pt>
+                  <c:pt idx="1">
+                    <c:v>2.5159180995677294E-4</c:v>
+                  </c:pt>
+                  <c:pt idx="2">
+                    <c:v>3.7764023267164193E-4</c:v>
+                  </c:pt>
+                  <c:pt idx="3">
+                    <c:v>4.7189880654699434E-4</c:v>
+                  </c:pt>
+                  <c:pt idx="4">
+                    <c:v>3.4344390713984824E-4</c:v>
+                  </c:pt>
+                  <c:pt idx="5">
+                    <c:v>2.9614634257472207E-4</c:v>
+                  </c:pt>
+                  <c:pt idx="6">
+                    <c:v>4.8987223259417474E-4</c:v>
+                  </c:pt>
+                  <c:pt idx="7">
+                    <c:v>4.2334202650675073E-4</c:v>
+                  </c:pt>
+                  <c:pt idx="8">
+                    <c:v>8.2785975352568273E-4</c:v>
+                  </c:pt>
+                  <c:pt idx="9">
+                    <c:v>9.4648726691735885E-4</c:v>
+                  </c:pt>
+                </c:numCache>
+              </c:numRef>
+            </c:minus>
+            <c:spPr>
+              <a:noFill/>
+              <a:ln w="9525" cap="flat" cmpd="sng" algn="ctr">
+                <a:solidFill>
+                  <a:schemeClr val="tx1">
+                    <a:lumMod val="65000"/>
+                    <a:lumOff val="35000"/>
+                  </a:schemeClr>
+                </a:solidFill>
+                <a:round/>
+              </a:ln>
+              <a:effectLst/>
+            </c:spPr>
+          </c:errBars>
+          <c:cat>
+            <c:numRef>
+              <c:f>'results (12)'!$D$57:$D$66</c:f>
+              <c:numCache>
+                <c:formatCode>General</c:formatCode>
+                <c:ptCount val="10"/>
+                <c:pt idx="0">
+                  <c:v>32</c:v>
+                </c:pt>
+                <c:pt idx="1">
+                  <c:v>64</c:v>
+                </c:pt>
+                <c:pt idx="2">
+                  <c:v>128</c:v>
+                </c:pt>
+                <c:pt idx="3">
+                  <c:v>256</c:v>
+                </c:pt>
+                <c:pt idx="4">
+                  <c:v>512</c:v>
+                </c:pt>
+                <c:pt idx="5">
+                  <c:v>1024</c:v>
+                </c:pt>
+                <c:pt idx="6">
+                  <c:v>2048</c:v>
+                </c:pt>
+                <c:pt idx="7">
+                  <c:v>4096</c:v>
+                </c:pt>
+                <c:pt idx="8">
+                  <c:v>8192</c:v>
+                </c:pt>
+                <c:pt idx="9">
+                  <c:v>10240</c:v>
+                </c:pt>
+              </c:numCache>
+            </c:numRef>
+          </c:cat>
+          <c:val>
+            <c:numRef>
+              <c:f>'results (12)'!$E$3:$E$12</c:f>
+              <c:numCache>
+                <c:formatCode>General</c:formatCode>
+                <c:ptCount val="10"/>
+                <c:pt idx="0">
+                  <c:v>5.8666666666666693E-3</c:v>
+                </c:pt>
+                <c:pt idx="1">
+                  <c:v>4.3000000000000017E-3</c:v>
+                </c:pt>
+                <c:pt idx="2">
+                  <c:v>3.9000000000000024E-3</c:v>
+                </c:pt>
+                <c:pt idx="3">
+                  <c:v>4.400000000000002E-3</c:v>
+                </c:pt>
+                <c:pt idx="4">
+                  <c:v>4.4666666666666691E-3</c:v>
+                </c:pt>
+                <c:pt idx="5">
+                  <c:v>5.5000000000000032E-3</c:v>
+                </c:pt>
+                <c:pt idx="6">
+                  <c:v>8.5333333333333372E-3</c:v>
+                </c:pt>
+                <c:pt idx="7">
+                  <c:v>1.3500000000000009E-2</c:v>
+                </c:pt>
+                <c:pt idx="8">
+                  <c:v>2.5733333333333348E-2</c:v>
+                </c:pt>
+                <c:pt idx="9">
+                  <c:v>1.1466666666666674E-2</c:v>
+                </c:pt>
+              </c:numCache>
+            </c:numRef>
+          </c:val>
+          <c:smooth val="0"/>
+          <c:extLst>
+            <c:ext xmlns:c16="http://schemas.microsoft.com/office/drawing/2014/chart" uri="{C3380CC4-5D6E-409C-BE32-E72D297353CC}">
+              <c16:uniqueId val="{00000004-6587-458D-B805-59C934F0AC73}"/>
+            </c:ext>
+          </c:extLst>
+        </c:ser>
+        <c:dLbls>
+          <c:showLegendKey val="0"/>
+          <c:showVal val="0"/>
+          <c:showCatName val="0"/>
+          <c:showSerName val="0"/>
+          <c:showPercent val="0"/>
+          <c:showBubbleSize val="0"/>
+        </c:dLbls>
+        <c:smooth val="0"/>
+        <c:axId val="1108871408"/>
+        <c:axId val="1347960512"/>
+      </c:lineChart>
+      <c:catAx>
+        <c:axId val="1108871408"/>
+        <c:scaling>
+          <c:orientation val="minMax"/>
+        </c:scaling>
+        <c:delete val="0"/>
+        <c:axPos val="b"/>
+        <c:title>
+          <c:tx>
+            <c:rich>
+              <a:bodyPr rot="0" spcFirstLastPara="1" vertOverflow="ellipsis" vert="horz" wrap="square" anchor="ctr" anchorCtr="1"/>
+              <a:lstStyle/>
+              <a:p>
+                <a:pPr>
+                  <a:defRPr sz="1600" b="0" i="0" u="none" strike="noStrike" kern="1200" baseline="0">
+                    <a:solidFill>
+                      <a:schemeClr val="tx1">
+                        <a:lumMod val="65000"/>
+                        <a:lumOff val="35000"/>
+                      </a:schemeClr>
+                    </a:solidFill>
+                    <a:latin typeface="+mn-lt"/>
+                    <a:ea typeface="+mn-ea"/>
+                    <a:cs typeface="+mn-cs"/>
+                  </a:defRPr>
+                </a:pPr>
+                <a:r>
+                  <a:rPr lang="it-IT"/>
+                  <a:t>threads</a:t>
+                </a:r>
+              </a:p>
+            </c:rich>
+          </c:tx>
+          <c:overlay val="0"/>
+          <c:spPr>
+            <a:noFill/>
+            <a:ln>
+              <a:noFill/>
+            </a:ln>
+            <a:effectLst/>
+          </c:spPr>
+          <c:txPr>
+            <a:bodyPr rot="0" spcFirstLastPara="1" vertOverflow="ellipsis" vert="horz" wrap="square" anchor="ctr" anchorCtr="1"/>
+            <a:lstStyle/>
+            <a:p>
+              <a:pPr>
+                <a:defRPr sz="1600" b="0" i="0" u="none" strike="noStrike" kern="1200" baseline="0">
+                  <a:solidFill>
+                    <a:schemeClr val="tx1">
+                      <a:lumMod val="65000"/>
+                      <a:lumOff val="35000"/>
+                    </a:schemeClr>
+                  </a:solidFill>
+                  <a:latin typeface="+mn-lt"/>
+                  <a:ea typeface="+mn-ea"/>
+                  <a:cs typeface="+mn-cs"/>
+                </a:defRPr>
+              </a:pPr>
+              <a:endParaRPr lang="it-IT"/>
+            </a:p>
+          </c:txPr>
+        </c:title>
+        <c:numFmt formatCode="General" sourceLinked="1"/>
+        <c:majorTickMark val="none"/>
+        <c:minorTickMark val="none"/>
+        <c:tickLblPos val="nextTo"/>
+        <c:spPr>
+          <a:noFill/>
+          <a:ln w="9525" cap="flat" cmpd="sng" algn="ctr">
+            <a:solidFill>
+              <a:schemeClr val="tx1">
+                <a:lumMod val="15000"/>
+                <a:lumOff val="85000"/>
+              </a:schemeClr>
+            </a:solidFill>
+            <a:round/>
+          </a:ln>
+          <a:effectLst/>
+        </c:spPr>
+        <c:txPr>
+          <a:bodyPr rot="-60000000" spcFirstLastPara="1" vertOverflow="ellipsis" vert="horz" wrap="square" anchor="ctr" anchorCtr="1"/>
+          <a:lstStyle/>
+          <a:p>
+            <a:pPr>
+              <a:defRPr sz="1600" b="0" i="0" u="none" strike="noStrike" kern="1200" baseline="0">
+                <a:solidFill>
+                  <a:schemeClr val="tx1">
+                    <a:lumMod val="65000"/>
+                    <a:lumOff val="35000"/>
+                  </a:schemeClr>
+                </a:solidFill>
+                <a:latin typeface="+mn-lt"/>
+                <a:ea typeface="+mn-ea"/>
+                <a:cs typeface="+mn-cs"/>
+              </a:defRPr>
+            </a:pPr>
+            <a:endParaRPr lang="it-IT"/>
+          </a:p>
+        </c:txPr>
+        <c:crossAx val="1347960512"/>
+        <c:crosses val="autoZero"/>
+        <c:auto val="1"/>
+        <c:lblAlgn val="ctr"/>
+        <c:lblOffset val="100"/>
+        <c:noMultiLvlLbl val="0"/>
+      </c:catAx>
+      <c:valAx>
+        <c:axId val="1347960512"/>
+        <c:scaling>
+          <c:logBase val="10"/>
+          <c:orientation val="minMax"/>
+        </c:scaling>
+        <c:delete val="0"/>
+        <c:axPos val="l"/>
+        <c:majorGridlines>
+          <c:spPr>
+            <a:ln w="9525" cap="flat" cmpd="sng" algn="ctr">
+              <a:solidFill>
+                <a:schemeClr val="tx1">
+                  <a:lumMod val="15000"/>
+                  <a:lumOff val="85000"/>
+                </a:schemeClr>
+              </a:solidFill>
+              <a:round/>
+            </a:ln>
+            <a:effectLst/>
+          </c:spPr>
+        </c:majorGridlines>
+        <c:title>
+          <c:tx>
+            <c:rich>
+              <a:bodyPr rot="-5400000" spcFirstLastPara="1" vertOverflow="ellipsis" vert="horz" wrap="square" anchor="ctr" anchorCtr="1"/>
+              <a:lstStyle/>
+              <a:p>
+                <a:pPr>
+                  <a:defRPr sz="1600" b="0" i="0" u="none" strike="noStrike" kern="1200" baseline="0">
+                    <a:solidFill>
+                      <a:schemeClr val="tx1">
+                        <a:lumMod val="65000"/>
+                        <a:lumOff val="35000"/>
+                      </a:schemeClr>
+                    </a:solidFill>
+                    <a:latin typeface="+mn-lt"/>
+                    <a:ea typeface="+mn-ea"/>
+                    <a:cs typeface="+mn-cs"/>
+                  </a:defRPr>
+                </a:pPr>
+                <a:r>
+                  <a:rPr lang="it-IT"/>
+                  <a:t>seconds</a:t>
+                </a:r>
+              </a:p>
+            </c:rich>
+          </c:tx>
+          <c:overlay val="0"/>
+          <c:spPr>
+            <a:noFill/>
+            <a:ln>
+              <a:noFill/>
+            </a:ln>
+            <a:effectLst/>
+          </c:spPr>
+          <c:txPr>
+            <a:bodyPr rot="-5400000" spcFirstLastPara="1" vertOverflow="ellipsis" vert="horz" wrap="square" anchor="ctr" anchorCtr="1"/>
+            <a:lstStyle/>
+            <a:p>
+              <a:pPr>
+                <a:defRPr sz="1600" b="0" i="0" u="none" strike="noStrike" kern="1200" baseline="0">
+                  <a:solidFill>
+                    <a:schemeClr val="tx1">
+                      <a:lumMod val="65000"/>
+                      <a:lumOff val="35000"/>
+                    </a:schemeClr>
+                  </a:solidFill>
+                  <a:latin typeface="+mn-lt"/>
+                  <a:ea typeface="+mn-ea"/>
+                  <a:cs typeface="+mn-cs"/>
+                </a:defRPr>
+              </a:pPr>
+              <a:endParaRPr lang="it-IT"/>
+            </a:p>
+          </c:txPr>
+        </c:title>
+        <c:numFmt formatCode="General" sourceLinked="1"/>
+        <c:majorTickMark val="none"/>
+        <c:minorTickMark val="none"/>
+        <c:tickLblPos val="nextTo"/>
+        <c:spPr>
+          <a:noFill/>
+          <a:ln>
+            <a:noFill/>
+          </a:ln>
+          <a:effectLst/>
+        </c:spPr>
+        <c:txPr>
+          <a:bodyPr rot="-60000000" spcFirstLastPara="1" vertOverflow="ellipsis" vert="horz" wrap="square" anchor="ctr" anchorCtr="1"/>
+          <a:lstStyle/>
+          <a:p>
+            <a:pPr>
+              <a:defRPr sz="1600" b="0" i="0" u="none" strike="noStrike" kern="1200" baseline="0">
+                <a:solidFill>
+                  <a:schemeClr val="tx1">
+                    <a:lumMod val="65000"/>
+                    <a:lumOff val="35000"/>
+                  </a:schemeClr>
+                </a:solidFill>
+                <a:latin typeface="+mn-lt"/>
+                <a:ea typeface="+mn-ea"/>
+                <a:cs typeface="+mn-cs"/>
+              </a:defRPr>
+            </a:pPr>
+            <a:endParaRPr lang="it-IT"/>
+          </a:p>
+        </c:txPr>
+        <c:crossAx val="1108871408"/>
+        <c:crosses val="autoZero"/>
+        <c:crossBetween val="between"/>
+      </c:valAx>
+      <c:spPr>
+        <a:noFill/>
+        <a:ln>
+          <a:noFill/>
+        </a:ln>
+        <a:effectLst/>
+      </c:spPr>
+    </c:plotArea>
+    <c:legend>
+      <c:legendPos val="r"/>
+      <c:overlay val="0"/>
+      <c:spPr>
+        <a:noFill/>
+        <a:ln>
+          <a:noFill/>
+        </a:ln>
+        <a:effectLst/>
+      </c:spPr>
+      <c:txPr>
+        <a:bodyPr rot="0" spcFirstLastPara="1" vertOverflow="ellipsis" vert="horz" wrap="square" anchor="ctr" anchorCtr="1"/>
+        <a:lstStyle/>
+        <a:p>
+          <a:pPr>
+            <a:defRPr sz="1600" b="0" i="0" u="none" strike="noStrike" kern="1200" baseline="0">
+              <a:solidFill>
+                <a:schemeClr val="tx1">
+                  <a:lumMod val="65000"/>
+                  <a:lumOff val="35000"/>
+                </a:schemeClr>
+              </a:solidFill>
+              <a:latin typeface="+mn-lt"/>
+              <a:ea typeface="+mn-ea"/>
+              <a:cs typeface="+mn-cs"/>
+            </a:defRPr>
+          </a:pPr>
+          <a:endParaRPr lang="it-IT"/>
+        </a:p>
+      </c:txPr>
+    </c:legend>
+    <c:plotVisOnly val="1"/>
+    <c:dispBlanksAs val="gap"/>
+    <c:extLst>
+      <c:ext xmlns:c16r3="http://schemas.microsoft.com/office/drawing/2017/03/chart" uri="{56B9EC1D-385E-4148-901F-78D8002777C0}">
+        <c16r3:dataDisplayOptions16>
+          <c16r3:dispNaAsBlank val="1"/>
+        </c16r3:dataDisplayOptions16>
+      </c:ext>
+    </c:extLst>
+    <c:showDLblsOverMax val="0"/>
+  </c:chart>
+  <c:spPr>
+    <a:noFill/>
+    <a:ln>
+      <a:noFill/>
+    </a:ln>
+    <a:effectLst/>
+  </c:spPr>
+  <c:txPr>
+    <a:bodyPr/>
+    <a:lstStyle/>
+    <a:p>
+      <a:pPr>
+        <a:defRPr sz="1600"/>
+      </a:pPr>
+      <a:endParaRPr lang="it-IT"/>
+    </a:p>
+  </c:txPr>
+  <c:externalData r:id="rId3">
+    <c:autoUpdate val="0"/>
+  </c:externalData>
+</c:chartSpace>
+</file>
+
 <file path=ppt/charts/colors1.xml><?xml version="1.0" encoding="utf-8"?>
+<cs:colorStyle xmlns:cs="http://schemas.microsoft.com/office/drawing/2012/chartStyle" xmlns:a="http://schemas.openxmlformats.org/drawingml/2006/main" meth="cycle" id="10">
+  <a:schemeClr val="accent1"/>
+  <a:schemeClr val="accent2"/>
+  <a:schemeClr val="accent3"/>
+  <a:schemeClr val="accent4"/>
+  <a:schemeClr val="accent5"/>
+  <a:schemeClr val="accent6"/>
+  <cs:variation/>
+  <cs:variation>
+    <a:lumMod val="60000"/>
+  </cs:variation>
+  <cs:variation>
+    <a:lumMod val="80000"/>
+    <a:lumOff val="20000"/>
+  </cs:variation>
+  <cs:variation>
+    <a:lumMod val="80000"/>
+  </cs:variation>
+  <cs:variation>
+    <a:lumMod val="60000"/>
+    <a:lumOff val="40000"/>
+  </cs:variation>
+  <cs:variation>
+    <a:lumMod val="50000"/>
+  </cs:variation>
+  <cs:variation>
+    <a:lumMod val="70000"/>
+    <a:lumOff val="30000"/>
+  </cs:variation>
+  <cs:variation>
+    <a:lumMod val="70000"/>
+  </cs:variation>
+  <cs:variation>
+    <a:lumMod val="50000"/>
+    <a:lumOff val="50000"/>
+  </cs:variation>
+</cs:colorStyle>
+</file>
+
+<file path=ppt/charts/colors10.xml><?xml version="1.0" encoding="utf-8"?>
 <cs:colorStyle xmlns:cs="http://schemas.microsoft.com/office/drawing/2012/chartStyle" xmlns:a="http://schemas.openxmlformats.org/drawingml/2006/main" meth="cycle" id="10">
   <a:schemeClr val="accent1"/>
   <a:schemeClr val="accent2"/>
@@ -6733,6 +9045,46 @@
 </cs:colorStyle>
 </file>
 
+<file path=ppt/charts/colors9.xml><?xml version="1.0" encoding="utf-8"?>
+<cs:colorStyle xmlns:cs="http://schemas.microsoft.com/office/drawing/2012/chartStyle" xmlns:a="http://schemas.openxmlformats.org/drawingml/2006/main" meth="cycle" id="10">
+  <a:schemeClr val="accent1"/>
+  <a:schemeClr val="accent2"/>
+  <a:schemeClr val="accent3"/>
+  <a:schemeClr val="accent4"/>
+  <a:schemeClr val="accent5"/>
+  <a:schemeClr val="accent6"/>
+  <cs:variation/>
+  <cs:variation>
+    <a:lumMod val="60000"/>
+  </cs:variation>
+  <cs:variation>
+    <a:lumMod val="80000"/>
+    <a:lumOff val="20000"/>
+  </cs:variation>
+  <cs:variation>
+    <a:lumMod val="80000"/>
+  </cs:variation>
+  <cs:variation>
+    <a:lumMod val="60000"/>
+    <a:lumOff val="40000"/>
+  </cs:variation>
+  <cs:variation>
+    <a:lumMod val="50000"/>
+  </cs:variation>
+  <cs:variation>
+    <a:lumMod val="70000"/>
+    <a:lumOff val="30000"/>
+  </cs:variation>
+  <cs:variation>
+    <a:lumMod val="70000"/>
+  </cs:variation>
+  <cs:variation>
+    <a:lumMod val="50000"/>
+    <a:lumOff val="50000"/>
+  </cs:variation>
+</cs:colorStyle>
+</file>
+
 <file path=ppt/charts/style1.xml><?xml version="1.0" encoding="utf-8"?>
 <cs:chartStyle xmlns:cs="http://schemas.microsoft.com/office/drawing/2012/chartStyle" xmlns:a="http://schemas.openxmlformats.org/drawingml/2006/main" id="227">
   <cs:axisTitle>
@@ -7249,7 +9601,7 @@
 </cs:chartStyle>
 </file>
 
-<file path=ppt/charts/style2.xml><?xml version="1.0" encoding="utf-8"?>
+<file path=ppt/charts/style10.xml><?xml version="1.0" encoding="utf-8"?>
 <cs:chartStyle xmlns:cs="http://schemas.microsoft.com/office/drawing/2012/chartStyle" xmlns:a="http://schemas.openxmlformats.org/drawingml/2006/main" id="227">
   <cs:axisTitle>
     <cs:lnRef idx="0"/>
@@ -7765,7 +10117,7 @@
 </cs:chartStyle>
 </file>
 
-<file path=ppt/charts/style3.xml><?xml version="1.0" encoding="utf-8"?>
+<file path=ppt/charts/style2.xml><?xml version="1.0" encoding="utf-8"?>
 <cs:chartStyle xmlns:cs="http://schemas.microsoft.com/office/drawing/2012/chartStyle" xmlns:a="http://schemas.openxmlformats.org/drawingml/2006/main" id="227">
   <cs:axisTitle>
     <cs:lnRef idx="0"/>
@@ -8281,7 +10633,7 @@
 </cs:chartStyle>
 </file>
 
-<file path=ppt/charts/style4.xml><?xml version="1.0" encoding="utf-8"?>
+<file path=ppt/charts/style3.xml><?xml version="1.0" encoding="utf-8"?>
 <cs:chartStyle xmlns:cs="http://schemas.microsoft.com/office/drawing/2012/chartStyle" xmlns:a="http://schemas.openxmlformats.org/drawingml/2006/main" id="227">
   <cs:axisTitle>
     <cs:lnRef idx="0"/>
@@ -8797,7 +11149,7 @@
 </cs:chartStyle>
 </file>
 
-<file path=ppt/charts/style5.xml><?xml version="1.0" encoding="utf-8"?>
+<file path=ppt/charts/style4.xml><?xml version="1.0" encoding="utf-8"?>
 <cs:chartStyle xmlns:cs="http://schemas.microsoft.com/office/drawing/2012/chartStyle" xmlns:a="http://schemas.openxmlformats.org/drawingml/2006/main" id="227">
   <cs:axisTitle>
     <cs:lnRef idx="0"/>
@@ -9313,8 +11665,8 @@
 </cs:chartStyle>
 </file>
 
-<file path=ppt/charts/style6.xml><?xml version="1.0" encoding="utf-8"?>
-<cs:chartStyle xmlns:cs="http://schemas.microsoft.com/office/drawing/2012/chartStyle" xmlns:a="http://schemas.openxmlformats.org/drawingml/2006/main" id="297">
+<file path=ppt/charts/style5.xml><?xml version="1.0" encoding="utf-8"?>
+<cs:chartStyle xmlns:cs="http://schemas.microsoft.com/office/drawing/2012/chartStyle" xmlns:a="http://schemas.openxmlformats.org/drawingml/2006/main" id="227">
   <cs:axisTitle>
     <cs:lnRef idx="0"/>
     <cs:fillRef idx="0"/>
@@ -9422,6 +11774,11 @@
     <cs:fontRef idx="minor">
       <a:schemeClr val="tx1"/>
     </cs:fontRef>
+    <cs:spPr>
+      <a:solidFill>
+        <a:schemeClr val="phClr"/>
+      </a:solidFill>
+    </cs:spPr>
   </cs:dataPoint>
   <cs:dataPoint3D>
     <cs:lnRef idx="0"/>
@@ -9432,6 +11789,11 @@
     <cs:fontRef idx="minor">
       <a:schemeClr val="tx1"/>
     </cs:fontRef>
+    <cs:spPr>
+      <a:solidFill>
+        <a:schemeClr val="phClr"/>
+      </a:solidFill>
+    </cs:spPr>
   </cs:dataPoint3D>
   <cs:dataPointLine>
     <cs:lnRef idx="0">
@@ -9463,6 +11825,9 @@
       <a:schemeClr val="tx1"/>
     </cs:fontRef>
     <cs:spPr>
+      <a:solidFill>
+        <a:schemeClr val="phClr"/>
+      </a:solidFill>
       <a:ln w="9525">
         <a:solidFill>
           <a:schemeClr val="phClr"/>
@@ -9518,23 +11883,22 @@
     <cs:fillRef idx="0"/>
     <cs:effectRef idx="0"/>
     <cs:fontRef idx="minor">
-      <a:schemeClr val="tx1"/>
+      <a:schemeClr val="dk1"/>
     </cs:fontRef>
     <cs:spPr>
       <a:solidFill>
         <a:schemeClr val="dk1">
-          <a:lumMod val="75000"/>
-          <a:lumOff val="25000"/>
+          <a:lumMod val="65000"/>
+          <a:lumOff val="35000"/>
         </a:schemeClr>
       </a:solidFill>
-      <a:ln w="9525" cap="flat" cmpd="sng" algn="ctr">
+      <a:ln w="9525">
         <a:solidFill>
           <a:schemeClr val="tx1">
             <a:lumMod val="65000"/>
             <a:lumOff val="35000"/>
           </a:schemeClr>
         </a:solidFill>
-        <a:round/>
       </a:ln>
     </cs:spPr>
   </cs:downBar>
@@ -9639,8 +12003,8 @@
       <a:ln w="9525" cap="flat" cmpd="sng" algn="ctr">
         <a:solidFill>
           <a:schemeClr val="tx1">
-            <a:lumMod val="50000"/>
-            <a:lumOff val="50000"/>
+            <a:lumMod val="75000"/>
+            <a:lumOff val="25000"/>
           </a:schemeClr>
         </a:solidFill>
         <a:round/>
@@ -9772,20 +12136,19 @@
     <cs:fillRef idx="0"/>
     <cs:effectRef idx="0"/>
     <cs:fontRef idx="minor">
-      <a:schemeClr val="tx1"/>
+      <a:schemeClr val="dk1"/>
     </cs:fontRef>
     <cs:spPr>
       <a:solidFill>
         <a:schemeClr val="lt1"/>
       </a:solidFill>
-      <a:ln w="9525" cap="flat" cmpd="sng" algn="ctr">
+      <a:ln w="9525">
         <a:solidFill>
           <a:schemeClr val="tx1">
-            <a:lumMod val="65000"/>
-            <a:lumOff val="35000"/>
+            <a:lumMod val="15000"/>
+            <a:lumOff val="85000"/>
           </a:schemeClr>
         </a:solidFill>
-        <a:round/>
       </a:ln>
     </cs:spPr>
   </cs:upBar>
@@ -9818,8 +12181,8 @@
 </cs:chartStyle>
 </file>
 
-<file path=ppt/charts/style7.xml><?xml version="1.0" encoding="utf-8"?>
-<cs:chartStyle xmlns:cs="http://schemas.microsoft.com/office/drawing/2012/chartStyle" xmlns:a="http://schemas.openxmlformats.org/drawingml/2006/main" id="227">
+<file path=ppt/charts/style6.xml><?xml version="1.0" encoding="utf-8"?>
+<cs:chartStyle xmlns:cs="http://schemas.microsoft.com/office/drawing/2012/chartStyle" xmlns:a="http://schemas.openxmlformats.org/drawingml/2006/main" id="297">
   <cs:axisTitle>
     <cs:lnRef idx="0"/>
     <cs:fillRef idx="0"/>
@@ -9927,6 +12290,511 @@
     <cs:fontRef idx="minor">
       <a:schemeClr val="tx1"/>
     </cs:fontRef>
+  </cs:dataPoint>
+  <cs:dataPoint3D>
+    <cs:lnRef idx="0"/>
+    <cs:fillRef idx="1">
+      <cs:styleClr val="auto"/>
+    </cs:fillRef>
+    <cs:effectRef idx="0"/>
+    <cs:fontRef idx="minor">
+      <a:schemeClr val="tx1"/>
+    </cs:fontRef>
+  </cs:dataPoint3D>
+  <cs:dataPointLine>
+    <cs:lnRef idx="0">
+      <cs:styleClr val="auto"/>
+    </cs:lnRef>
+    <cs:fillRef idx="1"/>
+    <cs:effectRef idx="0"/>
+    <cs:fontRef idx="minor">
+      <a:schemeClr val="tx1"/>
+    </cs:fontRef>
+    <cs:spPr>
+      <a:ln w="28575" cap="rnd">
+        <a:solidFill>
+          <a:schemeClr val="phClr"/>
+        </a:solidFill>
+        <a:round/>
+      </a:ln>
+    </cs:spPr>
+  </cs:dataPointLine>
+  <cs:dataPointMarker>
+    <cs:lnRef idx="0">
+      <cs:styleClr val="auto"/>
+    </cs:lnRef>
+    <cs:fillRef idx="1">
+      <cs:styleClr val="auto"/>
+    </cs:fillRef>
+    <cs:effectRef idx="0"/>
+    <cs:fontRef idx="minor">
+      <a:schemeClr val="tx1"/>
+    </cs:fontRef>
+    <cs:spPr>
+      <a:ln w="9525">
+        <a:solidFill>
+          <a:schemeClr val="phClr"/>
+        </a:solidFill>
+      </a:ln>
+    </cs:spPr>
+  </cs:dataPointMarker>
+  <cs:dataPointMarkerLayout symbol="circle" size="5"/>
+  <cs:dataPointWireframe>
+    <cs:lnRef idx="0">
+      <cs:styleClr val="auto"/>
+    </cs:lnRef>
+    <cs:fillRef idx="1"/>
+    <cs:effectRef idx="0"/>
+    <cs:fontRef idx="minor">
+      <a:schemeClr val="tx1"/>
+    </cs:fontRef>
+    <cs:spPr>
+      <a:ln w="9525" cap="rnd">
+        <a:solidFill>
+          <a:schemeClr val="phClr"/>
+        </a:solidFill>
+        <a:round/>
+      </a:ln>
+    </cs:spPr>
+  </cs:dataPointWireframe>
+  <cs:dataTable>
+    <cs:lnRef idx="0"/>
+    <cs:fillRef idx="0"/>
+    <cs:effectRef idx="0"/>
+    <cs:fontRef idx="minor">
+      <a:schemeClr val="tx1">
+        <a:lumMod val="65000"/>
+        <a:lumOff val="35000"/>
+      </a:schemeClr>
+    </cs:fontRef>
+    <cs:spPr>
+      <a:noFill/>
+      <a:ln w="9525" cap="flat" cmpd="sng" algn="ctr">
+        <a:solidFill>
+          <a:schemeClr val="tx1">
+            <a:lumMod val="15000"/>
+            <a:lumOff val="85000"/>
+          </a:schemeClr>
+        </a:solidFill>
+        <a:round/>
+      </a:ln>
+    </cs:spPr>
+    <cs:defRPr sz="900" kern="1200"/>
+  </cs:dataTable>
+  <cs:downBar>
+    <cs:lnRef idx="0"/>
+    <cs:fillRef idx="0"/>
+    <cs:effectRef idx="0"/>
+    <cs:fontRef idx="minor">
+      <a:schemeClr val="tx1"/>
+    </cs:fontRef>
+    <cs:spPr>
+      <a:solidFill>
+        <a:schemeClr val="dk1">
+          <a:lumMod val="75000"/>
+          <a:lumOff val="25000"/>
+        </a:schemeClr>
+      </a:solidFill>
+      <a:ln w="9525" cap="flat" cmpd="sng" algn="ctr">
+        <a:solidFill>
+          <a:schemeClr val="tx1">
+            <a:lumMod val="65000"/>
+            <a:lumOff val="35000"/>
+          </a:schemeClr>
+        </a:solidFill>
+        <a:round/>
+      </a:ln>
+    </cs:spPr>
+  </cs:downBar>
+  <cs:dropLine>
+    <cs:lnRef idx="0"/>
+    <cs:fillRef idx="0"/>
+    <cs:effectRef idx="0"/>
+    <cs:fontRef idx="minor">
+      <a:schemeClr val="tx1"/>
+    </cs:fontRef>
+    <cs:spPr>
+      <a:ln w="9525" cap="flat" cmpd="sng" algn="ctr">
+        <a:solidFill>
+          <a:schemeClr val="tx1">
+            <a:lumMod val="35000"/>
+            <a:lumOff val="65000"/>
+          </a:schemeClr>
+        </a:solidFill>
+        <a:round/>
+      </a:ln>
+    </cs:spPr>
+  </cs:dropLine>
+  <cs:errorBar>
+    <cs:lnRef idx="0"/>
+    <cs:fillRef idx="0"/>
+    <cs:effectRef idx="0"/>
+    <cs:fontRef idx="minor">
+      <a:schemeClr val="tx1"/>
+    </cs:fontRef>
+    <cs:spPr>
+      <a:ln w="9525" cap="flat" cmpd="sng" algn="ctr">
+        <a:solidFill>
+          <a:schemeClr val="tx1">
+            <a:lumMod val="65000"/>
+            <a:lumOff val="35000"/>
+          </a:schemeClr>
+        </a:solidFill>
+        <a:round/>
+      </a:ln>
+    </cs:spPr>
+  </cs:errorBar>
+  <cs:floor>
+    <cs:lnRef idx="0"/>
+    <cs:fillRef idx="0"/>
+    <cs:effectRef idx="0"/>
+    <cs:fontRef idx="minor">
+      <a:schemeClr val="tx1"/>
+    </cs:fontRef>
+    <cs:spPr>
+      <a:noFill/>
+      <a:ln>
+        <a:noFill/>
+      </a:ln>
+    </cs:spPr>
+  </cs:floor>
+  <cs:gridlineMajor>
+    <cs:lnRef idx="0"/>
+    <cs:fillRef idx="0"/>
+    <cs:effectRef idx="0"/>
+    <cs:fontRef idx="minor">
+      <a:schemeClr val="tx1"/>
+    </cs:fontRef>
+    <cs:spPr>
+      <a:ln w="9525" cap="flat" cmpd="sng" algn="ctr">
+        <a:solidFill>
+          <a:schemeClr val="tx1">
+            <a:lumMod val="15000"/>
+            <a:lumOff val="85000"/>
+          </a:schemeClr>
+        </a:solidFill>
+        <a:round/>
+      </a:ln>
+    </cs:spPr>
+  </cs:gridlineMajor>
+  <cs:gridlineMinor>
+    <cs:lnRef idx="0"/>
+    <cs:fillRef idx="0"/>
+    <cs:effectRef idx="0"/>
+    <cs:fontRef idx="minor">
+      <a:schemeClr val="tx1"/>
+    </cs:fontRef>
+    <cs:spPr>
+      <a:ln w="9525" cap="flat" cmpd="sng" algn="ctr">
+        <a:solidFill>
+          <a:schemeClr val="tx1">
+            <a:lumMod val="5000"/>
+            <a:lumOff val="95000"/>
+          </a:schemeClr>
+        </a:solidFill>
+        <a:round/>
+      </a:ln>
+    </cs:spPr>
+  </cs:gridlineMinor>
+  <cs:hiLoLine>
+    <cs:lnRef idx="0"/>
+    <cs:fillRef idx="0"/>
+    <cs:effectRef idx="0"/>
+    <cs:fontRef idx="minor">
+      <a:schemeClr val="tx1"/>
+    </cs:fontRef>
+    <cs:spPr>
+      <a:ln w="9525" cap="flat" cmpd="sng" algn="ctr">
+        <a:solidFill>
+          <a:schemeClr val="tx1">
+            <a:lumMod val="50000"/>
+            <a:lumOff val="50000"/>
+          </a:schemeClr>
+        </a:solidFill>
+        <a:round/>
+      </a:ln>
+    </cs:spPr>
+  </cs:hiLoLine>
+  <cs:leaderLine>
+    <cs:lnRef idx="0"/>
+    <cs:fillRef idx="0"/>
+    <cs:effectRef idx="0"/>
+    <cs:fontRef idx="minor">
+      <a:schemeClr val="tx1"/>
+    </cs:fontRef>
+    <cs:spPr>
+      <a:ln w="9525" cap="flat" cmpd="sng" algn="ctr">
+        <a:solidFill>
+          <a:schemeClr val="tx1">
+            <a:lumMod val="35000"/>
+            <a:lumOff val="65000"/>
+          </a:schemeClr>
+        </a:solidFill>
+        <a:round/>
+      </a:ln>
+    </cs:spPr>
+  </cs:leaderLine>
+  <cs:legend>
+    <cs:lnRef idx="0"/>
+    <cs:fillRef idx="0"/>
+    <cs:effectRef idx="0"/>
+    <cs:fontRef idx="minor">
+      <a:schemeClr val="tx1">
+        <a:lumMod val="65000"/>
+        <a:lumOff val="35000"/>
+      </a:schemeClr>
+    </cs:fontRef>
+    <cs:defRPr sz="900" kern="1200"/>
+  </cs:legend>
+  <cs:plotArea mods="allowNoFillOverride allowNoLineOverride">
+    <cs:lnRef idx="0"/>
+    <cs:fillRef idx="0"/>
+    <cs:effectRef idx="0"/>
+    <cs:fontRef idx="minor">
+      <a:schemeClr val="tx1"/>
+    </cs:fontRef>
+  </cs:plotArea>
+  <cs:plotArea3D mods="allowNoFillOverride allowNoLineOverride">
+    <cs:lnRef idx="0"/>
+    <cs:fillRef idx="0"/>
+    <cs:effectRef idx="0"/>
+    <cs:fontRef idx="minor">
+      <a:schemeClr val="tx1"/>
+    </cs:fontRef>
+  </cs:plotArea3D>
+  <cs:seriesAxis>
+    <cs:lnRef idx="0"/>
+    <cs:fillRef idx="0"/>
+    <cs:effectRef idx="0"/>
+    <cs:fontRef idx="minor">
+      <a:schemeClr val="tx1">
+        <a:lumMod val="65000"/>
+        <a:lumOff val="35000"/>
+      </a:schemeClr>
+    </cs:fontRef>
+    <cs:defRPr sz="900" kern="1200"/>
+  </cs:seriesAxis>
+  <cs:seriesLine>
+    <cs:lnRef idx="0"/>
+    <cs:fillRef idx="0"/>
+    <cs:effectRef idx="0"/>
+    <cs:fontRef idx="minor">
+      <a:schemeClr val="tx1"/>
+    </cs:fontRef>
+    <cs:spPr>
+      <a:ln w="9525" cap="flat" cmpd="sng" algn="ctr">
+        <a:solidFill>
+          <a:schemeClr val="tx1">
+            <a:lumMod val="35000"/>
+            <a:lumOff val="65000"/>
+          </a:schemeClr>
+        </a:solidFill>
+        <a:round/>
+      </a:ln>
+    </cs:spPr>
+  </cs:seriesLine>
+  <cs:title>
+    <cs:lnRef idx="0"/>
+    <cs:fillRef idx="0"/>
+    <cs:effectRef idx="0"/>
+    <cs:fontRef idx="minor">
+      <a:schemeClr val="tx1">
+        <a:lumMod val="65000"/>
+        <a:lumOff val="35000"/>
+      </a:schemeClr>
+    </cs:fontRef>
+    <cs:defRPr sz="1400" b="0" kern="1200" spc="0" baseline="0"/>
+  </cs:title>
+  <cs:trendline>
+    <cs:lnRef idx="0">
+      <cs:styleClr val="auto"/>
+    </cs:lnRef>
+    <cs:fillRef idx="0"/>
+    <cs:effectRef idx="0"/>
+    <cs:fontRef idx="minor">
+      <a:schemeClr val="tx1"/>
+    </cs:fontRef>
+    <cs:spPr>
+      <a:ln w="19050" cap="rnd">
+        <a:solidFill>
+          <a:schemeClr val="phClr"/>
+        </a:solidFill>
+        <a:prstDash val="sysDot"/>
+      </a:ln>
+    </cs:spPr>
+  </cs:trendline>
+  <cs:trendlineLabel>
+    <cs:lnRef idx="0"/>
+    <cs:fillRef idx="0"/>
+    <cs:effectRef idx="0"/>
+    <cs:fontRef idx="minor">
+      <a:schemeClr val="tx1">
+        <a:lumMod val="65000"/>
+        <a:lumOff val="35000"/>
+      </a:schemeClr>
+    </cs:fontRef>
+    <cs:defRPr sz="900" kern="1200"/>
+  </cs:trendlineLabel>
+  <cs:upBar>
+    <cs:lnRef idx="0"/>
+    <cs:fillRef idx="0"/>
+    <cs:effectRef idx="0"/>
+    <cs:fontRef idx="minor">
+      <a:schemeClr val="tx1"/>
+    </cs:fontRef>
+    <cs:spPr>
+      <a:solidFill>
+        <a:schemeClr val="lt1"/>
+      </a:solidFill>
+      <a:ln w="9525" cap="flat" cmpd="sng" algn="ctr">
+        <a:solidFill>
+          <a:schemeClr val="tx1">
+            <a:lumMod val="65000"/>
+            <a:lumOff val="35000"/>
+          </a:schemeClr>
+        </a:solidFill>
+        <a:round/>
+      </a:ln>
+    </cs:spPr>
+  </cs:upBar>
+  <cs:valueAxis>
+    <cs:lnRef idx="0"/>
+    <cs:fillRef idx="0"/>
+    <cs:effectRef idx="0"/>
+    <cs:fontRef idx="minor">
+      <a:schemeClr val="tx1">
+        <a:lumMod val="65000"/>
+        <a:lumOff val="35000"/>
+      </a:schemeClr>
+    </cs:fontRef>
+    <cs:defRPr sz="900" kern="1200"/>
+  </cs:valueAxis>
+  <cs:wall>
+    <cs:lnRef idx="0"/>
+    <cs:fillRef idx="0"/>
+    <cs:effectRef idx="0"/>
+    <cs:fontRef idx="minor">
+      <a:schemeClr val="tx1"/>
+    </cs:fontRef>
+    <cs:spPr>
+      <a:noFill/>
+      <a:ln>
+        <a:noFill/>
+      </a:ln>
+    </cs:spPr>
+  </cs:wall>
+</cs:chartStyle>
+</file>
+
+<file path=ppt/charts/style7.xml><?xml version="1.0" encoding="utf-8"?>
+<cs:chartStyle xmlns:cs="http://schemas.microsoft.com/office/drawing/2012/chartStyle" xmlns:a="http://schemas.openxmlformats.org/drawingml/2006/main" id="227">
+  <cs:axisTitle>
+    <cs:lnRef idx="0"/>
+    <cs:fillRef idx="0"/>
+    <cs:effectRef idx="0"/>
+    <cs:fontRef idx="minor">
+      <a:schemeClr val="tx1">
+        <a:lumMod val="65000"/>
+        <a:lumOff val="35000"/>
+      </a:schemeClr>
+    </cs:fontRef>
+    <cs:defRPr sz="1000" kern="1200"/>
+  </cs:axisTitle>
+  <cs:categoryAxis>
+    <cs:lnRef idx="0"/>
+    <cs:fillRef idx="0"/>
+    <cs:effectRef idx="0"/>
+    <cs:fontRef idx="minor">
+      <a:schemeClr val="tx1">
+        <a:lumMod val="65000"/>
+        <a:lumOff val="35000"/>
+      </a:schemeClr>
+    </cs:fontRef>
+    <cs:spPr>
+      <a:ln w="9525" cap="flat" cmpd="sng" algn="ctr">
+        <a:solidFill>
+          <a:schemeClr val="tx1">
+            <a:lumMod val="15000"/>
+            <a:lumOff val="85000"/>
+          </a:schemeClr>
+        </a:solidFill>
+        <a:round/>
+      </a:ln>
+    </cs:spPr>
+    <cs:defRPr sz="900" kern="1200"/>
+  </cs:categoryAxis>
+  <cs:chartArea mods="allowNoFillOverride allowNoLineOverride">
+    <cs:lnRef idx="0"/>
+    <cs:fillRef idx="0"/>
+    <cs:effectRef idx="0"/>
+    <cs:fontRef idx="minor">
+      <a:schemeClr val="tx1"/>
+    </cs:fontRef>
+    <cs:spPr>
+      <a:solidFill>
+        <a:schemeClr val="bg1"/>
+      </a:solidFill>
+      <a:ln w="9525" cap="flat" cmpd="sng" algn="ctr">
+        <a:solidFill>
+          <a:schemeClr val="tx1">
+            <a:lumMod val="15000"/>
+            <a:lumOff val="85000"/>
+          </a:schemeClr>
+        </a:solidFill>
+        <a:round/>
+      </a:ln>
+    </cs:spPr>
+    <cs:defRPr sz="1000" kern="1200"/>
+  </cs:chartArea>
+  <cs:dataLabel>
+    <cs:lnRef idx="0"/>
+    <cs:fillRef idx="0"/>
+    <cs:effectRef idx="0"/>
+    <cs:fontRef idx="minor">
+      <a:schemeClr val="tx1">
+        <a:lumMod val="75000"/>
+        <a:lumOff val="25000"/>
+      </a:schemeClr>
+    </cs:fontRef>
+    <cs:defRPr sz="900" kern="1200"/>
+  </cs:dataLabel>
+  <cs:dataLabelCallout>
+    <cs:lnRef idx="0"/>
+    <cs:fillRef idx="0"/>
+    <cs:effectRef idx="0"/>
+    <cs:fontRef idx="minor">
+      <a:schemeClr val="dk1">
+        <a:lumMod val="65000"/>
+        <a:lumOff val="35000"/>
+      </a:schemeClr>
+    </cs:fontRef>
+    <cs:spPr>
+      <a:solidFill>
+        <a:schemeClr val="lt1"/>
+      </a:solidFill>
+      <a:ln>
+        <a:solidFill>
+          <a:schemeClr val="dk1">
+            <a:lumMod val="25000"/>
+            <a:lumOff val="75000"/>
+          </a:schemeClr>
+        </a:solidFill>
+      </a:ln>
+    </cs:spPr>
+    <cs:defRPr sz="900" kern="1200"/>
+    <cs:bodyPr rot="0" spcFirstLastPara="1" vertOverflow="clip" horzOverflow="clip" vert="horz" wrap="square" lIns="36576" tIns="18288" rIns="36576" bIns="18288" anchor="ctr" anchorCtr="1">
+      <a:spAutoFit/>
+    </cs:bodyPr>
+  </cs:dataLabelCallout>
+  <cs:dataPoint>
+    <cs:lnRef idx="0"/>
+    <cs:fillRef idx="1">
+      <cs:styleClr val="auto"/>
+    </cs:fillRef>
+    <cs:effectRef idx="0"/>
+    <cs:fontRef idx="minor">
+      <a:schemeClr val="tx1"/>
+    </cs:fontRef>
     <cs:spPr>
       <a:solidFill>
         <a:schemeClr val="phClr"/>
@@ -10335,6 +13203,522 @@
 </file>
 
 <file path=ppt/charts/style8.xml><?xml version="1.0" encoding="utf-8"?>
+<cs:chartStyle xmlns:cs="http://schemas.microsoft.com/office/drawing/2012/chartStyle" xmlns:a="http://schemas.openxmlformats.org/drawingml/2006/main" id="227">
+  <cs:axisTitle>
+    <cs:lnRef idx="0"/>
+    <cs:fillRef idx="0"/>
+    <cs:effectRef idx="0"/>
+    <cs:fontRef idx="minor">
+      <a:schemeClr val="tx1">
+        <a:lumMod val="65000"/>
+        <a:lumOff val="35000"/>
+      </a:schemeClr>
+    </cs:fontRef>
+    <cs:defRPr sz="1000" kern="1200"/>
+  </cs:axisTitle>
+  <cs:categoryAxis>
+    <cs:lnRef idx="0"/>
+    <cs:fillRef idx="0"/>
+    <cs:effectRef idx="0"/>
+    <cs:fontRef idx="minor">
+      <a:schemeClr val="tx1">
+        <a:lumMod val="65000"/>
+        <a:lumOff val="35000"/>
+      </a:schemeClr>
+    </cs:fontRef>
+    <cs:spPr>
+      <a:ln w="9525" cap="flat" cmpd="sng" algn="ctr">
+        <a:solidFill>
+          <a:schemeClr val="tx1">
+            <a:lumMod val="15000"/>
+            <a:lumOff val="85000"/>
+          </a:schemeClr>
+        </a:solidFill>
+        <a:round/>
+      </a:ln>
+    </cs:spPr>
+    <cs:defRPr sz="900" kern="1200"/>
+  </cs:categoryAxis>
+  <cs:chartArea mods="allowNoFillOverride allowNoLineOverride">
+    <cs:lnRef idx="0"/>
+    <cs:fillRef idx="0"/>
+    <cs:effectRef idx="0"/>
+    <cs:fontRef idx="minor">
+      <a:schemeClr val="tx1"/>
+    </cs:fontRef>
+    <cs:spPr>
+      <a:solidFill>
+        <a:schemeClr val="bg1"/>
+      </a:solidFill>
+      <a:ln w="9525" cap="flat" cmpd="sng" algn="ctr">
+        <a:solidFill>
+          <a:schemeClr val="tx1">
+            <a:lumMod val="15000"/>
+            <a:lumOff val="85000"/>
+          </a:schemeClr>
+        </a:solidFill>
+        <a:round/>
+      </a:ln>
+    </cs:spPr>
+    <cs:defRPr sz="1000" kern="1200"/>
+  </cs:chartArea>
+  <cs:dataLabel>
+    <cs:lnRef idx="0"/>
+    <cs:fillRef idx="0"/>
+    <cs:effectRef idx="0"/>
+    <cs:fontRef idx="minor">
+      <a:schemeClr val="tx1">
+        <a:lumMod val="75000"/>
+        <a:lumOff val="25000"/>
+      </a:schemeClr>
+    </cs:fontRef>
+    <cs:defRPr sz="900" kern="1200"/>
+  </cs:dataLabel>
+  <cs:dataLabelCallout>
+    <cs:lnRef idx="0"/>
+    <cs:fillRef idx="0"/>
+    <cs:effectRef idx="0"/>
+    <cs:fontRef idx="minor">
+      <a:schemeClr val="dk1">
+        <a:lumMod val="65000"/>
+        <a:lumOff val="35000"/>
+      </a:schemeClr>
+    </cs:fontRef>
+    <cs:spPr>
+      <a:solidFill>
+        <a:schemeClr val="lt1"/>
+      </a:solidFill>
+      <a:ln>
+        <a:solidFill>
+          <a:schemeClr val="dk1">
+            <a:lumMod val="25000"/>
+            <a:lumOff val="75000"/>
+          </a:schemeClr>
+        </a:solidFill>
+      </a:ln>
+    </cs:spPr>
+    <cs:defRPr sz="900" kern="1200"/>
+    <cs:bodyPr rot="0" spcFirstLastPara="1" vertOverflow="clip" horzOverflow="clip" vert="horz" wrap="square" lIns="36576" tIns="18288" rIns="36576" bIns="18288" anchor="ctr" anchorCtr="1">
+      <a:spAutoFit/>
+    </cs:bodyPr>
+  </cs:dataLabelCallout>
+  <cs:dataPoint>
+    <cs:lnRef idx="0"/>
+    <cs:fillRef idx="1">
+      <cs:styleClr val="auto"/>
+    </cs:fillRef>
+    <cs:effectRef idx="0"/>
+    <cs:fontRef idx="minor">
+      <a:schemeClr val="tx1"/>
+    </cs:fontRef>
+    <cs:spPr>
+      <a:solidFill>
+        <a:schemeClr val="phClr"/>
+      </a:solidFill>
+    </cs:spPr>
+  </cs:dataPoint>
+  <cs:dataPoint3D>
+    <cs:lnRef idx="0"/>
+    <cs:fillRef idx="1">
+      <cs:styleClr val="auto"/>
+    </cs:fillRef>
+    <cs:effectRef idx="0"/>
+    <cs:fontRef idx="minor">
+      <a:schemeClr val="tx1"/>
+    </cs:fontRef>
+    <cs:spPr>
+      <a:solidFill>
+        <a:schemeClr val="phClr"/>
+      </a:solidFill>
+    </cs:spPr>
+  </cs:dataPoint3D>
+  <cs:dataPointLine>
+    <cs:lnRef idx="0">
+      <cs:styleClr val="auto"/>
+    </cs:lnRef>
+    <cs:fillRef idx="1"/>
+    <cs:effectRef idx="0"/>
+    <cs:fontRef idx="minor">
+      <a:schemeClr val="tx1"/>
+    </cs:fontRef>
+    <cs:spPr>
+      <a:ln w="28575" cap="rnd">
+        <a:solidFill>
+          <a:schemeClr val="phClr"/>
+        </a:solidFill>
+        <a:round/>
+      </a:ln>
+    </cs:spPr>
+  </cs:dataPointLine>
+  <cs:dataPointMarker>
+    <cs:lnRef idx="0">
+      <cs:styleClr val="auto"/>
+    </cs:lnRef>
+    <cs:fillRef idx="1">
+      <cs:styleClr val="auto"/>
+    </cs:fillRef>
+    <cs:effectRef idx="0"/>
+    <cs:fontRef idx="minor">
+      <a:schemeClr val="tx1"/>
+    </cs:fontRef>
+    <cs:spPr>
+      <a:solidFill>
+        <a:schemeClr val="phClr"/>
+      </a:solidFill>
+      <a:ln w="9525">
+        <a:solidFill>
+          <a:schemeClr val="phClr"/>
+        </a:solidFill>
+      </a:ln>
+    </cs:spPr>
+  </cs:dataPointMarker>
+  <cs:dataPointMarkerLayout symbol="circle" size="5"/>
+  <cs:dataPointWireframe>
+    <cs:lnRef idx="0">
+      <cs:styleClr val="auto"/>
+    </cs:lnRef>
+    <cs:fillRef idx="1"/>
+    <cs:effectRef idx="0"/>
+    <cs:fontRef idx="minor">
+      <a:schemeClr val="tx1"/>
+    </cs:fontRef>
+    <cs:spPr>
+      <a:ln w="9525" cap="rnd">
+        <a:solidFill>
+          <a:schemeClr val="phClr"/>
+        </a:solidFill>
+        <a:round/>
+      </a:ln>
+    </cs:spPr>
+  </cs:dataPointWireframe>
+  <cs:dataTable>
+    <cs:lnRef idx="0"/>
+    <cs:fillRef idx="0"/>
+    <cs:effectRef idx="0"/>
+    <cs:fontRef idx="minor">
+      <a:schemeClr val="tx1">
+        <a:lumMod val="65000"/>
+        <a:lumOff val="35000"/>
+      </a:schemeClr>
+    </cs:fontRef>
+    <cs:spPr>
+      <a:noFill/>
+      <a:ln w="9525" cap="flat" cmpd="sng" algn="ctr">
+        <a:solidFill>
+          <a:schemeClr val="tx1">
+            <a:lumMod val="15000"/>
+            <a:lumOff val="85000"/>
+          </a:schemeClr>
+        </a:solidFill>
+        <a:round/>
+      </a:ln>
+    </cs:spPr>
+    <cs:defRPr sz="900" kern="1200"/>
+  </cs:dataTable>
+  <cs:downBar>
+    <cs:lnRef idx="0"/>
+    <cs:fillRef idx="0"/>
+    <cs:effectRef idx="0"/>
+    <cs:fontRef idx="minor">
+      <a:schemeClr val="dk1"/>
+    </cs:fontRef>
+    <cs:spPr>
+      <a:solidFill>
+        <a:schemeClr val="dk1">
+          <a:lumMod val="65000"/>
+          <a:lumOff val="35000"/>
+        </a:schemeClr>
+      </a:solidFill>
+      <a:ln w="9525">
+        <a:solidFill>
+          <a:schemeClr val="tx1">
+            <a:lumMod val="65000"/>
+            <a:lumOff val="35000"/>
+          </a:schemeClr>
+        </a:solidFill>
+      </a:ln>
+    </cs:spPr>
+  </cs:downBar>
+  <cs:dropLine>
+    <cs:lnRef idx="0"/>
+    <cs:fillRef idx="0"/>
+    <cs:effectRef idx="0"/>
+    <cs:fontRef idx="minor">
+      <a:schemeClr val="tx1"/>
+    </cs:fontRef>
+    <cs:spPr>
+      <a:ln w="9525" cap="flat" cmpd="sng" algn="ctr">
+        <a:solidFill>
+          <a:schemeClr val="tx1">
+            <a:lumMod val="35000"/>
+            <a:lumOff val="65000"/>
+          </a:schemeClr>
+        </a:solidFill>
+        <a:round/>
+      </a:ln>
+    </cs:spPr>
+  </cs:dropLine>
+  <cs:errorBar>
+    <cs:lnRef idx="0"/>
+    <cs:fillRef idx="0"/>
+    <cs:effectRef idx="0"/>
+    <cs:fontRef idx="minor">
+      <a:schemeClr val="tx1"/>
+    </cs:fontRef>
+    <cs:spPr>
+      <a:ln w="9525" cap="flat" cmpd="sng" algn="ctr">
+        <a:solidFill>
+          <a:schemeClr val="tx1">
+            <a:lumMod val="65000"/>
+            <a:lumOff val="35000"/>
+          </a:schemeClr>
+        </a:solidFill>
+        <a:round/>
+      </a:ln>
+    </cs:spPr>
+  </cs:errorBar>
+  <cs:floor>
+    <cs:lnRef idx="0"/>
+    <cs:fillRef idx="0"/>
+    <cs:effectRef idx="0"/>
+    <cs:fontRef idx="minor">
+      <a:schemeClr val="tx1"/>
+    </cs:fontRef>
+    <cs:spPr>
+      <a:noFill/>
+      <a:ln>
+        <a:noFill/>
+      </a:ln>
+    </cs:spPr>
+  </cs:floor>
+  <cs:gridlineMajor>
+    <cs:lnRef idx="0"/>
+    <cs:fillRef idx="0"/>
+    <cs:effectRef idx="0"/>
+    <cs:fontRef idx="minor">
+      <a:schemeClr val="tx1"/>
+    </cs:fontRef>
+    <cs:spPr>
+      <a:ln w="9525" cap="flat" cmpd="sng" algn="ctr">
+        <a:solidFill>
+          <a:schemeClr val="tx1">
+            <a:lumMod val="15000"/>
+            <a:lumOff val="85000"/>
+          </a:schemeClr>
+        </a:solidFill>
+        <a:round/>
+      </a:ln>
+    </cs:spPr>
+  </cs:gridlineMajor>
+  <cs:gridlineMinor>
+    <cs:lnRef idx="0"/>
+    <cs:fillRef idx="0"/>
+    <cs:effectRef idx="0"/>
+    <cs:fontRef idx="minor">
+      <a:schemeClr val="tx1"/>
+    </cs:fontRef>
+    <cs:spPr>
+      <a:ln w="9525" cap="flat" cmpd="sng" algn="ctr">
+        <a:solidFill>
+          <a:schemeClr val="tx1">
+            <a:lumMod val="5000"/>
+            <a:lumOff val="95000"/>
+          </a:schemeClr>
+        </a:solidFill>
+        <a:round/>
+      </a:ln>
+    </cs:spPr>
+  </cs:gridlineMinor>
+  <cs:hiLoLine>
+    <cs:lnRef idx="0"/>
+    <cs:fillRef idx="0"/>
+    <cs:effectRef idx="0"/>
+    <cs:fontRef idx="minor">
+      <a:schemeClr val="tx1"/>
+    </cs:fontRef>
+    <cs:spPr>
+      <a:ln w="9525" cap="flat" cmpd="sng" algn="ctr">
+        <a:solidFill>
+          <a:schemeClr val="tx1">
+            <a:lumMod val="75000"/>
+            <a:lumOff val="25000"/>
+          </a:schemeClr>
+        </a:solidFill>
+        <a:round/>
+      </a:ln>
+    </cs:spPr>
+  </cs:hiLoLine>
+  <cs:leaderLine>
+    <cs:lnRef idx="0"/>
+    <cs:fillRef idx="0"/>
+    <cs:effectRef idx="0"/>
+    <cs:fontRef idx="minor">
+      <a:schemeClr val="tx1"/>
+    </cs:fontRef>
+    <cs:spPr>
+      <a:ln w="9525" cap="flat" cmpd="sng" algn="ctr">
+        <a:solidFill>
+          <a:schemeClr val="tx1">
+            <a:lumMod val="35000"/>
+            <a:lumOff val="65000"/>
+          </a:schemeClr>
+        </a:solidFill>
+        <a:round/>
+      </a:ln>
+    </cs:spPr>
+  </cs:leaderLine>
+  <cs:legend>
+    <cs:lnRef idx="0"/>
+    <cs:fillRef idx="0"/>
+    <cs:effectRef idx="0"/>
+    <cs:fontRef idx="minor">
+      <a:schemeClr val="tx1">
+        <a:lumMod val="65000"/>
+        <a:lumOff val="35000"/>
+      </a:schemeClr>
+    </cs:fontRef>
+    <cs:defRPr sz="900" kern="1200"/>
+  </cs:legend>
+  <cs:plotArea mods="allowNoFillOverride allowNoLineOverride">
+    <cs:lnRef idx="0"/>
+    <cs:fillRef idx="0"/>
+    <cs:effectRef idx="0"/>
+    <cs:fontRef idx="minor">
+      <a:schemeClr val="tx1"/>
+    </cs:fontRef>
+  </cs:plotArea>
+  <cs:plotArea3D mods="allowNoFillOverride allowNoLineOverride">
+    <cs:lnRef idx="0"/>
+    <cs:fillRef idx="0"/>
+    <cs:effectRef idx="0"/>
+    <cs:fontRef idx="minor">
+      <a:schemeClr val="tx1"/>
+    </cs:fontRef>
+  </cs:plotArea3D>
+  <cs:seriesAxis>
+    <cs:lnRef idx="0"/>
+    <cs:fillRef idx="0"/>
+    <cs:effectRef idx="0"/>
+    <cs:fontRef idx="minor">
+      <a:schemeClr val="tx1">
+        <a:lumMod val="65000"/>
+        <a:lumOff val="35000"/>
+      </a:schemeClr>
+    </cs:fontRef>
+    <cs:defRPr sz="900" kern="1200"/>
+  </cs:seriesAxis>
+  <cs:seriesLine>
+    <cs:lnRef idx="0"/>
+    <cs:fillRef idx="0"/>
+    <cs:effectRef idx="0"/>
+    <cs:fontRef idx="minor">
+      <a:schemeClr val="tx1"/>
+    </cs:fontRef>
+    <cs:spPr>
+      <a:ln w="9525" cap="flat" cmpd="sng" algn="ctr">
+        <a:solidFill>
+          <a:schemeClr val="tx1">
+            <a:lumMod val="35000"/>
+            <a:lumOff val="65000"/>
+          </a:schemeClr>
+        </a:solidFill>
+        <a:round/>
+      </a:ln>
+    </cs:spPr>
+  </cs:seriesLine>
+  <cs:title>
+    <cs:lnRef idx="0"/>
+    <cs:fillRef idx="0"/>
+    <cs:effectRef idx="0"/>
+    <cs:fontRef idx="minor">
+      <a:schemeClr val="tx1">
+        <a:lumMod val="65000"/>
+        <a:lumOff val="35000"/>
+      </a:schemeClr>
+    </cs:fontRef>
+    <cs:defRPr sz="1400" b="0" kern="1200" spc="0" baseline="0"/>
+  </cs:title>
+  <cs:trendline>
+    <cs:lnRef idx="0">
+      <cs:styleClr val="auto"/>
+    </cs:lnRef>
+    <cs:fillRef idx="0"/>
+    <cs:effectRef idx="0"/>
+    <cs:fontRef idx="minor">
+      <a:schemeClr val="tx1"/>
+    </cs:fontRef>
+    <cs:spPr>
+      <a:ln w="19050" cap="rnd">
+        <a:solidFill>
+          <a:schemeClr val="phClr"/>
+        </a:solidFill>
+        <a:prstDash val="sysDot"/>
+      </a:ln>
+    </cs:spPr>
+  </cs:trendline>
+  <cs:trendlineLabel>
+    <cs:lnRef idx="0"/>
+    <cs:fillRef idx="0"/>
+    <cs:effectRef idx="0"/>
+    <cs:fontRef idx="minor">
+      <a:schemeClr val="tx1">
+        <a:lumMod val="65000"/>
+        <a:lumOff val="35000"/>
+      </a:schemeClr>
+    </cs:fontRef>
+    <cs:defRPr sz="900" kern="1200"/>
+  </cs:trendlineLabel>
+  <cs:upBar>
+    <cs:lnRef idx="0"/>
+    <cs:fillRef idx="0"/>
+    <cs:effectRef idx="0"/>
+    <cs:fontRef idx="minor">
+      <a:schemeClr val="dk1"/>
+    </cs:fontRef>
+    <cs:spPr>
+      <a:solidFill>
+        <a:schemeClr val="lt1"/>
+      </a:solidFill>
+      <a:ln w="9525">
+        <a:solidFill>
+          <a:schemeClr val="tx1">
+            <a:lumMod val="15000"/>
+            <a:lumOff val="85000"/>
+          </a:schemeClr>
+        </a:solidFill>
+      </a:ln>
+    </cs:spPr>
+  </cs:upBar>
+  <cs:valueAxis>
+    <cs:lnRef idx="0"/>
+    <cs:fillRef idx="0"/>
+    <cs:effectRef idx="0"/>
+    <cs:fontRef idx="minor">
+      <a:schemeClr val="tx1">
+        <a:lumMod val="65000"/>
+        <a:lumOff val="35000"/>
+      </a:schemeClr>
+    </cs:fontRef>
+    <cs:defRPr sz="900" kern="1200"/>
+  </cs:valueAxis>
+  <cs:wall>
+    <cs:lnRef idx="0"/>
+    <cs:fillRef idx="0"/>
+    <cs:effectRef idx="0"/>
+    <cs:fontRef idx="minor">
+      <a:schemeClr val="tx1"/>
+    </cs:fontRef>
+    <cs:spPr>
+      <a:noFill/>
+      <a:ln>
+        <a:noFill/>
+      </a:ln>
+    </cs:spPr>
+  </cs:wall>
+</cs:chartStyle>
+</file>
+
+<file path=ppt/charts/style9.xml><?xml version="1.0" encoding="utf-8"?>
 <cs:chartStyle xmlns:cs="http://schemas.microsoft.com/office/drawing/2012/chartStyle" xmlns:a="http://schemas.openxmlformats.org/drawingml/2006/main" id="227">
   <cs:axisTitle>
     <cs:lnRef idx="0"/>
@@ -10934,7 +14318,7 @@
             <a:pPr algn="r" rtl="0"/>
             <a:fld id="{221A1788-7372-4FAC-9AF0-00B54B8D9CBA}" type="datetime1">
               <a:rPr lang="it-IT" smtClean="0"/>
-              <a:t>14/05/2023</a:t>
+              <a:t>05/07/2023</a:t>
             </a:fld>
             <a:endParaRPr lang="it-IT" dirty="0"/>
           </a:p>
@@ -11104,7 +14488,7 @@
             <a:fld id="{D943A304-85CD-4257-B418-D8F889FE0DBC}" type="datetime1">
               <a:rPr lang="it-IT" smtClean="0"/>
               <a:pPr/>
-              <a:t>14/05/2023</a:t>
+              <a:t>05/07/2023</a:t>
             </a:fld>
             <a:endParaRPr lang="it-IT" dirty="0"/>
           </a:p>
@@ -11503,7 +14887,10 @@
           <a:bodyPr/>
           <a:lstStyle/>
           <a:p>
-            <a:endParaRPr lang="it-IT" dirty="0"/>
+            <a:r>
+              <a:rPr lang="it-IT" dirty="0"/>
+              <a:t>Non ci ricordiamo la lore</a:t>
+            </a:r>
           </a:p>
         </p:txBody>
       </p:sp>
@@ -11535,6 +14922,91 @@
     <p:extLst>
       <p:ext uri="{BB962C8B-B14F-4D97-AF65-F5344CB8AC3E}">
         <p14:creationId xmlns:p14="http://schemas.microsoft.com/office/powerpoint/2010/main" val="1108984394"/>
+      </p:ext>
+    </p:extLst>
+  </p:cSld>
+  <p:clrMapOvr>
+    <a:masterClrMapping/>
+  </p:clrMapOvr>
+</p:notes>
+</file>
+
+<file path=ppt/notesSlides/notesSlide3.xml><?xml version="1.0" encoding="utf-8"?>
+<p:notes xmlns:a="http://schemas.openxmlformats.org/drawingml/2006/main" xmlns:r="http://schemas.openxmlformats.org/officeDocument/2006/relationships" xmlns:p="http://schemas.openxmlformats.org/presentationml/2006/main">
+  <p:cSld>
+    <p:spTree>
+      <p:nvGrpSpPr>
+        <p:cNvPr id="1" name=""/>
+        <p:cNvGrpSpPr/>
+        <p:nvPr/>
+      </p:nvGrpSpPr>
+      <p:grpSpPr>
+        <a:xfrm>
+          <a:off x="0" y="0"/>
+          <a:ext cx="0" cy="0"/>
+          <a:chOff x="0" y="0"/>
+          <a:chExt cx="0" cy="0"/>
+        </a:xfrm>
+      </p:grpSpPr>
+      <p:sp>
+        <p:nvSpPr>
+          <p:cNvPr id="2" name="Slide Image Placeholder 1"/>
+          <p:cNvSpPr>
+            <a:spLocks noGrp="1" noRot="1" noChangeAspect="1"/>
+          </p:cNvSpPr>
+          <p:nvPr>
+            <p:ph type="sldImg"/>
+          </p:nvPr>
+        </p:nvSpPr>
+        <p:spPr/>
+      </p:sp>
+      <p:sp>
+        <p:nvSpPr>
+          <p:cNvPr id="3" name="Notes Placeholder 2"/>
+          <p:cNvSpPr>
+            <a:spLocks noGrp="1"/>
+          </p:cNvSpPr>
+          <p:nvPr>
+            <p:ph type="body" idx="1"/>
+          </p:nvPr>
+        </p:nvSpPr>
+        <p:spPr/>
+        <p:txBody>
+          <a:bodyPr/>
+          <a:lstStyle/>
+          <a:p>
+            <a:endParaRPr lang="it-IT" dirty="0"/>
+          </a:p>
+        </p:txBody>
+      </p:sp>
+      <p:sp>
+        <p:nvSpPr>
+          <p:cNvPr id="4" name="Slide Number Placeholder 3"/>
+          <p:cNvSpPr>
+            <a:spLocks noGrp="1"/>
+          </p:cNvSpPr>
+          <p:nvPr>
+            <p:ph type="sldNum" sz="quarter" idx="5"/>
+          </p:nvPr>
+        </p:nvSpPr>
+        <p:spPr/>
+        <p:txBody>
+          <a:bodyPr/>
+          <a:lstStyle/>
+          <a:p>
+            <a:fld id="{3EBA5BD7-F043-4D1B-AA17-CD412FC534DE}" type="slidenum">
+              <a:rPr lang="it-IT" smtClean="0"/>
+              <a:pPr/>
+              <a:t>20</a:t>
+            </a:fld>
+            <a:endParaRPr lang="it-IT" dirty="0"/>
+          </a:p>
+        </p:txBody>
+      </p:sp>
+    </p:spTree>
+    <p:extLst>
+      <p:ext uri="{BB962C8B-B14F-4D97-AF65-F5344CB8AC3E}">
+        <p14:creationId xmlns:p14="http://schemas.microsoft.com/office/powerpoint/2010/main" val="4232637083"/>
       </p:ext>
     </p:extLst>
   </p:cSld>
@@ -12307,7 +15779,7 @@
             <a:fld id="{3889EF9B-A500-41B6-8F1C-893813E9A898}" type="datetime1">
               <a:rPr lang="it-IT" smtClean="0"/>
               <a:pPr/>
-              <a:t>14/05/2023</a:t>
+              <a:t>05/07/2023</a:t>
             </a:fld>
             <a:endParaRPr lang="it-IT" dirty="0"/>
           </a:p>
@@ -12513,7 +15985,7 @@
             <a:fld id="{6E724BBD-5BEA-4971-A6C4-42E94AF7CB5F}" type="datetime1">
               <a:rPr lang="it-IT" smtClean="0"/>
               <a:pPr/>
-              <a:t>14/05/2023</a:t>
+              <a:t>05/07/2023</a:t>
             </a:fld>
             <a:endParaRPr lang="it-IT" dirty="0"/>
           </a:p>
@@ -12729,7 +16201,7 @@
             <a:fld id="{EF1B2188-7D8C-43C8-B29F-60D01DE77B72}" type="datetime1">
               <a:rPr lang="it-IT" smtClean="0"/>
               <a:pPr/>
-              <a:t>14/05/2023</a:t>
+              <a:t>05/07/2023</a:t>
             </a:fld>
             <a:endParaRPr lang="it-IT" dirty="0"/>
           </a:p>
@@ -12935,7 +16407,7 @@
             <a:fld id="{581DC961-63CE-49AB-921E-1CE3DDEFC80A}" type="datetime1">
               <a:rPr lang="it-IT" smtClean="0"/>
               <a:pPr/>
-              <a:t>14/05/2023</a:t>
+              <a:t>05/07/2023</a:t>
             </a:fld>
             <a:endParaRPr lang="it-IT" dirty="0"/>
           </a:p>
@@ -13379,7 +16851,7 @@
             <a:fld id="{C6066F5F-3C86-4285-A86F-35EFBBDD7800}" type="datetime1">
               <a:rPr lang="it-IT" smtClean="0"/>
               <a:pPr/>
-              <a:t>14/05/2023</a:t>
+              <a:t>05/07/2023</a:t>
             </a:fld>
             <a:endParaRPr lang="it-IT" dirty="0"/>
           </a:p>
@@ -13691,7 +17163,7 @@
             <a:fld id="{0B9BE34E-14EC-4041-A597-EE22FC16794F}" type="datetime1">
               <a:rPr lang="it-IT" smtClean="0"/>
               <a:pPr/>
-              <a:t>14/05/2023</a:t>
+              <a:t>05/07/2023</a:t>
             </a:fld>
             <a:endParaRPr lang="it-IT" dirty="0"/>
           </a:p>
@@ -14155,7 +17627,7 @@
             <a:fld id="{D6FAD192-1BF7-4994-9CBA-74265F19F4C1}" type="datetime1">
               <a:rPr lang="it-IT" smtClean="0"/>
               <a:pPr/>
-              <a:t>14/05/2023</a:t>
+              <a:t>05/07/2023</a:t>
             </a:fld>
             <a:endParaRPr lang="it-IT" dirty="0"/>
           </a:p>
@@ -14293,7 +17765,7 @@
             <a:fld id="{C476DD40-7EBA-46D0-A855-62759524AC7A}" type="datetime1">
               <a:rPr lang="it-IT" smtClean="0"/>
               <a:pPr/>
-              <a:t>14/05/2023</a:t>
+              <a:t>05/07/2023</a:t>
             </a:fld>
             <a:endParaRPr lang="it-IT" dirty="0"/>
           </a:p>
@@ -14407,7 +17879,7 @@
             <a:fld id="{C62E4D95-88E1-4556-89BE-EC650C1D14A8}" type="datetime1">
               <a:rPr lang="it-IT" smtClean="0"/>
               <a:pPr/>
-              <a:t>14/05/2023</a:t>
+              <a:t>05/07/2023</a:t>
             </a:fld>
             <a:endParaRPr lang="it-IT" dirty="0"/>
           </a:p>
@@ -14714,7 +18186,7 @@
             <a:fld id="{1F9867D3-FC26-40B1-8BB9-B19FF8D6CD45}" type="datetime1">
               <a:rPr lang="it-IT" smtClean="0"/>
               <a:pPr/>
-              <a:t>14/05/2023</a:t>
+              <a:t>05/07/2023</a:t>
             </a:fld>
             <a:endParaRPr lang="it-IT" dirty="0"/>
           </a:p>
@@ -15011,7 +18483,7 @@
             <a:fld id="{5B0EE21F-92EE-4289-AFFB-9252D957F459}" type="datetime1">
               <a:rPr lang="it-IT" smtClean="0"/>
               <a:pPr/>
-              <a:t>14/05/2023</a:t>
+              <a:t>05/07/2023</a:t>
             </a:fld>
             <a:endParaRPr lang="it-IT" dirty="0"/>
           </a:p>
@@ -15635,7 +19107,7 @@
             <a:fld id="{8A756645-DD8C-4009-9A84-A4AD56EB55A9}" type="datetime1">
               <a:rPr lang="it-IT" smtClean="0"/>
               <a:pPr/>
-              <a:t>14/05/2023</a:t>
+              <a:t>05/07/2023</a:t>
             </a:fld>
             <a:endParaRPr lang="it-IT" dirty="0"/>
           </a:p>
@@ -17780,13 +21252,13 @@
             <p:ph idx="1"/>
             <p:extLst>
               <p:ext uri="{D42A27DB-BD31-4B8C-83A1-F6EECF244321}">
-                <p14:modId xmlns:p14="http://schemas.microsoft.com/office/powerpoint/2010/main" val="1727965080"/>
+                <p14:modId xmlns:p14="http://schemas.microsoft.com/office/powerpoint/2010/main" val="3227366197"/>
               </p:ext>
             </p:extLst>
           </p:nvPr>
         </p:nvGraphicFramePr>
         <p:xfrm>
-          <a:off x="1219200" y="1052736"/>
+          <a:off x="1219359" y="1052736"/>
           <a:ext cx="10360025" cy="5400600"/>
         </p:xfrm>
         <a:graphic>
@@ -18683,6 +22155,123 @@
 </p:sld>
 </file>
 
+<file path=ppt/slides/slide19.xml><?xml version="1.0" encoding="utf-8"?>
+<p:sld xmlns:a="http://schemas.openxmlformats.org/drawingml/2006/main" xmlns:r="http://schemas.openxmlformats.org/officeDocument/2006/relationships" xmlns:p="http://schemas.openxmlformats.org/presentationml/2006/main">
+  <p:cSld>
+    <p:spTree>
+      <p:nvGrpSpPr>
+        <p:cNvPr id="1" name=""/>
+        <p:cNvGrpSpPr/>
+        <p:nvPr/>
+      </p:nvGrpSpPr>
+      <p:grpSpPr>
+        <a:xfrm>
+          <a:off x="0" y="0"/>
+          <a:ext cx="0" cy="0"/>
+          <a:chOff x="0" y="0"/>
+          <a:chExt cx="0" cy="0"/>
+        </a:xfrm>
+      </p:grpSpPr>
+      <p:sp>
+        <p:nvSpPr>
+          <p:cNvPr id="2" name="Title 1">
+            <a:extLst>
+              <a:ext uri="{FF2B5EF4-FFF2-40B4-BE49-F238E27FC236}">
+                <a16:creationId xmlns:a16="http://schemas.microsoft.com/office/drawing/2014/main" id="{1B510F90-B0D5-B7B9-6E72-93E01419D300}"/>
+              </a:ext>
+            </a:extLst>
+          </p:cNvPr>
+          <p:cNvSpPr>
+            <a:spLocks noGrp="1"/>
+          </p:cNvSpPr>
+          <p:nvPr>
+            <p:ph type="title"/>
+          </p:nvPr>
+        </p:nvSpPr>
+        <p:spPr>
+          <a:xfrm>
+            <a:off x="1218883" y="274637"/>
+            <a:ext cx="10360501" cy="562075"/>
+          </a:xfrm>
+        </p:spPr>
+        <p:txBody>
+          <a:bodyPr>
+            <a:normAutofit fontScale="90000"/>
+          </a:bodyPr>
+          <a:lstStyle/>
+          <a:p>
+            <a:pPr algn="ctr"/>
+            <a:r>
+              <a:rPr lang="it-IT" dirty="0"/>
+              <a:t>GPU </a:t>
+            </a:r>
+            <a:r>
+              <a:rPr lang="it-IT" dirty="0" err="1"/>
+              <a:t>execution</a:t>
+            </a:r>
+            <a:r>
+              <a:rPr lang="it-IT" dirty="0"/>
+              <a:t> time</a:t>
+            </a:r>
+          </a:p>
+        </p:txBody>
+      </p:sp>
+      <p:graphicFrame>
+        <p:nvGraphicFramePr>
+          <p:cNvPr id="4" name="Content Placeholder 3">
+            <a:extLst>
+              <a:ext uri="{FF2B5EF4-FFF2-40B4-BE49-F238E27FC236}">
+                <a16:creationId xmlns:a16="http://schemas.microsoft.com/office/drawing/2014/main" id="{04888283-E5FC-8636-EF6C-C2572293D5EB}"/>
+              </a:ext>
+            </a:extLst>
+          </p:cNvPr>
+          <p:cNvGraphicFramePr>
+            <a:graphicFrameLocks noGrp="1"/>
+          </p:cNvGraphicFramePr>
+          <p:nvPr>
+            <p:ph idx="1"/>
+            <p:extLst>
+              <p:ext uri="{D42A27DB-BD31-4B8C-83A1-F6EECF244321}">
+                <p14:modId xmlns:p14="http://schemas.microsoft.com/office/powerpoint/2010/main" val="769579503"/>
+              </p:ext>
+            </p:extLst>
+          </p:nvPr>
+        </p:nvGraphicFramePr>
+        <p:xfrm>
+          <a:off x="909836" y="908050"/>
+          <a:ext cx="10945216" cy="5617294"/>
+        </p:xfrm>
+        <a:graphic>
+          <a:graphicData uri="http://schemas.openxmlformats.org/drawingml/2006/chart">
+            <c:chart xmlns:c="http://schemas.openxmlformats.org/drawingml/2006/chart" xmlns:r="http://schemas.openxmlformats.org/officeDocument/2006/relationships" r:id="rId2"/>
+          </a:graphicData>
+        </a:graphic>
+      </p:graphicFrame>
+    </p:spTree>
+    <p:extLst>
+      <p:ext uri="{BB962C8B-B14F-4D97-AF65-F5344CB8AC3E}">
+        <p14:creationId xmlns:p14="http://schemas.microsoft.com/office/powerpoint/2010/main" val="1620204499"/>
+      </p:ext>
+    </p:extLst>
+  </p:cSld>
+  <p:clrMapOvr>
+    <a:masterClrMapping/>
+  </p:clrMapOvr>
+  <mc:AlternateContent xmlns:mc="http://schemas.openxmlformats.org/markup-compatibility/2006" xmlns:p14="http://schemas.microsoft.com/office/powerpoint/2010/main">
+    <mc:Choice Requires="p14">
+      <p:transition spd="med" p14:dur="700">
+        <p:fade/>
+      </p:transition>
+    </mc:Choice>
+    <mc:Fallback xmlns="">
+      <p:transition spd="med">
+        <p:fade/>
+      </p:transition>
+    </mc:Fallback>
+  </mc:AlternateContent>
+</p:sld>
+</file>
+
 <file path=ppt/slides/slide2.xml><?xml version="1.0" encoding="utf-8"?>
 <p:sld xmlns:a="http://schemas.openxmlformats.org/drawingml/2006/main" xmlns:r="http://schemas.openxmlformats.org/officeDocument/2006/relationships" xmlns:p="http://schemas.openxmlformats.org/presentationml/2006/main">
   <p:cSld>
@@ -18798,6 +22387,382 @@
     </mc:Choice>
     <mc:Fallback xmlns="">
       <p:transition spd="slow">
+        <p:fade/>
+      </p:transition>
+    </mc:Fallback>
+  </mc:AlternateContent>
+</p:sld>
+</file>
+
+<file path=ppt/slides/slide20.xml><?xml version="1.0" encoding="utf-8"?>
+<p:sld xmlns:a="http://schemas.openxmlformats.org/drawingml/2006/main" xmlns:r="http://schemas.openxmlformats.org/officeDocument/2006/relationships" xmlns:p="http://schemas.openxmlformats.org/presentationml/2006/main">
+  <p:cSld>
+    <p:spTree>
+      <p:nvGrpSpPr>
+        <p:cNvPr id="1" name=""/>
+        <p:cNvGrpSpPr/>
+        <p:nvPr/>
+      </p:nvGrpSpPr>
+      <p:grpSpPr>
+        <a:xfrm>
+          <a:off x="0" y="0"/>
+          <a:ext cx="0" cy="0"/>
+          <a:chOff x="0" y="0"/>
+          <a:chExt cx="0" cy="0"/>
+        </a:xfrm>
+      </p:grpSpPr>
+      <p:sp>
+        <p:nvSpPr>
+          <p:cNvPr id="2" name="Title 1">
+            <a:extLst>
+              <a:ext uri="{FF2B5EF4-FFF2-40B4-BE49-F238E27FC236}">
+                <a16:creationId xmlns:a16="http://schemas.microsoft.com/office/drawing/2014/main" id="{1B510F90-B0D5-B7B9-6E72-93E01419D300}"/>
+              </a:ext>
+            </a:extLst>
+          </p:cNvPr>
+          <p:cNvSpPr>
+            <a:spLocks noGrp="1"/>
+          </p:cNvSpPr>
+          <p:nvPr>
+            <p:ph type="title"/>
+          </p:nvPr>
+        </p:nvSpPr>
+        <p:spPr>
+          <a:xfrm>
+            <a:off x="1218883" y="274637"/>
+            <a:ext cx="10360501" cy="562075"/>
+          </a:xfrm>
+        </p:spPr>
+        <p:txBody>
+          <a:bodyPr>
+            <a:normAutofit fontScale="90000"/>
+          </a:bodyPr>
+          <a:lstStyle/>
+          <a:p>
+            <a:pPr algn="ctr"/>
+            <a:r>
+              <a:rPr lang="it-IT" dirty="0"/>
+              <a:t>GPU </a:t>
+            </a:r>
+            <a:r>
+              <a:rPr lang="it-IT" dirty="0" err="1"/>
+              <a:t>speedup</a:t>
+            </a:r>
+            <a:endParaRPr lang="it-IT" dirty="0"/>
+          </a:p>
+        </p:txBody>
+      </p:sp>
+      <p:graphicFrame>
+        <p:nvGraphicFramePr>
+          <p:cNvPr id="6" name="Content Placeholder 5">
+            <a:extLst>
+              <a:ext uri="{FF2B5EF4-FFF2-40B4-BE49-F238E27FC236}">
+                <a16:creationId xmlns:a16="http://schemas.microsoft.com/office/drawing/2014/main" id="{D41F36EA-79DA-4F4F-B59F-BACC2A84DF39}"/>
+              </a:ext>
+            </a:extLst>
+          </p:cNvPr>
+          <p:cNvGraphicFramePr>
+            <a:graphicFrameLocks noGrp="1"/>
+          </p:cNvGraphicFramePr>
+          <p:nvPr>
+            <p:ph idx="1"/>
+            <p:extLst>
+              <p:ext uri="{D42A27DB-BD31-4B8C-83A1-F6EECF244321}">
+                <p14:modId xmlns:p14="http://schemas.microsoft.com/office/powerpoint/2010/main" val="3087264796"/>
+              </p:ext>
+            </p:extLst>
+          </p:nvPr>
+        </p:nvGraphicFramePr>
+        <p:xfrm>
+          <a:off x="765820" y="692696"/>
+          <a:ext cx="6696744" cy="6165304"/>
+        </p:xfrm>
+        <a:graphic>
+          <a:graphicData uri="http://schemas.openxmlformats.org/drawingml/2006/chart">
+            <c:chart xmlns:c="http://schemas.openxmlformats.org/drawingml/2006/chart" xmlns:r="http://schemas.openxmlformats.org/officeDocument/2006/relationships" r:id="rId3"/>
+          </a:graphicData>
+        </a:graphic>
+      </p:graphicFrame>
+      <p:sp>
+        <p:nvSpPr>
+          <p:cNvPr id="8" name="Content Placeholder 3">
+            <a:extLst>
+              <a:ext uri="{FF2B5EF4-FFF2-40B4-BE49-F238E27FC236}">
+                <a16:creationId xmlns:a16="http://schemas.microsoft.com/office/drawing/2014/main" id="{AF7FCEA8-3585-0A3A-55B8-E104F2ABB6A3}"/>
+              </a:ext>
+            </a:extLst>
+          </p:cNvPr>
+          <p:cNvSpPr txBox="1">
+            <a:spLocks/>
+          </p:cNvSpPr>
+          <p:nvPr/>
+        </p:nvSpPr>
+        <p:spPr>
+          <a:xfrm>
+            <a:off x="7390556" y="1052736"/>
+            <a:ext cx="4320480" cy="5361050"/>
+          </a:xfrm>
+          <a:prstGeom prst="rect">
+            <a:avLst/>
+          </a:prstGeom>
+        </p:spPr>
+        <p:txBody>
+          <a:bodyPr>
+            <a:normAutofit lnSpcReduction="10000"/>
+          </a:bodyPr>
+          <a:lstStyle>
+            <a:lvl1pPr marL="304747" indent="-304747" algn="l" defTabSz="1218987" rtl="0" eaLnBrk="1" latinLnBrk="0" hangingPunct="1">
+              <a:lnSpc>
+                <a:spcPct val="90000"/>
+              </a:lnSpc>
+              <a:spcBef>
+                <a:spcPts val="1600"/>
+              </a:spcBef>
+              <a:buClr>
+                <a:schemeClr val="accent1"/>
+              </a:buClr>
+              <a:buSzPct val="100000"/>
+              <a:buFont typeface="Arial" pitchFamily="34" charset="0"/>
+              <a:buChar char="•"/>
+              <a:defRPr sz="2800" kern="1200">
+                <a:solidFill>
+                  <a:schemeClr val="tx1"/>
+                </a:solidFill>
+                <a:latin typeface="+mn-lt"/>
+                <a:ea typeface="+mn-ea"/>
+                <a:cs typeface="+mn-cs"/>
+              </a:defRPr>
+            </a:lvl1pPr>
+            <a:lvl2pPr marL="609493" indent="-231607" algn="l" defTabSz="1218987" rtl="0" eaLnBrk="1" latinLnBrk="0" hangingPunct="1">
+              <a:lnSpc>
+                <a:spcPct val="90000"/>
+              </a:lnSpc>
+              <a:spcBef>
+                <a:spcPts val="800"/>
+              </a:spcBef>
+              <a:buClr>
+                <a:schemeClr val="accent1"/>
+              </a:buClr>
+              <a:buSzPct val="80000"/>
+              <a:buFont typeface="Arial" pitchFamily="34" charset="0"/>
+              <a:buChar char="•"/>
+              <a:defRPr sz="2400" kern="1200">
+                <a:solidFill>
+                  <a:schemeClr val="tx1"/>
+                </a:solidFill>
+                <a:latin typeface="+mn-lt"/>
+                <a:ea typeface="+mn-ea"/>
+                <a:cs typeface="+mn-cs"/>
+              </a:defRPr>
+            </a:lvl2pPr>
+            <a:lvl3pPr marL="914240" indent="-231607" algn="l" defTabSz="1218987" rtl="0" eaLnBrk="1" latinLnBrk="0" hangingPunct="1">
+              <a:lnSpc>
+                <a:spcPct val="90000"/>
+              </a:lnSpc>
+              <a:spcBef>
+                <a:spcPts val="800"/>
+              </a:spcBef>
+              <a:buClr>
+                <a:schemeClr val="accent1"/>
+              </a:buClr>
+              <a:buSzPct val="80000"/>
+              <a:buFont typeface="Arial" pitchFamily="34" charset="0"/>
+              <a:buChar char="•"/>
+              <a:defRPr sz="2000" kern="1200">
+                <a:solidFill>
+                  <a:schemeClr val="tx1"/>
+                </a:solidFill>
+                <a:latin typeface="+mn-lt"/>
+                <a:ea typeface="+mn-ea"/>
+                <a:cs typeface="+mn-cs"/>
+              </a:defRPr>
+            </a:lvl3pPr>
+            <a:lvl4pPr marL="1218987" indent="-231607" algn="l" defTabSz="1218987" rtl="0" eaLnBrk="1" latinLnBrk="0" hangingPunct="1">
+              <a:lnSpc>
+                <a:spcPct val="90000"/>
+              </a:lnSpc>
+              <a:spcBef>
+                <a:spcPts val="800"/>
+              </a:spcBef>
+              <a:buClr>
+                <a:schemeClr val="accent1"/>
+              </a:buClr>
+              <a:buSzPct val="80000"/>
+              <a:buFont typeface="Arial" pitchFamily="34" charset="0"/>
+              <a:buChar char="•"/>
+              <a:defRPr sz="2000" kern="1200">
+                <a:solidFill>
+                  <a:schemeClr val="tx1"/>
+                </a:solidFill>
+                <a:latin typeface="+mn-lt"/>
+                <a:ea typeface="+mn-ea"/>
+                <a:cs typeface="+mn-cs"/>
+              </a:defRPr>
+            </a:lvl4pPr>
+            <a:lvl5pPr marL="1523733" indent="-231607" algn="l" defTabSz="1218987" rtl="0" eaLnBrk="1" latinLnBrk="0" hangingPunct="1">
+              <a:lnSpc>
+                <a:spcPct val="90000"/>
+              </a:lnSpc>
+              <a:spcBef>
+                <a:spcPts val="800"/>
+              </a:spcBef>
+              <a:buClr>
+                <a:schemeClr val="accent1"/>
+              </a:buClr>
+              <a:buSzPct val="80000"/>
+              <a:buFont typeface="Arial" pitchFamily="34" charset="0"/>
+              <a:buChar char="•"/>
+              <a:defRPr sz="2000" kern="1200">
+                <a:solidFill>
+                  <a:schemeClr val="tx1"/>
+                </a:solidFill>
+                <a:latin typeface="+mn-lt"/>
+                <a:ea typeface="+mn-ea"/>
+                <a:cs typeface="+mn-cs"/>
+              </a:defRPr>
+            </a:lvl5pPr>
+            <a:lvl6pPr marL="1828480" indent="-231607" algn="l" defTabSz="1218987" rtl="0" eaLnBrk="1" latinLnBrk="0" hangingPunct="1">
+              <a:lnSpc>
+                <a:spcPct val="90000"/>
+              </a:lnSpc>
+              <a:spcBef>
+                <a:spcPts val="800"/>
+              </a:spcBef>
+              <a:buClr>
+                <a:schemeClr val="accent1"/>
+              </a:buClr>
+              <a:buSzPct val="80000"/>
+              <a:buFont typeface="Arial" pitchFamily="34" charset="0"/>
+              <a:buChar char="•"/>
+              <a:defRPr sz="2000" kern="1200">
+                <a:solidFill>
+                  <a:schemeClr val="tx1"/>
+                </a:solidFill>
+                <a:latin typeface="+mn-lt"/>
+                <a:ea typeface="+mn-ea"/>
+                <a:cs typeface="+mn-cs"/>
+              </a:defRPr>
+            </a:lvl6pPr>
+            <a:lvl7pPr marL="2133227" indent="-231607" algn="l" defTabSz="1218987" rtl="0" eaLnBrk="1" latinLnBrk="0" hangingPunct="1">
+              <a:lnSpc>
+                <a:spcPct val="90000"/>
+              </a:lnSpc>
+              <a:spcBef>
+                <a:spcPts val="800"/>
+              </a:spcBef>
+              <a:buClr>
+                <a:schemeClr val="accent1"/>
+              </a:buClr>
+              <a:buSzPct val="80000"/>
+              <a:buFont typeface="Arial" pitchFamily="34" charset="0"/>
+              <a:buChar char="•"/>
+              <a:defRPr sz="2000" kern="1200">
+                <a:solidFill>
+                  <a:schemeClr val="tx1"/>
+                </a:solidFill>
+                <a:latin typeface="+mn-lt"/>
+                <a:ea typeface="+mn-ea"/>
+                <a:cs typeface="+mn-cs"/>
+              </a:defRPr>
+            </a:lvl7pPr>
+            <a:lvl8pPr marL="2437973" indent="-231607" algn="l" defTabSz="1218987" rtl="0" eaLnBrk="1" latinLnBrk="0" hangingPunct="1">
+              <a:lnSpc>
+                <a:spcPct val="90000"/>
+              </a:lnSpc>
+              <a:spcBef>
+                <a:spcPts val="800"/>
+              </a:spcBef>
+              <a:buClr>
+                <a:schemeClr val="accent1"/>
+              </a:buClr>
+              <a:buSzPct val="80000"/>
+              <a:buFont typeface="Arial" pitchFamily="34" charset="0"/>
+              <a:buChar char="•"/>
+              <a:defRPr sz="2000" kern="1200" baseline="0">
+                <a:solidFill>
+                  <a:schemeClr val="tx1"/>
+                </a:solidFill>
+                <a:latin typeface="+mn-lt"/>
+                <a:ea typeface="+mn-ea"/>
+                <a:cs typeface="+mn-cs"/>
+              </a:defRPr>
+            </a:lvl8pPr>
+            <a:lvl9pPr marL="2742720" indent="-231607" algn="l" defTabSz="1218987" rtl="0" eaLnBrk="1" latinLnBrk="0" hangingPunct="1">
+              <a:lnSpc>
+                <a:spcPct val="90000"/>
+              </a:lnSpc>
+              <a:spcBef>
+                <a:spcPts val="800"/>
+              </a:spcBef>
+              <a:buClr>
+                <a:schemeClr val="accent1"/>
+              </a:buClr>
+              <a:buSzPct val="80000"/>
+              <a:buFont typeface="Arial" pitchFamily="34" charset="0"/>
+              <a:buChar char="•"/>
+              <a:defRPr sz="2000" kern="1200" baseline="0">
+                <a:solidFill>
+                  <a:schemeClr val="tx1"/>
+                </a:solidFill>
+                <a:latin typeface="+mn-lt"/>
+                <a:ea typeface="+mn-ea"/>
+                <a:cs typeface="+mn-cs"/>
+              </a:defRPr>
+            </a:lvl9pPr>
+          </a:lstStyle>
+          <a:p>
+            <a:pPr marL="514350" indent="-514350">
+              <a:buFont typeface="+mj-lt"/>
+              <a:buAutoNum type="arabicPeriod"/>
+            </a:pPr>
+            <a:r>
+              <a:rPr lang="en-US" dirty="0"/>
+              <a:t>With a small dataset, increasing the number of threads reduces the speedup</a:t>
+            </a:r>
+          </a:p>
+          <a:p>
+            <a:pPr marL="514350" indent="-514350">
+              <a:buFont typeface="+mj-lt"/>
+              <a:buAutoNum type="arabicPeriod"/>
+            </a:pPr>
+            <a:r>
+              <a:rPr lang="en-US" dirty="0"/>
+              <a:t>With larger datasets, increasing the number of threads yields an improved speedup with progressively diminishing returns until a threshold</a:t>
+            </a:r>
+          </a:p>
+          <a:p>
+            <a:pPr marL="514350" indent="-514350">
+              <a:buFont typeface="+mj-lt"/>
+              <a:buAutoNum type="arabicPeriod"/>
+            </a:pPr>
+            <a:r>
+              <a:rPr lang="en-US" dirty="0"/>
+              <a:t>With a larger dataset the speedup increases, except for 100M</a:t>
+            </a:r>
+          </a:p>
+          <a:p>
+            <a:endParaRPr lang="en-US" dirty="0"/>
+          </a:p>
+        </p:txBody>
+      </p:sp>
+    </p:spTree>
+    <p:extLst>
+      <p:ext uri="{BB962C8B-B14F-4D97-AF65-F5344CB8AC3E}">
+        <p14:creationId xmlns:p14="http://schemas.microsoft.com/office/powerpoint/2010/main" val="4226225075"/>
+      </p:ext>
+    </p:extLst>
+  </p:cSld>
+  <p:clrMapOvr>
+    <a:masterClrMapping/>
+  </p:clrMapOvr>
+  <mc:AlternateContent xmlns:mc="http://schemas.openxmlformats.org/markup-compatibility/2006">
+    <mc:Choice xmlns:p14="http://schemas.microsoft.com/office/powerpoint/2010/main" Requires="p14">
+      <p:transition spd="med" p14:dur="700">
+        <p:fade/>
+      </p:transition>
+    </mc:Choice>
+    <mc:Fallback>
+      <p:transition spd="med">
         <p:fade/>
       </p:transition>
     </mc:Fallback>
@@ -19747,7 +23712,10 @@
               <a:rPr lang="it-IT" dirty="0" err="1"/>
               <a:t>Speedup</a:t>
             </a:r>
-            <a:endParaRPr lang="it-IT" dirty="0"/>
+            <a:r>
+              <a:rPr lang="it-IT" dirty="0"/>
+              <a:t> (da ricontrollare)</a:t>
+            </a:r>
           </a:p>
         </p:txBody>
       </p:sp>
@@ -19823,13 +23791,13 @@
   <p:clrMapOvr>
     <a:masterClrMapping/>
   </p:clrMapOvr>
-  <mc:AlternateContent xmlns:mc="http://schemas.openxmlformats.org/markup-compatibility/2006">
-    <mc:Choice xmlns:p14="http://schemas.microsoft.com/office/powerpoint/2010/main" Requires="p14">
+  <mc:AlternateContent xmlns:mc="http://schemas.openxmlformats.org/markup-compatibility/2006" xmlns:p14="http://schemas.microsoft.com/office/powerpoint/2010/main">
+    <mc:Choice Requires="p14">
       <p:transition spd="med" p14:dur="700">
         <p:fade/>
       </p:transition>
     </mc:Choice>
-    <mc:Fallback>
+    <mc:Fallback xmlns="">
       <p:transition spd="med">
         <p:fade/>
       </p:transition>
@@ -20058,7 +24026,7 @@
             <a:r>
               <a:rPr lang="en-US" b="1" dirty="0">
                 <a:solidFill>
-                  <a:schemeClr val="accent5"/>
+                  <a:srgbClr val="FF0000"/>
                 </a:solidFill>
               </a:rPr>
               <a:t>from 212ms to 137ms</a:t>
@@ -20070,26 +24038,26 @@
             <a:r>
               <a:rPr lang="en-US" b="1" dirty="0">
                 <a:solidFill>
-                  <a:schemeClr val="accent5"/>
+                  <a:srgbClr val="FF0000"/>
                 </a:solidFill>
               </a:rPr>
               <a:t>from 26ms to 49ms</a:t>
             </a:r>
             <a:r>
               <a:rPr lang="en-US" dirty="0"/>
-              <a:t>. Therefore the total iteration time is reduced </a:t>
-            </a:r>
-            <a:r>
-              <a:rPr lang="en-US" b="1" dirty="0"/>
-              <a:t>from </a:t>
+              <a:t>. Therefore, the total iteration time is reduced </a:t>
             </a:r>
             <a:r>
               <a:rPr lang="en-US" b="1" dirty="0">
                 <a:solidFill>
-                  <a:schemeClr val="accent5"/>
+                  <a:srgbClr val="FF0000"/>
                 </a:solidFill>
               </a:rPr>
-              <a:t>239ms to 186ms.</a:t>
+              <a:t>from 239ms to 186ms</a:t>
+            </a:r>
+            <a:r>
+              <a:rPr lang="en-US" b="1" dirty="0"/>
+              <a:t>.</a:t>
             </a:r>
           </a:p>
           <a:p>
@@ -21076,6 +25044,151 @@
 </file>
 
 <file path=customXml/item1.xml><?xml version="1.0" encoding="utf-8"?>
+<?mso-contentType ?>
+<FormTemplates xmlns="http://schemas.microsoft.com/sharepoint/v3/contenttype/forms">
+  <Display>DocumentLibraryForm</Display>
+  <Edit>AssetEditForm</Edit>
+  <New>DocumentLibraryForm</New>
+</FormTemplates>
+</file>
+
+<file path=customXml/item2.xml><?xml version="1.0" encoding="utf-8"?>
+<p:properties xmlns:p="http://schemas.microsoft.com/office/2006/metadata/properties" xmlns:xsi="http://www.w3.org/2001/XMLSchema-instance" xmlns:pc="http://schemas.microsoft.com/office/infopath/2007/PartnerControls">
+  <documentManagement>
+    <LocPublishedLinkedAssetsLookup xmlns="4873beb7-5857-4685-be1f-d57550cc96cc" xsi:nil="true"/>
+    <ApprovalStatus xmlns="4873beb7-5857-4685-be1f-d57550cc96cc">InProgress</ApprovalStatus>
+    <MarketSpecific xmlns="4873beb7-5857-4685-be1f-d57550cc96cc">false</MarketSpecific>
+    <LocComments xmlns="4873beb7-5857-4685-be1f-d57550cc96cc" xsi:nil="true"/>
+    <LocLastLocAttemptVersionTypeLookup xmlns="4873beb7-5857-4685-be1f-d57550cc96cc" xsi:nil="true"/>
+    <DirectSourceMarket xmlns="4873beb7-5857-4685-be1f-d57550cc96cc" xsi:nil="true"/>
+    <ThumbnailAssetId xmlns="4873beb7-5857-4685-be1f-d57550cc96cc" xsi:nil="true"/>
+    <PrimaryImageGen xmlns="4873beb7-5857-4685-be1f-d57550cc96cc">false</PrimaryImageGen>
+    <LocNewPublishedVersionLookup xmlns="4873beb7-5857-4685-be1f-d57550cc96cc" xsi:nil="true"/>
+    <LegacyData xmlns="4873beb7-5857-4685-be1f-d57550cc96cc" xsi:nil="true"/>
+    <LocRecommendedHandoff xmlns="4873beb7-5857-4685-be1f-d57550cc96cc" xsi:nil="true"/>
+    <BusinessGroup xmlns="4873beb7-5857-4685-be1f-d57550cc96cc" xsi:nil="true"/>
+    <BlockPublish xmlns="4873beb7-5857-4685-be1f-d57550cc96cc">false</BlockPublish>
+    <TPFriendlyName xmlns="4873beb7-5857-4685-be1f-d57550cc96cc" xsi:nil="true"/>
+    <LocOverallPublishStatusLookup xmlns="4873beb7-5857-4685-be1f-d57550cc96cc" xsi:nil="true"/>
+    <NumericId xmlns="4873beb7-5857-4685-be1f-d57550cc96cc" xsi:nil="true"/>
+    <APEditor xmlns="4873beb7-5857-4685-be1f-d57550cc96cc">
+      <UserInfo>
+        <DisplayName/>
+        <AccountId xsi:nil="true"/>
+        <AccountType/>
+      </UserInfo>
+    </APEditor>
+    <SourceTitle xmlns="4873beb7-5857-4685-be1f-d57550cc96cc" xsi:nil="true"/>
+    <OpenTemplate xmlns="4873beb7-5857-4685-be1f-d57550cc96cc">true</OpenTemplate>
+    <LocOverallLocStatusLookup xmlns="4873beb7-5857-4685-be1f-d57550cc96cc" xsi:nil="true"/>
+    <UALocComments xmlns="4873beb7-5857-4685-be1f-d57550cc96cc" xsi:nil="true"/>
+    <ParentAssetId xmlns="4873beb7-5857-4685-be1f-d57550cc96cc" xsi:nil="true"/>
+    <IntlLangReviewDate xmlns="4873beb7-5857-4685-be1f-d57550cc96cc" xsi:nil="true"/>
+    <FeatureTagsTaxHTField0 xmlns="4873beb7-5857-4685-be1f-d57550cc96cc">
+      <Terms xmlns="http://schemas.microsoft.com/office/infopath/2007/PartnerControls"/>
+    </FeatureTagsTaxHTField0>
+    <PublishStatusLookup xmlns="4873beb7-5857-4685-be1f-d57550cc96cc">
+      <Value>1345093</Value>
+    </PublishStatusLookup>
+    <Providers xmlns="4873beb7-5857-4685-be1f-d57550cc96cc" xsi:nil="true"/>
+    <MachineTranslated xmlns="4873beb7-5857-4685-be1f-d57550cc96cc">false</MachineTranslated>
+    <OriginalSourceMarket xmlns="4873beb7-5857-4685-be1f-d57550cc96cc" xsi:nil="true"/>
+    <APDescription xmlns="4873beb7-5857-4685-be1f-d57550cc96cc">This simple template design works for technology and  businesses, but it's versatile enough to use in other contexts.  It features multiple slide layouts designed for widescreen (16x9 resolution) and includes a sample SmartArt list and chart that are easily editable.</APDescription>
+    <ClipArtFilename xmlns="4873beb7-5857-4685-be1f-d57550cc96cc" xsi:nil="true"/>
+    <ContentItem xmlns="4873beb7-5857-4685-be1f-d57550cc96cc" xsi:nil="true"/>
+    <TPInstallLocation xmlns="4873beb7-5857-4685-be1f-d57550cc96cc" xsi:nil="true"/>
+    <PublishTargets xmlns="4873beb7-5857-4685-be1f-d57550cc96cc">OfficeOnlineVNext</PublishTargets>
+    <TimesCloned xmlns="4873beb7-5857-4685-be1f-d57550cc96cc" xsi:nil="true"/>
+    <AssetStart xmlns="4873beb7-5857-4685-be1f-d57550cc96cc">2011-11-26T00:30:00+00:00</AssetStart>
+    <Provider xmlns="4873beb7-5857-4685-be1f-d57550cc96cc" xsi:nil="true"/>
+    <AcquiredFrom xmlns="4873beb7-5857-4685-be1f-d57550cc96cc">Internal MS</AcquiredFrom>
+    <FriendlyTitle xmlns="4873beb7-5857-4685-be1f-d57550cc96cc" xsi:nil="true"/>
+    <LastHandOff xmlns="4873beb7-5857-4685-be1f-d57550cc96cc" xsi:nil="true"/>
+    <TPClientViewer xmlns="4873beb7-5857-4685-be1f-d57550cc96cc" xsi:nil="true"/>
+    <TemplateStatus xmlns="4873beb7-5857-4685-be1f-d57550cc96cc">Complete</TemplateStatus>
+    <Downloads xmlns="4873beb7-5857-4685-be1f-d57550cc96cc">0</Downloads>
+    <OOCacheId xmlns="4873beb7-5857-4685-be1f-d57550cc96cc" xsi:nil="true"/>
+    <IsDeleted xmlns="4873beb7-5857-4685-be1f-d57550cc96cc">false</IsDeleted>
+    <LocPublishedDependentAssetsLookup xmlns="4873beb7-5857-4685-be1f-d57550cc96cc" xsi:nil="true"/>
+    <TPExecutable xmlns="4873beb7-5857-4685-be1f-d57550cc96cc" xsi:nil="true"/>
+    <EditorialTags xmlns="4873beb7-5857-4685-be1f-d57550cc96cc" xsi:nil="true"/>
+    <SubmitterId xmlns="4873beb7-5857-4685-be1f-d57550cc96cc" xsi:nil="true"/>
+    <ApprovalLog xmlns="4873beb7-5857-4685-be1f-d57550cc96cc" xsi:nil="true"/>
+    <AssetType xmlns="4873beb7-5857-4685-be1f-d57550cc96cc">TP</AssetType>
+    <BugNumber xmlns="4873beb7-5857-4685-be1f-d57550cc96cc" xsi:nil="true"/>
+    <CSXSubmissionDate xmlns="4873beb7-5857-4685-be1f-d57550cc96cc" xsi:nil="true"/>
+    <CSXUpdate xmlns="4873beb7-5857-4685-be1f-d57550cc96cc">false</CSXUpdate>
+    <Milestone xmlns="4873beb7-5857-4685-be1f-d57550cc96cc" xsi:nil="true"/>
+    <RecommendationsModifier xmlns="4873beb7-5857-4685-be1f-d57550cc96cc" xsi:nil="true"/>
+    <OriginAsset xmlns="4873beb7-5857-4685-be1f-d57550cc96cc" xsi:nil="true"/>
+    <TPComponent xmlns="4873beb7-5857-4685-be1f-d57550cc96cc" xsi:nil="true"/>
+    <AssetId xmlns="4873beb7-5857-4685-be1f-d57550cc96cc">TP102787989</AssetId>
+    <IntlLocPriority xmlns="4873beb7-5857-4685-be1f-d57550cc96cc" xsi:nil="true"/>
+    <PolicheckWords xmlns="4873beb7-5857-4685-be1f-d57550cc96cc" xsi:nil="true"/>
+    <TPLaunchHelpLink xmlns="4873beb7-5857-4685-be1f-d57550cc96cc" xsi:nil="true"/>
+    <TPApplication xmlns="4873beb7-5857-4685-be1f-d57550cc96cc" xsi:nil="true"/>
+    <CrawlForDependencies xmlns="4873beb7-5857-4685-be1f-d57550cc96cc">false</CrawlForDependencies>
+    <HandoffToMSDN xmlns="4873beb7-5857-4685-be1f-d57550cc96cc" xsi:nil="true"/>
+    <PlannedPubDate xmlns="4873beb7-5857-4685-be1f-d57550cc96cc" xsi:nil="true"/>
+    <IntlLangReviewer xmlns="4873beb7-5857-4685-be1f-d57550cc96cc" xsi:nil="true"/>
+    <TrustLevel xmlns="4873beb7-5857-4685-be1f-d57550cc96cc">1 Microsoft Managed Content</TrustLevel>
+    <LocLastLocAttemptVersionLookup xmlns="4873beb7-5857-4685-be1f-d57550cc96cc">694266</LocLastLocAttemptVersionLookup>
+    <LocProcessedForHandoffsLookup xmlns="4873beb7-5857-4685-be1f-d57550cc96cc" xsi:nil="true"/>
+    <IsSearchable xmlns="4873beb7-5857-4685-be1f-d57550cc96cc">true</IsSearchable>
+    <TemplateTemplateType xmlns="4873beb7-5857-4685-be1f-d57550cc96cc">PowerPoint Presentation Template</TemplateTemplateType>
+    <CampaignTagsTaxHTField0 xmlns="4873beb7-5857-4685-be1f-d57550cc96cc">
+      <Terms xmlns="http://schemas.microsoft.com/office/infopath/2007/PartnerControls"/>
+    </CampaignTagsTaxHTField0>
+    <TPNamespace xmlns="4873beb7-5857-4685-be1f-d57550cc96cc" xsi:nil="true"/>
+    <LocOverallPreviewStatusLookup xmlns="4873beb7-5857-4685-be1f-d57550cc96cc" xsi:nil="true"/>
+    <TaxCatchAll xmlns="4873beb7-5857-4685-be1f-d57550cc96cc"/>
+    <Markets xmlns="4873beb7-5857-4685-be1f-d57550cc96cc"/>
+    <UAProjectedTotalWords xmlns="4873beb7-5857-4685-be1f-d57550cc96cc" xsi:nil="true"/>
+    <IntlLangReview xmlns="4873beb7-5857-4685-be1f-d57550cc96cc" xsi:nil="true"/>
+    <OutputCachingOn xmlns="4873beb7-5857-4685-be1f-d57550cc96cc">false</OutputCachingOn>
+    <AverageRating xmlns="4873beb7-5857-4685-be1f-d57550cc96cc" xsi:nil="true"/>
+    <APAuthor xmlns="4873beb7-5857-4685-be1f-d57550cc96cc">
+      <UserInfo>
+        <DisplayName>REDMOND\kristaa</DisplayName>
+        <AccountId>136</AccountId>
+        <AccountType/>
+      </UserInfo>
+    </APAuthor>
+    <LocManualTestRequired xmlns="4873beb7-5857-4685-be1f-d57550cc96cc">false</LocManualTestRequired>
+    <TPCommandLine xmlns="4873beb7-5857-4685-be1f-d57550cc96cc" xsi:nil="true"/>
+    <TPAppVersion xmlns="4873beb7-5857-4685-be1f-d57550cc96cc" xsi:nil="true"/>
+    <EditorialStatus xmlns="4873beb7-5857-4685-be1f-d57550cc96cc">Complete</EditorialStatus>
+    <LastModifiedDateTime xmlns="4873beb7-5857-4685-be1f-d57550cc96cc" xsi:nil="true"/>
+    <ScenarioTagsTaxHTField0 xmlns="4873beb7-5857-4685-be1f-d57550cc96cc">
+      <Terms xmlns="http://schemas.microsoft.com/office/infopath/2007/PartnerControls"/>
+    </ScenarioTagsTaxHTField0>
+    <LocProcessedForMarketsLookup xmlns="4873beb7-5857-4685-be1f-d57550cc96cc" xsi:nil="true"/>
+    <TPLaunchHelpLinkType xmlns="4873beb7-5857-4685-be1f-d57550cc96cc">Template</TPLaunchHelpLinkType>
+    <OriginalRelease xmlns="4873beb7-5857-4685-be1f-d57550cc96cc">15</OriginalRelease>
+    <LocalizationTagsTaxHTField0 xmlns="4873beb7-5857-4685-be1f-d57550cc96cc">
+      <Terms xmlns="http://schemas.microsoft.com/office/infopath/2007/PartnerControls"/>
+    </LocalizationTagsTaxHTField0>
+    <UACurrentWords xmlns="4873beb7-5857-4685-be1f-d57550cc96cc" xsi:nil="true"/>
+    <ArtSampleDocs xmlns="4873beb7-5857-4685-be1f-d57550cc96cc" xsi:nil="true"/>
+    <UALocRecommendation xmlns="4873beb7-5857-4685-be1f-d57550cc96cc">Localize</UALocRecommendation>
+    <Manager xmlns="4873beb7-5857-4685-be1f-d57550cc96cc" xsi:nil="true"/>
+    <LocOverallHandbackStatusLookup xmlns="4873beb7-5857-4685-be1f-d57550cc96cc" xsi:nil="true"/>
+    <ShowIn xmlns="4873beb7-5857-4685-be1f-d57550cc96cc">Show everywhere</ShowIn>
+    <UANotes xmlns="4873beb7-5857-4685-be1f-d57550cc96cc" xsi:nil="true"/>
+    <InternalTagsTaxHTField0 xmlns="4873beb7-5857-4685-be1f-d57550cc96cc">
+      <Terms xmlns="http://schemas.microsoft.com/office/infopath/2007/PartnerControls"/>
+    </InternalTagsTaxHTField0>
+    <CSXHash xmlns="4873beb7-5857-4685-be1f-d57550cc96cc" xsi:nil="true"/>
+    <VoteCount xmlns="4873beb7-5857-4685-be1f-d57550cc96cc" xsi:nil="true"/>
+    <AssetExpire xmlns="4873beb7-5857-4685-be1f-d57550cc96cc">2029-05-12T07:00:00+00:00</AssetExpire>
+    <DSATActionTaken xmlns="4873beb7-5857-4685-be1f-d57550cc96cc" xsi:nil="true"/>
+    <CSXSubmissionMarket xmlns="4873beb7-5857-4685-be1f-d57550cc96cc" xsi:nil="true"/>
+    <LocMarketGroupTiers2 xmlns="4873beb7-5857-4685-be1f-d57550cc96cc" xsi:nil="true"/>
+  </documentManagement>
+</p:properties>
+</file>
+
+<file path=customXml/item3.xml><?xml version="1.0" encoding="utf-8"?>
 <ct:contentTypeSchema xmlns:ct="http://schemas.microsoft.com/office/2006/metadata/contentType" xmlns:ma="http://schemas.microsoft.com/office/2006/metadata/properties/metaAttributes" ct:_="" ma:_="" ma:contentTypeName="TemplateFile" ma:contentTypeID="0x0101006EDDDB5EE6D98C44930B742096920B300400F5B6D36B3EF94B4E9A635CDF2A18F5B8" ma:contentTypeVersion="72" ma:contentTypeDescription="Create a new document." ma:contentTypeScope="" ma:versionID="a23e56308344d904b51738559c3d67c9">
   <xsd:schema xmlns:xsd="http://www.w3.org/2001/XMLSchema" xmlns:xs="http://www.w3.org/2001/XMLSchema" xmlns:p="http://schemas.microsoft.com/office/2006/metadata/properties" xmlns:ns2="4873beb7-5857-4685-be1f-d57550cc96cc" targetNamespace="http://schemas.microsoft.com/office/2006/metadata/properties" ma:root="true" ma:fieldsID="cd0908cc4600e77bf5da051303e00c8d" ns2:_="">
     <xsd:import namespace="4873beb7-5857-4685-be1f-d57550cc96cc"/>
@@ -22115,165 +26228,10 @@
 </ct:contentTypeSchema>
 </file>
 
-<file path=customXml/item2.xml><?xml version="1.0" encoding="utf-8"?>
-<p:properties xmlns:p="http://schemas.microsoft.com/office/2006/metadata/properties" xmlns:xsi="http://www.w3.org/2001/XMLSchema-instance" xmlns:pc="http://schemas.microsoft.com/office/infopath/2007/PartnerControls">
-  <documentManagement>
-    <LocPublishedLinkedAssetsLookup xmlns="4873beb7-5857-4685-be1f-d57550cc96cc" xsi:nil="true"/>
-    <ApprovalStatus xmlns="4873beb7-5857-4685-be1f-d57550cc96cc">InProgress</ApprovalStatus>
-    <MarketSpecific xmlns="4873beb7-5857-4685-be1f-d57550cc96cc">false</MarketSpecific>
-    <LocComments xmlns="4873beb7-5857-4685-be1f-d57550cc96cc" xsi:nil="true"/>
-    <LocLastLocAttemptVersionTypeLookup xmlns="4873beb7-5857-4685-be1f-d57550cc96cc" xsi:nil="true"/>
-    <DirectSourceMarket xmlns="4873beb7-5857-4685-be1f-d57550cc96cc" xsi:nil="true"/>
-    <ThumbnailAssetId xmlns="4873beb7-5857-4685-be1f-d57550cc96cc" xsi:nil="true"/>
-    <PrimaryImageGen xmlns="4873beb7-5857-4685-be1f-d57550cc96cc">false</PrimaryImageGen>
-    <LocNewPublishedVersionLookup xmlns="4873beb7-5857-4685-be1f-d57550cc96cc" xsi:nil="true"/>
-    <LegacyData xmlns="4873beb7-5857-4685-be1f-d57550cc96cc" xsi:nil="true"/>
-    <LocRecommendedHandoff xmlns="4873beb7-5857-4685-be1f-d57550cc96cc" xsi:nil="true"/>
-    <BusinessGroup xmlns="4873beb7-5857-4685-be1f-d57550cc96cc" xsi:nil="true"/>
-    <BlockPublish xmlns="4873beb7-5857-4685-be1f-d57550cc96cc">false</BlockPublish>
-    <TPFriendlyName xmlns="4873beb7-5857-4685-be1f-d57550cc96cc" xsi:nil="true"/>
-    <LocOverallPublishStatusLookup xmlns="4873beb7-5857-4685-be1f-d57550cc96cc" xsi:nil="true"/>
-    <NumericId xmlns="4873beb7-5857-4685-be1f-d57550cc96cc" xsi:nil="true"/>
-    <APEditor xmlns="4873beb7-5857-4685-be1f-d57550cc96cc">
-      <UserInfo>
-        <DisplayName/>
-        <AccountId xsi:nil="true"/>
-        <AccountType/>
-      </UserInfo>
-    </APEditor>
-    <SourceTitle xmlns="4873beb7-5857-4685-be1f-d57550cc96cc" xsi:nil="true"/>
-    <OpenTemplate xmlns="4873beb7-5857-4685-be1f-d57550cc96cc">true</OpenTemplate>
-    <LocOverallLocStatusLookup xmlns="4873beb7-5857-4685-be1f-d57550cc96cc" xsi:nil="true"/>
-    <UALocComments xmlns="4873beb7-5857-4685-be1f-d57550cc96cc" xsi:nil="true"/>
-    <ParentAssetId xmlns="4873beb7-5857-4685-be1f-d57550cc96cc" xsi:nil="true"/>
-    <IntlLangReviewDate xmlns="4873beb7-5857-4685-be1f-d57550cc96cc" xsi:nil="true"/>
-    <FeatureTagsTaxHTField0 xmlns="4873beb7-5857-4685-be1f-d57550cc96cc">
-      <Terms xmlns="http://schemas.microsoft.com/office/infopath/2007/PartnerControls"/>
-    </FeatureTagsTaxHTField0>
-    <PublishStatusLookup xmlns="4873beb7-5857-4685-be1f-d57550cc96cc">
-      <Value>1345093</Value>
-    </PublishStatusLookup>
-    <Providers xmlns="4873beb7-5857-4685-be1f-d57550cc96cc" xsi:nil="true"/>
-    <MachineTranslated xmlns="4873beb7-5857-4685-be1f-d57550cc96cc">false</MachineTranslated>
-    <OriginalSourceMarket xmlns="4873beb7-5857-4685-be1f-d57550cc96cc" xsi:nil="true"/>
-    <APDescription xmlns="4873beb7-5857-4685-be1f-d57550cc96cc">This simple template design works for technology and  businesses, but it's versatile enough to use in other contexts.  It features multiple slide layouts designed for widescreen (16x9 resolution) and includes a sample SmartArt list and chart that are easily editable.</APDescription>
-    <ClipArtFilename xmlns="4873beb7-5857-4685-be1f-d57550cc96cc" xsi:nil="true"/>
-    <ContentItem xmlns="4873beb7-5857-4685-be1f-d57550cc96cc" xsi:nil="true"/>
-    <TPInstallLocation xmlns="4873beb7-5857-4685-be1f-d57550cc96cc" xsi:nil="true"/>
-    <PublishTargets xmlns="4873beb7-5857-4685-be1f-d57550cc96cc">OfficeOnlineVNext</PublishTargets>
-    <TimesCloned xmlns="4873beb7-5857-4685-be1f-d57550cc96cc" xsi:nil="true"/>
-    <AssetStart xmlns="4873beb7-5857-4685-be1f-d57550cc96cc">2011-11-26T00:30:00+00:00</AssetStart>
-    <Provider xmlns="4873beb7-5857-4685-be1f-d57550cc96cc" xsi:nil="true"/>
-    <AcquiredFrom xmlns="4873beb7-5857-4685-be1f-d57550cc96cc">Internal MS</AcquiredFrom>
-    <FriendlyTitle xmlns="4873beb7-5857-4685-be1f-d57550cc96cc" xsi:nil="true"/>
-    <LastHandOff xmlns="4873beb7-5857-4685-be1f-d57550cc96cc" xsi:nil="true"/>
-    <TPClientViewer xmlns="4873beb7-5857-4685-be1f-d57550cc96cc" xsi:nil="true"/>
-    <TemplateStatus xmlns="4873beb7-5857-4685-be1f-d57550cc96cc">Complete</TemplateStatus>
-    <Downloads xmlns="4873beb7-5857-4685-be1f-d57550cc96cc">0</Downloads>
-    <OOCacheId xmlns="4873beb7-5857-4685-be1f-d57550cc96cc" xsi:nil="true"/>
-    <IsDeleted xmlns="4873beb7-5857-4685-be1f-d57550cc96cc">false</IsDeleted>
-    <LocPublishedDependentAssetsLookup xmlns="4873beb7-5857-4685-be1f-d57550cc96cc" xsi:nil="true"/>
-    <TPExecutable xmlns="4873beb7-5857-4685-be1f-d57550cc96cc" xsi:nil="true"/>
-    <EditorialTags xmlns="4873beb7-5857-4685-be1f-d57550cc96cc" xsi:nil="true"/>
-    <SubmitterId xmlns="4873beb7-5857-4685-be1f-d57550cc96cc" xsi:nil="true"/>
-    <ApprovalLog xmlns="4873beb7-5857-4685-be1f-d57550cc96cc" xsi:nil="true"/>
-    <AssetType xmlns="4873beb7-5857-4685-be1f-d57550cc96cc">TP</AssetType>
-    <BugNumber xmlns="4873beb7-5857-4685-be1f-d57550cc96cc" xsi:nil="true"/>
-    <CSXSubmissionDate xmlns="4873beb7-5857-4685-be1f-d57550cc96cc" xsi:nil="true"/>
-    <CSXUpdate xmlns="4873beb7-5857-4685-be1f-d57550cc96cc">false</CSXUpdate>
-    <Milestone xmlns="4873beb7-5857-4685-be1f-d57550cc96cc" xsi:nil="true"/>
-    <RecommendationsModifier xmlns="4873beb7-5857-4685-be1f-d57550cc96cc" xsi:nil="true"/>
-    <OriginAsset xmlns="4873beb7-5857-4685-be1f-d57550cc96cc" xsi:nil="true"/>
-    <TPComponent xmlns="4873beb7-5857-4685-be1f-d57550cc96cc" xsi:nil="true"/>
-    <AssetId xmlns="4873beb7-5857-4685-be1f-d57550cc96cc">TP102787989</AssetId>
-    <IntlLocPriority xmlns="4873beb7-5857-4685-be1f-d57550cc96cc" xsi:nil="true"/>
-    <PolicheckWords xmlns="4873beb7-5857-4685-be1f-d57550cc96cc" xsi:nil="true"/>
-    <TPLaunchHelpLink xmlns="4873beb7-5857-4685-be1f-d57550cc96cc" xsi:nil="true"/>
-    <TPApplication xmlns="4873beb7-5857-4685-be1f-d57550cc96cc" xsi:nil="true"/>
-    <CrawlForDependencies xmlns="4873beb7-5857-4685-be1f-d57550cc96cc">false</CrawlForDependencies>
-    <HandoffToMSDN xmlns="4873beb7-5857-4685-be1f-d57550cc96cc" xsi:nil="true"/>
-    <PlannedPubDate xmlns="4873beb7-5857-4685-be1f-d57550cc96cc" xsi:nil="true"/>
-    <IntlLangReviewer xmlns="4873beb7-5857-4685-be1f-d57550cc96cc" xsi:nil="true"/>
-    <TrustLevel xmlns="4873beb7-5857-4685-be1f-d57550cc96cc">1 Microsoft Managed Content</TrustLevel>
-    <LocLastLocAttemptVersionLookup xmlns="4873beb7-5857-4685-be1f-d57550cc96cc">694266</LocLastLocAttemptVersionLookup>
-    <LocProcessedForHandoffsLookup xmlns="4873beb7-5857-4685-be1f-d57550cc96cc" xsi:nil="true"/>
-    <IsSearchable xmlns="4873beb7-5857-4685-be1f-d57550cc96cc">true</IsSearchable>
-    <TemplateTemplateType xmlns="4873beb7-5857-4685-be1f-d57550cc96cc">PowerPoint Presentation Template</TemplateTemplateType>
-    <CampaignTagsTaxHTField0 xmlns="4873beb7-5857-4685-be1f-d57550cc96cc">
-      <Terms xmlns="http://schemas.microsoft.com/office/infopath/2007/PartnerControls"/>
-    </CampaignTagsTaxHTField0>
-    <TPNamespace xmlns="4873beb7-5857-4685-be1f-d57550cc96cc" xsi:nil="true"/>
-    <LocOverallPreviewStatusLookup xmlns="4873beb7-5857-4685-be1f-d57550cc96cc" xsi:nil="true"/>
-    <TaxCatchAll xmlns="4873beb7-5857-4685-be1f-d57550cc96cc"/>
-    <Markets xmlns="4873beb7-5857-4685-be1f-d57550cc96cc"/>
-    <UAProjectedTotalWords xmlns="4873beb7-5857-4685-be1f-d57550cc96cc" xsi:nil="true"/>
-    <IntlLangReview xmlns="4873beb7-5857-4685-be1f-d57550cc96cc" xsi:nil="true"/>
-    <OutputCachingOn xmlns="4873beb7-5857-4685-be1f-d57550cc96cc">false</OutputCachingOn>
-    <AverageRating xmlns="4873beb7-5857-4685-be1f-d57550cc96cc" xsi:nil="true"/>
-    <APAuthor xmlns="4873beb7-5857-4685-be1f-d57550cc96cc">
-      <UserInfo>
-        <DisplayName>REDMOND\kristaa</DisplayName>
-        <AccountId>136</AccountId>
-        <AccountType/>
-      </UserInfo>
-    </APAuthor>
-    <LocManualTestRequired xmlns="4873beb7-5857-4685-be1f-d57550cc96cc">false</LocManualTestRequired>
-    <TPCommandLine xmlns="4873beb7-5857-4685-be1f-d57550cc96cc" xsi:nil="true"/>
-    <TPAppVersion xmlns="4873beb7-5857-4685-be1f-d57550cc96cc" xsi:nil="true"/>
-    <EditorialStatus xmlns="4873beb7-5857-4685-be1f-d57550cc96cc">Complete</EditorialStatus>
-    <LastModifiedDateTime xmlns="4873beb7-5857-4685-be1f-d57550cc96cc" xsi:nil="true"/>
-    <ScenarioTagsTaxHTField0 xmlns="4873beb7-5857-4685-be1f-d57550cc96cc">
-      <Terms xmlns="http://schemas.microsoft.com/office/infopath/2007/PartnerControls"/>
-    </ScenarioTagsTaxHTField0>
-    <LocProcessedForMarketsLookup xmlns="4873beb7-5857-4685-be1f-d57550cc96cc" xsi:nil="true"/>
-    <TPLaunchHelpLinkType xmlns="4873beb7-5857-4685-be1f-d57550cc96cc">Template</TPLaunchHelpLinkType>
-    <OriginalRelease xmlns="4873beb7-5857-4685-be1f-d57550cc96cc">15</OriginalRelease>
-    <LocalizationTagsTaxHTField0 xmlns="4873beb7-5857-4685-be1f-d57550cc96cc">
-      <Terms xmlns="http://schemas.microsoft.com/office/infopath/2007/PartnerControls"/>
-    </LocalizationTagsTaxHTField0>
-    <UACurrentWords xmlns="4873beb7-5857-4685-be1f-d57550cc96cc" xsi:nil="true"/>
-    <ArtSampleDocs xmlns="4873beb7-5857-4685-be1f-d57550cc96cc" xsi:nil="true"/>
-    <UALocRecommendation xmlns="4873beb7-5857-4685-be1f-d57550cc96cc">Localize</UALocRecommendation>
-    <Manager xmlns="4873beb7-5857-4685-be1f-d57550cc96cc" xsi:nil="true"/>
-    <LocOverallHandbackStatusLookup xmlns="4873beb7-5857-4685-be1f-d57550cc96cc" xsi:nil="true"/>
-    <ShowIn xmlns="4873beb7-5857-4685-be1f-d57550cc96cc">Show everywhere</ShowIn>
-    <UANotes xmlns="4873beb7-5857-4685-be1f-d57550cc96cc" xsi:nil="true"/>
-    <InternalTagsTaxHTField0 xmlns="4873beb7-5857-4685-be1f-d57550cc96cc">
-      <Terms xmlns="http://schemas.microsoft.com/office/infopath/2007/PartnerControls"/>
-    </InternalTagsTaxHTField0>
-    <CSXHash xmlns="4873beb7-5857-4685-be1f-d57550cc96cc" xsi:nil="true"/>
-    <VoteCount xmlns="4873beb7-5857-4685-be1f-d57550cc96cc" xsi:nil="true"/>
-    <AssetExpire xmlns="4873beb7-5857-4685-be1f-d57550cc96cc">2029-05-12T07:00:00+00:00</AssetExpire>
-    <DSATActionTaken xmlns="4873beb7-5857-4685-be1f-d57550cc96cc" xsi:nil="true"/>
-    <CSXSubmissionMarket xmlns="4873beb7-5857-4685-be1f-d57550cc96cc" xsi:nil="true"/>
-    <LocMarketGroupTiers2 xmlns="4873beb7-5857-4685-be1f-d57550cc96cc" xsi:nil="true"/>
-  </documentManagement>
-</p:properties>
-</file>
-
-<file path=customXml/item3.xml><?xml version="1.0" encoding="utf-8"?>
-<?mso-contentType ?>
-<FormTemplates xmlns="http://schemas.microsoft.com/sharepoint/v3/contenttype/forms">
-  <Display>DocumentLibraryForm</Display>
-  <Edit>AssetEditForm</Edit>
-  <New>DocumentLibraryForm</New>
-</FormTemplates>
-</file>
-
 <file path=customXml/itemProps1.xml><?xml version="1.0" encoding="utf-8"?>
-<ds:datastoreItem xmlns:ds="http://schemas.openxmlformats.org/officeDocument/2006/customXml" ds:itemID="{A09BF4D4-EF60-4196-BFC3-9462D607978C}">
+<ds:datastoreItem xmlns:ds="http://schemas.openxmlformats.org/officeDocument/2006/customXml" ds:itemID="{3836F65B-1B07-41EE-A0E8-BC6EF3855225}">
   <ds:schemaRefs>
-    <ds:schemaRef ds:uri="http://schemas.microsoft.com/office/2006/metadata/contentType"/>
-    <ds:schemaRef ds:uri="http://schemas.microsoft.com/office/2006/metadata/properties/metaAttributes"/>
-    <ds:schemaRef ds:uri="http://www.w3.org/2001/XMLSchema"/>
-    <ds:schemaRef ds:uri="http://schemas.microsoft.com/office/2006/metadata/properties"/>
-    <ds:schemaRef ds:uri="4873beb7-5857-4685-be1f-d57550cc96cc"/>
-    <ds:schemaRef ds:uri="http://schemas.microsoft.com/office/2006/documentManagement/types"/>
-    <ds:schemaRef ds:uri="http://schemas.microsoft.com/office/infopath/2007/PartnerControls"/>
-    <ds:schemaRef ds:uri="http://schemas.openxmlformats.org/package/2006/metadata/core-properties"/>
-    <ds:schemaRef ds:uri="http://purl.org/dc/elements/1.1/"/>
-    <ds:schemaRef ds:uri="http://purl.org/dc/terms/"/>
-    <ds:schemaRef ds:uri="http://schemas.microsoft.com/internal/obd"/>
+    <ds:schemaRef ds:uri="http://schemas.microsoft.com/sharepoint/v3/contenttype/forms"/>
   </ds:schemaRefs>
 </ds:datastoreItem>
 </file>
@@ -22295,9 +26253,19 @@
 </file>
 
 <file path=customXml/itemProps3.xml><?xml version="1.0" encoding="utf-8"?>
-<ds:datastoreItem xmlns:ds="http://schemas.openxmlformats.org/officeDocument/2006/customXml" ds:itemID="{3836F65B-1B07-41EE-A0E8-BC6EF3855225}">
+<ds:datastoreItem xmlns:ds="http://schemas.openxmlformats.org/officeDocument/2006/customXml" ds:itemID="{A09BF4D4-EF60-4196-BFC3-9462D607978C}">
   <ds:schemaRefs>
-    <ds:schemaRef ds:uri="http://schemas.microsoft.com/sharepoint/v3/contenttype/forms"/>
+    <ds:schemaRef ds:uri="http://schemas.microsoft.com/office/2006/metadata/contentType"/>
+    <ds:schemaRef ds:uri="http://schemas.microsoft.com/office/2006/metadata/properties/metaAttributes"/>
+    <ds:schemaRef ds:uri="http://www.w3.org/2001/XMLSchema"/>
+    <ds:schemaRef ds:uri="http://schemas.microsoft.com/office/2006/metadata/properties"/>
+    <ds:schemaRef ds:uri="4873beb7-5857-4685-be1f-d57550cc96cc"/>
+    <ds:schemaRef ds:uri="http://schemas.microsoft.com/office/2006/documentManagement/types"/>
+    <ds:schemaRef ds:uri="http://schemas.microsoft.com/office/infopath/2007/PartnerControls"/>
+    <ds:schemaRef ds:uri="http://schemas.openxmlformats.org/package/2006/metadata/core-properties"/>
+    <ds:schemaRef ds:uri="http://purl.org/dc/elements/1.1/"/>
+    <ds:schemaRef ds:uri="http://purl.org/dc/terms/"/>
+    <ds:schemaRef ds:uri="http://schemas.microsoft.com/internal/obd"/>
   </ds:schemaRefs>
 </ds:datastoreItem>
 </file>
--- a/documentazione/presentazione.pptx
+++ b/documentazione/presentazione.pptx
@@ -5,10 +5,10 @@
     <p:sldMasterId id="2147483660" r:id="rId4"/>
   </p:sldMasterIdLst>
   <p:notesMasterIdLst>
-    <p:notesMasterId r:id="rId25"/>
+    <p:notesMasterId r:id="rId29"/>
   </p:notesMasterIdLst>
   <p:handoutMasterIdLst>
-    <p:handoutMasterId r:id="rId26"/>
+    <p:handoutMasterId r:id="rId30"/>
   </p:handoutMasterIdLst>
   <p:sldIdLst>
     <p:sldId id="257" r:id="rId5"/>
@@ -29,8 +29,12 @@
     <p:sldId id="284" r:id="rId20"/>
     <p:sldId id="285" r:id="rId21"/>
     <p:sldId id="287" r:id="rId22"/>
-    <p:sldId id="293" r:id="rId23"/>
-    <p:sldId id="294" r:id="rId24"/>
+    <p:sldId id="298" r:id="rId23"/>
+    <p:sldId id="293" r:id="rId24"/>
+    <p:sldId id="294" r:id="rId25"/>
+    <p:sldId id="295" r:id="rId26"/>
+    <p:sldId id="296" r:id="rId27"/>
+    <p:sldId id="297" r:id="rId28"/>
   </p:sldIdLst>
   <p:sldSz cx="12188825" cy="6858000"/>
   <p:notesSz cx="6858000" cy="9144000"/>
@@ -994,7 +998,7 @@
             </a:pPr>
             <a:r>
               <a:rPr lang="it-IT"/>
-              <a:t>speedup (128 th/block)</a:t>
+              <a:t>Execution Time</a:t>
             </a:r>
           </a:p>
         </c:rich>
@@ -1054,7 +1058,7 @@
           </c:marker>
           <c:cat>
             <c:numRef>
-              <c:f>'results (12)'!$D$57:$D$66</c:f>
+              <c:f>'results (15)'!$F$2:$F$11</c:f>
               <c:numCache>
                 <c:formatCode>General</c:formatCode>
                 <c:ptCount val="10"/>
@@ -1093,7 +1097,7 @@
           </c:cat>
           <c:val>
             <c:numRef>
-              <c:f>'results (12)'!$G$43:$G$52</c:f>
+              <c:f>'results (15)'!$G$42:$G$51</c:f>
               <c:numCache>
                 <c:formatCode>General</c:formatCode>
                 <c:ptCount val="10"/>
@@ -1101,31 +1105,31 @@
                   <c:v>1</c:v>
                 </c:pt>
                 <c:pt idx="1">
-                  <c:v>1.9173019267566442</c:v>
+                  <c:v>1.9791707796011389</c:v>
                 </c:pt>
                 <c:pt idx="2">
-                  <c:v>3.6021377215579236</c:v>
+                  <c:v>3.7647123925913073</c:v>
                 </c:pt>
                 <c:pt idx="3">
-                  <c:v>7.1101441942828245</c:v>
+                  <c:v>7.7042061423747636</c:v>
                 </c:pt>
                 <c:pt idx="4">
-                  <c:v>3.1119205921267521</c:v>
+                  <c:v>15.264863010411231</c:v>
                 </c:pt>
                 <c:pt idx="5">
-                  <c:v>1.7343206219918552</c:v>
+                  <c:v>28.103012030128617</c:v>
                 </c:pt>
                 <c:pt idx="6">
-                  <c:v>1.5276753369224627</c:v>
+                  <c:v>41.032097734087472</c:v>
                 </c:pt>
                 <c:pt idx="7">
-                  <c:v>1.786847726579188</c:v>
+                  <c:v>44.308966819260348</c:v>
                 </c:pt>
                 <c:pt idx="8">
-                  <c:v>1.9088899378223922</c:v>
+                  <c:v>37.523361423411757</c:v>
                 </c:pt>
                 <c:pt idx="9">
-                  <c:v>1.9670644224376248</c:v>
+                  <c:v>37.761215600390351</c:v>
                 </c:pt>
               </c:numCache>
             </c:numRef>
@@ -1133,7 +1137,7 @@
           <c:smooth val="0"/>
           <c:extLst>
             <c:ext xmlns:c16="http://schemas.microsoft.com/office/drawing/2014/chart" uri="{C3380CC4-5D6E-409C-BE32-E72D297353CC}">
-              <c16:uniqueId val="{00000000-ACC3-4780-AEF2-656969601FBB}"/>
+              <c16:uniqueId val="{00000000-B800-4F0F-95A9-82299F491946}"/>
             </c:ext>
           </c:extLst>
         </c:ser>
@@ -1157,7 +1161,7 @@
           </c:marker>
           <c:cat>
             <c:numRef>
-              <c:f>'results (12)'!$D$57:$D$66</c:f>
+              <c:f>'results (15)'!$F$2:$F$11</c:f>
               <c:numCache>
                 <c:formatCode>General</c:formatCode>
                 <c:ptCount val="10"/>
@@ -1196,7 +1200,7 @@
           </c:cat>
           <c:val>
             <c:numRef>
-              <c:f>'results (12)'!$G$33:$G$42</c:f>
+              <c:f>'results (15)'!$G$32:$G$41</c:f>
               <c:numCache>
                 <c:formatCode>General</c:formatCode>
                 <c:ptCount val="10"/>
@@ -1204,31 +1208,31 @@
                   <c:v>1</c:v>
                 </c:pt>
                 <c:pt idx="1">
-                  <c:v>1.9010533638831544</c:v>
+                  <c:v>1.9706963489838412</c:v>
                 </c:pt>
                 <c:pt idx="2">
-                  <c:v>3.5688570901296091</c:v>
+                  <c:v>3.8926040599883827</c:v>
                 </c:pt>
                 <c:pt idx="3">
-                  <c:v>6.9804525891989444</c:v>
+                  <c:v>7.6520816084435292</c:v>
                 </c:pt>
                 <c:pt idx="4">
-                  <c:v>12.640203127356825</c:v>
+                  <c:v>15.22921845497879</c:v>
                 </c:pt>
                 <c:pt idx="5">
-                  <c:v>15.110049284769802</c:v>
+                  <c:v>29.078113270866666</c:v>
                 </c:pt>
                 <c:pt idx="6">
-                  <c:v>14.3649505742529</c:v>
+                  <c:v>43.025877267366106</c:v>
                 </c:pt>
                 <c:pt idx="7">
-                  <c:v>15.212453104199435</c:v>
+                  <c:v>43.790187237760492</c:v>
                 </c:pt>
                 <c:pt idx="8">
-                  <c:v>10.221214831679948</c:v>
+                  <c:v>36.571465541073621</c:v>
                 </c:pt>
                 <c:pt idx="9">
-                  <c:v>9.9132886435331251</c:v>
+                  <c:v>36.082419585941608</c:v>
                 </c:pt>
               </c:numCache>
             </c:numRef>
@@ -1236,7 +1240,7 @@
           <c:smooth val="0"/>
           <c:extLst>
             <c:ext xmlns:c16="http://schemas.microsoft.com/office/drawing/2014/chart" uri="{C3380CC4-5D6E-409C-BE32-E72D297353CC}">
-              <c16:uniqueId val="{00000001-ACC3-4780-AEF2-656969601FBB}"/>
+              <c16:uniqueId val="{00000001-B800-4F0F-95A9-82299F491946}"/>
             </c:ext>
           </c:extLst>
         </c:ser>
@@ -1260,7 +1264,7 @@
           </c:marker>
           <c:cat>
             <c:numRef>
-              <c:f>'results (12)'!$D$57:$D$66</c:f>
+              <c:f>'results (15)'!$F$2:$F$11</c:f>
               <c:numCache>
                 <c:formatCode>General</c:formatCode>
                 <c:ptCount val="10"/>
@@ -1299,7 +1303,7 @@
           </c:cat>
           <c:val>
             <c:numRef>
-              <c:f>'results (12)'!$G$23:$G$32</c:f>
+              <c:f>'results (15)'!$G$22:$G$31</c:f>
               <c:numCache>
                 <c:formatCode>General</c:formatCode>
                 <c:ptCount val="10"/>
@@ -1307,31 +1311,31 @@
                   <c:v>1</c:v>
                 </c:pt>
                 <c:pt idx="1">
-                  <c:v>1.9045877659574468</c:v>
+                  <c:v>1.9633270355127808</c:v>
                 </c:pt>
                 <c:pt idx="2">
-                  <c:v>3.4080904223676383</c:v>
+                  <c:v>3.8292100931069966</c:v>
                 </c:pt>
                 <c:pt idx="3">
-                  <c:v>6.3233995584988936</c:v>
+                  <c:v>7.6299008146000036</c:v>
                 </c:pt>
                 <c:pt idx="4">
-                  <c:v>10.511926605504586</c:v>
+                  <c:v>15.255572329340762</c:v>
                 </c:pt>
                 <c:pt idx="5">
-                  <c:v>13.261574074074069</c:v>
+                  <c:v>28.148287588326536</c:v>
                 </c:pt>
                 <c:pt idx="6">
-                  <c:v>14.919270833333327</c:v>
+                  <c:v>41.711574673130031</c:v>
                 </c:pt>
                 <c:pt idx="7">
-                  <c:v>12.400432900432895</c:v>
+                  <c:v>41.139225466969854</c:v>
                 </c:pt>
                 <c:pt idx="8">
-                  <c:v>9.5324459234608963</c:v>
+                  <c:v>31.28147968980436</c:v>
                 </c:pt>
                 <c:pt idx="9">
-                  <c:v>8.6671709531013601</c:v>
+                  <c:v>29.58385826542461</c:v>
                 </c:pt>
               </c:numCache>
             </c:numRef>
@@ -1339,7 +1343,7 @@
           <c:smooth val="0"/>
           <c:extLst>
             <c:ext xmlns:c16="http://schemas.microsoft.com/office/drawing/2014/chart" uri="{C3380CC4-5D6E-409C-BE32-E72D297353CC}">
-              <c16:uniqueId val="{00000002-ACC3-4780-AEF2-656969601FBB}"/>
+              <c16:uniqueId val="{00000002-B800-4F0F-95A9-82299F491946}"/>
             </c:ext>
           </c:extLst>
         </c:ser>
@@ -1363,7 +1367,7 @@
           </c:marker>
           <c:cat>
             <c:numRef>
-              <c:f>'results (12)'!$D$57:$D$66</c:f>
+              <c:f>'results (15)'!$F$2:$F$11</c:f>
               <c:numCache>
                 <c:formatCode>General</c:formatCode>
                 <c:ptCount val="10"/>
@@ -1402,7 +1406,7 @@
           </c:cat>
           <c:val>
             <c:numRef>
-              <c:f>'results (12)'!$G$13:$G$22</c:f>
+              <c:f>'results (15)'!$G$12:$G$21</c:f>
               <c:numCache>
                 <c:formatCode>General</c:formatCode>
                 <c:ptCount val="10"/>
@@ -1410,31 +1414,31 @@
                   <c:v>1</c:v>
                 </c:pt>
                 <c:pt idx="1">
-                  <c:v>1.7010489510489517</c:v>
+                  <c:v>1.916146716588301</c:v>
                 </c:pt>
                 <c:pt idx="2">
-                  <c:v>2.6016042780748667</c:v>
+                  <c:v>3.7498079812596798</c:v>
                 </c:pt>
                 <c:pt idx="3">
-                  <c:v>4.0041152263374489</c:v>
+                  <c:v>7.2853518955622691</c:v>
                 </c:pt>
                 <c:pt idx="4">
-                  <c:v>4.4838709677419359</c:v>
+                  <c:v>13.458890386352724</c:v>
                 </c:pt>
                 <c:pt idx="5">
-                  <c:v>4.6555023923444985</c:v>
+                  <c:v>20.930959032116903</c:v>
                 </c:pt>
                 <c:pt idx="6">
-                  <c:v>3.7423076923076928</c:v>
+                  <c:v>23.309959949139444</c:v>
                 </c:pt>
                 <c:pt idx="7">
-                  <c:v>2.3389423076923084</c:v>
+                  <c:v>17.661019678393746</c:v>
                 </c:pt>
                 <c:pt idx="8">
-                  <c:v>1.2785808147174771</c:v>
+                  <c:v>9.3055503950357625</c:v>
                 </c:pt>
                 <c:pt idx="9">
-                  <c:v>1.0135416666666668</c:v>
+                  <c:v>10.144913714877148</c:v>
                 </c:pt>
               </c:numCache>
             </c:numRef>
@@ -1442,7 +1446,7 @@
           <c:smooth val="0"/>
           <c:extLst>
             <c:ext xmlns:c16="http://schemas.microsoft.com/office/drawing/2014/chart" uri="{C3380CC4-5D6E-409C-BE32-E72D297353CC}">
-              <c16:uniqueId val="{00000003-ACC3-4780-AEF2-656969601FBB}"/>
+              <c16:uniqueId val="{00000003-B800-4F0F-95A9-82299F491946}"/>
             </c:ext>
           </c:extLst>
         </c:ser>
@@ -1466,7 +1470,7 @@
           </c:marker>
           <c:cat>
             <c:numRef>
-              <c:f>'results (12)'!$D$57:$D$66</c:f>
+              <c:f>'results (15)'!$F$2:$F$11</c:f>
               <c:numCache>
                 <c:formatCode>General</c:formatCode>
                 <c:ptCount val="10"/>
@@ -1505,7 +1509,7 @@
           </c:cat>
           <c:val>
             <c:numRef>
-              <c:f>'results (12)'!$G$3:$G$12</c:f>
+              <c:f>'results (15)'!$G$2:$G$11</c:f>
               <c:numCache>
                 <c:formatCode>General</c:formatCode>
                 <c:ptCount val="10"/>
@@ -1513,31 +1517,31 @@
                   <c:v>1</c:v>
                 </c:pt>
                 <c:pt idx="1">
-                  <c:v>1.3643410852713178</c:v>
+                  <c:v>2.1710441562844309</c:v>
                 </c:pt>
                 <c:pt idx="2">
-                  <c:v>1.504273504273504</c:v>
+                  <c:v>3.9280741569932371</c:v>
                 </c:pt>
                 <c:pt idx="3">
-                  <c:v>1.3333333333333333</c:v>
+                  <c:v>6.1959316458451754</c:v>
                 </c:pt>
                 <c:pt idx="4">
-                  <c:v>1.3134328358208953</c:v>
+                  <c:v>7.8262656197488614</c:v>
                 </c:pt>
                 <c:pt idx="5">
-                  <c:v>1.0666666666666664</c:v>
+                  <c:v>7.3059580172266267</c:v>
                 </c:pt>
                 <c:pt idx="6">
-                  <c:v>0.6875</c:v>
+                  <c:v>5.1109127003920554</c:v>
                 </c:pt>
                 <c:pt idx="7">
-                  <c:v>0.43456790123456784</c:v>
+                  <c:v>2.9237007150561256</c:v>
                 </c:pt>
                 <c:pt idx="8">
-                  <c:v>0.22797927461139894</c:v>
+                  <c:v>1.3600941908559474</c:v>
                 </c:pt>
                 <c:pt idx="9">
-                  <c:v>0.5116279069767441</c:v>
+                  <c:v>2.1772998104563497</c:v>
                 </c:pt>
               </c:numCache>
             </c:numRef>
@@ -1545,7 +1549,7 @@
           <c:smooth val="0"/>
           <c:extLst>
             <c:ext xmlns:c16="http://schemas.microsoft.com/office/drawing/2014/chart" uri="{C3380CC4-5D6E-409C-BE32-E72D297353CC}">
-              <c16:uniqueId val="{00000004-ACC3-4780-AEF2-656969601FBB}"/>
+              <c16:uniqueId val="{00000004-B800-4F0F-95A9-82299F491946}"/>
             </c:ext>
           </c:extLst>
         </c:ser>
@@ -1558,11 +1562,11 @@
           <c:showBubbleSize val="0"/>
         </c:dLbls>
         <c:smooth val="0"/>
-        <c:axId val="1108871408"/>
-        <c:axId val="1347960512"/>
+        <c:axId val="1802860463"/>
+        <c:axId val="1995367215"/>
       </c:lineChart>
       <c:catAx>
-        <c:axId val="1108871408"/>
+        <c:axId val="1802860463"/>
         <c:scaling>
           <c:orientation val="minMax"/>
         </c:scaling>
@@ -1660,7 +1664,7 @@
             <a:endParaRPr lang="it-IT"/>
           </a:p>
         </c:txPr>
-        <c:crossAx val="1347960512"/>
+        <c:crossAx val="1995367215"/>
         <c:crosses val="autoZero"/>
         <c:auto val="1"/>
         <c:lblAlgn val="ctr"/>
@@ -1668,7 +1672,7 @@
         <c:noMultiLvlLbl val="0"/>
       </c:catAx>
       <c:valAx>
-        <c:axId val="1347960512"/>
+        <c:axId val="1995367215"/>
         <c:scaling>
           <c:orientation val="minMax"/>
         </c:scaling>
@@ -1709,7 +1713,7 @@
                 </a:pPr>
                 <a:r>
                   <a:rPr lang="it-IT"/>
-                  <a:t>speedup</a:t>
+                  <a:t>seconds</a:t>
                 </a:r>
               </a:p>
             </c:rich>
@@ -1774,7 +1778,7 @@
             <a:endParaRPr lang="it-IT"/>
           </a:p>
         </c:txPr>
-        <c:crossAx val="1108871408"/>
+        <c:crossAx val="1802860463"/>
         <c:crosses val="autoZero"/>
         <c:crossBetween val="between"/>
       </c:valAx>
@@ -7342,7 +7346,7 @@
             </a:pPr>
             <a:r>
               <a:rPr lang="it-IT"/>
-              <a:t>execution time (128 th/block)</a:t>
+              <a:t>Execution Time</a:t>
             </a:r>
           </a:p>
         </c:rich>
@@ -7400,106 +7404,9 @@
           <c:marker>
             <c:symbol val="none"/>
           </c:marker>
-          <c:errBars>
-            <c:errDir val="y"/>
-            <c:errBarType val="both"/>
-            <c:errValType val="cust"/>
-            <c:noEndCap val="0"/>
-            <c:plus>
-              <c:numRef>
-                <c:f>'results (12)'!$L$43:$L$52</c:f>
-                <c:numCache>
-                  <c:formatCode>General</c:formatCode>
-                  <c:ptCount val="10"/>
-                  <c:pt idx="0">
-                    <c:v>8.8900538768252896E-3</c:v>
-                  </c:pt>
-                  <c:pt idx="1">
-                    <c:v>1.1445969940046081E-2</c:v>
-                  </c:pt>
-                  <c:pt idx="2">
-                    <c:v>3.2754700531488377E-3</c:v>
-                  </c:pt>
-                  <c:pt idx="3">
-                    <c:v>1.360387133164245E-3</c:v>
-                  </c:pt>
-                  <c:pt idx="4">
-                    <c:v>1.2187097195258213E-2</c:v>
-                  </c:pt>
-                  <c:pt idx="5">
-                    <c:v>9.4379761306005693E-3</c:v>
-                  </c:pt>
-                  <c:pt idx="6">
-                    <c:v>6.2189914417673797E-3</c:v>
-                  </c:pt>
-                  <c:pt idx="7">
-                    <c:v>9.7146331962034607E-2</c:v>
-                  </c:pt>
-                  <c:pt idx="8">
-                    <c:v>1.0308854746476113E-2</c:v>
-                  </c:pt>
-                  <c:pt idx="9">
-                    <c:v>1.0918078287076171E-2</c:v>
-                  </c:pt>
-                </c:numCache>
-              </c:numRef>
-            </c:plus>
-            <c:minus>
-              <c:numRef>
-                <c:f>'results (12)'!$L$43:$L$52</c:f>
-                <c:numCache>
-                  <c:formatCode>General</c:formatCode>
-                  <c:ptCount val="10"/>
-                  <c:pt idx="0">
-                    <c:v>8.8900538768252896E-3</c:v>
-                  </c:pt>
-                  <c:pt idx="1">
-                    <c:v>1.1445969940046081E-2</c:v>
-                  </c:pt>
-                  <c:pt idx="2">
-                    <c:v>3.2754700531488377E-3</c:v>
-                  </c:pt>
-                  <c:pt idx="3">
-                    <c:v>1.360387133164245E-3</c:v>
-                  </c:pt>
-                  <c:pt idx="4">
-                    <c:v>1.2187097195258213E-2</c:v>
-                  </c:pt>
-                  <c:pt idx="5">
-                    <c:v>9.4379761306005693E-3</c:v>
-                  </c:pt>
-                  <c:pt idx="6">
-                    <c:v>6.2189914417673797E-3</c:v>
-                  </c:pt>
-                  <c:pt idx="7">
-                    <c:v>9.7146331962034607E-2</c:v>
-                  </c:pt>
-                  <c:pt idx="8">
-                    <c:v>1.0308854746476113E-2</c:v>
-                  </c:pt>
-                  <c:pt idx="9">
-                    <c:v>1.0918078287076171E-2</c:v>
-                  </c:pt>
-                </c:numCache>
-              </c:numRef>
-            </c:minus>
-            <c:spPr>
-              <a:noFill/>
-              <a:ln w="9525" cap="flat" cmpd="sng" algn="ctr">
-                <a:solidFill>
-                  <a:schemeClr val="tx1">
-                    <a:lumMod val="65000"/>
-                    <a:lumOff val="35000"/>
-                  </a:schemeClr>
-                </a:solidFill>
-                <a:round/>
-              </a:ln>
-              <a:effectLst/>
-            </c:spPr>
-          </c:errBars>
           <c:cat>
             <c:numRef>
-              <c:f>'results (12)'!$D$57:$D$66</c:f>
+              <c:f>'results (15)'!$F$2:$F$11</c:f>
               <c:numCache>
                 <c:formatCode>General</c:formatCode>
                 <c:ptCount val="10"/>
@@ -7538,39 +7445,39 @@
           </c:cat>
           <c:val>
             <c:numRef>
-              <c:f>'results (12)'!$E$43:$E$52</c:f>
+              <c:f>'results (15)'!$E$42:$E$51</c:f>
               <c:numCache>
                 <c:formatCode>General</c:formatCode>
                 <c:ptCount val="10"/>
                 <c:pt idx="0">
-                  <c:v>18.737600000000004</c:v>
+                  <c:v>360.03669413333336</c:v>
                 </c:pt>
                 <c:pt idx="1">
-                  <c:v>9.7728999999999981</c:v>
+                  <c:v>181.91289900000007</c:v>
                 </c:pt>
                 <c:pt idx="2">
-                  <c:v>5.2017999999999995</c:v>
+                  <c:v>95.634581499999996</c:v>
                 </c:pt>
                 <c:pt idx="3">
-                  <c:v>2.6353333333333335</c:v>
+                  <c:v>46.732484499999991</c:v>
                 </c:pt>
                 <c:pt idx="4">
-                  <c:v>6.021233333333333</c:v>
+                  <c:v>23.5859761</c:v>
                 </c:pt>
                 <c:pt idx="5">
-                  <c:v>10.804</c:v>
+                  <c:v>12.811320499999999</c:v>
                 </c:pt>
                 <c:pt idx="6">
-                  <c:v>12.265433333333332</c:v>
+                  <c:v>8.7745134666666669</c:v>
                 </c:pt>
                 <c:pt idx="7">
-                  <c:v>10.486400000000003</c:v>
+                  <c:v>8.125594433333335</c:v>
                 </c:pt>
                 <c:pt idx="8">
-                  <c:v>9.8159666666666645</c:v>
+                  <c:v>9.5950010999999993</c:v>
                 </c:pt>
                 <c:pt idx="9">
-                  <c:v>9.5256666666666678</c:v>
+                  <c:v>9.5345631333333323</c:v>
                 </c:pt>
               </c:numCache>
             </c:numRef>
@@ -7578,7 +7485,7 @@
           <c:smooth val="0"/>
           <c:extLst>
             <c:ext xmlns:c16="http://schemas.microsoft.com/office/drawing/2014/chart" uri="{C3380CC4-5D6E-409C-BE32-E72D297353CC}">
-              <c16:uniqueId val="{00000000-6587-458D-B805-59C934F0AC73}"/>
+              <c16:uniqueId val="{00000000-443D-4ACD-A20C-9B392CD368BB}"/>
             </c:ext>
           </c:extLst>
         </c:ser>
@@ -7600,106 +7507,9 @@
           <c:marker>
             <c:symbol val="none"/>
           </c:marker>
-          <c:errBars>
-            <c:errDir val="y"/>
-            <c:errBarType val="both"/>
-            <c:errValType val="cust"/>
-            <c:noEndCap val="0"/>
-            <c:plus>
-              <c:numRef>
-                <c:f>'results (12)'!$L$33:$L$42</c:f>
-                <c:numCache>
-                  <c:formatCode>General</c:formatCode>
-                  <c:ptCount val="10"/>
-                  <c:pt idx="0">
-                    <c:v>2.3481000087217881E-3</c:v>
-                  </c:pt>
-                  <c:pt idx="1">
-                    <c:v>1.2083824789908645E-2</c:v>
-                  </c:pt>
-                  <c:pt idx="2">
-                    <c:v>1.9265847861224526E-3</c:v>
-                  </c:pt>
-                  <c:pt idx="3">
-                    <c:v>8.6230273011013068E-4</c:v>
-                  </c:pt>
-                  <c:pt idx="4">
-                    <c:v>1.1148253729985728E-3</c:v>
-                  </c:pt>
-                  <c:pt idx="5">
-                    <c:v>1.7535482286705208E-3</c:v>
-                  </c:pt>
-                  <c:pt idx="6">
-                    <c:v>1.2256143039416111E-3</c:v>
-                  </c:pt>
-                  <c:pt idx="7">
-                    <c:v>5.8884909381575086E-4</c:v>
-                  </c:pt>
-                  <c:pt idx="8">
-                    <c:v>1.5112339362706531E-3</c:v>
-                  </c:pt>
-                  <c:pt idx="9">
-                    <c:v>2.9468345760974932E-3</c:v>
-                  </c:pt>
-                </c:numCache>
-              </c:numRef>
-            </c:plus>
-            <c:minus>
-              <c:numRef>
-                <c:f>'results (12)'!$L$33:$L$42</c:f>
-                <c:numCache>
-                  <c:formatCode>General</c:formatCode>
-                  <c:ptCount val="10"/>
-                  <c:pt idx="0">
-                    <c:v>2.3481000087217881E-3</c:v>
-                  </c:pt>
-                  <c:pt idx="1">
-                    <c:v>1.2083824789908645E-2</c:v>
-                  </c:pt>
-                  <c:pt idx="2">
-                    <c:v>1.9265847861224526E-3</c:v>
-                  </c:pt>
-                  <c:pt idx="3">
-                    <c:v>8.6230273011013068E-4</c:v>
-                  </c:pt>
-                  <c:pt idx="4">
-                    <c:v>1.1148253729985728E-3</c:v>
-                  </c:pt>
-                  <c:pt idx="5">
-                    <c:v>1.7535482286705208E-3</c:v>
-                  </c:pt>
-                  <c:pt idx="6">
-                    <c:v>1.2256143039416111E-3</c:v>
-                  </c:pt>
-                  <c:pt idx="7">
-                    <c:v>5.8884909381575086E-4</c:v>
-                  </c:pt>
-                  <c:pt idx="8">
-                    <c:v>1.5112339362706531E-3</c:v>
-                  </c:pt>
-                  <c:pt idx="9">
-                    <c:v>2.9468345760974932E-3</c:v>
-                  </c:pt>
-                </c:numCache>
-              </c:numRef>
-            </c:minus>
-            <c:spPr>
-              <a:noFill/>
-              <a:ln w="9525" cap="flat" cmpd="sng" algn="ctr">
-                <a:solidFill>
-                  <a:schemeClr val="tx1">
-                    <a:lumMod val="65000"/>
-                    <a:lumOff val="35000"/>
-                  </a:schemeClr>
-                </a:solidFill>
-                <a:round/>
-              </a:ln>
-              <a:effectLst/>
-            </c:spPr>
-          </c:errBars>
           <c:cat>
             <c:numRef>
-              <c:f>'results (12)'!$D$57:$D$66</c:f>
+              <c:f>'results (15)'!$F$2:$F$11</c:f>
               <c:numCache>
                 <c:formatCode>General</c:formatCode>
                 <c:ptCount val="10"/>
@@ -7738,39 +7548,39 @@
           </c:cat>
           <c:val>
             <c:numRef>
-              <c:f>'results (12)'!$E$33:$E$42</c:f>
+              <c:f>'results (15)'!$E$32:$E$41</c:f>
               <c:numCache>
                 <c:formatCode>General</c:formatCode>
                 <c:ptCount val="10"/>
                 <c:pt idx="0">
-                  <c:v>8.3800333333333334</c:v>
+                  <c:v>21.598178633333337</c:v>
                 </c:pt>
                 <c:pt idx="1">
-                  <c:v>4.4081000000000001</c:v>
+                  <c:v>10.959668466666669</c:v>
                 </c:pt>
                 <c:pt idx="2">
-                  <c:v>2.3480999999999996</c:v>
+                  <c:v>5.5485166999999986</c:v>
                 </c:pt>
                 <c:pt idx="3">
-                  <c:v>1.2005000000000001</c:v>
+                  <c:v>2.8225232999999998</c:v>
                 </c:pt>
                 <c:pt idx="4">
-                  <c:v>0.66296666666666693</c:v>
+                  <c:v>1.4182066333333332</c:v>
                 </c:pt>
                 <c:pt idx="5">
-                  <c:v>0.55460000000000009</c:v>
+                  <c:v>0.74276410000000004</c:v>
                 </c:pt>
                 <c:pt idx="6">
-                  <c:v>0.5833666666666667</c:v>
+                  <c:v>0.50198113333333327</c:v>
                 </c:pt>
                 <c:pt idx="7">
-                  <c:v>0.55086666666666695</c:v>
+                  <c:v>0.49321960000000004</c:v>
                 </c:pt>
                 <c:pt idx="8">
-                  <c:v>0.81986666666666663</c:v>
+                  <c:v>0.59057459999999995</c:v>
                 </c:pt>
                 <c:pt idx="9">
-                  <c:v>0.84533333333333316</c:v>
+                  <c:v>0.59857899999999986</c:v>
                 </c:pt>
               </c:numCache>
             </c:numRef>
@@ -7778,7 +7588,7 @@
           <c:smooth val="0"/>
           <c:extLst>
             <c:ext xmlns:c16="http://schemas.microsoft.com/office/drawing/2014/chart" uri="{C3380CC4-5D6E-409C-BE32-E72D297353CC}">
-              <c16:uniqueId val="{00000001-6587-458D-B805-59C934F0AC73}"/>
+              <c16:uniqueId val="{00000001-443D-4ACD-A20C-9B392CD368BB}"/>
             </c:ext>
           </c:extLst>
         </c:ser>
@@ -7800,106 +7610,9 @@
           <c:marker>
             <c:symbol val="none"/>
           </c:marker>
-          <c:errBars>
-            <c:errDir val="y"/>
-            <c:errBarType val="both"/>
-            <c:errValType val="cust"/>
-            <c:noEndCap val="0"/>
-            <c:plus>
-              <c:numRef>
-                <c:f>'results (12)'!$L$23:$L$32</c:f>
-                <c:numCache>
-                  <c:formatCode>General</c:formatCode>
-                  <c:ptCount val="10"/>
-                  <c:pt idx="0">
-                    <c:v>8.5994106125022443E-4</c:v>
-                  </c:pt>
-                  <c:pt idx="1">
-                    <c:v>5.7839532037100229E-4</c:v>
-                  </c:pt>
-                  <c:pt idx="2">
-                    <c:v>7.1463913331143501E-4</c:v>
-                  </c:pt>
-                  <c:pt idx="3">
-                    <c:v>5.2976268262792242E-4</c:v>
-                  </c:pt>
-                  <c:pt idx="4">
-                    <c:v>4.9529105263400308E-4</c:v>
-                  </c:pt>
-                  <c:pt idx="5">
-                    <c:v>3.6217767522849604E-4</c:v>
-                  </c:pt>
-                  <c:pt idx="6">
-                    <c:v>3.3596057119345739E-4</c:v>
-                  </c:pt>
-                  <c:pt idx="7">
-                    <c:v>2.3432773867356087E-4</c:v>
-                  </c:pt>
-                  <c:pt idx="8">
-                    <c:v>3.1446450120943087E-4</c:v>
-                  </c:pt>
-                  <c:pt idx="9">
-                    <c:v>3.5971265511479205E-4</c:v>
-                  </c:pt>
-                </c:numCache>
-              </c:numRef>
-            </c:plus>
-            <c:minus>
-              <c:numRef>
-                <c:f>'results (12)'!$L$23:$L$32</c:f>
-                <c:numCache>
-                  <c:formatCode>General</c:formatCode>
-                  <c:ptCount val="10"/>
-                  <c:pt idx="0">
-                    <c:v>8.5994106125022443E-4</c:v>
-                  </c:pt>
-                  <c:pt idx="1">
-                    <c:v>5.7839532037100229E-4</c:v>
-                  </c:pt>
-                  <c:pt idx="2">
-                    <c:v>7.1463913331143501E-4</c:v>
-                  </c:pt>
-                  <c:pt idx="3">
-                    <c:v>5.2976268262792242E-4</c:v>
-                  </c:pt>
-                  <c:pt idx="4">
-                    <c:v>4.9529105263400308E-4</c:v>
-                  </c:pt>
-                  <c:pt idx="5">
-                    <c:v>3.6217767522849604E-4</c:v>
-                  </c:pt>
-                  <c:pt idx="6">
-                    <c:v>3.3596057119345739E-4</c:v>
-                  </c:pt>
-                  <c:pt idx="7">
-                    <c:v>2.3432773867356087E-4</c:v>
-                  </c:pt>
-                  <c:pt idx="8">
-                    <c:v>3.1446450120943087E-4</c:v>
-                  </c:pt>
-                  <c:pt idx="9">
-                    <c:v>3.5971265511479205E-4</c:v>
-                  </c:pt>
-                </c:numCache>
-              </c:numRef>
-            </c:minus>
-            <c:spPr>
-              <a:noFill/>
-              <a:ln w="9525" cap="flat" cmpd="sng" algn="ctr">
-                <a:solidFill>
-                  <a:schemeClr val="tx1">
-                    <a:lumMod val="65000"/>
-                    <a:lumOff val="35000"/>
-                  </a:schemeClr>
-                </a:solidFill>
-                <a:round/>
-              </a:ln>
-              <a:effectLst/>
-            </c:spPr>
-          </c:errBars>
           <c:cat>
             <c:numRef>
-              <c:f>'results (12)'!$D$57:$D$66</c:f>
+              <c:f>'results (15)'!$F$2:$F$11</c:f>
               <c:numCache>
                 <c:formatCode>General</c:formatCode>
                 <c:ptCount val="10"/>
@@ -7938,39 +7651,39 @@
           </c:cat>
           <c:val>
             <c:numRef>
-              <c:f>'results (12)'!$E$23:$E$32</c:f>
+              <c:f>'results (15)'!$E$22:$E$31</c:f>
               <c:numCache>
                 <c:formatCode>General</c:formatCode>
                 <c:ptCount val="10"/>
                 <c:pt idx="0">
-                  <c:v>0.1909666666666667</c:v>
+                  <c:v>2.8797114999999995</c:v>
                 </c:pt>
                 <c:pt idx="1">
-                  <c:v>0.10026666666666668</c:v>
+                  <c:v>1.4667508</c:v>
                 </c:pt>
                 <c:pt idx="2">
-                  <c:v>5.6033333333333345E-2</c:v>
+                  <c:v>0.75203799999999998</c:v>
                 </c:pt>
                 <c:pt idx="3">
-                  <c:v>3.0200000000000018E-2</c:v>
+                  <c:v>0.37742450000000005</c:v>
                 </c:pt>
                 <c:pt idx="4">
-                  <c:v>1.8166666666666671E-2</c:v>
+                  <c:v>0.18876456666666666</c:v>
                 </c:pt>
                 <c:pt idx="5">
-                  <c:v>1.4400000000000008E-2</c:v>
+                  <c:v>0.10230503333333335</c:v>
                 </c:pt>
                 <c:pt idx="6">
-                  <c:v>1.2800000000000008E-2</c:v>
+                  <c:v>6.9038666666666665E-2</c:v>
                 </c:pt>
                 <c:pt idx="7">
-                  <c:v>1.5400000000000009E-2</c:v>
+                  <c:v>6.999916666666664E-2</c:v>
                 </c:pt>
                 <c:pt idx="8">
-                  <c:v>2.003333333333334E-2</c:v>
+                  <c:v>9.2058033333333331E-2</c:v>
                 </c:pt>
                 <c:pt idx="9">
-                  <c:v>2.2033333333333342E-2</c:v>
+                  <c:v>9.7340633333333329E-2</c:v>
                 </c:pt>
               </c:numCache>
             </c:numRef>
@@ -7978,7 +7691,7 @@
           <c:smooth val="0"/>
           <c:extLst>
             <c:ext xmlns:c16="http://schemas.microsoft.com/office/drawing/2014/chart" uri="{C3380CC4-5D6E-409C-BE32-E72D297353CC}">
-              <c16:uniqueId val="{00000002-6587-458D-B805-59C934F0AC73}"/>
+              <c16:uniqueId val="{00000002-443D-4ACD-A20C-9B392CD368BB}"/>
             </c:ext>
           </c:extLst>
         </c:ser>
@@ -8000,106 +7713,9 @@
           <c:marker>
             <c:symbol val="none"/>
           </c:marker>
-          <c:errBars>
-            <c:errDir val="y"/>
-            <c:errBarType val="both"/>
-            <c:errValType val="cust"/>
-            <c:noEndCap val="0"/>
-            <c:plus>
-              <c:numRef>
-                <c:f>'results (12)'!$L$13:$L$22</c:f>
-                <c:numCache>
-                  <c:formatCode>General</c:formatCode>
-                  <c:ptCount val="10"/>
-                  <c:pt idx="0">
-                    <c:v>2.6726985981349578E-4</c:v>
-                  </c:pt>
-                  <c:pt idx="1">
-                    <c:v>4.6099898016244319E-4</c:v>
-                  </c:pt>
-                  <c:pt idx="2">
-                    <c:v>3.2047009452838273E-4</c:v>
-                  </c:pt>
-                  <c:pt idx="3">
-                    <c:v>3.9732201197101264E-4</c:v>
-                  </c:pt>
-                  <c:pt idx="4">
-                    <c:v>5.4792583068445752E-4</c:v>
-                  </c:pt>
-                  <c:pt idx="5">
-                    <c:v>3.8032332312679237E-4</c:v>
-                  </c:pt>
-                  <c:pt idx="6">
-                    <c:v>3.970019780793937E-4</c:v>
-                  </c:pt>
-                  <c:pt idx="7">
-                    <c:v>4.5767841607174454E-4</c:v>
-                  </c:pt>
-                  <c:pt idx="8">
-                    <c:v>6.2344847737783732E-4</c:v>
-                  </c:pt>
-                  <c:pt idx="9">
-                    <c:v>1.2952953119213947E-3</c:v>
-                  </c:pt>
-                </c:numCache>
-              </c:numRef>
-            </c:plus>
-            <c:minus>
-              <c:numRef>
-                <c:f>'results (12)'!$L$13:$L$22</c:f>
-                <c:numCache>
-                  <c:formatCode>General</c:formatCode>
-                  <c:ptCount val="10"/>
-                  <c:pt idx="0">
-                    <c:v>2.6726985981349578E-4</c:v>
-                  </c:pt>
-                  <c:pt idx="1">
-                    <c:v>4.6099898016244319E-4</c:v>
-                  </c:pt>
-                  <c:pt idx="2">
-                    <c:v>3.2047009452838273E-4</c:v>
-                  </c:pt>
-                  <c:pt idx="3">
-                    <c:v>3.9732201197101264E-4</c:v>
-                  </c:pt>
-                  <c:pt idx="4">
-                    <c:v>5.4792583068445752E-4</c:v>
-                  </c:pt>
-                  <c:pt idx="5">
-                    <c:v>3.8032332312679237E-4</c:v>
-                  </c:pt>
-                  <c:pt idx="6">
-                    <c:v>3.970019780793937E-4</c:v>
-                  </c:pt>
-                  <c:pt idx="7">
-                    <c:v>4.5767841607174454E-4</c:v>
-                  </c:pt>
-                  <c:pt idx="8">
-                    <c:v>6.2344847737783732E-4</c:v>
-                  </c:pt>
-                  <c:pt idx="9">
-                    <c:v>1.2952953119213947E-3</c:v>
-                  </c:pt>
-                </c:numCache>
-              </c:numRef>
-            </c:minus>
-            <c:spPr>
-              <a:noFill/>
-              <a:ln w="9525" cap="flat" cmpd="sng" algn="ctr">
-                <a:solidFill>
-                  <a:schemeClr val="tx1">
-                    <a:lumMod val="65000"/>
-                    <a:lumOff val="35000"/>
-                  </a:schemeClr>
-                </a:solidFill>
-                <a:round/>
-              </a:ln>
-              <a:effectLst/>
-            </c:spPr>
-          </c:errBars>
           <c:cat>
             <c:numRef>
-              <c:f>'results (12)'!$D$57:$D$66</c:f>
+              <c:f>'results (15)'!$F$2:$F$11</c:f>
               <c:numCache>
                 <c:formatCode>General</c:formatCode>
                 <c:ptCount val="10"/>
@@ -8138,39 +7754,39 @@
           </c:cat>
           <c:val>
             <c:numRef>
-              <c:f>'results (12)'!$E$13:$E$22</c:f>
+              <c:f>'results (15)'!$E$12:$E$21</c:f>
               <c:numCache>
                 <c:formatCode>General</c:formatCode>
                 <c:ptCount val="10"/>
                 <c:pt idx="0">
-                  <c:v>3.2433333333333356E-2</c:v>
+                  <c:v>0.21204526666666673</c:v>
                 </c:pt>
                 <c:pt idx="1">
-                  <c:v>1.9066666666666673E-2</c:v>
+                  <c:v>0.11066233333333332</c:v>
                 </c:pt>
                 <c:pt idx="2">
-                  <c:v>1.2466666666666673E-2</c:v>
+                  <c:v>5.6548299999999996E-2</c:v>
                 </c:pt>
                 <c:pt idx="3">
-                  <c:v>8.1000000000000048E-3</c:v>
+                  <c:v>2.9105699999999998E-2</c:v>
                 </c:pt>
                 <c:pt idx="4">
-                  <c:v>7.2333333333333381E-3</c:v>
+                  <c:v>1.5755033333333335E-2</c:v>
                 </c:pt>
                 <c:pt idx="5">
-                  <c:v>6.9666666666666705E-3</c:v>
+                  <c:v>1.0130700000000001E-2</c:v>
                 </c:pt>
                 <c:pt idx="6">
-                  <c:v>8.6666666666666715E-3</c:v>
+                  <c:v>9.0967666666666672E-3</c:v>
                 </c:pt>
                 <c:pt idx="7">
-                  <c:v>1.3866666666666673E-2</c:v>
+                  <c:v>1.2006400000000002E-2</c:v>
                 </c:pt>
                 <c:pt idx="8">
-                  <c:v>2.5366666666666683E-2</c:v>
+                  <c:v>2.2786966666666665E-2</c:v>
                 </c:pt>
                 <c:pt idx="9">
-                  <c:v>3.2000000000000021E-2</c:v>
+                  <c:v>2.0901633333333336E-2</c:v>
                 </c:pt>
               </c:numCache>
             </c:numRef>
@@ -8178,7 +7794,7 @@
           <c:smooth val="0"/>
           <c:extLst>
             <c:ext xmlns:c16="http://schemas.microsoft.com/office/drawing/2014/chart" uri="{C3380CC4-5D6E-409C-BE32-E72D297353CC}">
-              <c16:uniqueId val="{00000003-6587-458D-B805-59C934F0AC73}"/>
+              <c16:uniqueId val="{00000003-443D-4ACD-A20C-9B392CD368BB}"/>
             </c:ext>
           </c:extLst>
         </c:ser>
@@ -8200,106 +7816,9 @@
           <c:marker>
             <c:symbol val="none"/>
           </c:marker>
-          <c:errBars>
-            <c:errDir val="y"/>
-            <c:errBarType val="both"/>
-            <c:errValType val="cust"/>
-            <c:noEndCap val="0"/>
-            <c:plus>
-              <c:numRef>
-                <c:f>'results (12)'!$L$3:$L$12</c:f>
-                <c:numCache>
-                  <c:formatCode>General</c:formatCode>
-                  <c:ptCount val="10"/>
-                  <c:pt idx="0">
-                    <c:v>3.2047009452843689E-4</c:v>
-                  </c:pt>
-                  <c:pt idx="1">
-                    <c:v>2.5159180995677294E-4</c:v>
-                  </c:pt>
-                  <c:pt idx="2">
-                    <c:v>3.7764023267164193E-4</c:v>
-                  </c:pt>
-                  <c:pt idx="3">
-                    <c:v>4.7189880654699434E-4</c:v>
-                  </c:pt>
-                  <c:pt idx="4">
-                    <c:v>3.4344390713984824E-4</c:v>
-                  </c:pt>
-                  <c:pt idx="5">
-                    <c:v>2.9614634257472207E-4</c:v>
-                  </c:pt>
-                  <c:pt idx="6">
-                    <c:v>4.8987223259417474E-4</c:v>
-                  </c:pt>
-                  <c:pt idx="7">
-                    <c:v>4.2334202650675073E-4</c:v>
-                  </c:pt>
-                  <c:pt idx="8">
-                    <c:v>8.2785975352568273E-4</c:v>
-                  </c:pt>
-                  <c:pt idx="9">
-                    <c:v>9.4648726691735885E-4</c:v>
-                  </c:pt>
-                </c:numCache>
-              </c:numRef>
-            </c:plus>
-            <c:minus>
-              <c:numRef>
-                <c:f>'results (12)'!$L$3:$L$12</c:f>
-                <c:numCache>
-                  <c:formatCode>General</c:formatCode>
-                  <c:ptCount val="10"/>
-                  <c:pt idx="0">
-                    <c:v>3.2047009452843689E-4</c:v>
-                  </c:pt>
-                  <c:pt idx="1">
-                    <c:v>2.5159180995677294E-4</c:v>
-                  </c:pt>
-                  <c:pt idx="2">
-                    <c:v>3.7764023267164193E-4</c:v>
-                  </c:pt>
-                  <c:pt idx="3">
-                    <c:v>4.7189880654699434E-4</c:v>
-                  </c:pt>
-                  <c:pt idx="4">
-                    <c:v>3.4344390713984824E-4</c:v>
-                  </c:pt>
-                  <c:pt idx="5">
-                    <c:v>2.9614634257472207E-4</c:v>
-                  </c:pt>
-                  <c:pt idx="6">
-                    <c:v>4.8987223259417474E-4</c:v>
-                  </c:pt>
-                  <c:pt idx="7">
-                    <c:v>4.2334202650675073E-4</c:v>
-                  </c:pt>
-                  <c:pt idx="8">
-                    <c:v>8.2785975352568273E-4</c:v>
-                  </c:pt>
-                  <c:pt idx="9">
-                    <c:v>9.4648726691735885E-4</c:v>
-                  </c:pt>
-                </c:numCache>
-              </c:numRef>
-            </c:minus>
-            <c:spPr>
-              <a:noFill/>
-              <a:ln w="9525" cap="flat" cmpd="sng" algn="ctr">
-                <a:solidFill>
-                  <a:schemeClr val="tx1">
-                    <a:lumMod val="65000"/>
-                    <a:lumOff val="35000"/>
-                  </a:schemeClr>
-                </a:solidFill>
-                <a:round/>
-              </a:ln>
-              <a:effectLst/>
-            </c:spPr>
-          </c:errBars>
           <c:cat>
             <c:numRef>
-              <c:f>'results (12)'!$D$57:$D$66</c:f>
+              <c:f>'results (15)'!$F$2:$F$11</c:f>
               <c:numCache>
                 <c:formatCode>General</c:formatCode>
                 <c:ptCount val="10"/>
@@ -8338,39 +7857,39 @@
           </c:cat>
           <c:val>
             <c:numRef>
-              <c:f>'results (12)'!$E$3:$E$12</c:f>
+              <c:f>'results (15)'!$E$2:$E$11</c:f>
               <c:numCache>
                 <c:formatCode>General</c:formatCode>
                 <c:ptCount val="10"/>
                 <c:pt idx="0">
-                  <c:v>5.8666666666666693E-3</c:v>
+                  <c:v>1.7077433333333333E-2</c:v>
                 </c:pt>
                 <c:pt idx="1">
-                  <c:v>4.3000000000000017E-3</c:v>
+                  <c:v>7.8659999999999997E-3</c:v>
                 </c:pt>
                 <c:pt idx="2">
-                  <c:v>3.9000000000000024E-3</c:v>
+                  <c:v>4.3475333333333338E-3</c:v>
                 </c:pt>
                 <c:pt idx="3">
-                  <c:v>4.400000000000002E-3</c:v>
+                  <c:v>2.756233333333333E-3</c:v>
                 </c:pt>
                 <c:pt idx="4">
-                  <c:v>4.4666666666666691E-3</c:v>
+                  <c:v>2.1820666666666666E-3</c:v>
                 </c:pt>
                 <c:pt idx="5">
-                  <c:v>5.5000000000000032E-3</c:v>
+                  <c:v>2.3374666666666666E-3</c:v>
                 </c:pt>
                 <c:pt idx="6">
-                  <c:v>8.5333333333333372E-3</c:v>
+                  <c:v>3.3413666666666664E-3</c:v>
                 </c:pt>
                 <c:pt idx="7">
-                  <c:v>1.3500000000000009E-2</c:v>
+                  <c:v>5.8410333333333338E-3</c:v>
                 </c:pt>
                 <c:pt idx="8">
-                  <c:v>2.5733333333333348E-2</c:v>
+                  <c:v>1.2556066666666666E-2</c:v>
                 </c:pt>
                 <c:pt idx="9">
-                  <c:v>1.1466666666666674E-2</c:v>
+                  <c:v>7.8434000000000004E-3</c:v>
                 </c:pt>
               </c:numCache>
             </c:numRef>
@@ -8378,7 +7897,7 @@
           <c:smooth val="0"/>
           <c:extLst>
             <c:ext xmlns:c16="http://schemas.microsoft.com/office/drawing/2014/chart" uri="{C3380CC4-5D6E-409C-BE32-E72D297353CC}">
-              <c16:uniqueId val="{00000004-6587-458D-B805-59C934F0AC73}"/>
+              <c16:uniqueId val="{00000004-443D-4ACD-A20C-9B392CD368BB}"/>
             </c:ext>
           </c:extLst>
         </c:ser>
@@ -8391,11 +7910,11 @@
           <c:showBubbleSize val="0"/>
         </c:dLbls>
         <c:smooth val="0"/>
-        <c:axId val="1108871408"/>
-        <c:axId val="1347960512"/>
+        <c:axId val="1802860463"/>
+        <c:axId val="1995367215"/>
       </c:lineChart>
       <c:catAx>
-        <c:axId val="1108871408"/>
+        <c:axId val="1802860463"/>
         <c:scaling>
           <c:orientation val="minMax"/>
         </c:scaling>
@@ -8493,7 +8012,7 @@
             <a:endParaRPr lang="it-IT"/>
           </a:p>
         </c:txPr>
-        <c:crossAx val="1347960512"/>
+        <c:crossAx val="1995367215"/>
         <c:crosses val="autoZero"/>
         <c:auto val="1"/>
         <c:lblAlgn val="ctr"/>
@@ -8501,7 +8020,7 @@
         <c:noMultiLvlLbl val="0"/>
       </c:catAx>
       <c:valAx>
-        <c:axId val="1347960512"/>
+        <c:axId val="1995367215"/>
         <c:scaling>
           <c:logBase val="10"/>
           <c:orientation val="minMax"/>
@@ -8608,7 +8127,7 @@
             <a:endParaRPr lang="it-IT"/>
           </a:p>
         </c:txPr>
-        <c:crossAx val="1108871408"/>
+        <c:crossAx val="1802860463"/>
         <c:crosses val="autoZero"/>
         <c:crossBetween val="between"/>
       </c:valAx>
@@ -14318,7 +13837,7 @@
             <a:pPr algn="r" rtl="0"/>
             <a:fld id="{221A1788-7372-4FAC-9AF0-00B54B8D9CBA}" type="datetime1">
               <a:rPr lang="it-IT" smtClean="0"/>
-              <a:t>05/07/2023</a:t>
+              <a:t>07/07/2023</a:t>
             </a:fld>
             <a:endParaRPr lang="it-IT" dirty="0"/>
           </a:p>
@@ -14488,7 +14007,7 @@
             <a:fld id="{D943A304-85CD-4257-B418-D8F889FE0DBC}" type="datetime1">
               <a:rPr lang="it-IT" smtClean="0"/>
               <a:pPr/>
-              <a:t>05/07/2023</a:t>
+              <a:t>07/07/2023</a:t>
             </a:fld>
             <a:endParaRPr lang="it-IT" dirty="0"/>
           </a:p>
@@ -14997,7 +14516,7 @@
             <a:fld id="{3EBA5BD7-F043-4D1B-AA17-CD412FC534DE}" type="slidenum">
               <a:rPr lang="it-IT" smtClean="0"/>
               <a:pPr/>
-              <a:t>20</a:t>
+              <a:t>21</a:t>
             </a:fld>
             <a:endParaRPr lang="it-IT" dirty="0"/>
           </a:p>
@@ -15779,7 +15298,7 @@
             <a:fld id="{3889EF9B-A500-41B6-8F1C-893813E9A898}" type="datetime1">
               <a:rPr lang="it-IT" smtClean="0"/>
               <a:pPr/>
-              <a:t>05/07/2023</a:t>
+              <a:t>07/07/2023</a:t>
             </a:fld>
             <a:endParaRPr lang="it-IT" dirty="0"/>
           </a:p>
@@ -15985,7 +15504,7 @@
             <a:fld id="{6E724BBD-5BEA-4971-A6C4-42E94AF7CB5F}" type="datetime1">
               <a:rPr lang="it-IT" smtClean="0"/>
               <a:pPr/>
-              <a:t>05/07/2023</a:t>
+              <a:t>07/07/2023</a:t>
             </a:fld>
             <a:endParaRPr lang="it-IT" dirty="0"/>
           </a:p>
@@ -16201,7 +15720,7 @@
             <a:fld id="{EF1B2188-7D8C-43C8-B29F-60D01DE77B72}" type="datetime1">
               <a:rPr lang="it-IT" smtClean="0"/>
               <a:pPr/>
-              <a:t>05/07/2023</a:t>
+              <a:t>07/07/2023</a:t>
             </a:fld>
             <a:endParaRPr lang="it-IT" dirty="0"/>
           </a:p>
@@ -16407,7 +15926,7 @@
             <a:fld id="{581DC961-63CE-49AB-921E-1CE3DDEFC80A}" type="datetime1">
               <a:rPr lang="it-IT" smtClean="0"/>
               <a:pPr/>
-              <a:t>05/07/2023</a:t>
+              <a:t>07/07/2023</a:t>
             </a:fld>
             <a:endParaRPr lang="it-IT" dirty="0"/>
           </a:p>
@@ -16851,7 +16370,7 @@
             <a:fld id="{C6066F5F-3C86-4285-A86F-35EFBBDD7800}" type="datetime1">
               <a:rPr lang="it-IT" smtClean="0"/>
               <a:pPr/>
-              <a:t>05/07/2023</a:t>
+              <a:t>07/07/2023</a:t>
             </a:fld>
             <a:endParaRPr lang="it-IT" dirty="0"/>
           </a:p>
@@ -17163,7 +16682,7 @@
             <a:fld id="{0B9BE34E-14EC-4041-A597-EE22FC16794F}" type="datetime1">
               <a:rPr lang="it-IT" smtClean="0"/>
               <a:pPr/>
-              <a:t>05/07/2023</a:t>
+              <a:t>07/07/2023</a:t>
             </a:fld>
             <a:endParaRPr lang="it-IT" dirty="0"/>
           </a:p>
@@ -17627,7 +17146,7 @@
             <a:fld id="{D6FAD192-1BF7-4994-9CBA-74265F19F4C1}" type="datetime1">
               <a:rPr lang="it-IT" smtClean="0"/>
               <a:pPr/>
-              <a:t>05/07/2023</a:t>
+              <a:t>07/07/2023</a:t>
             </a:fld>
             <a:endParaRPr lang="it-IT" dirty="0"/>
           </a:p>
@@ -17765,7 +17284,7 @@
             <a:fld id="{C476DD40-7EBA-46D0-A855-62759524AC7A}" type="datetime1">
               <a:rPr lang="it-IT" smtClean="0"/>
               <a:pPr/>
-              <a:t>05/07/2023</a:t>
+              <a:t>07/07/2023</a:t>
             </a:fld>
             <a:endParaRPr lang="it-IT" dirty="0"/>
           </a:p>
@@ -17879,7 +17398,7 @@
             <a:fld id="{C62E4D95-88E1-4556-89BE-EC650C1D14A8}" type="datetime1">
               <a:rPr lang="it-IT" smtClean="0"/>
               <a:pPr/>
-              <a:t>05/07/2023</a:t>
+              <a:t>07/07/2023</a:t>
             </a:fld>
             <a:endParaRPr lang="it-IT" dirty="0"/>
           </a:p>
@@ -18186,7 +17705,7 @@
             <a:fld id="{1F9867D3-FC26-40B1-8BB9-B19FF8D6CD45}" type="datetime1">
               <a:rPr lang="it-IT" smtClean="0"/>
               <a:pPr/>
-              <a:t>05/07/2023</a:t>
+              <a:t>07/07/2023</a:t>
             </a:fld>
             <a:endParaRPr lang="it-IT" dirty="0"/>
           </a:p>
@@ -18483,7 +18002,7 @@
             <a:fld id="{5B0EE21F-92EE-4289-AFFB-9252D957F459}" type="datetime1">
               <a:rPr lang="it-IT" smtClean="0"/>
               <a:pPr/>
-              <a:t>05/07/2023</a:t>
+              <a:t>07/07/2023</a:t>
             </a:fld>
             <a:endParaRPr lang="it-IT" dirty="0"/>
           </a:p>
@@ -19107,7 +18626,7 @@
             <a:fld id="{8A756645-DD8C-4009-9A84-A4AD56EB55A9}" type="datetime1">
               <a:rPr lang="it-IT" smtClean="0"/>
               <a:pPr/>
-              <a:t>05/07/2023</a:t>
+              <a:t>07/07/2023</a:t>
             </a:fld>
             <a:endParaRPr lang="it-IT" dirty="0"/>
           </a:p>
@@ -22174,10 +21693,10 @@
       </p:grpSpPr>
       <p:sp>
         <p:nvSpPr>
-          <p:cNvPr id="2" name="Title 1">
+          <p:cNvPr id="2" name="Titolo 1">
             <a:extLst>
               <a:ext uri="{FF2B5EF4-FFF2-40B4-BE49-F238E27FC236}">
-                <a16:creationId xmlns:a16="http://schemas.microsoft.com/office/drawing/2014/main" id="{1B510F90-B0D5-B7B9-6E72-93E01419D300}"/>
+                <a16:creationId xmlns:a16="http://schemas.microsoft.com/office/drawing/2014/main" id="{653EB501-7D07-94B9-B3D6-CF4C4DF3A886}"/>
               </a:ext>
             </a:extLst>
           </p:cNvPr>
@@ -22203,25 +21722,21 @@
             <a:pPr algn="ctr"/>
             <a:r>
               <a:rPr lang="it-IT" dirty="0"/>
-              <a:t>GPU </a:t>
-            </a:r>
-            <a:r>
-              <a:rPr lang="it-IT" dirty="0" err="1"/>
-              <a:t>execution</a:t>
-            </a:r>
-            <a:r>
-              <a:rPr lang="it-IT" dirty="0"/>
-              <a:t> time</a:t>
+              <a:t>Hardware </a:t>
+            </a:r>
+            <a:r>
+              <a:rPr lang="en-US" dirty="0"/>
+              <a:t>Specifications</a:t>
             </a:r>
           </a:p>
         </p:txBody>
       </p:sp>
       <p:graphicFrame>
         <p:nvGraphicFramePr>
-          <p:cNvPr id="4" name="Content Placeholder 3">
+          <p:cNvPr id="4" name="Table 4">
             <a:extLst>
               <a:ext uri="{FF2B5EF4-FFF2-40B4-BE49-F238E27FC236}">
-                <a16:creationId xmlns:a16="http://schemas.microsoft.com/office/drawing/2014/main" id="{04888283-E5FC-8636-EF6C-C2572293D5EB}"/>
+                <a16:creationId xmlns:a16="http://schemas.microsoft.com/office/drawing/2014/main" id="{E4E96AC1-9929-4425-B0A8-8F58CC01A7EF}"/>
               </a:ext>
             </a:extLst>
           </p:cNvPr>
@@ -22229,41 +21744,1273 @@
             <a:graphicFrameLocks noGrp="1"/>
           </p:cNvGraphicFramePr>
           <p:nvPr>
-            <p:ph idx="1"/>
             <p:extLst>
               <p:ext uri="{D42A27DB-BD31-4B8C-83A1-F6EECF244321}">
-                <p14:modId xmlns:p14="http://schemas.microsoft.com/office/powerpoint/2010/main" val="769579503"/>
+                <p14:modId xmlns:p14="http://schemas.microsoft.com/office/powerpoint/2010/main" val="1763146713"/>
               </p:ext>
             </p:extLst>
           </p:nvPr>
         </p:nvGraphicFramePr>
         <p:xfrm>
-          <a:off x="909836" y="908050"/>
-          <a:ext cx="10945216" cy="5617294"/>
+          <a:off x="1106544" y="1124744"/>
+          <a:ext cx="10585177" cy="4926298"/>
         </p:xfrm>
         <a:graphic>
-          <a:graphicData uri="http://schemas.openxmlformats.org/drawingml/2006/chart">
-            <c:chart xmlns:c="http://schemas.openxmlformats.org/drawingml/2006/chart" xmlns:r="http://schemas.openxmlformats.org/officeDocument/2006/relationships" r:id="rId2"/>
+          <a:graphicData uri="http://schemas.openxmlformats.org/drawingml/2006/table">
+            <a:tbl>
+              <a:tblPr firstRow="1" bandRow="1">
+                <a:tableStyleId>{5940675A-B579-460E-94D1-54222C63F5DA}</a:tableStyleId>
+              </a:tblPr>
+              <a:tblGrid>
+                <a:gridCol w="2663016">
+                  <a:extLst>
+                    <a:ext uri="{9D8B030D-6E8A-4147-A177-3AD203B41FA5}">
+                      <a16:colId xmlns:a16="http://schemas.microsoft.com/office/drawing/2014/main" val="593101661"/>
+                    </a:ext>
+                  </a:extLst>
+                </a:gridCol>
+                <a:gridCol w="2520280">
+                  <a:extLst>
+                    <a:ext uri="{9D8B030D-6E8A-4147-A177-3AD203B41FA5}">
+                      <a16:colId xmlns:a16="http://schemas.microsoft.com/office/drawing/2014/main" val="3516095507"/>
+                    </a:ext>
+                  </a:extLst>
+                </a:gridCol>
+                <a:gridCol w="216024">
+                  <a:extLst>
+                    <a:ext uri="{9D8B030D-6E8A-4147-A177-3AD203B41FA5}">
+                      <a16:colId xmlns:a16="http://schemas.microsoft.com/office/drawing/2014/main" val="767397892"/>
+                    </a:ext>
+                  </a:extLst>
+                </a:gridCol>
+                <a:gridCol w="2820772">
+                  <a:extLst>
+                    <a:ext uri="{9D8B030D-6E8A-4147-A177-3AD203B41FA5}">
+                      <a16:colId xmlns:a16="http://schemas.microsoft.com/office/drawing/2014/main" val="1947922795"/>
+                    </a:ext>
+                  </a:extLst>
+                </a:gridCol>
+                <a:gridCol w="2365085">
+                  <a:extLst>
+                    <a:ext uri="{9D8B030D-6E8A-4147-A177-3AD203B41FA5}">
+                      <a16:colId xmlns:a16="http://schemas.microsoft.com/office/drawing/2014/main" val="4053238921"/>
+                    </a:ext>
+                  </a:extLst>
+                </a:gridCol>
+              </a:tblGrid>
+              <a:tr h="573389">
+                <a:tc gridSpan="5">
+                  <a:txBody>
+                    <a:bodyPr/>
+                    <a:lstStyle/>
+                    <a:p>
+                      <a:pPr algn="ctr"/>
+                      <a:r>
+                        <a:rPr lang="it-IT" sz="2800" dirty="0"/>
+                        <a:t>NVIDIA </a:t>
+                      </a:r>
+                      <a:r>
+                        <a:rPr lang="it-IT" sz="2800" dirty="0" err="1"/>
+                        <a:t>GeForce</a:t>
+                      </a:r>
+                      <a:r>
+                        <a:rPr lang="it-IT" sz="2800" dirty="0"/>
+                        <a:t> GTX 1050 Mobile</a:t>
+                      </a:r>
+                    </a:p>
+                  </a:txBody>
+                  <a:tcPr>
+                    <a:lnL w="12700" cap="flat" cmpd="sng" algn="ctr">
+                      <a:solidFill>
+                        <a:schemeClr val="tx1"/>
+                      </a:solidFill>
+                      <a:prstDash val="solid"/>
+                      <a:round/>
+                      <a:headEnd type="none" w="med" len="med"/>
+                      <a:tailEnd type="none" w="med" len="med"/>
+                    </a:lnL>
+                    <a:lnR w="12700" cap="flat" cmpd="sng" algn="ctr">
+                      <a:solidFill>
+                        <a:schemeClr val="tx1"/>
+                      </a:solidFill>
+                      <a:prstDash val="solid"/>
+                      <a:round/>
+                      <a:headEnd type="none" w="med" len="med"/>
+                      <a:tailEnd type="none" w="med" len="med"/>
+                    </a:lnR>
+                    <a:lnT w="12700" cap="flat" cmpd="sng" algn="ctr">
+                      <a:solidFill>
+                        <a:schemeClr val="tx1"/>
+                      </a:solidFill>
+                      <a:prstDash val="solid"/>
+                      <a:round/>
+                      <a:headEnd type="none" w="med" len="med"/>
+                      <a:tailEnd type="none" w="med" len="med"/>
+                    </a:lnT>
+                    <a:lnB w="12700" cap="flat" cmpd="sng" algn="ctr">
+                      <a:solidFill>
+                        <a:schemeClr val="tx1"/>
+                      </a:solidFill>
+                      <a:prstDash val="solid"/>
+                      <a:round/>
+                      <a:headEnd type="none" w="med" len="med"/>
+                      <a:tailEnd type="none" w="med" len="med"/>
+                    </a:lnB>
+                  </a:tcPr>
+                </a:tc>
+                <a:tc hMerge="1">
+                  <a:txBody>
+                    <a:bodyPr/>
+                    <a:lstStyle/>
+                    <a:p>
+                      <a:endParaRPr lang="it-IT" dirty="0"/>
+                    </a:p>
+                  </a:txBody>
+                  <a:tcPr/>
+                </a:tc>
+                <a:tc hMerge="1">
+                  <a:txBody>
+                    <a:bodyPr/>
+                    <a:lstStyle/>
+                    <a:p>
+                      <a:endParaRPr lang="it-IT"/>
+                    </a:p>
+                  </a:txBody>
+                  <a:tcPr/>
+                </a:tc>
+                <a:tc hMerge="1">
+                  <a:txBody>
+                    <a:bodyPr/>
+                    <a:lstStyle/>
+                    <a:p>
+                      <a:pPr algn="ctr"/>
+                      <a:endParaRPr lang="it-IT" sz="3200" dirty="0"/>
+                    </a:p>
+                  </a:txBody>
+                  <a:tcPr/>
+                </a:tc>
+                <a:tc hMerge="1">
+                  <a:txBody>
+                    <a:bodyPr/>
+                    <a:lstStyle/>
+                    <a:p>
+                      <a:pPr algn="ctr"/>
+                      <a:endParaRPr lang="it-IT" sz="3200" dirty="0"/>
+                    </a:p>
+                  </a:txBody>
+                  <a:tcPr/>
+                </a:tc>
+                <a:extLst>
+                  <a:ext uri="{0D108BD9-81ED-4DB2-BD59-A6C34878D82A}">
+                    <a16:rowId xmlns:a16="http://schemas.microsoft.com/office/drawing/2014/main" val="1904552282"/>
+                  </a:ext>
+                </a:extLst>
+              </a:tr>
+              <a:tr h="573389">
+                <a:tc>
+                  <a:txBody>
+                    <a:bodyPr/>
+                    <a:lstStyle/>
+                    <a:p>
+                      <a:r>
+                        <a:rPr lang="it-IT" sz="2800" b="1" dirty="0"/>
+                        <a:t>Architecture</a:t>
+                      </a:r>
+                    </a:p>
+                  </a:txBody>
+                  <a:tcPr>
+                    <a:lnR w="12700" cap="flat" cmpd="sng" algn="ctr">
+                      <a:solidFill>
+                        <a:schemeClr val="tx1"/>
+                      </a:solidFill>
+                      <a:prstDash val="solid"/>
+                      <a:round/>
+                      <a:headEnd type="none" w="med" len="med"/>
+                      <a:tailEnd type="none" w="med" len="med"/>
+                    </a:lnR>
+                    <a:lnT w="12700" cap="flat" cmpd="sng" algn="ctr">
+                      <a:solidFill>
+                        <a:schemeClr val="tx1"/>
+                      </a:solidFill>
+                      <a:prstDash val="solid"/>
+                      <a:round/>
+                      <a:headEnd type="none" w="med" len="med"/>
+                      <a:tailEnd type="none" w="med" len="med"/>
+                    </a:lnT>
+                  </a:tcPr>
+                </a:tc>
+                <a:tc>
+                  <a:txBody>
+                    <a:bodyPr/>
+                    <a:lstStyle/>
+                    <a:p>
+                      <a:r>
+                        <a:rPr lang="it-IT" sz="2800" dirty="0"/>
+                        <a:t>Pascal</a:t>
+                      </a:r>
+                    </a:p>
+                  </a:txBody>
+                  <a:tcPr>
+                    <a:lnL w="12700" cap="flat" cmpd="sng" algn="ctr">
+                      <a:solidFill>
+                        <a:schemeClr val="tx1"/>
+                      </a:solidFill>
+                      <a:prstDash val="solid"/>
+                      <a:round/>
+                      <a:headEnd type="none" w="med" len="med"/>
+                      <a:tailEnd type="none" w="med" len="med"/>
+                    </a:lnL>
+                    <a:lnR w="12700" cap="flat" cmpd="sng" algn="ctr">
+                      <a:solidFill>
+                        <a:schemeClr val="tx1"/>
+                      </a:solidFill>
+                      <a:prstDash val="solid"/>
+                      <a:round/>
+                      <a:headEnd type="none" w="med" len="med"/>
+                      <a:tailEnd type="none" w="med" len="med"/>
+                    </a:lnR>
+                    <a:lnT w="12700" cap="flat" cmpd="sng" algn="ctr">
+                      <a:solidFill>
+                        <a:schemeClr val="tx1"/>
+                      </a:solidFill>
+                      <a:prstDash val="solid"/>
+                      <a:round/>
+                      <a:headEnd type="none" w="med" len="med"/>
+                      <a:tailEnd type="none" w="med" len="med"/>
+                    </a:lnT>
+                    <a:lnB w="12700" cap="flat" cmpd="sng" algn="ctr">
+                      <a:solidFill>
+                        <a:schemeClr val="tx1"/>
+                      </a:solidFill>
+                      <a:prstDash val="solid"/>
+                      <a:round/>
+                      <a:headEnd type="none" w="med" len="med"/>
+                      <a:tailEnd type="none" w="med" len="med"/>
+                    </a:lnB>
+                  </a:tcPr>
+                </a:tc>
+                <a:tc>
+                  <a:txBody>
+                    <a:bodyPr/>
+                    <a:lstStyle/>
+                    <a:p>
+                      <a:endParaRPr lang="it-IT" sz="2800" dirty="0"/>
+                    </a:p>
+                  </a:txBody>
+                  <a:tcPr>
+                    <a:lnL w="12700" cap="flat" cmpd="sng" algn="ctr">
+                      <a:solidFill>
+                        <a:schemeClr val="tx1"/>
+                      </a:solidFill>
+                      <a:prstDash val="solid"/>
+                      <a:round/>
+                      <a:headEnd type="none" w="med" len="med"/>
+                      <a:tailEnd type="none" w="med" len="med"/>
+                    </a:lnL>
+                    <a:lnR w="12700" cap="flat" cmpd="sng" algn="ctr">
+                      <a:solidFill>
+                        <a:schemeClr val="tx1"/>
+                      </a:solidFill>
+                      <a:prstDash val="solid"/>
+                      <a:round/>
+                      <a:headEnd type="none" w="med" len="med"/>
+                      <a:tailEnd type="none" w="med" len="med"/>
+                    </a:lnR>
+                    <a:lnT w="12700" cap="flat" cmpd="sng" algn="ctr">
+                      <a:solidFill>
+                        <a:schemeClr val="tx1"/>
+                      </a:solidFill>
+                      <a:prstDash val="solid"/>
+                      <a:round/>
+                      <a:headEnd type="none" w="med" len="med"/>
+                      <a:tailEnd type="none" w="med" len="med"/>
+                    </a:lnT>
+                    <a:lnB w="12700" cmpd="sng">
+                      <a:noFill/>
+                    </a:lnB>
+                    <a:lnTlToBr w="12700" cmpd="sng">
+                      <a:noFill/>
+                      <a:prstDash val="solid"/>
+                    </a:lnTlToBr>
+                    <a:lnBlToTr w="12700" cmpd="sng">
+                      <a:noFill/>
+                      <a:prstDash val="solid"/>
+                    </a:lnBlToTr>
+                  </a:tcPr>
+                </a:tc>
+                <a:tc>
+                  <a:txBody>
+                    <a:bodyPr/>
+                    <a:lstStyle/>
+                    <a:p>
+                      <a:r>
+                        <a:rPr lang="it-IT" sz="2800" b="1" dirty="0"/>
+                        <a:t>Single Precision FLOP/s</a:t>
+                      </a:r>
+                    </a:p>
+                  </a:txBody>
+                  <a:tcPr>
+                    <a:lnL w="12700" cap="flat" cmpd="sng" algn="ctr">
+                      <a:solidFill>
+                        <a:schemeClr val="tx1"/>
+                      </a:solidFill>
+                      <a:prstDash val="solid"/>
+                      <a:round/>
+                      <a:headEnd type="none" w="med" len="med"/>
+                      <a:tailEnd type="none" w="med" len="med"/>
+                    </a:lnL>
+                    <a:lnR w="12700" cap="flat" cmpd="sng" algn="ctr">
+                      <a:solidFill>
+                        <a:schemeClr val="tx1"/>
+                      </a:solidFill>
+                      <a:prstDash val="solid"/>
+                      <a:round/>
+                      <a:headEnd type="none" w="med" len="med"/>
+                      <a:tailEnd type="none" w="med" len="med"/>
+                    </a:lnR>
+                    <a:lnT w="12700" cap="flat" cmpd="sng" algn="ctr">
+                      <a:solidFill>
+                        <a:schemeClr val="tx1"/>
+                      </a:solidFill>
+                      <a:prstDash val="solid"/>
+                      <a:round/>
+                      <a:headEnd type="none" w="med" len="med"/>
+                      <a:tailEnd type="none" w="med" len="med"/>
+                    </a:lnT>
+                    <a:lnB w="12700" cap="flat" cmpd="sng" algn="ctr">
+                      <a:solidFill>
+                        <a:schemeClr val="tx1"/>
+                      </a:solidFill>
+                      <a:prstDash val="solid"/>
+                      <a:round/>
+                      <a:headEnd type="none" w="med" len="med"/>
+                      <a:tailEnd type="none" w="med" len="med"/>
+                    </a:lnB>
+                  </a:tcPr>
+                </a:tc>
+                <a:tc>
+                  <a:txBody>
+                    <a:bodyPr/>
+                    <a:lstStyle/>
+                    <a:p>
+                      <a:r>
+                        <a:rPr lang="it-IT" sz="2800" dirty="0"/>
+                        <a:t>1,911 </a:t>
+                      </a:r>
+                      <a:r>
+                        <a:rPr lang="it-IT" sz="2800" dirty="0" err="1"/>
+                        <a:t>TeraFLOP</a:t>
+                      </a:r>
+                      <a:r>
+                        <a:rPr lang="it-IT" sz="2800" dirty="0"/>
+                        <a:t>/s</a:t>
+                      </a:r>
+                    </a:p>
+                  </a:txBody>
+                  <a:tcPr>
+                    <a:lnL w="12700" cap="flat" cmpd="sng" algn="ctr">
+                      <a:solidFill>
+                        <a:schemeClr val="tx1"/>
+                      </a:solidFill>
+                      <a:prstDash val="solid"/>
+                      <a:round/>
+                      <a:headEnd type="none" w="med" len="med"/>
+                      <a:tailEnd type="none" w="med" len="med"/>
+                    </a:lnL>
+                    <a:lnT w="12700" cap="flat" cmpd="sng" algn="ctr">
+                      <a:solidFill>
+                        <a:schemeClr val="tx1"/>
+                      </a:solidFill>
+                      <a:prstDash val="solid"/>
+                      <a:round/>
+                      <a:headEnd type="none" w="med" len="med"/>
+                      <a:tailEnd type="none" w="med" len="med"/>
+                    </a:lnT>
+                  </a:tcPr>
+                </a:tc>
+                <a:extLst>
+                  <a:ext uri="{0D108BD9-81ED-4DB2-BD59-A6C34878D82A}">
+                    <a16:rowId xmlns:a16="http://schemas.microsoft.com/office/drawing/2014/main" val="2149399690"/>
+                  </a:ext>
+                </a:extLst>
+              </a:tr>
+              <a:tr h="573389">
+                <a:tc>
+                  <a:txBody>
+                    <a:bodyPr/>
+                    <a:lstStyle/>
+                    <a:p>
+                      <a:r>
+                        <a:rPr lang="it-IT" sz="2800" b="1" dirty="0"/>
+                        <a:t>Cuda Cores</a:t>
+                      </a:r>
+                    </a:p>
+                  </a:txBody>
+                  <a:tcPr>
+                    <a:lnR w="12700" cap="flat" cmpd="sng" algn="ctr">
+                      <a:solidFill>
+                        <a:schemeClr val="tx1"/>
+                      </a:solidFill>
+                      <a:prstDash val="solid"/>
+                      <a:round/>
+                      <a:headEnd type="none" w="med" len="med"/>
+                      <a:tailEnd type="none" w="med" len="med"/>
+                    </a:lnR>
+                  </a:tcPr>
+                </a:tc>
+                <a:tc>
+                  <a:txBody>
+                    <a:bodyPr/>
+                    <a:lstStyle/>
+                    <a:p>
+                      <a:r>
+                        <a:rPr lang="it-IT" sz="2800" dirty="0"/>
+                        <a:t>640</a:t>
+                      </a:r>
+                    </a:p>
+                  </a:txBody>
+                  <a:tcPr>
+                    <a:lnL w="12700" cap="flat" cmpd="sng" algn="ctr">
+                      <a:solidFill>
+                        <a:schemeClr val="tx1"/>
+                      </a:solidFill>
+                      <a:prstDash val="solid"/>
+                      <a:round/>
+                      <a:headEnd type="none" w="med" len="med"/>
+                      <a:tailEnd type="none" w="med" len="med"/>
+                    </a:lnL>
+                    <a:lnR w="12700" cap="flat" cmpd="sng" algn="ctr">
+                      <a:solidFill>
+                        <a:schemeClr val="tx1"/>
+                      </a:solidFill>
+                      <a:prstDash val="solid"/>
+                      <a:round/>
+                      <a:headEnd type="none" w="med" len="med"/>
+                      <a:tailEnd type="none" w="med" len="med"/>
+                    </a:lnR>
+                    <a:lnT w="12700" cap="flat" cmpd="sng" algn="ctr">
+                      <a:solidFill>
+                        <a:schemeClr val="tx1"/>
+                      </a:solidFill>
+                      <a:prstDash val="solid"/>
+                      <a:round/>
+                      <a:headEnd type="none" w="med" len="med"/>
+                      <a:tailEnd type="none" w="med" len="med"/>
+                    </a:lnT>
+                    <a:lnB w="12700" cap="flat" cmpd="sng" algn="ctr">
+                      <a:solidFill>
+                        <a:schemeClr val="tx1"/>
+                      </a:solidFill>
+                      <a:prstDash val="solid"/>
+                      <a:round/>
+                      <a:headEnd type="none" w="med" len="med"/>
+                      <a:tailEnd type="none" w="med" len="med"/>
+                    </a:lnB>
+                  </a:tcPr>
+                </a:tc>
+                <a:tc>
+                  <a:txBody>
+                    <a:bodyPr/>
+                    <a:lstStyle/>
+                    <a:p>
+                      <a:endParaRPr lang="it-IT" sz="2800" dirty="0"/>
+                    </a:p>
+                  </a:txBody>
+                  <a:tcPr>
+                    <a:lnL w="12700" cap="flat" cmpd="sng" algn="ctr">
+                      <a:solidFill>
+                        <a:schemeClr val="tx1"/>
+                      </a:solidFill>
+                      <a:prstDash val="solid"/>
+                      <a:round/>
+                      <a:headEnd type="none" w="med" len="med"/>
+                      <a:tailEnd type="none" w="med" len="med"/>
+                    </a:lnL>
+                    <a:lnR w="12700" cap="flat" cmpd="sng" algn="ctr">
+                      <a:solidFill>
+                        <a:schemeClr val="tx1"/>
+                      </a:solidFill>
+                      <a:prstDash val="solid"/>
+                      <a:round/>
+                      <a:headEnd type="none" w="med" len="med"/>
+                      <a:tailEnd type="none" w="med" len="med"/>
+                    </a:lnR>
+                    <a:lnT w="12700" cmpd="sng">
+                      <a:noFill/>
+                    </a:lnT>
+                    <a:lnB w="12700" cmpd="sng">
+                      <a:noFill/>
+                    </a:lnB>
+                    <a:lnTlToBr w="12700" cmpd="sng">
+                      <a:noFill/>
+                      <a:prstDash val="solid"/>
+                    </a:lnTlToBr>
+                    <a:lnBlToTr w="12700" cmpd="sng">
+                      <a:noFill/>
+                      <a:prstDash val="solid"/>
+                    </a:lnBlToTr>
+                  </a:tcPr>
+                </a:tc>
+                <a:tc>
+                  <a:txBody>
+                    <a:bodyPr/>
+                    <a:lstStyle/>
+                    <a:p>
+                      <a:r>
+                        <a:rPr lang="it-IT" sz="2800" b="1" dirty="0"/>
+                        <a:t>Double Precision FLOP/s</a:t>
+                      </a:r>
+                    </a:p>
+                  </a:txBody>
+                  <a:tcPr>
+                    <a:lnL w="12700" cap="flat" cmpd="sng" algn="ctr">
+                      <a:solidFill>
+                        <a:schemeClr val="tx1"/>
+                      </a:solidFill>
+                      <a:prstDash val="solid"/>
+                      <a:round/>
+                      <a:headEnd type="none" w="med" len="med"/>
+                      <a:tailEnd type="none" w="med" len="med"/>
+                    </a:lnL>
+                    <a:lnR w="12700" cap="flat" cmpd="sng" algn="ctr">
+                      <a:solidFill>
+                        <a:schemeClr val="tx1"/>
+                      </a:solidFill>
+                      <a:prstDash val="solid"/>
+                      <a:round/>
+                      <a:headEnd type="none" w="med" len="med"/>
+                      <a:tailEnd type="none" w="med" len="med"/>
+                    </a:lnR>
+                    <a:lnT w="12700" cap="flat" cmpd="sng" algn="ctr">
+                      <a:solidFill>
+                        <a:schemeClr val="tx1"/>
+                      </a:solidFill>
+                      <a:prstDash val="solid"/>
+                      <a:round/>
+                      <a:headEnd type="none" w="med" len="med"/>
+                      <a:tailEnd type="none" w="med" len="med"/>
+                    </a:lnT>
+                    <a:lnB w="12700" cap="flat" cmpd="sng" algn="ctr">
+                      <a:solidFill>
+                        <a:schemeClr val="tx1"/>
+                      </a:solidFill>
+                      <a:prstDash val="solid"/>
+                      <a:round/>
+                      <a:headEnd type="none" w="med" len="med"/>
+                      <a:tailEnd type="none" w="med" len="med"/>
+                    </a:lnB>
+                  </a:tcPr>
+                </a:tc>
+                <a:tc>
+                  <a:txBody>
+                    <a:bodyPr/>
+                    <a:lstStyle/>
+                    <a:p>
+                      <a:r>
+                        <a:rPr lang="it-IT" sz="2800" dirty="0"/>
+                        <a:t>59,72 </a:t>
+                      </a:r>
+                      <a:r>
+                        <a:rPr lang="it-IT" sz="2800" dirty="0" err="1"/>
+                        <a:t>GigaFLOP</a:t>
+                      </a:r>
+                      <a:r>
+                        <a:rPr lang="it-IT" sz="2800" dirty="0"/>
+                        <a:t>/s</a:t>
+                      </a:r>
+                    </a:p>
+                  </a:txBody>
+                  <a:tcPr>
+                    <a:lnL w="12700" cap="flat" cmpd="sng" algn="ctr">
+                      <a:solidFill>
+                        <a:schemeClr val="tx1"/>
+                      </a:solidFill>
+                      <a:prstDash val="solid"/>
+                      <a:round/>
+                      <a:headEnd type="none" w="med" len="med"/>
+                      <a:tailEnd type="none" w="med" len="med"/>
+                    </a:lnL>
+                  </a:tcPr>
+                </a:tc>
+                <a:extLst>
+                  <a:ext uri="{0D108BD9-81ED-4DB2-BD59-A6C34878D82A}">
+                    <a16:rowId xmlns:a16="http://schemas.microsoft.com/office/drawing/2014/main" val="342167756"/>
+                  </a:ext>
+                </a:extLst>
+              </a:tr>
+              <a:tr h="573389">
+                <a:tc>
+                  <a:txBody>
+                    <a:bodyPr/>
+                    <a:lstStyle/>
+                    <a:p>
+                      <a:r>
+                        <a:rPr lang="en-US" sz="2800" b="1" noProof="0" dirty="0"/>
+                        <a:t>Multiprocessors</a:t>
+                      </a:r>
+                    </a:p>
+                  </a:txBody>
+                  <a:tcPr>
+                    <a:lnR w="12700" cap="flat" cmpd="sng" algn="ctr">
+                      <a:solidFill>
+                        <a:schemeClr val="tx1"/>
+                      </a:solidFill>
+                      <a:prstDash val="solid"/>
+                      <a:round/>
+                      <a:headEnd type="none" w="med" len="med"/>
+                      <a:tailEnd type="none" w="med" len="med"/>
+                    </a:lnR>
+                  </a:tcPr>
+                </a:tc>
+                <a:tc>
+                  <a:txBody>
+                    <a:bodyPr/>
+                    <a:lstStyle/>
+                    <a:p>
+                      <a:r>
+                        <a:rPr lang="it-IT" sz="2800" dirty="0"/>
+                        <a:t>5</a:t>
+                      </a:r>
+                    </a:p>
+                  </a:txBody>
+                  <a:tcPr>
+                    <a:lnL w="12700" cap="flat" cmpd="sng" algn="ctr">
+                      <a:solidFill>
+                        <a:schemeClr val="tx1"/>
+                      </a:solidFill>
+                      <a:prstDash val="solid"/>
+                      <a:round/>
+                      <a:headEnd type="none" w="med" len="med"/>
+                      <a:tailEnd type="none" w="med" len="med"/>
+                    </a:lnL>
+                    <a:lnR w="12700" cap="flat" cmpd="sng" algn="ctr">
+                      <a:solidFill>
+                        <a:schemeClr val="tx1"/>
+                      </a:solidFill>
+                      <a:prstDash val="solid"/>
+                      <a:round/>
+                      <a:headEnd type="none" w="med" len="med"/>
+                      <a:tailEnd type="none" w="med" len="med"/>
+                    </a:lnR>
+                    <a:lnT w="12700" cap="flat" cmpd="sng" algn="ctr">
+                      <a:solidFill>
+                        <a:schemeClr val="tx1"/>
+                      </a:solidFill>
+                      <a:prstDash val="solid"/>
+                      <a:round/>
+                      <a:headEnd type="none" w="med" len="med"/>
+                      <a:tailEnd type="none" w="med" len="med"/>
+                    </a:lnT>
+                    <a:lnB w="12700" cap="flat" cmpd="sng" algn="ctr">
+                      <a:solidFill>
+                        <a:schemeClr val="tx1"/>
+                      </a:solidFill>
+                      <a:prstDash val="solid"/>
+                      <a:round/>
+                      <a:headEnd type="none" w="med" len="med"/>
+                      <a:tailEnd type="none" w="med" len="med"/>
+                    </a:lnB>
+                  </a:tcPr>
+                </a:tc>
+                <a:tc>
+                  <a:txBody>
+                    <a:bodyPr/>
+                    <a:lstStyle/>
+                    <a:p>
+                      <a:endParaRPr lang="it-IT" sz="2800" dirty="0"/>
+                    </a:p>
+                  </a:txBody>
+                  <a:tcPr>
+                    <a:lnL w="12700" cap="flat" cmpd="sng" algn="ctr">
+                      <a:solidFill>
+                        <a:schemeClr val="tx1"/>
+                      </a:solidFill>
+                      <a:prstDash val="solid"/>
+                      <a:round/>
+                      <a:headEnd type="none" w="med" len="med"/>
+                      <a:tailEnd type="none" w="med" len="med"/>
+                    </a:lnL>
+                    <a:lnR w="12700" cap="flat" cmpd="sng" algn="ctr">
+                      <a:solidFill>
+                        <a:schemeClr val="tx1"/>
+                      </a:solidFill>
+                      <a:prstDash val="solid"/>
+                      <a:round/>
+                      <a:headEnd type="none" w="med" len="med"/>
+                      <a:tailEnd type="none" w="med" len="med"/>
+                    </a:lnR>
+                    <a:lnT w="12700" cmpd="sng">
+                      <a:noFill/>
+                    </a:lnT>
+                    <a:lnB w="12700" cmpd="sng">
+                      <a:noFill/>
+                    </a:lnB>
+                    <a:lnTlToBr w="12700" cmpd="sng">
+                      <a:noFill/>
+                      <a:prstDash val="solid"/>
+                    </a:lnTlToBr>
+                    <a:lnBlToTr w="12700" cmpd="sng">
+                      <a:noFill/>
+                      <a:prstDash val="solid"/>
+                    </a:lnBlToTr>
+                  </a:tcPr>
+                </a:tc>
+                <a:tc>
+                  <a:txBody>
+                    <a:bodyPr/>
+                    <a:lstStyle/>
+                    <a:p>
+                      <a:r>
+                        <a:rPr lang="it-IT" sz="2800" b="1" dirty="0"/>
+                        <a:t>Constant Memory Size</a:t>
+                      </a:r>
+                    </a:p>
+                  </a:txBody>
+                  <a:tcPr>
+                    <a:lnL w="12700" cap="flat" cmpd="sng" algn="ctr">
+                      <a:solidFill>
+                        <a:schemeClr val="tx1"/>
+                      </a:solidFill>
+                      <a:prstDash val="solid"/>
+                      <a:round/>
+                      <a:headEnd type="none" w="med" len="med"/>
+                      <a:tailEnd type="none" w="med" len="med"/>
+                    </a:lnL>
+                    <a:lnR w="12700" cap="flat" cmpd="sng" algn="ctr">
+                      <a:solidFill>
+                        <a:schemeClr val="tx1"/>
+                      </a:solidFill>
+                      <a:prstDash val="solid"/>
+                      <a:round/>
+                      <a:headEnd type="none" w="med" len="med"/>
+                      <a:tailEnd type="none" w="med" len="med"/>
+                    </a:lnR>
+                    <a:lnT w="12700" cap="flat" cmpd="sng" algn="ctr">
+                      <a:solidFill>
+                        <a:schemeClr val="tx1"/>
+                      </a:solidFill>
+                      <a:prstDash val="solid"/>
+                      <a:round/>
+                      <a:headEnd type="none" w="med" len="med"/>
+                      <a:tailEnd type="none" w="med" len="med"/>
+                    </a:lnT>
+                    <a:lnB w="12700" cap="flat" cmpd="sng" algn="ctr">
+                      <a:solidFill>
+                        <a:schemeClr val="tx1"/>
+                      </a:solidFill>
+                      <a:prstDash val="solid"/>
+                      <a:round/>
+                      <a:headEnd type="none" w="med" len="med"/>
+                      <a:tailEnd type="none" w="med" len="med"/>
+                    </a:lnB>
+                  </a:tcPr>
+                </a:tc>
+                <a:tc>
+                  <a:txBody>
+                    <a:bodyPr/>
+                    <a:lstStyle/>
+                    <a:p>
+                      <a:r>
+                        <a:rPr lang="en-US" sz="2800" b="0" kern="1200" dirty="0">
+                          <a:solidFill>
+                            <a:schemeClr val="tx1"/>
+                          </a:solidFill>
+                          <a:effectLst/>
+                        </a:rPr>
+                        <a:t>64 KiB</a:t>
+                      </a:r>
+                      <a:endParaRPr lang="it-IT" sz="2800" b="0" dirty="0">
+                        <a:solidFill>
+                          <a:schemeClr val="tx1"/>
+                        </a:solidFill>
+                      </a:endParaRPr>
+                    </a:p>
+                  </a:txBody>
+                  <a:tcPr>
+                    <a:lnL w="12700" cap="flat" cmpd="sng" algn="ctr">
+                      <a:solidFill>
+                        <a:schemeClr val="tx1"/>
+                      </a:solidFill>
+                      <a:prstDash val="solid"/>
+                      <a:round/>
+                      <a:headEnd type="none" w="med" len="med"/>
+                      <a:tailEnd type="none" w="med" len="med"/>
+                    </a:lnL>
+                  </a:tcPr>
+                </a:tc>
+                <a:extLst>
+                  <a:ext uri="{0D108BD9-81ED-4DB2-BD59-A6C34878D82A}">
+                    <a16:rowId xmlns:a16="http://schemas.microsoft.com/office/drawing/2014/main" val="4056528446"/>
+                  </a:ext>
+                </a:extLst>
+              </a:tr>
+              <a:tr h="573389">
+                <a:tc>
+                  <a:txBody>
+                    <a:bodyPr/>
+                    <a:lstStyle/>
+                    <a:p>
+                      <a:r>
+                        <a:rPr lang="it-IT" sz="2800" b="1" dirty="0"/>
+                        <a:t>Clock rate</a:t>
+                      </a:r>
+                    </a:p>
+                  </a:txBody>
+                  <a:tcPr>
+                    <a:lnR w="12700" cap="flat" cmpd="sng" algn="ctr">
+                      <a:solidFill>
+                        <a:schemeClr val="tx1"/>
+                      </a:solidFill>
+                      <a:prstDash val="solid"/>
+                      <a:round/>
+                      <a:headEnd type="none" w="med" len="med"/>
+                      <a:tailEnd type="none" w="med" len="med"/>
+                    </a:lnR>
+                  </a:tcPr>
+                </a:tc>
+                <a:tc>
+                  <a:txBody>
+                    <a:bodyPr/>
+                    <a:lstStyle/>
+                    <a:p>
+                      <a:r>
+                        <a:rPr lang="en-US" sz="2800" b="0" kern="1200" dirty="0">
+                          <a:solidFill>
+                            <a:schemeClr val="tx1"/>
+                          </a:solidFill>
+                          <a:effectLst/>
+                        </a:rPr>
+                        <a:t>1,493 GHz</a:t>
+                      </a:r>
+                      <a:endParaRPr lang="it-IT" sz="2800" dirty="0">
+                        <a:solidFill>
+                          <a:schemeClr val="tx1"/>
+                        </a:solidFill>
+                      </a:endParaRPr>
+                    </a:p>
+                  </a:txBody>
+                  <a:tcPr>
+                    <a:lnL w="12700" cap="flat" cmpd="sng" algn="ctr">
+                      <a:solidFill>
+                        <a:schemeClr val="tx1"/>
+                      </a:solidFill>
+                      <a:prstDash val="solid"/>
+                      <a:round/>
+                      <a:headEnd type="none" w="med" len="med"/>
+                      <a:tailEnd type="none" w="med" len="med"/>
+                    </a:lnL>
+                    <a:lnR w="12700" cap="flat" cmpd="sng" algn="ctr">
+                      <a:solidFill>
+                        <a:schemeClr val="tx1"/>
+                      </a:solidFill>
+                      <a:prstDash val="solid"/>
+                      <a:round/>
+                      <a:headEnd type="none" w="med" len="med"/>
+                      <a:tailEnd type="none" w="med" len="med"/>
+                    </a:lnR>
+                    <a:lnT w="12700" cap="flat" cmpd="sng" algn="ctr">
+                      <a:solidFill>
+                        <a:schemeClr val="tx1"/>
+                      </a:solidFill>
+                      <a:prstDash val="solid"/>
+                      <a:round/>
+                      <a:headEnd type="none" w="med" len="med"/>
+                      <a:tailEnd type="none" w="med" len="med"/>
+                    </a:lnT>
+                    <a:lnB w="12700" cap="flat" cmpd="sng" algn="ctr">
+                      <a:solidFill>
+                        <a:schemeClr val="tx1"/>
+                      </a:solidFill>
+                      <a:prstDash val="solid"/>
+                      <a:round/>
+                      <a:headEnd type="none" w="med" len="med"/>
+                      <a:tailEnd type="none" w="med" len="med"/>
+                    </a:lnB>
+                  </a:tcPr>
+                </a:tc>
+                <a:tc>
+                  <a:txBody>
+                    <a:bodyPr/>
+                    <a:lstStyle/>
+                    <a:p>
+                      <a:endParaRPr lang="it-IT" sz="2800" dirty="0">
+                        <a:solidFill>
+                          <a:schemeClr val="tx1"/>
+                        </a:solidFill>
+                      </a:endParaRPr>
+                    </a:p>
+                  </a:txBody>
+                  <a:tcPr>
+                    <a:lnL w="12700" cap="flat" cmpd="sng" algn="ctr">
+                      <a:solidFill>
+                        <a:schemeClr val="tx1"/>
+                      </a:solidFill>
+                      <a:prstDash val="solid"/>
+                      <a:round/>
+                      <a:headEnd type="none" w="med" len="med"/>
+                      <a:tailEnd type="none" w="med" len="med"/>
+                    </a:lnL>
+                    <a:lnR w="12700" cap="flat" cmpd="sng" algn="ctr">
+                      <a:solidFill>
+                        <a:schemeClr val="tx1"/>
+                      </a:solidFill>
+                      <a:prstDash val="solid"/>
+                      <a:round/>
+                      <a:headEnd type="none" w="med" len="med"/>
+                      <a:tailEnd type="none" w="med" len="med"/>
+                    </a:lnR>
+                    <a:lnT w="12700" cmpd="sng">
+                      <a:noFill/>
+                    </a:lnT>
+                    <a:lnB w="12700" cmpd="sng">
+                      <a:noFill/>
+                    </a:lnB>
+                    <a:lnTlToBr w="12700" cmpd="sng">
+                      <a:noFill/>
+                      <a:prstDash val="solid"/>
+                    </a:lnTlToBr>
+                    <a:lnBlToTr w="12700" cmpd="sng">
+                      <a:noFill/>
+                      <a:prstDash val="solid"/>
+                    </a:lnBlToTr>
+                  </a:tcPr>
+                </a:tc>
+                <a:tc>
+                  <a:txBody>
+                    <a:bodyPr/>
+                    <a:lstStyle/>
+                    <a:p>
+                      <a:r>
+                        <a:rPr lang="it-IT" sz="2800" b="1" dirty="0"/>
+                        <a:t>L2 Cache Size</a:t>
+                      </a:r>
+                    </a:p>
+                  </a:txBody>
+                  <a:tcPr>
+                    <a:lnL w="12700" cap="flat" cmpd="sng" algn="ctr">
+                      <a:solidFill>
+                        <a:schemeClr val="tx1"/>
+                      </a:solidFill>
+                      <a:prstDash val="solid"/>
+                      <a:round/>
+                      <a:headEnd type="none" w="med" len="med"/>
+                      <a:tailEnd type="none" w="med" len="med"/>
+                    </a:lnL>
+                    <a:lnR w="12700" cap="flat" cmpd="sng" algn="ctr">
+                      <a:solidFill>
+                        <a:schemeClr val="tx1"/>
+                      </a:solidFill>
+                      <a:prstDash val="solid"/>
+                      <a:round/>
+                      <a:headEnd type="none" w="med" len="med"/>
+                      <a:tailEnd type="none" w="med" len="med"/>
+                    </a:lnR>
+                    <a:lnT w="12700" cap="flat" cmpd="sng" algn="ctr">
+                      <a:solidFill>
+                        <a:schemeClr val="tx1"/>
+                      </a:solidFill>
+                      <a:prstDash val="solid"/>
+                      <a:round/>
+                      <a:headEnd type="none" w="med" len="med"/>
+                      <a:tailEnd type="none" w="med" len="med"/>
+                    </a:lnT>
+                    <a:lnB w="12700" cap="flat" cmpd="sng" algn="ctr">
+                      <a:solidFill>
+                        <a:schemeClr val="tx1"/>
+                      </a:solidFill>
+                      <a:prstDash val="solid"/>
+                      <a:round/>
+                      <a:headEnd type="none" w="med" len="med"/>
+                      <a:tailEnd type="none" w="med" len="med"/>
+                    </a:lnB>
+                  </a:tcPr>
+                </a:tc>
+                <a:tc>
+                  <a:txBody>
+                    <a:bodyPr/>
+                    <a:lstStyle/>
+                    <a:p>
+                      <a:r>
+                        <a:rPr lang="it-IT" sz="2800" b="0" dirty="0">
+                          <a:solidFill>
+                            <a:schemeClr val="tx1"/>
+                          </a:solidFill>
+                        </a:rPr>
+                        <a:t>512 </a:t>
+                      </a:r>
+                      <a:r>
+                        <a:rPr lang="it-IT" sz="2800" b="0" dirty="0" err="1">
+                          <a:solidFill>
+                            <a:schemeClr val="tx1"/>
+                          </a:solidFill>
+                        </a:rPr>
+                        <a:t>KiB</a:t>
+                      </a:r>
+                      <a:endParaRPr lang="it-IT" sz="2800" b="0" dirty="0">
+                        <a:solidFill>
+                          <a:schemeClr val="tx1"/>
+                        </a:solidFill>
+                      </a:endParaRPr>
+                    </a:p>
+                  </a:txBody>
+                  <a:tcPr>
+                    <a:lnL w="12700" cap="flat" cmpd="sng" algn="ctr">
+                      <a:solidFill>
+                        <a:schemeClr val="tx1"/>
+                      </a:solidFill>
+                      <a:prstDash val="solid"/>
+                      <a:round/>
+                      <a:headEnd type="none" w="med" len="med"/>
+                      <a:tailEnd type="none" w="med" len="med"/>
+                    </a:lnL>
+                  </a:tcPr>
+                </a:tc>
+                <a:extLst>
+                  <a:ext uri="{0D108BD9-81ED-4DB2-BD59-A6C34878D82A}">
+                    <a16:rowId xmlns:a16="http://schemas.microsoft.com/office/drawing/2014/main" val="2478026342"/>
+                  </a:ext>
+                </a:extLst>
+              </a:tr>
+              <a:tr h="573389">
+                <a:tc>
+                  <a:txBody>
+                    <a:bodyPr/>
+                    <a:lstStyle/>
+                    <a:p>
+                      <a:r>
+                        <a:rPr lang="it-IT" sz="2800" b="1" dirty="0"/>
+                        <a:t>Global Memory Size</a:t>
+                      </a:r>
+                    </a:p>
+                  </a:txBody>
+                  <a:tcPr>
+                    <a:lnR w="12700" cap="flat" cmpd="sng" algn="ctr">
+                      <a:solidFill>
+                        <a:schemeClr val="tx1"/>
+                      </a:solidFill>
+                      <a:prstDash val="solid"/>
+                      <a:round/>
+                      <a:headEnd type="none" w="med" len="med"/>
+                      <a:tailEnd type="none" w="med" len="med"/>
+                    </a:lnR>
+                  </a:tcPr>
+                </a:tc>
+                <a:tc>
+                  <a:txBody>
+                    <a:bodyPr/>
+                    <a:lstStyle/>
+                    <a:p>
+                      <a:r>
+                        <a:rPr lang="en-US" sz="2800" b="0" kern="1200" dirty="0">
+                          <a:solidFill>
+                            <a:schemeClr val="tx1"/>
+                          </a:solidFill>
+                          <a:effectLst/>
+                        </a:rPr>
+                        <a:t>3,946 GiB</a:t>
+                      </a:r>
+                      <a:endParaRPr lang="it-IT" sz="2800" dirty="0">
+                        <a:solidFill>
+                          <a:schemeClr val="tx1"/>
+                        </a:solidFill>
+                      </a:endParaRPr>
+                    </a:p>
+                  </a:txBody>
+                  <a:tcPr>
+                    <a:lnL w="12700" cap="flat" cmpd="sng" algn="ctr">
+                      <a:solidFill>
+                        <a:schemeClr val="tx1"/>
+                      </a:solidFill>
+                      <a:prstDash val="solid"/>
+                      <a:round/>
+                      <a:headEnd type="none" w="med" len="med"/>
+                      <a:tailEnd type="none" w="med" len="med"/>
+                    </a:lnL>
+                    <a:lnR w="12700" cap="flat" cmpd="sng" algn="ctr">
+                      <a:solidFill>
+                        <a:schemeClr val="tx1"/>
+                      </a:solidFill>
+                      <a:prstDash val="solid"/>
+                      <a:round/>
+                      <a:headEnd type="none" w="med" len="med"/>
+                      <a:tailEnd type="none" w="med" len="med"/>
+                    </a:lnR>
+                    <a:lnT w="12700" cap="flat" cmpd="sng" algn="ctr">
+                      <a:solidFill>
+                        <a:schemeClr val="tx1"/>
+                      </a:solidFill>
+                      <a:prstDash val="solid"/>
+                      <a:round/>
+                      <a:headEnd type="none" w="med" len="med"/>
+                      <a:tailEnd type="none" w="med" len="med"/>
+                    </a:lnT>
+                    <a:lnB w="12700" cap="flat" cmpd="sng" algn="ctr">
+                      <a:solidFill>
+                        <a:schemeClr val="tx1"/>
+                      </a:solidFill>
+                      <a:prstDash val="solid"/>
+                      <a:round/>
+                      <a:headEnd type="none" w="med" len="med"/>
+                      <a:tailEnd type="none" w="med" len="med"/>
+                    </a:lnB>
+                  </a:tcPr>
+                </a:tc>
+                <a:tc>
+                  <a:txBody>
+                    <a:bodyPr/>
+                    <a:lstStyle/>
+                    <a:p>
+                      <a:endParaRPr lang="it-IT" sz="2800" dirty="0">
+                        <a:solidFill>
+                          <a:schemeClr val="tx1"/>
+                        </a:solidFill>
+                      </a:endParaRPr>
+                    </a:p>
+                  </a:txBody>
+                  <a:tcPr>
+                    <a:lnL w="12700" cap="flat" cmpd="sng" algn="ctr">
+                      <a:solidFill>
+                        <a:schemeClr val="tx1"/>
+                      </a:solidFill>
+                      <a:prstDash val="solid"/>
+                      <a:round/>
+                      <a:headEnd type="none" w="med" len="med"/>
+                      <a:tailEnd type="none" w="med" len="med"/>
+                    </a:lnL>
+                    <a:lnR w="12700" cap="flat" cmpd="sng" algn="ctr">
+                      <a:solidFill>
+                        <a:schemeClr val="tx1"/>
+                      </a:solidFill>
+                      <a:prstDash val="solid"/>
+                      <a:round/>
+                      <a:headEnd type="none" w="med" len="med"/>
+                      <a:tailEnd type="none" w="med" len="med"/>
+                    </a:lnR>
+                    <a:lnT w="12700" cmpd="sng">
+                      <a:noFill/>
+                    </a:lnT>
+                    <a:lnB w="12700" cmpd="sng">
+                      <a:noFill/>
+                    </a:lnB>
+                    <a:lnTlToBr w="12700" cmpd="sng">
+                      <a:noFill/>
+                      <a:prstDash val="solid"/>
+                    </a:lnTlToBr>
+                    <a:lnBlToTr w="12700" cmpd="sng">
+                      <a:noFill/>
+                      <a:prstDash val="solid"/>
+                    </a:lnBlToTr>
+                  </a:tcPr>
+                </a:tc>
+                <a:tc>
+                  <a:txBody>
+                    <a:bodyPr/>
+                    <a:lstStyle/>
+                    <a:p>
+                      <a:r>
+                        <a:rPr lang="it-IT" sz="2800" b="1" dirty="0"/>
+                        <a:t>Global Memory </a:t>
+                      </a:r>
+                      <a:r>
+                        <a:rPr lang="it-IT" sz="2800" b="1" dirty="0" err="1"/>
+                        <a:t>Bandwidth</a:t>
+                      </a:r>
+                      <a:endParaRPr lang="it-IT" sz="2800" b="1" dirty="0"/>
+                    </a:p>
+                  </a:txBody>
+                  <a:tcPr>
+                    <a:lnL w="12700" cap="flat" cmpd="sng" algn="ctr">
+                      <a:solidFill>
+                        <a:schemeClr val="tx1"/>
+                      </a:solidFill>
+                      <a:prstDash val="solid"/>
+                      <a:round/>
+                      <a:headEnd type="none" w="med" len="med"/>
+                      <a:tailEnd type="none" w="med" len="med"/>
+                    </a:lnL>
+                    <a:lnR w="12700" cap="flat" cmpd="sng" algn="ctr">
+                      <a:solidFill>
+                        <a:schemeClr val="tx1"/>
+                      </a:solidFill>
+                      <a:prstDash val="solid"/>
+                      <a:round/>
+                      <a:headEnd type="none" w="med" len="med"/>
+                      <a:tailEnd type="none" w="med" len="med"/>
+                    </a:lnR>
+                    <a:lnT w="12700" cap="flat" cmpd="sng" algn="ctr">
+                      <a:solidFill>
+                        <a:schemeClr val="tx1"/>
+                      </a:solidFill>
+                      <a:prstDash val="solid"/>
+                      <a:round/>
+                      <a:headEnd type="none" w="med" len="med"/>
+                      <a:tailEnd type="none" w="med" len="med"/>
+                    </a:lnT>
+                    <a:lnB w="12700" cap="flat" cmpd="sng" algn="ctr">
+                      <a:solidFill>
+                        <a:schemeClr val="tx1"/>
+                      </a:solidFill>
+                      <a:prstDash val="solid"/>
+                      <a:round/>
+                      <a:headEnd type="none" w="med" len="med"/>
+                      <a:tailEnd type="none" w="med" len="med"/>
+                    </a:lnB>
+                  </a:tcPr>
+                </a:tc>
+                <a:tc>
+                  <a:txBody>
+                    <a:bodyPr/>
+                    <a:lstStyle/>
+                    <a:p>
+                      <a:r>
+                        <a:rPr lang="it-IT" sz="2800" b="0" dirty="0">
+                          <a:solidFill>
+                            <a:schemeClr val="tx1"/>
+                          </a:solidFill>
+                        </a:rPr>
+                        <a:t>112,128 GB/s</a:t>
+                      </a:r>
+                    </a:p>
+                  </a:txBody>
+                  <a:tcPr>
+                    <a:lnL w="12700" cap="flat" cmpd="sng" algn="ctr">
+                      <a:solidFill>
+                        <a:schemeClr val="tx1"/>
+                      </a:solidFill>
+                      <a:prstDash val="solid"/>
+                      <a:round/>
+                      <a:headEnd type="none" w="med" len="med"/>
+                      <a:tailEnd type="none" w="med" len="med"/>
+                    </a:lnL>
+                  </a:tcPr>
+                </a:tc>
+                <a:extLst>
+                  <a:ext uri="{0D108BD9-81ED-4DB2-BD59-A6C34878D82A}">
+                    <a16:rowId xmlns:a16="http://schemas.microsoft.com/office/drawing/2014/main" val="2373735209"/>
+                  </a:ext>
+                </a:extLst>
+              </a:tr>
+            </a:tbl>
           </a:graphicData>
         </a:graphic>
       </p:graphicFrame>
     </p:spTree>
     <p:extLst>
       <p:ext uri="{BB962C8B-B14F-4D97-AF65-F5344CB8AC3E}">
-        <p14:creationId xmlns:p14="http://schemas.microsoft.com/office/powerpoint/2010/main" val="1620204499"/>
+        <p14:creationId xmlns:p14="http://schemas.microsoft.com/office/powerpoint/2010/main" val="3332816014"/>
       </p:ext>
     </p:extLst>
   </p:cSld>
   <p:clrMapOvr>
     <a:masterClrMapping/>
   </p:clrMapOvr>
-  <mc:AlternateContent xmlns:mc="http://schemas.openxmlformats.org/markup-compatibility/2006" xmlns:p14="http://schemas.microsoft.com/office/powerpoint/2010/main">
-    <mc:Choice Requires="p14">
+  <mc:AlternateContent xmlns:mc="http://schemas.openxmlformats.org/markup-compatibility/2006">
+    <mc:Choice xmlns:p14="http://schemas.microsoft.com/office/powerpoint/2010/main" Requires="p14">
       <p:transition spd="med" p14:dur="700">
         <p:fade/>
       </p:transition>
     </mc:Choice>
-    <mc:Fallback xmlns="">
+    <mc:Fallback>
       <p:transition spd="med">
         <p:fade/>
       </p:transition>
@@ -22446,18 +23193,21 @@
             </a:r>
             <a:r>
               <a:rPr lang="it-IT" dirty="0" err="1"/>
-              <a:t>speedup</a:t>
-            </a:r>
-            <a:endParaRPr lang="it-IT" dirty="0"/>
+              <a:t>execution</a:t>
+            </a:r>
+            <a:r>
+              <a:rPr lang="it-IT" dirty="0"/>
+              <a:t> time</a:t>
+            </a:r>
           </a:p>
         </p:txBody>
       </p:sp>
       <p:graphicFrame>
         <p:nvGraphicFramePr>
-          <p:cNvPr id="6" name="Content Placeholder 5">
+          <p:cNvPr id="7" name="Content Placeholder 6">
             <a:extLst>
               <a:ext uri="{FF2B5EF4-FFF2-40B4-BE49-F238E27FC236}">
-                <a16:creationId xmlns:a16="http://schemas.microsoft.com/office/drawing/2014/main" id="{D41F36EA-79DA-4F4F-B59F-BACC2A84DF39}"/>
+                <a16:creationId xmlns:a16="http://schemas.microsoft.com/office/drawing/2014/main" id="{49377935-DC47-B3FB-BB0E-9E105FBEA12E}"/>
               </a:ext>
             </a:extLst>
           </p:cNvPr>
@@ -22468,21 +23218,104 @@
             <p:ph idx="1"/>
             <p:extLst>
               <p:ext uri="{D42A27DB-BD31-4B8C-83A1-F6EECF244321}">
-                <p14:modId xmlns:p14="http://schemas.microsoft.com/office/powerpoint/2010/main" val="3087264796"/>
+                <p14:modId xmlns:p14="http://schemas.microsoft.com/office/powerpoint/2010/main" val="79149125"/>
               </p:ext>
             </p:extLst>
           </p:nvPr>
         </p:nvGraphicFramePr>
         <p:xfrm>
           <a:off x="765820" y="692696"/>
-          <a:ext cx="6696744" cy="6165304"/>
+          <a:ext cx="11017224" cy="5890667"/>
         </p:xfrm>
         <a:graphic>
           <a:graphicData uri="http://schemas.openxmlformats.org/drawingml/2006/chart">
-            <c:chart xmlns:c="http://schemas.openxmlformats.org/drawingml/2006/chart" xmlns:r="http://schemas.openxmlformats.org/officeDocument/2006/relationships" r:id="rId3"/>
+            <c:chart xmlns:c="http://schemas.openxmlformats.org/drawingml/2006/chart" xmlns:r="http://schemas.openxmlformats.org/officeDocument/2006/relationships" r:id="rId2"/>
           </a:graphicData>
         </a:graphic>
       </p:graphicFrame>
+    </p:spTree>
+    <p:extLst>
+      <p:ext uri="{BB962C8B-B14F-4D97-AF65-F5344CB8AC3E}">
+        <p14:creationId xmlns:p14="http://schemas.microsoft.com/office/powerpoint/2010/main" val="1620204499"/>
+      </p:ext>
+    </p:extLst>
+  </p:cSld>
+  <p:clrMapOvr>
+    <a:masterClrMapping/>
+  </p:clrMapOvr>
+  <mc:AlternateContent xmlns:mc="http://schemas.openxmlformats.org/markup-compatibility/2006" xmlns:p14="http://schemas.microsoft.com/office/powerpoint/2010/main">
+    <mc:Choice Requires="p14">
+      <p:transition spd="med" p14:dur="700">
+        <p:fade/>
+      </p:transition>
+    </mc:Choice>
+    <mc:Fallback xmlns="">
+      <p:transition spd="med">
+        <p:fade/>
+      </p:transition>
+    </mc:Fallback>
+  </mc:AlternateContent>
+</p:sld>
+</file>
+
+<file path=ppt/slides/slide21.xml><?xml version="1.0" encoding="utf-8"?>
+<p:sld xmlns:a="http://schemas.openxmlformats.org/drawingml/2006/main" xmlns:r="http://schemas.openxmlformats.org/officeDocument/2006/relationships" xmlns:p="http://schemas.openxmlformats.org/presentationml/2006/main">
+  <p:cSld>
+    <p:spTree>
+      <p:nvGrpSpPr>
+        <p:cNvPr id="1" name=""/>
+        <p:cNvGrpSpPr/>
+        <p:nvPr/>
+      </p:nvGrpSpPr>
+      <p:grpSpPr>
+        <a:xfrm>
+          <a:off x="0" y="0"/>
+          <a:ext cx="0" cy="0"/>
+          <a:chOff x="0" y="0"/>
+          <a:chExt cx="0" cy="0"/>
+        </a:xfrm>
+      </p:grpSpPr>
+      <p:sp>
+        <p:nvSpPr>
+          <p:cNvPr id="2" name="Title 1">
+            <a:extLst>
+              <a:ext uri="{FF2B5EF4-FFF2-40B4-BE49-F238E27FC236}">
+                <a16:creationId xmlns:a16="http://schemas.microsoft.com/office/drawing/2014/main" id="{1B510F90-B0D5-B7B9-6E72-93E01419D300}"/>
+              </a:ext>
+            </a:extLst>
+          </p:cNvPr>
+          <p:cNvSpPr>
+            <a:spLocks noGrp="1"/>
+          </p:cNvSpPr>
+          <p:nvPr>
+            <p:ph type="title"/>
+          </p:nvPr>
+        </p:nvSpPr>
+        <p:spPr>
+          <a:xfrm>
+            <a:off x="1218883" y="274637"/>
+            <a:ext cx="10360501" cy="562075"/>
+          </a:xfrm>
+        </p:spPr>
+        <p:txBody>
+          <a:bodyPr>
+            <a:normAutofit fontScale="90000"/>
+          </a:bodyPr>
+          <a:lstStyle/>
+          <a:p>
+            <a:pPr algn="ctr"/>
+            <a:r>
+              <a:rPr lang="it-IT" dirty="0"/>
+              <a:t>GPU </a:t>
+            </a:r>
+            <a:r>
+              <a:rPr lang="it-IT" dirty="0" err="1"/>
+              <a:t>speedup</a:t>
+            </a:r>
+            <a:endParaRPr lang="it-IT" dirty="0"/>
+          </a:p>
+        </p:txBody>
+      </p:sp>
       <p:sp>
         <p:nvSpPr>
           <p:cNvPr id="8" name="Content Placeholder 3">
@@ -22508,7 +23341,7 @@
         </p:spPr>
         <p:txBody>
           <a:bodyPr>
-            <a:normAutofit lnSpcReduction="10000"/>
+            <a:normAutofit/>
           </a:bodyPr>
           <a:lstStyle>
             <a:lvl1pPr marL="304747" indent="-304747" algn="l" defTabSz="1218987" rtl="0" eaLnBrk="1" latinLnBrk="0" hangingPunct="1">
@@ -22727,7 +23560,7 @@
             </a:pPr>
             <a:r>
               <a:rPr lang="en-US" dirty="0"/>
-              <a:t>With larger datasets, increasing the number of threads yields an improved speedup with progressively diminishing returns until a threshold</a:t>
+              <a:t>With larger datasets, increasing the number of threads yields an improved speedup. </a:t>
             </a:r>
           </a:p>
           <a:p>
@@ -22736,19 +23569,1015 @@
               <a:buAutoNum type="arabicPeriod"/>
             </a:pPr>
             <a:r>
+              <a:rPr lang="en-US"/>
+              <a:t>With a very high number of threads speedup diminishes</a:t>
+            </a:r>
+            <a:endParaRPr lang="en-US" dirty="0"/>
+          </a:p>
+        </p:txBody>
+      </p:sp>
+      <p:graphicFrame>
+        <p:nvGraphicFramePr>
+          <p:cNvPr id="7" name="Content Placeholder 6">
+            <a:extLst>
+              <a:ext uri="{FF2B5EF4-FFF2-40B4-BE49-F238E27FC236}">
+                <a16:creationId xmlns:a16="http://schemas.microsoft.com/office/drawing/2014/main" id="{AEA2633F-D8CC-4292-88FB-F206AA1ED5A8}"/>
+              </a:ext>
+            </a:extLst>
+          </p:cNvPr>
+          <p:cNvGraphicFramePr>
+            <a:graphicFrameLocks noGrp="1"/>
+          </p:cNvGraphicFramePr>
+          <p:nvPr>
+            <p:ph idx="1"/>
+            <p:extLst>
+              <p:ext uri="{D42A27DB-BD31-4B8C-83A1-F6EECF244321}">
+                <p14:modId xmlns:p14="http://schemas.microsoft.com/office/powerpoint/2010/main" val="307625799"/>
+              </p:ext>
+            </p:extLst>
+          </p:nvPr>
+        </p:nvGraphicFramePr>
+        <p:xfrm>
+          <a:off x="693812" y="620688"/>
+          <a:ext cx="7056784" cy="6048671"/>
+        </p:xfrm>
+        <a:graphic>
+          <a:graphicData uri="http://schemas.openxmlformats.org/drawingml/2006/chart">
+            <c:chart xmlns:c="http://schemas.openxmlformats.org/drawingml/2006/chart" xmlns:r="http://schemas.openxmlformats.org/officeDocument/2006/relationships" r:id="rId3"/>
+          </a:graphicData>
+        </a:graphic>
+      </p:graphicFrame>
+    </p:spTree>
+    <p:extLst>
+      <p:ext uri="{BB962C8B-B14F-4D97-AF65-F5344CB8AC3E}">
+        <p14:creationId xmlns:p14="http://schemas.microsoft.com/office/powerpoint/2010/main" val="4226225075"/>
+      </p:ext>
+    </p:extLst>
+  </p:cSld>
+  <p:clrMapOvr>
+    <a:masterClrMapping/>
+  </p:clrMapOvr>
+  <mc:AlternateContent xmlns:mc="http://schemas.openxmlformats.org/markup-compatibility/2006" xmlns:p14="http://schemas.microsoft.com/office/powerpoint/2010/main">
+    <mc:Choice Requires="p14">
+      <p:transition spd="med" p14:dur="700">
+        <p:fade/>
+      </p:transition>
+    </mc:Choice>
+    <mc:Fallback xmlns="">
+      <p:transition spd="med">
+        <p:fade/>
+      </p:transition>
+    </mc:Fallback>
+  </mc:AlternateContent>
+</p:sld>
+</file>
+
+<file path=ppt/slides/slide22.xml><?xml version="1.0" encoding="utf-8"?>
+<p:sld xmlns:a="http://schemas.openxmlformats.org/drawingml/2006/main" xmlns:r="http://schemas.openxmlformats.org/officeDocument/2006/relationships" xmlns:p="http://schemas.openxmlformats.org/presentationml/2006/main">
+  <p:cSld>
+    <p:spTree>
+      <p:nvGrpSpPr>
+        <p:cNvPr id="1" name=""/>
+        <p:cNvGrpSpPr/>
+        <p:nvPr/>
+      </p:nvGrpSpPr>
+      <p:grpSpPr>
+        <a:xfrm>
+          <a:off x="0" y="0"/>
+          <a:ext cx="0" cy="0"/>
+          <a:chOff x="0" y="0"/>
+          <a:chExt cx="0" cy="0"/>
+        </a:xfrm>
+      </p:grpSpPr>
+      <p:sp>
+        <p:nvSpPr>
+          <p:cNvPr id="2" name="Title 1">
+            <a:extLst>
+              <a:ext uri="{FF2B5EF4-FFF2-40B4-BE49-F238E27FC236}">
+                <a16:creationId xmlns:a16="http://schemas.microsoft.com/office/drawing/2014/main" id="{4A181699-8203-8E8E-3212-3680B55F214D}"/>
+              </a:ext>
+            </a:extLst>
+          </p:cNvPr>
+          <p:cNvSpPr>
+            <a:spLocks noGrp="1"/>
+          </p:cNvSpPr>
+          <p:nvPr>
+            <p:ph type="title"/>
+          </p:nvPr>
+        </p:nvSpPr>
+        <p:spPr/>
+        <p:txBody>
+          <a:bodyPr>
+            <a:normAutofit/>
+          </a:bodyPr>
+          <a:lstStyle/>
+          <a:p>
+            <a:pPr algn="ctr"/>
+            <a:r>
+              <a:rPr lang="it-IT" dirty="0"/>
+              <a:t>1. </a:t>
+            </a:r>
+            <a:r>
               <a:rPr lang="en-US" dirty="0"/>
-              <a:t>With a larger dataset the speedup increases, except for 100M</a:t>
+              <a:t>With a small dataset, increasing the number of threads reduces the speedup</a:t>
+            </a:r>
+            <a:endParaRPr lang="it-IT" dirty="0"/>
+          </a:p>
+        </p:txBody>
+      </p:sp>
+      <p:sp>
+        <p:nvSpPr>
+          <p:cNvPr id="3" name="Content Placeholder 2">
+            <a:extLst>
+              <a:ext uri="{FF2B5EF4-FFF2-40B4-BE49-F238E27FC236}">
+                <a16:creationId xmlns:a16="http://schemas.microsoft.com/office/drawing/2014/main" id="{586DD5BF-7B14-8DEA-6808-A83FE3B81C87}"/>
+              </a:ext>
+            </a:extLst>
+          </p:cNvPr>
+          <p:cNvSpPr>
+            <a:spLocks noGrp="1"/>
+          </p:cNvSpPr>
+          <p:nvPr>
+            <p:ph idx="1"/>
+          </p:nvPr>
+        </p:nvSpPr>
+        <p:spPr>
+          <a:xfrm>
+            <a:off x="1218883" y="2204863"/>
+            <a:ext cx="10360501" cy="3959205"/>
+          </a:xfrm>
+        </p:spPr>
+        <p:txBody>
+          <a:bodyPr/>
+          <a:lstStyle/>
+          <a:p>
+            <a:r>
+              <a:rPr lang="it-IT" dirty="0"/>
+              <a:t>Due to </a:t>
+            </a:r>
+            <a:r>
+              <a:rPr lang="it-IT" dirty="0" err="1"/>
+              <a:t>kernel’s</a:t>
+            </a:r>
+            <a:r>
+              <a:rPr lang="it-IT" dirty="0"/>
+              <a:t> </a:t>
+            </a:r>
+            <a:r>
+              <a:rPr lang="it-IT" dirty="0" err="1"/>
+              <a:t>local</a:t>
+            </a:r>
+            <a:r>
+              <a:rPr lang="it-IT" dirty="0"/>
+              <a:t> </a:t>
+            </a:r>
+            <a:r>
+              <a:rPr lang="it-IT" dirty="0" err="1"/>
+              <a:t>memory</a:t>
+            </a:r>
+            <a:r>
+              <a:rPr lang="it-IT" dirty="0"/>
+              <a:t> </a:t>
+            </a:r>
+            <a:r>
+              <a:rPr lang="it-IT" dirty="0" err="1"/>
+              <a:t>allocations</a:t>
+            </a:r>
+            <a:r>
+              <a:rPr lang="it-IT" dirty="0"/>
+              <a:t>, on a small dataset the overhead </a:t>
+            </a:r>
+            <a:r>
+              <a:rPr lang="it-IT" dirty="0" err="1"/>
+              <a:t>introduced</a:t>
+            </a:r>
+            <a:r>
+              <a:rPr lang="it-IT" dirty="0"/>
+              <a:t> </a:t>
+            </a:r>
+            <a:r>
+              <a:rPr lang="it-IT" dirty="0" err="1"/>
+              <a:t>becomes</a:t>
+            </a:r>
+            <a:r>
+              <a:rPr lang="it-IT" dirty="0"/>
+              <a:t> </a:t>
+            </a:r>
+            <a:r>
+              <a:rPr lang="it-IT" dirty="0" err="1"/>
+              <a:t>relevant</a:t>
+            </a:r>
+            <a:r>
+              <a:rPr lang="it-IT" dirty="0"/>
+              <a:t> on the overall </a:t>
+            </a:r>
+            <a:r>
+              <a:rPr lang="it-IT" dirty="0" err="1"/>
+              <a:t>execution</a:t>
+            </a:r>
+            <a:r>
+              <a:rPr lang="it-IT" dirty="0"/>
+              <a:t> time</a:t>
             </a:r>
           </a:p>
           <a:p>
-            <a:endParaRPr lang="en-US" dirty="0"/>
+            <a:r>
+              <a:rPr lang="it-IT" dirty="0"/>
+              <a:t>With </a:t>
+            </a:r>
+            <a:r>
+              <a:rPr lang="it-IT" dirty="0" err="1"/>
+              <a:t>many</a:t>
+            </a:r>
+            <a:r>
+              <a:rPr lang="it-IT" dirty="0"/>
+              <a:t> </a:t>
+            </a:r>
+            <a:r>
+              <a:rPr lang="it-IT" dirty="0" err="1"/>
+              <a:t>threads</a:t>
+            </a:r>
+            <a:r>
+              <a:rPr lang="it-IT" dirty="0"/>
+              <a:t>, </a:t>
+            </a:r>
+            <a:r>
+              <a:rPr lang="it-IT" dirty="0" err="1"/>
+              <a:t>this</a:t>
+            </a:r>
+            <a:r>
+              <a:rPr lang="it-IT" dirty="0"/>
+              <a:t> overhead </a:t>
+            </a:r>
+            <a:r>
+              <a:rPr lang="it-IT" dirty="0" err="1"/>
+              <a:t>effect</a:t>
+            </a:r>
+            <a:r>
+              <a:rPr lang="it-IT" dirty="0"/>
+              <a:t> </a:t>
+            </a:r>
+            <a:r>
+              <a:rPr lang="it-IT" dirty="0" err="1"/>
+              <a:t>increases</a:t>
+            </a:r>
+            <a:r>
+              <a:rPr lang="it-IT" dirty="0"/>
+              <a:t>, </a:t>
+            </a:r>
+            <a:r>
+              <a:rPr lang="it-IT" dirty="0" err="1"/>
+              <a:t>resulting</a:t>
+            </a:r>
+            <a:r>
+              <a:rPr lang="it-IT" dirty="0"/>
+              <a:t> in </a:t>
+            </a:r>
+            <a:r>
+              <a:rPr lang="it-IT" dirty="0" err="1"/>
+              <a:t>longer</a:t>
+            </a:r>
+            <a:r>
+              <a:rPr lang="it-IT" dirty="0"/>
+              <a:t> </a:t>
+            </a:r>
+            <a:r>
+              <a:rPr lang="it-IT" dirty="0" err="1"/>
+              <a:t>runs</a:t>
+            </a:r>
+            <a:r>
+              <a:rPr lang="it-IT" dirty="0"/>
+              <a:t>, and </a:t>
+            </a:r>
+            <a:r>
+              <a:rPr lang="it-IT" dirty="0" err="1"/>
+              <a:t>consequently</a:t>
+            </a:r>
+            <a:r>
+              <a:rPr lang="it-IT" dirty="0"/>
+              <a:t> a </a:t>
+            </a:r>
+            <a:r>
+              <a:rPr lang="it-IT" dirty="0" err="1"/>
+              <a:t>reduced</a:t>
+            </a:r>
+            <a:r>
+              <a:rPr lang="it-IT" dirty="0"/>
+              <a:t> speed-up</a:t>
+            </a:r>
+          </a:p>
+          <a:p>
+            <a:r>
+              <a:rPr lang="it-IT" dirty="0" err="1"/>
+              <a:t>Specifically</a:t>
+            </a:r>
+            <a:r>
+              <a:rPr lang="it-IT" dirty="0"/>
+              <a:t>, </a:t>
+            </a:r>
+            <a:r>
+              <a:rPr lang="it-IT" dirty="0" err="1"/>
+              <a:t>we</a:t>
+            </a:r>
+            <a:r>
+              <a:rPr lang="it-IT" dirty="0"/>
+              <a:t> </a:t>
+            </a:r>
+            <a:r>
+              <a:rPr lang="it-IT" dirty="0" err="1"/>
+              <a:t>observe</a:t>
+            </a:r>
+            <a:r>
+              <a:rPr lang="it-IT" dirty="0"/>
+              <a:t> an </a:t>
+            </a:r>
+            <a:r>
+              <a:rPr lang="it-IT" dirty="0" err="1"/>
+              <a:t>increase</a:t>
+            </a:r>
+            <a:r>
+              <a:rPr lang="it-IT" dirty="0"/>
+              <a:t> in </a:t>
+            </a:r>
+            <a:r>
+              <a:rPr lang="it-IT" i="1" dirty="0" err="1"/>
+              <a:t>local</a:t>
+            </a:r>
+            <a:r>
+              <a:rPr lang="it-IT" i="1" dirty="0"/>
+              <a:t> </a:t>
+            </a:r>
+            <a:r>
+              <a:rPr lang="it-IT" i="1" dirty="0" err="1"/>
+              <a:t>memory</a:t>
+            </a:r>
+            <a:r>
+              <a:rPr lang="it-IT" i="1" dirty="0"/>
+              <a:t> overhead</a:t>
+            </a:r>
+            <a:r>
+              <a:rPr lang="it-IT" dirty="0"/>
+              <a:t> from 2,81% with 32 </a:t>
+            </a:r>
+            <a:r>
+              <a:rPr lang="it-IT" dirty="0" err="1"/>
+              <a:t>threads</a:t>
+            </a:r>
+            <a:r>
+              <a:rPr lang="it-IT" dirty="0"/>
+              <a:t> to 60,06% with 8192 </a:t>
+            </a:r>
+            <a:r>
+              <a:rPr lang="it-IT" dirty="0" err="1"/>
+              <a:t>threads</a:t>
+            </a:r>
+            <a:endParaRPr lang="it-IT" dirty="0"/>
           </a:p>
         </p:txBody>
       </p:sp>
     </p:spTree>
     <p:extLst>
       <p:ext uri="{BB962C8B-B14F-4D97-AF65-F5344CB8AC3E}">
-        <p14:creationId xmlns:p14="http://schemas.microsoft.com/office/powerpoint/2010/main" val="4226225075"/>
+        <p14:creationId xmlns:p14="http://schemas.microsoft.com/office/powerpoint/2010/main" val="281326900"/>
+      </p:ext>
+    </p:extLst>
+  </p:cSld>
+  <p:clrMapOvr>
+    <a:masterClrMapping/>
+  </p:clrMapOvr>
+  <mc:AlternateContent xmlns:mc="http://schemas.openxmlformats.org/markup-compatibility/2006" xmlns:p14="http://schemas.microsoft.com/office/powerpoint/2010/main">
+    <mc:Choice Requires="p14">
+      <p:transition spd="med" p14:dur="700">
+        <p:fade/>
+      </p:transition>
+    </mc:Choice>
+    <mc:Fallback xmlns="">
+      <p:transition spd="med">
+        <p:fade/>
+      </p:transition>
+    </mc:Fallback>
+  </mc:AlternateContent>
+</p:sld>
+</file>
+
+<file path=ppt/slides/slide23.xml><?xml version="1.0" encoding="utf-8"?>
+<p:sld xmlns:a="http://schemas.openxmlformats.org/drawingml/2006/main" xmlns:r="http://schemas.openxmlformats.org/officeDocument/2006/relationships" xmlns:p="http://schemas.openxmlformats.org/presentationml/2006/main">
+  <p:cSld>
+    <p:spTree>
+      <p:nvGrpSpPr>
+        <p:cNvPr id="1" name=""/>
+        <p:cNvGrpSpPr/>
+        <p:nvPr/>
+      </p:nvGrpSpPr>
+      <p:grpSpPr>
+        <a:xfrm>
+          <a:off x="0" y="0"/>
+          <a:ext cx="0" cy="0"/>
+          <a:chOff x="0" y="0"/>
+          <a:chExt cx="0" cy="0"/>
+        </a:xfrm>
+      </p:grpSpPr>
+      <p:sp>
+        <p:nvSpPr>
+          <p:cNvPr id="2" name="Title 1">
+            <a:extLst>
+              <a:ext uri="{FF2B5EF4-FFF2-40B4-BE49-F238E27FC236}">
+                <a16:creationId xmlns:a16="http://schemas.microsoft.com/office/drawing/2014/main" id="{4A181699-8203-8E8E-3212-3680B55F214D}"/>
+              </a:ext>
+            </a:extLst>
+          </p:cNvPr>
+          <p:cNvSpPr>
+            <a:spLocks noGrp="1"/>
+          </p:cNvSpPr>
+          <p:nvPr>
+            <p:ph type="title"/>
+          </p:nvPr>
+        </p:nvSpPr>
+        <p:spPr/>
+        <p:txBody>
+          <a:bodyPr>
+            <a:normAutofit fontScale="90000"/>
+          </a:bodyPr>
+          <a:lstStyle/>
+          <a:p>
+            <a:pPr algn="ctr"/>
+            <a:r>
+              <a:rPr lang="it-IT" dirty="0"/>
+              <a:t>2. and 3. </a:t>
+            </a:r>
+            <a:r>
+              <a:rPr lang="en-US" dirty="0"/>
+              <a:t>With larger datasets, increasing the number of threads yields an improved speedup. With a very high number of threads speedup diminishes</a:t>
+            </a:r>
+            <a:endParaRPr lang="it-IT" dirty="0"/>
+          </a:p>
+        </p:txBody>
+      </p:sp>
+      <p:sp>
+        <p:nvSpPr>
+          <p:cNvPr id="3" name="Content Placeholder 2">
+            <a:extLst>
+              <a:ext uri="{FF2B5EF4-FFF2-40B4-BE49-F238E27FC236}">
+                <a16:creationId xmlns:a16="http://schemas.microsoft.com/office/drawing/2014/main" id="{586DD5BF-7B14-8DEA-6808-A83FE3B81C87}"/>
+              </a:ext>
+            </a:extLst>
+          </p:cNvPr>
+          <p:cNvSpPr>
+            <a:spLocks noGrp="1"/>
+          </p:cNvSpPr>
+          <p:nvPr>
+            <p:ph idx="1"/>
+          </p:nvPr>
+        </p:nvSpPr>
+        <p:spPr>
+          <a:xfrm>
+            <a:off x="477788" y="1844824"/>
+            <a:ext cx="5019545" cy="4319245"/>
+          </a:xfrm>
+        </p:spPr>
+        <p:txBody>
+          <a:bodyPr>
+            <a:normAutofit fontScale="92500"/>
+          </a:bodyPr>
+          <a:lstStyle/>
+          <a:p>
+            <a:r>
+              <a:rPr lang="it-IT" dirty="0" err="1"/>
+              <a:t>Considering</a:t>
+            </a:r>
+            <a:r>
+              <a:rPr lang="it-IT" dirty="0"/>
+              <a:t> the 10M dataset, </a:t>
+            </a:r>
+            <a:r>
+              <a:rPr lang="it-IT" dirty="0" err="1"/>
+              <a:t>increasing</a:t>
+            </a:r>
+            <a:r>
+              <a:rPr lang="it-IT" dirty="0"/>
+              <a:t> the number of </a:t>
+            </a:r>
+            <a:r>
+              <a:rPr lang="it-IT" dirty="0" err="1"/>
+              <a:t>threads</a:t>
+            </a:r>
+            <a:r>
+              <a:rPr lang="it-IT" dirty="0"/>
+              <a:t> </a:t>
+            </a:r>
+            <a:r>
+              <a:rPr lang="it-IT" dirty="0" err="1"/>
+              <a:t>reduces</a:t>
+            </a:r>
+            <a:r>
+              <a:rPr lang="it-IT" dirty="0"/>
+              <a:t> </a:t>
+            </a:r>
+            <a:r>
+              <a:rPr lang="it-IT" dirty="0" err="1"/>
+              <a:t>kernel’s</a:t>
+            </a:r>
+            <a:r>
+              <a:rPr lang="it-IT" dirty="0"/>
+              <a:t> </a:t>
+            </a:r>
+            <a:r>
+              <a:rPr lang="it-IT" dirty="0" err="1"/>
+              <a:t>executing</a:t>
+            </a:r>
+            <a:r>
+              <a:rPr lang="it-IT" dirty="0"/>
+              <a:t> time. This </a:t>
+            </a:r>
+            <a:r>
+              <a:rPr lang="it-IT" dirty="0" err="1"/>
+              <a:t>correlates</a:t>
+            </a:r>
+            <a:r>
+              <a:rPr lang="it-IT" dirty="0"/>
+              <a:t> with a </a:t>
+            </a:r>
+            <a:r>
+              <a:rPr lang="it-IT" dirty="0" err="1"/>
+              <a:t>higher</a:t>
+            </a:r>
+            <a:r>
+              <a:rPr lang="it-IT" dirty="0"/>
+              <a:t> GPU </a:t>
+            </a:r>
+            <a:r>
+              <a:rPr lang="it-IT" dirty="0" err="1"/>
+              <a:t>utilisation</a:t>
+            </a:r>
+            <a:r>
+              <a:rPr lang="it-IT" dirty="0"/>
+              <a:t>, </a:t>
+            </a:r>
+            <a:r>
+              <a:rPr lang="it-IT" dirty="0" err="1"/>
+              <a:t>shown</a:t>
+            </a:r>
+            <a:r>
+              <a:rPr lang="it-IT" dirty="0"/>
+              <a:t> by the </a:t>
+            </a:r>
+            <a:r>
+              <a:rPr lang="it-IT" dirty="0" err="1"/>
+              <a:t>achieved</a:t>
+            </a:r>
+            <a:r>
+              <a:rPr lang="it-IT" dirty="0"/>
+              <a:t> </a:t>
+            </a:r>
+            <a:r>
+              <a:rPr lang="it-IT" dirty="0" err="1"/>
+              <a:t>occupancy</a:t>
+            </a:r>
+            <a:r>
+              <a:rPr lang="it-IT" dirty="0"/>
+              <a:t>.</a:t>
+            </a:r>
+          </a:p>
+          <a:p>
+            <a:r>
+              <a:rPr lang="it-IT" dirty="0" err="1"/>
+              <a:t>Warp</a:t>
+            </a:r>
+            <a:r>
+              <a:rPr lang="it-IT" dirty="0"/>
+              <a:t> </a:t>
+            </a:r>
+            <a:r>
+              <a:rPr lang="it-IT" dirty="0" err="1"/>
+              <a:t>efficiency</a:t>
+            </a:r>
+            <a:r>
+              <a:rPr lang="it-IT" dirty="0"/>
+              <a:t> </a:t>
+            </a:r>
+            <a:r>
+              <a:rPr lang="it-IT" dirty="0" err="1"/>
+              <a:t>gets</a:t>
+            </a:r>
+            <a:r>
+              <a:rPr lang="it-IT" dirty="0"/>
+              <a:t> </a:t>
+            </a:r>
+            <a:r>
+              <a:rPr lang="it-IT" dirty="0" err="1"/>
+              <a:t>reduced</a:t>
+            </a:r>
+            <a:r>
+              <a:rPr lang="it-IT" dirty="0"/>
+              <a:t> with </a:t>
+            </a:r>
+            <a:r>
+              <a:rPr lang="it-IT" dirty="0" err="1"/>
+              <a:t>higher</a:t>
+            </a:r>
+            <a:r>
+              <a:rPr lang="it-IT" dirty="0"/>
+              <a:t> </a:t>
+            </a:r>
+            <a:r>
+              <a:rPr lang="it-IT" dirty="0" err="1"/>
+              <a:t>threads</a:t>
+            </a:r>
+            <a:r>
+              <a:rPr lang="it-IT" dirty="0"/>
+              <a:t>, </a:t>
+            </a:r>
+            <a:r>
+              <a:rPr lang="it-IT" dirty="0" err="1"/>
+              <a:t>because</a:t>
+            </a:r>
+            <a:r>
+              <a:rPr lang="it-IT" dirty="0"/>
+              <a:t> </a:t>
+            </a:r>
+            <a:r>
+              <a:rPr lang="it-IT" dirty="0" err="1"/>
+              <a:t>we</a:t>
+            </a:r>
+            <a:r>
+              <a:rPr lang="it-IT" dirty="0"/>
+              <a:t> </a:t>
+            </a:r>
+            <a:r>
+              <a:rPr lang="it-IT" dirty="0" err="1"/>
+              <a:t>obtain</a:t>
+            </a:r>
+            <a:r>
+              <a:rPr lang="it-IT" dirty="0"/>
+              <a:t> a </a:t>
+            </a:r>
+            <a:r>
+              <a:rPr lang="it-IT" dirty="0" err="1"/>
+              <a:t>higher</a:t>
+            </a:r>
+            <a:r>
+              <a:rPr lang="it-IT" dirty="0"/>
+              <a:t> number of </a:t>
+            </a:r>
+            <a:r>
+              <a:rPr lang="it-IT" dirty="0" err="1"/>
+              <a:t>predicated</a:t>
+            </a:r>
+            <a:r>
+              <a:rPr lang="it-IT" dirty="0"/>
+              <a:t> </a:t>
+            </a:r>
+            <a:r>
+              <a:rPr lang="it-IT" dirty="0" err="1"/>
+              <a:t>instructions</a:t>
+            </a:r>
+            <a:r>
+              <a:rPr lang="it-IT" dirty="0"/>
+              <a:t>, </a:t>
+            </a:r>
+            <a:r>
+              <a:rPr lang="it-IT" dirty="0" err="1"/>
+              <a:t>thus</a:t>
+            </a:r>
+            <a:r>
+              <a:rPr lang="it-IT" dirty="0"/>
+              <a:t> more </a:t>
+            </a:r>
+            <a:r>
+              <a:rPr lang="it-IT" dirty="0" err="1"/>
+              <a:t>inactive</a:t>
+            </a:r>
+            <a:r>
+              <a:rPr lang="it-IT" dirty="0"/>
+              <a:t> </a:t>
+            </a:r>
+            <a:r>
+              <a:rPr lang="it-IT" dirty="0" err="1"/>
+              <a:t>threads</a:t>
+            </a:r>
+            <a:endParaRPr lang="it-IT" dirty="0"/>
+          </a:p>
+        </p:txBody>
+      </p:sp>
+      <p:graphicFrame>
+        <p:nvGraphicFramePr>
+          <p:cNvPr id="4" name="Table 4">
+            <a:extLst>
+              <a:ext uri="{FF2B5EF4-FFF2-40B4-BE49-F238E27FC236}">
+                <a16:creationId xmlns:a16="http://schemas.microsoft.com/office/drawing/2014/main" id="{E982F60C-B568-4E00-A5F8-5AA7C1826111}"/>
+              </a:ext>
+            </a:extLst>
+          </p:cNvPr>
+          <p:cNvGraphicFramePr>
+            <a:graphicFrameLocks noGrp="1"/>
+          </p:cNvGraphicFramePr>
+          <p:nvPr>
+            <p:extLst>
+              <p:ext uri="{D42A27DB-BD31-4B8C-83A1-F6EECF244321}">
+                <p14:modId xmlns:p14="http://schemas.microsoft.com/office/powerpoint/2010/main" val="2927694681"/>
+              </p:ext>
+            </p:extLst>
+          </p:nvPr>
+        </p:nvGraphicFramePr>
+        <p:xfrm>
+          <a:off x="5590356" y="2355664"/>
+          <a:ext cx="6264696" cy="2657511"/>
+        </p:xfrm>
+        <a:graphic>
+          <a:graphicData uri="http://schemas.openxmlformats.org/drawingml/2006/table">
+            <a:tbl>
+              <a:tblPr firstRow="1" bandRow="1">
+                <a:tableStyleId>{5C22544A-7EE6-4342-B048-85BDC9FD1C3A}</a:tableStyleId>
+              </a:tblPr>
+              <a:tblGrid>
+                <a:gridCol w="1566174">
+                  <a:extLst>
+                    <a:ext uri="{9D8B030D-6E8A-4147-A177-3AD203B41FA5}">
+                      <a16:colId xmlns:a16="http://schemas.microsoft.com/office/drawing/2014/main" val="1491025190"/>
+                    </a:ext>
+                  </a:extLst>
+                </a:gridCol>
+                <a:gridCol w="1566174">
+                  <a:extLst>
+                    <a:ext uri="{9D8B030D-6E8A-4147-A177-3AD203B41FA5}">
+                      <a16:colId xmlns:a16="http://schemas.microsoft.com/office/drawing/2014/main" val="2841998606"/>
+                    </a:ext>
+                  </a:extLst>
+                </a:gridCol>
+                <a:gridCol w="1566174">
+                  <a:extLst>
+                    <a:ext uri="{9D8B030D-6E8A-4147-A177-3AD203B41FA5}">
+                      <a16:colId xmlns:a16="http://schemas.microsoft.com/office/drawing/2014/main" val="2607853299"/>
+                    </a:ext>
+                  </a:extLst>
+                </a:gridCol>
+                <a:gridCol w="1566174">
+                  <a:extLst>
+                    <a:ext uri="{9D8B030D-6E8A-4147-A177-3AD203B41FA5}">
+                      <a16:colId xmlns:a16="http://schemas.microsoft.com/office/drawing/2014/main" val="2064645706"/>
+                    </a:ext>
+                  </a:extLst>
+                </a:gridCol>
+              </a:tblGrid>
+              <a:tr h="996567">
+                <a:tc>
+                  <a:txBody>
+                    <a:bodyPr/>
+                    <a:lstStyle/>
+                    <a:p>
+                      <a:r>
+                        <a:rPr lang="it-IT" dirty="0" err="1"/>
+                        <a:t>Threads</a:t>
+                      </a:r>
+                      <a:endParaRPr lang="it-IT" dirty="0"/>
+                    </a:p>
+                  </a:txBody>
+                  <a:tcPr/>
+                </a:tc>
+                <a:tc>
+                  <a:txBody>
+                    <a:bodyPr/>
+                    <a:lstStyle/>
+                    <a:p>
+                      <a:r>
+                        <a:rPr lang="it-IT" dirty="0" err="1"/>
+                        <a:t>Avg</a:t>
+                      </a:r>
+                      <a:r>
+                        <a:rPr lang="it-IT" dirty="0"/>
+                        <a:t> time</a:t>
+                      </a:r>
+                    </a:p>
+                  </a:txBody>
+                  <a:tcPr/>
+                </a:tc>
+                <a:tc>
+                  <a:txBody>
+                    <a:bodyPr/>
+                    <a:lstStyle/>
+                    <a:p>
+                      <a:r>
+                        <a:rPr lang="it-IT" dirty="0" err="1"/>
+                        <a:t>Occupancy</a:t>
+                      </a:r>
+                      <a:endParaRPr lang="it-IT" dirty="0"/>
+                    </a:p>
+                  </a:txBody>
+                  <a:tcPr/>
+                </a:tc>
+                <a:tc>
+                  <a:txBody>
+                    <a:bodyPr/>
+                    <a:lstStyle/>
+                    <a:p>
+                      <a:r>
+                        <a:rPr lang="it-IT" dirty="0" err="1"/>
+                        <a:t>Warp</a:t>
+                      </a:r>
+                      <a:r>
+                        <a:rPr lang="it-IT" dirty="0"/>
+                        <a:t> </a:t>
+                      </a:r>
+                      <a:r>
+                        <a:rPr lang="it-IT" dirty="0" err="1"/>
+                        <a:t>efficiency</a:t>
+                      </a:r>
+                      <a:endParaRPr lang="it-IT" dirty="0"/>
+                    </a:p>
+                  </a:txBody>
+                  <a:tcPr/>
+                </a:tc>
+                <a:extLst>
+                  <a:ext uri="{0D108BD9-81ED-4DB2-BD59-A6C34878D82A}">
+                    <a16:rowId xmlns:a16="http://schemas.microsoft.com/office/drawing/2014/main" val="208290358"/>
+                  </a:ext>
+                </a:extLst>
+              </a:tr>
+              <a:tr h="553648">
+                <a:tc>
+                  <a:txBody>
+                    <a:bodyPr/>
+                    <a:lstStyle/>
+                    <a:p>
+                      <a:r>
+                        <a:rPr lang="it-IT" dirty="0"/>
+                        <a:t>32</a:t>
+                      </a:r>
+                    </a:p>
+                  </a:txBody>
+                  <a:tcPr/>
+                </a:tc>
+                <a:tc>
+                  <a:txBody>
+                    <a:bodyPr/>
+                    <a:lstStyle/>
+                    <a:p>
+                      <a:r>
+                        <a:rPr lang="it-IT" dirty="0"/>
+                        <a:t>7,212s</a:t>
+                      </a:r>
+                    </a:p>
+                  </a:txBody>
+                  <a:tcPr/>
+                </a:tc>
+                <a:tc>
+                  <a:txBody>
+                    <a:bodyPr/>
+                    <a:lstStyle/>
+                    <a:p>
+                      <a:r>
+                        <a:rPr lang="it-IT" dirty="0"/>
+                        <a:t>0,016</a:t>
+                      </a:r>
+                    </a:p>
+                  </a:txBody>
+                  <a:tcPr/>
+                </a:tc>
+                <a:tc>
+                  <a:txBody>
+                    <a:bodyPr/>
+                    <a:lstStyle/>
+                    <a:p>
+                      <a:r>
+                        <a:rPr lang="it-IT" dirty="0"/>
+                        <a:t>99,9%</a:t>
+                      </a:r>
+                    </a:p>
+                  </a:txBody>
+                  <a:tcPr/>
+                </a:tc>
+                <a:extLst>
+                  <a:ext uri="{0D108BD9-81ED-4DB2-BD59-A6C34878D82A}">
+                    <a16:rowId xmlns:a16="http://schemas.microsoft.com/office/drawing/2014/main" val="1064207463"/>
+                  </a:ext>
+                </a:extLst>
+              </a:tr>
+              <a:tr h="553648">
+                <a:tc>
+                  <a:txBody>
+                    <a:bodyPr/>
+                    <a:lstStyle/>
+                    <a:p>
+                      <a:r>
+                        <a:rPr lang="it-IT" dirty="0"/>
+                        <a:t>2048</a:t>
+                      </a:r>
+                    </a:p>
+                  </a:txBody>
+                  <a:tcPr/>
+                </a:tc>
+                <a:tc>
+                  <a:txBody>
+                    <a:bodyPr/>
+                    <a:lstStyle/>
+                    <a:p>
+                      <a:r>
+                        <a:rPr lang="it-IT" dirty="0"/>
+                        <a:t>165,44ms</a:t>
+                      </a:r>
+                    </a:p>
+                  </a:txBody>
+                  <a:tcPr/>
+                </a:tc>
+                <a:tc>
+                  <a:txBody>
+                    <a:bodyPr/>
+                    <a:lstStyle/>
+                    <a:p>
+                      <a:r>
+                        <a:rPr lang="it-IT" dirty="0"/>
+                        <a:t>0,200</a:t>
+                      </a:r>
+                    </a:p>
+                  </a:txBody>
+                  <a:tcPr/>
+                </a:tc>
+                <a:tc>
+                  <a:txBody>
+                    <a:bodyPr/>
+                    <a:lstStyle/>
+                    <a:p>
+                      <a:r>
+                        <a:rPr lang="it-IT" dirty="0"/>
+                        <a:t>99,5%</a:t>
+                      </a:r>
+                    </a:p>
+                  </a:txBody>
+                  <a:tcPr/>
+                </a:tc>
+                <a:extLst>
+                  <a:ext uri="{0D108BD9-81ED-4DB2-BD59-A6C34878D82A}">
+                    <a16:rowId xmlns:a16="http://schemas.microsoft.com/office/drawing/2014/main" val="2617782464"/>
+                  </a:ext>
+                </a:extLst>
+              </a:tr>
+              <a:tr h="553648">
+                <a:tc>
+                  <a:txBody>
+                    <a:bodyPr/>
+                    <a:lstStyle/>
+                    <a:p>
+                      <a:r>
+                        <a:rPr lang="it-IT" dirty="0"/>
+                        <a:t>8192</a:t>
+                      </a:r>
+                    </a:p>
+                  </a:txBody>
+                  <a:tcPr/>
+                </a:tc>
+                <a:tc>
+                  <a:txBody>
+                    <a:bodyPr/>
+                    <a:lstStyle/>
+                    <a:p>
+                      <a:r>
+                        <a:rPr lang="it-IT" dirty="0"/>
+                        <a:t>189,26ms</a:t>
+                      </a:r>
+                    </a:p>
+                  </a:txBody>
+                  <a:tcPr/>
+                </a:tc>
+                <a:tc>
+                  <a:txBody>
+                    <a:bodyPr/>
+                    <a:lstStyle/>
+                    <a:p>
+                      <a:r>
+                        <a:rPr lang="it-IT" dirty="0"/>
+                        <a:t>0,452</a:t>
+                      </a:r>
+                    </a:p>
+                  </a:txBody>
+                  <a:tcPr/>
+                </a:tc>
+                <a:tc>
+                  <a:txBody>
+                    <a:bodyPr/>
+                    <a:lstStyle/>
+                    <a:p>
+                      <a:r>
+                        <a:rPr lang="it-IT" dirty="0"/>
+                        <a:t>95,5%</a:t>
+                      </a:r>
+                    </a:p>
+                  </a:txBody>
+                  <a:tcPr/>
+                </a:tc>
+                <a:extLst>
+                  <a:ext uri="{0D108BD9-81ED-4DB2-BD59-A6C34878D82A}">
+                    <a16:rowId xmlns:a16="http://schemas.microsoft.com/office/drawing/2014/main" val="4190237939"/>
+                  </a:ext>
+                </a:extLst>
+              </a:tr>
+            </a:tbl>
+          </a:graphicData>
+        </a:graphic>
+      </p:graphicFrame>
+    </p:spTree>
+    <p:extLst>
+      <p:ext uri="{BB962C8B-B14F-4D97-AF65-F5344CB8AC3E}">
+        <p14:creationId xmlns:p14="http://schemas.microsoft.com/office/powerpoint/2010/main" val="1439616825"/>
       </p:ext>
     </p:extLst>
   </p:cSld>
@@ -22762,6 +24591,109 @@
       </p:transition>
     </mc:Choice>
     <mc:Fallback>
+      <p:transition spd="med">
+        <p:fade/>
+      </p:transition>
+    </mc:Fallback>
+  </mc:AlternateContent>
+</p:sld>
+</file>
+
+<file path=ppt/slides/slide24.xml><?xml version="1.0" encoding="utf-8"?>
+<p:sld xmlns:a="http://schemas.openxmlformats.org/drawingml/2006/main" xmlns:r="http://schemas.openxmlformats.org/officeDocument/2006/relationships" xmlns:p="http://schemas.openxmlformats.org/presentationml/2006/main">
+  <p:cSld>
+    <p:spTree>
+      <p:nvGrpSpPr>
+        <p:cNvPr id="1" name=""/>
+        <p:cNvGrpSpPr/>
+        <p:nvPr/>
+      </p:nvGrpSpPr>
+      <p:grpSpPr>
+        <a:xfrm>
+          <a:off x="0" y="0"/>
+          <a:ext cx="0" cy="0"/>
+          <a:chOff x="0" y="0"/>
+          <a:chExt cx="0" cy="0"/>
+        </a:xfrm>
+      </p:grpSpPr>
+      <p:sp>
+        <p:nvSpPr>
+          <p:cNvPr id="2" name="Title 1">
+            <a:extLst>
+              <a:ext uri="{FF2B5EF4-FFF2-40B4-BE49-F238E27FC236}">
+                <a16:creationId xmlns:a16="http://schemas.microsoft.com/office/drawing/2014/main" id="{8E2C760F-AFFF-2AC3-19BB-20F771204C23}"/>
+              </a:ext>
+            </a:extLst>
+          </p:cNvPr>
+          <p:cNvSpPr>
+            <a:spLocks noGrp="1"/>
+          </p:cNvSpPr>
+          <p:nvPr>
+            <p:ph type="title"/>
+          </p:nvPr>
+        </p:nvSpPr>
+        <p:spPr/>
+        <p:txBody>
+          <a:bodyPr>
+            <a:normAutofit/>
+          </a:bodyPr>
+          <a:lstStyle/>
+          <a:p>
+            <a:pPr algn="ctr"/>
+            <a:r>
+              <a:rPr lang="it-IT" dirty="0"/>
+              <a:t>3. </a:t>
+            </a:r>
+            <a:r>
+              <a:rPr lang="en-US" dirty="0"/>
+              <a:t>100M reaches a lower maximum speedup and decreases earlier</a:t>
+            </a:r>
+            <a:endParaRPr lang="it-IT" dirty="0"/>
+          </a:p>
+        </p:txBody>
+      </p:sp>
+      <p:sp>
+        <p:nvSpPr>
+          <p:cNvPr id="3" name="Content Placeholder 2">
+            <a:extLst>
+              <a:ext uri="{FF2B5EF4-FFF2-40B4-BE49-F238E27FC236}">
+                <a16:creationId xmlns:a16="http://schemas.microsoft.com/office/drawing/2014/main" id="{699DCFFB-463D-03C1-8569-A3A804940DE5}"/>
+              </a:ext>
+            </a:extLst>
+          </p:cNvPr>
+          <p:cNvSpPr>
+            <a:spLocks noGrp="1"/>
+          </p:cNvSpPr>
+          <p:nvPr>
+            <p:ph idx="1"/>
+          </p:nvPr>
+        </p:nvSpPr>
+        <p:spPr/>
+        <p:txBody>
+          <a:bodyPr/>
+          <a:lstStyle/>
+          <a:p>
+            <a:endParaRPr lang="it-IT" dirty="0"/>
+          </a:p>
+        </p:txBody>
+      </p:sp>
+    </p:spTree>
+    <p:extLst>
+      <p:ext uri="{BB962C8B-B14F-4D97-AF65-F5344CB8AC3E}">
+        <p14:creationId xmlns:p14="http://schemas.microsoft.com/office/powerpoint/2010/main" val="1924709074"/>
+      </p:ext>
+    </p:extLst>
+  </p:cSld>
+  <p:clrMapOvr>
+    <a:masterClrMapping/>
+  </p:clrMapOvr>
+  <mc:AlternateContent xmlns:mc="http://schemas.openxmlformats.org/markup-compatibility/2006" xmlns:p14="http://schemas.microsoft.com/office/powerpoint/2010/main">
+    <mc:Choice Requires="p14">
+      <p:transition spd="med" p14:dur="700">
+        <p:fade/>
+      </p:transition>
+    </mc:Choice>
+    <mc:Fallback xmlns="">
       <p:transition spd="med">
         <p:fade/>
       </p:transition>
@@ -25044,15 +26976,6 @@
 </file>
 
 <file path=customXml/item1.xml><?xml version="1.0" encoding="utf-8"?>
-<?mso-contentType ?>
-<FormTemplates xmlns="http://schemas.microsoft.com/sharepoint/v3/contenttype/forms">
-  <Display>DocumentLibraryForm</Display>
-  <Edit>AssetEditForm</Edit>
-  <New>DocumentLibraryForm</New>
-</FormTemplates>
-</file>
-
-<file path=customXml/item2.xml><?xml version="1.0" encoding="utf-8"?>
 <p:properties xmlns:p="http://schemas.microsoft.com/office/2006/metadata/properties" xmlns:xsi="http://www.w3.org/2001/XMLSchema-instance" xmlns:pc="http://schemas.microsoft.com/office/infopath/2007/PartnerControls">
   <documentManagement>
     <LocPublishedLinkedAssetsLookup xmlns="4873beb7-5857-4685-be1f-d57550cc96cc" xsi:nil="true"/>
@@ -25186,6 +27109,15 @@
     <LocMarketGroupTiers2 xmlns="4873beb7-5857-4685-be1f-d57550cc96cc" xsi:nil="true"/>
   </documentManagement>
 </p:properties>
+</file>
+
+<file path=customXml/item2.xml><?xml version="1.0" encoding="utf-8"?>
+<?mso-contentType ?>
+<FormTemplates xmlns="http://schemas.microsoft.com/sharepoint/v3/contenttype/forms">
+  <Display>DocumentLibraryForm</Display>
+  <Edit>AssetEditForm</Edit>
+  <New>DocumentLibraryForm</New>
+</FormTemplates>
 </file>
 
 <file path=customXml/item3.xml><?xml version="1.0" encoding="utf-8"?>
@@ -26229,14 +28161,6 @@
 </file>
 
 <file path=customXml/itemProps1.xml><?xml version="1.0" encoding="utf-8"?>
-<ds:datastoreItem xmlns:ds="http://schemas.openxmlformats.org/officeDocument/2006/customXml" ds:itemID="{3836F65B-1B07-41EE-A0E8-BC6EF3855225}">
-  <ds:schemaRefs>
-    <ds:schemaRef ds:uri="http://schemas.microsoft.com/sharepoint/v3/contenttype/forms"/>
-  </ds:schemaRefs>
-</ds:datastoreItem>
-</file>
-
-<file path=customXml/itemProps2.xml><?xml version="1.0" encoding="utf-8"?>
 <ds:datastoreItem xmlns:ds="http://schemas.openxmlformats.org/officeDocument/2006/customXml" ds:itemID="{60C67BEE-D13F-4BD2-98A5-34D8A0977F68}">
   <ds:schemaRefs>
     <ds:schemaRef ds:uri="4873beb7-5857-4685-be1f-d57550cc96cc"/>
@@ -26248,6 +28172,14 @@
     <ds:schemaRef ds:uri="http://schemas.microsoft.com/office/infopath/2007/PartnerControls"/>
     <ds:schemaRef ds:uri="http://www.w3.org/XML/1998/namespace"/>
     <ds:schemaRef ds:uri="http://purl.org/dc/dcmitype/"/>
+  </ds:schemaRefs>
+</ds:datastoreItem>
+</file>
+
+<file path=customXml/itemProps2.xml><?xml version="1.0" encoding="utf-8"?>
+<ds:datastoreItem xmlns:ds="http://schemas.openxmlformats.org/officeDocument/2006/customXml" ds:itemID="{3836F65B-1B07-41EE-A0E8-BC6EF3855225}">
+  <ds:schemaRefs>
+    <ds:schemaRef ds:uri="http://schemas.microsoft.com/sharepoint/v3/contenttype/forms"/>
   </ds:schemaRefs>
 </ds:datastoreItem>
 </file>

--- a/documentazione/presentazione.pptx
+++ b/documentazione/presentazione.pptx
@@ -5,10 +5,10 @@
     <p:sldMasterId id="2147483660" r:id="rId4"/>
   </p:sldMasterIdLst>
   <p:notesMasterIdLst>
-    <p:notesMasterId r:id="rId23"/>
+    <p:notesMasterId r:id="rId32"/>
   </p:notesMasterIdLst>
   <p:handoutMasterIdLst>
-    <p:handoutMasterId r:id="rId24"/>
+    <p:handoutMasterId r:id="rId33"/>
   </p:handoutMasterIdLst>
   <p:sldIdLst>
     <p:sldId id="257" r:id="rId5"/>
@@ -29,6 +29,15 @@
     <p:sldId id="284" r:id="rId20"/>
     <p:sldId id="285" r:id="rId21"/>
     <p:sldId id="287" r:id="rId22"/>
+    <p:sldId id="298" r:id="rId23"/>
+    <p:sldId id="293" r:id="rId24"/>
+    <p:sldId id="294" r:id="rId25"/>
+    <p:sldId id="295" r:id="rId26"/>
+    <p:sldId id="296" r:id="rId27"/>
+    <p:sldId id="297" r:id="rId28"/>
+    <p:sldId id="299" r:id="rId29"/>
+    <p:sldId id="300" r:id="rId30"/>
+    <p:sldId id="301" r:id="rId31"/>
   </p:sldIdLst>
   <p:sldSz cx="12188825" cy="6858000"/>
   <p:notesSz cx="6858000" cy="9144000"/>
@@ -881,6 +890,898 @@
           </a:p>
         </c:txPr>
         <c:crossAx val="1936459583"/>
+        <c:crosses val="autoZero"/>
+        <c:crossBetween val="between"/>
+      </c:valAx>
+      <c:spPr>
+        <a:noFill/>
+        <a:ln>
+          <a:noFill/>
+        </a:ln>
+        <a:effectLst/>
+      </c:spPr>
+    </c:plotArea>
+    <c:legend>
+      <c:legendPos val="r"/>
+      <c:overlay val="0"/>
+      <c:spPr>
+        <a:noFill/>
+        <a:ln>
+          <a:noFill/>
+        </a:ln>
+        <a:effectLst/>
+      </c:spPr>
+      <c:txPr>
+        <a:bodyPr rot="0" spcFirstLastPara="1" vertOverflow="ellipsis" vert="horz" wrap="square" anchor="ctr" anchorCtr="1"/>
+        <a:lstStyle/>
+        <a:p>
+          <a:pPr>
+            <a:defRPr sz="1600" b="0" i="0" u="none" strike="noStrike" kern="1200" baseline="0">
+              <a:solidFill>
+                <a:schemeClr val="tx1">
+                  <a:lumMod val="65000"/>
+                  <a:lumOff val="35000"/>
+                </a:schemeClr>
+              </a:solidFill>
+              <a:latin typeface="+mn-lt"/>
+              <a:ea typeface="+mn-ea"/>
+              <a:cs typeface="+mn-cs"/>
+            </a:defRPr>
+          </a:pPr>
+          <a:endParaRPr lang="it-IT"/>
+        </a:p>
+      </c:txPr>
+    </c:legend>
+    <c:plotVisOnly val="1"/>
+    <c:dispBlanksAs val="gap"/>
+    <c:extLst>
+      <c:ext xmlns:c16r3="http://schemas.microsoft.com/office/drawing/2017/03/chart" uri="{56B9EC1D-385E-4148-901F-78D8002777C0}">
+        <c16r3:dataDisplayOptions16>
+          <c16r3:dispNaAsBlank val="1"/>
+        </c16r3:dataDisplayOptions16>
+      </c:ext>
+    </c:extLst>
+    <c:showDLblsOverMax val="0"/>
+  </c:chart>
+  <c:spPr>
+    <a:noFill/>
+    <a:ln>
+      <a:noFill/>
+    </a:ln>
+    <a:effectLst/>
+  </c:spPr>
+  <c:txPr>
+    <a:bodyPr/>
+    <a:lstStyle/>
+    <a:p>
+      <a:pPr>
+        <a:defRPr sz="1600"/>
+      </a:pPr>
+      <a:endParaRPr lang="it-IT"/>
+    </a:p>
+  </c:txPr>
+  <c:externalData r:id="rId3">
+    <c:autoUpdate val="0"/>
+  </c:externalData>
+</c:chartSpace>
+</file>
+
+<file path=ppt/charts/chart10.xml><?xml version="1.0" encoding="utf-8"?>
+<c:chartSpace xmlns:c="http://schemas.openxmlformats.org/drawingml/2006/chart" xmlns:a="http://schemas.openxmlformats.org/drawingml/2006/main" xmlns:r="http://schemas.openxmlformats.org/officeDocument/2006/relationships" xmlns:c16r2="http://schemas.microsoft.com/office/drawing/2015/06/chart">
+  <c:date1904 val="0"/>
+  <c:lang val="en-US"/>
+  <c:roundedCorners val="0"/>
+  <mc:AlternateContent xmlns:mc="http://schemas.openxmlformats.org/markup-compatibility/2006">
+    <mc:Choice xmlns:c14="http://schemas.microsoft.com/office/drawing/2007/8/2/chart" Requires="c14">
+      <c14:style val="102"/>
+    </mc:Choice>
+    <mc:Fallback>
+      <c:style val="2"/>
+    </mc:Fallback>
+  </mc:AlternateContent>
+  <c:chart>
+    <c:title>
+      <c:tx>
+        <c:rich>
+          <a:bodyPr rot="0" spcFirstLastPara="1" vertOverflow="ellipsis" vert="horz" wrap="square" anchor="ctr" anchorCtr="1"/>
+          <a:lstStyle/>
+          <a:p>
+            <a:pPr>
+              <a:defRPr sz="1920" b="0" i="0" u="none" strike="noStrike" kern="1200" spc="0" baseline="0">
+                <a:solidFill>
+                  <a:schemeClr val="tx1">
+                    <a:lumMod val="65000"/>
+                    <a:lumOff val="35000"/>
+                  </a:schemeClr>
+                </a:solidFill>
+                <a:latin typeface="+mn-lt"/>
+                <a:ea typeface="+mn-ea"/>
+                <a:cs typeface="+mn-cs"/>
+              </a:defRPr>
+            </a:pPr>
+            <a:r>
+              <a:rPr lang="it-IT"/>
+              <a:t>Execution Time</a:t>
+            </a:r>
+          </a:p>
+        </c:rich>
+      </c:tx>
+      <c:overlay val="0"/>
+      <c:spPr>
+        <a:noFill/>
+        <a:ln>
+          <a:noFill/>
+        </a:ln>
+        <a:effectLst/>
+      </c:spPr>
+      <c:txPr>
+        <a:bodyPr rot="0" spcFirstLastPara="1" vertOverflow="ellipsis" vert="horz" wrap="square" anchor="ctr" anchorCtr="1"/>
+        <a:lstStyle/>
+        <a:p>
+          <a:pPr>
+            <a:defRPr sz="1920" b="0" i="0" u="none" strike="noStrike" kern="1200" spc="0" baseline="0">
+              <a:solidFill>
+                <a:schemeClr val="tx1">
+                  <a:lumMod val="65000"/>
+                  <a:lumOff val="35000"/>
+                </a:schemeClr>
+              </a:solidFill>
+              <a:latin typeface="+mn-lt"/>
+              <a:ea typeface="+mn-ea"/>
+              <a:cs typeface="+mn-cs"/>
+            </a:defRPr>
+          </a:pPr>
+          <a:endParaRPr lang="it-IT"/>
+        </a:p>
+      </c:txPr>
+    </c:title>
+    <c:autoTitleDeleted val="0"/>
+    <c:plotArea>
+      <c:layout/>
+      <c:lineChart>
+        <c:grouping val="standard"/>
+        <c:varyColors val="0"/>
+        <c:ser>
+          <c:idx val="4"/>
+          <c:order val="0"/>
+          <c:tx>
+            <c:v>100M</c:v>
+          </c:tx>
+          <c:spPr>
+            <a:ln w="28575" cap="rnd">
+              <a:solidFill>
+                <a:schemeClr val="accent5"/>
+              </a:solidFill>
+              <a:round/>
+            </a:ln>
+            <a:effectLst/>
+          </c:spPr>
+          <c:marker>
+            <c:symbol val="none"/>
+          </c:marker>
+          <c:cat>
+            <c:numRef>
+              <c:f>'results (15)'!$F$2:$F$11</c:f>
+              <c:numCache>
+                <c:formatCode>General</c:formatCode>
+                <c:ptCount val="10"/>
+                <c:pt idx="0">
+                  <c:v>32</c:v>
+                </c:pt>
+                <c:pt idx="1">
+                  <c:v>64</c:v>
+                </c:pt>
+                <c:pt idx="2">
+                  <c:v>128</c:v>
+                </c:pt>
+                <c:pt idx="3">
+                  <c:v>256</c:v>
+                </c:pt>
+                <c:pt idx="4">
+                  <c:v>512</c:v>
+                </c:pt>
+                <c:pt idx="5">
+                  <c:v>1024</c:v>
+                </c:pt>
+                <c:pt idx="6">
+                  <c:v>2048</c:v>
+                </c:pt>
+                <c:pt idx="7">
+                  <c:v>4096</c:v>
+                </c:pt>
+                <c:pt idx="8">
+                  <c:v>8192</c:v>
+                </c:pt>
+                <c:pt idx="9">
+                  <c:v>10240</c:v>
+                </c:pt>
+              </c:numCache>
+            </c:numRef>
+          </c:cat>
+          <c:val>
+            <c:numRef>
+              <c:f>'results (15)'!$G$42:$G$51</c:f>
+              <c:numCache>
+                <c:formatCode>General</c:formatCode>
+                <c:ptCount val="10"/>
+                <c:pt idx="0">
+                  <c:v>1</c:v>
+                </c:pt>
+                <c:pt idx="1">
+                  <c:v>1.9791707796011389</c:v>
+                </c:pt>
+                <c:pt idx="2">
+                  <c:v>3.7647123925913073</c:v>
+                </c:pt>
+                <c:pt idx="3">
+                  <c:v>7.7042061423747636</c:v>
+                </c:pt>
+                <c:pt idx="4">
+                  <c:v>15.264863010411231</c:v>
+                </c:pt>
+                <c:pt idx="5">
+                  <c:v>28.103012030128617</c:v>
+                </c:pt>
+                <c:pt idx="6">
+                  <c:v>41.032097734087472</c:v>
+                </c:pt>
+                <c:pt idx="7">
+                  <c:v>44.308966819260348</c:v>
+                </c:pt>
+                <c:pt idx="8">
+                  <c:v>37.523361423411757</c:v>
+                </c:pt>
+                <c:pt idx="9">
+                  <c:v>37.761215600390351</c:v>
+                </c:pt>
+              </c:numCache>
+            </c:numRef>
+          </c:val>
+          <c:smooth val="0"/>
+          <c:extLst>
+            <c:ext xmlns:c16="http://schemas.microsoft.com/office/drawing/2014/chart" uri="{C3380CC4-5D6E-409C-BE32-E72D297353CC}">
+              <c16:uniqueId val="{00000000-B800-4F0F-95A9-82299F491946}"/>
+            </c:ext>
+          </c:extLst>
+        </c:ser>
+        <c:ser>
+          <c:idx val="3"/>
+          <c:order val="1"/>
+          <c:tx>
+            <c:v>10M</c:v>
+          </c:tx>
+          <c:spPr>
+            <a:ln w="28575" cap="rnd">
+              <a:solidFill>
+                <a:schemeClr val="accent4"/>
+              </a:solidFill>
+              <a:round/>
+            </a:ln>
+            <a:effectLst/>
+          </c:spPr>
+          <c:marker>
+            <c:symbol val="none"/>
+          </c:marker>
+          <c:cat>
+            <c:numRef>
+              <c:f>'results (15)'!$F$2:$F$11</c:f>
+              <c:numCache>
+                <c:formatCode>General</c:formatCode>
+                <c:ptCount val="10"/>
+                <c:pt idx="0">
+                  <c:v>32</c:v>
+                </c:pt>
+                <c:pt idx="1">
+                  <c:v>64</c:v>
+                </c:pt>
+                <c:pt idx="2">
+                  <c:v>128</c:v>
+                </c:pt>
+                <c:pt idx="3">
+                  <c:v>256</c:v>
+                </c:pt>
+                <c:pt idx="4">
+                  <c:v>512</c:v>
+                </c:pt>
+                <c:pt idx="5">
+                  <c:v>1024</c:v>
+                </c:pt>
+                <c:pt idx="6">
+                  <c:v>2048</c:v>
+                </c:pt>
+                <c:pt idx="7">
+                  <c:v>4096</c:v>
+                </c:pt>
+                <c:pt idx="8">
+                  <c:v>8192</c:v>
+                </c:pt>
+                <c:pt idx="9">
+                  <c:v>10240</c:v>
+                </c:pt>
+              </c:numCache>
+            </c:numRef>
+          </c:cat>
+          <c:val>
+            <c:numRef>
+              <c:f>'results (15)'!$G$32:$G$41</c:f>
+              <c:numCache>
+                <c:formatCode>General</c:formatCode>
+                <c:ptCount val="10"/>
+                <c:pt idx="0">
+                  <c:v>1</c:v>
+                </c:pt>
+                <c:pt idx="1">
+                  <c:v>1.9706963489838412</c:v>
+                </c:pt>
+                <c:pt idx="2">
+                  <c:v>3.8926040599883827</c:v>
+                </c:pt>
+                <c:pt idx="3">
+                  <c:v>7.6520816084435292</c:v>
+                </c:pt>
+                <c:pt idx="4">
+                  <c:v>15.22921845497879</c:v>
+                </c:pt>
+                <c:pt idx="5">
+                  <c:v>29.078113270866666</c:v>
+                </c:pt>
+                <c:pt idx="6">
+                  <c:v>43.025877267366106</c:v>
+                </c:pt>
+                <c:pt idx="7">
+                  <c:v>43.790187237760492</c:v>
+                </c:pt>
+                <c:pt idx="8">
+                  <c:v>36.571465541073621</c:v>
+                </c:pt>
+                <c:pt idx="9">
+                  <c:v>36.082419585941608</c:v>
+                </c:pt>
+              </c:numCache>
+            </c:numRef>
+          </c:val>
+          <c:smooth val="0"/>
+          <c:extLst>
+            <c:ext xmlns:c16="http://schemas.microsoft.com/office/drawing/2014/chart" uri="{C3380CC4-5D6E-409C-BE32-E72D297353CC}">
+              <c16:uniqueId val="{00000001-B800-4F0F-95A9-82299F491946}"/>
+            </c:ext>
+          </c:extLst>
+        </c:ser>
+        <c:ser>
+          <c:idx val="2"/>
+          <c:order val="2"/>
+          <c:tx>
+            <c:v>1M</c:v>
+          </c:tx>
+          <c:spPr>
+            <a:ln w="28575" cap="rnd">
+              <a:solidFill>
+                <a:schemeClr val="accent3"/>
+              </a:solidFill>
+              <a:round/>
+            </a:ln>
+            <a:effectLst/>
+          </c:spPr>
+          <c:marker>
+            <c:symbol val="none"/>
+          </c:marker>
+          <c:cat>
+            <c:numRef>
+              <c:f>'results (15)'!$F$2:$F$11</c:f>
+              <c:numCache>
+                <c:formatCode>General</c:formatCode>
+                <c:ptCount val="10"/>
+                <c:pt idx="0">
+                  <c:v>32</c:v>
+                </c:pt>
+                <c:pt idx="1">
+                  <c:v>64</c:v>
+                </c:pt>
+                <c:pt idx="2">
+                  <c:v>128</c:v>
+                </c:pt>
+                <c:pt idx="3">
+                  <c:v>256</c:v>
+                </c:pt>
+                <c:pt idx="4">
+                  <c:v>512</c:v>
+                </c:pt>
+                <c:pt idx="5">
+                  <c:v>1024</c:v>
+                </c:pt>
+                <c:pt idx="6">
+                  <c:v>2048</c:v>
+                </c:pt>
+                <c:pt idx="7">
+                  <c:v>4096</c:v>
+                </c:pt>
+                <c:pt idx="8">
+                  <c:v>8192</c:v>
+                </c:pt>
+                <c:pt idx="9">
+                  <c:v>10240</c:v>
+                </c:pt>
+              </c:numCache>
+            </c:numRef>
+          </c:cat>
+          <c:val>
+            <c:numRef>
+              <c:f>'results (15)'!$G$22:$G$31</c:f>
+              <c:numCache>
+                <c:formatCode>General</c:formatCode>
+                <c:ptCount val="10"/>
+                <c:pt idx="0">
+                  <c:v>1</c:v>
+                </c:pt>
+                <c:pt idx="1">
+                  <c:v>1.9633270355127808</c:v>
+                </c:pt>
+                <c:pt idx="2">
+                  <c:v>3.8292100931069966</c:v>
+                </c:pt>
+                <c:pt idx="3">
+                  <c:v>7.6299008146000036</c:v>
+                </c:pt>
+                <c:pt idx="4">
+                  <c:v>15.255572329340762</c:v>
+                </c:pt>
+                <c:pt idx="5">
+                  <c:v>28.148287588326536</c:v>
+                </c:pt>
+                <c:pt idx="6">
+                  <c:v>41.711574673130031</c:v>
+                </c:pt>
+                <c:pt idx="7">
+                  <c:v>41.139225466969854</c:v>
+                </c:pt>
+                <c:pt idx="8">
+                  <c:v>31.28147968980436</c:v>
+                </c:pt>
+                <c:pt idx="9">
+                  <c:v>29.58385826542461</c:v>
+                </c:pt>
+              </c:numCache>
+            </c:numRef>
+          </c:val>
+          <c:smooth val="0"/>
+          <c:extLst>
+            <c:ext xmlns:c16="http://schemas.microsoft.com/office/drawing/2014/chart" uri="{C3380CC4-5D6E-409C-BE32-E72D297353CC}">
+              <c16:uniqueId val="{00000002-B800-4F0F-95A9-82299F491946}"/>
+            </c:ext>
+          </c:extLst>
+        </c:ser>
+        <c:ser>
+          <c:idx val="1"/>
+          <c:order val="3"/>
+          <c:tx>
+            <c:v>100k</c:v>
+          </c:tx>
+          <c:spPr>
+            <a:ln w="28575" cap="rnd">
+              <a:solidFill>
+                <a:schemeClr val="accent2"/>
+              </a:solidFill>
+              <a:round/>
+            </a:ln>
+            <a:effectLst/>
+          </c:spPr>
+          <c:marker>
+            <c:symbol val="none"/>
+          </c:marker>
+          <c:cat>
+            <c:numRef>
+              <c:f>'results (15)'!$F$2:$F$11</c:f>
+              <c:numCache>
+                <c:formatCode>General</c:formatCode>
+                <c:ptCount val="10"/>
+                <c:pt idx="0">
+                  <c:v>32</c:v>
+                </c:pt>
+                <c:pt idx="1">
+                  <c:v>64</c:v>
+                </c:pt>
+                <c:pt idx="2">
+                  <c:v>128</c:v>
+                </c:pt>
+                <c:pt idx="3">
+                  <c:v>256</c:v>
+                </c:pt>
+                <c:pt idx="4">
+                  <c:v>512</c:v>
+                </c:pt>
+                <c:pt idx="5">
+                  <c:v>1024</c:v>
+                </c:pt>
+                <c:pt idx="6">
+                  <c:v>2048</c:v>
+                </c:pt>
+                <c:pt idx="7">
+                  <c:v>4096</c:v>
+                </c:pt>
+                <c:pt idx="8">
+                  <c:v>8192</c:v>
+                </c:pt>
+                <c:pt idx="9">
+                  <c:v>10240</c:v>
+                </c:pt>
+              </c:numCache>
+            </c:numRef>
+          </c:cat>
+          <c:val>
+            <c:numRef>
+              <c:f>'results (15)'!$G$12:$G$21</c:f>
+              <c:numCache>
+                <c:formatCode>General</c:formatCode>
+                <c:ptCount val="10"/>
+                <c:pt idx="0">
+                  <c:v>1</c:v>
+                </c:pt>
+                <c:pt idx="1">
+                  <c:v>1.916146716588301</c:v>
+                </c:pt>
+                <c:pt idx="2">
+                  <c:v>3.7498079812596798</c:v>
+                </c:pt>
+                <c:pt idx="3">
+                  <c:v>7.2853518955622691</c:v>
+                </c:pt>
+                <c:pt idx="4">
+                  <c:v>13.458890386352724</c:v>
+                </c:pt>
+                <c:pt idx="5">
+                  <c:v>20.930959032116903</c:v>
+                </c:pt>
+                <c:pt idx="6">
+                  <c:v>23.309959949139444</c:v>
+                </c:pt>
+                <c:pt idx="7">
+                  <c:v>17.661019678393746</c:v>
+                </c:pt>
+                <c:pt idx="8">
+                  <c:v>9.3055503950357625</c:v>
+                </c:pt>
+                <c:pt idx="9">
+                  <c:v>10.144913714877148</c:v>
+                </c:pt>
+              </c:numCache>
+            </c:numRef>
+          </c:val>
+          <c:smooth val="0"/>
+          <c:extLst>
+            <c:ext xmlns:c16="http://schemas.microsoft.com/office/drawing/2014/chart" uri="{C3380CC4-5D6E-409C-BE32-E72D297353CC}">
+              <c16:uniqueId val="{00000003-B800-4F0F-95A9-82299F491946}"/>
+            </c:ext>
+          </c:extLst>
+        </c:ser>
+        <c:ser>
+          <c:idx val="0"/>
+          <c:order val="4"/>
+          <c:tx>
+            <c:v>10k</c:v>
+          </c:tx>
+          <c:spPr>
+            <a:ln w="28575" cap="rnd">
+              <a:solidFill>
+                <a:schemeClr val="accent1"/>
+              </a:solidFill>
+              <a:round/>
+            </a:ln>
+            <a:effectLst/>
+          </c:spPr>
+          <c:marker>
+            <c:symbol val="none"/>
+          </c:marker>
+          <c:cat>
+            <c:numRef>
+              <c:f>'results (15)'!$F$2:$F$11</c:f>
+              <c:numCache>
+                <c:formatCode>General</c:formatCode>
+                <c:ptCount val="10"/>
+                <c:pt idx="0">
+                  <c:v>32</c:v>
+                </c:pt>
+                <c:pt idx="1">
+                  <c:v>64</c:v>
+                </c:pt>
+                <c:pt idx="2">
+                  <c:v>128</c:v>
+                </c:pt>
+                <c:pt idx="3">
+                  <c:v>256</c:v>
+                </c:pt>
+                <c:pt idx="4">
+                  <c:v>512</c:v>
+                </c:pt>
+                <c:pt idx="5">
+                  <c:v>1024</c:v>
+                </c:pt>
+                <c:pt idx="6">
+                  <c:v>2048</c:v>
+                </c:pt>
+                <c:pt idx="7">
+                  <c:v>4096</c:v>
+                </c:pt>
+                <c:pt idx="8">
+                  <c:v>8192</c:v>
+                </c:pt>
+                <c:pt idx="9">
+                  <c:v>10240</c:v>
+                </c:pt>
+              </c:numCache>
+            </c:numRef>
+          </c:cat>
+          <c:val>
+            <c:numRef>
+              <c:f>'results (15)'!$G$2:$G$11</c:f>
+              <c:numCache>
+                <c:formatCode>General</c:formatCode>
+                <c:ptCount val="10"/>
+                <c:pt idx="0">
+                  <c:v>1</c:v>
+                </c:pt>
+                <c:pt idx="1">
+                  <c:v>2.1710441562844309</c:v>
+                </c:pt>
+                <c:pt idx="2">
+                  <c:v>3.9280741569932371</c:v>
+                </c:pt>
+                <c:pt idx="3">
+                  <c:v>6.1959316458451754</c:v>
+                </c:pt>
+                <c:pt idx="4">
+                  <c:v>7.8262656197488614</c:v>
+                </c:pt>
+                <c:pt idx="5">
+                  <c:v>7.3059580172266267</c:v>
+                </c:pt>
+                <c:pt idx="6">
+                  <c:v>5.1109127003920554</c:v>
+                </c:pt>
+                <c:pt idx="7">
+                  <c:v>2.9237007150561256</c:v>
+                </c:pt>
+                <c:pt idx="8">
+                  <c:v>1.3600941908559474</c:v>
+                </c:pt>
+                <c:pt idx="9">
+                  <c:v>2.1772998104563497</c:v>
+                </c:pt>
+              </c:numCache>
+            </c:numRef>
+          </c:val>
+          <c:smooth val="0"/>
+          <c:extLst>
+            <c:ext xmlns:c16="http://schemas.microsoft.com/office/drawing/2014/chart" uri="{C3380CC4-5D6E-409C-BE32-E72D297353CC}">
+              <c16:uniqueId val="{00000004-B800-4F0F-95A9-82299F491946}"/>
+            </c:ext>
+          </c:extLst>
+        </c:ser>
+        <c:dLbls>
+          <c:showLegendKey val="0"/>
+          <c:showVal val="0"/>
+          <c:showCatName val="0"/>
+          <c:showSerName val="0"/>
+          <c:showPercent val="0"/>
+          <c:showBubbleSize val="0"/>
+        </c:dLbls>
+        <c:smooth val="0"/>
+        <c:axId val="1802860463"/>
+        <c:axId val="1995367215"/>
+      </c:lineChart>
+      <c:catAx>
+        <c:axId val="1802860463"/>
+        <c:scaling>
+          <c:orientation val="minMax"/>
+        </c:scaling>
+        <c:delete val="0"/>
+        <c:axPos val="b"/>
+        <c:title>
+          <c:tx>
+            <c:rich>
+              <a:bodyPr rot="0" spcFirstLastPara="1" vertOverflow="ellipsis" vert="horz" wrap="square" anchor="ctr" anchorCtr="1"/>
+              <a:lstStyle/>
+              <a:p>
+                <a:pPr>
+                  <a:defRPr sz="1600" b="0" i="0" u="none" strike="noStrike" kern="1200" baseline="0">
+                    <a:solidFill>
+                      <a:schemeClr val="tx1">
+                        <a:lumMod val="65000"/>
+                        <a:lumOff val="35000"/>
+                      </a:schemeClr>
+                    </a:solidFill>
+                    <a:latin typeface="+mn-lt"/>
+                    <a:ea typeface="+mn-ea"/>
+                    <a:cs typeface="+mn-cs"/>
+                  </a:defRPr>
+                </a:pPr>
+                <a:r>
+                  <a:rPr lang="it-IT"/>
+                  <a:t>threads</a:t>
+                </a:r>
+              </a:p>
+            </c:rich>
+          </c:tx>
+          <c:overlay val="0"/>
+          <c:spPr>
+            <a:noFill/>
+            <a:ln>
+              <a:noFill/>
+            </a:ln>
+            <a:effectLst/>
+          </c:spPr>
+          <c:txPr>
+            <a:bodyPr rot="0" spcFirstLastPara="1" vertOverflow="ellipsis" vert="horz" wrap="square" anchor="ctr" anchorCtr="1"/>
+            <a:lstStyle/>
+            <a:p>
+              <a:pPr>
+                <a:defRPr sz="1600" b="0" i="0" u="none" strike="noStrike" kern="1200" baseline="0">
+                  <a:solidFill>
+                    <a:schemeClr val="tx1">
+                      <a:lumMod val="65000"/>
+                      <a:lumOff val="35000"/>
+                    </a:schemeClr>
+                  </a:solidFill>
+                  <a:latin typeface="+mn-lt"/>
+                  <a:ea typeface="+mn-ea"/>
+                  <a:cs typeface="+mn-cs"/>
+                </a:defRPr>
+              </a:pPr>
+              <a:endParaRPr lang="it-IT"/>
+            </a:p>
+          </c:txPr>
+        </c:title>
+        <c:numFmt formatCode="General" sourceLinked="1"/>
+        <c:majorTickMark val="none"/>
+        <c:minorTickMark val="none"/>
+        <c:tickLblPos val="nextTo"/>
+        <c:spPr>
+          <a:noFill/>
+          <a:ln w="9525" cap="flat" cmpd="sng" algn="ctr">
+            <a:solidFill>
+              <a:schemeClr val="tx1">
+                <a:lumMod val="15000"/>
+                <a:lumOff val="85000"/>
+              </a:schemeClr>
+            </a:solidFill>
+            <a:round/>
+          </a:ln>
+          <a:effectLst/>
+        </c:spPr>
+        <c:txPr>
+          <a:bodyPr rot="-60000000" spcFirstLastPara="1" vertOverflow="ellipsis" vert="horz" wrap="square" anchor="ctr" anchorCtr="1"/>
+          <a:lstStyle/>
+          <a:p>
+            <a:pPr>
+              <a:defRPr sz="1600" b="0" i="0" u="none" strike="noStrike" kern="1200" baseline="0">
+                <a:solidFill>
+                  <a:schemeClr val="tx1">
+                    <a:lumMod val="65000"/>
+                    <a:lumOff val="35000"/>
+                  </a:schemeClr>
+                </a:solidFill>
+                <a:latin typeface="+mn-lt"/>
+                <a:ea typeface="+mn-ea"/>
+                <a:cs typeface="+mn-cs"/>
+              </a:defRPr>
+            </a:pPr>
+            <a:endParaRPr lang="it-IT"/>
+          </a:p>
+        </c:txPr>
+        <c:crossAx val="1995367215"/>
+        <c:crosses val="autoZero"/>
+        <c:auto val="1"/>
+        <c:lblAlgn val="ctr"/>
+        <c:lblOffset val="100"/>
+        <c:noMultiLvlLbl val="0"/>
+      </c:catAx>
+      <c:valAx>
+        <c:axId val="1995367215"/>
+        <c:scaling>
+          <c:orientation val="minMax"/>
+        </c:scaling>
+        <c:delete val="0"/>
+        <c:axPos val="l"/>
+        <c:majorGridlines>
+          <c:spPr>
+            <a:ln w="9525" cap="flat" cmpd="sng" algn="ctr">
+              <a:solidFill>
+                <a:schemeClr val="tx1">
+                  <a:lumMod val="15000"/>
+                  <a:lumOff val="85000"/>
+                </a:schemeClr>
+              </a:solidFill>
+              <a:round/>
+            </a:ln>
+            <a:effectLst/>
+          </c:spPr>
+        </c:majorGridlines>
+        <c:title>
+          <c:tx>
+            <c:rich>
+              <a:bodyPr rot="-5400000" spcFirstLastPara="1" vertOverflow="ellipsis" vert="horz" wrap="square" anchor="ctr" anchorCtr="1"/>
+              <a:lstStyle/>
+              <a:p>
+                <a:pPr>
+                  <a:defRPr sz="1600" b="0" i="0" u="none" strike="noStrike" kern="1200" baseline="0">
+                    <a:solidFill>
+                      <a:schemeClr val="tx1">
+                        <a:lumMod val="65000"/>
+                        <a:lumOff val="35000"/>
+                      </a:schemeClr>
+                    </a:solidFill>
+                    <a:latin typeface="+mn-lt"/>
+                    <a:ea typeface="+mn-ea"/>
+                    <a:cs typeface="+mn-cs"/>
+                  </a:defRPr>
+                </a:pPr>
+                <a:r>
+                  <a:rPr lang="it-IT"/>
+                  <a:t>seconds</a:t>
+                </a:r>
+              </a:p>
+            </c:rich>
+          </c:tx>
+          <c:overlay val="0"/>
+          <c:spPr>
+            <a:noFill/>
+            <a:ln>
+              <a:noFill/>
+            </a:ln>
+            <a:effectLst/>
+          </c:spPr>
+          <c:txPr>
+            <a:bodyPr rot="-5400000" spcFirstLastPara="1" vertOverflow="ellipsis" vert="horz" wrap="square" anchor="ctr" anchorCtr="1"/>
+            <a:lstStyle/>
+            <a:p>
+              <a:pPr>
+                <a:defRPr sz="1600" b="0" i="0" u="none" strike="noStrike" kern="1200" baseline="0">
+                  <a:solidFill>
+                    <a:schemeClr val="tx1">
+                      <a:lumMod val="65000"/>
+                      <a:lumOff val="35000"/>
+                    </a:schemeClr>
+                  </a:solidFill>
+                  <a:latin typeface="+mn-lt"/>
+                  <a:ea typeface="+mn-ea"/>
+                  <a:cs typeface="+mn-cs"/>
+                </a:defRPr>
+              </a:pPr>
+              <a:endParaRPr lang="it-IT"/>
+            </a:p>
+          </c:txPr>
+        </c:title>
+        <c:numFmt formatCode="General" sourceLinked="1"/>
+        <c:majorTickMark val="none"/>
+        <c:minorTickMark val="none"/>
+        <c:tickLblPos val="nextTo"/>
+        <c:spPr>
+          <a:noFill/>
+          <a:ln>
+            <a:noFill/>
+          </a:ln>
+          <a:effectLst/>
+        </c:spPr>
+        <c:txPr>
+          <a:bodyPr rot="-60000000" spcFirstLastPara="1" vertOverflow="ellipsis" vert="horz" wrap="square" anchor="ctr" anchorCtr="1"/>
+          <a:lstStyle/>
+          <a:p>
+            <a:pPr>
+              <a:defRPr sz="1600" b="0" i="0" u="none" strike="noStrike" kern="1200" baseline="0">
+                <a:solidFill>
+                  <a:schemeClr val="tx1">
+                    <a:lumMod val="65000"/>
+                    <a:lumOff val="35000"/>
+                  </a:schemeClr>
+                </a:solidFill>
+                <a:latin typeface="+mn-lt"/>
+                <a:ea typeface="+mn-ea"/>
+                <a:cs typeface="+mn-cs"/>
+              </a:defRPr>
+            </a:pPr>
+            <a:endParaRPr lang="it-IT"/>
+          </a:p>
+        </c:txPr>
+        <c:crossAx val="1802860463"/>
         <c:crosses val="autoZero"/>
         <c:crossBetween val="between"/>
       </c:valAx>
@@ -6413,7 +7314,940 @@
 </c:chartSpace>
 </file>
 
+<file path=ppt/charts/chart9.xml><?xml version="1.0" encoding="utf-8"?>
+<c:chartSpace xmlns:c="http://schemas.openxmlformats.org/drawingml/2006/chart" xmlns:a="http://schemas.openxmlformats.org/drawingml/2006/main" xmlns:r="http://schemas.openxmlformats.org/officeDocument/2006/relationships" xmlns:c16r2="http://schemas.microsoft.com/office/drawing/2015/06/chart">
+  <c:date1904 val="0"/>
+  <c:lang val="en-US"/>
+  <c:roundedCorners val="0"/>
+  <mc:AlternateContent xmlns:mc="http://schemas.openxmlformats.org/markup-compatibility/2006">
+    <mc:Choice xmlns:c14="http://schemas.microsoft.com/office/drawing/2007/8/2/chart" Requires="c14">
+      <c14:style val="102"/>
+    </mc:Choice>
+    <mc:Fallback>
+      <c:style val="2"/>
+    </mc:Fallback>
+  </mc:AlternateContent>
+  <c:chart>
+    <c:title>
+      <c:tx>
+        <c:rich>
+          <a:bodyPr rot="0" spcFirstLastPara="1" vertOverflow="ellipsis" vert="horz" wrap="square" anchor="ctr" anchorCtr="1"/>
+          <a:lstStyle/>
+          <a:p>
+            <a:pPr>
+              <a:defRPr sz="1920" b="0" i="0" u="none" strike="noStrike" kern="1200" spc="0" baseline="0">
+                <a:solidFill>
+                  <a:schemeClr val="tx1">
+                    <a:lumMod val="65000"/>
+                    <a:lumOff val="35000"/>
+                  </a:schemeClr>
+                </a:solidFill>
+                <a:latin typeface="+mn-lt"/>
+                <a:ea typeface="+mn-ea"/>
+                <a:cs typeface="+mn-cs"/>
+              </a:defRPr>
+            </a:pPr>
+            <a:r>
+              <a:rPr lang="it-IT"/>
+              <a:t>Execution Time</a:t>
+            </a:r>
+          </a:p>
+        </c:rich>
+      </c:tx>
+      <c:overlay val="0"/>
+      <c:spPr>
+        <a:noFill/>
+        <a:ln>
+          <a:noFill/>
+        </a:ln>
+        <a:effectLst/>
+      </c:spPr>
+      <c:txPr>
+        <a:bodyPr rot="0" spcFirstLastPara="1" vertOverflow="ellipsis" vert="horz" wrap="square" anchor="ctr" anchorCtr="1"/>
+        <a:lstStyle/>
+        <a:p>
+          <a:pPr>
+            <a:defRPr sz="1920" b="0" i="0" u="none" strike="noStrike" kern="1200" spc="0" baseline="0">
+              <a:solidFill>
+                <a:schemeClr val="tx1">
+                  <a:lumMod val="65000"/>
+                  <a:lumOff val="35000"/>
+                </a:schemeClr>
+              </a:solidFill>
+              <a:latin typeface="+mn-lt"/>
+              <a:ea typeface="+mn-ea"/>
+              <a:cs typeface="+mn-cs"/>
+            </a:defRPr>
+          </a:pPr>
+          <a:endParaRPr lang="it-IT"/>
+        </a:p>
+      </c:txPr>
+    </c:title>
+    <c:autoTitleDeleted val="0"/>
+    <c:plotArea>
+      <c:layout/>
+      <c:lineChart>
+        <c:grouping val="standard"/>
+        <c:varyColors val="0"/>
+        <c:ser>
+          <c:idx val="4"/>
+          <c:order val="0"/>
+          <c:tx>
+            <c:v>100M</c:v>
+          </c:tx>
+          <c:spPr>
+            <a:ln w="28575" cap="rnd">
+              <a:solidFill>
+                <a:schemeClr val="accent5"/>
+              </a:solidFill>
+              <a:round/>
+            </a:ln>
+            <a:effectLst/>
+          </c:spPr>
+          <c:marker>
+            <c:symbol val="none"/>
+          </c:marker>
+          <c:cat>
+            <c:numRef>
+              <c:f>'results (15)'!$F$2:$F$11</c:f>
+              <c:numCache>
+                <c:formatCode>General</c:formatCode>
+                <c:ptCount val="10"/>
+                <c:pt idx="0">
+                  <c:v>32</c:v>
+                </c:pt>
+                <c:pt idx="1">
+                  <c:v>64</c:v>
+                </c:pt>
+                <c:pt idx="2">
+                  <c:v>128</c:v>
+                </c:pt>
+                <c:pt idx="3">
+                  <c:v>256</c:v>
+                </c:pt>
+                <c:pt idx="4">
+                  <c:v>512</c:v>
+                </c:pt>
+                <c:pt idx="5">
+                  <c:v>1024</c:v>
+                </c:pt>
+                <c:pt idx="6">
+                  <c:v>2048</c:v>
+                </c:pt>
+                <c:pt idx="7">
+                  <c:v>4096</c:v>
+                </c:pt>
+                <c:pt idx="8">
+                  <c:v>8192</c:v>
+                </c:pt>
+                <c:pt idx="9">
+                  <c:v>10240</c:v>
+                </c:pt>
+              </c:numCache>
+            </c:numRef>
+          </c:cat>
+          <c:val>
+            <c:numRef>
+              <c:f>'results (15)'!$E$42:$E$51</c:f>
+              <c:numCache>
+                <c:formatCode>General</c:formatCode>
+                <c:ptCount val="10"/>
+                <c:pt idx="0">
+                  <c:v>360.03669413333336</c:v>
+                </c:pt>
+                <c:pt idx="1">
+                  <c:v>181.91289900000007</c:v>
+                </c:pt>
+                <c:pt idx="2">
+                  <c:v>95.634581499999996</c:v>
+                </c:pt>
+                <c:pt idx="3">
+                  <c:v>46.732484499999991</c:v>
+                </c:pt>
+                <c:pt idx="4">
+                  <c:v>23.5859761</c:v>
+                </c:pt>
+                <c:pt idx="5">
+                  <c:v>12.811320499999999</c:v>
+                </c:pt>
+                <c:pt idx="6">
+                  <c:v>8.7745134666666669</c:v>
+                </c:pt>
+                <c:pt idx="7">
+                  <c:v>8.125594433333335</c:v>
+                </c:pt>
+                <c:pt idx="8">
+                  <c:v>9.5950010999999993</c:v>
+                </c:pt>
+                <c:pt idx="9">
+                  <c:v>9.5345631333333323</c:v>
+                </c:pt>
+              </c:numCache>
+            </c:numRef>
+          </c:val>
+          <c:smooth val="0"/>
+          <c:extLst>
+            <c:ext xmlns:c16="http://schemas.microsoft.com/office/drawing/2014/chart" uri="{C3380CC4-5D6E-409C-BE32-E72D297353CC}">
+              <c16:uniqueId val="{00000000-443D-4ACD-A20C-9B392CD368BB}"/>
+            </c:ext>
+          </c:extLst>
+        </c:ser>
+        <c:ser>
+          <c:idx val="3"/>
+          <c:order val="1"/>
+          <c:tx>
+            <c:v>10M</c:v>
+          </c:tx>
+          <c:spPr>
+            <a:ln w="28575" cap="rnd">
+              <a:solidFill>
+                <a:schemeClr val="accent4"/>
+              </a:solidFill>
+              <a:round/>
+            </a:ln>
+            <a:effectLst/>
+          </c:spPr>
+          <c:marker>
+            <c:symbol val="none"/>
+          </c:marker>
+          <c:cat>
+            <c:numRef>
+              <c:f>'results (15)'!$F$2:$F$11</c:f>
+              <c:numCache>
+                <c:formatCode>General</c:formatCode>
+                <c:ptCount val="10"/>
+                <c:pt idx="0">
+                  <c:v>32</c:v>
+                </c:pt>
+                <c:pt idx="1">
+                  <c:v>64</c:v>
+                </c:pt>
+                <c:pt idx="2">
+                  <c:v>128</c:v>
+                </c:pt>
+                <c:pt idx="3">
+                  <c:v>256</c:v>
+                </c:pt>
+                <c:pt idx="4">
+                  <c:v>512</c:v>
+                </c:pt>
+                <c:pt idx="5">
+                  <c:v>1024</c:v>
+                </c:pt>
+                <c:pt idx="6">
+                  <c:v>2048</c:v>
+                </c:pt>
+                <c:pt idx="7">
+                  <c:v>4096</c:v>
+                </c:pt>
+                <c:pt idx="8">
+                  <c:v>8192</c:v>
+                </c:pt>
+                <c:pt idx="9">
+                  <c:v>10240</c:v>
+                </c:pt>
+              </c:numCache>
+            </c:numRef>
+          </c:cat>
+          <c:val>
+            <c:numRef>
+              <c:f>'results (15)'!$E$32:$E$41</c:f>
+              <c:numCache>
+                <c:formatCode>General</c:formatCode>
+                <c:ptCount val="10"/>
+                <c:pt idx="0">
+                  <c:v>21.598178633333337</c:v>
+                </c:pt>
+                <c:pt idx="1">
+                  <c:v>10.959668466666669</c:v>
+                </c:pt>
+                <c:pt idx="2">
+                  <c:v>5.5485166999999986</c:v>
+                </c:pt>
+                <c:pt idx="3">
+                  <c:v>2.8225232999999998</c:v>
+                </c:pt>
+                <c:pt idx="4">
+                  <c:v>1.4182066333333332</c:v>
+                </c:pt>
+                <c:pt idx="5">
+                  <c:v>0.74276410000000004</c:v>
+                </c:pt>
+                <c:pt idx="6">
+                  <c:v>0.50198113333333327</c:v>
+                </c:pt>
+                <c:pt idx="7">
+                  <c:v>0.49321960000000004</c:v>
+                </c:pt>
+                <c:pt idx="8">
+                  <c:v>0.59057459999999995</c:v>
+                </c:pt>
+                <c:pt idx="9">
+                  <c:v>0.59857899999999986</c:v>
+                </c:pt>
+              </c:numCache>
+            </c:numRef>
+          </c:val>
+          <c:smooth val="0"/>
+          <c:extLst>
+            <c:ext xmlns:c16="http://schemas.microsoft.com/office/drawing/2014/chart" uri="{C3380CC4-5D6E-409C-BE32-E72D297353CC}">
+              <c16:uniqueId val="{00000001-443D-4ACD-A20C-9B392CD368BB}"/>
+            </c:ext>
+          </c:extLst>
+        </c:ser>
+        <c:ser>
+          <c:idx val="2"/>
+          <c:order val="2"/>
+          <c:tx>
+            <c:v>1M</c:v>
+          </c:tx>
+          <c:spPr>
+            <a:ln w="28575" cap="rnd">
+              <a:solidFill>
+                <a:schemeClr val="accent3"/>
+              </a:solidFill>
+              <a:round/>
+            </a:ln>
+            <a:effectLst/>
+          </c:spPr>
+          <c:marker>
+            <c:symbol val="none"/>
+          </c:marker>
+          <c:cat>
+            <c:numRef>
+              <c:f>'results (15)'!$F$2:$F$11</c:f>
+              <c:numCache>
+                <c:formatCode>General</c:formatCode>
+                <c:ptCount val="10"/>
+                <c:pt idx="0">
+                  <c:v>32</c:v>
+                </c:pt>
+                <c:pt idx="1">
+                  <c:v>64</c:v>
+                </c:pt>
+                <c:pt idx="2">
+                  <c:v>128</c:v>
+                </c:pt>
+                <c:pt idx="3">
+                  <c:v>256</c:v>
+                </c:pt>
+                <c:pt idx="4">
+                  <c:v>512</c:v>
+                </c:pt>
+                <c:pt idx="5">
+                  <c:v>1024</c:v>
+                </c:pt>
+                <c:pt idx="6">
+                  <c:v>2048</c:v>
+                </c:pt>
+                <c:pt idx="7">
+                  <c:v>4096</c:v>
+                </c:pt>
+                <c:pt idx="8">
+                  <c:v>8192</c:v>
+                </c:pt>
+                <c:pt idx="9">
+                  <c:v>10240</c:v>
+                </c:pt>
+              </c:numCache>
+            </c:numRef>
+          </c:cat>
+          <c:val>
+            <c:numRef>
+              <c:f>'results (15)'!$E$22:$E$31</c:f>
+              <c:numCache>
+                <c:formatCode>General</c:formatCode>
+                <c:ptCount val="10"/>
+                <c:pt idx="0">
+                  <c:v>2.8797114999999995</c:v>
+                </c:pt>
+                <c:pt idx="1">
+                  <c:v>1.4667508</c:v>
+                </c:pt>
+                <c:pt idx="2">
+                  <c:v>0.75203799999999998</c:v>
+                </c:pt>
+                <c:pt idx="3">
+                  <c:v>0.37742450000000005</c:v>
+                </c:pt>
+                <c:pt idx="4">
+                  <c:v>0.18876456666666666</c:v>
+                </c:pt>
+                <c:pt idx="5">
+                  <c:v>0.10230503333333335</c:v>
+                </c:pt>
+                <c:pt idx="6">
+                  <c:v>6.9038666666666665E-2</c:v>
+                </c:pt>
+                <c:pt idx="7">
+                  <c:v>6.999916666666664E-2</c:v>
+                </c:pt>
+                <c:pt idx="8">
+                  <c:v>9.2058033333333331E-2</c:v>
+                </c:pt>
+                <c:pt idx="9">
+                  <c:v>9.7340633333333329E-2</c:v>
+                </c:pt>
+              </c:numCache>
+            </c:numRef>
+          </c:val>
+          <c:smooth val="0"/>
+          <c:extLst>
+            <c:ext xmlns:c16="http://schemas.microsoft.com/office/drawing/2014/chart" uri="{C3380CC4-5D6E-409C-BE32-E72D297353CC}">
+              <c16:uniqueId val="{00000002-443D-4ACD-A20C-9B392CD368BB}"/>
+            </c:ext>
+          </c:extLst>
+        </c:ser>
+        <c:ser>
+          <c:idx val="1"/>
+          <c:order val="3"/>
+          <c:tx>
+            <c:v>100k</c:v>
+          </c:tx>
+          <c:spPr>
+            <a:ln w="28575" cap="rnd">
+              <a:solidFill>
+                <a:schemeClr val="accent2"/>
+              </a:solidFill>
+              <a:round/>
+            </a:ln>
+            <a:effectLst/>
+          </c:spPr>
+          <c:marker>
+            <c:symbol val="none"/>
+          </c:marker>
+          <c:cat>
+            <c:numRef>
+              <c:f>'results (15)'!$F$2:$F$11</c:f>
+              <c:numCache>
+                <c:formatCode>General</c:formatCode>
+                <c:ptCount val="10"/>
+                <c:pt idx="0">
+                  <c:v>32</c:v>
+                </c:pt>
+                <c:pt idx="1">
+                  <c:v>64</c:v>
+                </c:pt>
+                <c:pt idx="2">
+                  <c:v>128</c:v>
+                </c:pt>
+                <c:pt idx="3">
+                  <c:v>256</c:v>
+                </c:pt>
+                <c:pt idx="4">
+                  <c:v>512</c:v>
+                </c:pt>
+                <c:pt idx="5">
+                  <c:v>1024</c:v>
+                </c:pt>
+                <c:pt idx="6">
+                  <c:v>2048</c:v>
+                </c:pt>
+                <c:pt idx="7">
+                  <c:v>4096</c:v>
+                </c:pt>
+                <c:pt idx="8">
+                  <c:v>8192</c:v>
+                </c:pt>
+                <c:pt idx="9">
+                  <c:v>10240</c:v>
+                </c:pt>
+              </c:numCache>
+            </c:numRef>
+          </c:cat>
+          <c:val>
+            <c:numRef>
+              <c:f>'results (15)'!$E$12:$E$21</c:f>
+              <c:numCache>
+                <c:formatCode>General</c:formatCode>
+                <c:ptCount val="10"/>
+                <c:pt idx="0">
+                  <c:v>0.21204526666666673</c:v>
+                </c:pt>
+                <c:pt idx="1">
+                  <c:v>0.11066233333333332</c:v>
+                </c:pt>
+                <c:pt idx="2">
+                  <c:v>5.6548299999999996E-2</c:v>
+                </c:pt>
+                <c:pt idx="3">
+                  <c:v>2.9105699999999998E-2</c:v>
+                </c:pt>
+                <c:pt idx="4">
+                  <c:v>1.5755033333333335E-2</c:v>
+                </c:pt>
+                <c:pt idx="5">
+                  <c:v>1.0130700000000001E-2</c:v>
+                </c:pt>
+                <c:pt idx="6">
+                  <c:v>9.0967666666666672E-3</c:v>
+                </c:pt>
+                <c:pt idx="7">
+                  <c:v>1.2006400000000002E-2</c:v>
+                </c:pt>
+                <c:pt idx="8">
+                  <c:v>2.2786966666666665E-2</c:v>
+                </c:pt>
+                <c:pt idx="9">
+                  <c:v>2.0901633333333336E-2</c:v>
+                </c:pt>
+              </c:numCache>
+            </c:numRef>
+          </c:val>
+          <c:smooth val="0"/>
+          <c:extLst>
+            <c:ext xmlns:c16="http://schemas.microsoft.com/office/drawing/2014/chart" uri="{C3380CC4-5D6E-409C-BE32-E72D297353CC}">
+              <c16:uniqueId val="{00000003-443D-4ACD-A20C-9B392CD368BB}"/>
+            </c:ext>
+          </c:extLst>
+        </c:ser>
+        <c:ser>
+          <c:idx val="0"/>
+          <c:order val="4"/>
+          <c:tx>
+            <c:v>10k</c:v>
+          </c:tx>
+          <c:spPr>
+            <a:ln w="28575" cap="rnd">
+              <a:solidFill>
+                <a:schemeClr val="accent1"/>
+              </a:solidFill>
+              <a:round/>
+            </a:ln>
+            <a:effectLst/>
+          </c:spPr>
+          <c:marker>
+            <c:symbol val="none"/>
+          </c:marker>
+          <c:cat>
+            <c:numRef>
+              <c:f>'results (15)'!$F$2:$F$11</c:f>
+              <c:numCache>
+                <c:formatCode>General</c:formatCode>
+                <c:ptCount val="10"/>
+                <c:pt idx="0">
+                  <c:v>32</c:v>
+                </c:pt>
+                <c:pt idx="1">
+                  <c:v>64</c:v>
+                </c:pt>
+                <c:pt idx="2">
+                  <c:v>128</c:v>
+                </c:pt>
+                <c:pt idx="3">
+                  <c:v>256</c:v>
+                </c:pt>
+                <c:pt idx="4">
+                  <c:v>512</c:v>
+                </c:pt>
+                <c:pt idx="5">
+                  <c:v>1024</c:v>
+                </c:pt>
+                <c:pt idx="6">
+                  <c:v>2048</c:v>
+                </c:pt>
+                <c:pt idx="7">
+                  <c:v>4096</c:v>
+                </c:pt>
+                <c:pt idx="8">
+                  <c:v>8192</c:v>
+                </c:pt>
+                <c:pt idx="9">
+                  <c:v>10240</c:v>
+                </c:pt>
+              </c:numCache>
+            </c:numRef>
+          </c:cat>
+          <c:val>
+            <c:numRef>
+              <c:f>'results (15)'!$E$2:$E$11</c:f>
+              <c:numCache>
+                <c:formatCode>General</c:formatCode>
+                <c:ptCount val="10"/>
+                <c:pt idx="0">
+                  <c:v>1.7077433333333333E-2</c:v>
+                </c:pt>
+                <c:pt idx="1">
+                  <c:v>7.8659999999999997E-3</c:v>
+                </c:pt>
+                <c:pt idx="2">
+                  <c:v>4.3475333333333338E-3</c:v>
+                </c:pt>
+                <c:pt idx="3">
+                  <c:v>2.756233333333333E-3</c:v>
+                </c:pt>
+                <c:pt idx="4">
+                  <c:v>2.1820666666666666E-3</c:v>
+                </c:pt>
+                <c:pt idx="5">
+                  <c:v>2.3374666666666666E-3</c:v>
+                </c:pt>
+                <c:pt idx="6">
+                  <c:v>3.3413666666666664E-3</c:v>
+                </c:pt>
+                <c:pt idx="7">
+                  <c:v>5.8410333333333338E-3</c:v>
+                </c:pt>
+                <c:pt idx="8">
+                  <c:v>1.2556066666666666E-2</c:v>
+                </c:pt>
+                <c:pt idx="9">
+                  <c:v>7.8434000000000004E-3</c:v>
+                </c:pt>
+              </c:numCache>
+            </c:numRef>
+          </c:val>
+          <c:smooth val="0"/>
+          <c:extLst>
+            <c:ext xmlns:c16="http://schemas.microsoft.com/office/drawing/2014/chart" uri="{C3380CC4-5D6E-409C-BE32-E72D297353CC}">
+              <c16:uniqueId val="{00000004-443D-4ACD-A20C-9B392CD368BB}"/>
+            </c:ext>
+          </c:extLst>
+        </c:ser>
+        <c:dLbls>
+          <c:showLegendKey val="0"/>
+          <c:showVal val="0"/>
+          <c:showCatName val="0"/>
+          <c:showSerName val="0"/>
+          <c:showPercent val="0"/>
+          <c:showBubbleSize val="0"/>
+        </c:dLbls>
+        <c:smooth val="0"/>
+        <c:axId val="1802860463"/>
+        <c:axId val="1995367215"/>
+      </c:lineChart>
+      <c:catAx>
+        <c:axId val="1802860463"/>
+        <c:scaling>
+          <c:orientation val="minMax"/>
+        </c:scaling>
+        <c:delete val="0"/>
+        <c:axPos val="b"/>
+        <c:title>
+          <c:tx>
+            <c:rich>
+              <a:bodyPr rot="0" spcFirstLastPara="1" vertOverflow="ellipsis" vert="horz" wrap="square" anchor="ctr" anchorCtr="1"/>
+              <a:lstStyle/>
+              <a:p>
+                <a:pPr>
+                  <a:defRPr sz="1600" b="0" i="0" u="none" strike="noStrike" kern="1200" baseline="0">
+                    <a:solidFill>
+                      <a:schemeClr val="tx1">
+                        <a:lumMod val="65000"/>
+                        <a:lumOff val="35000"/>
+                      </a:schemeClr>
+                    </a:solidFill>
+                    <a:latin typeface="+mn-lt"/>
+                    <a:ea typeface="+mn-ea"/>
+                    <a:cs typeface="+mn-cs"/>
+                  </a:defRPr>
+                </a:pPr>
+                <a:r>
+                  <a:rPr lang="it-IT"/>
+                  <a:t>threads</a:t>
+                </a:r>
+              </a:p>
+            </c:rich>
+          </c:tx>
+          <c:overlay val="0"/>
+          <c:spPr>
+            <a:noFill/>
+            <a:ln>
+              <a:noFill/>
+            </a:ln>
+            <a:effectLst/>
+          </c:spPr>
+          <c:txPr>
+            <a:bodyPr rot="0" spcFirstLastPara="1" vertOverflow="ellipsis" vert="horz" wrap="square" anchor="ctr" anchorCtr="1"/>
+            <a:lstStyle/>
+            <a:p>
+              <a:pPr>
+                <a:defRPr sz="1600" b="0" i="0" u="none" strike="noStrike" kern="1200" baseline="0">
+                  <a:solidFill>
+                    <a:schemeClr val="tx1">
+                      <a:lumMod val="65000"/>
+                      <a:lumOff val="35000"/>
+                    </a:schemeClr>
+                  </a:solidFill>
+                  <a:latin typeface="+mn-lt"/>
+                  <a:ea typeface="+mn-ea"/>
+                  <a:cs typeface="+mn-cs"/>
+                </a:defRPr>
+              </a:pPr>
+              <a:endParaRPr lang="it-IT"/>
+            </a:p>
+          </c:txPr>
+        </c:title>
+        <c:numFmt formatCode="General" sourceLinked="1"/>
+        <c:majorTickMark val="none"/>
+        <c:minorTickMark val="none"/>
+        <c:tickLblPos val="nextTo"/>
+        <c:spPr>
+          <a:noFill/>
+          <a:ln w="9525" cap="flat" cmpd="sng" algn="ctr">
+            <a:solidFill>
+              <a:schemeClr val="tx1">
+                <a:lumMod val="15000"/>
+                <a:lumOff val="85000"/>
+              </a:schemeClr>
+            </a:solidFill>
+            <a:round/>
+          </a:ln>
+          <a:effectLst/>
+        </c:spPr>
+        <c:txPr>
+          <a:bodyPr rot="-60000000" spcFirstLastPara="1" vertOverflow="ellipsis" vert="horz" wrap="square" anchor="ctr" anchorCtr="1"/>
+          <a:lstStyle/>
+          <a:p>
+            <a:pPr>
+              <a:defRPr sz="1600" b="0" i="0" u="none" strike="noStrike" kern="1200" baseline="0">
+                <a:solidFill>
+                  <a:schemeClr val="tx1">
+                    <a:lumMod val="65000"/>
+                    <a:lumOff val="35000"/>
+                  </a:schemeClr>
+                </a:solidFill>
+                <a:latin typeface="+mn-lt"/>
+                <a:ea typeface="+mn-ea"/>
+                <a:cs typeface="+mn-cs"/>
+              </a:defRPr>
+            </a:pPr>
+            <a:endParaRPr lang="it-IT"/>
+          </a:p>
+        </c:txPr>
+        <c:crossAx val="1995367215"/>
+        <c:crosses val="autoZero"/>
+        <c:auto val="1"/>
+        <c:lblAlgn val="ctr"/>
+        <c:lblOffset val="100"/>
+        <c:noMultiLvlLbl val="0"/>
+      </c:catAx>
+      <c:valAx>
+        <c:axId val="1995367215"/>
+        <c:scaling>
+          <c:logBase val="10"/>
+          <c:orientation val="minMax"/>
+        </c:scaling>
+        <c:delete val="0"/>
+        <c:axPos val="l"/>
+        <c:majorGridlines>
+          <c:spPr>
+            <a:ln w="9525" cap="flat" cmpd="sng" algn="ctr">
+              <a:solidFill>
+                <a:schemeClr val="tx1">
+                  <a:lumMod val="15000"/>
+                  <a:lumOff val="85000"/>
+                </a:schemeClr>
+              </a:solidFill>
+              <a:round/>
+            </a:ln>
+            <a:effectLst/>
+          </c:spPr>
+        </c:majorGridlines>
+        <c:title>
+          <c:tx>
+            <c:rich>
+              <a:bodyPr rot="-5400000" spcFirstLastPara="1" vertOverflow="ellipsis" vert="horz" wrap="square" anchor="ctr" anchorCtr="1"/>
+              <a:lstStyle/>
+              <a:p>
+                <a:pPr>
+                  <a:defRPr sz="1600" b="0" i="0" u="none" strike="noStrike" kern="1200" baseline="0">
+                    <a:solidFill>
+                      <a:schemeClr val="tx1">
+                        <a:lumMod val="65000"/>
+                        <a:lumOff val="35000"/>
+                      </a:schemeClr>
+                    </a:solidFill>
+                    <a:latin typeface="+mn-lt"/>
+                    <a:ea typeface="+mn-ea"/>
+                    <a:cs typeface="+mn-cs"/>
+                  </a:defRPr>
+                </a:pPr>
+                <a:r>
+                  <a:rPr lang="it-IT"/>
+                  <a:t>seconds</a:t>
+                </a:r>
+              </a:p>
+            </c:rich>
+          </c:tx>
+          <c:overlay val="0"/>
+          <c:spPr>
+            <a:noFill/>
+            <a:ln>
+              <a:noFill/>
+            </a:ln>
+            <a:effectLst/>
+          </c:spPr>
+          <c:txPr>
+            <a:bodyPr rot="-5400000" spcFirstLastPara="1" vertOverflow="ellipsis" vert="horz" wrap="square" anchor="ctr" anchorCtr="1"/>
+            <a:lstStyle/>
+            <a:p>
+              <a:pPr>
+                <a:defRPr sz="1600" b="0" i="0" u="none" strike="noStrike" kern="1200" baseline="0">
+                  <a:solidFill>
+                    <a:schemeClr val="tx1">
+                      <a:lumMod val="65000"/>
+                      <a:lumOff val="35000"/>
+                    </a:schemeClr>
+                  </a:solidFill>
+                  <a:latin typeface="+mn-lt"/>
+                  <a:ea typeface="+mn-ea"/>
+                  <a:cs typeface="+mn-cs"/>
+                </a:defRPr>
+              </a:pPr>
+              <a:endParaRPr lang="it-IT"/>
+            </a:p>
+          </c:txPr>
+        </c:title>
+        <c:numFmt formatCode="General" sourceLinked="1"/>
+        <c:majorTickMark val="none"/>
+        <c:minorTickMark val="none"/>
+        <c:tickLblPos val="nextTo"/>
+        <c:spPr>
+          <a:noFill/>
+          <a:ln>
+            <a:noFill/>
+          </a:ln>
+          <a:effectLst/>
+        </c:spPr>
+        <c:txPr>
+          <a:bodyPr rot="-60000000" spcFirstLastPara="1" vertOverflow="ellipsis" vert="horz" wrap="square" anchor="ctr" anchorCtr="1"/>
+          <a:lstStyle/>
+          <a:p>
+            <a:pPr>
+              <a:defRPr sz="1600" b="0" i="0" u="none" strike="noStrike" kern="1200" baseline="0">
+                <a:solidFill>
+                  <a:schemeClr val="tx1">
+                    <a:lumMod val="65000"/>
+                    <a:lumOff val="35000"/>
+                  </a:schemeClr>
+                </a:solidFill>
+                <a:latin typeface="+mn-lt"/>
+                <a:ea typeface="+mn-ea"/>
+                <a:cs typeface="+mn-cs"/>
+              </a:defRPr>
+            </a:pPr>
+            <a:endParaRPr lang="it-IT"/>
+          </a:p>
+        </c:txPr>
+        <c:crossAx val="1802860463"/>
+        <c:crosses val="autoZero"/>
+        <c:crossBetween val="between"/>
+      </c:valAx>
+      <c:spPr>
+        <a:noFill/>
+        <a:ln>
+          <a:noFill/>
+        </a:ln>
+        <a:effectLst/>
+      </c:spPr>
+    </c:plotArea>
+    <c:legend>
+      <c:legendPos val="r"/>
+      <c:overlay val="0"/>
+      <c:spPr>
+        <a:noFill/>
+        <a:ln>
+          <a:noFill/>
+        </a:ln>
+        <a:effectLst/>
+      </c:spPr>
+      <c:txPr>
+        <a:bodyPr rot="0" spcFirstLastPara="1" vertOverflow="ellipsis" vert="horz" wrap="square" anchor="ctr" anchorCtr="1"/>
+        <a:lstStyle/>
+        <a:p>
+          <a:pPr>
+            <a:defRPr sz="1600" b="0" i="0" u="none" strike="noStrike" kern="1200" baseline="0">
+              <a:solidFill>
+                <a:schemeClr val="tx1">
+                  <a:lumMod val="65000"/>
+                  <a:lumOff val="35000"/>
+                </a:schemeClr>
+              </a:solidFill>
+              <a:latin typeface="+mn-lt"/>
+              <a:ea typeface="+mn-ea"/>
+              <a:cs typeface="+mn-cs"/>
+            </a:defRPr>
+          </a:pPr>
+          <a:endParaRPr lang="it-IT"/>
+        </a:p>
+      </c:txPr>
+    </c:legend>
+    <c:plotVisOnly val="1"/>
+    <c:dispBlanksAs val="gap"/>
+    <c:extLst>
+      <c:ext xmlns:c16r3="http://schemas.microsoft.com/office/drawing/2017/03/chart" uri="{56B9EC1D-385E-4148-901F-78D8002777C0}">
+        <c16r3:dataDisplayOptions16>
+          <c16r3:dispNaAsBlank val="1"/>
+        </c16r3:dataDisplayOptions16>
+      </c:ext>
+    </c:extLst>
+    <c:showDLblsOverMax val="0"/>
+  </c:chart>
+  <c:spPr>
+    <a:noFill/>
+    <a:ln>
+      <a:noFill/>
+    </a:ln>
+    <a:effectLst/>
+  </c:spPr>
+  <c:txPr>
+    <a:bodyPr/>
+    <a:lstStyle/>
+    <a:p>
+      <a:pPr>
+        <a:defRPr sz="1600"/>
+      </a:pPr>
+      <a:endParaRPr lang="it-IT"/>
+    </a:p>
+  </c:txPr>
+  <c:externalData r:id="rId3">
+    <c:autoUpdate val="0"/>
+  </c:externalData>
+</c:chartSpace>
+</file>
+
 <file path=ppt/charts/colors1.xml><?xml version="1.0" encoding="utf-8"?>
+<cs:colorStyle xmlns:cs="http://schemas.microsoft.com/office/drawing/2012/chartStyle" xmlns:a="http://schemas.openxmlformats.org/drawingml/2006/main" meth="cycle" id="10">
+  <a:schemeClr val="accent1"/>
+  <a:schemeClr val="accent2"/>
+  <a:schemeClr val="accent3"/>
+  <a:schemeClr val="accent4"/>
+  <a:schemeClr val="accent5"/>
+  <a:schemeClr val="accent6"/>
+  <cs:variation/>
+  <cs:variation>
+    <a:lumMod val="60000"/>
+  </cs:variation>
+  <cs:variation>
+    <a:lumMod val="80000"/>
+    <a:lumOff val="20000"/>
+  </cs:variation>
+  <cs:variation>
+    <a:lumMod val="80000"/>
+  </cs:variation>
+  <cs:variation>
+    <a:lumMod val="60000"/>
+    <a:lumOff val="40000"/>
+  </cs:variation>
+  <cs:variation>
+    <a:lumMod val="50000"/>
+  </cs:variation>
+  <cs:variation>
+    <a:lumMod val="70000"/>
+    <a:lumOff val="30000"/>
+  </cs:variation>
+  <cs:variation>
+    <a:lumMod val="70000"/>
+  </cs:variation>
+  <cs:variation>
+    <a:lumMod val="50000"/>
+    <a:lumOff val="50000"/>
+  </cs:variation>
+</cs:colorStyle>
+</file>
+
+<file path=ppt/charts/colors10.xml><?xml version="1.0" encoding="utf-8"?>
 <cs:colorStyle xmlns:cs="http://schemas.microsoft.com/office/drawing/2012/chartStyle" xmlns:a="http://schemas.openxmlformats.org/drawingml/2006/main" meth="cycle" id="10">
   <a:schemeClr val="accent1"/>
   <a:schemeClr val="accent2"/>
@@ -6733,6 +8567,46 @@
 </cs:colorStyle>
 </file>
 
+<file path=ppt/charts/colors9.xml><?xml version="1.0" encoding="utf-8"?>
+<cs:colorStyle xmlns:cs="http://schemas.microsoft.com/office/drawing/2012/chartStyle" xmlns:a="http://schemas.openxmlformats.org/drawingml/2006/main" meth="cycle" id="10">
+  <a:schemeClr val="accent1"/>
+  <a:schemeClr val="accent2"/>
+  <a:schemeClr val="accent3"/>
+  <a:schemeClr val="accent4"/>
+  <a:schemeClr val="accent5"/>
+  <a:schemeClr val="accent6"/>
+  <cs:variation/>
+  <cs:variation>
+    <a:lumMod val="60000"/>
+  </cs:variation>
+  <cs:variation>
+    <a:lumMod val="80000"/>
+    <a:lumOff val="20000"/>
+  </cs:variation>
+  <cs:variation>
+    <a:lumMod val="80000"/>
+  </cs:variation>
+  <cs:variation>
+    <a:lumMod val="60000"/>
+    <a:lumOff val="40000"/>
+  </cs:variation>
+  <cs:variation>
+    <a:lumMod val="50000"/>
+  </cs:variation>
+  <cs:variation>
+    <a:lumMod val="70000"/>
+    <a:lumOff val="30000"/>
+  </cs:variation>
+  <cs:variation>
+    <a:lumMod val="70000"/>
+  </cs:variation>
+  <cs:variation>
+    <a:lumMod val="50000"/>
+    <a:lumOff val="50000"/>
+  </cs:variation>
+</cs:colorStyle>
+</file>
+
 <file path=ppt/charts/style1.xml><?xml version="1.0" encoding="utf-8"?>
 <cs:chartStyle xmlns:cs="http://schemas.microsoft.com/office/drawing/2012/chartStyle" xmlns:a="http://schemas.openxmlformats.org/drawingml/2006/main" id="227">
   <cs:axisTitle>
@@ -7249,7 +9123,7 @@
 </cs:chartStyle>
 </file>
 
-<file path=ppt/charts/style2.xml><?xml version="1.0" encoding="utf-8"?>
+<file path=ppt/charts/style10.xml><?xml version="1.0" encoding="utf-8"?>
 <cs:chartStyle xmlns:cs="http://schemas.microsoft.com/office/drawing/2012/chartStyle" xmlns:a="http://schemas.openxmlformats.org/drawingml/2006/main" id="227">
   <cs:axisTitle>
     <cs:lnRef idx="0"/>
@@ -7765,7 +9639,7 @@
 </cs:chartStyle>
 </file>
 
-<file path=ppt/charts/style3.xml><?xml version="1.0" encoding="utf-8"?>
+<file path=ppt/charts/style2.xml><?xml version="1.0" encoding="utf-8"?>
 <cs:chartStyle xmlns:cs="http://schemas.microsoft.com/office/drawing/2012/chartStyle" xmlns:a="http://schemas.openxmlformats.org/drawingml/2006/main" id="227">
   <cs:axisTitle>
     <cs:lnRef idx="0"/>
@@ -8281,7 +10155,7 @@
 </cs:chartStyle>
 </file>
 
-<file path=ppt/charts/style4.xml><?xml version="1.0" encoding="utf-8"?>
+<file path=ppt/charts/style3.xml><?xml version="1.0" encoding="utf-8"?>
 <cs:chartStyle xmlns:cs="http://schemas.microsoft.com/office/drawing/2012/chartStyle" xmlns:a="http://schemas.openxmlformats.org/drawingml/2006/main" id="227">
   <cs:axisTitle>
     <cs:lnRef idx="0"/>
@@ -8797,7 +10671,7 @@
 </cs:chartStyle>
 </file>
 
-<file path=ppt/charts/style5.xml><?xml version="1.0" encoding="utf-8"?>
+<file path=ppt/charts/style4.xml><?xml version="1.0" encoding="utf-8"?>
 <cs:chartStyle xmlns:cs="http://schemas.microsoft.com/office/drawing/2012/chartStyle" xmlns:a="http://schemas.openxmlformats.org/drawingml/2006/main" id="227">
   <cs:axisTitle>
     <cs:lnRef idx="0"/>
@@ -9313,8 +11187,8 @@
 </cs:chartStyle>
 </file>
 
-<file path=ppt/charts/style6.xml><?xml version="1.0" encoding="utf-8"?>
-<cs:chartStyle xmlns:cs="http://schemas.microsoft.com/office/drawing/2012/chartStyle" xmlns:a="http://schemas.openxmlformats.org/drawingml/2006/main" id="297">
+<file path=ppt/charts/style5.xml><?xml version="1.0" encoding="utf-8"?>
+<cs:chartStyle xmlns:cs="http://schemas.microsoft.com/office/drawing/2012/chartStyle" xmlns:a="http://schemas.openxmlformats.org/drawingml/2006/main" id="227">
   <cs:axisTitle>
     <cs:lnRef idx="0"/>
     <cs:fillRef idx="0"/>
@@ -9422,6 +11296,11 @@
     <cs:fontRef idx="minor">
       <a:schemeClr val="tx1"/>
     </cs:fontRef>
+    <cs:spPr>
+      <a:solidFill>
+        <a:schemeClr val="phClr"/>
+      </a:solidFill>
+    </cs:spPr>
   </cs:dataPoint>
   <cs:dataPoint3D>
     <cs:lnRef idx="0"/>
@@ -9432,6 +11311,11 @@
     <cs:fontRef idx="minor">
       <a:schemeClr val="tx1"/>
     </cs:fontRef>
+    <cs:spPr>
+      <a:solidFill>
+        <a:schemeClr val="phClr"/>
+      </a:solidFill>
+    </cs:spPr>
   </cs:dataPoint3D>
   <cs:dataPointLine>
     <cs:lnRef idx="0">
@@ -9463,6 +11347,9 @@
       <a:schemeClr val="tx1"/>
     </cs:fontRef>
     <cs:spPr>
+      <a:solidFill>
+        <a:schemeClr val="phClr"/>
+      </a:solidFill>
       <a:ln w="9525">
         <a:solidFill>
           <a:schemeClr val="phClr"/>
@@ -9518,23 +11405,22 @@
     <cs:fillRef idx="0"/>
     <cs:effectRef idx="0"/>
     <cs:fontRef idx="minor">
-      <a:schemeClr val="tx1"/>
+      <a:schemeClr val="dk1"/>
     </cs:fontRef>
     <cs:spPr>
       <a:solidFill>
         <a:schemeClr val="dk1">
-          <a:lumMod val="75000"/>
-          <a:lumOff val="25000"/>
+          <a:lumMod val="65000"/>
+          <a:lumOff val="35000"/>
         </a:schemeClr>
       </a:solidFill>
-      <a:ln w="9525" cap="flat" cmpd="sng" algn="ctr">
+      <a:ln w="9525">
         <a:solidFill>
           <a:schemeClr val="tx1">
             <a:lumMod val="65000"/>
             <a:lumOff val="35000"/>
           </a:schemeClr>
         </a:solidFill>
-        <a:round/>
       </a:ln>
     </cs:spPr>
   </cs:downBar>
@@ -9639,8 +11525,8 @@
       <a:ln w="9525" cap="flat" cmpd="sng" algn="ctr">
         <a:solidFill>
           <a:schemeClr val="tx1">
-            <a:lumMod val="50000"/>
-            <a:lumOff val="50000"/>
+            <a:lumMod val="75000"/>
+            <a:lumOff val="25000"/>
           </a:schemeClr>
         </a:solidFill>
         <a:round/>
@@ -9772,20 +11658,19 @@
     <cs:fillRef idx="0"/>
     <cs:effectRef idx="0"/>
     <cs:fontRef idx="minor">
-      <a:schemeClr val="tx1"/>
+      <a:schemeClr val="dk1"/>
     </cs:fontRef>
     <cs:spPr>
       <a:solidFill>
         <a:schemeClr val="lt1"/>
       </a:solidFill>
-      <a:ln w="9525" cap="flat" cmpd="sng" algn="ctr">
+      <a:ln w="9525">
         <a:solidFill>
           <a:schemeClr val="tx1">
-            <a:lumMod val="65000"/>
-            <a:lumOff val="35000"/>
+            <a:lumMod val="15000"/>
+            <a:lumOff val="85000"/>
           </a:schemeClr>
         </a:solidFill>
-        <a:round/>
       </a:ln>
     </cs:spPr>
   </cs:upBar>
@@ -9818,8 +11703,8 @@
 </cs:chartStyle>
 </file>
 
-<file path=ppt/charts/style7.xml><?xml version="1.0" encoding="utf-8"?>
-<cs:chartStyle xmlns:cs="http://schemas.microsoft.com/office/drawing/2012/chartStyle" xmlns:a="http://schemas.openxmlformats.org/drawingml/2006/main" id="227">
+<file path=ppt/charts/style6.xml><?xml version="1.0" encoding="utf-8"?>
+<cs:chartStyle xmlns:cs="http://schemas.microsoft.com/office/drawing/2012/chartStyle" xmlns:a="http://schemas.openxmlformats.org/drawingml/2006/main" id="297">
   <cs:axisTitle>
     <cs:lnRef idx="0"/>
     <cs:fillRef idx="0"/>
@@ -9927,6 +11812,511 @@
     <cs:fontRef idx="minor">
       <a:schemeClr val="tx1"/>
     </cs:fontRef>
+  </cs:dataPoint>
+  <cs:dataPoint3D>
+    <cs:lnRef idx="0"/>
+    <cs:fillRef idx="1">
+      <cs:styleClr val="auto"/>
+    </cs:fillRef>
+    <cs:effectRef idx="0"/>
+    <cs:fontRef idx="minor">
+      <a:schemeClr val="tx1"/>
+    </cs:fontRef>
+  </cs:dataPoint3D>
+  <cs:dataPointLine>
+    <cs:lnRef idx="0">
+      <cs:styleClr val="auto"/>
+    </cs:lnRef>
+    <cs:fillRef idx="1"/>
+    <cs:effectRef idx="0"/>
+    <cs:fontRef idx="minor">
+      <a:schemeClr val="tx1"/>
+    </cs:fontRef>
+    <cs:spPr>
+      <a:ln w="28575" cap="rnd">
+        <a:solidFill>
+          <a:schemeClr val="phClr"/>
+        </a:solidFill>
+        <a:round/>
+      </a:ln>
+    </cs:spPr>
+  </cs:dataPointLine>
+  <cs:dataPointMarker>
+    <cs:lnRef idx="0">
+      <cs:styleClr val="auto"/>
+    </cs:lnRef>
+    <cs:fillRef idx="1">
+      <cs:styleClr val="auto"/>
+    </cs:fillRef>
+    <cs:effectRef idx="0"/>
+    <cs:fontRef idx="minor">
+      <a:schemeClr val="tx1"/>
+    </cs:fontRef>
+    <cs:spPr>
+      <a:ln w="9525">
+        <a:solidFill>
+          <a:schemeClr val="phClr"/>
+        </a:solidFill>
+      </a:ln>
+    </cs:spPr>
+  </cs:dataPointMarker>
+  <cs:dataPointMarkerLayout symbol="circle" size="5"/>
+  <cs:dataPointWireframe>
+    <cs:lnRef idx="0">
+      <cs:styleClr val="auto"/>
+    </cs:lnRef>
+    <cs:fillRef idx="1"/>
+    <cs:effectRef idx="0"/>
+    <cs:fontRef idx="minor">
+      <a:schemeClr val="tx1"/>
+    </cs:fontRef>
+    <cs:spPr>
+      <a:ln w="9525" cap="rnd">
+        <a:solidFill>
+          <a:schemeClr val="phClr"/>
+        </a:solidFill>
+        <a:round/>
+      </a:ln>
+    </cs:spPr>
+  </cs:dataPointWireframe>
+  <cs:dataTable>
+    <cs:lnRef idx="0"/>
+    <cs:fillRef idx="0"/>
+    <cs:effectRef idx="0"/>
+    <cs:fontRef idx="minor">
+      <a:schemeClr val="tx1">
+        <a:lumMod val="65000"/>
+        <a:lumOff val="35000"/>
+      </a:schemeClr>
+    </cs:fontRef>
+    <cs:spPr>
+      <a:noFill/>
+      <a:ln w="9525" cap="flat" cmpd="sng" algn="ctr">
+        <a:solidFill>
+          <a:schemeClr val="tx1">
+            <a:lumMod val="15000"/>
+            <a:lumOff val="85000"/>
+          </a:schemeClr>
+        </a:solidFill>
+        <a:round/>
+      </a:ln>
+    </cs:spPr>
+    <cs:defRPr sz="900" kern="1200"/>
+  </cs:dataTable>
+  <cs:downBar>
+    <cs:lnRef idx="0"/>
+    <cs:fillRef idx="0"/>
+    <cs:effectRef idx="0"/>
+    <cs:fontRef idx="minor">
+      <a:schemeClr val="tx1"/>
+    </cs:fontRef>
+    <cs:spPr>
+      <a:solidFill>
+        <a:schemeClr val="dk1">
+          <a:lumMod val="75000"/>
+          <a:lumOff val="25000"/>
+        </a:schemeClr>
+      </a:solidFill>
+      <a:ln w="9525" cap="flat" cmpd="sng" algn="ctr">
+        <a:solidFill>
+          <a:schemeClr val="tx1">
+            <a:lumMod val="65000"/>
+            <a:lumOff val="35000"/>
+          </a:schemeClr>
+        </a:solidFill>
+        <a:round/>
+      </a:ln>
+    </cs:spPr>
+  </cs:downBar>
+  <cs:dropLine>
+    <cs:lnRef idx="0"/>
+    <cs:fillRef idx="0"/>
+    <cs:effectRef idx="0"/>
+    <cs:fontRef idx="minor">
+      <a:schemeClr val="tx1"/>
+    </cs:fontRef>
+    <cs:spPr>
+      <a:ln w="9525" cap="flat" cmpd="sng" algn="ctr">
+        <a:solidFill>
+          <a:schemeClr val="tx1">
+            <a:lumMod val="35000"/>
+            <a:lumOff val="65000"/>
+          </a:schemeClr>
+        </a:solidFill>
+        <a:round/>
+      </a:ln>
+    </cs:spPr>
+  </cs:dropLine>
+  <cs:errorBar>
+    <cs:lnRef idx="0"/>
+    <cs:fillRef idx="0"/>
+    <cs:effectRef idx="0"/>
+    <cs:fontRef idx="minor">
+      <a:schemeClr val="tx1"/>
+    </cs:fontRef>
+    <cs:spPr>
+      <a:ln w="9525" cap="flat" cmpd="sng" algn="ctr">
+        <a:solidFill>
+          <a:schemeClr val="tx1">
+            <a:lumMod val="65000"/>
+            <a:lumOff val="35000"/>
+          </a:schemeClr>
+        </a:solidFill>
+        <a:round/>
+      </a:ln>
+    </cs:spPr>
+  </cs:errorBar>
+  <cs:floor>
+    <cs:lnRef idx="0"/>
+    <cs:fillRef idx="0"/>
+    <cs:effectRef idx="0"/>
+    <cs:fontRef idx="minor">
+      <a:schemeClr val="tx1"/>
+    </cs:fontRef>
+    <cs:spPr>
+      <a:noFill/>
+      <a:ln>
+        <a:noFill/>
+      </a:ln>
+    </cs:spPr>
+  </cs:floor>
+  <cs:gridlineMajor>
+    <cs:lnRef idx="0"/>
+    <cs:fillRef idx="0"/>
+    <cs:effectRef idx="0"/>
+    <cs:fontRef idx="minor">
+      <a:schemeClr val="tx1"/>
+    </cs:fontRef>
+    <cs:spPr>
+      <a:ln w="9525" cap="flat" cmpd="sng" algn="ctr">
+        <a:solidFill>
+          <a:schemeClr val="tx1">
+            <a:lumMod val="15000"/>
+            <a:lumOff val="85000"/>
+          </a:schemeClr>
+        </a:solidFill>
+        <a:round/>
+      </a:ln>
+    </cs:spPr>
+  </cs:gridlineMajor>
+  <cs:gridlineMinor>
+    <cs:lnRef idx="0"/>
+    <cs:fillRef idx="0"/>
+    <cs:effectRef idx="0"/>
+    <cs:fontRef idx="minor">
+      <a:schemeClr val="tx1"/>
+    </cs:fontRef>
+    <cs:spPr>
+      <a:ln w="9525" cap="flat" cmpd="sng" algn="ctr">
+        <a:solidFill>
+          <a:schemeClr val="tx1">
+            <a:lumMod val="5000"/>
+            <a:lumOff val="95000"/>
+          </a:schemeClr>
+        </a:solidFill>
+        <a:round/>
+      </a:ln>
+    </cs:spPr>
+  </cs:gridlineMinor>
+  <cs:hiLoLine>
+    <cs:lnRef idx="0"/>
+    <cs:fillRef idx="0"/>
+    <cs:effectRef idx="0"/>
+    <cs:fontRef idx="minor">
+      <a:schemeClr val="tx1"/>
+    </cs:fontRef>
+    <cs:spPr>
+      <a:ln w="9525" cap="flat" cmpd="sng" algn="ctr">
+        <a:solidFill>
+          <a:schemeClr val="tx1">
+            <a:lumMod val="50000"/>
+            <a:lumOff val="50000"/>
+          </a:schemeClr>
+        </a:solidFill>
+        <a:round/>
+      </a:ln>
+    </cs:spPr>
+  </cs:hiLoLine>
+  <cs:leaderLine>
+    <cs:lnRef idx="0"/>
+    <cs:fillRef idx="0"/>
+    <cs:effectRef idx="0"/>
+    <cs:fontRef idx="minor">
+      <a:schemeClr val="tx1"/>
+    </cs:fontRef>
+    <cs:spPr>
+      <a:ln w="9525" cap="flat" cmpd="sng" algn="ctr">
+        <a:solidFill>
+          <a:schemeClr val="tx1">
+            <a:lumMod val="35000"/>
+            <a:lumOff val="65000"/>
+          </a:schemeClr>
+        </a:solidFill>
+        <a:round/>
+      </a:ln>
+    </cs:spPr>
+  </cs:leaderLine>
+  <cs:legend>
+    <cs:lnRef idx="0"/>
+    <cs:fillRef idx="0"/>
+    <cs:effectRef idx="0"/>
+    <cs:fontRef idx="minor">
+      <a:schemeClr val="tx1">
+        <a:lumMod val="65000"/>
+        <a:lumOff val="35000"/>
+      </a:schemeClr>
+    </cs:fontRef>
+    <cs:defRPr sz="900" kern="1200"/>
+  </cs:legend>
+  <cs:plotArea mods="allowNoFillOverride allowNoLineOverride">
+    <cs:lnRef idx="0"/>
+    <cs:fillRef idx="0"/>
+    <cs:effectRef idx="0"/>
+    <cs:fontRef idx="minor">
+      <a:schemeClr val="tx1"/>
+    </cs:fontRef>
+  </cs:plotArea>
+  <cs:plotArea3D mods="allowNoFillOverride allowNoLineOverride">
+    <cs:lnRef idx="0"/>
+    <cs:fillRef idx="0"/>
+    <cs:effectRef idx="0"/>
+    <cs:fontRef idx="minor">
+      <a:schemeClr val="tx1"/>
+    </cs:fontRef>
+  </cs:plotArea3D>
+  <cs:seriesAxis>
+    <cs:lnRef idx="0"/>
+    <cs:fillRef idx="0"/>
+    <cs:effectRef idx="0"/>
+    <cs:fontRef idx="minor">
+      <a:schemeClr val="tx1">
+        <a:lumMod val="65000"/>
+        <a:lumOff val="35000"/>
+      </a:schemeClr>
+    </cs:fontRef>
+    <cs:defRPr sz="900" kern="1200"/>
+  </cs:seriesAxis>
+  <cs:seriesLine>
+    <cs:lnRef idx="0"/>
+    <cs:fillRef idx="0"/>
+    <cs:effectRef idx="0"/>
+    <cs:fontRef idx="minor">
+      <a:schemeClr val="tx1"/>
+    </cs:fontRef>
+    <cs:spPr>
+      <a:ln w="9525" cap="flat" cmpd="sng" algn="ctr">
+        <a:solidFill>
+          <a:schemeClr val="tx1">
+            <a:lumMod val="35000"/>
+            <a:lumOff val="65000"/>
+          </a:schemeClr>
+        </a:solidFill>
+        <a:round/>
+      </a:ln>
+    </cs:spPr>
+  </cs:seriesLine>
+  <cs:title>
+    <cs:lnRef idx="0"/>
+    <cs:fillRef idx="0"/>
+    <cs:effectRef idx="0"/>
+    <cs:fontRef idx="minor">
+      <a:schemeClr val="tx1">
+        <a:lumMod val="65000"/>
+        <a:lumOff val="35000"/>
+      </a:schemeClr>
+    </cs:fontRef>
+    <cs:defRPr sz="1400" b="0" kern="1200" spc="0" baseline="0"/>
+  </cs:title>
+  <cs:trendline>
+    <cs:lnRef idx="0">
+      <cs:styleClr val="auto"/>
+    </cs:lnRef>
+    <cs:fillRef idx="0"/>
+    <cs:effectRef idx="0"/>
+    <cs:fontRef idx="minor">
+      <a:schemeClr val="tx1"/>
+    </cs:fontRef>
+    <cs:spPr>
+      <a:ln w="19050" cap="rnd">
+        <a:solidFill>
+          <a:schemeClr val="phClr"/>
+        </a:solidFill>
+        <a:prstDash val="sysDot"/>
+      </a:ln>
+    </cs:spPr>
+  </cs:trendline>
+  <cs:trendlineLabel>
+    <cs:lnRef idx="0"/>
+    <cs:fillRef idx="0"/>
+    <cs:effectRef idx="0"/>
+    <cs:fontRef idx="minor">
+      <a:schemeClr val="tx1">
+        <a:lumMod val="65000"/>
+        <a:lumOff val="35000"/>
+      </a:schemeClr>
+    </cs:fontRef>
+    <cs:defRPr sz="900" kern="1200"/>
+  </cs:trendlineLabel>
+  <cs:upBar>
+    <cs:lnRef idx="0"/>
+    <cs:fillRef idx="0"/>
+    <cs:effectRef idx="0"/>
+    <cs:fontRef idx="minor">
+      <a:schemeClr val="tx1"/>
+    </cs:fontRef>
+    <cs:spPr>
+      <a:solidFill>
+        <a:schemeClr val="lt1"/>
+      </a:solidFill>
+      <a:ln w="9525" cap="flat" cmpd="sng" algn="ctr">
+        <a:solidFill>
+          <a:schemeClr val="tx1">
+            <a:lumMod val="65000"/>
+            <a:lumOff val="35000"/>
+          </a:schemeClr>
+        </a:solidFill>
+        <a:round/>
+      </a:ln>
+    </cs:spPr>
+  </cs:upBar>
+  <cs:valueAxis>
+    <cs:lnRef idx="0"/>
+    <cs:fillRef idx="0"/>
+    <cs:effectRef idx="0"/>
+    <cs:fontRef idx="minor">
+      <a:schemeClr val="tx1">
+        <a:lumMod val="65000"/>
+        <a:lumOff val="35000"/>
+      </a:schemeClr>
+    </cs:fontRef>
+    <cs:defRPr sz="900" kern="1200"/>
+  </cs:valueAxis>
+  <cs:wall>
+    <cs:lnRef idx="0"/>
+    <cs:fillRef idx="0"/>
+    <cs:effectRef idx="0"/>
+    <cs:fontRef idx="minor">
+      <a:schemeClr val="tx1"/>
+    </cs:fontRef>
+    <cs:spPr>
+      <a:noFill/>
+      <a:ln>
+        <a:noFill/>
+      </a:ln>
+    </cs:spPr>
+  </cs:wall>
+</cs:chartStyle>
+</file>
+
+<file path=ppt/charts/style7.xml><?xml version="1.0" encoding="utf-8"?>
+<cs:chartStyle xmlns:cs="http://schemas.microsoft.com/office/drawing/2012/chartStyle" xmlns:a="http://schemas.openxmlformats.org/drawingml/2006/main" id="227">
+  <cs:axisTitle>
+    <cs:lnRef idx="0"/>
+    <cs:fillRef idx="0"/>
+    <cs:effectRef idx="0"/>
+    <cs:fontRef idx="minor">
+      <a:schemeClr val="tx1">
+        <a:lumMod val="65000"/>
+        <a:lumOff val="35000"/>
+      </a:schemeClr>
+    </cs:fontRef>
+    <cs:defRPr sz="1000" kern="1200"/>
+  </cs:axisTitle>
+  <cs:categoryAxis>
+    <cs:lnRef idx="0"/>
+    <cs:fillRef idx="0"/>
+    <cs:effectRef idx="0"/>
+    <cs:fontRef idx="minor">
+      <a:schemeClr val="tx1">
+        <a:lumMod val="65000"/>
+        <a:lumOff val="35000"/>
+      </a:schemeClr>
+    </cs:fontRef>
+    <cs:spPr>
+      <a:ln w="9525" cap="flat" cmpd="sng" algn="ctr">
+        <a:solidFill>
+          <a:schemeClr val="tx1">
+            <a:lumMod val="15000"/>
+            <a:lumOff val="85000"/>
+          </a:schemeClr>
+        </a:solidFill>
+        <a:round/>
+      </a:ln>
+    </cs:spPr>
+    <cs:defRPr sz="900" kern="1200"/>
+  </cs:categoryAxis>
+  <cs:chartArea mods="allowNoFillOverride allowNoLineOverride">
+    <cs:lnRef idx="0"/>
+    <cs:fillRef idx="0"/>
+    <cs:effectRef idx="0"/>
+    <cs:fontRef idx="minor">
+      <a:schemeClr val="tx1"/>
+    </cs:fontRef>
+    <cs:spPr>
+      <a:solidFill>
+        <a:schemeClr val="bg1"/>
+      </a:solidFill>
+      <a:ln w="9525" cap="flat" cmpd="sng" algn="ctr">
+        <a:solidFill>
+          <a:schemeClr val="tx1">
+            <a:lumMod val="15000"/>
+            <a:lumOff val="85000"/>
+          </a:schemeClr>
+        </a:solidFill>
+        <a:round/>
+      </a:ln>
+    </cs:spPr>
+    <cs:defRPr sz="1000" kern="1200"/>
+  </cs:chartArea>
+  <cs:dataLabel>
+    <cs:lnRef idx="0"/>
+    <cs:fillRef idx="0"/>
+    <cs:effectRef idx="0"/>
+    <cs:fontRef idx="minor">
+      <a:schemeClr val="tx1">
+        <a:lumMod val="75000"/>
+        <a:lumOff val="25000"/>
+      </a:schemeClr>
+    </cs:fontRef>
+    <cs:defRPr sz="900" kern="1200"/>
+  </cs:dataLabel>
+  <cs:dataLabelCallout>
+    <cs:lnRef idx="0"/>
+    <cs:fillRef idx="0"/>
+    <cs:effectRef idx="0"/>
+    <cs:fontRef idx="minor">
+      <a:schemeClr val="dk1">
+        <a:lumMod val="65000"/>
+        <a:lumOff val="35000"/>
+      </a:schemeClr>
+    </cs:fontRef>
+    <cs:spPr>
+      <a:solidFill>
+        <a:schemeClr val="lt1"/>
+      </a:solidFill>
+      <a:ln>
+        <a:solidFill>
+          <a:schemeClr val="dk1">
+            <a:lumMod val="25000"/>
+            <a:lumOff val="75000"/>
+          </a:schemeClr>
+        </a:solidFill>
+      </a:ln>
+    </cs:spPr>
+    <cs:defRPr sz="900" kern="1200"/>
+    <cs:bodyPr rot="0" spcFirstLastPara="1" vertOverflow="clip" horzOverflow="clip" vert="horz" wrap="square" lIns="36576" tIns="18288" rIns="36576" bIns="18288" anchor="ctr" anchorCtr="1">
+      <a:spAutoFit/>
+    </cs:bodyPr>
+  </cs:dataLabelCallout>
+  <cs:dataPoint>
+    <cs:lnRef idx="0"/>
+    <cs:fillRef idx="1">
+      <cs:styleClr val="auto"/>
+    </cs:fillRef>
+    <cs:effectRef idx="0"/>
+    <cs:fontRef idx="minor">
+      <a:schemeClr val="tx1"/>
+    </cs:fontRef>
     <cs:spPr>
       <a:solidFill>
         <a:schemeClr val="phClr"/>
@@ -10335,6 +12725,522 @@
 </file>
 
 <file path=ppt/charts/style8.xml><?xml version="1.0" encoding="utf-8"?>
+<cs:chartStyle xmlns:cs="http://schemas.microsoft.com/office/drawing/2012/chartStyle" xmlns:a="http://schemas.openxmlformats.org/drawingml/2006/main" id="227">
+  <cs:axisTitle>
+    <cs:lnRef idx="0"/>
+    <cs:fillRef idx="0"/>
+    <cs:effectRef idx="0"/>
+    <cs:fontRef idx="minor">
+      <a:schemeClr val="tx1">
+        <a:lumMod val="65000"/>
+        <a:lumOff val="35000"/>
+      </a:schemeClr>
+    </cs:fontRef>
+    <cs:defRPr sz="1000" kern="1200"/>
+  </cs:axisTitle>
+  <cs:categoryAxis>
+    <cs:lnRef idx="0"/>
+    <cs:fillRef idx="0"/>
+    <cs:effectRef idx="0"/>
+    <cs:fontRef idx="minor">
+      <a:schemeClr val="tx1">
+        <a:lumMod val="65000"/>
+        <a:lumOff val="35000"/>
+      </a:schemeClr>
+    </cs:fontRef>
+    <cs:spPr>
+      <a:ln w="9525" cap="flat" cmpd="sng" algn="ctr">
+        <a:solidFill>
+          <a:schemeClr val="tx1">
+            <a:lumMod val="15000"/>
+            <a:lumOff val="85000"/>
+          </a:schemeClr>
+        </a:solidFill>
+        <a:round/>
+      </a:ln>
+    </cs:spPr>
+    <cs:defRPr sz="900" kern="1200"/>
+  </cs:categoryAxis>
+  <cs:chartArea mods="allowNoFillOverride allowNoLineOverride">
+    <cs:lnRef idx="0"/>
+    <cs:fillRef idx="0"/>
+    <cs:effectRef idx="0"/>
+    <cs:fontRef idx="minor">
+      <a:schemeClr val="tx1"/>
+    </cs:fontRef>
+    <cs:spPr>
+      <a:solidFill>
+        <a:schemeClr val="bg1"/>
+      </a:solidFill>
+      <a:ln w="9525" cap="flat" cmpd="sng" algn="ctr">
+        <a:solidFill>
+          <a:schemeClr val="tx1">
+            <a:lumMod val="15000"/>
+            <a:lumOff val="85000"/>
+          </a:schemeClr>
+        </a:solidFill>
+        <a:round/>
+      </a:ln>
+    </cs:spPr>
+    <cs:defRPr sz="1000" kern="1200"/>
+  </cs:chartArea>
+  <cs:dataLabel>
+    <cs:lnRef idx="0"/>
+    <cs:fillRef idx="0"/>
+    <cs:effectRef idx="0"/>
+    <cs:fontRef idx="minor">
+      <a:schemeClr val="tx1">
+        <a:lumMod val="75000"/>
+        <a:lumOff val="25000"/>
+      </a:schemeClr>
+    </cs:fontRef>
+    <cs:defRPr sz="900" kern="1200"/>
+  </cs:dataLabel>
+  <cs:dataLabelCallout>
+    <cs:lnRef idx="0"/>
+    <cs:fillRef idx="0"/>
+    <cs:effectRef idx="0"/>
+    <cs:fontRef idx="minor">
+      <a:schemeClr val="dk1">
+        <a:lumMod val="65000"/>
+        <a:lumOff val="35000"/>
+      </a:schemeClr>
+    </cs:fontRef>
+    <cs:spPr>
+      <a:solidFill>
+        <a:schemeClr val="lt1"/>
+      </a:solidFill>
+      <a:ln>
+        <a:solidFill>
+          <a:schemeClr val="dk1">
+            <a:lumMod val="25000"/>
+            <a:lumOff val="75000"/>
+          </a:schemeClr>
+        </a:solidFill>
+      </a:ln>
+    </cs:spPr>
+    <cs:defRPr sz="900" kern="1200"/>
+    <cs:bodyPr rot="0" spcFirstLastPara="1" vertOverflow="clip" horzOverflow="clip" vert="horz" wrap="square" lIns="36576" tIns="18288" rIns="36576" bIns="18288" anchor="ctr" anchorCtr="1">
+      <a:spAutoFit/>
+    </cs:bodyPr>
+  </cs:dataLabelCallout>
+  <cs:dataPoint>
+    <cs:lnRef idx="0"/>
+    <cs:fillRef idx="1">
+      <cs:styleClr val="auto"/>
+    </cs:fillRef>
+    <cs:effectRef idx="0"/>
+    <cs:fontRef idx="minor">
+      <a:schemeClr val="tx1"/>
+    </cs:fontRef>
+    <cs:spPr>
+      <a:solidFill>
+        <a:schemeClr val="phClr"/>
+      </a:solidFill>
+    </cs:spPr>
+  </cs:dataPoint>
+  <cs:dataPoint3D>
+    <cs:lnRef idx="0"/>
+    <cs:fillRef idx="1">
+      <cs:styleClr val="auto"/>
+    </cs:fillRef>
+    <cs:effectRef idx="0"/>
+    <cs:fontRef idx="minor">
+      <a:schemeClr val="tx1"/>
+    </cs:fontRef>
+    <cs:spPr>
+      <a:solidFill>
+        <a:schemeClr val="phClr"/>
+      </a:solidFill>
+    </cs:spPr>
+  </cs:dataPoint3D>
+  <cs:dataPointLine>
+    <cs:lnRef idx="0">
+      <cs:styleClr val="auto"/>
+    </cs:lnRef>
+    <cs:fillRef idx="1"/>
+    <cs:effectRef idx="0"/>
+    <cs:fontRef idx="minor">
+      <a:schemeClr val="tx1"/>
+    </cs:fontRef>
+    <cs:spPr>
+      <a:ln w="28575" cap="rnd">
+        <a:solidFill>
+          <a:schemeClr val="phClr"/>
+        </a:solidFill>
+        <a:round/>
+      </a:ln>
+    </cs:spPr>
+  </cs:dataPointLine>
+  <cs:dataPointMarker>
+    <cs:lnRef idx="0">
+      <cs:styleClr val="auto"/>
+    </cs:lnRef>
+    <cs:fillRef idx="1">
+      <cs:styleClr val="auto"/>
+    </cs:fillRef>
+    <cs:effectRef idx="0"/>
+    <cs:fontRef idx="minor">
+      <a:schemeClr val="tx1"/>
+    </cs:fontRef>
+    <cs:spPr>
+      <a:solidFill>
+        <a:schemeClr val="phClr"/>
+      </a:solidFill>
+      <a:ln w="9525">
+        <a:solidFill>
+          <a:schemeClr val="phClr"/>
+        </a:solidFill>
+      </a:ln>
+    </cs:spPr>
+  </cs:dataPointMarker>
+  <cs:dataPointMarkerLayout symbol="circle" size="5"/>
+  <cs:dataPointWireframe>
+    <cs:lnRef idx="0">
+      <cs:styleClr val="auto"/>
+    </cs:lnRef>
+    <cs:fillRef idx="1"/>
+    <cs:effectRef idx="0"/>
+    <cs:fontRef idx="minor">
+      <a:schemeClr val="tx1"/>
+    </cs:fontRef>
+    <cs:spPr>
+      <a:ln w="9525" cap="rnd">
+        <a:solidFill>
+          <a:schemeClr val="phClr"/>
+        </a:solidFill>
+        <a:round/>
+      </a:ln>
+    </cs:spPr>
+  </cs:dataPointWireframe>
+  <cs:dataTable>
+    <cs:lnRef idx="0"/>
+    <cs:fillRef idx="0"/>
+    <cs:effectRef idx="0"/>
+    <cs:fontRef idx="minor">
+      <a:schemeClr val="tx1">
+        <a:lumMod val="65000"/>
+        <a:lumOff val="35000"/>
+      </a:schemeClr>
+    </cs:fontRef>
+    <cs:spPr>
+      <a:noFill/>
+      <a:ln w="9525" cap="flat" cmpd="sng" algn="ctr">
+        <a:solidFill>
+          <a:schemeClr val="tx1">
+            <a:lumMod val="15000"/>
+            <a:lumOff val="85000"/>
+          </a:schemeClr>
+        </a:solidFill>
+        <a:round/>
+      </a:ln>
+    </cs:spPr>
+    <cs:defRPr sz="900" kern="1200"/>
+  </cs:dataTable>
+  <cs:downBar>
+    <cs:lnRef idx="0"/>
+    <cs:fillRef idx="0"/>
+    <cs:effectRef idx="0"/>
+    <cs:fontRef idx="minor">
+      <a:schemeClr val="dk1"/>
+    </cs:fontRef>
+    <cs:spPr>
+      <a:solidFill>
+        <a:schemeClr val="dk1">
+          <a:lumMod val="65000"/>
+          <a:lumOff val="35000"/>
+        </a:schemeClr>
+      </a:solidFill>
+      <a:ln w="9525">
+        <a:solidFill>
+          <a:schemeClr val="tx1">
+            <a:lumMod val="65000"/>
+            <a:lumOff val="35000"/>
+          </a:schemeClr>
+        </a:solidFill>
+      </a:ln>
+    </cs:spPr>
+  </cs:downBar>
+  <cs:dropLine>
+    <cs:lnRef idx="0"/>
+    <cs:fillRef idx="0"/>
+    <cs:effectRef idx="0"/>
+    <cs:fontRef idx="minor">
+      <a:schemeClr val="tx1"/>
+    </cs:fontRef>
+    <cs:spPr>
+      <a:ln w="9525" cap="flat" cmpd="sng" algn="ctr">
+        <a:solidFill>
+          <a:schemeClr val="tx1">
+            <a:lumMod val="35000"/>
+            <a:lumOff val="65000"/>
+          </a:schemeClr>
+        </a:solidFill>
+        <a:round/>
+      </a:ln>
+    </cs:spPr>
+  </cs:dropLine>
+  <cs:errorBar>
+    <cs:lnRef idx="0"/>
+    <cs:fillRef idx="0"/>
+    <cs:effectRef idx="0"/>
+    <cs:fontRef idx="minor">
+      <a:schemeClr val="tx1"/>
+    </cs:fontRef>
+    <cs:spPr>
+      <a:ln w="9525" cap="flat" cmpd="sng" algn="ctr">
+        <a:solidFill>
+          <a:schemeClr val="tx1">
+            <a:lumMod val="65000"/>
+            <a:lumOff val="35000"/>
+          </a:schemeClr>
+        </a:solidFill>
+        <a:round/>
+      </a:ln>
+    </cs:spPr>
+  </cs:errorBar>
+  <cs:floor>
+    <cs:lnRef idx="0"/>
+    <cs:fillRef idx="0"/>
+    <cs:effectRef idx="0"/>
+    <cs:fontRef idx="minor">
+      <a:schemeClr val="tx1"/>
+    </cs:fontRef>
+    <cs:spPr>
+      <a:noFill/>
+      <a:ln>
+        <a:noFill/>
+      </a:ln>
+    </cs:spPr>
+  </cs:floor>
+  <cs:gridlineMajor>
+    <cs:lnRef idx="0"/>
+    <cs:fillRef idx="0"/>
+    <cs:effectRef idx="0"/>
+    <cs:fontRef idx="minor">
+      <a:schemeClr val="tx1"/>
+    </cs:fontRef>
+    <cs:spPr>
+      <a:ln w="9525" cap="flat" cmpd="sng" algn="ctr">
+        <a:solidFill>
+          <a:schemeClr val="tx1">
+            <a:lumMod val="15000"/>
+            <a:lumOff val="85000"/>
+          </a:schemeClr>
+        </a:solidFill>
+        <a:round/>
+      </a:ln>
+    </cs:spPr>
+  </cs:gridlineMajor>
+  <cs:gridlineMinor>
+    <cs:lnRef idx="0"/>
+    <cs:fillRef idx="0"/>
+    <cs:effectRef idx="0"/>
+    <cs:fontRef idx="minor">
+      <a:schemeClr val="tx1"/>
+    </cs:fontRef>
+    <cs:spPr>
+      <a:ln w="9525" cap="flat" cmpd="sng" algn="ctr">
+        <a:solidFill>
+          <a:schemeClr val="tx1">
+            <a:lumMod val="5000"/>
+            <a:lumOff val="95000"/>
+          </a:schemeClr>
+        </a:solidFill>
+        <a:round/>
+      </a:ln>
+    </cs:spPr>
+  </cs:gridlineMinor>
+  <cs:hiLoLine>
+    <cs:lnRef idx="0"/>
+    <cs:fillRef idx="0"/>
+    <cs:effectRef idx="0"/>
+    <cs:fontRef idx="minor">
+      <a:schemeClr val="tx1"/>
+    </cs:fontRef>
+    <cs:spPr>
+      <a:ln w="9525" cap="flat" cmpd="sng" algn="ctr">
+        <a:solidFill>
+          <a:schemeClr val="tx1">
+            <a:lumMod val="75000"/>
+            <a:lumOff val="25000"/>
+          </a:schemeClr>
+        </a:solidFill>
+        <a:round/>
+      </a:ln>
+    </cs:spPr>
+  </cs:hiLoLine>
+  <cs:leaderLine>
+    <cs:lnRef idx="0"/>
+    <cs:fillRef idx="0"/>
+    <cs:effectRef idx="0"/>
+    <cs:fontRef idx="minor">
+      <a:schemeClr val="tx1"/>
+    </cs:fontRef>
+    <cs:spPr>
+      <a:ln w="9525" cap="flat" cmpd="sng" algn="ctr">
+        <a:solidFill>
+          <a:schemeClr val="tx1">
+            <a:lumMod val="35000"/>
+            <a:lumOff val="65000"/>
+          </a:schemeClr>
+        </a:solidFill>
+        <a:round/>
+      </a:ln>
+    </cs:spPr>
+  </cs:leaderLine>
+  <cs:legend>
+    <cs:lnRef idx="0"/>
+    <cs:fillRef idx="0"/>
+    <cs:effectRef idx="0"/>
+    <cs:fontRef idx="minor">
+      <a:schemeClr val="tx1">
+        <a:lumMod val="65000"/>
+        <a:lumOff val="35000"/>
+      </a:schemeClr>
+    </cs:fontRef>
+    <cs:defRPr sz="900" kern="1200"/>
+  </cs:legend>
+  <cs:plotArea mods="allowNoFillOverride allowNoLineOverride">
+    <cs:lnRef idx="0"/>
+    <cs:fillRef idx="0"/>
+    <cs:effectRef idx="0"/>
+    <cs:fontRef idx="minor">
+      <a:schemeClr val="tx1"/>
+    </cs:fontRef>
+  </cs:plotArea>
+  <cs:plotArea3D mods="allowNoFillOverride allowNoLineOverride">
+    <cs:lnRef idx="0"/>
+    <cs:fillRef idx="0"/>
+    <cs:effectRef idx="0"/>
+    <cs:fontRef idx="minor">
+      <a:schemeClr val="tx1"/>
+    </cs:fontRef>
+  </cs:plotArea3D>
+  <cs:seriesAxis>
+    <cs:lnRef idx="0"/>
+    <cs:fillRef idx="0"/>
+    <cs:effectRef idx="0"/>
+    <cs:fontRef idx="minor">
+      <a:schemeClr val="tx1">
+        <a:lumMod val="65000"/>
+        <a:lumOff val="35000"/>
+      </a:schemeClr>
+    </cs:fontRef>
+    <cs:defRPr sz="900" kern="1200"/>
+  </cs:seriesAxis>
+  <cs:seriesLine>
+    <cs:lnRef idx="0"/>
+    <cs:fillRef idx="0"/>
+    <cs:effectRef idx="0"/>
+    <cs:fontRef idx="minor">
+      <a:schemeClr val="tx1"/>
+    </cs:fontRef>
+    <cs:spPr>
+      <a:ln w="9525" cap="flat" cmpd="sng" algn="ctr">
+        <a:solidFill>
+          <a:schemeClr val="tx1">
+            <a:lumMod val="35000"/>
+            <a:lumOff val="65000"/>
+          </a:schemeClr>
+        </a:solidFill>
+        <a:round/>
+      </a:ln>
+    </cs:spPr>
+  </cs:seriesLine>
+  <cs:title>
+    <cs:lnRef idx="0"/>
+    <cs:fillRef idx="0"/>
+    <cs:effectRef idx="0"/>
+    <cs:fontRef idx="minor">
+      <a:schemeClr val="tx1">
+        <a:lumMod val="65000"/>
+        <a:lumOff val="35000"/>
+      </a:schemeClr>
+    </cs:fontRef>
+    <cs:defRPr sz="1400" b="0" kern="1200" spc="0" baseline="0"/>
+  </cs:title>
+  <cs:trendline>
+    <cs:lnRef idx="0">
+      <cs:styleClr val="auto"/>
+    </cs:lnRef>
+    <cs:fillRef idx="0"/>
+    <cs:effectRef idx="0"/>
+    <cs:fontRef idx="minor">
+      <a:schemeClr val="tx1"/>
+    </cs:fontRef>
+    <cs:spPr>
+      <a:ln w="19050" cap="rnd">
+        <a:solidFill>
+          <a:schemeClr val="phClr"/>
+        </a:solidFill>
+        <a:prstDash val="sysDot"/>
+      </a:ln>
+    </cs:spPr>
+  </cs:trendline>
+  <cs:trendlineLabel>
+    <cs:lnRef idx="0"/>
+    <cs:fillRef idx="0"/>
+    <cs:effectRef idx="0"/>
+    <cs:fontRef idx="minor">
+      <a:schemeClr val="tx1">
+        <a:lumMod val="65000"/>
+        <a:lumOff val="35000"/>
+      </a:schemeClr>
+    </cs:fontRef>
+    <cs:defRPr sz="900" kern="1200"/>
+  </cs:trendlineLabel>
+  <cs:upBar>
+    <cs:lnRef idx="0"/>
+    <cs:fillRef idx="0"/>
+    <cs:effectRef idx="0"/>
+    <cs:fontRef idx="minor">
+      <a:schemeClr val="dk1"/>
+    </cs:fontRef>
+    <cs:spPr>
+      <a:solidFill>
+        <a:schemeClr val="lt1"/>
+      </a:solidFill>
+      <a:ln w="9525">
+        <a:solidFill>
+          <a:schemeClr val="tx1">
+            <a:lumMod val="15000"/>
+            <a:lumOff val="85000"/>
+          </a:schemeClr>
+        </a:solidFill>
+      </a:ln>
+    </cs:spPr>
+  </cs:upBar>
+  <cs:valueAxis>
+    <cs:lnRef idx="0"/>
+    <cs:fillRef idx="0"/>
+    <cs:effectRef idx="0"/>
+    <cs:fontRef idx="minor">
+      <a:schemeClr val="tx1">
+        <a:lumMod val="65000"/>
+        <a:lumOff val="35000"/>
+      </a:schemeClr>
+    </cs:fontRef>
+    <cs:defRPr sz="900" kern="1200"/>
+  </cs:valueAxis>
+  <cs:wall>
+    <cs:lnRef idx="0"/>
+    <cs:fillRef idx="0"/>
+    <cs:effectRef idx="0"/>
+    <cs:fontRef idx="minor">
+      <a:schemeClr val="tx1"/>
+    </cs:fontRef>
+    <cs:spPr>
+      <a:noFill/>
+      <a:ln>
+        <a:noFill/>
+      </a:ln>
+    </cs:spPr>
+  </cs:wall>
+</cs:chartStyle>
+</file>
+
+<file path=ppt/charts/style9.xml><?xml version="1.0" encoding="utf-8"?>
 <cs:chartStyle xmlns:cs="http://schemas.microsoft.com/office/drawing/2012/chartStyle" xmlns:a="http://schemas.openxmlformats.org/drawingml/2006/main" id="227">
   <cs:axisTitle>
     <cs:lnRef idx="0"/>
@@ -10934,7 +13840,7 @@
             <a:pPr algn="r" rtl="0"/>
             <a:fld id="{221A1788-7372-4FAC-9AF0-00B54B8D9CBA}" type="datetime1">
               <a:rPr lang="it-IT" smtClean="0"/>
-              <a:t>14/05/2023</a:t>
+              <a:t>07/07/2023</a:t>
             </a:fld>
             <a:endParaRPr lang="it-IT" dirty="0"/>
           </a:p>
@@ -11104,7 +14010,7 @@
             <a:fld id="{D943A304-85CD-4257-B418-D8F889FE0DBC}" type="datetime1">
               <a:rPr lang="it-IT" smtClean="0"/>
               <a:pPr/>
-              <a:t>14/05/2023</a:t>
+              <a:t>07/07/2023</a:t>
             </a:fld>
             <a:endParaRPr lang="it-IT" dirty="0"/>
           </a:p>
@@ -11503,7 +14409,10 @@
           <a:bodyPr/>
           <a:lstStyle/>
           <a:p>
-            <a:endParaRPr lang="it-IT" dirty="0"/>
+            <a:r>
+              <a:rPr lang="it-IT" dirty="0"/>
+              <a:t>Non ci ricordiamo la lore</a:t>
+            </a:r>
           </a:p>
         </p:txBody>
       </p:sp>
@@ -11535,6 +14444,91 @@
     <p:extLst>
       <p:ext uri="{BB962C8B-B14F-4D97-AF65-F5344CB8AC3E}">
         <p14:creationId xmlns:p14="http://schemas.microsoft.com/office/powerpoint/2010/main" val="1108984394"/>
+      </p:ext>
+    </p:extLst>
+  </p:cSld>
+  <p:clrMapOvr>
+    <a:masterClrMapping/>
+  </p:clrMapOvr>
+</p:notes>
+</file>
+
+<file path=ppt/notesSlides/notesSlide3.xml><?xml version="1.0" encoding="utf-8"?>
+<p:notes xmlns:a="http://schemas.openxmlformats.org/drawingml/2006/main" xmlns:r="http://schemas.openxmlformats.org/officeDocument/2006/relationships" xmlns:p="http://schemas.openxmlformats.org/presentationml/2006/main">
+  <p:cSld>
+    <p:spTree>
+      <p:nvGrpSpPr>
+        <p:cNvPr id="1" name=""/>
+        <p:cNvGrpSpPr/>
+        <p:nvPr/>
+      </p:nvGrpSpPr>
+      <p:grpSpPr>
+        <a:xfrm>
+          <a:off x="0" y="0"/>
+          <a:ext cx="0" cy="0"/>
+          <a:chOff x="0" y="0"/>
+          <a:chExt cx="0" cy="0"/>
+        </a:xfrm>
+      </p:grpSpPr>
+      <p:sp>
+        <p:nvSpPr>
+          <p:cNvPr id="2" name="Slide Image Placeholder 1"/>
+          <p:cNvSpPr>
+            <a:spLocks noGrp="1" noRot="1" noChangeAspect="1"/>
+          </p:cNvSpPr>
+          <p:nvPr>
+            <p:ph type="sldImg"/>
+          </p:nvPr>
+        </p:nvSpPr>
+        <p:spPr/>
+      </p:sp>
+      <p:sp>
+        <p:nvSpPr>
+          <p:cNvPr id="3" name="Notes Placeholder 2"/>
+          <p:cNvSpPr>
+            <a:spLocks noGrp="1"/>
+          </p:cNvSpPr>
+          <p:nvPr>
+            <p:ph type="body" idx="1"/>
+          </p:nvPr>
+        </p:nvSpPr>
+        <p:spPr/>
+        <p:txBody>
+          <a:bodyPr/>
+          <a:lstStyle/>
+          <a:p>
+            <a:endParaRPr lang="it-IT" dirty="0"/>
+          </a:p>
+        </p:txBody>
+      </p:sp>
+      <p:sp>
+        <p:nvSpPr>
+          <p:cNvPr id="4" name="Slide Number Placeholder 3"/>
+          <p:cNvSpPr>
+            <a:spLocks noGrp="1"/>
+          </p:cNvSpPr>
+          <p:nvPr>
+            <p:ph type="sldNum" sz="quarter" idx="5"/>
+          </p:nvPr>
+        </p:nvSpPr>
+        <p:spPr/>
+        <p:txBody>
+          <a:bodyPr/>
+          <a:lstStyle/>
+          <a:p>
+            <a:fld id="{3EBA5BD7-F043-4D1B-AA17-CD412FC534DE}" type="slidenum">
+              <a:rPr lang="it-IT" smtClean="0"/>
+              <a:pPr/>
+              <a:t>21</a:t>
+            </a:fld>
+            <a:endParaRPr lang="it-IT" dirty="0"/>
+          </a:p>
+        </p:txBody>
+      </p:sp>
+    </p:spTree>
+    <p:extLst>
+      <p:ext uri="{BB962C8B-B14F-4D97-AF65-F5344CB8AC3E}">
+        <p14:creationId xmlns:p14="http://schemas.microsoft.com/office/powerpoint/2010/main" val="4232637083"/>
       </p:ext>
     </p:extLst>
   </p:cSld>
@@ -12307,7 +15301,7 @@
             <a:fld id="{3889EF9B-A500-41B6-8F1C-893813E9A898}" type="datetime1">
               <a:rPr lang="it-IT" smtClean="0"/>
               <a:pPr/>
-              <a:t>14/05/2023</a:t>
+              <a:t>07/07/2023</a:t>
             </a:fld>
             <a:endParaRPr lang="it-IT" dirty="0"/>
           </a:p>
@@ -12513,7 +15507,7 @@
             <a:fld id="{6E724BBD-5BEA-4971-A6C4-42E94AF7CB5F}" type="datetime1">
               <a:rPr lang="it-IT" smtClean="0"/>
               <a:pPr/>
-              <a:t>14/05/2023</a:t>
+              <a:t>07/07/2023</a:t>
             </a:fld>
             <a:endParaRPr lang="it-IT" dirty="0"/>
           </a:p>
@@ -12729,7 +15723,7 @@
             <a:fld id="{EF1B2188-7D8C-43C8-B29F-60D01DE77B72}" type="datetime1">
               <a:rPr lang="it-IT" smtClean="0"/>
               <a:pPr/>
-              <a:t>14/05/2023</a:t>
+              <a:t>07/07/2023</a:t>
             </a:fld>
             <a:endParaRPr lang="it-IT" dirty="0"/>
           </a:p>
@@ -12935,7 +15929,7 @@
             <a:fld id="{581DC961-63CE-49AB-921E-1CE3DDEFC80A}" type="datetime1">
               <a:rPr lang="it-IT" smtClean="0"/>
               <a:pPr/>
-              <a:t>14/05/2023</a:t>
+              <a:t>07/07/2023</a:t>
             </a:fld>
             <a:endParaRPr lang="it-IT" dirty="0"/>
           </a:p>
@@ -13379,7 +16373,7 @@
             <a:fld id="{C6066F5F-3C86-4285-A86F-35EFBBDD7800}" type="datetime1">
               <a:rPr lang="it-IT" smtClean="0"/>
               <a:pPr/>
-              <a:t>14/05/2023</a:t>
+              <a:t>07/07/2023</a:t>
             </a:fld>
             <a:endParaRPr lang="it-IT" dirty="0"/>
           </a:p>
@@ -13691,7 +16685,7 @@
             <a:fld id="{0B9BE34E-14EC-4041-A597-EE22FC16794F}" type="datetime1">
               <a:rPr lang="it-IT" smtClean="0"/>
               <a:pPr/>
-              <a:t>14/05/2023</a:t>
+              <a:t>07/07/2023</a:t>
             </a:fld>
             <a:endParaRPr lang="it-IT" dirty="0"/>
           </a:p>
@@ -14155,7 +17149,7 @@
             <a:fld id="{D6FAD192-1BF7-4994-9CBA-74265F19F4C1}" type="datetime1">
               <a:rPr lang="it-IT" smtClean="0"/>
               <a:pPr/>
-              <a:t>14/05/2023</a:t>
+              <a:t>07/07/2023</a:t>
             </a:fld>
             <a:endParaRPr lang="it-IT" dirty="0"/>
           </a:p>
@@ -14293,7 +17287,7 @@
             <a:fld id="{C476DD40-7EBA-46D0-A855-62759524AC7A}" type="datetime1">
               <a:rPr lang="it-IT" smtClean="0"/>
               <a:pPr/>
-              <a:t>14/05/2023</a:t>
+              <a:t>07/07/2023</a:t>
             </a:fld>
             <a:endParaRPr lang="it-IT" dirty="0"/>
           </a:p>
@@ -14407,7 +17401,7 @@
             <a:fld id="{C62E4D95-88E1-4556-89BE-EC650C1D14A8}" type="datetime1">
               <a:rPr lang="it-IT" smtClean="0"/>
               <a:pPr/>
-              <a:t>14/05/2023</a:t>
+              <a:t>07/07/2023</a:t>
             </a:fld>
             <a:endParaRPr lang="it-IT" dirty="0"/>
           </a:p>
@@ -14714,7 +17708,7 @@
             <a:fld id="{1F9867D3-FC26-40B1-8BB9-B19FF8D6CD45}" type="datetime1">
               <a:rPr lang="it-IT" smtClean="0"/>
               <a:pPr/>
-              <a:t>14/05/2023</a:t>
+              <a:t>07/07/2023</a:t>
             </a:fld>
             <a:endParaRPr lang="it-IT" dirty="0"/>
           </a:p>
@@ -15011,7 +18005,7 @@
             <a:fld id="{5B0EE21F-92EE-4289-AFFB-9252D957F459}" type="datetime1">
               <a:rPr lang="it-IT" smtClean="0"/>
               <a:pPr/>
-              <a:t>14/05/2023</a:t>
+              <a:t>07/07/2023</a:t>
             </a:fld>
             <a:endParaRPr lang="it-IT" dirty="0"/>
           </a:p>
@@ -15635,7 +18629,7 @@
             <a:fld id="{8A756645-DD8C-4009-9A84-A4AD56EB55A9}" type="datetime1">
               <a:rPr lang="it-IT" smtClean="0"/>
               <a:pPr/>
-              <a:t>14/05/2023</a:t>
+              <a:t>07/07/2023</a:t>
             </a:fld>
             <a:endParaRPr lang="it-IT" dirty="0"/>
           </a:p>
@@ -17780,13 +20774,13 @@
             <p:ph idx="1"/>
             <p:extLst>
               <p:ext uri="{D42A27DB-BD31-4B8C-83A1-F6EECF244321}">
-                <p14:modId xmlns:p14="http://schemas.microsoft.com/office/powerpoint/2010/main" val="1727965080"/>
+                <p14:modId xmlns:p14="http://schemas.microsoft.com/office/powerpoint/2010/main" val="3227366197"/>
               </p:ext>
             </p:extLst>
           </p:nvPr>
         </p:nvGraphicFramePr>
         <p:xfrm>
-          <a:off x="1219200" y="1052736"/>
+          <a:off x="1219359" y="1052736"/>
           <a:ext cx="10360025" cy="5400600"/>
         </p:xfrm>
         <a:graphic>
@@ -18683,6 +21677,1351 @@
 </p:sld>
 </file>
 
+<file path=ppt/slides/slide19.xml><?xml version="1.0" encoding="utf-8"?>
+<p:sld xmlns:a="http://schemas.openxmlformats.org/drawingml/2006/main" xmlns:r="http://schemas.openxmlformats.org/officeDocument/2006/relationships" xmlns:p="http://schemas.openxmlformats.org/presentationml/2006/main">
+  <p:cSld>
+    <p:spTree>
+      <p:nvGrpSpPr>
+        <p:cNvPr id="1" name=""/>
+        <p:cNvGrpSpPr/>
+        <p:nvPr/>
+      </p:nvGrpSpPr>
+      <p:grpSpPr>
+        <a:xfrm>
+          <a:off x="0" y="0"/>
+          <a:ext cx="0" cy="0"/>
+          <a:chOff x="0" y="0"/>
+          <a:chExt cx="0" cy="0"/>
+        </a:xfrm>
+      </p:grpSpPr>
+      <p:sp>
+        <p:nvSpPr>
+          <p:cNvPr id="2" name="Titolo 1">
+            <a:extLst>
+              <a:ext uri="{FF2B5EF4-FFF2-40B4-BE49-F238E27FC236}">
+                <a16:creationId xmlns:a16="http://schemas.microsoft.com/office/drawing/2014/main" id="{653EB501-7D07-94B9-B3D6-CF4C4DF3A886}"/>
+              </a:ext>
+            </a:extLst>
+          </p:cNvPr>
+          <p:cNvSpPr>
+            <a:spLocks noGrp="1"/>
+          </p:cNvSpPr>
+          <p:nvPr>
+            <p:ph type="title"/>
+          </p:nvPr>
+        </p:nvSpPr>
+        <p:spPr>
+          <a:xfrm>
+            <a:off x="1218883" y="274637"/>
+            <a:ext cx="10360501" cy="562075"/>
+          </a:xfrm>
+        </p:spPr>
+        <p:txBody>
+          <a:bodyPr>
+            <a:normAutofit fontScale="90000"/>
+          </a:bodyPr>
+          <a:lstStyle/>
+          <a:p>
+            <a:pPr algn="ctr"/>
+            <a:r>
+              <a:rPr lang="it-IT" dirty="0"/>
+              <a:t>Hardware </a:t>
+            </a:r>
+            <a:r>
+              <a:rPr lang="en-US" dirty="0"/>
+              <a:t>Specifications</a:t>
+            </a:r>
+          </a:p>
+        </p:txBody>
+      </p:sp>
+      <p:graphicFrame>
+        <p:nvGraphicFramePr>
+          <p:cNvPr id="4" name="Table 4">
+            <a:extLst>
+              <a:ext uri="{FF2B5EF4-FFF2-40B4-BE49-F238E27FC236}">
+                <a16:creationId xmlns:a16="http://schemas.microsoft.com/office/drawing/2014/main" id="{E4E96AC1-9929-4425-B0A8-8F58CC01A7EF}"/>
+              </a:ext>
+            </a:extLst>
+          </p:cNvPr>
+          <p:cNvGraphicFramePr>
+            <a:graphicFrameLocks noGrp="1"/>
+          </p:cNvGraphicFramePr>
+          <p:nvPr>
+            <p:extLst>
+              <p:ext uri="{D42A27DB-BD31-4B8C-83A1-F6EECF244321}">
+                <p14:modId xmlns:p14="http://schemas.microsoft.com/office/powerpoint/2010/main" val="1763146713"/>
+              </p:ext>
+            </p:extLst>
+          </p:nvPr>
+        </p:nvGraphicFramePr>
+        <p:xfrm>
+          <a:off x="1106544" y="1124744"/>
+          <a:ext cx="10585177" cy="4926298"/>
+        </p:xfrm>
+        <a:graphic>
+          <a:graphicData uri="http://schemas.openxmlformats.org/drawingml/2006/table">
+            <a:tbl>
+              <a:tblPr firstRow="1" bandRow="1">
+                <a:tableStyleId>{5940675A-B579-460E-94D1-54222C63F5DA}</a:tableStyleId>
+              </a:tblPr>
+              <a:tblGrid>
+                <a:gridCol w="2663016">
+                  <a:extLst>
+                    <a:ext uri="{9D8B030D-6E8A-4147-A177-3AD203B41FA5}">
+                      <a16:colId xmlns:a16="http://schemas.microsoft.com/office/drawing/2014/main" val="593101661"/>
+                    </a:ext>
+                  </a:extLst>
+                </a:gridCol>
+                <a:gridCol w="2520280">
+                  <a:extLst>
+                    <a:ext uri="{9D8B030D-6E8A-4147-A177-3AD203B41FA5}">
+                      <a16:colId xmlns:a16="http://schemas.microsoft.com/office/drawing/2014/main" val="3516095507"/>
+                    </a:ext>
+                  </a:extLst>
+                </a:gridCol>
+                <a:gridCol w="216024">
+                  <a:extLst>
+                    <a:ext uri="{9D8B030D-6E8A-4147-A177-3AD203B41FA5}">
+                      <a16:colId xmlns:a16="http://schemas.microsoft.com/office/drawing/2014/main" val="767397892"/>
+                    </a:ext>
+                  </a:extLst>
+                </a:gridCol>
+                <a:gridCol w="2820772">
+                  <a:extLst>
+                    <a:ext uri="{9D8B030D-6E8A-4147-A177-3AD203B41FA5}">
+                      <a16:colId xmlns:a16="http://schemas.microsoft.com/office/drawing/2014/main" val="1947922795"/>
+                    </a:ext>
+                  </a:extLst>
+                </a:gridCol>
+                <a:gridCol w="2365085">
+                  <a:extLst>
+                    <a:ext uri="{9D8B030D-6E8A-4147-A177-3AD203B41FA5}">
+                      <a16:colId xmlns:a16="http://schemas.microsoft.com/office/drawing/2014/main" val="4053238921"/>
+                    </a:ext>
+                  </a:extLst>
+                </a:gridCol>
+              </a:tblGrid>
+              <a:tr h="573389">
+                <a:tc gridSpan="5">
+                  <a:txBody>
+                    <a:bodyPr/>
+                    <a:lstStyle/>
+                    <a:p>
+                      <a:pPr algn="ctr"/>
+                      <a:r>
+                        <a:rPr lang="it-IT" sz="2800" dirty="0"/>
+                        <a:t>NVIDIA </a:t>
+                      </a:r>
+                      <a:r>
+                        <a:rPr lang="it-IT" sz="2800" dirty="0" err="1"/>
+                        <a:t>GeForce</a:t>
+                      </a:r>
+                      <a:r>
+                        <a:rPr lang="it-IT" sz="2800" dirty="0"/>
+                        <a:t> GTX 1050 Mobile</a:t>
+                      </a:r>
+                    </a:p>
+                  </a:txBody>
+                  <a:tcPr>
+                    <a:lnL w="12700" cap="flat" cmpd="sng" algn="ctr">
+                      <a:solidFill>
+                        <a:schemeClr val="tx1"/>
+                      </a:solidFill>
+                      <a:prstDash val="solid"/>
+                      <a:round/>
+                      <a:headEnd type="none" w="med" len="med"/>
+                      <a:tailEnd type="none" w="med" len="med"/>
+                    </a:lnL>
+                    <a:lnR w="12700" cap="flat" cmpd="sng" algn="ctr">
+                      <a:solidFill>
+                        <a:schemeClr val="tx1"/>
+                      </a:solidFill>
+                      <a:prstDash val="solid"/>
+                      <a:round/>
+                      <a:headEnd type="none" w="med" len="med"/>
+                      <a:tailEnd type="none" w="med" len="med"/>
+                    </a:lnR>
+                    <a:lnT w="12700" cap="flat" cmpd="sng" algn="ctr">
+                      <a:solidFill>
+                        <a:schemeClr val="tx1"/>
+                      </a:solidFill>
+                      <a:prstDash val="solid"/>
+                      <a:round/>
+                      <a:headEnd type="none" w="med" len="med"/>
+                      <a:tailEnd type="none" w="med" len="med"/>
+                    </a:lnT>
+                    <a:lnB w="12700" cap="flat" cmpd="sng" algn="ctr">
+                      <a:solidFill>
+                        <a:schemeClr val="tx1"/>
+                      </a:solidFill>
+                      <a:prstDash val="solid"/>
+                      <a:round/>
+                      <a:headEnd type="none" w="med" len="med"/>
+                      <a:tailEnd type="none" w="med" len="med"/>
+                    </a:lnB>
+                  </a:tcPr>
+                </a:tc>
+                <a:tc hMerge="1">
+                  <a:txBody>
+                    <a:bodyPr/>
+                    <a:lstStyle/>
+                    <a:p>
+                      <a:endParaRPr lang="it-IT" dirty="0"/>
+                    </a:p>
+                  </a:txBody>
+                  <a:tcPr/>
+                </a:tc>
+                <a:tc hMerge="1">
+                  <a:txBody>
+                    <a:bodyPr/>
+                    <a:lstStyle/>
+                    <a:p>
+                      <a:endParaRPr lang="it-IT"/>
+                    </a:p>
+                  </a:txBody>
+                  <a:tcPr/>
+                </a:tc>
+                <a:tc hMerge="1">
+                  <a:txBody>
+                    <a:bodyPr/>
+                    <a:lstStyle/>
+                    <a:p>
+                      <a:pPr algn="ctr"/>
+                      <a:endParaRPr lang="it-IT" sz="3200" dirty="0"/>
+                    </a:p>
+                  </a:txBody>
+                  <a:tcPr/>
+                </a:tc>
+                <a:tc hMerge="1">
+                  <a:txBody>
+                    <a:bodyPr/>
+                    <a:lstStyle/>
+                    <a:p>
+                      <a:pPr algn="ctr"/>
+                      <a:endParaRPr lang="it-IT" sz="3200" dirty="0"/>
+                    </a:p>
+                  </a:txBody>
+                  <a:tcPr/>
+                </a:tc>
+                <a:extLst>
+                  <a:ext uri="{0D108BD9-81ED-4DB2-BD59-A6C34878D82A}">
+                    <a16:rowId xmlns:a16="http://schemas.microsoft.com/office/drawing/2014/main" val="1904552282"/>
+                  </a:ext>
+                </a:extLst>
+              </a:tr>
+              <a:tr h="573389">
+                <a:tc>
+                  <a:txBody>
+                    <a:bodyPr/>
+                    <a:lstStyle/>
+                    <a:p>
+                      <a:r>
+                        <a:rPr lang="it-IT" sz="2800" b="1" dirty="0"/>
+                        <a:t>Architecture</a:t>
+                      </a:r>
+                    </a:p>
+                  </a:txBody>
+                  <a:tcPr>
+                    <a:lnR w="12700" cap="flat" cmpd="sng" algn="ctr">
+                      <a:solidFill>
+                        <a:schemeClr val="tx1"/>
+                      </a:solidFill>
+                      <a:prstDash val="solid"/>
+                      <a:round/>
+                      <a:headEnd type="none" w="med" len="med"/>
+                      <a:tailEnd type="none" w="med" len="med"/>
+                    </a:lnR>
+                    <a:lnT w="12700" cap="flat" cmpd="sng" algn="ctr">
+                      <a:solidFill>
+                        <a:schemeClr val="tx1"/>
+                      </a:solidFill>
+                      <a:prstDash val="solid"/>
+                      <a:round/>
+                      <a:headEnd type="none" w="med" len="med"/>
+                      <a:tailEnd type="none" w="med" len="med"/>
+                    </a:lnT>
+                  </a:tcPr>
+                </a:tc>
+                <a:tc>
+                  <a:txBody>
+                    <a:bodyPr/>
+                    <a:lstStyle/>
+                    <a:p>
+                      <a:r>
+                        <a:rPr lang="it-IT" sz="2800" dirty="0"/>
+                        <a:t>Pascal</a:t>
+                      </a:r>
+                    </a:p>
+                  </a:txBody>
+                  <a:tcPr>
+                    <a:lnL w="12700" cap="flat" cmpd="sng" algn="ctr">
+                      <a:solidFill>
+                        <a:schemeClr val="tx1"/>
+                      </a:solidFill>
+                      <a:prstDash val="solid"/>
+                      <a:round/>
+                      <a:headEnd type="none" w="med" len="med"/>
+                      <a:tailEnd type="none" w="med" len="med"/>
+                    </a:lnL>
+                    <a:lnR w="12700" cap="flat" cmpd="sng" algn="ctr">
+                      <a:solidFill>
+                        <a:schemeClr val="tx1"/>
+                      </a:solidFill>
+                      <a:prstDash val="solid"/>
+                      <a:round/>
+                      <a:headEnd type="none" w="med" len="med"/>
+                      <a:tailEnd type="none" w="med" len="med"/>
+                    </a:lnR>
+                    <a:lnT w="12700" cap="flat" cmpd="sng" algn="ctr">
+                      <a:solidFill>
+                        <a:schemeClr val="tx1"/>
+                      </a:solidFill>
+                      <a:prstDash val="solid"/>
+                      <a:round/>
+                      <a:headEnd type="none" w="med" len="med"/>
+                      <a:tailEnd type="none" w="med" len="med"/>
+                    </a:lnT>
+                    <a:lnB w="12700" cap="flat" cmpd="sng" algn="ctr">
+                      <a:solidFill>
+                        <a:schemeClr val="tx1"/>
+                      </a:solidFill>
+                      <a:prstDash val="solid"/>
+                      <a:round/>
+                      <a:headEnd type="none" w="med" len="med"/>
+                      <a:tailEnd type="none" w="med" len="med"/>
+                    </a:lnB>
+                  </a:tcPr>
+                </a:tc>
+                <a:tc>
+                  <a:txBody>
+                    <a:bodyPr/>
+                    <a:lstStyle/>
+                    <a:p>
+                      <a:endParaRPr lang="it-IT" sz="2800" dirty="0"/>
+                    </a:p>
+                  </a:txBody>
+                  <a:tcPr>
+                    <a:lnL w="12700" cap="flat" cmpd="sng" algn="ctr">
+                      <a:solidFill>
+                        <a:schemeClr val="tx1"/>
+                      </a:solidFill>
+                      <a:prstDash val="solid"/>
+                      <a:round/>
+                      <a:headEnd type="none" w="med" len="med"/>
+                      <a:tailEnd type="none" w="med" len="med"/>
+                    </a:lnL>
+                    <a:lnR w="12700" cap="flat" cmpd="sng" algn="ctr">
+                      <a:solidFill>
+                        <a:schemeClr val="tx1"/>
+                      </a:solidFill>
+                      <a:prstDash val="solid"/>
+                      <a:round/>
+                      <a:headEnd type="none" w="med" len="med"/>
+                      <a:tailEnd type="none" w="med" len="med"/>
+                    </a:lnR>
+                    <a:lnT w="12700" cap="flat" cmpd="sng" algn="ctr">
+                      <a:solidFill>
+                        <a:schemeClr val="tx1"/>
+                      </a:solidFill>
+                      <a:prstDash val="solid"/>
+                      <a:round/>
+                      <a:headEnd type="none" w="med" len="med"/>
+                      <a:tailEnd type="none" w="med" len="med"/>
+                    </a:lnT>
+                    <a:lnB w="12700" cmpd="sng">
+                      <a:noFill/>
+                    </a:lnB>
+                    <a:lnTlToBr w="12700" cmpd="sng">
+                      <a:noFill/>
+                      <a:prstDash val="solid"/>
+                    </a:lnTlToBr>
+                    <a:lnBlToTr w="12700" cmpd="sng">
+                      <a:noFill/>
+                      <a:prstDash val="solid"/>
+                    </a:lnBlToTr>
+                  </a:tcPr>
+                </a:tc>
+                <a:tc>
+                  <a:txBody>
+                    <a:bodyPr/>
+                    <a:lstStyle/>
+                    <a:p>
+                      <a:r>
+                        <a:rPr lang="it-IT" sz="2800" b="1" dirty="0"/>
+                        <a:t>Single Precision FLOP/s</a:t>
+                      </a:r>
+                    </a:p>
+                  </a:txBody>
+                  <a:tcPr>
+                    <a:lnL w="12700" cap="flat" cmpd="sng" algn="ctr">
+                      <a:solidFill>
+                        <a:schemeClr val="tx1"/>
+                      </a:solidFill>
+                      <a:prstDash val="solid"/>
+                      <a:round/>
+                      <a:headEnd type="none" w="med" len="med"/>
+                      <a:tailEnd type="none" w="med" len="med"/>
+                    </a:lnL>
+                    <a:lnR w="12700" cap="flat" cmpd="sng" algn="ctr">
+                      <a:solidFill>
+                        <a:schemeClr val="tx1"/>
+                      </a:solidFill>
+                      <a:prstDash val="solid"/>
+                      <a:round/>
+                      <a:headEnd type="none" w="med" len="med"/>
+                      <a:tailEnd type="none" w="med" len="med"/>
+                    </a:lnR>
+                    <a:lnT w="12700" cap="flat" cmpd="sng" algn="ctr">
+                      <a:solidFill>
+                        <a:schemeClr val="tx1"/>
+                      </a:solidFill>
+                      <a:prstDash val="solid"/>
+                      <a:round/>
+                      <a:headEnd type="none" w="med" len="med"/>
+                      <a:tailEnd type="none" w="med" len="med"/>
+                    </a:lnT>
+                    <a:lnB w="12700" cap="flat" cmpd="sng" algn="ctr">
+                      <a:solidFill>
+                        <a:schemeClr val="tx1"/>
+                      </a:solidFill>
+                      <a:prstDash val="solid"/>
+                      <a:round/>
+                      <a:headEnd type="none" w="med" len="med"/>
+                      <a:tailEnd type="none" w="med" len="med"/>
+                    </a:lnB>
+                  </a:tcPr>
+                </a:tc>
+                <a:tc>
+                  <a:txBody>
+                    <a:bodyPr/>
+                    <a:lstStyle/>
+                    <a:p>
+                      <a:r>
+                        <a:rPr lang="it-IT" sz="2800" dirty="0"/>
+                        <a:t>1,911 </a:t>
+                      </a:r>
+                      <a:r>
+                        <a:rPr lang="it-IT" sz="2800" dirty="0" err="1"/>
+                        <a:t>TeraFLOP</a:t>
+                      </a:r>
+                      <a:r>
+                        <a:rPr lang="it-IT" sz="2800" dirty="0"/>
+                        <a:t>/s</a:t>
+                      </a:r>
+                    </a:p>
+                  </a:txBody>
+                  <a:tcPr>
+                    <a:lnL w="12700" cap="flat" cmpd="sng" algn="ctr">
+                      <a:solidFill>
+                        <a:schemeClr val="tx1"/>
+                      </a:solidFill>
+                      <a:prstDash val="solid"/>
+                      <a:round/>
+                      <a:headEnd type="none" w="med" len="med"/>
+                      <a:tailEnd type="none" w="med" len="med"/>
+                    </a:lnL>
+                    <a:lnT w="12700" cap="flat" cmpd="sng" algn="ctr">
+                      <a:solidFill>
+                        <a:schemeClr val="tx1"/>
+                      </a:solidFill>
+                      <a:prstDash val="solid"/>
+                      <a:round/>
+                      <a:headEnd type="none" w="med" len="med"/>
+                      <a:tailEnd type="none" w="med" len="med"/>
+                    </a:lnT>
+                  </a:tcPr>
+                </a:tc>
+                <a:extLst>
+                  <a:ext uri="{0D108BD9-81ED-4DB2-BD59-A6C34878D82A}">
+                    <a16:rowId xmlns:a16="http://schemas.microsoft.com/office/drawing/2014/main" val="2149399690"/>
+                  </a:ext>
+                </a:extLst>
+              </a:tr>
+              <a:tr h="573389">
+                <a:tc>
+                  <a:txBody>
+                    <a:bodyPr/>
+                    <a:lstStyle/>
+                    <a:p>
+                      <a:r>
+                        <a:rPr lang="it-IT" sz="2800" b="1" dirty="0"/>
+                        <a:t>Cuda Cores</a:t>
+                      </a:r>
+                    </a:p>
+                  </a:txBody>
+                  <a:tcPr>
+                    <a:lnR w="12700" cap="flat" cmpd="sng" algn="ctr">
+                      <a:solidFill>
+                        <a:schemeClr val="tx1"/>
+                      </a:solidFill>
+                      <a:prstDash val="solid"/>
+                      <a:round/>
+                      <a:headEnd type="none" w="med" len="med"/>
+                      <a:tailEnd type="none" w="med" len="med"/>
+                    </a:lnR>
+                  </a:tcPr>
+                </a:tc>
+                <a:tc>
+                  <a:txBody>
+                    <a:bodyPr/>
+                    <a:lstStyle/>
+                    <a:p>
+                      <a:r>
+                        <a:rPr lang="it-IT" sz="2800" dirty="0"/>
+                        <a:t>640</a:t>
+                      </a:r>
+                    </a:p>
+                  </a:txBody>
+                  <a:tcPr>
+                    <a:lnL w="12700" cap="flat" cmpd="sng" algn="ctr">
+                      <a:solidFill>
+                        <a:schemeClr val="tx1"/>
+                      </a:solidFill>
+                      <a:prstDash val="solid"/>
+                      <a:round/>
+                      <a:headEnd type="none" w="med" len="med"/>
+                      <a:tailEnd type="none" w="med" len="med"/>
+                    </a:lnL>
+                    <a:lnR w="12700" cap="flat" cmpd="sng" algn="ctr">
+                      <a:solidFill>
+                        <a:schemeClr val="tx1"/>
+                      </a:solidFill>
+                      <a:prstDash val="solid"/>
+                      <a:round/>
+                      <a:headEnd type="none" w="med" len="med"/>
+                      <a:tailEnd type="none" w="med" len="med"/>
+                    </a:lnR>
+                    <a:lnT w="12700" cap="flat" cmpd="sng" algn="ctr">
+                      <a:solidFill>
+                        <a:schemeClr val="tx1"/>
+                      </a:solidFill>
+                      <a:prstDash val="solid"/>
+                      <a:round/>
+                      <a:headEnd type="none" w="med" len="med"/>
+                      <a:tailEnd type="none" w="med" len="med"/>
+                    </a:lnT>
+                    <a:lnB w="12700" cap="flat" cmpd="sng" algn="ctr">
+                      <a:solidFill>
+                        <a:schemeClr val="tx1"/>
+                      </a:solidFill>
+                      <a:prstDash val="solid"/>
+                      <a:round/>
+                      <a:headEnd type="none" w="med" len="med"/>
+                      <a:tailEnd type="none" w="med" len="med"/>
+                    </a:lnB>
+                  </a:tcPr>
+                </a:tc>
+                <a:tc>
+                  <a:txBody>
+                    <a:bodyPr/>
+                    <a:lstStyle/>
+                    <a:p>
+                      <a:endParaRPr lang="it-IT" sz="2800" dirty="0"/>
+                    </a:p>
+                  </a:txBody>
+                  <a:tcPr>
+                    <a:lnL w="12700" cap="flat" cmpd="sng" algn="ctr">
+                      <a:solidFill>
+                        <a:schemeClr val="tx1"/>
+                      </a:solidFill>
+                      <a:prstDash val="solid"/>
+                      <a:round/>
+                      <a:headEnd type="none" w="med" len="med"/>
+                      <a:tailEnd type="none" w="med" len="med"/>
+                    </a:lnL>
+                    <a:lnR w="12700" cap="flat" cmpd="sng" algn="ctr">
+                      <a:solidFill>
+                        <a:schemeClr val="tx1"/>
+                      </a:solidFill>
+                      <a:prstDash val="solid"/>
+                      <a:round/>
+                      <a:headEnd type="none" w="med" len="med"/>
+                      <a:tailEnd type="none" w="med" len="med"/>
+                    </a:lnR>
+                    <a:lnT w="12700" cmpd="sng">
+                      <a:noFill/>
+                    </a:lnT>
+                    <a:lnB w="12700" cmpd="sng">
+                      <a:noFill/>
+                    </a:lnB>
+                    <a:lnTlToBr w="12700" cmpd="sng">
+                      <a:noFill/>
+                      <a:prstDash val="solid"/>
+                    </a:lnTlToBr>
+                    <a:lnBlToTr w="12700" cmpd="sng">
+                      <a:noFill/>
+                      <a:prstDash val="solid"/>
+                    </a:lnBlToTr>
+                  </a:tcPr>
+                </a:tc>
+                <a:tc>
+                  <a:txBody>
+                    <a:bodyPr/>
+                    <a:lstStyle/>
+                    <a:p>
+                      <a:r>
+                        <a:rPr lang="it-IT" sz="2800" b="1" dirty="0"/>
+                        <a:t>Double Precision FLOP/s</a:t>
+                      </a:r>
+                    </a:p>
+                  </a:txBody>
+                  <a:tcPr>
+                    <a:lnL w="12700" cap="flat" cmpd="sng" algn="ctr">
+                      <a:solidFill>
+                        <a:schemeClr val="tx1"/>
+                      </a:solidFill>
+                      <a:prstDash val="solid"/>
+                      <a:round/>
+                      <a:headEnd type="none" w="med" len="med"/>
+                      <a:tailEnd type="none" w="med" len="med"/>
+                    </a:lnL>
+                    <a:lnR w="12700" cap="flat" cmpd="sng" algn="ctr">
+                      <a:solidFill>
+                        <a:schemeClr val="tx1"/>
+                      </a:solidFill>
+                      <a:prstDash val="solid"/>
+                      <a:round/>
+                      <a:headEnd type="none" w="med" len="med"/>
+                      <a:tailEnd type="none" w="med" len="med"/>
+                    </a:lnR>
+                    <a:lnT w="12700" cap="flat" cmpd="sng" algn="ctr">
+                      <a:solidFill>
+                        <a:schemeClr val="tx1"/>
+                      </a:solidFill>
+                      <a:prstDash val="solid"/>
+                      <a:round/>
+                      <a:headEnd type="none" w="med" len="med"/>
+                      <a:tailEnd type="none" w="med" len="med"/>
+                    </a:lnT>
+                    <a:lnB w="12700" cap="flat" cmpd="sng" algn="ctr">
+                      <a:solidFill>
+                        <a:schemeClr val="tx1"/>
+                      </a:solidFill>
+                      <a:prstDash val="solid"/>
+                      <a:round/>
+                      <a:headEnd type="none" w="med" len="med"/>
+                      <a:tailEnd type="none" w="med" len="med"/>
+                    </a:lnB>
+                  </a:tcPr>
+                </a:tc>
+                <a:tc>
+                  <a:txBody>
+                    <a:bodyPr/>
+                    <a:lstStyle/>
+                    <a:p>
+                      <a:r>
+                        <a:rPr lang="it-IT" sz="2800" dirty="0"/>
+                        <a:t>59,72 </a:t>
+                      </a:r>
+                      <a:r>
+                        <a:rPr lang="it-IT" sz="2800" dirty="0" err="1"/>
+                        <a:t>GigaFLOP</a:t>
+                      </a:r>
+                      <a:r>
+                        <a:rPr lang="it-IT" sz="2800" dirty="0"/>
+                        <a:t>/s</a:t>
+                      </a:r>
+                    </a:p>
+                  </a:txBody>
+                  <a:tcPr>
+                    <a:lnL w="12700" cap="flat" cmpd="sng" algn="ctr">
+                      <a:solidFill>
+                        <a:schemeClr val="tx1"/>
+                      </a:solidFill>
+                      <a:prstDash val="solid"/>
+                      <a:round/>
+                      <a:headEnd type="none" w="med" len="med"/>
+                      <a:tailEnd type="none" w="med" len="med"/>
+                    </a:lnL>
+                  </a:tcPr>
+                </a:tc>
+                <a:extLst>
+                  <a:ext uri="{0D108BD9-81ED-4DB2-BD59-A6C34878D82A}">
+                    <a16:rowId xmlns:a16="http://schemas.microsoft.com/office/drawing/2014/main" val="342167756"/>
+                  </a:ext>
+                </a:extLst>
+              </a:tr>
+              <a:tr h="573389">
+                <a:tc>
+                  <a:txBody>
+                    <a:bodyPr/>
+                    <a:lstStyle/>
+                    <a:p>
+                      <a:r>
+                        <a:rPr lang="en-US" sz="2800" b="1" noProof="0" dirty="0"/>
+                        <a:t>Multiprocessors</a:t>
+                      </a:r>
+                    </a:p>
+                  </a:txBody>
+                  <a:tcPr>
+                    <a:lnR w="12700" cap="flat" cmpd="sng" algn="ctr">
+                      <a:solidFill>
+                        <a:schemeClr val="tx1"/>
+                      </a:solidFill>
+                      <a:prstDash val="solid"/>
+                      <a:round/>
+                      <a:headEnd type="none" w="med" len="med"/>
+                      <a:tailEnd type="none" w="med" len="med"/>
+                    </a:lnR>
+                  </a:tcPr>
+                </a:tc>
+                <a:tc>
+                  <a:txBody>
+                    <a:bodyPr/>
+                    <a:lstStyle/>
+                    <a:p>
+                      <a:r>
+                        <a:rPr lang="it-IT" sz="2800" dirty="0"/>
+                        <a:t>5</a:t>
+                      </a:r>
+                    </a:p>
+                  </a:txBody>
+                  <a:tcPr>
+                    <a:lnL w="12700" cap="flat" cmpd="sng" algn="ctr">
+                      <a:solidFill>
+                        <a:schemeClr val="tx1"/>
+                      </a:solidFill>
+                      <a:prstDash val="solid"/>
+                      <a:round/>
+                      <a:headEnd type="none" w="med" len="med"/>
+                      <a:tailEnd type="none" w="med" len="med"/>
+                    </a:lnL>
+                    <a:lnR w="12700" cap="flat" cmpd="sng" algn="ctr">
+                      <a:solidFill>
+                        <a:schemeClr val="tx1"/>
+                      </a:solidFill>
+                      <a:prstDash val="solid"/>
+                      <a:round/>
+                      <a:headEnd type="none" w="med" len="med"/>
+                      <a:tailEnd type="none" w="med" len="med"/>
+                    </a:lnR>
+                    <a:lnT w="12700" cap="flat" cmpd="sng" algn="ctr">
+                      <a:solidFill>
+                        <a:schemeClr val="tx1"/>
+                      </a:solidFill>
+                      <a:prstDash val="solid"/>
+                      <a:round/>
+                      <a:headEnd type="none" w="med" len="med"/>
+                      <a:tailEnd type="none" w="med" len="med"/>
+                    </a:lnT>
+                    <a:lnB w="12700" cap="flat" cmpd="sng" algn="ctr">
+                      <a:solidFill>
+                        <a:schemeClr val="tx1"/>
+                      </a:solidFill>
+                      <a:prstDash val="solid"/>
+                      <a:round/>
+                      <a:headEnd type="none" w="med" len="med"/>
+                      <a:tailEnd type="none" w="med" len="med"/>
+                    </a:lnB>
+                  </a:tcPr>
+                </a:tc>
+                <a:tc>
+                  <a:txBody>
+                    <a:bodyPr/>
+                    <a:lstStyle/>
+                    <a:p>
+                      <a:endParaRPr lang="it-IT" sz="2800" dirty="0"/>
+                    </a:p>
+                  </a:txBody>
+                  <a:tcPr>
+                    <a:lnL w="12700" cap="flat" cmpd="sng" algn="ctr">
+                      <a:solidFill>
+                        <a:schemeClr val="tx1"/>
+                      </a:solidFill>
+                      <a:prstDash val="solid"/>
+                      <a:round/>
+                      <a:headEnd type="none" w="med" len="med"/>
+                      <a:tailEnd type="none" w="med" len="med"/>
+                    </a:lnL>
+                    <a:lnR w="12700" cap="flat" cmpd="sng" algn="ctr">
+                      <a:solidFill>
+                        <a:schemeClr val="tx1"/>
+                      </a:solidFill>
+                      <a:prstDash val="solid"/>
+                      <a:round/>
+                      <a:headEnd type="none" w="med" len="med"/>
+                      <a:tailEnd type="none" w="med" len="med"/>
+                    </a:lnR>
+                    <a:lnT w="12700" cmpd="sng">
+                      <a:noFill/>
+                    </a:lnT>
+                    <a:lnB w="12700" cmpd="sng">
+                      <a:noFill/>
+                    </a:lnB>
+                    <a:lnTlToBr w="12700" cmpd="sng">
+                      <a:noFill/>
+                      <a:prstDash val="solid"/>
+                    </a:lnTlToBr>
+                    <a:lnBlToTr w="12700" cmpd="sng">
+                      <a:noFill/>
+                      <a:prstDash val="solid"/>
+                    </a:lnBlToTr>
+                  </a:tcPr>
+                </a:tc>
+                <a:tc>
+                  <a:txBody>
+                    <a:bodyPr/>
+                    <a:lstStyle/>
+                    <a:p>
+                      <a:r>
+                        <a:rPr lang="it-IT" sz="2800" b="1" dirty="0"/>
+                        <a:t>Constant Memory Size</a:t>
+                      </a:r>
+                    </a:p>
+                  </a:txBody>
+                  <a:tcPr>
+                    <a:lnL w="12700" cap="flat" cmpd="sng" algn="ctr">
+                      <a:solidFill>
+                        <a:schemeClr val="tx1"/>
+                      </a:solidFill>
+                      <a:prstDash val="solid"/>
+                      <a:round/>
+                      <a:headEnd type="none" w="med" len="med"/>
+                      <a:tailEnd type="none" w="med" len="med"/>
+                    </a:lnL>
+                    <a:lnR w="12700" cap="flat" cmpd="sng" algn="ctr">
+                      <a:solidFill>
+                        <a:schemeClr val="tx1"/>
+                      </a:solidFill>
+                      <a:prstDash val="solid"/>
+                      <a:round/>
+                      <a:headEnd type="none" w="med" len="med"/>
+                      <a:tailEnd type="none" w="med" len="med"/>
+                    </a:lnR>
+                    <a:lnT w="12700" cap="flat" cmpd="sng" algn="ctr">
+                      <a:solidFill>
+                        <a:schemeClr val="tx1"/>
+                      </a:solidFill>
+                      <a:prstDash val="solid"/>
+                      <a:round/>
+                      <a:headEnd type="none" w="med" len="med"/>
+                      <a:tailEnd type="none" w="med" len="med"/>
+                    </a:lnT>
+                    <a:lnB w="12700" cap="flat" cmpd="sng" algn="ctr">
+                      <a:solidFill>
+                        <a:schemeClr val="tx1"/>
+                      </a:solidFill>
+                      <a:prstDash val="solid"/>
+                      <a:round/>
+                      <a:headEnd type="none" w="med" len="med"/>
+                      <a:tailEnd type="none" w="med" len="med"/>
+                    </a:lnB>
+                  </a:tcPr>
+                </a:tc>
+                <a:tc>
+                  <a:txBody>
+                    <a:bodyPr/>
+                    <a:lstStyle/>
+                    <a:p>
+                      <a:r>
+                        <a:rPr lang="en-US" sz="2800" b="0" kern="1200" dirty="0">
+                          <a:solidFill>
+                            <a:schemeClr val="tx1"/>
+                          </a:solidFill>
+                          <a:effectLst/>
+                        </a:rPr>
+                        <a:t>64 KiB</a:t>
+                      </a:r>
+                      <a:endParaRPr lang="it-IT" sz="2800" b="0" dirty="0">
+                        <a:solidFill>
+                          <a:schemeClr val="tx1"/>
+                        </a:solidFill>
+                      </a:endParaRPr>
+                    </a:p>
+                  </a:txBody>
+                  <a:tcPr>
+                    <a:lnL w="12700" cap="flat" cmpd="sng" algn="ctr">
+                      <a:solidFill>
+                        <a:schemeClr val="tx1"/>
+                      </a:solidFill>
+                      <a:prstDash val="solid"/>
+                      <a:round/>
+                      <a:headEnd type="none" w="med" len="med"/>
+                      <a:tailEnd type="none" w="med" len="med"/>
+                    </a:lnL>
+                  </a:tcPr>
+                </a:tc>
+                <a:extLst>
+                  <a:ext uri="{0D108BD9-81ED-4DB2-BD59-A6C34878D82A}">
+                    <a16:rowId xmlns:a16="http://schemas.microsoft.com/office/drawing/2014/main" val="4056528446"/>
+                  </a:ext>
+                </a:extLst>
+              </a:tr>
+              <a:tr h="573389">
+                <a:tc>
+                  <a:txBody>
+                    <a:bodyPr/>
+                    <a:lstStyle/>
+                    <a:p>
+                      <a:r>
+                        <a:rPr lang="it-IT" sz="2800" b="1" dirty="0"/>
+                        <a:t>Clock rate</a:t>
+                      </a:r>
+                    </a:p>
+                  </a:txBody>
+                  <a:tcPr>
+                    <a:lnR w="12700" cap="flat" cmpd="sng" algn="ctr">
+                      <a:solidFill>
+                        <a:schemeClr val="tx1"/>
+                      </a:solidFill>
+                      <a:prstDash val="solid"/>
+                      <a:round/>
+                      <a:headEnd type="none" w="med" len="med"/>
+                      <a:tailEnd type="none" w="med" len="med"/>
+                    </a:lnR>
+                  </a:tcPr>
+                </a:tc>
+                <a:tc>
+                  <a:txBody>
+                    <a:bodyPr/>
+                    <a:lstStyle/>
+                    <a:p>
+                      <a:r>
+                        <a:rPr lang="en-US" sz="2800" b="0" kern="1200" dirty="0">
+                          <a:solidFill>
+                            <a:schemeClr val="tx1"/>
+                          </a:solidFill>
+                          <a:effectLst/>
+                        </a:rPr>
+                        <a:t>1,493 GHz</a:t>
+                      </a:r>
+                      <a:endParaRPr lang="it-IT" sz="2800" dirty="0">
+                        <a:solidFill>
+                          <a:schemeClr val="tx1"/>
+                        </a:solidFill>
+                      </a:endParaRPr>
+                    </a:p>
+                  </a:txBody>
+                  <a:tcPr>
+                    <a:lnL w="12700" cap="flat" cmpd="sng" algn="ctr">
+                      <a:solidFill>
+                        <a:schemeClr val="tx1"/>
+                      </a:solidFill>
+                      <a:prstDash val="solid"/>
+                      <a:round/>
+                      <a:headEnd type="none" w="med" len="med"/>
+                      <a:tailEnd type="none" w="med" len="med"/>
+                    </a:lnL>
+                    <a:lnR w="12700" cap="flat" cmpd="sng" algn="ctr">
+                      <a:solidFill>
+                        <a:schemeClr val="tx1"/>
+                      </a:solidFill>
+                      <a:prstDash val="solid"/>
+                      <a:round/>
+                      <a:headEnd type="none" w="med" len="med"/>
+                      <a:tailEnd type="none" w="med" len="med"/>
+                    </a:lnR>
+                    <a:lnT w="12700" cap="flat" cmpd="sng" algn="ctr">
+                      <a:solidFill>
+                        <a:schemeClr val="tx1"/>
+                      </a:solidFill>
+                      <a:prstDash val="solid"/>
+                      <a:round/>
+                      <a:headEnd type="none" w="med" len="med"/>
+                      <a:tailEnd type="none" w="med" len="med"/>
+                    </a:lnT>
+                    <a:lnB w="12700" cap="flat" cmpd="sng" algn="ctr">
+                      <a:solidFill>
+                        <a:schemeClr val="tx1"/>
+                      </a:solidFill>
+                      <a:prstDash val="solid"/>
+                      <a:round/>
+                      <a:headEnd type="none" w="med" len="med"/>
+                      <a:tailEnd type="none" w="med" len="med"/>
+                    </a:lnB>
+                  </a:tcPr>
+                </a:tc>
+                <a:tc>
+                  <a:txBody>
+                    <a:bodyPr/>
+                    <a:lstStyle/>
+                    <a:p>
+                      <a:endParaRPr lang="it-IT" sz="2800" dirty="0">
+                        <a:solidFill>
+                          <a:schemeClr val="tx1"/>
+                        </a:solidFill>
+                      </a:endParaRPr>
+                    </a:p>
+                  </a:txBody>
+                  <a:tcPr>
+                    <a:lnL w="12700" cap="flat" cmpd="sng" algn="ctr">
+                      <a:solidFill>
+                        <a:schemeClr val="tx1"/>
+                      </a:solidFill>
+                      <a:prstDash val="solid"/>
+                      <a:round/>
+                      <a:headEnd type="none" w="med" len="med"/>
+                      <a:tailEnd type="none" w="med" len="med"/>
+                    </a:lnL>
+                    <a:lnR w="12700" cap="flat" cmpd="sng" algn="ctr">
+                      <a:solidFill>
+                        <a:schemeClr val="tx1"/>
+                      </a:solidFill>
+                      <a:prstDash val="solid"/>
+                      <a:round/>
+                      <a:headEnd type="none" w="med" len="med"/>
+                      <a:tailEnd type="none" w="med" len="med"/>
+                    </a:lnR>
+                    <a:lnT w="12700" cmpd="sng">
+                      <a:noFill/>
+                    </a:lnT>
+                    <a:lnB w="12700" cmpd="sng">
+                      <a:noFill/>
+                    </a:lnB>
+                    <a:lnTlToBr w="12700" cmpd="sng">
+                      <a:noFill/>
+                      <a:prstDash val="solid"/>
+                    </a:lnTlToBr>
+                    <a:lnBlToTr w="12700" cmpd="sng">
+                      <a:noFill/>
+                      <a:prstDash val="solid"/>
+                    </a:lnBlToTr>
+                  </a:tcPr>
+                </a:tc>
+                <a:tc>
+                  <a:txBody>
+                    <a:bodyPr/>
+                    <a:lstStyle/>
+                    <a:p>
+                      <a:r>
+                        <a:rPr lang="it-IT" sz="2800" b="1" dirty="0"/>
+                        <a:t>L2 Cache Size</a:t>
+                      </a:r>
+                    </a:p>
+                  </a:txBody>
+                  <a:tcPr>
+                    <a:lnL w="12700" cap="flat" cmpd="sng" algn="ctr">
+                      <a:solidFill>
+                        <a:schemeClr val="tx1"/>
+                      </a:solidFill>
+                      <a:prstDash val="solid"/>
+                      <a:round/>
+                      <a:headEnd type="none" w="med" len="med"/>
+                      <a:tailEnd type="none" w="med" len="med"/>
+                    </a:lnL>
+                    <a:lnR w="12700" cap="flat" cmpd="sng" algn="ctr">
+                      <a:solidFill>
+                        <a:schemeClr val="tx1"/>
+                      </a:solidFill>
+                      <a:prstDash val="solid"/>
+                      <a:round/>
+                      <a:headEnd type="none" w="med" len="med"/>
+                      <a:tailEnd type="none" w="med" len="med"/>
+                    </a:lnR>
+                    <a:lnT w="12700" cap="flat" cmpd="sng" algn="ctr">
+                      <a:solidFill>
+                        <a:schemeClr val="tx1"/>
+                      </a:solidFill>
+                      <a:prstDash val="solid"/>
+                      <a:round/>
+                      <a:headEnd type="none" w="med" len="med"/>
+                      <a:tailEnd type="none" w="med" len="med"/>
+                    </a:lnT>
+                    <a:lnB w="12700" cap="flat" cmpd="sng" algn="ctr">
+                      <a:solidFill>
+                        <a:schemeClr val="tx1"/>
+                      </a:solidFill>
+                      <a:prstDash val="solid"/>
+                      <a:round/>
+                      <a:headEnd type="none" w="med" len="med"/>
+                      <a:tailEnd type="none" w="med" len="med"/>
+                    </a:lnB>
+                  </a:tcPr>
+                </a:tc>
+                <a:tc>
+                  <a:txBody>
+                    <a:bodyPr/>
+                    <a:lstStyle/>
+                    <a:p>
+                      <a:r>
+                        <a:rPr lang="it-IT" sz="2800" b="0" dirty="0">
+                          <a:solidFill>
+                            <a:schemeClr val="tx1"/>
+                          </a:solidFill>
+                        </a:rPr>
+                        <a:t>512 </a:t>
+                      </a:r>
+                      <a:r>
+                        <a:rPr lang="it-IT" sz="2800" b="0" dirty="0" err="1">
+                          <a:solidFill>
+                            <a:schemeClr val="tx1"/>
+                          </a:solidFill>
+                        </a:rPr>
+                        <a:t>KiB</a:t>
+                      </a:r>
+                      <a:endParaRPr lang="it-IT" sz="2800" b="0" dirty="0">
+                        <a:solidFill>
+                          <a:schemeClr val="tx1"/>
+                        </a:solidFill>
+                      </a:endParaRPr>
+                    </a:p>
+                  </a:txBody>
+                  <a:tcPr>
+                    <a:lnL w="12700" cap="flat" cmpd="sng" algn="ctr">
+                      <a:solidFill>
+                        <a:schemeClr val="tx1"/>
+                      </a:solidFill>
+                      <a:prstDash val="solid"/>
+                      <a:round/>
+                      <a:headEnd type="none" w="med" len="med"/>
+                      <a:tailEnd type="none" w="med" len="med"/>
+                    </a:lnL>
+                  </a:tcPr>
+                </a:tc>
+                <a:extLst>
+                  <a:ext uri="{0D108BD9-81ED-4DB2-BD59-A6C34878D82A}">
+                    <a16:rowId xmlns:a16="http://schemas.microsoft.com/office/drawing/2014/main" val="2478026342"/>
+                  </a:ext>
+                </a:extLst>
+              </a:tr>
+              <a:tr h="573389">
+                <a:tc>
+                  <a:txBody>
+                    <a:bodyPr/>
+                    <a:lstStyle/>
+                    <a:p>
+                      <a:r>
+                        <a:rPr lang="it-IT" sz="2800" b="1" dirty="0"/>
+                        <a:t>Global Memory Size</a:t>
+                      </a:r>
+                    </a:p>
+                  </a:txBody>
+                  <a:tcPr>
+                    <a:lnR w="12700" cap="flat" cmpd="sng" algn="ctr">
+                      <a:solidFill>
+                        <a:schemeClr val="tx1"/>
+                      </a:solidFill>
+                      <a:prstDash val="solid"/>
+                      <a:round/>
+                      <a:headEnd type="none" w="med" len="med"/>
+                      <a:tailEnd type="none" w="med" len="med"/>
+                    </a:lnR>
+                  </a:tcPr>
+                </a:tc>
+                <a:tc>
+                  <a:txBody>
+                    <a:bodyPr/>
+                    <a:lstStyle/>
+                    <a:p>
+                      <a:r>
+                        <a:rPr lang="en-US" sz="2800" b="0" kern="1200" dirty="0">
+                          <a:solidFill>
+                            <a:schemeClr val="tx1"/>
+                          </a:solidFill>
+                          <a:effectLst/>
+                        </a:rPr>
+                        <a:t>3,946 GiB</a:t>
+                      </a:r>
+                      <a:endParaRPr lang="it-IT" sz="2800" dirty="0">
+                        <a:solidFill>
+                          <a:schemeClr val="tx1"/>
+                        </a:solidFill>
+                      </a:endParaRPr>
+                    </a:p>
+                  </a:txBody>
+                  <a:tcPr>
+                    <a:lnL w="12700" cap="flat" cmpd="sng" algn="ctr">
+                      <a:solidFill>
+                        <a:schemeClr val="tx1"/>
+                      </a:solidFill>
+                      <a:prstDash val="solid"/>
+                      <a:round/>
+                      <a:headEnd type="none" w="med" len="med"/>
+                      <a:tailEnd type="none" w="med" len="med"/>
+                    </a:lnL>
+                    <a:lnR w="12700" cap="flat" cmpd="sng" algn="ctr">
+                      <a:solidFill>
+                        <a:schemeClr val="tx1"/>
+                      </a:solidFill>
+                      <a:prstDash val="solid"/>
+                      <a:round/>
+                      <a:headEnd type="none" w="med" len="med"/>
+                      <a:tailEnd type="none" w="med" len="med"/>
+                    </a:lnR>
+                    <a:lnT w="12700" cap="flat" cmpd="sng" algn="ctr">
+                      <a:solidFill>
+                        <a:schemeClr val="tx1"/>
+                      </a:solidFill>
+                      <a:prstDash val="solid"/>
+                      <a:round/>
+                      <a:headEnd type="none" w="med" len="med"/>
+                      <a:tailEnd type="none" w="med" len="med"/>
+                    </a:lnT>
+                    <a:lnB w="12700" cap="flat" cmpd="sng" algn="ctr">
+                      <a:solidFill>
+                        <a:schemeClr val="tx1"/>
+                      </a:solidFill>
+                      <a:prstDash val="solid"/>
+                      <a:round/>
+                      <a:headEnd type="none" w="med" len="med"/>
+                      <a:tailEnd type="none" w="med" len="med"/>
+                    </a:lnB>
+                  </a:tcPr>
+                </a:tc>
+                <a:tc>
+                  <a:txBody>
+                    <a:bodyPr/>
+                    <a:lstStyle/>
+                    <a:p>
+                      <a:endParaRPr lang="it-IT" sz="2800" dirty="0">
+                        <a:solidFill>
+                          <a:schemeClr val="tx1"/>
+                        </a:solidFill>
+                      </a:endParaRPr>
+                    </a:p>
+                  </a:txBody>
+                  <a:tcPr>
+                    <a:lnL w="12700" cap="flat" cmpd="sng" algn="ctr">
+                      <a:solidFill>
+                        <a:schemeClr val="tx1"/>
+                      </a:solidFill>
+                      <a:prstDash val="solid"/>
+                      <a:round/>
+                      <a:headEnd type="none" w="med" len="med"/>
+                      <a:tailEnd type="none" w="med" len="med"/>
+                    </a:lnL>
+                    <a:lnR w="12700" cap="flat" cmpd="sng" algn="ctr">
+                      <a:solidFill>
+                        <a:schemeClr val="tx1"/>
+                      </a:solidFill>
+                      <a:prstDash val="solid"/>
+                      <a:round/>
+                      <a:headEnd type="none" w="med" len="med"/>
+                      <a:tailEnd type="none" w="med" len="med"/>
+                    </a:lnR>
+                    <a:lnT w="12700" cmpd="sng">
+                      <a:noFill/>
+                    </a:lnT>
+                    <a:lnB w="12700" cmpd="sng">
+                      <a:noFill/>
+                    </a:lnB>
+                    <a:lnTlToBr w="12700" cmpd="sng">
+                      <a:noFill/>
+                      <a:prstDash val="solid"/>
+                    </a:lnTlToBr>
+                    <a:lnBlToTr w="12700" cmpd="sng">
+                      <a:noFill/>
+                      <a:prstDash val="solid"/>
+                    </a:lnBlToTr>
+                  </a:tcPr>
+                </a:tc>
+                <a:tc>
+                  <a:txBody>
+                    <a:bodyPr/>
+                    <a:lstStyle/>
+                    <a:p>
+                      <a:r>
+                        <a:rPr lang="it-IT" sz="2800" b="1" dirty="0"/>
+                        <a:t>Global Memory </a:t>
+                      </a:r>
+                      <a:r>
+                        <a:rPr lang="it-IT" sz="2800" b="1" dirty="0" err="1"/>
+                        <a:t>Bandwidth</a:t>
+                      </a:r>
+                      <a:endParaRPr lang="it-IT" sz="2800" b="1" dirty="0"/>
+                    </a:p>
+                  </a:txBody>
+                  <a:tcPr>
+                    <a:lnL w="12700" cap="flat" cmpd="sng" algn="ctr">
+                      <a:solidFill>
+                        <a:schemeClr val="tx1"/>
+                      </a:solidFill>
+                      <a:prstDash val="solid"/>
+                      <a:round/>
+                      <a:headEnd type="none" w="med" len="med"/>
+                      <a:tailEnd type="none" w="med" len="med"/>
+                    </a:lnL>
+                    <a:lnR w="12700" cap="flat" cmpd="sng" algn="ctr">
+                      <a:solidFill>
+                        <a:schemeClr val="tx1"/>
+                      </a:solidFill>
+                      <a:prstDash val="solid"/>
+                      <a:round/>
+                      <a:headEnd type="none" w="med" len="med"/>
+                      <a:tailEnd type="none" w="med" len="med"/>
+                    </a:lnR>
+                    <a:lnT w="12700" cap="flat" cmpd="sng" algn="ctr">
+                      <a:solidFill>
+                        <a:schemeClr val="tx1"/>
+                      </a:solidFill>
+                      <a:prstDash val="solid"/>
+                      <a:round/>
+                      <a:headEnd type="none" w="med" len="med"/>
+                      <a:tailEnd type="none" w="med" len="med"/>
+                    </a:lnT>
+                    <a:lnB w="12700" cap="flat" cmpd="sng" algn="ctr">
+                      <a:solidFill>
+                        <a:schemeClr val="tx1"/>
+                      </a:solidFill>
+                      <a:prstDash val="solid"/>
+                      <a:round/>
+                      <a:headEnd type="none" w="med" len="med"/>
+                      <a:tailEnd type="none" w="med" len="med"/>
+                    </a:lnB>
+                  </a:tcPr>
+                </a:tc>
+                <a:tc>
+                  <a:txBody>
+                    <a:bodyPr/>
+                    <a:lstStyle/>
+                    <a:p>
+                      <a:r>
+                        <a:rPr lang="it-IT" sz="2800" b="0" dirty="0">
+                          <a:solidFill>
+                            <a:schemeClr val="tx1"/>
+                          </a:solidFill>
+                        </a:rPr>
+                        <a:t>112,128 GB/s</a:t>
+                      </a:r>
+                    </a:p>
+                  </a:txBody>
+                  <a:tcPr>
+                    <a:lnL w="12700" cap="flat" cmpd="sng" algn="ctr">
+                      <a:solidFill>
+                        <a:schemeClr val="tx1"/>
+                      </a:solidFill>
+                      <a:prstDash val="solid"/>
+                      <a:round/>
+                      <a:headEnd type="none" w="med" len="med"/>
+                      <a:tailEnd type="none" w="med" len="med"/>
+                    </a:lnL>
+                  </a:tcPr>
+                </a:tc>
+                <a:extLst>
+                  <a:ext uri="{0D108BD9-81ED-4DB2-BD59-A6C34878D82A}">
+                    <a16:rowId xmlns:a16="http://schemas.microsoft.com/office/drawing/2014/main" val="2373735209"/>
+                  </a:ext>
+                </a:extLst>
+              </a:tr>
+            </a:tbl>
+          </a:graphicData>
+        </a:graphic>
+      </p:graphicFrame>
+    </p:spTree>
+    <p:extLst>
+      <p:ext uri="{BB962C8B-B14F-4D97-AF65-F5344CB8AC3E}">
+        <p14:creationId xmlns:p14="http://schemas.microsoft.com/office/powerpoint/2010/main" val="3332816014"/>
+      </p:ext>
+    </p:extLst>
+  </p:cSld>
+  <p:clrMapOvr>
+    <a:masterClrMapping/>
+  </p:clrMapOvr>
+  <mc:AlternateContent xmlns:mc="http://schemas.openxmlformats.org/markup-compatibility/2006">
+    <mc:Choice xmlns:p14="http://schemas.microsoft.com/office/powerpoint/2010/main" Requires="p14">
+      <p:transition spd="med" p14:dur="700">
+        <p:fade/>
+      </p:transition>
+    </mc:Choice>
+    <mc:Fallback>
+      <p:transition spd="med">
+        <p:fade/>
+      </p:transition>
+    </mc:Fallback>
+  </mc:AlternateContent>
+</p:sld>
+</file>
+
 <file path=ppt/slides/slide2.xml><?xml version="1.0" encoding="utf-8"?>
 <p:sld xmlns:a="http://schemas.openxmlformats.org/drawingml/2006/main" xmlns:r="http://schemas.openxmlformats.org/officeDocument/2006/relationships" xmlns:p="http://schemas.openxmlformats.org/presentationml/2006/main">
   <p:cSld>
@@ -18798,6 +23137,2224 @@
     </mc:Choice>
     <mc:Fallback xmlns="">
       <p:transition spd="slow">
+        <p:fade/>
+      </p:transition>
+    </mc:Fallback>
+  </mc:AlternateContent>
+</p:sld>
+</file>
+
+<file path=ppt/slides/slide20.xml><?xml version="1.0" encoding="utf-8"?>
+<p:sld xmlns:a="http://schemas.openxmlformats.org/drawingml/2006/main" xmlns:r="http://schemas.openxmlformats.org/officeDocument/2006/relationships" xmlns:p="http://schemas.openxmlformats.org/presentationml/2006/main">
+  <p:cSld>
+    <p:spTree>
+      <p:nvGrpSpPr>
+        <p:cNvPr id="1" name=""/>
+        <p:cNvGrpSpPr/>
+        <p:nvPr/>
+      </p:nvGrpSpPr>
+      <p:grpSpPr>
+        <a:xfrm>
+          <a:off x="0" y="0"/>
+          <a:ext cx="0" cy="0"/>
+          <a:chOff x="0" y="0"/>
+          <a:chExt cx="0" cy="0"/>
+        </a:xfrm>
+      </p:grpSpPr>
+      <p:sp>
+        <p:nvSpPr>
+          <p:cNvPr id="2" name="Title 1">
+            <a:extLst>
+              <a:ext uri="{FF2B5EF4-FFF2-40B4-BE49-F238E27FC236}">
+                <a16:creationId xmlns:a16="http://schemas.microsoft.com/office/drawing/2014/main" id="{1B510F90-B0D5-B7B9-6E72-93E01419D300}"/>
+              </a:ext>
+            </a:extLst>
+          </p:cNvPr>
+          <p:cNvSpPr>
+            <a:spLocks noGrp="1"/>
+          </p:cNvSpPr>
+          <p:nvPr>
+            <p:ph type="title"/>
+          </p:nvPr>
+        </p:nvSpPr>
+        <p:spPr>
+          <a:xfrm>
+            <a:off x="1218883" y="274637"/>
+            <a:ext cx="10360501" cy="562075"/>
+          </a:xfrm>
+        </p:spPr>
+        <p:txBody>
+          <a:bodyPr>
+            <a:normAutofit fontScale="90000"/>
+          </a:bodyPr>
+          <a:lstStyle/>
+          <a:p>
+            <a:pPr algn="ctr"/>
+            <a:r>
+              <a:rPr lang="it-IT" dirty="0"/>
+              <a:t>GPU </a:t>
+            </a:r>
+            <a:r>
+              <a:rPr lang="it-IT" dirty="0" err="1"/>
+              <a:t>execution</a:t>
+            </a:r>
+            <a:r>
+              <a:rPr lang="it-IT" dirty="0"/>
+              <a:t> time</a:t>
+            </a:r>
+          </a:p>
+        </p:txBody>
+      </p:sp>
+      <p:graphicFrame>
+        <p:nvGraphicFramePr>
+          <p:cNvPr id="7" name="Content Placeholder 6">
+            <a:extLst>
+              <a:ext uri="{FF2B5EF4-FFF2-40B4-BE49-F238E27FC236}">
+                <a16:creationId xmlns:a16="http://schemas.microsoft.com/office/drawing/2014/main" id="{49377935-DC47-B3FB-BB0E-9E105FBEA12E}"/>
+              </a:ext>
+            </a:extLst>
+          </p:cNvPr>
+          <p:cNvGraphicFramePr>
+            <a:graphicFrameLocks noGrp="1"/>
+          </p:cNvGraphicFramePr>
+          <p:nvPr>
+            <p:ph idx="1"/>
+            <p:extLst>
+              <p:ext uri="{D42A27DB-BD31-4B8C-83A1-F6EECF244321}">
+                <p14:modId xmlns:p14="http://schemas.microsoft.com/office/powerpoint/2010/main" val="79149125"/>
+              </p:ext>
+            </p:extLst>
+          </p:nvPr>
+        </p:nvGraphicFramePr>
+        <p:xfrm>
+          <a:off x="765820" y="692696"/>
+          <a:ext cx="11017224" cy="5890667"/>
+        </p:xfrm>
+        <a:graphic>
+          <a:graphicData uri="http://schemas.openxmlformats.org/drawingml/2006/chart">
+            <c:chart xmlns:c="http://schemas.openxmlformats.org/drawingml/2006/chart" xmlns:r="http://schemas.openxmlformats.org/officeDocument/2006/relationships" r:id="rId2"/>
+          </a:graphicData>
+        </a:graphic>
+      </p:graphicFrame>
+    </p:spTree>
+    <p:extLst>
+      <p:ext uri="{BB962C8B-B14F-4D97-AF65-F5344CB8AC3E}">
+        <p14:creationId xmlns:p14="http://schemas.microsoft.com/office/powerpoint/2010/main" val="1620204499"/>
+      </p:ext>
+    </p:extLst>
+  </p:cSld>
+  <p:clrMapOvr>
+    <a:masterClrMapping/>
+  </p:clrMapOvr>
+  <mc:AlternateContent xmlns:mc="http://schemas.openxmlformats.org/markup-compatibility/2006" xmlns:p14="http://schemas.microsoft.com/office/powerpoint/2010/main">
+    <mc:Choice Requires="p14">
+      <p:transition spd="med" p14:dur="700">
+        <p:fade/>
+      </p:transition>
+    </mc:Choice>
+    <mc:Fallback xmlns="">
+      <p:transition spd="med">
+        <p:fade/>
+      </p:transition>
+    </mc:Fallback>
+  </mc:AlternateContent>
+</p:sld>
+</file>
+
+<file path=ppt/slides/slide21.xml><?xml version="1.0" encoding="utf-8"?>
+<p:sld xmlns:a="http://schemas.openxmlformats.org/drawingml/2006/main" xmlns:r="http://schemas.openxmlformats.org/officeDocument/2006/relationships" xmlns:p="http://schemas.openxmlformats.org/presentationml/2006/main">
+  <p:cSld>
+    <p:spTree>
+      <p:nvGrpSpPr>
+        <p:cNvPr id="1" name=""/>
+        <p:cNvGrpSpPr/>
+        <p:nvPr/>
+      </p:nvGrpSpPr>
+      <p:grpSpPr>
+        <a:xfrm>
+          <a:off x="0" y="0"/>
+          <a:ext cx="0" cy="0"/>
+          <a:chOff x="0" y="0"/>
+          <a:chExt cx="0" cy="0"/>
+        </a:xfrm>
+      </p:grpSpPr>
+      <p:sp>
+        <p:nvSpPr>
+          <p:cNvPr id="2" name="Title 1">
+            <a:extLst>
+              <a:ext uri="{FF2B5EF4-FFF2-40B4-BE49-F238E27FC236}">
+                <a16:creationId xmlns:a16="http://schemas.microsoft.com/office/drawing/2014/main" id="{1B510F90-B0D5-B7B9-6E72-93E01419D300}"/>
+              </a:ext>
+            </a:extLst>
+          </p:cNvPr>
+          <p:cNvSpPr>
+            <a:spLocks noGrp="1"/>
+          </p:cNvSpPr>
+          <p:nvPr>
+            <p:ph type="title"/>
+          </p:nvPr>
+        </p:nvSpPr>
+        <p:spPr>
+          <a:xfrm>
+            <a:off x="1218883" y="274637"/>
+            <a:ext cx="10360501" cy="562075"/>
+          </a:xfrm>
+        </p:spPr>
+        <p:txBody>
+          <a:bodyPr>
+            <a:normAutofit fontScale="90000"/>
+          </a:bodyPr>
+          <a:lstStyle/>
+          <a:p>
+            <a:pPr algn="ctr"/>
+            <a:r>
+              <a:rPr lang="it-IT" dirty="0"/>
+              <a:t>GPU </a:t>
+            </a:r>
+            <a:r>
+              <a:rPr lang="it-IT" dirty="0" err="1"/>
+              <a:t>speedup</a:t>
+            </a:r>
+            <a:endParaRPr lang="it-IT" dirty="0"/>
+          </a:p>
+        </p:txBody>
+      </p:sp>
+      <p:sp>
+        <p:nvSpPr>
+          <p:cNvPr id="8" name="Content Placeholder 3">
+            <a:extLst>
+              <a:ext uri="{FF2B5EF4-FFF2-40B4-BE49-F238E27FC236}">
+                <a16:creationId xmlns:a16="http://schemas.microsoft.com/office/drawing/2014/main" id="{AF7FCEA8-3585-0A3A-55B8-E104F2ABB6A3}"/>
+              </a:ext>
+            </a:extLst>
+          </p:cNvPr>
+          <p:cNvSpPr txBox="1">
+            <a:spLocks/>
+          </p:cNvSpPr>
+          <p:nvPr/>
+        </p:nvSpPr>
+        <p:spPr>
+          <a:xfrm>
+            <a:off x="7606580" y="1052736"/>
+            <a:ext cx="4248472" cy="5361050"/>
+          </a:xfrm>
+          <a:prstGeom prst="rect">
+            <a:avLst/>
+          </a:prstGeom>
+        </p:spPr>
+        <p:txBody>
+          <a:bodyPr>
+            <a:normAutofit/>
+          </a:bodyPr>
+          <a:lstStyle>
+            <a:lvl1pPr marL="304747" indent="-304747" algn="l" defTabSz="1218987" rtl="0" eaLnBrk="1" latinLnBrk="0" hangingPunct="1">
+              <a:lnSpc>
+                <a:spcPct val="90000"/>
+              </a:lnSpc>
+              <a:spcBef>
+                <a:spcPts val="1600"/>
+              </a:spcBef>
+              <a:buClr>
+                <a:schemeClr val="accent1"/>
+              </a:buClr>
+              <a:buSzPct val="100000"/>
+              <a:buFont typeface="Arial" pitchFamily="34" charset="0"/>
+              <a:buChar char="•"/>
+              <a:defRPr sz="2800" kern="1200">
+                <a:solidFill>
+                  <a:schemeClr val="tx1"/>
+                </a:solidFill>
+                <a:latin typeface="+mn-lt"/>
+                <a:ea typeface="+mn-ea"/>
+                <a:cs typeface="+mn-cs"/>
+              </a:defRPr>
+            </a:lvl1pPr>
+            <a:lvl2pPr marL="609493" indent="-231607" algn="l" defTabSz="1218987" rtl="0" eaLnBrk="1" latinLnBrk="0" hangingPunct="1">
+              <a:lnSpc>
+                <a:spcPct val="90000"/>
+              </a:lnSpc>
+              <a:spcBef>
+                <a:spcPts val="800"/>
+              </a:spcBef>
+              <a:buClr>
+                <a:schemeClr val="accent1"/>
+              </a:buClr>
+              <a:buSzPct val="80000"/>
+              <a:buFont typeface="Arial" pitchFamily="34" charset="0"/>
+              <a:buChar char="•"/>
+              <a:defRPr sz="2400" kern="1200">
+                <a:solidFill>
+                  <a:schemeClr val="tx1"/>
+                </a:solidFill>
+                <a:latin typeface="+mn-lt"/>
+                <a:ea typeface="+mn-ea"/>
+                <a:cs typeface="+mn-cs"/>
+              </a:defRPr>
+            </a:lvl2pPr>
+            <a:lvl3pPr marL="914240" indent="-231607" algn="l" defTabSz="1218987" rtl="0" eaLnBrk="1" latinLnBrk="0" hangingPunct="1">
+              <a:lnSpc>
+                <a:spcPct val="90000"/>
+              </a:lnSpc>
+              <a:spcBef>
+                <a:spcPts val="800"/>
+              </a:spcBef>
+              <a:buClr>
+                <a:schemeClr val="accent1"/>
+              </a:buClr>
+              <a:buSzPct val="80000"/>
+              <a:buFont typeface="Arial" pitchFamily="34" charset="0"/>
+              <a:buChar char="•"/>
+              <a:defRPr sz="2000" kern="1200">
+                <a:solidFill>
+                  <a:schemeClr val="tx1"/>
+                </a:solidFill>
+                <a:latin typeface="+mn-lt"/>
+                <a:ea typeface="+mn-ea"/>
+                <a:cs typeface="+mn-cs"/>
+              </a:defRPr>
+            </a:lvl3pPr>
+            <a:lvl4pPr marL="1218987" indent="-231607" algn="l" defTabSz="1218987" rtl="0" eaLnBrk="1" latinLnBrk="0" hangingPunct="1">
+              <a:lnSpc>
+                <a:spcPct val="90000"/>
+              </a:lnSpc>
+              <a:spcBef>
+                <a:spcPts val="800"/>
+              </a:spcBef>
+              <a:buClr>
+                <a:schemeClr val="accent1"/>
+              </a:buClr>
+              <a:buSzPct val="80000"/>
+              <a:buFont typeface="Arial" pitchFamily="34" charset="0"/>
+              <a:buChar char="•"/>
+              <a:defRPr sz="2000" kern="1200">
+                <a:solidFill>
+                  <a:schemeClr val="tx1"/>
+                </a:solidFill>
+                <a:latin typeface="+mn-lt"/>
+                <a:ea typeface="+mn-ea"/>
+                <a:cs typeface="+mn-cs"/>
+              </a:defRPr>
+            </a:lvl4pPr>
+            <a:lvl5pPr marL="1523733" indent="-231607" algn="l" defTabSz="1218987" rtl="0" eaLnBrk="1" latinLnBrk="0" hangingPunct="1">
+              <a:lnSpc>
+                <a:spcPct val="90000"/>
+              </a:lnSpc>
+              <a:spcBef>
+                <a:spcPts val="800"/>
+              </a:spcBef>
+              <a:buClr>
+                <a:schemeClr val="accent1"/>
+              </a:buClr>
+              <a:buSzPct val="80000"/>
+              <a:buFont typeface="Arial" pitchFamily="34" charset="0"/>
+              <a:buChar char="•"/>
+              <a:defRPr sz="2000" kern="1200">
+                <a:solidFill>
+                  <a:schemeClr val="tx1"/>
+                </a:solidFill>
+                <a:latin typeface="+mn-lt"/>
+                <a:ea typeface="+mn-ea"/>
+                <a:cs typeface="+mn-cs"/>
+              </a:defRPr>
+            </a:lvl5pPr>
+            <a:lvl6pPr marL="1828480" indent="-231607" algn="l" defTabSz="1218987" rtl="0" eaLnBrk="1" latinLnBrk="0" hangingPunct="1">
+              <a:lnSpc>
+                <a:spcPct val="90000"/>
+              </a:lnSpc>
+              <a:spcBef>
+                <a:spcPts val="800"/>
+              </a:spcBef>
+              <a:buClr>
+                <a:schemeClr val="accent1"/>
+              </a:buClr>
+              <a:buSzPct val="80000"/>
+              <a:buFont typeface="Arial" pitchFamily="34" charset="0"/>
+              <a:buChar char="•"/>
+              <a:defRPr sz="2000" kern="1200">
+                <a:solidFill>
+                  <a:schemeClr val="tx1"/>
+                </a:solidFill>
+                <a:latin typeface="+mn-lt"/>
+                <a:ea typeface="+mn-ea"/>
+                <a:cs typeface="+mn-cs"/>
+              </a:defRPr>
+            </a:lvl6pPr>
+            <a:lvl7pPr marL="2133227" indent="-231607" algn="l" defTabSz="1218987" rtl="0" eaLnBrk="1" latinLnBrk="0" hangingPunct="1">
+              <a:lnSpc>
+                <a:spcPct val="90000"/>
+              </a:lnSpc>
+              <a:spcBef>
+                <a:spcPts val="800"/>
+              </a:spcBef>
+              <a:buClr>
+                <a:schemeClr val="accent1"/>
+              </a:buClr>
+              <a:buSzPct val="80000"/>
+              <a:buFont typeface="Arial" pitchFamily="34" charset="0"/>
+              <a:buChar char="•"/>
+              <a:defRPr sz="2000" kern="1200">
+                <a:solidFill>
+                  <a:schemeClr val="tx1"/>
+                </a:solidFill>
+                <a:latin typeface="+mn-lt"/>
+                <a:ea typeface="+mn-ea"/>
+                <a:cs typeface="+mn-cs"/>
+              </a:defRPr>
+            </a:lvl7pPr>
+            <a:lvl8pPr marL="2437973" indent="-231607" algn="l" defTabSz="1218987" rtl="0" eaLnBrk="1" latinLnBrk="0" hangingPunct="1">
+              <a:lnSpc>
+                <a:spcPct val="90000"/>
+              </a:lnSpc>
+              <a:spcBef>
+                <a:spcPts val="800"/>
+              </a:spcBef>
+              <a:buClr>
+                <a:schemeClr val="accent1"/>
+              </a:buClr>
+              <a:buSzPct val="80000"/>
+              <a:buFont typeface="Arial" pitchFamily="34" charset="0"/>
+              <a:buChar char="•"/>
+              <a:defRPr sz="2000" kern="1200" baseline="0">
+                <a:solidFill>
+                  <a:schemeClr val="tx1"/>
+                </a:solidFill>
+                <a:latin typeface="+mn-lt"/>
+                <a:ea typeface="+mn-ea"/>
+                <a:cs typeface="+mn-cs"/>
+              </a:defRPr>
+            </a:lvl8pPr>
+            <a:lvl9pPr marL="2742720" indent="-231607" algn="l" defTabSz="1218987" rtl="0" eaLnBrk="1" latinLnBrk="0" hangingPunct="1">
+              <a:lnSpc>
+                <a:spcPct val="90000"/>
+              </a:lnSpc>
+              <a:spcBef>
+                <a:spcPts val="800"/>
+              </a:spcBef>
+              <a:buClr>
+                <a:schemeClr val="accent1"/>
+              </a:buClr>
+              <a:buSzPct val="80000"/>
+              <a:buFont typeface="Arial" pitchFamily="34" charset="0"/>
+              <a:buChar char="•"/>
+              <a:defRPr sz="2000" kern="1200" baseline="0">
+                <a:solidFill>
+                  <a:schemeClr val="tx1"/>
+                </a:solidFill>
+                <a:latin typeface="+mn-lt"/>
+                <a:ea typeface="+mn-ea"/>
+                <a:cs typeface="+mn-cs"/>
+              </a:defRPr>
+            </a:lvl9pPr>
+          </a:lstStyle>
+          <a:p>
+            <a:pPr marL="514350" indent="-514350">
+              <a:buFont typeface="+mj-lt"/>
+              <a:buAutoNum type="arabicPeriod"/>
+            </a:pPr>
+            <a:r>
+              <a:rPr lang="en-US" dirty="0"/>
+              <a:t>With a small dataset, increasing the number of threads reduces the speedup</a:t>
+            </a:r>
+          </a:p>
+          <a:p>
+            <a:pPr marL="514350" indent="-514350">
+              <a:buFont typeface="+mj-lt"/>
+              <a:buAutoNum type="arabicPeriod"/>
+            </a:pPr>
+            <a:r>
+              <a:rPr lang="en-US" dirty="0"/>
+              <a:t>With larger datasets, increasing the number of threads yields an improved speedup </a:t>
+            </a:r>
+          </a:p>
+          <a:p>
+            <a:pPr marL="514350" indent="-514350">
+              <a:buFont typeface="+mj-lt"/>
+              <a:buAutoNum type="arabicPeriod"/>
+            </a:pPr>
+            <a:r>
+              <a:rPr lang="en-US" dirty="0"/>
+              <a:t>With a very high number of threads speedup diminishes</a:t>
+            </a:r>
+          </a:p>
+        </p:txBody>
+      </p:sp>
+      <p:graphicFrame>
+        <p:nvGraphicFramePr>
+          <p:cNvPr id="7" name="Content Placeholder 6">
+            <a:extLst>
+              <a:ext uri="{FF2B5EF4-FFF2-40B4-BE49-F238E27FC236}">
+                <a16:creationId xmlns:a16="http://schemas.microsoft.com/office/drawing/2014/main" id="{AEA2633F-D8CC-4292-88FB-F206AA1ED5A8}"/>
+              </a:ext>
+            </a:extLst>
+          </p:cNvPr>
+          <p:cNvGraphicFramePr>
+            <a:graphicFrameLocks noGrp="1"/>
+          </p:cNvGraphicFramePr>
+          <p:nvPr>
+            <p:ph idx="1"/>
+            <p:extLst>
+              <p:ext uri="{D42A27DB-BD31-4B8C-83A1-F6EECF244321}">
+                <p14:modId xmlns:p14="http://schemas.microsoft.com/office/powerpoint/2010/main" val="3202119680"/>
+              </p:ext>
+            </p:extLst>
+          </p:nvPr>
+        </p:nvGraphicFramePr>
+        <p:xfrm>
+          <a:off x="693812" y="620688"/>
+          <a:ext cx="6984776" cy="6048671"/>
+        </p:xfrm>
+        <a:graphic>
+          <a:graphicData uri="http://schemas.openxmlformats.org/drawingml/2006/chart">
+            <c:chart xmlns:c="http://schemas.openxmlformats.org/drawingml/2006/chart" xmlns:r="http://schemas.openxmlformats.org/officeDocument/2006/relationships" r:id="rId3"/>
+          </a:graphicData>
+        </a:graphic>
+      </p:graphicFrame>
+    </p:spTree>
+    <p:extLst>
+      <p:ext uri="{BB962C8B-B14F-4D97-AF65-F5344CB8AC3E}">
+        <p14:creationId xmlns:p14="http://schemas.microsoft.com/office/powerpoint/2010/main" val="4226225075"/>
+      </p:ext>
+    </p:extLst>
+  </p:cSld>
+  <p:clrMapOvr>
+    <a:masterClrMapping/>
+  </p:clrMapOvr>
+  <mc:AlternateContent xmlns:mc="http://schemas.openxmlformats.org/markup-compatibility/2006" xmlns:p14="http://schemas.microsoft.com/office/powerpoint/2010/main">
+    <mc:Choice Requires="p14">
+      <p:transition spd="med" p14:dur="700">
+        <p:fade/>
+      </p:transition>
+    </mc:Choice>
+    <mc:Fallback xmlns="">
+      <p:transition spd="med">
+        <p:fade/>
+      </p:transition>
+    </mc:Fallback>
+  </mc:AlternateContent>
+</p:sld>
+</file>
+
+<file path=ppt/slides/slide22.xml><?xml version="1.0" encoding="utf-8"?>
+<p:sld xmlns:a="http://schemas.openxmlformats.org/drawingml/2006/main" xmlns:r="http://schemas.openxmlformats.org/officeDocument/2006/relationships" xmlns:p="http://schemas.openxmlformats.org/presentationml/2006/main">
+  <p:cSld>
+    <p:spTree>
+      <p:nvGrpSpPr>
+        <p:cNvPr id="1" name=""/>
+        <p:cNvGrpSpPr/>
+        <p:nvPr/>
+      </p:nvGrpSpPr>
+      <p:grpSpPr>
+        <a:xfrm>
+          <a:off x="0" y="0"/>
+          <a:ext cx="0" cy="0"/>
+          <a:chOff x="0" y="0"/>
+          <a:chExt cx="0" cy="0"/>
+        </a:xfrm>
+      </p:grpSpPr>
+      <p:sp>
+        <p:nvSpPr>
+          <p:cNvPr id="2" name="Title 1">
+            <a:extLst>
+              <a:ext uri="{FF2B5EF4-FFF2-40B4-BE49-F238E27FC236}">
+                <a16:creationId xmlns:a16="http://schemas.microsoft.com/office/drawing/2014/main" id="{4A181699-8203-8E8E-3212-3680B55F214D}"/>
+              </a:ext>
+            </a:extLst>
+          </p:cNvPr>
+          <p:cNvSpPr>
+            <a:spLocks noGrp="1"/>
+          </p:cNvSpPr>
+          <p:nvPr>
+            <p:ph type="title"/>
+          </p:nvPr>
+        </p:nvSpPr>
+        <p:spPr/>
+        <p:txBody>
+          <a:bodyPr>
+            <a:normAutofit/>
+          </a:bodyPr>
+          <a:lstStyle/>
+          <a:p>
+            <a:pPr algn="ctr"/>
+            <a:r>
+              <a:rPr lang="it-IT" dirty="0"/>
+              <a:t>1. </a:t>
+            </a:r>
+            <a:r>
+              <a:rPr lang="en-US" dirty="0"/>
+              <a:t>With a small dataset, increasing the number of threads reduces the speedup</a:t>
+            </a:r>
+            <a:endParaRPr lang="it-IT" dirty="0"/>
+          </a:p>
+        </p:txBody>
+      </p:sp>
+      <p:sp>
+        <p:nvSpPr>
+          <p:cNvPr id="3" name="Content Placeholder 2">
+            <a:extLst>
+              <a:ext uri="{FF2B5EF4-FFF2-40B4-BE49-F238E27FC236}">
+                <a16:creationId xmlns:a16="http://schemas.microsoft.com/office/drawing/2014/main" id="{586DD5BF-7B14-8DEA-6808-A83FE3B81C87}"/>
+              </a:ext>
+            </a:extLst>
+          </p:cNvPr>
+          <p:cNvSpPr>
+            <a:spLocks noGrp="1"/>
+          </p:cNvSpPr>
+          <p:nvPr>
+            <p:ph idx="1"/>
+          </p:nvPr>
+        </p:nvSpPr>
+        <p:spPr>
+          <a:xfrm>
+            <a:off x="1218883" y="2204863"/>
+            <a:ext cx="10360501" cy="3959205"/>
+          </a:xfrm>
+        </p:spPr>
+        <p:txBody>
+          <a:bodyPr/>
+          <a:lstStyle/>
+          <a:p>
+            <a:r>
+              <a:rPr lang="it-IT" dirty="0"/>
+              <a:t>Due to </a:t>
+            </a:r>
+            <a:r>
+              <a:rPr lang="it-IT" dirty="0" err="1"/>
+              <a:t>kernel’s</a:t>
+            </a:r>
+            <a:r>
+              <a:rPr lang="it-IT" dirty="0"/>
+              <a:t> </a:t>
+            </a:r>
+            <a:r>
+              <a:rPr lang="it-IT" dirty="0" err="1"/>
+              <a:t>local</a:t>
+            </a:r>
+            <a:r>
+              <a:rPr lang="it-IT" dirty="0"/>
+              <a:t> </a:t>
+            </a:r>
+            <a:r>
+              <a:rPr lang="it-IT" dirty="0" err="1"/>
+              <a:t>memory</a:t>
+            </a:r>
+            <a:r>
+              <a:rPr lang="it-IT" dirty="0"/>
+              <a:t> </a:t>
+            </a:r>
+            <a:r>
+              <a:rPr lang="it-IT" dirty="0" err="1"/>
+              <a:t>allocations</a:t>
+            </a:r>
+            <a:r>
+              <a:rPr lang="it-IT" dirty="0"/>
+              <a:t>, on a small dataset the overhead </a:t>
+            </a:r>
+            <a:r>
+              <a:rPr lang="it-IT" dirty="0" err="1"/>
+              <a:t>introduced</a:t>
+            </a:r>
+            <a:r>
+              <a:rPr lang="it-IT" dirty="0"/>
+              <a:t> </a:t>
+            </a:r>
+            <a:r>
+              <a:rPr lang="it-IT" dirty="0" err="1"/>
+              <a:t>becomes</a:t>
+            </a:r>
+            <a:r>
+              <a:rPr lang="it-IT" dirty="0"/>
+              <a:t> </a:t>
+            </a:r>
+            <a:r>
+              <a:rPr lang="it-IT" dirty="0" err="1"/>
+              <a:t>relevant</a:t>
+            </a:r>
+            <a:r>
+              <a:rPr lang="it-IT" dirty="0"/>
+              <a:t> on the overall </a:t>
+            </a:r>
+            <a:r>
+              <a:rPr lang="it-IT" dirty="0" err="1"/>
+              <a:t>execution</a:t>
+            </a:r>
+            <a:r>
+              <a:rPr lang="it-IT" dirty="0"/>
+              <a:t> time</a:t>
+            </a:r>
+          </a:p>
+          <a:p>
+            <a:r>
+              <a:rPr lang="it-IT" dirty="0"/>
+              <a:t>With </a:t>
+            </a:r>
+            <a:r>
+              <a:rPr lang="it-IT" dirty="0" err="1"/>
+              <a:t>many</a:t>
+            </a:r>
+            <a:r>
+              <a:rPr lang="it-IT" dirty="0"/>
+              <a:t> </a:t>
+            </a:r>
+            <a:r>
+              <a:rPr lang="it-IT" dirty="0" err="1"/>
+              <a:t>threads</a:t>
+            </a:r>
+            <a:r>
+              <a:rPr lang="it-IT" dirty="0"/>
+              <a:t>, </a:t>
+            </a:r>
+            <a:r>
+              <a:rPr lang="it-IT" dirty="0" err="1"/>
+              <a:t>this</a:t>
+            </a:r>
+            <a:r>
+              <a:rPr lang="it-IT" dirty="0"/>
+              <a:t> overhead </a:t>
+            </a:r>
+            <a:r>
+              <a:rPr lang="it-IT" dirty="0" err="1"/>
+              <a:t>effect</a:t>
+            </a:r>
+            <a:r>
+              <a:rPr lang="it-IT" dirty="0"/>
+              <a:t> </a:t>
+            </a:r>
+            <a:r>
+              <a:rPr lang="it-IT" dirty="0" err="1"/>
+              <a:t>increases</a:t>
+            </a:r>
+            <a:r>
+              <a:rPr lang="it-IT" dirty="0"/>
+              <a:t>, </a:t>
+            </a:r>
+            <a:r>
+              <a:rPr lang="it-IT" dirty="0" err="1"/>
+              <a:t>resulting</a:t>
+            </a:r>
+            <a:r>
+              <a:rPr lang="it-IT" dirty="0"/>
+              <a:t> in </a:t>
+            </a:r>
+            <a:r>
+              <a:rPr lang="it-IT" dirty="0" err="1"/>
+              <a:t>longer</a:t>
+            </a:r>
+            <a:r>
+              <a:rPr lang="it-IT" dirty="0"/>
+              <a:t> </a:t>
+            </a:r>
+            <a:r>
+              <a:rPr lang="it-IT" dirty="0" err="1"/>
+              <a:t>runs</a:t>
+            </a:r>
+            <a:r>
+              <a:rPr lang="it-IT" dirty="0"/>
+              <a:t>, and </a:t>
+            </a:r>
+            <a:r>
+              <a:rPr lang="it-IT" dirty="0" err="1"/>
+              <a:t>consequently</a:t>
+            </a:r>
+            <a:r>
+              <a:rPr lang="it-IT" dirty="0"/>
+              <a:t> a </a:t>
+            </a:r>
+            <a:r>
+              <a:rPr lang="it-IT" dirty="0" err="1"/>
+              <a:t>reduced</a:t>
+            </a:r>
+            <a:r>
+              <a:rPr lang="it-IT" dirty="0"/>
+              <a:t> speed-up</a:t>
+            </a:r>
+          </a:p>
+          <a:p>
+            <a:r>
+              <a:rPr lang="it-IT" dirty="0" err="1"/>
+              <a:t>Specifically</a:t>
+            </a:r>
+            <a:r>
+              <a:rPr lang="it-IT" dirty="0"/>
+              <a:t>, </a:t>
+            </a:r>
+            <a:r>
+              <a:rPr lang="it-IT" dirty="0" err="1"/>
+              <a:t>we</a:t>
+            </a:r>
+            <a:r>
+              <a:rPr lang="it-IT" dirty="0"/>
+              <a:t> </a:t>
+            </a:r>
+            <a:r>
+              <a:rPr lang="it-IT" dirty="0" err="1"/>
+              <a:t>observe</a:t>
+            </a:r>
+            <a:r>
+              <a:rPr lang="it-IT" dirty="0"/>
+              <a:t> an </a:t>
+            </a:r>
+            <a:r>
+              <a:rPr lang="it-IT" dirty="0" err="1"/>
+              <a:t>increase</a:t>
+            </a:r>
+            <a:r>
+              <a:rPr lang="it-IT" dirty="0"/>
+              <a:t> in </a:t>
+            </a:r>
+            <a:r>
+              <a:rPr lang="it-IT" i="1" dirty="0" err="1"/>
+              <a:t>local</a:t>
+            </a:r>
+            <a:r>
+              <a:rPr lang="it-IT" i="1" dirty="0"/>
+              <a:t> </a:t>
+            </a:r>
+            <a:r>
+              <a:rPr lang="it-IT" i="1" dirty="0" err="1"/>
+              <a:t>memory</a:t>
+            </a:r>
+            <a:r>
+              <a:rPr lang="it-IT" i="1" dirty="0"/>
+              <a:t> overhead</a:t>
+            </a:r>
+            <a:r>
+              <a:rPr lang="it-IT" dirty="0"/>
+              <a:t> from 2,81% with 32 </a:t>
+            </a:r>
+            <a:r>
+              <a:rPr lang="it-IT" dirty="0" err="1"/>
+              <a:t>threads</a:t>
+            </a:r>
+            <a:r>
+              <a:rPr lang="it-IT" dirty="0"/>
+              <a:t> to 60,06% with 8192 </a:t>
+            </a:r>
+            <a:r>
+              <a:rPr lang="it-IT" dirty="0" err="1"/>
+              <a:t>threads</a:t>
+            </a:r>
+            <a:endParaRPr lang="it-IT" dirty="0"/>
+          </a:p>
+        </p:txBody>
+      </p:sp>
+    </p:spTree>
+    <p:extLst>
+      <p:ext uri="{BB962C8B-B14F-4D97-AF65-F5344CB8AC3E}">
+        <p14:creationId xmlns:p14="http://schemas.microsoft.com/office/powerpoint/2010/main" val="281326900"/>
+      </p:ext>
+    </p:extLst>
+  </p:cSld>
+  <p:clrMapOvr>
+    <a:masterClrMapping/>
+  </p:clrMapOvr>
+  <mc:AlternateContent xmlns:mc="http://schemas.openxmlformats.org/markup-compatibility/2006" xmlns:p14="http://schemas.microsoft.com/office/powerpoint/2010/main">
+    <mc:Choice Requires="p14">
+      <p:transition spd="med" p14:dur="700">
+        <p:fade/>
+      </p:transition>
+    </mc:Choice>
+    <mc:Fallback xmlns="">
+      <p:transition spd="med">
+        <p:fade/>
+      </p:transition>
+    </mc:Fallback>
+  </mc:AlternateContent>
+</p:sld>
+</file>
+
+<file path=ppt/slides/slide23.xml><?xml version="1.0" encoding="utf-8"?>
+<p:sld xmlns:a="http://schemas.openxmlformats.org/drawingml/2006/main" xmlns:r="http://schemas.openxmlformats.org/officeDocument/2006/relationships" xmlns:p="http://schemas.openxmlformats.org/presentationml/2006/main">
+  <p:cSld>
+    <p:spTree>
+      <p:nvGrpSpPr>
+        <p:cNvPr id="1" name=""/>
+        <p:cNvGrpSpPr/>
+        <p:nvPr/>
+      </p:nvGrpSpPr>
+      <p:grpSpPr>
+        <a:xfrm>
+          <a:off x="0" y="0"/>
+          <a:ext cx="0" cy="0"/>
+          <a:chOff x="0" y="0"/>
+          <a:chExt cx="0" cy="0"/>
+        </a:xfrm>
+      </p:grpSpPr>
+      <p:sp>
+        <p:nvSpPr>
+          <p:cNvPr id="2" name="Title 1">
+            <a:extLst>
+              <a:ext uri="{FF2B5EF4-FFF2-40B4-BE49-F238E27FC236}">
+                <a16:creationId xmlns:a16="http://schemas.microsoft.com/office/drawing/2014/main" id="{4A181699-8203-8E8E-3212-3680B55F214D}"/>
+              </a:ext>
+            </a:extLst>
+          </p:cNvPr>
+          <p:cNvSpPr>
+            <a:spLocks noGrp="1"/>
+          </p:cNvSpPr>
+          <p:nvPr>
+            <p:ph type="title"/>
+          </p:nvPr>
+        </p:nvSpPr>
+        <p:spPr/>
+        <p:txBody>
+          <a:bodyPr>
+            <a:normAutofit/>
+          </a:bodyPr>
+          <a:lstStyle/>
+          <a:p>
+            <a:pPr algn="ctr"/>
+            <a:r>
+              <a:rPr lang="it-IT" dirty="0"/>
+              <a:t>2. </a:t>
+            </a:r>
+            <a:r>
+              <a:rPr lang="en-US" dirty="0"/>
+              <a:t>With larger datasets, increasing the number of threads yields an improved speedup. </a:t>
+            </a:r>
+            <a:endParaRPr lang="it-IT" dirty="0"/>
+          </a:p>
+        </p:txBody>
+      </p:sp>
+      <p:sp>
+        <p:nvSpPr>
+          <p:cNvPr id="3" name="Content Placeholder 2">
+            <a:extLst>
+              <a:ext uri="{FF2B5EF4-FFF2-40B4-BE49-F238E27FC236}">
+                <a16:creationId xmlns:a16="http://schemas.microsoft.com/office/drawing/2014/main" id="{586DD5BF-7B14-8DEA-6808-A83FE3B81C87}"/>
+              </a:ext>
+            </a:extLst>
+          </p:cNvPr>
+          <p:cNvSpPr>
+            <a:spLocks noGrp="1"/>
+          </p:cNvSpPr>
+          <p:nvPr>
+            <p:ph idx="1"/>
+          </p:nvPr>
+        </p:nvSpPr>
+        <p:spPr>
+          <a:xfrm>
+            <a:off x="981844" y="2420888"/>
+            <a:ext cx="5112568" cy="3743181"/>
+          </a:xfrm>
+        </p:spPr>
+        <p:txBody>
+          <a:bodyPr>
+            <a:normAutofit/>
+          </a:bodyPr>
+          <a:lstStyle/>
+          <a:p>
+            <a:r>
+              <a:rPr lang="it-IT" dirty="0" err="1"/>
+              <a:t>Considering</a:t>
+            </a:r>
+            <a:r>
+              <a:rPr lang="it-IT" dirty="0"/>
+              <a:t> the 10M dataset, </a:t>
+            </a:r>
+            <a:r>
+              <a:rPr lang="it-IT" dirty="0" err="1"/>
+              <a:t>increasing</a:t>
+            </a:r>
+            <a:r>
+              <a:rPr lang="it-IT" dirty="0"/>
+              <a:t> the number of </a:t>
+            </a:r>
+            <a:r>
+              <a:rPr lang="it-IT" dirty="0" err="1"/>
+              <a:t>threads</a:t>
+            </a:r>
+            <a:r>
+              <a:rPr lang="it-IT" dirty="0"/>
+              <a:t> </a:t>
+            </a:r>
+            <a:r>
+              <a:rPr lang="it-IT" dirty="0" err="1"/>
+              <a:t>reduces</a:t>
+            </a:r>
+            <a:r>
+              <a:rPr lang="it-IT" dirty="0"/>
+              <a:t> </a:t>
+            </a:r>
+            <a:r>
+              <a:rPr lang="it-IT" dirty="0" err="1"/>
+              <a:t>kernel’s</a:t>
+            </a:r>
+            <a:r>
+              <a:rPr lang="it-IT" dirty="0"/>
+              <a:t> </a:t>
+            </a:r>
+            <a:r>
+              <a:rPr lang="it-IT" dirty="0" err="1"/>
+              <a:t>executing</a:t>
+            </a:r>
+            <a:r>
+              <a:rPr lang="it-IT" dirty="0"/>
+              <a:t> time. This </a:t>
+            </a:r>
+            <a:r>
+              <a:rPr lang="it-IT" dirty="0" err="1"/>
+              <a:t>correlates</a:t>
+            </a:r>
+            <a:r>
+              <a:rPr lang="it-IT" dirty="0"/>
+              <a:t> with a </a:t>
+            </a:r>
+            <a:r>
+              <a:rPr lang="it-IT" dirty="0" err="1"/>
+              <a:t>higher</a:t>
+            </a:r>
+            <a:r>
+              <a:rPr lang="it-IT" dirty="0"/>
+              <a:t> GPU </a:t>
+            </a:r>
+            <a:r>
+              <a:rPr lang="it-IT" dirty="0" err="1"/>
+              <a:t>utilisation</a:t>
+            </a:r>
+            <a:r>
+              <a:rPr lang="it-IT" dirty="0"/>
+              <a:t>, </a:t>
+            </a:r>
+            <a:r>
+              <a:rPr lang="it-IT" dirty="0" err="1"/>
+              <a:t>shown</a:t>
+            </a:r>
+            <a:r>
+              <a:rPr lang="it-IT" dirty="0"/>
+              <a:t> by the </a:t>
+            </a:r>
+            <a:r>
+              <a:rPr lang="it-IT" dirty="0" err="1"/>
+              <a:t>achieved</a:t>
+            </a:r>
+            <a:r>
+              <a:rPr lang="it-IT" dirty="0"/>
+              <a:t> </a:t>
+            </a:r>
+            <a:r>
+              <a:rPr lang="it-IT" dirty="0" err="1"/>
+              <a:t>occupancy</a:t>
+            </a:r>
+            <a:r>
+              <a:rPr lang="it-IT" dirty="0"/>
+              <a:t>.</a:t>
+            </a:r>
+          </a:p>
+        </p:txBody>
+      </p:sp>
+      <p:graphicFrame>
+        <p:nvGraphicFramePr>
+          <p:cNvPr id="4" name="Table 4">
+            <a:extLst>
+              <a:ext uri="{FF2B5EF4-FFF2-40B4-BE49-F238E27FC236}">
+                <a16:creationId xmlns:a16="http://schemas.microsoft.com/office/drawing/2014/main" id="{E982F60C-B568-4E00-A5F8-5AA7C1826111}"/>
+              </a:ext>
+            </a:extLst>
+          </p:cNvPr>
+          <p:cNvGraphicFramePr>
+            <a:graphicFrameLocks noGrp="1"/>
+          </p:cNvGraphicFramePr>
+          <p:nvPr>
+            <p:extLst>
+              <p:ext uri="{D42A27DB-BD31-4B8C-83A1-F6EECF244321}">
+                <p14:modId xmlns:p14="http://schemas.microsoft.com/office/powerpoint/2010/main" val="2416726772"/>
+              </p:ext>
+            </p:extLst>
+          </p:nvPr>
+        </p:nvGraphicFramePr>
+        <p:xfrm>
+          <a:off x="6670476" y="2708920"/>
+          <a:ext cx="4698522" cy="2103863"/>
+        </p:xfrm>
+        <a:graphic>
+          <a:graphicData uri="http://schemas.openxmlformats.org/drawingml/2006/table">
+            <a:tbl>
+              <a:tblPr firstRow="1" bandRow="1">
+                <a:tableStyleId>{5C22544A-7EE6-4342-B048-85BDC9FD1C3A}</a:tableStyleId>
+              </a:tblPr>
+              <a:tblGrid>
+                <a:gridCol w="1566174">
+                  <a:extLst>
+                    <a:ext uri="{9D8B030D-6E8A-4147-A177-3AD203B41FA5}">
+                      <a16:colId xmlns:a16="http://schemas.microsoft.com/office/drawing/2014/main" val="1491025190"/>
+                    </a:ext>
+                  </a:extLst>
+                </a:gridCol>
+                <a:gridCol w="1566174">
+                  <a:extLst>
+                    <a:ext uri="{9D8B030D-6E8A-4147-A177-3AD203B41FA5}">
+                      <a16:colId xmlns:a16="http://schemas.microsoft.com/office/drawing/2014/main" val="2841998606"/>
+                    </a:ext>
+                  </a:extLst>
+                </a:gridCol>
+                <a:gridCol w="1566174">
+                  <a:extLst>
+                    <a:ext uri="{9D8B030D-6E8A-4147-A177-3AD203B41FA5}">
+                      <a16:colId xmlns:a16="http://schemas.microsoft.com/office/drawing/2014/main" val="2607853299"/>
+                    </a:ext>
+                  </a:extLst>
+                </a:gridCol>
+              </a:tblGrid>
+              <a:tr h="996567">
+                <a:tc>
+                  <a:txBody>
+                    <a:bodyPr/>
+                    <a:lstStyle/>
+                    <a:p>
+                      <a:r>
+                        <a:rPr lang="it-IT" dirty="0" err="1"/>
+                        <a:t>Threads</a:t>
+                      </a:r>
+                      <a:endParaRPr lang="it-IT" dirty="0"/>
+                    </a:p>
+                  </a:txBody>
+                  <a:tcPr/>
+                </a:tc>
+                <a:tc>
+                  <a:txBody>
+                    <a:bodyPr/>
+                    <a:lstStyle/>
+                    <a:p>
+                      <a:r>
+                        <a:rPr lang="it-IT" dirty="0" err="1"/>
+                        <a:t>Avg</a:t>
+                      </a:r>
+                      <a:r>
+                        <a:rPr lang="it-IT" dirty="0"/>
+                        <a:t> time</a:t>
+                      </a:r>
+                    </a:p>
+                  </a:txBody>
+                  <a:tcPr/>
+                </a:tc>
+                <a:tc>
+                  <a:txBody>
+                    <a:bodyPr/>
+                    <a:lstStyle/>
+                    <a:p>
+                      <a:r>
+                        <a:rPr lang="it-IT" dirty="0" err="1"/>
+                        <a:t>Occupancy</a:t>
+                      </a:r>
+                      <a:endParaRPr lang="it-IT" dirty="0"/>
+                    </a:p>
+                  </a:txBody>
+                  <a:tcPr/>
+                </a:tc>
+                <a:extLst>
+                  <a:ext uri="{0D108BD9-81ED-4DB2-BD59-A6C34878D82A}">
+                    <a16:rowId xmlns:a16="http://schemas.microsoft.com/office/drawing/2014/main" val="208290358"/>
+                  </a:ext>
+                </a:extLst>
+              </a:tr>
+              <a:tr h="553648">
+                <a:tc>
+                  <a:txBody>
+                    <a:bodyPr/>
+                    <a:lstStyle/>
+                    <a:p>
+                      <a:r>
+                        <a:rPr lang="it-IT" dirty="0"/>
+                        <a:t>32</a:t>
+                      </a:r>
+                    </a:p>
+                  </a:txBody>
+                  <a:tcPr/>
+                </a:tc>
+                <a:tc>
+                  <a:txBody>
+                    <a:bodyPr/>
+                    <a:lstStyle/>
+                    <a:p>
+                      <a:r>
+                        <a:rPr lang="it-IT" dirty="0"/>
+                        <a:t>7,212s</a:t>
+                      </a:r>
+                    </a:p>
+                  </a:txBody>
+                  <a:tcPr/>
+                </a:tc>
+                <a:tc>
+                  <a:txBody>
+                    <a:bodyPr/>
+                    <a:lstStyle/>
+                    <a:p>
+                      <a:r>
+                        <a:rPr lang="it-IT" dirty="0"/>
+                        <a:t>0,016</a:t>
+                      </a:r>
+                    </a:p>
+                  </a:txBody>
+                  <a:tcPr/>
+                </a:tc>
+                <a:extLst>
+                  <a:ext uri="{0D108BD9-81ED-4DB2-BD59-A6C34878D82A}">
+                    <a16:rowId xmlns:a16="http://schemas.microsoft.com/office/drawing/2014/main" val="1064207463"/>
+                  </a:ext>
+                </a:extLst>
+              </a:tr>
+              <a:tr h="553648">
+                <a:tc>
+                  <a:txBody>
+                    <a:bodyPr/>
+                    <a:lstStyle/>
+                    <a:p>
+                      <a:r>
+                        <a:rPr lang="it-IT" dirty="0"/>
+                        <a:t>2048</a:t>
+                      </a:r>
+                    </a:p>
+                  </a:txBody>
+                  <a:tcPr/>
+                </a:tc>
+                <a:tc>
+                  <a:txBody>
+                    <a:bodyPr/>
+                    <a:lstStyle/>
+                    <a:p>
+                      <a:r>
+                        <a:rPr lang="it-IT" dirty="0"/>
+                        <a:t>165,44ms</a:t>
+                      </a:r>
+                    </a:p>
+                  </a:txBody>
+                  <a:tcPr/>
+                </a:tc>
+                <a:tc>
+                  <a:txBody>
+                    <a:bodyPr/>
+                    <a:lstStyle/>
+                    <a:p>
+                      <a:r>
+                        <a:rPr lang="it-IT" dirty="0"/>
+                        <a:t>0,200</a:t>
+                      </a:r>
+                    </a:p>
+                  </a:txBody>
+                  <a:tcPr/>
+                </a:tc>
+                <a:extLst>
+                  <a:ext uri="{0D108BD9-81ED-4DB2-BD59-A6C34878D82A}">
+                    <a16:rowId xmlns:a16="http://schemas.microsoft.com/office/drawing/2014/main" val="2617782464"/>
+                  </a:ext>
+                </a:extLst>
+              </a:tr>
+            </a:tbl>
+          </a:graphicData>
+        </a:graphic>
+      </p:graphicFrame>
+    </p:spTree>
+    <p:extLst>
+      <p:ext uri="{BB962C8B-B14F-4D97-AF65-F5344CB8AC3E}">
+        <p14:creationId xmlns:p14="http://schemas.microsoft.com/office/powerpoint/2010/main" val="1439616825"/>
+      </p:ext>
+    </p:extLst>
+  </p:cSld>
+  <p:clrMapOvr>
+    <a:masterClrMapping/>
+  </p:clrMapOvr>
+  <mc:AlternateContent xmlns:mc="http://schemas.openxmlformats.org/markup-compatibility/2006">
+    <mc:Choice xmlns:p14="http://schemas.microsoft.com/office/powerpoint/2010/main" Requires="p14">
+      <p:transition spd="med" p14:dur="700">
+        <p:fade/>
+      </p:transition>
+    </mc:Choice>
+    <mc:Fallback>
+      <p:transition spd="med">
+        <p:fade/>
+      </p:transition>
+    </mc:Fallback>
+  </mc:AlternateContent>
+</p:sld>
+</file>
+
+<file path=ppt/slides/slide24.xml><?xml version="1.0" encoding="utf-8"?>
+<p:sld xmlns:a="http://schemas.openxmlformats.org/drawingml/2006/main" xmlns:r="http://schemas.openxmlformats.org/officeDocument/2006/relationships" xmlns:p="http://schemas.openxmlformats.org/presentationml/2006/main">
+  <p:cSld>
+    <p:spTree>
+      <p:nvGrpSpPr>
+        <p:cNvPr id="1" name=""/>
+        <p:cNvGrpSpPr/>
+        <p:nvPr/>
+      </p:nvGrpSpPr>
+      <p:grpSpPr>
+        <a:xfrm>
+          <a:off x="0" y="0"/>
+          <a:ext cx="0" cy="0"/>
+          <a:chOff x="0" y="0"/>
+          <a:chExt cx="0" cy="0"/>
+        </a:xfrm>
+      </p:grpSpPr>
+      <p:sp>
+        <p:nvSpPr>
+          <p:cNvPr id="2" name="Title 1">
+            <a:extLst>
+              <a:ext uri="{FF2B5EF4-FFF2-40B4-BE49-F238E27FC236}">
+                <a16:creationId xmlns:a16="http://schemas.microsoft.com/office/drawing/2014/main" id="{8E2C760F-AFFF-2AC3-19BB-20F771204C23}"/>
+              </a:ext>
+            </a:extLst>
+          </p:cNvPr>
+          <p:cNvSpPr>
+            <a:spLocks noGrp="1"/>
+          </p:cNvSpPr>
+          <p:nvPr>
+            <p:ph type="title"/>
+          </p:nvPr>
+        </p:nvSpPr>
+        <p:spPr/>
+        <p:txBody>
+          <a:bodyPr>
+            <a:normAutofit/>
+          </a:bodyPr>
+          <a:lstStyle/>
+          <a:p>
+            <a:pPr algn="ctr"/>
+            <a:r>
+              <a:rPr lang="en-US" dirty="0"/>
+              <a:t>3. With a very high number of threads speedup diminishes</a:t>
+            </a:r>
+            <a:endParaRPr lang="it-IT" dirty="0"/>
+          </a:p>
+        </p:txBody>
+      </p:sp>
+      <p:sp>
+        <p:nvSpPr>
+          <p:cNvPr id="3" name="Content Placeholder 2">
+            <a:extLst>
+              <a:ext uri="{FF2B5EF4-FFF2-40B4-BE49-F238E27FC236}">
+                <a16:creationId xmlns:a16="http://schemas.microsoft.com/office/drawing/2014/main" id="{699DCFFB-463D-03C1-8569-A3A804940DE5}"/>
+              </a:ext>
+            </a:extLst>
+          </p:cNvPr>
+          <p:cNvSpPr>
+            <a:spLocks noGrp="1"/>
+          </p:cNvSpPr>
+          <p:nvPr>
+            <p:ph idx="1"/>
+          </p:nvPr>
+        </p:nvSpPr>
+        <p:spPr>
+          <a:xfrm>
+            <a:off x="1189060" y="2060848"/>
+            <a:ext cx="10420145" cy="1151139"/>
+          </a:xfrm>
+        </p:spPr>
+        <p:txBody>
+          <a:bodyPr/>
+          <a:lstStyle/>
+          <a:p>
+            <a:r>
+              <a:rPr lang="it-IT" dirty="0"/>
+              <a:t>4x the number of </a:t>
+            </a:r>
+            <a:r>
+              <a:rPr lang="it-IT" dirty="0" err="1"/>
+              <a:t>threads</a:t>
+            </a:r>
+            <a:r>
+              <a:rPr lang="it-IT" dirty="0"/>
+              <a:t> </a:t>
+            </a:r>
+            <a:r>
+              <a:rPr lang="it-IT" dirty="0" err="1"/>
+              <a:t>gives</a:t>
+            </a:r>
+            <a:r>
+              <a:rPr lang="it-IT" dirty="0"/>
+              <a:t> a </a:t>
+            </a:r>
+            <a:r>
+              <a:rPr lang="it-IT" dirty="0" err="1"/>
+              <a:t>higher</a:t>
+            </a:r>
+            <a:r>
+              <a:rPr lang="it-IT" dirty="0"/>
+              <a:t> overhead, </a:t>
+            </a:r>
+            <a:r>
+              <a:rPr lang="it-IT" dirty="0" err="1"/>
+              <a:t>increasing</a:t>
+            </a:r>
+            <a:r>
+              <a:rPr lang="it-IT" dirty="0"/>
+              <a:t> </a:t>
+            </a:r>
+            <a:r>
+              <a:rPr lang="it-IT" dirty="0" err="1"/>
+              <a:t>execution</a:t>
+            </a:r>
+            <a:r>
+              <a:rPr lang="it-IT" dirty="0"/>
+              <a:t> time and </a:t>
+            </a:r>
+            <a:r>
+              <a:rPr lang="it-IT" dirty="0" err="1"/>
+              <a:t>reducing</a:t>
+            </a:r>
+            <a:r>
+              <a:rPr lang="it-IT" dirty="0"/>
+              <a:t> </a:t>
+            </a:r>
+            <a:r>
+              <a:rPr lang="it-IT" dirty="0" err="1"/>
+              <a:t>warp</a:t>
+            </a:r>
+            <a:r>
+              <a:rPr lang="it-IT" dirty="0"/>
+              <a:t> </a:t>
+            </a:r>
+            <a:r>
+              <a:rPr lang="it-IT" dirty="0" err="1"/>
+              <a:t>efficiency</a:t>
+            </a:r>
+            <a:endParaRPr lang="it-IT" dirty="0"/>
+          </a:p>
+          <a:p>
+            <a:endParaRPr lang="it-IT" dirty="0"/>
+          </a:p>
+        </p:txBody>
+      </p:sp>
+      <p:graphicFrame>
+        <p:nvGraphicFramePr>
+          <p:cNvPr id="4" name="Table 3">
+            <a:extLst>
+              <a:ext uri="{FF2B5EF4-FFF2-40B4-BE49-F238E27FC236}">
+                <a16:creationId xmlns:a16="http://schemas.microsoft.com/office/drawing/2014/main" id="{258F3EA7-D86D-3319-0F0B-C14FDF4D9925}"/>
+              </a:ext>
+            </a:extLst>
+          </p:cNvPr>
+          <p:cNvGraphicFramePr>
+            <a:graphicFrameLocks noGrp="1"/>
+          </p:cNvGraphicFramePr>
+          <p:nvPr>
+            <p:extLst>
+              <p:ext uri="{D42A27DB-BD31-4B8C-83A1-F6EECF244321}">
+                <p14:modId xmlns:p14="http://schemas.microsoft.com/office/powerpoint/2010/main" val="168044274"/>
+              </p:ext>
+            </p:extLst>
+          </p:nvPr>
+        </p:nvGraphicFramePr>
+        <p:xfrm>
+          <a:off x="1413892" y="3573016"/>
+          <a:ext cx="9937105" cy="2520281"/>
+        </p:xfrm>
+        <a:graphic>
+          <a:graphicData uri="http://schemas.openxmlformats.org/drawingml/2006/table">
+            <a:tbl>
+              <a:tblPr firstRow="1" bandRow="1">
+                <a:tableStyleId>{5C22544A-7EE6-4342-B048-85BDC9FD1C3A}</a:tableStyleId>
+              </a:tblPr>
+              <a:tblGrid>
+                <a:gridCol w="2484277">
+                  <a:extLst>
+                    <a:ext uri="{9D8B030D-6E8A-4147-A177-3AD203B41FA5}">
+                      <a16:colId xmlns:a16="http://schemas.microsoft.com/office/drawing/2014/main" val="1063208438"/>
+                    </a:ext>
+                  </a:extLst>
+                </a:gridCol>
+                <a:gridCol w="2484277">
+                  <a:extLst>
+                    <a:ext uri="{9D8B030D-6E8A-4147-A177-3AD203B41FA5}">
+                      <a16:colId xmlns:a16="http://schemas.microsoft.com/office/drawing/2014/main" val="896712163"/>
+                    </a:ext>
+                  </a:extLst>
+                </a:gridCol>
+                <a:gridCol w="2612355">
+                  <a:extLst>
+                    <a:ext uri="{9D8B030D-6E8A-4147-A177-3AD203B41FA5}">
+                      <a16:colId xmlns:a16="http://schemas.microsoft.com/office/drawing/2014/main" val="2373999896"/>
+                    </a:ext>
+                  </a:extLst>
+                </a:gridCol>
+                <a:gridCol w="2356196">
+                  <a:extLst>
+                    <a:ext uri="{9D8B030D-6E8A-4147-A177-3AD203B41FA5}">
+                      <a16:colId xmlns:a16="http://schemas.microsoft.com/office/drawing/2014/main" val="560050579"/>
+                    </a:ext>
+                  </a:extLst>
+                </a:gridCol>
+              </a:tblGrid>
+              <a:tr h="909739">
+                <a:tc>
+                  <a:txBody>
+                    <a:bodyPr/>
+                    <a:lstStyle/>
+                    <a:p>
+                      <a:r>
+                        <a:rPr lang="it-IT" dirty="0" err="1"/>
+                        <a:t>Threads</a:t>
+                      </a:r>
+                      <a:endParaRPr lang="it-IT" dirty="0"/>
+                    </a:p>
+                  </a:txBody>
+                  <a:tcPr/>
+                </a:tc>
+                <a:tc>
+                  <a:txBody>
+                    <a:bodyPr/>
+                    <a:lstStyle/>
+                    <a:p>
+                      <a:r>
+                        <a:rPr lang="it-IT" dirty="0" err="1"/>
+                        <a:t>Avg</a:t>
+                      </a:r>
+                      <a:r>
+                        <a:rPr lang="it-IT" dirty="0"/>
+                        <a:t> time</a:t>
+                      </a:r>
+                    </a:p>
+                  </a:txBody>
+                  <a:tcPr/>
+                </a:tc>
+                <a:tc>
+                  <a:txBody>
+                    <a:bodyPr/>
+                    <a:lstStyle/>
+                    <a:p>
+                      <a:r>
+                        <a:rPr lang="it-IT" dirty="0" err="1"/>
+                        <a:t>Occupancy</a:t>
+                      </a:r>
+                      <a:endParaRPr lang="it-IT" dirty="0"/>
+                    </a:p>
+                  </a:txBody>
+                  <a:tcPr/>
+                </a:tc>
+                <a:tc>
+                  <a:txBody>
+                    <a:bodyPr/>
+                    <a:lstStyle/>
+                    <a:p>
+                      <a:r>
+                        <a:rPr lang="it-IT" dirty="0" err="1"/>
+                        <a:t>Warp</a:t>
+                      </a:r>
+                      <a:r>
+                        <a:rPr lang="it-IT" dirty="0"/>
+                        <a:t> </a:t>
+                      </a:r>
+                      <a:r>
+                        <a:rPr lang="it-IT" dirty="0" err="1"/>
+                        <a:t>efficiency</a:t>
+                      </a:r>
+                      <a:endParaRPr lang="it-IT" dirty="0"/>
+                    </a:p>
+                  </a:txBody>
+                  <a:tcPr/>
+                </a:tc>
+                <a:extLst>
+                  <a:ext uri="{0D108BD9-81ED-4DB2-BD59-A6C34878D82A}">
+                    <a16:rowId xmlns:a16="http://schemas.microsoft.com/office/drawing/2014/main" val="2855950676"/>
+                  </a:ext>
+                </a:extLst>
+              </a:tr>
+              <a:tr h="805271">
+                <a:tc>
+                  <a:txBody>
+                    <a:bodyPr/>
+                    <a:lstStyle/>
+                    <a:p>
+                      <a:r>
+                        <a:rPr lang="it-IT" dirty="0"/>
+                        <a:t>2048</a:t>
+                      </a:r>
+                    </a:p>
+                  </a:txBody>
+                  <a:tcPr/>
+                </a:tc>
+                <a:tc>
+                  <a:txBody>
+                    <a:bodyPr/>
+                    <a:lstStyle/>
+                    <a:p>
+                      <a:r>
+                        <a:rPr lang="it-IT" dirty="0"/>
+                        <a:t>165,44ms</a:t>
+                      </a:r>
+                    </a:p>
+                  </a:txBody>
+                  <a:tcPr/>
+                </a:tc>
+                <a:tc>
+                  <a:txBody>
+                    <a:bodyPr/>
+                    <a:lstStyle/>
+                    <a:p>
+                      <a:r>
+                        <a:rPr lang="it-IT" dirty="0"/>
+                        <a:t>0,200</a:t>
+                      </a:r>
+                    </a:p>
+                  </a:txBody>
+                  <a:tcPr/>
+                </a:tc>
+                <a:tc>
+                  <a:txBody>
+                    <a:bodyPr/>
+                    <a:lstStyle/>
+                    <a:p>
+                      <a:r>
+                        <a:rPr lang="it-IT" dirty="0"/>
+                        <a:t>99,5%</a:t>
+                      </a:r>
+                    </a:p>
+                  </a:txBody>
+                  <a:tcPr/>
+                </a:tc>
+                <a:extLst>
+                  <a:ext uri="{0D108BD9-81ED-4DB2-BD59-A6C34878D82A}">
+                    <a16:rowId xmlns:a16="http://schemas.microsoft.com/office/drawing/2014/main" val="738049192"/>
+                  </a:ext>
+                </a:extLst>
+              </a:tr>
+              <a:tr h="805271">
+                <a:tc>
+                  <a:txBody>
+                    <a:bodyPr/>
+                    <a:lstStyle/>
+                    <a:p>
+                      <a:r>
+                        <a:rPr lang="it-IT" dirty="0"/>
+                        <a:t>8192</a:t>
+                      </a:r>
+                    </a:p>
+                  </a:txBody>
+                  <a:tcPr/>
+                </a:tc>
+                <a:tc>
+                  <a:txBody>
+                    <a:bodyPr/>
+                    <a:lstStyle/>
+                    <a:p>
+                      <a:r>
+                        <a:rPr lang="it-IT" dirty="0"/>
+                        <a:t>189,26ms</a:t>
+                      </a:r>
+                    </a:p>
+                  </a:txBody>
+                  <a:tcPr/>
+                </a:tc>
+                <a:tc>
+                  <a:txBody>
+                    <a:bodyPr/>
+                    <a:lstStyle/>
+                    <a:p>
+                      <a:r>
+                        <a:rPr lang="it-IT" dirty="0"/>
+                        <a:t>0,452</a:t>
+                      </a:r>
+                    </a:p>
+                  </a:txBody>
+                  <a:tcPr/>
+                </a:tc>
+                <a:tc>
+                  <a:txBody>
+                    <a:bodyPr/>
+                    <a:lstStyle/>
+                    <a:p>
+                      <a:r>
+                        <a:rPr lang="it-IT" dirty="0"/>
+                        <a:t>95,5%</a:t>
+                      </a:r>
+                    </a:p>
+                  </a:txBody>
+                  <a:tcPr/>
+                </a:tc>
+                <a:extLst>
+                  <a:ext uri="{0D108BD9-81ED-4DB2-BD59-A6C34878D82A}">
+                    <a16:rowId xmlns:a16="http://schemas.microsoft.com/office/drawing/2014/main" val="2805850797"/>
+                  </a:ext>
+                </a:extLst>
+              </a:tr>
+            </a:tbl>
+          </a:graphicData>
+        </a:graphic>
+      </p:graphicFrame>
+    </p:spTree>
+    <p:extLst>
+      <p:ext uri="{BB962C8B-B14F-4D97-AF65-F5344CB8AC3E}">
+        <p14:creationId xmlns:p14="http://schemas.microsoft.com/office/powerpoint/2010/main" val="1924709074"/>
+      </p:ext>
+    </p:extLst>
+  </p:cSld>
+  <p:clrMapOvr>
+    <a:masterClrMapping/>
+  </p:clrMapOvr>
+  <mc:AlternateContent xmlns:mc="http://schemas.openxmlformats.org/markup-compatibility/2006" xmlns:p14="http://schemas.microsoft.com/office/powerpoint/2010/main">
+    <mc:Choice Requires="p14">
+      <p:transition spd="med" p14:dur="700">
+        <p:fade/>
+      </p:transition>
+    </mc:Choice>
+    <mc:Fallback xmlns="">
+      <p:transition spd="med">
+        <p:fade/>
+      </p:transition>
+    </mc:Fallback>
+  </mc:AlternateContent>
+</p:sld>
+</file>
+
+<file path=ppt/slides/slide25.xml><?xml version="1.0" encoding="utf-8"?>
+<p:sld xmlns:a="http://schemas.openxmlformats.org/drawingml/2006/main" xmlns:r="http://schemas.openxmlformats.org/officeDocument/2006/relationships" xmlns:p="http://schemas.openxmlformats.org/presentationml/2006/main">
+  <p:cSld>
+    <p:spTree>
+      <p:nvGrpSpPr>
+        <p:cNvPr id="1" name=""/>
+        <p:cNvGrpSpPr/>
+        <p:nvPr/>
+      </p:nvGrpSpPr>
+      <p:grpSpPr>
+        <a:xfrm>
+          <a:off x="0" y="0"/>
+          <a:ext cx="0" cy="0"/>
+          <a:chOff x="0" y="0"/>
+          <a:chExt cx="0" cy="0"/>
+        </a:xfrm>
+      </p:grpSpPr>
+      <p:sp>
+        <p:nvSpPr>
+          <p:cNvPr id="2" name="Title 1">
+            <a:extLst>
+              <a:ext uri="{FF2B5EF4-FFF2-40B4-BE49-F238E27FC236}">
+                <a16:creationId xmlns:a16="http://schemas.microsoft.com/office/drawing/2014/main" id="{6BA45339-81DA-7F53-F7F6-FFBF69D7129C}"/>
+              </a:ext>
+            </a:extLst>
+          </p:cNvPr>
+          <p:cNvSpPr>
+            <a:spLocks noGrp="1"/>
+          </p:cNvSpPr>
+          <p:nvPr>
+            <p:ph type="title"/>
+          </p:nvPr>
+        </p:nvSpPr>
+        <p:spPr>
+          <a:xfrm>
+            <a:off x="1218883" y="274637"/>
+            <a:ext cx="10360501" cy="706091"/>
+          </a:xfrm>
+        </p:spPr>
+        <p:txBody>
+          <a:bodyPr/>
+          <a:lstStyle/>
+          <a:p>
+            <a:pPr algn="ctr"/>
+            <a:r>
+              <a:rPr lang="it-IT" dirty="0" err="1"/>
+              <a:t>Speedup</a:t>
+            </a:r>
+            <a:r>
+              <a:rPr lang="it-IT" dirty="0"/>
+              <a:t> of </a:t>
+            </a:r>
+            <a:r>
+              <a:rPr lang="it-IT" dirty="0" err="1"/>
+              <a:t>optimization</a:t>
+            </a:r>
+            <a:endParaRPr lang="it-IT" dirty="0"/>
+          </a:p>
+        </p:txBody>
+      </p:sp>
+      <p:sp>
+        <p:nvSpPr>
+          <p:cNvPr id="3" name="Content Placeholder 2">
+            <a:extLst>
+              <a:ext uri="{FF2B5EF4-FFF2-40B4-BE49-F238E27FC236}">
+                <a16:creationId xmlns:a16="http://schemas.microsoft.com/office/drawing/2014/main" id="{32781D11-88AF-9BB4-5571-3D1C0ACC231F}"/>
+              </a:ext>
+            </a:extLst>
+          </p:cNvPr>
+          <p:cNvSpPr>
+            <a:spLocks noGrp="1"/>
+          </p:cNvSpPr>
+          <p:nvPr>
+            <p:ph idx="1"/>
+          </p:nvPr>
+        </p:nvSpPr>
+        <p:spPr>
+          <a:xfrm>
+            <a:off x="1218883" y="1124744"/>
+            <a:ext cx="10360501" cy="5039325"/>
+          </a:xfrm>
+        </p:spPr>
+        <p:txBody>
+          <a:bodyPr/>
+          <a:lstStyle/>
+          <a:p>
+            <a:endParaRPr lang="it-IT" dirty="0"/>
+          </a:p>
+        </p:txBody>
+      </p:sp>
+    </p:spTree>
+    <p:extLst>
+      <p:ext uri="{BB962C8B-B14F-4D97-AF65-F5344CB8AC3E}">
+        <p14:creationId xmlns:p14="http://schemas.microsoft.com/office/powerpoint/2010/main" val="650223574"/>
+      </p:ext>
+    </p:extLst>
+  </p:cSld>
+  <p:clrMapOvr>
+    <a:masterClrMapping/>
+  </p:clrMapOvr>
+  <mc:AlternateContent xmlns:mc="http://schemas.openxmlformats.org/markup-compatibility/2006" xmlns:p14="http://schemas.microsoft.com/office/powerpoint/2010/main">
+    <mc:Choice Requires="p14">
+      <p:transition spd="med" p14:dur="700">
+        <p:fade/>
+      </p:transition>
+    </mc:Choice>
+    <mc:Fallback xmlns="">
+      <p:transition spd="med">
+        <p:fade/>
+      </p:transition>
+    </mc:Fallback>
+  </mc:AlternateContent>
+</p:sld>
+</file>
+
+<file path=ppt/slides/slide26.xml><?xml version="1.0" encoding="utf-8"?>
+<p:sld xmlns:a="http://schemas.openxmlformats.org/drawingml/2006/main" xmlns:r="http://schemas.openxmlformats.org/officeDocument/2006/relationships" xmlns:p="http://schemas.openxmlformats.org/presentationml/2006/main">
+  <p:cSld>
+    <p:spTree>
+      <p:nvGrpSpPr>
+        <p:cNvPr id="1" name=""/>
+        <p:cNvGrpSpPr/>
+        <p:nvPr/>
+      </p:nvGrpSpPr>
+      <p:grpSpPr>
+        <a:xfrm>
+          <a:off x="0" y="0"/>
+          <a:ext cx="0" cy="0"/>
+          <a:chOff x="0" y="0"/>
+          <a:chExt cx="0" cy="0"/>
+        </a:xfrm>
+      </p:grpSpPr>
+      <p:sp>
+        <p:nvSpPr>
+          <p:cNvPr id="2" name="Title 1">
+            <a:extLst>
+              <a:ext uri="{FF2B5EF4-FFF2-40B4-BE49-F238E27FC236}">
+                <a16:creationId xmlns:a16="http://schemas.microsoft.com/office/drawing/2014/main" id="{6BA45339-81DA-7F53-F7F6-FFBF69D7129C}"/>
+              </a:ext>
+            </a:extLst>
+          </p:cNvPr>
+          <p:cNvSpPr>
+            <a:spLocks noGrp="1"/>
+          </p:cNvSpPr>
+          <p:nvPr>
+            <p:ph type="title"/>
+          </p:nvPr>
+        </p:nvSpPr>
+        <p:spPr>
+          <a:xfrm>
+            <a:off x="1218883" y="274637"/>
+            <a:ext cx="10360501" cy="706091"/>
+          </a:xfrm>
+        </p:spPr>
+        <p:txBody>
+          <a:bodyPr/>
+          <a:lstStyle/>
+          <a:p>
+            <a:pPr algn="ctr"/>
+            <a:r>
+              <a:rPr lang="it-IT" dirty="0"/>
+              <a:t>Global Memory access pattern </a:t>
+            </a:r>
+            <a:r>
+              <a:rPr lang="it-IT" dirty="0" err="1"/>
+              <a:t>optimization</a:t>
+            </a:r>
+            <a:endParaRPr lang="it-IT" dirty="0"/>
+          </a:p>
+        </p:txBody>
+      </p:sp>
+      <p:pic>
+        <p:nvPicPr>
+          <p:cNvPr id="5" name="Content Placeholder 4">
+            <a:extLst>
+              <a:ext uri="{FF2B5EF4-FFF2-40B4-BE49-F238E27FC236}">
+                <a16:creationId xmlns:a16="http://schemas.microsoft.com/office/drawing/2014/main" id="{7A358690-A6EE-A939-3872-D898B725FA44}"/>
+              </a:ext>
+            </a:extLst>
+          </p:cNvPr>
+          <p:cNvPicPr>
+            <a:picLocks noGrp="1" noChangeAspect="1"/>
+          </p:cNvPicPr>
+          <p:nvPr>
+            <p:ph idx="1"/>
+          </p:nvPr>
+        </p:nvPicPr>
+        <p:blipFill>
+          <a:blip r:embed="rId2"/>
+          <a:stretch>
+            <a:fillRect/>
+          </a:stretch>
+        </p:blipFill>
+        <p:spPr>
+          <a:xfrm>
+            <a:off x="1209696" y="1700808"/>
+            <a:ext cx="3293896" cy="4377749"/>
+          </a:xfrm>
+        </p:spPr>
+      </p:pic>
+      <p:sp>
+        <p:nvSpPr>
+          <p:cNvPr id="6" name="TextBox 5">
+            <a:extLst>
+              <a:ext uri="{FF2B5EF4-FFF2-40B4-BE49-F238E27FC236}">
+                <a16:creationId xmlns:a16="http://schemas.microsoft.com/office/drawing/2014/main" id="{3307B747-D5D4-A3AC-2E9F-1784B2DBC4B3}"/>
+              </a:ext>
+            </a:extLst>
+          </p:cNvPr>
+          <p:cNvSpPr txBox="1"/>
+          <p:nvPr/>
+        </p:nvSpPr>
+        <p:spPr>
+          <a:xfrm>
+            <a:off x="1557908" y="1079158"/>
+            <a:ext cx="2409186" cy="523220"/>
+          </a:xfrm>
+          <a:prstGeom prst="rect">
+            <a:avLst/>
+          </a:prstGeom>
+          <a:noFill/>
+        </p:spPr>
+        <p:txBody>
+          <a:bodyPr wrap="none" rtlCol="0">
+            <a:spAutoFit/>
+          </a:bodyPr>
+          <a:lstStyle/>
+          <a:p>
+            <a:r>
+              <a:rPr lang="it-IT" sz="2800" dirty="0"/>
+              <a:t>Array of </a:t>
+            </a:r>
+            <a:r>
+              <a:rPr lang="it-IT" sz="2800" dirty="0" err="1"/>
+              <a:t>structs</a:t>
+            </a:r>
+            <a:endParaRPr lang="it-IT" sz="2800" dirty="0"/>
+          </a:p>
+        </p:txBody>
+      </p:sp>
+      <p:pic>
+        <p:nvPicPr>
+          <p:cNvPr id="8" name="Picture 7">
+            <a:extLst>
+              <a:ext uri="{FF2B5EF4-FFF2-40B4-BE49-F238E27FC236}">
+                <a16:creationId xmlns:a16="http://schemas.microsoft.com/office/drawing/2014/main" id="{699B5978-2947-E1D0-9F97-34442270A102}"/>
+              </a:ext>
+            </a:extLst>
+          </p:cNvPr>
+          <p:cNvPicPr>
+            <a:picLocks noChangeAspect="1"/>
+          </p:cNvPicPr>
+          <p:nvPr/>
+        </p:nvPicPr>
+        <p:blipFill>
+          <a:blip r:embed="rId3"/>
+          <a:stretch>
+            <a:fillRect/>
+          </a:stretch>
+        </p:blipFill>
+        <p:spPr>
+          <a:xfrm>
+            <a:off x="4942284" y="1716832"/>
+            <a:ext cx="2963660" cy="4365048"/>
+          </a:xfrm>
+          <a:prstGeom prst="rect">
+            <a:avLst/>
+          </a:prstGeom>
+        </p:spPr>
+      </p:pic>
+      <p:sp>
+        <p:nvSpPr>
+          <p:cNvPr id="9" name="TextBox 8">
+            <a:extLst>
+              <a:ext uri="{FF2B5EF4-FFF2-40B4-BE49-F238E27FC236}">
+                <a16:creationId xmlns:a16="http://schemas.microsoft.com/office/drawing/2014/main" id="{38362496-002E-4000-D296-BBBDCE749E8E}"/>
+              </a:ext>
+            </a:extLst>
+          </p:cNvPr>
+          <p:cNvSpPr txBox="1"/>
+          <p:nvPr/>
+        </p:nvSpPr>
+        <p:spPr>
+          <a:xfrm>
+            <a:off x="5200600" y="1079158"/>
+            <a:ext cx="2397066" cy="523220"/>
+          </a:xfrm>
+          <a:prstGeom prst="rect">
+            <a:avLst/>
+          </a:prstGeom>
+          <a:noFill/>
+        </p:spPr>
+        <p:txBody>
+          <a:bodyPr wrap="none" rtlCol="0">
+            <a:spAutoFit/>
+          </a:bodyPr>
+          <a:lstStyle/>
+          <a:p>
+            <a:r>
+              <a:rPr lang="it-IT" sz="2800" dirty="0" err="1"/>
+              <a:t>Struct</a:t>
+            </a:r>
+            <a:r>
+              <a:rPr lang="it-IT" sz="2800" dirty="0"/>
+              <a:t> of arrays</a:t>
+            </a:r>
+          </a:p>
+        </p:txBody>
+      </p:sp>
+      <p:sp>
+        <p:nvSpPr>
+          <p:cNvPr id="10" name="TextBox 9">
+            <a:extLst>
+              <a:ext uri="{FF2B5EF4-FFF2-40B4-BE49-F238E27FC236}">
+                <a16:creationId xmlns:a16="http://schemas.microsoft.com/office/drawing/2014/main" id="{FFF5931F-BA03-F76B-91A0-8C5DD6CC5408}"/>
+              </a:ext>
+            </a:extLst>
+          </p:cNvPr>
+          <p:cNvSpPr txBox="1"/>
+          <p:nvPr/>
+        </p:nvSpPr>
+        <p:spPr>
+          <a:xfrm>
+            <a:off x="8398669" y="1844824"/>
+            <a:ext cx="3456384" cy="3108543"/>
+          </a:xfrm>
+          <a:prstGeom prst="rect">
+            <a:avLst/>
+          </a:prstGeom>
+          <a:noFill/>
+        </p:spPr>
+        <p:txBody>
+          <a:bodyPr wrap="square" rtlCol="0">
+            <a:spAutoFit/>
+          </a:bodyPr>
+          <a:lstStyle/>
+          <a:p>
+            <a:r>
+              <a:rPr lang="it-IT" sz="2800" dirty="0" err="1"/>
+              <a:t>Struct</a:t>
+            </a:r>
+            <a:r>
+              <a:rPr lang="it-IT" sz="2800" dirty="0"/>
+              <a:t> of arrays </a:t>
+            </a:r>
+            <a:r>
+              <a:rPr lang="it-IT" sz="2800" dirty="0" err="1"/>
+              <a:t>optimizes</a:t>
+            </a:r>
+            <a:r>
+              <a:rPr lang="it-IT" sz="2800" dirty="0"/>
+              <a:t> </a:t>
+            </a:r>
+            <a:r>
+              <a:rPr lang="it-IT" sz="2800" dirty="0" err="1"/>
+              <a:t>memory</a:t>
+            </a:r>
+            <a:r>
+              <a:rPr lang="it-IT" sz="2800" dirty="0"/>
+              <a:t> access patterns: data </a:t>
+            </a:r>
+            <a:r>
+              <a:rPr lang="it-IT" sz="2800" dirty="0" err="1"/>
+              <a:t>is</a:t>
+            </a:r>
+            <a:r>
+              <a:rPr lang="it-IT" sz="2800" dirty="0"/>
+              <a:t> </a:t>
+            </a:r>
+            <a:r>
+              <a:rPr lang="it-IT" sz="2800" dirty="0" err="1"/>
+              <a:t>adjacent</a:t>
+            </a:r>
+            <a:r>
+              <a:rPr lang="it-IT" sz="2800" dirty="0"/>
+              <a:t> for </a:t>
+            </a:r>
+            <a:r>
+              <a:rPr lang="it-IT" sz="2800" dirty="0" err="1"/>
+              <a:t>threads</a:t>
+            </a:r>
+            <a:r>
+              <a:rPr lang="it-IT" sz="2800" dirty="0"/>
+              <a:t> in a </a:t>
+            </a:r>
+            <a:r>
+              <a:rPr lang="it-IT" sz="2800" dirty="0" err="1"/>
+              <a:t>warp</a:t>
+            </a:r>
+            <a:r>
+              <a:rPr lang="it-IT" sz="2800" dirty="0"/>
+              <a:t>, </a:t>
+            </a:r>
+            <a:r>
+              <a:rPr lang="it-IT" sz="2800" dirty="0" err="1"/>
+              <a:t>which</a:t>
+            </a:r>
+            <a:r>
+              <a:rPr lang="it-IT" sz="2800" dirty="0"/>
+              <a:t> </a:t>
+            </a:r>
+            <a:r>
+              <a:rPr lang="it-IT" sz="2800" dirty="0" err="1"/>
+              <a:t>translates</a:t>
+            </a:r>
+            <a:r>
+              <a:rPr lang="it-IT" sz="2800" dirty="0"/>
+              <a:t> </a:t>
+            </a:r>
+            <a:r>
+              <a:rPr lang="it-IT" sz="2800" dirty="0" err="1"/>
+              <a:t>into</a:t>
+            </a:r>
+            <a:r>
+              <a:rPr lang="it-IT" sz="2800" dirty="0"/>
+              <a:t> </a:t>
+            </a:r>
+            <a:r>
+              <a:rPr lang="it-IT" sz="2800" dirty="0" err="1"/>
+              <a:t>fewer</a:t>
+            </a:r>
+            <a:r>
+              <a:rPr lang="it-IT" sz="2800" dirty="0"/>
+              <a:t> </a:t>
+            </a:r>
+            <a:r>
+              <a:rPr lang="it-IT" sz="2800" dirty="0" err="1"/>
+              <a:t>memory</a:t>
+            </a:r>
+            <a:r>
+              <a:rPr lang="it-IT" sz="2800" dirty="0"/>
+              <a:t> accesses</a:t>
+            </a:r>
+          </a:p>
+        </p:txBody>
+      </p:sp>
+    </p:spTree>
+    <p:extLst>
+      <p:ext uri="{BB962C8B-B14F-4D97-AF65-F5344CB8AC3E}">
+        <p14:creationId xmlns:p14="http://schemas.microsoft.com/office/powerpoint/2010/main" val="1727362453"/>
+      </p:ext>
+    </p:extLst>
+  </p:cSld>
+  <p:clrMapOvr>
+    <a:masterClrMapping/>
+  </p:clrMapOvr>
+  <mc:AlternateContent xmlns:mc="http://schemas.openxmlformats.org/markup-compatibility/2006">
+    <mc:Choice xmlns:p14="http://schemas.microsoft.com/office/powerpoint/2010/main" Requires="p14">
+      <p:transition spd="med" p14:dur="700">
+        <p:fade/>
+      </p:transition>
+    </mc:Choice>
+    <mc:Fallback>
+      <p:transition spd="med">
+        <p:fade/>
+      </p:transition>
+    </mc:Fallback>
+  </mc:AlternateContent>
+</p:sld>
+</file>
+
+<file path=ppt/slides/slide27.xml><?xml version="1.0" encoding="utf-8"?>
+<p:sld xmlns:a="http://schemas.openxmlformats.org/drawingml/2006/main" xmlns:r="http://schemas.openxmlformats.org/officeDocument/2006/relationships" xmlns:p="http://schemas.openxmlformats.org/presentationml/2006/main">
+  <p:cSld>
+    <p:spTree>
+      <p:nvGrpSpPr>
+        <p:cNvPr id="1" name=""/>
+        <p:cNvGrpSpPr/>
+        <p:nvPr/>
+      </p:nvGrpSpPr>
+      <p:grpSpPr>
+        <a:xfrm>
+          <a:off x="0" y="0"/>
+          <a:ext cx="0" cy="0"/>
+          <a:chOff x="0" y="0"/>
+          <a:chExt cx="0" cy="0"/>
+        </a:xfrm>
+      </p:grpSpPr>
+      <p:sp>
+        <p:nvSpPr>
+          <p:cNvPr id="2" name="Title 1">
+            <a:extLst>
+              <a:ext uri="{FF2B5EF4-FFF2-40B4-BE49-F238E27FC236}">
+                <a16:creationId xmlns:a16="http://schemas.microsoft.com/office/drawing/2014/main" id="{6BA45339-81DA-7F53-F7F6-FFBF69D7129C}"/>
+              </a:ext>
+            </a:extLst>
+          </p:cNvPr>
+          <p:cNvSpPr>
+            <a:spLocks noGrp="1"/>
+          </p:cNvSpPr>
+          <p:nvPr>
+            <p:ph type="title"/>
+          </p:nvPr>
+        </p:nvSpPr>
+        <p:spPr>
+          <a:xfrm>
+            <a:off x="1218883" y="274637"/>
+            <a:ext cx="10360501" cy="706091"/>
+          </a:xfrm>
+        </p:spPr>
+        <p:txBody>
+          <a:bodyPr/>
+          <a:lstStyle/>
+          <a:p>
+            <a:pPr algn="ctr"/>
+            <a:r>
+              <a:rPr lang="it-IT" dirty="0"/>
+              <a:t>CPU vs GPU</a:t>
+            </a:r>
+          </a:p>
+        </p:txBody>
+      </p:sp>
+      <p:sp>
+        <p:nvSpPr>
+          <p:cNvPr id="3" name="Content Placeholder 2">
+            <a:extLst>
+              <a:ext uri="{FF2B5EF4-FFF2-40B4-BE49-F238E27FC236}">
+                <a16:creationId xmlns:a16="http://schemas.microsoft.com/office/drawing/2014/main" id="{32781D11-88AF-9BB4-5571-3D1C0ACC231F}"/>
+              </a:ext>
+            </a:extLst>
+          </p:cNvPr>
+          <p:cNvSpPr>
+            <a:spLocks noGrp="1"/>
+          </p:cNvSpPr>
+          <p:nvPr>
+            <p:ph idx="1"/>
+          </p:nvPr>
+        </p:nvSpPr>
+        <p:spPr>
+          <a:xfrm>
+            <a:off x="1218883" y="1124744"/>
+            <a:ext cx="10360501" cy="5039325"/>
+          </a:xfrm>
+        </p:spPr>
+        <p:txBody>
+          <a:bodyPr/>
+          <a:lstStyle/>
+          <a:p>
+            <a:endParaRPr lang="it-IT" dirty="0"/>
+          </a:p>
+        </p:txBody>
+      </p:sp>
+    </p:spTree>
+    <p:extLst>
+      <p:ext uri="{BB962C8B-B14F-4D97-AF65-F5344CB8AC3E}">
+        <p14:creationId xmlns:p14="http://schemas.microsoft.com/office/powerpoint/2010/main" val="1608909313"/>
+      </p:ext>
+    </p:extLst>
+  </p:cSld>
+  <p:clrMapOvr>
+    <a:masterClrMapping/>
+  </p:clrMapOvr>
+  <mc:AlternateContent xmlns:mc="http://schemas.openxmlformats.org/markup-compatibility/2006">
+    <mc:Choice xmlns:p14="http://schemas.microsoft.com/office/powerpoint/2010/main" Requires="p14">
+      <p:transition spd="med" p14:dur="700">
+        <p:fade/>
+      </p:transition>
+    </mc:Choice>
+    <mc:Fallback>
+      <p:transition spd="med">
         <p:fade/>
       </p:transition>
     </mc:Fallback>
@@ -19747,7 +26304,10 @@
               <a:rPr lang="it-IT" dirty="0" err="1"/>
               <a:t>Speedup</a:t>
             </a:r>
-            <a:endParaRPr lang="it-IT" dirty="0"/>
+            <a:r>
+              <a:rPr lang="it-IT" dirty="0"/>
+              <a:t> (da ricontrollare) (sparisce)</a:t>
+            </a:r>
           </a:p>
         </p:txBody>
       </p:sp>
@@ -19823,13 +26383,13 @@
   <p:clrMapOvr>
     <a:masterClrMapping/>
   </p:clrMapOvr>
-  <mc:AlternateContent xmlns:mc="http://schemas.openxmlformats.org/markup-compatibility/2006">
-    <mc:Choice xmlns:p14="http://schemas.microsoft.com/office/powerpoint/2010/main" Requires="p14">
+  <mc:AlternateContent xmlns:mc="http://schemas.openxmlformats.org/markup-compatibility/2006" xmlns:p14="http://schemas.microsoft.com/office/powerpoint/2010/main">
+    <mc:Choice Requires="p14">
       <p:transition spd="med" p14:dur="700">
         <p:fade/>
       </p:transition>
     </mc:Choice>
-    <mc:Fallback>
+    <mc:Fallback xmlns="">
       <p:transition spd="med">
         <p:fade/>
       </p:transition>
@@ -20058,7 +26618,7 @@
             <a:r>
               <a:rPr lang="en-US" b="1" dirty="0">
                 <a:solidFill>
-                  <a:schemeClr val="accent5"/>
+                  <a:srgbClr val="FF0000"/>
                 </a:solidFill>
               </a:rPr>
               <a:t>from 212ms to 137ms</a:t>
@@ -20070,26 +26630,26 @@
             <a:r>
               <a:rPr lang="en-US" b="1" dirty="0">
                 <a:solidFill>
-                  <a:schemeClr val="accent5"/>
+                  <a:srgbClr val="FF0000"/>
                 </a:solidFill>
               </a:rPr>
               <a:t>from 26ms to 49ms</a:t>
             </a:r>
             <a:r>
               <a:rPr lang="en-US" dirty="0"/>
-              <a:t>. Therefore the total iteration time is reduced </a:t>
-            </a:r>
-            <a:r>
-              <a:rPr lang="en-US" b="1" dirty="0"/>
-              <a:t>from </a:t>
+              <a:t>. Therefore, the total iteration time is reduced </a:t>
             </a:r>
             <a:r>
               <a:rPr lang="en-US" b="1" dirty="0">
                 <a:solidFill>
-                  <a:schemeClr val="accent5"/>
+                  <a:srgbClr val="FF0000"/>
                 </a:solidFill>
               </a:rPr>
-              <a:t>239ms to 186ms.</a:t>
+              <a:t>from 239ms to 186ms</a:t>
+            </a:r>
+            <a:r>
+              <a:rPr lang="en-US" b="1" dirty="0"/>
+              <a:t>.</a:t>
             </a:r>
           </a:p>
           <a:p>
@@ -21076,6 +27636,151 @@
 </file>
 
 <file path=customXml/item1.xml><?xml version="1.0" encoding="utf-8"?>
+<p:properties xmlns:p="http://schemas.microsoft.com/office/2006/metadata/properties" xmlns:xsi="http://www.w3.org/2001/XMLSchema-instance" xmlns:pc="http://schemas.microsoft.com/office/infopath/2007/PartnerControls">
+  <documentManagement>
+    <LocPublishedLinkedAssetsLookup xmlns="4873beb7-5857-4685-be1f-d57550cc96cc" xsi:nil="true"/>
+    <ApprovalStatus xmlns="4873beb7-5857-4685-be1f-d57550cc96cc">InProgress</ApprovalStatus>
+    <MarketSpecific xmlns="4873beb7-5857-4685-be1f-d57550cc96cc">false</MarketSpecific>
+    <LocComments xmlns="4873beb7-5857-4685-be1f-d57550cc96cc" xsi:nil="true"/>
+    <LocLastLocAttemptVersionTypeLookup xmlns="4873beb7-5857-4685-be1f-d57550cc96cc" xsi:nil="true"/>
+    <DirectSourceMarket xmlns="4873beb7-5857-4685-be1f-d57550cc96cc" xsi:nil="true"/>
+    <ThumbnailAssetId xmlns="4873beb7-5857-4685-be1f-d57550cc96cc" xsi:nil="true"/>
+    <PrimaryImageGen xmlns="4873beb7-5857-4685-be1f-d57550cc96cc">false</PrimaryImageGen>
+    <LocNewPublishedVersionLookup xmlns="4873beb7-5857-4685-be1f-d57550cc96cc" xsi:nil="true"/>
+    <LegacyData xmlns="4873beb7-5857-4685-be1f-d57550cc96cc" xsi:nil="true"/>
+    <LocRecommendedHandoff xmlns="4873beb7-5857-4685-be1f-d57550cc96cc" xsi:nil="true"/>
+    <BusinessGroup xmlns="4873beb7-5857-4685-be1f-d57550cc96cc" xsi:nil="true"/>
+    <BlockPublish xmlns="4873beb7-5857-4685-be1f-d57550cc96cc">false</BlockPublish>
+    <TPFriendlyName xmlns="4873beb7-5857-4685-be1f-d57550cc96cc" xsi:nil="true"/>
+    <LocOverallPublishStatusLookup xmlns="4873beb7-5857-4685-be1f-d57550cc96cc" xsi:nil="true"/>
+    <NumericId xmlns="4873beb7-5857-4685-be1f-d57550cc96cc" xsi:nil="true"/>
+    <APEditor xmlns="4873beb7-5857-4685-be1f-d57550cc96cc">
+      <UserInfo>
+        <DisplayName/>
+        <AccountId xsi:nil="true"/>
+        <AccountType/>
+      </UserInfo>
+    </APEditor>
+    <SourceTitle xmlns="4873beb7-5857-4685-be1f-d57550cc96cc" xsi:nil="true"/>
+    <OpenTemplate xmlns="4873beb7-5857-4685-be1f-d57550cc96cc">true</OpenTemplate>
+    <LocOverallLocStatusLookup xmlns="4873beb7-5857-4685-be1f-d57550cc96cc" xsi:nil="true"/>
+    <UALocComments xmlns="4873beb7-5857-4685-be1f-d57550cc96cc" xsi:nil="true"/>
+    <ParentAssetId xmlns="4873beb7-5857-4685-be1f-d57550cc96cc" xsi:nil="true"/>
+    <IntlLangReviewDate xmlns="4873beb7-5857-4685-be1f-d57550cc96cc" xsi:nil="true"/>
+    <FeatureTagsTaxHTField0 xmlns="4873beb7-5857-4685-be1f-d57550cc96cc">
+      <Terms xmlns="http://schemas.microsoft.com/office/infopath/2007/PartnerControls"/>
+    </FeatureTagsTaxHTField0>
+    <PublishStatusLookup xmlns="4873beb7-5857-4685-be1f-d57550cc96cc">
+      <Value>1345093</Value>
+    </PublishStatusLookup>
+    <Providers xmlns="4873beb7-5857-4685-be1f-d57550cc96cc" xsi:nil="true"/>
+    <MachineTranslated xmlns="4873beb7-5857-4685-be1f-d57550cc96cc">false</MachineTranslated>
+    <OriginalSourceMarket xmlns="4873beb7-5857-4685-be1f-d57550cc96cc" xsi:nil="true"/>
+    <APDescription xmlns="4873beb7-5857-4685-be1f-d57550cc96cc">This simple template design works for technology and  businesses, but it's versatile enough to use in other contexts.  It features multiple slide layouts designed for widescreen (16x9 resolution) and includes a sample SmartArt list and chart that are easily editable.</APDescription>
+    <ClipArtFilename xmlns="4873beb7-5857-4685-be1f-d57550cc96cc" xsi:nil="true"/>
+    <ContentItem xmlns="4873beb7-5857-4685-be1f-d57550cc96cc" xsi:nil="true"/>
+    <TPInstallLocation xmlns="4873beb7-5857-4685-be1f-d57550cc96cc" xsi:nil="true"/>
+    <PublishTargets xmlns="4873beb7-5857-4685-be1f-d57550cc96cc">OfficeOnlineVNext</PublishTargets>
+    <TimesCloned xmlns="4873beb7-5857-4685-be1f-d57550cc96cc" xsi:nil="true"/>
+    <AssetStart xmlns="4873beb7-5857-4685-be1f-d57550cc96cc">2011-11-26T00:30:00+00:00</AssetStart>
+    <Provider xmlns="4873beb7-5857-4685-be1f-d57550cc96cc" xsi:nil="true"/>
+    <AcquiredFrom xmlns="4873beb7-5857-4685-be1f-d57550cc96cc">Internal MS</AcquiredFrom>
+    <FriendlyTitle xmlns="4873beb7-5857-4685-be1f-d57550cc96cc" xsi:nil="true"/>
+    <LastHandOff xmlns="4873beb7-5857-4685-be1f-d57550cc96cc" xsi:nil="true"/>
+    <TPClientViewer xmlns="4873beb7-5857-4685-be1f-d57550cc96cc" xsi:nil="true"/>
+    <TemplateStatus xmlns="4873beb7-5857-4685-be1f-d57550cc96cc">Complete</TemplateStatus>
+    <Downloads xmlns="4873beb7-5857-4685-be1f-d57550cc96cc">0</Downloads>
+    <OOCacheId xmlns="4873beb7-5857-4685-be1f-d57550cc96cc" xsi:nil="true"/>
+    <IsDeleted xmlns="4873beb7-5857-4685-be1f-d57550cc96cc">false</IsDeleted>
+    <LocPublishedDependentAssetsLookup xmlns="4873beb7-5857-4685-be1f-d57550cc96cc" xsi:nil="true"/>
+    <TPExecutable xmlns="4873beb7-5857-4685-be1f-d57550cc96cc" xsi:nil="true"/>
+    <EditorialTags xmlns="4873beb7-5857-4685-be1f-d57550cc96cc" xsi:nil="true"/>
+    <SubmitterId xmlns="4873beb7-5857-4685-be1f-d57550cc96cc" xsi:nil="true"/>
+    <ApprovalLog xmlns="4873beb7-5857-4685-be1f-d57550cc96cc" xsi:nil="true"/>
+    <AssetType xmlns="4873beb7-5857-4685-be1f-d57550cc96cc">TP</AssetType>
+    <BugNumber xmlns="4873beb7-5857-4685-be1f-d57550cc96cc" xsi:nil="true"/>
+    <CSXSubmissionDate xmlns="4873beb7-5857-4685-be1f-d57550cc96cc" xsi:nil="true"/>
+    <CSXUpdate xmlns="4873beb7-5857-4685-be1f-d57550cc96cc">false</CSXUpdate>
+    <Milestone xmlns="4873beb7-5857-4685-be1f-d57550cc96cc" xsi:nil="true"/>
+    <RecommendationsModifier xmlns="4873beb7-5857-4685-be1f-d57550cc96cc" xsi:nil="true"/>
+    <OriginAsset xmlns="4873beb7-5857-4685-be1f-d57550cc96cc" xsi:nil="true"/>
+    <TPComponent xmlns="4873beb7-5857-4685-be1f-d57550cc96cc" xsi:nil="true"/>
+    <AssetId xmlns="4873beb7-5857-4685-be1f-d57550cc96cc">TP102787989</AssetId>
+    <IntlLocPriority xmlns="4873beb7-5857-4685-be1f-d57550cc96cc" xsi:nil="true"/>
+    <PolicheckWords xmlns="4873beb7-5857-4685-be1f-d57550cc96cc" xsi:nil="true"/>
+    <TPLaunchHelpLink xmlns="4873beb7-5857-4685-be1f-d57550cc96cc" xsi:nil="true"/>
+    <TPApplication xmlns="4873beb7-5857-4685-be1f-d57550cc96cc" xsi:nil="true"/>
+    <CrawlForDependencies xmlns="4873beb7-5857-4685-be1f-d57550cc96cc">false</CrawlForDependencies>
+    <HandoffToMSDN xmlns="4873beb7-5857-4685-be1f-d57550cc96cc" xsi:nil="true"/>
+    <PlannedPubDate xmlns="4873beb7-5857-4685-be1f-d57550cc96cc" xsi:nil="true"/>
+    <IntlLangReviewer xmlns="4873beb7-5857-4685-be1f-d57550cc96cc" xsi:nil="true"/>
+    <TrustLevel xmlns="4873beb7-5857-4685-be1f-d57550cc96cc">1 Microsoft Managed Content</TrustLevel>
+    <LocLastLocAttemptVersionLookup xmlns="4873beb7-5857-4685-be1f-d57550cc96cc">694266</LocLastLocAttemptVersionLookup>
+    <LocProcessedForHandoffsLookup xmlns="4873beb7-5857-4685-be1f-d57550cc96cc" xsi:nil="true"/>
+    <IsSearchable xmlns="4873beb7-5857-4685-be1f-d57550cc96cc">true</IsSearchable>
+    <TemplateTemplateType xmlns="4873beb7-5857-4685-be1f-d57550cc96cc">PowerPoint Presentation Template</TemplateTemplateType>
+    <CampaignTagsTaxHTField0 xmlns="4873beb7-5857-4685-be1f-d57550cc96cc">
+      <Terms xmlns="http://schemas.microsoft.com/office/infopath/2007/PartnerControls"/>
+    </CampaignTagsTaxHTField0>
+    <TPNamespace xmlns="4873beb7-5857-4685-be1f-d57550cc96cc" xsi:nil="true"/>
+    <LocOverallPreviewStatusLookup xmlns="4873beb7-5857-4685-be1f-d57550cc96cc" xsi:nil="true"/>
+    <TaxCatchAll xmlns="4873beb7-5857-4685-be1f-d57550cc96cc"/>
+    <Markets xmlns="4873beb7-5857-4685-be1f-d57550cc96cc"/>
+    <UAProjectedTotalWords xmlns="4873beb7-5857-4685-be1f-d57550cc96cc" xsi:nil="true"/>
+    <IntlLangReview xmlns="4873beb7-5857-4685-be1f-d57550cc96cc" xsi:nil="true"/>
+    <OutputCachingOn xmlns="4873beb7-5857-4685-be1f-d57550cc96cc">false</OutputCachingOn>
+    <AverageRating xmlns="4873beb7-5857-4685-be1f-d57550cc96cc" xsi:nil="true"/>
+    <APAuthor xmlns="4873beb7-5857-4685-be1f-d57550cc96cc">
+      <UserInfo>
+        <DisplayName>REDMOND\kristaa</DisplayName>
+        <AccountId>136</AccountId>
+        <AccountType/>
+      </UserInfo>
+    </APAuthor>
+    <LocManualTestRequired xmlns="4873beb7-5857-4685-be1f-d57550cc96cc">false</LocManualTestRequired>
+    <TPCommandLine xmlns="4873beb7-5857-4685-be1f-d57550cc96cc" xsi:nil="true"/>
+    <TPAppVersion xmlns="4873beb7-5857-4685-be1f-d57550cc96cc" xsi:nil="true"/>
+    <EditorialStatus xmlns="4873beb7-5857-4685-be1f-d57550cc96cc">Complete</EditorialStatus>
+    <LastModifiedDateTime xmlns="4873beb7-5857-4685-be1f-d57550cc96cc" xsi:nil="true"/>
+    <ScenarioTagsTaxHTField0 xmlns="4873beb7-5857-4685-be1f-d57550cc96cc">
+      <Terms xmlns="http://schemas.microsoft.com/office/infopath/2007/PartnerControls"/>
+    </ScenarioTagsTaxHTField0>
+    <LocProcessedForMarketsLookup xmlns="4873beb7-5857-4685-be1f-d57550cc96cc" xsi:nil="true"/>
+    <TPLaunchHelpLinkType xmlns="4873beb7-5857-4685-be1f-d57550cc96cc">Template</TPLaunchHelpLinkType>
+    <OriginalRelease xmlns="4873beb7-5857-4685-be1f-d57550cc96cc">15</OriginalRelease>
+    <LocalizationTagsTaxHTField0 xmlns="4873beb7-5857-4685-be1f-d57550cc96cc">
+      <Terms xmlns="http://schemas.microsoft.com/office/infopath/2007/PartnerControls"/>
+    </LocalizationTagsTaxHTField0>
+    <UACurrentWords xmlns="4873beb7-5857-4685-be1f-d57550cc96cc" xsi:nil="true"/>
+    <ArtSampleDocs xmlns="4873beb7-5857-4685-be1f-d57550cc96cc" xsi:nil="true"/>
+    <UALocRecommendation xmlns="4873beb7-5857-4685-be1f-d57550cc96cc">Localize</UALocRecommendation>
+    <Manager xmlns="4873beb7-5857-4685-be1f-d57550cc96cc" xsi:nil="true"/>
+    <LocOverallHandbackStatusLookup xmlns="4873beb7-5857-4685-be1f-d57550cc96cc" xsi:nil="true"/>
+    <ShowIn xmlns="4873beb7-5857-4685-be1f-d57550cc96cc">Show everywhere</ShowIn>
+    <UANotes xmlns="4873beb7-5857-4685-be1f-d57550cc96cc" xsi:nil="true"/>
+    <InternalTagsTaxHTField0 xmlns="4873beb7-5857-4685-be1f-d57550cc96cc">
+      <Terms xmlns="http://schemas.microsoft.com/office/infopath/2007/PartnerControls"/>
+    </InternalTagsTaxHTField0>
+    <CSXHash xmlns="4873beb7-5857-4685-be1f-d57550cc96cc" xsi:nil="true"/>
+    <VoteCount xmlns="4873beb7-5857-4685-be1f-d57550cc96cc" xsi:nil="true"/>
+    <AssetExpire xmlns="4873beb7-5857-4685-be1f-d57550cc96cc">2029-05-12T07:00:00+00:00</AssetExpire>
+    <DSATActionTaken xmlns="4873beb7-5857-4685-be1f-d57550cc96cc" xsi:nil="true"/>
+    <CSXSubmissionMarket xmlns="4873beb7-5857-4685-be1f-d57550cc96cc" xsi:nil="true"/>
+    <LocMarketGroupTiers2 xmlns="4873beb7-5857-4685-be1f-d57550cc96cc" xsi:nil="true"/>
+  </documentManagement>
+</p:properties>
+</file>
+
+<file path=customXml/item2.xml><?xml version="1.0" encoding="utf-8"?>
+<?mso-contentType ?>
+<FormTemplates xmlns="http://schemas.microsoft.com/sharepoint/v3/contenttype/forms">
+  <Display>DocumentLibraryForm</Display>
+  <Edit>AssetEditForm</Edit>
+  <New>DocumentLibraryForm</New>
+</FormTemplates>
+</file>
+
+<file path=customXml/item3.xml><?xml version="1.0" encoding="utf-8"?>
 <ct:contentTypeSchema xmlns:ct="http://schemas.microsoft.com/office/2006/metadata/contentType" xmlns:ma="http://schemas.microsoft.com/office/2006/metadata/properties/metaAttributes" ct:_="" ma:_="" ma:contentTypeName="TemplateFile" ma:contentTypeID="0x0101006EDDDB5EE6D98C44930B742096920B300400F5B6D36B3EF94B4E9A635CDF2A18F5B8" ma:contentTypeVersion="72" ma:contentTypeDescription="Create a new document." ma:contentTypeScope="" ma:versionID="a23e56308344d904b51738559c3d67c9">
   <xsd:schema xmlns:xsd="http://www.w3.org/2001/XMLSchema" xmlns:xs="http://www.w3.org/2001/XMLSchema" xmlns:p="http://schemas.microsoft.com/office/2006/metadata/properties" xmlns:ns2="4873beb7-5857-4685-be1f-d57550cc96cc" targetNamespace="http://schemas.microsoft.com/office/2006/metadata/properties" ma:root="true" ma:fieldsID="cd0908cc4600e77bf5da051303e00c8d" ns2:_="">
     <xsd:import namespace="4873beb7-5857-4685-be1f-d57550cc96cc"/>
@@ -22115,152 +28820,31 @@
 </ct:contentTypeSchema>
 </file>
 
-<file path=customXml/item2.xml><?xml version="1.0" encoding="utf-8"?>
-<p:properties xmlns:p="http://schemas.microsoft.com/office/2006/metadata/properties" xmlns:xsi="http://www.w3.org/2001/XMLSchema-instance" xmlns:pc="http://schemas.microsoft.com/office/infopath/2007/PartnerControls">
-  <documentManagement>
-    <LocPublishedLinkedAssetsLookup xmlns="4873beb7-5857-4685-be1f-d57550cc96cc" xsi:nil="true"/>
-    <ApprovalStatus xmlns="4873beb7-5857-4685-be1f-d57550cc96cc">InProgress</ApprovalStatus>
-    <MarketSpecific xmlns="4873beb7-5857-4685-be1f-d57550cc96cc">false</MarketSpecific>
-    <LocComments xmlns="4873beb7-5857-4685-be1f-d57550cc96cc" xsi:nil="true"/>
-    <LocLastLocAttemptVersionTypeLookup xmlns="4873beb7-5857-4685-be1f-d57550cc96cc" xsi:nil="true"/>
-    <DirectSourceMarket xmlns="4873beb7-5857-4685-be1f-d57550cc96cc" xsi:nil="true"/>
-    <ThumbnailAssetId xmlns="4873beb7-5857-4685-be1f-d57550cc96cc" xsi:nil="true"/>
-    <PrimaryImageGen xmlns="4873beb7-5857-4685-be1f-d57550cc96cc">false</PrimaryImageGen>
-    <LocNewPublishedVersionLookup xmlns="4873beb7-5857-4685-be1f-d57550cc96cc" xsi:nil="true"/>
-    <LegacyData xmlns="4873beb7-5857-4685-be1f-d57550cc96cc" xsi:nil="true"/>
-    <LocRecommendedHandoff xmlns="4873beb7-5857-4685-be1f-d57550cc96cc" xsi:nil="true"/>
-    <BusinessGroup xmlns="4873beb7-5857-4685-be1f-d57550cc96cc" xsi:nil="true"/>
-    <BlockPublish xmlns="4873beb7-5857-4685-be1f-d57550cc96cc">false</BlockPublish>
-    <TPFriendlyName xmlns="4873beb7-5857-4685-be1f-d57550cc96cc" xsi:nil="true"/>
-    <LocOverallPublishStatusLookup xmlns="4873beb7-5857-4685-be1f-d57550cc96cc" xsi:nil="true"/>
-    <NumericId xmlns="4873beb7-5857-4685-be1f-d57550cc96cc" xsi:nil="true"/>
-    <APEditor xmlns="4873beb7-5857-4685-be1f-d57550cc96cc">
-      <UserInfo>
-        <DisplayName/>
-        <AccountId xsi:nil="true"/>
-        <AccountType/>
-      </UserInfo>
-    </APEditor>
-    <SourceTitle xmlns="4873beb7-5857-4685-be1f-d57550cc96cc" xsi:nil="true"/>
-    <OpenTemplate xmlns="4873beb7-5857-4685-be1f-d57550cc96cc">true</OpenTemplate>
-    <LocOverallLocStatusLookup xmlns="4873beb7-5857-4685-be1f-d57550cc96cc" xsi:nil="true"/>
-    <UALocComments xmlns="4873beb7-5857-4685-be1f-d57550cc96cc" xsi:nil="true"/>
-    <ParentAssetId xmlns="4873beb7-5857-4685-be1f-d57550cc96cc" xsi:nil="true"/>
-    <IntlLangReviewDate xmlns="4873beb7-5857-4685-be1f-d57550cc96cc" xsi:nil="true"/>
-    <FeatureTagsTaxHTField0 xmlns="4873beb7-5857-4685-be1f-d57550cc96cc">
-      <Terms xmlns="http://schemas.microsoft.com/office/infopath/2007/PartnerControls"/>
-    </FeatureTagsTaxHTField0>
-    <PublishStatusLookup xmlns="4873beb7-5857-4685-be1f-d57550cc96cc">
-      <Value>1345093</Value>
-    </PublishStatusLookup>
-    <Providers xmlns="4873beb7-5857-4685-be1f-d57550cc96cc" xsi:nil="true"/>
-    <MachineTranslated xmlns="4873beb7-5857-4685-be1f-d57550cc96cc">false</MachineTranslated>
-    <OriginalSourceMarket xmlns="4873beb7-5857-4685-be1f-d57550cc96cc" xsi:nil="true"/>
-    <APDescription xmlns="4873beb7-5857-4685-be1f-d57550cc96cc">This simple template design works for technology and  businesses, but it's versatile enough to use in other contexts.  It features multiple slide layouts designed for widescreen (16x9 resolution) and includes a sample SmartArt list and chart that are easily editable.</APDescription>
-    <ClipArtFilename xmlns="4873beb7-5857-4685-be1f-d57550cc96cc" xsi:nil="true"/>
-    <ContentItem xmlns="4873beb7-5857-4685-be1f-d57550cc96cc" xsi:nil="true"/>
-    <TPInstallLocation xmlns="4873beb7-5857-4685-be1f-d57550cc96cc" xsi:nil="true"/>
-    <PublishTargets xmlns="4873beb7-5857-4685-be1f-d57550cc96cc">OfficeOnlineVNext</PublishTargets>
-    <TimesCloned xmlns="4873beb7-5857-4685-be1f-d57550cc96cc" xsi:nil="true"/>
-    <AssetStart xmlns="4873beb7-5857-4685-be1f-d57550cc96cc">2011-11-26T00:30:00+00:00</AssetStart>
-    <Provider xmlns="4873beb7-5857-4685-be1f-d57550cc96cc" xsi:nil="true"/>
-    <AcquiredFrom xmlns="4873beb7-5857-4685-be1f-d57550cc96cc">Internal MS</AcquiredFrom>
-    <FriendlyTitle xmlns="4873beb7-5857-4685-be1f-d57550cc96cc" xsi:nil="true"/>
-    <LastHandOff xmlns="4873beb7-5857-4685-be1f-d57550cc96cc" xsi:nil="true"/>
-    <TPClientViewer xmlns="4873beb7-5857-4685-be1f-d57550cc96cc" xsi:nil="true"/>
-    <TemplateStatus xmlns="4873beb7-5857-4685-be1f-d57550cc96cc">Complete</TemplateStatus>
-    <Downloads xmlns="4873beb7-5857-4685-be1f-d57550cc96cc">0</Downloads>
-    <OOCacheId xmlns="4873beb7-5857-4685-be1f-d57550cc96cc" xsi:nil="true"/>
-    <IsDeleted xmlns="4873beb7-5857-4685-be1f-d57550cc96cc">false</IsDeleted>
-    <LocPublishedDependentAssetsLookup xmlns="4873beb7-5857-4685-be1f-d57550cc96cc" xsi:nil="true"/>
-    <TPExecutable xmlns="4873beb7-5857-4685-be1f-d57550cc96cc" xsi:nil="true"/>
-    <EditorialTags xmlns="4873beb7-5857-4685-be1f-d57550cc96cc" xsi:nil="true"/>
-    <SubmitterId xmlns="4873beb7-5857-4685-be1f-d57550cc96cc" xsi:nil="true"/>
-    <ApprovalLog xmlns="4873beb7-5857-4685-be1f-d57550cc96cc" xsi:nil="true"/>
-    <AssetType xmlns="4873beb7-5857-4685-be1f-d57550cc96cc">TP</AssetType>
-    <BugNumber xmlns="4873beb7-5857-4685-be1f-d57550cc96cc" xsi:nil="true"/>
-    <CSXSubmissionDate xmlns="4873beb7-5857-4685-be1f-d57550cc96cc" xsi:nil="true"/>
-    <CSXUpdate xmlns="4873beb7-5857-4685-be1f-d57550cc96cc">false</CSXUpdate>
-    <Milestone xmlns="4873beb7-5857-4685-be1f-d57550cc96cc" xsi:nil="true"/>
-    <RecommendationsModifier xmlns="4873beb7-5857-4685-be1f-d57550cc96cc" xsi:nil="true"/>
-    <OriginAsset xmlns="4873beb7-5857-4685-be1f-d57550cc96cc" xsi:nil="true"/>
-    <TPComponent xmlns="4873beb7-5857-4685-be1f-d57550cc96cc" xsi:nil="true"/>
-    <AssetId xmlns="4873beb7-5857-4685-be1f-d57550cc96cc">TP102787989</AssetId>
-    <IntlLocPriority xmlns="4873beb7-5857-4685-be1f-d57550cc96cc" xsi:nil="true"/>
-    <PolicheckWords xmlns="4873beb7-5857-4685-be1f-d57550cc96cc" xsi:nil="true"/>
-    <TPLaunchHelpLink xmlns="4873beb7-5857-4685-be1f-d57550cc96cc" xsi:nil="true"/>
-    <TPApplication xmlns="4873beb7-5857-4685-be1f-d57550cc96cc" xsi:nil="true"/>
-    <CrawlForDependencies xmlns="4873beb7-5857-4685-be1f-d57550cc96cc">false</CrawlForDependencies>
-    <HandoffToMSDN xmlns="4873beb7-5857-4685-be1f-d57550cc96cc" xsi:nil="true"/>
-    <PlannedPubDate xmlns="4873beb7-5857-4685-be1f-d57550cc96cc" xsi:nil="true"/>
-    <IntlLangReviewer xmlns="4873beb7-5857-4685-be1f-d57550cc96cc" xsi:nil="true"/>
-    <TrustLevel xmlns="4873beb7-5857-4685-be1f-d57550cc96cc">1 Microsoft Managed Content</TrustLevel>
-    <LocLastLocAttemptVersionLookup xmlns="4873beb7-5857-4685-be1f-d57550cc96cc">694266</LocLastLocAttemptVersionLookup>
-    <LocProcessedForHandoffsLookup xmlns="4873beb7-5857-4685-be1f-d57550cc96cc" xsi:nil="true"/>
-    <IsSearchable xmlns="4873beb7-5857-4685-be1f-d57550cc96cc">true</IsSearchable>
-    <TemplateTemplateType xmlns="4873beb7-5857-4685-be1f-d57550cc96cc">PowerPoint Presentation Template</TemplateTemplateType>
-    <CampaignTagsTaxHTField0 xmlns="4873beb7-5857-4685-be1f-d57550cc96cc">
-      <Terms xmlns="http://schemas.microsoft.com/office/infopath/2007/PartnerControls"/>
-    </CampaignTagsTaxHTField0>
-    <TPNamespace xmlns="4873beb7-5857-4685-be1f-d57550cc96cc" xsi:nil="true"/>
-    <LocOverallPreviewStatusLookup xmlns="4873beb7-5857-4685-be1f-d57550cc96cc" xsi:nil="true"/>
-    <TaxCatchAll xmlns="4873beb7-5857-4685-be1f-d57550cc96cc"/>
-    <Markets xmlns="4873beb7-5857-4685-be1f-d57550cc96cc"/>
-    <UAProjectedTotalWords xmlns="4873beb7-5857-4685-be1f-d57550cc96cc" xsi:nil="true"/>
-    <IntlLangReview xmlns="4873beb7-5857-4685-be1f-d57550cc96cc" xsi:nil="true"/>
-    <OutputCachingOn xmlns="4873beb7-5857-4685-be1f-d57550cc96cc">false</OutputCachingOn>
-    <AverageRating xmlns="4873beb7-5857-4685-be1f-d57550cc96cc" xsi:nil="true"/>
-    <APAuthor xmlns="4873beb7-5857-4685-be1f-d57550cc96cc">
-      <UserInfo>
-        <DisplayName>REDMOND\kristaa</DisplayName>
-        <AccountId>136</AccountId>
-        <AccountType/>
-      </UserInfo>
-    </APAuthor>
-    <LocManualTestRequired xmlns="4873beb7-5857-4685-be1f-d57550cc96cc">false</LocManualTestRequired>
-    <TPCommandLine xmlns="4873beb7-5857-4685-be1f-d57550cc96cc" xsi:nil="true"/>
-    <TPAppVersion xmlns="4873beb7-5857-4685-be1f-d57550cc96cc" xsi:nil="true"/>
-    <EditorialStatus xmlns="4873beb7-5857-4685-be1f-d57550cc96cc">Complete</EditorialStatus>
-    <LastModifiedDateTime xmlns="4873beb7-5857-4685-be1f-d57550cc96cc" xsi:nil="true"/>
-    <ScenarioTagsTaxHTField0 xmlns="4873beb7-5857-4685-be1f-d57550cc96cc">
-      <Terms xmlns="http://schemas.microsoft.com/office/infopath/2007/PartnerControls"/>
-    </ScenarioTagsTaxHTField0>
-    <LocProcessedForMarketsLookup xmlns="4873beb7-5857-4685-be1f-d57550cc96cc" xsi:nil="true"/>
-    <TPLaunchHelpLinkType xmlns="4873beb7-5857-4685-be1f-d57550cc96cc">Template</TPLaunchHelpLinkType>
-    <OriginalRelease xmlns="4873beb7-5857-4685-be1f-d57550cc96cc">15</OriginalRelease>
-    <LocalizationTagsTaxHTField0 xmlns="4873beb7-5857-4685-be1f-d57550cc96cc">
-      <Terms xmlns="http://schemas.microsoft.com/office/infopath/2007/PartnerControls"/>
-    </LocalizationTagsTaxHTField0>
-    <UACurrentWords xmlns="4873beb7-5857-4685-be1f-d57550cc96cc" xsi:nil="true"/>
-    <ArtSampleDocs xmlns="4873beb7-5857-4685-be1f-d57550cc96cc" xsi:nil="true"/>
-    <UALocRecommendation xmlns="4873beb7-5857-4685-be1f-d57550cc96cc">Localize</UALocRecommendation>
-    <Manager xmlns="4873beb7-5857-4685-be1f-d57550cc96cc" xsi:nil="true"/>
-    <LocOverallHandbackStatusLookup xmlns="4873beb7-5857-4685-be1f-d57550cc96cc" xsi:nil="true"/>
-    <ShowIn xmlns="4873beb7-5857-4685-be1f-d57550cc96cc">Show everywhere</ShowIn>
-    <UANotes xmlns="4873beb7-5857-4685-be1f-d57550cc96cc" xsi:nil="true"/>
-    <InternalTagsTaxHTField0 xmlns="4873beb7-5857-4685-be1f-d57550cc96cc">
-      <Terms xmlns="http://schemas.microsoft.com/office/infopath/2007/PartnerControls"/>
-    </InternalTagsTaxHTField0>
-    <CSXHash xmlns="4873beb7-5857-4685-be1f-d57550cc96cc" xsi:nil="true"/>
-    <VoteCount xmlns="4873beb7-5857-4685-be1f-d57550cc96cc" xsi:nil="true"/>
-    <AssetExpire xmlns="4873beb7-5857-4685-be1f-d57550cc96cc">2029-05-12T07:00:00+00:00</AssetExpire>
-    <DSATActionTaken xmlns="4873beb7-5857-4685-be1f-d57550cc96cc" xsi:nil="true"/>
-    <CSXSubmissionMarket xmlns="4873beb7-5857-4685-be1f-d57550cc96cc" xsi:nil="true"/>
-    <LocMarketGroupTiers2 xmlns="4873beb7-5857-4685-be1f-d57550cc96cc" xsi:nil="true"/>
-  </documentManagement>
-</p:properties>
+<file path=customXml/itemProps1.xml><?xml version="1.0" encoding="utf-8"?>
+<ds:datastoreItem xmlns:ds="http://schemas.openxmlformats.org/officeDocument/2006/customXml" ds:itemID="{60C67BEE-D13F-4BD2-98A5-34D8A0977F68}">
+  <ds:schemaRefs>
+    <ds:schemaRef ds:uri="4873beb7-5857-4685-be1f-d57550cc96cc"/>
+    <ds:schemaRef ds:uri="http://schemas.openxmlformats.org/package/2006/metadata/core-properties"/>
+    <ds:schemaRef ds:uri="http://purl.org/dc/terms/"/>
+    <ds:schemaRef ds:uri="http://schemas.microsoft.com/office/2006/documentManagement/types"/>
+    <ds:schemaRef ds:uri="http://purl.org/dc/elements/1.1/"/>
+    <ds:schemaRef ds:uri="http://schemas.microsoft.com/office/2006/metadata/properties"/>
+    <ds:schemaRef ds:uri="http://schemas.microsoft.com/office/infopath/2007/PartnerControls"/>
+    <ds:schemaRef ds:uri="http://www.w3.org/XML/1998/namespace"/>
+    <ds:schemaRef ds:uri="http://purl.org/dc/dcmitype/"/>
+  </ds:schemaRefs>
+</ds:datastoreItem>
 </file>
 
-<file path=customXml/item3.xml><?xml version="1.0" encoding="utf-8"?>
-<?mso-contentType ?>
-<FormTemplates xmlns="http://schemas.microsoft.com/sharepoint/v3/contenttype/forms">
-  <Display>DocumentLibraryForm</Display>
-  <Edit>AssetEditForm</Edit>
-  <New>DocumentLibraryForm</New>
-</FormTemplates>
+<file path=customXml/itemProps2.xml><?xml version="1.0" encoding="utf-8"?>
+<ds:datastoreItem xmlns:ds="http://schemas.openxmlformats.org/officeDocument/2006/customXml" ds:itemID="{3836F65B-1B07-41EE-A0E8-BC6EF3855225}">
+  <ds:schemaRefs>
+    <ds:schemaRef ds:uri="http://schemas.microsoft.com/sharepoint/v3/contenttype/forms"/>
+  </ds:schemaRefs>
+</ds:datastoreItem>
 </file>
 
-<file path=customXml/itemProps1.xml><?xml version="1.0" encoding="utf-8"?>
+<file path=customXml/itemProps3.xml><?xml version="1.0" encoding="utf-8"?>
 <ds:datastoreItem xmlns:ds="http://schemas.openxmlformats.org/officeDocument/2006/customXml" ds:itemID="{A09BF4D4-EF60-4196-BFC3-9462D607978C}">
   <ds:schemaRefs>
     <ds:schemaRef ds:uri="http://schemas.microsoft.com/office/2006/metadata/contentType"/>
@@ -22276,28 +28860,4 @@
     <ds:schemaRef ds:uri="http://schemas.microsoft.com/internal/obd"/>
   </ds:schemaRefs>
 </ds:datastoreItem>
-</file>
-
-<file path=customXml/itemProps2.xml><?xml version="1.0" encoding="utf-8"?>
-<ds:datastoreItem xmlns:ds="http://schemas.openxmlformats.org/officeDocument/2006/customXml" ds:itemID="{60C67BEE-D13F-4BD2-98A5-34D8A0977F68}">
-  <ds:schemaRefs>
-    <ds:schemaRef ds:uri="4873beb7-5857-4685-be1f-d57550cc96cc"/>
-    <ds:schemaRef ds:uri="http://schemas.openxmlformats.org/package/2006/metadata/core-properties"/>
-    <ds:schemaRef ds:uri="http://purl.org/dc/terms/"/>
-    <ds:schemaRef ds:uri="http://schemas.microsoft.com/office/2006/documentManagement/types"/>
-    <ds:schemaRef ds:uri="http://purl.org/dc/elements/1.1/"/>
-    <ds:schemaRef ds:uri="http://schemas.microsoft.com/office/2006/metadata/properties"/>
-    <ds:schemaRef ds:uri="http://schemas.microsoft.com/office/infopath/2007/PartnerControls"/>
-    <ds:schemaRef ds:uri="http://www.w3.org/XML/1998/namespace"/>
-    <ds:schemaRef ds:uri="http://purl.org/dc/dcmitype/"/>
-  </ds:schemaRefs>
-</ds:datastoreItem>
-</file>
-
-<file path=customXml/itemProps3.xml><?xml version="1.0" encoding="utf-8"?>
-<ds:datastoreItem xmlns:ds="http://schemas.openxmlformats.org/officeDocument/2006/customXml" ds:itemID="{3836F65B-1B07-41EE-A0E8-BC6EF3855225}">
-  <ds:schemaRefs>
-    <ds:schemaRef ds:uri="http://schemas.microsoft.com/sharepoint/v3/contenttype/forms"/>
-  </ds:schemaRefs>
-</ds:datastoreItem>
 </file>
--- a/documentazione/presentazione.pptx
+++ b/documentazione/presentazione.pptx
@@ -5,10 +5,10 @@
     <p:sldMasterId id="2147483660" r:id="rId4"/>
   </p:sldMasterIdLst>
   <p:notesMasterIdLst>
-    <p:notesMasterId r:id="rId23"/>
+    <p:notesMasterId r:id="rId32"/>
   </p:notesMasterIdLst>
   <p:handoutMasterIdLst>
-    <p:handoutMasterId r:id="rId24"/>
+    <p:handoutMasterId r:id="rId33"/>
   </p:handoutMasterIdLst>
   <p:sldIdLst>
     <p:sldId id="257" r:id="rId5"/>
@@ -29,6 +29,15 @@
     <p:sldId id="284" r:id="rId20"/>
     <p:sldId id="285" r:id="rId21"/>
     <p:sldId id="287" r:id="rId22"/>
+    <p:sldId id="298" r:id="rId23"/>
+    <p:sldId id="293" r:id="rId24"/>
+    <p:sldId id="294" r:id="rId25"/>
+    <p:sldId id="295" r:id="rId26"/>
+    <p:sldId id="296" r:id="rId27"/>
+    <p:sldId id="297" r:id="rId28"/>
+    <p:sldId id="299" r:id="rId29"/>
+    <p:sldId id="300" r:id="rId30"/>
+    <p:sldId id="301" r:id="rId31"/>
   </p:sldIdLst>
   <p:sldSz cx="12188825" cy="6858000"/>
   <p:notesSz cx="6858000" cy="9144000"/>
@@ -881,6 +890,898 @@
           </a:p>
         </c:txPr>
         <c:crossAx val="1936459583"/>
+        <c:crosses val="autoZero"/>
+        <c:crossBetween val="between"/>
+      </c:valAx>
+      <c:spPr>
+        <a:noFill/>
+        <a:ln>
+          <a:noFill/>
+        </a:ln>
+        <a:effectLst/>
+      </c:spPr>
+    </c:plotArea>
+    <c:legend>
+      <c:legendPos val="r"/>
+      <c:overlay val="0"/>
+      <c:spPr>
+        <a:noFill/>
+        <a:ln>
+          <a:noFill/>
+        </a:ln>
+        <a:effectLst/>
+      </c:spPr>
+      <c:txPr>
+        <a:bodyPr rot="0" spcFirstLastPara="1" vertOverflow="ellipsis" vert="horz" wrap="square" anchor="ctr" anchorCtr="1"/>
+        <a:lstStyle/>
+        <a:p>
+          <a:pPr>
+            <a:defRPr sz="1600" b="0" i="0" u="none" strike="noStrike" kern="1200" baseline="0">
+              <a:solidFill>
+                <a:schemeClr val="tx1">
+                  <a:lumMod val="65000"/>
+                  <a:lumOff val="35000"/>
+                </a:schemeClr>
+              </a:solidFill>
+              <a:latin typeface="+mn-lt"/>
+              <a:ea typeface="+mn-ea"/>
+              <a:cs typeface="+mn-cs"/>
+            </a:defRPr>
+          </a:pPr>
+          <a:endParaRPr lang="it-IT"/>
+        </a:p>
+      </c:txPr>
+    </c:legend>
+    <c:plotVisOnly val="1"/>
+    <c:dispBlanksAs val="gap"/>
+    <c:extLst>
+      <c:ext xmlns:c16r3="http://schemas.microsoft.com/office/drawing/2017/03/chart" uri="{56B9EC1D-385E-4148-901F-78D8002777C0}">
+        <c16r3:dataDisplayOptions16>
+          <c16r3:dispNaAsBlank val="1"/>
+        </c16r3:dataDisplayOptions16>
+      </c:ext>
+    </c:extLst>
+    <c:showDLblsOverMax val="0"/>
+  </c:chart>
+  <c:spPr>
+    <a:noFill/>
+    <a:ln>
+      <a:noFill/>
+    </a:ln>
+    <a:effectLst/>
+  </c:spPr>
+  <c:txPr>
+    <a:bodyPr/>
+    <a:lstStyle/>
+    <a:p>
+      <a:pPr>
+        <a:defRPr sz="1600"/>
+      </a:pPr>
+      <a:endParaRPr lang="it-IT"/>
+    </a:p>
+  </c:txPr>
+  <c:externalData r:id="rId3">
+    <c:autoUpdate val="0"/>
+  </c:externalData>
+</c:chartSpace>
+</file>
+
+<file path=ppt/charts/chart10.xml><?xml version="1.0" encoding="utf-8"?>
+<c:chartSpace xmlns:c="http://schemas.openxmlformats.org/drawingml/2006/chart" xmlns:a="http://schemas.openxmlformats.org/drawingml/2006/main" xmlns:r="http://schemas.openxmlformats.org/officeDocument/2006/relationships" xmlns:c16r2="http://schemas.microsoft.com/office/drawing/2015/06/chart">
+  <c:date1904 val="0"/>
+  <c:lang val="en-US"/>
+  <c:roundedCorners val="0"/>
+  <mc:AlternateContent xmlns:mc="http://schemas.openxmlformats.org/markup-compatibility/2006">
+    <mc:Choice xmlns:c14="http://schemas.microsoft.com/office/drawing/2007/8/2/chart" Requires="c14">
+      <c14:style val="102"/>
+    </mc:Choice>
+    <mc:Fallback>
+      <c:style val="2"/>
+    </mc:Fallback>
+  </mc:AlternateContent>
+  <c:chart>
+    <c:title>
+      <c:tx>
+        <c:rich>
+          <a:bodyPr rot="0" spcFirstLastPara="1" vertOverflow="ellipsis" vert="horz" wrap="square" anchor="ctr" anchorCtr="1"/>
+          <a:lstStyle/>
+          <a:p>
+            <a:pPr>
+              <a:defRPr sz="1920" b="0" i="0" u="none" strike="noStrike" kern="1200" spc="0" baseline="0">
+                <a:solidFill>
+                  <a:schemeClr val="tx1">
+                    <a:lumMod val="65000"/>
+                    <a:lumOff val="35000"/>
+                  </a:schemeClr>
+                </a:solidFill>
+                <a:latin typeface="+mn-lt"/>
+                <a:ea typeface="+mn-ea"/>
+                <a:cs typeface="+mn-cs"/>
+              </a:defRPr>
+            </a:pPr>
+            <a:r>
+              <a:rPr lang="it-IT"/>
+              <a:t>Execution Time</a:t>
+            </a:r>
+          </a:p>
+        </c:rich>
+      </c:tx>
+      <c:overlay val="0"/>
+      <c:spPr>
+        <a:noFill/>
+        <a:ln>
+          <a:noFill/>
+        </a:ln>
+        <a:effectLst/>
+      </c:spPr>
+      <c:txPr>
+        <a:bodyPr rot="0" spcFirstLastPara="1" vertOverflow="ellipsis" vert="horz" wrap="square" anchor="ctr" anchorCtr="1"/>
+        <a:lstStyle/>
+        <a:p>
+          <a:pPr>
+            <a:defRPr sz="1920" b="0" i="0" u="none" strike="noStrike" kern="1200" spc="0" baseline="0">
+              <a:solidFill>
+                <a:schemeClr val="tx1">
+                  <a:lumMod val="65000"/>
+                  <a:lumOff val="35000"/>
+                </a:schemeClr>
+              </a:solidFill>
+              <a:latin typeface="+mn-lt"/>
+              <a:ea typeface="+mn-ea"/>
+              <a:cs typeface="+mn-cs"/>
+            </a:defRPr>
+          </a:pPr>
+          <a:endParaRPr lang="it-IT"/>
+        </a:p>
+      </c:txPr>
+    </c:title>
+    <c:autoTitleDeleted val="0"/>
+    <c:plotArea>
+      <c:layout/>
+      <c:lineChart>
+        <c:grouping val="standard"/>
+        <c:varyColors val="0"/>
+        <c:ser>
+          <c:idx val="4"/>
+          <c:order val="0"/>
+          <c:tx>
+            <c:v>100M</c:v>
+          </c:tx>
+          <c:spPr>
+            <a:ln w="28575" cap="rnd">
+              <a:solidFill>
+                <a:schemeClr val="accent5"/>
+              </a:solidFill>
+              <a:round/>
+            </a:ln>
+            <a:effectLst/>
+          </c:spPr>
+          <c:marker>
+            <c:symbol val="none"/>
+          </c:marker>
+          <c:cat>
+            <c:numRef>
+              <c:f>'results (15)'!$F$2:$F$11</c:f>
+              <c:numCache>
+                <c:formatCode>General</c:formatCode>
+                <c:ptCount val="10"/>
+                <c:pt idx="0">
+                  <c:v>32</c:v>
+                </c:pt>
+                <c:pt idx="1">
+                  <c:v>64</c:v>
+                </c:pt>
+                <c:pt idx="2">
+                  <c:v>128</c:v>
+                </c:pt>
+                <c:pt idx="3">
+                  <c:v>256</c:v>
+                </c:pt>
+                <c:pt idx="4">
+                  <c:v>512</c:v>
+                </c:pt>
+                <c:pt idx="5">
+                  <c:v>1024</c:v>
+                </c:pt>
+                <c:pt idx="6">
+                  <c:v>2048</c:v>
+                </c:pt>
+                <c:pt idx="7">
+                  <c:v>4096</c:v>
+                </c:pt>
+                <c:pt idx="8">
+                  <c:v>8192</c:v>
+                </c:pt>
+                <c:pt idx="9">
+                  <c:v>10240</c:v>
+                </c:pt>
+              </c:numCache>
+            </c:numRef>
+          </c:cat>
+          <c:val>
+            <c:numRef>
+              <c:f>'results (15)'!$G$42:$G$51</c:f>
+              <c:numCache>
+                <c:formatCode>General</c:formatCode>
+                <c:ptCount val="10"/>
+                <c:pt idx="0">
+                  <c:v>1</c:v>
+                </c:pt>
+                <c:pt idx="1">
+                  <c:v>1.9791707796011389</c:v>
+                </c:pt>
+                <c:pt idx="2">
+                  <c:v>3.7647123925913073</c:v>
+                </c:pt>
+                <c:pt idx="3">
+                  <c:v>7.7042061423747636</c:v>
+                </c:pt>
+                <c:pt idx="4">
+                  <c:v>15.264863010411231</c:v>
+                </c:pt>
+                <c:pt idx="5">
+                  <c:v>28.103012030128617</c:v>
+                </c:pt>
+                <c:pt idx="6">
+                  <c:v>41.032097734087472</c:v>
+                </c:pt>
+                <c:pt idx="7">
+                  <c:v>44.308966819260348</c:v>
+                </c:pt>
+                <c:pt idx="8">
+                  <c:v>37.523361423411757</c:v>
+                </c:pt>
+                <c:pt idx="9">
+                  <c:v>37.761215600390351</c:v>
+                </c:pt>
+              </c:numCache>
+            </c:numRef>
+          </c:val>
+          <c:smooth val="0"/>
+          <c:extLst>
+            <c:ext xmlns:c16="http://schemas.microsoft.com/office/drawing/2014/chart" uri="{C3380CC4-5D6E-409C-BE32-E72D297353CC}">
+              <c16:uniqueId val="{00000000-B800-4F0F-95A9-82299F491946}"/>
+            </c:ext>
+          </c:extLst>
+        </c:ser>
+        <c:ser>
+          <c:idx val="3"/>
+          <c:order val="1"/>
+          <c:tx>
+            <c:v>10M</c:v>
+          </c:tx>
+          <c:spPr>
+            <a:ln w="28575" cap="rnd">
+              <a:solidFill>
+                <a:schemeClr val="accent4"/>
+              </a:solidFill>
+              <a:round/>
+            </a:ln>
+            <a:effectLst/>
+          </c:spPr>
+          <c:marker>
+            <c:symbol val="none"/>
+          </c:marker>
+          <c:cat>
+            <c:numRef>
+              <c:f>'results (15)'!$F$2:$F$11</c:f>
+              <c:numCache>
+                <c:formatCode>General</c:formatCode>
+                <c:ptCount val="10"/>
+                <c:pt idx="0">
+                  <c:v>32</c:v>
+                </c:pt>
+                <c:pt idx="1">
+                  <c:v>64</c:v>
+                </c:pt>
+                <c:pt idx="2">
+                  <c:v>128</c:v>
+                </c:pt>
+                <c:pt idx="3">
+                  <c:v>256</c:v>
+                </c:pt>
+                <c:pt idx="4">
+                  <c:v>512</c:v>
+                </c:pt>
+                <c:pt idx="5">
+                  <c:v>1024</c:v>
+                </c:pt>
+                <c:pt idx="6">
+                  <c:v>2048</c:v>
+                </c:pt>
+                <c:pt idx="7">
+                  <c:v>4096</c:v>
+                </c:pt>
+                <c:pt idx="8">
+                  <c:v>8192</c:v>
+                </c:pt>
+                <c:pt idx="9">
+                  <c:v>10240</c:v>
+                </c:pt>
+              </c:numCache>
+            </c:numRef>
+          </c:cat>
+          <c:val>
+            <c:numRef>
+              <c:f>'results (15)'!$G$32:$G$41</c:f>
+              <c:numCache>
+                <c:formatCode>General</c:formatCode>
+                <c:ptCount val="10"/>
+                <c:pt idx="0">
+                  <c:v>1</c:v>
+                </c:pt>
+                <c:pt idx="1">
+                  <c:v>1.9706963489838412</c:v>
+                </c:pt>
+                <c:pt idx="2">
+                  <c:v>3.8926040599883827</c:v>
+                </c:pt>
+                <c:pt idx="3">
+                  <c:v>7.6520816084435292</c:v>
+                </c:pt>
+                <c:pt idx="4">
+                  <c:v>15.22921845497879</c:v>
+                </c:pt>
+                <c:pt idx="5">
+                  <c:v>29.078113270866666</c:v>
+                </c:pt>
+                <c:pt idx="6">
+                  <c:v>43.025877267366106</c:v>
+                </c:pt>
+                <c:pt idx="7">
+                  <c:v>43.790187237760492</c:v>
+                </c:pt>
+                <c:pt idx="8">
+                  <c:v>36.571465541073621</c:v>
+                </c:pt>
+                <c:pt idx="9">
+                  <c:v>36.082419585941608</c:v>
+                </c:pt>
+              </c:numCache>
+            </c:numRef>
+          </c:val>
+          <c:smooth val="0"/>
+          <c:extLst>
+            <c:ext xmlns:c16="http://schemas.microsoft.com/office/drawing/2014/chart" uri="{C3380CC4-5D6E-409C-BE32-E72D297353CC}">
+              <c16:uniqueId val="{00000001-B800-4F0F-95A9-82299F491946}"/>
+            </c:ext>
+          </c:extLst>
+        </c:ser>
+        <c:ser>
+          <c:idx val="2"/>
+          <c:order val="2"/>
+          <c:tx>
+            <c:v>1M</c:v>
+          </c:tx>
+          <c:spPr>
+            <a:ln w="28575" cap="rnd">
+              <a:solidFill>
+                <a:schemeClr val="accent3"/>
+              </a:solidFill>
+              <a:round/>
+            </a:ln>
+            <a:effectLst/>
+          </c:spPr>
+          <c:marker>
+            <c:symbol val="none"/>
+          </c:marker>
+          <c:cat>
+            <c:numRef>
+              <c:f>'results (15)'!$F$2:$F$11</c:f>
+              <c:numCache>
+                <c:formatCode>General</c:formatCode>
+                <c:ptCount val="10"/>
+                <c:pt idx="0">
+                  <c:v>32</c:v>
+                </c:pt>
+                <c:pt idx="1">
+                  <c:v>64</c:v>
+                </c:pt>
+                <c:pt idx="2">
+                  <c:v>128</c:v>
+                </c:pt>
+                <c:pt idx="3">
+                  <c:v>256</c:v>
+                </c:pt>
+                <c:pt idx="4">
+                  <c:v>512</c:v>
+                </c:pt>
+                <c:pt idx="5">
+                  <c:v>1024</c:v>
+                </c:pt>
+                <c:pt idx="6">
+                  <c:v>2048</c:v>
+                </c:pt>
+                <c:pt idx="7">
+                  <c:v>4096</c:v>
+                </c:pt>
+                <c:pt idx="8">
+                  <c:v>8192</c:v>
+                </c:pt>
+                <c:pt idx="9">
+                  <c:v>10240</c:v>
+                </c:pt>
+              </c:numCache>
+            </c:numRef>
+          </c:cat>
+          <c:val>
+            <c:numRef>
+              <c:f>'results (15)'!$G$22:$G$31</c:f>
+              <c:numCache>
+                <c:formatCode>General</c:formatCode>
+                <c:ptCount val="10"/>
+                <c:pt idx="0">
+                  <c:v>1</c:v>
+                </c:pt>
+                <c:pt idx="1">
+                  <c:v>1.9633270355127808</c:v>
+                </c:pt>
+                <c:pt idx="2">
+                  <c:v>3.8292100931069966</c:v>
+                </c:pt>
+                <c:pt idx="3">
+                  <c:v>7.6299008146000036</c:v>
+                </c:pt>
+                <c:pt idx="4">
+                  <c:v>15.255572329340762</c:v>
+                </c:pt>
+                <c:pt idx="5">
+                  <c:v>28.148287588326536</c:v>
+                </c:pt>
+                <c:pt idx="6">
+                  <c:v>41.711574673130031</c:v>
+                </c:pt>
+                <c:pt idx="7">
+                  <c:v>41.139225466969854</c:v>
+                </c:pt>
+                <c:pt idx="8">
+                  <c:v>31.28147968980436</c:v>
+                </c:pt>
+                <c:pt idx="9">
+                  <c:v>29.58385826542461</c:v>
+                </c:pt>
+              </c:numCache>
+            </c:numRef>
+          </c:val>
+          <c:smooth val="0"/>
+          <c:extLst>
+            <c:ext xmlns:c16="http://schemas.microsoft.com/office/drawing/2014/chart" uri="{C3380CC4-5D6E-409C-BE32-E72D297353CC}">
+              <c16:uniqueId val="{00000002-B800-4F0F-95A9-82299F491946}"/>
+            </c:ext>
+          </c:extLst>
+        </c:ser>
+        <c:ser>
+          <c:idx val="1"/>
+          <c:order val="3"/>
+          <c:tx>
+            <c:v>100k</c:v>
+          </c:tx>
+          <c:spPr>
+            <a:ln w="28575" cap="rnd">
+              <a:solidFill>
+                <a:schemeClr val="accent2"/>
+              </a:solidFill>
+              <a:round/>
+            </a:ln>
+            <a:effectLst/>
+          </c:spPr>
+          <c:marker>
+            <c:symbol val="none"/>
+          </c:marker>
+          <c:cat>
+            <c:numRef>
+              <c:f>'results (15)'!$F$2:$F$11</c:f>
+              <c:numCache>
+                <c:formatCode>General</c:formatCode>
+                <c:ptCount val="10"/>
+                <c:pt idx="0">
+                  <c:v>32</c:v>
+                </c:pt>
+                <c:pt idx="1">
+                  <c:v>64</c:v>
+                </c:pt>
+                <c:pt idx="2">
+                  <c:v>128</c:v>
+                </c:pt>
+                <c:pt idx="3">
+                  <c:v>256</c:v>
+                </c:pt>
+                <c:pt idx="4">
+                  <c:v>512</c:v>
+                </c:pt>
+                <c:pt idx="5">
+                  <c:v>1024</c:v>
+                </c:pt>
+                <c:pt idx="6">
+                  <c:v>2048</c:v>
+                </c:pt>
+                <c:pt idx="7">
+                  <c:v>4096</c:v>
+                </c:pt>
+                <c:pt idx="8">
+                  <c:v>8192</c:v>
+                </c:pt>
+                <c:pt idx="9">
+                  <c:v>10240</c:v>
+                </c:pt>
+              </c:numCache>
+            </c:numRef>
+          </c:cat>
+          <c:val>
+            <c:numRef>
+              <c:f>'results (15)'!$G$12:$G$21</c:f>
+              <c:numCache>
+                <c:formatCode>General</c:formatCode>
+                <c:ptCount val="10"/>
+                <c:pt idx="0">
+                  <c:v>1</c:v>
+                </c:pt>
+                <c:pt idx="1">
+                  <c:v>1.916146716588301</c:v>
+                </c:pt>
+                <c:pt idx="2">
+                  <c:v>3.7498079812596798</c:v>
+                </c:pt>
+                <c:pt idx="3">
+                  <c:v>7.2853518955622691</c:v>
+                </c:pt>
+                <c:pt idx="4">
+                  <c:v>13.458890386352724</c:v>
+                </c:pt>
+                <c:pt idx="5">
+                  <c:v>20.930959032116903</c:v>
+                </c:pt>
+                <c:pt idx="6">
+                  <c:v>23.309959949139444</c:v>
+                </c:pt>
+                <c:pt idx="7">
+                  <c:v>17.661019678393746</c:v>
+                </c:pt>
+                <c:pt idx="8">
+                  <c:v>9.3055503950357625</c:v>
+                </c:pt>
+                <c:pt idx="9">
+                  <c:v>10.144913714877148</c:v>
+                </c:pt>
+              </c:numCache>
+            </c:numRef>
+          </c:val>
+          <c:smooth val="0"/>
+          <c:extLst>
+            <c:ext xmlns:c16="http://schemas.microsoft.com/office/drawing/2014/chart" uri="{C3380CC4-5D6E-409C-BE32-E72D297353CC}">
+              <c16:uniqueId val="{00000003-B800-4F0F-95A9-82299F491946}"/>
+            </c:ext>
+          </c:extLst>
+        </c:ser>
+        <c:ser>
+          <c:idx val="0"/>
+          <c:order val="4"/>
+          <c:tx>
+            <c:v>10k</c:v>
+          </c:tx>
+          <c:spPr>
+            <a:ln w="28575" cap="rnd">
+              <a:solidFill>
+                <a:schemeClr val="accent1"/>
+              </a:solidFill>
+              <a:round/>
+            </a:ln>
+            <a:effectLst/>
+          </c:spPr>
+          <c:marker>
+            <c:symbol val="none"/>
+          </c:marker>
+          <c:cat>
+            <c:numRef>
+              <c:f>'results (15)'!$F$2:$F$11</c:f>
+              <c:numCache>
+                <c:formatCode>General</c:formatCode>
+                <c:ptCount val="10"/>
+                <c:pt idx="0">
+                  <c:v>32</c:v>
+                </c:pt>
+                <c:pt idx="1">
+                  <c:v>64</c:v>
+                </c:pt>
+                <c:pt idx="2">
+                  <c:v>128</c:v>
+                </c:pt>
+                <c:pt idx="3">
+                  <c:v>256</c:v>
+                </c:pt>
+                <c:pt idx="4">
+                  <c:v>512</c:v>
+                </c:pt>
+                <c:pt idx="5">
+                  <c:v>1024</c:v>
+                </c:pt>
+                <c:pt idx="6">
+                  <c:v>2048</c:v>
+                </c:pt>
+                <c:pt idx="7">
+                  <c:v>4096</c:v>
+                </c:pt>
+                <c:pt idx="8">
+                  <c:v>8192</c:v>
+                </c:pt>
+                <c:pt idx="9">
+                  <c:v>10240</c:v>
+                </c:pt>
+              </c:numCache>
+            </c:numRef>
+          </c:cat>
+          <c:val>
+            <c:numRef>
+              <c:f>'results (15)'!$G$2:$G$11</c:f>
+              <c:numCache>
+                <c:formatCode>General</c:formatCode>
+                <c:ptCount val="10"/>
+                <c:pt idx="0">
+                  <c:v>1</c:v>
+                </c:pt>
+                <c:pt idx="1">
+                  <c:v>2.1710441562844309</c:v>
+                </c:pt>
+                <c:pt idx="2">
+                  <c:v>3.9280741569932371</c:v>
+                </c:pt>
+                <c:pt idx="3">
+                  <c:v>6.1959316458451754</c:v>
+                </c:pt>
+                <c:pt idx="4">
+                  <c:v>7.8262656197488614</c:v>
+                </c:pt>
+                <c:pt idx="5">
+                  <c:v>7.3059580172266267</c:v>
+                </c:pt>
+                <c:pt idx="6">
+                  <c:v>5.1109127003920554</c:v>
+                </c:pt>
+                <c:pt idx="7">
+                  <c:v>2.9237007150561256</c:v>
+                </c:pt>
+                <c:pt idx="8">
+                  <c:v>1.3600941908559474</c:v>
+                </c:pt>
+                <c:pt idx="9">
+                  <c:v>2.1772998104563497</c:v>
+                </c:pt>
+              </c:numCache>
+            </c:numRef>
+          </c:val>
+          <c:smooth val="0"/>
+          <c:extLst>
+            <c:ext xmlns:c16="http://schemas.microsoft.com/office/drawing/2014/chart" uri="{C3380CC4-5D6E-409C-BE32-E72D297353CC}">
+              <c16:uniqueId val="{00000004-B800-4F0F-95A9-82299F491946}"/>
+            </c:ext>
+          </c:extLst>
+        </c:ser>
+        <c:dLbls>
+          <c:showLegendKey val="0"/>
+          <c:showVal val="0"/>
+          <c:showCatName val="0"/>
+          <c:showSerName val="0"/>
+          <c:showPercent val="0"/>
+          <c:showBubbleSize val="0"/>
+        </c:dLbls>
+        <c:smooth val="0"/>
+        <c:axId val="1802860463"/>
+        <c:axId val="1995367215"/>
+      </c:lineChart>
+      <c:catAx>
+        <c:axId val="1802860463"/>
+        <c:scaling>
+          <c:orientation val="minMax"/>
+        </c:scaling>
+        <c:delete val="0"/>
+        <c:axPos val="b"/>
+        <c:title>
+          <c:tx>
+            <c:rich>
+              <a:bodyPr rot="0" spcFirstLastPara="1" vertOverflow="ellipsis" vert="horz" wrap="square" anchor="ctr" anchorCtr="1"/>
+              <a:lstStyle/>
+              <a:p>
+                <a:pPr>
+                  <a:defRPr sz="1600" b="0" i="0" u="none" strike="noStrike" kern="1200" baseline="0">
+                    <a:solidFill>
+                      <a:schemeClr val="tx1">
+                        <a:lumMod val="65000"/>
+                        <a:lumOff val="35000"/>
+                      </a:schemeClr>
+                    </a:solidFill>
+                    <a:latin typeface="+mn-lt"/>
+                    <a:ea typeface="+mn-ea"/>
+                    <a:cs typeface="+mn-cs"/>
+                  </a:defRPr>
+                </a:pPr>
+                <a:r>
+                  <a:rPr lang="it-IT"/>
+                  <a:t>threads</a:t>
+                </a:r>
+              </a:p>
+            </c:rich>
+          </c:tx>
+          <c:overlay val="0"/>
+          <c:spPr>
+            <a:noFill/>
+            <a:ln>
+              <a:noFill/>
+            </a:ln>
+            <a:effectLst/>
+          </c:spPr>
+          <c:txPr>
+            <a:bodyPr rot="0" spcFirstLastPara="1" vertOverflow="ellipsis" vert="horz" wrap="square" anchor="ctr" anchorCtr="1"/>
+            <a:lstStyle/>
+            <a:p>
+              <a:pPr>
+                <a:defRPr sz="1600" b="0" i="0" u="none" strike="noStrike" kern="1200" baseline="0">
+                  <a:solidFill>
+                    <a:schemeClr val="tx1">
+                      <a:lumMod val="65000"/>
+                      <a:lumOff val="35000"/>
+                    </a:schemeClr>
+                  </a:solidFill>
+                  <a:latin typeface="+mn-lt"/>
+                  <a:ea typeface="+mn-ea"/>
+                  <a:cs typeface="+mn-cs"/>
+                </a:defRPr>
+              </a:pPr>
+              <a:endParaRPr lang="it-IT"/>
+            </a:p>
+          </c:txPr>
+        </c:title>
+        <c:numFmt formatCode="General" sourceLinked="1"/>
+        <c:majorTickMark val="none"/>
+        <c:minorTickMark val="none"/>
+        <c:tickLblPos val="nextTo"/>
+        <c:spPr>
+          <a:noFill/>
+          <a:ln w="9525" cap="flat" cmpd="sng" algn="ctr">
+            <a:solidFill>
+              <a:schemeClr val="tx1">
+                <a:lumMod val="15000"/>
+                <a:lumOff val="85000"/>
+              </a:schemeClr>
+            </a:solidFill>
+            <a:round/>
+          </a:ln>
+          <a:effectLst/>
+        </c:spPr>
+        <c:txPr>
+          <a:bodyPr rot="-60000000" spcFirstLastPara="1" vertOverflow="ellipsis" vert="horz" wrap="square" anchor="ctr" anchorCtr="1"/>
+          <a:lstStyle/>
+          <a:p>
+            <a:pPr>
+              <a:defRPr sz="1600" b="0" i="0" u="none" strike="noStrike" kern="1200" baseline="0">
+                <a:solidFill>
+                  <a:schemeClr val="tx1">
+                    <a:lumMod val="65000"/>
+                    <a:lumOff val="35000"/>
+                  </a:schemeClr>
+                </a:solidFill>
+                <a:latin typeface="+mn-lt"/>
+                <a:ea typeface="+mn-ea"/>
+                <a:cs typeface="+mn-cs"/>
+              </a:defRPr>
+            </a:pPr>
+            <a:endParaRPr lang="it-IT"/>
+          </a:p>
+        </c:txPr>
+        <c:crossAx val="1995367215"/>
+        <c:crosses val="autoZero"/>
+        <c:auto val="1"/>
+        <c:lblAlgn val="ctr"/>
+        <c:lblOffset val="100"/>
+        <c:noMultiLvlLbl val="0"/>
+      </c:catAx>
+      <c:valAx>
+        <c:axId val="1995367215"/>
+        <c:scaling>
+          <c:orientation val="minMax"/>
+        </c:scaling>
+        <c:delete val="0"/>
+        <c:axPos val="l"/>
+        <c:majorGridlines>
+          <c:spPr>
+            <a:ln w="9525" cap="flat" cmpd="sng" algn="ctr">
+              <a:solidFill>
+                <a:schemeClr val="tx1">
+                  <a:lumMod val="15000"/>
+                  <a:lumOff val="85000"/>
+                </a:schemeClr>
+              </a:solidFill>
+              <a:round/>
+            </a:ln>
+            <a:effectLst/>
+          </c:spPr>
+        </c:majorGridlines>
+        <c:title>
+          <c:tx>
+            <c:rich>
+              <a:bodyPr rot="-5400000" spcFirstLastPara="1" vertOverflow="ellipsis" vert="horz" wrap="square" anchor="ctr" anchorCtr="1"/>
+              <a:lstStyle/>
+              <a:p>
+                <a:pPr>
+                  <a:defRPr sz="1600" b="0" i="0" u="none" strike="noStrike" kern="1200" baseline="0">
+                    <a:solidFill>
+                      <a:schemeClr val="tx1">
+                        <a:lumMod val="65000"/>
+                        <a:lumOff val="35000"/>
+                      </a:schemeClr>
+                    </a:solidFill>
+                    <a:latin typeface="+mn-lt"/>
+                    <a:ea typeface="+mn-ea"/>
+                    <a:cs typeface="+mn-cs"/>
+                  </a:defRPr>
+                </a:pPr>
+                <a:r>
+                  <a:rPr lang="it-IT"/>
+                  <a:t>seconds</a:t>
+                </a:r>
+              </a:p>
+            </c:rich>
+          </c:tx>
+          <c:overlay val="0"/>
+          <c:spPr>
+            <a:noFill/>
+            <a:ln>
+              <a:noFill/>
+            </a:ln>
+            <a:effectLst/>
+          </c:spPr>
+          <c:txPr>
+            <a:bodyPr rot="-5400000" spcFirstLastPara="1" vertOverflow="ellipsis" vert="horz" wrap="square" anchor="ctr" anchorCtr="1"/>
+            <a:lstStyle/>
+            <a:p>
+              <a:pPr>
+                <a:defRPr sz="1600" b="0" i="0" u="none" strike="noStrike" kern="1200" baseline="0">
+                  <a:solidFill>
+                    <a:schemeClr val="tx1">
+                      <a:lumMod val="65000"/>
+                      <a:lumOff val="35000"/>
+                    </a:schemeClr>
+                  </a:solidFill>
+                  <a:latin typeface="+mn-lt"/>
+                  <a:ea typeface="+mn-ea"/>
+                  <a:cs typeface="+mn-cs"/>
+                </a:defRPr>
+              </a:pPr>
+              <a:endParaRPr lang="it-IT"/>
+            </a:p>
+          </c:txPr>
+        </c:title>
+        <c:numFmt formatCode="General" sourceLinked="1"/>
+        <c:majorTickMark val="none"/>
+        <c:minorTickMark val="none"/>
+        <c:tickLblPos val="nextTo"/>
+        <c:spPr>
+          <a:noFill/>
+          <a:ln>
+            <a:noFill/>
+          </a:ln>
+          <a:effectLst/>
+        </c:spPr>
+        <c:txPr>
+          <a:bodyPr rot="-60000000" spcFirstLastPara="1" vertOverflow="ellipsis" vert="horz" wrap="square" anchor="ctr" anchorCtr="1"/>
+          <a:lstStyle/>
+          <a:p>
+            <a:pPr>
+              <a:defRPr sz="1600" b="0" i="0" u="none" strike="noStrike" kern="1200" baseline="0">
+                <a:solidFill>
+                  <a:schemeClr val="tx1">
+                    <a:lumMod val="65000"/>
+                    <a:lumOff val="35000"/>
+                  </a:schemeClr>
+                </a:solidFill>
+                <a:latin typeface="+mn-lt"/>
+                <a:ea typeface="+mn-ea"/>
+                <a:cs typeface="+mn-cs"/>
+              </a:defRPr>
+            </a:pPr>
+            <a:endParaRPr lang="it-IT"/>
+          </a:p>
+        </c:txPr>
+        <c:crossAx val="1802860463"/>
         <c:crosses val="autoZero"/>
         <c:crossBetween val="between"/>
       </c:valAx>
@@ -6413,7 +7314,940 @@
 </c:chartSpace>
 </file>
 
+<file path=ppt/charts/chart9.xml><?xml version="1.0" encoding="utf-8"?>
+<c:chartSpace xmlns:c="http://schemas.openxmlformats.org/drawingml/2006/chart" xmlns:a="http://schemas.openxmlformats.org/drawingml/2006/main" xmlns:r="http://schemas.openxmlformats.org/officeDocument/2006/relationships" xmlns:c16r2="http://schemas.microsoft.com/office/drawing/2015/06/chart">
+  <c:date1904 val="0"/>
+  <c:lang val="en-US"/>
+  <c:roundedCorners val="0"/>
+  <mc:AlternateContent xmlns:mc="http://schemas.openxmlformats.org/markup-compatibility/2006">
+    <mc:Choice xmlns:c14="http://schemas.microsoft.com/office/drawing/2007/8/2/chart" Requires="c14">
+      <c14:style val="102"/>
+    </mc:Choice>
+    <mc:Fallback>
+      <c:style val="2"/>
+    </mc:Fallback>
+  </mc:AlternateContent>
+  <c:chart>
+    <c:title>
+      <c:tx>
+        <c:rich>
+          <a:bodyPr rot="0" spcFirstLastPara="1" vertOverflow="ellipsis" vert="horz" wrap="square" anchor="ctr" anchorCtr="1"/>
+          <a:lstStyle/>
+          <a:p>
+            <a:pPr>
+              <a:defRPr sz="1920" b="0" i="0" u="none" strike="noStrike" kern="1200" spc="0" baseline="0">
+                <a:solidFill>
+                  <a:schemeClr val="tx1">
+                    <a:lumMod val="65000"/>
+                    <a:lumOff val="35000"/>
+                  </a:schemeClr>
+                </a:solidFill>
+                <a:latin typeface="+mn-lt"/>
+                <a:ea typeface="+mn-ea"/>
+                <a:cs typeface="+mn-cs"/>
+              </a:defRPr>
+            </a:pPr>
+            <a:r>
+              <a:rPr lang="it-IT"/>
+              <a:t>Execution Time</a:t>
+            </a:r>
+          </a:p>
+        </c:rich>
+      </c:tx>
+      <c:overlay val="0"/>
+      <c:spPr>
+        <a:noFill/>
+        <a:ln>
+          <a:noFill/>
+        </a:ln>
+        <a:effectLst/>
+      </c:spPr>
+      <c:txPr>
+        <a:bodyPr rot="0" spcFirstLastPara="1" vertOverflow="ellipsis" vert="horz" wrap="square" anchor="ctr" anchorCtr="1"/>
+        <a:lstStyle/>
+        <a:p>
+          <a:pPr>
+            <a:defRPr sz="1920" b="0" i="0" u="none" strike="noStrike" kern="1200" spc="0" baseline="0">
+              <a:solidFill>
+                <a:schemeClr val="tx1">
+                  <a:lumMod val="65000"/>
+                  <a:lumOff val="35000"/>
+                </a:schemeClr>
+              </a:solidFill>
+              <a:latin typeface="+mn-lt"/>
+              <a:ea typeface="+mn-ea"/>
+              <a:cs typeface="+mn-cs"/>
+            </a:defRPr>
+          </a:pPr>
+          <a:endParaRPr lang="it-IT"/>
+        </a:p>
+      </c:txPr>
+    </c:title>
+    <c:autoTitleDeleted val="0"/>
+    <c:plotArea>
+      <c:layout/>
+      <c:lineChart>
+        <c:grouping val="standard"/>
+        <c:varyColors val="0"/>
+        <c:ser>
+          <c:idx val="4"/>
+          <c:order val="0"/>
+          <c:tx>
+            <c:v>100M</c:v>
+          </c:tx>
+          <c:spPr>
+            <a:ln w="28575" cap="rnd">
+              <a:solidFill>
+                <a:schemeClr val="accent5"/>
+              </a:solidFill>
+              <a:round/>
+            </a:ln>
+            <a:effectLst/>
+          </c:spPr>
+          <c:marker>
+            <c:symbol val="none"/>
+          </c:marker>
+          <c:cat>
+            <c:numRef>
+              <c:f>'results (15)'!$F$2:$F$11</c:f>
+              <c:numCache>
+                <c:formatCode>General</c:formatCode>
+                <c:ptCount val="10"/>
+                <c:pt idx="0">
+                  <c:v>32</c:v>
+                </c:pt>
+                <c:pt idx="1">
+                  <c:v>64</c:v>
+                </c:pt>
+                <c:pt idx="2">
+                  <c:v>128</c:v>
+                </c:pt>
+                <c:pt idx="3">
+                  <c:v>256</c:v>
+                </c:pt>
+                <c:pt idx="4">
+                  <c:v>512</c:v>
+                </c:pt>
+                <c:pt idx="5">
+                  <c:v>1024</c:v>
+                </c:pt>
+                <c:pt idx="6">
+                  <c:v>2048</c:v>
+                </c:pt>
+                <c:pt idx="7">
+                  <c:v>4096</c:v>
+                </c:pt>
+                <c:pt idx="8">
+                  <c:v>8192</c:v>
+                </c:pt>
+                <c:pt idx="9">
+                  <c:v>10240</c:v>
+                </c:pt>
+              </c:numCache>
+            </c:numRef>
+          </c:cat>
+          <c:val>
+            <c:numRef>
+              <c:f>'results (15)'!$E$42:$E$51</c:f>
+              <c:numCache>
+                <c:formatCode>General</c:formatCode>
+                <c:ptCount val="10"/>
+                <c:pt idx="0">
+                  <c:v>360.03669413333336</c:v>
+                </c:pt>
+                <c:pt idx="1">
+                  <c:v>181.91289900000007</c:v>
+                </c:pt>
+                <c:pt idx="2">
+                  <c:v>95.634581499999996</c:v>
+                </c:pt>
+                <c:pt idx="3">
+                  <c:v>46.732484499999991</c:v>
+                </c:pt>
+                <c:pt idx="4">
+                  <c:v>23.5859761</c:v>
+                </c:pt>
+                <c:pt idx="5">
+                  <c:v>12.811320499999999</c:v>
+                </c:pt>
+                <c:pt idx="6">
+                  <c:v>8.7745134666666669</c:v>
+                </c:pt>
+                <c:pt idx="7">
+                  <c:v>8.125594433333335</c:v>
+                </c:pt>
+                <c:pt idx="8">
+                  <c:v>9.5950010999999993</c:v>
+                </c:pt>
+                <c:pt idx="9">
+                  <c:v>9.5345631333333323</c:v>
+                </c:pt>
+              </c:numCache>
+            </c:numRef>
+          </c:val>
+          <c:smooth val="0"/>
+          <c:extLst>
+            <c:ext xmlns:c16="http://schemas.microsoft.com/office/drawing/2014/chart" uri="{C3380CC4-5D6E-409C-BE32-E72D297353CC}">
+              <c16:uniqueId val="{00000000-443D-4ACD-A20C-9B392CD368BB}"/>
+            </c:ext>
+          </c:extLst>
+        </c:ser>
+        <c:ser>
+          <c:idx val="3"/>
+          <c:order val="1"/>
+          <c:tx>
+            <c:v>10M</c:v>
+          </c:tx>
+          <c:spPr>
+            <a:ln w="28575" cap="rnd">
+              <a:solidFill>
+                <a:schemeClr val="accent4"/>
+              </a:solidFill>
+              <a:round/>
+            </a:ln>
+            <a:effectLst/>
+          </c:spPr>
+          <c:marker>
+            <c:symbol val="none"/>
+          </c:marker>
+          <c:cat>
+            <c:numRef>
+              <c:f>'results (15)'!$F$2:$F$11</c:f>
+              <c:numCache>
+                <c:formatCode>General</c:formatCode>
+                <c:ptCount val="10"/>
+                <c:pt idx="0">
+                  <c:v>32</c:v>
+                </c:pt>
+                <c:pt idx="1">
+                  <c:v>64</c:v>
+                </c:pt>
+                <c:pt idx="2">
+                  <c:v>128</c:v>
+                </c:pt>
+                <c:pt idx="3">
+                  <c:v>256</c:v>
+                </c:pt>
+                <c:pt idx="4">
+                  <c:v>512</c:v>
+                </c:pt>
+                <c:pt idx="5">
+                  <c:v>1024</c:v>
+                </c:pt>
+                <c:pt idx="6">
+                  <c:v>2048</c:v>
+                </c:pt>
+                <c:pt idx="7">
+                  <c:v>4096</c:v>
+                </c:pt>
+                <c:pt idx="8">
+                  <c:v>8192</c:v>
+                </c:pt>
+                <c:pt idx="9">
+                  <c:v>10240</c:v>
+                </c:pt>
+              </c:numCache>
+            </c:numRef>
+          </c:cat>
+          <c:val>
+            <c:numRef>
+              <c:f>'results (15)'!$E$32:$E$41</c:f>
+              <c:numCache>
+                <c:formatCode>General</c:formatCode>
+                <c:ptCount val="10"/>
+                <c:pt idx="0">
+                  <c:v>21.598178633333337</c:v>
+                </c:pt>
+                <c:pt idx="1">
+                  <c:v>10.959668466666669</c:v>
+                </c:pt>
+                <c:pt idx="2">
+                  <c:v>5.5485166999999986</c:v>
+                </c:pt>
+                <c:pt idx="3">
+                  <c:v>2.8225232999999998</c:v>
+                </c:pt>
+                <c:pt idx="4">
+                  <c:v>1.4182066333333332</c:v>
+                </c:pt>
+                <c:pt idx="5">
+                  <c:v>0.74276410000000004</c:v>
+                </c:pt>
+                <c:pt idx="6">
+                  <c:v>0.50198113333333327</c:v>
+                </c:pt>
+                <c:pt idx="7">
+                  <c:v>0.49321960000000004</c:v>
+                </c:pt>
+                <c:pt idx="8">
+                  <c:v>0.59057459999999995</c:v>
+                </c:pt>
+                <c:pt idx="9">
+                  <c:v>0.59857899999999986</c:v>
+                </c:pt>
+              </c:numCache>
+            </c:numRef>
+          </c:val>
+          <c:smooth val="0"/>
+          <c:extLst>
+            <c:ext xmlns:c16="http://schemas.microsoft.com/office/drawing/2014/chart" uri="{C3380CC4-5D6E-409C-BE32-E72D297353CC}">
+              <c16:uniqueId val="{00000001-443D-4ACD-A20C-9B392CD368BB}"/>
+            </c:ext>
+          </c:extLst>
+        </c:ser>
+        <c:ser>
+          <c:idx val="2"/>
+          <c:order val="2"/>
+          <c:tx>
+            <c:v>1M</c:v>
+          </c:tx>
+          <c:spPr>
+            <a:ln w="28575" cap="rnd">
+              <a:solidFill>
+                <a:schemeClr val="accent3"/>
+              </a:solidFill>
+              <a:round/>
+            </a:ln>
+            <a:effectLst/>
+          </c:spPr>
+          <c:marker>
+            <c:symbol val="none"/>
+          </c:marker>
+          <c:cat>
+            <c:numRef>
+              <c:f>'results (15)'!$F$2:$F$11</c:f>
+              <c:numCache>
+                <c:formatCode>General</c:formatCode>
+                <c:ptCount val="10"/>
+                <c:pt idx="0">
+                  <c:v>32</c:v>
+                </c:pt>
+                <c:pt idx="1">
+                  <c:v>64</c:v>
+                </c:pt>
+                <c:pt idx="2">
+                  <c:v>128</c:v>
+                </c:pt>
+                <c:pt idx="3">
+                  <c:v>256</c:v>
+                </c:pt>
+                <c:pt idx="4">
+                  <c:v>512</c:v>
+                </c:pt>
+                <c:pt idx="5">
+                  <c:v>1024</c:v>
+                </c:pt>
+                <c:pt idx="6">
+                  <c:v>2048</c:v>
+                </c:pt>
+                <c:pt idx="7">
+                  <c:v>4096</c:v>
+                </c:pt>
+                <c:pt idx="8">
+                  <c:v>8192</c:v>
+                </c:pt>
+                <c:pt idx="9">
+                  <c:v>10240</c:v>
+                </c:pt>
+              </c:numCache>
+            </c:numRef>
+          </c:cat>
+          <c:val>
+            <c:numRef>
+              <c:f>'results (15)'!$E$22:$E$31</c:f>
+              <c:numCache>
+                <c:formatCode>General</c:formatCode>
+                <c:ptCount val="10"/>
+                <c:pt idx="0">
+                  <c:v>2.8797114999999995</c:v>
+                </c:pt>
+                <c:pt idx="1">
+                  <c:v>1.4667508</c:v>
+                </c:pt>
+                <c:pt idx="2">
+                  <c:v>0.75203799999999998</c:v>
+                </c:pt>
+                <c:pt idx="3">
+                  <c:v>0.37742450000000005</c:v>
+                </c:pt>
+                <c:pt idx="4">
+                  <c:v>0.18876456666666666</c:v>
+                </c:pt>
+                <c:pt idx="5">
+                  <c:v>0.10230503333333335</c:v>
+                </c:pt>
+                <c:pt idx="6">
+                  <c:v>6.9038666666666665E-2</c:v>
+                </c:pt>
+                <c:pt idx="7">
+                  <c:v>6.999916666666664E-2</c:v>
+                </c:pt>
+                <c:pt idx="8">
+                  <c:v>9.2058033333333331E-2</c:v>
+                </c:pt>
+                <c:pt idx="9">
+                  <c:v>9.7340633333333329E-2</c:v>
+                </c:pt>
+              </c:numCache>
+            </c:numRef>
+          </c:val>
+          <c:smooth val="0"/>
+          <c:extLst>
+            <c:ext xmlns:c16="http://schemas.microsoft.com/office/drawing/2014/chart" uri="{C3380CC4-5D6E-409C-BE32-E72D297353CC}">
+              <c16:uniqueId val="{00000002-443D-4ACD-A20C-9B392CD368BB}"/>
+            </c:ext>
+          </c:extLst>
+        </c:ser>
+        <c:ser>
+          <c:idx val="1"/>
+          <c:order val="3"/>
+          <c:tx>
+            <c:v>100k</c:v>
+          </c:tx>
+          <c:spPr>
+            <a:ln w="28575" cap="rnd">
+              <a:solidFill>
+                <a:schemeClr val="accent2"/>
+              </a:solidFill>
+              <a:round/>
+            </a:ln>
+            <a:effectLst/>
+          </c:spPr>
+          <c:marker>
+            <c:symbol val="none"/>
+          </c:marker>
+          <c:cat>
+            <c:numRef>
+              <c:f>'results (15)'!$F$2:$F$11</c:f>
+              <c:numCache>
+                <c:formatCode>General</c:formatCode>
+                <c:ptCount val="10"/>
+                <c:pt idx="0">
+                  <c:v>32</c:v>
+                </c:pt>
+                <c:pt idx="1">
+                  <c:v>64</c:v>
+                </c:pt>
+                <c:pt idx="2">
+                  <c:v>128</c:v>
+                </c:pt>
+                <c:pt idx="3">
+                  <c:v>256</c:v>
+                </c:pt>
+                <c:pt idx="4">
+                  <c:v>512</c:v>
+                </c:pt>
+                <c:pt idx="5">
+                  <c:v>1024</c:v>
+                </c:pt>
+                <c:pt idx="6">
+                  <c:v>2048</c:v>
+                </c:pt>
+                <c:pt idx="7">
+                  <c:v>4096</c:v>
+                </c:pt>
+                <c:pt idx="8">
+                  <c:v>8192</c:v>
+                </c:pt>
+                <c:pt idx="9">
+                  <c:v>10240</c:v>
+                </c:pt>
+              </c:numCache>
+            </c:numRef>
+          </c:cat>
+          <c:val>
+            <c:numRef>
+              <c:f>'results (15)'!$E$12:$E$21</c:f>
+              <c:numCache>
+                <c:formatCode>General</c:formatCode>
+                <c:ptCount val="10"/>
+                <c:pt idx="0">
+                  <c:v>0.21204526666666673</c:v>
+                </c:pt>
+                <c:pt idx="1">
+                  <c:v>0.11066233333333332</c:v>
+                </c:pt>
+                <c:pt idx="2">
+                  <c:v>5.6548299999999996E-2</c:v>
+                </c:pt>
+                <c:pt idx="3">
+                  <c:v>2.9105699999999998E-2</c:v>
+                </c:pt>
+                <c:pt idx="4">
+                  <c:v>1.5755033333333335E-2</c:v>
+                </c:pt>
+                <c:pt idx="5">
+                  <c:v>1.0130700000000001E-2</c:v>
+                </c:pt>
+                <c:pt idx="6">
+                  <c:v>9.0967666666666672E-3</c:v>
+                </c:pt>
+                <c:pt idx="7">
+                  <c:v>1.2006400000000002E-2</c:v>
+                </c:pt>
+                <c:pt idx="8">
+                  <c:v>2.2786966666666665E-2</c:v>
+                </c:pt>
+                <c:pt idx="9">
+                  <c:v>2.0901633333333336E-2</c:v>
+                </c:pt>
+              </c:numCache>
+            </c:numRef>
+          </c:val>
+          <c:smooth val="0"/>
+          <c:extLst>
+            <c:ext xmlns:c16="http://schemas.microsoft.com/office/drawing/2014/chart" uri="{C3380CC4-5D6E-409C-BE32-E72D297353CC}">
+              <c16:uniqueId val="{00000003-443D-4ACD-A20C-9B392CD368BB}"/>
+            </c:ext>
+          </c:extLst>
+        </c:ser>
+        <c:ser>
+          <c:idx val="0"/>
+          <c:order val="4"/>
+          <c:tx>
+            <c:v>10k</c:v>
+          </c:tx>
+          <c:spPr>
+            <a:ln w="28575" cap="rnd">
+              <a:solidFill>
+                <a:schemeClr val="accent1"/>
+              </a:solidFill>
+              <a:round/>
+            </a:ln>
+            <a:effectLst/>
+          </c:spPr>
+          <c:marker>
+            <c:symbol val="none"/>
+          </c:marker>
+          <c:cat>
+            <c:numRef>
+              <c:f>'results (15)'!$F$2:$F$11</c:f>
+              <c:numCache>
+                <c:formatCode>General</c:formatCode>
+                <c:ptCount val="10"/>
+                <c:pt idx="0">
+                  <c:v>32</c:v>
+                </c:pt>
+                <c:pt idx="1">
+                  <c:v>64</c:v>
+                </c:pt>
+                <c:pt idx="2">
+                  <c:v>128</c:v>
+                </c:pt>
+                <c:pt idx="3">
+                  <c:v>256</c:v>
+                </c:pt>
+                <c:pt idx="4">
+                  <c:v>512</c:v>
+                </c:pt>
+                <c:pt idx="5">
+                  <c:v>1024</c:v>
+                </c:pt>
+                <c:pt idx="6">
+                  <c:v>2048</c:v>
+                </c:pt>
+                <c:pt idx="7">
+                  <c:v>4096</c:v>
+                </c:pt>
+                <c:pt idx="8">
+                  <c:v>8192</c:v>
+                </c:pt>
+                <c:pt idx="9">
+                  <c:v>10240</c:v>
+                </c:pt>
+              </c:numCache>
+            </c:numRef>
+          </c:cat>
+          <c:val>
+            <c:numRef>
+              <c:f>'results (15)'!$E$2:$E$11</c:f>
+              <c:numCache>
+                <c:formatCode>General</c:formatCode>
+                <c:ptCount val="10"/>
+                <c:pt idx="0">
+                  <c:v>1.7077433333333333E-2</c:v>
+                </c:pt>
+                <c:pt idx="1">
+                  <c:v>7.8659999999999997E-3</c:v>
+                </c:pt>
+                <c:pt idx="2">
+                  <c:v>4.3475333333333338E-3</c:v>
+                </c:pt>
+                <c:pt idx="3">
+                  <c:v>2.756233333333333E-3</c:v>
+                </c:pt>
+                <c:pt idx="4">
+                  <c:v>2.1820666666666666E-3</c:v>
+                </c:pt>
+                <c:pt idx="5">
+                  <c:v>2.3374666666666666E-3</c:v>
+                </c:pt>
+                <c:pt idx="6">
+                  <c:v>3.3413666666666664E-3</c:v>
+                </c:pt>
+                <c:pt idx="7">
+                  <c:v>5.8410333333333338E-3</c:v>
+                </c:pt>
+                <c:pt idx="8">
+                  <c:v>1.2556066666666666E-2</c:v>
+                </c:pt>
+                <c:pt idx="9">
+                  <c:v>7.8434000000000004E-3</c:v>
+                </c:pt>
+              </c:numCache>
+            </c:numRef>
+          </c:val>
+          <c:smooth val="0"/>
+          <c:extLst>
+            <c:ext xmlns:c16="http://schemas.microsoft.com/office/drawing/2014/chart" uri="{C3380CC4-5D6E-409C-BE32-E72D297353CC}">
+              <c16:uniqueId val="{00000004-443D-4ACD-A20C-9B392CD368BB}"/>
+            </c:ext>
+          </c:extLst>
+        </c:ser>
+        <c:dLbls>
+          <c:showLegendKey val="0"/>
+          <c:showVal val="0"/>
+          <c:showCatName val="0"/>
+          <c:showSerName val="0"/>
+          <c:showPercent val="0"/>
+          <c:showBubbleSize val="0"/>
+        </c:dLbls>
+        <c:smooth val="0"/>
+        <c:axId val="1802860463"/>
+        <c:axId val="1995367215"/>
+      </c:lineChart>
+      <c:catAx>
+        <c:axId val="1802860463"/>
+        <c:scaling>
+          <c:orientation val="minMax"/>
+        </c:scaling>
+        <c:delete val="0"/>
+        <c:axPos val="b"/>
+        <c:title>
+          <c:tx>
+            <c:rich>
+              <a:bodyPr rot="0" spcFirstLastPara="1" vertOverflow="ellipsis" vert="horz" wrap="square" anchor="ctr" anchorCtr="1"/>
+              <a:lstStyle/>
+              <a:p>
+                <a:pPr>
+                  <a:defRPr sz="1600" b="0" i="0" u="none" strike="noStrike" kern="1200" baseline="0">
+                    <a:solidFill>
+                      <a:schemeClr val="tx1">
+                        <a:lumMod val="65000"/>
+                        <a:lumOff val="35000"/>
+                      </a:schemeClr>
+                    </a:solidFill>
+                    <a:latin typeface="+mn-lt"/>
+                    <a:ea typeface="+mn-ea"/>
+                    <a:cs typeface="+mn-cs"/>
+                  </a:defRPr>
+                </a:pPr>
+                <a:r>
+                  <a:rPr lang="it-IT"/>
+                  <a:t>threads</a:t>
+                </a:r>
+              </a:p>
+            </c:rich>
+          </c:tx>
+          <c:overlay val="0"/>
+          <c:spPr>
+            <a:noFill/>
+            <a:ln>
+              <a:noFill/>
+            </a:ln>
+            <a:effectLst/>
+          </c:spPr>
+          <c:txPr>
+            <a:bodyPr rot="0" spcFirstLastPara="1" vertOverflow="ellipsis" vert="horz" wrap="square" anchor="ctr" anchorCtr="1"/>
+            <a:lstStyle/>
+            <a:p>
+              <a:pPr>
+                <a:defRPr sz="1600" b="0" i="0" u="none" strike="noStrike" kern="1200" baseline="0">
+                  <a:solidFill>
+                    <a:schemeClr val="tx1">
+                      <a:lumMod val="65000"/>
+                      <a:lumOff val="35000"/>
+                    </a:schemeClr>
+                  </a:solidFill>
+                  <a:latin typeface="+mn-lt"/>
+                  <a:ea typeface="+mn-ea"/>
+                  <a:cs typeface="+mn-cs"/>
+                </a:defRPr>
+              </a:pPr>
+              <a:endParaRPr lang="it-IT"/>
+            </a:p>
+          </c:txPr>
+        </c:title>
+        <c:numFmt formatCode="General" sourceLinked="1"/>
+        <c:majorTickMark val="none"/>
+        <c:minorTickMark val="none"/>
+        <c:tickLblPos val="nextTo"/>
+        <c:spPr>
+          <a:noFill/>
+          <a:ln w="9525" cap="flat" cmpd="sng" algn="ctr">
+            <a:solidFill>
+              <a:schemeClr val="tx1">
+                <a:lumMod val="15000"/>
+                <a:lumOff val="85000"/>
+              </a:schemeClr>
+            </a:solidFill>
+            <a:round/>
+          </a:ln>
+          <a:effectLst/>
+        </c:spPr>
+        <c:txPr>
+          <a:bodyPr rot="-60000000" spcFirstLastPara="1" vertOverflow="ellipsis" vert="horz" wrap="square" anchor="ctr" anchorCtr="1"/>
+          <a:lstStyle/>
+          <a:p>
+            <a:pPr>
+              <a:defRPr sz="1600" b="0" i="0" u="none" strike="noStrike" kern="1200" baseline="0">
+                <a:solidFill>
+                  <a:schemeClr val="tx1">
+                    <a:lumMod val="65000"/>
+                    <a:lumOff val="35000"/>
+                  </a:schemeClr>
+                </a:solidFill>
+                <a:latin typeface="+mn-lt"/>
+                <a:ea typeface="+mn-ea"/>
+                <a:cs typeface="+mn-cs"/>
+              </a:defRPr>
+            </a:pPr>
+            <a:endParaRPr lang="it-IT"/>
+          </a:p>
+        </c:txPr>
+        <c:crossAx val="1995367215"/>
+        <c:crosses val="autoZero"/>
+        <c:auto val="1"/>
+        <c:lblAlgn val="ctr"/>
+        <c:lblOffset val="100"/>
+        <c:noMultiLvlLbl val="0"/>
+      </c:catAx>
+      <c:valAx>
+        <c:axId val="1995367215"/>
+        <c:scaling>
+          <c:logBase val="10"/>
+          <c:orientation val="minMax"/>
+        </c:scaling>
+        <c:delete val="0"/>
+        <c:axPos val="l"/>
+        <c:majorGridlines>
+          <c:spPr>
+            <a:ln w="9525" cap="flat" cmpd="sng" algn="ctr">
+              <a:solidFill>
+                <a:schemeClr val="tx1">
+                  <a:lumMod val="15000"/>
+                  <a:lumOff val="85000"/>
+                </a:schemeClr>
+              </a:solidFill>
+              <a:round/>
+            </a:ln>
+            <a:effectLst/>
+          </c:spPr>
+        </c:majorGridlines>
+        <c:title>
+          <c:tx>
+            <c:rich>
+              <a:bodyPr rot="-5400000" spcFirstLastPara="1" vertOverflow="ellipsis" vert="horz" wrap="square" anchor="ctr" anchorCtr="1"/>
+              <a:lstStyle/>
+              <a:p>
+                <a:pPr>
+                  <a:defRPr sz="1600" b="0" i="0" u="none" strike="noStrike" kern="1200" baseline="0">
+                    <a:solidFill>
+                      <a:schemeClr val="tx1">
+                        <a:lumMod val="65000"/>
+                        <a:lumOff val="35000"/>
+                      </a:schemeClr>
+                    </a:solidFill>
+                    <a:latin typeface="+mn-lt"/>
+                    <a:ea typeface="+mn-ea"/>
+                    <a:cs typeface="+mn-cs"/>
+                  </a:defRPr>
+                </a:pPr>
+                <a:r>
+                  <a:rPr lang="it-IT"/>
+                  <a:t>seconds</a:t>
+                </a:r>
+              </a:p>
+            </c:rich>
+          </c:tx>
+          <c:overlay val="0"/>
+          <c:spPr>
+            <a:noFill/>
+            <a:ln>
+              <a:noFill/>
+            </a:ln>
+            <a:effectLst/>
+          </c:spPr>
+          <c:txPr>
+            <a:bodyPr rot="-5400000" spcFirstLastPara="1" vertOverflow="ellipsis" vert="horz" wrap="square" anchor="ctr" anchorCtr="1"/>
+            <a:lstStyle/>
+            <a:p>
+              <a:pPr>
+                <a:defRPr sz="1600" b="0" i="0" u="none" strike="noStrike" kern="1200" baseline="0">
+                  <a:solidFill>
+                    <a:schemeClr val="tx1">
+                      <a:lumMod val="65000"/>
+                      <a:lumOff val="35000"/>
+                    </a:schemeClr>
+                  </a:solidFill>
+                  <a:latin typeface="+mn-lt"/>
+                  <a:ea typeface="+mn-ea"/>
+                  <a:cs typeface="+mn-cs"/>
+                </a:defRPr>
+              </a:pPr>
+              <a:endParaRPr lang="it-IT"/>
+            </a:p>
+          </c:txPr>
+        </c:title>
+        <c:numFmt formatCode="General" sourceLinked="1"/>
+        <c:majorTickMark val="none"/>
+        <c:minorTickMark val="none"/>
+        <c:tickLblPos val="nextTo"/>
+        <c:spPr>
+          <a:noFill/>
+          <a:ln>
+            <a:noFill/>
+          </a:ln>
+          <a:effectLst/>
+        </c:spPr>
+        <c:txPr>
+          <a:bodyPr rot="-60000000" spcFirstLastPara="1" vertOverflow="ellipsis" vert="horz" wrap="square" anchor="ctr" anchorCtr="1"/>
+          <a:lstStyle/>
+          <a:p>
+            <a:pPr>
+              <a:defRPr sz="1600" b="0" i="0" u="none" strike="noStrike" kern="1200" baseline="0">
+                <a:solidFill>
+                  <a:schemeClr val="tx1">
+                    <a:lumMod val="65000"/>
+                    <a:lumOff val="35000"/>
+                  </a:schemeClr>
+                </a:solidFill>
+                <a:latin typeface="+mn-lt"/>
+                <a:ea typeface="+mn-ea"/>
+                <a:cs typeface="+mn-cs"/>
+              </a:defRPr>
+            </a:pPr>
+            <a:endParaRPr lang="it-IT"/>
+          </a:p>
+        </c:txPr>
+        <c:crossAx val="1802860463"/>
+        <c:crosses val="autoZero"/>
+        <c:crossBetween val="between"/>
+      </c:valAx>
+      <c:spPr>
+        <a:noFill/>
+        <a:ln>
+          <a:noFill/>
+        </a:ln>
+        <a:effectLst/>
+      </c:spPr>
+    </c:plotArea>
+    <c:legend>
+      <c:legendPos val="r"/>
+      <c:overlay val="0"/>
+      <c:spPr>
+        <a:noFill/>
+        <a:ln>
+          <a:noFill/>
+        </a:ln>
+        <a:effectLst/>
+      </c:spPr>
+      <c:txPr>
+        <a:bodyPr rot="0" spcFirstLastPara="1" vertOverflow="ellipsis" vert="horz" wrap="square" anchor="ctr" anchorCtr="1"/>
+        <a:lstStyle/>
+        <a:p>
+          <a:pPr>
+            <a:defRPr sz="1600" b="0" i="0" u="none" strike="noStrike" kern="1200" baseline="0">
+              <a:solidFill>
+                <a:schemeClr val="tx1">
+                  <a:lumMod val="65000"/>
+                  <a:lumOff val="35000"/>
+                </a:schemeClr>
+              </a:solidFill>
+              <a:latin typeface="+mn-lt"/>
+              <a:ea typeface="+mn-ea"/>
+              <a:cs typeface="+mn-cs"/>
+            </a:defRPr>
+          </a:pPr>
+          <a:endParaRPr lang="it-IT"/>
+        </a:p>
+      </c:txPr>
+    </c:legend>
+    <c:plotVisOnly val="1"/>
+    <c:dispBlanksAs val="gap"/>
+    <c:extLst>
+      <c:ext xmlns:c16r3="http://schemas.microsoft.com/office/drawing/2017/03/chart" uri="{56B9EC1D-385E-4148-901F-78D8002777C0}">
+        <c16r3:dataDisplayOptions16>
+          <c16r3:dispNaAsBlank val="1"/>
+        </c16r3:dataDisplayOptions16>
+      </c:ext>
+    </c:extLst>
+    <c:showDLblsOverMax val="0"/>
+  </c:chart>
+  <c:spPr>
+    <a:noFill/>
+    <a:ln>
+      <a:noFill/>
+    </a:ln>
+    <a:effectLst/>
+  </c:spPr>
+  <c:txPr>
+    <a:bodyPr/>
+    <a:lstStyle/>
+    <a:p>
+      <a:pPr>
+        <a:defRPr sz="1600"/>
+      </a:pPr>
+      <a:endParaRPr lang="it-IT"/>
+    </a:p>
+  </c:txPr>
+  <c:externalData r:id="rId3">
+    <c:autoUpdate val="0"/>
+  </c:externalData>
+</c:chartSpace>
+</file>
+
 <file path=ppt/charts/colors1.xml><?xml version="1.0" encoding="utf-8"?>
+<cs:colorStyle xmlns:cs="http://schemas.microsoft.com/office/drawing/2012/chartStyle" xmlns:a="http://schemas.openxmlformats.org/drawingml/2006/main" meth="cycle" id="10">
+  <a:schemeClr val="accent1"/>
+  <a:schemeClr val="accent2"/>
+  <a:schemeClr val="accent3"/>
+  <a:schemeClr val="accent4"/>
+  <a:schemeClr val="accent5"/>
+  <a:schemeClr val="accent6"/>
+  <cs:variation/>
+  <cs:variation>
+    <a:lumMod val="60000"/>
+  </cs:variation>
+  <cs:variation>
+    <a:lumMod val="80000"/>
+    <a:lumOff val="20000"/>
+  </cs:variation>
+  <cs:variation>
+    <a:lumMod val="80000"/>
+  </cs:variation>
+  <cs:variation>
+    <a:lumMod val="60000"/>
+    <a:lumOff val="40000"/>
+  </cs:variation>
+  <cs:variation>
+    <a:lumMod val="50000"/>
+  </cs:variation>
+  <cs:variation>
+    <a:lumMod val="70000"/>
+    <a:lumOff val="30000"/>
+  </cs:variation>
+  <cs:variation>
+    <a:lumMod val="70000"/>
+  </cs:variation>
+  <cs:variation>
+    <a:lumMod val="50000"/>
+    <a:lumOff val="50000"/>
+  </cs:variation>
+</cs:colorStyle>
+</file>
+
+<file path=ppt/charts/colors10.xml><?xml version="1.0" encoding="utf-8"?>
 <cs:colorStyle xmlns:cs="http://schemas.microsoft.com/office/drawing/2012/chartStyle" xmlns:a="http://schemas.openxmlformats.org/drawingml/2006/main" meth="cycle" id="10">
   <a:schemeClr val="accent1"/>
   <a:schemeClr val="accent2"/>
@@ -6733,6 +8567,46 @@
 </cs:colorStyle>
 </file>
 
+<file path=ppt/charts/colors9.xml><?xml version="1.0" encoding="utf-8"?>
+<cs:colorStyle xmlns:cs="http://schemas.microsoft.com/office/drawing/2012/chartStyle" xmlns:a="http://schemas.openxmlformats.org/drawingml/2006/main" meth="cycle" id="10">
+  <a:schemeClr val="accent1"/>
+  <a:schemeClr val="accent2"/>
+  <a:schemeClr val="accent3"/>
+  <a:schemeClr val="accent4"/>
+  <a:schemeClr val="accent5"/>
+  <a:schemeClr val="accent6"/>
+  <cs:variation/>
+  <cs:variation>
+    <a:lumMod val="60000"/>
+  </cs:variation>
+  <cs:variation>
+    <a:lumMod val="80000"/>
+    <a:lumOff val="20000"/>
+  </cs:variation>
+  <cs:variation>
+    <a:lumMod val="80000"/>
+  </cs:variation>
+  <cs:variation>
+    <a:lumMod val="60000"/>
+    <a:lumOff val="40000"/>
+  </cs:variation>
+  <cs:variation>
+    <a:lumMod val="50000"/>
+  </cs:variation>
+  <cs:variation>
+    <a:lumMod val="70000"/>
+    <a:lumOff val="30000"/>
+  </cs:variation>
+  <cs:variation>
+    <a:lumMod val="70000"/>
+  </cs:variation>
+  <cs:variation>
+    <a:lumMod val="50000"/>
+    <a:lumOff val="50000"/>
+  </cs:variation>
+</cs:colorStyle>
+</file>
+
 <file path=ppt/charts/style1.xml><?xml version="1.0" encoding="utf-8"?>
 <cs:chartStyle xmlns:cs="http://schemas.microsoft.com/office/drawing/2012/chartStyle" xmlns:a="http://schemas.openxmlformats.org/drawingml/2006/main" id="227">
   <cs:axisTitle>
@@ -7249,7 +9123,7 @@
 </cs:chartStyle>
 </file>
 
-<file path=ppt/charts/style2.xml><?xml version="1.0" encoding="utf-8"?>
+<file path=ppt/charts/style10.xml><?xml version="1.0" encoding="utf-8"?>
 <cs:chartStyle xmlns:cs="http://schemas.microsoft.com/office/drawing/2012/chartStyle" xmlns:a="http://schemas.openxmlformats.org/drawingml/2006/main" id="227">
   <cs:axisTitle>
     <cs:lnRef idx="0"/>
@@ -7765,7 +9639,7 @@
 </cs:chartStyle>
 </file>
 
-<file path=ppt/charts/style3.xml><?xml version="1.0" encoding="utf-8"?>
+<file path=ppt/charts/style2.xml><?xml version="1.0" encoding="utf-8"?>
 <cs:chartStyle xmlns:cs="http://schemas.microsoft.com/office/drawing/2012/chartStyle" xmlns:a="http://schemas.openxmlformats.org/drawingml/2006/main" id="227">
   <cs:axisTitle>
     <cs:lnRef idx="0"/>
@@ -8281,7 +10155,7 @@
 </cs:chartStyle>
 </file>
 
-<file path=ppt/charts/style4.xml><?xml version="1.0" encoding="utf-8"?>
+<file path=ppt/charts/style3.xml><?xml version="1.0" encoding="utf-8"?>
 <cs:chartStyle xmlns:cs="http://schemas.microsoft.com/office/drawing/2012/chartStyle" xmlns:a="http://schemas.openxmlformats.org/drawingml/2006/main" id="227">
   <cs:axisTitle>
     <cs:lnRef idx="0"/>
@@ -8797,7 +10671,7 @@
 </cs:chartStyle>
 </file>
 
-<file path=ppt/charts/style5.xml><?xml version="1.0" encoding="utf-8"?>
+<file path=ppt/charts/style4.xml><?xml version="1.0" encoding="utf-8"?>
 <cs:chartStyle xmlns:cs="http://schemas.microsoft.com/office/drawing/2012/chartStyle" xmlns:a="http://schemas.openxmlformats.org/drawingml/2006/main" id="227">
   <cs:axisTitle>
     <cs:lnRef idx="0"/>
@@ -9313,8 +11187,8 @@
 </cs:chartStyle>
 </file>
 
-<file path=ppt/charts/style6.xml><?xml version="1.0" encoding="utf-8"?>
-<cs:chartStyle xmlns:cs="http://schemas.microsoft.com/office/drawing/2012/chartStyle" xmlns:a="http://schemas.openxmlformats.org/drawingml/2006/main" id="297">
+<file path=ppt/charts/style5.xml><?xml version="1.0" encoding="utf-8"?>
+<cs:chartStyle xmlns:cs="http://schemas.microsoft.com/office/drawing/2012/chartStyle" xmlns:a="http://schemas.openxmlformats.org/drawingml/2006/main" id="227">
   <cs:axisTitle>
     <cs:lnRef idx="0"/>
     <cs:fillRef idx="0"/>
@@ -9422,6 +11296,11 @@
     <cs:fontRef idx="minor">
       <a:schemeClr val="tx1"/>
     </cs:fontRef>
+    <cs:spPr>
+      <a:solidFill>
+        <a:schemeClr val="phClr"/>
+      </a:solidFill>
+    </cs:spPr>
   </cs:dataPoint>
   <cs:dataPoint3D>
     <cs:lnRef idx="0"/>
@@ -9432,6 +11311,11 @@
     <cs:fontRef idx="minor">
       <a:schemeClr val="tx1"/>
     </cs:fontRef>
+    <cs:spPr>
+      <a:solidFill>
+        <a:schemeClr val="phClr"/>
+      </a:solidFill>
+    </cs:spPr>
   </cs:dataPoint3D>
   <cs:dataPointLine>
     <cs:lnRef idx="0">
@@ -9463,6 +11347,9 @@
       <a:schemeClr val="tx1"/>
     </cs:fontRef>
     <cs:spPr>
+      <a:solidFill>
+        <a:schemeClr val="phClr"/>
+      </a:solidFill>
       <a:ln w="9525">
         <a:solidFill>
           <a:schemeClr val="phClr"/>
@@ -9518,23 +11405,22 @@
     <cs:fillRef idx="0"/>
     <cs:effectRef idx="0"/>
     <cs:fontRef idx="minor">
-      <a:schemeClr val="tx1"/>
+      <a:schemeClr val="dk1"/>
     </cs:fontRef>
     <cs:spPr>
       <a:solidFill>
         <a:schemeClr val="dk1">
-          <a:lumMod val="75000"/>
-          <a:lumOff val="25000"/>
+          <a:lumMod val="65000"/>
+          <a:lumOff val="35000"/>
         </a:schemeClr>
       </a:solidFill>
-      <a:ln w="9525" cap="flat" cmpd="sng" algn="ctr">
+      <a:ln w="9525">
         <a:solidFill>
           <a:schemeClr val="tx1">
             <a:lumMod val="65000"/>
             <a:lumOff val="35000"/>
           </a:schemeClr>
         </a:solidFill>
-        <a:round/>
       </a:ln>
     </cs:spPr>
   </cs:downBar>
@@ -9639,8 +11525,8 @@
       <a:ln w="9525" cap="flat" cmpd="sng" algn="ctr">
         <a:solidFill>
           <a:schemeClr val="tx1">
-            <a:lumMod val="50000"/>
-            <a:lumOff val="50000"/>
+            <a:lumMod val="75000"/>
+            <a:lumOff val="25000"/>
           </a:schemeClr>
         </a:solidFill>
         <a:round/>
@@ -9772,20 +11658,19 @@
     <cs:fillRef idx="0"/>
     <cs:effectRef idx="0"/>
     <cs:fontRef idx="minor">
-      <a:schemeClr val="tx1"/>
+      <a:schemeClr val="dk1"/>
     </cs:fontRef>
     <cs:spPr>
       <a:solidFill>
         <a:schemeClr val="lt1"/>
       </a:solidFill>
-      <a:ln w="9525" cap="flat" cmpd="sng" algn="ctr">
+      <a:ln w="9525">
         <a:solidFill>
           <a:schemeClr val="tx1">
-            <a:lumMod val="65000"/>
-            <a:lumOff val="35000"/>
+            <a:lumMod val="15000"/>
+            <a:lumOff val="85000"/>
           </a:schemeClr>
         </a:solidFill>
-        <a:round/>
       </a:ln>
     </cs:spPr>
   </cs:upBar>
@@ -9818,8 +11703,8 @@
 </cs:chartStyle>
 </file>
 
-<file path=ppt/charts/style7.xml><?xml version="1.0" encoding="utf-8"?>
-<cs:chartStyle xmlns:cs="http://schemas.microsoft.com/office/drawing/2012/chartStyle" xmlns:a="http://schemas.openxmlformats.org/drawingml/2006/main" id="227">
+<file path=ppt/charts/style6.xml><?xml version="1.0" encoding="utf-8"?>
+<cs:chartStyle xmlns:cs="http://schemas.microsoft.com/office/drawing/2012/chartStyle" xmlns:a="http://schemas.openxmlformats.org/drawingml/2006/main" id="297">
   <cs:axisTitle>
     <cs:lnRef idx="0"/>
     <cs:fillRef idx="0"/>
@@ -9927,6 +11812,511 @@
     <cs:fontRef idx="minor">
       <a:schemeClr val="tx1"/>
     </cs:fontRef>
+  </cs:dataPoint>
+  <cs:dataPoint3D>
+    <cs:lnRef idx="0"/>
+    <cs:fillRef idx="1">
+      <cs:styleClr val="auto"/>
+    </cs:fillRef>
+    <cs:effectRef idx="0"/>
+    <cs:fontRef idx="minor">
+      <a:schemeClr val="tx1"/>
+    </cs:fontRef>
+  </cs:dataPoint3D>
+  <cs:dataPointLine>
+    <cs:lnRef idx="0">
+      <cs:styleClr val="auto"/>
+    </cs:lnRef>
+    <cs:fillRef idx="1"/>
+    <cs:effectRef idx="0"/>
+    <cs:fontRef idx="minor">
+      <a:schemeClr val="tx1"/>
+    </cs:fontRef>
+    <cs:spPr>
+      <a:ln w="28575" cap="rnd">
+        <a:solidFill>
+          <a:schemeClr val="phClr"/>
+        </a:solidFill>
+        <a:round/>
+      </a:ln>
+    </cs:spPr>
+  </cs:dataPointLine>
+  <cs:dataPointMarker>
+    <cs:lnRef idx="0">
+      <cs:styleClr val="auto"/>
+    </cs:lnRef>
+    <cs:fillRef idx="1">
+      <cs:styleClr val="auto"/>
+    </cs:fillRef>
+    <cs:effectRef idx="0"/>
+    <cs:fontRef idx="minor">
+      <a:schemeClr val="tx1"/>
+    </cs:fontRef>
+    <cs:spPr>
+      <a:ln w="9525">
+        <a:solidFill>
+          <a:schemeClr val="phClr"/>
+        </a:solidFill>
+      </a:ln>
+    </cs:spPr>
+  </cs:dataPointMarker>
+  <cs:dataPointMarkerLayout symbol="circle" size="5"/>
+  <cs:dataPointWireframe>
+    <cs:lnRef idx="0">
+      <cs:styleClr val="auto"/>
+    </cs:lnRef>
+    <cs:fillRef idx="1"/>
+    <cs:effectRef idx="0"/>
+    <cs:fontRef idx="minor">
+      <a:schemeClr val="tx1"/>
+    </cs:fontRef>
+    <cs:spPr>
+      <a:ln w="9525" cap="rnd">
+        <a:solidFill>
+          <a:schemeClr val="phClr"/>
+        </a:solidFill>
+        <a:round/>
+      </a:ln>
+    </cs:spPr>
+  </cs:dataPointWireframe>
+  <cs:dataTable>
+    <cs:lnRef idx="0"/>
+    <cs:fillRef idx="0"/>
+    <cs:effectRef idx="0"/>
+    <cs:fontRef idx="minor">
+      <a:schemeClr val="tx1">
+        <a:lumMod val="65000"/>
+        <a:lumOff val="35000"/>
+      </a:schemeClr>
+    </cs:fontRef>
+    <cs:spPr>
+      <a:noFill/>
+      <a:ln w="9525" cap="flat" cmpd="sng" algn="ctr">
+        <a:solidFill>
+          <a:schemeClr val="tx1">
+            <a:lumMod val="15000"/>
+            <a:lumOff val="85000"/>
+          </a:schemeClr>
+        </a:solidFill>
+        <a:round/>
+      </a:ln>
+    </cs:spPr>
+    <cs:defRPr sz="900" kern="1200"/>
+  </cs:dataTable>
+  <cs:downBar>
+    <cs:lnRef idx="0"/>
+    <cs:fillRef idx="0"/>
+    <cs:effectRef idx="0"/>
+    <cs:fontRef idx="minor">
+      <a:schemeClr val="tx1"/>
+    </cs:fontRef>
+    <cs:spPr>
+      <a:solidFill>
+        <a:schemeClr val="dk1">
+          <a:lumMod val="75000"/>
+          <a:lumOff val="25000"/>
+        </a:schemeClr>
+      </a:solidFill>
+      <a:ln w="9525" cap="flat" cmpd="sng" algn="ctr">
+        <a:solidFill>
+          <a:schemeClr val="tx1">
+            <a:lumMod val="65000"/>
+            <a:lumOff val="35000"/>
+          </a:schemeClr>
+        </a:solidFill>
+        <a:round/>
+      </a:ln>
+    </cs:spPr>
+  </cs:downBar>
+  <cs:dropLine>
+    <cs:lnRef idx="0"/>
+    <cs:fillRef idx="0"/>
+    <cs:effectRef idx="0"/>
+    <cs:fontRef idx="minor">
+      <a:schemeClr val="tx1"/>
+    </cs:fontRef>
+    <cs:spPr>
+      <a:ln w="9525" cap="flat" cmpd="sng" algn="ctr">
+        <a:solidFill>
+          <a:schemeClr val="tx1">
+            <a:lumMod val="35000"/>
+            <a:lumOff val="65000"/>
+          </a:schemeClr>
+        </a:solidFill>
+        <a:round/>
+      </a:ln>
+    </cs:spPr>
+  </cs:dropLine>
+  <cs:errorBar>
+    <cs:lnRef idx="0"/>
+    <cs:fillRef idx="0"/>
+    <cs:effectRef idx="0"/>
+    <cs:fontRef idx="minor">
+      <a:schemeClr val="tx1"/>
+    </cs:fontRef>
+    <cs:spPr>
+      <a:ln w="9525" cap="flat" cmpd="sng" algn="ctr">
+        <a:solidFill>
+          <a:schemeClr val="tx1">
+            <a:lumMod val="65000"/>
+            <a:lumOff val="35000"/>
+          </a:schemeClr>
+        </a:solidFill>
+        <a:round/>
+      </a:ln>
+    </cs:spPr>
+  </cs:errorBar>
+  <cs:floor>
+    <cs:lnRef idx="0"/>
+    <cs:fillRef idx="0"/>
+    <cs:effectRef idx="0"/>
+    <cs:fontRef idx="minor">
+      <a:schemeClr val="tx1"/>
+    </cs:fontRef>
+    <cs:spPr>
+      <a:noFill/>
+      <a:ln>
+        <a:noFill/>
+      </a:ln>
+    </cs:spPr>
+  </cs:floor>
+  <cs:gridlineMajor>
+    <cs:lnRef idx="0"/>
+    <cs:fillRef idx="0"/>
+    <cs:effectRef idx="0"/>
+    <cs:fontRef idx="minor">
+      <a:schemeClr val="tx1"/>
+    </cs:fontRef>
+    <cs:spPr>
+      <a:ln w="9525" cap="flat" cmpd="sng" algn="ctr">
+        <a:solidFill>
+          <a:schemeClr val="tx1">
+            <a:lumMod val="15000"/>
+            <a:lumOff val="85000"/>
+          </a:schemeClr>
+        </a:solidFill>
+        <a:round/>
+      </a:ln>
+    </cs:spPr>
+  </cs:gridlineMajor>
+  <cs:gridlineMinor>
+    <cs:lnRef idx="0"/>
+    <cs:fillRef idx="0"/>
+    <cs:effectRef idx="0"/>
+    <cs:fontRef idx="minor">
+      <a:schemeClr val="tx1"/>
+    </cs:fontRef>
+    <cs:spPr>
+      <a:ln w="9525" cap="flat" cmpd="sng" algn="ctr">
+        <a:solidFill>
+          <a:schemeClr val="tx1">
+            <a:lumMod val="5000"/>
+            <a:lumOff val="95000"/>
+          </a:schemeClr>
+        </a:solidFill>
+        <a:round/>
+      </a:ln>
+    </cs:spPr>
+  </cs:gridlineMinor>
+  <cs:hiLoLine>
+    <cs:lnRef idx="0"/>
+    <cs:fillRef idx="0"/>
+    <cs:effectRef idx="0"/>
+    <cs:fontRef idx="minor">
+      <a:schemeClr val="tx1"/>
+    </cs:fontRef>
+    <cs:spPr>
+      <a:ln w="9525" cap="flat" cmpd="sng" algn="ctr">
+        <a:solidFill>
+          <a:schemeClr val="tx1">
+            <a:lumMod val="50000"/>
+            <a:lumOff val="50000"/>
+          </a:schemeClr>
+        </a:solidFill>
+        <a:round/>
+      </a:ln>
+    </cs:spPr>
+  </cs:hiLoLine>
+  <cs:leaderLine>
+    <cs:lnRef idx="0"/>
+    <cs:fillRef idx="0"/>
+    <cs:effectRef idx="0"/>
+    <cs:fontRef idx="minor">
+      <a:schemeClr val="tx1"/>
+    </cs:fontRef>
+    <cs:spPr>
+      <a:ln w="9525" cap="flat" cmpd="sng" algn="ctr">
+        <a:solidFill>
+          <a:schemeClr val="tx1">
+            <a:lumMod val="35000"/>
+            <a:lumOff val="65000"/>
+          </a:schemeClr>
+        </a:solidFill>
+        <a:round/>
+      </a:ln>
+    </cs:spPr>
+  </cs:leaderLine>
+  <cs:legend>
+    <cs:lnRef idx="0"/>
+    <cs:fillRef idx="0"/>
+    <cs:effectRef idx="0"/>
+    <cs:fontRef idx="minor">
+      <a:schemeClr val="tx1">
+        <a:lumMod val="65000"/>
+        <a:lumOff val="35000"/>
+      </a:schemeClr>
+    </cs:fontRef>
+    <cs:defRPr sz="900" kern="1200"/>
+  </cs:legend>
+  <cs:plotArea mods="allowNoFillOverride allowNoLineOverride">
+    <cs:lnRef idx="0"/>
+    <cs:fillRef idx="0"/>
+    <cs:effectRef idx="0"/>
+    <cs:fontRef idx="minor">
+      <a:schemeClr val="tx1"/>
+    </cs:fontRef>
+  </cs:plotArea>
+  <cs:plotArea3D mods="allowNoFillOverride allowNoLineOverride">
+    <cs:lnRef idx="0"/>
+    <cs:fillRef idx="0"/>
+    <cs:effectRef idx="0"/>
+    <cs:fontRef idx="minor">
+      <a:schemeClr val="tx1"/>
+    </cs:fontRef>
+  </cs:plotArea3D>
+  <cs:seriesAxis>
+    <cs:lnRef idx="0"/>
+    <cs:fillRef idx="0"/>
+    <cs:effectRef idx="0"/>
+    <cs:fontRef idx="minor">
+      <a:schemeClr val="tx1">
+        <a:lumMod val="65000"/>
+        <a:lumOff val="35000"/>
+      </a:schemeClr>
+    </cs:fontRef>
+    <cs:defRPr sz="900" kern="1200"/>
+  </cs:seriesAxis>
+  <cs:seriesLine>
+    <cs:lnRef idx="0"/>
+    <cs:fillRef idx="0"/>
+    <cs:effectRef idx="0"/>
+    <cs:fontRef idx="minor">
+      <a:schemeClr val="tx1"/>
+    </cs:fontRef>
+    <cs:spPr>
+      <a:ln w="9525" cap="flat" cmpd="sng" algn="ctr">
+        <a:solidFill>
+          <a:schemeClr val="tx1">
+            <a:lumMod val="35000"/>
+            <a:lumOff val="65000"/>
+          </a:schemeClr>
+        </a:solidFill>
+        <a:round/>
+      </a:ln>
+    </cs:spPr>
+  </cs:seriesLine>
+  <cs:title>
+    <cs:lnRef idx="0"/>
+    <cs:fillRef idx="0"/>
+    <cs:effectRef idx="0"/>
+    <cs:fontRef idx="minor">
+      <a:schemeClr val="tx1">
+        <a:lumMod val="65000"/>
+        <a:lumOff val="35000"/>
+      </a:schemeClr>
+    </cs:fontRef>
+    <cs:defRPr sz="1400" b="0" kern="1200" spc="0" baseline="0"/>
+  </cs:title>
+  <cs:trendline>
+    <cs:lnRef idx="0">
+      <cs:styleClr val="auto"/>
+    </cs:lnRef>
+    <cs:fillRef idx="0"/>
+    <cs:effectRef idx="0"/>
+    <cs:fontRef idx="minor">
+      <a:schemeClr val="tx1"/>
+    </cs:fontRef>
+    <cs:spPr>
+      <a:ln w="19050" cap="rnd">
+        <a:solidFill>
+          <a:schemeClr val="phClr"/>
+        </a:solidFill>
+        <a:prstDash val="sysDot"/>
+      </a:ln>
+    </cs:spPr>
+  </cs:trendline>
+  <cs:trendlineLabel>
+    <cs:lnRef idx="0"/>
+    <cs:fillRef idx="0"/>
+    <cs:effectRef idx="0"/>
+    <cs:fontRef idx="minor">
+      <a:schemeClr val="tx1">
+        <a:lumMod val="65000"/>
+        <a:lumOff val="35000"/>
+      </a:schemeClr>
+    </cs:fontRef>
+    <cs:defRPr sz="900" kern="1200"/>
+  </cs:trendlineLabel>
+  <cs:upBar>
+    <cs:lnRef idx="0"/>
+    <cs:fillRef idx="0"/>
+    <cs:effectRef idx="0"/>
+    <cs:fontRef idx="minor">
+      <a:schemeClr val="tx1"/>
+    </cs:fontRef>
+    <cs:spPr>
+      <a:solidFill>
+        <a:schemeClr val="lt1"/>
+      </a:solidFill>
+      <a:ln w="9525" cap="flat" cmpd="sng" algn="ctr">
+        <a:solidFill>
+          <a:schemeClr val="tx1">
+            <a:lumMod val="65000"/>
+            <a:lumOff val="35000"/>
+          </a:schemeClr>
+        </a:solidFill>
+        <a:round/>
+      </a:ln>
+    </cs:spPr>
+  </cs:upBar>
+  <cs:valueAxis>
+    <cs:lnRef idx="0"/>
+    <cs:fillRef idx="0"/>
+    <cs:effectRef idx="0"/>
+    <cs:fontRef idx="minor">
+      <a:schemeClr val="tx1">
+        <a:lumMod val="65000"/>
+        <a:lumOff val="35000"/>
+      </a:schemeClr>
+    </cs:fontRef>
+    <cs:defRPr sz="900" kern="1200"/>
+  </cs:valueAxis>
+  <cs:wall>
+    <cs:lnRef idx="0"/>
+    <cs:fillRef idx="0"/>
+    <cs:effectRef idx="0"/>
+    <cs:fontRef idx="minor">
+      <a:schemeClr val="tx1"/>
+    </cs:fontRef>
+    <cs:spPr>
+      <a:noFill/>
+      <a:ln>
+        <a:noFill/>
+      </a:ln>
+    </cs:spPr>
+  </cs:wall>
+</cs:chartStyle>
+</file>
+
+<file path=ppt/charts/style7.xml><?xml version="1.0" encoding="utf-8"?>
+<cs:chartStyle xmlns:cs="http://schemas.microsoft.com/office/drawing/2012/chartStyle" xmlns:a="http://schemas.openxmlformats.org/drawingml/2006/main" id="227">
+  <cs:axisTitle>
+    <cs:lnRef idx="0"/>
+    <cs:fillRef idx="0"/>
+    <cs:effectRef idx="0"/>
+    <cs:fontRef idx="minor">
+      <a:schemeClr val="tx1">
+        <a:lumMod val="65000"/>
+        <a:lumOff val="35000"/>
+      </a:schemeClr>
+    </cs:fontRef>
+    <cs:defRPr sz="1000" kern="1200"/>
+  </cs:axisTitle>
+  <cs:categoryAxis>
+    <cs:lnRef idx="0"/>
+    <cs:fillRef idx="0"/>
+    <cs:effectRef idx="0"/>
+    <cs:fontRef idx="minor">
+      <a:schemeClr val="tx1">
+        <a:lumMod val="65000"/>
+        <a:lumOff val="35000"/>
+      </a:schemeClr>
+    </cs:fontRef>
+    <cs:spPr>
+      <a:ln w="9525" cap="flat" cmpd="sng" algn="ctr">
+        <a:solidFill>
+          <a:schemeClr val="tx1">
+            <a:lumMod val="15000"/>
+            <a:lumOff val="85000"/>
+          </a:schemeClr>
+        </a:solidFill>
+        <a:round/>
+      </a:ln>
+    </cs:spPr>
+    <cs:defRPr sz="900" kern="1200"/>
+  </cs:categoryAxis>
+  <cs:chartArea mods="allowNoFillOverride allowNoLineOverride">
+    <cs:lnRef idx="0"/>
+    <cs:fillRef idx="0"/>
+    <cs:effectRef idx="0"/>
+    <cs:fontRef idx="minor">
+      <a:schemeClr val="tx1"/>
+    </cs:fontRef>
+    <cs:spPr>
+      <a:solidFill>
+        <a:schemeClr val="bg1"/>
+      </a:solidFill>
+      <a:ln w="9525" cap="flat" cmpd="sng" algn="ctr">
+        <a:solidFill>
+          <a:schemeClr val="tx1">
+            <a:lumMod val="15000"/>
+            <a:lumOff val="85000"/>
+          </a:schemeClr>
+        </a:solidFill>
+        <a:round/>
+      </a:ln>
+    </cs:spPr>
+    <cs:defRPr sz="1000" kern="1200"/>
+  </cs:chartArea>
+  <cs:dataLabel>
+    <cs:lnRef idx="0"/>
+    <cs:fillRef idx="0"/>
+    <cs:effectRef idx="0"/>
+    <cs:fontRef idx="minor">
+      <a:schemeClr val="tx1">
+        <a:lumMod val="75000"/>
+        <a:lumOff val="25000"/>
+      </a:schemeClr>
+    </cs:fontRef>
+    <cs:defRPr sz="900" kern="1200"/>
+  </cs:dataLabel>
+  <cs:dataLabelCallout>
+    <cs:lnRef idx="0"/>
+    <cs:fillRef idx="0"/>
+    <cs:effectRef idx="0"/>
+    <cs:fontRef idx="minor">
+      <a:schemeClr val="dk1">
+        <a:lumMod val="65000"/>
+        <a:lumOff val="35000"/>
+      </a:schemeClr>
+    </cs:fontRef>
+    <cs:spPr>
+      <a:solidFill>
+        <a:schemeClr val="lt1"/>
+      </a:solidFill>
+      <a:ln>
+        <a:solidFill>
+          <a:schemeClr val="dk1">
+            <a:lumMod val="25000"/>
+            <a:lumOff val="75000"/>
+          </a:schemeClr>
+        </a:solidFill>
+      </a:ln>
+    </cs:spPr>
+    <cs:defRPr sz="900" kern="1200"/>
+    <cs:bodyPr rot="0" spcFirstLastPara="1" vertOverflow="clip" horzOverflow="clip" vert="horz" wrap="square" lIns="36576" tIns="18288" rIns="36576" bIns="18288" anchor="ctr" anchorCtr="1">
+      <a:spAutoFit/>
+    </cs:bodyPr>
+  </cs:dataLabelCallout>
+  <cs:dataPoint>
+    <cs:lnRef idx="0"/>
+    <cs:fillRef idx="1">
+      <cs:styleClr val="auto"/>
+    </cs:fillRef>
+    <cs:effectRef idx="0"/>
+    <cs:fontRef idx="minor">
+      <a:schemeClr val="tx1"/>
+    </cs:fontRef>
     <cs:spPr>
       <a:solidFill>
         <a:schemeClr val="phClr"/>
@@ -10335,6 +12725,522 @@
 </file>
 
 <file path=ppt/charts/style8.xml><?xml version="1.0" encoding="utf-8"?>
+<cs:chartStyle xmlns:cs="http://schemas.microsoft.com/office/drawing/2012/chartStyle" xmlns:a="http://schemas.openxmlformats.org/drawingml/2006/main" id="227">
+  <cs:axisTitle>
+    <cs:lnRef idx="0"/>
+    <cs:fillRef idx="0"/>
+    <cs:effectRef idx="0"/>
+    <cs:fontRef idx="minor">
+      <a:schemeClr val="tx1">
+        <a:lumMod val="65000"/>
+        <a:lumOff val="35000"/>
+      </a:schemeClr>
+    </cs:fontRef>
+    <cs:defRPr sz="1000" kern="1200"/>
+  </cs:axisTitle>
+  <cs:categoryAxis>
+    <cs:lnRef idx="0"/>
+    <cs:fillRef idx="0"/>
+    <cs:effectRef idx="0"/>
+    <cs:fontRef idx="minor">
+      <a:schemeClr val="tx1">
+        <a:lumMod val="65000"/>
+        <a:lumOff val="35000"/>
+      </a:schemeClr>
+    </cs:fontRef>
+    <cs:spPr>
+      <a:ln w="9525" cap="flat" cmpd="sng" algn="ctr">
+        <a:solidFill>
+          <a:schemeClr val="tx1">
+            <a:lumMod val="15000"/>
+            <a:lumOff val="85000"/>
+          </a:schemeClr>
+        </a:solidFill>
+        <a:round/>
+      </a:ln>
+    </cs:spPr>
+    <cs:defRPr sz="900" kern="1200"/>
+  </cs:categoryAxis>
+  <cs:chartArea mods="allowNoFillOverride allowNoLineOverride">
+    <cs:lnRef idx="0"/>
+    <cs:fillRef idx="0"/>
+    <cs:effectRef idx="0"/>
+    <cs:fontRef idx="minor">
+      <a:schemeClr val="tx1"/>
+    </cs:fontRef>
+    <cs:spPr>
+      <a:solidFill>
+        <a:schemeClr val="bg1"/>
+      </a:solidFill>
+      <a:ln w="9525" cap="flat" cmpd="sng" algn="ctr">
+        <a:solidFill>
+          <a:schemeClr val="tx1">
+            <a:lumMod val="15000"/>
+            <a:lumOff val="85000"/>
+          </a:schemeClr>
+        </a:solidFill>
+        <a:round/>
+      </a:ln>
+    </cs:spPr>
+    <cs:defRPr sz="1000" kern="1200"/>
+  </cs:chartArea>
+  <cs:dataLabel>
+    <cs:lnRef idx="0"/>
+    <cs:fillRef idx="0"/>
+    <cs:effectRef idx="0"/>
+    <cs:fontRef idx="minor">
+      <a:schemeClr val="tx1">
+        <a:lumMod val="75000"/>
+        <a:lumOff val="25000"/>
+      </a:schemeClr>
+    </cs:fontRef>
+    <cs:defRPr sz="900" kern="1200"/>
+  </cs:dataLabel>
+  <cs:dataLabelCallout>
+    <cs:lnRef idx="0"/>
+    <cs:fillRef idx="0"/>
+    <cs:effectRef idx="0"/>
+    <cs:fontRef idx="minor">
+      <a:schemeClr val="dk1">
+        <a:lumMod val="65000"/>
+        <a:lumOff val="35000"/>
+      </a:schemeClr>
+    </cs:fontRef>
+    <cs:spPr>
+      <a:solidFill>
+        <a:schemeClr val="lt1"/>
+      </a:solidFill>
+      <a:ln>
+        <a:solidFill>
+          <a:schemeClr val="dk1">
+            <a:lumMod val="25000"/>
+            <a:lumOff val="75000"/>
+          </a:schemeClr>
+        </a:solidFill>
+      </a:ln>
+    </cs:spPr>
+    <cs:defRPr sz="900" kern="1200"/>
+    <cs:bodyPr rot="0" spcFirstLastPara="1" vertOverflow="clip" horzOverflow="clip" vert="horz" wrap="square" lIns="36576" tIns="18288" rIns="36576" bIns="18288" anchor="ctr" anchorCtr="1">
+      <a:spAutoFit/>
+    </cs:bodyPr>
+  </cs:dataLabelCallout>
+  <cs:dataPoint>
+    <cs:lnRef idx="0"/>
+    <cs:fillRef idx="1">
+      <cs:styleClr val="auto"/>
+    </cs:fillRef>
+    <cs:effectRef idx="0"/>
+    <cs:fontRef idx="minor">
+      <a:schemeClr val="tx1"/>
+    </cs:fontRef>
+    <cs:spPr>
+      <a:solidFill>
+        <a:schemeClr val="phClr"/>
+      </a:solidFill>
+    </cs:spPr>
+  </cs:dataPoint>
+  <cs:dataPoint3D>
+    <cs:lnRef idx="0"/>
+    <cs:fillRef idx="1">
+      <cs:styleClr val="auto"/>
+    </cs:fillRef>
+    <cs:effectRef idx="0"/>
+    <cs:fontRef idx="minor">
+      <a:schemeClr val="tx1"/>
+    </cs:fontRef>
+    <cs:spPr>
+      <a:solidFill>
+        <a:schemeClr val="phClr"/>
+      </a:solidFill>
+    </cs:spPr>
+  </cs:dataPoint3D>
+  <cs:dataPointLine>
+    <cs:lnRef idx="0">
+      <cs:styleClr val="auto"/>
+    </cs:lnRef>
+    <cs:fillRef idx="1"/>
+    <cs:effectRef idx="0"/>
+    <cs:fontRef idx="minor">
+      <a:schemeClr val="tx1"/>
+    </cs:fontRef>
+    <cs:spPr>
+      <a:ln w="28575" cap="rnd">
+        <a:solidFill>
+          <a:schemeClr val="phClr"/>
+        </a:solidFill>
+        <a:round/>
+      </a:ln>
+    </cs:spPr>
+  </cs:dataPointLine>
+  <cs:dataPointMarker>
+    <cs:lnRef idx="0">
+      <cs:styleClr val="auto"/>
+    </cs:lnRef>
+    <cs:fillRef idx="1">
+      <cs:styleClr val="auto"/>
+    </cs:fillRef>
+    <cs:effectRef idx="0"/>
+    <cs:fontRef idx="minor">
+      <a:schemeClr val="tx1"/>
+    </cs:fontRef>
+    <cs:spPr>
+      <a:solidFill>
+        <a:schemeClr val="phClr"/>
+      </a:solidFill>
+      <a:ln w="9525">
+        <a:solidFill>
+          <a:schemeClr val="phClr"/>
+        </a:solidFill>
+      </a:ln>
+    </cs:spPr>
+  </cs:dataPointMarker>
+  <cs:dataPointMarkerLayout symbol="circle" size="5"/>
+  <cs:dataPointWireframe>
+    <cs:lnRef idx="0">
+      <cs:styleClr val="auto"/>
+    </cs:lnRef>
+    <cs:fillRef idx="1"/>
+    <cs:effectRef idx="0"/>
+    <cs:fontRef idx="minor">
+      <a:schemeClr val="tx1"/>
+    </cs:fontRef>
+    <cs:spPr>
+      <a:ln w="9525" cap="rnd">
+        <a:solidFill>
+          <a:schemeClr val="phClr"/>
+        </a:solidFill>
+        <a:round/>
+      </a:ln>
+    </cs:spPr>
+  </cs:dataPointWireframe>
+  <cs:dataTable>
+    <cs:lnRef idx="0"/>
+    <cs:fillRef idx="0"/>
+    <cs:effectRef idx="0"/>
+    <cs:fontRef idx="minor">
+      <a:schemeClr val="tx1">
+        <a:lumMod val="65000"/>
+        <a:lumOff val="35000"/>
+      </a:schemeClr>
+    </cs:fontRef>
+    <cs:spPr>
+      <a:noFill/>
+      <a:ln w="9525" cap="flat" cmpd="sng" algn="ctr">
+        <a:solidFill>
+          <a:schemeClr val="tx1">
+            <a:lumMod val="15000"/>
+            <a:lumOff val="85000"/>
+          </a:schemeClr>
+        </a:solidFill>
+        <a:round/>
+      </a:ln>
+    </cs:spPr>
+    <cs:defRPr sz="900" kern="1200"/>
+  </cs:dataTable>
+  <cs:downBar>
+    <cs:lnRef idx="0"/>
+    <cs:fillRef idx="0"/>
+    <cs:effectRef idx="0"/>
+    <cs:fontRef idx="minor">
+      <a:schemeClr val="dk1"/>
+    </cs:fontRef>
+    <cs:spPr>
+      <a:solidFill>
+        <a:schemeClr val="dk1">
+          <a:lumMod val="65000"/>
+          <a:lumOff val="35000"/>
+        </a:schemeClr>
+      </a:solidFill>
+      <a:ln w="9525">
+        <a:solidFill>
+          <a:schemeClr val="tx1">
+            <a:lumMod val="65000"/>
+            <a:lumOff val="35000"/>
+          </a:schemeClr>
+        </a:solidFill>
+      </a:ln>
+    </cs:spPr>
+  </cs:downBar>
+  <cs:dropLine>
+    <cs:lnRef idx="0"/>
+    <cs:fillRef idx="0"/>
+    <cs:effectRef idx="0"/>
+    <cs:fontRef idx="minor">
+      <a:schemeClr val="tx1"/>
+    </cs:fontRef>
+    <cs:spPr>
+      <a:ln w="9525" cap="flat" cmpd="sng" algn="ctr">
+        <a:solidFill>
+          <a:schemeClr val="tx1">
+            <a:lumMod val="35000"/>
+            <a:lumOff val="65000"/>
+          </a:schemeClr>
+        </a:solidFill>
+        <a:round/>
+      </a:ln>
+    </cs:spPr>
+  </cs:dropLine>
+  <cs:errorBar>
+    <cs:lnRef idx="0"/>
+    <cs:fillRef idx="0"/>
+    <cs:effectRef idx="0"/>
+    <cs:fontRef idx="minor">
+      <a:schemeClr val="tx1"/>
+    </cs:fontRef>
+    <cs:spPr>
+      <a:ln w="9525" cap="flat" cmpd="sng" algn="ctr">
+        <a:solidFill>
+          <a:schemeClr val="tx1">
+            <a:lumMod val="65000"/>
+            <a:lumOff val="35000"/>
+          </a:schemeClr>
+        </a:solidFill>
+        <a:round/>
+      </a:ln>
+    </cs:spPr>
+  </cs:errorBar>
+  <cs:floor>
+    <cs:lnRef idx="0"/>
+    <cs:fillRef idx="0"/>
+    <cs:effectRef idx="0"/>
+    <cs:fontRef idx="minor">
+      <a:schemeClr val="tx1"/>
+    </cs:fontRef>
+    <cs:spPr>
+      <a:noFill/>
+      <a:ln>
+        <a:noFill/>
+      </a:ln>
+    </cs:spPr>
+  </cs:floor>
+  <cs:gridlineMajor>
+    <cs:lnRef idx="0"/>
+    <cs:fillRef idx="0"/>
+    <cs:effectRef idx="0"/>
+    <cs:fontRef idx="minor">
+      <a:schemeClr val="tx1"/>
+    </cs:fontRef>
+    <cs:spPr>
+      <a:ln w="9525" cap="flat" cmpd="sng" algn="ctr">
+        <a:solidFill>
+          <a:schemeClr val="tx1">
+            <a:lumMod val="15000"/>
+            <a:lumOff val="85000"/>
+          </a:schemeClr>
+        </a:solidFill>
+        <a:round/>
+      </a:ln>
+    </cs:spPr>
+  </cs:gridlineMajor>
+  <cs:gridlineMinor>
+    <cs:lnRef idx="0"/>
+    <cs:fillRef idx="0"/>
+    <cs:effectRef idx="0"/>
+    <cs:fontRef idx="minor">
+      <a:schemeClr val="tx1"/>
+    </cs:fontRef>
+    <cs:spPr>
+      <a:ln w="9525" cap="flat" cmpd="sng" algn="ctr">
+        <a:solidFill>
+          <a:schemeClr val="tx1">
+            <a:lumMod val="5000"/>
+            <a:lumOff val="95000"/>
+          </a:schemeClr>
+        </a:solidFill>
+        <a:round/>
+      </a:ln>
+    </cs:spPr>
+  </cs:gridlineMinor>
+  <cs:hiLoLine>
+    <cs:lnRef idx="0"/>
+    <cs:fillRef idx="0"/>
+    <cs:effectRef idx="0"/>
+    <cs:fontRef idx="minor">
+      <a:schemeClr val="tx1"/>
+    </cs:fontRef>
+    <cs:spPr>
+      <a:ln w="9525" cap="flat" cmpd="sng" algn="ctr">
+        <a:solidFill>
+          <a:schemeClr val="tx1">
+            <a:lumMod val="75000"/>
+            <a:lumOff val="25000"/>
+          </a:schemeClr>
+        </a:solidFill>
+        <a:round/>
+      </a:ln>
+    </cs:spPr>
+  </cs:hiLoLine>
+  <cs:leaderLine>
+    <cs:lnRef idx="0"/>
+    <cs:fillRef idx="0"/>
+    <cs:effectRef idx="0"/>
+    <cs:fontRef idx="minor">
+      <a:schemeClr val="tx1"/>
+    </cs:fontRef>
+    <cs:spPr>
+      <a:ln w="9525" cap="flat" cmpd="sng" algn="ctr">
+        <a:solidFill>
+          <a:schemeClr val="tx1">
+            <a:lumMod val="35000"/>
+            <a:lumOff val="65000"/>
+          </a:schemeClr>
+        </a:solidFill>
+        <a:round/>
+      </a:ln>
+    </cs:spPr>
+  </cs:leaderLine>
+  <cs:legend>
+    <cs:lnRef idx="0"/>
+    <cs:fillRef idx="0"/>
+    <cs:effectRef idx="0"/>
+    <cs:fontRef idx="minor">
+      <a:schemeClr val="tx1">
+        <a:lumMod val="65000"/>
+        <a:lumOff val="35000"/>
+      </a:schemeClr>
+    </cs:fontRef>
+    <cs:defRPr sz="900" kern="1200"/>
+  </cs:legend>
+  <cs:plotArea mods="allowNoFillOverride allowNoLineOverride">
+    <cs:lnRef idx="0"/>
+    <cs:fillRef idx="0"/>
+    <cs:effectRef idx="0"/>
+    <cs:fontRef idx="minor">
+      <a:schemeClr val="tx1"/>
+    </cs:fontRef>
+  </cs:plotArea>
+  <cs:plotArea3D mods="allowNoFillOverride allowNoLineOverride">
+    <cs:lnRef idx="0"/>
+    <cs:fillRef idx="0"/>
+    <cs:effectRef idx="0"/>
+    <cs:fontRef idx="minor">
+      <a:schemeClr val="tx1"/>
+    </cs:fontRef>
+  </cs:plotArea3D>
+  <cs:seriesAxis>
+    <cs:lnRef idx="0"/>
+    <cs:fillRef idx="0"/>
+    <cs:effectRef idx="0"/>
+    <cs:fontRef idx="minor">
+      <a:schemeClr val="tx1">
+        <a:lumMod val="65000"/>
+        <a:lumOff val="35000"/>
+      </a:schemeClr>
+    </cs:fontRef>
+    <cs:defRPr sz="900" kern="1200"/>
+  </cs:seriesAxis>
+  <cs:seriesLine>
+    <cs:lnRef idx="0"/>
+    <cs:fillRef idx="0"/>
+    <cs:effectRef idx="0"/>
+    <cs:fontRef idx="minor">
+      <a:schemeClr val="tx1"/>
+    </cs:fontRef>
+    <cs:spPr>
+      <a:ln w="9525" cap="flat" cmpd="sng" algn="ctr">
+        <a:solidFill>
+          <a:schemeClr val="tx1">
+            <a:lumMod val="35000"/>
+            <a:lumOff val="65000"/>
+          </a:schemeClr>
+        </a:solidFill>
+        <a:round/>
+      </a:ln>
+    </cs:spPr>
+  </cs:seriesLine>
+  <cs:title>
+    <cs:lnRef idx="0"/>
+    <cs:fillRef idx="0"/>
+    <cs:effectRef idx="0"/>
+    <cs:fontRef idx="minor">
+      <a:schemeClr val="tx1">
+        <a:lumMod val="65000"/>
+        <a:lumOff val="35000"/>
+      </a:schemeClr>
+    </cs:fontRef>
+    <cs:defRPr sz="1400" b="0" kern="1200" spc="0" baseline="0"/>
+  </cs:title>
+  <cs:trendline>
+    <cs:lnRef idx="0">
+      <cs:styleClr val="auto"/>
+    </cs:lnRef>
+    <cs:fillRef idx="0"/>
+    <cs:effectRef idx="0"/>
+    <cs:fontRef idx="minor">
+      <a:schemeClr val="tx1"/>
+    </cs:fontRef>
+    <cs:spPr>
+      <a:ln w="19050" cap="rnd">
+        <a:solidFill>
+          <a:schemeClr val="phClr"/>
+        </a:solidFill>
+        <a:prstDash val="sysDot"/>
+      </a:ln>
+    </cs:spPr>
+  </cs:trendline>
+  <cs:trendlineLabel>
+    <cs:lnRef idx="0"/>
+    <cs:fillRef idx="0"/>
+    <cs:effectRef idx="0"/>
+    <cs:fontRef idx="minor">
+      <a:schemeClr val="tx1">
+        <a:lumMod val="65000"/>
+        <a:lumOff val="35000"/>
+      </a:schemeClr>
+    </cs:fontRef>
+    <cs:defRPr sz="900" kern="1200"/>
+  </cs:trendlineLabel>
+  <cs:upBar>
+    <cs:lnRef idx="0"/>
+    <cs:fillRef idx="0"/>
+    <cs:effectRef idx="0"/>
+    <cs:fontRef idx="minor">
+      <a:schemeClr val="dk1"/>
+    </cs:fontRef>
+    <cs:spPr>
+      <a:solidFill>
+        <a:schemeClr val="lt1"/>
+      </a:solidFill>
+      <a:ln w="9525">
+        <a:solidFill>
+          <a:schemeClr val="tx1">
+            <a:lumMod val="15000"/>
+            <a:lumOff val="85000"/>
+          </a:schemeClr>
+        </a:solidFill>
+      </a:ln>
+    </cs:spPr>
+  </cs:upBar>
+  <cs:valueAxis>
+    <cs:lnRef idx="0"/>
+    <cs:fillRef idx="0"/>
+    <cs:effectRef idx="0"/>
+    <cs:fontRef idx="minor">
+      <a:schemeClr val="tx1">
+        <a:lumMod val="65000"/>
+        <a:lumOff val="35000"/>
+      </a:schemeClr>
+    </cs:fontRef>
+    <cs:defRPr sz="900" kern="1200"/>
+  </cs:valueAxis>
+  <cs:wall>
+    <cs:lnRef idx="0"/>
+    <cs:fillRef idx="0"/>
+    <cs:effectRef idx="0"/>
+    <cs:fontRef idx="minor">
+      <a:schemeClr val="tx1"/>
+    </cs:fontRef>
+    <cs:spPr>
+      <a:noFill/>
+      <a:ln>
+        <a:noFill/>
+      </a:ln>
+    </cs:spPr>
+  </cs:wall>
+</cs:chartStyle>
+</file>
+
+<file path=ppt/charts/style9.xml><?xml version="1.0" encoding="utf-8"?>
 <cs:chartStyle xmlns:cs="http://schemas.microsoft.com/office/drawing/2012/chartStyle" xmlns:a="http://schemas.openxmlformats.org/drawingml/2006/main" id="227">
   <cs:axisTitle>
     <cs:lnRef idx="0"/>
@@ -10934,7 +13840,7 @@
             <a:pPr algn="r" rtl="0"/>
             <a:fld id="{221A1788-7372-4FAC-9AF0-00B54B8D9CBA}" type="datetime1">
               <a:rPr lang="it-IT" smtClean="0"/>
-              <a:t>14/05/2023</a:t>
+              <a:t>11/07/2023</a:t>
             </a:fld>
             <a:endParaRPr lang="it-IT" dirty="0"/>
           </a:p>
@@ -11104,7 +14010,7 @@
             <a:fld id="{D943A304-85CD-4257-B418-D8F889FE0DBC}" type="datetime1">
               <a:rPr lang="it-IT" smtClean="0"/>
               <a:pPr/>
-              <a:t>14/05/2023</a:t>
+              <a:t>11/07/2023</a:t>
             </a:fld>
             <a:endParaRPr lang="it-IT" dirty="0"/>
           </a:p>
@@ -11503,7 +14409,10 @@
           <a:bodyPr/>
           <a:lstStyle/>
           <a:p>
-            <a:endParaRPr lang="it-IT" dirty="0"/>
+            <a:r>
+              <a:rPr lang="it-IT" dirty="0"/>
+              <a:t>Non ci ricordiamo la lore</a:t>
+            </a:r>
           </a:p>
         </p:txBody>
       </p:sp>
@@ -11535,6 +14444,91 @@
     <p:extLst>
       <p:ext uri="{BB962C8B-B14F-4D97-AF65-F5344CB8AC3E}">
         <p14:creationId xmlns:p14="http://schemas.microsoft.com/office/powerpoint/2010/main" val="1108984394"/>
+      </p:ext>
+    </p:extLst>
+  </p:cSld>
+  <p:clrMapOvr>
+    <a:masterClrMapping/>
+  </p:clrMapOvr>
+</p:notes>
+</file>
+
+<file path=ppt/notesSlides/notesSlide3.xml><?xml version="1.0" encoding="utf-8"?>
+<p:notes xmlns:a="http://schemas.openxmlformats.org/drawingml/2006/main" xmlns:r="http://schemas.openxmlformats.org/officeDocument/2006/relationships" xmlns:p="http://schemas.openxmlformats.org/presentationml/2006/main">
+  <p:cSld>
+    <p:spTree>
+      <p:nvGrpSpPr>
+        <p:cNvPr id="1" name=""/>
+        <p:cNvGrpSpPr/>
+        <p:nvPr/>
+      </p:nvGrpSpPr>
+      <p:grpSpPr>
+        <a:xfrm>
+          <a:off x="0" y="0"/>
+          <a:ext cx="0" cy="0"/>
+          <a:chOff x="0" y="0"/>
+          <a:chExt cx="0" cy="0"/>
+        </a:xfrm>
+      </p:grpSpPr>
+      <p:sp>
+        <p:nvSpPr>
+          <p:cNvPr id="2" name="Slide Image Placeholder 1"/>
+          <p:cNvSpPr>
+            <a:spLocks noGrp="1" noRot="1" noChangeAspect="1"/>
+          </p:cNvSpPr>
+          <p:nvPr>
+            <p:ph type="sldImg"/>
+          </p:nvPr>
+        </p:nvSpPr>
+        <p:spPr/>
+      </p:sp>
+      <p:sp>
+        <p:nvSpPr>
+          <p:cNvPr id="3" name="Notes Placeholder 2"/>
+          <p:cNvSpPr>
+            <a:spLocks noGrp="1"/>
+          </p:cNvSpPr>
+          <p:nvPr>
+            <p:ph type="body" idx="1"/>
+          </p:nvPr>
+        </p:nvSpPr>
+        <p:spPr/>
+        <p:txBody>
+          <a:bodyPr/>
+          <a:lstStyle/>
+          <a:p>
+            <a:endParaRPr lang="it-IT" dirty="0"/>
+          </a:p>
+        </p:txBody>
+      </p:sp>
+      <p:sp>
+        <p:nvSpPr>
+          <p:cNvPr id="4" name="Slide Number Placeholder 3"/>
+          <p:cNvSpPr>
+            <a:spLocks noGrp="1"/>
+          </p:cNvSpPr>
+          <p:nvPr>
+            <p:ph type="sldNum" sz="quarter" idx="5"/>
+          </p:nvPr>
+        </p:nvSpPr>
+        <p:spPr/>
+        <p:txBody>
+          <a:bodyPr/>
+          <a:lstStyle/>
+          <a:p>
+            <a:fld id="{3EBA5BD7-F043-4D1B-AA17-CD412FC534DE}" type="slidenum">
+              <a:rPr lang="it-IT" smtClean="0"/>
+              <a:pPr/>
+              <a:t>21</a:t>
+            </a:fld>
+            <a:endParaRPr lang="it-IT" dirty="0"/>
+          </a:p>
+        </p:txBody>
+      </p:sp>
+    </p:spTree>
+    <p:extLst>
+      <p:ext uri="{BB962C8B-B14F-4D97-AF65-F5344CB8AC3E}">
+        <p14:creationId xmlns:p14="http://schemas.microsoft.com/office/powerpoint/2010/main" val="4232637083"/>
       </p:ext>
     </p:extLst>
   </p:cSld>
@@ -12307,7 +15301,7 @@
             <a:fld id="{3889EF9B-A500-41B6-8F1C-893813E9A898}" type="datetime1">
               <a:rPr lang="it-IT" smtClean="0"/>
               <a:pPr/>
-              <a:t>14/05/2023</a:t>
+              <a:t>11/07/2023</a:t>
             </a:fld>
             <a:endParaRPr lang="it-IT" dirty="0"/>
           </a:p>
@@ -12513,7 +15507,7 @@
             <a:fld id="{6E724BBD-5BEA-4971-A6C4-42E94AF7CB5F}" type="datetime1">
               <a:rPr lang="it-IT" smtClean="0"/>
               <a:pPr/>
-              <a:t>14/05/2023</a:t>
+              <a:t>11/07/2023</a:t>
             </a:fld>
             <a:endParaRPr lang="it-IT" dirty="0"/>
           </a:p>
@@ -12729,7 +15723,7 @@
             <a:fld id="{EF1B2188-7D8C-43C8-B29F-60D01DE77B72}" type="datetime1">
               <a:rPr lang="it-IT" smtClean="0"/>
               <a:pPr/>
-              <a:t>14/05/2023</a:t>
+              <a:t>11/07/2023</a:t>
             </a:fld>
             <a:endParaRPr lang="it-IT" dirty="0"/>
           </a:p>
@@ -12935,7 +15929,7 @@
             <a:fld id="{581DC961-63CE-49AB-921E-1CE3DDEFC80A}" type="datetime1">
               <a:rPr lang="it-IT" smtClean="0"/>
               <a:pPr/>
-              <a:t>14/05/2023</a:t>
+              <a:t>11/07/2023</a:t>
             </a:fld>
             <a:endParaRPr lang="it-IT" dirty="0"/>
           </a:p>
@@ -13379,7 +16373,7 @@
             <a:fld id="{C6066F5F-3C86-4285-A86F-35EFBBDD7800}" type="datetime1">
               <a:rPr lang="it-IT" smtClean="0"/>
               <a:pPr/>
-              <a:t>14/05/2023</a:t>
+              <a:t>11/07/2023</a:t>
             </a:fld>
             <a:endParaRPr lang="it-IT" dirty="0"/>
           </a:p>
@@ -13691,7 +16685,7 @@
             <a:fld id="{0B9BE34E-14EC-4041-A597-EE22FC16794F}" type="datetime1">
               <a:rPr lang="it-IT" smtClean="0"/>
               <a:pPr/>
-              <a:t>14/05/2023</a:t>
+              <a:t>11/07/2023</a:t>
             </a:fld>
             <a:endParaRPr lang="it-IT" dirty="0"/>
           </a:p>
@@ -14155,7 +17149,7 @@
             <a:fld id="{D6FAD192-1BF7-4994-9CBA-74265F19F4C1}" type="datetime1">
               <a:rPr lang="it-IT" smtClean="0"/>
               <a:pPr/>
-              <a:t>14/05/2023</a:t>
+              <a:t>11/07/2023</a:t>
             </a:fld>
             <a:endParaRPr lang="it-IT" dirty="0"/>
           </a:p>
@@ -14293,7 +17287,7 @@
             <a:fld id="{C476DD40-7EBA-46D0-A855-62759524AC7A}" type="datetime1">
               <a:rPr lang="it-IT" smtClean="0"/>
               <a:pPr/>
-              <a:t>14/05/2023</a:t>
+              <a:t>11/07/2023</a:t>
             </a:fld>
             <a:endParaRPr lang="it-IT" dirty="0"/>
           </a:p>
@@ -14407,7 +17401,7 @@
             <a:fld id="{C62E4D95-88E1-4556-89BE-EC650C1D14A8}" type="datetime1">
               <a:rPr lang="it-IT" smtClean="0"/>
               <a:pPr/>
-              <a:t>14/05/2023</a:t>
+              <a:t>11/07/2023</a:t>
             </a:fld>
             <a:endParaRPr lang="it-IT" dirty="0"/>
           </a:p>
@@ -14714,7 +17708,7 @@
             <a:fld id="{1F9867D3-FC26-40B1-8BB9-B19FF8D6CD45}" type="datetime1">
               <a:rPr lang="it-IT" smtClean="0"/>
               <a:pPr/>
-              <a:t>14/05/2023</a:t>
+              <a:t>11/07/2023</a:t>
             </a:fld>
             <a:endParaRPr lang="it-IT" dirty="0"/>
           </a:p>
@@ -15011,7 +18005,7 @@
             <a:fld id="{5B0EE21F-92EE-4289-AFFB-9252D957F459}" type="datetime1">
               <a:rPr lang="it-IT" smtClean="0"/>
               <a:pPr/>
-              <a:t>14/05/2023</a:t>
+              <a:t>11/07/2023</a:t>
             </a:fld>
             <a:endParaRPr lang="it-IT" dirty="0"/>
           </a:p>
@@ -15635,7 +18629,7 @@
             <a:fld id="{8A756645-DD8C-4009-9A84-A4AD56EB55A9}" type="datetime1">
               <a:rPr lang="it-IT" smtClean="0"/>
               <a:pPr/>
-              <a:t>14/05/2023</a:t>
+              <a:t>11/07/2023</a:t>
             </a:fld>
             <a:endParaRPr lang="it-IT" dirty="0"/>
           </a:p>
@@ -17780,13 +20774,13 @@
             <p:ph idx="1"/>
             <p:extLst>
               <p:ext uri="{D42A27DB-BD31-4B8C-83A1-F6EECF244321}">
-                <p14:modId xmlns:p14="http://schemas.microsoft.com/office/powerpoint/2010/main" val="1727965080"/>
+                <p14:modId xmlns:p14="http://schemas.microsoft.com/office/powerpoint/2010/main" val="3227366197"/>
               </p:ext>
             </p:extLst>
           </p:nvPr>
         </p:nvGraphicFramePr>
         <p:xfrm>
-          <a:off x="1219200" y="1052736"/>
+          <a:off x="1219359" y="1052736"/>
           <a:ext cx="10360025" cy="5400600"/>
         </p:xfrm>
         <a:graphic>
@@ -18683,6 +21677,1351 @@
 </p:sld>
 </file>
 
+<file path=ppt/slides/slide19.xml><?xml version="1.0" encoding="utf-8"?>
+<p:sld xmlns:a="http://schemas.openxmlformats.org/drawingml/2006/main" xmlns:r="http://schemas.openxmlformats.org/officeDocument/2006/relationships" xmlns:p="http://schemas.openxmlformats.org/presentationml/2006/main">
+  <p:cSld>
+    <p:spTree>
+      <p:nvGrpSpPr>
+        <p:cNvPr id="1" name=""/>
+        <p:cNvGrpSpPr/>
+        <p:nvPr/>
+      </p:nvGrpSpPr>
+      <p:grpSpPr>
+        <a:xfrm>
+          <a:off x="0" y="0"/>
+          <a:ext cx="0" cy="0"/>
+          <a:chOff x="0" y="0"/>
+          <a:chExt cx="0" cy="0"/>
+        </a:xfrm>
+      </p:grpSpPr>
+      <p:sp>
+        <p:nvSpPr>
+          <p:cNvPr id="2" name="Titolo 1">
+            <a:extLst>
+              <a:ext uri="{FF2B5EF4-FFF2-40B4-BE49-F238E27FC236}">
+                <a16:creationId xmlns:a16="http://schemas.microsoft.com/office/drawing/2014/main" id="{653EB501-7D07-94B9-B3D6-CF4C4DF3A886}"/>
+              </a:ext>
+            </a:extLst>
+          </p:cNvPr>
+          <p:cNvSpPr>
+            <a:spLocks noGrp="1"/>
+          </p:cNvSpPr>
+          <p:nvPr>
+            <p:ph type="title"/>
+          </p:nvPr>
+        </p:nvSpPr>
+        <p:spPr>
+          <a:xfrm>
+            <a:off x="1218883" y="274637"/>
+            <a:ext cx="10360501" cy="562075"/>
+          </a:xfrm>
+        </p:spPr>
+        <p:txBody>
+          <a:bodyPr>
+            <a:normAutofit fontScale="90000"/>
+          </a:bodyPr>
+          <a:lstStyle/>
+          <a:p>
+            <a:pPr algn="ctr"/>
+            <a:r>
+              <a:rPr lang="it-IT" dirty="0"/>
+              <a:t>Hardware </a:t>
+            </a:r>
+            <a:r>
+              <a:rPr lang="en-US" dirty="0"/>
+              <a:t>Specifications</a:t>
+            </a:r>
+          </a:p>
+        </p:txBody>
+      </p:sp>
+      <p:graphicFrame>
+        <p:nvGraphicFramePr>
+          <p:cNvPr id="4" name="Table 4">
+            <a:extLst>
+              <a:ext uri="{FF2B5EF4-FFF2-40B4-BE49-F238E27FC236}">
+                <a16:creationId xmlns:a16="http://schemas.microsoft.com/office/drawing/2014/main" id="{E4E96AC1-9929-4425-B0A8-8F58CC01A7EF}"/>
+              </a:ext>
+            </a:extLst>
+          </p:cNvPr>
+          <p:cNvGraphicFramePr>
+            <a:graphicFrameLocks noGrp="1"/>
+          </p:cNvGraphicFramePr>
+          <p:nvPr>
+            <p:extLst>
+              <p:ext uri="{D42A27DB-BD31-4B8C-83A1-F6EECF244321}">
+                <p14:modId xmlns:p14="http://schemas.microsoft.com/office/powerpoint/2010/main" val="1763146713"/>
+              </p:ext>
+            </p:extLst>
+          </p:nvPr>
+        </p:nvGraphicFramePr>
+        <p:xfrm>
+          <a:off x="1106544" y="1124744"/>
+          <a:ext cx="10585177" cy="4926298"/>
+        </p:xfrm>
+        <a:graphic>
+          <a:graphicData uri="http://schemas.openxmlformats.org/drawingml/2006/table">
+            <a:tbl>
+              <a:tblPr firstRow="1" bandRow="1">
+                <a:tableStyleId>{5940675A-B579-460E-94D1-54222C63F5DA}</a:tableStyleId>
+              </a:tblPr>
+              <a:tblGrid>
+                <a:gridCol w="2663016">
+                  <a:extLst>
+                    <a:ext uri="{9D8B030D-6E8A-4147-A177-3AD203B41FA5}">
+                      <a16:colId xmlns:a16="http://schemas.microsoft.com/office/drawing/2014/main" val="593101661"/>
+                    </a:ext>
+                  </a:extLst>
+                </a:gridCol>
+                <a:gridCol w="2520280">
+                  <a:extLst>
+                    <a:ext uri="{9D8B030D-6E8A-4147-A177-3AD203B41FA5}">
+                      <a16:colId xmlns:a16="http://schemas.microsoft.com/office/drawing/2014/main" val="3516095507"/>
+                    </a:ext>
+                  </a:extLst>
+                </a:gridCol>
+                <a:gridCol w="216024">
+                  <a:extLst>
+                    <a:ext uri="{9D8B030D-6E8A-4147-A177-3AD203B41FA5}">
+                      <a16:colId xmlns:a16="http://schemas.microsoft.com/office/drawing/2014/main" val="767397892"/>
+                    </a:ext>
+                  </a:extLst>
+                </a:gridCol>
+                <a:gridCol w="2820772">
+                  <a:extLst>
+                    <a:ext uri="{9D8B030D-6E8A-4147-A177-3AD203B41FA5}">
+                      <a16:colId xmlns:a16="http://schemas.microsoft.com/office/drawing/2014/main" val="1947922795"/>
+                    </a:ext>
+                  </a:extLst>
+                </a:gridCol>
+                <a:gridCol w="2365085">
+                  <a:extLst>
+                    <a:ext uri="{9D8B030D-6E8A-4147-A177-3AD203B41FA5}">
+                      <a16:colId xmlns:a16="http://schemas.microsoft.com/office/drawing/2014/main" val="4053238921"/>
+                    </a:ext>
+                  </a:extLst>
+                </a:gridCol>
+              </a:tblGrid>
+              <a:tr h="573389">
+                <a:tc gridSpan="5">
+                  <a:txBody>
+                    <a:bodyPr/>
+                    <a:lstStyle/>
+                    <a:p>
+                      <a:pPr algn="ctr"/>
+                      <a:r>
+                        <a:rPr lang="it-IT" sz="2800" dirty="0"/>
+                        <a:t>NVIDIA </a:t>
+                      </a:r>
+                      <a:r>
+                        <a:rPr lang="it-IT" sz="2800" dirty="0" err="1"/>
+                        <a:t>GeForce</a:t>
+                      </a:r>
+                      <a:r>
+                        <a:rPr lang="it-IT" sz="2800" dirty="0"/>
+                        <a:t> GTX 1050 Mobile</a:t>
+                      </a:r>
+                    </a:p>
+                  </a:txBody>
+                  <a:tcPr>
+                    <a:lnL w="12700" cap="flat" cmpd="sng" algn="ctr">
+                      <a:solidFill>
+                        <a:schemeClr val="tx1"/>
+                      </a:solidFill>
+                      <a:prstDash val="solid"/>
+                      <a:round/>
+                      <a:headEnd type="none" w="med" len="med"/>
+                      <a:tailEnd type="none" w="med" len="med"/>
+                    </a:lnL>
+                    <a:lnR w="12700" cap="flat" cmpd="sng" algn="ctr">
+                      <a:solidFill>
+                        <a:schemeClr val="tx1"/>
+                      </a:solidFill>
+                      <a:prstDash val="solid"/>
+                      <a:round/>
+                      <a:headEnd type="none" w="med" len="med"/>
+                      <a:tailEnd type="none" w="med" len="med"/>
+                    </a:lnR>
+                    <a:lnT w="12700" cap="flat" cmpd="sng" algn="ctr">
+                      <a:solidFill>
+                        <a:schemeClr val="tx1"/>
+                      </a:solidFill>
+                      <a:prstDash val="solid"/>
+                      <a:round/>
+                      <a:headEnd type="none" w="med" len="med"/>
+                      <a:tailEnd type="none" w="med" len="med"/>
+                    </a:lnT>
+                    <a:lnB w="12700" cap="flat" cmpd="sng" algn="ctr">
+                      <a:solidFill>
+                        <a:schemeClr val="tx1"/>
+                      </a:solidFill>
+                      <a:prstDash val="solid"/>
+                      <a:round/>
+                      <a:headEnd type="none" w="med" len="med"/>
+                      <a:tailEnd type="none" w="med" len="med"/>
+                    </a:lnB>
+                  </a:tcPr>
+                </a:tc>
+                <a:tc hMerge="1">
+                  <a:txBody>
+                    <a:bodyPr/>
+                    <a:lstStyle/>
+                    <a:p>
+                      <a:endParaRPr lang="it-IT" dirty="0"/>
+                    </a:p>
+                  </a:txBody>
+                  <a:tcPr/>
+                </a:tc>
+                <a:tc hMerge="1">
+                  <a:txBody>
+                    <a:bodyPr/>
+                    <a:lstStyle/>
+                    <a:p>
+                      <a:endParaRPr lang="it-IT"/>
+                    </a:p>
+                  </a:txBody>
+                  <a:tcPr/>
+                </a:tc>
+                <a:tc hMerge="1">
+                  <a:txBody>
+                    <a:bodyPr/>
+                    <a:lstStyle/>
+                    <a:p>
+                      <a:pPr algn="ctr"/>
+                      <a:endParaRPr lang="it-IT" sz="3200" dirty="0"/>
+                    </a:p>
+                  </a:txBody>
+                  <a:tcPr/>
+                </a:tc>
+                <a:tc hMerge="1">
+                  <a:txBody>
+                    <a:bodyPr/>
+                    <a:lstStyle/>
+                    <a:p>
+                      <a:pPr algn="ctr"/>
+                      <a:endParaRPr lang="it-IT" sz="3200" dirty="0"/>
+                    </a:p>
+                  </a:txBody>
+                  <a:tcPr/>
+                </a:tc>
+                <a:extLst>
+                  <a:ext uri="{0D108BD9-81ED-4DB2-BD59-A6C34878D82A}">
+                    <a16:rowId xmlns:a16="http://schemas.microsoft.com/office/drawing/2014/main" val="1904552282"/>
+                  </a:ext>
+                </a:extLst>
+              </a:tr>
+              <a:tr h="573389">
+                <a:tc>
+                  <a:txBody>
+                    <a:bodyPr/>
+                    <a:lstStyle/>
+                    <a:p>
+                      <a:r>
+                        <a:rPr lang="it-IT" sz="2800" b="1" dirty="0"/>
+                        <a:t>Architecture</a:t>
+                      </a:r>
+                    </a:p>
+                  </a:txBody>
+                  <a:tcPr>
+                    <a:lnR w="12700" cap="flat" cmpd="sng" algn="ctr">
+                      <a:solidFill>
+                        <a:schemeClr val="tx1"/>
+                      </a:solidFill>
+                      <a:prstDash val="solid"/>
+                      <a:round/>
+                      <a:headEnd type="none" w="med" len="med"/>
+                      <a:tailEnd type="none" w="med" len="med"/>
+                    </a:lnR>
+                    <a:lnT w="12700" cap="flat" cmpd="sng" algn="ctr">
+                      <a:solidFill>
+                        <a:schemeClr val="tx1"/>
+                      </a:solidFill>
+                      <a:prstDash val="solid"/>
+                      <a:round/>
+                      <a:headEnd type="none" w="med" len="med"/>
+                      <a:tailEnd type="none" w="med" len="med"/>
+                    </a:lnT>
+                  </a:tcPr>
+                </a:tc>
+                <a:tc>
+                  <a:txBody>
+                    <a:bodyPr/>
+                    <a:lstStyle/>
+                    <a:p>
+                      <a:r>
+                        <a:rPr lang="it-IT" sz="2800" dirty="0"/>
+                        <a:t>Pascal</a:t>
+                      </a:r>
+                    </a:p>
+                  </a:txBody>
+                  <a:tcPr>
+                    <a:lnL w="12700" cap="flat" cmpd="sng" algn="ctr">
+                      <a:solidFill>
+                        <a:schemeClr val="tx1"/>
+                      </a:solidFill>
+                      <a:prstDash val="solid"/>
+                      <a:round/>
+                      <a:headEnd type="none" w="med" len="med"/>
+                      <a:tailEnd type="none" w="med" len="med"/>
+                    </a:lnL>
+                    <a:lnR w="12700" cap="flat" cmpd="sng" algn="ctr">
+                      <a:solidFill>
+                        <a:schemeClr val="tx1"/>
+                      </a:solidFill>
+                      <a:prstDash val="solid"/>
+                      <a:round/>
+                      <a:headEnd type="none" w="med" len="med"/>
+                      <a:tailEnd type="none" w="med" len="med"/>
+                    </a:lnR>
+                    <a:lnT w="12700" cap="flat" cmpd="sng" algn="ctr">
+                      <a:solidFill>
+                        <a:schemeClr val="tx1"/>
+                      </a:solidFill>
+                      <a:prstDash val="solid"/>
+                      <a:round/>
+                      <a:headEnd type="none" w="med" len="med"/>
+                      <a:tailEnd type="none" w="med" len="med"/>
+                    </a:lnT>
+                    <a:lnB w="12700" cap="flat" cmpd="sng" algn="ctr">
+                      <a:solidFill>
+                        <a:schemeClr val="tx1"/>
+                      </a:solidFill>
+                      <a:prstDash val="solid"/>
+                      <a:round/>
+                      <a:headEnd type="none" w="med" len="med"/>
+                      <a:tailEnd type="none" w="med" len="med"/>
+                    </a:lnB>
+                  </a:tcPr>
+                </a:tc>
+                <a:tc>
+                  <a:txBody>
+                    <a:bodyPr/>
+                    <a:lstStyle/>
+                    <a:p>
+                      <a:endParaRPr lang="it-IT" sz="2800" dirty="0"/>
+                    </a:p>
+                  </a:txBody>
+                  <a:tcPr>
+                    <a:lnL w="12700" cap="flat" cmpd="sng" algn="ctr">
+                      <a:solidFill>
+                        <a:schemeClr val="tx1"/>
+                      </a:solidFill>
+                      <a:prstDash val="solid"/>
+                      <a:round/>
+                      <a:headEnd type="none" w="med" len="med"/>
+                      <a:tailEnd type="none" w="med" len="med"/>
+                    </a:lnL>
+                    <a:lnR w="12700" cap="flat" cmpd="sng" algn="ctr">
+                      <a:solidFill>
+                        <a:schemeClr val="tx1"/>
+                      </a:solidFill>
+                      <a:prstDash val="solid"/>
+                      <a:round/>
+                      <a:headEnd type="none" w="med" len="med"/>
+                      <a:tailEnd type="none" w="med" len="med"/>
+                    </a:lnR>
+                    <a:lnT w="12700" cap="flat" cmpd="sng" algn="ctr">
+                      <a:solidFill>
+                        <a:schemeClr val="tx1"/>
+                      </a:solidFill>
+                      <a:prstDash val="solid"/>
+                      <a:round/>
+                      <a:headEnd type="none" w="med" len="med"/>
+                      <a:tailEnd type="none" w="med" len="med"/>
+                    </a:lnT>
+                    <a:lnB w="12700" cmpd="sng">
+                      <a:noFill/>
+                    </a:lnB>
+                    <a:lnTlToBr w="12700" cmpd="sng">
+                      <a:noFill/>
+                      <a:prstDash val="solid"/>
+                    </a:lnTlToBr>
+                    <a:lnBlToTr w="12700" cmpd="sng">
+                      <a:noFill/>
+                      <a:prstDash val="solid"/>
+                    </a:lnBlToTr>
+                  </a:tcPr>
+                </a:tc>
+                <a:tc>
+                  <a:txBody>
+                    <a:bodyPr/>
+                    <a:lstStyle/>
+                    <a:p>
+                      <a:r>
+                        <a:rPr lang="it-IT" sz="2800" b="1" dirty="0"/>
+                        <a:t>Single Precision FLOP/s</a:t>
+                      </a:r>
+                    </a:p>
+                  </a:txBody>
+                  <a:tcPr>
+                    <a:lnL w="12700" cap="flat" cmpd="sng" algn="ctr">
+                      <a:solidFill>
+                        <a:schemeClr val="tx1"/>
+                      </a:solidFill>
+                      <a:prstDash val="solid"/>
+                      <a:round/>
+                      <a:headEnd type="none" w="med" len="med"/>
+                      <a:tailEnd type="none" w="med" len="med"/>
+                    </a:lnL>
+                    <a:lnR w="12700" cap="flat" cmpd="sng" algn="ctr">
+                      <a:solidFill>
+                        <a:schemeClr val="tx1"/>
+                      </a:solidFill>
+                      <a:prstDash val="solid"/>
+                      <a:round/>
+                      <a:headEnd type="none" w="med" len="med"/>
+                      <a:tailEnd type="none" w="med" len="med"/>
+                    </a:lnR>
+                    <a:lnT w="12700" cap="flat" cmpd="sng" algn="ctr">
+                      <a:solidFill>
+                        <a:schemeClr val="tx1"/>
+                      </a:solidFill>
+                      <a:prstDash val="solid"/>
+                      <a:round/>
+                      <a:headEnd type="none" w="med" len="med"/>
+                      <a:tailEnd type="none" w="med" len="med"/>
+                    </a:lnT>
+                    <a:lnB w="12700" cap="flat" cmpd="sng" algn="ctr">
+                      <a:solidFill>
+                        <a:schemeClr val="tx1"/>
+                      </a:solidFill>
+                      <a:prstDash val="solid"/>
+                      <a:round/>
+                      <a:headEnd type="none" w="med" len="med"/>
+                      <a:tailEnd type="none" w="med" len="med"/>
+                    </a:lnB>
+                  </a:tcPr>
+                </a:tc>
+                <a:tc>
+                  <a:txBody>
+                    <a:bodyPr/>
+                    <a:lstStyle/>
+                    <a:p>
+                      <a:r>
+                        <a:rPr lang="it-IT" sz="2800" dirty="0"/>
+                        <a:t>1,911 </a:t>
+                      </a:r>
+                      <a:r>
+                        <a:rPr lang="it-IT" sz="2800" dirty="0" err="1"/>
+                        <a:t>TeraFLOP</a:t>
+                      </a:r>
+                      <a:r>
+                        <a:rPr lang="it-IT" sz="2800" dirty="0"/>
+                        <a:t>/s</a:t>
+                      </a:r>
+                    </a:p>
+                  </a:txBody>
+                  <a:tcPr>
+                    <a:lnL w="12700" cap="flat" cmpd="sng" algn="ctr">
+                      <a:solidFill>
+                        <a:schemeClr val="tx1"/>
+                      </a:solidFill>
+                      <a:prstDash val="solid"/>
+                      <a:round/>
+                      <a:headEnd type="none" w="med" len="med"/>
+                      <a:tailEnd type="none" w="med" len="med"/>
+                    </a:lnL>
+                    <a:lnT w="12700" cap="flat" cmpd="sng" algn="ctr">
+                      <a:solidFill>
+                        <a:schemeClr val="tx1"/>
+                      </a:solidFill>
+                      <a:prstDash val="solid"/>
+                      <a:round/>
+                      <a:headEnd type="none" w="med" len="med"/>
+                      <a:tailEnd type="none" w="med" len="med"/>
+                    </a:lnT>
+                  </a:tcPr>
+                </a:tc>
+                <a:extLst>
+                  <a:ext uri="{0D108BD9-81ED-4DB2-BD59-A6C34878D82A}">
+                    <a16:rowId xmlns:a16="http://schemas.microsoft.com/office/drawing/2014/main" val="2149399690"/>
+                  </a:ext>
+                </a:extLst>
+              </a:tr>
+              <a:tr h="573389">
+                <a:tc>
+                  <a:txBody>
+                    <a:bodyPr/>
+                    <a:lstStyle/>
+                    <a:p>
+                      <a:r>
+                        <a:rPr lang="it-IT" sz="2800" b="1" dirty="0"/>
+                        <a:t>Cuda Cores</a:t>
+                      </a:r>
+                    </a:p>
+                  </a:txBody>
+                  <a:tcPr>
+                    <a:lnR w="12700" cap="flat" cmpd="sng" algn="ctr">
+                      <a:solidFill>
+                        <a:schemeClr val="tx1"/>
+                      </a:solidFill>
+                      <a:prstDash val="solid"/>
+                      <a:round/>
+                      <a:headEnd type="none" w="med" len="med"/>
+                      <a:tailEnd type="none" w="med" len="med"/>
+                    </a:lnR>
+                  </a:tcPr>
+                </a:tc>
+                <a:tc>
+                  <a:txBody>
+                    <a:bodyPr/>
+                    <a:lstStyle/>
+                    <a:p>
+                      <a:r>
+                        <a:rPr lang="it-IT" sz="2800" dirty="0"/>
+                        <a:t>640</a:t>
+                      </a:r>
+                    </a:p>
+                  </a:txBody>
+                  <a:tcPr>
+                    <a:lnL w="12700" cap="flat" cmpd="sng" algn="ctr">
+                      <a:solidFill>
+                        <a:schemeClr val="tx1"/>
+                      </a:solidFill>
+                      <a:prstDash val="solid"/>
+                      <a:round/>
+                      <a:headEnd type="none" w="med" len="med"/>
+                      <a:tailEnd type="none" w="med" len="med"/>
+                    </a:lnL>
+                    <a:lnR w="12700" cap="flat" cmpd="sng" algn="ctr">
+                      <a:solidFill>
+                        <a:schemeClr val="tx1"/>
+                      </a:solidFill>
+                      <a:prstDash val="solid"/>
+                      <a:round/>
+                      <a:headEnd type="none" w="med" len="med"/>
+                      <a:tailEnd type="none" w="med" len="med"/>
+                    </a:lnR>
+                    <a:lnT w="12700" cap="flat" cmpd="sng" algn="ctr">
+                      <a:solidFill>
+                        <a:schemeClr val="tx1"/>
+                      </a:solidFill>
+                      <a:prstDash val="solid"/>
+                      <a:round/>
+                      <a:headEnd type="none" w="med" len="med"/>
+                      <a:tailEnd type="none" w="med" len="med"/>
+                    </a:lnT>
+                    <a:lnB w="12700" cap="flat" cmpd="sng" algn="ctr">
+                      <a:solidFill>
+                        <a:schemeClr val="tx1"/>
+                      </a:solidFill>
+                      <a:prstDash val="solid"/>
+                      <a:round/>
+                      <a:headEnd type="none" w="med" len="med"/>
+                      <a:tailEnd type="none" w="med" len="med"/>
+                    </a:lnB>
+                  </a:tcPr>
+                </a:tc>
+                <a:tc>
+                  <a:txBody>
+                    <a:bodyPr/>
+                    <a:lstStyle/>
+                    <a:p>
+                      <a:endParaRPr lang="it-IT" sz="2800" dirty="0"/>
+                    </a:p>
+                  </a:txBody>
+                  <a:tcPr>
+                    <a:lnL w="12700" cap="flat" cmpd="sng" algn="ctr">
+                      <a:solidFill>
+                        <a:schemeClr val="tx1"/>
+                      </a:solidFill>
+                      <a:prstDash val="solid"/>
+                      <a:round/>
+                      <a:headEnd type="none" w="med" len="med"/>
+                      <a:tailEnd type="none" w="med" len="med"/>
+                    </a:lnL>
+                    <a:lnR w="12700" cap="flat" cmpd="sng" algn="ctr">
+                      <a:solidFill>
+                        <a:schemeClr val="tx1"/>
+                      </a:solidFill>
+                      <a:prstDash val="solid"/>
+                      <a:round/>
+                      <a:headEnd type="none" w="med" len="med"/>
+                      <a:tailEnd type="none" w="med" len="med"/>
+                    </a:lnR>
+                    <a:lnT w="12700" cmpd="sng">
+                      <a:noFill/>
+                    </a:lnT>
+                    <a:lnB w="12700" cmpd="sng">
+                      <a:noFill/>
+                    </a:lnB>
+                    <a:lnTlToBr w="12700" cmpd="sng">
+                      <a:noFill/>
+                      <a:prstDash val="solid"/>
+                    </a:lnTlToBr>
+                    <a:lnBlToTr w="12700" cmpd="sng">
+                      <a:noFill/>
+                      <a:prstDash val="solid"/>
+                    </a:lnBlToTr>
+                  </a:tcPr>
+                </a:tc>
+                <a:tc>
+                  <a:txBody>
+                    <a:bodyPr/>
+                    <a:lstStyle/>
+                    <a:p>
+                      <a:r>
+                        <a:rPr lang="it-IT" sz="2800" b="1" dirty="0"/>
+                        <a:t>Double Precision FLOP/s</a:t>
+                      </a:r>
+                    </a:p>
+                  </a:txBody>
+                  <a:tcPr>
+                    <a:lnL w="12700" cap="flat" cmpd="sng" algn="ctr">
+                      <a:solidFill>
+                        <a:schemeClr val="tx1"/>
+                      </a:solidFill>
+                      <a:prstDash val="solid"/>
+                      <a:round/>
+                      <a:headEnd type="none" w="med" len="med"/>
+                      <a:tailEnd type="none" w="med" len="med"/>
+                    </a:lnL>
+                    <a:lnR w="12700" cap="flat" cmpd="sng" algn="ctr">
+                      <a:solidFill>
+                        <a:schemeClr val="tx1"/>
+                      </a:solidFill>
+                      <a:prstDash val="solid"/>
+                      <a:round/>
+                      <a:headEnd type="none" w="med" len="med"/>
+                      <a:tailEnd type="none" w="med" len="med"/>
+                    </a:lnR>
+                    <a:lnT w="12700" cap="flat" cmpd="sng" algn="ctr">
+                      <a:solidFill>
+                        <a:schemeClr val="tx1"/>
+                      </a:solidFill>
+                      <a:prstDash val="solid"/>
+                      <a:round/>
+                      <a:headEnd type="none" w="med" len="med"/>
+                      <a:tailEnd type="none" w="med" len="med"/>
+                    </a:lnT>
+                    <a:lnB w="12700" cap="flat" cmpd="sng" algn="ctr">
+                      <a:solidFill>
+                        <a:schemeClr val="tx1"/>
+                      </a:solidFill>
+                      <a:prstDash val="solid"/>
+                      <a:round/>
+                      <a:headEnd type="none" w="med" len="med"/>
+                      <a:tailEnd type="none" w="med" len="med"/>
+                    </a:lnB>
+                  </a:tcPr>
+                </a:tc>
+                <a:tc>
+                  <a:txBody>
+                    <a:bodyPr/>
+                    <a:lstStyle/>
+                    <a:p>
+                      <a:r>
+                        <a:rPr lang="it-IT" sz="2800" dirty="0"/>
+                        <a:t>59,72 </a:t>
+                      </a:r>
+                      <a:r>
+                        <a:rPr lang="it-IT" sz="2800" dirty="0" err="1"/>
+                        <a:t>GigaFLOP</a:t>
+                      </a:r>
+                      <a:r>
+                        <a:rPr lang="it-IT" sz="2800" dirty="0"/>
+                        <a:t>/s</a:t>
+                      </a:r>
+                    </a:p>
+                  </a:txBody>
+                  <a:tcPr>
+                    <a:lnL w="12700" cap="flat" cmpd="sng" algn="ctr">
+                      <a:solidFill>
+                        <a:schemeClr val="tx1"/>
+                      </a:solidFill>
+                      <a:prstDash val="solid"/>
+                      <a:round/>
+                      <a:headEnd type="none" w="med" len="med"/>
+                      <a:tailEnd type="none" w="med" len="med"/>
+                    </a:lnL>
+                  </a:tcPr>
+                </a:tc>
+                <a:extLst>
+                  <a:ext uri="{0D108BD9-81ED-4DB2-BD59-A6C34878D82A}">
+                    <a16:rowId xmlns:a16="http://schemas.microsoft.com/office/drawing/2014/main" val="342167756"/>
+                  </a:ext>
+                </a:extLst>
+              </a:tr>
+              <a:tr h="573389">
+                <a:tc>
+                  <a:txBody>
+                    <a:bodyPr/>
+                    <a:lstStyle/>
+                    <a:p>
+                      <a:r>
+                        <a:rPr lang="en-US" sz="2800" b="1" noProof="0" dirty="0"/>
+                        <a:t>Multiprocessors</a:t>
+                      </a:r>
+                    </a:p>
+                  </a:txBody>
+                  <a:tcPr>
+                    <a:lnR w="12700" cap="flat" cmpd="sng" algn="ctr">
+                      <a:solidFill>
+                        <a:schemeClr val="tx1"/>
+                      </a:solidFill>
+                      <a:prstDash val="solid"/>
+                      <a:round/>
+                      <a:headEnd type="none" w="med" len="med"/>
+                      <a:tailEnd type="none" w="med" len="med"/>
+                    </a:lnR>
+                  </a:tcPr>
+                </a:tc>
+                <a:tc>
+                  <a:txBody>
+                    <a:bodyPr/>
+                    <a:lstStyle/>
+                    <a:p>
+                      <a:r>
+                        <a:rPr lang="it-IT" sz="2800" dirty="0"/>
+                        <a:t>5</a:t>
+                      </a:r>
+                    </a:p>
+                  </a:txBody>
+                  <a:tcPr>
+                    <a:lnL w="12700" cap="flat" cmpd="sng" algn="ctr">
+                      <a:solidFill>
+                        <a:schemeClr val="tx1"/>
+                      </a:solidFill>
+                      <a:prstDash val="solid"/>
+                      <a:round/>
+                      <a:headEnd type="none" w="med" len="med"/>
+                      <a:tailEnd type="none" w="med" len="med"/>
+                    </a:lnL>
+                    <a:lnR w="12700" cap="flat" cmpd="sng" algn="ctr">
+                      <a:solidFill>
+                        <a:schemeClr val="tx1"/>
+                      </a:solidFill>
+                      <a:prstDash val="solid"/>
+                      <a:round/>
+                      <a:headEnd type="none" w="med" len="med"/>
+                      <a:tailEnd type="none" w="med" len="med"/>
+                    </a:lnR>
+                    <a:lnT w="12700" cap="flat" cmpd="sng" algn="ctr">
+                      <a:solidFill>
+                        <a:schemeClr val="tx1"/>
+                      </a:solidFill>
+                      <a:prstDash val="solid"/>
+                      <a:round/>
+                      <a:headEnd type="none" w="med" len="med"/>
+                      <a:tailEnd type="none" w="med" len="med"/>
+                    </a:lnT>
+                    <a:lnB w="12700" cap="flat" cmpd="sng" algn="ctr">
+                      <a:solidFill>
+                        <a:schemeClr val="tx1"/>
+                      </a:solidFill>
+                      <a:prstDash val="solid"/>
+                      <a:round/>
+                      <a:headEnd type="none" w="med" len="med"/>
+                      <a:tailEnd type="none" w="med" len="med"/>
+                    </a:lnB>
+                  </a:tcPr>
+                </a:tc>
+                <a:tc>
+                  <a:txBody>
+                    <a:bodyPr/>
+                    <a:lstStyle/>
+                    <a:p>
+                      <a:endParaRPr lang="it-IT" sz="2800" dirty="0"/>
+                    </a:p>
+                  </a:txBody>
+                  <a:tcPr>
+                    <a:lnL w="12700" cap="flat" cmpd="sng" algn="ctr">
+                      <a:solidFill>
+                        <a:schemeClr val="tx1"/>
+                      </a:solidFill>
+                      <a:prstDash val="solid"/>
+                      <a:round/>
+                      <a:headEnd type="none" w="med" len="med"/>
+                      <a:tailEnd type="none" w="med" len="med"/>
+                    </a:lnL>
+                    <a:lnR w="12700" cap="flat" cmpd="sng" algn="ctr">
+                      <a:solidFill>
+                        <a:schemeClr val="tx1"/>
+                      </a:solidFill>
+                      <a:prstDash val="solid"/>
+                      <a:round/>
+                      <a:headEnd type="none" w="med" len="med"/>
+                      <a:tailEnd type="none" w="med" len="med"/>
+                    </a:lnR>
+                    <a:lnT w="12700" cmpd="sng">
+                      <a:noFill/>
+                    </a:lnT>
+                    <a:lnB w="12700" cmpd="sng">
+                      <a:noFill/>
+                    </a:lnB>
+                    <a:lnTlToBr w="12700" cmpd="sng">
+                      <a:noFill/>
+                      <a:prstDash val="solid"/>
+                    </a:lnTlToBr>
+                    <a:lnBlToTr w="12700" cmpd="sng">
+                      <a:noFill/>
+                      <a:prstDash val="solid"/>
+                    </a:lnBlToTr>
+                  </a:tcPr>
+                </a:tc>
+                <a:tc>
+                  <a:txBody>
+                    <a:bodyPr/>
+                    <a:lstStyle/>
+                    <a:p>
+                      <a:r>
+                        <a:rPr lang="it-IT" sz="2800" b="1" dirty="0"/>
+                        <a:t>Constant Memory Size</a:t>
+                      </a:r>
+                    </a:p>
+                  </a:txBody>
+                  <a:tcPr>
+                    <a:lnL w="12700" cap="flat" cmpd="sng" algn="ctr">
+                      <a:solidFill>
+                        <a:schemeClr val="tx1"/>
+                      </a:solidFill>
+                      <a:prstDash val="solid"/>
+                      <a:round/>
+                      <a:headEnd type="none" w="med" len="med"/>
+                      <a:tailEnd type="none" w="med" len="med"/>
+                    </a:lnL>
+                    <a:lnR w="12700" cap="flat" cmpd="sng" algn="ctr">
+                      <a:solidFill>
+                        <a:schemeClr val="tx1"/>
+                      </a:solidFill>
+                      <a:prstDash val="solid"/>
+                      <a:round/>
+                      <a:headEnd type="none" w="med" len="med"/>
+                      <a:tailEnd type="none" w="med" len="med"/>
+                    </a:lnR>
+                    <a:lnT w="12700" cap="flat" cmpd="sng" algn="ctr">
+                      <a:solidFill>
+                        <a:schemeClr val="tx1"/>
+                      </a:solidFill>
+                      <a:prstDash val="solid"/>
+                      <a:round/>
+                      <a:headEnd type="none" w="med" len="med"/>
+                      <a:tailEnd type="none" w="med" len="med"/>
+                    </a:lnT>
+                    <a:lnB w="12700" cap="flat" cmpd="sng" algn="ctr">
+                      <a:solidFill>
+                        <a:schemeClr val="tx1"/>
+                      </a:solidFill>
+                      <a:prstDash val="solid"/>
+                      <a:round/>
+                      <a:headEnd type="none" w="med" len="med"/>
+                      <a:tailEnd type="none" w="med" len="med"/>
+                    </a:lnB>
+                  </a:tcPr>
+                </a:tc>
+                <a:tc>
+                  <a:txBody>
+                    <a:bodyPr/>
+                    <a:lstStyle/>
+                    <a:p>
+                      <a:r>
+                        <a:rPr lang="en-US" sz="2800" b="0" kern="1200" dirty="0">
+                          <a:solidFill>
+                            <a:schemeClr val="tx1"/>
+                          </a:solidFill>
+                          <a:effectLst/>
+                        </a:rPr>
+                        <a:t>64 KiB</a:t>
+                      </a:r>
+                      <a:endParaRPr lang="it-IT" sz="2800" b="0" dirty="0">
+                        <a:solidFill>
+                          <a:schemeClr val="tx1"/>
+                        </a:solidFill>
+                      </a:endParaRPr>
+                    </a:p>
+                  </a:txBody>
+                  <a:tcPr>
+                    <a:lnL w="12700" cap="flat" cmpd="sng" algn="ctr">
+                      <a:solidFill>
+                        <a:schemeClr val="tx1"/>
+                      </a:solidFill>
+                      <a:prstDash val="solid"/>
+                      <a:round/>
+                      <a:headEnd type="none" w="med" len="med"/>
+                      <a:tailEnd type="none" w="med" len="med"/>
+                    </a:lnL>
+                  </a:tcPr>
+                </a:tc>
+                <a:extLst>
+                  <a:ext uri="{0D108BD9-81ED-4DB2-BD59-A6C34878D82A}">
+                    <a16:rowId xmlns:a16="http://schemas.microsoft.com/office/drawing/2014/main" val="4056528446"/>
+                  </a:ext>
+                </a:extLst>
+              </a:tr>
+              <a:tr h="573389">
+                <a:tc>
+                  <a:txBody>
+                    <a:bodyPr/>
+                    <a:lstStyle/>
+                    <a:p>
+                      <a:r>
+                        <a:rPr lang="it-IT" sz="2800" b="1" dirty="0"/>
+                        <a:t>Clock rate</a:t>
+                      </a:r>
+                    </a:p>
+                  </a:txBody>
+                  <a:tcPr>
+                    <a:lnR w="12700" cap="flat" cmpd="sng" algn="ctr">
+                      <a:solidFill>
+                        <a:schemeClr val="tx1"/>
+                      </a:solidFill>
+                      <a:prstDash val="solid"/>
+                      <a:round/>
+                      <a:headEnd type="none" w="med" len="med"/>
+                      <a:tailEnd type="none" w="med" len="med"/>
+                    </a:lnR>
+                  </a:tcPr>
+                </a:tc>
+                <a:tc>
+                  <a:txBody>
+                    <a:bodyPr/>
+                    <a:lstStyle/>
+                    <a:p>
+                      <a:r>
+                        <a:rPr lang="en-US" sz="2800" b="0" kern="1200" dirty="0">
+                          <a:solidFill>
+                            <a:schemeClr val="tx1"/>
+                          </a:solidFill>
+                          <a:effectLst/>
+                        </a:rPr>
+                        <a:t>1,493 GHz</a:t>
+                      </a:r>
+                      <a:endParaRPr lang="it-IT" sz="2800" dirty="0">
+                        <a:solidFill>
+                          <a:schemeClr val="tx1"/>
+                        </a:solidFill>
+                      </a:endParaRPr>
+                    </a:p>
+                  </a:txBody>
+                  <a:tcPr>
+                    <a:lnL w="12700" cap="flat" cmpd="sng" algn="ctr">
+                      <a:solidFill>
+                        <a:schemeClr val="tx1"/>
+                      </a:solidFill>
+                      <a:prstDash val="solid"/>
+                      <a:round/>
+                      <a:headEnd type="none" w="med" len="med"/>
+                      <a:tailEnd type="none" w="med" len="med"/>
+                    </a:lnL>
+                    <a:lnR w="12700" cap="flat" cmpd="sng" algn="ctr">
+                      <a:solidFill>
+                        <a:schemeClr val="tx1"/>
+                      </a:solidFill>
+                      <a:prstDash val="solid"/>
+                      <a:round/>
+                      <a:headEnd type="none" w="med" len="med"/>
+                      <a:tailEnd type="none" w="med" len="med"/>
+                    </a:lnR>
+                    <a:lnT w="12700" cap="flat" cmpd="sng" algn="ctr">
+                      <a:solidFill>
+                        <a:schemeClr val="tx1"/>
+                      </a:solidFill>
+                      <a:prstDash val="solid"/>
+                      <a:round/>
+                      <a:headEnd type="none" w="med" len="med"/>
+                      <a:tailEnd type="none" w="med" len="med"/>
+                    </a:lnT>
+                    <a:lnB w="12700" cap="flat" cmpd="sng" algn="ctr">
+                      <a:solidFill>
+                        <a:schemeClr val="tx1"/>
+                      </a:solidFill>
+                      <a:prstDash val="solid"/>
+                      <a:round/>
+                      <a:headEnd type="none" w="med" len="med"/>
+                      <a:tailEnd type="none" w="med" len="med"/>
+                    </a:lnB>
+                  </a:tcPr>
+                </a:tc>
+                <a:tc>
+                  <a:txBody>
+                    <a:bodyPr/>
+                    <a:lstStyle/>
+                    <a:p>
+                      <a:endParaRPr lang="it-IT" sz="2800" dirty="0">
+                        <a:solidFill>
+                          <a:schemeClr val="tx1"/>
+                        </a:solidFill>
+                      </a:endParaRPr>
+                    </a:p>
+                  </a:txBody>
+                  <a:tcPr>
+                    <a:lnL w="12700" cap="flat" cmpd="sng" algn="ctr">
+                      <a:solidFill>
+                        <a:schemeClr val="tx1"/>
+                      </a:solidFill>
+                      <a:prstDash val="solid"/>
+                      <a:round/>
+                      <a:headEnd type="none" w="med" len="med"/>
+                      <a:tailEnd type="none" w="med" len="med"/>
+                    </a:lnL>
+                    <a:lnR w="12700" cap="flat" cmpd="sng" algn="ctr">
+                      <a:solidFill>
+                        <a:schemeClr val="tx1"/>
+                      </a:solidFill>
+                      <a:prstDash val="solid"/>
+                      <a:round/>
+                      <a:headEnd type="none" w="med" len="med"/>
+                      <a:tailEnd type="none" w="med" len="med"/>
+                    </a:lnR>
+                    <a:lnT w="12700" cmpd="sng">
+                      <a:noFill/>
+                    </a:lnT>
+                    <a:lnB w="12700" cmpd="sng">
+                      <a:noFill/>
+                    </a:lnB>
+                    <a:lnTlToBr w="12700" cmpd="sng">
+                      <a:noFill/>
+                      <a:prstDash val="solid"/>
+                    </a:lnTlToBr>
+                    <a:lnBlToTr w="12700" cmpd="sng">
+                      <a:noFill/>
+                      <a:prstDash val="solid"/>
+                    </a:lnBlToTr>
+                  </a:tcPr>
+                </a:tc>
+                <a:tc>
+                  <a:txBody>
+                    <a:bodyPr/>
+                    <a:lstStyle/>
+                    <a:p>
+                      <a:r>
+                        <a:rPr lang="it-IT" sz="2800" b="1" dirty="0"/>
+                        <a:t>L2 Cache Size</a:t>
+                      </a:r>
+                    </a:p>
+                  </a:txBody>
+                  <a:tcPr>
+                    <a:lnL w="12700" cap="flat" cmpd="sng" algn="ctr">
+                      <a:solidFill>
+                        <a:schemeClr val="tx1"/>
+                      </a:solidFill>
+                      <a:prstDash val="solid"/>
+                      <a:round/>
+                      <a:headEnd type="none" w="med" len="med"/>
+                      <a:tailEnd type="none" w="med" len="med"/>
+                    </a:lnL>
+                    <a:lnR w="12700" cap="flat" cmpd="sng" algn="ctr">
+                      <a:solidFill>
+                        <a:schemeClr val="tx1"/>
+                      </a:solidFill>
+                      <a:prstDash val="solid"/>
+                      <a:round/>
+                      <a:headEnd type="none" w="med" len="med"/>
+                      <a:tailEnd type="none" w="med" len="med"/>
+                    </a:lnR>
+                    <a:lnT w="12700" cap="flat" cmpd="sng" algn="ctr">
+                      <a:solidFill>
+                        <a:schemeClr val="tx1"/>
+                      </a:solidFill>
+                      <a:prstDash val="solid"/>
+                      <a:round/>
+                      <a:headEnd type="none" w="med" len="med"/>
+                      <a:tailEnd type="none" w="med" len="med"/>
+                    </a:lnT>
+                    <a:lnB w="12700" cap="flat" cmpd="sng" algn="ctr">
+                      <a:solidFill>
+                        <a:schemeClr val="tx1"/>
+                      </a:solidFill>
+                      <a:prstDash val="solid"/>
+                      <a:round/>
+                      <a:headEnd type="none" w="med" len="med"/>
+                      <a:tailEnd type="none" w="med" len="med"/>
+                    </a:lnB>
+                  </a:tcPr>
+                </a:tc>
+                <a:tc>
+                  <a:txBody>
+                    <a:bodyPr/>
+                    <a:lstStyle/>
+                    <a:p>
+                      <a:r>
+                        <a:rPr lang="it-IT" sz="2800" b="0" dirty="0">
+                          <a:solidFill>
+                            <a:schemeClr val="tx1"/>
+                          </a:solidFill>
+                        </a:rPr>
+                        <a:t>512 </a:t>
+                      </a:r>
+                      <a:r>
+                        <a:rPr lang="it-IT" sz="2800" b="0" dirty="0" err="1">
+                          <a:solidFill>
+                            <a:schemeClr val="tx1"/>
+                          </a:solidFill>
+                        </a:rPr>
+                        <a:t>KiB</a:t>
+                      </a:r>
+                      <a:endParaRPr lang="it-IT" sz="2800" b="0" dirty="0">
+                        <a:solidFill>
+                          <a:schemeClr val="tx1"/>
+                        </a:solidFill>
+                      </a:endParaRPr>
+                    </a:p>
+                  </a:txBody>
+                  <a:tcPr>
+                    <a:lnL w="12700" cap="flat" cmpd="sng" algn="ctr">
+                      <a:solidFill>
+                        <a:schemeClr val="tx1"/>
+                      </a:solidFill>
+                      <a:prstDash val="solid"/>
+                      <a:round/>
+                      <a:headEnd type="none" w="med" len="med"/>
+                      <a:tailEnd type="none" w="med" len="med"/>
+                    </a:lnL>
+                  </a:tcPr>
+                </a:tc>
+                <a:extLst>
+                  <a:ext uri="{0D108BD9-81ED-4DB2-BD59-A6C34878D82A}">
+                    <a16:rowId xmlns:a16="http://schemas.microsoft.com/office/drawing/2014/main" val="2478026342"/>
+                  </a:ext>
+                </a:extLst>
+              </a:tr>
+              <a:tr h="573389">
+                <a:tc>
+                  <a:txBody>
+                    <a:bodyPr/>
+                    <a:lstStyle/>
+                    <a:p>
+                      <a:r>
+                        <a:rPr lang="it-IT" sz="2800" b="1" dirty="0"/>
+                        <a:t>Global Memory Size</a:t>
+                      </a:r>
+                    </a:p>
+                  </a:txBody>
+                  <a:tcPr>
+                    <a:lnR w="12700" cap="flat" cmpd="sng" algn="ctr">
+                      <a:solidFill>
+                        <a:schemeClr val="tx1"/>
+                      </a:solidFill>
+                      <a:prstDash val="solid"/>
+                      <a:round/>
+                      <a:headEnd type="none" w="med" len="med"/>
+                      <a:tailEnd type="none" w="med" len="med"/>
+                    </a:lnR>
+                  </a:tcPr>
+                </a:tc>
+                <a:tc>
+                  <a:txBody>
+                    <a:bodyPr/>
+                    <a:lstStyle/>
+                    <a:p>
+                      <a:r>
+                        <a:rPr lang="en-US" sz="2800" b="0" kern="1200" dirty="0">
+                          <a:solidFill>
+                            <a:schemeClr val="tx1"/>
+                          </a:solidFill>
+                          <a:effectLst/>
+                        </a:rPr>
+                        <a:t>3,946 GiB</a:t>
+                      </a:r>
+                      <a:endParaRPr lang="it-IT" sz="2800" dirty="0">
+                        <a:solidFill>
+                          <a:schemeClr val="tx1"/>
+                        </a:solidFill>
+                      </a:endParaRPr>
+                    </a:p>
+                  </a:txBody>
+                  <a:tcPr>
+                    <a:lnL w="12700" cap="flat" cmpd="sng" algn="ctr">
+                      <a:solidFill>
+                        <a:schemeClr val="tx1"/>
+                      </a:solidFill>
+                      <a:prstDash val="solid"/>
+                      <a:round/>
+                      <a:headEnd type="none" w="med" len="med"/>
+                      <a:tailEnd type="none" w="med" len="med"/>
+                    </a:lnL>
+                    <a:lnR w="12700" cap="flat" cmpd="sng" algn="ctr">
+                      <a:solidFill>
+                        <a:schemeClr val="tx1"/>
+                      </a:solidFill>
+                      <a:prstDash val="solid"/>
+                      <a:round/>
+                      <a:headEnd type="none" w="med" len="med"/>
+                      <a:tailEnd type="none" w="med" len="med"/>
+                    </a:lnR>
+                    <a:lnT w="12700" cap="flat" cmpd="sng" algn="ctr">
+                      <a:solidFill>
+                        <a:schemeClr val="tx1"/>
+                      </a:solidFill>
+                      <a:prstDash val="solid"/>
+                      <a:round/>
+                      <a:headEnd type="none" w="med" len="med"/>
+                      <a:tailEnd type="none" w="med" len="med"/>
+                    </a:lnT>
+                    <a:lnB w="12700" cap="flat" cmpd="sng" algn="ctr">
+                      <a:solidFill>
+                        <a:schemeClr val="tx1"/>
+                      </a:solidFill>
+                      <a:prstDash val="solid"/>
+                      <a:round/>
+                      <a:headEnd type="none" w="med" len="med"/>
+                      <a:tailEnd type="none" w="med" len="med"/>
+                    </a:lnB>
+                  </a:tcPr>
+                </a:tc>
+                <a:tc>
+                  <a:txBody>
+                    <a:bodyPr/>
+                    <a:lstStyle/>
+                    <a:p>
+                      <a:endParaRPr lang="it-IT" sz="2800" dirty="0">
+                        <a:solidFill>
+                          <a:schemeClr val="tx1"/>
+                        </a:solidFill>
+                      </a:endParaRPr>
+                    </a:p>
+                  </a:txBody>
+                  <a:tcPr>
+                    <a:lnL w="12700" cap="flat" cmpd="sng" algn="ctr">
+                      <a:solidFill>
+                        <a:schemeClr val="tx1"/>
+                      </a:solidFill>
+                      <a:prstDash val="solid"/>
+                      <a:round/>
+                      <a:headEnd type="none" w="med" len="med"/>
+                      <a:tailEnd type="none" w="med" len="med"/>
+                    </a:lnL>
+                    <a:lnR w="12700" cap="flat" cmpd="sng" algn="ctr">
+                      <a:solidFill>
+                        <a:schemeClr val="tx1"/>
+                      </a:solidFill>
+                      <a:prstDash val="solid"/>
+                      <a:round/>
+                      <a:headEnd type="none" w="med" len="med"/>
+                      <a:tailEnd type="none" w="med" len="med"/>
+                    </a:lnR>
+                    <a:lnT w="12700" cmpd="sng">
+                      <a:noFill/>
+                    </a:lnT>
+                    <a:lnB w="12700" cmpd="sng">
+                      <a:noFill/>
+                    </a:lnB>
+                    <a:lnTlToBr w="12700" cmpd="sng">
+                      <a:noFill/>
+                      <a:prstDash val="solid"/>
+                    </a:lnTlToBr>
+                    <a:lnBlToTr w="12700" cmpd="sng">
+                      <a:noFill/>
+                      <a:prstDash val="solid"/>
+                    </a:lnBlToTr>
+                  </a:tcPr>
+                </a:tc>
+                <a:tc>
+                  <a:txBody>
+                    <a:bodyPr/>
+                    <a:lstStyle/>
+                    <a:p>
+                      <a:r>
+                        <a:rPr lang="it-IT" sz="2800" b="1" dirty="0"/>
+                        <a:t>Global Memory </a:t>
+                      </a:r>
+                      <a:r>
+                        <a:rPr lang="it-IT" sz="2800" b="1" dirty="0" err="1"/>
+                        <a:t>Bandwidth</a:t>
+                      </a:r>
+                      <a:endParaRPr lang="it-IT" sz="2800" b="1" dirty="0"/>
+                    </a:p>
+                  </a:txBody>
+                  <a:tcPr>
+                    <a:lnL w="12700" cap="flat" cmpd="sng" algn="ctr">
+                      <a:solidFill>
+                        <a:schemeClr val="tx1"/>
+                      </a:solidFill>
+                      <a:prstDash val="solid"/>
+                      <a:round/>
+                      <a:headEnd type="none" w="med" len="med"/>
+                      <a:tailEnd type="none" w="med" len="med"/>
+                    </a:lnL>
+                    <a:lnR w="12700" cap="flat" cmpd="sng" algn="ctr">
+                      <a:solidFill>
+                        <a:schemeClr val="tx1"/>
+                      </a:solidFill>
+                      <a:prstDash val="solid"/>
+                      <a:round/>
+                      <a:headEnd type="none" w="med" len="med"/>
+                      <a:tailEnd type="none" w="med" len="med"/>
+                    </a:lnR>
+                    <a:lnT w="12700" cap="flat" cmpd="sng" algn="ctr">
+                      <a:solidFill>
+                        <a:schemeClr val="tx1"/>
+                      </a:solidFill>
+                      <a:prstDash val="solid"/>
+                      <a:round/>
+                      <a:headEnd type="none" w="med" len="med"/>
+                      <a:tailEnd type="none" w="med" len="med"/>
+                    </a:lnT>
+                    <a:lnB w="12700" cap="flat" cmpd="sng" algn="ctr">
+                      <a:solidFill>
+                        <a:schemeClr val="tx1"/>
+                      </a:solidFill>
+                      <a:prstDash val="solid"/>
+                      <a:round/>
+                      <a:headEnd type="none" w="med" len="med"/>
+                      <a:tailEnd type="none" w="med" len="med"/>
+                    </a:lnB>
+                  </a:tcPr>
+                </a:tc>
+                <a:tc>
+                  <a:txBody>
+                    <a:bodyPr/>
+                    <a:lstStyle/>
+                    <a:p>
+                      <a:r>
+                        <a:rPr lang="it-IT" sz="2800" b="0" dirty="0">
+                          <a:solidFill>
+                            <a:schemeClr val="tx1"/>
+                          </a:solidFill>
+                        </a:rPr>
+                        <a:t>112,128 GB/s</a:t>
+                      </a:r>
+                    </a:p>
+                  </a:txBody>
+                  <a:tcPr>
+                    <a:lnL w="12700" cap="flat" cmpd="sng" algn="ctr">
+                      <a:solidFill>
+                        <a:schemeClr val="tx1"/>
+                      </a:solidFill>
+                      <a:prstDash val="solid"/>
+                      <a:round/>
+                      <a:headEnd type="none" w="med" len="med"/>
+                      <a:tailEnd type="none" w="med" len="med"/>
+                    </a:lnL>
+                  </a:tcPr>
+                </a:tc>
+                <a:extLst>
+                  <a:ext uri="{0D108BD9-81ED-4DB2-BD59-A6C34878D82A}">
+                    <a16:rowId xmlns:a16="http://schemas.microsoft.com/office/drawing/2014/main" val="2373735209"/>
+                  </a:ext>
+                </a:extLst>
+              </a:tr>
+            </a:tbl>
+          </a:graphicData>
+        </a:graphic>
+      </p:graphicFrame>
+    </p:spTree>
+    <p:extLst>
+      <p:ext uri="{BB962C8B-B14F-4D97-AF65-F5344CB8AC3E}">
+        <p14:creationId xmlns:p14="http://schemas.microsoft.com/office/powerpoint/2010/main" val="3332816014"/>
+      </p:ext>
+    </p:extLst>
+  </p:cSld>
+  <p:clrMapOvr>
+    <a:masterClrMapping/>
+  </p:clrMapOvr>
+  <mc:AlternateContent xmlns:mc="http://schemas.openxmlformats.org/markup-compatibility/2006" xmlns:p14="http://schemas.microsoft.com/office/powerpoint/2010/main">
+    <mc:Choice Requires="p14">
+      <p:transition spd="med" p14:dur="700">
+        <p:fade/>
+      </p:transition>
+    </mc:Choice>
+    <mc:Fallback xmlns="">
+      <p:transition spd="med">
+        <p:fade/>
+      </p:transition>
+    </mc:Fallback>
+  </mc:AlternateContent>
+</p:sld>
+</file>
+
 <file path=ppt/slides/slide2.xml><?xml version="1.0" encoding="utf-8"?>
 <p:sld xmlns:a="http://schemas.openxmlformats.org/drawingml/2006/main" xmlns:r="http://schemas.openxmlformats.org/officeDocument/2006/relationships" xmlns:p="http://schemas.openxmlformats.org/presentationml/2006/main">
   <p:cSld>
@@ -18798,6 +23137,2224 @@
     </mc:Choice>
     <mc:Fallback xmlns="">
       <p:transition spd="slow">
+        <p:fade/>
+      </p:transition>
+    </mc:Fallback>
+  </mc:AlternateContent>
+</p:sld>
+</file>
+
+<file path=ppt/slides/slide20.xml><?xml version="1.0" encoding="utf-8"?>
+<p:sld xmlns:a="http://schemas.openxmlformats.org/drawingml/2006/main" xmlns:r="http://schemas.openxmlformats.org/officeDocument/2006/relationships" xmlns:p="http://schemas.openxmlformats.org/presentationml/2006/main">
+  <p:cSld>
+    <p:spTree>
+      <p:nvGrpSpPr>
+        <p:cNvPr id="1" name=""/>
+        <p:cNvGrpSpPr/>
+        <p:nvPr/>
+      </p:nvGrpSpPr>
+      <p:grpSpPr>
+        <a:xfrm>
+          <a:off x="0" y="0"/>
+          <a:ext cx="0" cy="0"/>
+          <a:chOff x="0" y="0"/>
+          <a:chExt cx="0" cy="0"/>
+        </a:xfrm>
+      </p:grpSpPr>
+      <p:sp>
+        <p:nvSpPr>
+          <p:cNvPr id="2" name="Title 1">
+            <a:extLst>
+              <a:ext uri="{FF2B5EF4-FFF2-40B4-BE49-F238E27FC236}">
+                <a16:creationId xmlns:a16="http://schemas.microsoft.com/office/drawing/2014/main" id="{1B510F90-B0D5-B7B9-6E72-93E01419D300}"/>
+              </a:ext>
+            </a:extLst>
+          </p:cNvPr>
+          <p:cNvSpPr>
+            <a:spLocks noGrp="1"/>
+          </p:cNvSpPr>
+          <p:nvPr>
+            <p:ph type="title"/>
+          </p:nvPr>
+        </p:nvSpPr>
+        <p:spPr>
+          <a:xfrm>
+            <a:off x="1218883" y="274637"/>
+            <a:ext cx="10360501" cy="562075"/>
+          </a:xfrm>
+        </p:spPr>
+        <p:txBody>
+          <a:bodyPr>
+            <a:normAutofit fontScale="90000"/>
+          </a:bodyPr>
+          <a:lstStyle/>
+          <a:p>
+            <a:pPr algn="ctr"/>
+            <a:r>
+              <a:rPr lang="it-IT" dirty="0"/>
+              <a:t>GPU </a:t>
+            </a:r>
+            <a:r>
+              <a:rPr lang="it-IT" dirty="0" err="1"/>
+              <a:t>execution</a:t>
+            </a:r>
+            <a:r>
+              <a:rPr lang="it-IT" dirty="0"/>
+              <a:t> time</a:t>
+            </a:r>
+          </a:p>
+        </p:txBody>
+      </p:sp>
+      <p:graphicFrame>
+        <p:nvGraphicFramePr>
+          <p:cNvPr id="7" name="Content Placeholder 6">
+            <a:extLst>
+              <a:ext uri="{FF2B5EF4-FFF2-40B4-BE49-F238E27FC236}">
+                <a16:creationId xmlns:a16="http://schemas.microsoft.com/office/drawing/2014/main" id="{49377935-DC47-B3FB-BB0E-9E105FBEA12E}"/>
+              </a:ext>
+            </a:extLst>
+          </p:cNvPr>
+          <p:cNvGraphicFramePr>
+            <a:graphicFrameLocks noGrp="1"/>
+          </p:cNvGraphicFramePr>
+          <p:nvPr>
+            <p:ph idx="1"/>
+            <p:extLst>
+              <p:ext uri="{D42A27DB-BD31-4B8C-83A1-F6EECF244321}">
+                <p14:modId xmlns:p14="http://schemas.microsoft.com/office/powerpoint/2010/main" val="79149125"/>
+              </p:ext>
+            </p:extLst>
+          </p:nvPr>
+        </p:nvGraphicFramePr>
+        <p:xfrm>
+          <a:off x="765820" y="692696"/>
+          <a:ext cx="11017224" cy="5890667"/>
+        </p:xfrm>
+        <a:graphic>
+          <a:graphicData uri="http://schemas.openxmlformats.org/drawingml/2006/chart">
+            <c:chart xmlns:c="http://schemas.openxmlformats.org/drawingml/2006/chart" xmlns:r="http://schemas.openxmlformats.org/officeDocument/2006/relationships" r:id="rId2"/>
+          </a:graphicData>
+        </a:graphic>
+      </p:graphicFrame>
+    </p:spTree>
+    <p:extLst>
+      <p:ext uri="{BB962C8B-B14F-4D97-AF65-F5344CB8AC3E}">
+        <p14:creationId xmlns:p14="http://schemas.microsoft.com/office/powerpoint/2010/main" val="1620204499"/>
+      </p:ext>
+    </p:extLst>
+  </p:cSld>
+  <p:clrMapOvr>
+    <a:masterClrMapping/>
+  </p:clrMapOvr>
+  <mc:AlternateContent xmlns:mc="http://schemas.openxmlformats.org/markup-compatibility/2006" xmlns:p14="http://schemas.microsoft.com/office/powerpoint/2010/main">
+    <mc:Choice Requires="p14">
+      <p:transition spd="med" p14:dur="700">
+        <p:fade/>
+      </p:transition>
+    </mc:Choice>
+    <mc:Fallback xmlns="">
+      <p:transition spd="med">
+        <p:fade/>
+      </p:transition>
+    </mc:Fallback>
+  </mc:AlternateContent>
+</p:sld>
+</file>
+
+<file path=ppt/slides/slide21.xml><?xml version="1.0" encoding="utf-8"?>
+<p:sld xmlns:a="http://schemas.openxmlformats.org/drawingml/2006/main" xmlns:r="http://schemas.openxmlformats.org/officeDocument/2006/relationships" xmlns:p="http://schemas.openxmlformats.org/presentationml/2006/main">
+  <p:cSld>
+    <p:spTree>
+      <p:nvGrpSpPr>
+        <p:cNvPr id="1" name=""/>
+        <p:cNvGrpSpPr/>
+        <p:nvPr/>
+      </p:nvGrpSpPr>
+      <p:grpSpPr>
+        <a:xfrm>
+          <a:off x="0" y="0"/>
+          <a:ext cx="0" cy="0"/>
+          <a:chOff x="0" y="0"/>
+          <a:chExt cx="0" cy="0"/>
+        </a:xfrm>
+      </p:grpSpPr>
+      <p:sp>
+        <p:nvSpPr>
+          <p:cNvPr id="2" name="Title 1">
+            <a:extLst>
+              <a:ext uri="{FF2B5EF4-FFF2-40B4-BE49-F238E27FC236}">
+                <a16:creationId xmlns:a16="http://schemas.microsoft.com/office/drawing/2014/main" id="{1B510F90-B0D5-B7B9-6E72-93E01419D300}"/>
+              </a:ext>
+            </a:extLst>
+          </p:cNvPr>
+          <p:cNvSpPr>
+            <a:spLocks noGrp="1"/>
+          </p:cNvSpPr>
+          <p:nvPr>
+            <p:ph type="title"/>
+          </p:nvPr>
+        </p:nvSpPr>
+        <p:spPr>
+          <a:xfrm>
+            <a:off x="1218883" y="274637"/>
+            <a:ext cx="10360501" cy="562075"/>
+          </a:xfrm>
+        </p:spPr>
+        <p:txBody>
+          <a:bodyPr>
+            <a:normAutofit fontScale="90000"/>
+          </a:bodyPr>
+          <a:lstStyle/>
+          <a:p>
+            <a:pPr algn="ctr"/>
+            <a:r>
+              <a:rPr lang="it-IT" dirty="0"/>
+              <a:t>GPU </a:t>
+            </a:r>
+            <a:r>
+              <a:rPr lang="it-IT" dirty="0" err="1"/>
+              <a:t>speedup</a:t>
+            </a:r>
+            <a:endParaRPr lang="it-IT" dirty="0"/>
+          </a:p>
+        </p:txBody>
+      </p:sp>
+      <p:sp>
+        <p:nvSpPr>
+          <p:cNvPr id="8" name="Content Placeholder 3">
+            <a:extLst>
+              <a:ext uri="{FF2B5EF4-FFF2-40B4-BE49-F238E27FC236}">
+                <a16:creationId xmlns:a16="http://schemas.microsoft.com/office/drawing/2014/main" id="{AF7FCEA8-3585-0A3A-55B8-E104F2ABB6A3}"/>
+              </a:ext>
+            </a:extLst>
+          </p:cNvPr>
+          <p:cNvSpPr txBox="1">
+            <a:spLocks/>
+          </p:cNvSpPr>
+          <p:nvPr/>
+        </p:nvSpPr>
+        <p:spPr>
+          <a:xfrm>
+            <a:off x="7606580" y="1052736"/>
+            <a:ext cx="4248472" cy="5361050"/>
+          </a:xfrm>
+          <a:prstGeom prst="rect">
+            <a:avLst/>
+          </a:prstGeom>
+        </p:spPr>
+        <p:txBody>
+          <a:bodyPr>
+            <a:normAutofit/>
+          </a:bodyPr>
+          <a:lstStyle>
+            <a:lvl1pPr marL="304747" indent="-304747" algn="l" defTabSz="1218987" rtl="0" eaLnBrk="1" latinLnBrk="0" hangingPunct="1">
+              <a:lnSpc>
+                <a:spcPct val="90000"/>
+              </a:lnSpc>
+              <a:spcBef>
+                <a:spcPts val="1600"/>
+              </a:spcBef>
+              <a:buClr>
+                <a:schemeClr val="accent1"/>
+              </a:buClr>
+              <a:buSzPct val="100000"/>
+              <a:buFont typeface="Arial" pitchFamily="34" charset="0"/>
+              <a:buChar char="•"/>
+              <a:defRPr sz="2800" kern="1200">
+                <a:solidFill>
+                  <a:schemeClr val="tx1"/>
+                </a:solidFill>
+                <a:latin typeface="+mn-lt"/>
+                <a:ea typeface="+mn-ea"/>
+                <a:cs typeface="+mn-cs"/>
+              </a:defRPr>
+            </a:lvl1pPr>
+            <a:lvl2pPr marL="609493" indent="-231607" algn="l" defTabSz="1218987" rtl="0" eaLnBrk="1" latinLnBrk="0" hangingPunct="1">
+              <a:lnSpc>
+                <a:spcPct val="90000"/>
+              </a:lnSpc>
+              <a:spcBef>
+                <a:spcPts val="800"/>
+              </a:spcBef>
+              <a:buClr>
+                <a:schemeClr val="accent1"/>
+              </a:buClr>
+              <a:buSzPct val="80000"/>
+              <a:buFont typeface="Arial" pitchFamily="34" charset="0"/>
+              <a:buChar char="•"/>
+              <a:defRPr sz="2400" kern="1200">
+                <a:solidFill>
+                  <a:schemeClr val="tx1"/>
+                </a:solidFill>
+                <a:latin typeface="+mn-lt"/>
+                <a:ea typeface="+mn-ea"/>
+                <a:cs typeface="+mn-cs"/>
+              </a:defRPr>
+            </a:lvl2pPr>
+            <a:lvl3pPr marL="914240" indent="-231607" algn="l" defTabSz="1218987" rtl="0" eaLnBrk="1" latinLnBrk="0" hangingPunct="1">
+              <a:lnSpc>
+                <a:spcPct val="90000"/>
+              </a:lnSpc>
+              <a:spcBef>
+                <a:spcPts val="800"/>
+              </a:spcBef>
+              <a:buClr>
+                <a:schemeClr val="accent1"/>
+              </a:buClr>
+              <a:buSzPct val="80000"/>
+              <a:buFont typeface="Arial" pitchFamily="34" charset="0"/>
+              <a:buChar char="•"/>
+              <a:defRPr sz="2000" kern="1200">
+                <a:solidFill>
+                  <a:schemeClr val="tx1"/>
+                </a:solidFill>
+                <a:latin typeface="+mn-lt"/>
+                <a:ea typeface="+mn-ea"/>
+                <a:cs typeface="+mn-cs"/>
+              </a:defRPr>
+            </a:lvl3pPr>
+            <a:lvl4pPr marL="1218987" indent="-231607" algn="l" defTabSz="1218987" rtl="0" eaLnBrk="1" latinLnBrk="0" hangingPunct="1">
+              <a:lnSpc>
+                <a:spcPct val="90000"/>
+              </a:lnSpc>
+              <a:spcBef>
+                <a:spcPts val="800"/>
+              </a:spcBef>
+              <a:buClr>
+                <a:schemeClr val="accent1"/>
+              </a:buClr>
+              <a:buSzPct val="80000"/>
+              <a:buFont typeface="Arial" pitchFamily="34" charset="0"/>
+              <a:buChar char="•"/>
+              <a:defRPr sz="2000" kern="1200">
+                <a:solidFill>
+                  <a:schemeClr val="tx1"/>
+                </a:solidFill>
+                <a:latin typeface="+mn-lt"/>
+                <a:ea typeface="+mn-ea"/>
+                <a:cs typeface="+mn-cs"/>
+              </a:defRPr>
+            </a:lvl4pPr>
+            <a:lvl5pPr marL="1523733" indent="-231607" algn="l" defTabSz="1218987" rtl="0" eaLnBrk="1" latinLnBrk="0" hangingPunct="1">
+              <a:lnSpc>
+                <a:spcPct val="90000"/>
+              </a:lnSpc>
+              <a:spcBef>
+                <a:spcPts val="800"/>
+              </a:spcBef>
+              <a:buClr>
+                <a:schemeClr val="accent1"/>
+              </a:buClr>
+              <a:buSzPct val="80000"/>
+              <a:buFont typeface="Arial" pitchFamily="34" charset="0"/>
+              <a:buChar char="•"/>
+              <a:defRPr sz="2000" kern="1200">
+                <a:solidFill>
+                  <a:schemeClr val="tx1"/>
+                </a:solidFill>
+                <a:latin typeface="+mn-lt"/>
+                <a:ea typeface="+mn-ea"/>
+                <a:cs typeface="+mn-cs"/>
+              </a:defRPr>
+            </a:lvl5pPr>
+            <a:lvl6pPr marL="1828480" indent="-231607" algn="l" defTabSz="1218987" rtl="0" eaLnBrk="1" latinLnBrk="0" hangingPunct="1">
+              <a:lnSpc>
+                <a:spcPct val="90000"/>
+              </a:lnSpc>
+              <a:spcBef>
+                <a:spcPts val="800"/>
+              </a:spcBef>
+              <a:buClr>
+                <a:schemeClr val="accent1"/>
+              </a:buClr>
+              <a:buSzPct val="80000"/>
+              <a:buFont typeface="Arial" pitchFamily="34" charset="0"/>
+              <a:buChar char="•"/>
+              <a:defRPr sz="2000" kern="1200">
+                <a:solidFill>
+                  <a:schemeClr val="tx1"/>
+                </a:solidFill>
+                <a:latin typeface="+mn-lt"/>
+                <a:ea typeface="+mn-ea"/>
+                <a:cs typeface="+mn-cs"/>
+              </a:defRPr>
+            </a:lvl6pPr>
+            <a:lvl7pPr marL="2133227" indent="-231607" algn="l" defTabSz="1218987" rtl="0" eaLnBrk="1" latinLnBrk="0" hangingPunct="1">
+              <a:lnSpc>
+                <a:spcPct val="90000"/>
+              </a:lnSpc>
+              <a:spcBef>
+                <a:spcPts val="800"/>
+              </a:spcBef>
+              <a:buClr>
+                <a:schemeClr val="accent1"/>
+              </a:buClr>
+              <a:buSzPct val="80000"/>
+              <a:buFont typeface="Arial" pitchFamily="34" charset="0"/>
+              <a:buChar char="•"/>
+              <a:defRPr sz="2000" kern="1200">
+                <a:solidFill>
+                  <a:schemeClr val="tx1"/>
+                </a:solidFill>
+                <a:latin typeface="+mn-lt"/>
+                <a:ea typeface="+mn-ea"/>
+                <a:cs typeface="+mn-cs"/>
+              </a:defRPr>
+            </a:lvl7pPr>
+            <a:lvl8pPr marL="2437973" indent="-231607" algn="l" defTabSz="1218987" rtl="0" eaLnBrk="1" latinLnBrk="0" hangingPunct="1">
+              <a:lnSpc>
+                <a:spcPct val="90000"/>
+              </a:lnSpc>
+              <a:spcBef>
+                <a:spcPts val="800"/>
+              </a:spcBef>
+              <a:buClr>
+                <a:schemeClr val="accent1"/>
+              </a:buClr>
+              <a:buSzPct val="80000"/>
+              <a:buFont typeface="Arial" pitchFamily="34" charset="0"/>
+              <a:buChar char="•"/>
+              <a:defRPr sz="2000" kern="1200" baseline="0">
+                <a:solidFill>
+                  <a:schemeClr val="tx1"/>
+                </a:solidFill>
+                <a:latin typeface="+mn-lt"/>
+                <a:ea typeface="+mn-ea"/>
+                <a:cs typeface="+mn-cs"/>
+              </a:defRPr>
+            </a:lvl8pPr>
+            <a:lvl9pPr marL="2742720" indent="-231607" algn="l" defTabSz="1218987" rtl="0" eaLnBrk="1" latinLnBrk="0" hangingPunct="1">
+              <a:lnSpc>
+                <a:spcPct val="90000"/>
+              </a:lnSpc>
+              <a:spcBef>
+                <a:spcPts val="800"/>
+              </a:spcBef>
+              <a:buClr>
+                <a:schemeClr val="accent1"/>
+              </a:buClr>
+              <a:buSzPct val="80000"/>
+              <a:buFont typeface="Arial" pitchFamily="34" charset="0"/>
+              <a:buChar char="•"/>
+              <a:defRPr sz="2000" kern="1200" baseline="0">
+                <a:solidFill>
+                  <a:schemeClr val="tx1"/>
+                </a:solidFill>
+                <a:latin typeface="+mn-lt"/>
+                <a:ea typeface="+mn-ea"/>
+                <a:cs typeface="+mn-cs"/>
+              </a:defRPr>
+            </a:lvl9pPr>
+          </a:lstStyle>
+          <a:p>
+            <a:pPr marL="514350" indent="-514350">
+              <a:buFont typeface="+mj-lt"/>
+              <a:buAutoNum type="arabicPeriod"/>
+            </a:pPr>
+            <a:r>
+              <a:rPr lang="en-US" dirty="0"/>
+              <a:t>With a small dataset, increasing the number of threads reduces the speedup</a:t>
+            </a:r>
+          </a:p>
+          <a:p>
+            <a:pPr marL="514350" indent="-514350">
+              <a:buFont typeface="+mj-lt"/>
+              <a:buAutoNum type="arabicPeriod"/>
+            </a:pPr>
+            <a:r>
+              <a:rPr lang="en-US" dirty="0"/>
+              <a:t>With larger datasets, increasing the number of threads yields an improved speedup </a:t>
+            </a:r>
+          </a:p>
+          <a:p>
+            <a:pPr marL="514350" indent="-514350">
+              <a:buFont typeface="+mj-lt"/>
+              <a:buAutoNum type="arabicPeriod"/>
+            </a:pPr>
+            <a:r>
+              <a:rPr lang="en-US" dirty="0"/>
+              <a:t>With a very high number of threads speedup diminishes</a:t>
+            </a:r>
+          </a:p>
+        </p:txBody>
+      </p:sp>
+      <p:graphicFrame>
+        <p:nvGraphicFramePr>
+          <p:cNvPr id="7" name="Content Placeholder 6">
+            <a:extLst>
+              <a:ext uri="{FF2B5EF4-FFF2-40B4-BE49-F238E27FC236}">
+                <a16:creationId xmlns:a16="http://schemas.microsoft.com/office/drawing/2014/main" id="{AEA2633F-D8CC-4292-88FB-F206AA1ED5A8}"/>
+              </a:ext>
+            </a:extLst>
+          </p:cNvPr>
+          <p:cNvGraphicFramePr>
+            <a:graphicFrameLocks noGrp="1"/>
+          </p:cNvGraphicFramePr>
+          <p:nvPr>
+            <p:ph idx="1"/>
+            <p:extLst>
+              <p:ext uri="{D42A27DB-BD31-4B8C-83A1-F6EECF244321}">
+                <p14:modId xmlns:p14="http://schemas.microsoft.com/office/powerpoint/2010/main" val="3202119680"/>
+              </p:ext>
+            </p:extLst>
+          </p:nvPr>
+        </p:nvGraphicFramePr>
+        <p:xfrm>
+          <a:off x="693812" y="620688"/>
+          <a:ext cx="6984776" cy="6048671"/>
+        </p:xfrm>
+        <a:graphic>
+          <a:graphicData uri="http://schemas.openxmlformats.org/drawingml/2006/chart">
+            <c:chart xmlns:c="http://schemas.openxmlformats.org/drawingml/2006/chart" xmlns:r="http://schemas.openxmlformats.org/officeDocument/2006/relationships" r:id="rId3"/>
+          </a:graphicData>
+        </a:graphic>
+      </p:graphicFrame>
+    </p:spTree>
+    <p:extLst>
+      <p:ext uri="{BB962C8B-B14F-4D97-AF65-F5344CB8AC3E}">
+        <p14:creationId xmlns:p14="http://schemas.microsoft.com/office/powerpoint/2010/main" val="4226225075"/>
+      </p:ext>
+    </p:extLst>
+  </p:cSld>
+  <p:clrMapOvr>
+    <a:masterClrMapping/>
+  </p:clrMapOvr>
+  <mc:AlternateContent xmlns:mc="http://schemas.openxmlformats.org/markup-compatibility/2006" xmlns:p14="http://schemas.microsoft.com/office/powerpoint/2010/main">
+    <mc:Choice Requires="p14">
+      <p:transition spd="med" p14:dur="700">
+        <p:fade/>
+      </p:transition>
+    </mc:Choice>
+    <mc:Fallback xmlns="">
+      <p:transition spd="med">
+        <p:fade/>
+      </p:transition>
+    </mc:Fallback>
+  </mc:AlternateContent>
+</p:sld>
+</file>
+
+<file path=ppt/slides/slide22.xml><?xml version="1.0" encoding="utf-8"?>
+<p:sld xmlns:a="http://schemas.openxmlformats.org/drawingml/2006/main" xmlns:r="http://schemas.openxmlformats.org/officeDocument/2006/relationships" xmlns:p="http://schemas.openxmlformats.org/presentationml/2006/main">
+  <p:cSld>
+    <p:spTree>
+      <p:nvGrpSpPr>
+        <p:cNvPr id="1" name=""/>
+        <p:cNvGrpSpPr/>
+        <p:nvPr/>
+      </p:nvGrpSpPr>
+      <p:grpSpPr>
+        <a:xfrm>
+          <a:off x="0" y="0"/>
+          <a:ext cx="0" cy="0"/>
+          <a:chOff x="0" y="0"/>
+          <a:chExt cx="0" cy="0"/>
+        </a:xfrm>
+      </p:grpSpPr>
+      <p:sp>
+        <p:nvSpPr>
+          <p:cNvPr id="2" name="Title 1">
+            <a:extLst>
+              <a:ext uri="{FF2B5EF4-FFF2-40B4-BE49-F238E27FC236}">
+                <a16:creationId xmlns:a16="http://schemas.microsoft.com/office/drawing/2014/main" id="{4A181699-8203-8E8E-3212-3680B55F214D}"/>
+              </a:ext>
+            </a:extLst>
+          </p:cNvPr>
+          <p:cNvSpPr>
+            <a:spLocks noGrp="1"/>
+          </p:cNvSpPr>
+          <p:nvPr>
+            <p:ph type="title"/>
+          </p:nvPr>
+        </p:nvSpPr>
+        <p:spPr/>
+        <p:txBody>
+          <a:bodyPr>
+            <a:normAutofit/>
+          </a:bodyPr>
+          <a:lstStyle/>
+          <a:p>
+            <a:pPr algn="ctr"/>
+            <a:r>
+              <a:rPr lang="it-IT" dirty="0"/>
+              <a:t>1. </a:t>
+            </a:r>
+            <a:r>
+              <a:rPr lang="en-US" dirty="0"/>
+              <a:t>With a small dataset, increasing the number of threads reduces the speedup</a:t>
+            </a:r>
+            <a:endParaRPr lang="it-IT" dirty="0"/>
+          </a:p>
+        </p:txBody>
+      </p:sp>
+      <p:sp>
+        <p:nvSpPr>
+          <p:cNvPr id="3" name="Content Placeholder 2">
+            <a:extLst>
+              <a:ext uri="{FF2B5EF4-FFF2-40B4-BE49-F238E27FC236}">
+                <a16:creationId xmlns:a16="http://schemas.microsoft.com/office/drawing/2014/main" id="{586DD5BF-7B14-8DEA-6808-A83FE3B81C87}"/>
+              </a:ext>
+            </a:extLst>
+          </p:cNvPr>
+          <p:cNvSpPr>
+            <a:spLocks noGrp="1"/>
+          </p:cNvSpPr>
+          <p:nvPr>
+            <p:ph idx="1"/>
+          </p:nvPr>
+        </p:nvSpPr>
+        <p:spPr>
+          <a:xfrm>
+            <a:off x="1218883" y="2204863"/>
+            <a:ext cx="10360501" cy="3959205"/>
+          </a:xfrm>
+        </p:spPr>
+        <p:txBody>
+          <a:bodyPr/>
+          <a:lstStyle/>
+          <a:p>
+            <a:r>
+              <a:rPr lang="it-IT" dirty="0"/>
+              <a:t>Due to </a:t>
+            </a:r>
+            <a:r>
+              <a:rPr lang="it-IT" dirty="0" err="1"/>
+              <a:t>kernel’s</a:t>
+            </a:r>
+            <a:r>
+              <a:rPr lang="it-IT" dirty="0"/>
+              <a:t> </a:t>
+            </a:r>
+            <a:r>
+              <a:rPr lang="it-IT" dirty="0" err="1"/>
+              <a:t>local</a:t>
+            </a:r>
+            <a:r>
+              <a:rPr lang="it-IT" dirty="0"/>
+              <a:t> </a:t>
+            </a:r>
+            <a:r>
+              <a:rPr lang="it-IT" dirty="0" err="1"/>
+              <a:t>memory</a:t>
+            </a:r>
+            <a:r>
+              <a:rPr lang="it-IT" dirty="0"/>
+              <a:t> </a:t>
+            </a:r>
+            <a:r>
+              <a:rPr lang="it-IT" dirty="0" err="1"/>
+              <a:t>allocations</a:t>
+            </a:r>
+            <a:r>
+              <a:rPr lang="it-IT" dirty="0"/>
+              <a:t>, on a small dataset the overhead </a:t>
+            </a:r>
+            <a:r>
+              <a:rPr lang="it-IT" dirty="0" err="1"/>
+              <a:t>introduced</a:t>
+            </a:r>
+            <a:r>
+              <a:rPr lang="it-IT" dirty="0"/>
+              <a:t> </a:t>
+            </a:r>
+            <a:r>
+              <a:rPr lang="it-IT" dirty="0" err="1"/>
+              <a:t>becomes</a:t>
+            </a:r>
+            <a:r>
+              <a:rPr lang="it-IT" dirty="0"/>
+              <a:t> </a:t>
+            </a:r>
+            <a:r>
+              <a:rPr lang="it-IT" dirty="0" err="1"/>
+              <a:t>relevant</a:t>
+            </a:r>
+            <a:r>
+              <a:rPr lang="it-IT" dirty="0"/>
+              <a:t> on the overall </a:t>
+            </a:r>
+            <a:r>
+              <a:rPr lang="it-IT" dirty="0" err="1"/>
+              <a:t>execution</a:t>
+            </a:r>
+            <a:r>
+              <a:rPr lang="it-IT" dirty="0"/>
+              <a:t> time</a:t>
+            </a:r>
+          </a:p>
+          <a:p>
+            <a:r>
+              <a:rPr lang="it-IT" dirty="0"/>
+              <a:t>With </a:t>
+            </a:r>
+            <a:r>
+              <a:rPr lang="it-IT" dirty="0" err="1"/>
+              <a:t>many</a:t>
+            </a:r>
+            <a:r>
+              <a:rPr lang="it-IT" dirty="0"/>
+              <a:t> </a:t>
+            </a:r>
+            <a:r>
+              <a:rPr lang="it-IT" dirty="0" err="1"/>
+              <a:t>threads</a:t>
+            </a:r>
+            <a:r>
+              <a:rPr lang="it-IT" dirty="0"/>
+              <a:t>, </a:t>
+            </a:r>
+            <a:r>
+              <a:rPr lang="it-IT" dirty="0" err="1"/>
+              <a:t>this</a:t>
+            </a:r>
+            <a:r>
+              <a:rPr lang="it-IT" dirty="0"/>
+              <a:t> overhead </a:t>
+            </a:r>
+            <a:r>
+              <a:rPr lang="it-IT" dirty="0" err="1"/>
+              <a:t>effect</a:t>
+            </a:r>
+            <a:r>
+              <a:rPr lang="it-IT" dirty="0"/>
+              <a:t> </a:t>
+            </a:r>
+            <a:r>
+              <a:rPr lang="it-IT" dirty="0" err="1"/>
+              <a:t>increases</a:t>
+            </a:r>
+            <a:r>
+              <a:rPr lang="it-IT" dirty="0"/>
+              <a:t>, </a:t>
+            </a:r>
+            <a:r>
+              <a:rPr lang="it-IT" dirty="0" err="1"/>
+              <a:t>resulting</a:t>
+            </a:r>
+            <a:r>
+              <a:rPr lang="it-IT" dirty="0"/>
+              <a:t> in </a:t>
+            </a:r>
+            <a:r>
+              <a:rPr lang="it-IT" dirty="0" err="1"/>
+              <a:t>longer</a:t>
+            </a:r>
+            <a:r>
+              <a:rPr lang="it-IT" dirty="0"/>
+              <a:t> </a:t>
+            </a:r>
+            <a:r>
+              <a:rPr lang="it-IT" dirty="0" err="1"/>
+              <a:t>runs</a:t>
+            </a:r>
+            <a:r>
+              <a:rPr lang="it-IT" dirty="0"/>
+              <a:t>, and </a:t>
+            </a:r>
+            <a:r>
+              <a:rPr lang="it-IT" dirty="0" err="1"/>
+              <a:t>consequently</a:t>
+            </a:r>
+            <a:r>
+              <a:rPr lang="it-IT" dirty="0"/>
+              <a:t> a </a:t>
+            </a:r>
+            <a:r>
+              <a:rPr lang="it-IT" dirty="0" err="1"/>
+              <a:t>reduced</a:t>
+            </a:r>
+            <a:r>
+              <a:rPr lang="it-IT" dirty="0"/>
+              <a:t> speed-up</a:t>
+            </a:r>
+          </a:p>
+          <a:p>
+            <a:r>
+              <a:rPr lang="it-IT" dirty="0" err="1"/>
+              <a:t>Specifically</a:t>
+            </a:r>
+            <a:r>
+              <a:rPr lang="it-IT" dirty="0"/>
+              <a:t>, </a:t>
+            </a:r>
+            <a:r>
+              <a:rPr lang="it-IT" dirty="0" err="1"/>
+              <a:t>we</a:t>
+            </a:r>
+            <a:r>
+              <a:rPr lang="it-IT" dirty="0"/>
+              <a:t> </a:t>
+            </a:r>
+            <a:r>
+              <a:rPr lang="it-IT" dirty="0" err="1"/>
+              <a:t>observe</a:t>
+            </a:r>
+            <a:r>
+              <a:rPr lang="it-IT" dirty="0"/>
+              <a:t> an </a:t>
+            </a:r>
+            <a:r>
+              <a:rPr lang="it-IT" dirty="0" err="1"/>
+              <a:t>increase</a:t>
+            </a:r>
+            <a:r>
+              <a:rPr lang="it-IT" dirty="0"/>
+              <a:t> in </a:t>
+            </a:r>
+            <a:r>
+              <a:rPr lang="it-IT" i="1" dirty="0" err="1"/>
+              <a:t>local</a:t>
+            </a:r>
+            <a:r>
+              <a:rPr lang="it-IT" i="1" dirty="0"/>
+              <a:t> </a:t>
+            </a:r>
+            <a:r>
+              <a:rPr lang="it-IT" i="1" dirty="0" err="1"/>
+              <a:t>memory</a:t>
+            </a:r>
+            <a:r>
+              <a:rPr lang="it-IT" i="1" dirty="0"/>
+              <a:t> overhead</a:t>
+            </a:r>
+            <a:r>
+              <a:rPr lang="it-IT" dirty="0"/>
+              <a:t> from 2,81% with 32 </a:t>
+            </a:r>
+            <a:r>
+              <a:rPr lang="it-IT" dirty="0" err="1"/>
+              <a:t>threads</a:t>
+            </a:r>
+            <a:r>
+              <a:rPr lang="it-IT" dirty="0"/>
+              <a:t> to 60,06% with 8192 </a:t>
+            </a:r>
+            <a:r>
+              <a:rPr lang="it-IT" dirty="0" err="1"/>
+              <a:t>threads</a:t>
+            </a:r>
+            <a:endParaRPr lang="it-IT" dirty="0"/>
+          </a:p>
+        </p:txBody>
+      </p:sp>
+    </p:spTree>
+    <p:extLst>
+      <p:ext uri="{BB962C8B-B14F-4D97-AF65-F5344CB8AC3E}">
+        <p14:creationId xmlns:p14="http://schemas.microsoft.com/office/powerpoint/2010/main" val="281326900"/>
+      </p:ext>
+    </p:extLst>
+  </p:cSld>
+  <p:clrMapOvr>
+    <a:masterClrMapping/>
+  </p:clrMapOvr>
+  <mc:AlternateContent xmlns:mc="http://schemas.openxmlformats.org/markup-compatibility/2006" xmlns:p14="http://schemas.microsoft.com/office/powerpoint/2010/main">
+    <mc:Choice Requires="p14">
+      <p:transition spd="med" p14:dur="700">
+        <p:fade/>
+      </p:transition>
+    </mc:Choice>
+    <mc:Fallback xmlns="">
+      <p:transition spd="med">
+        <p:fade/>
+      </p:transition>
+    </mc:Fallback>
+  </mc:AlternateContent>
+</p:sld>
+</file>
+
+<file path=ppt/slides/slide23.xml><?xml version="1.0" encoding="utf-8"?>
+<p:sld xmlns:a="http://schemas.openxmlformats.org/drawingml/2006/main" xmlns:r="http://schemas.openxmlformats.org/officeDocument/2006/relationships" xmlns:p="http://schemas.openxmlformats.org/presentationml/2006/main">
+  <p:cSld>
+    <p:spTree>
+      <p:nvGrpSpPr>
+        <p:cNvPr id="1" name=""/>
+        <p:cNvGrpSpPr/>
+        <p:nvPr/>
+      </p:nvGrpSpPr>
+      <p:grpSpPr>
+        <a:xfrm>
+          <a:off x="0" y="0"/>
+          <a:ext cx="0" cy="0"/>
+          <a:chOff x="0" y="0"/>
+          <a:chExt cx="0" cy="0"/>
+        </a:xfrm>
+      </p:grpSpPr>
+      <p:sp>
+        <p:nvSpPr>
+          <p:cNvPr id="2" name="Title 1">
+            <a:extLst>
+              <a:ext uri="{FF2B5EF4-FFF2-40B4-BE49-F238E27FC236}">
+                <a16:creationId xmlns:a16="http://schemas.microsoft.com/office/drawing/2014/main" id="{4A181699-8203-8E8E-3212-3680B55F214D}"/>
+              </a:ext>
+            </a:extLst>
+          </p:cNvPr>
+          <p:cNvSpPr>
+            <a:spLocks noGrp="1"/>
+          </p:cNvSpPr>
+          <p:nvPr>
+            <p:ph type="title"/>
+          </p:nvPr>
+        </p:nvSpPr>
+        <p:spPr/>
+        <p:txBody>
+          <a:bodyPr>
+            <a:normAutofit/>
+          </a:bodyPr>
+          <a:lstStyle/>
+          <a:p>
+            <a:pPr algn="ctr"/>
+            <a:r>
+              <a:rPr lang="it-IT" dirty="0"/>
+              <a:t>2. </a:t>
+            </a:r>
+            <a:r>
+              <a:rPr lang="en-US" dirty="0"/>
+              <a:t>With larger datasets, increasing the number of threads yields an improved speedup. </a:t>
+            </a:r>
+            <a:endParaRPr lang="it-IT" dirty="0"/>
+          </a:p>
+        </p:txBody>
+      </p:sp>
+      <p:sp>
+        <p:nvSpPr>
+          <p:cNvPr id="3" name="Content Placeholder 2">
+            <a:extLst>
+              <a:ext uri="{FF2B5EF4-FFF2-40B4-BE49-F238E27FC236}">
+                <a16:creationId xmlns:a16="http://schemas.microsoft.com/office/drawing/2014/main" id="{586DD5BF-7B14-8DEA-6808-A83FE3B81C87}"/>
+              </a:ext>
+            </a:extLst>
+          </p:cNvPr>
+          <p:cNvSpPr>
+            <a:spLocks noGrp="1"/>
+          </p:cNvSpPr>
+          <p:nvPr>
+            <p:ph idx="1"/>
+          </p:nvPr>
+        </p:nvSpPr>
+        <p:spPr>
+          <a:xfrm>
+            <a:off x="981844" y="2420888"/>
+            <a:ext cx="5112568" cy="3743181"/>
+          </a:xfrm>
+        </p:spPr>
+        <p:txBody>
+          <a:bodyPr>
+            <a:normAutofit/>
+          </a:bodyPr>
+          <a:lstStyle/>
+          <a:p>
+            <a:r>
+              <a:rPr lang="it-IT" dirty="0" err="1"/>
+              <a:t>Considering</a:t>
+            </a:r>
+            <a:r>
+              <a:rPr lang="it-IT" dirty="0"/>
+              <a:t> the 10M dataset, </a:t>
+            </a:r>
+            <a:r>
+              <a:rPr lang="it-IT" dirty="0" err="1"/>
+              <a:t>increasing</a:t>
+            </a:r>
+            <a:r>
+              <a:rPr lang="it-IT" dirty="0"/>
+              <a:t> the number of </a:t>
+            </a:r>
+            <a:r>
+              <a:rPr lang="it-IT" dirty="0" err="1"/>
+              <a:t>threads</a:t>
+            </a:r>
+            <a:r>
+              <a:rPr lang="it-IT" dirty="0"/>
+              <a:t> </a:t>
+            </a:r>
+            <a:r>
+              <a:rPr lang="it-IT" dirty="0" err="1"/>
+              <a:t>reduces</a:t>
+            </a:r>
+            <a:r>
+              <a:rPr lang="it-IT" dirty="0"/>
+              <a:t> </a:t>
+            </a:r>
+            <a:r>
+              <a:rPr lang="it-IT" dirty="0" err="1"/>
+              <a:t>kernel’s</a:t>
+            </a:r>
+            <a:r>
+              <a:rPr lang="it-IT" dirty="0"/>
+              <a:t> </a:t>
+            </a:r>
+            <a:r>
+              <a:rPr lang="it-IT" dirty="0" err="1"/>
+              <a:t>executing</a:t>
+            </a:r>
+            <a:r>
+              <a:rPr lang="it-IT" dirty="0"/>
+              <a:t> time. This </a:t>
+            </a:r>
+            <a:r>
+              <a:rPr lang="it-IT" dirty="0" err="1"/>
+              <a:t>correlates</a:t>
+            </a:r>
+            <a:r>
+              <a:rPr lang="it-IT" dirty="0"/>
+              <a:t> with a </a:t>
+            </a:r>
+            <a:r>
+              <a:rPr lang="it-IT" dirty="0" err="1"/>
+              <a:t>higher</a:t>
+            </a:r>
+            <a:r>
+              <a:rPr lang="it-IT" dirty="0"/>
+              <a:t> GPU </a:t>
+            </a:r>
+            <a:r>
+              <a:rPr lang="it-IT" dirty="0" err="1"/>
+              <a:t>utilisation</a:t>
+            </a:r>
+            <a:r>
+              <a:rPr lang="it-IT" dirty="0"/>
+              <a:t>, </a:t>
+            </a:r>
+            <a:r>
+              <a:rPr lang="it-IT" dirty="0" err="1"/>
+              <a:t>shown</a:t>
+            </a:r>
+            <a:r>
+              <a:rPr lang="it-IT" dirty="0"/>
+              <a:t> by the </a:t>
+            </a:r>
+            <a:r>
+              <a:rPr lang="it-IT" dirty="0" err="1"/>
+              <a:t>achieved</a:t>
+            </a:r>
+            <a:r>
+              <a:rPr lang="it-IT" dirty="0"/>
+              <a:t> </a:t>
+            </a:r>
+            <a:r>
+              <a:rPr lang="it-IT" dirty="0" err="1"/>
+              <a:t>occupancy</a:t>
+            </a:r>
+            <a:r>
+              <a:rPr lang="it-IT" dirty="0"/>
+              <a:t>.</a:t>
+            </a:r>
+          </a:p>
+        </p:txBody>
+      </p:sp>
+      <p:graphicFrame>
+        <p:nvGraphicFramePr>
+          <p:cNvPr id="4" name="Table 4">
+            <a:extLst>
+              <a:ext uri="{FF2B5EF4-FFF2-40B4-BE49-F238E27FC236}">
+                <a16:creationId xmlns:a16="http://schemas.microsoft.com/office/drawing/2014/main" id="{E982F60C-B568-4E00-A5F8-5AA7C1826111}"/>
+              </a:ext>
+            </a:extLst>
+          </p:cNvPr>
+          <p:cNvGraphicFramePr>
+            <a:graphicFrameLocks noGrp="1"/>
+          </p:cNvGraphicFramePr>
+          <p:nvPr>
+            <p:extLst>
+              <p:ext uri="{D42A27DB-BD31-4B8C-83A1-F6EECF244321}">
+                <p14:modId xmlns:p14="http://schemas.microsoft.com/office/powerpoint/2010/main" val="2416726772"/>
+              </p:ext>
+            </p:extLst>
+          </p:nvPr>
+        </p:nvGraphicFramePr>
+        <p:xfrm>
+          <a:off x="6670476" y="2708920"/>
+          <a:ext cx="4698522" cy="2103863"/>
+        </p:xfrm>
+        <a:graphic>
+          <a:graphicData uri="http://schemas.openxmlformats.org/drawingml/2006/table">
+            <a:tbl>
+              <a:tblPr firstRow="1" bandRow="1">
+                <a:tableStyleId>{5C22544A-7EE6-4342-B048-85BDC9FD1C3A}</a:tableStyleId>
+              </a:tblPr>
+              <a:tblGrid>
+                <a:gridCol w="1566174">
+                  <a:extLst>
+                    <a:ext uri="{9D8B030D-6E8A-4147-A177-3AD203B41FA5}">
+                      <a16:colId xmlns:a16="http://schemas.microsoft.com/office/drawing/2014/main" val="1491025190"/>
+                    </a:ext>
+                  </a:extLst>
+                </a:gridCol>
+                <a:gridCol w="1566174">
+                  <a:extLst>
+                    <a:ext uri="{9D8B030D-6E8A-4147-A177-3AD203B41FA5}">
+                      <a16:colId xmlns:a16="http://schemas.microsoft.com/office/drawing/2014/main" val="2841998606"/>
+                    </a:ext>
+                  </a:extLst>
+                </a:gridCol>
+                <a:gridCol w="1566174">
+                  <a:extLst>
+                    <a:ext uri="{9D8B030D-6E8A-4147-A177-3AD203B41FA5}">
+                      <a16:colId xmlns:a16="http://schemas.microsoft.com/office/drawing/2014/main" val="2607853299"/>
+                    </a:ext>
+                  </a:extLst>
+                </a:gridCol>
+              </a:tblGrid>
+              <a:tr h="996567">
+                <a:tc>
+                  <a:txBody>
+                    <a:bodyPr/>
+                    <a:lstStyle/>
+                    <a:p>
+                      <a:r>
+                        <a:rPr lang="it-IT" dirty="0" err="1"/>
+                        <a:t>Threads</a:t>
+                      </a:r>
+                      <a:endParaRPr lang="it-IT" dirty="0"/>
+                    </a:p>
+                  </a:txBody>
+                  <a:tcPr/>
+                </a:tc>
+                <a:tc>
+                  <a:txBody>
+                    <a:bodyPr/>
+                    <a:lstStyle/>
+                    <a:p>
+                      <a:r>
+                        <a:rPr lang="it-IT" dirty="0" err="1"/>
+                        <a:t>Avg</a:t>
+                      </a:r>
+                      <a:r>
+                        <a:rPr lang="it-IT" dirty="0"/>
+                        <a:t> time</a:t>
+                      </a:r>
+                    </a:p>
+                  </a:txBody>
+                  <a:tcPr/>
+                </a:tc>
+                <a:tc>
+                  <a:txBody>
+                    <a:bodyPr/>
+                    <a:lstStyle/>
+                    <a:p>
+                      <a:r>
+                        <a:rPr lang="it-IT" dirty="0" err="1"/>
+                        <a:t>Occupancy</a:t>
+                      </a:r>
+                      <a:endParaRPr lang="it-IT" dirty="0"/>
+                    </a:p>
+                  </a:txBody>
+                  <a:tcPr/>
+                </a:tc>
+                <a:extLst>
+                  <a:ext uri="{0D108BD9-81ED-4DB2-BD59-A6C34878D82A}">
+                    <a16:rowId xmlns:a16="http://schemas.microsoft.com/office/drawing/2014/main" val="208290358"/>
+                  </a:ext>
+                </a:extLst>
+              </a:tr>
+              <a:tr h="553648">
+                <a:tc>
+                  <a:txBody>
+                    <a:bodyPr/>
+                    <a:lstStyle/>
+                    <a:p>
+                      <a:r>
+                        <a:rPr lang="it-IT" dirty="0"/>
+                        <a:t>32</a:t>
+                      </a:r>
+                    </a:p>
+                  </a:txBody>
+                  <a:tcPr/>
+                </a:tc>
+                <a:tc>
+                  <a:txBody>
+                    <a:bodyPr/>
+                    <a:lstStyle/>
+                    <a:p>
+                      <a:r>
+                        <a:rPr lang="it-IT" dirty="0"/>
+                        <a:t>7,212s</a:t>
+                      </a:r>
+                    </a:p>
+                  </a:txBody>
+                  <a:tcPr/>
+                </a:tc>
+                <a:tc>
+                  <a:txBody>
+                    <a:bodyPr/>
+                    <a:lstStyle/>
+                    <a:p>
+                      <a:r>
+                        <a:rPr lang="it-IT" dirty="0"/>
+                        <a:t>0,016</a:t>
+                      </a:r>
+                    </a:p>
+                  </a:txBody>
+                  <a:tcPr/>
+                </a:tc>
+                <a:extLst>
+                  <a:ext uri="{0D108BD9-81ED-4DB2-BD59-A6C34878D82A}">
+                    <a16:rowId xmlns:a16="http://schemas.microsoft.com/office/drawing/2014/main" val="1064207463"/>
+                  </a:ext>
+                </a:extLst>
+              </a:tr>
+              <a:tr h="553648">
+                <a:tc>
+                  <a:txBody>
+                    <a:bodyPr/>
+                    <a:lstStyle/>
+                    <a:p>
+                      <a:r>
+                        <a:rPr lang="it-IT" dirty="0"/>
+                        <a:t>2048</a:t>
+                      </a:r>
+                    </a:p>
+                  </a:txBody>
+                  <a:tcPr/>
+                </a:tc>
+                <a:tc>
+                  <a:txBody>
+                    <a:bodyPr/>
+                    <a:lstStyle/>
+                    <a:p>
+                      <a:r>
+                        <a:rPr lang="it-IT" dirty="0"/>
+                        <a:t>165,44ms</a:t>
+                      </a:r>
+                    </a:p>
+                  </a:txBody>
+                  <a:tcPr/>
+                </a:tc>
+                <a:tc>
+                  <a:txBody>
+                    <a:bodyPr/>
+                    <a:lstStyle/>
+                    <a:p>
+                      <a:r>
+                        <a:rPr lang="it-IT" dirty="0"/>
+                        <a:t>0,200</a:t>
+                      </a:r>
+                    </a:p>
+                  </a:txBody>
+                  <a:tcPr/>
+                </a:tc>
+                <a:extLst>
+                  <a:ext uri="{0D108BD9-81ED-4DB2-BD59-A6C34878D82A}">
+                    <a16:rowId xmlns:a16="http://schemas.microsoft.com/office/drawing/2014/main" val="2617782464"/>
+                  </a:ext>
+                </a:extLst>
+              </a:tr>
+            </a:tbl>
+          </a:graphicData>
+        </a:graphic>
+      </p:graphicFrame>
+    </p:spTree>
+    <p:extLst>
+      <p:ext uri="{BB962C8B-B14F-4D97-AF65-F5344CB8AC3E}">
+        <p14:creationId xmlns:p14="http://schemas.microsoft.com/office/powerpoint/2010/main" val="1439616825"/>
+      </p:ext>
+    </p:extLst>
+  </p:cSld>
+  <p:clrMapOvr>
+    <a:masterClrMapping/>
+  </p:clrMapOvr>
+  <mc:AlternateContent xmlns:mc="http://schemas.openxmlformats.org/markup-compatibility/2006" xmlns:p14="http://schemas.microsoft.com/office/powerpoint/2010/main">
+    <mc:Choice Requires="p14">
+      <p:transition spd="med" p14:dur="700">
+        <p:fade/>
+      </p:transition>
+    </mc:Choice>
+    <mc:Fallback xmlns="">
+      <p:transition spd="med">
+        <p:fade/>
+      </p:transition>
+    </mc:Fallback>
+  </mc:AlternateContent>
+</p:sld>
+</file>
+
+<file path=ppt/slides/slide24.xml><?xml version="1.0" encoding="utf-8"?>
+<p:sld xmlns:a="http://schemas.openxmlformats.org/drawingml/2006/main" xmlns:r="http://schemas.openxmlformats.org/officeDocument/2006/relationships" xmlns:p="http://schemas.openxmlformats.org/presentationml/2006/main">
+  <p:cSld>
+    <p:spTree>
+      <p:nvGrpSpPr>
+        <p:cNvPr id="1" name=""/>
+        <p:cNvGrpSpPr/>
+        <p:nvPr/>
+      </p:nvGrpSpPr>
+      <p:grpSpPr>
+        <a:xfrm>
+          <a:off x="0" y="0"/>
+          <a:ext cx="0" cy="0"/>
+          <a:chOff x="0" y="0"/>
+          <a:chExt cx="0" cy="0"/>
+        </a:xfrm>
+      </p:grpSpPr>
+      <p:sp>
+        <p:nvSpPr>
+          <p:cNvPr id="2" name="Title 1">
+            <a:extLst>
+              <a:ext uri="{FF2B5EF4-FFF2-40B4-BE49-F238E27FC236}">
+                <a16:creationId xmlns:a16="http://schemas.microsoft.com/office/drawing/2014/main" id="{8E2C760F-AFFF-2AC3-19BB-20F771204C23}"/>
+              </a:ext>
+            </a:extLst>
+          </p:cNvPr>
+          <p:cNvSpPr>
+            <a:spLocks noGrp="1"/>
+          </p:cNvSpPr>
+          <p:nvPr>
+            <p:ph type="title"/>
+          </p:nvPr>
+        </p:nvSpPr>
+        <p:spPr/>
+        <p:txBody>
+          <a:bodyPr>
+            <a:normAutofit/>
+          </a:bodyPr>
+          <a:lstStyle/>
+          <a:p>
+            <a:pPr algn="ctr"/>
+            <a:r>
+              <a:rPr lang="en-US" dirty="0"/>
+              <a:t>3. With a very high number of threads speedup diminishes</a:t>
+            </a:r>
+            <a:endParaRPr lang="it-IT" dirty="0"/>
+          </a:p>
+        </p:txBody>
+      </p:sp>
+      <p:sp>
+        <p:nvSpPr>
+          <p:cNvPr id="3" name="Content Placeholder 2">
+            <a:extLst>
+              <a:ext uri="{FF2B5EF4-FFF2-40B4-BE49-F238E27FC236}">
+                <a16:creationId xmlns:a16="http://schemas.microsoft.com/office/drawing/2014/main" id="{699DCFFB-463D-03C1-8569-A3A804940DE5}"/>
+              </a:ext>
+            </a:extLst>
+          </p:cNvPr>
+          <p:cNvSpPr>
+            <a:spLocks noGrp="1"/>
+          </p:cNvSpPr>
+          <p:nvPr>
+            <p:ph idx="1"/>
+          </p:nvPr>
+        </p:nvSpPr>
+        <p:spPr>
+          <a:xfrm>
+            <a:off x="1189060" y="2060848"/>
+            <a:ext cx="10420145" cy="1151139"/>
+          </a:xfrm>
+        </p:spPr>
+        <p:txBody>
+          <a:bodyPr/>
+          <a:lstStyle/>
+          <a:p>
+            <a:r>
+              <a:rPr lang="it-IT" dirty="0"/>
+              <a:t>4x the number of </a:t>
+            </a:r>
+            <a:r>
+              <a:rPr lang="it-IT" dirty="0" err="1"/>
+              <a:t>threads</a:t>
+            </a:r>
+            <a:r>
+              <a:rPr lang="it-IT" dirty="0"/>
+              <a:t> </a:t>
+            </a:r>
+            <a:r>
+              <a:rPr lang="it-IT" dirty="0" err="1"/>
+              <a:t>gives</a:t>
+            </a:r>
+            <a:r>
+              <a:rPr lang="it-IT" dirty="0"/>
+              <a:t> a </a:t>
+            </a:r>
+            <a:r>
+              <a:rPr lang="it-IT" dirty="0" err="1"/>
+              <a:t>higher</a:t>
+            </a:r>
+            <a:r>
+              <a:rPr lang="it-IT" dirty="0"/>
+              <a:t> overhead, </a:t>
+            </a:r>
+            <a:r>
+              <a:rPr lang="it-IT" dirty="0" err="1"/>
+              <a:t>increasing</a:t>
+            </a:r>
+            <a:r>
+              <a:rPr lang="it-IT" dirty="0"/>
+              <a:t> </a:t>
+            </a:r>
+            <a:r>
+              <a:rPr lang="it-IT" dirty="0" err="1"/>
+              <a:t>execution</a:t>
+            </a:r>
+            <a:r>
+              <a:rPr lang="it-IT" dirty="0"/>
+              <a:t> time and </a:t>
+            </a:r>
+            <a:r>
+              <a:rPr lang="it-IT" dirty="0" err="1"/>
+              <a:t>reducing</a:t>
+            </a:r>
+            <a:r>
+              <a:rPr lang="it-IT" dirty="0"/>
+              <a:t> </a:t>
+            </a:r>
+            <a:r>
+              <a:rPr lang="it-IT" dirty="0" err="1"/>
+              <a:t>warp</a:t>
+            </a:r>
+            <a:r>
+              <a:rPr lang="it-IT" dirty="0"/>
+              <a:t> </a:t>
+            </a:r>
+            <a:r>
+              <a:rPr lang="it-IT" dirty="0" err="1"/>
+              <a:t>efficiency</a:t>
+            </a:r>
+            <a:endParaRPr lang="it-IT" dirty="0"/>
+          </a:p>
+          <a:p>
+            <a:endParaRPr lang="it-IT" dirty="0"/>
+          </a:p>
+        </p:txBody>
+      </p:sp>
+      <p:graphicFrame>
+        <p:nvGraphicFramePr>
+          <p:cNvPr id="4" name="Table 3">
+            <a:extLst>
+              <a:ext uri="{FF2B5EF4-FFF2-40B4-BE49-F238E27FC236}">
+                <a16:creationId xmlns:a16="http://schemas.microsoft.com/office/drawing/2014/main" id="{258F3EA7-D86D-3319-0F0B-C14FDF4D9925}"/>
+              </a:ext>
+            </a:extLst>
+          </p:cNvPr>
+          <p:cNvGraphicFramePr>
+            <a:graphicFrameLocks noGrp="1"/>
+          </p:cNvGraphicFramePr>
+          <p:nvPr>
+            <p:extLst>
+              <p:ext uri="{D42A27DB-BD31-4B8C-83A1-F6EECF244321}">
+                <p14:modId xmlns:p14="http://schemas.microsoft.com/office/powerpoint/2010/main" val="168044274"/>
+              </p:ext>
+            </p:extLst>
+          </p:nvPr>
+        </p:nvGraphicFramePr>
+        <p:xfrm>
+          <a:off x="1413892" y="3573016"/>
+          <a:ext cx="9937105" cy="2520281"/>
+        </p:xfrm>
+        <a:graphic>
+          <a:graphicData uri="http://schemas.openxmlformats.org/drawingml/2006/table">
+            <a:tbl>
+              <a:tblPr firstRow="1" bandRow="1">
+                <a:tableStyleId>{5C22544A-7EE6-4342-B048-85BDC9FD1C3A}</a:tableStyleId>
+              </a:tblPr>
+              <a:tblGrid>
+                <a:gridCol w="2484277">
+                  <a:extLst>
+                    <a:ext uri="{9D8B030D-6E8A-4147-A177-3AD203B41FA5}">
+                      <a16:colId xmlns:a16="http://schemas.microsoft.com/office/drawing/2014/main" val="1063208438"/>
+                    </a:ext>
+                  </a:extLst>
+                </a:gridCol>
+                <a:gridCol w="2484277">
+                  <a:extLst>
+                    <a:ext uri="{9D8B030D-6E8A-4147-A177-3AD203B41FA5}">
+                      <a16:colId xmlns:a16="http://schemas.microsoft.com/office/drawing/2014/main" val="896712163"/>
+                    </a:ext>
+                  </a:extLst>
+                </a:gridCol>
+                <a:gridCol w="2612355">
+                  <a:extLst>
+                    <a:ext uri="{9D8B030D-6E8A-4147-A177-3AD203B41FA5}">
+                      <a16:colId xmlns:a16="http://schemas.microsoft.com/office/drawing/2014/main" val="2373999896"/>
+                    </a:ext>
+                  </a:extLst>
+                </a:gridCol>
+                <a:gridCol w="2356196">
+                  <a:extLst>
+                    <a:ext uri="{9D8B030D-6E8A-4147-A177-3AD203B41FA5}">
+                      <a16:colId xmlns:a16="http://schemas.microsoft.com/office/drawing/2014/main" val="560050579"/>
+                    </a:ext>
+                  </a:extLst>
+                </a:gridCol>
+              </a:tblGrid>
+              <a:tr h="909739">
+                <a:tc>
+                  <a:txBody>
+                    <a:bodyPr/>
+                    <a:lstStyle/>
+                    <a:p>
+                      <a:r>
+                        <a:rPr lang="it-IT" dirty="0" err="1"/>
+                        <a:t>Threads</a:t>
+                      </a:r>
+                      <a:endParaRPr lang="it-IT" dirty="0"/>
+                    </a:p>
+                  </a:txBody>
+                  <a:tcPr/>
+                </a:tc>
+                <a:tc>
+                  <a:txBody>
+                    <a:bodyPr/>
+                    <a:lstStyle/>
+                    <a:p>
+                      <a:r>
+                        <a:rPr lang="it-IT" dirty="0" err="1"/>
+                        <a:t>Avg</a:t>
+                      </a:r>
+                      <a:r>
+                        <a:rPr lang="it-IT" dirty="0"/>
+                        <a:t> time</a:t>
+                      </a:r>
+                    </a:p>
+                  </a:txBody>
+                  <a:tcPr/>
+                </a:tc>
+                <a:tc>
+                  <a:txBody>
+                    <a:bodyPr/>
+                    <a:lstStyle/>
+                    <a:p>
+                      <a:r>
+                        <a:rPr lang="it-IT" dirty="0" err="1"/>
+                        <a:t>Occupancy</a:t>
+                      </a:r>
+                      <a:endParaRPr lang="it-IT" dirty="0"/>
+                    </a:p>
+                  </a:txBody>
+                  <a:tcPr/>
+                </a:tc>
+                <a:tc>
+                  <a:txBody>
+                    <a:bodyPr/>
+                    <a:lstStyle/>
+                    <a:p>
+                      <a:r>
+                        <a:rPr lang="it-IT" dirty="0" err="1"/>
+                        <a:t>Warp</a:t>
+                      </a:r>
+                      <a:r>
+                        <a:rPr lang="it-IT" dirty="0"/>
+                        <a:t> </a:t>
+                      </a:r>
+                      <a:r>
+                        <a:rPr lang="it-IT" dirty="0" err="1"/>
+                        <a:t>efficiency</a:t>
+                      </a:r>
+                      <a:endParaRPr lang="it-IT" dirty="0"/>
+                    </a:p>
+                  </a:txBody>
+                  <a:tcPr/>
+                </a:tc>
+                <a:extLst>
+                  <a:ext uri="{0D108BD9-81ED-4DB2-BD59-A6C34878D82A}">
+                    <a16:rowId xmlns:a16="http://schemas.microsoft.com/office/drawing/2014/main" val="2855950676"/>
+                  </a:ext>
+                </a:extLst>
+              </a:tr>
+              <a:tr h="805271">
+                <a:tc>
+                  <a:txBody>
+                    <a:bodyPr/>
+                    <a:lstStyle/>
+                    <a:p>
+                      <a:r>
+                        <a:rPr lang="it-IT" dirty="0"/>
+                        <a:t>2048</a:t>
+                      </a:r>
+                    </a:p>
+                  </a:txBody>
+                  <a:tcPr/>
+                </a:tc>
+                <a:tc>
+                  <a:txBody>
+                    <a:bodyPr/>
+                    <a:lstStyle/>
+                    <a:p>
+                      <a:r>
+                        <a:rPr lang="it-IT" dirty="0"/>
+                        <a:t>165,44ms</a:t>
+                      </a:r>
+                    </a:p>
+                  </a:txBody>
+                  <a:tcPr/>
+                </a:tc>
+                <a:tc>
+                  <a:txBody>
+                    <a:bodyPr/>
+                    <a:lstStyle/>
+                    <a:p>
+                      <a:r>
+                        <a:rPr lang="it-IT" dirty="0"/>
+                        <a:t>0,200</a:t>
+                      </a:r>
+                    </a:p>
+                  </a:txBody>
+                  <a:tcPr/>
+                </a:tc>
+                <a:tc>
+                  <a:txBody>
+                    <a:bodyPr/>
+                    <a:lstStyle/>
+                    <a:p>
+                      <a:r>
+                        <a:rPr lang="it-IT" dirty="0"/>
+                        <a:t>99,5%</a:t>
+                      </a:r>
+                    </a:p>
+                  </a:txBody>
+                  <a:tcPr/>
+                </a:tc>
+                <a:extLst>
+                  <a:ext uri="{0D108BD9-81ED-4DB2-BD59-A6C34878D82A}">
+                    <a16:rowId xmlns:a16="http://schemas.microsoft.com/office/drawing/2014/main" val="738049192"/>
+                  </a:ext>
+                </a:extLst>
+              </a:tr>
+              <a:tr h="805271">
+                <a:tc>
+                  <a:txBody>
+                    <a:bodyPr/>
+                    <a:lstStyle/>
+                    <a:p>
+                      <a:r>
+                        <a:rPr lang="it-IT" dirty="0"/>
+                        <a:t>8192</a:t>
+                      </a:r>
+                    </a:p>
+                  </a:txBody>
+                  <a:tcPr/>
+                </a:tc>
+                <a:tc>
+                  <a:txBody>
+                    <a:bodyPr/>
+                    <a:lstStyle/>
+                    <a:p>
+                      <a:r>
+                        <a:rPr lang="it-IT" dirty="0"/>
+                        <a:t>189,26ms</a:t>
+                      </a:r>
+                    </a:p>
+                  </a:txBody>
+                  <a:tcPr/>
+                </a:tc>
+                <a:tc>
+                  <a:txBody>
+                    <a:bodyPr/>
+                    <a:lstStyle/>
+                    <a:p>
+                      <a:r>
+                        <a:rPr lang="it-IT" dirty="0"/>
+                        <a:t>0,452</a:t>
+                      </a:r>
+                    </a:p>
+                  </a:txBody>
+                  <a:tcPr/>
+                </a:tc>
+                <a:tc>
+                  <a:txBody>
+                    <a:bodyPr/>
+                    <a:lstStyle/>
+                    <a:p>
+                      <a:r>
+                        <a:rPr lang="it-IT" dirty="0"/>
+                        <a:t>95,5%</a:t>
+                      </a:r>
+                    </a:p>
+                  </a:txBody>
+                  <a:tcPr/>
+                </a:tc>
+                <a:extLst>
+                  <a:ext uri="{0D108BD9-81ED-4DB2-BD59-A6C34878D82A}">
+                    <a16:rowId xmlns:a16="http://schemas.microsoft.com/office/drawing/2014/main" val="2805850797"/>
+                  </a:ext>
+                </a:extLst>
+              </a:tr>
+            </a:tbl>
+          </a:graphicData>
+        </a:graphic>
+      </p:graphicFrame>
+    </p:spTree>
+    <p:extLst>
+      <p:ext uri="{BB962C8B-B14F-4D97-AF65-F5344CB8AC3E}">
+        <p14:creationId xmlns:p14="http://schemas.microsoft.com/office/powerpoint/2010/main" val="1924709074"/>
+      </p:ext>
+    </p:extLst>
+  </p:cSld>
+  <p:clrMapOvr>
+    <a:masterClrMapping/>
+  </p:clrMapOvr>
+  <mc:AlternateContent xmlns:mc="http://schemas.openxmlformats.org/markup-compatibility/2006" xmlns:p14="http://schemas.microsoft.com/office/powerpoint/2010/main">
+    <mc:Choice Requires="p14">
+      <p:transition spd="med" p14:dur="700">
+        <p:fade/>
+      </p:transition>
+    </mc:Choice>
+    <mc:Fallback xmlns="">
+      <p:transition spd="med">
+        <p:fade/>
+      </p:transition>
+    </mc:Fallback>
+  </mc:AlternateContent>
+</p:sld>
+</file>
+
+<file path=ppt/slides/slide25.xml><?xml version="1.0" encoding="utf-8"?>
+<p:sld xmlns:a="http://schemas.openxmlformats.org/drawingml/2006/main" xmlns:r="http://schemas.openxmlformats.org/officeDocument/2006/relationships" xmlns:p="http://schemas.openxmlformats.org/presentationml/2006/main">
+  <p:cSld>
+    <p:spTree>
+      <p:nvGrpSpPr>
+        <p:cNvPr id="1" name=""/>
+        <p:cNvGrpSpPr/>
+        <p:nvPr/>
+      </p:nvGrpSpPr>
+      <p:grpSpPr>
+        <a:xfrm>
+          <a:off x="0" y="0"/>
+          <a:ext cx="0" cy="0"/>
+          <a:chOff x="0" y="0"/>
+          <a:chExt cx="0" cy="0"/>
+        </a:xfrm>
+      </p:grpSpPr>
+      <p:sp>
+        <p:nvSpPr>
+          <p:cNvPr id="2" name="Title 1">
+            <a:extLst>
+              <a:ext uri="{FF2B5EF4-FFF2-40B4-BE49-F238E27FC236}">
+                <a16:creationId xmlns:a16="http://schemas.microsoft.com/office/drawing/2014/main" id="{6BA45339-81DA-7F53-F7F6-FFBF69D7129C}"/>
+              </a:ext>
+            </a:extLst>
+          </p:cNvPr>
+          <p:cNvSpPr>
+            <a:spLocks noGrp="1"/>
+          </p:cNvSpPr>
+          <p:nvPr>
+            <p:ph type="title"/>
+          </p:nvPr>
+        </p:nvSpPr>
+        <p:spPr>
+          <a:xfrm>
+            <a:off x="1218883" y="274637"/>
+            <a:ext cx="10360501" cy="706091"/>
+          </a:xfrm>
+        </p:spPr>
+        <p:txBody>
+          <a:bodyPr/>
+          <a:lstStyle/>
+          <a:p>
+            <a:pPr algn="ctr"/>
+            <a:r>
+              <a:rPr lang="it-IT" dirty="0" err="1"/>
+              <a:t>Speedup</a:t>
+            </a:r>
+            <a:r>
+              <a:rPr lang="it-IT" dirty="0"/>
+              <a:t> of </a:t>
+            </a:r>
+            <a:r>
+              <a:rPr lang="it-IT" dirty="0" err="1"/>
+              <a:t>optimization</a:t>
+            </a:r>
+            <a:endParaRPr lang="it-IT" dirty="0"/>
+          </a:p>
+        </p:txBody>
+      </p:sp>
+      <p:sp>
+        <p:nvSpPr>
+          <p:cNvPr id="3" name="Content Placeholder 2">
+            <a:extLst>
+              <a:ext uri="{FF2B5EF4-FFF2-40B4-BE49-F238E27FC236}">
+                <a16:creationId xmlns:a16="http://schemas.microsoft.com/office/drawing/2014/main" id="{32781D11-88AF-9BB4-5571-3D1C0ACC231F}"/>
+              </a:ext>
+            </a:extLst>
+          </p:cNvPr>
+          <p:cNvSpPr>
+            <a:spLocks noGrp="1"/>
+          </p:cNvSpPr>
+          <p:nvPr>
+            <p:ph idx="1"/>
+          </p:nvPr>
+        </p:nvSpPr>
+        <p:spPr>
+          <a:xfrm>
+            <a:off x="1218883" y="1124744"/>
+            <a:ext cx="10360501" cy="5039325"/>
+          </a:xfrm>
+        </p:spPr>
+        <p:txBody>
+          <a:bodyPr/>
+          <a:lstStyle/>
+          <a:p>
+            <a:endParaRPr lang="it-IT" dirty="0"/>
+          </a:p>
+        </p:txBody>
+      </p:sp>
+    </p:spTree>
+    <p:extLst>
+      <p:ext uri="{BB962C8B-B14F-4D97-AF65-F5344CB8AC3E}">
+        <p14:creationId xmlns:p14="http://schemas.microsoft.com/office/powerpoint/2010/main" val="650223574"/>
+      </p:ext>
+    </p:extLst>
+  </p:cSld>
+  <p:clrMapOvr>
+    <a:masterClrMapping/>
+  </p:clrMapOvr>
+  <mc:AlternateContent xmlns:mc="http://schemas.openxmlformats.org/markup-compatibility/2006" xmlns:p14="http://schemas.microsoft.com/office/powerpoint/2010/main">
+    <mc:Choice Requires="p14">
+      <p:transition spd="med" p14:dur="700">
+        <p:fade/>
+      </p:transition>
+    </mc:Choice>
+    <mc:Fallback xmlns="">
+      <p:transition spd="med">
+        <p:fade/>
+      </p:transition>
+    </mc:Fallback>
+  </mc:AlternateContent>
+</p:sld>
+</file>
+
+<file path=ppt/slides/slide26.xml><?xml version="1.0" encoding="utf-8"?>
+<p:sld xmlns:a="http://schemas.openxmlformats.org/drawingml/2006/main" xmlns:r="http://schemas.openxmlformats.org/officeDocument/2006/relationships" xmlns:p="http://schemas.openxmlformats.org/presentationml/2006/main">
+  <p:cSld>
+    <p:spTree>
+      <p:nvGrpSpPr>
+        <p:cNvPr id="1" name=""/>
+        <p:cNvGrpSpPr/>
+        <p:nvPr/>
+      </p:nvGrpSpPr>
+      <p:grpSpPr>
+        <a:xfrm>
+          <a:off x="0" y="0"/>
+          <a:ext cx="0" cy="0"/>
+          <a:chOff x="0" y="0"/>
+          <a:chExt cx="0" cy="0"/>
+        </a:xfrm>
+      </p:grpSpPr>
+      <p:sp>
+        <p:nvSpPr>
+          <p:cNvPr id="2" name="Title 1">
+            <a:extLst>
+              <a:ext uri="{FF2B5EF4-FFF2-40B4-BE49-F238E27FC236}">
+                <a16:creationId xmlns:a16="http://schemas.microsoft.com/office/drawing/2014/main" id="{6BA45339-81DA-7F53-F7F6-FFBF69D7129C}"/>
+              </a:ext>
+            </a:extLst>
+          </p:cNvPr>
+          <p:cNvSpPr>
+            <a:spLocks noGrp="1"/>
+          </p:cNvSpPr>
+          <p:nvPr>
+            <p:ph type="title"/>
+          </p:nvPr>
+        </p:nvSpPr>
+        <p:spPr>
+          <a:xfrm>
+            <a:off x="1218883" y="274637"/>
+            <a:ext cx="10360501" cy="706091"/>
+          </a:xfrm>
+        </p:spPr>
+        <p:txBody>
+          <a:bodyPr/>
+          <a:lstStyle/>
+          <a:p>
+            <a:pPr algn="ctr"/>
+            <a:r>
+              <a:rPr lang="it-IT" dirty="0"/>
+              <a:t>Global Memory access pattern </a:t>
+            </a:r>
+            <a:r>
+              <a:rPr lang="it-IT" dirty="0" err="1"/>
+              <a:t>optimization</a:t>
+            </a:r>
+            <a:endParaRPr lang="it-IT" dirty="0"/>
+          </a:p>
+        </p:txBody>
+      </p:sp>
+      <p:pic>
+        <p:nvPicPr>
+          <p:cNvPr id="5" name="Content Placeholder 4">
+            <a:extLst>
+              <a:ext uri="{FF2B5EF4-FFF2-40B4-BE49-F238E27FC236}">
+                <a16:creationId xmlns:a16="http://schemas.microsoft.com/office/drawing/2014/main" id="{7A358690-A6EE-A939-3872-D898B725FA44}"/>
+              </a:ext>
+            </a:extLst>
+          </p:cNvPr>
+          <p:cNvPicPr>
+            <a:picLocks noGrp="1" noChangeAspect="1"/>
+          </p:cNvPicPr>
+          <p:nvPr>
+            <p:ph idx="1"/>
+          </p:nvPr>
+        </p:nvPicPr>
+        <p:blipFill>
+          <a:blip r:embed="rId2"/>
+          <a:stretch>
+            <a:fillRect/>
+          </a:stretch>
+        </p:blipFill>
+        <p:spPr>
+          <a:xfrm>
+            <a:off x="1209696" y="1700808"/>
+            <a:ext cx="3293896" cy="4377749"/>
+          </a:xfrm>
+        </p:spPr>
+      </p:pic>
+      <p:sp>
+        <p:nvSpPr>
+          <p:cNvPr id="6" name="TextBox 5">
+            <a:extLst>
+              <a:ext uri="{FF2B5EF4-FFF2-40B4-BE49-F238E27FC236}">
+                <a16:creationId xmlns:a16="http://schemas.microsoft.com/office/drawing/2014/main" id="{3307B747-D5D4-A3AC-2E9F-1784B2DBC4B3}"/>
+              </a:ext>
+            </a:extLst>
+          </p:cNvPr>
+          <p:cNvSpPr txBox="1"/>
+          <p:nvPr/>
+        </p:nvSpPr>
+        <p:spPr>
+          <a:xfrm>
+            <a:off x="1557908" y="1079158"/>
+            <a:ext cx="2409186" cy="523220"/>
+          </a:xfrm>
+          <a:prstGeom prst="rect">
+            <a:avLst/>
+          </a:prstGeom>
+          <a:noFill/>
+        </p:spPr>
+        <p:txBody>
+          <a:bodyPr wrap="none" rtlCol="0">
+            <a:spAutoFit/>
+          </a:bodyPr>
+          <a:lstStyle/>
+          <a:p>
+            <a:r>
+              <a:rPr lang="it-IT" sz="2800" dirty="0"/>
+              <a:t>Array of </a:t>
+            </a:r>
+            <a:r>
+              <a:rPr lang="it-IT" sz="2800" dirty="0" err="1"/>
+              <a:t>structs</a:t>
+            </a:r>
+            <a:endParaRPr lang="it-IT" sz="2800" dirty="0"/>
+          </a:p>
+        </p:txBody>
+      </p:sp>
+      <p:pic>
+        <p:nvPicPr>
+          <p:cNvPr id="8" name="Picture 7">
+            <a:extLst>
+              <a:ext uri="{FF2B5EF4-FFF2-40B4-BE49-F238E27FC236}">
+                <a16:creationId xmlns:a16="http://schemas.microsoft.com/office/drawing/2014/main" id="{699B5978-2947-E1D0-9F97-34442270A102}"/>
+              </a:ext>
+            </a:extLst>
+          </p:cNvPr>
+          <p:cNvPicPr>
+            <a:picLocks noChangeAspect="1"/>
+          </p:cNvPicPr>
+          <p:nvPr/>
+        </p:nvPicPr>
+        <p:blipFill>
+          <a:blip r:embed="rId3"/>
+          <a:stretch>
+            <a:fillRect/>
+          </a:stretch>
+        </p:blipFill>
+        <p:spPr>
+          <a:xfrm>
+            <a:off x="4942284" y="1716832"/>
+            <a:ext cx="2963660" cy="4365048"/>
+          </a:xfrm>
+          <a:prstGeom prst="rect">
+            <a:avLst/>
+          </a:prstGeom>
+        </p:spPr>
+      </p:pic>
+      <p:sp>
+        <p:nvSpPr>
+          <p:cNvPr id="9" name="TextBox 8">
+            <a:extLst>
+              <a:ext uri="{FF2B5EF4-FFF2-40B4-BE49-F238E27FC236}">
+                <a16:creationId xmlns:a16="http://schemas.microsoft.com/office/drawing/2014/main" id="{38362496-002E-4000-D296-BBBDCE749E8E}"/>
+              </a:ext>
+            </a:extLst>
+          </p:cNvPr>
+          <p:cNvSpPr txBox="1"/>
+          <p:nvPr/>
+        </p:nvSpPr>
+        <p:spPr>
+          <a:xfrm>
+            <a:off x="5200600" y="1079158"/>
+            <a:ext cx="2397066" cy="523220"/>
+          </a:xfrm>
+          <a:prstGeom prst="rect">
+            <a:avLst/>
+          </a:prstGeom>
+          <a:noFill/>
+        </p:spPr>
+        <p:txBody>
+          <a:bodyPr wrap="none" rtlCol="0">
+            <a:spAutoFit/>
+          </a:bodyPr>
+          <a:lstStyle/>
+          <a:p>
+            <a:r>
+              <a:rPr lang="it-IT" sz="2800" dirty="0" err="1"/>
+              <a:t>Struct</a:t>
+            </a:r>
+            <a:r>
+              <a:rPr lang="it-IT" sz="2800" dirty="0"/>
+              <a:t> of arrays</a:t>
+            </a:r>
+          </a:p>
+        </p:txBody>
+      </p:sp>
+      <p:sp>
+        <p:nvSpPr>
+          <p:cNvPr id="10" name="TextBox 9">
+            <a:extLst>
+              <a:ext uri="{FF2B5EF4-FFF2-40B4-BE49-F238E27FC236}">
+                <a16:creationId xmlns:a16="http://schemas.microsoft.com/office/drawing/2014/main" id="{FFF5931F-BA03-F76B-91A0-8C5DD6CC5408}"/>
+              </a:ext>
+            </a:extLst>
+          </p:cNvPr>
+          <p:cNvSpPr txBox="1"/>
+          <p:nvPr/>
+        </p:nvSpPr>
+        <p:spPr>
+          <a:xfrm>
+            <a:off x="8398669" y="1844824"/>
+            <a:ext cx="3456384" cy="3108543"/>
+          </a:xfrm>
+          <a:prstGeom prst="rect">
+            <a:avLst/>
+          </a:prstGeom>
+          <a:noFill/>
+        </p:spPr>
+        <p:txBody>
+          <a:bodyPr wrap="square" rtlCol="0">
+            <a:spAutoFit/>
+          </a:bodyPr>
+          <a:lstStyle/>
+          <a:p>
+            <a:r>
+              <a:rPr lang="it-IT" sz="2800" dirty="0" err="1"/>
+              <a:t>Struct</a:t>
+            </a:r>
+            <a:r>
+              <a:rPr lang="it-IT" sz="2800" dirty="0"/>
+              <a:t> of arrays </a:t>
+            </a:r>
+            <a:r>
+              <a:rPr lang="it-IT" sz="2800" dirty="0" err="1"/>
+              <a:t>optimizes</a:t>
+            </a:r>
+            <a:r>
+              <a:rPr lang="it-IT" sz="2800" dirty="0"/>
+              <a:t> </a:t>
+            </a:r>
+            <a:r>
+              <a:rPr lang="it-IT" sz="2800" dirty="0" err="1"/>
+              <a:t>memory</a:t>
+            </a:r>
+            <a:r>
+              <a:rPr lang="it-IT" sz="2800" dirty="0"/>
+              <a:t> access patterns: data </a:t>
+            </a:r>
+            <a:r>
+              <a:rPr lang="it-IT" sz="2800" dirty="0" err="1"/>
+              <a:t>is</a:t>
+            </a:r>
+            <a:r>
+              <a:rPr lang="it-IT" sz="2800" dirty="0"/>
+              <a:t> </a:t>
+            </a:r>
+            <a:r>
+              <a:rPr lang="it-IT" sz="2800" dirty="0" err="1"/>
+              <a:t>adjacent</a:t>
+            </a:r>
+            <a:r>
+              <a:rPr lang="it-IT" sz="2800" dirty="0"/>
+              <a:t> for </a:t>
+            </a:r>
+            <a:r>
+              <a:rPr lang="it-IT" sz="2800" dirty="0" err="1"/>
+              <a:t>threads</a:t>
+            </a:r>
+            <a:r>
+              <a:rPr lang="it-IT" sz="2800" dirty="0"/>
+              <a:t> in a </a:t>
+            </a:r>
+            <a:r>
+              <a:rPr lang="it-IT" sz="2800" dirty="0" err="1"/>
+              <a:t>warp</a:t>
+            </a:r>
+            <a:r>
+              <a:rPr lang="it-IT" sz="2800" dirty="0"/>
+              <a:t>, </a:t>
+            </a:r>
+            <a:r>
+              <a:rPr lang="it-IT" sz="2800" dirty="0" err="1"/>
+              <a:t>which</a:t>
+            </a:r>
+            <a:r>
+              <a:rPr lang="it-IT" sz="2800" dirty="0"/>
+              <a:t> </a:t>
+            </a:r>
+            <a:r>
+              <a:rPr lang="it-IT" sz="2800" dirty="0" err="1"/>
+              <a:t>translates</a:t>
+            </a:r>
+            <a:r>
+              <a:rPr lang="it-IT" sz="2800" dirty="0"/>
+              <a:t> </a:t>
+            </a:r>
+            <a:r>
+              <a:rPr lang="it-IT" sz="2800" dirty="0" err="1"/>
+              <a:t>into</a:t>
+            </a:r>
+            <a:r>
+              <a:rPr lang="it-IT" sz="2800" dirty="0"/>
+              <a:t> </a:t>
+            </a:r>
+            <a:r>
+              <a:rPr lang="it-IT" sz="2800" dirty="0" err="1"/>
+              <a:t>fewer</a:t>
+            </a:r>
+            <a:r>
+              <a:rPr lang="it-IT" sz="2800" dirty="0"/>
+              <a:t> </a:t>
+            </a:r>
+            <a:r>
+              <a:rPr lang="it-IT" sz="2800" dirty="0" err="1"/>
+              <a:t>memory</a:t>
+            </a:r>
+            <a:r>
+              <a:rPr lang="it-IT" sz="2800" dirty="0"/>
+              <a:t> accesses</a:t>
+            </a:r>
+          </a:p>
+        </p:txBody>
+      </p:sp>
+    </p:spTree>
+    <p:extLst>
+      <p:ext uri="{BB962C8B-B14F-4D97-AF65-F5344CB8AC3E}">
+        <p14:creationId xmlns:p14="http://schemas.microsoft.com/office/powerpoint/2010/main" val="1727362453"/>
+      </p:ext>
+    </p:extLst>
+  </p:cSld>
+  <p:clrMapOvr>
+    <a:masterClrMapping/>
+  </p:clrMapOvr>
+  <mc:AlternateContent xmlns:mc="http://schemas.openxmlformats.org/markup-compatibility/2006" xmlns:p14="http://schemas.microsoft.com/office/powerpoint/2010/main">
+    <mc:Choice Requires="p14">
+      <p:transition spd="med" p14:dur="700">
+        <p:fade/>
+      </p:transition>
+    </mc:Choice>
+    <mc:Fallback xmlns="">
+      <p:transition spd="med">
+        <p:fade/>
+      </p:transition>
+    </mc:Fallback>
+  </mc:AlternateContent>
+</p:sld>
+</file>
+
+<file path=ppt/slides/slide27.xml><?xml version="1.0" encoding="utf-8"?>
+<p:sld xmlns:a="http://schemas.openxmlformats.org/drawingml/2006/main" xmlns:r="http://schemas.openxmlformats.org/officeDocument/2006/relationships" xmlns:p="http://schemas.openxmlformats.org/presentationml/2006/main">
+  <p:cSld>
+    <p:spTree>
+      <p:nvGrpSpPr>
+        <p:cNvPr id="1" name=""/>
+        <p:cNvGrpSpPr/>
+        <p:nvPr/>
+      </p:nvGrpSpPr>
+      <p:grpSpPr>
+        <a:xfrm>
+          <a:off x="0" y="0"/>
+          <a:ext cx="0" cy="0"/>
+          <a:chOff x="0" y="0"/>
+          <a:chExt cx="0" cy="0"/>
+        </a:xfrm>
+      </p:grpSpPr>
+      <p:sp>
+        <p:nvSpPr>
+          <p:cNvPr id="2" name="Title 1">
+            <a:extLst>
+              <a:ext uri="{FF2B5EF4-FFF2-40B4-BE49-F238E27FC236}">
+                <a16:creationId xmlns:a16="http://schemas.microsoft.com/office/drawing/2014/main" id="{6BA45339-81DA-7F53-F7F6-FFBF69D7129C}"/>
+              </a:ext>
+            </a:extLst>
+          </p:cNvPr>
+          <p:cNvSpPr>
+            <a:spLocks noGrp="1"/>
+          </p:cNvSpPr>
+          <p:nvPr>
+            <p:ph type="title"/>
+          </p:nvPr>
+        </p:nvSpPr>
+        <p:spPr>
+          <a:xfrm>
+            <a:off x="1218883" y="274637"/>
+            <a:ext cx="10360501" cy="706091"/>
+          </a:xfrm>
+        </p:spPr>
+        <p:txBody>
+          <a:bodyPr/>
+          <a:lstStyle/>
+          <a:p>
+            <a:pPr algn="ctr"/>
+            <a:r>
+              <a:rPr lang="it-IT" dirty="0"/>
+              <a:t>CPU vs GPU</a:t>
+            </a:r>
+          </a:p>
+        </p:txBody>
+      </p:sp>
+      <p:sp>
+        <p:nvSpPr>
+          <p:cNvPr id="3" name="Content Placeholder 2">
+            <a:extLst>
+              <a:ext uri="{FF2B5EF4-FFF2-40B4-BE49-F238E27FC236}">
+                <a16:creationId xmlns:a16="http://schemas.microsoft.com/office/drawing/2014/main" id="{32781D11-88AF-9BB4-5571-3D1C0ACC231F}"/>
+              </a:ext>
+            </a:extLst>
+          </p:cNvPr>
+          <p:cNvSpPr>
+            <a:spLocks noGrp="1"/>
+          </p:cNvSpPr>
+          <p:nvPr>
+            <p:ph idx="1"/>
+          </p:nvPr>
+        </p:nvSpPr>
+        <p:spPr>
+          <a:xfrm>
+            <a:off x="1218883" y="1124744"/>
+            <a:ext cx="10360501" cy="5039325"/>
+          </a:xfrm>
+        </p:spPr>
+        <p:txBody>
+          <a:bodyPr/>
+          <a:lstStyle/>
+          <a:p>
+            <a:endParaRPr lang="it-IT" dirty="0"/>
+          </a:p>
+        </p:txBody>
+      </p:sp>
+    </p:spTree>
+    <p:extLst>
+      <p:ext uri="{BB962C8B-B14F-4D97-AF65-F5344CB8AC3E}">
+        <p14:creationId xmlns:p14="http://schemas.microsoft.com/office/powerpoint/2010/main" val="1608909313"/>
+      </p:ext>
+    </p:extLst>
+  </p:cSld>
+  <p:clrMapOvr>
+    <a:masterClrMapping/>
+  </p:clrMapOvr>
+  <mc:AlternateContent xmlns:mc="http://schemas.openxmlformats.org/markup-compatibility/2006" xmlns:p14="http://schemas.microsoft.com/office/powerpoint/2010/main">
+    <mc:Choice Requires="p14">
+      <p:transition spd="med" p14:dur="700">
+        <p:fade/>
+      </p:transition>
+    </mc:Choice>
+    <mc:Fallback xmlns="">
+      <p:transition spd="med">
         <p:fade/>
       </p:transition>
     </mc:Fallback>
@@ -19747,7 +26304,10 @@
               <a:rPr lang="it-IT" dirty="0" err="1"/>
               <a:t>Speedup</a:t>
             </a:r>
-            <a:endParaRPr lang="it-IT" dirty="0"/>
+            <a:r>
+              <a:rPr lang="it-IT" dirty="0"/>
+              <a:t> (da ricontrollare) (sparisce)</a:t>
+            </a:r>
           </a:p>
         </p:txBody>
       </p:sp>
@@ -19823,13 +26383,13 @@
   <p:clrMapOvr>
     <a:masterClrMapping/>
   </p:clrMapOvr>
-  <mc:AlternateContent xmlns:mc="http://schemas.openxmlformats.org/markup-compatibility/2006">
-    <mc:Choice xmlns:p14="http://schemas.microsoft.com/office/powerpoint/2010/main" Requires="p14">
+  <mc:AlternateContent xmlns:mc="http://schemas.openxmlformats.org/markup-compatibility/2006" xmlns:p14="http://schemas.microsoft.com/office/powerpoint/2010/main">
+    <mc:Choice Requires="p14">
       <p:transition spd="med" p14:dur="700">
         <p:fade/>
       </p:transition>
     </mc:Choice>
-    <mc:Fallback>
+    <mc:Fallback xmlns="">
       <p:transition spd="med">
         <p:fade/>
       </p:transition>
@@ -20058,7 +26618,7 @@
             <a:r>
               <a:rPr lang="en-US" b="1" dirty="0">
                 <a:solidFill>
-                  <a:schemeClr val="accent5"/>
+                  <a:srgbClr val="FF0000"/>
                 </a:solidFill>
               </a:rPr>
               <a:t>from 212ms to 137ms</a:t>
@@ -20070,26 +26630,26 @@
             <a:r>
               <a:rPr lang="en-US" b="1" dirty="0">
                 <a:solidFill>
-                  <a:schemeClr val="accent5"/>
+                  <a:srgbClr val="FF0000"/>
                 </a:solidFill>
               </a:rPr>
               <a:t>from 26ms to 49ms</a:t>
             </a:r>
             <a:r>
               <a:rPr lang="en-US" dirty="0"/>
-              <a:t>. Therefore the total iteration time is reduced </a:t>
-            </a:r>
-            <a:r>
-              <a:rPr lang="en-US" b="1" dirty="0"/>
-              <a:t>from </a:t>
+              <a:t>. Therefore, the total iteration time is reduced </a:t>
             </a:r>
             <a:r>
               <a:rPr lang="en-US" b="1" dirty="0">
                 <a:solidFill>
-                  <a:schemeClr val="accent5"/>
+                  <a:srgbClr val="FF0000"/>
                 </a:solidFill>
               </a:rPr>
-              <a:t>239ms to 186ms.</a:t>
+              <a:t>from 239ms to 186ms</a:t>
+            </a:r>
+            <a:r>
+              <a:rPr lang="en-US" b="1" dirty="0"/>
+              <a:t>.</a:t>
             </a:r>
           </a:p>
           <a:p>
@@ -21076,6 +27636,142 @@
 </file>
 
 <file path=customXml/item1.xml><?xml version="1.0" encoding="utf-8"?>
+<p:properties xmlns:p="http://schemas.microsoft.com/office/2006/metadata/properties" xmlns:xsi="http://www.w3.org/2001/XMLSchema-instance" xmlns:pc="http://schemas.microsoft.com/office/infopath/2007/PartnerControls">
+  <documentManagement>
+    <LocPublishedLinkedAssetsLookup xmlns="4873beb7-5857-4685-be1f-d57550cc96cc" xsi:nil="true"/>
+    <ApprovalStatus xmlns="4873beb7-5857-4685-be1f-d57550cc96cc">InProgress</ApprovalStatus>
+    <MarketSpecific xmlns="4873beb7-5857-4685-be1f-d57550cc96cc">false</MarketSpecific>
+    <LocComments xmlns="4873beb7-5857-4685-be1f-d57550cc96cc" xsi:nil="true"/>
+    <LocLastLocAttemptVersionTypeLookup xmlns="4873beb7-5857-4685-be1f-d57550cc96cc" xsi:nil="true"/>
+    <DirectSourceMarket xmlns="4873beb7-5857-4685-be1f-d57550cc96cc" xsi:nil="true"/>
+    <ThumbnailAssetId xmlns="4873beb7-5857-4685-be1f-d57550cc96cc" xsi:nil="true"/>
+    <PrimaryImageGen xmlns="4873beb7-5857-4685-be1f-d57550cc96cc">false</PrimaryImageGen>
+    <LocNewPublishedVersionLookup xmlns="4873beb7-5857-4685-be1f-d57550cc96cc" xsi:nil="true"/>
+    <LegacyData xmlns="4873beb7-5857-4685-be1f-d57550cc96cc" xsi:nil="true"/>
+    <LocRecommendedHandoff xmlns="4873beb7-5857-4685-be1f-d57550cc96cc" xsi:nil="true"/>
+    <BusinessGroup xmlns="4873beb7-5857-4685-be1f-d57550cc96cc" xsi:nil="true"/>
+    <BlockPublish xmlns="4873beb7-5857-4685-be1f-d57550cc96cc">false</BlockPublish>
+    <TPFriendlyName xmlns="4873beb7-5857-4685-be1f-d57550cc96cc" xsi:nil="true"/>
+    <LocOverallPublishStatusLookup xmlns="4873beb7-5857-4685-be1f-d57550cc96cc" xsi:nil="true"/>
+    <NumericId xmlns="4873beb7-5857-4685-be1f-d57550cc96cc" xsi:nil="true"/>
+    <APEditor xmlns="4873beb7-5857-4685-be1f-d57550cc96cc">
+      <UserInfo>
+        <DisplayName/>
+        <AccountId xsi:nil="true"/>
+        <AccountType/>
+      </UserInfo>
+    </APEditor>
+    <SourceTitle xmlns="4873beb7-5857-4685-be1f-d57550cc96cc" xsi:nil="true"/>
+    <OpenTemplate xmlns="4873beb7-5857-4685-be1f-d57550cc96cc">true</OpenTemplate>
+    <LocOverallLocStatusLookup xmlns="4873beb7-5857-4685-be1f-d57550cc96cc" xsi:nil="true"/>
+    <UALocComments xmlns="4873beb7-5857-4685-be1f-d57550cc96cc" xsi:nil="true"/>
+    <ParentAssetId xmlns="4873beb7-5857-4685-be1f-d57550cc96cc" xsi:nil="true"/>
+    <IntlLangReviewDate xmlns="4873beb7-5857-4685-be1f-d57550cc96cc" xsi:nil="true"/>
+    <FeatureTagsTaxHTField0 xmlns="4873beb7-5857-4685-be1f-d57550cc96cc">
+      <Terms xmlns="http://schemas.microsoft.com/office/infopath/2007/PartnerControls"/>
+    </FeatureTagsTaxHTField0>
+    <PublishStatusLookup xmlns="4873beb7-5857-4685-be1f-d57550cc96cc">
+      <Value>1345093</Value>
+    </PublishStatusLookup>
+    <Providers xmlns="4873beb7-5857-4685-be1f-d57550cc96cc" xsi:nil="true"/>
+    <MachineTranslated xmlns="4873beb7-5857-4685-be1f-d57550cc96cc">false</MachineTranslated>
+    <OriginalSourceMarket xmlns="4873beb7-5857-4685-be1f-d57550cc96cc" xsi:nil="true"/>
+    <APDescription xmlns="4873beb7-5857-4685-be1f-d57550cc96cc">This simple template design works for technology and  businesses, but it's versatile enough to use in other contexts.  It features multiple slide layouts designed for widescreen (16x9 resolution) and includes a sample SmartArt list and chart that are easily editable.</APDescription>
+    <ClipArtFilename xmlns="4873beb7-5857-4685-be1f-d57550cc96cc" xsi:nil="true"/>
+    <ContentItem xmlns="4873beb7-5857-4685-be1f-d57550cc96cc" xsi:nil="true"/>
+    <TPInstallLocation xmlns="4873beb7-5857-4685-be1f-d57550cc96cc" xsi:nil="true"/>
+    <PublishTargets xmlns="4873beb7-5857-4685-be1f-d57550cc96cc">OfficeOnlineVNext</PublishTargets>
+    <TimesCloned xmlns="4873beb7-5857-4685-be1f-d57550cc96cc" xsi:nil="true"/>
+    <AssetStart xmlns="4873beb7-5857-4685-be1f-d57550cc96cc">2011-11-26T00:30:00+00:00</AssetStart>
+    <Provider xmlns="4873beb7-5857-4685-be1f-d57550cc96cc" xsi:nil="true"/>
+    <AcquiredFrom xmlns="4873beb7-5857-4685-be1f-d57550cc96cc">Internal MS</AcquiredFrom>
+    <FriendlyTitle xmlns="4873beb7-5857-4685-be1f-d57550cc96cc" xsi:nil="true"/>
+    <LastHandOff xmlns="4873beb7-5857-4685-be1f-d57550cc96cc" xsi:nil="true"/>
+    <TPClientViewer xmlns="4873beb7-5857-4685-be1f-d57550cc96cc" xsi:nil="true"/>
+    <TemplateStatus xmlns="4873beb7-5857-4685-be1f-d57550cc96cc">Complete</TemplateStatus>
+    <Downloads xmlns="4873beb7-5857-4685-be1f-d57550cc96cc">0</Downloads>
+    <OOCacheId xmlns="4873beb7-5857-4685-be1f-d57550cc96cc" xsi:nil="true"/>
+    <IsDeleted xmlns="4873beb7-5857-4685-be1f-d57550cc96cc">false</IsDeleted>
+    <LocPublishedDependentAssetsLookup xmlns="4873beb7-5857-4685-be1f-d57550cc96cc" xsi:nil="true"/>
+    <TPExecutable xmlns="4873beb7-5857-4685-be1f-d57550cc96cc" xsi:nil="true"/>
+    <EditorialTags xmlns="4873beb7-5857-4685-be1f-d57550cc96cc" xsi:nil="true"/>
+    <SubmitterId xmlns="4873beb7-5857-4685-be1f-d57550cc96cc" xsi:nil="true"/>
+    <ApprovalLog xmlns="4873beb7-5857-4685-be1f-d57550cc96cc" xsi:nil="true"/>
+    <AssetType xmlns="4873beb7-5857-4685-be1f-d57550cc96cc">TP</AssetType>
+    <BugNumber xmlns="4873beb7-5857-4685-be1f-d57550cc96cc" xsi:nil="true"/>
+    <CSXSubmissionDate xmlns="4873beb7-5857-4685-be1f-d57550cc96cc" xsi:nil="true"/>
+    <CSXUpdate xmlns="4873beb7-5857-4685-be1f-d57550cc96cc">false</CSXUpdate>
+    <Milestone xmlns="4873beb7-5857-4685-be1f-d57550cc96cc" xsi:nil="true"/>
+    <RecommendationsModifier xmlns="4873beb7-5857-4685-be1f-d57550cc96cc" xsi:nil="true"/>
+    <OriginAsset xmlns="4873beb7-5857-4685-be1f-d57550cc96cc" xsi:nil="true"/>
+    <TPComponent xmlns="4873beb7-5857-4685-be1f-d57550cc96cc" xsi:nil="true"/>
+    <AssetId xmlns="4873beb7-5857-4685-be1f-d57550cc96cc">TP102787989</AssetId>
+    <IntlLocPriority xmlns="4873beb7-5857-4685-be1f-d57550cc96cc" xsi:nil="true"/>
+    <PolicheckWords xmlns="4873beb7-5857-4685-be1f-d57550cc96cc" xsi:nil="true"/>
+    <TPLaunchHelpLink xmlns="4873beb7-5857-4685-be1f-d57550cc96cc" xsi:nil="true"/>
+    <TPApplication xmlns="4873beb7-5857-4685-be1f-d57550cc96cc" xsi:nil="true"/>
+    <CrawlForDependencies xmlns="4873beb7-5857-4685-be1f-d57550cc96cc">false</CrawlForDependencies>
+    <HandoffToMSDN xmlns="4873beb7-5857-4685-be1f-d57550cc96cc" xsi:nil="true"/>
+    <PlannedPubDate xmlns="4873beb7-5857-4685-be1f-d57550cc96cc" xsi:nil="true"/>
+    <IntlLangReviewer xmlns="4873beb7-5857-4685-be1f-d57550cc96cc" xsi:nil="true"/>
+    <TrustLevel xmlns="4873beb7-5857-4685-be1f-d57550cc96cc">1 Microsoft Managed Content</TrustLevel>
+    <LocLastLocAttemptVersionLookup xmlns="4873beb7-5857-4685-be1f-d57550cc96cc">694266</LocLastLocAttemptVersionLookup>
+    <LocProcessedForHandoffsLookup xmlns="4873beb7-5857-4685-be1f-d57550cc96cc" xsi:nil="true"/>
+    <IsSearchable xmlns="4873beb7-5857-4685-be1f-d57550cc96cc">true</IsSearchable>
+    <TemplateTemplateType xmlns="4873beb7-5857-4685-be1f-d57550cc96cc">PowerPoint Presentation Template</TemplateTemplateType>
+    <CampaignTagsTaxHTField0 xmlns="4873beb7-5857-4685-be1f-d57550cc96cc">
+      <Terms xmlns="http://schemas.microsoft.com/office/infopath/2007/PartnerControls"/>
+    </CampaignTagsTaxHTField0>
+    <TPNamespace xmlns="4873beb7-5857-4685-be1f-d57550cc96cc" xsi:nil="true"/>
+    <LocOverallPreviewStatusLookup xmlns="4873beb7-5857-4685-be1f-d57550cc96cc" xsi:nil="true"/>
+    <TaxCatchAll xmlns="4873beb7-5857-4685-be1f-d57550cc96cc"/>
+    <Markets xmlns="4873beb7-5857-4685-be1f-d57550cc96cc"/>
+    <UAProjectedTotalWords xmlns="4873beb7-5857-4685-be1f-d57550cc96cc" xsi:nil="true"/>
+    <IntlLangReview xmlns="4873beb7-5857-4685-be1f-d57550cc96cc" xsi:nil="true"/>
+    <OutputCachingOn xmlns="4873beb7-5857-4685-be1f-d57550cc96cc">false</OutputCachingOn>
+    <AverageRating xmlns="4873beb7-5857-4685-be1f-d57550cc96cc" xsi:nil="true"/>
+    <APAuthor xmlns="4873beb7-5857-4685-be1f-d57550cc96cc">
+      <UserInfo>
+        <DisplayName>REDMOND\kristaa</DisplayName>
+        <AccountId>136</AccountId>
+        <AccountType/>
+      </UserInfo>
+    </APAuthor>
+    <LocManualTestRequired xmlns="4873beb7-5857-4685-be1f-d57550cc96cc">false</LocManualTestRequired>
+    <TPCommandLine xmlns="4873beb7-5857-4685-be1f-d57550cc96cc" xsi:nil="true"/>
+    <TPAppVersion xmlns="4873beb7-5857-4685-be1f-d57550cc96cc" xsi:nil="true"/>
+    <EditorialStatus xmlns="4873beb7-5857-4685-be1f-d57550cc96cc">Complete</EditorialStatus>
+    <LastModifiedDateTime xmlns="4873beb7-5857-4685-be1f-d57550cc96cc" xsi:nil="true"/>
+    <ScenarioTagsTaxHTField0 xmlns="4873beb7-5857-4685-be1f-d57550cc96cc">
+      <Terms xmlns="http://schemas.microsoft.com/office/infopath/2007/PartnerControls"/>
+    </ScenarioTagsTaxHTField0>
+    <LocProcessedForMarketsLookup xmlns="4873beb7-5857-4685-be1f-d57550cc96cc" xsi:nil="true"/>
+    <TPLaunchHelpLinkType xmlns="4873beb7-5857-4685-be1f-d57550cc96cc">Template</TPLaunchHelpLinkType>
+    <OriginalRelease xmlns="4873beb7-5857-4685-be1f-d57550cc96cc">15</OriginalRelease>
+    <LocalizationTagsTaxHTField0 xmlns="4873beb7-5857-4685-be1f-d57550cc96cc">
+      <Terms xmlns="http://schemas.microsoft.com/office/infopath/2007/PartnerControls"/>
+    </LocalizationTagsTaxHTField0>
+    <UACurrentWords xmlns="4873beb7-5857-4685-be1f-d57550cc96cc" xsi:nil="true"/>
+    <ArtSampleDocs xmlns="4873beb7-5857-4685-be1f-d57550cc96cc" xsi:nil="true"/>
+    <UALocRecommendation xmlns="4873beb7-5857-4685-be1f-d57550cc96cc">Localize</UALocRecommendation>
+    <Manager xmlns="4873beb7-5857-4685-be1f-d57550cc96cc" xsi:nil="true"/>
+    <LocOverallHandbackStatusLookup xmlns="4873beb7-5857-4685-be1f-d57550cc96cc" xsi:nil="true"/>
+    <ShowIn xmlns="4873beb7-5857-4685-be1f-d57550cc96cc">Show everywhere</ShowIn>
+    <UANotes xmlns="4873beb7-5857-4685-be1f-d57550cc96cc" xsi:nil="true"/>
+    <InternalTagsTaxHTField0 xmlns="4873beb7-5857-4685-be1f-d57550cc96cc">
+      <Terms xmlns="http://schemas.microsoft.com/office/infopath/2007/PartnerControls"/>
+    </InternalTagsTaxHTField0>
+    <CSXHash xmlns="4873beb7-5857-4685-be1f-d57550cc96cc" xsi:nil="true"/>
+    <VoteCount xmlns="4873beb7-5857-4685-be1f-d57550cc96cc" xsi:nil="true"/>
+    <AssetExpire xmlns="4873beb7-5857-4685-be1f-d57550cc96cc">2029-05-12T07:00:00+00:00</AssetExpire>
+    <DSATActionTaken xmlns="4873beb7-5857-4685-be1f-d57550cc96cc" xsi:nil="true"/>
+    <CSXSubmissionMarket xmlns="4873beb7-5857-4685-be1f-d57550cc96cc" xsi:nil="true"/>
+    <LocMarketGroupTiers2 xmlns="4873beb7-5857-4685-be1f-d57550cc96cc" xsi:nil="true"/>
+  </documentManagement>
+</p:properties>
+</file>
+
+<file path=customXml/item2.xml><?xml version="1.0" encoding="utf-8"?>
 <ct:contentTypeSchema xmlns:ct="http://schemas.microsoft.com/office/2006/metadata/contentType" xmlns:ma="http://schemas.microsoft.com/office/2006/metadata/properties/metaAttributes" ct:_="" ma:_="" ma:contentTypeName="TemplateFile" ma:contentTypeID="0x0101006EDDDB5EE6D98C44930B742096920B300400F5B6D36B3EF94B4E9A635CDF2A18F5B8" ma:contentTypeVersion="72" ma:contentTypeDescription="Create a new document." ma:contentTypeScope="" ma:versionID="a23e56308344d904b51738559c3d67c9">
   <xsd:schema xmlns:xsd="http://www.w3.org/2001/XMLSchema" xmlns:xs="http://www.w3.org/2001/XMLSchema" xmlns:p="http://schemas.microsoft.com/office/2006/metadata/properties" xmlns:ns2="4873beb7-5857-4685-be1f-d57550cc96cc" targetNamespace="http://schemas.microsoft.com/office/2006/metadata/properties" ma:root="true" ma:fieldsID="cd0908cc4600e77bf5da051303e00c8d" ns2:_="">
     <xsd:import namespace="4873beb7-5857-4685-be1f-d57550cc96cc"/>
@@ -22115,142 +28811,6 @@
 </ct:contentTypeSchema>
 </file>
 
-<file path=customXml/item2.xml><?xml version="1.0" encoding="utf-8"?>
-<p:properties xmlns:p="http://schemas.microsoft.com/office/2006/metadata/properties" xmlns:xsi="http://www.w3.org/2001/XMLSchema-instance" xmlns:pc="http://schemas.microsoft.com/office/infopath/2007/PartnerControls">
-  <documentManagement>
-    <LocPublishedLinkedAssetsLookup xmlns="4873beb7-5857-4685-be1f-d57550cc96cc" xsi:nil="true"/>
-    <ApprovalStatus xmlns="4873beb7-5857-4685-be1f-d57550cc96cc">InProgress</ApprovalStatus>
-    <MarketSpecific xmlns="4873beb7-5857-4685-be1f-d57550cc96cc">false</MarketSpecific>
-    <LocComments xmlns="4873beb7-5857-4685-be1f-d57550cc96cc" xsi:nil="true"/>
-    <LocLastLocAttemptVersionTypeLookup xmlns="4873beb7-5857-4685-be1f-d57550cc96cc" xsi:nil="true"/>
-    <DirectSourceMarket xmlns="4873beb7-5857-4685-be1f-d57550cc96cc" xsi:nil="true"/>
-    <ThumbnailAssetId xmlns="4873beb7-5857-4685-be1f-d57550cc96cc" xsi:nil="true"/>
-    <PrimaryImageGen xmlns="4873beb7-5857-4685-be1f-d57550cc96cc">false</PrimaryImageGen>
-    <LocNewPublishedVersionLookup xmlns="4873beb7-5857-4685-be1f-d57550cc96cc" xsi:nil="true"/>
-    <LegacyData xmlns="4873beb7-5857-4685-be1f-d57550cc96cc" xsi:nil="true"/>
-    <LocRecommendedHandoff xmlns="4873beb7-5857-4685-be1f-d57550cc96cc" xsi:nil="true"/>
-    <BusinessGroup xmlns="4873beb7-5857-4685-be1f-d57550cc96cc" xsi:nil="true"/>
-    <BlockPublish xmlns="4873beb7-5857-4685-be1f-d57550cc96cc">false</BlockPublish>
-    <TPFriendlyName xmlns="4873beb7-5857-4685-be1f-d57550cc96cc" xsi:nil="true"/>
-    <LocOverallPublishStatusLookup xmlns="4873beb7-5857-4685-be1f-d57550cc96cc" xsi:nil="true"/>
-    <NumericId xmlns="4873beb7-5857-4685-be1f-d57550cc96cc" xsi:nil="true"/>
-    <APEditor xmlns="4873beb7-5857-4685-be1f-d57550cc96cc">
-      <UserInfo>
-        <DisplayName/>
-        <AccountId xsi:nil="true"/>
-        <AccountType/>
-      </UserInfo>
-    </APEditor>
-    <SourceTitle xmlns="4873beb7-5857-4685-be1f-d57550cc96cc" xsi:nil="true"/>
-    <OpenTemplate xmlns="4873beb7-5857-4685-be1f-d57550cc96cc">true</OpenTemplate>
-    <LocOverallLocStatusLookup xmlns="4873beb7-5857-4685-be1f-d57550cc96cc" xsi:nil="true"/>
-    <UALocComments xmlns="4873beb7-5857-4685-be1f-d57550cc96cc" xsi:nil="true"/>
-    <ParentAssetId xmlns="4873beb7-5857-4685-be1f-d57550cc96cc" xsi:nil="true"/>
-    <IntlLangReviewDate xmlns="4873beb7-5857-4685-be1f-d57550cc96cc" xsi:nil="true"/>
-    <FeatureTagsTaxHTField0 xmlns="4873beb7-5857-4685-be1f-d57550cc96cc">
-      <Terms xmlns="http://schemas.microsoft.com/office/infopath/2007/PartnerControls"/>
-    </FeatureTagsTaxHTField0>
-    <PublishStatusLookup xmlns="4873beb7-5857-4685-be1f-d57550cc96cc">
-      <Value>1345093</Value>
-    </PublishStatusLookup>
-    <Providers xmlns="4873beb7-5857-4685-be1f-d57550cc96cc" xsi:nil="true"/>
-    <MachineTranslated xmlns="4873beb7-5857-4685-be1f-d57550cc96cc">false</MachineTranslated>
-    <OriginalSourceMarket xmlns="4873beb7-5857-4685-be1f-d57550cc96cc" xsi:nil="true"/>
-    <APDescription xmlns="4873beb7-5857-4685-be1f-d57550cc96cc">This simple template design works for technology and  businesses, but it's versatile enough to use in other contexts.  It features multiple slide layouts designed for widescreen (16x9 resolution) and includes a sample SmartArt list and chart that are easily editable.</APDescription>
-    <ClipArtFilename xmlns="4873beb7-5857-4685-be1f-d57550cc96cc" xsi:nil="true"/>
-    <ContentItem xmlns="4873beb7-5857-4685-be1f-d57550cc96cc" xsi:nil="true"/>
-    <TPInstallLocation xmlns="4873beb7-5857-4685-be1f-d57550cc96cc" xsi:nil="true"/>
-    <PublishTargets xmlns="4873beb7-5857-4685-be1f-d57550cc96cc">OfficeOnlineVNext</PublishTargets>
-    <TimesCloned xmlns="4873beb7-5857-4685-be1f-d57550cc96cc" xsi:nil="true"/>
-    <AssetStart xmlns="4873beb7-5857-4685-be1f-d57550cc96cc">2011-11-26T00:30:00+00:00</AssetStart>
-    <Provider xmlns="4873beb7-5857-4685-be1f-d57550cc96cc" xsi:nil="true"/>
-    <AcquiredFrom xmlns="4873beb7-5857-4685-be1f-d57550cc96cc">Internal MS</AcquiredFrom>
-    <FriendlyTitle xmlns="4873beb7-5857-4685-be1f-d57550cc96cc" xsi:nil="true"/>
-    <LastHandOff xmlns="4873beb7-5857-4685-be1f-d57550cc96cc" xsi:nil="true"/>
-    <TPClientViewer xmlns="4873beb7-5857-4685-be1f-d57550cc96cc" xsi:nil="true"/>
-    <TemplateStatus xmlns="4873beb7-5857-4685-be1f-d57550cc96cc">Complete</TemplateStatus>
-    <Downloads xmlns="4873beb7-5857-4685-be1f-d57550cc96cc">0</Downloads>
-    <OOCacheId xmlns="4873beb7-5857-4685-be1f-d57550cc96cc" xsi:nil="true"/>
-    <IsDeleted xmlns="4873beb7-5857-4685-be1f-d57550cc96cc">false</IsDeleted>
-    <LocPublishedDependentAssetsLookup xmlns="4873beb7-5857-4685-be1f-d57550cc96cc" xsi:nil="true"/>
-    <TPExecutable xmlns="4873beb7-5857-4685-be1f-d57550cc96cc" xsi:nil="true"/>
-    <EditorialTags xmlns="4873beb7-5857-4685-be1f-d57550cc96cc" xsi:nil="true"/>
-    <SubmitterId xmlns="4873beb7-5857-4685-be1f-d57550cc96cc" xsi:nil="true"/>
-    <ApprovalLog xmlns="4873beb7-5857-4685-be1f-d57550cc96cc" xsi:nil="true"/>
-    <AssetType xmlns="4873beb7-5857-4685-be1f-d57550cc96cc">TP</AssetType>
-    <BugNumber xmlns="4873beb7-5857-4685-be1f-d57550cc96cc" xsi:nil="true"/>
-    <CSXSubmissionDate xmlns="4873beb7-5857-4685-be1f-d57550cc96cc" xsi:nil="true"/>
-    <CSXUpdate xmlns="4873beb7-5857-4685-be1f-d57550cc96cc">false</CSXUpdate>
-    <Milestone xmlns="4873beb7-5857-4685-be1f-d57550cc96cc" xsi:nil="true"/>
-    <RecommendationsModifier xmlns="4873beb7-5857-4685-be1f-d57550cc96cc" xsi:nil="true"/>
-    <OriginAsset xmlns="4873beb7-5857-4685-be1f-d57550cc96cc" xsi:nil="true"/>
-    <TPComponent xmlns="4873beb7-5857-4685-be1f-d57550cc96cc" xsi:nil="true"/>
-    <AssetId xmlns="4873beb7-5857-4685-be1f-d57550cc96cc">TP102787989</AssetId>
-    <IntlLocPriority xmlns="4873beb7-5857-4685-be1f-d57550cc96cc" xsi:nil="true"/>
-    <PolicheckWords xmlns="4873beb7-5857-4685-be1f-d57550cc96cc" xsi:nil="true"/>
-    <TPLaunchHelpLink xmlns="4873beb7-5857-4685-be1f-d57550cc96cc" xsi:nil="true"/>
-    <TPApplication xmlns="4873beb7-5857-4685-be1f-d57550cc96cc" xsi:nil="true"/>
-    <CrawlForDependencies xmlns="4873beb7-5857-4685-be1f-d57550cc96cc">false</CrawlForDependencies>
-    <HandoffToMSDN xmlns="4873beb7-5857-4685-be1f-d57550cc96cc" xsi:nil="true"/>
-    <PlannedPubDate xmlns="4873beb7-5857-4685-be1f-d57550cc96cc" xsi:nil="true"/>
-    <IntlLangReviewer xmlns="4873beb7-5857-4685-be1f-d57550cc96cc" xsi:nil="true"/>
-    <TrustLevel xmlns="4873beb7-5857-4685-be1f-d57550cc96cc">1 Microsoft Managed Content</TrustLevel>
-    <LocLastLocAttemptVersionLookup xmlns="4873beb7-5857-4685-be1f-d57550cc96cc">694266</LocLastLocAttemptVersionLookup>
-    <LocProcessedForHandoffsLookup xmlns="4873beb7-5857-4685-be1f-d57550cc96cc" xsi:nil="true"/>
-    <IsSearchable xmlns="4873beb7-5857-4685-be1f-d57550cc96cc">true</IsSearchable>
-    <TemplateTemplateType xmlns="4873beb7-5857-4685-be1f-d57550cc96cc">PowerPoint Presentation Template</TemplateTemplateType>
-    <CampaignTagsTaxHTField0 xmlns="4873beb7-5857-4685-be1f-d57550cc96cc">
-      <Terms xmlns="http://schemas.microsoft.com/office/infopath/2007/PartnerControls"/>
-    </CampaignTagsTaxHTField0>
-    <TPNamespace xmlns="4873beb7-5857-4685-be1f-d57550cc96cc" xsi:nil="true"/>
-    <LocOverallPreviewStatusLookup xmlns="4873beb7-5857-4685-be1f-d57550cc96cc" xsi:nil="true"/>
-    <TaxCatchAll xmlns="4873beb7-5857-4685-be1f-d57550cc96cc"/>
-    <Markets xmlns="4873beb7-5857-4685-be1f-d57550cc96cc"/>
-    <UAProjectedTotalWords xmlns="4873beb7-5857-4685-be1f-d57550cc96cc" xsi:nil="true"/>
-    <IntlLangReview xmlns="4873beb7-5857-4685-be1f-d57550cc96cc" xsi:nil="true"/>
-    <OutputCachingOn xmlns="4873beb7-5857-4685-be1f-d57550cc96cc">false</OutputCachingOn>
-    <AverageRating xmlns="4873beb7-5857-4685-be1f-d57550cc96cc" xsi:nil="true"/>
-    <APAuthor xmlns="4873beb7-5857-4685-be1f-d57550cc96cc">
-      <UserInfo>
-        <DisplayName>REDMOND\kristaa</DisplayName>
-        <AccountId>136</AccountId>
-        <AccountType/>
-      </UserInfo>
-    </APAuthor>
-    <LocManualTestRequired xmlns="4873beb7-5857-4685-be1f-d57550cc96cc">false</LocManualTestRequired>
-    <TPCommandLine xmlns="4873beb7-5857-4685-be1f-d57550cc96cc" xsi:nil="true"/>
-    <TPAppVersion xmlns="4873beb7-5857-4685-be1f-d57550cc96cc" xsi:nil="true"/>
-    <EditorialStatus xmlns="4873beb7-5857-4685-be1f-d57550cc96cc">Complete</EditorialStatus>
-    <LastModifiedDateTime xmlns="4873beb7-5857-4685-be1f-d57550cc96cc" xsi:nil="true"/>
-    <ScenarioTagsTaxHTField0 xmlns="4873beb7-5857-4685-be1f-d57550cc96cc">
-      <Terms xmlns="http://schemas.microsoft.com/office/infopath/2007/PartnerControls"/>
-    </ScenarioTagsTaxHTField0>
-    <LocProcessedForMarketsLookup xmlns="4873beb7-5857-4685-be1f-d57550cc96cc" xsi:nil="true"/>
-    <TPLaunchHelpLinkType xmlns="4873beb7-5857-4685-be1f-d57550cc96cc">Template</TPLaunchHelpLinkType>
-    <OriginalRelease xmlns="4873beb7-5857-4685-be1f-d57550cc96cc">15</OriginalRelease>
-    <LocalizationTagsTaxHTField0 xmlns="4873beb7-5857-4685-be1f-d57550cc96cc">
-      <Terms xmlns="http://schemas.microsoft.com/office/infopath/2007/PartnerControls"/>
-    </LocalizationTagsTaxHTField0>
-    <UACurrentWords xmlns="4873beb7-5857-4685-be1f-d57550cc96cc" xsi:nil="true"/>
-    <ArtSampleDocs xmlns="4873beb7-5857-4685-be1f-d57550cc96cc" xsi:nil="true"/>
-    <UALocRecommendation xmlns="4873beb7-5857-4685-be1f-d57550cc96cc">Localize</UALocRecommendation>
-    <Manager xmlns="4873beb7-5857-4685-be1f-d57550cc96cc" xsi:nil="true"/>
-    <LocOverallHandbackStatusLookup xmlns="4873beb7-5857-4685-be1f-d57550cc96cc" xsi:nil="true"/>
-    <ShowIn xmlns="4873beb7-5857-4685-be1f-d57550cc96cc">Show everywhere</ShowIn>
-    <UANotes xmlns="4873beb7-5857-4685-be1f-d57550cc96cc" xsi:nil="true"/>
-    <InternalTagsTaxHTField0 xmlns="4873beb7-5857-4685-be1f-d57550cc96cc">
-      <Terms xmlns="http://schemas.microsoft.com/office/infopath/2007/PartnerControls"/>
-    </InternalTagsTaxHTField0>
-    <CSXHash xmlns="4873beb7-5857-4685-be1f-d57550cc96cc" xsi:nil="true"/>
-    <VoteCount xmlns="4873beb7-5857-4685-be1f-d57550cc96cc" xsi:nil="true"/>
-    <AssetExpire xmlns="4873beb7-5857-4685-be1f-d57550cc96cc">2029-05-12T07:00:00+00:00</AssetExpire>
-    <DSATActionTaken xmlns="4873beb7-5857-4685-be1f-d57550cc96cc" xsi:nil="true"/>
-    <CSXSubmissionMarket xmlns="4873beb7-5857-4685-be1f-d57550cc96cc" xsi:nil="true"/>
-    <LocMarketGroupTiers2 xmlns="4873beb7-5857-4685-be1f-d57550cc96cc" xsi:nil="true"/>
-  </documentManagement>
-</p:properties>
-</file>
-
 <file path=customXml/item3.xml><?xml version="1.0" encoding="utf-8"?>
 <?mso-contentType ?>
 <FormTemplates xmlns="http://schemas.microsoft.com/sharepoint/v3/contenttype/forms">
@@ -22261,6 +28821,22 @@
 </file>
 
 <file path=customXml/itemProps1.xml><?xml version="1.0" encoding="utf-8"?>
+<ds:datastoreItem xmlns:ds="http://schemas.openxmlformats.org/officeDocument/2006/customXml" ds:itemID="{60C67BEE-D13F-4BD2-98A5-34D8A0977F68}">
+  <ds:schemaRefs>
+    <ds:schemaRef ds:uri="4873beb7-5857-4685-be1f-d57550cc96cc"/>
+    <ds:schemaRef ds:uri="http://schemas.openxmlformats.org/package/2006/metadata/core-properties"/>
+    <ds:schemaRef ds:uri="http://purl.org/dc/terms/"/>
+    <ds:schemaRef ds:uri="http://schemas.microsoft.com/office/2006/documentManagement/types"/>
+    <ds:schemaRef ds:uri="http://purl.org/dc/elements/1.1/"/>
+    <ds:schemaRef ds:uri="http://schemas.microsoft.com/office/2006/metadata/properties"/>
+    <ds:schemaRef ds:uri="http://schemas.microsoft.com/office/infopath/2007/PartnerControls"/>
+    <ds:schemaRef ds:uri="http://www.w3.org/XML/1998/namespace"/>
+    <ds:schemaRef ds:uri="http://purl.org/dc/dcmitype/"/>
+  </ds:schemaRefs>
+</ds:datastoreItem>
+</file>
+
+<file path=customXml/itemProps2.xml><?xml version="1.0" encoding="utf-8"?>
 <ds:datastoreItem xmlns:ds="http://schemas.openxmlformats.org/officeDocument/2006/customXml" ds:itemID="{A09BF4D4-EF60-4196-BFC3-9462D607978C}">
   <ds:schemaRefs>
     <ds:schemaRef ds:uri="http://schemas.microsoft.com/office/2006/metadata/contentType"/>
@@ -22278,22 +28854,6 @@
 </ds:datastoreItem>
 </file>
 
-<file path=customXml/itemProps2.xml><?xml version="1.0" encoding="utf-8"?>
-<ds:datastoreItem xmlns:ds="http://schemas.openxmlformats.org/officeDocument/2006/customXml" ds:itemID="{60C67BEE-D13F-4BD2-98A5-34D8A0977F68}">
-  <ds:schemaRefs>
-    <ds:schemaRef ds:uri="4873beb7-5857-4685-be1f-d57550cc96cc"/>
-    <ds:schemaRef ds:uri="http://schemas.openxmlformats.org/package/2006/metadata/core-properties"/>
-    <ds:schemaRef ds:uri="http://purl.org/dc/terms/"/>
-    <ds:schemaRef ds:uri="http://schemas.microsoft.com/office/2006/documentManagement/types"/>
-    <ds:schemaRef ds:uri="http://purl.org/dc/elements/1.1/"/>
-    <ds:schemaRef ds:uri="http://schemas.microsoft.com/office/2006/metadata/properties"/>
-    <ds:schemaRef ds:uri="http://schemas.microsoft.com/office/infopath/2007/PartnerControls"/>
-    <ds:schemaRef ds:uri="http://www.w3.org/XML/1998/namespace"/>
-    <ds:schemaRef ds:uri="http://purl.org/dc/dcmitype/"/>
-  </ds:schemaRefs>
-</ds:datastoreItem>
-</file>
-
 <file path=customXml/itemProps3.xml><?xml version="1.0" encoding="utf-8"?>
 <ds:datastoreItem xmlns:ds="http://schemas.openxmlformats.org/officeDocument/2006/customXml" ds:itemID="{3836F65B-1B07-41EE-A0E8-BC6EF3855225}">
   <ds:schemaRefs>

--- a/documentazione/presentazione.pptx
+++ b/documentazione/presentazione.pptx
@@ -190,7 +190,7 @@
         <c:grouping val="standard"/>
         <c:varyColors val="0"/>
         <c:ser>
-          <c:idx val="0"/>
+          <c:idx val="4"/>
           <c:order val="0"/>
           <c:tx>
             <c:v>100M</c:v>
@@ -198,7 +198,7 @@
           <c:spPr>
             <a:ln w="28575" cap="rnd">
               <a:solidFill>
-                <a:schemeClr val="accent1"/>
+                <a:schemeClr val="accent5"/>
               </a:solidFill>
               <a:round/>
             </a:ln>
@@ -207,71 +207,228 @@
           <c:marker>
             <c:symbol val="none"/>
           </c:marker>
+          <c:errBars>
+            <c:errDir val="y"/>
+            <c:errBarType val="both"/>
+            <c:errValType val="cust"/>
+            <c:noEndCap val="0"/>
+            <c:plus>
+              <c:numRef>
+                <c:f>results_cpu_not_optimized!$J$82:$J$101</c:f>
+                <c:numCache>
+                  <c:formatCode>General</c:formatCode>
+                  <c:ptCount val="20"/>
+                  <c:pt idx="0">
+                    <c:v>0.12711059104518521</c:v>
+                  </c:pt>
+                  <c:pt idx="1">
+                    <c:v>0.15492684522873995</c:v>
+                  </c:pt>
+                  <c:pt idx="2">
+                    <c:v>0.18408229042559712</c:v>
+                  </c:pt>
+                  <c:pt idx="3">
+                    <c:v>0.13716042233368481</c:v>
+                  </c:pt>
+                  <c:pt idx="4">
+                    <c:v>9.0591264664889551E-2</c:v>
+                  </c:pt>
+                  <c:pt idx="5">
+                    <c:v>7.3406179074003264E-2</c:v>
+                  </c:pt>
+                  <c:pt idx="6">
+                    <c:v>8.9353513273144669E-2</c:v>
+                  </c:pt>
+                  <c:pt idx="7">
+                    <c:v>0.12531500819488592</c:v>
+                  </c:pt>
+                  <c:pt idx="8">
+                    <c:v>5.9827626557476088E-2</c:v>
+                  </c:pt>
+                  <c:pt idx="9">
+                    <c:v>4.7231218231524104E-2</c:v>
+                  </c:pt>
+                  <c:pt idx="10">
+                    <c:v>6.1594114060500041E-2</c:v>
+                  </c:pt>
+                  <c:pt idx="11">
+                    <c:v>5.6488699032319789E-2</c:v>
+                  </c:pt>
+                  <c:pt idx="12">
+                    <c:v>3.8033070059609035E-2</c:v>
+                  </c:pt>
+                  <c:pt idx="13">
+                    <c:v>3.9204920752118351E-2</c:v>
+                  </c:pt>
+                  <c:pt idx="14">
+                    <c:v>5.2922109144760698E-2</c:v>
+                  </c:pt>
+                  <c:pt idx="15">
+                    <c:v>4.6310368738979195E-2</c:v>
+                  </c:pt>
+                  <c:pt idx="16">
+                    <c:v>3.5019309298621397E-2</c:v>
+                  </c:pt>
+                  <c:pt idx="17">
+                    <c:v>5.4982443879567452E-2</c:v>
+                  </c:pt>
+                  <c:pt idx="18">
+                    <c:v>5.424889386548061E-2</c:v>
+                  </c:pt>
+                  <c:pt idx="19">
+                    <c:v>4.3765078876941123E-2</c:v>
+                  </c:pt>
+                </c:numCache>
+              </c:numRef>
+            </c:plus>
+            <c:minus>
+              <c:numRef>
+                <c:f>results_cpu_not_optimized!$J$82:$J$101</c:f>
+                <c:numCache>
+                  <c:formatCode>General</c:formatCode>
+                  <c:ptCount val="20"/>
+                  <c:pt idx="0">
+                    <c:v>0.12711059104518521</c:v>
+                  </c:pt>
+                  <c:pt idx="1">
+                    <c:v>0.15492684522873995</c:v>
+                  </c:pt>
+                  <c:pt idx="2">
+                    <c:v>0.18408229042559712</c:v>
+                  </c:pt>
+                  <c:pt idx="3">
+                    <c:v>0.13716042233368481</c:v>
+                  </c:pt>
+                  <c:pt idx="4">
+                    <c:v>9.0591264664889551E-2</c:v>
+                  </c:pt>
+                  <c:pt idx="5">
+                    <c:v>7.3406179074003264E-2</c:v>
+                  </c:pt>
+                  <c:pt idx="6">
+                    <c:v>8.9353513273144669E-2</c:v>
+                  </c:pt>
+                  <c:pt idx="7">
+                    <c:v>0.12531500819488592</c:v>
+                  </c:pt>
+                  <c:pt idx="8">
+                    <c:v>5.9827626557476088E-2</c:v>
+                  </c:pt>
+                  <c:pt idx="9">
+                    <c:v>4.7231218231524104E-2</c:v>
+                  </c:pt>
+                  <c:pt idx="10">
+                    <c:v>6.1594114060500041E-2</c:v>
+                  </c:pt>
+                  <c:pt idx="11">
+                    <c:v>5.6488699032319789E-2</c:v>
+                  </c:pt>
+                  <c:pt idx="12">
+                    <c:v>3.8033070059609035E-2</c:v>
+                  </c:pt>
+                  <c:pt idx="13">
+                    <c:v>3.9204920752118351E-2</c:v>
+                  </c:pt>
+                  <c:pt idx="14">
+                    <c:v>5.2922109144760698E-2</c:v>
+                  </c:pt>
+                  <c:pt idx="15">
+                    <c:v>4.6310368738979195E-2</c:v>
+                  </c:pt>
+                  <c:pt idx="16">
+                    <c:v>3.5019309298621397E-2</c:v>
+                  </c:pt>
+                  <c:pt idx="17">
+                    <c:v>5.4982443879567452E-2</c:v>
+                  </c:pt>
+                  <c:pt idx="18">
+                    <c:v>5.424889386548061E-2</c:v>
+                  </c:pt>
+                  <c:pt idx="19">
+                    <c:v>4.3765078876941123E-2</c:v>
+                  </c:pt>
+                </c:numCache>
+              </c:numRef>
+            </c:minus>
+            <c:spPr>
+              <a:noFill/>
+              <a:ln w="9525" cap="flat" cmpd="sng" algn="ctr">
+                <a:solidFill>
+                  <a:schemeClr val="tx1">
+                    <a:lumMod val="65000"/>
+                    <a:lumOff val="35000"/>
+                  </a:schemeClr>
+                </a:solidFill>
+                <a:round/>
+              </a:ln>
+              <a:effectLst/>
+            </c:spPr>
+          </c:errBars>
           <c:val>
             <c:numRef>
-              <c:f>'results (6)'!$E$82:$E$101</c:f>
+              <c:f>results_cpu_not_optimized!$E$82:$E$101</c:f>
               <c:numCache>
                 <c:formatCode>General</c:formatCode>
                 <c:ptCount val="20"/>
                 <c:pt idx="0">
-                  <c:v>6.0213011000000014</c:v>
+                  <c:v>8.701766666666666</c:v>
                 </c:pt>
                 <c:pt idx="1">
-                  <c:v>3.5342805333333325</c:v>
+                  <c:v>5.032166666666666</c:v>
                 </c:pt>
                 <c:pt idx="2">
-                  <c:v>2.9542716333333328</c:v>
+                  <c:v>4.1016333333333339</c:v>
                 </c:pt>
                 <c:pt idx="3">
-                  <c:v>2.4520297666666666</c:v>
+                  <c:v>3.4315333333333324</c:v>
                 </c:pt>
                 <c:pt idx="4">
-                  <c:v>2.2519688666666666</c:v>
+                  <c:v>3.2190666666666661</c:v>
                 </c:pt>
                 <c:pt idx="5">
-                  <c:v>2.1416608666666668</c:v>
+                  <c:v>2.9700333333333324</c:v>
                 </c:pt>
                 <c:pt idx="6">
-                  <c:v>1.8902311000000001</c:v>
+                  <c:v>2.7024666666666666</c:v>
                 </c:pt>
                 <c:pt idx="7">
-                  <c:v>1.9222639333333333</c:v>
+                  <c:v>2.7046666666666672</c:v>
                 </c:pt>
                 <c:pt idx="8">
-                  <c:v>1.8403136666666664</c:v>
+                  <c:v>2.5772333333333335</c:v>
                 </c:pt>
                 <c:pt idx="9">
-                  <c:v>1.8840653666666671</c:v>
+                  <c:v>2.5246333333333331</c:v>
                 </c:pt>
                 <c:pt idx="10">
-                  <c:v>1.7761482333333334</c:v>
+                  <c:v>2.5487000000000006</c:v>
                 </c:pt>
                 <c:pt idx="11">
-                  <c:v>1.7860905999999994</c:v>
+                  <c:v>2.5287000000000002</c:v>
                 </c:pt>
                 <c:pt idx="12">
-                  <c:v>1.7635777333333331</c:v>
+                  <c:v>2.5275333333333339</c:v>
                 </c:pt>
                 <c:pt idx="13">
-                  <c:v>1.8263757666666665</c:v>
+                  <c:v>2.5021666666666671</c:v>
                 </c:pt>
                 <c:pt idx="14">
-                  <c:v>1.7688596333333335</c:v>
+                  <c:v>2.5122666666666666</c:v>
                 </c:pt>
                 <c:pt idx="15">
-                  <c:v>1.8330557333333337</c:v>
+                  <c:v>2.4481999999999999</c:v>
                 </c:pt>
                 <c:pt idx="16">
-                  <c:v>1.7239253000000003</c:v>
+                  <c:v>2.4349333333333338</c:v>
                 </c:pt>
                 <c:pt idx="17">
-                  <c:v>1.7176975333333333</c:v>
+                  <c:v>2.4669999999999996</c:v>
                 </c:pt>
                 <c:pt idx="18">
-                  <c:v>1.7198051666666669</c:v>
+                  <c:v>2.5045999999999995</c:v>
                 </c:pt>
                 <c:pt idx="19">
-                  <c:v>1.7141114666666672</c:v>
+                  <c:v>2.4329666666666672</c:v>
                 </c:pt>
               </c:numCache>
             </c:numRef>
@@ -279,12 +436,12 @@
           <c:smooth val="0"/>
           <c:extLst>
             <c:ext xmlns:c16="http://schemas.microsoft.com/office/drawing/2014/chart" uri="{C3380CC4-5D6E-409C-BE32-E72D297353CC}">
-              <c16:uniqueId val="{00000000-B6E0-47E2-9795-AAF2EC5E7730}"/>
+              <c16:uniqueId val="{00000000-B5AE-4C02-8A78-B03A85A46A07}"/>
             </c:ext>
           </c:extLst>
         </c:ser>
         <c:ser>
-          <c:idx val="1"/>
+          <c:idx val="3"/>
           <c:order val="1"/>
           <c:tx>
             <c:v>10M</c:v>
@@ -292,7 +449,7 @@
           <c:spPr>
             <a:ln w="28575" cap="rnd">
               <a:solidFill>
-                <a:schemeClr val="accent2"/>
+                <a:schemeClr val="accent4"/>
               </a:solidFill>
               <a:round/>
             </a:ln>
@@ -301,71 +458,228 @@
           <c:marker>
             <c:symbol val="none"/>
           </c:marker>
+          <c:errBars>
+            <c:errDir val="y"/>
+            <c:errBarType val="both"/>
+            <c:errValType val="cust"/>
+            <c:noEndCap val="0"/>
+            <c:plus>
+              <c:numRef>
+                <c:f>results_cpu_not_optimized!$J$62:$J$81</c:f>
+                <c:numCache>
+                  <c:formatCode>General</c:formatCode>
+                  <c:ptCount val="20"/>
+                  <c:pt idx="0">
+                    <c:v>4.7434845762909265E-3</c:v>
+                  </c:pt>
+                  <c:pt idx="1">
+                    <c:v>3.1123918710495413E-2</c:v>
+                  </c:pt>
+                  <c:pt idx="2">
+                    <c:v>3.9639712204314864E-2</c:v>
+                  </c:pt>
+                  <c:pt idx="3">
+                    <c:v>3.006403335567169E-2</c:v>
+                  </c:pt>
+                  <c:pt idx="4">
+                    <c:v>3.0503216502244794E-2</c:v>
+                  </c:pt>
+                  <c:pt idx="5">
+                    <c:v>2.1301664643022876E-2</c:v>
+                  </c:pt>
+                  <c:pt idx="6">
+                    <c:v>3.5419643250054762E-2</c:v>
+                  </c:pt>
+                  <c:pt idx="7">
+                    <c:v>2.4947967972856765E-2</c:v>
+                  </c:pt>
+                  <c:pt idx="8">
+                    <c:v>2.452490057738264E-2</c:v>
+                  </c:pt>
+                  <c:pt idx="9">
+                    <c:v>2.4222962795076321E-2</c:v>
+                  </c:pt>
+                  <c:pt idx="10">
+                    <c:v>1.757789011528732E-2</c:v>
+                  </c:pt>
+                  <c:pt idx="11">
+                    <c:v>1.301700169435616E-2</c:v>
+                  </c:pt>
+                  <c:pt idx="12">
+                    <c:v>1.2893138578285123E-2</c:v>
+                  </c:pt>
+                  <c:pt idx="13">
+                    <c:v>1.065687463022753E-2</c:v>
+                  </c:pt>
+                  <c:pt idx="14">
+                    <c:v>1.1180723425800135E-2</c:v>
+                  </c:pt>
+                  <c:pt idx="15">
+                    <c:v>1.6066263986848982E-2</c:v>
+                  </c:pt>
+                  <c:pt idx="16">
+                    <c:v>1.166912718828683E-2</c:v>
+                  </c:pt>
+                  <c:pt idx="17">
+                    <c:v>1.2171019549645768E-2</c:v>
+                  </c:pt>
+                  <c:pt idx="18">
+                    <c:v>1.0777009406737266E-2</c:v>
+                  </c:pt>
+                  <c:pt idx="19">
+                    <c:v>8.6370838208041541E-3</c:v>
+                  </c:pt>
+                </c:numCache>
+              </c:numRef>
+            </c:plus>
+            <c:minus>
+              <c:numRef>
+                <c:f>results_cpu_not_optimized!$J$62:$J$81</c:f>
+                <c:numCache>
+                  <c:formatCode>General</c:formatCode>
+                  <c:ptCount val="20"/>
+                  <c:pt idx="0">
+                    <c:v>4.7434845762909265E-3</c:v>
+                  </c:pt>
+                  <c:pt idx="1">
+                    <c:v>3.1123918710495413E-2</c:v>
+                  </c:pt>
+                  <c:pt idx="2">
+                    <c:v>3.9639712204314864E-2</c:v>
+                  </c:pt>
+                  <c:pt idx="3">
+                    <c:v>3.006403335567169E-2</c:v>
+                  </c:pt>
+                  <c:pt idx="4">
+                    <c:v>3.0503216502244794E-2</c:v>
+                  </c:pt>
+                  <c:pt idx="5">
+                    <c:v>2.1301664643022876E-2</c:v>
+                  </c:pt>
+                  <c:pt idx="6">
+                    <c:v>3.5419643250054762E-2</c:v>
+                  </c:pt>
+                  <c:pt idx="7">
+                    <c:v>2.4947967972856765E-2</c:v>
+                  </c:pt>
+                  <c:pt idx="8">
+                    <c:v>2.452490057738264E-2</c:v>
+                  </c:pt>
+                  <c:pt idx="9">
+                    <c:v>2.4222962795076321E-2</c:v>
+                  </c:pt>
+                  <c:pt idx="10">
+                    <c:v>1.757789011528732E-2</c:v>
+                  </c:pt>
+                  <c:pt idx="11">
+                    <c:v>1.301700169435616E-2</c:v>
+                  </c:pt>
+                  <c:pt idx="12">
+                    <c:v>1.2893138578285123E-2</c:v>
+                  </c:pt>
+                  <c:pt idx="13">
+                    <c:v>1.065687463022753E-2</c:v>
+                  </c:pt>
+                  <c:pt idx="14">
+                    <c:v>1.1180723425800135E-2</c:v>
+                  </c:pt>
+                  <c:pt idx="15">
+                    <c:v>1.6066263986848982E-2</c:v>
+                  </c:pt>
+                  <c:pt idx="16">
+                    <c:v>1.166912718828683E-2</c:v>
+                  </c:pt>
+                  <c:pt idx="17">
+                    <c:v>1.2171019549645768E-2</c:v>
+                  </c:pt>
+                  <c:pt idx="18">
+                    <c:v>1.0777009406737266E-2</c:v>
+                  </c:pt>
+                  <c:pt idx="19">
+                    <c:v>8.6370838208041541E-3</c:v>
+                  </c:pt>
+                </c:numCache>
+              </c:numRef>
+            </c:minus>
+            <c:spPr>
+              <a:noFill/>
+              <a:ln w="9525" cap="flat" cmpd="sng" algn="ctr">
+                <a:solidFill>
+                  <a:schemeClr val="tx1">
+                    <a:lumMod val="65000"/>
+                    <a:lumOff val="35000"/>
+                  </a:schemeClr>
+                </a:solidFill>
+                <a:round/>
+              </a:ln>
+              <a:effectLst/>
+            </c:spPr>
+          </c:errBars>
           <c:val>
             <c:numRef>
-              <c:f>'results (6)'!$E$62:$E$81</c:f>
+              <c:f>results_cpu_not_optimized!$E$62:$E$81</c:f>
               <c:numCache>
                 <c:formatCode>General</c:formatCode>
                 <c:ptCount val="20"/>
                 <c:pt idx="0">
-                  <c:v>2.7707976666666672</c:v>
+                  <c:v>2.803266666666667</c:v>
                 </c:pt>
                 <c:pt idx="1">
-                  <c:v>1.7453214666666668</c:v>
+                  <c:v>1.6767666666666659</c:v>
                 </c:pt>
                 <c:pt idx="2">
-                  <c:v>1.4214218333333333</c:v>
+                  <c:v>1.4909999999999999</c:v>
                 </c:pt>
                 <c:pt idx="3">
-                  <c:v>1.2468194666666663</c:v>
+                  <c:v>1.1807333333333334</c:v>
                 </c:pt>
                 <c:pt idx="4">
-                  <c:v>1.1081307000000002</c:v>
+                  <c:v>1.1398333333333333</c:v>
                 </c:pt>
                 <c:pt idx="5">
-                  <c:v>1.0393818333333333</c:v>
+                  <c:v>1.0508333333333335</c:v>
                 </c:pt>
                 <c:pt idx="6">
-                  <c:v>0.9348460666666667</c:v>
+                  <c:v>0.95729999999999993</c:v>
                 </c:pt>
                 <c:pt idx="7">
-                  <c:v>0.94269153333333333</c:v>
+                  <c:v>0.96039999999999992</c:v>
                 </c:pt>
                 <c:pt idx="8">
-                  <c:v>1.0542321000000001</c:v>
+                  <c:v>1.0333666666666665</c:v>
                 </c:pt>
                 <c:pt idx="9">
-                  <c:v>1.0267311333333331</c:v>
+                  <c:v>1.0185</c:v>
                 </c:pt>
                 <c:pt idx="10">
-                  <c:v>0.98009006666666687</c:v>
+                  <c:v>1.0154000000000001</c:v>
                 </c:pt>
                 <c:pt idx="11">
-                  <c:v>0.95415243333333322</c:v>
+                  <c:v>0.96909999999999996</c:v>
                 </c:pt>
                 <c:pt idx="12">
-                  <c:v>0.93536869999999994</c:v>
+                  <c:v>0.92126666666666646</c:v>
                 </c:pt>
                 <c:pt idx="13">
-                  <c:v>0.88632936666666651</c:v>
+                  <c:v>0.90290000000000004</c:v>
                 </c:pt>
                 <c:pt idx="14">
-                  <c:v>0.88762920000000023</c:v>
+                  <c:v>0.88349999999999995</c:v>
                 </c:pt>
                 <c:pt idx="15">
-                  <c:v>0.87210293333333311</c:v>
+                  <c:v>0.89839999999999998</c:v>
                 </c:pt>
                 <c:pt idx="16">
-                  <c:v>0.91696830000000018</c:v>
+                  <c:v>0.92863333333333353</c:v>
                 </c:pt>
                 <c:pt idx="17">
-                  <c:v>0.91383006666666688</c:v>
+                  <c:v>0.92119999999999991</c:v>
                 </c:pt>
                 <c:pt idx="18">
-                  <c:v>0.90170316666666672</c:v>
+                  <c:v>0.92426666666666668</c:v>
                 </c:pt>
                 <c:pt idx="19">
-                  <c:v>0.89914129999999981</c:v>
+                  <c:v>0.90063333333333329</c:v>
                 </c:pt>
               </c:numCache>
             </c:numRef>
@@ -373,7 +687,7 @@
           <c:smooth val="0"/>
           <c:extLst>
             <c:ext xmlns:c16="http://schemas.microsoft.com/office/drawing/2014/chart" uri="{C3380CC4-5D6E-409C-BE32-E72D297353CC}">
-              <c16:uniqueId val="{00000001-B6E0-47E2-9795-AAF2EC5E7730}"/>
+              <c16:uniqueId val="{00000001-B5AE-4C02-8A78-B03A85A46A07}"/>
             </c:ext>
           </c:extLst>
         </c:ser>
@@ -395,71 +709,228 @@
           <c:marker>
             <c:symbol val="none"/>
           </c:marker>
+          <c:errBars>
+            <c:errDir val="y"/>
+            <c:errBarType val="both"/>
+            <c:errValType val="cust"/>
+            <c:noEndCap val="0"/>
+            <c:plus>
+              <c:numRef>
+                <c:f>results_cpu_not_optimized!$J$42:$J$61</c:f>
+                <c:numCache>
+                  <c:formatCode>General</c:formatCode>
+                  <c:ptCount val="20"/>
+                  <c:pt idx="0">
+                    <c:v>3.5994061488248768E-3</c:v>
+                  </c:pt>
+                  <c:pt idx="1">
+                    <c:v>5.2417692243900858E-3</c:v>
+                  </c:pt>
+                  <c:pt idx="2">
+                    <c:v>3.8622250054920811E-3</c:v>
+                  </c:pt>
+                  <c:pt idx="3">
+                    <c:v>3.0764524617822924E-3</c:v>
+                  </c:pt>
+                  <c:pt idx="4">
+                    <c:v>2.4242201357015875E-3</c:v>
+                  </c:pt>
+                  <c:pt idx="5">
+                    <c:v>1.6794648486256828E-3</c:v>
+                  </c:pt>
+                  <c:pt idx="6">
+                    <c:v>2.2226173161420202E-3</c:v>
+                  </c:pt>
+                  <c:pt idx="7">
+                    <c:v>2.473117247065022E-3</c:v>
+                  </c:pt>
+                  <c:pt idx="8">
+                    <c:v>1.7764392316795194E-3</c:v>
+                  </c:pt>
+                  <c:pt idx="9">
+                    <c:v>2.8888125809257178E-3</c:v>
+                  </c:pt>
+                  <c:pt idx="10">
+                    <c:v>1.618093468750905E-3</c:v>
+                  </c:pt>
+                  <c:pt idx="11">
+                    <c:v>1.3991683870254151E-3</c:v>
+                  </c:pt>
+                  <c:pt idx="12">
+                    <c:v>1.3904629052052554E-3</c:v>
+                  </c:pt>
+                  <c:pt idx="13">
+                    <c:v>1.6494439594904077E-3</c:v>
+                  </c:pt>
+                  <c:pt idx="14">
+                    <c:v>1.6724392380360572E-3</c:v>
+                  </c:pt>
+                  <c:pt idx="15">
+                    <c:v>1.3898276521887511E-3</c:v>
+                  </c:pt>
+                  <c:pt idx="16">
+                    <c:v>1.1680038610819815E-3</c:v>
+                  </c:pt>
+                  <c:pt idx="17">
+                    <c:v>9.0786620691080285E-4</c:v>
+                  </c:pt>
+                  <c:pt idx="18">
+                    <c:v>1.0479157248220949E-3</c:v>
+                  </c:pt>
+                  <c:pt idx="19">
+                    <c:v>9.6362509402241991E-4</c:v>
+                  </c:pt>
+                </c:numCache>
+              </c:numRef>
+            </c:plus>
+            <c:minus>
+              <c:numRef>
+                <c:f>results_cpu_not_optimized!$J$42:$J$61</c:f>
+                <c:numCache>
+                  <c:formatCode>General</c:formatCode>
+                  <c:ptCount val="20"/>
+                  <c:pt idx="0">
+                    <c:v>3.5994061488248768E-3</c:v>
+                  </c:pt>
+                  <c:pt idx="1">
+                    <c:v>5.2417692243900858E-3</c:v>
+                  </c:pt>
+                  <c:pt idx="2">
+                    <c:v>3.8622250054920811E-3</c:v>
+                  </c:pt>
+                  <c:pt idx="3">
+                    <c:v>3.0764524617822924E-3</c:v>
+                  </c:pt>
+                  <c:pt idx="4">
+                    <c:v>2.4242201357015875E-3</c:v>
+                  </c:pt>
+                  <c:pt idx="5">
+                    <c:v>1.6794648486256828E-3</c:v>
+                  </c:pt>
+                  <c:pt idx="6">
+                    <c:v>2.2226173161420202E-3</c:v>
+                  </c:pt>
+                  <c:pt idx="7">
+                    <c:v>2.473117247065022E-3</c:v>
+                  </c:pt>
+                  <c:pt idx="8">
+                    <c:v>1.7764392316795194E-3</c:v>
+                  </c:pt>
+                  <c:pt idx="9">
+                    <c:v>2.8888125809257178E-3</c:v>
+                  </c:pt>
+                  <c:pt idx="10">
+                    <c:v>1.618093468750905E-3</c:v>
+                  </c:pt>
+                  <c:pt idx="11">
+                    <c:v>1.3991683870254151E-3</c:v>
+                  </c:pt>
+                  <c:pt idx="12">
+                    <c:v>1.3904629052052554E-3</c:v>
+                  </c:pt>
+                  <c:pt idx="13">
+                    <c:v>1.6494439594904077E-3</c:v>
+                  </c:pt>
+                  <c:pt idx="14">
+                    <c:v>1.6724392380360572E-3</c:v>
+                  </c:pt>
+                  <c:pt idx="15">
+                    <c:v>1.3898276521887511E-3</c:v>
+                  </c:pt>
+                  <c:pt idx="16">
+                    <c:v>1.1680038610819815E-3</c:v>
+                  </c:pt>
+                  <c:pt idx="17">
+                    <c:v>9.0786620691080285E-4</c:v>
+                  </c:pt>
+                  <c:pt idx="18">
+                    <c:v>1.0479157248220949E-3</c:v>
+                  </c:pt>
+                  <c:pt idx="19">
+                    <c:v>9.6362509402241991E-4</c:v>
+                  </c:pt>
+                </c:numCache>
+              </c:numRef>
+            </c:minus>
+            <c:spPr>
+              <a:noFill/>
+              <a:ln w="9525" cap="flat" cmpd="sng" algn="ctr">
+                <a:solidFill>
+                  <a:schemeClr val="tx1">
+                    <a:lumMod val="65000"/>
+                    <a:lumOff val="35000"/>
+                  </a:schemeClr>
+                </a:solidFill>
+                <a:round/>
+              </a:ln>
+              <a:effectLst/>
+            </c:spPr>
+          </c:errBars>
           <c:val>
             <c:numRef>
-              <c:f>'results (6)'!$E$42:$E$61</c:f>
+              <c:f>results_cpu_not_optimized!$E$42:$E$61</c:f>
               <c:numCache>
                 <c:formatCode>General</c:formatCode>
                 <c:ptCount val="20"/>
                 <c:pt idx="0">
-                  <c:v>6.0944166666666653E-2</c:v>
+                  <c:v>0.21783333333333338</c:v>
                 </c:pt>
                 <c:pt idx="1">
-                  <c:v>3.9546366666666673E-2</c:v>
+                  <c:v>0.14089999999999997</c:v>
                 </c:pt>
                 <c:pt idx="2">
-                  <c:v>3.5093966666666664E-2</c:v>
+                  <c:v>0.11829999999999997</c:v>
                 </c:pt>
                 <c:pt idx="3">
-                  <c:v>2.8383066666666668E-2</c:v>
+                  <c:v>9.4500000000000028E-2</c:v>
                 </c:pt>
                 <c:pt idx="4">
-                  <c:v>2.7727999999999999E-2</c:v>
+                  <c:v>9.5366666666666655E-2</c:v>
                 </c:pt>
                 <c:pt idx="5">
-                  <c:v>2.4337299999999999E-2</c:v>
+                  <c:v>8.3800000000000013E-2</c:v>
                 </c:pt>
                 <c:pt idx="6">
-                  <c:v>2.1979400000000003E-2</c:v>
+                  <c:v>7.8800000000000009E-2</c:v>
                 </c:pt>
                 <c:pt idx="7">
-                  <c:v>2.1836866666666666E-2</c:v>
+                  <c:v>7.7399999999999997E-2</c:v>
                 </c:pt>
                 <c:pt idx="8">
-                  <c:v>2.535653333333333E-2</c:v>
+                  <c:v>8.6100000000000038E-2</c:v>
                 </c:pt>
                 <c:pt idx="9">
-                  <c:v>2.3973599999999994E-2</c:v>
+                  <c:v>8.4000000000000005E-2</c:v>
                 </c:pt>
                 <c:pt idx="10">
-                  <c:v>2.3504199999999996E-2</c:v>
+                  <c:v>8.1366666666666657E-2</c:v>
                 </c:pt>
                 <c:pt idx="11">
-                  <c:v>2.3523033333333332E-2</c:v>
+                  <c:v>8.0433333333333343E-2</c:v>
                 </c:pt>
                 <c:pt idx="12">
-                  <c:v>2.2897166666666673E-2</c:v>
+                  <c:v>7.8933333333333355E-2</c:v>
                 </c:pt>
                 <c:pt idx="13">
-                  <c:v>2.1865700000000005E-2</c:v>
+                  <c:v>7.5833333333333336E-2</c:v>
                 </c:pt>
                 <c:pt idx="14">
-                  <c:v>2.1712533333333329E-2</c:v>
+                  <c:v>7.4466666666666653E-2</c:v>
                 </c:pt>
                 <c:pt idx="15">
-                  <c:v>2.1240200000000004E-2</c:v>
+                  <c:v>7.3133333333333342E-2</c:v>
                 </c:pt>
                 <c:pt idx="16">
-                  <c:v>2.20605E-2</c:v>
+                  <c:v>7.5966666666666668E-2</c:v>
                 </c:pt>
                 <c:pt idx="17">
-                  <c:v>2.1519799999999995E-2</c:v>
+                  <c:v>7.5666666666666674E-2</c:v>
                 </c:pt>
                 <c:pt idx="18">
-                  <c:v>2.2047966666666672E-2</c:v>
+                  <c:v>7.5900000000000009E-2</c:v>
                 </c:pt>
                 <c:pt idx="19">
-                  <c:v>2.1809333333333333E-2</c:v>
+                  <c:v>7.5299999999999992E-2</c:v>
                 </c:pt>
               </c:numCache>
             </c:numRef>
@@ -467,12 +938,12 @@
           <c:smooth val="0"/>
           <c:extLst>
             <c:ext xmlns:c16="http://schemas.microsoft.com/office/drawing/2014/chart" uri="{C3380CC4-5D6E-409C-BE32-E72D297353CC}">
-              <c16:uniqueId val="{00000002-B6E0-47E2-9795-AAF2EC5E7730}"/>
+              <c16:uniqueId val="{00000002-B5AE-4C02-8A78-B03A85A46A07}"/>
             </c:ext>
           </c:extLst>
         </c:ser>
         <c:ser>
-          <c:idx val="3"/>
+          <c:idx val="1"/>
           <c:order val="3"/>
           <c:tx>
             <c:v>100k</c:v>
@@ -480,7 +951,7 @@
           <c:spPr>
             <a:ln w="28575" cap="rnd">
               <a:solidFill>
-                <a:schemeClr val="accent4"/>
+                <a:schemeClr val="accent2"/>
               </a:solidFill>
               <a:round/>
             </a:ln>
@@ -489,71 +960,228 @@
           <c:marker>
             <c:symbol val="none"/>
           </c:marker>
+          <c:errBars>
+            <c:errDir val="y"/>
+            <c:errBarType val="both"/>
+            <c:errValType val="cust"/>
+            <c:noEndCap val="0"/>
+            <c:plus>
+              <c:numRef>
+                <c:f>results_cpu_not_optimized!$J$22:$J$41</c:f>
+                <c:numCache>
+                  <c:formatCode>General</c:formatCode>
+                  <c:ptCount val="20"/>
+                  <c:pt idx="0">
+                    <c:v>5.9247772764303285E-4</c:v>
+                  </c:pt>
+                  <c:pt idx="1">
+                    <c:v>9.5688101494589969E-4</c:v>
+                  </c:pt>
+                  <c:pt idx="2">
+                    <c:v>9.7062562103880472E-4</c:v>
+                  </c:pt>
+                  <c:pt idx="3">
+                    <c:v>3.2462678338525532E-4</c:v>
+                  </c:pt>
+                  <c:pt idx="4">
+                    <c:v>4.3404306557912465E-4</c:v>
+                  </c:pt>
+                  <c:pt idx="5">
+                    <c:v>4.0961916036246995E-4</c:v>
+                  </c:pt>
+                  <c:pt idx="6">
+                    <c:v>3.0595418295470281E-4</c:v>
+                  </c:pt>
+                  <c:pt idx="7">
+                    <c:v>3.4314117245796413E-4</c:v>
+                  </c:pt>
+                  <c:pt idx="8">
+                    <c:v>4.1692005478046482E-4</c:v>
+                  </c:pt>
+                  <c:pt idx="9">
+                    <c:v>4.4409945124376815E-4</c:v>
+                  </c:pt>
+                  <c:pt idx="10">
+                    <c:v>3.0787240978989635E-4</c:v>
+                  </c:pt>
+                  <c:pt idx="11">
+                    <c:v>3.3091336289022379E-4</c:v>
+                  </c:pt>
+                  <c:pt idx="12">
+                    <c:v>3.3795486134800774E-4</c:v>
+                  </c:pt>
+                  <c:pt idx="13">
+                    <c:v>2.9617675272662359E-4</c:v>
+                  </c:pt>
+                  <c:pt idx="14">
+                    <c:v>2.9617675272662359E-4</c:v>
+                  </c:pt>
+                  <c:pt idx="15">
+                    <c:v>3.4399795574538357E-4</c:v>
+                  </c:pt>
+                  <c:pt idx="16">
+                    <c:v>3.6070650116207953E-4</c:v>
+                  </c:pt>
+                  <c:pt idx="17">
+                    <c:v>4.0035179241639342E-4</c:v>
+                  </c:pt>
+                  <c:pt idx="18">
+                    <c:v>3.2212349007456541E-4</c:v>
+                  </c:pt>
+                  <c:pt idx="19">
+                    <c:v>3.2189495262822411E-4</c:v>
+                  </c:pt>
+                </c:numCache>
+              </c:numRef>
+            </c:plus>
+            <c:minus>
+              <c:numRef>
+                <c:f>results_cpu_not_optimized!$J$22:$J$41</c:f>
+                <c:numCache>
+                  <c:formatCode>General</c:formatCode>
+                  <c:ptCount val="20"/>
+                  <c:pt idx="0">
+                    <c:v>5.9247772764303285E-4</c:v>
+                  </c:pt>
+                  <c:pt idx="1">
+                    <c:v>9.5688101494589969E-4</c:v>
+                  </c:pt>
+                  <c:pt idx="2">
+                    <c:v>9.7062562103880472E-4</c:v>
+                  </c:pt>
+                  <c:pt idx="3">
+                    <c:v>3.2462678338525532E-4</c:v>
+                  </c:pt>
+                  <c:pt idx="4">
+                    <c:v>4.3404306557912465E-4</c:v>
+                  </c:pt>
+                  <c:pt idx="5">
+                    <c:v>4.0961916036246995E-4</c:v>
+                  </c:pt>
+                  <c:pt idx="6">
+                    <c:v>3.0595418295470281E-4</c:v>
+                  </c:pt>
+                  <c:pt idx="7">
+                    <c:v>3.4314117245796413E-4</c:v>
+                  </c:pt>
+                  <c:pt idx="8">
+                    <c:v>4.1692005478046482E-4</c:v>
+                  </c:pt>
+                  <c:pt idx="9">
+                    <c:v>4.4409945124376815E-4</c:v>
+                  </c:pt>
+                  <c:pt idx="10">
+                    <c:v>3.0787240978989635E-4</c:v>
+                  </c:pt>
+                  <c:pt idx="11">
+                    <c:v>3.3091336289022379E-4</c:v>
+                  </c:pt>
+                  <c:pt idx="12">
+                    <c:v>3.3795486134800774E-4</c:v>
+                  </c:pt>
+                  <c:pt idx="13">
+                    <c:v>2.9617675272662359E-4</c:v>
+                  </c:pt>
+                  <c:pt idx="14">
+                    <c:v>2.9617675272662359E-4</c:v>
+                  </c:pt>
+                  <c:pt idx="15">
+                    <c:v>3.4399795574538357E-4</c:v>
+                  </c:pt>
+                  <c:pt idx="16">
+                    <c:v>3.6070650116207953E-4</c:v>
+                  </c:pt>
+                  <c:pt idx="17">
+                    <c:v>4.0035179241639342E-4</c:v>
+                  </c:pt>
+                  <c:pt idx="18">
+                    <c:v>3.2212349007456541E-4</c:v>
+                  </c:pt>
+                  <c:pt idx="19">
+                    <c:v>3.2189495262822411E-4</c:v>
+                  </c:pt>
+                </c:numCache>
+              </c:numRef>
+            </c:minus>
+            <c:spPr>
+              <a:noFill/>
+              <a:ln w="9525" cap="flat" cmpd="sng" algn="ctr">
+                <a:solidFill>
+                  <a:schemeClr val="tx1">
+                    <a:lumMod val="65000"/>
+                    <a:lumOff val="35000"/>
+                  </a:schemeClr>
+                </a:solidFill>
+                <a:round/>
+              </a:ln>
+              <a:effectLst/>
+            </c:spPr>
+          </c:errBars>
           <c:val>
             <c:numRef>
-              <c:f>'results (6)'!$E$22:$E$41</c:f>
+              <c:f>results_cpu_not_optimized!$E$22:$E$41</c:f>
               <c:numCache>
                 <c:formatCode>General</c:formatCode>
                 <c:ptCount val="20"/>
                 <c:pt idx="0">
-                  <c:v>7.4531666666666652E-3</c:v>
+                  <c:v>1.4500000000000008E-2</c:v>
                 </c:pt>
                 <c:pt idx="1">
-                  <c:v>7.5758333333333337E-3</c:v>
+                  <c:v>1.243333333333334E-2</c:v>
                 </c:pt>
                 <c:pt idx="2">
-                  <c:v>6.733799999999999E-3</c:v>
+                  <c:v>9.2333333333333364E-3</c:v>
                 </c:pt>
                 <c:pt idx="3">
-                  <c:v>5.8677333333333314E-3</c:v>
+                  <c:v>9.7333333333333369E-3</c:v>
                 </c:pt>
                 <c:pt idx="4">
-                  <c:v>6.2044000000000005E-3</c:v>
+                  <c:v>9.3333333333333358E-3</c:v>
                 </c:pt>
                 <c:pt idx="5">
-                  <c:v>5.8241999999999999E-3</c:v>
+                  <c:v>8.0000000000000054E-3</c:v>
                 </c:pt>
                 <c:pt idx="6">
-                  <c:v>5.3791333333333335E-3</c:v>
+                  <c:v>7.4000000000000047E-3</c:v>
                 </c:pt>
                 <c:pt idx="7">
-                  <c:v>5.2075000000000003E-3</c:v>
+                  <c:v>7.6666666666666715E-3</c:v>
                 </c:pt>
                 <c:pt idx="8">
-                  <c:v>5.1324666666666668E-3</c:v>
+                  <c:v>8.2333333333333356E-3</c:v>
                 </c:pt>
                 <c:pt idx="9">
-                  <c:v>4.8391999999999992E-3</c:v>
+                  <c:v>7.6666666666666715E-3</c:v>
                 </c:pt>
                 <c:pt idx="10">
-                  <c:v>4.735133333333333E-3</c:v>
+                  <c:v>7.8666666666666711E-3</c:v>
                 </c:pt>
                 <c:pt idx="11">
-                  <c:v>4.7126666666666671E-3</c:v>
+                  <c:v>7.800000000000004E-3</c:v>
                 </c:pt>
                 <c:pt idx="12">
-                  <c:v>4.7605666666666662E-3</c:v>
+                  <c:v>7.7333333333333386E-3</c:v>
                 </c:pt>
                 <c:pt idx="13">
-                  <c:v>4.6679333333333331E-3</c:v>
+                  <c:v>7.7333333333333386E-3</c:v>
                 </c:pt>
                 <c:pt idx="14">
-                  <c:v>5.0873333333333352E-3</c:v>
+                  <c:v>7.9333333333333391E-3</c:v>
                 </c:pt>
                 <c:pt idx="15">
-                  <c:v>4.9784333333333331E-3</c:v>
+                  <c:v>8.2000000000000059E-3</c:v>
                 </c:pt>
                 <c:pt idx="16">
-                  <c:v>5.0838999999999997E-3</c:v>
+                  <c:v>8.1333333333333379E-3</c:v>
                 </c:pt>
                 <c:pt idx="17">
-                  <c:v>5.1025666666666674E-3</c:v>
+                  <c:v>8.3000000000000053E-3</c:v>
                 </c:pt>
                 <c:pt idx="18">
-                  <c:v>5.3071666666666666E-3</c:v>
+                  <c:v>8.5000000000000058E-3</c:v>
                 </c:pt>
                 <c:pt idx="19">
-                  <c:v>5.4337333333333328E-3</c:v>
+                  <c:v>8.4666666666666709E-3</c:v>
                 </c:pt>
               </c:numCache>
             </c:numRef>
@@ -561,12 +1189,12 @@
           <c:smooth val="0"/>
           <c:extLst>
             <c:ext xmlns:c16="http://schemas.microsoft.com/office/drawing/2014/chart" uri="{C3380CC4-5D6E-409C-BE32-E72D297353CC}">
-              <c16:uniqueId val="{00000003-B6E0-47E2-9795-AAF2EC5E7730}"/>
+              <c16:uniqueId val="{00000003-B5AE-4C02-8A78-B03A85A46A07}"/>
             </c:ext>
           </c:extLst>
         </c:ser>
         <c:ser>
-          <c:idx val="4"/>
+          <c:idx val="0"/>
           <c:order val="4"/>
           <c:tx>
             <c:v>10k</c:v>
@@ -574,7 +1202,7 @@
           <c:spPr>
             <a:ln w="28575" cap="rnd">
               <a:solidFill>
-                <a:schemeClr val="accent5"/>
+                <a:schemeClr val="accent1"/>
               </a:solidFill>
               <a:round/>
             </a:ln>
@@ -583,71 +1211,228 @@
           <c:marker>
             <c:symbol val="none"/>
           </c:marker>
+          <c:errBars>
+            <c:errDir val="y"/>
+            <c:errBarType val="both"/>
+            <c:errValType val="cust"/>
+            <c:noEndCap val="0"/>
+            <c:plus>
+              <c:numRef>
+                <c:f>results_cpu_not_optimized!$J$2:$J$21</c:f>
+                <c:numCache>
+                  <c:formatCode>General</c:formatCode>
+                  <c:ptCount val="20"/>
+                  <c:pt idx="0">
+                    <c:v>1.1445185623761834E-4</c:v>
+                  </c:pt>
+                  <c:pt idx="1">
+                    <c:v>2.5448030440430722E-4</c:v>
+                  </c:pt>
+                  <c:pt idx="2">
+                    <c:v>2.9242594601244749E-4</c:v>
+                  </c:pt>
+                  <c:pt idx="3">
+                    <c:v>2.8734872071296737E-4</c:v>
+                  </c:pt>
+                  <c:pt idx="4">
+                    <c:v>2.7558316790419693E-4</c:v>
+                  </c:pt>
+                  <c:pt idx="5">
+                    <c:v>2.4294055743784602E-4</c:v>
+                  </c:pt>
+                  <c:pt idx="6">
+                    <c:v>2.4142121447117551E-4</c:v>
+                  </c:pt>
+                  <c:pt idx="7">
+                    <c:v>2.8939030035185482E-4</c:v>
+                  </c:pt>
+                  <c:pt idx="8">
+                    <c:v>2.1325885693468936E-4</c:v>
+                  </c:pt>
+                  <c:pt idx="9">
+                    <c:v>1.4808837636331746E-4</c:v>
+                  </c:pt>
+                  <c:pt idx="10">
+                    <c:v>1.8637336169520172E-4</c:v>
+                  </c:pt>
+                  <c:pt idx="11">
+                    <c:v>2.0444994938546705E-4</c:v>
+                  </c:pt>
+                  <c:pt idx="12">
+                    <c:v>2.1837370495440155E-4</c:v>
+                  </c:pt>
+                  <c:pt idx="13">
+                    <c:v>1.8794616056400169E-4</c:v>
+                  </c:pt>
+                  <c:pt idx="14">
+                    <c:v>2.1325885693468936E-4</c:v>
+                  </c:pt>
+                  <c:pt idx="15">
+                    <c:v>1.815732413821815E-4</c:v>
+                  </c:pt>
+                  <c:pt idx="16">
+                    <c:v>2.1187404451680455E-4</c:v>
+                  </c:pt>
+                  <c:pt idx="17">
+                    <c:v>5.3559159977033396E-4</c:v>
+                  </c:pt>
+                  <c:pt idx="18">
+                    <c:v>2.755831679041863E-4</c:v>
+                  </c:pt>
+                  <c:pt idx="19">
+                    <c:v>2.2533953037960218E-4</c:v>
+                  </c:pt>
+                </c:numCache>
+              </c:numRef>
+            </c:plus>
+            <c:minus>
+              <c:numRef>
+                <c:f>results_cpu_not_optimized!$J$2:$J$21</c:f>
+                <c:numCache>
+                  <c:formatCode>General</c:formatCode>
+                  <c:ptCount val="20"/>
+                  <c:pt idx="0">
+                    <c:v>1.1445185623761834E-4</c:v>
+                  </c:pt>
+                  <c:pt idx="1">
+                    <c:v>2.5448030440430722E-4</c:v>
+                  </c:pt>
+                  <c:pt idx="2">
+                    <c:v>2.9242594601244749E-4</c:v>
+                  </c:pt>
+                  <c:pt idx="3">
+                    <c:v>2.8734872071296737E-4</c:v>
+                  </c:pt>
+                  <c:pt idx="4">
+                    <c:v>2.7558316790419693E-4</c:v>
+                  </c:pt>
+                  <c:pt idx="5">
+                    <c:v>2.4294055743784602E-4</c:v>
+                  </c:pt>
+                  <c:pt idx="6">
+                    <c:v>2.4142121447117551E-4</c:v>
+                  </c:pt>
+                  <c:pt idx="7">
+                    <c:v>2.8939030035185482E-4</c:v>
+                  </c:pt>
+                  <c:pt idx="8">
+                    <c:v>2.1325885693468936E-4</c:v>
+                  </c:pt>
+                  <c:pt idx="9">
+                    <c:v>1.4808837636331746E-4</c:v>
+                  </c:pt>
+                  <c:pt idx="10">
+                    <c:v>1.8637336169520172E-4</c:v>
+                  </c:pt>
+                  <c:pt idx="11">
+                    <c:v>2.0444994938546705E-4</c:v>
+                  </c:pt>
+                  <c:pt idx="12">
+                    <c:v>2.1837370495440155E-4</c:v>
+                  </c:pt>
+                  <c:pt idx="13">
+                    <c:v>1.8794616056400169E-4</c:v>
+                  </c:pt>
+                  <c:pt idx="14">
+                    <c:v>2.1325885693468936E-4</c:v>
+                  </c:pt>
+                  <c:pt idx="15">
+                    <c:v>1.815732413821815E-4</c:v>
+                  </c:pt>
+                  <c:pt idx="16">
+                    <c:v>2.1187404451680455E-4</c:v>
+                  </c:pt>
+                  <c:pt idx="17">
+                    <c:v>5.3559159977033396E-4</c:v>
+                  </c:pt>
+                  <c:pt idx="18">
+                    <c:v>2.755831679041863E-4</c:v>
+                  </c:pt>
+                  <c:pt idx="19">
+                    <c:v>2.2533953037960218E-4</c:v>
+                  </c:pt>
+                </c:numCache>
+              </c:numRef>
+            </c:minus>
+            <c:spPr>
+              <a:noFill/>
+              <a:ln w="9525" cap="flat" cmpd="sng" algn="ctr">
+                <a:solidFill>
+                  <a:schemeClr val="tx1">
+                    <a:lumMod val="65000"/>
+                    <a:lumOff val="35000"/>
+                  </a:schemeClr>
+                </a:solidFill>
+                <a:round/>
+              </a:ln>
+              <a:effectLst/>
+            </c:spPr>
+          </c:errBars>
           <c:val>
             <c:numRef>
-              <c:f>'results (6)'!$E$2:$E$21</c:f>
+              <c:f>results_cpu_not_optimized!$E$2:$E$21</c:f>
               <c:numCache>
                 <c:formatCode>General</c:formatCode>
                 <c:ptCount val="20"/>
                 <c:pt idx="0">
-                  <c:v>8.0376666666666678E-4</c:v>
+                  <c:v>1.033333333333334E-3</c:v>
                 </c:pt>
                 <c:pt idx="1">
-                  <c:v>1.2685333333333332E-3</c:v>
+                  <c:v>1.6666666666666676E-3</c:v>
                 </c:pt>
                 <c:pt idx="2">
-                  <c:v>1.5257000000000001E-3</c:v>
+                  <c:v>1.7666666666666677E-3</c:v>
                 </c:pt>
                 <c:pt idx="3">
-                  <c:v>1.5693999999999997E-3</c:v>
+                  <c:v>1.9000000000000013E-3</c:v>
                 </c:pt>
                 <c:pt idx="4">
-                  <c:v>1.8704333333333333E-3</c:v>
+                  <c:v>2.6000000000000012E-3</c:v>
                 </c:pt>
                 <c:pt idx="5">
-                  <c:v>2.0105666666666668E-3</c:v>
+                  <c:v>2.4333333333333347E-3</c:v>
                 </c:pt>
                 <c:pt idx="6">
-                  <c:v>2.1910333333333334E-3</c:v>
+                  <c:v>2.4000000000000011E-3</c:v>
                 </c:pt>
                 <c:pt idx="7">
-                  <c:v>2.5053666666666669E-3</c:v>
+                  <c:v>2.6333333333333347E-3</c:v>
                 </c:pt>
                 <c:pt idx="8">
-                  <c:v>2.8989999999999997E-3</c:v>
+                  <c:v>2.7000000000000014E-3</c:v>
                 </c:pt>
                 <c:pt idx="9">
-                  <c:v>3.1248333333333332E-3</c:v>
+                  <c:v>3.0333333333333345E-3</c:v>
                 </c:pt>
                 <c:pt idx="10">
-                  <c:v>3.5767333333333326E-3</c:v>
+                  <c:v>3.2666666666666682E-3</c:v>
                 </c:pt>
                 <c:pt idx="11">
-                  <c:v>3.6928000000000009E-3</c:v>
+                  <c:v>3.4666666666666687E-3</c:v>
                 </c:pt>
                 <c:pt idx="12">
-                  <c:v>3.9748333333333337E-3</c:v>
+                  <c:v>3.8000000000000022E-3</c:v>
                 </c:pt>
                 <c:pt idx="13">
-                  <c:v>4.2113666666666666E-3</c:v>
+                  <c:v>4.0000000000000018E-3</c:v>
                 </c:pt>
                 <c:pt idx="14">
-                  <c:v>4.4698666666666675E-3</c:v>
+                  <c:v>4.3000000000000009E-3</c:v>
                 </c:pt>
                 <c:pt idx="15">
-                  <c:v>4.8856666666666666E-3</c:v>
+                  <c:v>4.5333333333333345E-3</c:v>
                 </c:pt>
                 <c:pt idx="16">
-                  <c:v>4.8660333333333345E-3</c:v>
+                  <c:v>4.8333333333333344E-3</c:v>
                 </c:pt>
                 <c:pt idx="17">
-                  <c:v>5.2943333333333341E-3</c:v>
+                  <c:v>5.6333333333333365E-3</c:v>
                 </c:pt>
                 <c:pt idx="18">
-                  <c:v>5.4425666666666657E-3</c:v>
+                  <c:v>5.4000000000000029E-3</c:v>
                 </c:pt>
                 <c:pt idx="19">
-                  <c:v>5.6337000000000019E-3</c:v>
+                  <c:v>5.5000000000000023E-3</c:v>
                 </c:pt>
               </c:numCache>
             </c:numRef>
@@ -655,7 +1440,7 @@
           <c:smooth val="0"/>
           <c:extLst>
             <c:ext xmlns:c16="http://schemas.microsoft.com/office/drawing/2014/chart" uri="{C3380CC4-5D6E-409C-BE32-E72D297353CC}">
-              <c16:uniqueId val="{00000004-B6E0-47E2-9795-AAF2EC5E7730}"/>
+              <c16:uniqueId val="{00000004-B5AE-4C02-8A78-B03A85A46A07}"/>
             </c:ext>
           </c:extLst>
         </c:ser>
@@ -668,11 +1453,11 @@
           <c:showBubbleSize val="0"/>
         </c:dLbls>
         <c:smooth val="0"/>
-        <c:axId val="1936459583"/>
-        <c:axId val="137439984"/>
+        <c:axId val="2105753711"/>
+        <c:axId val="1032987839"/>
       </c:lineChart>
       <c:catAx>
-        <c:axId val="1936459583"/>
+        <c:axId val="2105753711"/>
         <c:scaling>
           <c:orientation val="minMax"/>
         </c:scaling>
@@ -698,10 +1483,9 @@
                   </a:defRPr>
                 </a:pPr>
                 <a:r>
-                  <a:rPr lang="it-IT" dirty="0" err="1"/>
+                  <a:rPr lang="it-IT"/>
                   <a:t>Threads</a:t>
                 </a:r>
-                <a:endParaRPr lang="it-IT" dirty="0"/>
               </a:p>
             </c:rich>
           </c:tx>
@@ -770,7 +1554,7 @@
             <a:endParaRPr lang="it-IT"/>
           </a:p>
         </c:txPr>
-        <c:crossAx val="137439984"/>
+        <c:crossAx val="1032987839"/>
         <c:crosses val="autoZero"/>
         <c:auto val="1"/>
         <c:lblAlgn val="ctr"/>
@@ -778,7 +1562,7 @@
         <c:noMultiLvlLbl val="0"/>
       </c:catAx>
       <c:valAx>
-        <c:axId val="137439984"/>
+        <c:axId val="1032987839"/>
         <c:scaling>
           <c:logBase val="10"/>
           <c:orientation val="minMax"/>
@@ -819,12 +1603,8 @@
                   </a:defRPr>
                 </a:pPr>
                 <a:r>
-                  <a:rPr lang="it-IT" dirty="0" err="1"/>
-                  <a:t>Execution</a:t>
-                </a:r>
-                <a:r>
-                  <a:rPr lang="it-IT" dirty="0"/>
-                  <a:t> Time (seconds)</a:t>
+                  <a:rPr lang="it-IT"/>
+                  <a:t>Seconds</a:t>
                 </a:r>
               </a:p>
             </c:rich>
@@ -889,7 +1669,7 @@
             <a:endParaRPr lang="it-IT"/>
           </a:p>
         </c:txPr>
-        <c:crossAx val="1936459583"/>
+        <c:crossAx val="2105753711"/>
         <c:crosses val="autoZero"/>
         <c:crossBetween val="between"/>
       </c:valAx>
@@ -1879,7 +2659,7 @@
         <c:grouping val="standard"/>
         <c:varyColors val="0"/>
         <c:ser>
-          <c:idx val="0"/>
+          <c:idx val="4"/>
           <c:order val="0"/>
           <c:tx>
             <c:v>100M</c:v>
@@ -1887,7 +2667,7 @@
           <c:spPr>
             <a:ln w="28575" cap="rnd">
               <a:solidFill>
-                <a:schemeClr val="accent1"/>
+                <a:schemeClr val="accent5"/>
               </a:solidFill>
               <a:round/>
             </a:ln>
@@ -1898,7 +2678,7 @@
           </c:marker>
           <c:val>
             <c:numRef>
-              <c:f>'results (6)'!$F$82:$F$101</c:f>
+              <c:f>results_cpu_not_optimized!$F$82:$F$101</c:f>
               <c:numCache>
                 <c:formatCode>General</c:formatCode>
                 <c:ptCount val="20"/>
@@ -1906,61 +2686,61 @@
                   <c:v>1</c:v>
                 </c:pt>
                 <c:pt idx="1">
-                  <c:v>1.7036851045666861</c:v>
+                  <c:v>1.7292286291524526</c:v>
                 </c:pt>
                 <c:pt idx="2">
-                  <c:v>2.038167727050241</c:v>
+                  <c:v>2.1215369486952347</c:v>
                 </c:pt>
                 <c:pt idx="3">
-                  <c:v>2.4556394795261669</c:v>
+                  <c:v>2.5358246070755546</c:v>
                 </c:pt>
                 <c:pt idx="4">
-                  <c:v>2.6737941137315318</c:v>
+                  <c:v>2.7031955432216379</c:v>
                 </c:pt>
                 <c:pt idx="5">
-                  <c:v>2.8115100731945954</c:v>
+                  <c:v>2.9298548837835723</c:v>
                 </c:pt>
                 <c:pt idx="6">
-                  <c:v>3.1854840923948404</c:v>
+                  <c:v>3.2199348743123566</c:v>
                 </c:pt>
                 <c:pt idx="7">
-                  <c:v>3.1324008090599014</c:v>
+                  <c:v>3.217315750554596</c:v>
                 </c:pt>
                 <c:pt idx="8">
-                  <c:v>3.2718884878501702</c:v>
+                  <c:v>3.3763984634685769</c:v>
                 </c:pt>
                 <c:pt idx="9">
-                  <c:v>3.1959088079056563</c:v>
+                  <c:v>3.4467447418106922</c:v>
                 </c:pt>
                 <c:pt idx="10">
-                  <c:v>3.3900892881556985</c:v>
+                  <c:v>3.414198087914099</c:v>
                 </c:pt>
                 <c:pt idx="11">
-                  <c:v>3.3712181789658393</c:v>
+                  <c:v>3.4412016714780975</c:v>
                 </c:pt>
                 <c:pt idx="12">
-                  <c:v>3.4142533023589259</c:v>
+                  <c:v>3.4427900720069622</c:v>
                 </c:pt>
                 <c:pt idx="13">
-                  <c:v>3.2968577495908895</c:v>
+                  <c:v>3.4776926663558241</c:v>
                 </c:pt>
                 <c:pt idx="14">
-                  <c:v>3.4040581776707404</c:v>
+                  <c:v>3.4637113894491027</c:v>
                 </c:pt>
                 <c:pt idx="15">
-                  <c:v>3.2848434395666311</c:v>
+                  <c:v>3.5543528578819812</c:v>
                 </c:pt>
                 <c:pt idx="16">
-                  <c:v>3.4927853892509151</c:v>
+                  <c:v>3.5737186507501906</c:v>
                 </c:pt>
                 <c:pt idx="17">
-                  <c:v>3.5054489996938933</c:v>
+                  <c:v>3.527266585596541</c:v>
                 </c:pt>
                 <c:pt idx="18">
-                  <c:v>3.5011530472783208</c:v>
+                  <c:v>3.4743139290372387</c:v>
                 </c:pt>
                 <c:pt idx="19">
-                  <c:v>3.5127826965123075</c:v>
+                  <c:v>3.5766074339969025</c:v>
                 </c:pt>
               </c:numCache>
             </c:numRef>
@@ -1968,12 +2748,12 @@
           <c:smooth val="0"/>
           <c:extLst>
             <c:ext xmlns:c16="http://schemas.microsoft.com/office/drawing/2014/chart" uri="{C3380CC4-5D6E-409C-BE32-E72D297353CC}">
-              <c16:uniqueId val="{00000000-71FD-4FD1-B3EC-E36F49CC1D8D}"/>
+              <c16:uniqueId val="{00000000-EAD9-44D0-85A8-25FD0F99A641}"/>
             </c:ext>
           </c:extLst>
         </c:ser>
         <c:ser>
-          <c:idx val="1"/>
+          <c:idx val="3"/>
           <c:order val="1"/>
           <c:tx>
             <c:v>10M</c:v>
@@ -1981,7 +2761,7 @@
           <c:spPr>
             <a:ln w="28575" cap="rnd">
               <a:solidFill>
-                <a:schemeClr val="accent2"/>
+                <a:schemeClr val="accent4"/>
               </a:solidFill>
               <a:round/>
             </a:ln>
@@ -1992,7 +2772,7 @@
           </c:marker>
           <c:val>
             <c:numRef>
-              <c:f>'results (6)'!$F$62:$F$81</c:f>
+              <c:f>results_cpu_not_optimized!$F$62:$F$81</c:f>
               <c:numCache>
                 <c:formatCode>General</c:formatCode>
                 <c:ptCount val="20"/>
@@ -2000,61 +2780,61 @@
                   <c:v>1</c:v>
                 </c:pt>
                 <c:pt idx="1">
-                  <c:v>1.5875572034065015</c:v>
+                  <c:v>1.6718287179691083</c:v>
                 </c:pt>
                 <c:pt idx="2">
-                  <c:v>1.9493141315896025</c:v>
+                  <c:v>1.8801251956181537</c:v>
                 </c:pt>
                 <c:pt idx="3">
-                  <c:v>2.2222925938703137</c:v>
+                  <c:v>2.3741742419964993</c:v>
                 </c:pt>
                 <c:pt idx="4">
-                  <c:v>2.500424964913134</c:v>
+                  <c:v>2.4593654042988744</c:v>
                 </c:pt>
                 <c:pt idx="5">
-                  <c:v>2.6658130610005215</c:v>
+                  <c:v>2.6676605868358445</c:v>
                 </c:pt>
                 <c:pt idx="6">
-                  <c:v>2.9639079260892225</c:v>
+                  <c:v>2.9283053031094401</c:v>
                 </c:pt>
                 <c:pt idx="7">
-                  <c:v>2.9392410652816587</c:v>
+                  <c:v>2.9188532555879503</c:v>
                 </c:pt>
                 <c:pt idx="8">
-                  <c:v>2.6282615248261432</c:v>
+                  <c:v>2.7127512015741435</c:v>
                 </c:pt>
                 <c:pt idx="9">
-                  <c:v>2.6986594413194975</c:v>
+                  <c:v>2.7523482245131734</c:v>
                 </c:pt>
                 <c:pt idx="10">
-                  <c:v>2.8270847352736492</c:v>
+                  <c:v>2.7607510997308125</c:v>
                 </c:pt>
                 <c:pt idx="11">
-                  <c:v>2.9039360691948146</c:v>
+                  <c:v>2.8926495373714447</c:v>
                 </c:pt>
                 <c:pt idx="12">
-                  <c:v>2.9622518549815355</c:v>
+                  <c:v>3.0428395687097485</c:v>
                 </c:pt>
                 <c:pt idx="13">
-                  <c:v>3.1261490038259301</c:v>
+                  <c:v>3.1047365895078824</c:v>
                 </c:pt>
                 <c:pt idx="14">
-                  <c:v>3.1215711094978245</c:v>
+                  <c:v>3.1729107715525378</c:v>
                 </c:pt>
                 <c:pt idx="15">
-                  <c:v>3.1771452207782214</c:v>
+                  <c:v>3.1202879192638768</c:v>
                 </c:pt>
                 <c:pt idx="16">
-                  <c:v>3.0216940614704639</c:v>
+                  <c:v>3.0187013173480741</c:v>
                 </c:pt>
                 <c:pt idx="17">
-                  <c:v>3.032071024729543</c:v>
+                  <c:v>3.0430597771023309</c:v>
                 </c:pt>
                 <c:pt idx="18">
-                  <c:v>3.0728489918799964</c:v>
+                  <c:v>3.0329630698211196</c:v>
                 </c:pt>
                 <c:pt idx="19">
-                  <c:v>3.0816042669452153</c:v>
+                  <c:v>3.1125504274769611</c:v>
                 </c:pt>
               </c:numCache>
             </c:numRef>
@@ -2062,7 +2842,7 @@
           <c:smooth val="0"/>
           <c:extLst>
             <c:ext xmlns:c16="http://schemas.microsoft.com/office/drawing/2014/chart" uri="{C3380CC4-5D6E-409C-BE32-E72D297353CC}">
-              <c16:uniqueId val="{00000001-71FD-4FD1-B3EC-E36F49CC1D8D}"/>
+              <c16:uniqueId val="{00000001-EAD9-44D0-85A8-25FD0F99A641}"/>
             </c:ext>
           </c:extLst>
         </c:ser>
@@ -2086,7 +2866,7 @@
           </c:marker>
           <c:val>
             <c:numRef>
-              <c:f>'results (6)'!$F$42:$F$61</c:f>
+              <c:f>results_cpu_not_optimized!$F$42:$F$61</c:f>
               <c:numCache>
                 <c:formatCode>General</c:formatCode>
                 <c:ptCount val="20"/>
@@ -2094,61 +2874,61 @@
                   <c:v>1</c:v>
                 </c:pt>
                 <c:pt idx="1">
-                  <c:v>1.5410813129904049</c:v>
+                  <c:v>1.5460137213153544</c:v>
                 </c:pt>
                 <c:pt idx="2">
-                  <c:v>1.7365995484503982</c:v>
+                  <c:v>1.8413637644406884</c:v>
                 </c:pt>
                 <c:pt idx="3">
-                  <c:v>2.1472016178660511</c:v>
+                  <c:v>2.3051146384479715</c:v>
                 </c:pt>
                 <c:pt idx="4">
-                  <c:v>2.1979286882092706</c:v>
+                  <c:v>2.28416637539322</c:v>
                 </c:pt>
                 <c:pt idx="5">
-                  <c:v>2.5041465843239248</c:v>
+                  <c:v>2.5994431185361973</c:v>
                 </c:pt>
                 <c:pt idx="6">
-                  <c:v>2.7727857296680822</c:v>
+                  <c:v>2.7643824027072759</c:v>
                 </c:pt>
                 <c:pt idx="7">
-                  <c:v>2.7908842233165316</c:v>
+                  <c:v>2.8143841515934547</c:v>
                 </c:pt>
                 <c:pt idx="8">
-                  <c:v>2.4034896989073165</c:v>
+                  <c:v>2.5300038714672857</c:v>
                 </c:pt>
                 <c:pt idx="9">
-                  <c:v>2.5421366280686533</c:v>
+                  <c:v>2.5932539682539688</c:v>
                 </c:pt>
                 <c:pt idx="10">
-                  <c:v>2.5929053814495564</c:v>
+                  <c:v>2.6771814829987717</c:v>
                 </c:pt>
                 <c:pt idx="11">
-                  <c:v>2.5908294140069801</c:v>
+                  <c:v>2.7082469954413595</c:v>
                 </c:pt>
                 <c:pt idx="12">
-                  <c:v>2.6616466375024554</c:v>
+                  <c:v>2.7597128378378377</c:v>
                 </c:pt>
                 <c:pt idx="13">
-                  <c:v>2.7872040074942324</c:v>
+                  <c:v>2.872527472527473</c:v>
                 </c:pt>
                 <c:pt idx="14">
-                  <c:v>2.8068657733782025</c:v>
+                  <c:v>2.9252461951656232</c:v>
                 </c:pt>
                 <c:pt idx="15">
-                  <c:v>2.8692840305960696</c:v>
+                  <c:v>2.9785779398359162</c:v>
                 </c:pt>
                 <c:pt idx="16">
-                  <c:v>2.7625922652100656</c:v>
+                  <c:v>2.8674857393593687</c:v>
                 </c:pt>
                 <c:pt idx="17">
-                  <c:v>2.8320043246994242</c:v>
+                  <c:v>2.8788546255506611</c:v>
                 </c:pt>
                 <c:pt idx="18">
-                  <c:v>2.7641626816683007</c:v>
+                  <c:v>2.8700043917435223</c:v>
                 </c:pt>
                 <c:pt idx="19">
-                  <c:v>2.794407593079415</c:v>
+                  <c:v>2.8928729526339096</c:v>
                 </c:pt>
               </c:numCache>
             </c:numRef>
@@ -2156,12 +2936,12 @@
           <c:smooth val="0"/>
           <c:extLst>
             <c:ext xmlns:c16="http://schemas.microsoft.com/office/drawing/2014/chart" uri="{C3380CC4-5D6E-409C-BE32-E72D297353CC}">
-              <c16:uniqueId val="{00000002-71FD-4FD1-B3EC-E36F49CC1D8D}"/>
+              <c16:uniqueId val="{00000002-EAD9-44D0-85A8-25FD0F99A641}"/>
             </c:ext>
           </c:extLst>
         </c:ser>
         <c:ser>
-          <c:idx val="3"/>
+          <c:idx val="1"/>
           <c:order val="3"/>
           <c:tx>
             <c:v>100k</c:v>
@@ -2169,7 +2949,7 @@
           <c:spPr>
             <a:ln w="28575" cap="rnd">
               <a:solidFill>
-                <a:schemeClr val="accent4"/>
+                <a:schemeClr val="accent2"/>
               </a:solidFill>
               <a:round/>
             </a:ln>
@@ -2180,7 +2960,7 @@
           </c:marker>
           <c:val>
             <c:numRef>
-              <c:f>'results (6)'!$F$22:$F$41</c:f>
+              <c:f>results_cpu_not_optimized!$F$22:$F$41</c:f>
               <c:numCache>
                 <c:formatCode>General</c:formatCode>
                 <c:ptCount val="20"/>
@@ -2188,61 +2968,61 @@
                   <c:v>1</c:v>
                 </c:pt>
                 <c:pt idx="1">
-                  <c:v>0.98380816191838061</c:v>
+                  <c:v>1.1662198391420913</c:v>
                 </c:pt>
                 <c:pt idx="2">
-                  <c:v>1.1068292296573505</c:v>
+                  <c:v>1.5703971119133577</c:v>
                 </c:pt>
                 <c:pt idx="3">
-                  <c:v>1.2701951917833123</c:v>
+                  <c:v>1.4897260273972606</c:v>
                 </c:pt>
                 <c:pt idx="4">
-                  <c:v>1.2012711409107513</c:v>
+                  <c:v>1.553571428571429</c:v>
                 </c:pt>
                 <c:pt idx="5">
-                  <c:v>1.2796893421700259</c:v>
+                  <c:v>1.8124999999999998</c:v>
                 </c:pt>
                 <c:pt idx="6">
-                  <c:v>1.3855701661977762</c:v>
+                  <c:v>1.9594594594594592</c:v>
                 </c:pt>
                 <c:pt idx="7">
-                  <c:v>1.4312369979196669</c:v>
+                  <c:v>1.8913043478260867</c:v>
                 </c:pt>
                 <c:pt idx="8">
-                  <c:v>1.4521607544130823</c:v>
+                  <c:v>1.7611336032388669</c:v>
                 </c:pt>
                 <c:pt idx="9">
-                  <c:v>1.5401650410536176</c:v>
+                  <c:v>1.8913043478260867</c:v>
                 </c:pt>
                 <c:pt idx="10">
-                  <c:v>1.5740141073113039</c:v>
+                  <c:v>1.8432203389830508</c:v>
                 </c:pt>
                 <c:pt idx="11">
-                  <c:v>1.581517895034658</c:v>
+                  <c:v>1.858974358974359</c:v>
                 </c:pt>
                 <c:pt idx="12">
-                  <c:v>1.5656049349867311</c:v>
+                  <c:v>1.8749999999999998</c:v>
                 </c:pt>
                 <c:pt idx="13">
-                  <c:v>1.5966737599794338</c:v>
+                  <c:v>1.8749999999999998</c:v>
                 </c:pt>
                 <c:pt idx="14">
-                  <c:v>1.4650438998820592</c:v>
+                  <c:v>1.8277310924369745</c:v>
                 </c:pt>
                 <c:pt idx="15">
-                  <c:v>1.4970907849189501</c:v>
+                  <c:v>1.7682926829268288</c:v>
                 </c:pt>
                 <c:pt idx="16">
-                  <c:v>1.4660332946491208</c:v>
+                  <c:v>1.7827868852459017</c:v>
                 </c:pt>
                 <c:pt idx="17">
-                  <c:v>1.4606701202662706</c:v>
+                  <c:v>1.7469879518072287</c:v>
                 </c:pt>
                 <c:pt idx="18">
-                  <c:v>1.4043588857833744</c:v>
+                  <c:v>1.7058823529411762</c:v>
                 </c:pt>
                 <c:pt idx="19">
-                  <c:v>1.3716474860746446</c:v>
+                  <c:v>1.7125984251968505</c:v>
                 </c:pt>
               </c:numCache>
             </c:numRef>
@@ -2250,12 +3030,12 @@
           <c:smooth val="0"/>
           <c:extLst>
             <c:ext xmlns:c16="http://schemas.microsoft.com/office/drawing/2014/chart" uri="{C3380CC4-5D6E-409C-BE32-E72D297353CC}">
-              <c16:uniqueId val="{00000003-71FD-4FD1-B3EC-E36F49CC1D8D}"/>
+              <c16:uniqueId val="{00000003-EAD9-44D0-85A8-25FD0F99A641}"/>
             </c:ext>
           </c:extLst>
         </c:ser>
         <c:ser>
-          <c:idx val="4"/>
+          <c:idx val="0"/>
           <c:order val="4"/>
           <c:tx>
             <c:v>10k</c:v>
@@ -2263,7 +3043,7 @@
           <c:spPr>
             <a:ln w="28575" cap="rnd">
               <a:solidFill>
-                <a:schemeClr val="accent5"/>
+                <a:schemeClr val="accent1"/>
               </a:solidFill>
               <a:round/>
             </a:ln>
@@ -2274,7 +3054,7 @@
           </c:marker>
           <c:val>
             <c:numRef>
-              <c:f>'results (6)'!$F$2:$F$21</c:f>
+              <c:f>results_cpu_not_optimized!$F$2:$F$21</c:f>
               <c:numCache>
                 <c:formatCode>General</c:formatCode>
                 <c:ptCount val="20"/>
@@ -2282,61 +3062,61 @@
                   <c:v>1</c:v>
                 </c:pt>
                 <c:pt idx="1">
-                  <c:v>0.63361887744376721</c:v>
+                  <c:v>0.62</c:v>
                 </c:pt>
                 <c:pt idx="2">
-                  <c:v>0.52681829105765665</c:v>
+                  <c:v>0.58490566037735858</c:v>
                 </c:pt>
                 <c:pt idx="3">
-                  <c:v>0.51214901660932011</c:v>
+                  <c:v>0.54385964912280704</c:v>
                 </c:pt>
                 <c:pt idx="4">
-                  <c:v>0.42972216776860983</c:v>
+                  <c:v>0.39743589743589752</c:v>
                 </c:pt>
                 <c:pt idx="5">
-                  <c:v>0.39977120878027755</c:v>
+                  <c:v>0.42465753424657537</c:v>
                 </c:pt>
                 <c:pt idx="6">
-                  <c:v>0.36684365063668595</c:v>
+                  <c:v>0.43055555555555564</c:v>
                 </c:pt>
                 <c:pt idx="7">
-                  <c:v>0.32081797740849644</c:v>
+                  <c:v>0.39240506329113928</c:v>
                 </c:pt>
                 <c:pt idx="8">
-                  <c:v>0.27725652523858807</c:v>
+                  <c:v>0.38271604938271608</c:v>
                 </c:pt>
                 <c:pt idx="9">
-                  <c:v>0.25721905168275644</c:v>
+                  <c:v>0.34065934065934078</c:v>
                 </c:pt>
                 <c:pt idx="10">
-                  <c:v>0.22472088125104853</c:v>
+                  <c:v>0.31632653061224497</c:v>
                 </c:pt>
                 <c:pt idx="11">
-                  <c:v>0.21765778451761986</c:v>
+                  <c:v>0.29807692307692313</c:v>
                 </c:pt>
                 <c:pt idx="12">
-                  <c:v>0.20221392930521198</c:v>
+                  <c:v>0.27192982456140352</c:v>
                 </c:pt>
                 <c:pt idx="13">
-                  <c:v>0.1908564915585598</c:v>
+                  <c:v>0.25833333333333341</c:v>
                 </c:pt>
                 <c:pt idx="14">
-                  <c:v>0.17981893568786539</c:v>
+                  <c:v>0.24031007751937997</c:v>
                 </c:pt>
                 <c:pt idx="15">
-                  <c:v>0.16451524868663439</c:v>
+                  <c:v>0.22794117647058831</c:v>
                 </c:pt>
                 <c:pt idx="16">
-                  <c:v>0.16517903014775895</c:v>
+                  <c:v>0.21379310344827596</c:v>
                 </c:pt>
                 <c:pt idx="17">
-                  <c:v>0.15181640747969527</c:v>
+                  <c:v>0.18343195266272191</c:v>
                 </c:pt>
                 <c:pt idx="18">
-                  <c:v>0.14768154730917402</c:v>
+                  <c:v>0.19135802469135804</c:v>
                 </c:pt>
                 <c:pt idx="19">
-                  <c:v>0.14267118708249757</c:v>
+                  <c:v>0.18787878787878792</c:v>
                 </c:pt>
               </c:numCache>
             </c:numRef>
@@ -2344,7 +3124,7 @@
           <c:smooth val="0"/>
           <c:extLst>
             <c:ext xmlns:c16="http://schemas.microsoft.com/office/drawing/2014/chart" uri="{C3380CC4-5D6E-409C-BE32-E72D297353CC}">
-              <c16:uniqueId val="{00000004-71FD-4FD1-B3EC-E36F49CC1D8D}"/>
+              <c16:uniqueId val="{00000004-EAD9-44D0-85A8-25FD0F99A641}"/>
             </c:ext>
           </c:extLst>
         </c:ser>
@@ -2357,11 +3137,11 @@
           <c:showBubbleSize val="0"/>
         </c:dLbls>
         <c:smooth val="0"/>
-        <c:axId val="1936459583"/>
-        <c:axId val="137439984"/>
+        <c:axId val="2105753711"/>
+        <c:axId val="1032987839"/>
       </c:lineChart>
       <c:catAx>
-        <c:axId val="1936459583"/>
+        <c:axId val="2105753711"/>
         <c:scaling>
           <c:orientation val="minMax"/>
         </c:scaling>
@@ -2387,10 +3167,9 @@
                   </a:defRPr>
                 </a:pPr>
                 <a:r>
-                  <a:rPr lang="it-IT" dirty="0" err="1"/>
+                  <a:rPr lang="it-IT"/>
                   <a:t>Threads</a:t>
                 </a:r>
-                <a:endParaRPr lang="it-IT" dirty="0"/>
               </a:p>
             </c:rich>
           </c:tx>
@@ -2459,7 +3238,7 @@
             <a:endParaRPr lang="it-IT"/>
           </a:p>
         </c:txPr>
-        <c:crossAx val="137439984"/>
+        <c:crossAx val="1032987839"/>
         <c:crosses val="autoZero"/>
         <c:auto val="1"/>
         <c:lblAlgn val="ctr"/>
@@ -2467,7 +3246,7 @@
         <c:noMultiLvlLbl val="0"/>
       </c:catAx>
       <c:valAx>
-        <c:axId val="137439984"/>
+        <c:axId val="1032987839"/>
         <c:scaling>
           <c:orientation val="minMax"/>
         </c:scaling>
@@ -2487,6 +3266,61 @@
             <a:effectLst/>
           </c:spPr>
         </c:majorGridlines>
+        <c:title>
+          <c:tx>
+            <c:rich>
+              <a:bodyPr rot="-5400000" spcFirstLastPara="1" vertOverflow="ellipsis" vert="horz" wrap="square" anchor="ctr" anchorCtr="1"/>
+              <a:lstStyle/>
+              <a:p>
+                <a:pPr>
+                  <a:defRPr sz="1600" b="0" i="0" u="none" strike="noStrike" kern="1200" baseline="0">
+                    <a:solidFill>
+                      <a:schemeClr val="tx1">
+                        <a:lumMod val="65000"/>
+                        <a:lumOff val="35000"/>
+                      </a:schemeClr>
+                    </a:solidFill>
+                    <a:latin typeface="+mn-lt"/>
+                    <a:ea typeface="+mn-ea"/>
+                    <a:cs typeface="+mn-cs"/>
+                  </a:defRPr>
+                </a:pPr>
+                <a:r>
+                  <a:rPr lang="it-IT"/>
+                  <a:t>Speedup</a:t>
+                </a:r>
+              </a:p>
+            </c:rich>
+          </c:tx>
+          <c:overlay val="0"/>
+          <c:spPr>
+            <a:noFill/>
+            <a:ln>
+              <a:noFill/>
+            </a:ln>
+            <a:effectLst/>
+          </c:spPr>
+          <c:txPr>
+            <a:bodyPr rot="-5400000" spcFirstLastPara="1" vertOverflow="ellipsis" vert="horz" wrap="square" anchor="ctr" anchorCtr="1"/>
+            <a:lstStyle/>
+            <a:p>
+              <a:pPr>
+                <a:defRPr sz="1600" b="0" i="0" u="none" strike="noStrike" kern="1200" baseline="0">
+                  <a:solidFill>
+                    <a:schemeClr val="tx1">
+                      <a:lumMod val="65000"/>
+                      <a:lumOff val="35000"/>
+                    </a:schemeClr>
+                  </a:solidFill>
+                  <a:latin typeface="+mn-lt"/>
+                  <a:ea typeface="+mn-ea"/>
+                  <a:cs typeface="+mn-cs"/>
+                </a:defRPr>
+              </a:pPr>
+              <a:endParaRPr lang="it-IT"/>
+            </a:p>
+          </c:txPr>
+        </c:title>
         <c:numFmt formatCode="General" sourceLinked="1"/>
         <c:majorTickMark val="none"/>
         <c:minorTickMark val="none"/>
@@ -2518,7 +3352,7 @@
             <a:endParaRPr lang="it-IT"/>
           </a:p>
         </c:txPr>
-        <c:crossAx val="1936459583"/>
+        <c:crossAx val="2105753711"/>
         <c:crosses val="autoZero"/>
         <c:crossBetween val="between"/>
       </c:valAx>
@@ -6221,7 +7055,7 @@
             </a:pPr>
             <a:r>
               <a:rPr lang="it-IT"/>
-              <a:t>Execution Time comparison (10M)</a:t>
+              <a:t>Execution Time Comparison (10M)</a:t>
             </a:r>
           </a:p>
         </c:rich>
@@ -6262,10 +7096,261 @@
         <c:grouping val="standard"/>
         <c:varyColors val="0"/>
         <c:ser>
-          <c:idx val="1"/>
+          <c:idx val="0"/>
           <c:order val="0"/>
           <c:tx>
-            <c:v>Before</c:v>
+            <c:v>old</c:v>
+          </c:tx>
+          <c:spPr>
+            <a:ln w="28575" cap="rnd">
+              <a:solidFill>
+                <a:schemeClr val="accent1"/>
+              </a:solidFill>
+              <a:round/>
+            </a:ln>
+            <a:effectLst/>
+          </c:spPr>
+          <c:marker>
+            <c:symbol val="none"/>
+          </c:marker>
+          <c:errBars>
+            <c:errDir val="y"/>
+            <c:errBarType val="both"/>
+            <c:errValType val="cust"/>
+            <c:noEndCap val="0"/>
+            <c:plus>
+              <c:numRef>
+                <c:f>results_cpu_not_optimized!$J$62:$J$81</c:f>
+                <c:numCache>
+                  <c:formatCode>General</c:formatCode>
+                  <c:ptCount val="20"/>
+                  <c:pt idx="0">
+                    <c:v>4.7434845762909265E-3</c:v>
+                  </c:pt>
+                  <c:pt idx="1">
+                    <c:v>3.1123918710495413E-2</c:v>
+                  </c:pt>
+                  <c:pt idx="2">
+                    <c:v>3.9639712204314864E-2</c:v>
+                  </c:pt>
+                  <c:pt idx="3">
+                    <c:v>3.006403335567169E-2</c:v>
+                  </c:pt>
+                  <c:pt idx="4">
+                    <c:v>3.0503216502244794E-2</c:v>
+                  </c:pt>
+                  <c:pt idx="5">
+                    <c:v>2.1301664643022876E-2</c:v>
+                  </c:pt>
+                  <c:pt idx="6">
+                    <c:v>3.5419643250054762E-2</c:v>
+                  </c:pt>
+                  <c:pt idx="7">
+                    <c:v>2.4947967972856765E-2</c:v>
+                  </c:pt>
+                  <c:pt idx="8">
+                    <c:v>2.452490057738264E-2</c:v>
+                  </c:pt>
+                  <c:pt idx="9">
+                    <c:v>2.4222962795076321E-2</c:v>
+                  </c:pt>
+                  <c:pt idx="10">
+                    <c:v>1.757789011528732E-2</c:v>
+                  </c:pt>
+                  <c:pt idx="11">
+                    <c:v>1.301700169435616E-2</c:v>
+                  </c:pt>
+                  <c:pt idx="12">
+                    <c:v>1.2893138578285123E-2</c:v>
+                  </c:pt>
+                  <c:pt idx="13">
+                    <c:v>1.065687463022753E-2</c:v>
+                  </c:pt>
+                  <c:pt idx="14">
+                    <c:v>1.1180723425800135E-2</c:v>
+                  </c:pt>
+                  <c:pt idx="15">
+                    <c:v>1.6066263986848982E-2</c:v>
+                  </c:pt>
+                  <c:pt idx="16">
+                    <c:v>1.166912718828683E-2</c:v>
+                  </c:pt>
+                  <c:pt idx="17">
+                    <c:v>1.2171019549645768E-2</c:v>
+                  </c:pt>
+                  <c:pt idx="18">
+                    <c:v>1.0777009406737266E-2</c:v>
+                  </c:pt>
+                  <c:pt idx="19">
+                    <c:v>8.6370838208041541E-3</c:v>
+                  </c:pt>
+                </c:numCache>
+              </c:numRef>
+            </c:plus>
+            <c:minus>
+              <c:numRef>
+                <c:f>results_cpu_not_optimized!$J$62:$J$81</c:f>
+                <c:numCache>
+                  <c:formatCode>General</c:formatCode>
+                  <c:ptCount val="20"/>
+                  <c:pt idx="0">
+                    <c:v>4.7434845762909265E-3</c:v>
+                  </c:pt>
+                  <c:pt idx="1">
+                    <c:v>3.1123918710495413E-2</c:v>
+                  </c:pt>
+                  <c:pt idx="2">
+                    <c:v>3.9639712204314864E-2</c:v>
+                  </c:pt>
+                  <c:pt idx="3">
+                    <c:v>3.006403335567169E-2</c:v>
+                  </c:pt>
+                  <c:pt idx="4">
+                    <c:v>3.0503216502244794E-2</c:v>
+                  </c:pt>
+                  <c:pt idx="5">
+                    <c:v>2.1301664643022876E-2</c:v>
+                  </c:pt>
+                  <c:pt idx="6">
+                    <c:v>3.5419643250054762E-2</c:v>
+                  </c:pt>
+                  <c:pt idx="7">
+                    <c:v>2.4947967972856765E-2</c:v>
+                  </c:pt>
+                  <c:pt idx="8">
+                    <c:v>2.452490057738264E-2</c:v>
+                  </c:pt>
+                  <c:pt idx="9">
+                    <c:v>2.4222962795076321E-2</c:v>
+                  </c:pt>
+                  <c:pt idx="10">
+                    <c:v>1.757789011528732E-2</c:v>
+                  </c:pt>
+                  <c:pt idx="11">
+                    <c:v>1.301700169435616E-2</c:v>
+                  </c:pt>
+                  <c:pt idx="12">
+                    <c:v>1.2893138578285123E-2</c:v>
+                  </c:pt>
+                  <c:pt idx="13">
+                    <c:v>1.065687463022753E-2</c:v>
+                  </c:pt>
+                  <c:pt idx="14">
+                    <c:v>1.1180723425800135E-2</c:v>
+                  </c:pt>
+                  <c:pt idx="15">
+                    <c:v>1.6066263986848982E-2</c:v>
+                  </c:pt>
+                  <c:pt idx="16">
+                    <c:v>1.166912718828683E-2</c:v>
+                  </c:pt>
+                  <c:pt idx="17">
+                    <c:v>1.2171019549645768E-2</c:v>
+                  </c:pt>
+                  <c:pt idx="18">
+                    <c:v>1.0777009406737266E-2</c:v>
+                  </c:pt>
+                  <c:pt idx="19">
+                    <c:v>8.6370838208041541E-3</c:v>
+                  </c:pt>
+                </c:numCache>
+              </c:numRef>
+            </c:minus>
+            <c:spPr>
+              <a:noFill/>
+              <a:ln w="9525" cap="flat" cmpd="sng" algn="ctr">
+                <a:solidFill>
+                  <a:schemeClr val="tx1">
+                    <a:lumMod val="65000"/>
+                    <a:lumOff val="35000"/>
+                  </a:schemeClr>
+                </a:solidFill>
+                <a:round/>
+              </a:ln>
+              <a:effectLst/>
+            </c:spPr>
+          </c:errBars>
+          <c:val>
+            <c:numRef>
+              <c:f>results_cpu_not_optimized!$E$62:$E$81</c:f>
+              <c:numCache>
+                <c:formatCode>General</c:formatCode>
+                <c:ptCount val="20"/>
+                <c:pt idx="0">
+                  <c:v>2.803266666666667</c:v>
+                </c:pt>
+                <c:pt idx="1">
+                  <c:v>1.6767666666666659</c:v>
+                </c:pt>
+                <c:pt idx="2">
+                  <c:v>1.4909999999999999</c:v>
+                </c:pt>
+                <c:pt idx="3">
+                  <c:v>1.1807333333333334</c:v>
+                </c:pt>
+                <c:pt idx="4">
+                  <c:v>1.1398333333333333</c:v>
+                </c:pt>
+                <c:pt idx="5">
+                  <c:v>1.0508333333333335</c:v>
+                </c:pt>
+                <c:pt idx="6">
+                  <c:v>0.95729999999999993</c:v>
+                </c:pt>
+                <c:pt idx="7">
+                  <c:v>0.96039999999999992</c:v>
+                </c:pt>
+                <c:pt idx="8">
+                  <c:v>1.0333666666666665</c:v>
+                </c:pt>
+                <c:pt idx="9">
+                  <c:v>1.0185</c:v>
+                </c:pt>
+                <c:pt idx="10">
+                  <c:v>1.0154000000000001</c:v>
+                </c:pt>
+                <c:pt idx="11">
+                  <c:v>0.96909999999999996</c:v>
+                </c:pt>
+                <c:pt idx="12">
+                  <c:v>0.92126666666666646</c:v>
+                </c:pt>
+                <c:pt idx="13">
+                  <c:v>0.90290000000000004</c:v>
+                </c:pt>
+                <c:pt idx="14">
+                  <c:v>0.88349999999999995</c:v>
+                </c:pt>
+                <c:pt idx="15">
+                  <c:v>0.89839999999999998</c:v>
+                </c:pt>
+                <c:pt idx="16">
+                  <c:v>0.92863333333333353</c:v>
+                </c:pt>
+                <c:pt idx="17">
+                  <c:v>0.92119999999999991</c:v>
+                </c:pt>
+                <c:pt idx="18">
+                  <c:v>0.92426666666666668</c:v>
+                </c:pt>
+                <c:pt idx="19">
+                  <c:v>0.90063333333333329</c:v>
+                </c:pt>
+              </c:numCache>
+            </c:numRef>
+          </c:val>
+          <c:smooth val="0"/>
+          <c:extLst>
+            <c:ext xmlns:c16="http://schemas.microsoft.com/office/drawing/2014/chart" uri="{C3380CC4-5D6E-409C-BE32-E72D297353CC}">
+              <c16:uniqueId val="{00000000-FEB9-4307-8F64-E85B9453EDE5}"/>
+            </c:ext>
+          </c:extLst>
+        </c:ser>
+        <c:ser>
+          <c:idx val="1"/>
+          <c:order val="1"/>
+          <c:tx>
+            <c:v>new</c:v>
           </c:tx>
           <c:spPr>
             <a:ln w="28575" cap="rnd">
@@ -6279,71 +7364,228 @@
           <c:marker>
             <c:symbol val="none"/>
           </c:marker>
+          <c:errBars>
+            <c:errDir val="y"/>
+            <c:errBarType val="both"/>
+            <c:errValType val="cust"/>
+            <c:noEndCap val="0"/>
+            <c:plus>
+              <c:numRef>
+                <c:f>'results_cpu_optimized'!$J$62:$J$81</c:f>
+                <c:numCache>
+                  <c:formatCode>General</c:formatCode>
+                  <c:ptCount val="20"/>
+                  <c:pt idx="0">
+                    <c:v>1.0397404018811918E-2</c:v>
+                  </c:pt>
+                  <c:pt idx="1">
+                    <c:v>2.2722398035061892E-2</c:v>
+                  </c:pt>
+                  <c:pt idx="2">
+                    <c:v>2.4761136907119761E-2</c:v>
+                  </c:pt>
+                  <c:pt idx="3">
+                    <c:v>1.4472917115192767E-2</c:v>
+                  </c:pt>
+                  <c:pt idx="4">
+                    <c:v>1.2926457485308074E-2</c:v>
+                  </c:pt>
+                  <c:pt idx="5">
+                    <c:v>1.068300068106268E-2</c:v>
+                  </c:pt>
+                  <c:pt idx="6">
+                    <c:v>6.3083403891308247E-3</c:v>
+                  </c:pt>
+                  <c:pt idx="7">
+                    <c:v>3.9418132156237955E-3</c:v>
+                  </c:pt>
+                  <c:pt idx="8">
+                    <c:v>6.7989269221982937E-3</c:v>
+                  </c:pt>
+                  <c:pt idx="9">
+                    <c:v>4.6292434018150317E-3</c:v>
+                  </c:pt>
+                  <c:pt idx="10">
+                    <c:v>5.6893178921966587E-3</c:v>
+                  </c:pt>
+                  <c:pt idx="11">
+                    <c:v>6.4706112784359594E-3</c:v>
+                  </c:pt>
+                  <c:pt idx="12">
+                    <c:v>2.5793855971211819E-3</c:v>
+                  </c:pt>
+                  <c:pt idx="13">
+                    <c:v>2.7238417883232334E-3</c:v>
+                  </c:pt>
+                  <c:pt idx="14">
+                    <c:v>4.1169970049836488E-3</c:v>
+                  </c:pt>
+                  <c:pt idx="15">
+                    <c:v>3.2844902315677673E-3</c:v>
+                  </c:pt>
+                  <c:pt idx="16">
+                    <c:v>8.2033349960509844E-3</c:v>
+                  </c:pt>
+                  <c:pt idx="17">
+                    <c:v>7.9818962742182909E-3</c:v>
+                  </c:pt>
+                  <c:pt idx="18">
+                    <c:v>6.6298657489064841E-3</c:v>
+                  </c:pt>
+                  <c:pt idx="19">
+                    <c:v>5.1459164526171481E-3</c:v>
+                  </c:pt>
+                </c:numCache>
+              </c:numRef>
+            </c:plus>
+            <c:minus>
+              <c:numRef>
+                <c:f>'results_cpu_optimized'!$J$62:$J$81</c:f>
+                <c:numCache>
+                  <c:formatCode>General</c:formatCode>
+                  <c:ptCount val="20"/>
+                  <c:pt idx="0">
+                    <c:v>1.0397404018811918E-2</c:v>
+                  </c:pt>
+                  <c:pt idx="1">
+                    <c:v>2.2722398035061892E-2</c:v>
+                  </c:pt>
+                  <c:pt idx="2">
+                    <c:v>2.4761136907119761E-2</c:v>
+                  </c:pt>
+                  <c:pt idx="3">
+                    <c:v>1.4472917115192767E-2</c:v>
+                  </c:pt>
+                  <c:pt idx="4">
+                    <c:v>1.2926457485308074E-2</c:v>
+                  </c:pt>
+                  <c:pt idx="5">
+                    <c:v>1.068300068106268E-2</c:v>
+                  </c:pt>
+                  <c:pt idx="6">
+                    <c:v>6.3083403891308247E-3</c:v>
+                  </c:pt>
+                  <c:pt idx="7">
+                    <c:v>3.9418132156237955E-3</c:v>
+                  </c:pt>
+                  <c:pt idx="8">
+                    <c:v>6.7989269221982937E-3</c:v>
+                  </c:pt>
+                  <c:pt idx="9">
+                    <c:v>4.6292434018150317E-3</c:v>
+                  </c:pt>
+                  <c:pt idx="10">
+                    <c:v>5.6893178921966587E-3</c:v>
+                  </c:pt>
+                  <c:pt idx="11">
+                    <c:v>6.4706112784359594E-3</c:v>
+                  </c:pt>
+                  <c:pt idx="12">
+                    <c:v>2.5793855971211819E-3</c:v>
+                  </c:pt>
+                  <c:pt idx="13">
+                    <c:v>2.7238417883232334E-3</c:v>
+                  </c:pt>
+                  <c:pt idx="14">
+                    <c:v>4.1169970049836488E-3</c:v>
+                  </c:pt>
+                  <c:pt idx="15">
+                    <c:v>3.2844902315677673E-3</c:v>
+                  </c:pt>
+                  <c:pt idx="16">
+                    <c:v>8.2033349960509844E-3</c:v>
+                  </c:pt>
+                  <c:pt idx="17">
+                    <c:v>7.9818962742182909E-3</c:v>
+                  </c:pt>
+                  <c:pt idx="18">
+                    <c:v>6.6298657489064841E-3</c:v>
+                  </c:pt>
+                  <c:pt idx="19">
+                    <c:v>5.1459164526171481E-3</c:v>
+                  </c:pt>
+                </c:numCache>
+              </c:numRef>
+            </c:minus>
+            <c:spPr>
+              <a:noFill/>
+              <a:ln w="9525" cap="flat" cmpd="sng" algn="ctr">
+                <a:solidFill>
+                  <a:schemeClr val="tx1">
+                    <a:lumMod val="65000"/>
+                    <a:lumOff val="35000"/>
+                  </a:schemeClr>
+                </a:solidFill>
+                <a:round/>
+              </a:ln>
+              <a:effectLst/>
+            </c:spPr>
+          </c:errBars>
           <c:val>
             <c:numRef>
-              <c:f>'results (7)'!$H$2:$H$21</c:f>
+              <c:f>'results_cpu_optimized'!$E$62:$E$81</c:f>
               <c:numCache>
                 <c:formatCode>General</c:formatCode>
                 <c:ptCount val="20"/>
                 <c:pt idx="0">
-                  <c:v>2.7707976666666676</c:v>
+                  <c:v>2.722466666666667</c:v>
                 </c:pt>
                 <c:pt idx="1">
-                  <c:v>1.7453214666666668</c:v>
+                  <c:v>1.5325333333333331</c:v>
                 </c:pt>
                 <c:pt idx="2">
-                  <c:v>1.4214218333333335</c:v>
+                  <c:v>1.1842666666666664</c:v>
                 </c:pt>
                 <c:pt idx="3">
-                  <c:v>1.246819466666667</c:v>
+                  <c:v>0.99403333333333355</c:v>
                 </c:pt>
                 <c:pt idx="4">
-                  <c:v>1.1081307</c:v>
+                  <c:v>0.94389999999999985</c:v>
                 </c:pt>
                 <c:pt idx="5">
-                  <c:v>1.0393818333333331</c:v>
+                  <c:v>0.8533666666666665</c:v>
                 </c:pt>
                 <c:pt idx="6">
-                  <c:v>0.93484606666666659</c:v>
+                  <c:v>0.78533333333333322</c:v>
                 </c:pt>
                 <c:pt idx="7">
-                  <c:v>0.94269153333333333</c:v>
+                  <c:v>0.73763333333333336</c:v>
                 </c:pt>
                 <c:pt idx="8">
-                  <c:v>1.0542320999999999</c:v>
+                  <c:v>0.87363333333333315</c:v>
                 </c:pt>
                 <c:pt idx="9">
-                  <c:v>1.0267311333333333</c:v>
+                  <c:v>0.84723333333333328</c:v>
                 </c:pt>
                 <c:pt idx="10">
-                  <c:v>0.98009006666666665</c:v>
+                  <c:v>0.83533333333333315</c:v>
                 </c:pt>
                 <c:pt idx="11">
-                  <c:v>0.95415243333333311</c:v>
+                  <c:v>0.81030000000000002</c:v>
                 </c:pt>
                 <c:pt idx="12">
-                  <c:v>0.93536870000000005</c:v>
+                  <c:v>0.78980000000000006</c:v>
                 </c:pt>
                 <c:pt idx="13">
-                  <c:v>0.88632936666666651</c:v>
+                  <c:v>0.75630000000000008</c:v>
                 </c:pt>
                 <c:pt idx="14">
-                  <c:v>0.88762920000000001</c:v>
+                  <c:v>0.73490000000000011</c:v>
                 </c:pt>
                 <c:pt idx="15">
-                  <c:v>0.87210293333333333</c:v>
+                  <c:v>0.73140000000000005</c:v>
                 </c:pt>
                 <c:pt idx="16">
-                  <c:v>0.91696829999999996</c:v>
+                  <c:v>0.81966666666666654</c:v>
                 </c:pt>
                 <c:pt idx="17">
-                  <c:v>0.91383006666666688</c:v>
+                  <c:v>0.80203333333333349</c:v>
                 </c:pt>
                 <c:pt idx="18">
-                  <c:v>0.90170316666666683</c:v>
+                  <c:v>0.78720000000000001</c:v>
                 </c:pt>
                 <c:pt idx="19">
-                  <c:v>0.89914130000000014</c:v>
+                  <c:v>0.77640000000000009</c:v>
                 </c:pt>
               </c:numCache>
             </c:numRef>
@@ -6351,101 +7593,7 @@
           <c:smooth val="0"/>
           <c:extLst>
             <c:ext xmlns:c16="http://schemas.microsoft.com/office/drawing/2014/chart" uri="{C3380CC4-5D6E-409C-BE32-E72D297353CC}">
-              <c16:uniqueId val="{00000000-F538-4E89-9FAA-A5EE810DC207}"/>
-            </c:ext>
-          </c:extLst>
-        </c:ser>
-        <c:ser>
-          <c:idx val="0"/>
-          <c:order val="1"/>
-          <c:tx>
-            <c:v>After</c:v>
-          </c:tx>
-          <c:spPr>
-            <a:ln w="28575" cap="rnd">
-              <a:solidFill>
-                <a:schemeClr val="accent1"/>
-              </a:solidFill>
-              <a:round/>
-            </a:ln>
-            <a:effectLst/>
-          </c:spPr>
-          <c:marker>
-            <c:symbol val="none"/>
-          </c:marker>
-          <c:val>
-            <c:numRef>
-              <c:f>'results (7)'!$E$2:$E$21</c:f>
-              <c:numCache>
-                <c:formatCode>General</c:formatCode>
-                <c:ptCount val="20"/>
-                <c:pt idx="0">
-                  <c:v>2.6883646333333338</c:v>
-                </c:pt>
-                <c:pt idx="1">
-                  <c:v>1.5442653666666668</c:v>
-                </c:pt>
-                <c:pt idx="2">
-                  <c:v>1.1650598666666669</c:v>
-                </c:pt>
-                <c:pt idx="3">
-                  <c:v>0.9719439666666666</c:v>
-                </c:pt>
-                <c:pt idx="4">
-                  <c:v>0.96092220000000006</c:v>
-                </c:pt>
-                <c:pt idx="5">
-                  <c:v>0.855055866666667</c:v>
-                </c:pt>
-                <c:pt idx="6">
-                  <c:v>0.78674293333333323</c:v>
-                </c:pt>
-                <c:pt idx="7">
-                  <c:v>0.73636933333333332</c:v>
-                </c:pt>
-                <c:pt idx="8">
-                  <c:v>0.88759543333333324</c:v>
-                </c:pt>
-                <c:pt idx="9">
-                  <c:v>0.85614153333333343</c:v>
-                </c:pt>
-                <c:pt idx="10">
-                  <c:v>0.85209049999999997</c:v>
-                </c:pt>
-                <c:pt idx="11">
-                  <c:v>0.82371619999999979</c:v>
-                </c:pt>
-                <c:pt idx="12">
-                  <c:v>0.79540916666666639</c:v>
-                </c:pt>
-                <c:pt idx="13">
-                  <c:v>0.76924343333333356</c:v>
-                </c:pt>
-                <c:pt idx="14">
-                  <c:v>0.74151103333333324</c:v>
-                </c:pt>
-                <c:pt idx="15">
-                  <c:v>0.74142143333333321</c:v>
-                </c:pt>
-                <c:pt idx="16">
-                  <c:v>0.81655673333333323</c:v>
-                </c:pt>
-                <c:pt idx="17">
-                  <c:v>0.793767</c:v>
-                </c:pt>
-                <c:pt idx="18">
-                  <c:v>0.80026676666666674</c:v>
-                </c:pt>
-                <c:pt idx="19">
-                  <c:v>0.79028900000000002</c:v>
-                </c:pt>
-              </c:numCache>
-            </c:numRef>
-          </c:val>
-          <c:smooth val="0"/>
-          <c:extLst>
-            <c:ext xmlns:c16="http://schemas.microsoft.com/office/drawing/2014/chart" uri="{C3380CC4-5D6E-409C-BE32-E72D297353CC}">
-              <c16:uniqueId val="{00000001-F538-4E89-9FAA-A5EE810DC207}"/>
+              <c16:uniqueId val="{00000001-FEB9-4307-8F64-E85B9453EDE5}"/>
             </c:ext>
           </c:extLst>
         </c:ser>
@@ -6458,11 +7606,11 @@
           <c:showBubbleSize val="0"/>
         </c:dLbls>
         <c:smooth val="0"/>
-        <c:axId val="124496320"/>
-        <c:axId val="1099682639"/>
+        <c:axId val="522459407"/>
+        <c:axId val="1312727791"/>
       </c:lineChart>
       <c:catAx>
-        <c:axId val="124496320"/>
+        <c:axId val="522459407"/>
         <c:scaling>
           <c:orientation val="minMax"/>
         </c:scaling>
@@ -6559,7 +7707,7 @@
             <a:endParaRPr lang="it-IT"/>
           </a:p>
         </c:txPr>
-        <c:crossAx val="1099682639"/>
+        <c:crossAx val="1312727791"/>
         <c:crosses val="autoZero"/>
         <c:auto val="1"/>
         <c:lblAlgn val="ctr"/>
@@ -6567,7 +7715,7 @@
         <c:noMultiLvlLbl val="0"/>
       </c:catAx>
       <c:valAx>
-        <c:axId val="1099682639"/>
+        <c:axId val="1312727791"/>
         <c:scaling>
           <c:orientation val="minMax"/>
         </c:scaling>
@@ -6608,7 +7756,7 @@
                 </a:pPr>
                 <a:r>
                   <a:rPr lang="it-IT"/>
-                  <a:t>Execution Time (seconds)</a:t>
+                  <a:t>Seconds</a:t>
                 </a:r>
               </a:p>
             </c:rich>
@@ -6673,7 +7821,7 @@
             <a:endParaRPr lang="it-IT"/>
           </a:p>
         </c:txPr>
-        <c:crossAx val="124496320"/>
+        <c:crossAx val="522459407"/>
         <c:crosses val="autoZero"/>
         <c:crossBetween val="between"/>
       </c:valAx>
@@ -6785,7 +7933,7 @@
             </a:pPr>
             <a:r>
               <a:rPr lang="it-IT"/>
-              <a:t>Speedup comparison (10M)</a:t>
+              <a:t>Speedup Comparison (10M)</a:t>
             </a:r>
           </a:p>
         </c:rich>
@@ -6826,10 +7974,104 @@
         <c:grouping val="standard"/>
         <c:varyColors val="0"/>
         <c:ser>
-          <c:idx val="0"/>
+          <c:idx val="1"/>
           <c:order val="0"/>
           <c:tx>
-            <c:v>After</c:v>
+            <c:v>new</c:v>
+          </c:tx>
+          <c:spPr>
+            <a:ln w="28575" cap="rnd">
+              <a:solidFill>
+                <a:schemeClr val="accent2"/>
+              </a:solidFill>
+              <a:round/>
+            </a:ln>
+            <a:effectLst/>
+          </c:spPr>
+          <c:marker>
+            <c:symbol val="none"/>
+          </c:marker>
+          <c:val>
+            <c:numRef>
+              <c:f>'results_cpu_optimized'!$F$62:$F$81</c:f>
+              <c:numCache>
+                <c:formatCode>General</c:formatCode>
+                <c:ptCount val="20"/>
+                <c:pt idx="0">
+                  <c:v>1</c:v>
+                </c:pt>
+                <c:pt idx="1">
+                  <c:v>1.7764485818688016</c:v>
+                </c:pt>
+                <c:pt idx="2">
+                  <c:v>2.2988628687232615</c:v>
+                </c:pt>
+                <c:pt idx="3">
+                  <c:v>2.7388082223936152</c:v>
+                </c:pt>
+                <c:pt idx="4">
+                  <c:v>2.8842744641028366</c:v>
+                </c:pt>
+                <c:pt idx="5">
+                  <c:v>3.1902660052341716</c:v>
+                </c:pt>
+                <c:pt idx="6">
+                  <c:v>3.4666383701188463</c:v>
+                </c:pt>
+                <c:pt idx="7">
+                  <c:v>3.6908129603687474</c:v>
+                </c:pt>
+                <c:pt idx="8">
+                  <c:v>3.1162577740470843</c:v>
+                </c:pt>
+                <c:pt idx="9">
+                  <c:v>3.2133611362473942</c:v>
+                </c:pt>
+                <c:pt idx="10">
+                  <c:v>3.2591380686352767</c:v>
+                </c:pt>
+                <c:pt idx="11">
+                  <c:v>3.3598255790036617</c:v>
+                </c:pt>
+                <c:pt idx="12">
+                  <c:v>3.4470330041360686</c:v>
+                </c:pt>
+                <c:pt idx="13">
+                  <c:v>3.5997179249856761</c:v>
+                </c:pt>
+                <c:pt idx="14">
+                  <c:v>3.7045403002676101</c:v>
+                </c:pt>
+                <c:pt idx="15">
+                  <c:v>3.7222677969191507</c:v>
+                </c:pt>
+                <c:pt idx="16">
+                  <c:v>3.3214314762098422</c:v>
+                </c:pt>
+                <c:pt idx="17">
+                  <c:v>3.3944557582810355</c:v>
+                </c:pt>
+                <c:pt idx="18">
+                  <c:v>3.4584180216802172</c:v>
+                </c:pt>
+                <c:pt idx="19">
+                  <c:v>3.5065258457839601</c:v>
+                </c:pt>
+              </c:numCache>
+            </c:numRef>
+          </c:val>
+          <c:smooth val="0"/>
+          <c:extLst>
+            <c:ext xmlns:c16="http://schemas.microsoft.com/office/drawing/2014/chart" uri="{C3380CC4-5D6E-409C-BE32-E72D297353CC}">
+              <c16:uniqueId val="{00000000-DE40-4DED-BB02-E0F3761E084E}"/>
+            </c:ext>
+          </c:extLst>
+        </c:ser>
+        <c:ser>
+          <c:idx val="0"/>
+          <c:order val="1"/>
+          <c:tx>
+            <c:v>old</c:v>
           </c:tx>
           <c:spPr>
             <a:ln w="28575" cap="rnd">
@@ -6845,7 +8087,7 @@
           </c:marker>
           <c:val>
             <c:numRef>
-              <c:f>'results (7)'!$F$2:$F$21</c:f>
+              <c:f>results_cpu_not_optimized!$F$62:$F$81</c:f>
               <c:numCache>
                 <c:formatCode>General</c:formatCode>
                 <c:ptCount val="20"/>
@@ -6853,61 +8095,61 @@
                   <c:v>1</c:v>
                 </c:pt>
                 <c:pt idx="1">
-                  <c:v>1.7408696014055098</c:v>
+                  <c:v>1.6718287179691083</c:v>
                 </c:pt>
                 <c:pt idx="2">
-                  <c:v>2.30749055070017</c:v>
+                  <c:v>1.8801251956181537</c:v>
                 </c:pt>
                 <c:pt idx="3">
-                  <c:v>2.7659666868998869</c:v>
+                  <c:v>2.3741742419964993</c:v>
                 </c:pt>
                 <c:pt idx="4">
-                  <c:v>2.7976922932297055</c:v>
+                  <c:v>2.4593654042988744</c:v>
                 </c:pt>
                 <c:pt idx="5">
-                  <c:v>3.1440806830711563</c:v>
+                  <c:v>2.6676605868358445</c:v>
                 </c:pt>
                 <c:pt idx="6">
-                  <c:v>3.4170813863469518</c:v>
+                  <c:v>2.9283053031094401</c:v>
                 </c:pt>
                 <c:pt idx="7">
-                  <c:v>3.6508373062792772</c:v>
+                  <c:v>2.9188532555879503</c:v>
                 </c:pt>
                 <c:pt idx="8">
-                  <c:v>3.0288175585100472</c:v>
+                  <c:v>2.7127512015741435</c:v>
                 </c:pt>
                 <c:pt idx="9">
-                  <c:v>3.1400936979033762</c:v>
+                  <c:v>2.7523482245131734</c:v>
                 </c:pt>
                 <c:pt idx="10">
-                  <c:v>3.1550224223052994</c:v>
+                  <c:v>2.7607510997308125</c:v>
                 </c:pt>
                 <c:pt idx="11">
-                  <c:v>3.2637025146929663</c:v>
+                  <c:v>2.8926495373714447</c:v>
                 </c:pt>
                 <c:pt idx="12">
-                  <c:v>3.3798512086546668</c:v>
+                  <c:v>3.0428395687097485</c:v>
                 </c:pt>
                 <c:pt idx="13">
-                  <c:v>3.4948164870045684</c:v>
+                  <c:v>3.1047365895078824</c:v>
                 </c:pt>
                 <c:pt idx="14">
-                  <c:v>3.6255220927034091</c:v>
+                  <c:v>3.1729107715525378</c:v>
                 </c:pt>
                 <c:pt idx="15">
-                  <c:v>3.6259602332330751</c:v>
+                  <c:v>3.1202879192638768</c:v>
                 </c:pt>
                 <c:pt idx="16">
-                  <c:v>3.2923182475747153</c:v>
+                  <c:v>3.0187013173480741</c:v>
                 </c:pt>
                 <c:pt idx="17">
-                  <c:v>3.3868435363694052</c:v>
+                  <c:v>3.0430597771023309</c:v>
                 </c:pt>
                 <c:pt idx="18">
-                  <c:v>3.3593355932186451</c:v>
+                  <c:v>3.0329630698211196</c:v>
                 </c:pt>
                 <c:pt idx="19">
-                  <c:v>3.4017487695429565</c:v>
+                  <c:v>3.1125504274769611</c:v>
                 </c:pt>
               </c:numCache>
             </c:numRef>
@@ -6915,101 +8157,7 @@
           <c:smooth val="0"/>
           <c:extLst>
             <c:ext xmlns:c16="http://schemas.microsoft.com/office/drawing/2014/chart" uri="{C3380CC4-5D6E-409C-BE32-E72D297353CC}">
-              <c16:uniqueId val="{00000000-7872-40C3-8F18-EB9E8C6CDE71}"/>
-            </c:ext>
-          </c:extLst>
-        </c:ser>
-        <c:ser>
-          <c:idx val="1"/>
-          <c:order val="1"/>
-          <c:tx>
-            <c:v>Before</c:v>
-          </c:tx>
-          <c:spPr>
-            <a:ln w="28575" cap="rnd">
-              <a:solidFill>
-                <a:schemeClr val="accent2"/>
-              </a:solidFill>
-              <a:round/>
-            </a:ln>
-            <a:effectLst/>
-          </c:spPr>
-          <c:marker>
-            <c:symbol val="none"/>
-          </c:marker>
-          <c:val>
-            <c:numRef>
-              <c:f>'results (7)'!$I$2:$I$21</c:f>
-              <c:numCache>
-                <c:formatCode>General</c:formatCode>
-                <c:ptCount val="20"/>
-                <c:pt idx="0">
-                  <c:v>1</c:v>
-                </c:pt>
-                <c:pt idx="1">
-                  <c:v>1.5875572034065017</c:v>
-                </c:pt>
-                <c:pt idx="2">
-                  <c:v>1.9493141315896025</c:v>
-                </c:pt>
-                <c:pt idx="3">
-                  <c:v>2.2222925938703129</c:v>
-                </c:pt>
-                <c:pt idx="4">
-                  <c:v>2.5004249649131349</c:v>
-                </c:pt>
-                <c:pt idx="5">
-                  <c:v>2.6658130610005224</c:v>
-                </c:pt>
-                <c:pt idx="6">
-                  <c:v>2.9639079260892234</c:v>
-                </c:pt>
-                <c:pt idx="7">
-                  <c:v>2.9392410652816596</c:v>
-                </c:pt>
-                <c:pt idx="8">
-                  <c:v>2.6282615248261441</c:v>
-                </c:pt>
-                <c:pt idx="9">
-                  <c:v>2.6986594413194971</c:v>
-                </c:pt>
-                <c:pt idx="10">
-                  <c:v>2.8270847352736506</c:v>
-                </c:pt>
-                <c:pt idx="11">
-                  <c:v>2.9039360691948155</c:v>
-                </c:pt>
-                <c:pt idx="12">
-                  <c:v>2.9622518549815355</c:v>
-                </c:pt>
-                <c:pt idx="13">
-                  <c:v>3.1261490038259305</c:v>
-                </c:pt>
-                <c:pt idx="14">
-                  <c:v>3.1215711094978258</c:v>
-                </c:pt>
-                <c:pt idx="15">
-                  <c:v>3.1771452207782214</c:v>
-                </c:pt>
-                <c:pt idx="16">
-                  <c:v>3.0216940614704648</c:v>
-                </c:pt>
-                <c:pt idx="17">
-                  <c:v>3.0320710247295435</c:v>
-                </c:pt>
-                <c:pt idx="18">
-                  <c:v>3.0728489918799964</c:v>
-                </c:pt>
-                <c:pt idx="19">
-                  <c:v>3.0816042669452144</c:v>
-                </c:pt>
-              </c:numCache>
-            </c:numRef>
-          </c:val>
-          <c:smooth val="0"/>
-          <c:extLst>
-            <c:ext xmlns:c16="http://schemas.microsoft.com/office/drawing/2014/chart" uri="{C3380CC4-5D6E-409C-BE32-E72D297353CC}">
-              <c16:uniqueId val="{00000001-7872-40C3-8F18-EB9E8C6CDE71}"/>
+              <c16:uniqueId val="{00000001-DE40-4DED-BB02-E0F3761E084E}"/>
             </c:ext>
           </c:extLst>
         </c:ser>
@@ -7022,11 +8170,11 @@
           <c:showBubbleSize val="0"/>
         </c:dLbls>
         <c:smooth val="0"/>
-        <c:axId val="1105132239"/>
-        <c:axId val="1532045679"/>
+        <c:axId val="522459407"/>
+        <c:axId val="1312727791"/>
       </c:lineChart>
       <c:catAx>
-        <c:axId val="1105132239"/>
+        <c:axId val="522459407"/>
         <c:scaling>
           <c:orientation val="minMax"/>
         </c:scaling>
@@ -7123,7 +8271,7 @@
             <a:endParaRPr lang="it-IT"/>
           </a:p>
         </c:txPr>
-        <c:crossAx val="1532045679"/>
+        <c:crossAx val="1312727791"/>
         <c:crosses val="autoZero"/>
         <c:auto val="1"/>
         <c:lblAlgn val="ctr"/>
@@ -7131,7 +8279,7 @@
         <c:noMultiLvlLbl val="0"/>
       </c:catAx>
       <c:valAx>
-        <c:axId val="1532045679"/>
+        <c:axId val="1312727791"/>
         <c:scaling>
           <c:orientation val="minMax"/>
         </c:scaling>
@@ -7237,7 +8385,7 @@
             <a:endParaRPr lang="it-IT"/>
           </a:p>
         </c:txPr>
-        <c:crossAx val="1105132239"/>
+        <c:crossAx val="522459407"/>
         <c:crosses val="autoZero"/>
         <c:crossBetween val="between"/>
       </c:valAx>
@@ -13840,7 +14988,7 @@
             <a:pPr algn="r" rtl="0"/>
             <a:fld id="{221A1788-7372-4FAC-9AF0-00B54B8D9CBA}" type="datetime1">
               <a:rPr lang="it-IT" smtClean="0"/>
-              <a:t>11/07/2023</a:t>
+              <a:t>12/07/2023</a:t>
             </a:fld>
             <a:endParaRPr lang="it-IT" dirty="0"/>
           </a:p>
@@ -14010,7 +15158,7 @@
             <a:fld id="{D943A304-85CD-4257-B418-D8F889FE0DBC}" type="datetime1">
               <a:rPr lang="it-IT" smtClean="0"/>
               <a:pPr/>
-              <a:t>11/07/2023</a:t>
+              <a:t>12/07/2023</a:t>
             </a:fld>
             <a:endParaRPr lang="it-IT" dirty="0"/>
           </a:p>
@@ -15301,7 +16449,7 @@
             <a:fld id="{3889EF9B-A500-41B6-8F1C-893813E9A898}" type="datetime1">
               <a:rPr lang="it-IT" smtClean="0"/>
               <a:pPr/>
-              <a:t>11/07/2023</a:t>
+              <a:t>12/07/2023</a:t>
             </a:fld>
             <a:endParaRPr lang="it-IT" dirty="0"/>
           </a:p>
@@ -15507,7 +16655,7 @@
             <a:fld id="{6E724BBD-5BEA-4971-A6C4-42E94AF7CB5F}" type="datetime1">
               <a:rPr lang="it-IT" smtClean="0"/>
               <a:pPr/>
-              <a:t>11/07/2023</a:t>
+              <a:t>12/07/2023</a:t>
             </a:fld>
             <a:endParaRPr lang="it-IT" dirty="0"/>
           </a:p>
@@ -15723,7 +16871,7 @@
             <a:fld id="{EF1B2188-7D8C-43C8-B29F-60D01DE77B72}" type="datetime1">
               <a:rPr lang="it-IT" smtClean="0"/>
               <a:pPr/>
-              <a:t>11/07/2023</a:t>
+              <a:t>12/07/2023</a:t>
             </a:fld>
             <a:endParaRPr lang="it-IT" dirty="0"/>
           </a:p>
@@ -15929,7 +17077,7 @@
             <a:fld id="{581DC961-63CE-49AB-921E-1CE3DDEFC80A}" type="datetime1">
               <a:rPr lang="it-IT" smtClean="0"/>
               <a:pPr/>
-              <a:t>11/07/2023</a:t>
+              <a:t>12/07/2023</a:t>
             </a:fld>
             <a:endParaRPr lang="it-IT" dirty="0"/>
           </a:p>
@@ -16373,7 +17521,7 @@
             <a:fld id="{C6066F5F-3C86-4285-A86F-35EFBBDD7800}" type="datetime1">
               <a:rPr lang="it-IT" smtClean="0"/>
               <a:pPr/>
-              <a:t>11/07/2023</a:t>
+              <a:t>12/07/2023</a:t>
             </a:fld>
             <a:endParaRPr lang="it-IT" dirty="0"/>
           </a:p>
@@ -16685,7 +17833,7 @@
             <a:fld id="{0B9BE34E-14EC-4041-A597-EE22FC16794F}" type="datetime1">
               <a:rPr lang="it-IT" smtClean="0"/>
               <a:pPr/>
-              <a:t>11/07/2023</a:t>
+              <a:t>12/07/2023</a:t>
             </a:fld>
             <a:endParaRPr lang="it-IT" dirty="0"/>
           </a:p>
@@ -17149,7 +18297,7 @@
             <a:fld id="{D6FAD192-1BF7-4994-9CBA-74265F19F4C1}" type="datetime1">
               <a:rPr lang="it-IT" smtClean="0"/>
               <a:pPr/>
-              <a:t>11/07/2023</a:t>
+              <a:t>12/07/2023</a:t>
             </a:fld>
             <a:endParaRPr lang="it-IT" dirty="0"/>
           </a:p>
@@ -17287,7 +18435,7 @@
             <a:fld id="{C476DD40-7EBA-46D0-A855-62759524AC7A}" type="datetime1">
               <a:rPr lang="it-IT" smtClean="0"/>
               <a:pPr/>
-              <a:t>11/07/2023</a:t>
+              <a:t>12/07/2023</a:t>
             </a:fld>
             <a:endParaRPr lang="it-IT" dirty="0"/>
           </a:p>
@@ -17401,7 +18549,7 @@
             <a:fld id="{C62E4D95-88E1-4556-89BE-EC650C1D14A8}" type="datetime1">
               <a:rPr lang="it-IT" smtClean="0"/>
               <a:pPr/>
-              <a:t>11/07/2023</a:t>
+              <a:t>12/07/2023</a:t>
             </a:fld>
             <a:endParaRPr lang="it-IT" dirty="0"/>
           </a:p>
@@ -17708,7 +18856,7 @@
             <a:fld id="{1F9867D3-FC26-40B1-8BB9-B19FF8D6CD45}" type="datetime1">
               <a:rPr lang="it-IT" smtClean="0"/>
               <a:pPr/>
-              <a:t>11/07/2023</a:t>
+              <a:t>12/07/2023</a:t>
             </a:fld>
             <a:endParaRPr lang="it-IT" dirty="0"/>
           </a:p>
@@ -18005,7 +19153,7 @@
             <a:fld id="{5B0EE21F-92EE-4289-AFFB-9252D957F459}" type="datetime1">
               <a:rPr lang="it-IT" smtClean="0"/>
               <a:pPr/>
-              <a:t>11/07/2023</a:t>
+              <a:t>12/07/2023</a:t>
             </a:fld>
             <a:endParaRPr lang="it-IT" dirty="0"/>
           </a:p>
@@ -18629,7 +19777,7 @@
             <a:fld id="{8A756645-DD8C-4009-9A84-A4AD56EB55A9}" type="datetime1">
               <a:rPr lang="it-IT" smtClean="0"/>
               <a:pPr/>
-              <a:t>11/07/2023</a:t>
+              <a:t>12/07/2023</a:t>
             </a:fld>
             <a:endParaRPr lang="it-IT" dirty="0"/>
           </a:p>
@@ -20648,10 +21796,10 @@
       </p:sp>
       <p:graphicFrame>
         <p:nvGraphicFramePr>
-          <p:cNvPr id="4" name="Content Placeholder 3">
+          <p:cNvPr id="6" name="Content Placeholder 5">
             <a:extLst>
               <a:ext uri="{FF2B5EF4-FFF2-40B4-BE49-F238E27FC236}">
-                <a16:creationId xmlns:a16="http://schemas.microsoft.com/office/drawing/2014/main" id="{41177DC2-0CC0-A0D2-8E95-1D2FDEF6F107}"/>
+                <a16:creationId xmlns:a16="http://schemas.microsoft.com/office/drawing/2014/main" id="{A1627675-3A0C-315C-EC88-78B99DEEBC1E}"/>
               </a:ext>
             </a:extLst>
           </p:cNvPr>
@@ -20662,14 +21810,14 @@
             <p:ph idx="1"/>
             <p:extLst>
               <p:ext uri="{D42A27DB-BD31-4B8C-83A1-F6EECF244321}">
-                <p14:modId xmlns:p14="http://schemas.microsoft.com/office/powerpoint/2010/main" val="2465293469"/>
+                <p14:modId xmlns:p14="http://schemas.microsoft.com/office/powerpoint/2010/main" val="3191462146"/>
               </p:ext>
             </p:extLst>
           </p:nvPr>
         </p:nvGraphicFramePr>
         <p:xfrm>
-          <a:off x="1219200" y="1052736"/>
-          <a:ext cx="10360025" cy="5400600"/>
+          <a:off x="837828" y="764704"/>
+          <a:ext cx="11017224" cy="5818659"/>
         </p:xfrm>
         <a:graphic>
           <a:graphicData uri="http://schemas.openxmlformats.org/drawingml/2006/chart">
@@ -20760,10 +21908,10 @@
       </p:sp>
       <p:graphicFrame>
         <p:nvGraphicFramePr>
-          <p:cNvPr id="6" name="Content Placeholder 5">
+          <p:cNvPr id="5" name="Content Placeholder 4">
             <a:extLst>
               <a:ext uri="{FF2B5EF4-FFF2-40B4-BE49-F238E27FC236}">
-                <a16:creationId xmlns:a16="http://schemas.microsoft.com/office/drawing/2014/main" id="{CFDCA325-E579-6805-1F3C-888D60A62F16}"/>
+                <a16:creationId xmlns:a16="http://schemas.microsoft.com/office/drawing/2014/main" id="{4738FFB6-62EC-4BF6-943E-217DC176632D}"/>
               </a:ext>
             </a:extLst>
           </p:cNvPr>
@@ -20774,14 +21922,14 @@
             <p:ph idx="1"/>
             <p:extLst>
               <p:ext uri="{D42A27DB-BD31-4B8C-83A1-F6EECF244321}">
-                <p14:modId xmlns:p14="http://schemas.microsoft.com/office/powerpoint/2010/main" val="3227366197"/>
+                <p14:modId xmlns:p14="http://schemas.microsoft.com/office/powerpoint/2010/main" val="2184026397"/>
               </p:ext>
             </p:extLst>
           </p:nvPr>
         </p:nvGraphicFramePr>
         <p:xfrm>
-          <a:off x="1219359" y="1052736"/>
-          <a:ext cx="10360025" cy="5400600"/>
+          <a:off x="837828" y="764704"/>
+          <a:ext cx="10945216" cy="5818659"/>
         </p:xfrm>
         <a:graphic>
           <a:graphicData uri="http://schemas.openxmlformats.org/drawingml/2006/chart">
@@ -26032,10 +27180,10 @@
       </p:sp>
       <p:graphicFrame>
         <p:nvGraphicFramePr>
-          <p:cNvPr id="5" name="Content Placeholder 4">
+          <p:cNvPr id="6" name="Content Placeholder 5">
             <a:extLst>
               <a:ext uri="{FF2B5EF4-FFF2-40B4-BE49-F238E27FC236}">
-                <a16:creationId xmlns:a16="http://schemas.microsoft.com/office/drawing/2014/main" id="{ECE1DFF8-0EE2-404C-B41E-93D1B1547E74}"/>
+                <a16:creationId xmlns:a16="http://schemas.microsoft.com/office/drawing/2014/main" id="{C724BF6E-1D3A-347A-FB7B-A39365BE4E05}"/>
               </a:ext>
             </a:extLst>
           </p:cNvPr>
@@ -26046,14 +27194,14 @@
             <p:ph idx="1"/>
             <p:extLst>
               <p:ext uri="{D42A27DB-BD31-4B8C-83A1-F6EECF244321}">
-                <p14:modId xmlns:p14="http://schemas.microsoft.com/office/powerpoint/2010/main" val="2584902888"/>
+                <p14:modId xmlns:p14="http://schemas.microsoft.com/office/powerpoint/2010/main" val="1314011409"/>
               </p:ext>
             </p:extLst>
           </p:nvPr>
         </p:nvGraphicFramePr>
         <p:xfrm>
-          <a:off x="765820" y="620688"/>
-          <a:ext cx="10873208" cy="5832648"/>
+          <a:off x="1053852" y="764704"/>
+          <a:ext cx="10801200" cy="5688632"/>
         </p:xfrm>
         <a:graphic>
           <a:graphicData uri="http://schemas.openxmlformats.org/drawingml/2006/chart">
@@ -26202,10 +27350,10 @@
       </p:sp>
       <p:graphicFrame>
         <p:nvGraphicFramePr>
-          <p:cNvPr id="6" name="Content Placeholder 5">
+          <p:cNvPr id="8" name="Content Placeholder 7">
             <a:extLst>
               <a:ext uri="{FF2B5EF4-FFF2-40B4-BE49-F238E27FC236}">
-                <a16:creationId xmlns:a16="http://schemas.microsoft.com/office/drawing/2014/main" id="{52C39547-0FCD-4EE4-BE0B-2FC9ACE4B81A}"/>
+                <a16:creationId xmlns:a16="http://schemas.microsoft.com/office/drawing/2014/main" id="{AFA5512B-3FC1-4F6B-9E3F-76AA64E4E457}"/>
               </a:ext>
             </a:extLst>
           </p:cNvPr>
@@ -26216,14 +27364,14 @@
             <p:ph sz="half" idx="1"/>
             <p:extLst>
               <p:ext uri="{D42A27DB-BD31-4B8C-83A1-F6EECF244321}">
-                <p14:modId xmlns:p14="http://schemas.microsoft.com/office/powerpoint/2010/main" val="4276061333"/>
+                <p14:modId xmlns:p14="http://schemas.microsoft.com/office/powerpoint/2010/main" val="3185457950"/>
               </p:ext>
             </p:extLst>
           </p:nvPr>
         </p:nvGraphicFramePr>
         <p:xfrm>
-          <a:off x="909836" y="620688"/>
-          <a:ext cx="6768752" cy="5976664"/>
+          <a:off x="765820" y="692695"/>
+          <a:ext cx="6912768" cy="5976665"/>
         </p:xfrm>
         <a:graphic>
           <a:graphicData uri="http://schemas.openxmlformats.org/drawingml/2006/chart">
@@ -26306,7 +27454,7 @@
             </a:r>
             <a:r>
               <a:rPr lang="it-IT" dirty="0"/>
-              <a:t> (da ricontrollare) (sparisce)</a:t>
+              <a:t> (da ricontrollare) (sparisce) (per davvero)</a:t>
             </a:r>
           </a:p>
         </p:txBody>

--- a/documentazione/presentazione.pptx
+++ b/documentazione/presentazione.pptx
@@ -190,7 +190,7 @@
         <c:grouping val="standard"/>
         <c:varyColors val="0"/>
         <c:ser>
-          <c:idx val="0"/>
+          <c:idx val="4"/>
           <c:order val="0"/>
           <c:tx>
             <c:v>100M</c:v>
@@ -198,7 +198,7 @@
           <c:spPr>
             <a:ln w="28575" cap="rnd">
               <a:solidFill>
-                <a:schemeClr val="accent1"/>
+                <a:schemeClr val="accent5"/>
               </a:solidFill>
               <a:round/>
             </a:ln>
@@ -207,71 +207,228 @@
           <c:marker>
             <c:symbol val="none"/>
           </c:marker>
+          <c:errBars>
+            <c:errDir val="y"/>
+            <c:errBarType val="both"/>
+            <c:errValType val="cust"/>
+            <c:noEndCap val="0"/>
+            <c:plus>
+              <c:numRef>
+                <c:f>results_cpu_not_optimized!$J$82:$J$101</c:f>
+                <c:numCache>
+                  <c:formatCode>General</c:formatCode>
+                  <c:ptCount val="20"/>
+                  <c:pt idx="0">
+                    <c:v>0.12711059104518521</c:v>
+                  </c:pt>
+                  <c:pt idx="1">
+                    <c:v>0.15492684522873995</c:v>
+                  </c:pt>
+                  <c:pt idx="2">
+                    <c:v>0.18408229042559712</c:v>
+                  </c:pt>
+                  <c:pt idx="3">
+                    <c:v>0.13716042233368481</c:v>
+                  </c:pt>
+                  <c:pt idx="4">
+                    <c:v>9.0591264664889551E-2</c:v>
+                  </c:pt>
+                  <c:pt idx="5">
+                    <c:v>7.3406179074003264E-2</c:v>
+                  </c:pt>
+                  <c:pt idx="6">
+                    <c:v>8.9353513273144669E-2</c:v>
+                  </c:pt>
+                  <c:pt idx="7">
+                    <c:v>0.12531500819488592</c:v>
+                  </c:pt>
+                  <c:pt idx="8">
+                    <c:v>5.9827626557476088E-2</c:v>
+                  </c:pt>
+                  <c:pt idx="9">
+                    <c:v>4.7231218231524104E-2</c:v>
+                  </c:pt>
+                  <c:pt idx="10">
+                    <c:v>6.1594114060500041E-2</c:v>
+                  </c:pt>
+                  <c:pt idx="11">
+                    <c:v>5.6488699032319789E-2</c:v>
+                  </c:pt>
+                  <c:pt idx="12">
+                    <c:v>3.8033070059609035E-2</c:v>
+                  </c:pt>
+                  <c:pt idx="13">
+                    <c:v>3.9204920752118351E-2</c:v>
+                  </c:pt>
+                  <c:pt idx="14">
+                    <c:v>5.2922109144760698E-2</c:v>
+                  </c:pt>
+                  <c:pt idx="15">
+                    <c:v>4.6310368738979195E-2</c:v>
+                  </c:pt>
+                  <c:pt idx="16">
+                    <c:v>3.5019309298621397E-2</c:v>
+                  </c:pt>
+                  <c:pt idx="17">
+                    <c:v>5.4982443879567452E-2</c:v>
+                  </c:pt>
+                  <c:pt idx="18">
+                    <c:v>5.424889386548061E-2</c:v>
+                  </c:pt>
+                  <c:pt idx="19">
+                    <c:v>4.3765078876941123E-2</c:v>
+                  </c:pt>
+                </c:numCache>
+              </c:numRef>
+            </c:plus>
+            <c:minus>
+              <c:numRef>
+                <c:f>results_cpu_not_optimized!$J$82:$J$101</c:f>
+                <c:numCache>
+                  <c:formatCode>General</c:formatCode>
+                  <c:ptCount val="20"/>
+                  <c:pt idx="0">
+                    <c:v>0.12711059104518521</c:v>
+                  </c:pt>
+                  <c:pt idx="1">
+                    <c:v>0.15492684522873995</c:v>
+                  </c:pt>
+                  <c:pt idx="2">
+                    <c:v>0.18408229042559712</c:v>
+                  </c:pt>
+                  <c:pt idx="3">
+                    <c:v>0.13716042233368481</c:v>
+                  </c:pt>
+                  <c:pt idx="4">
+                    <c:v>9.0591264664889551E-2</c:v>
+                  </c:pt>
+                  <c:pt idx="5">
+                    <c:v>7.3406179074003264E-2</c:v>
+                  </c:pt>
+                  <c:pt idx="6">
+                    <c:v>8.9353513273144669E-2</c:v>
+                  </c:pt>
+                  <c:pt idx="7">
+                    <c:v>0.12531500819488592</c:v>
+                  </c:pt>
+                  <c:pt idx="8">
+                    <c:v>5.9827626557476088E-2</c:v>
+                  </c:pt>
+                  <c:pt idx="9">
+                    <c:v>4.7231218231524104E-2</c:v>
+                  </c:pt>
+                  <c:pt idx="10">
+                    <c:v>6.1594114060500041E-2</c:v>
+                  </c:pt>
+                  <c:pt idx="11">
+                    <c:v>5.6488699032319789E-2</c:v>
+                  </c:pt>
+                  <c:pt idx="12">
+                    <c:v>3.8033070059609035E-2</c:v>
+                  </c:pt>
+                  <c:pt idx="13">
+                    <c:v>3.9204920752118351E-2</c:v>
+                  </c:pt>
+                  <c:pt idx="14">
+                    <c:v>5.2922109144760698E-2</c:v>
+                  </c:pt>
+                  <c:pt idx="15">
+                    <c:v>4.6310368738979195E-2</c:v>
+                  </c:pt>
+                  <c:pt idx="16">
+                    <c:v>3.5019309298621397E-2</c:v>
+                  </c:pt>
+                  <c:pt idx="17">
+                    <c:v>5.4982443879567452E-2</c:v>
+                  </c:pt>
+                  <c:pt idx="18">
+                    <c:v>5.424889386548061E-2</c:v>
+                  </c:pt>
+                  <c:pt idx="19">
+                    <c:v>4.3765078876941123E-2</c:v>
+                  </c:pt>
+                </c:numCache>
+              </c:numRef>
+            </c:minus>
+            <c:spPr>
+              <a:noFill/>
+              <a:ln w="9525" cap="flat" cmpd="sng" algn="ctr">
+                <a:solidFill>
+                  <a:schemeClr val="tx1">
+                    <a:lumMod val="65000"/>
+                    <a:lumOff val="35000"/>
+                  </a:schemeClr>
+                </a:solidFill>
+                <a:round/>
+              </a:ln>
+              <a:effectLst/>
+            </c:spPr>
+          </c:errBars>
           <c:val>
             <c:numRef>
-              <c:f>'results (6)'!$E$82:$E$101</c:f>
+              <c:f>results_cpu_not_optimized!$E$82:$E$101</c:f>
               <c:numCache>
                 <c:formatCode>General</c:formatCode>
                 <c:ptCount val="20"/>
                 <c:pt idx="0">
-                  <c:v>6.0213011000000014</c:v>
+                  <c:v>8.701766666666666</c:v>
                 </c:pt>
                 <c:pt idx="1">
-                  <c:v>3.5342805333333325</c:v>
+                  <c:v>5.032166666666666</c:v>
                 </c:pt>
                 <c:pt idx="2">
-                  <c:v>2.9542716333333328</c:v>
+                  <c:v>4.1016333333333339</c:v>
                 </c:pt>
                 <c:pt idx="3">
-                  <c:v>2.4520297666666666</c:v>
+                  <c:v>3.4315333333333324</c:v>
                 </c:pt>
                 <c:pt idx="4">
-                  <c:v>2.2519688666666666</c:v>
+                  <c:v>3.2190666666666661</c:v>
                 </c:pt>
                 <c:pt idx="5">
-                  <c:v>2.1416608666666668</c:v>
+                  <c:v>2.9700333333333324</c:v>
                 </c:pt>
                 <c:pt idx="6">
-                  <c:v>1.8902311000000001</c:v>
+                  <c:v>2.7024666666666666</c:v>
                 </c:pt>
                 <c:pt idx="7">
-                  <c:v>1.9222639333333333</c:v>
+                  <c:v>2.7046666666666672</c:v>
                 </c:pt>
                 <c:pt idx="8">
-                  <c:v>1.8403136666666664</c:v>
+                  <c:v>2.5772333333333335</c:v>
                 </c:pt>
                 <c:pt idx="9">
-                  <c:v>1.8840653666666671</c:v>
+                  <c:v>2.5246333333333331</c:v>
                 </c:pt>
                 <c:pt idx="10">
-                  <c:v>1.7761482333333334</c:v>
+                  <c:v>2.5487000000000006</c:v>
                 </c:pt>
                 <c:pt idx="11">
-                  <c:v>1.7860905999999994</c:v>
+                  <c:v>2.5287000000000002</c:v>
                 </c:pt>
                 <c:pt idx="12">
-                  <c:v>1.7635777333333331</c:v>
+                  <c:v>2.5275333333333339</c:v>
                 </c:pt>
                 <c:pt idx="13">
-                  <c:v>1.8263757666666665</c:v>
+                  <c:v>2.5021666666666671</c:v>
                 </c:pt>
                 <c:pt idx="14">
-                  <c:v>1.7688596333333335</c:v>
+                  <c:v>2.5122666666666666</c:v>
                 </c:pt>
                 <c:pt idx="15">
-                  <c:v>1.8330557333333337</c:v>
+                  <c:v>2.4481999999999999</c:v>
                 </c:pt>
                 <c:pt idx="16">
-                  <c:v>1.7239253000000003</c:v>
+                  <c:v>2.4349333333333338</c:v>
                 </c:pt>
                 <c:pt idx="17">
-                  <c:v>1.7176975333333333</c:v>
+                  <c:v>2.4669999999999996</c:v>
                 </c:pt>
                 <c:pt idx="18">
-                  <c:v>1.7198051666666669</c:v>
+                  <c:v>2.5045999999999995</c:v>
                 </c:pt>
                 <c:pt idx="19">
-                  <c:v>1.7141114666666672</c:v>
+                  <c:v>2.4329666666666672</c:v>
                 </c:pt>
               </c:numCache>
             </c:numRef>
@@ -279,12 +436,12 @@
           <c:smooth val="0"/>
           <c:extLst>
             <c:ext xmlns:c16="http://schemas.microsoft.com/office/drawing/2014/chart" uri="{C3380CC4-5D6E-409C-BE32-E72D297353CC}">
-              <c16:uniqueId val="{00000000-B6E0-47E2-9795-AAF2EC5E7730}"/>
+              <c16:uniqueId val="{00000000-B5AE-4C02-8A78-B03A85A46A07}"/>
             </c:ext>
           </c:extLst>
         </c:ser>
         <c:ser>
-          <c:idx val="1"/>
+          <c:idx val="3"/>
           <c:order val="1"/>
           <c:tx>
             <c:v>10M</c:v>
@@ -292,7 +449,7 @@
           <c:spPr>
             <a:ln w="28575" cap="rnd">
               <a:solidFill>
-                <a:schemeClr val="accent2"/>
+                <a:schemeClr val="accent4"/>
               </a:solidFill>
               <a:round/>
             </a:ln>
@@ -301,71 +458,228 @@
           <c:marker>
             <c:symbol val="none"/>
           </c:marker>
+          <c:errBars>
+            <c:errDir val="y"/>
+            <c:errBarType val="both"/>
+            <c:errValType val="cust"/>
+            <c:noEndCap val="0"/>
+            <c:plus>
+              <c:numRef>
+                <c:f>results_cpu_not_optimized!$J$62:$J$81</c:f>
+                <c:numCache>
+                  <c:formatCode>General</c:formatCode>
+                  <c:ptCount val="20"/>
+                  <c:pt idx="0">
+                    <c:v>4.7434845762909265E-3</c:v>
+                  </c:pt>
+                  <c:pt idx="1">
+                    <c:v>3.1123918710495413E-2</c:v>
+                  </c:pt>
+                  <c:pt idx="2">
+                    <c:v>3.9639712204314864E-2</c:v>
+                  </c:pt>
+                  <c:pt idx="3">
+                    <c:v>3.006403335567169E-2</c:v>
+                  </c:pt>
+                  <c:pt idx="4">
+                    <c:v>3.0503216502244794E-2</c:v>
+                  </c:pt>
+                  <c:pt idx="5">
+                    <c:v>2.1301664643022876E-2</c:v>
+                  </c:pt>
+                  <c:pt idx="6">
+                    <c:v>3.5419643250054762E-2</c:v>
+                  </c:pt>
+                  <c:pt idx="7">
+                    <c:v>2.4947967972856765E-2</c:v>
+                  </c:pt>
+                  <c:pt idx="8">
+                    <c:v>2.452490057738264E-2</c:v>
+                  </c:pt>
+                  <c:pt idx="9">
+                    <c:v>2.4222962795076321E-2</c:v>
+                  </c:pt>
+                  <c:pt idx="10">
+                    <c:v>1.757789011528732E-2</c:v>
+                  </c:pt>
+                  <c:pt idx="11">
+                    <c:v>1.301700169435616E-2</c:v>
+                  </c:pt>
+                  <c:pt idx="12">
+                    <c:v>1.2893138578285123E-2</c:v>
+                  </c:pt>
+                  <c:pt idx="13">
+                    <c:v>1.065687463022753E-2</c:v>
+                  </c:pt>
+                  <c:pt idx="14">
+                    <c:v>1.1180723425800135E-2</c:v>
+                  </c:pt>
+                  <c:pt idx="15">
+                    <c:v>1.6066263986848982E-2</c:v>
+                  </c:pt>
+                  <c:pt idx="16">
+                    <c:v>1.166912718828683E-2</c:v>
+                  </c:pt>
+                  <c:pt idx="17">
+                    <c:v>1.2171019549645768E-2</c:v>
+                  </c:pt>
+                  <c:pt idx="18">
+                    <c:v>1.0777009406737266E-2</c:v>
+                  </c:pt>
+                  <c:pt idx="19">
+                    <c:v>8.6370838208041541E-3</c:v>
+                  </c:pt>
+                </c:numCache>
+              </c:numRef>
+            </c:plus>
+            <c:minus>
+              <c:numRef>
+                <c:f>results_cpu_not_optimized!$J$62:$J$81</c:f>
+                <c:numCache>
+                  <c:formatCode>General</c:formatCode>
+                  <c:ptCount val="20"/>
+                  <c:pt idx="0">
+                    <c:v>4.7434845762909265E-3</c:v>
+                  </c:pt>
+                  <c:pt idx="1">
+                    <c:v>3.1123918710495413E-2</c:v>
+                  </c:pt>
+                  <c:pt idx="2">
+                    <c:v>3.9639712204314864E-2</c:v>
+                  </c:pt>
+                  <c:pt idx="3">
+                    <c:v>3.006403335567169E-2</c:v>
+                  </c:pt>
+                  <c:pt idx="4">
+                    <c:v>3.0503216502244794E-2</c:v>
+                  </c:pt>
+                  <c:pt idx="5">
+                    <c:v>2.1301664643022876E-2</c:v>
+                  </c:pt>
+                  <c:pt idx="6">
+                    <c:v>3.5419643250054762E-2</c:v>
+                  </c:pt>
+                  <c:pt idx="7">
+                    <c:v>2.4947967972856765E-2</c:v>
+                  </c:pt>
+                  <c:pt idx="8">
+                    <c:v>2.452490057738264E-2</c:v>
+                  </c:pt>
+                  <c:pt idx="9">
+                    <c:v>2.4222962795076321E-2</c:v>
+                  </c:pt>
+                  <c:pt idx="10">
+                    <c:v>1.757789011528732E-2</c:v>
+                  </c:pt>
+                  <c:pt idx="11">
+                    <c:v>1.301700169435616E-2</c:v>
+                  </c:pt>
+                  <c:pt idx="12">
+                    <c:v>1.2893138578285123E-2</c:v>
+                  </c:pt>
+                  <c:pt idx="13">
+                    <c:v>1.065687463022753E-2</c:v>
+                  </c:pt>
+                  <c:pt idx="14">
+                    <c:v>1.1180723425800135E-2</c:v>
+                  </c:pt>
+                  <c:pt idx="15">
+                    <c:v>1.6066263986848982E-2</c:v>
+                  </c:pt>
+                  <c:pt idx="16">
+                    <c:v>1.166912718828683E-2</c:v>
+                  </c:pt>
+                  <c:pt idx="17">
+                    <c:v>1.2171019549645768E-2</c:v>
+                  </c:pt>
+                  <c:pt idx="18">
+                    <c:v>1.0777009406737266E-2</c:v>
+                  </c:pt>
+                  <c:pt idx="19">
+                    <c:v>8.6370838208041541E-3</c:v>
+                  </c:pt>
+                </c:numCache>
+              </c:numRef>
+            </c:minus>
+            <c:spPr>
+              <a:noFill/>
+              <a:ln w="9525" cap="flat" cmpd="sng" algn="ctr">
+                <a:solidFill>
+                  <a:schemeClr val="tx1">
+                    <a:lumMod val="65000"/>
+                    <a:lumOff val="35000"/>
+                  </a:schemeClr>
+                </a:solidFill>
+                <a:round/>
+              </a:ln>
+              <a:effectLst/>
+            </c:spPr>
+          </c:errBars>
           <c:val>
             <c:numRef>
-              <c:f>'results (6)'!$E$62:$E$81</c:f>
+              <c:f>results_cpu_not_optimized!$E$62:$E$81</c:f>
               <c:numCache>
                 <c:formatCode>General</c:formatCode>
                 <c:ptCount val="20"/>
                 <c:pt idx="0">
-                  <c:v>2.7707976666666672</c:v>
+                  <c:v>2.803266666666667</c:v>
                 </c:pt>
                 <c:pt idx="1">
-                  <c:v>1.7453214666666668</c:v>
+                  <c:v>1.6767666666666659</c:v>
                 </c:pt>
                 <c:pt idx="2">
-                  <c:v>1.4214218333333333</c:v>
+                  <c:v>1.4909999999999999</c:v>
                 </c:pt>
                 <c:pt idx="3">
-                  <c:v>1.2468194666666663</c:v>
+                  <c:v>1.1807333333333334</c:v>
                 </c:pt>
                 <c:pt idx="4">
-                  <c:v>1.1081307000000002</c:v>
+                  <c:v>1.1398333333333333</c:v>
                 </c:pt>
                 <c:pt idx="5">
-                  <c:v>1.0393818333333333</c:v>
+                  <c:v>1.0508333333333335</c:v>
                 </c:pt>
                 <c:pt idx="6">
-                  <c:v>0.9348460666666667</c:v>
+                  <c:v>0.95729999999999993</c:v>
                 </c:pt>
                 <c:pt idx="7">
-                  <c:v>0.94269153333333333</c:v>
+                  <c:v>0.96039999999999992</c:v>
                 </c:pt>
                 <c:pt idx="8">
-                  <c:v>1.0542321000000001</c:v>
+                  <c:v>1.0333666666666665</c:v>
                 </c:pt>
                 <c:pt idx="9">
-                  <c:v>1.0267311333333331</c:v>
+                  <c:v>1.0185</c:v>
                 </c:pt>
                 <c:pt idx="10">
-                  <c:v>0.98009006666666687</c:v>
+                  <c:v>1.0154000000000001</c:v>
                 </c:pt>
                 <c:pt idx="11">
-                  <c:v>0.95415243333333322</c:v>
+                  <c:v>0.96909999999999996</c:v>
                 </c:pt>
                 <c:pt idx="12">
-                  <c:v>0.93536869999999994</c:v>
+                  <c:v>0.92126666666666646</c:v>
                 </c:pt>
                 <c:pt idx="13">
-                  <c:v>0.88632936666666651</c:v>
+                  <c:v>0.90290000000000004</c:v>
                 </c:pt>
                 <c:pt idx="14">
-                  <c:v>0.88762920000000023</c:v>
+                  <c:v>0.88349999999999995</c:v>
                 </c:pt>
                 <c:pt idx="15">
-                  <c:v>0.87210293333333311</c:v>
+                  <c:v>0.89839999999999998</c:v>
                 </c:pt>
                 <c:pt idx="16">
-                  <c:v>0.91696830000000018</c:v>
+                  <c:v>0.92863333333333353</c:v>
                 </c:pt>
                 <c:pt idx="17">
-                  <c:v>0.91383006666666688</c:v>
+                  <c:v>0.92119999999999991</c:v>
                 </c:pt>
                 <c:pt idx="18">
-                  <c:v>0.90170316666666672</c:v>
+                  <c:v>0.92426666666666668</c:v>
                 </c:pt>
                 <c:pt idx="19">
-                  <c:v>0.89914129999999981</c:v>
+                  <c:v>0.90063333333333329</c:v>
                 </c:pt>
               </c:numCache>
             </c:numRef>
@@ -373,7 +687,7 @@
           <c:smooth val="0"/>
           <c:extLst>
             <c:ext xmlns:c16="http://schemas.microsoft.com/office/drawing/2014/chart" uri="{C3380CC4-5D6E-409C-BE32-E72D297353CC}">
-              <c16:uniqueId val="{00000001-B6E0-47E2-9795-AAF2EC5E7730}"/>
+              <c16:uniqueId val="{00000001-B5AE-4C02-8A78-B03A85A46A07}"/>
             </c:ext>
           </c:extLst>
         </c:ser>
@@ -395,71 +709,228 @@
           <c:marker>
             <c:symbol val="none"/>
           </c:marker>
+          <c:errBars>
+            <c:errDir val="y"/>
+            <c:errBarType val="both"/>
+            <c:errValType val="cust"/>
+            <c:noEndCap val="0"/>
+            <c:plus>
+              <c:numRef>
+                <c:f>results_cpu_not_optimized!$J$42:$J$61</c:f>
+                <c:numCache>
+                  <c:formatCode>General</c:formatCode>
+                  <c:ptCount val="20"/>
+                  <c:pt idx="0">
+                    <c:v>3.5994061488248768E-3</c:v>
+                  </c:pt>
+                  <c:pt idx="1">
+                    <c:v>5.2417692243900858E-3</c:v>
+                  </c:pt>
+                  <c:pt idx="2">
+                    <c:v>3.8622250054920811E-3</c:v>
+                  </c:pt>
+                  <c:pt idx="3">
+                    <c:v>3.0764524617822924E-3</c:v>
+                  </c:pt>
+                  <c:pt idx="4">
+                    <c:v>2.4242201357015875E-3</c:v>
+                  </c:pt>
+                  <c:pt idx="5">
+                    <c:v>1.6794648486256828E-3</c:v>
+                  </c:pt>
+                  <c:pt idx="6">
+                    <c:v>2.2226173161420202E-3</c:v>
+                  </c:pt>
+                  <c:pt idx="7">
+                    <c:v>2.473117247065022E-3</c:v>
+                  </c:pt>
+                  <c:pt idx="8">
+                    <c:v>1.7764392316795194E-3</c:v>
+                  </c:pt>
+                  <c:pt idx="9">
+                    <c:v>2.8888125809257178E-3</c:v>
+                  </c:pt>
+                  <c:pt idx="10">
+                    <c:v>1.618093468750905E-3</c:v>
+                  </c:pt>
+                  <c:pt idx="11">
+                    <c:v>1.3991683870254151E-3</c:v>
+                  </c:pt>
+                  <c:pt idx="12">
+                    <c:v>1.3904629052052554E-3</c:v>
+                  </c:pt>
+                  <c:pt idx="13">
+                    <c:v>1.6494439594904077E-3</c:v>
+                  </c:pt>
+                  <c:pt idx="14">
+                    <c:v>1.6724392380360572E-3</c:v>
+                  </c:pt>
+                  <c:pt idx="15">
+                    <c:v>1.3898276521887511E-3</c:v>
+                  </c:pt>
+                  <c:pt idx="16">
+                    <c:v>1.1680038610819815E-3</c:v>
+                  </c:pt>
+                  <c:pt idx="17">
+                    <c:v>9.0786620691080285E-4</c:v>
+                  </c:pt>
+                  <c:pt idx="18">
+                    <c:v>1.0479157248220949E-3</c:v>
+                  </c:pt>
+                  <c:pt idx="19">
+                    <c:v>9.6362509402241991E-4</c:v>
+                  </c:pt>
+                </c:numCache>
+              </c:numRef>
+            </c:plus>
+            <c:minus>
+              <c:numRef>
+                <c:f>results_cpu_not_optimized!$J$42:$J$61</c:f>
+                <c:numCache>
+                  <c:formatCode>General</c:formatCode>
+                  <c:ptCount val="20"/>
+                  <c:pt idx="0">
+                    <c:v>3.5994061488248768E-3</c:v>
+                  </c:pt>
+                  <c:pt idx="1">
+                    <c:v>5.2417692243900858E-3</c:v>
+                  </c:pt>
+                  <c:pt idx="2">
+                    <c:v>3.8622250054920811E-3</c:v>
+                  </c:pt>
+                  <c:pt idx="3">
+                    <c:v>3.0764524617822924E-3</c:v>
+                  </c:pt>
+                  <c:pt idx="4">
+                    <c:v>2.4242201357015875E-3</c:v>
+                  </c:pt>
+                  <c:pt idx="5">
+                    <c:v>1.6794648486256828E-3</c:v>
+                  </c:pt>
+                  <c:pt idx="6">
+                    <c:v>2.2226173161420202E-3</c:v>
+                  </c:pt>
+                  <c:pt idx="7">
+                    <c:v>2.473117247065022E-3</c:v>
+                  </c:pt>
+                  <c:pt idx="8">
+                    <c:v>1.7764392316795194E-3</c:v>
+                  </c:pt>
+                  <c:pt idx="9">
+                    <c:v>2.8888125809257178E-3</c:v>
+                  </c:pt>
+                  <c:pt idx="10">
+                    <c:v>1.618093468750905E-3</c:v>
+                  </c:pt>
+                  <c:pt idx="11">
+                    <c:v>1.3991683870254151E-3</c:v>
+                  </c:pt>
+                  <c:pt idx="12">
+                    <c:v>1.3904629052052554E-3</c:v>
+                  </c:pt>
+                  <c:pt idx="13">
+                    <c:v>1.6494439594904077E-3</c:v>
+                  </c:pt>
+                  <c:pt idx="14">
+                    <c:v>1.6724392380360572E-3</c:v>
+                  </c:pt>
+                  <c:pt idx="15">
+                    <c:v>1.3898276521887511E-3</c:v>
+                  </c:pt>
+                  <c:pt idx="16">
+                    <c:v>1.1680038610819815E-3</c:v>
+                  </c:pt>
+                  <c:pt idx="17">
+                    <c:v>9.0786620691080285E-4</c:v>
+                  </c:pt>
+                  <c:pt idx="18">
+                    <c:v>1.0479157248220949E-3</c:v>
+                  </c:pt>
+                  <c:pt idx="19">
+                    <c:v>9.6362509402241991E-4</c:v>
+                  </c:pt>
+                </c:numCache>
+              </c:numRef>
+            </c:minus>
+            <c:spPr>
+              <a:noFill/>
+              <a:ln w="9525" cap="flat" cmpd="sng" algn="ctr">
+                <a:solidFill>
+                  <a:schemeClr val="tx1">
+                    <a:lumMod val="65000"/>
+                    <a:lumOff val="35000"/>
+                  </a:schemeClr>
+                </a:solidFill>
+                <a:round/>
+              </a:ln>
+              <a:effectLst/>
+            </c:spPr>
+          </c:errBars>
           <c:val>
             <c:numRef>
-              <c:f>'results (6)'!$E$42:$E$61</c:f>
+              <c:f>results_cpu_not_optimized!$E$42:$E$61</c:f>
               <c:numCache>
                 <c:formatCode>General</c:formatCode>
                 <c:ptCount val="20"/>
                 <c:pt idx="0">
-                  <c:v>6.0944166666666653E-2</c:v>
+                  <c:v>0.21783333333333338</c:v>
                 </c:pt>
                 <c:pt idx="1">
-                  <c:v>3.9546366666666673E-2</c:v>
+                  <c:v>0.14089999999999997</c:v>
                 </c:pt>
                 <c:pt idx="2">
-                  <c:v>3.5093966666666664E-2</c:v>
+                  <c:v>0.11829999999999997</c:v>
                 </c:pt>
                 <c:pt idx="3">
-                  <c:v>2.8383066666666668E-2</c:v>
+                  <c:v>9.4500000000000028E-2</c:v>
                 </c:pt>
                 <c:pt idx="4">
-                  <c:v>2.7727999999999999E-2</c:v>
+                  <c:v>9.5366666666666655E-2</c:v>
                 </c:pt>
                 <c:pt idx="5">
-                  <c:v>2.4337299999999999E-2</c:v>
+                  <c:v>8.3800000000000013E-2</c:v>
                 </c:pt>
                 <c:pt idx="6">
-                  <c:v>2.1979400000000003E-2</c:v>
+                  <c:v>7.8800000000000009E-2</c:v>
                 </c:pt>
                 <c:pt idx="7">
-                  <c:v>2.1836866666666666E-2</c:v>
+                  <c:v>7.7399999999999997E-2</c:v>
                 </c:pt>
                 <c:pt idx="8">
-                  <c:v>2.535653333333333E-2</c:v>
+                  <c:v>8.6100000000000038E-2</c:v>
                 </c:pt>
                 <c:pt idx="9">
-                  <c:v>2.3973599999999994E-2</c:v>
+                  <c:v>8.4000000000000005E-2</c:v>
                 </c:pt>
                 <c:pt idx="10">
-                  <c:v>2.3504199999999996E-2</c:v>
+                  <c:v>8.1366666666666657E-2</c:v>
                 </c:pt>
                 <c:pt idx="11">
-                  <c:v>2.3523033333333332E-2</c:v>
+                  <c:v>8.0433333333333343E-2</c:v>
                 </c:pt>
                 <c:pt idx="12">
-                  <c:v>2.2897166666666673E-2</c:v>
+                  <c:v>7.8933333333333355E-2</c:v>
                 </c:pt>
                 <c:pt idx="13">
-                  <c:v>2.1865700000000005E-2</c:v>
+                  <c:v>7.5833333333333336E-2</c:v>
                 </c:pt>
                 <c:pt idx="14">
-                  <c:v>2.1712533333333329E-2</c:v>
+                  <c:v>7.4466666666666653E-2</c:v>
                 </c:pt>
                 <c:pt idx="15">
-                  <c:v>2.1240200000000004E-2</c:v>
+                  <c:v>7.3133333333333342E-2</c:v>
                 </c:pt>
                 <c:pt idx="16">
-                  <c:v>2.20605E-2</c:v>
+                  <c:v>7.5966666666666668E-2</c:v>
                 </c:pt>
                 <c:pt idx="17">
-                  <c:v>2.1519799999999995E-2</c:v>
+                  <c:v>7.5666666666666674E-2</c:v>
                 </c:pt>
                 <c:pt idx="18">
-                  <c:v>2.2047966666666672E-2</c:v>
+                  <c:v>7.5900000000000009E-2</c:v>
                 </c:pt>
                 <c:pt idx="19">
-                  <c:v>2.1809333333333333E-2</c:v>
+                  <c:v>7.5299999999999992E-2</c:v>
                 </c:pt>
               </c:numCache>
             </c:numRef>
@@ -467,12 +938,12 @@
           <c:smooth val="0"/>
           <c:extLst>
             <c:ext xmlns:c16="http://schemas.microsoft.com/office/drawing/2014/chart" uri="{C3380CC4-5D6E-409C-BE32-E72D297353CC}">
-              <c16:uniqueId val="{00000002-B6E0-47E2-9795-AAF2EC5E7730}"/>
+              <c16:uniqueId val="{00000002-B5AE-4C02-8A78-B03A85A46A07}"/>
             </c:ext>
           </c:extLst>
         </c:ser>
         <c:ser>
-          <c:idx val="3"/>
+          <c:idx val="1"/>
           <c:order val="3"/>
           <c:tx>
             <c:v>100k</c:v>
@@ -480,7 +951,7 @@
           <c:spPr>
             <a:ln w="28575" cap="rnd">
               <a:solidFill>
-                <a:schemeClr val="accent4"/>
+                <a:schemeClr val="accent2"/>
               </a:solidFill>
               <a:round/>
             </a:ln>
@@ -489,71 +960,228 @@
           <c:marker>
             <c:symbol val="none"/>
           </c:marker>
+          <c:errBars>
+            <c:errDir val="y"/>
+            <c:errBarType val="both"/>
+            <c:errValType val="cust"/>
+            <c:noEndCap val="0"/>
+            <c:plus>
+              <c:numRef>
+                <c:f>results_cpu_not_optimized!$J$22:$J$41</c:f>
+                <c:numCache>
+                  <c:formatCode>General</c:formatCode>
+                  <c:ptCount val="20"/>
+                  <c:pt idx="0">
+                    <c:v>5.9247772764303285E-4</c:v>
+                  </c:pt>
+                  <c:pt idx="1">
+                    <c:v>9.5688101494589969E-4</c:v>
+                  </c:pt>
+                  <c:pt idx="2">
+                    <c:v>9.7062562103880472E-4</c:v>
+                  </c:pt>
+                  <c:pt idx="3">
+                    <c:v>3.2462678338525532E-4</c:v>
+                  </c:pt>
+                  <c:pt idx="4">
+                    <c:v>4.3404306557912465E-4</c:v>
+                  </c:pt>
+                  <c:pt idx="5">
+                    <c:v>4.0961916036246995E-4</c:v>
+                  </c:pt>
+                  <c:pt idx="6">
+                    <c:v>3.0595418295470281E-4</c:v>
+                  </c:pt>
+                  <c:pt idx="7">
+                    <c:v>3.4314117245796413E-4</c:v>
+                  </c:pt>
+                  <c:pt idx="8">
+                    <c:v>4.1692005478046482E-4</c:v>
+                  </c:pt>
+                  <c:pt idx="9">
+                    <c:v>4.4409945124376815E-4</c:v>
+                  </c:pt>
+                  <c:pt idx="10">
+                    <c:v>3.0787240978989635E-4</c:v>
+                  </c:pt>
+                  <c:pt idx="11">
+                    <c:v>3.3091336289022379E-4</c:v>
+                  </c:pt>
+                  <c:pt idx="12">
+                    <c:v>3.3795486134800774E-4</c:v>
+                  </c:pt>
+                  <c:pt idx="13">
+                    <c:v>2.9617675272662359E-4</c:v>
+                  </c:pt>
+                  <c:pt idx="14">
+                    <c:v>2.9617675272662359E-4</c:v>
+                  </c:pt>
+                  <c:pt idx="15">
+                    <c:v>3.4399795574538357E-4</c:v>
+                  </c:pt>
+                  <c:pt idx="16">
+                    <c:v>3.6070650116207953E-4</c:v>
+                  </c:pt>
+                  <c:pt idx="17">
+                    <c:v>4.0035179241639342E-4</c:v>
+                  </c:pt>
+                  <c:pt idx="18">
+                    <c:v>3.2212349007456541E-4</c:v>
+                  </c:pt>
+                  <c:pt idx="19">
+                    <c:v>3.2189495262822411E-4</c:v>
+                  </c:pt>
+                </c:numCache>
+              </c:numRef>
+            </c:plus>
+            <c:minus>
+              <c:numRef>
+                <c:f>results_cpu_not_optimized!$J$22:$J$41</c:f>
+                <c:numCache>
+                  <c:formatCode>General</c:formatCode>
+                  <c:ptCount val="20"/>
+                  <c:pt idx="0">
+                    <c:v>5.9247772764303285E-4</c:v>
+                  </c:pt>
+                  <c:pt idx="1">
+                    <c:v>9.5688101494589969E-4</c:v>
+                  </c:pt>
+                  <c:pt idx="2">
+                    <c:v>9.7062562103880472E-4</c:v>
+                  </c:pt>
+                  <c:pt idx="3">
+                    <c:v>3.2462678338525532E-4</c:v>
+                  </c:pt>
+                  <c:pt idx="4">
+                    <c:v>4.3404306557912465E-4</c:v>
+                  </c:pt>
+                  <c:pt idx="5">
+                    <c:v>4.0961916036246995E-4</c:v>
+                  </c:pt>
+                  <c:pt idx="6">
+                    <c:v>3.0595418295470281E-4</c:v>
+                  </c:pt>
+                  <c:pt idx="7">
+                    <c:v>3.4314117245796413E-4</c:v>
+                  </c:pt>
+                  <c:pt idx="8">
+                    <c:v>4.1692005478046482E-4</c:v>
+                  </c:pt>
+                  <c:pt idx="9">
+                    <c:v>4.4409945124376815E-4</c:v>
+                  </c:pt>
+                  <c:pt idx="10">
+                    <c:v>3.0787240978989635E-4</c:v>
+                  </c:pt>
+                  <c:pt idx="11">
+                    <c:v>3.3091336289022379E-4</c:v>
+                  </c:pt>
+                  <c:pt idx="12">
+                    <c:v>3.3795486134800774E-4</c:v>
+                  </c:pt>
+                  <c:pt idx="13">
+                    <c:v>2.9617675272662359E-4</c:v>
+                  </c:pt>
+                  <c:pt idx="14">
+                    <c:v>2.9617675272662359E-4</c:v>
+                  </c:pt>
+                  <c:pt idx="15">
+                    <c:v>3.4399795574538357E-4</c:v>
+                  </c:pt>
+                  <c:pt idx="16">
+                    <c:v>3.6070650116207953E-4</c:v>
+                  </c:pt>
+                  <c:pt idx="17">
+                    <c:v>4.0035179241639342E-4</c:v>
+                  </c:pt>
+                  <c:pt idx="18">
+                    <c:v>3.2212349007456541E-4</c:v>
+                  </c:pt>
+                  <c:pt idx="19">
+                    <c:v>3.2189495262822411E-4</c:v>
+                  </c:pt>
+                </c:numCache>
+              </c:numRef>
+            </c:minus>
+            <c:spPr>
+              <a:noFill/>
+              <a:ln w="9525" cap="flat" cmpd="sng" algn="ctr">
+                <a:solidFill>
+                  <a:schemeClr val="tx1">
+                    <a:lumMod val="65000"/>
+                    <a:lumOff val="35000"/>
+                  </a:schemeClr>
+                </a:solidFill>
+                <a:round/>
+              </a:ln>
+              <a:effectLst/>
+            </c:spPr>
+          </c:errBars>
           <c:val>
             <c:numRef>
-              <c:f>'results (6)'!$E$22:$E$41</c:f>
+              <c:f>results_cpu_not_optimized!$E$22:$E$41</c:f>
               <c:numCache>
                 <c:formatCode>General</c:formatCode>
                 <c:ptCount val="20"/>
                 <c:pt idx="0">
-                  <c:v>7.4531666666666652E-3</c:v>
+                  <c:v>1.4500000000000008E-2</c:v>
                 </c:pt>
                 <c:pt idx="1">
-                  <c:v>7.5758333333333337E-3</c:v>
+                  <c:v>1.243333333333334E-2</c:v>
                 </c:pt>
                 <c:pt idx="2">
-                  <c:v>6.733799999999999E-3</c:v>
+                  <c:v>9.2333333333333364E-3</c:v>
                 </c:pt>
                 <c:pt idx="3">
-                  <c:v>5.8677333333333314E-3</c:v>
+                  <c:v>9.7333333333333369E-3</c:v>
                 </c:pt>
                 <c:pt idx="4">
-                  <c:v>6.2044000000000005E-3</c:v>
+                  <c:v>9.3333333333333358E-3</c:v>
                 </c:pt>
                 <c:pt idx="5">
-                  <c:v>5.8241999999999999E-3</c:v>
+                  <c:v>8.0000000000000054E-3</c:v>
                 </c:pt>
                 <c:pt idx="6">
-                  <c:v>5.3791333333333335E-3</c:v>
+                  <c:v>7.4000000000000047E-3</c:v>
                 </c:pt>
                 <c:pt idx="7">
-                  <c:v>5.2075000000000003E-3</c:v>
+                  <c:v>7.6666666666666715E-3</c:v>
                 </c:pt>
                 <c:pt idx="8">
-                  <c:v>5.1324666666666668E-3</c:v>
+                  <c:v>8.2333333333333356E-3</c:v>
                 </c:pt>
                 <c:pt idx="9">
-                  <c:v>4.8391999999999992E-3</c:v>
+                  <c:v>7.6666666666666715E-3</c:v>
                 </c:pt>
                 <c:pt idx="10">
-                  <c:v>4.735133333333333E-3</c:v>
+                  <c:v>7.8666666666666711E-3</c:v>
                 </c:pt>
                 <c:pt idx="11">
-                  <c:v>4.7126666666666671E-3</c:v>
+                  <c:v>7.800000000000004E-3</c:v>
                 </c:pt>
                 <c:pt idx="12">
-                  <c:v>4.7605666666666662E-3</c:v>
+                  <c:v>7.7333333333333386E-3</c:v>
                 </c:pt>
                 <c:pt idx="13">
-                  <c:v>4.6679333333333331E-3</c:v>
+                  <c:v>7.7333333333333386E-3</c:v>
                 </c:pt>
                 <c:pt idx="14">
-                  <c:v>5.0873333333333352E-3</c:v>
+                  <c:v>7.9333333333333391E-3</c:v>
                 </c:pt>
                 <c:pt idx="15">
-                  <c:v>4.9784333333333331E-3</c:v>
+                  <c:v>8.2000000000000059E-3</c:v>
                 </c:pt>
                 <c:pt idx="16">
-                  <c:v>5.0838999999999997E-3</c:v>
+                  <c:v>8.1333333333333379E-3</c:v>
                 </c:pt>
                 <c:pt idx="17">
-                  <c:v>5.1025666666666674E-3</c:v>
+                  <c:v>8.3000000000000053E-3</c:v>
                 </c:pt>
                 <c:pt idx="18">
-                  <c:v>5.3071666666666666E-3</c:v>
+                  <c:v>8.5000000000000058E-3</c:v>
                 </c:pt>
                 <c:pt idx="19">
-                  <c:v>5.4337333333333328E-3</c:v>
+                  <c:v>8.4666666666666709E-3</c:v>
                 </c:pt>
               </c:numCache>
             </c:numRef>
@@ -561,12 +1189,12 @@
           <c:smooth val="0"/>
           <c:extLst>
             <c:ext xmlns:c16="http://schemas.microsoft.com/office/drawing/2014/chart" uri="{C3380CC4-5D6E-409C-BE32-E72D297353CC}">
-              <c16:uniqueId val="{00000003-B6E0-47E2-9795-AAF2EC5E7730}"/>
+              <c16:uniqueId val="{00000003-B5AE-4C02-8A78-B03A85A46A07}"/>
             </c:ext>
           </c:extLst>
         </c:ser>
         <c:ser>
-          <c:idx val="4"/>
+          <c:idx val="0"/>
           <c:order val="4"/>
           <c:tx>
             <c:v>10k</c:v>
@@ -574,7 +1202,7 @@
           <c:spPr>
             <a:ln w="28575" cap="rnd">
               <a:solidFill>
-                <a:schemeClr val="accent5"/>
+                <a:schemeClr val="accent1"/>
               </a:solidFill>
               <a:round/>
             </a:ln>
@@ -583,71 +1211,228 @@
           <c:marker>
             <c:symbol val="none"/>
           </c:marker>
+          <c:errBars>
+            <c:errDir val="y"/>
+            <c:errBarType val="both"/>
+            <c:errValType val="cust"/>
+            <c:noEndCap val="0"/>
+            <c:plus>
+              <c:numRef>
+                <c:f>results_cpu_not_optimized!$J$2:$J$21</c:f>
+                <c:numCache>
+                  <c:formatCode>General</c:formatCode>
+                  <c:ptCount val="20"/>
+                  <c:pt idx="0">
+                    <c:v>1.1445185623761834E-4</c:v>
+                  </c:pt>
+                  <c:pt idx="1">
+                    <c:v>2.5448030440430722E-4</c:v>
+                  </c:pt>
+                  <c:pt idx="2">
+                    <c:v>2.9242594601244749E-4</c:v>
+                  </c:pt>
+                  <c:pt idx="3">
+                    <c:v>2.8734872071296737E-4</c:v>
+                  </c:pt>
+                  <c:pt idx="4">
+                    <c:v>2.7558316790419693E-4</c:v>
+                  </c:pt>
+                  <c:pt idx="5">
+                    <c:v>2.4294055743784602E-4</c:v>
+                  </c:pt>
+                  <c:pt idx="6">
+                    <c:v>2.4142121447117551E-4</c:v>
+                  </c:pt>
+                  <c:pt idx="7">
+                    <c:v>2.8939030035185482E-4</c:v>
+                  </c:pt>
+                  <c:pt idx="8">
+                    <c:v>2.1325885693468936E-4</c:v>
+                  </c:pt>
+                  <c:pt idx="9">
+                    <c:v>1.4808837636331746E-4</c:v>
+                  </c:pt>
+                  <c:pt idx="10">
+                    <c:v>1.8637336169520172E-4</c:v>
+                  </c:pt>
+                  <c:pt idx="11">
+                    <c:v>2.0444994938546705E-4</c:v>
+                  </c:pt>
+                  <c:pt idx="12">
+                    <c:v>2.1837370495440155E-4</c:v>
+                  </c:pt>
+                  <c:pt idx="13">
+                    <c:v>1.8794616056400169E-4</c:v>
+                  </c:pt>
+                  <c:pt idx="14">
+                    <c:v>2.1325885693468936E-4</c:v>
+                  </c:pt>
+                  <c:pt idx="15">
+                    <c:v>1.815732413821815E-4</c:v>
+                  </c:pt>
+                  <c:pt idx="16">
+                    <c:v>2.1187404451680455E-4</c:v>
+                  </c:pt>
+                  <c:pt idx="17">
+                    <c:v>5.3559159977033396E-4</c:v>
+                  </c:pt>
+                  <c:pt idx="18">
+                    <c:v>2.755831679041863E-4</c:v>
+                  </c:pt>
+                  <c:pt idx="19">
+                    <c:v>2.2533953037960218E-4</c:v>
+                  </c:pt>
+                </c:numCache>
+              </c:numRef>
+            </c:plus>
+            <c:minus>
+              <c:numRef>
+                <c:f>results_cpu_not_optimized!$J$2:$J$21</c:f>
+                <c:numCache>
+                  <c:formatCode>General</c:formatCode>
+                  <c:ptCount val="20"/>
+                  <c:pt idx="0">
+                    <c:v>1.1445185623761834E-4</c:v>
+                  </c:pt>
+                  <c:pt idx="1">
+                    <c:v>2.5448030440430722E-4</c:v>
+                  </c:pt>
+                  <c:pt idx="2">
+                    <c:v>2.9242594601244749E-4</c:v>
+                  </c:pt>
+                  <c:pt idx="3">
+                    <c:v>2.8734872071296737E-4</c:v>
+                  </c:pt>
+                  <c:pt idx="4">
+                    <c:v>2.7558316790419693E-4</c:v>
+                  </c:pt>
+                  <c:pt idx="5">
+                    <c:v>2.4294055743784602E-4</c:v>
+                  </c:pt>
+                  <c:pt idx="6">
+                    <c:v>2.4142121447117551E-4</c:v>
+                  </c:pt>
+                  <c:pt idx="7">
+                    <c:v>2.8939030035185482E-4</c:v>
+                  </c:pt>
+                  <c:pt idx="8">
+                    <c:v>2.1325885693468936E-4</c:v>
+                  </c:pt>
+                  <c:pt idx="9">
+                    <c:v>1.4808837636331746E-4</c:v>
+                  </c:pt>
+                  <c:pt idx="10">
+                    <c:v>1.8637336169520172E-4</c:v>
+                  </c:pt>
+                  <c:pt idx="11">
+                    <c:v>2.0444994938546705E-4</c:v>
+                  </c:pt>
+                  <c:pt idx="12">
+                    <c:v>2.1837370495440155E-4</c:v>
+                  </c:pt>
+                  <c:pt idx="13">
+                    <c:v>1.8794616056400169E-4</c:v>
+                  </c:pt>
+                  <c:pt idx="14">
+                    <c:v>2.1325885693468936E-4</c:v>
+                  </c:pt>
+                  <c:pt idx="15">
+                    <c:v>1.815732413821815E-4</c:v>
+                  </c:pt>
+                  <c:pt idx="16">
+                    <c:v>2.1187404451680455E-4</c:v>
+                  </c:pt>
+                  <c:pt idx="17">
+                    <c:v>5.3559159977033396E-4</c:v>
+                  </c:pt>
+                  <c:pt idx="18">
+                    <c:v>2.755831679041863E-4</c:v>
+                  </c:pt>
+                  <c:pt idx="19">
+                    <c:v>2.2533953037960218E-4</c:v>
+                  </c:pt>
+                </c:numCache>
+              </c:numRef>
+            </c:minus>
+            <c:spPr>
+              <a:noFill/>
+              <a:ln w="9525" cap="flat" cmpd="sng" algn="ctr">
+                <a:solidFill>
+                  <a:schemeClr val="tx1">
+                    <a:lumMod val="65000"/>
+                    <a:lumOff val="35000"/>
+                  </a:schemeClr>
+                </a:solidFill>
+                <a:round/>
+              </a:ln>
+              <a:effectLst/>
+            </c:spPr>
+          </c:errBars>
           <c:val>
             <c:numRef>
-              <c:f>'results (6)'!$E$2:$E$21</c:f>
+              <c:f>results_cpu_not_optimized!$E$2:$E$21</c:f>
               <c:numCache>
                 <c:formatCode>General</c:formatCode>
                 <c:ptCount val="20"/>
                 <c:pt idx="0">
-                  <c:v>8.0376666666666678E-4</c:v>
+                  <c:v>1.033333333333334E-3</c:v>
                 </c:pt>
                 <c:pt idx="1">
-                  <c:v>1.2685333333333332E-3</c:v>
+                  <c:v>1.6666666666666676E-3</c:v>
                 </c:pt>
                 <c:pt idx="2">
-                  <c:v>1.5257000000000001E-3</c:v>
+                  <c:v>1.7666666666666677E-3</c:v>
                 </c:pt>
                 <c:pt idx="3">
-                  <c:v>1.5693999999999997E-3</c:v>
+                  <c:v>1.9000000000000013E-3</c:v>
                 </c:pt>
                 <c:pt idx="4">
-                  <c:v>1.8704333333333333E-3</c:v>
+                  <c:v>2.6000000000000012E-3</c:v>
                 </c:pt>
                 <c:pt idx="5">
-                  <c:v>2.0105666666666668E-3</c:v>
+                  <c:v>2.4333333333333347E-3</c:v>
                 </c:pt>
                 <c:pt idx="6">
-                  <c:v>2.1910333333333334E-3</c:v>
+                  <c:v>2.4000000000000011E-3</c:v>
                 </c:pt>
                 <c:pt idx="7">
-                  <c:v>2.5053666666666669E-3</c:v>
+                  <c:v>2.6333333333333347E-3</c:v>
                 </c:pt>
                 <c:pt idx="8">
-                  <c:v>2.8989999999999997E-3</c:v>
+                  <c:v>2.7000000000000014E-3</c:v>
                 </c:pt>
                 <c:pt idx="9">
-                  <c:v>3.1248333333333332E-3</c:v>
+                  <c:v>3.0333333333333345E-3</c:v>
                 </c:pt>
                 <c:pt idx="10">
-                  <c:v>3.5767333333333326E-3</c:v>
+                  <c:v>3.2666666666666682E-3</c:v>
                 </c:pt>
                 <c:pt idx="11">
-                  <c:v>3.6928000000000009E-3</c:v>
+                  <c:v>3.4666666666666687E-3</c:v>
                 </c:pt>
                 <c:pt idx="12">
-                  <c:v>3.9748333333333337E-3</c:v>
+                  <c:v>3.8000000000000022E-3</c:v>
                 </c:pt>
                 <c:pt idx="13">
-                  <c:v>4.2113666666666666E-3</c:v>
+                  <c:v>4.0000000000000018E-3</c:v>
                 </c:pt>
                 <c:pt idx="14">
-                  <c:v>4.4698666666666675E-3</c:v>
+                  <c:v>4.3000000000000009E-3</c:v>
                 </c:pt>
                 <c:pt idx="15">
-                  <c:v>4.8856666666666666E-3</c:v>
+                  <c:v>4.5333333333333345E-3</c:v>
                 </c:pt>
                 <c:pt idx="16">
-                  <c:v>4.8660333333333345E-3</c:v>
+                  <c:v>4.8333333333333344E-3</c:v>
                 </c:pt>
                 <c:pt idx="17">
-                  <c:v>5.2943333333333341E-3</c:v>
+                  <c:v>5.6333333333333365E-3</c:v>
                 </c:pt>
                 <c:pt idx="18">
-                  <c:v>5.4425666666666657E-3</c:v>
+                  <c:v>5.4000000000000029E-3</c:v>
                 </c:pt>
                 <c:pt idx="19">
-                  <c:v>5.6337000000000019E-3</c:v>
+                  <c:v>5.5000000000000023E-3</c:v>
                 </c:pt>
               </c:numCache>
             </c:numRef>
@@ -655,7 +1440,7 @@
           <c:smooth val="0"/>
           <c:extLst>
             <c:ext xmlns:c16="http://schemas.microsoft.com/office/drawing/2014/chart" uri="{C3380CC4-5D6E-409C-BE32-E72D297353CC}">
-              <c16:uniqueId val="{00000004-B6E0-47E2-9795-AAF2EC5E7730}"/>
+              <c16:uniqueId val="{00000004-B5AE-4C02-8A78-B03A85A46A07}"/>
             </c:ext>
           </c:extLst>
         </c:ser>
@@ -668,11 +1453,11 @@
           <c:showBubbleSize val="0"/>
         </c:dLbls>
         <c:smooth val="0"/>
-        <c:axId val="1936459583"/>
-        <c:axId val="137439984"/>
+        <c:axId val="2105753711"/>
+        <c:axId val="1032987839"/>
       </c:lineChart>
       <c:catAx>
-        <c:axId val="1936459583"/>
+        <c:axId val="2105753711"/>
         <c:scaling>
           <c:orientation val="minMax"/>
         </c:scaling>
@@ -698,10 +1483,9 @@
                   </a:defRPr>
                 </a:pPr>
                 <a:r>
-                  <a:rPr lang="it-IT" dirty="0" err="1"/>
+                  <a:rPr lang="it-IT"/>
                   <a:t>Threads</a:t>
                 </a:r>
-                <a:endParaRPr lang="it-IT" dirty="0"/>
               </a:p>
             </c:rich>
           </c:tx>
@@ -770,7 +1554,7 @@
             <a:endParaRPr lang="it-IT"/>
           </a:p>
         </c:txPr>
-        <c:crossAx val="137439984"/>
+        <c:crossAx val="1032987839"/>
         <c:crosses val="autoZero"/>
         <c:auto val="1"/>
         <c:lblAlgn val="ctr"/>
@@ -778,7 +1562,7 @@
         <c:noMultiLvlLbl val="0"/>
       </c:catAx>
       <c:valAx>
-        <c:axId val="137439984"/>
+        <c:axId val="1032987839"/>
         <c:scaling>
           <c:logBase val="10"/>
           <c:orientation val="minMax"/>
@@ -819,12 +1603,8 @@
                   </a:defRPr>
                 </a:pPr>
                 <a:r>
-                  <a:rPr lang="it-IT" dirty="0" err="1"/>
-                  <a:t>Execution</a:t>
-                </a:r>
-                <a:r>
-                  <a:rPr lang="it-IT" dirty="0"/>
-                  <a:t> Time (seconds)</a:t>
+                  <a:rPr lang="it-IT"/>
+                  <a:t>Seconds</a:t>
                 </a:r>
               </a:p>
             </c:rich>
@@ -889,7 +1669,7 @@
             <a:endParaRPr lang="it-IT"/>
           </a:p>
         </c:txPr>
-        <c:crossAx val="1936459583"/>
+        <c:crossAx val="2105753711"/>
         <c:crosses val="autoZero"/>
         <c:crossBetween val="between"/>
       </c:valAx>
@@ -1879,7 +2659,7 @@
         <c:grouping val="standard"/>
         <c:varyColors val="0"/>
         <c:ser>
-          <c:idx val="0"/>
+          <c:idx val="4"/>
           <c:order val="0"/>
           <c:tx>
             <c:v>100M</c:v>
@@ -1887,7 +2667,7 @@
           <c:spPr>
             <a:ln w="28575" cap="rnd">
               <a:solidFill>
-                <a:schemeClr val="accent1"/>
+                <a:schemeClr val="accent5"/>
               </a:solidFill>
               <a:round/>
             </a:ln>
@@ -1898,7 +2678,7 @@
           </c:marker>
           <c:val>
             <c:numRef>
-              <c:f>'results (6)'!$F$82:$F$101</c:f>
+              <c:f>results_cpu_not_optimized!$F$82:$F$101</c:f>
               <c:numCache>
                 <c:formatCode>General</c:formatCode>
                 <c:ptCount val="20"/>
@@ -1906,61 +2686,61 @@
                   <c:v>1</c:v>
                 </c:pt>
                 <c:pt idx="1">
-                  <c:v>1.7036851045666861</c:v>
+                  <c:v>1.7292286291524526</c:v>
                 </c:pt>
                 <c:pt idx="2">
-                  <c:v>2.038167727050241</c:v>
+                  <c:v>2.1215369486952347</c:v>
                 </c:pt>
                 <c:pt idx="3">
-                  <c:v>2.4556394795261669</c:v>
+                  <c:v>2.5358246070755546</c:v>
                 </c:pt>
                 <c:pt idx="4">
-                  <c:v>2.6737941137315318</c:v>
+                  <c:v>2.7031955432216379</c:v>
                 </c:pt>
                 <c:pt idx="5">
-                  <c:v>2.8115100731945954</c:v>
+                  <c:v>2.9298548837835723</c:v>
                 </c:pt>
                 <c:pt idx="6">
-                  <c:v>3.1854840923948404</c:v>
+                  <c:v>3.2199348743123566</c:v>
                 </c:pt>
                 <c:pt idx="7">
-                  <c:v>3.1324008090599014</c:v>
+                  <c:v>3.217315750554596</c:v>
                 </c:pt>
                 <c:pt idx="8">
-                  <c:v>3.2718884878501702</c:v>
+                  <c:v>3.3763984634685769</c:v>
                 </c:pt>
                 <c:pt idx="9">
-                  <c:v>3.1959088079056563</c:v>
+                  <c:v>3.4467447418106922</c:v>
                 </c:pt>
                 <c:pt idx="10">
-                  <c:v>3.3900892881556985</c:v>
+                  <c:v>3.414198087914099</c:v>
                 </c:pt>
                 <c:pt idx="11">
-                  <c:v>3.3712181789658393</c:v>
+                  <c:v>3.4412016714780975</c:v>
                 </c:pt>
                 <c:pt idx="12">
-                  <c:v>3.4142533023589259</c:v>
+                  <c:v>3.4427900720069622</c:v>
                 </c:pt>
                 <c:pt idx="13">
-                  <c:v>3.2968577495908895</c:v>
+                  <c:v>3.4776926663558241</c:v>
                 </c:pt>
                 <c:pt idx="14">
-                  <c:v>3.4040581776707404</c:v>
+                  <c:v>3.4637113894491027</c:v>
                 </c:pt>
                 <c:pt idx="15">
-                  <c:v>3.2848434395666311</c:v>
+                  <c:v>3.5543528578819812</c:v>
                 </c:pt>
                 <c:pt idx="16">
-                  <c:v>3.4927853892509151</c:v>
+                  <c:v>3.5737186507501906</c:v>
                 </c:pt>
                 <c:pt idx="17">
-                  <c:v>3.5054489996938933</c:v>
+                  <c:v>3.527266585596541</c:v>
                 </c:pt>
                 <c:pt idx="18">
-                  <c:v>3.5011530472783208</c:v>
+                  <c:v>3.4743139290372387</c:v>
                 </c:pt>
                 <c:pt idx="19">
-                  <c:v>3.5127826965123075</c:v>
+                  <c:v>3.5766074339969025</c:v>
                 </c:pt>
               </c:numCache>
             </c:numRef>
@@ -1968,12 +2748,12 @@
           <c:smooth val="0"/>
           <c:extLst>
             <c:ext xmlns:c16="http://schemas.microsoft.com/office/drawing/2014/chart" uri="{C3380CC4-5D6E-409C-BE32-E72D297353CC}">
-              <c16:uniqueId val="{00000000-71FD-4FD1-B3EC-E36F49CC1D8D}"/>
+              <c16:uniqueId val="{00000000-EAD9-44D0-85A8-25FD0F99A641}"/>
             </c:ext>
           </c:extLst>
         </c:ser>
         <c:ser>
-          <c:idx val="1"/>
+          <c:idx val="3"/>
           <c:order val="1"/>
           <c:tx>
             <c:v>10M</c:v>
@@ -1981,7 +2761,7 @@
           <c:spPr>
             <a:ln w="28575" cap="rnd">
               <a:solidFill>
-                <a:schemeClr val="accent2"/>
+                <a:schemeClr val="accent4"/>
               </a:solidFill>
               <a:round/>
             </a:ln>
@@ -1992,7 +2772,7 @@
           </c:marker>
           <c:val>
             <c:numRef>
-              <c:f>'results (6)'!$F$62:$F$81</c:f>
+              <c:f>results_cpu_not_optimized!$F$62:$F$81</c:f>
               <c:numCache>
                 <c:formatCode>General</c:formatCode>
                 <c:ptCount val="20"/>
@@ -2000,61 +2780,61 @@
                   <c:v>1</c:v>
                 </c:pt>
                 <c:pt idx="1">
-                  <c:v>1.5875572034065015</c:v>
+                  <c:v>1.6718287179691083</c:v>
                 </c:pt>
                 <c:pt idx="2">
-                  <c:v>1.9493141315896025</c:v>
+                  <c:v>1.8801251956181537</c:v>
                 </c:pt>
                 <c:pt idx="3">
-                  <c:v>2.2222925938703137</c:v>
+                  <c:v>2.3741742419964993</c:v>
                 </c:pt>
                 <c:pt idx="4">
-                  <c:v>2.500424964913134</c:v>
+                  <c:v>2.4593654042988744</c:v>
                 </c:pt>
                 <c:pt idx="5">
-                  <c:v>2.6658130610005215</c:v>
+                  <c:v>2.6676605868358445</c:v>
                 </c:pt>
                 <c:pt idx="6">
-                  <c:v>2.9639079260892225</c:v>
+                  <c:v>2.9283053031094401</c:v>
                 </c:pt>
                 <c:pt idx="7">
-                  <c:v>2.9392410652816587</c:v>
+                  <c:v>2.9188532555879503</c:v>
                 </c:pt>
                 <c:pt idx="8">
-                  <c:v>2.6282615248261432</c:v>
+                  <c:v>2.7127512015741435</c:v>
                 </c:pt>
                 <c:pt idx="9">
-                  <c:v>2.6986594413194975</c:v>
+                  <c:v>2.7523482245131734</c:v>
                 </c:pt>
                 <c:pt idx="10">
-                  <c:v>2.8270847352736492</c:v>
+                  <c:v>2.7607510997308125</c:v>
                 </c:pt>
                 <c:pt idx="11">
-                  <c:v>2.9039360691948146</c:v>
+                  <c:v>2.8926495373714447</c:v>
                 </c:pt>
                 <c:pt idx="12">
-                  <c:v>2.9622518549815355</c:v>
+                  <c:v>3.0428395687097485</c:v>
                 </c:pt>
                 <c:pt idx="13">
-                  <c:v>3.1261490038259301</c:v>
+                  <c:v>3.1047365895078824</c:v>
                 </c:pt>
                 <c:pt idx="14">
-                  <c:v>3.1215711094978245</c:v>
+                  <c:v>3.1729107715525378</c:v>
                 </c:pt>
                 <c:pt idx="15">
-                  <c:v>3.1771452207782214</c:v>
+                  <c:v>3.1202879192638768</c:v>
                 </c:pt>
                 <c:pt idx="16">
-                  <c:v>3.0216940614704639</c:v>
+                  <c:v>3.0187013173480741</c:v>
                 </c:pt>
                 <c:pt idx="17">
-                  <c:v>3.032071024729543</c:v>
+                  <c:v>3.0430597771023309</c:v>
                 </c:pt>
                 <c:pt idx="18">
-                  <c:v>3.0728489918799964</c:v>
+                  <c:v>3.0329630698211196</c:v>
                 </c:pt>
                 <c:pt idx="19">
-                  <c:v>3.0816042669452153</c:v>
+                  <c:v>3.1125504274769611</c:v>
                 </c:pt>
               </c:numCache>
             </c:numRef>
@@ -2062,7 +2842,7 @@
           <c:smooth val="0"/>
           <c:extLst>
             <c:ext xmlns:c16="http://schemas.microsoft.com/office/drawing/2014/chart" uri="{C3380CC4-5D6E-409C-BE32-E72D297353CC}">
-              <c16:uniqueId val="{00000001-71FD-4FD1-B3EC-E36F49CC1D8D}"/>
+              <c16:uniqueId val="{00000001-EAD9-44D0-85A8-25FD0F99A641}"/>
             </c:ext>
           </c:extLst>
         </c:ser>
@@ -2086,7 +2866,7 @@
           </c:marker>
           <c:val>
             <c:numRef>
-              <c:f>'results (6)'!$F$42:$F$61</c:f>
+              <c:f>results_cpu_not_optimized!$F$42:$F$61</c:f>
               <c:numCache>
                 <c:formatCode>General</c:formatCode>
                 <c:ptCount val="20"/>
@@ -2094,61 +2874,61 @@
                   <c:v>1</c:v>
                 </c:pt>
                 <c:pt idx="1">
-                  <c:v>1.5410813129904049</c:v>
+                  <c:v>1.5460137213153544</c:v>
                 </c:pt>
                 <c:pt idx="2">
-                  <c:v>1.7365995484503982</c:v>
+                  <c:v>1.8413637644406884</c:v>
                 </c:pt>
                 <c:pt idx="3">
-                  <c:v>2.1472016178660511</c:v>
+                  <c:v>2.3051146384479715</c:v>
                 </c:pt>
                 <c:pt idx="4">
-                  <c:v>2.1979286882092706</c:v>
+                  <c:v>2.28416637539322</c:v>
                 </c:pt>
                 <c:pt idx="5">
-                  <c:v>2.5041465843239248</c:v>
+                  <c:v>2.5994431185361973</c:v>
                 </c:pt>
                 <c:pt idx="6">
-                  <c:v>2.7727857296680822</c:v>
+                  <c:v>2.7643824027072759</c:v>
                 </c:pt>
                 <c:pt idx="7">
-                  <c:v>2.7908842233165316</c:v>
+                  <c:v>2.8143841515934547</c:v>
                 </c:pt>
                 <c:pt idx="8">
-                  <c:v>2.4034896989073165</c:v>
+                  <c:v>2.5300038714672857</c:v>
                 </c:pt>
                 <c:pt idx="9">
-                  <c:v>2.5421366280686533</c:v>
+                  <c:v>2.5932539682539688</c:v>
                 </c:pt>
                 <c:pt idx="10">
-                  <c:v>2.5929053814495564</c:v>
+                  <c:v>2.6771814829987717</c:v>
                 </c:pt>
                 <c:pt idx="11">
-                  <c:v>2.5908294140069801</c:v>
+                  <c:v>2.7082469954413595</c:v>
                 </c:pt>
                 <c:pt idx="12">
-                  <c:v>2.6616466375024554</c:v>
+                  <c:v>2.7597128378378377</c:v>
                 </c:pt>
                 <c:pt idx="13">
-                  <c:v>2.7872040074942324</c:v>
+                  <c:v>2.872527472527473</c:v>
                 </c:pt>
                 <c:pt idx="14">
-                  <c:v>2.8068657733782025</c:v>
+                  <c:v>2.9252461951656232</c:v>
                 </c:pt>
                 <c:pt idx="15">
-                  <c:v>2.8692840305960696</c:v>
+                  <c:v>2.9785779398359162</c:v>
                 </c:pt>
                 <c:pt idx="16">
-                  <c:v>2.7625922652100656</c:v>
+                  <c:v>2.8674857393593687</c:v>
                 </c:pt>
                 <c:pt idx="17">
-                  <c:v>2.8320043246994242</c:v>
+                  <c:v>2.8788546255506611</c:v>
                 </c:pt>
                 <c:pt idx="18">
-                  <c:v>2.7641626816683007</c:v>
+                  <c:v>2.8700043917435223</c:v>
                 </c:pt>
                 <c:pt idx="19">
-                  <c:v>2.794407593079415</c:v>
+                  <c:v>2.8928729526339096</c:v>
                 </c:pt>
               </c:numCache>
             </c:numRef>
@@ -2156,12 +2936,12 @@
           <c:smooth val="0"/>
           <c:extLst>
             <c:ext xmlns:c16="http://schemas.microsoft.com/office/drawing/2014/chart" uri="{C3380CC4-5D6E-409C-BE32-E72D297353CC}">
-              <c16:uniqueId val="{00000002-71FD-4FD1-B3EC-E36F49CC1D8D}"/>
+              <c16:uniqueId val="{00000002-EAD9-44D0-85A8-25FD0F99A641}"/>
             </c:ext>
           </c:extLst>
         </c:ser>
         <c:ser>
-          <c:idx val="3"/>
+          <c:idx val="1"/>
           <c:order val="3"/>
           <c:tx>
             <c:v>100k</c:v>
@@ -2169,7 +2949,7 @@
           <c:spPr>
             <a:ln w="28575" cap="rnd">
               <a:solidFill>
-                <a:schemeClr val="accent4"/>
+                <a:schemeClr val="accent2"/>
               </a:solidFill>
               <a:round/>
             </a:ln>
@@ -2180,7 +2960,7 @@
           </c:marker>
           <c:val>
             <c:numRef>
-              <c:f>'results (6)'!$F$22:$F$41</c:f>
+              <c:f>results_cpu_not_optimized!$F$22:$F$41</c:f>
               <c:numCache>
                 <c:formatCode>General</c:formatCode>
                 <c:ptCount val="20"/>
@@ -2188,61 +2968,61 @@
                   <c:v>1</c:v>
                 </c:pt>
                 <c:pt idx="1">
-                  <c:v>0.98380816191838061</c:v>
+                  <c:v>1.1662198391420913</c:v>
                 </c:pt>
                 <c:pt idx="2">
-                  <c:v>1.1068292296573505</c:v>
+                  <c:v>1.5703971119133577</c:v>
                 </c:pt>
                 <c:pt idx="3">
-                  <c:v>1.2701951917833123</c:v>
+                  <c:v>1.4897260273972606</c:v>
                 </c:pt>
                 <c:pt idx="4">
-                  <c:v>1.2012711409107513</c:v>
+                  <c:v>1.553571428571429</c:v>
                 </c:pt>
                 <c:pt idx="5">
-                  <c:v>1.2796893421700259</c:v>
+                  <c:v>1.8124999999999998</c:v>
                 </c:pt>
                 <c:pt idx="6">
-                  <c:v>1.3855701661977762</c:v>
+                  <c:v>1.9594594594594592</c:v>
                 </c:pt>
                 <c:pt idx="7">
-                  <c:v>1.4312369979196669</c:v>
+                  <c:v>1.8913043478260867</c:v>
                 </c:pt>
                 <c:pt idx="8">
-                  <c:v>1.4521607544130823</c:v>
+                  <c:v>1.7611336032388669</c:v>
                 </c:pt>
                 <c:pt idx="9">
-                  <c:v>1.5401650410536176</c:v>
+                  <c:v>1.8913043478260867</c:v>
                 </c:pt>
                 <c:pt idx="10">
-                  <c:v>1.5740141073113039</c:v>
+                  <c:v>1.8432203389830508</c:v>
                 </c:pt>
                 <c:pt idx="11">
-                  <c:v>1.581517895034658</c:v>
+                  <c:v>1.858974358974359</c:v>
                 </c:pt>
                 <c:pt idx="12">
-                  <c:v>1.5656049349867311</c:v>
+                  <c:v>1.8749999999999998</c:v>
                 </c:pt>
                 <c:pt idx="13">
-                  <c:v>1.5966737599794338</c:v>
+                  <c:v>1.8749999999999998</c:v>
                 </c:pt>
                 <c:pt idx="14">
-                  <c:v>1.4650438998820592</c:v>
+                  <c:v>1.8277310924369745</c:v>
                 </c:pt>
                 <c:pt idx="15">
-                  <c:v>1.4970907849189501</c:v>
+                  <c:v>1.7682926829268288</c:v>
                 </c:pt>
                 <c:pt idx="16">
-                  <c:v>1.4660332946491208</c:v>
+                  <c:v>1.7827868852459017</c:v>
                 </c:pt>
                 <c:pt idx="17">
-                  <c:v>1.4606701202662706</c:v>
+                  <c:v>1.7469879518072287</c:v>
                 </c:pt>
                 <c:pt idx="18">
-                  <c:v>1.4043588857833744</c:v>
+                  <c:v>1.7058823529411762</c:v>
                 </c:pt>
                 <c:pt idx="19">
-                  <c:v>1.3716474860746446</c:v>
+                  <c:v>1.7125984251968505</c:v>
                 </c:pt>
               </c:numCache>
             </c:numRef>
@@ -2250,12 +3030,12 @@
           <c:smooth val="0"/>
           <c:extLst>
             <c:ext xmlns:c16="http://schemas.microsoft.com/office/drawing/2014/chart" uri="{C3380CC4-5D6E-409C-BE32-E72D297353CC}">
-              <c16:uniqueId val="{00000003-71FD-4FD1-B3EC-E36F49CC1D8D}"/>
+              <c16:uniqueId val="{00000003-EAD9-44D0-85A8-25FD0F99A641}"/>
             </c:ext>
           </c:extLst>
         </c:ser>
         <c:ser>
-          <c:idx val="4"/>
+          <c:idx val="0"/>
           <c:order val="4"/>
           <c:tx>
             <c:v>10k</c:v>
@@ -2263,7 +3043,7 @@
           <c:spPr>
             <a:ln w="28575" cap="rnd">
               <a:solidFill>
-                <a:schemeClr val="accent5"/>
+                <a:schemeClr val="accent1"/>
               </a:solidFill>
               <a:round/>
             </a:ln>
@@ -2274,7 +3054,7 @@
           </c:marker>
           <c:val>
             <c:numRef>
-              <c:f>'results (6)'!$F$2:$F$21</c:f>
+              <c:f>results_cpu_not_optimized!$F$2:$F$21</c:f>
               <c:numCache>
                 <c:formatCode>General</c:formatCode>
                 <c:ptCount val="20"/>
@@ -2282,61 +3062,61 @@
                   <c:v>1</c:v>
                 </c:pt>
                 <c:pt idx="1">
-                  <c:v>0.63361887744376721</c:v>
+                  <c:v>0.62</c:v>
                 </c:pt>
                 <c:pt idx="2">
-                  <c:v>0.52681829105765665</c:v>
+                  <c:v>0.58490566037735858</c:v>
                 </c:pt>
                 <c:pt idx="3">
-                  <c:v>0.51214901660932011</c:v>
+                  <c:v>0.54385964912280704</c:v>
                 </c:pt>
                 <c:pt idx="4">
-                  <c:v>0.42972216776860983</c:v>
+                  <c:v>0.39743589743589752</c:v>
                 </c:pt>
                 <c:pt idx="5">
-                  <c:v>0.39977120878027755</c:v>
+                  <c:v>0.42465753424657537</c:v>
                 </c:pt>
                 <c:pt idx="6">
-                  <c:v>0.36684365063668595</c:v>
+                  <c:v>0.43055555555555564</c:v>
                 </c:pt>
                 <c:pt idx="7">
-                  <c:v>0.32081797740849644</c:v>
+                  <c:v>0.39240506329113928</c:v>
                 </c:pt>
                 <c:pt idx="8">
-                  <c:v>0.27725652523858807</c:v>
+                  <c:v>0.38271604938271608</c:v>
                 </c:pt>
                 <c:pt idx="9">
-                  <c:v>0.25721905168275644</c:v>
+                  <c:v>0.34065934065934078</c:v>
                 </c:pt>
                 <c:pt idx="10">
-                  <c:v>0.22472088125104853</c:v>
+                  <c:v>0.31632653061224497</c:v>
                 </c:pt>
                 <c:pt idx="11">
-                  <c:v>0.21765778451761986</c:v>
+                  <c:v>0.29807692307692313</c:v>
                 </c:pt>
                 <c:pt idx="12">
-                  <c:v>0.20221392930521198</c:v>
+                  <c:v>0.27192982456140352</c:v>
                 </c:pt>
                 <c:pt idx="13">
-                  <c:v>0.1908564915585598</c:v>
+                  <c:v>0.25833333333333341</c:v>
                 </c:pt>
                 <c:pt idx="14">
-                  <c:v>0.17981893568786539</c:v>
+                  <c:v>0.24031007751937997</c:v>
                 </c:pt>
                 <c:pt idx="15">
-                  <c:v>0.16451524868663439</c:v>
+                  <c:v>0.22794117647058831</c:v>
                 </c:pt>
                 <c:pt idx="16">
-                  <c:v>0.16517903014775895</c:v>
+                  <c:v>0.21379310344827596</c:v>
                 </c:pt>
                 <c:pt idx="17">
-                  <c:v>0.15181640747969527</c:v>
+                  <c:v>0.18343195266272191</c:v>
                 </c:pt>
                 <c:pt idx="18">
-                  <c:v>0.14768154730917402</c:v>
+                  <c:v>0.19135802469135804</c:v>
                 </c:pt>
                 <c:pt idx="19">
-                  <c:v>0.14267118708249757</c:v>
+                  <c:v>0.18787878787878792</c:v>
                 </c:pt>
               </c:numCache>
             </c:numRef>
@@ -2344,7 +3124,7 @@
           <c:smooth val="0"/>
           <c:extLst>
             <c:ext xmlns:c16="http://schemas.microsoft.com/office/drawing/2014/chart" uri="{C3380CC4-5D6E-409C-BE32-E72D297353CC}">
-              <c16:uniqueId val="{00000004-71FD-4FD1-B3EC-E36F49CC1D8D}"/>
+              <c16:uniqueId val="{00000004-EAD9-44D0-85A8-25FD0F99A641}"/>
             </c:ext>
           </c:extLst>
         </c:ser>
@@ -2357,11 +3137,11 @@
           <c:showBubbleSize val="0"/>
         </c:dLbls>
         <c:smooth val="0"/>
-        <c:axId val="1936459583"/>
-        <c:axId val="137439984"/>
+        <c:axId val="2105753711"/>
+        <c:axId val="1032987839"/>
       </c:lineChart>
       <c:catAx>
-        <c:axId val="1936459583"/>
+        <c:axId val="2105753711"/>
         <c:scaling>
           <c:orientation val="minMax"/>
         </c:scaling>
@@ -2387,10 +3167,9 @@
                   </a:defRPr>
                 </a:pPr>
                 <a:r>
-                  <a:rPr lang="it-IT" dirty="0" err="1"/>
+                  <a:rPr lang="it-IT"/>
                   <a:t>Threads</a:t>
                 </a:r>
-                <a:endParaRPr lang="it-IT" dirty="0"/>
               </a:p>
             </c:rich>
           </c:tx>
@@ -2459,7 +3238,7 @@
             <a:endParaRPr lang="it-IT"/>
           </a:p>
         </c:txPr>
-        <c:crossAx val="137439984"/>
+        <c:crossAx val="1032987839"/>
         <c:crosses val="autoZero"/>
         <c:auto val="1"/>
         <c:lblAlgn val="ctr"/>
@@ -2467,7 +3246,7 @@
         <c:noMultiLvlLbl val="0"/>
       </c:catAx>
       <c:valAx>
-        <c:axId val="137439984"/>
+        <c:axId val="1032987839"/>
         <c:scaling>
           <c:orientation val="minMax"/>
         </c:scaling>
@@ -2487,6 +3266,61 @@
             <a:effectLst/>
           </c:spPr>
         </c:majorGridlines>
+        <c:title>
+          <c:tx>
+            <c:rich>
+              <a:bodyPr rot="-5400000" spcFirstLastPara="1" vertOverflow="ellipsis" vert="horz" wrap="square" anchor="ctr" anchorCtr="1"/>
+              <a:lstStyle/>
+              <a:p>
+                <a:pPr>
+                  <a:defRPr sz="1600" b="0" i="0" u="none" strike="noStrike" kern="1200" baseline="0">
+                    <a:solidFill>
+                      <a:schemeClr val="tx1">
+                        <a:lumMod val="65000"/>
+                        <a:lumOff val="35000"/>
+                      </a:schemeClr>
+                    </a:solidFill>
+                    <a:latin typeface="+mn-lt"/>
+                    <a:ea typeface="+mn-ea"/>
+                    <a:cs typeface="+mn-cs"/>
+                  </a:defRPr>
+                </a:pPr>
+                <a:r>
+                  <a:rPr lang="it-IT"/>
+                  <a:t>Speedup</a:t>
+                </a:r>
+              </a:p>
+            </c:rich>
+          </c:tx>
+          <c:overlay val="0"/>
+          <c:spPr>
+            <a:noFill/>
+            <a:ln>
+              <a:noFill/>
+            </a:ln>
+            <a:effectLst/>
+          </c:spPr>
+          <c:txPr>
+            <a:bodyPr rot="-5400000" spcFirstLastPara="1" vertOverflow="ellipsis" vert="horz" wrap="square" anchor="ctr" anchorCtr="1"/>
+            <a:lstStyle/>
+            <a:p>
+              <a:pPr>
+                <a:defRPr sz="1600" b="0" i="0" u="none" strike="noStrike" kern="1200" baseline="0">
+                  <a:solidFill>
+                    <a:schemeClr val="tx1">
+                      <a:lumMod val="65000"/>
+                      <a:lumOff val="35000"/>
+                    </a:schemeClr>
+                  </a:solidFill>
+                  <a:latin typeface="+mn-lt"/>
+                  <a:ea typeface="+mn-ea"/>
+                  <a:cs typeface="+mn-cs"/>
+                </a:defRPr>
+              </a:pPr>
+              <a:endParaRPr lang="it-IT"/>
+            </a:p>
+          </c:txPr>
+        </c:title>
         <c:numFmt formatCode="General" sourceLinked="1"/>
         <c:majorTickMark val="none"/>
         <c:minorTickMark val="none"/>
@@ -2518,7 +3352,7 @@
             <a:endParaRPr lang="it-IT"/>
           </a:p>
         </c:txPr>
-        <c:crossAx val="1936459583"/>
+        <c:crossAx val="2105753711"/>
         <c:crosses val="autoZero"/>
         <c:crossBetween val="between"/>
       </c:valAx>
@@ -6221,7 +7055,7 @@
             </a:pPr>
             <a:r>
               <a:rPr lang="it-IT"/>
-              <a:t>Execution Time comparison (10M)</a:t>
+              <a:t>Execution Time Comparison (10M)</a:t>
             </a:r>
           </a:p>
         </c:rich>
@@ -6262,10 +7096,261 @@
         <c:grouping val="standard"/>
         <c:varyColors val="0"/>
         <c:ser>
-          <c:idx val="1"/>
+          <c:idx val="0"/>
           <c:order val="0"/>
           <c:tx>
-            <c:v>Before</c:v>
+            <c:v>old</c:v>
+          </c:tx>
+          <c:spPr>
+            <a:ln w="28575" cap="rnd">
+              <a:solidFill>
+                <a:schemeClr val="accent1"/>
+              </a:solidFill>
+              <a:round/>
+            </a:ln>
+            <a:effectLst/>
+          </c:spPr>
+          <c:marker>
+            <c:symbol val="none"/>
+          </c:marker>
+          <c:errBars>
+            <c:errDir val="y"/>
+            <c:errBarType val="both"/>
+            <c:errValType val="cust"/>
+            <c:noEndCap val="0"/>
+            <c:plus>
+              <c:numRef>
+                <c:f>results_cpu_not_optimized!$J$62:$J$81</c:f>
+                <c:numCache>
+                  <c:formatCode>General</c:formatCode>
+                  <c:ptCount val="20"/>
+                  <c:pt idx="0">
+                    <c:v>4.7434845762909265E-3</c:v>
+                  </c:pt>
+                  <c:pt idx="1">
+                    <c:v>3.1123918710495413E-2</c:v>
+                  </c:pt>
+                  <c:pt idx="2">
+                    <c:v>3.9639712204314864E-2</c:v>
+                  </c:pt>
+                  <c:pt idx="3">
+                    <c:v>3.006403335567169E-2</c:v>
+                  </c:pt>
+                  <c:pt idx="4">
+                    <c:v>3.0503216502244794E-2</c:v>
+                  </c:pt>
+                  <c:pt idx="5">
+                    <c:v>2.1301664643022876E-2</c:v>
+                  </c:pt>
+                  <c:pt idx="6">
+                    <c:v>3.5419643250054762E-2</c:v>
+                  </c:pt>
+                  <c:pt idx="7">
+                    <c:v>2.4947967972856765E-2</c:v>
+                  </c:pt>
+                  <c:pt idx="8">
+                    <c:v>2.452490057738264E-2</c:v>
+                  </c:pt>
+                  <c:pt idx="9">
+                    <c:v>2.4222962795076321E-2</c:v>
+                  </c:pt>
+                  <c:pt idx="10">
+                    <c:v>1.757789011528732E-2</c:v>
+                  </c:pt>
+                  <c:pt idx="11">
+                    <c:v>1.301700169435616E-2</c:v>
+                  </c:pt>
+                  <c:pt idx="12">
+                    <c:v>1.2893138578285123E-2</c:v>
+                  </c:pt>
+                  <c:pt idx="13">
+                    <c:v>1.065687463022753E-2</c:v>
+                  </c:pt>
+                  <c:pt idx="14">
+                    <c:v>1.1180723425800135E-2</c:v>
+                  </c:pt>
+                  <c:pt idx="15">
+                    <c:v>1.6066263986848982E-2</c:v>
+                  </c:pt>
+                  <c:pt idx="16">
+                    <c:v>1.166912718828683E-2</c:v>
+                  </c:pt>
+                  <c:pt idx="17">
+                    <c:v>1.2171019549645768E-2</c:v>
+                  </c:pt>
+                  <c:pt idx="18">
+                    <c:v>1.0777009406737266E-2</c:v>
+                  </c:pt>
+                  <c:pt idx="19">
+                    <c:v>8.6370838208041541E-3</c:v>
+                  </c:pt>
+                </c:numCache>
+              </c:numRef>
+            </c:plus>
+            <c:minus>
+              <c:numRef>
+                <c:f>results_cpu_not_optimized!$J$62:$J$81</c:f>
+                <c:numCache>
+                  <c:formatCode>General</c:formatCode>
+                  <c:ptCount val="20"/>
+                  <c:pt idx="0">
+                    <c:v>4.7434845762909265E-3</c:v>
+                  </c:pt>
+                  <c:pt idx="1">
+                    <c:v>3.1123918710495413E-2</c:v>
+                  </c:pt>
+                  <c:pt idx="2">
+                    <c:v>3.9639712204314864E-2</c:v>
+                  </c:pt>
+                  <c:pt idx="3">
+                    <c:v>3.006403335567169E-2</c:v>
+                  </c:pt>
+                  <c:pt idx="4">
+                    <c:v>3.0503216502244794E-2</c:v>
+                  </c:pt>
+                  <c:pt idx="5">
+                    <c:v>2.1301664643022876E-2</c:v>
+                  </c:pt>
+                  <c:pt idx="6">
+                    <c:v>3.5419643250054762E-2</c:v>
+                  </c:pt>
+                  <c:pt idx="7">
+                    <c:v>2.4947967972856765E-2</c:v>
+                  </c:pt>
+                  <c:pt idx="8">
+                    <c:v>2.452490057738264E-2</c:v>
+                  </c:pt>
+                  <c:pt idx="9">
+                    <c:v>2.4222962795076321E-2</c:v>
+                  </c:pt>
+                  <c:pt idx="10">
+                    <c:v>1.757789011528732E-2</c:v>
+                  </c:pt>
+                  <c:pt idx="11">
+                    <c:v>1.301700169435616E-2</c:v>
+                  </c:pt>
+                  <c:pt idx="12">
+                    <c:v>1.2893138578285123E-2</c:v>
+                  </c:pt>
+                  <c:pt idx="13">
+                    <c:v>1.065687463022753E-2</c:v>
+                  </c:pt>
+                  <c:pt idx="14">
+                    <c:v>1.1180723425800135E-2</c:v>
+                  </c:pt>
+                  <c:pt idx="15">
+                    <c:v>1.6066263986848982E-2</c:v>
+                  </c:pt>
+                  <c:pt idx="16">
+                    <c:v>1.166912718828683E-2</c:v>
+                  </c:pt>
+                  <c:pt idx="17">
+                    <c:v>1.2171019549645768E-2</c:v>
+                  </c:pt>
+                  <c:pt idx="18">
+                    <c:v>1.0777009406737266E-2</c:v>
+                  </c:pt>
+                  <c:pt idx="19">
+                    <c:v>8.6370838208041541E-3</c:v>
+                  </c:pt>
+                </c:numCache>
+              </c:numRef>
+            </c:minus>
+            <c:spPr>
+              <a:noFill/>
+              <a:ln w="9525" cap="flat" cmpd="sng" algn="ctr">
+                <a:solidFill>
+                  <a:schemeClr val="tx1">
+                    <a:lumMod val="65000"/>
+                    <a:lumOff val="35000"/>
+                  </a:schemeClr>
+                </a:solidFill>
+                <a:round/>
+              </a:ln>
+              <a:effectLst/>
+            </c:spPr>
+          </c:errBars>
+          <c:val>
+            <c:numRef>
+              <c:f>results_cpu_not_optimized!$E$62:$E$81</c:f>
+              <c:numCache>
+                <c:formatCode>General</c:formatCode>
+                <c:ptCount val="20"/>
+                <c:pt idx="0">
+                  <c:v>2.803266666666667</c:v>
+                </c:pt>
+                <c:pt idx="1">
+                  <c:v>1.6767666666666659</c:v>
+                </c:pt>
+                <c:pt idx="2">
+                  <c:v>1.4909999999999999</c:v>
+                </c:pt>
+                <c:pt idx="3">
+                  <c:v>1.1807333333333334</c:v>
+                </c:pt>
+                <c:pt idx="4">
+                  <c:v>1.1398333333333333</c:v>
+                </c:pt>
+                <c:pt idx="5">
+                  <c:v>1.0508333333333335</c:v>
+                </c:pt>
+                <c:pt idx="6">
+                  <c:v>0.95729999999999993</c:v>
+                </c:pt>
+                <c:pt idx="7">
+                  <c:v>0.96039999999999992</c:v>
+                </c:pt>
+                <c:pt idx="8">
+                  <c:v>1.0333666666666665</c:v>
+                </c:pt>
+                <c:pt idx="9">
+                  <c:v>1.0185</c:v>
+                </c:pt>
+                <c:pt idx="10">
+                  <c:v>1.0154000000000001</c:v>
+                </c:pt>
+                <c:pt idx="11">
+                  <c:v>0.96909999999999996</c:v>
+                </c:pt>
+                <c:pt idx="12">
+                  <c:v>0.92126666666666646</c:v>
+                </c:pt>
+                <c:pt idx="13">
+                  <c:v>0.90290000000000004</c:v>
+                </c:pt>
+                <c:pt idx="14">
+                  <c:v>0.88349999999999995</c:v>
+                </c:pt>
+                <c:pt idx="15">
+                  <c:v>0.89839999999999998</c:v>
+                </c:pt>
+                <c:pt idx="16">
+                  <c:v>0.92863333333333353</c:v>
+                </c:pt>
+                <c:pt idx="17">
+                  <c:v>0.92119999999999991</c:v>
+                </c:pt>
+                <c:pt idx="18">
+                  <c:v>0.92426666666666668</c:v>
+                </c:pt>
+                <c:pt idx="19">
+                  <c:v>0.90063333333333329</c:v>
+                </c:pt>
+              </c:numCache>
+            </c:numRef>
+          </c:val>
+          <c:smooth val="0"/>
+          <c:extLst>
+            <c:ext xmlns:c16="http://schemas.microsoft.com/office/drawing/2014/chart" uri="{C3380CC4-5D6E-409C-BE32-E72D297353CC}">
+              <c16:uniqueId val="{00000000-FEB9-4307-8F64-E85B9453EDE5}"/>
+            </c:ext>
+          </c:extLst>
+        </c:ser>
+        <c:ser>
+          <c:idx val="1"/>
+          <c:order val="1"/>
+          <c:tx>
+            <c:v>new</c:v>
           </c:tx>
           <c:spPr>
             <a:ln w="28575" cap="rnd">
@@ -6279,71 +7364,228 @@
           <c:marker>
             <c:symbol val="none"/>
           </c:marker>
+          <c:errBars>
+            <c:errDir val="y"/>
+            <c:errBarType val="both"/>
+            <c:errValType val="cust"/>
+            <c:noEndCap val="0"/>
+            <c:plus>
+              <c:numRef>
+                <c:f>'results_cpu_optimized'!$J$62:$J$81</c:f>
+                <c:numCache>
+                  <c:formatCode>General</c:formatCode>
+                  <c:ptCount val="20"/>
+                  <c:pt idx="0">
+                    <c:v>1.0397404018811918E-2</c:v>
+                  </c:pt>
+                  <c:pt idx="1">
+                    <c:v>2.2722398035061892E-2</c:v>
+                  </c:pt>
+                  <c:pt idx="2">
+                    <c:v>2.4761136907119761E-2</c:v>
+                  </c:pt>
+                  <c:pt idx="3">
+                    <c:v>1.4472917115192767E-2</c:v>
+                  </c:pt>
+                  <c:pt idx="4">
+                    <c:v>1.2926457485308074E-2</c:v>
+                  </c:pt>
+                  <c:pt idx="5">
+                    <c:v>1.068300068106268E-2</c:v>
+                  </c:pt>
+                  <c:pt idx="6">
+                    <c:v>6.3083403891308247E-3</c:v>
+                  </c:pt>
+                  <c:pt idx="7">
+                    <c:v>3.9418132156237955E-3</c:v>
+                  </c:pt>
+                  <c:pt idx="8">
+                    <c:v>6.7989269221982937E-3</c:v>
+                  </c:pt>
+                  <c:pt idx="9">
+                    <c:v>4.6292434018150317E-3</c:v>
+                  </c:pt>
+                  <c:pt idx="10">
+                    <c:v>5.6893178921966587E-3</c:v>
+                  </c:pt>
+                  <c:pt idx="11">
+                    <c:v>6.4706112784359594E-3</c:v>
+                  </c:pt>
+                  <c:pt idx="12">
+                    <c:v>2.5793855971211819E-3</c:v>
+                  </c:pt>
+                  <c:pt idx="13">
+                    <c:v>2.7238417883232334E-3</c:v>
+                  </c:pt>
+                  <c:pt idx="14">
+                    <c:v>4.1169970049836488E-3</c:v>
+                  </c:pt>
+                  <c:pt idx="15">
+                    <c:v>3.2844902315677673E-3</c:v>
+                  </c:pt>
+                  <c:pt idx="16">
+                    <c:v>8.2033349960509844E-3</c:v>
+                  </c:pt>
+                  <c:pt idx="17">
+                    <c:v>7.9818962742182909E-3</c:v>
+                  </c:pt>
+                  <c:pt idx="18">
+                    <c:v>6.6298657489064841E-3</c:v>
+                  </c:pt>
+                  <c:pt idx="19">
+                    <c:v>5.1459164526171481E-3</c:v>
+                  </c:pt>
+                </c:numCache>
+              </c:numRef>
+            </c:plus>
+            <c:minus>
+              <c:numRef>
+                <c:f>'results_cpu_optimized'!$J$62:$J$81</c:f>
+                <c:numCache>
+                  <c:formatCode>General</c:formatCode>
+                  <c:ptCount val="20"/>
+                  <c:pt idx="0">
+                    <c:v>1.0397404018811918E-2</c:v>
+                  </c:pt>
+                  <c:pt idx="1">
+                    <c:v>2.2722398035061892E-2</c:v>
+                  </c:pt>
+                  <c:pt idx="2">
+                    <c:v>2.4761136907119761E-2</c:v>
+                  </c:pt>
+                  <c:pt idx="3">
+                    <c:v>1.4472917115192767E-2</c:v>
+                  </c:pt>
+                  <c:pt idx="4">
+                    <c:v>1.2926457485308074E-2</c:v>
+                  </c:pt>
+                  <c:pt idx="5">
+                    <c:v>1.068300068106268E-2</c:v>
+                  </c:pt>
+                  <c:pt idx="6">
+                    <c:v>6.3083403891308247E-3</c:v>
+                  </c:pt>
+                  <c:pt idx="7">
+                    <c:v>3.9418132156237955E-3</c:v>
+                  </c:pt>
+                  <c:pt idx="8">
+                    <c:v>6.7989269221982937E-3</c:v>
+                  </c:pt>
+                  <c:pt idx="9">
+                    <c:v>4.6292434018150317E-3</c:v>
+                  </c:pt>
+                  <c:pt idx="10">
+                    <c:v>5.6893178921966587E-3</c:v>
+                  </c:pt>
+                  <c:pt idx="11">
+                    <c:v>6.4706112784359594E-3</c:v>
+                  </c:pt>
+                  <c:pt idx="12">
+                    <c:v>2.5793855971211819E-3</c:v>
+                  </c:pt>
+                  <c:pt idx="13">
+                    <c:v>2.7238417883232334E-3</c:v>
+                  </c:pt>
+                  <c:pt idx="14">
+                    <c:v>4.1169970049836488E-3</c:v>
+                  </c:pt>
+                  <c:pt idx="15">
+                    <c:v>3.2844902315677673E-3</c:v>
+                  </c:pt>
+                  <c:pt idx="16">
+                    <c:v>8.2033349960509844E-3</c:v>
+                  </c:pt>
+                  <c:pt idx="17">
+                    <c:v>7.9818962742182909E-3</c:v>
+                  </c:pt>
+                  <c:pt idx="18">
+                    <c:v>6.6298657489064841E-3</c:v>
+                  </c:pt>
+                  <c:pt idx="19">
+                    <c:v>5.1459164526171481E-3</c:v>
+                  </c:pt>
+                </c:numCache>
+              </c:numRef>
+            </c:minus>
+            <c:spPr>
+              <a:noFill/>
+              <a:ln w="9525" cap="flat" cmpd="sng" algn="ctr">
+                <a:solidFill>
+                  <a:schemeClr val="tx1">
+                    <a:lumMod val="65000"/>
+                    <a:lumOff val="35000"/>
+                  </a:schemeClr>
+                </a:solidFill>
+                <a:round/>
+              </a:ln>
+              <a:effectLst/>
+            </c:spPr>
+          </c:errBars>
           <c:val>
             <c:numRef>
-              <c:f>'results (7)'!$H$2:$H$21</c:f>
+              <c:f>'results_cpu_optimized'!$E$62:$E$81</c:f>
               <c:numCache>
                 <c:formatCode>General</c:formatCode>
                 <c:ptCount val="20"/>
                 <c:pt idx="0">
-                  <c:v>2.7707976666666676</c:v>
+                  <c:v>2.722466666666667</c:v>
                 </c:pt>
                 <c:pt idx="1">
-                  <c:v>1.7453214666666668</c:v>
+                  <c:v>1.5325333333333331</c:v>
                 </c:pt>
                 <c:pt idx="2">
-                  <c:v>1.4214218333333335</c:v>
+                  <c:v>1.1842666666666664</c:v>
                 </c:pt>
                 <c:pt idx="3">
-                  <c:v>1.246819466666667</c:v>
+                  <c:v>0.99403333333333355</c:v>
                 </c:pt>
                 <c:pt idx="4">
-                  <c:v>1.1081307</c:v>
+                  <c:v>0.94389999999999985</c:v>
                 </c:pt>
                 <c:pt idx="5">
-                  <c:v>1.0393818333333331</c:v>
+                  <c:v>0.8533666666666665</c:v>
                 </c:pt>
                 <c:pt idx="6">
-                  <c:v>0.93484606666666659</c:v>
+                  <c:v>0.78533333333333322</c:v>
                 </c:pt>
                 <c:pt idx="7">
-                  <c:v>0.94269153333333333</c:v>
+                  <c:v>0.73763333333333336</c:v>
                 </c:pt>
                 <c:pt idx="8">
-                  <c:v>1.0542320999999999</c:v>
+                  <c:v>0.87363333333333315</c:v>
                 </c:pt>
                 <c:pt idx="9">
-                  <c:v>1.0267311333333333</c:v>
+                  <c:v>0.84723333333333328</c:v>
                 </c:pt>
                 <c:pt idx="10">
-                  <c:v>0.98009006666666665</c:v>
+                  <c:v>0.83533333333333315</c:v>
                 </c:pt>
                 <c:pt idx="11">
-                  <c:v>0.95415243333333311</c:v>
+                  <c:v>0.81030000000000002</c:v>
                 </c:pt>
                 <c:pt idx="12">
-                  <c:v>0.93536870000000005</c:v>
+                  <c:v>0.78980000000000006</c:v>
                 </c:pt>
                 <c:pt idx="13">
-                  <c:v>0.88632936666666651</c:v>
+                  <c:v>0.75630000000000008</c:v>
                 </c:pt>
                 <c:pt idx="14">
-                  <c:v>0.88762920000000001</c:v>
+                  <c:v>0.73490000000000011</c:v>
                 </c:pt>
                 <c:pt idx="15">
-                  <c:v>0.87210293333333333</c:v>
+                  <c:v>0.73140000000000005</c:v>
                 </c:pt>
                 <c:pt idx="16">
-                  <c:v>0.91696829999999996</c:v>
+                  <c:v>0.81966666666666654</c:v>
                 </c:pt>
                 <c:pt idx="17">
-                  <c:v>0.91383006666666688</c:v>
+                  <c:v>0.80203333333333349</c:v>
                 </c:pt>
                 <c:pt idx="18">
-                  <c:v>0.90170316666666683</c:v>
+                  <c:v>0.78720000000000001</c:v>
                 </c:pt>
                 <c:pt idx="19">
-                  <c:v>0.89914130000000014</c:v>
+                  <c:v>0.77640000000000009</c:v>
                 </c:pt>
               </c:numCache>
             </c:numRef>
@@ -6351,101 +7593,7 @@
           <c:smooth val="0"/>
           <c:extLst>
             <c:ext xmlns:c16="http://schemas.microsoft.com/office/drawing/2014/chart" uri="{C3380CC4-5D6E-409C-BE32-E72D297353CC}">
-              <c16:uniqueId val="{00000000-F538-4E89-9FAA-A5EE810DC207}"/>
-            </c:ext>
-          </c:extLst>
-        </c:ser>
-        <c:ser>
-          <c:idx val="0"/>
-          <c:order val="1"/>
-          <c:tx>
-            <c:v>After</c:v>
-          </c:tx>
-          <c:spPr>
-            <a:ln w="28575" cap="rnd">
-              <a:solidFill>
-                <a:schemeClr val="accent1"/>
-              </a:solidFill>
-              <a:round/>
-            </a:ln>
-            <a:effectLst/>
-          </c:spPr>
-          <c:marker>
-            <c:symbol val="none"/>
-          </c:marker>
-          <c:val>
-            <c:numRef>
-              <c:f>'results (7)'!$E$2:$E$21</c:f>
-              <c:numCache>
-                <c:formatCode>General</c:formatCode>
-                <c:ptCount val="20"/>
-                <c:pt idx="0">
-                  <c:v>2.6883646333333338</c:v>
-                </c:pt>
-                <c:pt idx="1">
-                  <c:v>1.5442653666666668</c:v>
-                </c:pt>
-                <c:pt idx="2">
-                  <c:v>1.1650598666666669</c:v>
-                </c:pt>
-                <c:pt idx="3">
-                  <c:v>0.9719439666666666</c:v>
-                </c:pt>
-                <c:pt idx="4">
-                  <c:v>0.96092220000000006</c:v>
-                </c:pt>
-                <c:pt idx="5">
-                  <c:v>0.855055866666667</c:v>
-                </c:pt>
-                <c:pt idx="6">
-                  <c:v>0.78674293333333323</c:v>
-                </c:pt>
-                <c:pt idx="7">
-                  <c:v>0.73636933333333332</c:v>
-                </c:pt>
-                <c:pt idx="8">
-                  <c:v>0.88759543333333324</c:v>
-                </c:pt>
-                <c:pt idx="9">
-                  <c:v>0.85614153333333343</c:v>
-                </c:pt>
-                <c:pt idx="10">
-                  <c:v>0.85209049999999997</c:v>
-                </c:pt>
-                <c:pt idx="11">
-                  <c:v>0.82371619999999979</c:v>
-                </c:pt>
-                <c:pt idx="12">
-                  <c:v>0.79540916666666639</c:v>
-                </c:pt>
-                <c:pt idx="13">
-                  <c:v>0.76924343333333356</c:v>
-                </c:pt>
-                <c:pt idx="14">
-                  <c:v>0.74151103333333324</c:v>
-                </c:pt>
-                <c:pt idx="15">
-                  <c:v>0.74142143333333321</c:v>
-                </c:pt>
-                <c:pt idx="16">
-                  <c:v>0.81655673333333323</c:v>
-                </c:pt>
-                <c:pt idx="17">
-                  <c:v>0.793767</c:v>
-                </c:pt>
-                <c:pt idx="18">
-                  <c:v>0.80026676666666674</c:v>
-                </c:pt>
-                <c:pt idx="19">
-                  <c:v>0.79028900000000002</c:v>
-                </c:pt>
-              </c:numCache>
-            </c:numRef>
-          </c:val>
-          <c:smooth val="0"/>
-          <c:extLst>
-            <c:ext xmlns:c16="http://schemas.microsoft.com/office/drawing/2014/chart" uri="{C3380CC4-5D6E-409C-BE32-E72D297353CC}">
-              <c16:uniqueId val="{00000001-F538-4E89-9FAA-A5EE810DC207}"/>
+              <c16:uniqueId val="{00000001-FEB9-4307-8F64-E85B9453EDE5}"/>
             </c:ext>
           </c:extLst>
         </c:ser>
@@ -6458,11 +7606,11 @@
           <c:showBubbleSize val="0"/>
         </c:dLbls>
         <c:smooth val="0"/>
-        <c:axId val="124496320"/>
-        <c:axId val="1099682639"/>
+        <c:axId val="522459407"/>
+        <c:axId val="1312727791"/>
       </c:lineChart>
       <c:catAx>
-        <c:axId val="124496320"/>
+        <c:axId val="522459407"/>
         <c:scaling>
           <c:orientation val="minMax"/>
         </c:scaling>
@@ -6559,7 +7707,7 @@
             <a:endParaRPr lang="it-IT"/>
           </a:p>
         </c:txPr>
-        <c:crossAx val="1099682639"/>
+        <c:crossAx val="1312727791"/>
         <c:crosses val="autoZero"/>
         <c:auto val="1"/>
         <c:lblAlgn val="ctr"/>
@@ -6567,7 +7715,7 @@
         <c:noMultiLvlLbl val="0"/>
       </c:catAx>
       <c:valAx>
-        <c:axId val="1099682639"/>
+        <c:axId val="1312727791"/>
         <c:scaling>
           <c:orientation val="minMax"/>
         </c:scaling>
@@ -6608,7 +7756,7 @@
                 </a:pPr>
                 <a:r>
                   <a:rPr lang="it-IT"/>
-                  <a:t>Execution Time (seconds)</a:t>
+                  <a:t>Seconds</a:t>
                 </a:r>
               </a:p>
             </c:rich>
@@ -6673,7 +7821,7 @@
             <a:endParaRPr lang="it-IT"/>
           </a:p>
         </c:txPr>
-        <c:crossAx val="124496320"/>
+        <c:crossAx val="522459407"/>
         <c:crosses val="autoZero"/>
         <c:crossBetween val="between"/>
       </c:valAx>
@@ -6785,7 +7933,7 @@
             </a:pPr>
             <a:r>
               <a:rPr lang="it-IT"/>
-              <a:t>Speedup comparison (10M)</a:t>
+              <a:t>Speedup Comparison (10M)</a:t>
             </a:r>
           </a:p>
         </c:rich>
@@ -6826,10 +7974,104 @@
         <c:grouping val="standard"/>
         <c:varyColors val="0"/>
         <c:ser>
-          <c:idx val="0"/>
+          <c:idx val="1"/>
           <c:order val="0"/>
           <c:tx>
-            <c:v>After</c:v>
+            <c:v>new</c:v>
+          </c:tx>
+          <c:spPr>
+            <a:ln w="28575" cap="rnd">
+              <a:solidFill>
+                <a:schemeClr val="accent2"/>
+              </a:solidFill>
+              <a:round/>
+            </a:ln>
+            <a:effectLst/>
+          </c:spPr>
+          <c:marker>
+            <c:symbol val="none"/>
+          </c:marker>
+          <c:val>
+            <c:numRef>
+              <c:f>'results_cpu_optimized'!$F$62:$F$81</c:f>
+              <c:numCache>
+                <c:formatCode>General</c:formatCode>
+                <c:ptCount val="20"/>
+                <c:pt idx="0">
+                  <c:v>1</c:v>
+                </c:pt>
+                <c:pt idx="1">
+                  <c:v>1.7764485818688016</c:v>
+                </c:pt>
+                <c:pt idx="2">
+                  <c:v>2.2988628687232615</c:v>
+                </c:pt>
+                <c:pt idx="3">
+                  <c:v>2.7388082223936152</c:v>
+                </c:pt>
+                <c:pt idx="4">
+                  <c:v>2.8842744641028366</c:v>
+                </c:pt>
+                <c:pt idx="5">
+                  <c:v>3.1902660052341716</c:v>
+                </c:pt>
+                <c:pt idx="6">
+                  <c:v>3.4666383701188463</c:v>
+                </c:pt>
+                <c:pt idx="7">
+                  <c:v>3.6908129603687474</c:v>
+                </c:pt>
+                <c:pt idx="8">
+                  <c:v>3.1162577740470843</c:v>
+                </c:pt>
+                <c:pt idx="9">
+                  <c:v>3.2133611362473942</c:v>
+                </c:pt>
+                <c:pt idx="10">
+                  <c:v>3.2591380686352767</c:v>
+                </c:pt>
+                <c:pt idx="11">
+                  <c:v>3.3598255790036617</c:v>
+                </c:pt>
+                <c:pt idx="12">
+                  <c:v>3.4470330041360686</c:v>
+                </c:pt>
+                <c:pt idx="13">
+                  <c:v>3.5997179249856761</c:v>
+                </c:pt>
+                <c:pt idx="14">
+                  <c:v>3.7045403002676101</c:v>
+                </c:pt>
+                <c:pt idx="15">
+                  <c:v>3.7222677969191507</c:v>
+                </c:pt>
+                <c:pt idx="16">
+                  <c:v>3.3214314762098422</c:v>
+                </c:pt>
+                <c:pt idx="17">
+                  <c:v>3.3944557582810355</c:v>
+                </c:pt>
+                <c:pt idx="18">
+                  <c:v>3.4584180216802172</c:v>
+                </c:pt>
+                <c:pt idx="19">
+                  <c:v>3.5065258457839601</c:v>
+                </c:pt>
+              </c:numCache>
+            </c:numRef>
+          </c:val>
+          <c:smooth val="0"/>
+          <c:extLst>
+            <c:ext xmlns:c16="http://schemas.microsoft.com/office/drawing/2014/chart" uri="{C3380CC4-5D6E-409C-BE32-E72D297353CC}">
+              <c16:uniqueId val="{00000000-DE40-4DED-BB02-E0F3761E084E}"/>
+            </c:ext>
+          </c:extLst>
+        </c:ser>
+        <c:ser>
+          <c:idx val="0"/>
+          <c:order val="1"/>
+          <c:tx>
+            <c:v>old</c:v>
           </c:tx>
           <c:spPr>
             <a:ln w="28575" cap="rnd">
@@ -6845,7 +8087,7 @@
           </c:marker>
           <c:val>
             <c:numRef>
-              <c:f>'results (7)'!$F$2:$F$21</c:f>
+              <c:f>results_cpu_not_optimized!$F$62:$F$81</c:f>
               <c:numCache>
                 <c:formatCode>General</c:formatCode>
                 <c:ptCount val="20"/>
@@ -6853,61 +8095,61 @@
                   <c:v>1</c:v>
                 </c:pt>
                 <c:pt idx="1">
-                  <c:v>1.7408696014055098</c:v>
+                  <c:v>1.6718287179691083</c:v>
                 </c:pt>
                 <c:pt idx="2">
-                  <c:v>2.30749055070017</c:v>
+                  <c:v>1.8801251956181537</c:v>
                 </c:pt>
                 <c:pt idx="3">
-                  <c:v>2.7659666868998869</c:v>
+                  <c:v>2.3741742419964993</c:v>
                 </c:pt>
                 <c:pt idx="4">
-                  <c:v>2.7976922932297055</c:v>
+                  <c:v>2.4593654042988744</c:v>
                 </c:pt>
                 <c:pt idx="5">
-                  <c:v>3.1440806830711563</c:v>
+                  <c:v>2.6676605868358445</c:v>
                 </c:pt>
                 <c:pt idx="6">
-                  <c:v>3.4170813863469518</c:v>
+                  <c:v>2.9283053031094401</c:v>
                 </c:pt>
                 <c:pt idx="7">
-                  <c:v>3.6508373062792772</c:v>
+                  <c:v>2.9188532555879503</c:v>
                 </c:pt>
                 <c:pt idx="8">
-                  <c:v>3.0288175585100472</c:v>
+                  <c:v>2.7127512015741435</c:v>
                 </c:pt>
                 <c:pt idx="9">
-                  <c:v>3.1400936979033762</c:v>
+                  <c:v>2.7523482245131734</c:v>
                 </c:pt>
                 <c:pt idx="10">
-                  <c:v>3.1550224223052994</c:v>
+                  <c:v>2.7607510997308125</c:v>
                 </c:pt>
                 <c:pt idx="11">
-                  <c:v>3.2637025146929663</c:v>
+                  <c:v>2.8926495373714447</c:v>
                 </c:pt>
                 <c:pt idx="12">
-                  <c:v>3.3798512086546668</c:v>
+                  <c:v>3.0428395687097485</c:v>
                 </c:pt>
                 <c:pt idx="13">
-                  <c:v>3.4948164870045684</c:v>
+                  <c:v>3.1047365895078824</c:v>
                 </c:pt>
                 <c:pt idx="14">
-                  <c:v>3.6255220927034091</c:v>
+                  <c:v>3.1729107715525378</c:v>
                 </c:pt>
                 <c:pt idx="15">
-                  <c:v>3.6259602332330751</c:v>
+                  <c:v>3.1202879192638768</c:v>
                 </c:pt>
                 <c:pt idx="16">
-                  <c:v>3.2923182475747153</c:v>
+                  <c:v>3.0187013173480741</c:v>
                 </c:pt>
                 <c:pt idx="17">
-                  <c:v>3.3868435363694052</c:v>
+                  <c:v>3.0430597771023309</c:v>
                 </c:pt>
                 <c:pt idx="18">
-                  <c:v>3.3593355932186451</c:v>
+                  <c:v>3.0329630698211196</c:v>
                 </c:pt>
                 <c:pt idx="19">
-                  <c:v>3.4017487695429565</c:v>
+                  <c:v>3.1125504274769611</c:v>
                 </c:pt>
               </c:numCache>
             </c:numRef>
@@ -6915,101 +8157,7 @@
           <c:smooth val="0"/>
           <c:extLst>
             <c:ext xmlns:c16="http://schemas.microsoft.com/office/drawing/2014/chart" uri="{C3380CC4-5D6E-409C-BE32-E72D297353CC}">
-              <c16:uniqueId val="{00000000-7872-40C3-8F18-EB9E8C6CDE71}"/>
-            </c:ext>
-          </c:extLst>
-        </c:ser>
-        <c:ser>
-          <c:idx val="1"/>
-          <c:order val="1"/>
-          <c:tx>
-            <c:v>Before</c:v>
-          </c:tx>
-          <c:spPr>
-            <a:ln w="28575" cap="rnd">
-              <a:solidFill>
-                <a:schemeClr val="accent2"/>
-              </a:solidFill>
-              <a:round/>
-            </a:ln>
-            <a:effectLst/>
-          </c:spPr>
-          <c:marker>
-            <c:symbol val="none"/>
-          </c:marker>
-          <c:val>
-            <c:numRef>
-              <c:f>'results (7)'!$I$2:$I$21</c:f>
-              <c:numCache>
-                <c:formatCode>General</c:formatCode>
-                <c:ptCount val="20"/>
-                <c:pt idx="0">
-                  <c:v>1</c:v>
-                </c:pt>
-                <c:pt idx="1">
-                  <c:v>1.5875572034065017</c:v>
-                </c:pt>
-                <c:pt idx="2">
-                  <c:v>1.9493141315896025</c:v>
-                </c:pt>
-                <c:pt idx="3">
-                  <c:v>2.2222925938703129</c:v>
-                </c:pt>
-                <c:pt idx="4">
-                  <c:v>2.5004249649131349</c:v>
-                </c:pt>
-                <c:pt idx="5">
-                  <c:v>2.6658130610005224</c:v>
-                </c:pt>
-                <c:pt idx="6">
-                  <c:v>2.9639079260892234</c:v>
-                </c:pt>
-                <c:pt idx="7">
-                  <c:v>2.9392410652816596</c:v>
-                </c:pt>
-                <c:pt idx="8">
-                  <c:v>2.6282615248261441</c:v>
-                </c:pt>
-                <c:pt idx="9">
-                  <c:v>2.6986594413194971</c:v>
-                </c:pt>
-                <c:pt idx="10">
-                  <c:v>2.8270847352736506</c:v>
-                </c:pt>
-                <c:pt idx="11">
-                  <c:v>2.9039360691948155</c:v>
-                </c:pt>
-                <c:pt idx="12">
-                  <c:v>2.9622518549815355</c:v>
-                </c:pt>
-                <c:pt idx="13">
-                  <c:v>3.1261490038259305</c:v>
-                </c:pt>
-                <c:pt idx="14">
-                  <c:v>3.1215711094978258</c:v>
-                </c:pt>
-                <c:pt idx="15">
-                  <c:v>3.1771452207782214</c:v>
-                </c:pt>
-                <c:pt idx="16">
-                  <c:v>3.0216940614704648</c:v>
-                </c:pt>
-                <c:pt idx="17">
-                  <c:v>3.0320710247295435</c:v>
-                </c:pt>
-                <c:pt idx="18">
-                  <c:v>3.0728489918799964</c:v>
-                </c:pt>
-                <c:pt idx="19">
-                  <c:v>3.0816042669452144</c:v>
-                </c:pt>
-              </c:numCache>
-            </c:numRef>
-          </c:val>
-          <c:smooth val="0"/>
-          <c:extLst>
-            <c:ext xmlns:c16="http://schemas.microsoft.com/office/drawing/2014/chart" uri="{C3380CC4-5D6E-409C-BE32-E72D297353CC}">
-              <c16:uniqueId val="{00000001-7872-40C3-8F18-EB9E8C6CDE71}"/>
+              <c16:uniqueId val="{00000001-DE40-4DED-BB02-E0F3761E084E}"/>
             </c:ext>
           </c:extLst>
         </c:ser>
@@ -7022,11 +8170,11 @@
           <c:showBubbleSize val="0"/>
         </c:dLbls>
         <c:smooth val="0"/>
-        <c:axId val="1105132239"/>
-        <c:axId val="1532045679"/>
+        <c:axId val="522459407"/>
+        <c:axId val="1312727791"/>
       </c:lineChart>
       <c:catAx>
-        <c:axId val="1105132239"/>
+        <c:axId val="522459407"/>
         <c:scaling>
           <c:orientation val="minMax"/>
         </c:scaling>
@@ -7123,7 +8271,7 @@
             <a:endParaRPr lang="it-IT"/>
           </a:p>
         </c:txPr>
-        <c:crossAx val="1532045679"/>
+        <c:crossAx val="1312727791"/>
         <c:crosses val="autoZero"/>
         <c:auto val="1"/>
         <c:lblAlgn val="ctr"/>
@@ -7131,7 +8279,7 @@
         <c:noMultiLvlLbl val="0"/>
       </c:catAx>
       <c:valAx>
-        <c:axId val="1532045679"/>
+        <c:axId val="1312727791"/>
         <c:scaling>
           <c:orientation val="minMax"/>
         </c:scaling>
@@ -7237,7 +8385,7 @@
             <a:endParaRPr lang="it-IT"/>
           </a:p>
         </c:txPr>
-        <c:crossAx val="1105132239"/>
+        <c:crossAx val="522459407"/>
         <c:crosses val="autoZero"/>
         <c:crossBetween val="between"/>
       </c:valAx>
@@ -13840,7 +14988,7 @@
             <a:pPr algn="r" rtl="0"/>
             <a:fld id="{221A1788-7372-4FAC-9AF0-00B54B8D9CBA}" type="datetime1">
               <a:rPr lang="it-IT" smtClean="0"/>
-              <a:t>07/07/2023</a:t>
+              <a:t>12/07/2023</a:t>
             </a:fld>
             <a:endParaRPr lang="it-IT" dirty="0"/>
           </a:p>
@@ -14010,7 +15158,7 @@
             <a:fld id="{D943A304-85CD-4257-B418-D8F889FE0DBC}" type="datetime1">
               <a:rPr lang="it-IT" smtClean="0"/>
               <a:pPr/>
-              <a:t>07/07/2023</a:t>
+              <a:t>12/07/2023</a:t>
             </a:fld>
             <a:endParaRPr lang="it-IT" dirty="0"/>
           </a:p>
@@ -15301,7 +16449,7 @@
             <a:fld id="{3889EF9B-A500-41B6-8F1C-893813E9A898}" type="datetime1">
               <a:rPr lang="it-IT" smtClean="0"/>
               <a:pPr/>
-              <a:t>07/07/2023</a:t>
+              <a:t>12/07/2023</a:t>
             </a:fld>
             <a:endParaRPr lang="it-IT" dirty="0"/>
           </a:p>
@@ -15507,7 +16655,7 @@
             <a:fld id="{6E724BBD-5BEA-4971-A6C4-42E94AF7CB5F}" type="datetime1">
               <a:rPr lang="it-IT" smtClean="0"/>
               <a:pPr/>
-              <a:t>07/07/2023</a:t>
+              <a:t>12/07/2023</a:t>
             </a:fld>
             <a:endParaRPr lang="it-IT" dirty="0"/>
           </a:p>
@@ -15723,7 +16871,7 @@
             <a:fld id="{EF1B2188-7D8C-43C8-B29F-60D01DE77B72}" type="datetime1">
               <a:rPr lang="it-IT" smtClean="0"/>
               <a:pPr/>
-              <a:t>07/07/2023</a:t>
+              <a:t>12/07/2023</a:t>
             </a:fld>
             <a:endParaRPr lang="it-IT" dirty="0"/>
           </a:p>
@@ -15929,7 +17077,7 @@
             <a:fld id="{581DC961-63CE-49AB-921E-1CE3DDEFC80A}" type="datetime1">
               <a:rPr lang="it-IT" smtClean="0"/>
               <a:pPr/>
-              <a:t>07/07/2023</a:t>
+              <a:t>12/07/2023</a:t>
             </a:fld>
             <a:endParaRPr lang="it-IT" dirty="0"/>
           </a:p>
@@ -16373,7 +17521,7 @@
             <a:fld id="{C6066F5F-3C86-4285-A86F-35EFBBDD7800}" type="datetime1">
               <a:rPr lang="it-IT" smtClean="0"/>
               <a:pPr/>
-              <a:t>07/07/2023</a:t>
+              <a:t>12/07/2023</a:t>
             </a:fld>
             <a:endParaRPr lang="it-IT" dirty="0"/>
           </a:p>
@@ -16685,7 +17833,7 @@
             <a:fld id="{0B9BE34E-14EC-4041-A597-EE22FC16794F}" type="datetime1">
               <a:rPr lang="it-IT" smtClean="0"/>
               <a:pPr/>
-              <a:t>07/07/2023</a:t>
+              <a:t>12/07/2023</a:t>
             </a:fld>
             <a:endParaRPr lang="it-IT" dirty="0"/>
           </a:p>
@@ -17149,7 +18297,7 @@
             <a:fld id="{D6FAD192-1BF7-4994-9CBA-74265F19F4C1}" type="datetime1">
               <a:rPr lang="it-IT" smtClean="0"/>
               <a:pPr/>
-              <a:t>07/07/2023</a:t>
+              <a:t>12/07/2023</a:t>
             </a:fld>
             <a:endParaRPr lang="it-IT" dirty="0"/>
           </a:p>
@@ -17287,7 +18435,7 @@
             <a:fld id="{C476DD40-7EBA-46D0-A855-62759524AC7A}" type="datetime1">
               <a:rPr lang="it-IT" smtClean="0"/>
               <a:pPr/>
-              <a:t>07/07/2023</a:t>
+              <a:t>12/07/2023</a:t>
             </a:fld>
             <a:endParaRPr lang="it-IT" dirty="0"/>
           </a:p>
@@ -17401,7 +18549,7 @@
             <a:fld id="{C62E4D95-88E1-4556-89BE-EC650C1D14A8}" type="datetime1">
               <a:rPr lang="it-IT" smtClean="0"/>
               <a:pPr/>
-              <a:t>07/07/2023</a:t>
+              <a:t>12/07/2023</a:t>
             </a:fld>
             <a:endParaRPr lang="it-IT" dirty="0"/>
           </a:p>
@@ -17708,7 +18856,7 @@
             <a:fld id="{1F9867D3-FC26-40B1-8BB9-B19FF8D6CD45}" type="datetime1">
               <a:rPr lang="it-IT" smtClean="0"/>
               <a:pPr/>
-              <a:t>07/07/2023</a:t>
+              <a:t>12/07/2023</a:t>
             </a:fld>
             <a:endParaRPr lang="it-IT" dirty="0"/>
           </a:p>
@@ -18005,7 +19153,7 @@
             <a:fld id="{5B0EE21F-92EE-4289-AFFB-9252D957F459}" type="datetime1">
               <a:rPr lang="it-IT" smtClean="0"/>
               <a:pPr/>
-              <a:t>07/07/2023</a:t>
+              <a:t>12/07/2023</a:t>
             </a:fld>
             <a:endParaRPr lang="it-IT" dirty="0"/>
           </a:p>
@@ -18629,7 +19777,7 @@
             <a:fld id="{8A756645-DD8C-4009-9A84-A4AD56EB55A9}" type="datetime1">
               <a:rPr lang="it-IT" smtClean="0"/>
               <a:pPr/>
-              <a:t>07/07/2023</a:t>
+              <a:t>12/07/2023</a:t>
             </a:fld>
             <a:endParaRPr lang="it-IT" dirty="0"/>
           </a:p>
@@ -20648,10 +21796,10 @@
       </p:sp>
       <p:graphicFrame>
         <p:nvGraphicFramePr>
-          <p:cNvPr id="4" name="Content Placeholder 3">
+          <p:cNvPr id="6" name="Content Placeholder 5">
             <a:extLst>
               <a:ext uri="{FF2B5EF4-FFF2-40B4-BE49-F238E27FC236}">
-                <a16:creationId xmlns:a16="http://schemas.microsoft.com/office/drawing/2014/main" id="{41177DC2-0CC0-A0D2-8E95-1D2FDEF6F107}"/>
+                <a16:creationId xmlns:a16="http://schemas.microsoft.com/office/drawing/2014/main" id="{A1627675-3A0C-315C-EC88-78B99DEEBC1E}"/>
               </a:ext>
             </a:extLst>
           </p:cNvPr>
@@ -20662,14 +21810,14 @@
             <p:ph idx="1"/>
             <p:extLst>
               <p:ext uri="{D42A27DB-BD31-4B8C-83A1-F6EECF244321}">
-                <p14:modId xmlns:p14="http://schemas.microsoft.com/office/powerpoint/2010/main" val="2465293469"/>
+                <p14:modId xmlns:p14="http://schemas.microsoft.com/office/powerpoint/2010/main" val="3191462146"/>
               </p:ext>
             </p:extLst>
           </p:nvPr>
         </p:nvGraphicFramePr>
         <p:xfrm>
-          <a:off x="1219200" y="1052736"/>
-          <a:ext cx="10360025" cy="5400600"/>
+          <a:off x="837828" y="764704"/>
+          <a:ext cx="11017224" cy="5818659"/>
         </p:xfrm>
         <a:graphic>
           <a:graphicData uri="http://schemas.openxmlformats.org/drawingml/2006/chart">
@@ -20760,10 +21908,10 @@
       </p:sp>
       <p:graphicFrame>
         <p:nvGraphicFramePr>
-          <p:cNvPr id="6" name="Content Placeholder 5">
+          <p:cNvPr id="5" name="Content Placeholder 4">
             <a:extLst>
               <a:ext uri="{FF2B5EF4-FFF2-40B4-BE49-F238E27FC236}">
-                <a16:creationId xmlns:a16="http://schemas.microsoft.com/office/drawing/2014/main" id="{CFDCA325-E579-6805-1F3C-888D60A62F16}"/>
+                <a16:creationId xmlns:a16="http://schemas.microsoft.com/office/drawing/2014/main" id="{4738FFB6-62EC-4BF6-943E-217DC176632D}"/>
               </a:ext>
             </a:extLst>
           </p:cNvPr>
@@ -20774,14 +21922,14 @@
             <p:ph idx="1"/>
             <p:extLst>
               <p:ext uri="{D42A27DB-BD31-4B8C-83A1-F6EECF244321}">
-                <p14:modId xmlns:p14="http://schemas.microsoft.com/office/powerpoint/2010/main" val="3227366197"/>
+                <p14:modId xmlns:p14="http://schemas.microsoft.com/office/powerpoint/2010/main" val="2184026397"/>
               </p:ext>
             </p:extLst>
           </p:nvPr>
         </p:nvGraphicFramePr>
         <p:xfrm>
-          <a:off x="1219359" y="1052736"/>
-          <a:ext cx="10360025" cy="5400600"/>
+          <a:off x="837828" y="764704"/>
+          <a:ext cx="10945216" cy="5818659"/>
         </p:xfrm>
         <a:graphic>
           <a:graphicData uri="http://schemas.openxmlformats.org/drawingml/2006/chart">
@@ -21344,6 +22492,122 @@
           </a:prstGeom>
         </p:spPr>
       </p:pic>
+      <p:sp>
+        <p:nvSpPr>
+          <p:cNvPr id="5" name="TextBox 4">
+            <a:extLst>
+              <a:ext uri="{FF2B5EF4-FFF2-40B4-BE49-F238E27FC236}">
+                <a16:creationId xmlns:a16="http://schemas.microsoft.com/office/drawing/2014/main" id="{021EDB51-E440-9376-ABD2-8C5B277BD3FC}"/>
+              </a:ext>
+            </a:extLst>
+          </p:cNvPr>
+          <p:cNvSpPr txBox="1"/>
+          <p:nvPr/>
+        </p:nvSpPr>
+        <p:spPr>
+          <a:xfrm>
+            <a:off x="3358108" y="6490076"/>
+            <a:ext cx="806631" cy="338554"/>
+          </a:xfrm>
+          <a:prstGeom prst="rect">
+            <a:avLst/>
+          </a:prstGeom>
+          <a:noFill/>
+        </p:spPr>
+        <p:txBody>
+          <a:bodyPr wrap="none" rtlCol="0">
+            <a:spAutoFit/>
+          </a:bodyPr>
+          <a:lstStyle/>
+          <a:p>
+            <a:r>
+              <a:rPr lang="it-IT" sz="1600" dirty="0" err="1"/>
+              <a:t>Normal</a:t>
+            </a:r>
+            <a:endParaRPr lang="it-IT" sz="1600" dirty="0"/>
+          </a:p>
+        </p:txBody>
+      </p:sp>
+      <p:sp>
+        <p:nvSpPr>
+          <p:cNvPr id="6" name="TextBox 5">
+            <a:extLst>
+              <a:ext uri="{FF2B5EF4-FFF2-40B4-BE49-F238E27FC236}">
+                <a16:creationId xmlns:a16="http://schemas.microsoft.com/office/drawing/2014/main" id="{35F581BC-FBD8-C97D-BF4D-865564DCD5A0}"/>
+              </a:ext>
+            </a:extLst>
+          </p:cNvPr>
+          <p:cNvSpPr txBox="1"/>
+          <p:nvPr/>
+        </p:nvSpPr>
+        <p:spPr>
+          <a:xfrm>
+            <a:off x="7750596" y="6490076"/>
+            <a:ext cx="1451231" cy="338554"/>
+          </a:xfrm>
+          <a:prstGeom prst="rect">
+            <a:avLst/>
+          </a:prstGeom>
+          <a:noFill/>
+        </p:spPr>
+        <p:txBody>
+          <a:bodyPr wrap="none" rtlCol="0">
+            <a:spAutoFit/>
+          </a:bodyPr>
+          <a:lstStyle/>
+          <a:p>
+            <a:r>
+              <a:rPr lang="it-IT" sz="1600" dirty="0"/>
+              <a:t>1° </a:t>
+            </a:r>
+            <a:r>
+              <a:rPr lang="it-IT" sz="1600" dirty="0" err="1"/>
+              <a:t>optimization</a:t>
+            </a:r>
+            <a:endParaRPr lang="it-IT" sz="1600" dirty="0"/>
+          </a:p>
+        </p:txBody>
+      </p:sp>
+      <p:sp>
+        <p:nvSpPr>
+          <p:cNvPr id="14" name="TextBox 13">
+            <a:extLst>
+              <a:ext uri="{FF2B5EF4-FFF2-40B4-BE49-F238E27FC236}">
+                <a16:creationId xmlns:a16="http://schemas.microsoft.com/office/drawing/2014/main" id="{188F36F9-A72E-981A-5A0C-2CB29E1664CB}"/>
+              </a:ext>
+            </a:extLst>
+          </p:cNvPr>
+          <p:cNvSpPr txBox="1"/>
+          <p:nvPr/>
+        </p:nvSpPr>
+        <p:spPr>
+          <a:xfrm>
+            <a:off x="14015292" y="6525344"/>
+            <a:ext cx="1497718" cy="338554"/>
+          </a:xfrm>
+          <a:prstGeom prst="rect">
+            <a:avLst/>
+          </a:prstGeom>
+          <a:noFill/>
+        </p:spPr>
+        <p:txBody>
+          <a:bodyPr wrap="none" rtlCol="0">
+            <a:spAutoFit/>
+          </a:bodyPr>
+          <a:lstStyle/>
+          <a:p>
+            <a:r>
+              <a:rPr lang="it-IT" sz="1600" dirty="0"/>
+              <a:t>2° </a:t>
+            </a:r>
+            <a:r>
+              <a:rPr lang="it-IT" sz="1600" dirty="0" err="1"/>
+              <a:t>optimization</a:t>
+            </a:r>
+            <a:endParaRPr lang="it-IT" sz="1600" dirty="0"/>
+          </a:p>
+        </p:txBody>
+      </p:sp>
     </p:spTree>
     <p:extLst>
       <p:ext uri="{BB962C8B-B14F-4D97-AF65-F5344CB8AC3E}">
@@ -21574,7 +22838,7 @@
         </p:blipFill>
         <p:spPr>
           <a:xfrm>
-            <a:off x="2538270" y="2836232"/>
+            <a:off x="4286353" y="2852936"/>
             <a:ext cx="3528392" cy="3672408"/>
           </a:xfrm>
           <a:prstGeom prst="rect">
@@ -21609,7 +22873,7 @@
         </p:blipFill>
         <p:spPr>
           <a:xfrm>
-            <a:off x="-3770684" y="2858164"/>
+            <a:off x="261764" y="2871796"/>
             <a:ext cx="3456384" cy="3672408"/>
           </a:xfrm>
           <a:prstGeom prst="rect">
@@ -21644,7 +22908,7 @@
         </p:blipFill>
         <p:spPr>
           <a:xfrm>
-            <a:off x="6902585" y="2836232"/>
+            <a:off x="8470676" y="2840322"/>
             <a:ext cx="3456384" cy="3672408"/>
           </a:xfrm>
           <a:prstGeom prst="rect">
@@ -21652,6 +22916,122 @@
           </a:prstGeom>
         </p:spPr>
       </p:pic>
+      <p:sp>
+        <p:nvSpPr>
+          <p:cNvPr id="5" name="TextBox 4">
+            <a:extLst>
+              <a:ext uri="{FF2B5EF4-FFF2-40B4-BE49-F238E27FC236}">
+                <a16:creationId xmlns:a16="http://schemas.microsoft.com/office/drawing/2014/main" id="{6A5EA192-6325-8C3B-461D-34ED53DD7BAD}"/>
+              </a:ext>
+            </a:extLst>
+          </p:cNvPr>
+          <p:cNvSpPr txBox="1"/>
+          <p:nvPr/>
+        </p:nvSpPr>
+        <p:spPr>
+          <a:xfrm>
+            <a:off x="1485900" y="6512730"/>
+            <a:ext cx="806631" cy="338554"/>
+          </a:xfrm>
+          <a:prstGeom prst="rect">
+            <a:avLst/>
+          </a:prstGeom>
+          <a:noFill/>
+        </p:spPr>
+        <p:txBody>
+          <a:bodyPr wrap="none" rtlCol="0">
+            <a:spAutoFit/>
+          </a:bodyPr>
+          <a:lstStyle/>
+          <a:p>
+            <a:r>
+              <a:rPr lang="it-IT" sz="1600" dirty="0" err="1"/>
+              <a:t>Normal</a:t>
+            </a:r>
+            <a:endParaRPr lang="it-IT" sz="1600" dirty="0"/>
+          </a:p>
+        </p:txBody>
+      </p:sp>
+      <p:sp>
+        <p:nvSpPr>
+          <p:cNvPr id="6" name="TextBox 5">
+            <a:extLst>
+              <a:ext uri="{FF2B5EF4-FFF2-40B4-BE49-F238E27FC236}">
+                <a16:creationId xmlns:a16="http://schemas.microsoft.com/office/drawing/2014/main" id="{C3F8F9B8-6E9B-DF46-AC26-965C6158F5CD}"/>
+              </a:ext>
+            </a:extLst>
+          </p:cNvPr>
+          <p:cNvSpPr txBox="1"/>
+          <p:nvPr/>
+        </p:nvSpPr>
+        <p:spPr>
+          <a:xfrm>
+            <a:off x="5387919" y="6519649"/>
+            <a:ext cx="1451231" cy="338554"/>
+          </a:xfrm>
+          <a:prstGeom prst="rect">
+            <a:avLst/>
+          </a:prstGeom>
+          <a:noFill/>
+        </p:spPr>
+        <p:txBody>
+          <a:bodyPr wrap="none" rtlCol="0">
+            <a:spAutoFit/>
+          </a:bodyPr>
+          <a:lstStyle/>
+          <a:p>
+            <a:r>
+              <a:rPr lang="it-IT" sz="1600" dirty="0"/>
+              <a:t>1° </a:t>
+            </a:r>
+            <a:r>
+              <a:rPr lang="it-IT" sz="1600" dirty="0" err="1"/>
+              <a:t>optimization</a:t>
+            </a:r>
+            <a:endParaRPr lang="it-IT" sz="1600" dirty="0"/>
+          </a:p>
+        </p:txBody>
+      </p:sp>
+      <p:sp>
+        <p:nvSpPr>
+          <p:cNvPr id="7" name="TextBox 6">
+            <a:extLst>
+              <a:ext uri="{FF2B5EF4-FFF2-40B4-BE49-F238E27FC236}">
+                <a16:creationId xmlns:a16="http://schemas.microsoft.com/office/drawing/2014/main" id="{1B3A4997-A8FF-BACF-01D0-502C02375E0E}"/>
+              </a:ext>
+            </a:extLst>
+          </p:cNvPr>
+          <p:cNvSpPr txBox="1"/>
+          <p:nvPr/>
+        </p:nvSpPr>
+        <p:spPr>
+          <a:xfrm>
+            <a:off x="9550796" y="6504192"/>
+            <a:ext cx="1497718" cy="338554"/>
+          </a:xfrm>
+          <a:prstGeom prst="rect">
+            <a:avLst/>
+          </a:prstGeom>
+          <a:noFill/>
+        </p:spPr>
+        <p:txBody>
+          <a:bodyPr wrap="none" rtlCol="0">
+            <a:spAutoFit/>
+          </a:bodyPr>
+          <a:lstStyle/>
+          <a:p>
+            <a:r>
+              <a:rPr lang="it-IT" sz="1600" dirty="0"/>
+              <a:t>2° </a:t>
+            </a:r>
+            <a:r>
+              <a:rPr lang="it-IT" sz="1600" dirty="0" err="1"/>
+              <a:t>optimization</a:t>
+            </a:r>
+            <a:endParaRPr lang="it-IT" sz="1600" dirty="0"/>
+          </a:p>
+        </p:txBody>
+      </p:sp>
     </p:spTree>
     <p:extLst>
       <p:ext uri="{BB962C8B-B14F-4D97-AF65-F5344CB8AC3E}">
@@ -21749,7 +23129,7 @@
           <p:nvPr>
             <p:extLst>
               <p:ext uri="{D42A27DB-BD31-4B8C-83A1-F6EECF244321}">
-                <p14:modId xmlns:p14="http://schemas.microsoft.com/office/powerpoint/2010/main" val="1763146713"/>
+                <p14:modId xmlns:p14="http://schemas.microsoft.com/office/powerpoint/2010/main" val="2416671987"/>
               </p:ext>
             </p:extLst>
           </p:nvPr>
@@ -21818,7 +23198,7 @@
                       </a:r>
                       <a:r>
                         <a:rPr lang="it-IT" sz="2800" dirty="0"/>
-                        <a:t> GTX 1050 Mobile</a:t>
+                        <a:t> GTX 1050</a:t>
                       </a:r>
                     </a:p>
                   </a:txBody>
@@ -23007,13 +24387,13 @@
   <p:clrMapOvr>
     <a:masterClrMapping/>
   </p:clrMapOvr>
-  <mc:AlternateContent xmlns:mc="http://schemas.openxmlformats.org/markup-compatibility/2006">
-    <mc:Choice xmlns:p14="http://schemas.microsoft.com/office/powerpoint/2010/main" Requires="p14">
+  <mc:AlternateContent xmlns:mc="http://schemas.openxmlformats.org/markup-compatibility/2006" xmlns:p14="http://schemas.microsoft.com/office/powerpoint/2010/main">
+    <mc:Choice Requires="p14">
       <p:transition spd="med" p14:dur="700">
         <p:fade/>
       </p:transition>
     </mc:Choice>
-    <mc:Fallback>
+    <mc:Fallback xmlns="">
       <p:transition spd="med">
         <p:fade/>
       </p:transition>
@@ -24353,13 +25733,13 @@
   <p:clrMapOvr>
     <a:masterClrMapping/>
   </p:clrMapOvr>
-  <mc:AlternateContent xmlns:mc="http://schemas.openxmlformats.org/markup-compatibility/2006">
-    <mc:Choice xmlns:p14="http://schemas.microsoft.com/office/powerpoint/2010/main" Requires="p14">
+  <mc:AlternateContent xmlns:mc="http://schemas.openxmlformats.org/markup-compatibility/2006" xmlns:p14="http://schemas.microsoft.com/office/powerpoint/2010/main">
+    <mc:Choice Requires="p14">
       <p:transition spd="med" p14:dur="700">
         <p:fade/>
       </p:transition>
     </mc:Choice>
-    <mc:Fallback>
+    <mc:Fallback xmlns="">
       <p:transition spd="med">
         <p:fade/>
       </p:transition>
@@ -25241,13 +26621,13 @@
   <p:clrMapOvr>
     <a:masterClrMapping/>
   </p:clrMapOvr>
-  <mc:AlternateContent xmlns:mc="http://schemas.openxmlformats.org/markup-compatibility/2006">
-    <mc:Choice xmlns:p14="http://schemas.microsoft.com/office/powerpoint/2010/main" Requires="p14">
+  <mc:AlternateContent xmlns:mc="http://schemas.openxmlformats.org/markup-compatibility/2006" xmlns:p14="http://schemas.microsoft.com/office/powerpoint/2010/main">
+    <mc:Choice Requires="p14">
       <p:transition spd="med" p14:dur="700">
         <p:fade/>
       </p:transition>
     </mc:Choice>
-    <mc:Fallback>
+    <mc:Fallback xmlns="">
       <p:transition spd="med">
         <p:fade/>
       </p:transition>
@@ -25347,13 +26727,13 @@
   <p:clrMapOvr>
     <a:masterClrMapping/>
   </p:clrMapOvr>
-  <mc:AlternateContent xmlns:mc="http://schemas.openxmlformats.org/markup-compatibility/2006">
-    <mc:Choice xmlns:p14="http://schemas.microsoft.com/office/powerpoint/2010/main" Requires="p14">
+  <mc:AlternateContent xmlns:mc="http://schemas.openxmlformats.org/markup-compatibility/2006" xmlns:p14="http://schemas.microsoft.com/office/powerpoint/2010/main">
+    <mc:Choice Requires="p14">
       <p:transition spd="med" p14:dur="700">
         <p:fade/>
       </p:transition>
     </mc:Choice>
-    <mc:Fallback>
+    <mc:Fallback xmlns="">
       <p:transition spd="med">
         <p:fade/>
       </p:transition>
@@ -26032,10 +27412,10 @@
       </p:sp>
       <p:graphicFrame>
         <p:nvGraphicFramePr>
-          <p:cNvPr id="5" name="Content Placeholder 4">
+          <p:cNvPr id="6" name="Content Placeholder 5">
             <a:extLst>
               <a:ext uri="{FF2B5EF4-FFF2-40B4-BE49-F238E27FC236}">
-                <a16:creationId xmlns:a16="http://schemas.microsoft.com/office/drawing/2014/main" id="{ECE1DFF8-0EE2-404C-B41E-93D1B1547E74}"/>
+                <a16:creationId xmlns:a16="http://schemas.microsoft.com/office/drawing/2014/main" id="{C724BF6E-1D3A-347A-FB7B-A39365BE4E05}"/>
               </a:ext>
             </a:extLst>
           </p:cNvPr>
@@ -26046,14 +27426,14 @@
             <p:ph idx="1"/>
             <p:extLst>
               <p:ext uri="{D42A27DB-BD31-4B8C-83A1-F6EECF244321}">
-                <p14:modId xmlns:p14="http://schemas.microsoft.com/office/powerpoint/2010/main" val="2584902888"/>
+                <p14:modId xmlns:p14="http://schemas.microsoft.com/office/powerpoint/2010/main" val="1314011409"/>
               </p:ext>
             </p:extLst>
           </p:nvPr>
         </p:nvGraphicFramePr>
         <p:xfrm>
-          <a:off x="765820" y="620688"/>
-          <a:ext cx="10873208" cy="5832648"/>
+          <a:off x="1053852" y="764704"/>
+          <a:ext cx="10801200" cy="5688632"/>
         </p:xfrm>
         <a:graphic>
           <a:graphicData uri="http://schemas.openxmlformats.org/drawingml/2006/chart">
@@ -26202,10 +27582,10 @@
       </p:sp>
       <p:graphicFrame>
         <p:nvGraphicFramePr>
-          <p:cNvPr id="6" name="Content Placeholder 5">
+          <p:cNvPr id="8" name="Content Placeholder 7">
             <a:extLst>
               <a:ext uri="{FF2B5EF4-FFF2-40B4-BE49-F238E27FC236}">
-                <a16:creationId xmlns:a16="http://schemas.microsoft.com/office/drawing/2014/main" id="{52C39547-0FCD-4EE4-BE0B-2FC9ACE4B81A}"/>
+                <a16:creationId xmlns:a16="http://schemas.microsoft.com/office/drawing/2014/main" id="{AFA5512B-3FC1-4F6B-9E3F-76AA64E4E457}"/>
               </a:ext>
             </a:extLst>
           </p:cNvPr>
@@ -26216,14 +27596,14 @@
             <p:ph sz="half" idx="1"/>
             <p:extLst>
               <p:ext uri="{D42A27DB-BD31-4B8C-83A1-F6EECF244321}">
-                <p14:modId xmlns:p14="http://schemas.microsoft.com/office/powerpoint/2010/main" val="4276061333"/>
+                <p14:modId xmlns:p14="http://schemas.microsoft.com/office/powerpoint/2010/main" val="3185457950"/>
               </p:ext>
             </p:extLst>
           </p:nvPr>
         </p:nvGraphicFramePr>
         <p:xfrm>
-          <a:off x="909836" y="620688"/>
-          <a:ext cx="6768752" cy="5976664"/>
+          <a:off x="765820" y="692695"/>
+          <a:ext cx="6912768" cy="5976665"/>
         </p:xfrm>
         <a:graphic>
           <a:graphicData uri="http://schemas.openxmlformats.org/drawingml/2006/chart">
@@ -26306,7 +27686,7 @@
             </a:r>
             <a:r>
               <a:rPr lang="it-IT" dirty="0"/>
-              <a:t> (da ricontrollare) (sparisce)</a:t>
+              <a:t> (da ricontrollare) (sparisce) (per davvero)</a:t>
             </a:r>
           </a:p>
         </p:txBody>
@@ -26488,7 +27868,7 @@
           <a:p>
             <a:r>
               <a:rPr lang="en-US" dirty="0"/>
-              <a:t>Because the dataset is small, the total time spent by working threads in both cases is negligeable</a:t>
+              <a:t>Because the dataset is small, the total time spent by working threads in both cases is negligible</a:t>
             </a:r>
           </a:p>
           <a:p>
@@ -27772,15 +29152,6 @@
 </file>
 
 <file path=customXml/item2.xml><?xml version="1.0" encoding="utf-8"?>
-<?mso-contentType ?>
-<FormTemplates xmlns="http://schemas.microsoft.com/sharepoint/v3/contenttype/forms">
-  <Display>DocumentLibraryForm</Display>
-  <Edit>AssetEditForm</Edit>
-  <New>DocumentLibraryForm</New>
-</FormTemplates>
-</file>
-
-<file path=customXml/item3.xml><?xml version="1.0" encoding="utf-8"?>
 <ct:contentTypeSchema xmlns:ct="http://schemas.microsoft.com/office/2006/metadata/contentType" xmlns:ma="http://schemas.microsoft.com/office/2006/metadata/properties/metaAttributes" ct:_="" ma:_="" ma:contentTypeName="TemplateFile" ma:contentTypeID="0x0101006EDDDB5EE6D98C44930B742096920B300400F5B6D36B3EF94B4E9A635CDF2A18F5B8" ma:contentTypeVersion="72" ma:contentTypeDescription="Create a new document." ma:contentTypeScope="" ma:versionID="a23e56308344d904b51738559c3d67c9">
   <xsd:schema xmlns:xsd="http://www.w3.org/2001/XMLSchema" xmlns:xs="http://www.w3.org/2001/XMLSchema" xmlns:p="http://schemas.microsoft.com/office/2006/metadata/properties" xmlns:ns2="4873beb7-5857-4685-be1f-d57550cc96cc" targetNamespace="http://schemas.microsoft.com/office/2006/metadata/properties" ma:root="true" ma:fieldsID="cd0908cc4600e77bf5da051303e00c8d" ns2:_="">
     <xsd:import namespace="4873beb7-5857-4685-be1f-d57550cc96cc"/>
@@ -28820,6 +30191,15 @@
 </ct:contentTypeSchema>
 </file>
 
+<file path=customXml/item3.xml><?xml version="1.0" encoding="utf-8"?>
+<?mso-contentType ?>
+<FormTemplates xmlns="http://schemas.microsoft.com/sharepoint/v3/contenttype/forms">
+  <Display>DocumentLibraryForm</Display>
+  <Edit>AssetEditForm</Edit>
+  <New>DocumentLibraryForm</New>
+</FormTemplates>
+</file>
+
 <file path=customXml/itemProps1.xml><?xml version="1.0" encoding="utf-8"?>
 <ds:datastoreItem xmlns:ds="http://schemas.openxmlformats.org/officeDocument/2006/customXml" ds:itemID="{60C67BEE-D13F-4BD2-98A5-34D8A0977F68}">
   <ds:schemaRefs>
@@ -28837,14 +30217,6 @@
 </file>
 
 <file path=customXml/itemProps2.xml><?xml version="1.0" encoding="utf-8"?>
-<ds:datastoreItem xmlns:ds="http://schemas.openxmlformats.org/officeDocument/2006/customXml" ds:itemID="{3836F65B-1B07-41EE-A0E8-BC6EF3855225}">
-  <ds:schemaRefs>
-    <ds:schemaRef ds:uri="http://schemas.microsoft.com/sharepoint/v3/contenttype/forms"/>
-  </ds:schemaRefs>
-</ds:datastoreItem>
-</file>
-
-<file path=customXml/itemProps3.xml><?xml version="1.0" encoding="utf-8"?>
 <ds:datastoreItem xmlns:ds="http://schemas.openxmlformats.org/officeDocument/2006/customXml" ds:itemID="{A09BF4D4-EF60-4196-BFC3-9462D607978C}">
   <ds:schemaRefs>
     <ds:schemaRef ds:uri="http://schemas.microsoft.com/office/2006/metadata/contentType"/>
@@ -28860,4 +30232,12 @@
     <ds:schemaRef ds:uri="http://schemas.microsoft.com/internal/obd"/>
   </ds:schemaRefs>
 </ds:datastoreItem>
+</file>
+
+<file path=customXml/itemProps3.xml><?xml version="1.0" encoding="utf-8"?>
+<ds:datastoreItem xmlns:ds="http://schemas.openxmlformats.org/officeDocument/2006/customXml" ds:itemID="{3836F65B-1B07-41EE-A0E8-BC6EF3855225}">
+  <ds:schemaRefs>
+    <ds:schemaRef ds:uri="http://schemas.microsoft.com/sharepoint/v3/contenttype/forms"/>
+  </ds:schemaRefs>
+</ds:datastoreItem>
 </file>